--- a/assets/images/Images.pptx
+++ b/assets/images/Images.pptx
@@ -4,8 +4,12 @@
   <p:sldMasterIdLst>
     <p:sldMasterId id="2147483648" r:id="rId1"/>
   </p:sldMasterIdLst>
+  <p:notesMasterIdLst>
+    <p:notesMasterId r:id="rId4"/>
+  </p:notesMasterIdLst>
   <p:sldIdLst>
-    <p:sldId id="256" r:id="rId2"/>
+    <p:sldId id="257" r:id="rId2"/>
+    <p:sldId id="256" r:id="rId3"/>
   </p:sldIdLst>
   <p:sldSz cx="12192000" cy="6858000"/>
   <p:notesSz cx="6858000" cy="9144000"/>
@@ -104,7 +108,445 @@
       </a:defRPr>
     </a:lvl9pPr>
   </p:defaultTextStyle>
+  <p:extLst>
+    <p:ext uri="{EFAFB233-063F-42B5-8137-9DF3F51BA10A}">
+      <p15:sldGuideLst xmlns:p15="http://schemas.microsoft.com/office/powerpoint/2012/main"/>
+    </p:ext>
+  </p:extLst>
 </p:presentation>
+</file>
+
+<file path=ppt/notesMasters/notesMaster1.xml><?xml version="1.0" encoding="utf-8"?>
+<p:notesMaster xmlns:a="http://schemas.openxmlformats.org/drawingml/2006/main" xmlns:r="http://schemas.openxmlformats.org/officeDocument/2006/relationships" xmlns:p="http://schemas.openxmlformats.org/presentationml/2006/main">
+  <p:cSld>
+    <p:bg>
+      <p:bgRef idx="1001">
+        <a:schemeClr val="bg1"/>
+      </p:bgRef>
+    </p:bg>
+    <p:spTree>
+      <p:nvGrpSpPr>
+        <p:cNvPr id="1" name=""/>
+        <p:cNvGrpSpPr/>
+        <p:nvPr/>
+      </p:nvGrpSpPr>
+      <p:grpSpPr>
+        <a:xfrm>
+          <a:off x="0" y="0"/>
+          <a:ext cx="0" cy="0"/>
+          <a:chOff x="0" y="0"/>
+          <a:chExt cx="0" cy="0"/>
+        </a:xfrm>
+      </p:grpSpPr>
+      <p:sp>
+        <p:nvSpPr>
+          <p:cNvPr id="2" name="Header Placeholder 1"/>
+          <p:cNvSpPr>
+            <a:spLocks noGrp="1"/>
+          </p:cNvSpPr>
+          <p:nvPr>
+            <p:ph type="hdr" sz="quarter"/>
+          </p:nvPr>
+        </p:nvSpPr>
+        <p:spPr>
+          <a:xfrm>
+            <a:off x="0" y="0"/>
+            <a:ext cx="2971800" cy="458788"/>
+          </a:xfrm>
+          <a:prstGeom prst="rect">
+            <a:avLst/>
+          </a:prstGeom>
+        </p:spPr>
+        <p:txBody>
+          <a:bodyPr vert="horz" lIns="91440" tIns="45720" rIns="91440" bIns="45720" rtlCol="0"/>
+          <a:lstStyle>
+            <a:lvl1pPr algn="l">
+              <a:defRPr sz="1200"/>
+            </a:lvl1pPr>
+          </a:lstStyle>
+          <a:p>
+            <a:endParaRPr lang="en-GB"/>
+          </a:p>
+        </p:txBody>
+      </p:sp>
+      <p:sp>
+        <p:nvSpPr>
+          <p:cNvPr id="3" name="Date Placeholder 2"/>
+          <p:cNvSpPr>
+            <a:spLocks noGrp="1"/>
+          </p:cNvSpPr>
+          <p:nvPr>
+            <p:ph type="dt" idx="1"/>
+          </p:nvPr>
+        </p:nvSpPr>
+        <p:spPr>
+          <a:xfrm>
+            <a:off x="3884613" y="0"/>
+            <a:ext cx="2971800" cy="458788"/>
+          </a:xfrm>
+          <a:prstGeom prst="rect">
+            <a:avLst/>
+          </a:prstGeom>
+        </p:spPr>
+        <p:txBody>
+          <a:bodyPr vert="horz" lIns="91440" tIns="45720" rIns="91440" bIns="45720" rtlCol="0"/>
+          <a:lstStyle>
+            <a:lvl1pPr algn="r">
+              <a:defRPr sz="1200"/>
+            </a:lvl1pPr>
+          </a:lstStyle>
+          <a:p>
+            <a:fld id="{F0373C07-0034-D84F-B0CB-1249B408AEAD}" type="datetimeFigureOut">
+              <a:rPr lang="en-GB" smtClean="0"/>
+              <a:t>05/05/2020</a:t>
+            </a:fld>
+            <a:endParaRPr lang="en-GB"/>
+          </a:p>
+        </p:txBody>
+      </p:sp>
+      <p:sp>
+        <p:nvSpPr>
+          <p:cNvPr id="4" name="Slide Image Placeholder 3"/>
+          <p:cNvSpPr>
+            <a:spLocks noGrp="1" noRot="1" noChangeAspect="1"/>
+          </p:cNvSpPr>
+          <p:nvPr>
+            <p:ph type="sldImg" idx="2"/>
+          </p:nvPr>
+        </p:nvSpPr>
+        <p:spPr>
+          <a:xfrm>
+            <a:off x="685800" y="1143000"/>
+            <a:ext cx="5486400" cy="3086100"/>
+          </a:xfrm>
+          <a:prstGeom prst="rect">
+            <a:avLst/>
+          </a:prstGeom>
+          <a:noFill/>
+          <a:ln w="12700">
+            <a:solidFill>
+              <a:prstClr val="black"/>
+            </a:solidFill>
+          </a:ln>
+        </p:spPr>
+        <p:txBody>
+          <a:bodyPr vert="horz" lIns="91440" tIns="45720" rIns="91440" bIns="45720" rtlCol="0" anchor="ctr"/>
+          <a:lstStyle/>
+          <a:p>
+            <a:endParaRPr lang="en-GB"/>
+          </a:p>
+        </p:txBody>
+      </p:sp>
+      <p:sp>
+        <p:nvSpPr>
+          <p:cNvPr id="5" name="Notes Placeholder 4"/>
+          <p:cNvSpPr>
+            <a:spLocks noGrp="1"/>
+          </p:cNvSpPr>
+          <p:nvPr>
+            <p:ph type="body" sz="quarter" idx="3"/>
+          </p:nvPr>
+        </p:nvSpPr>
+        <p:spPr>
+          <a:xfrm>
+            <a:off x="685800" y="4400550"/>
+            <a:ext cx="5486400" cy="3600450"/>
+          </a:xfrm>
+          <a:prstGeom prst="rect">
+            <a:avLst/>
+          </a:prstGeom>
+        </p:spPr>
+        <p:txBody>
+          <a:bodyPr vert="horz" lIns="91440" tIns="45720" rIns="91440" bIns="45720" rtlCol="0"/>
+          <a:lstStyle/>
+          <a:p>
+            <a:pPr lvl="0"/>
+            <a:r>
+              <a:rPr lang="en-GB"/>
+              <a:t>Click to edit Master text styles</a:t>
+            </a:r>
+          </a:p>
+          <a:p>
+            <a:pPr lvl="1"/>
+            <a:r>
+              <a:rPr lang="en-GB"/>
+              <a:t>Second level</a:t>
+            </a:r>
+          </a:p>
+          <a:p>
+            <a:pPr lvl="2"/>
+            <a:r>
+              <a:rPr lang="en-GB"/>
+              <a:t>Third level</a:t>
+            </a:r>
+          </a:p>
+          <a:p>
+            <a:pPr lvl="3"/>
+            <a:r>
+              <a:rPr lang="en-GB"/>
+              <a:t>Fourth level</a:t>
+            </a:r>
+          </a:p>
+          <a:p>
+            <a:pPr lvl="4"/>
+            <a:r>
+              <a:rPr lang="en-GB"/>
+              <a:t>Fifth level</a:t>
+            </a:r>
+          </a:p>
+        </p:txBody>
+      </p:sp>
+      <p:sp>
+        <p:nvSpPr>
+          <p:cNvPr id="6" name="Footer Placeholder 5"/>
+          <p:cNvSpPr>
+            <a:spLocks noGrp="1"/>
+          </p:cNvSpPr>
+          <p:nvPr>
+            <p:ph type="ftr" sz="quarter" idx="4"/>
+          </p:nvPr>
+        </p:nvSpPr>
+        <p:spPr>
+          <a:xfrm>
+            <a:off x="0" y="8685213"/>
+            <a:ext cx="2971800" cy="458787"/>
+          </a:xfrm>
+          <a:prstGeom prst="rect">
+            <a:avLst/>
+          </a:prstGeom>
+        </p:spPr>
+        <p:txBody>
+          <a:bodyPr vert="horz" lIns="91440" tIns="45720" rIns="91440" bIns="45720" rtlCol="0" anchor="b"/>
+          <a:lstStyle>
+            <a:lvl1pPr algn="l">
+              <a:defRPr sz="1200"/>
+            </a:lvl1pPr>
+          </a:lstStyle>
+          <a:p>
+            <a:endParaRPr lang="en-GB"/>
+          </a:p>
+        </p:txBody>
+      </p:sp>
+      <p:sp>
+        <p:nvSpPr>
+          <p:cNvPr id="7" name="Slide Number Placeholder 6"/>
+          <p:cNvSpPr>
+            <a:spLocks noGrp="1"/>
+          </p:cNvSpPr>
+          <p:nvPr>
+            <p:ph type="sldNum" sz="quarter" idx="5"/>
+          </p:nvPr>
+        </p:nvSpPr>
+        <p:spPr>
+          <a:xfrm>
+            <a:off x="3884613" y="8685213"/>
+            <a:ext cx="2971800" cy="458787"/>
+          </a:xfrm>
+          <a:prstGeom prst="rect">
+            <a:avLst/>
+          </a:prstGeom>
+        </p:spPr>
+        <p:txBody>
+          <a:bodyPr vert="horz" lIns="91440" tIns="45720" rIns="91440" bIns="45720" rtlCol="0" anchor="b"/>
+          <a:lstStyle>
+            <a:lvl1pPr algn="r">
+              <a:defRPr sz="1200"/>
+            </a:lvl1pPr>
+          </a:lstStyle>
+          <a:p>
+            <a:fld id="{11A96E62-EC5F-C045-9FEB-EDD3A98888BE}" type="slidenum">
+              <a:rPr lang="en-GB" smtClean="0"/>
+              <a:t>‹#›</a:t>
+            </a:fld>
+            <a:endParaRPr lang="en-GB"/>
+          </a:p>
+        </p:txBody>
+      </p:sp>
+    </p:spTree>
+    <p:extLst>
+      <p:ext uri="{BB962C8B-B14F-4D97-AF65-F5344CB8AC3E}">
+        <p14:creationId xmlns:p14="http://schemas.microsoft.com/office/powerpoint/2010/main" val="2789218234"/>
+      </p:ext>
+    </p:extLst>
+  </p:cSld>
+  <p:clrMap bg1="lt1" tx1="dk1" bg2="lt2" tx2="dk2" accent1="accent1" accent2="accent2" accent3="accent3" accent4="accent4" accent5="accent5" accent6="accent6" hlink="hlink" folHlink="folHlink"/>
+  <p:notesStyle>
+    <a:lvl1pPr marL="0" algn="l" defTabSz="914400" rtl="0" eaLnBrk="1" latinLnBrk="0" hangingPunct="1">
+      <a:defRPr sz="1200" kern="1200">
+        <a:solidFill>
+          <a:schemeClr val="tx1"/>
+        </a:solidFill>
+        <a:latin typeface="+mn-lt"/>
+        <a:ea typeface="+mn-ea"/>
+        <a:cs typeface="+mn-cs"/>
+      </a:defRPr>
+    </a:lvl1pPr>
+    <a:lvl2pPr marL="457200" algn="l" defTabSz="914400" rtl="0" eaLnBrk="1" latinLnBrk="0" hangingPunct="1">
+      <a:defRPr sz="1200" kern="1200">
+        <a:solidFill>
+          <a:schemeClr val="tx1"/>
+        </a:solidFill>
+        <a:latin typeface="+mn-lt"/>
+        <a:ea typeface="+mn-ea"/>
+        <a:cs typeface="+mn-cs"/>
+      </a:defRPr>
+    </a:lvl2pPr>
+    <a:lvl3pPr marL="914400" algn="l" defTabSz="914400" rtl="0" eaLnBrk="1" latinLnBrk="0" hangingPunct="1">
+      <a:defRPr sz="1200" kern="1200">
+        <a:solidFill>
+          <a:schemeClr val="tx1"/>
+        </a:solidFill>
+        <a:latin typeface="+mn-lt"/>
+        <a:ea typeface="+mn-ea"/>
+        <a:cs typeface="+mn-cs"/>
+      </a:defRPr>
+    </a:lvl3pPr>
+    <a:lvl4pPr marL="1371600" algn="l" defTabSz="914400" rtl="0" eaLnBrk="1" latinLnBrk="0" hangingPunct="1">
+      <a:defRPr sz="1200" kern="1200">
+        <a:solidFill>
+          <a:schemeClr val="tx1"/>
+        </a:solidFill>
+        <a:latin typeface="+mn-lt"/>
+        <a:ea typeface="+mn-ea"/>
+        <a:cs typeface="+mn-cs"/>
+      </a:defRPr>
+    </a:lvl4pPr>
+    <a:lvl5pPr marL="1828800" algn="l" defTabSz="914400" rtl="0" eaLnBrk="1" latinLnBrk="0" hangingPunct="1">
+      <a:defRPr sz="1200" kern="1200">
+        <a:solidFill>
+          <a:schemeClr val="tx1"/>
+        </a:solidFill>
+        <a:latin typeface="+mn-lt"/>
+        <a:ea typeface="+mn-ea"/>
+        <a:cs typeface="+mn-cs"/>
+      </a:defRPr>
+    </a:lvl5pPr>
+    <a:lvl6pPr marL="2286000" algn="l" defTabSz="914400" rtl="0" eaLnBrk="1" latinLnBrk="0" hangingPunct="1">
+      <a:defRPr sz="1200" kern="1200">
+        <a:solidFill>
+          <a:schemeClr val="tx1"/>
+        </a:solidFill>
+        <a:latin typeface="+mn-lt"/>
+        <a:ea typeface="+mn-ea"/>
+        <a:cs typeface="+mn-cs"/>
+      </a:defRPr>
+    </a:lvl6pPr>
+    <a:lvl7pPr marL="2743200" algn="l" defTabSz="914400" rtl="0" eaLnBrk="1" latinLnBrk="0" hangingPunct="1">
+      <a:defRPr sz="1200" kern="1200">
+        <a:solidFill>
+          <a:schemeClr val="tx1"/>
+        </a:solidFill>
+        <a:latin typeface="+mn-lt"/>
+        <a:ea typeface="+mn-ea"/>
+        <a:cs typeface="+mn-cs"/>
+      </a:defRPr>
+    </a:lvl7pPr>
+    <a:lvl8pPr marL="3200400" algn="l" defTabSz="914400" rtl="0" eaLnBrk="1" latinLnBrk="0" hangingPunct="1">
+      <a:defRPr sz="1200" kern="1200">
+        <a:solidFill>
+          <a:schemeClr val="tx1"/>
+        </a:solidFill>
+        <a:latin typeface="+mn-lt"/>
+        <a:ea typeface="+mn-ea"/>
+        <a:cs typeface="+mn-cs"/>
+      </a:defRPr>
+    </a:lvl8pPr>
+    <a:lvl9pPr marL="3657600" algn="l" defTabSz="914400" rtl="0" eaLnBrk="1" latinLnBrk="0" hangingPunct="1">
+      <a:defRPr sz="1200" kern="1200">
+        <a:solidFill>
+          <a:schemeClr val="tx1"/>
+        </a:solidFill>
+        <a:latin typeface="+mn-lt"/>
+        <a:ea typeface="+mn-ea"/>
+        <a:cs typeface="+mn-cs"/>
+      </a:defRPr>
+    </a:lvl9pPr>
+  </p:notesStyle>
+</p:notesMaster>
+</file>
+
+<file path=ppt/notesSlides/notesSlide1.xml><?xml version="1.0" encoding="utf-8"?>
+<p:notes xmlns:a="http://schemas.openxmlformats.org/drawingml/2006/main" xmlns:r="http://schemas.openxmlformats.org/officeDocument/2006/relationships" xmlns:p="http://schemas.openxmlformats.org/presentationml/2006/main">
+  <p:cSld>
+    <p:spTree>
+      <p:nvGrpSpPr>
+        <p:cNvPr id="1" name=""/>
+        <p:cNvGrpSpPr/>
+        <p:nvPr/>
+      </p:nvGrpSpPr>
+      <p:grpSpPr>
+        <a:xfrm>
+          <a:off x="0" y="0"/>
+          <a:ext cx="0" cy="0"/>
+          <a:chOff x="0" y="0"/>
+          <a:chExt cx="0" cy="0"/>
+        </a:xfrm>
+      </p:grpSpPr>
+      <p:sp>
+        <p:nvSpPr>
+          <p:cNvPr id="2" name="Slide Image Placeholder 1"/>
+          <p:cNvSpPr>
+            <a:spLocks noGrp="1" noRot="1" noChangeAspect="1"/>
+          </p:cNvSpPr>
+          <p:nvPr>
+            <p:ph type="sldImg"/>
+          </p:nvPr>
+        </p:nvSpPr>
+        <p:spPr/>
+      </p:sp>
+      <p:sp>
+        <p:nvSpPr>
+          <p:cNvPr id="3" name="Notes Placeholder 2"/>
+          <p:cNvSpPr>
+            <a:spLocks noGrp="1"/>
+          </p:cNvSpPr>
+          <p:nvPr>
+            <p:ph type="body" idx="1"/>
+          </p:nvPr>
+        </p:nvSpPr>
+        <p:spPr/>
+        <p:txBody>
+          <a:bodyPr/>
+          <a:lstStyle/>
+          <a:p>
+            <a:endParaRPr lang="en-GB" dirty="0"/>
+          </a:p>
+        </p:txBody>
+      </p:sp>
+      <p:sp>
+        <p:nvSpPr>
+          <p:cNvPr id="4" name="Slide Number Placeholder 3"/>
+          <p:cNvSpPr>
+            <a:spLocks noGrp="1"/>
+          </p:cNvSpPr>
+          <p:nvPr>
+            <p:ph type="sldNum" sz="quarter" idx="5"/>
+          </p:nvPr>
+        </p:nvSpPr>
+        <p:spPr/>
+        <p:txBody>
+          <a:bodyPr/>
+          <a:lstStyle/>
+          <a:p>
+            <a:fld id="{11A96E62-EC5F-C045-9FEB-EDD3A98888BE}" type="slidenum">
+              <a:rPr lang="en-GB" smtClean="0"/>
+              <a:t>1</a:t>
+            </a:fld>
+            <a:endParaRPr lang="en-GB"/>
+          </a:p>
+        </p:txBody>
+      </p:sp>
+    </p:spTree>
+    <p:extLst>
+      <p:ext uri="{BB962C8B-B14F-4D97-AF65-F5344CB8AC3E}">
+        <p14:creationId xmlns:p14="http://schemas.microsoft.com/office/powerpoint/2010/main" val="416668991"/>
+      </p:ext>
+    </p:extLst>
+  </p:cSld>
+  <p:clrMapOvr>
+    <a:masterClrMapping/>
+  </p:clrMapOvr>
+</p:notes>
 </file>
 
 <file path=ppt/slideLayouts/slideLayout1.xml><?xml version="1.0" encoding="utf-8"?>
@@ -254,7 +696,7 @@
           <a:p>
             <a:fld id="{1277814B-86DA-1A43-BEBE-BB22F0FBA56B}" type="datetimeFigureOut">
               <a:rPr lang="en-GB" smtClean="0"/>
-              <a:t>30/04/2020</a:t>
+              <a:t>05/05/2020</a:t>
             </a:fld>
             <a:endParaRPr lang="en-GB"/>
           </a:p>
@@ -452,7 +894,7 @@
           <a:p>
             <a:fld id="{1277814B-86DA-1A43-BEBE-BB22F0FBA56B}" type="datetimeFigureOut">
               <a:rPr lang="en-GB" smtClean="0"/>
-              <a:t>30/04/2020</a:t>
+              <a:t>05/05/2020</a:t>
             </a:fld>
             <a:endParaRPr lang="en-GB"/>
           </a:p>
@@ -660,7 +1102,7 @@
           <a:p>
             <a:fld id="{1277814B-86DA-1A43-BEBE-BB22F0FBA56B}" type="datetimeFigureOut">
               <a:rPr lang="en-GB" smtClean="0"/>
-              <a:t>30/04/2020</a:t>
+              <a:t>05/05/2020</a:t>
             </a:fld>
             <a:endParaRPr lang="en-GB"/>
           </a:p>
@@ -858,7 +1300,7 @@
           <a:p>
             <a:fld id="{1277814B-86DA-1A43-BEBE-BB22F0FBA56B}" type="datetimeFigureOut">
               <a:rPr lang="en-GB" smtClean="0"/>
-              <a:t>30/04/2020</a:t>
+              <a:t>05/05/2020</a:t>
             </a:fld>
             <a:endParaRPr lang="en-GB"/>
           </a:p>
@@ -1133,7 +1575,7 @@
           <a:p>
             <a:fld id="{1277814B-86DA-1A43-BEBE-BB22F0FBA56B}" type="datetimeFigureOut">
               <a:rPr lang="en-GB" smtClean="0"/>
-              <a:t>30/04/2020</a:t>
+              <a:t>05/05/2020</a:t>
             </a:fld>
             <a:endParaRPr lang="en-GB"/>
           </a:p>
@@ -1398,7 +1840,7 @@
           <a:p>
             <a:fld id="{1277814B-86DA-1A43-BEBE-BB22F0FBA56B}" type="datetimeFigureOut">
               <a:rPr lang="en-GB" smtClean="0"/>
-              <a:t>30/04/2020</a:t>
+              <a:t>05/05/2020</a:t>
             </a:fld>
             <a:endParaRPr lang="en-GB"/>
           </a:p>
@@ -1810,7 +2252,7 @@
           <a:p>
             <a:fld id="{1277814B-86DA-1A43-BEBE-BB22F0FBA56B}" type="datetimeFigureOut">
               <a:rPr lang="en-GB" smtClean="0"/>
-              <a:t>30/04/2020</a:t>
+              <a:t>05/05/2020</a:t>
             </a:fld>
             <a:endParaRPr lang="en-GB"/>
           </a:p>
@@ -1951,7 +2393,7 @@
           <a:p>
             <a:fld id="{1277814B-86DA-1A43-BEBE-BB22F0FBA56B}" type="datetimeFigureOut">
               <a:rPr lang="en-GB" smtClean="0"/>
-              <a:t>30/04/2020</a:t>
+              <a:t>05/05/2020</a:t>
             </a:fld>
             <a:endParaRPr lang="en-GB"/>
           </a:p>
@@ -2064,7 +2506,7 @@
           <a:p>
             <a:fld id="{1277814B-86DA-1A43-BEBE-BB22F0FBA56B}" type="datetimeFigureOut">
               <a:rPr lang="en-GB" smtClean="0"/>
-              <a:t>30/04/2020</a:t>
+              <a:t>05/05/2020</a:t>
             </a:fld>
             <a:endParaRPr lang="en-GB"/>
           </a:p>
@@ -2375,7 +2817,7 @@
           <a:p>
             <a:fld id="{1277814B-86DA-1A43-BEBE-BB22F0FBA56B}" type="datetimeFigureOut">
               <a:rPr lang="en-GB" smtClean="0"/>
-              <a:t>30/04/2020</a:t>
+              <a:t>05/05/2020</a:t>
             </a:fld>
             <a:endParaRPr lang="en-GB"/>
           </a:p>
@@ -2663,7 +3105,7 @@
           <a:p>
             <a:fld id="{1277814B-86DA-1A43-BEBE-BB22F0FBA56B}" type="datetimeFigureOut">
               <a:rPr lang="en-GB" smtClean="0"/>
-              <a:t>30/04/2020</a:t>
+              <a:t>05/05/2020</a:t>
             </a:fld>
             <a:endParaRPr lang="en-GB"/>
           </a:p>
@@ -2904,7 +3346,7 @@
           <a:p>
             <a:fld id="{1277814B-86DA-1A43-BEBE-BB22F0FBA56B}" type="datetimeFigureOut">
               <a:rPr lang="en-GB" smtClean="0"/>
-              <a:t>30/04/2020</a:t>
+              <a:t>05/05/2020</a:t>
             </a:fld>
             <a:endParaRPr lang="en-GB"/>
           </a:p>
@@ -3305,6 +3747,721 @@
 </file>
 
 <file path=ppt/slides/slide1.xml><?xml version="1.0" encoding="utf-8"?>
+<p:sld xmlns:a="http://schemas.openxmlformats.org/drawingml/2006/main" xmlns:r="http://schemas.openxmlformats.org/officeDocument/2006/relationships" xmlns:p="http://schemas.openxmlformats.org/presentationml/2006/main">
+  <p:cSld>
+    <p:spTree>
+      <p:nvGrpSpPr>
+        <p:cNvPr id="1" name=""/>
+        <p:cNvGrpSpPr/>
+        <p:nvPr/>
+      </p:nvGrpSpPr>
+      <p:grpSpPr>
+        <a:xfrm>
+          <a:off x="0" y="0"/>
+          <a:ext cx="0" cy="0"/>
+          <a:chOff x="0" y="0"/>
+          <a:chExt cx="0" cy="0"/>
+        </a:xfrm>
+      </p:grpSpPr>
+      <p:sp>
+        <p:nvSpPr>
+          <p:cNvPr id="19" name="Rectangle 18">
+            <a:extLst>
+              <a:ext uri="{FF2B5EF4-FFF2-40B4-BE49-F238E27FC236}">
+                <a16:creationId xmlns:a16="http://schemas.microsoft.com/office/drawing/2014/main" id="{35787622-613D-D947-BB16-99D4580FE577}"/>
+              </a:ext>
+            </a:extLst>
+          </p:cNvPr>
+          <p:cNvSpPr/>
+          <p:nvPr/>
+        </p:nvSpPr>
+        <p:spPr>
+          <a:xfrm>
+            <a:off x="6096000" y="0"/>
+            <a:ext cx="6096000" cy="6858000"/>
+          </a:xfrm>
+          <a:prstGeom prst="rect">
+            <a:avLst/>
+          </a:prstGeom>
+          <a:solidFill>
+            <a:schemeClr val="accent2">
+              <a:lumMod val="20000"/>
+              <a:lumOff val="80000"/>
+            </a:schemeClr>
+          </a:solidFill>
+        </p:spPr>
+        <p:style>
+          <a:lnRef idx="2">
+            <a:schemeClr val="accent1">
+              <a:shade val="50000"/>
+            </a:schemeClr>
+          </a:lnRef>
+          <a:fillRef idx="1">
+            <a:schemeClr val="accent1"/>
+          </a:fillRef>
+          <a:effectRef idx="0">
+            <a:schemeClr val="accent1"/>
+          </a:effectRef>
+          <a:fontRef idx="minor">
+            <a:schemeClr val="lt1"/>
+          </a:fontRef>
+        </p:style>
+        <p:txBody>
+          <a:bodyPr rtlCol="0" anchor="t"/>
+          <a:lstStyle/>
+          <a:p>
+            <a:pPr algn="ctr"/>
+            <a:r>
+              <a:rPr lang="en-GB" b="1" dirty="0">
+                <a:solidFill>
+                  <a:schemeClr val="tx1"/>
+                </a:solidFill>
+              </a:rPr>
+              <a:t>Runtime</a:t>
+            </a:r>
+          </a:p>
+        </p:txBody>
+      </p:sp>
+      <p:sp>
+        <p:nvSpPr>
+          <p:cNvPr id="18" name="Rectangle 17">
+            <a:extLst>
+              <a:ext uri="{FF2B5EF4-FFF2-40B4-BE49-F238E27FC236}">
+                <a16:creationId xmlns:a16="http://schemas.microsoft.com/office/drawing/2014/main" id="{50B53993-6635-9447-8282-62CBD9C1EF10}"/>
+              </a:ext>
+            </a:extLst>
+          </p:cNvPr>
+          <p:cNvSpPr/>
+          <p:nvPr/>
+        </p:nvSpPr>
+        <p:spPr>
+          <a:xfrm>
+            <a:off x="0" y="0"/>
+            <a:ext cx="6096000" cy="6858000"/>
+          </a:xfrm>
+          <a:prstGeom prst="rect">
+            <a:avLst/>
+          </a:prstGeom>
+          <a:solidFill>
+            <a:schemeClr val="accent1">
+              <a:lumMod val="20000"/>
+              <a:lumOff val="80000"/>
+            </a:schemeClr>
+          </a:solidFill>
+        </p:spPr>
+        <p:style>
+          <a:lnRef idx="2">
+            <a:schemeClr val="accent1">
+              <a:shade val="50000"/>
+            </a:schemeClr>
+          </a:lnRef>
+          <a:fillRef idx="1">
+            <a:schemeClr val="accent1"/>
+          </a:fillRef>
+          <a:effectRef idx="0">
+            <a:schemeClr val="accent1"/>
+          </a:effectRef>
+          <a:fontRef idx="minor">
+            <a:schemeClr val="lt1"/>
+          </a:fontRef>
+        </p:style>
+        <p:txBody>
+          <a:bodyPr rtlCol="0" anchor="t"/>
+          <a:lstStyle/>
+          <a:p>
+            <a:pPr algn="ctr"/>
+            <a:r>
+              <a:rPr lang="en-GB" b="1" dirty="0">
+                <a:solidFill>
+                  <a:schemeClr val="tx1"/>
+                </a:solidFill>
+              </a:rPr>
+              <a:t>Development</a:t>
+            </a:r>
+          </a:p>
+        </p:txBody>
+      </p:sp>
+      <p:sp>
+        <p:nvSpPr>
+          <p:cNvPr id="4" name="Rectangle 3">
+            <a:extLst>
+              <a:ext uri="{FF2B5EF4-FFF2-40B4-BE49-F238E27FC236}">
+                <a16:creationId xmlns:a16="http://schemas.microsoft.com/office/drawing/2014/main" id="{5E8DD1DD-6D53-BE41-A7D2-A93F55A0ECDE}"/>
+              </a:ext>
+            </a:extLst>
+          </p:cNvPr>
+          <p:cNvSpPr/>
+          <p:nvPr/>
+        </p:nvSpPr>
+        <p:spPr>
+          <a:xfrm>
+            <a:off x="275822" y="4002135"/>
+            <a:ext cx="1113862" cy="1502228"/>
+          </a:xfrm>
+          <a:prstGeom prst="rect">
+            <a:avLst/>
+          </a:prstGeom>
+          <a:solidFill>
+            <a:schemeClr val="accent5"/>
+          </a:solidFill>
+        </p:spPr>
+        <p:style>
+          <a:lnRef idx="2">
+            <a:schemeClr val="accent1">
+              <a:shade val="50000"/>
+            </a:schemeClr>
+          </a:lnRef>
+          <a:fillRef idx="1">
+            <a:schemeClr val="accent1"/>
+          </a:fillRef>
+          <a:effectRef idx="0">
+            <a:schemeClr val="accent1"/>
+          </a:effectRef>
+          <a:fontRef idx="minor">
+            <a:schemeClr val="lt1"/>
+          </a:fontRef>
+        </p:style>
+        <p:txBody>
+          <a:bodyPr rtlCol="0" anchor="ctr"/>
+          <a:lstStyle/>
+          <a:p>
+            <a:pPr algn="ctr"/>
+            <a:r>
+              <a:rPr lang="en-GB" dirty="0"/>
+              <a:t>Java</a:t>
+            </a:r>
+          </a:p>
+        </p:txBody>
+      </p:sp>
+      <p:sp>
+        <p:nvSpPr>
+          <p:cNvPr id="5" name="Rectangle 4">
+            <a:extLst>
+              <a:ext uri="{FF2B5EF4-FFF2-40B4-BE49-F238E27FC236}">
+                <a16:creationId xmlns:a16="http://schemas.microsoft.com/office/drawing/2014/main" id="{9B62EDF2-DEDD-A84C-953D-D4D9F9D44866}"/>
+              </a:ext>
+            </a:extLst>
+          </p:cNvPr>
+          <p:cNvSpPr/>
+          <p:nvPr/>
+        </p:nvSpPr>
+        <p:spPr>
+          <a:xfrm>
+            <a:off x="275823" y="1890306"/>
+            <a:ext cx="1113862" cy="1502228"/>
+          </a:xfrm>
+          <a:prstGeom prst="rect">
+            <a:avLst/>
+          </a:prstGeom>
+          <a:solidFill>
+            <a:schemeClr val="accent2"/>
+          </a:solidFill>
+        </p:spPr>
+        <p:style>
+          <a:lnRef idx="2">
+            <a:schemeClr val="accent1">
+              <a:shade val="50000"/>
+            </a:schemeClr>
+          </a:lnRef>
+          <a:fillRef idx="1">
+            <a:schemeClr val="accent1"/>
+          </a:fillRef>
+          <a:effectRef idx="0">
+            <a:schemeClr val="accent1"/>
+          </a:effectRef>
+          <a:fontRef idx="minor">
+            <a:schemeClr val="lt1"/>
+          </a:fontRef>
+        </p:style>
+        <p:txBody>
+          <a:bodyPr rtlCol="0" anchor="ctr"/>
+          <a:lstStyle/>
+          <a:p>
+            <a:pPr algn="ctr"/>
+            <a:r>
+              <a:rPr lang="en-GB" dirty="0"/>
+              <a:t>Groovy</a:t>
+            </a:r>
+          </a:p>
+        </p:txBody>
+      </p:sp>
+      <p:sp>
+        <p:nvSpPr>
+          <p:cNvPr id="6" name="Rectangle 5">
+            <a:extLst>
+              <a:ext uri="{FF2B5EF4-FFF2-40B4-BE49-F238E27FC236}">
+                <a16:creationId xmlns:a16="http://schemas.microsoft.com/office/drawing/2014/main" id="{845BB00A-C8BD-274E-A6C1-20824DE8B29C}"/>
+              </a:ext>
+            </a:extLst>
+          </p:cNvPr>
+          <p:cNvSpPr/>
+          <p:nvPr/>
+        </p:nvSpPr>
+        <p:spPr>
+          <a:xfrm>
+            <a:off x="275822" y="213907"/>
+            <a:ext cx="1113862" cy="1502228"/>
+          </a:xfrm>
+          <a:prstGeom prst="rect">
+            <a:avLst/>
+          </a:prstGeom>
+          <a:solidFill>
+            <a:schemeClr val="accent4"/>
+          </a:solidFill>
+        </p:spPr>
+        <p:style>
+          <a:lnRef idx="2">
+            <a:schemeClr val="accent1">
+              <a:shade val="50000"/>
+            </a:schemeClr>
+          </a:lnRef>
+          <a:fillRef idx="1">
+            <a:schemeClr val="accent1"/>
+          </a:fillRef>
+          <a:effectRef idx="0">
+            <a:schemeClr val="accent1"/>
+          </a:effectRef>
+          <a:fontRef idx="minor">
+            <a:schemeClr val="lt1"/>
+          </a:fontRef>
+        </p:style>
+        <p:txBody>
+          <a:bodyPr rtlCol="0" anchor="ctr"/>
+          <a:lstStyle/>
+          <a:p>
+            <a:pPr algn="ctr"/>
+            <a:r>
+              <a:rPr lang="en-GB" dirty="0"/>
+              <a:t>Clojure</a:t>
+            </a:r>
+          </a:p>
+        </p:txBody>
+      </p:sp>
+      <p:sp>
+        <p:nvSpPr>
+          <p:cNvPr id="7" name="TextBox 6">
+            <a:extLst>
+              <a:ext uri="{FF2B5EF4-FFF2-40B4-BE49-F238E27FC236}">
+                <a16:creationId xmlns:a16="http://schemas.microsoft.com/office/drawing/2014/main" id="{9B061F5B-3864-B14A-8D4B-DC3040FC4009}"/>
+              </a:ext>
+            </a:extLst>
+          </p:cNvPr>
+          <p:cNvSpPr txBox="1"/>
+          <p:nvPr/>
+        </p:nvSpPr>
+        <p:spPr>
+          <a:xfrm>
+            <a:off x="82628" y="5842337"/>
+            <a:ext cx="1500249" cy="923330"/>
+          </a:xfrm>
+          <a:prstGeom prst="rect">
+            <a:avLst/>
+          </a:prstGeom>
+          <a:noFill/>
+        </p:spPr>
+        <p:txBody>
+          <a:bodyPr wrap="square" rtlCol="0">
+            <a:spAutoFit/>
+          </a:bodyPr>
+          <a:lstStyle/>
+          <a:p>
+            <a:pPr algn="ctr"/>
+            <a:r>
+              <a:rPr lang="en-GB" dirty="0"/>
+              <a:t>Programming Language Source Files</a:t>
+            </a:r>
+          </a:p>
+        </p:txBody>
+      </p:sp>
+      <p:sp>
+        <p:nvSpPr>
+          <p:cNvPr id="8" name="Striped Right Arrow 7">
+            <a:extLst>
+              <a:ext uri="{FF2B5EF4-FFF2-40B4-BE49-F238E27FC236}">
+                <a16:creationId xmlns:a16="http://schemas.microsoft.com/office/drawing/2014/main" id="{284979C2-5CE5-7843-98FA-08F273601F6D}"/>
+              </a:ext>
+            </a:extLst>
+          </p:cNvPr>
+          <p:cNvSpPr/>
+          <p:nvPr/>
+        </p:nvSpPr>
+        <p:spPr>
+          <a:xfrm>
+            <a:off x="1771016" y="1531078"/>
+            <a:ext cx="3084518" cy="2852057"/>
+          </a:xfrm>
+          <a:prstGeom prst="stripedRightArrow">
+            <a:avLst/>
+          </a:prstGeom>
+        </p:spPr>
+        <p:style>
+          <a:lnRef idx="2">
+            <a:schemeClr val="accent1">
+              <a:shade val="50000"/>
+            </a:schemeClr>
+          </a:lnRef>
+          <a:fillRef idx="1">
+            <a:schemeClr val="accent1"/>
+          </a:fillRef>
+          <a:effectRef idx="0">
+            <a:schemeClr val="accent1"/>
+          </a:effectRef>
+          <a:fontRef idx="minor">
+            <a:schemeClr val="lt1"/>
+          </a:fontRef>
+        </p:style>
+        <p:txBody>
+          <a:bodyPr rtlCol="0" anchor="ctr"/>
+          <a:lstStyle/>
+          <a:p>
+            <a:pPr algn="ctr"/>
+            <a:endParaRPr lang="en-GB"/>
+          </a:p>
+        </p:txBody>
+      </p:sp>
+      <p:sp>
+        <p:nvSpPr>
+          <p:cNvPr id="9" name="TextBox 8">
+            <a:extLst>
+              <a:ext uri="{FF2B5EF4-FFF2-40B4-BE49-F238E27FC236}">
+                <a16:creationId xmlns:a16="http://schemas.microsoft.com/office/drawing/2014/main" id="{A457B754-1DCF-6343-B296-5E13ED82B5EE}"/>
+              </a:ext>
+            </a:extLst>
+          </p:cNvPr>
+          <p:cNvSpPr txBox="1"/>
+          <p:nvPr/>
+        </p:nvSpPr>
+        <p:spPr>
+          <a:xfrm>
+            <a:off x="2099769" y="6119336"/>
+            <a:ext cx="2427011" cy="369332"/>
+          </a:xfrm>
+          <a:prstGeom prst="rect">
+            <a:avLst/>
+          </a:prstGeom>
+          <a:noFill/>
+        </p:spPr>
+        <p:txBody>
+          <a:bodyPr wrap="none" rtlCol="0">
+            <a:spAutoFit/>
+          </a:bodyPr>
+          <a:lstStyle/>
+          <a:p>
+            <a:pPr algn="ctr"/>
+            <a:r>
+              <a:rPr lang="en-GB" dirty="0"/>
+              <a:t>Compiled into Bytecode</a:t>
+            </a:r>
+          </a:p>
+        </p:txBody>
+      </p:sp>
+      <p:sp>
+        <p:nvSpPr>
+          <p:cNvPr id="10" name="Rectangle 9">
+            <a:extLst>
+              <a:ext uri="{FF2B5EF4-FFF2-40B4-BE49-F238E27FC236}">
+                <a16:creationId xmlns:a16="http://schemas.microsoft.com/office/drawing/2014/main" id="{DB581959-A855-D84C-A200-8772895B124B}"/>
+              </a:ext>
+            </a:extLst>
+          </p:cNvPr>
+          <p:cNvSpPr/>
+          <p:nvPr/>
+        </p:nvSpPr>
+        <p:spPr>
+          <a:xfrm>
+            <a:off x="5530105" y="213907"/>
+            <a:ext cx="1113862" cy="5290456"/>
+          </a:xfrm>
+          <a:prstGeom prst="rect">
+            <a:avLst/>
+          </a:prstGeom>
+          <a:solidFill>
+            <a:schemeClr val="accent6"/>
+          </a:solidFill>
+        </p:spPr>
+        <p:style>
+          <a:lnRef idx="2">
+            <a:schemeClr val="accent1">
+              <a:shade val="50000"/>
+            </a:schemeClr>
+          </a:lnRef>
+          <a:fillRef idx="1">
+            <a:schemeClr val="accent1"/>
+          </a:fillRef>
+          <a:effectRef idx="0">
+            <a:schemeClr val="accent1"/>
+          </a:effectRef>
+          <a:fontRef idx="minor">
+            <a:schemeClr val="lt1"/>
+          </a:fontRef>
+        </p:style>
+        <p:txBody>
+          <a:bodyPr rtlCol="0" anchor="ctr"/>
+          <a:lstStyle/>
+          <a:p>
+            <a:pPr algn="ctr"/>
+            <a:r>
+              <a:rPr lang="en-GB" dirty="0"/>
+              <a:t>Bytecode</a:t>
+            </a:r>
+          </a:p>
+        </p:txBody>
+      </p:sp>
+      <p:sp>
+        <p:nvSpPr>
+          <p:cNvPr id="11" name="Striped Right Arrow 10">
+            <a:extLst>
+              <a:ext uri="{FF2B5EF4-FFF2-40B4-BE49-F238E27FC236}">
+                <a16:creationId xmlns:a16="http://schemas.microsoft.com/office/drawing/2014/main" id="{3A0D8243-A559-3A46-BD93-3D78C5CBAA46}"/>
+              </a:ext>
+            </a:extLst>
+          </p:cNvPr>
+          <p:cNvSpPr/>
+          <p:nvPr/>
+        </p:nvSpPr>
+        <p:spPr>
+          <a:xfrm>
+            <a:off x="7318538" y="1531077"/>
+            <a:ext cx="3084518" cy="2852057"/>
+          </a:xfrm>
+          <a:prstGeom prst="stripedRightArrow">
+            <a:avLst/>
+          </a:prstGeom>
+        </p:spPr>
+        <p:style>
+          <a:lnRef idx="2">
+            <a:schemeClr val="accent1">
+              <a:shade val="50000"/>
+            </a:schemeClr>
+          </a:lnRef>
+          <a:fillRef idx="1">
+            <a:schemeClr val="accent1"/>
+          </a:fillRef>
+          <a:effectRef idx="0">
+            <a:schemeClr val="accent1"/>
+          </a:effectRef>
+          <a:fontRef idx="minor">
+            <a:schemeClr val="lt1"/>
+          </a:fontRef>
+        </p:style>
+        <p:txBody>
+          <a:bodyPr rtlCol="0" anchor="ctr"/>
+          <a:lstStyle/>
+          <a:p>
+            <a:pPr algn="ctr"/>
+            <a:endParaRPr lang="en-GB"/>
+          </a:p>
+        </p:txBody>
+      </p:sp>
+      <p:sp>
+        <p:nvSpPr>
+          <p:cNvPr id="12" name="Rectangle 11">
+            <a:extLst>
+              <a:ext uri="{FF2B5EF4-FFF2-40B4-BE49-F238E27FC236}">
+                <a16:creationId xmlns:a16="http://schemas.microsoft.com/office/drawing/2014/main" id="{53BA47BC-C067-8B40-AE2B-3241A8603069}"/>
+              </a:ext>
+            </a:extLst>
+          </p:cNvPr>
+          <p:cNvSpPr/>
+          <p:nvPr/>
+        </p:nvSpPr>
+        <p:spPr>
+          <a:xfrm>
+            <a:off x="10784388" y="213907"/>
+            <a:ext cx="1113862" cy="5290456"/>
+          </a:xfrm>
+          <a:prstGeom prst="rect">
+            <a:avLst/>
+          </a:prstGeom>
+          <a:solidFill>
+            <a:schemeClr val="tx2"/>
+          </a:solidFill>
+        </p:spPr>
+        <p:style>
+          <a:lnRef idx="2">
+            <a:schemeClr val="accent1">
+              <a:shade val="50000"/>
+            </a:schemeClr>
+          </a:lnRef>
+          <a:fillRef idx="1">
+            <a:schemeClr val="accent1"/>
+          </a:fillRef>
+          <a:effectRef idx="0">
+            <a:schemeClr val="accent1"/>
+          </a:effectRef>
+          <a:fontRef idx="minor">
+            <a:schemeClr val="lt1"/>
+          </a:fontRef>
+        </p:style>
+        <p:txBody>
+          <a:bodyPr rtlCol="0" anchor="ctr"/>
+          <a:lstStyle/>
+          <a:p>
+            <a:pPr algn="ctr"/>
+            <a:r>
+              <a:rPr lang="en-GB" dirty="0"/>
+              <a:t>Machine Code</a:t>
+            </a:r>
+          </a:p>
+        </p:txBody>
+      </p:sp>
+      <p:sp>
+        <p:nvSpPr>
+          <p:cNvPr id="14" name="TextBox 13">
+            <a:extLst>
+              <a:ext uri="{FF2B5EF4-FFF2-40B4-BE49-F238E27FC236}">
+                <a16:creationId xmlns:a16="http://schemas.microsoft.com/office/drawing/2014/main" id="{ED2CB9A4-70D6-0B4A-A84E-394CF8BD0C99}"/>
+              </a:ext>
+            </a:extLst>
+          </p:cNvPr>
+          <p:cNvSpPr txBox="1"/>
+          <p:nvPr/>
+        </p:nvSpPr>
+        <p:spPr>
+          <a:xfrm>
+            <a:off x="661070" y="3479495"/>
+            <a:ext cx="343364" cy="369332"/>
+          </a:xfrm>
+          <a:prstGeom prst="rect">
+            <a:avLst/>
+          </a:prstGeom>
+          <a:noFill/>
+        </p:spPr>
+        <p:txBody>
+          <a:bodyPr wrap="none" rtlCol="0">
+            <a:spAutoFit/>
+          </a:bodyPr>
+          <a:lstStyle/>
+          <a:p>
+            <a:r>
+              <a:rPr lang="en-GB" dirty="0"/>
+              <a:t>…</a:t>
+            </a:r>
+          </a:p>
+        </p:txBody>
+      </p:sp>
+      <p:sp>
+        <p:nvSpPr>
+          <p:cNvPr id="15" name="TextBox 14">
+            <a:extLst>
+              <a:ext uri="{FF2B5EF4-FFF2-40B4-BE49-F238E27FC236}">
+                <a16:creationId xmlns:a16="http://schemas.microsoft.com/office/drawing/2014/main" id="{289E6F53-5EEF-D142-AED7-9FDEB7A54254}"/>
+              </a:ext>
+            </a:extLst>
+          </p:cNvPr>
+          <p:cNvSpPr txBox="1"/>
+          <p:nvPr/>
+        </p:nvSpPr>
+        <p:spPr>
+          <a:xfrm>
+            <a:off x="5336911" y="5842337"/>
+            <a:ext cx="1500249" cy="923330"/>
+          </a:xfrm>
+          <a:prstGeom prst="rect">
+            <a:avLst/>
+          </a:prstGeom>
+          <a:noFill/>
+        </p:spPr>
+        <p:txBody>
+          <a:bodyPr wrap="square" rtlCol="0">
+            <a:spAutoFit/>
+          </a:bodyPr>
+          <a:lstStyle/>
+          <a:p>
+            <a:pPr algn="ctr"/>
+            <a:r>
+              <a:rPr lang="en-GB" dirty="0"/>
+              <a:t>Machine independent Bytecode</a:t>
+            </a:r>
+          </a:p>
+        </p:txBody>
+      </p:sp>
+      <p:sp>
+        <p:nvSpPr>
+          <p:cNvPr id="16" name="TextBox 15">
+            <a:extLst>
+              <a:ext uri="{FF2B5EF4-FFF2-40B4-BE49-F238E27FC236}">
+                <a16:creationId xmlns:a16="http://schemas.microsoft.com/office/drawing/2014/main" id="{E47010BE-6751-9447-A3BD-E7954911371B}"/>
+              </a:ext>
+            </a:extLst>
+          </p:cNvPr>
+          <p:cNvSpPr txBox="1"/>
+          <p:nvPr/>
+        </p:nvSpPr>
+        <p:spPr>
+          <a:xfrm>
+            <a:off x="7620854" y="5980836"/>
+            <a:ext cx="2479886" cy="646331"/>
+          </a:xfrm>
+          <a:prstGeom prst="rect">
+            <a:avLst/>
+          </a:prstGeom>
+          <a:noFill/>
+        </p:spPr>
+        <p:txBody>
+          <a:bodyPr wrap="square" rtlCol="0">
+            <a:spAutoFit/>
+          </a:bodyPr>
+          <a:lstStyle/>
+          <a:p>
+            <a:pPr algn="ctr"/>
+            <a:r>
+              <a:rPr lang="en-GB" dirty="0"/>
+              <a:t>Interpreted by the JIT (Just in Time Compiler)</a:t>
+            </a:r>
+          </a:p>
+        </p:txBody>
+      </p:sp>
+      <p:sp>
+        <p:nvSpPr>
+          <p:cNvPr id="17" name="TextBox 16">
+            <a:extLst>
+              <a:ext uri="{FF2B5EF4-FFF2-40B4-BE49-F238E27FC236}">
+                <a16:creationId xmlns:a16="http://schemas.microsoft.com/office/drawing/2014/main" id="{4B4FAB5E-19C5-CD4B-A908-51A5929E82A6}"/>
+              </a:ext>
+            </a:extLst>
+          </p:cNvPr>
+          <p:cNvSpPr txBox="1"/>
+          <p:nvPr/>
+        </p:nvSpPr>
+        <p:spPr>
+          <a:xfrm>
+            <a:off x="10454785" y="5830721"/>
+            <a:ext cx="1773067" cy="923330"/>
+          </a:xfrm>
+          <a:prstGeom prst="rect">
+            <a:avLst/>
+          </a:prstGeom>
+          <a:noFill/>
+        </p:spPr>
+        <p:txBody>
+          <a:bodyPr wrap="square" rtlCol="0">
+            <a:spAutoFit/>
+          </a:bodyPr>
+          <a:lstStyle/>
+          <a:p>
+            <a:pPr algn="ctr"/>
+            <a:r>
+              <a:rPr lang="en-GB" dirty="0"/>
+              <a:t>Machine dependent executable code</a:t>
+            </a:r>
+          </a:p>
+        </p:txBody>
+      </p:sp>
+    </p:spTree>
+    <p:extLst>
+      <p:ext uri="{BB962C8B-B14F-4D97-AF65-F5344CB8AC3E}">
+        <p14:creationId xmlns:p14="http://schemas.microsoft.com/office/powerpoint/2010/main" val="839687477"/>
+      </p:ext>
+    </p:extLst>
+  </p:cSld>
+  <p:clrMapOvr>
+    <a:masterClrMapping/>
+  </p:clrMapOvr>
+</p:sld>
+</file>
+
+<file path=ppt/slides/slide2.xml><?xml version="1.0" encoding="utf-8"?>
 <p:sld xmlns:a="http://schemas.openxmlformats.org/drawingml/2006/main" xmlns:r="http://schemas.openxmlformats.org/officeDocument/2006/relationships" xmlns:p="http://schemas.openxmlformats.org/presentationml/2006/main">
   <p:cSld>
     <p:spTree>
@@ -4133,4 +5290,299 @@
     </a:ext>
   </a:extLst>
 </a:theme>
+</file>
+
+<file path=ppt/theme/theme2.xml><?xml version="1.0" encoding="utf-8"?>
+<a:theme xmlns:a="http://schemas.openxmlformats.org/drawingml/2006/main" name="Office Theme">
+  <a:themeElements>
+    <a:clrScheme name="Office">
+      <a:dk1>
+        <a:sysClr val="windowText" lastClr="000000"/>
+      </a:dk1>
+      <a:lt1>
+        <a:sysClr val="window" lastClr="FFFFFF"/>
+      </a:lt1>
+      <a:dk2>
+        <a:srgbClr val="44546A"/>
+      </a:dk2>
+      <a:lt2>
+        <a:srgbClr val="E7E6E6"/>
+      </a:lt2>
+      <a:accent1>
+        <a:srgbClr val="4472C4"/>
+      </a:accent1>
+      <a:accent2>
+        <a:srgbClr val="ED7D31"/>
+      </a:accent2>
+      <a:accent3>
+        <a:srgbClr val="A5A5A5"/>
+      </a:accent3>
+      <a:accent4>
+        <a:srgbClr val="FFC000"/>
+      </a:accent4>
+      <a:accent5>
+        <a:srgbClr val="5B9BD5"/>
+      </a:accent5>
+      <a:accent6>
+        <a:srgbClr val="70AD47"/>
+      </a:accent6>
+      <a:hlink>
+        <a:srgbClr val="0563C1"/>
+      </a:hlink>
+      <a:folHlink>
+        <a:srgbClr val="954F72"/>
+      </a:folHlink>
+    </a:clrScheme>
+    <a:fontScheme name="Office">
+      <a:majorFont>
+        <a:latin typeface="Calibri Light" panose="020F0302020204030204"/>
+        <a:ea typeface=""/>
+        <a:cs typeface=""/>
+        <a:font script="Jpan" typeface="游ゴシック Light"/>
+        <a:font script="Hang" typeface="맑은 고딕"/>
+        <a:font script="Hans" typeface="等线 Light"/>
+        <a:font script="Hant" typeface="新細明體"/>
+        <a:font script="Arab" typeface="Times New Roman"/>
+        <a:font script="Hebr" typeface="Times New Roman"/>
+        <a:font script="Thai" typeface="Angsana New"/>
+        <a:font script="Ethi" typeface="Nyala"/>
+        <a:font script="Beng" typeface="Vrinda"/>
+        <a:font script="Gujr" typeface="Shruti"/>
+        <a:font script="Khmr" typeface="MoolBoran"/>
+        <a:font script="Knda" typeface="Tunga"/>
+        <a:font script="Guru" typeface="Raavi"/>
+        <a:font script="Cans" typeface="Euphemia"/>
+        <a:font script="Cher" typeface="Plantagenet Cherokee"/>
+        <a:font script="Yiii" typeface="Microsoft Yi Baiti"/>
+        <a:font script="Tibt" typeface="Microsoft Himalaya"/>
+        <a:font script="Thaa" typeface="MV Boli"/>
+        <a:font script="Deva" typeface="Mangal"/>
+        <a:font script="Telu" typeface="Gautami"/>
+        <a:font script="Taml" typeface="Latha"/>
+        <a:font script="Syrc" typeface="Estrangelo Edessa"/>
+        <a:font script="Orya" typeface="Kalinga"/>
+        <a:font script="Mlym" typeface="Kartika"/>
+        <a:font script="Laoo" typeface="DokChampa"/>
+        <a:font script="Sinh" typeface="Iskoola Pota"/>
+        <a:font script="Mong" typeface="Mongolian Baiti"/>
+        <a:font script="Viet" typeface="Times New Roman"/>
+        <a:font script="Uigh" typeface="Microsoft Uighur"/>
+        <a:font script="Geor" typeface="Sylfaen"/>
+        <a:font script="Armn" typeface="Arial"/>
+        <a:font script="Bugi" typeface="Leelawadee UI"/>
+        <a:font script="Bopo" typeface="Microsoft JhengHei"/>
+        <a:font script="Java" typeface="Javanese Text"/>
+        <a:font script="Lisu" typeface="Segoe UI"/>
+        <a:font script="Mymr" typeface="Myanmar Text"/>
+        <a:font script="Nkoo" typeface="Ebrima"/>
+        <a:font script="Olck" typeface="Nirmala UI"/>
+        <a:font script="Osma" typeface="Ebrima"/>
+        <a:font script="Phag" typeface="Phagspa"/>
+        <a:font script="Syrn" typeface="Estrangelo Edessa"/>
+        <a:font script="Syrj" typeface="Estrangelo Edessa"/>
+        <a:font script="Syre" typeface="Estrangelo Edessa"/>
+        <a:font script="Sora" typeface="Nirmala UI"/>
+        <a:font script="Tale" typeface="Microsoft Tai Le"/>
+        <a:font script="Talu" typeface="Microsoft New Tai Lue"/>
+        <a:font script="Tfng" typeface="Ebrima"/>
+      </a:majorFont>
+      <a:minorFont>
+        <a:latin typeface="Calibri" panose="020F0502020204030204"/>
+        <a:ea typeface=""/>
+        <a:cs typeface=""/>
+        <a:font script="Jpan" typeface="游ゴシック"/>
+        <a:font script="Hang" typeface="맑은 고딕"/>
+        <a:font script="Hans" typeface="等线"/>
+        <a:font script="Hant" typeface="新細明體"/>
+        <a:font script="Arab" typeface="Arial"/>
+        <a:font script="Hebr" typeface="Arial"/>
+        <a:font script="Thai" typeface="Cordia New"/>
+        <a:font script="Ethi" typeface="Nyala"/>
+        <a:font script="Beng" typeface="Vrinda"/>
+        <a:font script="Gujr" typeface="Shruti"/>
+        <a:font script="Khmr" typeface="DaunPenh"/>
+        <a:font script="Knda" typeface="Tunga"/>
+        <a:font script="Guru" typeface="Raavi"/>
+        <a:font script="Cans" typeface="Euphemia"/>
+        <a:font script="Cher" typeface="Plantagenet Cherokee"/>
+        <a:font script="Yiii" typeface="Microsoft Yi Baiti"/>
+        <a:font script="Tibt" typeface="Microsoft Himalaya"/>
+        <a:font script="Thaa" typeface="MV Boli"/>
+        <a:font script="Deva" typeface="Mangal"/>
+        <a:font script="Telu" typeface="Gautami"/>
+        <a:font script="Taml" typeface="Latha"/>
+        <a:font script="Syrc" typeface="Estrangelo Edessa"/>
+        <a:font script="Orya" typeface="Kalinga"/>
+        <a:font script="Mlym" typeface="Kartika"/>
+        <a:font script="Laoo" typeface="DokChampa"/>
+        <a:font script="Sinh" typeface="Iskoola Pota"/>
+        <a:font script="Mong" typeface="Mongolian Baiti"/>
+        <a:font script="Viet" typeface="Arial"/>
+        <a:font script="Uigh" typeface="Microsoft Uighur"/>
+        <a:font script="Geor" typeface="Sylfaen"/>
+        <a:font script="Armn" typeface="Arial"/>
+        <a:font script="Bugi" typeface="Leelawadee UI"/>
+        <a:font script="Bopo" typeface="Microsoft JhengHei"/>
+        <a:font script="Java" typeface="Javanese Text"/>
+        <a:font script="Lisu" typeface="Segoe UI"/>
+        <a:font script="Mymr" typeface="Myanmar Text"/>
+        <a:font script="Nkoo" typeface="Ebrima"/>
+        <a:font script="Olck" typeface="Nirmala UI"/>
+        <a:font script="Osma" typeface="Ebrima"/>
+        <a:font script="Phag" typeface="Phagspa"/>
+        <a:font script="Syrn" typeface="Estrangelo Edessa"/>
+        <a:font script="Syrj" typeface="Estrangelo Edessa"/>
+        <a:font script="Syre" typeface="Estrangelo Edessa"/>
+        <a:font script="Sora" typeface="Nirmala UI"/>
+        <a:font script="Tale" typeface="Microsoft Tai Le"/>
+        <a:font script="Talu" typeface="Microsoft New Tai Lue"/>
+        <a:font script="Tfng" typeface="Ebrima"/>
+      </a:minorFont>
+    </a:fontScheme>
+    <a:fmtScheme name="Office">
+      <a:fillStyleLst>
+        <a:solidFill>
+          <a:schemeClr val="phClr"/>
+        </a:solidFill>
+        <a:gradFill rotWithShape="1">
+          <a:gsLst>
+            <a:gs pos="0">
+              <a:schemeClr val="phClr">
+                <a:lumMod val="110000"/>
+                <a:satMod val="105000"/>
+                <a:tint val="67000"/>
+              </a:schemeClr>
+            </a:gs>
+            <a:gs pos="50000">
+              <a:schemeClr val="phClr">
+                <a:lumMod val="105000"/>
+                <a:satMod val="103000"/>
+                <a:tint val="73000"/>
+              </a:schemeClr>
+            </a:gs>
+            <a:gs pos="100000">
+              <a:schemeClr val="phClr">
+                <a:lumMod val="105000"/>
+                <a:satMod val="109000"/>
+                <a:tint val="81000"/>
+              </a:schemeClr>
+            </a:gs>
+          </a:gsLst>
+          <a:lin ang="5400000" scaled="0"/>
+        </a:gradFill>
+        <a:gradFill rotWithShape="1">
+          <a:gsLst>
+            <a:gs pos="0">
+              <a:schemeClr val="phClr">
+                <a:satMod val="103000"/>
+                <a:lumMod val="102000"/>
+                <a:tint val="94000"/>
+              </a:schemeClr>
+            </a:gs>
+            <a:gs pos="50000">
+              <a:schemeClr val="phClr">
+                <a:satMod val="110000"/>
+                <a:lumMod val="100000"/>
+                <a:shade val="100000"/>
+              </a:schemeClr>
+            </a:gs>
+            <a:gs pos="100000">
+              <a:schemeClr val="phClr">
+                <a:lumMod val="99000"/>
+                <a:satMod val="120000"/>
+                <a:shade val="78000"/>
+              </a:schemeClr>
+            </a:gs>
+          </a:gsLst>
+          <a:lin ang="5400000" scaled="0"/>
+        </a:gradFill>
+      </a:fillStyleLst>
+      <a:lnStyleLst>
+        <a:ln w="6350" cap="flat" cmpd="sng" algn="ctr">
+          <a:solidFill>
+            <a:schemeClr val="phClr"/>
+          </a:solidFill>
+          <a:prstDash val="solid"/>
+          <a:miter lim="800000"/>
+        </a:ln>
+        <a:ln w="12700" cap="flat" cmpd="sng" algn="ctr">
+          <a:solidFill>
+            <a:schemeClr val="phClr"/>
+          </a:solidFill>
+          <a:prstDash val="solid"/>
+          <a:miter lim="800000"/>
+        </a:ln>
+        <a:ln w="19050" cap="flat" cmpd="sng" algn="ctr">
+          <a:solidFill>
+            <a:schemeClr val="phClr"/>
+          </a:solidFill>
+          <a:prstDash val="solid"/>
+          <a:miter lim="800000"/>
+        </a:ln>
+      </a:lnStyleLst>
+      <a:effectStyleLst>
+        <a:effectStyle>
+          <a:effectLst/>
+        </a:effectStyle>
+        <a:effectStyle>
+          <a:effectLst/>
+        </a:effectStyle>
+        <a:effectStyle>
+          <a:effectLst>
+            <a:outerShdw blurRad="57150" dist="19050" dir="5400000" algn="ctr" rotWithShape="0">
+              <a:srgbClr val="000000">
+                <a:alpha val="63000"/>
+              </a:srgbClr>
+            </a:outerShdw>
+          </a:effectLst>
+        </a:effectStyle>
+      </a:effectStyleLst>
+      <a:bgFillStyleLst>
+        <a:solidFill>
+          <a:schemeClr val="phClr"/>
+        </a:solidFill>
+        <a:solidFill>
+          <a:schemeClr val="phClr">
+            <a:tint val="95000"/>
+            <a:satMod val="170000"/>
+          </a:schemeClr>
+        </a:solidFill>
+        <a:gradFill rotWithShape="1">
+          <a:gsLst>
+            <a:gs pos="0">
+              <a:schemeClr val="phClr">
+                <a:tint val="93000"/>
+                <a:satMod val="150000"/>
+                <a:shade val="98000"/>
+                <a:lumMod val="102000"/>
+              </a:schemeClr>
+            </a:gs>
+            <a:gs pos="50000">
+              <a:schemeClr val="phClr">
+                <a:tint val="98000"/>
+                <a:satMod val="130000"/>
+                <a:shade val="90000"/>
+                <a:lumMod val="103000"/>
+              </a:schemeClr>
+            </a:gs>
+            <a:gs pos="100000">
+              <a:schemeClr val="phClr">
+                <a:shade val="63000"/>
+                <a:satMod val="120000"/>
+              </a:schemeClr>
+            </a:gs>
+          </a:gsLst>
+          <a:lin ang="5400000" scaled="0"/>
+        </a:gradFill>
+      </a:bgFillStyleLst>
+    </a:fmtScheme>
+  </a:themeElements>
+  <a:objectDefaults/>
+  <a:extraClrSchemeLst/>
+  <a:extLst>
+    <a:ext uri="{05A4C25C-085E-4340-85A3-A5531E510DB2}">
+      <thm15:themeFamily xmlns:thm15="http://schemas.microsoft.com/office/thememl/2012/main" name="Office Theme" id="{62F939B6-93AF-4DB8-9C6B-D6C7DFDC589F}" vid="{4A3C46E8-61CC-4603-A589-7422A47A8E4A}"/>
+    </a:ext>
+  </a:extLst>
+</a:theme>
 </file>
--- a/assets/images/Images.pptx
+++ b/assets/images/Images.pptx
@@ -5,11 +5,12 @@
     <p:sldMasterId id="2147483648" r:id="rId1"/>
   </p:sldMasterIdLst>
   <p:notesMasterIdLst>
-    <p:notesMasterId r:id="rId4"/>
+    <p:notesMasterId r:id="rId5"/>
   </p:notesMasterIdLst>
   <p:sldIdLst>
     <p:sldId id="257" r:id="rId2"/>
-    <p:sldId id="256" r:id="rId3"/>
+    <p:sldId id="258" r:id="rId3"/>
+    <p:sldId id="256" r:id="rId4"/>
   </p:sldIdLst>
   <p:sldSz cx="12192000" cy="6858000"/>
   <p:notesSz cx="6858000" cy="9144000"/>
@@ -109,6 +110,25 @@
     </a:lvl9pPr>
   </p:defaultTextStyle>
   <p:extLst>
+    <p:ext uri="{521415D9-36F7-43E2-AB2F-B90AF26B5E84}">
+      <p14:sectionLst xmlns:p14="http://schemas.microsoft.com/office/powerpoint/2010/main">
+        <p14:section name="Primer" id="{C5D8FC65-3446-DB4E-B486-2285C2608FA3}">
+          <p14:sldIdLst>
+            <p14:sldId id="257"/>
+          </p14:sldIdLst>
+        </p14:section>
+        <p14:section name="Data Types" id="{D2EF745B-DF6F-1149-A956-99F8C5570964}">
+          <p14:sldIdLst>
+            <p14:sldId id="258"/>
+          </p14:sldIdLst>
+        </p14:section>
+        <p14:section name="Testing" id="{064BBB82-ADB6-E844-9D9E-44CD43DCBE9F}">
+          <p14:sldIdLst>
+            <p14:sldId id="256"/>
+          </p14:sldIdLst>
+        </p14:section>
+      </p14:sectionLst>
+    </p:ext>
     <p:ext uri="{EFAFB233-063F-42B5-8137-9DF3F51BA10A}">
       <p15:sldGuideLst xmlns:p15="http://schemas.microsoft.com/office/powerpoint/2012/main"/>
     </p:ext>
@@ -198,7 +218,7 @@
           <a:p>
             <a:fld id="{F0373C07-0034-D84F-B0CB-1249B408AEAD}" type="datetimeFigureOut">
               <a:rPr lang="en-GB" smtClean="0"/>
-              <a:t>05/05/2020</a:t>
+              <a:t>06/05/2020</a:t>
             </a:fld>
             <a:endParaRPr lang="en-GB"/>
           </a:p>
@@ -696,7 +716,7 @@
           <a:p>
             <a:fld id="{1277814B-86DA-1A43-BEBE-BB22F0FBA56B}" type="datetimeFigureOut">
               <a:rPr lang="en-GB" smtClean="0"/>
-              <a:t>05/05/2020</a:t>
+              <a:t>06/05/2020</a:t>
             </a:fld>
             <a:endParaRPr lang="en-GB"/>
           </a:p>
@@ -894,7 +914,7 @@
           <a:p>
             <a:fld id="{1277814B-86DA-1A43-BEBE-BB22F0FBA56B}" type="datetimeFigureOut">
               <a:rPr lang="en-GB" smtClean="0"/>
-              <a:t>05/05/2020</a:t>
+              <a:t>06/05/2020</a:t>
             </a:fld>
             <a:endParaRPr lang="en-GB"/>
           </a:p>
@@ -1102,7 +1122,7 @@
           <a:p>
             <a:fld id="{1277814B-86DA-1A43-BEBE-BB22F0FBA56B}" type="datetimeFigureOut">
               <a:rPr lang="en-GB" smtClean="0"/>
-              <a:t>05/05/2020</a:t>
+              <a:t>06/05/2020</a:t>
             </a:fld>
             <a:endParaRPr lang="en-GB"/>
           </a:p>
@@ -1300,7 +1320,7 @@
           <a:p>
             <a:fld id="{1277814B-86DA-1A43-BEBE-BB22F0FBA56B}" type="datetimeFigureOut">
               <a:rPr lang="en-GB" smtClean="0"/>
-              <a:t>05/05/2020</a:t>
+              <a:t>06/05/2020</a:t>
             </a:fld>
             <a:endParaRPr lang="en-GB"/>
           </a:p>
@@ -1575,7 +1595,7 @@
           <a:p>
             <a:fld id="{1277814B-86DA-1A43-BEBE-BB22F0FBA56B}" type="datetimeFigureOut">
               <a:rPr lang="en-GB" smtClean="0"/>
-              <a:t>05/05/2020</a:t>
+              <a:t>06/05/2020</a:t>
             </a:fld>
             <a:endParaRPr lang="en-GB"/>
           </a:p>
@@ -1840,7 +1860,7 @@
           <a:p>
             <a:fld id="{1277814B-86DA-1A43-BEBE-BB22F0FBA56B}" type="datetimeFigureOut">
               <a:rPr lang="en-GB" smtClean="0"/>
-              <a:t>05/05/2020</a:t>
+              <a:t>06/05/2020</a:t>
             </a:fld>
             <a:endParaRPr lang="en-GB"/>
           </a:p>
@@ -2252,7 +2272,7 @@
           <a:p>
             <a:fld id="{1277814B-86DA-1A43-BEBE-BB22F0FBA56B}" type="datetimeFigureOut">
               <a:rPr lang="en-GB" smtClean="0"/>
-              <a:t>05/05/2020</a:t>
+              <a:t>06/05/2020</a:t>
             </a:fld>
             <a:endParaRPr lang="en-GB"/>
           </a:p>
@@ -2393,7 +2413,7 @@
           <a:p>
             <a:fld id="{1277814B-86DA-1A43-BEBE-BB22F0FBA56B}" type="datetimeFigureOut">
               <a:rPr lang="en-GB" smtClean="0"/>
-              <a:t>05/05/2020</a:t>
+              <a:t>06/05/2020</a:t>
             </a:fld>
             <a:endParaRPr lang="en-GB"/>
           </a:p>
@@ -2506,7 +2526,7 @@
           <a:p>
             <a:fld id="{1277814B-86DA-1A43-BEBE-BB22F0FBA56B}" type="datetimeFigureOut">
               <a:rPr lang="en-GB" smtClean="0"/>
-              <a:t>05/05/2020</a:t>
+              <a:t>06/05/2020</a:t>
             </a:fld>
             <a:endParaRPr lang="en-GB"/>
           </a:p>
@@ -2817,7 +2837,7 @@
           <a:p>
             <a:fld id="{1277814B-86DA-1A43-BEBE-BB22F0FBA56B}" type="datetimeFigureOut">
               <a:rPr lang="en-GB" smtClean="0"/>
-              <a:t>05/05/2020</a:t>
+              <a:t>06/05/2020</a:t>
             </a:fld>
             <a:endParaRPr lang="en-GB"/>
           </a:p>
@@ -3105,7 +3125,7 @@
           <a:p>
             <a:fld id="{1277814B-86DA-1A43-BEBE-BB22F0FBA56B}" type="datetimeFigureOut">
               <a:rPr lang="en-GB" smtClean="0"/>
-              <a:t>05/05/2020</a:t>
+              <a:t>06/05/2020</a:t>
             </a:fld>
             <a:endParaRPr lang="en-GB"/>
           </a:p>
@@ -3346,7 +3366,7 @@
           <a:p>
             <a:fld id="{1277814B-86DA-1A43-BEBE-BB22F0FBA56B}" type="datetimeFigureOut">
               <a:rPr lang="en-GB" smtClean="0"/>
-              <a:t>05/05/2020</a:t>
+              <a:t>06/05/2020</a:t>
             </a:fld>
             <a:endParaRPr lang="en-GB"/>
           </a:p>
@@ -4462,6 +4482,529 @@
 </file>
 
 <file path=ppt/slides/slide2.xml><?xml version="1.0" encoding="utf-8"?>
+<p:sld xmlns:a="http://schemas.openxmlformats.org/drawingml/2006/main" xmlns:r="http://schemas.openxmlformats.org/officeDocument/2006/relationships" xmlns:p="http://schemas.openxmlformats.org/presentationml/2006/main">
+  <p:cSld>
+    <p:spTree>
+      <p:nvGrpSpPr>
+        <p:cNvPr id="1" name=""/>
+        <p:cNvGrpSpPr/>
+        <p:nvPr/>
+      </p:nvGrpSpPr>
+      <p:grpSpPr>
+        <a:xfrm>
+          <a:off x="0" y="0"/>
+          <a:ext cx="0" cy="0"/>
+          <a:chOff x="0" y="0"/>
+          <a:chExt cx="0" cy="0"/>
+        </a:xfrm>
+      </p:grpSpPr>
+      <p:sp>
+        <p:nvSpPr>
+          <p:cNvPr id="4" name="Rectangle 3">
+            <a:extLst>
+              <a:ext uri="{FF2B5EF4-FFF2-40B4-BE49-F238E27FC236}">
+                <a16:creationId xmlns:a16="http://schemas.microsoft.com/office/drawing/2014/main" id="{E32FDB5F-948B-5849-8985-0B426D4CF701}"/>
+              </a:ext>
+            </a:extLst>
+          </p:cNvPr>
+          <p:cNvSpPr/>
+          <p:nvPr/>
+        </p:nvSpPr>
+        <p:spPr>
+          <a:xfrm>
+            <a:off x="4258236" y="546847"/>
+            <a:ext cx="2034988" cy="5764305"/>
+          </a:xfrm>
+          <a:prstGeom prst="rect">
+            <a:avLst/>
+          </a:prstGeom>
+          <a:solidFill>
+            <a:schemeClr val="accent1">
+              <a:lumMod val="20000"/>
+              <a:lumOff val="80000"/>
+            </a:schemeClr>
+          </a:solidFill>
+        </p:spPr>
+        <p:style>
+          <a:lnRef idx="2">
+            <a:schemeClr val="accent1">
+              <a:shade val="50000"/>
+            </a:schemeClr>
+          </a:lnRef>
+          <a:fillRef idx="1">
+            <a:schemeClr val="accent1"/>
+          </a:fillRef>
+          <a:effectRef idx="0">
+            <a:schemeClr val="accent1"/>
+          </a:effectRef>
+          <a:fontRef idx="minor">
+            <a:schemeClr val="lt1"/>
+          </a:fontRef>
+        </p:style>
+        <p:txBody>
+          <a:bodyPr rtlCol="0" anchor="ctr"/>
+          <a:lstStyle/>
+          <a:p>
+            <a:pPr algn="ctr"/>
+            <a:endParaRPr lang="en-GB"/>
+          </a:p>
+        </p:txBody>
+      </p:sp>
+      <p:sp>
+        <p:nvSpPr>
+          <p:cNvPr id="5" name="Left Brace 4">
+            <a:extLst>
+              <a:ext uri="{FF2B5EF4-FFF2-40B4-BE49-F238E27FC236}">
+                <a16:creationId xmlns:a16="http://schemas.microsoft.com/office/drawing/2014/main" id="{D9EBD66D-7054-1343-8C92-47DB36F32D2D}"/>
+              </a:ext>
+            </a:extLst>
+          </p:cNvPr>
+          <p:cNvSpPr/>
+          <p:nvPr/>
+        </p:nvSpPr>
+        <p:spPr>
+          <a:xfrm>
+            <a:off x="3182471" y="546847"/>
+            <a:ext cx="824753" cy="5773271"/>
+          </a:xfrm>
+          <a:prstGeom prst="leftBrace">
+            <a:avLst/>
+          </a:prstGeom>
+          <a:ln w="38100"/>
+        </p:spPr>
+        <p:style>
+          <a:lnRef idx="1">
+            <a:schemeClr val="accent1"/>
+          </a:lnRef>
+          <a:fillRef idx="0">
+            <a:schemeClr val="accent1"/>
+          </a:fillRef>
+          <a:effectRef idx="0">
+            <a:schemeClr val="accent1"/>
+          </a:effectRef>
+          <a:fontRef idx="minor">
+            <a:schemeClr val="tx1"/>
+          </a:fontRef>
+        </p:style>
+        <p:txBody>
+          <a:bodyPr rtlCol="0" anchor="ctr"/>
+          <a:lstStyle/>
+          <a:p>
+            <a:pPr algn="ctr"/>
+            <a:endParaRPr lang="en-GB"/>
+          </a:p>
+        </p:txBody>
+      </p:sp>
+      <p:sp>
+        <p:nvSpPr>
+          <p:cNvPr id="6" name="Rectangle 5">
+            <a:extLst>
+              <a:ext uri="{FF2B5EF4-FFF2-40B4-BE49-F238E27FC236}">
+                <a16:creationId xmlns:a16="http://schemas.microsoft.com/office/drawing/2014/main" id="{E81B709F-511C-2F47-BD59-F3899747C041}"/>
+              </a:ext>
+            </a:extLst>
+          </p:cNvPr>
+          <p:cNvSpPr/>
+          <p:nvPr/>
+        </p:nvSpPr>
+        <p:spPr>
+          <a:xfrm>
+            <a:off x="4258236" y="5450541"/>
+            <a:ext cx="2034988" cy="860611"/>
+          </a:xfrm>
+          <a:prstGeom prst="rect">
+            <a:avLst/>
+          </a:prstGeom>
+        </p:spPr>
+        <p:style>
+          <a:lnRef idx="2">
+            <a:schemeClr val="accent1">
+              <a:shade val="50000"/>
+            </a:schemeClr>
+          </a:lnRef>
+          <a:fillRef idx="1">
+            <a:schemeClr val="accent1"/>
+          </a:fillRef>
+          <a:effectRef idx="0">
+            <a:schemeClr val="accent1"/>
+          </a:effectRef>
+          <a:fontRef idx="minor">
+            <a:schemeClr val="lt1"/>
+          </a:fontRef>
+        </p:style>
+        <p:txBody>
+          <a:bodyPr rtlCol="0" anchor="ctr"/>
+          <a:lstStyle/>
+          <a:p>
+            <a:pPr algn="ctr"/>
+            <a:r>
+              <a:rPr lang="en-GB" dirty="0"/>
+              <a:t>Text</a:t>
+            </a:r>
+          </a:p>
+        </p:txBody>
+      </p:sp>
+      <p:sp>
+        <p:nvSpPr>
+          <p:cNvPr id="7" name="Rectangle 6">
+            <a:extLst>
+              <a:ext uri="{FF2B5EF4-FFF2-40B4-BE49-F238E27FC236}">
+                <a16:creationId xmlns:a16="http://schemas.microsoft.com/office/drawing/2014/main" id="{44CC2FFF-B1D6-C44D-92E4-D2043043B661}"/>
+              </a:ext>
+            </a:extLst>
+          </p:cNvPr>
+          <p:cNvSpPr/>
+          <p:nvPr/>
+        </p:nvSpPr>
+        <p:spPr>
+          <a:xfrm>
+            <a:off x="4258236" y="4589930"/>
+            <a:ext cx="2034988" cy="860611"/>
+          </a:xfrm>
+          <a:prstGeom prst="rect">
+            <a:avLst/>
+          </a:prstGeom>
+        </p:spPr>
+        <p:style>
+          <a:lnRef idx="2">
+            <a:schemeClr val="accent1">
+              <a:shade val="50000"/>
+            </a:schemeClr>
+          </a:lnRef>
+          <a:fillRef idx="1">
+            <a:schemeClr val="accent1"/>
+          </a:fillRef>
+          <a:effectRef idx="0">
+            <a:schemeClr val="accent1"/>
+          </a:effectRef>
+          <a:fontRef idx="minor">
+            <a:schemeClr val="lt1"/>
+          </a:fontRef>
+        </p:style>
+        <p:txBody>
+          <a:bodyPr rtlCol="0" anchor="ctr"/>
+          <a:lstStyle/>
+          <a:p>
+            <a:pPr algn="ctr"/>
+            <a:r>
+              <a:rPr lang="en-GB" dirty="0"/>
+              <a:t>Data</a:t>
+            </a:r>
+          </a:p>
+        </p:txBody>
+      </p:sp>
+      <p:sp>
+        <p:nvSpPr>
+          <p:cNvPr id="8" name="Rectangle 7">
+            <a:extLst>
+              <a:ext uri="{FF2B5EF4-FFF2-40B4-BE49-F238E27FC236}">
+                <a16:creationId xmlns:a16="http://schemas.microsoft.com/office/drawing/2014/main" id="{4D4BE88F-D9EE-4446-9AFC-D5A0ADFCAF2B}"/>
+              </a:ext>
+            </a:extLst>
+          </p:cNvPr>
+          <p:cNvSpPr/>
+          <p:nvPr/>
+        </p:nvSpPr>
+        <p:spPr>
+          <a:xfrm>
+            <a:off x="4258236" y="3272119"/>
+            <a:ext cx="2034988" cy="1317812"/>
+          </a:xfrm>
+          <a:prstGeom prst="rect">
+            <a:avLst/>
+          </a:prstGeom>
+        </p:spPr>
+        <p:style>
+          <a:lnRef idx="2">
+            <a:schemeClr val="accent1">
+              <a:shade val="50000"/>
+            </a:schemeClr>
+          </a:lnRef>
+          <a:fillRef idx="1">
+            <a:schemeClr val="accent1"/>
+          </a:fillRef>
+          <a:effectRef idx="0">
+            <a:schemeClr val="accent1"/>
+          </a:effectRef>
+          <a:fontRef idx="minor">
+            <a:schemeClr val="lt1"/>
+          </a:fontRef>
+        </p:style>
+        <p:txBody>
+          <a:bodyPr rtlCol="0" anchor="ctr"/>
+          <a:lstStyle/>
+          <a:p>
+            <a:pPr algn="ctr"/>
+            <a:r>
+              <a:rPr lang="en-GB" dirty="0"/>
+              <a:t>Heap</a:t>
+            </a:r>
+          </a:p>
+        </p:txBody>
+      </p:sp>
+      <p:sp>
+        <p:nvSpPr>
+          <p:cNvPr id="9" name="Rectangle 8">
+            <a:extLst>
+              <a:ext uri="{FF2B5EF4-FFF2-40B4-BE49-F238E27FC236}">
+                <a16:creationId xmlns:a16="http://schemas.microsoft.com/office/drawing/2014/main" id="{673D868E-F8F4-E54B-9154-F7AABF4DA868}"/>
+              </a:ext>
+            </a:extLst>
+          </p:cNvPr>
+          <p:cNvSpPr/>
+          <p:nvPr/>
+        </p:nvSpPr>
+        <p:spPr>
+          <a:xfrm>
+            <a:off x="4258236" y="546848"/>
+            <a:ext cx="2034988" cy="1066799"/>
+          </a:xfrm>
+          <a:prstGeom prst="rect">
+            <a:avLst/>
+          </a:prstGeom>
+        </p:spPr>
+        <p:style>
+          <a:lnRef idx="2">
+            <a:schemeClr val="accent1">
+              <a:shade val="50000"/>
+            </a:schemeClr>
+          </a:lnRef>
+          <a:fillRef idx="1">
+            <a:schemeClr val="accent1"/>
+          </a:fillRef>
+          <a:effectRef idx="0">
+            <a:schemeClr val="accent1"/>
+          </a:effectRef>
+          <a:fontRef idx="minor">
+            <a:schemeClr val="lt1"/>
+          </a:fontRef>
+        </p:style>
+        <p:txBody>
+          <a:bodyPr rtlCol="0" anchor="ctr"/>
+          <a:lstStyle/>
+          <a:p>
+            <a:pPr algn="ctr"/>
+            <a:r>
+              <a:rPr lang="en-GB" dirty="0"/>
+              <a:t>Stack</a:t>
+            </a:r>
+          </a:p>
+        </p:txBody>
+      </p:sp>
+      <p:sp>
+        <p:nvSpPr>
+          <p:cNvPr id="10" name="TextBox 9">
+            <a:extLst>
+              <a:ext uri="{FF2B5EF4-FFF2-40B4-BE49-F238E27FC236}">
+                <a16:creationId xmlns:a16="http://schemas.microsoft.com/office/drawing/2014/main" id="{6A2C8BB7-C112-6C44-9F96-82FF8FE9E6D3}"/>
+              </a:ext>
+            </a:extLst>
+          </p:cNvPr>
+          <p:cNvSpPr txBox="1"/>
+          <p:nvPr/>
+        </p:nvSpPr>
+        <p:spPr>
+          <a:xfrm>
+            <a:off x="1483661" y="3105833"/>
+            <a:ext cx="1855693" cy="646331"/>
+          </a:xfrm>
+          <a:prstGeom prst="rect">
+            <a:avLst/>
+          </a:prstGeom>
+          <a:noFill/>
+        </p:spPr>
+        <p:txBody>
+          <a:bodyPr wrap="square" rtlCol="0">
+            <a:spAutoFit/>
+          </a:bodyPr>
+          <a:lstStyle/>
+          <a:p>
+            <a:pPr algn="r"/>
+            <a:r>
+              <a:rPr lang="en-GB" dirty="0"/>
+              <a:t>Memory available to a process</a:t>
+            </a:r>
+          </a:p>
+        </p:txBody>
+      </p:sp>
+      <p:cxnSp>
+        <p:nvCxnSpPr>
+          <p:cNvPr id="12" name="Straight Arrow Connector 11">
+            <a:extLst>
+              <a:ext uri="{FF2B5EF4-FFF2-40B4-BE49-F238E27FC236}">
+                <a16:creationId xmlns:a16="http://schemas.microsoft.com/office/drawing/2014/main" id="{F1C02B33-31C0-2146-99DA-F7B47C23E1E3}"/>
+              </a:ext>
+            </a:extLst>
+          </p:cNvPr>
+          <p:cNvCxnSpPr>
+            <a:cxnSpLocks/>
+            <a:stCxn id="8" idx="0"/>
+          </p:cNvCxnSpPr>
+          <p:nvPr/>
+        </p:nvCxnSpPr>
+        <p:spPr>
+          <a:xfrm flipV="1">
+            <a:off x="5275730" y="2734235"/>
+            <a:ext cx="0" cy="537884"/>
+          </a:xfrm>
+          <a:prstGeom prst="straightConnector1">
+            <a:avLst/>
+          </a:prstGeom>
+          <a:ln w="38100">
+            <a:tailEnd type="triangle"/>
+          </a:ln>
+        </p:spPr>
+        <p:style>
+          <a:lnRef idx="1">
+            <a:schemeClr val="accent1"/>
+          </a:lnRef>
+          <a:fillRef idx="0">
+            <a:schemeClr val="accent1"/>
+          </a:fillRef>
+          <a:effectRef idx="0">
+            <a:schemeClr val="accent1"/>
+          </a:effectRef>
+          <a:fontRef idx="minor">
+            <a:schemeClr val="tx1"/>
+          </a:fontRef>
+        </p:style>
+      </p:cxnSp>
+      <p:cxnSp>
+        <p:nvCxnSpPr>
+          <p:cNvPr id="13" name="Straight Arrow Connector 12">
+            <a:extLst>
+              <a:ext uri="{FF2B5EF4-FFF2-40B4-BE49-F238E27FC236}">
+                <a16:creationId xmlns:a16="http://schemas.microsoft.com/office/drawing/2014/main" id="{AFCD793F-873D-B54F-AA31-6AFAFC0A9BB5}"/>
+              </a:ext>
+            </a:extLst>
+          </p:cNvPr>
+          <p:cNvCxnSpPr>
+            <a:cxnSpLocks/>
+            <a:stCxn id="9" idx="2"/>
+          </p:cNvCxnSpPr>
+          <p:nvPr/>
+        </p:nvCxnSpPr>
+        <p:spPr>
+          <a:xfrm>
+            <a:off x="5275730" y="1613647"/>
+            <a:ext cx="0" cy="560295"/>
+          </a:xfrm>
+          <a:prstGeom prst="straightConnector1">
+            <a:avLst/>
+          </a:prstGeom>
+          <a:ln w="38100">
+            <a:tailEnd type="triangle"/>
+          </a:ln>
+        </p:spPr>
+        <p:style>
+          <a:lnRef idx="1">
+            <a:schemeClr val="accent1"/>
+          </a:lnRef>
+          <a:fillRef idx="0">
+            <a:schemeClr val="accent1"/>
+          </a:fillRef>
+          <a:effectRef idx="0">
+            <a:schemeClr val="accent1"/>
+          </a:effectRef>
+          <a:fontRef idx="minor">
+            <a:schemeClr val="tx1"/>
+          </a:fontRef>
+        </p:style>
+      </p:cxnSp>
+      <p:sp>
+        <p:nvSpPr>
+          <p:cNvPr id="17" name="Left Brace 16">
+            <a:extLst>
+              <a:ext uri="{FF2B5EF4-FFF2-40B4-BE49-F238E27FC236}">
+                <a16:creationId xmlns:a16="http://schemas.microsoft.com/office/drawing/2014/main" id="{33E1539E-A78E-FC42-AB77-12D1C56F274B}"/>
+              </a:ext>
+            </a:extLst>
+          </p:cNvPr>
+          <p:cNvSpPr/>
+          <p:nvPr/>
+        </p:nvSpPr>
+        <p:spPr>
+          <a:xfrm rot="10800000">
+            <a:off x="6544236" y="1613647"/>
+            <a:ext cx="824753" cy="1658472"/>
+          </a:xfrm>
+          <a:prstGeom prst="leftBrace">
+            <a:avLst/>
+          </a:prstGeom>
+          <a:ln w="12700"/>
+        </p:spPr>
+        <p:style>
+          <a:lnRef idx="1">
+            <a:schemeClr val="accent1"/>
+          </a:lnRef>
+          <a:fillRef idx="0">
+            <a:schemeClr val="accent1"/>
+          </a:fillRef>
+          <a:effectRef idx="0">
+            <a:schemeClr val="accent1"/>
+          </a:effectRef>
+          <a:fontRef idx="minor">
+            <a:schemeClr val="tx1"/>
+          </a:fontRef>
+        </p:style>
+        <p:txBody>
+          <a:bodyPr rtlCol="0" anchor="ctr"/>
+          <a:lstStyle/>
+          <a:p>
+            <a:pPr algn="ctr"/>
+            <a:endParaRPr lang="en-GB"/>
+          </a:p>
+        </p:txBody>
+      </p:sp>
+      <p:sp>
+        <p:nvSpPr>
+          <p:cNvPr id="18" name="TextBox 17">
+            <a:extLst>
+              <a:ext uri="{FF2B5EF4-FFF2-40B4-BE49-F238E27FC236}">
+                <a16:creationId xmlns:a16="http://schemas.microsoft.com/office/drawing/2014/main" id="{A4EAD242-AD4F-EB46-ACCD-53D57192E76A}"/>
+              </a:ext>
+            </a:extLst>
+          </p:cNvPr>
+          <p:cNvSpPr txBox="1"/>
+          <p:nvPr/>
+        </p:nvSpPr>
+        <p:spPr>
+          <a:xfrm>
+            <a:off x="7212106" y="2087904"/>
+            <a:ext cx="1855693" cy="646331"/>
+          </a:xfrm>
+          <a:prstGeom prst="rect">
+            <a:avLst/>
+          </a:prstGeom>
+          <a:noFill/>
+        </p:spPr>
+        <p:txBody>
+          <a:bodyPr wrap="square" rtlCol="0">
+            <a:spAutoFit/>
+          </a:bodyPr>
+          <a:lstStyle/>
+          <a:p>
+            <a:r>
+              <a:rPr lang="en-GB" dirty="0"/>
+              <a:t>Free memory available</a:t>
+            </a:r>
+          </a:p>
+        </p:txBody>
+      </p:sp>
+    </p:spTree>
+    <p:extLst>
+      <p:ext uri="{BB962C8B-B14F-4D97-AF65-F5344CB8AC3E}">
+        <p14:creationId xmlns:p14="http://schemas.microsoft.com/office/powerpoint/2010/main" val="554229952"/>
+      </p:ext>
+    </p:extLst>
+  </p:cSld>
+  <p:clrMapOvr>
+    <a:masterClrMapping/>
+  </p:clrMapOvr>
+</p:sld>
+</file>
+
+<file path=ppt/slides/slide3.xml><?xml version="1.0" encoding="utf-8"?>
 <p:sld xmlns:a="http://schemas.openxmlformats.org/drawingml/2006/main" xmlns:r="http://schemas.openxmlformats.org/officeDocument/2006/relationships" xmlns:p="http://schemas.openxmlformats.org/presentationml/2006/main">
   <p:cSld>
     <p:spTree>

--- a/assets/images/Images.pptx
+++ b/assets/images/Images.pptx
@@ -5,12 +5,16 @@
     <p:sldMasterId id="2147483648" r:id="rId1"/>
   </p:sldMasterIdLst>
   <p:notesMasterIdLst>
-    <p:notesMasterId r:id="rId5"/>
+    <p:notesMasterId r:id="rId9"/>
   </p:notesMasterIdLst>
   <p:sldIdLst>
     <p:sldId id="257" r:id="rId2"/>
     <p:sldId id="258" r:id="rId3"/>
-    <p:sldId id="256" r:id="rId4"/>
+    <p:sldId id="259" r:id="rId4"/>
+    <p:sldId id="260" r:id="rId5"/>
+    <p:sldId id="261" r:id="rId6"/>
+    <p:sldId id="262" r:id="rId7"/>
+    <p:sldId id="256" r:id="rId8"/>
   </p:sldIdLst>
   <p:sldSz cx="12192000" cy="6858000"/>
   <p:notesSz cx="6858000" cy="9144000"/>
@@ -120,6 +124,10 @@
         <p14:section name="Data Types" id="{D2EF745B-DF6F-1149-A956-99F8C5570964}">
           <p14:sldIdLst>
             <p14:sldId id="258"/>
+            <p14:sldId id="259"/>
+            <p14:sldId id="260"/>
+            <p14:sldId id="261"/>
+            <p14:sldId id="262"/>
           </p14:sldIdLst>
         </p14:section>
         <p14:section name="Testing" id="{064BBB82-ADB6-E844-9D9E-44CD43DCBE9F}">
@@ -5005,6 +5013,1136 @@
 </file>
 
 <file path=ppt/slides/slide3.xml><?xml version="1.0" encoding="utf-8"?>
+<p:sld xmlns:a="http://schemas.openxmlformats.org/drawingml/2006/main" xmlns:r="http://schemas.openxmlformats.org/officeDocument/2006/relationships" xmlns:p="http://schemas.openxmlformats.org/presentationml/2006/main">
+  <p:cSld>
+    <p:spTree>
+      <p:nvGrpSpPr>
+        <p:cNvPr id="1" name=""/>
+        <p:cNvGrpSpPr/>
+        <p:nvPr/>
+      </p:nvGrpSpPr>
+      <p:grpSpPr>
+        <a:xfrm>
+          <a:off x="0" y="0"/>
+          <a:ext cx="0" cy="0"/>
+          <a:chOff x="0" y="0"/>
+          <a:chExt cx="0" cy="0"/>
+        </a:xfrm>
+      </p:grpSpPr>
+      <p:sp>
+        <p:nvSpPr>
+          <p:cNvPr id="5" name="Rectangle 4">
+            <a:extLst>
+              <a:ext uri="{FF2B5EF4-FFF2-40B4-BE49-F238E27FC236}">
+                <a16:creationId xmlns:a16="http://schemas.microsoft.com/office/drawing/2014/main" id="{5BCC71AA-52B2-0E4A-AEDB-BA54AE9CA39C}"/>
+              </a:ext>
+            </a:extLst>
+          </p:cNvPr>
+          <p:cNvSpPr/>
+          <p:nvPr/>
+        </p:nvSpPr>
+        <p:spPr>
+          <a:xfrm>
+            <a:off x="4123766" y="1878106"/>
+            <a:ext cx="2034988" cy="923364"/>
+          </a:xfrm>
+          <a:prstGeom prst="rect">
+            <a:avLst/>
+          </a:prstGeom>
+          <a:solidFill>
+            <a:schemeClr val="accent2">
+              <a:lumMod val="40000"/>
+              <a:lumOff val="60000"/>
+            </a:schemeClr>
+          </a:solidFill>
+        </p:spPr>
+        <p:style>
+          <a:lnRef idx="2">
+            <a:schemeClr val="accent1">
+              <a:shade val="50000"/>
+            </a:schemeClr>
+          </a:lnRef>
+          <a:fillRef idx="1">
+            <a:schemeClr val="accent1"/>
+          </a:fillRef>
+          <a:effectRef idx="0">
+            <a:schemeClr val="accent1"/>
+          </a:effectRef>
+          <a:fontRef idx="minor">
+            <a:schemeClr val="lt1"/>
+          </a:fontRef>
+        </p:style>
+        <p:txBody>
+          <a:bodyPr rtlCol="0" anchor="ctr"/>
+          <a:lstStyle/>
+          <a:p>
+            <a:pPr algn="ctr"/>
+            <a:r>
+              <a:rPr lang="en-GB" dirty="0"/>
+              <a:t>main() </a:t>
+            </a:r>
+          </a:p>
+        </p:txBody>
+      </p:sp>
+      <p:sp>
+        <p:nvSpPr>
+          <p:cNvPr id="9" name="Rectangle 8">
+            <a:extLst>
+              <a:ext uri="{FF2B5EF4-FFF2-40B4-BE49-F238E27FC236}">
+                <a16:creationId xmlns:a16="http://schemas.microsoft.com/office/drawing/2014/main" id="{425E895A-F0DE-AC44-984C-7DCF1AE95F8D}"/>
+              </a:ext>
+            </a:extLst>
+          </p:cNvPr>
+          <p:cNvSpPr/>
+          <p:nvPr/>
+        </p:nvSpPr>
+        <p:spPr>
+          <a:xfrm>
+            <a:off x="4123766" y="2801470"/>
+            <a:ext cx="2034988" cy="694765"/>
+          </a:xfrm>
+          <a:prstGeom prst="rect">
+            <a:avLst/>
+          </a:prstGeom>
+          <a:solidFill>
+            <a:schemeClr val="accent2"/>
+          </a:solidFill>
+        </p:spPr>
+        <p:style>
+          <a:lnRef idx="2">
+            <a:schemeClr val="accent1">
+              <a:shade val="50000"/>
+            </a:schemeClr>
+          </a:lnRef>
+          <a:fillRef idx="1">
+            <a:schemeClr val="accent1"/>
+          </a:fillRef>
+          <a:effectRef idx="0">
+            <a:schemeClr val="accent1"/>
+          </a:effectRef>
+          <a:fontRef idx="minor">
+            <a:schemeClr val="lt1"/>
+          </a:fontRef>
+        </p:style>
+        <p:txBody>
+          <a:bodyPr rtlCol="0" anchor="ctr"/>
+          <a:lstStyle/>
+          <a:p>
+            <a:pPr algn="ctr"/>
+            <a:r>
+              <a:rPr lang="en-GB" dirty="0"/>
+              <a:t>printf() </a:t>
+            </a:r>
+          </a:p>
+        </p:txBody>
+      </p:sp>
+      <p:sp>
+        <p:nvSpPr>
+          <p:cNvPr id="10" name="Left Brace 9">
+            <a:extLst>
+              <a:ext uri="{FF2B5EF4-FFF2-40B4-BE49-F238E27FC236}">
+                <a16:creationId xmlns:a16="http://schemas.microsoft.com/office/drawing/2014/main" id="{26DE15B0-A5FF-494B-BE23-2C799E633A46}"/>
+              </a:ext>
+            </a:extLst>
+          </p:cNvPr>
+          <p:cNvSpPr/>
+          <p:nvPr/>
+        </p:nvSpPr>
+        <p:spPr>
+          <a:xfrm>
+            <a:off x="3155577" y="1878106"/>
+            <a:ext cx="824753" cy="1618129"/>
+          </a:xfrm>
+          <a:prstGeom prst="leftBrace">
+            <a:avLst/>
+          </a:prstGeom>
+          <a:ln w="12700"/>
+        </p:spPr>
+        <p:style>
+          <a:lnRef idx="1">
+            <a:schemeClr val="accent1"/>
+          </a:lnRef>
+          <a:fillRef idx="0">
+            <a:schemeClr val="accent1"/>
+          </a:fillRef>
+          <a:effectRef idx="0">
+            <a:schemeClr val="accent1"/>
+          </a:effectRef>
+          <a:fontRef idx="minor">
+            <a:schemeClr val="tx1"/>
+          </a:fontRef>
+        </p:style>
+        <p:txBody>
+          <a:bodyPr rtlCol="0" anchor="ctr"/>
+          <a:lstStyle/>
+          <a:p>
+            <a:pPr algn="ctr"/>
+            <a:endParaRPr lang="en-GB"/>
+          </a:p>
+        </p:txBody>
+      </p:sp>
+      <p:sp>
+        <p:nvSpPr>
+          <p:cNvPr id="11" name="TextBox 10">
+            <a:extLst>
+              <a:ext uri="{FF2B5EF4-FFF2-40B4-BE49-F238E27FC236}">
+                <a16:creationId xmlns:a16="http://schemas.microsoft.com/office/drawing/2014/main" id="{CD3F9649-41A2-9246-AFE8-6CE32264EBFC}"/>
+              </a:ext>
+            </a:extLst>
+          </p:cNvPr>
+          <p:cNvSpPr txBox="1"/>
+          <p:nvPr/>
+        </p:nvSpPr>
+        <p:spPr>
+          <a:xfrm>
+            <a:off x="1980307" y="2364004"/>
+            <a:ext cx="1354566" cy="646331"/>
+          </a:xfrm>
+          <a:prstGeom prst="rect">
+            <a:avLst/>
+          </a:prstGeom>
+          <a:noFill/>
+        </p:spPr>
+        <p:txBody>
+          <a:bodyPr wrap="square" rtlCol="0">
+            <a:spAutoFit/>
+          </a:bodyPr>
+          <a:lstStyle/>
+          <a:p>
+            <a:pPr algn="r"/>
+            <a:r>
+              <a:rPr lang="en-GB" dirty="0"/>
+              <a:t>The current stack</a:t>
+            </a:r>
+          </a:p>
+        </p:txBody>
+      </p:sp>
+      <p:sp>
+        <p:nvSpPr>
+          <p:cNvPr id="12" name="TextBox 11">
+            <a:extLst>
+              <a:ext uri="{FF2B5EF4-FFF2-40B4-BE49-F238E27FC236}">
+                <a16:creationId xmlns:a16="http://schemas.microsoft.com/office/drawing/2014/main" id="{18E95D89-07FA-CE4F-A466-20C9C4FA90B9}"/>
+              </a:ext>
+            </a:extLst>
+          </p:cNvPr>
+          <p:cNvSpPr txBox="1"/>
+          <p:nvPr/>
+        </p:nvSpPr>
+        <p:spPr>
+          <a:xfrm>
+            <a:off x="6381975" y="2155122"/>
+            <a:ext cx="2526333" cy="369332"/>
+          </a:xfrm>
+          <a:prstGeom prst="rect">
+            <a:avLst/>
+          </a:prstGeom>
+          <a:noFill/>
+        </p:spPr>
+        <p:txBody>
+          <a:bodyPr wrap="none" rtlCol="0">
+            <a:spAutoFit/>
+          </a:bodyPr>
+          <a:lstStyle/>
+          <a:p>
+            <a:r>
+              <a:rPr lang="en-GB" dirty="0"/>
+              <a:t>The first method invoked</a:t>
+            </a:r>
+          </a:p>
+        </p:txBody>
+      </p:sp>
+      <p:sp>
+        <p:nvSpPr>
+          <p:cNvPr id="13" name="TextBox 12">
+            <a:extLst>
+              <a:ext uri="{FF2B5EF4-FFF2-40B4-BE49-F238E27FC236}">
+                <a16:creationId xmlns:a16="http://schemas.microsoft.com/office/drawing/2014/main" id="{F1FF435C-EF88-1748-A9C6-B479A7A7FB79}"/>
+              </a:ext>
+            </a:extLst>
+          </p:cNvPr>
+          <p:cNvSpPr txBox="1"/>
+          <p:nvPr/>
+        </p:nvSpPr>
+        <p:spPr>
+          <a:xfrm>
+            <a:off x="6381974" y="2687187"/>
+            <a:ext cx="2526333" cy="923330"/>
+          </a:xfrm>
+          <a:prstGeom prst="rect">
+            <a:avLst/>
+          </a:prstGeom>
+          <a:noFill/>
+        </p:spPr>
+        <p:txBody>
+          <a:bodyPr wrap="square" rtlCol="0">
+            <a:spAutoFit/>
+          </a:bodyPr>
+          <a:lstStyle/>
+          <a:p>
+            <a:r>
+              <a:rPr lang="en-GB" dirty="0"/>
+              <a:t>The last method invoked and currently active method</a:t>
+            </a:r>
+          </a:p>
+        </p:txBody>
+      </p:sp>
+    </p:spTree>
+    <p:extLst>
+      <p:ext uri="{BB962C8B-B14F-4D97-AF65-F5344CB8AC3E}">
+        <p14:creationId xmlns:p14="http://schemas.microsoft.com/office/powerpoint/2010/main" val="1574445373"/>
+      </p:ext>
+    </p:extLst>
+  </p:cSld>
+  <p:clrMapOvr>
+    <a:masterClrMapping/>
+  </p:clrMapOvr>
+</p:sld>
+</file>
+
+<file path=ppt/slides/slide4.xml><?xml version="1.0" encoding="utf-8"?>
+<p:sld xmlns:a="http://schemas.openxmlformats.org/drawingml/2006/main" xmlns:r="http://schemas.openxmlformats.org/officeDocument/2006/relationships" xmlns:p="http://schemas.openxmlformats.org/presentationml/2006/main">
+  <p:cSld>
+    <p:spTree>
+      <p:nvGrpSpPr>
+        <p:cNvPr id="1" name=""/>
+        <p:cNvGrpSpPr/>
+        <p:nvPr/>
+      </p:nvGrpSpPr>
+      <p:grpSpPr>
+        <a:xfrm>
+          <a:off x="0" y="0"/>
+          <a:ext cx="0" cy="0"/>
+          <a:chOff x="0" y="0"/>
+          <a:chExt cx="0" cy="0"/>
+        </a:xfrm>
+      </p:grpSpPr>
+      <p:sp>
+        <p:nvSpPr>
+          <p:cNvPr id="4" name="Rectangle 3">
+            <a:extLst>
+              <a:ext uri="{FF2B5EF4-FFF2-40B4-BE49-F238E27FC236}">
+                <a16:creationId xmlns:a16="http://schemas.microsoft.com/office/drawing/2014/main" id="{3A24C515-C22E-FB47-A16F-4030558B9D04}"/>
+              </a:ext>
+            </a:extLst>
+          </p:cNvPr>
+          <p:cNvSpPr/>
+          <p:nvPr/>
+        </p:nvSpPr>
+        <p:spPr>
+          <a:xfrm>
+            <a:off x="4061012" y="936812"/>
+            <a:ext cx="2034988" cy="923364"/>
+          </a:xfrm>
+          <a:prstGeom prst="rect">
+            <a:avLst/>
+          </a:prstGeom>
+          <a:solidFill>
+            <a:schemeClr val="accent2">
+              <a:lumMod val="40000"/>
+              <a:lumOff val="60000"/>
+            </a:schemeClr>
+          </a:solidFill>
+        </p:spPr>
+        <p:style>
+          <a:lnRef idx="2">
+            <a:schemeClr val="accent1">
+              <a:shade val="50000"/>
+            </a:schemeClr>
+          </a:lnRef>
+          <a:fillRef idx="1">
+            <a:schemeClr val="accent1"/>
+          </a:fillRef>
+          <a:effectRef idx="0">
+            <a:schemeClr val="accent1"/>
+          </a:effectRef>
+          <a:fontRef idx="minor">
+            <a:schemeClr val="lt1"/>
+          </a:fontRef>
+        </p:style>
+        <p:txBody>
+          <a:bodyPr rtlCol="0" anchor="ctr"/>
+          <a:lstStyle/>
+          <a:p>
+            <a:pPr algn="ctr"/>
+            <a:r>
+              <a:rPr lang="en-GB" dirty="0"/>
+              <a:t>main() </a:t>
+            </a:r>
+          </a:p>
+        </p:txBody>
+      </p:sp>
+      <p:sp>
+        <p:nvSpPr>
+          <p:cNvPr id="6" name="Left Brace 5">
+            <a:extLst>
+              <a:ext uri="{FF2B5EF4-FFF2-40B4-BE49-F238E27FC236}">
+                <a16:creationId xmlns:a16="http://schemas.microsoft.com/office/drawing/2014/main" id="{50E08EF0-39AE-3A41-B28D-BBF793D23F3B}"/>
+              </a:ext>
+            </a:extLst>
+          </p:cNvPr>
+          <p:cNvSpPr/>
+          <p:nvPr/>
+        </p:nvSpPr>
+        <p:spPr>
+          <a:xfrm>
+            <a:off x="3092823" y="936811"/>
+            <a:ext cx="824753" cy="3872753"/>
+          </a:xfrm>
+          <a:prstGeom prst="leftBrace">
+            <a:avLst/>
+          </a:prstGeom>
+          <a:ln w="12700"/>
+        </p:spPr>
+        <p:style>
+          <a:lnRef idx="1">
+            <a:schemeClr val="accent1"/>
+          </a:lnRef>
+          <a:fillRef idx="0">
+            <a:schemeClr val="accent1"/>
+          </a:fillRef>
+          <a:effectRef idx="0">
+            <a:schemeClr val="accent1"/>
+          </a:effectRef>
+          <a:fontRef idx="minor">
+            <a:schemeClr val="tx1"/>
+          </a:fontRef>
+        </p:style>
+        <p:txBody>
+          <a:bodyPr rtlCol="0" anchor="ctr"/>
+          <a:lstStyle/>
+          <a:p>
+            <a:pPr algn="ctr"/>
+            <a:endParaRPr lang="en-GB"/>
+          </a:p>
+        </p:txBody>
+      </p:sp>
+      <p:sp>
+        <p:nvSpPr>
+          <p:cNvPr id="8" name="TextBox 7">
+            <a:extLst>
+              <a:ext uri="{FF2B5EF4-FFF2-40B4-BE49-F238E27FC236}">
+                <a16:creationId xmlns:a16="http://schemas.microsoft.com/office/drawing/2014/main" id="{0292A989-9459-294E-8CED-A42313E344D4}"/>
+              </a:ext>
+            </a:extLst>
+          </p:cNvPr>
+          <p:cNvSpPr txBox="1"/>
+          <p:nvPr/>
+        </p:nvSpPr>
+        <p:spPr>
+          <a:xfrm>
+            <a:off x="6319221" y="1213828"/>
+            <a:ext cx="2526333" cy="369332"/>
+          </a:xfrm>
+          <a:prstGeom prst="rect">
+            <a:avLst/>
+          </a:prstGeom>
+          <a:noFill/>
+        </p:spPr>
+        <p:txBody>
+          <a:bodyPr wrap="none" rtlCol="0">
+            <a:spAutoFit/>
+          </a:bodyPr>
+          <a:lstStyle/>
+          <a:p>
+            <a:r>
+              <a:rPr lang="en-GB" dirty="0"/>
+              <a:t>The first method invoked</a:t>
+            </a:r>
+          </a:p>
+        </p:txBody>
+      </p:sp>
+      <p:sp>
+        <p:nvSpPr>
+          <p:cNvPr id="9" name="TextBox 8">
+            <a:extLst>
+              <a:ext uri="{FF2B5EF4-FFF2-40B4-BE49-F238E27FC236}">
+                <a16:creationId xmlns:a16="http://schemas.microsoft.com/office/drawing/2014/main" id="{0AFB7868-8072-DA43-B278-A98FC3A401E3}"/>
+              </a:ext>
+            </a:extLst>
+          </p:cNvPr>
+          <p:cNvSpPr txBox="1"/>
+          <p:nvPr/>
+        </p:nvSpPr>
+        <p:spPr>
+          <a:xfrm>
+            <a:off x="6319221" y="4000517"/>
+            <a:ext cx="2526333" cy="923330"/>
+          </a:xfrm>
+          <a:prstGeom prst="rect">
+            <a:avLst/>
+          </a:prstGeom>
+          <a:noFill/>
+        </p:spPr>
+        <p:txBody>
+          <a:bodyPr wrap="square" rtlCol="0">
+            <a:spAutoFit/>
+          </a:bodyPr>
+          <a:lstStyle/>
+          <a:p>
+            <a:r>
+              <a:rPr lang="en-GB" dirty="0"/>
+              <a:t>The last method invoked and currently active method</a:t>
+            </a:r>
+          </a:p>
+        </p:txBody>
+      </p:sp>
+      <p:sp>
+        <p:nvSpPr>
+          <p:cNvPr id="10" name="Rectangle 9">
+            <a:extLst>
+              <a:ext uri="{FF2B5EF4-FFF2-40B4-BE49-F238E27FC236}">
+                <a16:creationId xmlns:a16="http://schemas.microsoft.com/office/drawing/2014/main" id="{A7EDBE50-26D9-8143-89EF-9435118C48F4}"/>
+              </a:ext>
+            </a:extLst>
+          </p:cNvPr>
+          <p:cNvSpPr/>
+          <p:nvPr/>
+        </p:nvSpPr>
+        <p:spPr>
+          <a:xfrm>
+            <a:off x="4061012" y="1860176"/>
+            <a:ext cx="2034988" cy="533400"/>
+          </a:xfrm>
+          <a:prstGeom prst="rect">
+            <a:avLst/>
+          </a:prstGeom>
+          <a:solidFill>
+            <a:schemeClr val="accent2">
+              <a:lumMod val="40000"/>
+              <a:lumOff val="60000"/>
+            </a:schemeClr>
+          </a:solidFill>
+        </p:spPr>
+        <p:style>
+          <a:lnRef idx="2">
+            <a:schemeClr val="accent1">
+              <a:shade val="50000"/>
+            </a:schemeClr>
+          </a:lnRef>
+          <a:fillRef idx="1">
+            <a:schemeClr val="accent1"/>
+          </a:fillRef>
+          <a:effectRef idx="0">
+            <a:schemeClr val="accent1"/>
+          </a:effectRef>
+          <a:fontRef idx="minor">
+            <a:schemeClr val="lt1"/>
+          </a:fontRef>
+        </p:style>
+        <p:txBody>
+          <a:bodyPr rtlCol="0" anchor="ctr"/>
+          <a:lstStyle/>
+          <a:p>
+            <a:pPr algn="ctr"/>
+            <a:r>
+              <a:rPr lang="en-GB" dirty="0"/>
+              <a:t>a() </a:t>
+            </a:r>
+          </a:p>
+        </p:txBody>
+      </p:sp>
+      <p:sp>
+        <p:nvSpPr>
+          <p:cNvPr id="11" name="Rectangle 10">
+            <a:extLst>
+              <a:ext uri="{FF2B5EF4-FFF2-40B4-BE49-F238E27FC236}">
+                <a16:creationId xmlns:a16="http://schemas.microsoft.com/office/drawing/2014/main" id="{AE0EAE64-FD11-BE4B-AC32-99F3A709FD78}"/>
+              </a:ext>
+            </a:extLst>
+          </p:cNvPr>
+          <p:cNvSpPr/>
+          <p:nvPr/>
+        </p:nvSpPr>
+        <p:spPr>
+          <a:xfrm>
+            <a:off x="4061012" y="2393576"/>
+            <a:ext cx="2034988" cy="1721224"/>
+          </a:xfrm>
+          <a:prstGeom prst="rect">
+            <a:avLst/>
+          </a:prstGeom>
+          <a:solidFill>
+            <a:schemeClr val="accent2">
+              <a:lumMod val="40000"/>
+              <a:lumOff val="60000"/>
+            </a:schemeClr>
+          </a:solidFill>
+        </p:spPr>
+        <p:style>
+          <a:lnRef idx="2">
+            <a:schemeClr val="accent1">
+              <a:shade val="50000"/>
+            </a:schemeClr>
+          </a:lnRef>
+          <a:fillRef idx="1">
+            <a:schemeClr val="accent1"/>
+          </a:fillRef>
+          <a:effectRef idx="0">
+            <a:schemeClr val="accent1"/>
+          </a:effectRef>
+          <a:fontRef idx="minor">
+            <a:schemeClr val="lt1"/>
+          </a:fontRef>
+        </p:style>
+        <p:txBody>
+          <a:bodyPr rtlCol="0" anchor="ctr"/>
+          <a:lstStyle/>
+          <a:p>
+            <a:pPr algn="ctr"/>
+            <a:r>
+              <a:rPr lang="en-GB" dirty="0"/>
+              <a:t>b() </a:t>
+            </a:r>
+          </a:p>
+        </p:txBody>
+      </p:sp>
+      <p:sp>
+        <p:nvSpPr>
+          <p:cNvPr id="12" name="Rectangle 11">
+            <a:extLst>
+              <a:ext uri="{FF2B5EF4-FFF2-40B4-BE49-F238E27FC236}">
+                <a16:creationId xmlns:a16="http://schemas.microsoft.com/office/drawing/2014/main" id="{5F9DCA80-69D9-BE49-A306-280341916454}"/>
+              </a:ext>
+            </a:extLst>
+          </p:cNvPr>
+          <p:cNvSpPr/>
+          <p:nvPr/>
+        </p:nvSpPr>
+        <p:spPr>
+          <a:xfrm>
+            <a:off x="4061012" y="4114800"/>
+            <a:ext cx="2034988" cy="694765"/>
+          </a:xfrm>
+          <a:prstGeom prst="rect">
+            <a:avLst/>
+          </a:prstGeom>
+          <a:solidFill>
+            <a:schemeClr val="accent2"/>
+          </a:solidFill>
+        </p:spPr>
+        <p:style>
+          <a:lnRef idx="2">
+            <a:schemeClr val="accent1">
+              <a:shade val="50000"/>
+            </a:schemeClr>
+          </a:lnRef>
+          <a:fillRef idx="1">
+            <a:schemeClr val="accent1"/>
+          </a:fillRef>
+          <a:effectRef idx="0">
+            <a:schemeClr val="accent1"/>
+          </a:effectRef>
+          <a:fontRef idx="minor">
+            <a:schemeClr val="lt1"/>
+          </a:fontRef>
+        </p:style>
+        <p:txBody>
+          <a:bodyPr rtlCol="0" anchor="ctr"/>
+          <a:lstStyle/>
+          <a:p>
+            <a:pPr algn="ctr"/>
+            <a:r>
+              <a:rPr lang="en-GB" dirty="0"/>
+              <a:t>c() </a:t>
+            </a:r>
+          </a:p>
+        </p:txBody>
+      </p:sp>
+      <p:sp>
+        <p:nvSpPr>
+          <p:cNvPr id="13" name="TextBox 12">
+            <a:extLst>
+              <a:ext uri="{FF2B5EF4-FFF2-40B4-BE49-F238E27FC236}">
+                <a16:creationId xmlns:a16="http://schemas.microsoft.com/office/drawing/2014/main" id="{19BCEC0C-8A73-3944-A358-EA2F41AA3983}"/>
+              </a:ext>
+            </a:extLst>
+          </p:cNvPr>
+          <p:cNvSpPr txBox="1"/>
+          <p:nvPr/>
+        </p:nvSpPr>
+        <p:spPr>
+          <a:xfrm>
+            <a:off x="1916653" y="2550021"/>
+            <a:ext cx="1354566" cy="646331"/>
+          </a:xfrm>
+          <a:prstGeom prst="rect">
+            <a:avLst/>
+          </a:prstGeom>
+          <a:noFill/>
+        </p:spPr>
+        <p:txBody>
+          <a:bodyPr wrap="square" rtlCol="0">
+            <a:spAutoFit/>
+          </a:bodyPr>
+          <a:lstStyle/>
+          <a:p>
+            <a:pPr algn="r"/>
+            <a:r>
+              <a:rPr lang="en-GB" dirty="0"/>
+              <a:t>The current stack</a:t>
+            </a:r>
+          </a:p>
+        </p:txBody>
+      </p:sp>
+    </p:spTree>
+    <p:extLst>
+      <p:ext uri="{BB962C8B-B14F-4D97-AF65-F5344CB8AC3E}">
+        <p14:creationId xmlns:p14="http://schemas.microsoft.com/office/powerpoint/2010/main" val="3224260765"/>
+      </p:ext>
+    </p:extLst>
+  </p:cSld>
+  <p:clrMapOvr>
+    <a:masterClrMapping/>
+  </p:clrMapOvr>
+</p:sld>
+</file>
+
+<file path=ppt/slides/slide5.xml><?xml version="1.0" encoding="utf-8"?>
+<p:sld xmlns:a="http://schemas.openxmlformats.org/drawingml/2006/main" xmlns:r="http://schemas.openxmlformats.org/officeDocument/2006/relationships" xmlns:p="http://schemas.openxmlformats.org/presentationml/2006/main">
+  <p:cSld>
+    <p:spTree>
+      <p:nvGrpSpPr>
+        <p:cNvPr id="1" name=""/>
+        <p:cNvGrpSpPr/>
+        <p:nvPr/>
+      </p:nvGrpSpPr>
+      <p:grpSpPr>
+        <a:xfrm>
+          <a:off x="0" y="0"/>
+          <a:ext cx="0" cy="0"/>
+          <a:chOff x="0" y="0"/>
+          <a:chExt cx="0" cy="0"/>
+        </a:xfrm>
+      </p:grpSpPr>
+      <p:pic>
+        <p:nvPicPr>
+          <p:cNvPr id="5" name="Picture 4">
+            <a:extLst>
+              <a:ext uri="{FF2B5EF4-FFF2-40B4-BE49-F238E27FC236}">
+                <a16:creationId xmlns:a16="http://schemas.microsoft.com/office/drawing/2014/main" id="{87FD460C-2F84-C543-8B3B-E7B93608BD8F}"/>
+              </a:ext>
+            </a:extLst>
+          </p:cNvPr>
+          <p:cNvPicPr>
+            <a:picLocks noChangeAspect="1"/>
+          </p:cNvPicPr>
+          <p:nvPr/>
+        </p:nvPicPr>
+        <p:blipFill>
+          <a:blip r:embed="rId2"/>
+          <a:stretch>
+            <a:fillRect/>
+          </a:stretch>
+        </p:blipFill>
+        <p:spPr>
+          <a:xfrm>
+            <a:off x="3623982" y="2311400"/>
+            <a:ext cx="3886200" cy="1117600"/>
+          </a:xfrm>
+          <a:prstGeom prst="rect">
+            <a:avLst/>
+          </a:prstGeom>
+        </p:spPr>
+      </p:pic>
+      <p:sp>
+        <p:nvSpPr>
+          <p:cNvPr id="6" name="Rounded Rectangle 5">
+            <a:extLst>
+              <a:ext uri="{FF2B5EF4-FFF2-40B4-BE49-F238E27FC236}">
+                <a16:creationId xmlns:a16="http://schemas.microsoft.com/office/drawing/2014/main" id="{3F9DB072-4A14-DD44-A923-4364645B7BEE}"/>
+              </a:ext>
+            </a:extLst>
+          </p:cNvPr>
+          <p:cNvSpPr/>
+          <p:nvPr/>
+        </p:nvSpPr>
+        <p:spPr>
+          <a:xfrm>
+            <a:off x="3729317" y="2384611"/>
+            <a:ext cx="1568823" cy="2178424"/>
+          </a:xfrm>
+          <a:prstGeom prst="roundRect">
+            <a:avLst>
+              <a:gd name="adj" fmla="val 6381"/>
+            </a:avLst>
+          </a:prstGeom>
+          <a:noFill/>
+          <a:ln w="38100">
+            <a:solidFill>
+              <a:srgbClr val="C00000"/>
+            </a:solidFill>
+          </a:ln>
+        </p:spPr>
+        <p:style>
+          <a:lnRef idx="2">
+            <a:schemeClr val="accent1">
+              <a:shade val="50000"/>
+            </a:schemeClr>
+          </a:lnRef>
+          <a:fillRef idx="1">
+            <a:schemeClr val="accent1"/>
+          </a:fillRef>
+          <a:effectRef idx="0">
+            <a:schemeClr val="accent1"/>
+          </a:effectRef>
+          <a:fontRef idx="minor">
+            <a:schemeClr val="lt1"/>
+          </a:fontRef>
+        </p:style>
+        <p:txBody>
+          <a:bodyPr rtlCol="0" anchor="ctr"/>
+          <a:lstStyle/>
+          <a:p>
+            <a:pPr algn="ctr"/>
+            <a:endParaRPr lang="en-GB"/>
+          </a:p>
+        </p:txBody>
+      </p:sp>
+      <p:sp>
+        <p:nvSpPr>
+          <p:cNvPr id="7" name="TextBox 6">
+            <a:extLst>
+              <a:ext uri="{FF2B5EF4-FFF2-40B4-BE49-F238E27FC236}">
+                <a16:creationId xmlns:a16="http://schemas.microsoft.com/office/drawing/2014/main" id="{FF3DEE84-8056-3645-B0C2-CAE857ABF685}"/>
+              </a:ext>
+            </a:extLst>
+          </p:cNvPr>
+          <p:cNvSpPr txBox="1"/>
+          <p:nvPr/>
+        </p:nvSpPr>
+        <p:spPr>
+          <a:xfrm>
+            <a:off x="3994996" y="4078942"/>
+            <a:ext cx="1019638" cy="369332"/>
+          </a:xfrm>
+          <a:prstGeom prst="rect">
+            <a:avLst/>
+          </a:prstGeom>
+          <a:noFill/>
+        </p:spPr>
+        <p:txBody>
+          <a:bodyPr wrap="none" rtlCol="0">
+            <a:spAutoFit/>
+          </a:bodyPr>
+          <a:lstStyle/>
+          <a:p>
+            <a:r>
+              <a:rPr lang="en-GB" dirty="0"/>
+              <a:t>variables</a:t>
+            </a:r>
+          </a:p>
+        </p:txBody>
+      </p:sp>
+      <p:sp>
+        <p:nvSpPr>
+          <p:cNvPr id="9" name="TextBox 8">
+            <a:extLst>
+              <a:ext uri="{FF2B5EF4-FFF2-40B4-BE49-F238E27FC236}">
+                <a16:creationId xmlns:a16="http://schemas.microsoft.com/office/drawing/2014/main" id="{A026C31D-F8DA-8140-8A44-0535079BE33F}"/>
+              </a:ext>
+            </a:extLst>
+          </p:cNvPr>
+          <p:cNvSpPr txBox="1"/>
+          <p:nvPr/>
+        </p:nvSpPr>
+        <p:spPr>
+          <a:xfrm>
+            <a:off x="6007256" y="4078943"/>
+            <a:ext cx="775982" cy="369332"/>
+          </a:xfrm>
+          <a:prstGeom prst="rect">
+            <a:avLst/>
+          </a:prstGeom>
+          <a:noFill/>
+        </p:spPr>
+        <p:txBody>
+          <a:bodyPr wrap="none" rtlCol="0">
+            <a:spAutoFit/>
+          </a:bodyPr>
+          <a:lstStyle/>
+          <a:p>
+            <a:r>
+              <a:rPr lang="en-GB" dirty="0"/>
+              <a:t>values</a:t>
+            </a:r>
+          </a:p>
+        </p:txBody>
+      </p:sp>
+      <p:sp>
+        <p:nvSpPr>
+          <p:cNvPr id="10" name="TextBox 9">
+            <a:extLst>
+              <a:ext uri="{FF2B5EF4-FFF2-40B4-BE49-F238E27FC236}">
+                <a16:creationId xmlns:a16="http://schemas.microsoft.com/office/drawing/2014/main" id="{0DB1E1E1-45FE-E34F-A75C-9A330D331D35}"/>
+              </a:ext>
+            </a:extLst>
+          </p:cNvPr>
+          <p:cNvSpPr txBox="1"/>
+          <p:nvPr/>
+        </p:nvSpPr>
+        <p:spPr>
+          <a:xfrm>
+            <a:off x="1810272" y="2478453"/>
+            <a:ext cx="1244251" cy="369332"/>
+          </a:xfrm>
+          <a:prstGeom prst="rect">
+            <a:avLst/>
+          </a:prstGeom>
+          <a:noFill/>
+        </p:spPr>
+        <p:txBody>
+          <a:bodyPr wrap="none" rtlCol="0">
+            <a:spAutoFit/>
+          </a:bodyPr>
+          <a:lstStyle/>
+          <a:p>
+            <a:pPr algn="r"/>
+            <a:r>
+              <a:rPr lang="en-GB" dirty="0"/>
+              <a:t>object type</a:t>
+            </a:r>
+          </a:p>
+        </p:txBody>
+      </p:sp>
+      <p:sp>
+        <p:nvSpPr>
+          <p:cNvPr id="11" name="TextBox 10">
+            <a:extLst>
+              <a:ext uri="{FF2B5EF4-FFF2-40B4-BE49-F238E27FC236}">
+                <a16:creationId xmlns:a16="http://schemas.microsoft.com/office/drawing/2014/main" id="{54971DC2-B3BD-5645-809B-BF464331BCB8}"/>
+              </a:ext>
+            </a:extLst>
+          </p:cNvPr>
+          <p:cNvSpPr txBox="1"/>
+          <p:nvPr/>
+        </p:nvSpPr>
+        <p:spPr>
+          <a:xfrm>
+            <a:off x="1559242" y="2874680"/>
+            <a:ext cx="1495281" cy="369332"/>
+          </a:xfrm>
+          <a:prstGeom prst="rect">
+            <a:avLst/>
+          </a:prstGeom>
+          <a:noFill/>
+        </p:spPr>
+        <p:txBody>
+          <a:bodyPr wrap="none" rtlCol="0">
+            <a:spAutoFit/>
+          </a:bodyPr>
+          <a:lstStyle/>
+          <a:p>
+            <a:pPr algn="r"/>
+            <a:r>
+              <a:rPr lang="en-GB" dirty="0"/>
+              <a:t>primitive type</a:t>
+            </a:r>
+          </a:p>
+        </p:txBody>
+      </p:sp>
+      <p:sp>
+        <p:nvSpPr>
+          <p:cNvPr id="12" name="Rounded Rectangle 11">
+            <a:extLst>
+              <a:ext uri="{FF2B5EF4-FFF2-40B4-BE49-F238E27FC236}">
+                <a16:creationId xmlns:a16="http://schemas.microsoft.com/office/drawing/2014/main" id="{70A78942-A3A7-9F46-9C08-12152BCAFBA9}"/>
+              </a:ext>
+            </a:extLst>
+          </p:cNvPr>
+          <p:cNvSpPr/>
+          <p:nvPr/>
+        </p:nvSpPr>
+        <p:spPr>
+          <a:xfrm>
+            <a:off x="1511959" y="2485926"/>
+            <a:ext cx="3729942" cy="369333"/>
+          </a:xfrm>
+          <a:prstGeom prst="roundRect">
+            <a:avLst/>
+          </a:prstGeom>
+          <a:noFill/>
+          <a:ln w="38100">
+            <a:solidFill>
+              <a:srgbClr val="7030A0"/>
+            </a:solidFill>
+          </a:ln>
+        </p:spPr>
+        <p:style>
+          <a:lnRef idx="2">
+            <a:schemeClr val="accent1">
+              <a:shade val="50000"/>
+            </a:schemeClr>
+          </a:lnRef>
+          <a:fillRef idx="1">
+            <a:schemeClr val="accent1"/>
+          </a:fillRef>
+          <a:effectRef idx="0">
+            <a:schemeClr val="accent1"/>
+          </a:effectRef>
+          <a:fontRef idx="minor">
+            <a:schemeClr val="lt1"/>
+          </a:fontRef>
+        </p:style>
+        <p:txBody>
+          <a:bodyPr rtlCol="0" anchor="ctr"/>
+          <a:lstStyle/>
+          <a:p>
+            <a:pPr algn="ctr"/>
+            <a:endParaRPr lang="en-GB"/>
+          </a:p>
+        </p:txBody>
+      </p:sp>
+      <p:sp>
+        <p:nvSpPr>
+          <p:cNvPr id="13" name="Rounded Rectangle 12">
+            <a:extLst>
+              <a:ext uri="{FF2B5EF4-FFF2-40B4-BE49-F238E27FC236}">
+                <a16:creationId xmlns:a16="http://schemas.microsoft.com/office/drawing/2014/main" id="{94FC1F78-DF56-B743-AB0A-6C1E64E10AB7}"/>
+              </a:ext>
+            </a:extLst>
+          </p:cNvPr>
+          <p:cNvSpPr/>
+          <p:nvPr/>
+        </p:nvSpPr>
+        <p:spPr>
+          <a:xfrm>
+            <a:off x="1511959" y="2901574"/>
+            <a:ext cx="3729942" cy="369333"/>
+          </a:xfrm>
+          <a:prstGeom prst="roundRect">
+            <a:avLst/>
+          </a:prstGeom>
+          <a:noFill/>
+          <a:ln w="38100">
+            <a:solidFill>
+              <a:srgbClr val="7030A0"/>
+            </a:solidFill>
+          </a:ln>
+        </p:spPr>
+        <p:style>
+          <a:lnRef idx="2">
+            <a:schemeClr val="accent1">
+              <a:shade val="50000"/>
+            </a:schemeClr>
+          </a:lnRef>
+          <a:fillRef idx="1">
+            <a:schemeClr val="accent1"/>
+          </a:fillRef>
+          <a:effectRef idx="0">
+            <a:schemeClr val="accent1"/>
+          </a:effectRef>
+          <a:fontRef idx="minor">
+            <a:schemeClr val="lt1"/>
+          </a:fontRef>
+        </p:style>
+        <p:txBody>
+          <a:bodyPr rtlCol="0" anchor="ctr"/>
+          <a:lstStyle/>
+          <a:p>
+            <a:pPr algn="ctr"/>
+            <a:endParaRPr lang="en-GB"/>
+          </a:p>
+        </p:txBody>
+      </p:sp>
+      <p:sp>
+        <p:nvSpPr>
+          <p:cNvPr id="14" name="Rounded Rectangle 13">
+            <a:extLst>
+              <a:ext uri="{FF2B5EF4-FFF2-40B4-BE49-F238E27FC236}">
+                <a16:creationId xmlns:a16="http://schemas.microsoft.com/office/drawing/2014/main" id="{971E9DC9-F95C-3547-AFDE-36F84D5608FF}"/>
+              </a:ext>
+            </a:extLst>
+          </p:cNvPr>
+          <p:cNvSpPr/>
+          <p:nvPr/>
+        </p:nvSpPr>
+        <p:spPr>
+          <a:xfrm>
+            <a:off x="5610835" y="2384611"/>
+            <a:ext cx="1568823" cy="2178424"/>
+          </a:xfrm>
+          <a:prstGeom prst="roundRect">
+            <a:avLst>
+              <a:gd name="adj" fmla="val 6381"/>
+            </a:avLst>
+          </a:prstGeom>
+          <a:noFill/>
+          <a:ln w="38100">
+            <a:solidFill>
+              <a:srgbClr val="C00000"/>
+            </a:solidFill>
+          </a:ln>
+        </p:spPr>
+        <p:style>
+          <a:lnRef idx="2">
+            <a:schemeClr val="accent1">
+              <a:shade val="50000"/>
+            </a:schemeClr>
+          </a:lnRef>
+          <a:fillRef idx="1">
+            <a:schemeClr val="accent1"/>
+          </a:fillRef>
+          <a:effectRef idx="0">
+            <a:schemeClr val="accent1"/>
+          </a:effectRef>
+          <a:fontRef idx="minor">
+            <a:schemeClr val="lt1"/>
+          </a:fontRef>
+        </p:style>
+        <p:txBody>
+          <a:bodyPr rtlCol="0" anchor="ctr"/>
+          <a:lstStyle/>
+          <a:p>
+            <a:pPr algn="ctr"/>
+            <a:endParaRPr lang="en-GB"/>
+          </a:p>
+        </p:txBody>
+      </p:sp>
+    </p:spTree>
+    <p:extLst>
+      <p:ext uri="{BB962C8B-B14F-4D97-AF65-F5344CB8AC3E}">
+        <p14:creationId xmlns:p14="http://schemas.microsoft.com/office/powerpoint/2010/main" val="1266499988"/>
+      </p:ext>
+    </p:extLst>
+  </p:cSld>
+  <p:clrMapOvr>
+    <a:masterClrMapping/>
+  </p:clrMapOvr>
+</p:sld>
+</file>
+
+<file path=ppt/slides/slide6.xml><?xml version="1.0" encoding="utf-8"?>
+<p:sld xmlns:a="http://schemas.openxmlformats.org/drawingml/2006/main" xmlns:r="http://schemas.openxmlformats.org/officeDocument/2006/relationships" xmlns:p="http://schemas.openxmlformats.org/presentationml/2006/main">
+  <p:cSld>
+    <p:spTree>
+      <p:nvGrpSpPr>
+        <p:cNvPr id="1" name=""/>
+        <p:cNvGrpSpPr/>
+        <p:nvPr/>
+      </p:nvGrpSpPr>
+      <p:grpSpPr>
+        <a:xfrm>
+          <a:off x="0" y="0"/>
+          <a:ext cx="0" cy="0"/>
+          <a:chOff x="0" y="0"/>
+          <a:chExt cx="0" cy="0"/>
+        </a:xfrm>
+      </p:grpSpPr>
+    </p:spTree>
+    <p:extLst>
+      <p:ext uri="{BB962C8B-B14F-4D97-AF65-F5344CB8AC3E}">
+        <p14:creationId xmlns:p14="http://schemas.microsoft.com/office/powerpoint/2010/main" val="816505140"/>
+      </p:ext>
+    </p:extLst>
+  </p:cSld>
+  <p:clrMapOvr>
+    <a:masterClrMapping/>
+  </p:clrMapOvr>
+</p:sld>
+</file>
+
+<file path=ppt/slides/slide7.xml><?xml version="1.0" encoding="utf-8"?>
 <p:sld xmlns:a="http://schemas.openxmlformats.org/drawingml/2006/main" xmlns:r="http://schemas.openxmlformats.org/officeDocument/2006/relationships" xmlns:p="http://schemas.openxmlformats.org/presentationml/2006/main">
   <p:cSld>
     <p:spTree>

--- a/assets/images/Images.pptx
+++ b/assets/images/Images.pptx
@@ -5,7 +5,7 @@
     <p:sldMasterId id="2147483648" r:id="rId1"/>
   </p:sldMasterIdLst>
   <p:notesMasterIdLst>
-    <p:notesMasterId r:id="rId9"/>
+    <p:notesMasterId r:id="rId12"/>
   </p:notesMasterIdLst>
   <p:sldIdLst>
     <p:sldId id="257" r:id="rId2"/>
@@ -14,7 +14,10 @@
     <p:sldId id="260" r:id="rId5"/>
     <p:sldId id="261" r:id="rId6"/>
     <p:sldId id="262" r:id="rId7"/>
-    <p:sldId id="256" r:id="rId8"/>
+    <p:sldId id="263" r:id="rId8"/>
+    <p:sldId id="264" r:id="rId9"/>
+    <p:sldId id="265" r:id="rId10"/>
+    <p:sldId id="256" r:id="rId11"/>
   </p:sldIdLst>
   <p:sldSz cx="12192000" cy="6858000"/>
   <p:notesSz cx="6858000" cy="9144000"/>
@@ -128,6 +131,9 @@
             <p14:sldId id="260"/>
             <p14:sldId id="261"/>
             <p14:sldId id="262"/>
+            <p14:sldId id="263"/>
+            <p14:sldId id="264"/>
+            <p14:sldId id="265"/>
           </p14:sldIdLst>
         </p14:section>
         <p14:section name="Testing" id="{064BBB82-ADB6-E844-9D9E-44CD43DCBE9F}">
@@ -4489,6 +4495,542 @@
 </p:sld>
 </file>
 
+<file path=ppt/slides/slide10.xml><?xml version="1.0" encoding="utf-8"?>
+<p:sld xmlns:a="http://schemas.openxmlformats.org/drawingml/2006/main" xmlns:r="http://schemas.openxmlformats.org/officeDocument/2006/relationships" xmlns:p="http://schemas.openxmlformats.org/presentationml/2006/main">
+  <p:cSld>
+    <p:spTree>
+      <p:nvGrpSpPr>
+        <p:cNvPr id="1" name=""/>
+        <p:cNvGrpSpPr/>
+        <p:nvPr/>
+      </p:nvGrpSpPr>
+      <p:grpSpPr>
+        <a:xfrm>
+          <a:off x="0" y="0"/>
+          <a:ext cx="0" cy="0"/>
+          <a:chOff x="0" y="0"/>
+          <a:chExt cx="0" cy="0"/>
+        </a:xfrm>
+      </p:grpSpPr>
+      <p:sp>
+        <p:nvSpPr>
+          <p:cNvPr id="8" name="Cloud 7">
+            <a:extLst>
+              <a:ext uri="{FF2B5EF4-FFF2-40B4-BE49-F238E27FC236}">
+                <a16:creationId xmlns:a16="http://schemas.microsoft.com/office/drawing/2014/main" id="{94F42F71-0F59-7847-8897-2C8409A6EB4E}"/>
+              </a:ext>
+            </a:extLst>
+          </p:cNvPr>
+          <p:cNvSpPr/>
+          <p:nvPr/>
+        </p:nvSpPr>
+        <p:spPr>
+          <a:xfrm>
+            <a:off x="4078835" y="168909"/>
+            <a:ext cx="2430049" cy="1828800"/>
+          </a:xfrm>
+          <a:prstGeom prst="cloud">
+            <a:avLst/>
+          </a:prstGeom>
+        </p:spPr>
+        <p:style>
+          <a:lnRef idx="2">
+            <a:schemeClr val="accent1">
+              <a:shade val="50000"/>
+            </a:schemeClr>
+          </a:lnRef>
+          <a:fillRef idx="1">
+            <a:schemeClr val="accent1"/>
+          </a:fillRef>
+          <a:effectRef idx="0">
+            <a:schemeClr val="accent1"/>
+          </a:effectRef>
+          <a:fontRef idx="minor">
+            <a:schemeClr val="lt1"/>
+          </a:fontRef>
+        </p:style>
+        <p:txBody>
+          <a:bodyPr rtlCol="0" anchor="ctr"/>
+          <a:lstStyle/>
+          <a:p>
+            <a:pPr algn="ctr"/>
+            <a:r>
+              <a:rPr lang="en-GB" dirty="0"/>
+              <a:t>Test Double</a:t>
+            </a:r>
+          </a:p>
+        </p:txBody>
+      </p:sp>
+      <p:sp>
+        <p:nvSpPr>
+          <p:cNvPr id="9" name="Rectangle 8">
+            <a:extLst>
+              <a:ext uri="{FF2B5EF4-FFF2-40B4-BE49-F238E27FC236}">
+                <a16:creationId xmlns:a16="http://schemas.microsoft.com/office/drawing/2014/main" id="{F6EE240D-D31C-1A4B-9685-1613792E46F0}"/>
+              </a:ext>
+            </a:extLst>
+          </p:cNvPr>
+          <p:cNvSpPr/>
+          <p:nvPr/>
+        </p:nvSpPr>
+        <p:spPr>
+          <a:xfrm>
+            <a:off x="1883229" y="2427515"/>
+            <a:ext cx="1919226" cy="723092"/>
+          </a:xfrm>
+          <a:prstGeom prst="rect">
+            <a:avLst/>
+          </a:prstGeom>
+        </p:spPr>
+        <p:style>
+          <a:lnRef idx="2">
+            <a:schemeClr val="accent1">
+              <a:shade val="50000"/>
+            </a:schemeClr>
+          </a:lnRef>
+          <a:fillRef idx="1">
+            <a:schemeClr val="accent1"/>
+          </a:fillRef>
+          <a:effectRef idx="0">
+            <a:schemeClr val="accent1"/>
+          </a:effectRef>
+          <a:fontRef idx="minor">
+            <a:schemeClr val="lt1"/>
+          </a:fontRef>
+        </p:style>
+        <p:txBody>
+          <a:bodyPr rtlCol="0" anchor="ctr"/>
+          <a:lstStyle/>
+          <a:p>
+            <a:pPr algn="ctr"/>
+            <a:r>
+              <a:rPr lang="en-GB" dirty="0"/>
+              <a:t>Dummy</a:t>
+            </a:r>
+          </a:p>
+        </p:txBody>
+      </p:sp>
+      <p:sp>
+        <p:nvSpPr>
+          <p:cNvPr id="10" name="Rectangle 9">
+            <a:extLst>
+              <a:ext uri="{FF2B5EF4-FFF2-40B4-BE49-F238E27FC236}">
+                <a16:creationId xmlns:a16="http://schemas.microsoft.com/office/drawing/2014/main" id="{1EE69F68-74C0-464F-8E30-0E2C5B2D4696}"/>
+              </a:ext>
+            </a:extLst>
+          </p:cNvPr>
+          <p:cNvSpPr/>
+          <p:nvPr/>
+        </p:nvSpPr>
+        <p:spPr>
+          <a:xfrm>
+            <a:off x="1883229" y="3429000"/>
+            <a:ext cx="1919226" cy="723092"/>
+          </a:xfrm>
+          <a:prstGeom prst="rect">
+            <a:avLst/>
+          </a:prstGeom>
+        </p:spPr>
+        <p:style>
+          <a:lnRef idx="2">
+            <a:schemeClr val="accent1">
+              <a:shade val="50000"/>
+            </a:schemeClr>
+          </a:lnRef>
+          <a:fillRef idx="1">
+            <a:schemeClr val="accent1"/>
+          </a:fillRef>
+          <a:effectRef idx="0">
+            <a:schemeClr val="accent1"/>
+          </a:effectRef>
+          <a:fontRef idx="minor">
+            <a:schemeClr val="lt1"/>
+          </a:fontRef>
+        </p:style>
+        <p:txBody>
+          <a:bodyPr rtlCol="0" anchor="ctr"/>
+          <a:lstStyle/>
+          <a:p>
+            <a:pPr algn="ctr"/>
+            <a:r>
+              <a:rPr lang="en-GB" dirty="0"/>
+              <a:t>Stub</a:t>
+            </a:r>
+          </a:p>
+        </p:txBody>
+      </p:sp>
+      <p:sp>
+        <p:nvSpPr>
+          <p:cNvPr id="11" name="Rectangle 10">
+            <a:extLst>
+              <a:ext uri="{FF2B5EF4-FFF2-40B4-BE49-F238E27FC236}">
+                <a16:creationId xmlns:a16="http://schemas.microsoft.com/office/drawing/2014/main" id="{B2E808FA-1944-2B4E-947D-628334D8C9F8}"/>
+              </a:ext>
+            </a:extLst>
+          </p:cNvPr>
+          <p:cNvSpPr/>
+          <p:nvPr/>
+        </p:nvSpPr>
+        <p:spPr>
+          <a:xfrm>
+            <a:off x="1883229" y="4430485"/>
+            <a:ext cx="1919226" cy="723092"/>
+          </a:xfrm>
+          <a:prstGeom prst="rect">
+            <a:avLst/>
+          </a:prstGeom>
+        </p:spPr>
+        <p:style>
+          <a:lnRef idx="2">
+            <a:schemeClr val="accent1">
+              <a:shade val="50000"/>
+            </a:schemeClr>
+          </a:lnRef>
+          <a:fillRef idx="1">
+            <a:schemeClr val="accent1"/>
+          </a:fillRef>
+          <a:effectRef idx="0">
+            <a:schemeClr val="accent1"/>
+          </a:effectRef>
+          <a:fontRef idx="minor">
+            <a:schemeClr val="lt1"/>
+          </a:fontRef>
+        </p:style>
+        <p:txBody>
+          <a:bodyPr rtlCol="0" anchor="ctr"/>
+          <a:lstStyle/>
+          <a:p>
+            <a:pPr algn="ctr"/>
+            <a:r>
+              <a:rPr lang="en-GB" dirty="0"/>
+              <a:t>Spy</a:t>
+            </a:r>
+          </a:p>
+        </p:txBody>
+      </p:sp>
+      <p:sp>
+        <p:nvSpPr>
+          <p:cNvPr id="12" name="Rectangle 11">
+            <a:extLst>
+              <a:ext uri="{FF2B5EF4-FFF2-40B4-BE49-F238E27FC236}">
+                <a16:creationId xmlns:a16="http://schemas.microsoft.com/office/drawing/2014/main" id="{34975D4E-A32E-9B46-B936-3CD4867661D0}"/>
+              </a:ext>
+            </a:extLst>
+          </p:cNvPr>
+          <p:cNvSpPr/>
+          <p:nvPr/>
+        </p:nvSpPr>
+        <p:spPr>
+          <a:xfrm>
+            <a:off x="1883229" y="5431970"/>
+            <a:ext cx="1919226" cy="723092"/>
+          </a:xfrm>
+          <a:prstGeom prst="rect">
+            <a:avLst/>
+          </a:prstGeom>
+        </p:spPr>
+        <p:style>
+          <a:lnRef idx="2">
+            <a:schemeClr val="accent1">
+              <a:shade val="50000"/>
+            </a:schemeClr>
+          </a:lnRef>
+          <a:fillRef idx="1">
+            <a:schemeClr val="accent1"/>
+          </a:fillRef>
+          <a:effectRef idx="0">
+            <a:schemeClr val="accent1"/>
+          </a:effectRef>
+          <a:fontRef idx="minor">
+            <a:schemeClr val="lt1"/>
+          </a:fontRef>
+        </p:style>
+        <p:txBody>
+          <a:bodyPr rtlCol="0" anchor="ctr"/>
+          <a:lstStyle/>
+          <a:p>
+            <a:pPr algn="ctr"/>
+            <a:r>
+              <a:rPr lang="en-GB" dirty="0"/>
+              <a:t>Mock</a:t>
+            </a:r>
+          </a:p>
+        </p:txBody>
+      </p:sp>
+      <p:sp>
+        <p:nvSpPr>
+          <p:cNvPr id="13" name="Rectangle 12">
+            <a:extLst>
+              <a:ext uri="{FF2B5EF4-FFF2-40B4-BE49-F238E27FC236}">
+                <a16:creationId xmlns:a16="http://schemas.microsoft.com/office/drawing/2014/main" id="{3B2A9E41-DB72-7D43-9CF8-F3213B9CC7B4}"/>
+              </a:ext>
+            </a:extLst>
+          </p:cNvPr>
+          <p:cNvSpPr/>
+          <p:nvPr/>
+        </p:nvSpPr>
+        <p:spPr>
+          <a:xfrm>
+            <a:off x="6788698" y="5431970"/>
+            <a:ext cx="1919226" cy="723092"/>
+          </a:xfrm>
+          <a:prstGeom prst="rect">
+            <a:avLst/>
+          </a:prstGeom>
+        </p:spPr>
+        <p:style>
+          <a:lnRef idx="2">
+            <a:schemeClr val="accent1">
+              <a:shade val="50000"/>
+            </a:schemeClr>
+          </a:lnRef>
+          <a:fillRef idx="1">
+            <a:schemeClr val="accent1"/>
+          </a:fillRef>
+          <a:effectRef idx="0">
+            <a:schemeClr val="accent1"/>
+          </a:effectRef>
+          <a:fontRef idx="minor">
+            <a:schemeClr val="lt1"/>
+          </a:fontRef>
+        </p:style>
+        <p:txBody>
+          <a:bodyPr rtlCol="0" anchor="ctr"/>
+          <a:lstStyle/>
+          <a:p>
+            <a:pPr algn="ctr"/>
+            <a:r>
+              <a:rPr lang="en-GB" dirty="0"/>
+              <a:t>Fake</a:t>
+            </a:r>
+          </a:p>
+        </p:txBody>
+      </p:sp>
+      <p:cxnSp>
+        <p:nvCxnSpPr>
+          <p:cNvPr id="15" name="Straight Arrow Connector 14">
+            <a:extLst>
+              <a:ext uri="{FF2B5EF4-FFF2-40B4-BE49-F238E27FC236}">
+                <a16:creationId xmlns:a16="http://schemas.microsoft.com/office/drawing/2014/main" id="{6D0AA745-0DB1-2641-BAD8-9D0F53B759BF}"/>
+              </a:ext>
+            </a:extLst>
+          </p:cNvPr>
+          <p:cNvCxnSpPr>
+            <a:stCxn id="12" idx="0"/>
+            <a:endCxn id="11" idx="2"/>
+          </p:cNvCxnSpPr>
+          <p:nvPr/>
+        </p:nvCxnSpPr>
+        <p:spPr>
+          <a:xfrm flipV="1">
+            <a:off x="2842842" y="5153577"/>
+            <a:ext cx="0" cy="278393"/>
+          </a:xfrm>
+          <a:prstGeom prst="straightConnector1">
+            <a:avLst/>
+          </a:prstGeom>
+          <a:ln>
+            <a:tailEnd type="triangle"/>
+          </a:ln>
+        </p:spPr>
+        <p:style>
+          <a:lnRef idx="1">
+            <a:schemeClr val="accent1"/>
+          </a:lnRef>
+          <a:fillRef idx="0">
+            <a:schemeClr val="accent1"/>
+          </a:fillRef>
+          <a:effectRef idx="0">
+            <a:schemeClr val="accent1"/>
+          </a:effectRef>
+          <a:fontRef idx="minor">
+            <a:schemeClr val="tx1"/>
+          </a:fontRef>
+        </p:style>
+      </p:cxnSp>
+      <p:cxnSp>
+        <p:nvCxnSpPr>
+          <p:cNvPr id="16" name="Straight Arrow Connector 15">
+            <a:extLst>
+              <a:ext uri="{FF2B5EF4-FFF2-40B4-BE49-F238E27FC236}">
+                <a16:creationId xmlns:a16="http://schemas.microsoft.com/office/drawing/2014/main" id="{454CE2E0-6108-6647-8B20-0D2B2A8F3A95}"/>
+              </a:ext>
+            </a:extLst>
+          </p:cNvPr>
+          <p:cNvCxnSpPr>
+            <a:cxnSpLocks/>
+            <a:stCxn id="11" idx="0"/>
+            <a:endCxn id="10" idx="2"/>
+          </p:cNvCxnSpPr>
+          <p:nvPr/>
+        </p:nvCxnSpPr>
+        <p:spPr>
+          <a:xfrm flipV="1">
+            <a:off x="2842842" y="4152092"/>
+            <a:ext cx="0" cy="278393"/>
+          </a:xfrm>
+          <a:prstGeom prst="straightConnector1">
+            <a:avLst/>
+          </a:prstGeom>
+          <a:ln>
+            <a:tailEnd type="triangle"/>
+          </a:ln>
+        </p:spPr>
+        <p:style>
+          <a:lnRef idx="1">
+            <a:schemeClr val="accent1"/>
+          </a:lnRef>
+          <a:fillRef idx="0">
+            <a:schemeClr val="accent1"/>
+          </a:fillRef>
+          <a:effectRef idx="0">
+            <a:schemeClr val="accent1"/>
+          </a:effectRef>
+          <a:fontRef idx="minor">
+            <a:schemeClr val="tx1"/>
+          </a:fontRef>
+        </p:style>
+      </p:cxnSp>
+      <p:cxnSp>
+        <p:nvCxnSpPr>
+          <p:cNvPr id="19" name="Straight Arrow Connector 18">
+            <a:extLst>
+              <a:ext uri="{FF2B5EF4-FFF2-40B4-BE49-F238E27FC236}">
+                <a16:creationId xmlns:a16="http://schemas.microsoft.com/office/drawing/2014/main" id="{E8EE70CC-8B5E-9A45-AA7C-8B8EA94D32CE}"/>
+              </a:ext>
+            </a:extLst>
+          </p:cNvPr>
+          <p:cNvCxnSpPr>
+            <a:cxnSpLocks/>
+            <a:stCxn id="10" idx="0"/>
+            <a:endCxn id="9" idx="2"/>
+          </p:cNvCxnSpPr>
+          <p:nvPr/>
+        </p:nvCxnSpPr>
+        <p:spPr>
+          <a:xfrm flipV="1">
+            <a:off x="2842842" y="3150607"/>
+            <a:ext cx="0" cy="278393"/>
+          </a:xfrm>
+          <a:prstGeom prst="straightConnector1">
+            <a:avLst/>
+          </a:prstGeom>
+          <a:ln>
+            <a:tailEnd type="triangle"/>
+          </a:ln>
+        </p:spPr>
+        <p:style>
+          <a:lnRef idx="1">
+            <a:schemeClr val="accent1"/>
+          </a:lnRef>
+          <a:fillRef idx="0">
+            <a:schemeClr val="accent1"/>
+          </a:fillRef>
+          <a:effectRef idx="0">
+            <a:schemeClr val="accent1"/>
+          </a:effectRef>
+          <a:fontRef idx="minor">
+            <a:schemeClr val="tx1"/>
+          </a:fontRef>
+        </p:style>
+      </p:cxnSp>
+      <p:cxnSp>
+        <p:nvCxnSpPr>
+          <p:cNvPr id="27" name="Straight Arrow Connector 26">
+            <a:extLst>
+              <a:ext uri="{FF2B5EF4-FFF2-40B4-BE49-F238E27FC236}">
+                <a16:creationId xmlns:a16="http://schemas.microsoft.com/office/drawing/2014/main" id="{B6EA9434-C966-6F41-8997-484E1143C725}"/>
+              </a:ext>
+            </a:extLst>
+          </p:cNvPr>
+          <p:cNvCxnSpPr>
+            <a:cxnSpLocks/>
+            <a:stCxn id="9" idx="0"/>
+          </p:cNvCxnSpPr>
+          <p:nvPr/>
+        </p:nvCxnSpPr>
+        <p:spPr>
+          <a:xfrm flipV="1">
+            <a:off x="2842842" y="1575303"/>
+            <a:ext cx="1321752" cy="852212"/>
+          </a:xfrm>
+          <a:prstGeom prst="straightConnector1">
+            <a:avLst/>
+          </a:prstGeom>
+          <a:ln>
+            <a:tailEnd type="triangle"/>
+          </a:ln>
+        </p:spPr>
+        <p:style>
+          <a:lnRef idx="1">
+            <a:schemeClr val="accent1"/>
+          </a:lnRef>
+          <a:fillRef idx="0">
+            <a:schemeClr val="accent1"/>
+          </a:fillRef>
+          <a:effectRef idx="0">
+            <a:schemeClr val="accent1"/>
+          </a:effectRef>
+          <a:fontRef idx="minor">
+            <a:schemeClr val="tx1"/>
+          </a:fontRef>
+        </p:style>
+      </p:cxnSp>
+      <p:cxnSp>
+        <p:nvCxnSpPr>
+          <p:cNvPr id="30" name="Straight Arrow Connector 29">
+            <a:extLst>
+              <a:ext uri="{FF2B5EF4-FFF2-40B4-BE49-F238E27FC236}">
+                <a16:creationId xmlns:a16="http://schemas.microsoft.com/office/drawing/2014/main" id="{2985D851-C76D-1A4D-999B-2F2FAEAC8370}"/>
+              </a:ext>
+            </a:extLst>
+          </p:cNvPr>
+          <p:cNvCxnSpPr>
+            <a:cxnSpLocks/>
+            <a:stCxn id="13" idx="0"/>
+          </p:cNvCxnSpPr>
+          <p:nvPr/>
+        </p:nvCxnSpPr>
+        <p:spPr>
+          <a:xfrm flipH="1" flipV="1">
+            <a:off x="6096001" y="1710802"/>
+            <a:ext cx="1652310" cy="3721168"/>
+          </a:xfrm>
+          <a:prstGeom prst="straightConnector1">
+            <a:avLst/>
+          </a:prstGeom>
+          <a:ln>
+            <a:tailEnd type="triangle"/>
+          </a:ln>
+        </p:spPr>
+        <p:style>
+          <a:lnRef idx="1">
+            <a:schemeClr val="accent1"/>
+          </a:lnRef>
+          <a:fillRef idx="0">
+            <a:schemeClr val="accent1"/>
+          </a:fillRef>
+          <a:effectRef idx="0">
+            <a:schemeClr val="accent1"/>
+          </a:effectRef>
+          <a:fontRef idx="minor">
+            <a:schemeClr val="tx1"/>
+          </a:fontRef>
+        </p:style>
+      </p:cxnSp>
+    </p:spTree>
+    <p:extLst>
+      <p:ext uri="{BB962C8B-B14F-4D97-AF65-F5344CB8AC3E}">
+        <p14:creationId xmlns:p14="http://schemas.microsoft.com/office/powerpoint/2010/main" val="1006745906"/>
+      </p:ext>
+    </p:extLst>
+  </p:cSld>
+  <p:clrMapOvr>
+    <a:masterClrMapping/>
+  </p:clrMapOvr>
+</p:sld>
+</file>
+
 <file path=ppt/slides/slide2.xml><?xml version="1.0" encoding="utf-8"?>
 <p:sld xmlns:a="http://schemas.openxmlformats.org/drawingml/2006/main" xmlns:r="http://schemas.openxmlformats.org/officeDocument/2006/relationships" xmlns:p="http://schemas.openxmlformats.org/presentationml/2006/main">
   <p:cSld>
@@ -5883,8 +6425,8 @@
         </p:nvSpPr>
         <p:spPr>
           <a:xfrm>
-            <a:off x="1810272" y="2478453"/>
-            <a:ext cx="1244251" cy="369332"/>
+            <a:off x="1500315" y="2478453"/>
+            <a:ext cx="1554208" cy="369332"/>
           </a:xfrm>
           <a:prstGeom prst="rect">
             <a:avLst/>
@@ -5900,7 +6442,7 @@
             <a:pPr algn="r"/>
             <a:r>
               <a:rPr lang="en-GB" dirty="0"/>
-              <a:t>object type</a:t>
+              <a:t>reference type</a:t>
             </a:r>
           </a:p>
         </p:txBody>
@@ -5956,7 +6498,7 @@
         <p:spPr>
           <a:xfrm>
             <a:off x="1511959" y="2485926"/>
-            <a:ext cx="3729942" cy="369333"/>
+            <a:ext cx="3729942" cy="351403"/>
           </a:xfrm>
           <a:prstGeom prst="roundRect">
             <a:avLst/>
@@ -6007,8 +6549,8 @@
         </p:nvSpPr>
         <p:spPr>
           <a:xfrm>
-            <a:off x="1511959" y="2901574"/>
-            <a:ext cx="3729942" cy="369333"/>
+            <a:off x="1511959" y="2892609"/>
+            <a:ext cx="3729942" cy="351403"/>
           </a:xfrm>
           <a:prstGeom prst="roundRect">
             <a:avLst/>
@@ -6129,6 +6671,476 @@
           <a:chExt cx="0" cy="0"/>
         </a:xfrm>
       </p:grpSpPr>
+      <p:sp>
+        <p:nvSpPr>
+          <p:cNvPr id="7" name="Rectangle 6">
+            <a:extLst>
+              <a:ext uri="{FF2B5EF4-FFF2-40B4-BE49-F238E27FC236}">
+                <a16:creationId xmlns:a16="http://schemas.microsoft.com/office/drawing/2014/main" id="{7CD7D475-E299-AE41-86D3-1B10CAF77EA3}"/>
+              </a:ext>
+            </a:extLst>
+          </p:cNvPr>
+          <p:cNvSpPr/>
+          <p:nvPr/>
+        </p:nvSpPr>
+        <p:spPr>
+          <a:xfrm>
+            <a:off x="5459504" y="546847"/>
+            <a:ext cx="3935506" cy="5208494"/>
+          </a:xfrm>
+          <a:prstGeom prst="rect">
+            <a:avLst/>
+          </a:prstGeom>
+          <a:solidFill>
+            <a:schemeClr val="accent6">
+              <a:lumMod val="20000"/>
+              <a:lumOff val="80000"/>
+            </a:schemeClr>
+          </a:solidFill>
+          <a:ln>
+            <a:solidFill>
+              <a:schemeClr val="accent6">
+                <a:lumMod val="75000"/>
+              </a:schemeClr>
+            </a:solidFill>
+          </a:ln>
+        </p:spPr>
+        <p:style>
+          <a:lnRef idx="2">
+            <a:schemeClr val="accent1">
+              <a:shade val="50000"/>
+            </a:schemeClr>
+          </a:lnRef>
+          <a:fillRef idx="1">
+            <a:schemeClr val="accent1"/>
+          </a:fillRef>
+          <a:effectRef idx="0">
+            <a:schemeClr val="accent1"/>
+          </a:effectRef>
+          <a:fontRef idx="minor">
+            <a:schemeClr val="lt1"/>
+          </a:fontRef>
+        </p:style>
+        <p:txBody>
+          <a:bodyPr rtlCol="0" anchor="b"/>
+          <a:lstStyle/>
+          <a:p>
+            <a:pPr algn="ctr"/>
+            <a:r>
+              <a:rPr lang="en-GB" sz="3600" dirty="0">
+                <a:solidFill>
+                  <a:schemeClr val="tx1"/>
+                </a:solidFill>
+              </a:rPr>
+              <a:t>heap</a:t>
+            </a:r>
+          </a:p>
+        </p:txBody>
+      </p:sp>
+      <p:sp>
+        <p:nvSpPr>
+          <p:cNvPr id="6" name="Rectangle 5">
+            <a:extLst>
+              <a:ext uri="{FF2B5EF4-FFF2-40B4-BE49-F238E27FC236}">
+                <a16:creationId xmlns:a16="http://schemas.microsoft.com/office/drawing/2014/main" id="{AAC98429-C6B8-BC44-8702-AECA5E3F9DB7}"/>
+              </a:ext>
+            </a:extLst>
+          </p:cNvPr>
+          <p:cNvSpPr/>
+          <p:nvPr/>
+        </p:nvSpPr>
+        <p:spPr>
+          <a:xfrm>
+            <a:off x="1272988" y="546847"/>
+            <a:ext cx="3935506" cy="5208494"/>
+          </a:xfrm>
+          <a:prstGeom prst="rect">
+            <a:avLst/>
+          </a:prstGeom>
+          <a:solidFill>
+            <a:schemeClr val="accent1">
+              <a:lumMod val="20000"/>
+              <a:lumOff val="80000"/>
+            </a:schemeClr>
+          </a:solidFill>
+        </p:spPr>
+        <p:style>
+          <a:lnRef idx="2">
+            <a:schemeClr val="accent1">
+              <a:shade val="50000"/>
+            </a:schemeClr>
+          </a:lnRef>
+          <a:fillRef idx="1">
+            <a:schemeClr val="accent1"/>
+          </a:fillRef>
+          <a:effectRef idx="0">
+            <a:schemeClr val="accent1"/>
+          </a:effectRef>
+          <a:fontRef idx="minor">
+            <a:schemeClr val="lt1"/>
+          </a:fontRef>
+        </p:style>
+        <p:txBody>
+          <a:bodyPr rtlCol="0" anchor="b"/>
+          <a:lstStyle/>
+          <a:p>
+            <a:pPr algn="ctr"/>
+            <a:r>
+              <a:rPr lang="en-GB" sz="3600" dirty="0">
+                <a:solidFill>
+                  <a:schemeClr val="tx1"/>
+                </a:solidFill>
+              </a:rPr>
+              <a:t>stack</a:t>
+            </a:r>
+          </a:p>
+        </p:txBody>
+      </p:sp>
+      <p:sp>
+        <p:nvSpPr>
+          <p:cNvPr id="4" name="Rectangle 3">
+            <a:extLst>
+              <a:ext uri="{FF2B5EF4-FFF2-40B4-BE49-F238E27FC236}">
+                <a16:creationId xmlns:a16="http://schemas.microsoft.com/office/drawing/2014/main" id="{EC27F43E-D801-EE49-A7BB-BB4CC05459C7}"/>
+              </a:ext>
+            </a:extLst>
+          </p:cNvPr>
+          <p:cNvSpPr/>
+          <p:nvPr/>
+        </p:nvSpPr>
+        <p:spPr>
+          <a:xfrm>
+            <a:off x="2514600" y="1591236"/>
+            <a:ext cx="2034988" cy="479611"/>
+          </a:xfrm>
+          <a:prstGeom prst="rect">
+            <a:avLst/>
+          </a:prstGeom>
+          <a:solidFill>
+            <a:schemeClr val="accent2">
+              <a:lumMod val="40000"/>
+              <a:lumOff val="60000"/>
+            </a:schemeClr>
+          </a:solidFill>
+        </p:spPr>
+        <p:style>
+          <a:lnRef idx="2">
+            <a:schemeClr val="accent1">
+              <a:shade val="50000"/>
+            </a:schemeClr>
+          </a:lnRef>
+          <a:fillRef idx="1">
+            <a:schemeClr val="accent1"/>
+          </a:fillRef>
+          <a:effectRef idx="0">
+            <a:schemeClr val="accent1"/>
+          </a:effectRef>
+          <a:fontRef idx="minor">
+            <a:schemeClr val="lt1"/>
+          </a:fontRef>
+        </p:style>
+        <p:txBody>
+          <a:bodyPr rtlCol="0" anchor="ctr"/>
+          <a:lstStyle/>
+          <a:p>
+            <a:pPr algn="ctr"/>
+            <a:r>
+              <a:rPr lang="en-GB" dirty="0">
+                <a:solidFill>
+                  <a:schemeClr val="tx1"/>
+                </a:solidFill>
+              </a:rPr>
+              <a:t>7</a:t>
+            </a:r>
+          </a:p>
+        </p:txBody>
+      </p:sp>
+      <p:sp>
+        <p:nvSpPr>
+          <p:cNvPr id="5" name="Rectangle 4">
+            <a:extLst>
+              <a:ext uri="{FF2B5EF4-FFF2-40B4-BE49-F238E27FC236}">
+                <a16:creationId xmlns:a16="http://schemas.microsoft.com/office/drawing/2014/main" id="{4DA6D25D-3C20-6348-9E83-19C1AFEEA0CE}"/>
+              </a:ext>
+            </a:extLst>
+          </p:cNvPr>
+          <p:cNvSpPr/>
+          <p:nvPr/>
+        </p:nvSpPr>
+        <p:spPr>
+          <a:xfrm>
+            <a:off x="6694392" y="2070847"/>
+            <a:ext cx="2034988" cy="479611"/>
+          </a:xfrm>
+          <a:prstGeom prst="rect">
+            <a:avLst/>
+          </a:prstGeom>
+          <a:solidFill>
+            <a:schemeClr val="accent2">
+              <a:lumMod val="40000"/>
+              <a:lumOff val="60000"/>
+            </a:schemeClr>
+          </a:solidFill>
+        </p:spPr>
+        <p:style>
+          <a:lnRef idx="2">
+            <a:schemeClr val="accent1">
+              <a:shade val="50000"/>
+            </a:schemeClr>
+          </a:lnRef>
+          <a:fillRef idx="1">
+            <a:schemeClr val="accent1"/>
+          </a:fillRef>
+          <a:effectRef idx="0">
+            <a:schemeClr val="accent1"/>
+          </a:effectRef>
+          <a:fontRef idx="minor">
+            <a:schemeClr val="lt1"/>
+          </a:fontRef>
+        </p:style>
+        <p:txBody>
+          <a:bodyPr rtlCol="0" anchor="ctr"/>
+          <a:lstStyle/>
+          <a:p>
+            <a:pPr algn="ctr"/>
+            <a:r>
+              <a:rPr lang="en-GB" dirty="0">
+                <a:solidFill>
+                  <a:schemeClr val="tx1"/>
+                </a:solidFill>
+              </a:rPr>
+              <a:t>"my object type"</a:t>
+            </a:r>
+          </a:p>
+        </p:txBody>
+      </p:sp>
+      <p:sp>
+        <p:nvSpPr>
+          <p:cNvPr id="8" name="Rectangle 7">
+            <a:extLst>
+              <a:ext uri="{FF2B5EF4-FFF2-40B4-BE49-F238E27FC236}">
+                <a16:creationId xmlns:a16="http://schemas.microsoft.com/office/drawing/2014/main" id="{F391BC07-0B6F-B445-98D9-917B754665E1}"/>
+              </a:ext>
+            </a:extLst>
+          </p:cNvPr>
+          <p:cNvSpPr/>
+          <p:nvPr/>
+        </p:nvSpPr>
+        <p:spPr>
+          <a:xfrm>
+            <a:off x="2514600" y="2070847"/>
+            <a:ext cx="2034988" cy="479611"/>
+          </a:xfrm>
+          <a:prstGeom prst="rect">
+            <a:avLst/>
+          </a:prstGeom>
+          <a:solidFill>
+            <a:schemeClr val="accent2">
+              <a:lumMod val="40000"/>
+              <a:lumOff val="60000"/>
+            </a:schemeClr>
+          </a:solidFill>
+        </p:spPr>
+        <p:style>
+          <a:lnRef idx="2">
+            <a:schemeClr val="accent1">
+              <a:shade val="50000"/>
+            </a:schemeClr>
+          </a:lnRef>
+          <a:fillRef idx="1">
+            <a:schemeClr val="accent1"/>
+          </a:fillRef>
+          <a:effectRef idx="0">
+            <a:schemeClr val="accent1"/>
+          </a:effectRef>
+          <a:fontRef idx="minor">
+            <a:schemeClr val="lt1"/>
+          </a:fontRef>
+        </p:style>
+        <p:txBody>
+          <a:bodyPr rtlCol="0" anchor="ctr"/>
+          <a:lstStyle/>
+          <a:p>
+            <a:pPr algn="ctr"/>
+            <a:r>
+              <a:rPr lang="en-GB" dirty="0">
+                <a:solidFill>
+                  <a:schemeClr val="tx1"/>
+                </a:solidFill>
+              </a:rPr>
+              <a:t>xyx</a:t>
+            </a:r>
+          </a:p>
+        </p:txBody>
+      </p:sp>
+      <p:sp>
+        <p:nvSpPr>
+          <p:cNvPr id="9" name="Rectangle 8">
+            <a:extLst>
+              <a:ext uri="{FF2B5EF4-FFF2-40B4-BE49-F238E27FC236}">
+                <a16:creationId xmlns:a16="http://schemas.microsoft.com/office/drawing/2014/main" id="{200D0DE9-12F5-8641-B765-93E26765094F}"/>
+              </a:ext>
+            </a:extLst>
+          </p:cNvPr>
+          <p:cNvSpPr/>
+          <p:nvPr/>
+        </p:nvSpPr>
+        <p:spPr>
+          <a:xfrm>
+            <a:off x="1848970" y="1591236"/>
+            <a:ext cx="665630" cy="479611"/>
+          </a:xfrm>
+          <a:prstGeom prst="rect">
+            <a:avLst/>
+          </a:prstGeom>
+          <a:noFill/>
+        </p:spPr>
+        <p:style>
+          <a:lnRef idx="2">
+            <a:schemeClr val="accent1">
+              <a:shade val="50000"/>
+            </a:schemeClr>
+          </a:lnRef>
+          <a:fillRef idx="1">
+            <a:schemeClr val="accent1"/>
+          </a:fillRef>
+          <a:effectRef idx="0">
+            <a:schemeClr val="accent1"/>
+          </a:effectRef>
+          <a:fontRef idx="minor">
+            <a:schemeClr val="lt1"/>
+          </a:fontRef>
+        </p:style>
+        <p:txBody>
+          <a:bodyPr rtlCol="0" anchor="ctr"/>
+          <a:lstStyle/>
+          <a:p>
+            <a:pPr algn="ctr"/>
+            <a:r>
+              <a:rPr lang="en-GB" dirty="0">
+                <a:solidFill>
+                  <a:schemeClr val="tx1"/>
+                </a:solidFill>
+                <a:latin typeface="Courier New" panose="02070309020205020404" pitchFamily="49" charset="0"/>
+                <a:cs typeface="Courier New" panose="02070309020205020404" pitchFamily="49" charset="0"/>
+              </a:rPr>
+              <a:t>a</a:t>
+            </a:r>
+          </a:p>
+        </p:txBody>
+      </p:sp>
+      <p:sp>
+        <p:nvSpPr>
+          <p:cNvPr id="10" name="Rectangle 9">
+            <a:extLst>
+              <a:ext uri="{FF2B5EF4-FFF2-40B4-BE49-F238E27FC236}">
+                <a16:creationId xmlns:a16="http://schemas.microsoft.com/office/drawing/2014/main" id="{7506D401-93A6-F74B-987E-B7E5E1C27913}"/>
+              </a:ext>
+            </a:extLst>
+          </p:cNvPr>
+          <p:cNvSpPr/>
+          <p:nvPr/>
+        </p:nvSpPr>
+        <p:spPr>
+          <a:xfrm>
+            <a:off x="1848970" y="2070847"/>
+            <a:ext cx="665630" cy="479611"/>
+          </a:xfrm>
+          <a:prstGeom prst="rect">
+            <a:avLst/>
+          </a:prstGeom>
+          <a:noFill/>
+        </p:spPr>
+        <p:style>
+          <a:lnRef idx="2">
+            <a:schemeClr val="accent1">
+              <a:shade val="50000"/>
+            </a:schemeClr>
+          </a:lnRef>
+          <a:fillRef idx="1">
+            <a:schemeClr val="accent1"/>
+          </a:fillRef>
+          <a:effectRef idx="0">
+            <a:schemeClr val="accent1"/>
+          </a:effectRef>
+          <a:fontRef idx="minor">
+            <a:schemeClr val="lt1"/>
+          </a:fontRef>
+        </p:style>
+        <p:txBody>
+          <a:bodyPr rtlCol="0" anchor="ctr"/>
+          <a:lstStyle/>
+          <a:p>
+            <a:pPr algn="ctr"/>
+            <a:r>
+              <a:rPr lang="en-GB" dirty="0">
+                <a:solidFill>
+                  <a:schemeClr val="tx1"/>
+                </a:solidFill>
+                <a:latin typeface="Courier New" panose="02070309020205020404" pitchFamily="49" charset="0"/>
+                <a:cs typeface="Courier New" panose="02070309020205020404" pitchFamily="49" charset="0"/>
+              </a:rPr>
+              <a:t>s</a:t>
+            </a:r>
+          </a:p>
+        </p:txBody>
+      </p:sp>
+      <p:sp>
+        <p:nvSpPr>
+          <p:cNvPr id="11" name="Rectangle 10">
+            <a:extLst>
+              <a:ext uri="{FF2B5EF4-FFF2-40B4-BE49-F238E27FC236}">
+                <a16:creationId xmlns:a16="http://schemas.microsoft.com/office/drawing/2014/main" id="{170561C8-7DAA-3E4D-8A6B-C3ED050A32E2}"/>
+              </a:ext>
+            </a:extLst>
+          </p:cNvPr>
+          <p:cNvSpPr/>
+          <p:nvPr/>
+        </p:nvSpPr>
+        <p:spPr>
+          <a:xfrm>
+            <a:off x="6035486" y="2070847"/>
+            <a:ext cx="665630" cy="479611"/>
+          </a:xfrm>
+          <a:prstGeom prst="rect">
+            <a:avLst/>
+          </a:prstGeom>
+          <a:noFill/>
+        </p:spPr>
+        <p:style>
+          <a:lnRef idx="2">
+            <a:schemeClr val="accent1">
+              <a:shade val="50000"/>
+            </a:schemeClr>
+          </a:lnRef>
+          <a:fillRef idx="1">
+            <a:schemeClr val="accent1"/>
+          </a:fillRef>
+          <a:effectRef idx="0">
+            <a:schemeClr val="accent1"/>
+          </a:effectRef>
+          <a:fontRef idx="minor">
+            <a:schemeClr val="lt1"/>
+          </a:fontRef>
+        </p:style>
+        <p:txBody>
+          <a:bodyPr rtlCol="0" anchor="ctr"/>
+          <a:lstStyle/>
+          <a:p>
+            <a:pPr algn="ctr"/>
+            <a:r>
+              <a:rPr lang="en-GB" dirty="0">
+                <a:solidFill>
+                  <a:schemeClr val="tx1"/>
+                </a:solidFill>
+                <a:latin typeface="Courier New" panose="02070309020205020404" pitchFamily="49" charset="0"/>
+                <a:cs typeface="Courier New" panose="02070309020205020404" pitchFamily="49" charset="0"/>
+              </a:rPr>
+              <a:t>xyz</a:t>
+            </a:r>
+          </a:p>
+        </p:txBody>
+      </p:sp>
     </p:spTree>
     <p:extLst>
       <p:ext uri="{BB962C8B-B14F-4D97-AF65-F5344CB8AC3E}">
@@ -6161,10 +7173,10 @@
       </p:grpSpPr>
       <p:sp>
         <p:nvSpPr>
-          <p:cNvPr id="8" name="Cloud 7">
-            <a:extLst>
-              <a:ext uri="{FF2B5EF4-FFF2-40B4-BE49-F238E27FC236}">
-                <a16:creationId xmlns:a16="http://schemas.microsoft.com/office/drawing/2014/main" id="{94F42F71-0F59-7847-8897-2C8409A6EB4E}"/>
+          <p:cNvPr id="7" name="Rectangle 6">
+            <a:extLst>
+              <a:ext uri="{FF2B5EF4-FFF2-40B4-BE49-F238E27FC236}">
+                <a16:creationId xmlns:a16="http://schemas.microsoft.com/office/drawing/2014/main" id="{7CD7D475-E299-AE41-86D3-1B10CAF77EA3}"/>
               </a:ext>
             </a:extLst>
           </p:cNvPr>
@@ -6173,12 +7185,25 @@
         </p:nvSpPr>
         <p:spPr>
           <a:xfrm>
-            <a:off x="4078835" y="168909"/>
-            <a:ext cx="2430049" cy="1828800"/>
-          </a:xfrm>
-          <a:prstGeom prst="cloud">
-            <a:avLst/>
-          </a:prstGeom>
+            <a:off x="5459504" y="546847"/>
+            <a:ext cx="3935506" cy="5208494"/>
+          </a:xfrm>
+          <a:prstGeom prst="rect">
+            <a:avLst/>
+          </a:prstGeom>
+          <a:solidFill>
+            <a:schemeClr val="accent6">
+              <a:lumMod val="20000"/>
+              <a:lumOff val="80000"/>
+            </a:schemeClr>
+          </a:solidFill>
+          <a:ln>
+            <a:solidFill>
+              <a:schemeClr val="accent6">
+                <a:lumMod val="75000"/>
+              </a:schemeClr>
+            </a:solidFill>
+          </a:ln>
         </p:spPr>
         <p:style>
           <a:lnRef idx="2">
@@ -6197,23 +7222,27 @@
           </a:fontRef>
         </p:style>
         <p:txBody>
-          <a:bodyPr rtlCol="0" anchor="ctr"/>
+          <a:bodyPr rtlCol="0" anchor="b"/>
           <a:lstStyle/>
           <a:p>
             <a:pPr algn="ctr"/>
             <a:r>
-              <a:rPr lang="en-GB" dirty="0"/>
-              <a:t>Test Double</a:t>
-            </a:r>
-          </a:p>
-        </p:txBody>
-      </p:sp>
-      <p:sp>
-        <p:nvSpPr>
-          <p:cNvPr id="9" name="Rectangle 8">
-            <a:extLst>
-              <a:ext uri="{FF2B5EF4-FFF2-40B4-BE49-F238E27FC236}">
-                <a16:creationId xmlns:a16="http://schemas.microsoft.com/office/drawing/2014/main" id="{F6EE240D-D31C-1A4B-9685-1613792E46F0}"/>
+              <a:rPr lang="en-GB" sz="3600" dirty="0">
+                <a:solidFill>
+                  <a:schemeClr val="tx1"/>
+                </a:solidFill>
+              </a:rPr>
+              <a:t>heap</a:t>
+            </a:r>
+          </a:p>
+        </p:txBody>
+      </p:sp>
+      <p:sp>
+        <p:nvSpPr>
+          <p:cNvPr id="6" name="Rectangle 5">
+            <a:extLst>
+              <a:ext uri="{FF2B5EF4-FFF2-40B4-BE49-F238E27FC236}">
+                <a16:creationId xmlns:a16="http://schemas.microsoft.com/office/drawing/2014/main" id="{AAC98429-C6B8-BC44-8702-AECA5E3F9DB7}"/>
               </a:ext>
             </a:extLst>
           </p:cNvPr>
@@ -6222,12 +7251,18 @@
         </p:nvSpPr>
         <p:spPr>
           <a:xfrm>
-            <a:off x="1883229" y="2427515"/>
-            <a:ext cx="1919226" cy="723092"/>
+            <a:off x="1272988" y="546847"/>
+            <a:ext cx="3935506" cy="5208494"/>
           </a:xfrm>
           <a:prstGeom prst="rect">
             <a:avLst/>
           </a:prstGeom>
+          <a:solidFill>
+            <a:schemeClr val="accent1">
+              <a:lumMod val="20000"/>
+              <a:lumOff val="80000"/>
+            </a:schemeClr>
+          </a:solidFill>
         </p:spPr>
         <p:style>
           <a:lnRef idx="2">
@@ -6246,23 +7281,27 @@
           </a:fontRef>
         </p:style>
         <p:txBody>
-          <a:bodyPr rtlCol="0" anchor="ctr"/>
+          <a:bodyPr rtlCol="0" anchor="b"/>
           <a:lstStyle/>
           <a:p>
             <a:pPr algn="ctr"/>
             <a:r>
-              <a:rPr lang="en-GB" dirty="0"/>
-              <a:t>Dummy</a:t>
-            </a:r>
-          </a:p>
-        </p:txBody>
-      </p:sp>
-      <p:sp>
-        <p:nvSpPr>
-          <p:cNvPr id="10" name="Rectangle 9">
-            <a:extLst>
-              <a:ext uri="{FF2B5EF4-FFF2-40B4-BE49-F238E27FC236}">
-                <a16:creationId xmlns:a16="http://schemas.microsoft.com/office/drawing/2014/main" id="{1EE69F68-74C0-464F-8E30-0E2C5B2D4696}"/>
+              <a:rPr lang="en-GB" sz="3600" dirty="0">
+                <a:solidFill>
+                  <a:schemeClr val="tx1"/>
+                </a:solidFill>
+              </a:rPr>
+              <a:t>stack</a:t>
+            </a:r>
+          </a:p>
+        </p:txBody>
+      </p:sp>
+      <p:sp>
+        <p:nvSpPr>
+          <p:cNvPr id="4" name="Rectangle 3">
+            <a:extLst>
+              <a:ext uri="{FF2B5EF4-FFF2-40B4-BE49-F238E27FC236}">
+                <a16:creationId xmlns:a16="http://schemas.microsoft.com/office/drawing/2014/main" id="{EC27F43E-D801-EE49-A7BB-BB4CC05459C7}"/>
               </a:ext>
             </a:extLst>
           </p:cNvPr>
@@ -6271,12 +7310,18 @@
         </p:nvSpPr>
         <p:spPr>
           <a:xfrm>
-            <a:off x="1883229" y="3429000"/>
-            <a:ext cx="1919226" cy="723092"/>
+            <a:off x="2514600" y="1591236"/>
+            <a:ext cx="2034988" cy="479611"/>
           </a:xfrm>
           <a:prstGeom prst="rect">
             <a:avLst/>
           </a:prstGeom>
+          <a:solidFill>
+            <a:schemeClr val="accent2">
+              <a:lumMod val="40000"/>
+              <a:lumOff val="60000"/>
+            </a:schemeClr>
+          </a:solidFill>
         </p:spPr>
         <p:style>
           <a:lnRef idx="2">
@@ -6300,18 +7345,22 @@
           <a:p>
             <a:pPr algn="ctr"/>
             <a:r>
-              <a:rPr lang="en-GB" dirty="0"/>
-              <a:t>Stub</a:t>
-            </a:r>
-          </a:p>
-        </p:txBody>
-      </p:sp>
-      <p:sp>
-        <p:nvSpPr>
-          <p:cNvPr id="11" name="Rectangle 10">
-            <a:extLst>
-              <a:ext uri="{FF2B5EF4-FFF2-40B4-BE49-F238E27FC236}">
-                <a16:creationId xmlns:a16="http://schemas.microsoft.com/office/drawing/2014/main" id="{B2E808FA-1944-2B4E-947D-628334D8C9F8}"/>
+              <a:rPr lang="en-GB" dirty="0">
+                <a:solidFill>
+                  <a:schemeClr val="tx1"/>
+                </a:solidFill>
+              </a:rPr>
+              <a:t>7</a:t>
+            </a:r>
+          </a:p>
+        </p:txBody>
+      </p:sp>
+      <p:sp>
+        <p:nvSpPr>
+          <p:cNvPr id="5" name="Rectangle 4">
+            <a:extLst>
+              <a:ext uri="{FF2B5EF4-FFF2-40B4-BE49-F238E27FC236}">
+                <a16:creationId xmlns:a16="http://schemas.microsoft.com/office/drawing/2014/main" id="{4DA6D25D-3C20-6348-9E83-19C1AFEEA0CE}"/>
               </a:ext>
             </a:extLst>
           </p:cNvPr>
@@ -6320,12 +7369,18 @@
         </p:nvSpPr>
         <p:spPr>
           <a:xfrm>
-            <a:off x="1883229" y="4430485"/>
-            <a:ext cx="1919226" cy="723092"/>
+            <a:off x="6694392" y="2070847"/>
+            <a:ext cx="2034988" cy="479611"/>
           </a:xfrm>
           <a:prstGeom prst="rect">
             <a:avLst/>
           </a:prstGeom>
+          <a:solidFill>
+            <a:schemeClr val="accent2">
+              <a:lumMod val="40000"/>
+              <a:lumOff val="60000"/>
+            </a:schemeClr>
+          </a:solidFill>
         </p:spPr>
         <p:style>
           <a:lnRef idx="2">
@@ -6349,18 +7404,22 @@
           <a:p>
             <a:pPr algn="ctr"/>
             <a:r>
-              <a:rPr lang="en-GB" dirty="0"/>
-              <a:t>Spy</a:t>
-            </a:r>
-          </a:p>
-        </p:txBody>
-      </p:sp>
-      <p:sp>
-        <p:nvSpPr>
-          <p:cNvPr id="12" name="Rectangle 11">
-            <a:extLst>
-              <a:ext uri="{FF2B5EF4-FFF2-40B4-BE49-F238E27FC236}">
-                <a16:creationId xmlns:a16="http://schemas.microsoft.com/office/drawing/2014/main" id="{34975D4E-A32E-9B46-B936-3CD4867661D0}"/>
+              <a:rPr lang="en-GB" dirty="0">
+                <a:solidFill>
+                  <a:schemeClr val="tx1"/>
+                </a:solidFill>
+              </a:rPr>
+              <a:t>"my object type"</a:t>
+            </a:r>
+          </a:p>
+        </p:txBody>
+      </p:sp>
+      <p:sp>
+        <p:nvSpPr>
+          <p:cNvPr id="8" name="Rectangle 7">
+            <a:extLst>
+              <a:ext uri="{FF2B5EF4-FFF2-40B4-BE49-F238E27FC236}">
+                <a16:creationId xmlns:a16="http://schemas.microsoft.com/office/drawing/2014/main" id="{F391BC07-0B6F-B445-98D9-917B754665E1}"/>
               </a:ext>
             </a:extLst>
           </p:cNvPr>
@@ -6369,12 +7428,18 @@
         </p:nvSpPr>
         <p:spPr>
           <a:xfrm>
-            <a:off x="1883229" y="5431970"/>
-            <a:ext cx="1919226" cy="723092"/>
+            <a:off x="2514600" y="2070847"/>
+            <a:ext cx="2034988" cy="479611"/>
           </a:xfrm>
           <a:prstGeom prst="rect">
             <a:avLst/>
           </a:prstGeom>
+          <a:solidFill>
+            <a:schemeClr val="accent2">
+              <a:lumMod val="40000"/>
+              <a:lumOff val="60000"/>
+            </a:schemeClr>
+          </a:solidFill>
         </p:spPr>
         <p:style>
           <a:lnRef idx="2">
@@ -6398,18 +7463,22 @@
           <a:p>
             <a:pPr algn="ctr"/>
             <a:r>
-              <a:rPr lang="en-GB" dirty="0"/>
-              <a:t>Mock</a:t>
-            </a:r>
-          </a:p>
-        </p:txBody>
-      </p:sp>
-      <p:sp>
-        <p:nvSpPr>
-          <p:cNvPr id="13" name="Rectangle 12">
-            <a:extLst>
-              <a:ext uri="{FF2B5EF4-FFF2-40B4-BE49-F238E27FC236}">
-                <a16:creationId xmlns:a16="http://schemas.microsoft.com/office/drawing/2014/main" id="{3B2A9E41-DB72-7D43-9CF8-F3213B9CC7B4}"/>
+              <a:rPr lang="en-GB" dirty="0">
+                <a:solidFill>
+                  <a:schemeClr val="tx1"/>
+                </a:solidFill>
+              </a:rPr>
+              <a:t>xyx</a:t>
+            </a:r>
+          </a:p>
+        </p:txBody>
+      </p:sp>
+      <p:sp>
+        <p:nvSpPr>
+          <p:cNvPr id="9" name="Rectangle 8">
+            <a:extLst>
+              <a:ext uri="{FF2B5EF4-FFF2-40B4-BE49-F238E27FC236}">
+                <a16:creationId xmlns:a16="http://schemas.microsoft.com/office/drawing/2014/main" id="{200D0DE9-12F5-8641-B765-93E26765094F}"/>
               </a:ext>
             </a:extLst>
           </p:cNvPr>
@@ -6418,12 +7487,13 @@
         </p:nvSpPr>
         <p:spPr>
           <a:xfrm>
-            <a:off x="6788698" y="5431970"/>
-            <a:ext cx="1919226" cy="723092"/>
+            <a:off x="1848970" y="1591236"/>
+            <a:ext cx="665630" cy="479611"/>
           </a:xfrm>
           <a:prstGeom prst="rect">
             <a:avLst/>
           </a:prstGeom>
+          <a:noFill/>
         </p:spPr>
         <p:style>
           <a:lnRef idx="2">
@@ -6447,228 +7517,1385 @@
           <a:p>
             <a:pPr algn="ctr"/>
             <a:r>
-              <a:rPr lang="en-GB" dirty="0"/>
-              <a:t>Fake</a:t>
-            </a:r>
-          </a:p>
-        </p:txBody>
-      </p:sp>
-      <p:cxnSp>
-        <p:nvCxnSpPr>
-          <p:cNvPr id="15" name="Straight Arrow Connector 14">
-            <a:extLst>
-              <a:ext uri="{FF2B5EF4-FFF2-40B4-BE49-F238E27FC236}">
-                <a16:creationId xmlns:a16="http://schemas.microsoft.com/office/drawing/2014/main" id="{6D0AA745-0DB1-2641-BAD8-9D0F53B759BF}"/>
-              </a:ext>
-            </a:extLst>
-          </p:cNvPr>
-          <p:cNvCxnSpPr>
-            <a:stCxn id="12" idx="0"/>
-            <a:endCxn id="11" idx="2"/>
-          </p:cNvCxnSpPr>
-          <p:nvPr/>
-        </p:nvCxnSpPr>
-        <p:spPr>
-          <a:xfrm flipV="1">
-            <a:off x="2842842" y="5153577"/>
-            <a:ext cx="0" cy="278393"/>
-          </a:xfrm>
-          <a:prstGeom prst="straightConnector1">
-            <a:avLst/>
-          </a:prstGeom>
-          <a:ln>
-            <a:tailEnd type="triangle"/>
-          </a:ln>
+              <a:rPr lang="en-GB" dirty="0">
+                <a:solidFill>
+                  <a:schemeClr val="tx1"/>
+                </a:solidFill>
+                <a:latin typeface="Courier New" panose="02070309020205020404" pitchFamily="49" charset="0"/>
+                <a:cs typeface="Courier New" panose="02070309020205020404" pitchFamily="49" charset="0"/>
+              </a:rPr>
+              <a:t>a</a:t>
+            </a:r>
+          </a:p>
+        </p:txBody>
+      </p:sp>
+      <p:sp>
+        <p:nvSpPr>
+          <p:cNvPr id="10" name="Rectangle 9">
+            <a:extLst>
+              <a:ext uri="{FF2B5EF4-FFF2-40B4-BE49-F238E27FC236}">
+                <a16:creationId xmlns:a16="http://schemas.microsoft.com/office/drawing/2014/main" id="{7506D401-93A6-F74B-987E-B7E5E1C27913}"/>
+              </a:ext>
+            </a:extLst>
+          </p:cNvPr>
+          <p:cNvSpPr/>
+          <p:nvPr/>
+        </p:nvSpPr>
+        <p:spPr>
+          <a:xfrm>
+            <a:off x="1848970" y="2070847"/>
+            <a:ext cx="665630" cy="479611"/>
+          </a:xfrm>
+          <a:prstGeom prst="rect">
+            <a:avLst/>
+          </a:prstGeom>
+          <a:noFill/>
         </p:spPr>
         <p:style>
-          <a:lnRef idx="1">
-            <a:schemeClr val="accent1"/>
+          <a:lnRef idx="2">
+            <a:schemeClr val="accent1">
+              <a:shade val="50000"/>
+            </a:schemeClr>
           </a:lnRef>
-          <a:fillRef idx="0">
+          <a:fillRef idx="1">
             <a:schemeClr val="accent1"/>
           </a:fillRef>
           <a:effectRef idx="0">
             <a:schemeClr val="accent1"/>
           </a:effectRef>
           <a:fontRef idx="minor">
-            <a:schemeClr val="tx1"/>
+            <a:schemeClr val="lt1"/>
           </a:fontRef>
         </p:style>
-      </p:cxnSp>
-      <p:cxnSp>
-        <p:nvCxnSpPr>
-          <p:cNvPr id="16" name="Straight Arrow Connector 15">
-            <a:extLst>
-              <a:ext uri="{FF2B5EF4-FFF2-40B4-BE49-F238E27FC236}">
-                <a16:creationId xmlns:a16="http://schemas.microsoft.com/office/drawing/2014/main" id="{454CE2E0-6108-6647-8B20-0D2B2A8F3A95}"/>
-              </a:ext>
-            </a:extLst>
-          </p:cNvPr>
-          <p:cNvCxnSpPr>
-            <a:cxnSpLocks/>
-            <a:stCxn id="11" idx="0"/>
-            <a:endCxn id="10" idx="2"/>
-          </p:cNvCxnSpPr>
-          <p:nvPr/>
-        </p:nvCxnSpPr>
-        <p:spPr>
-          <a:xfrm flipV="1">
-            <a:off x="2842842" y="4152092"/>
-            <a:ext cx="0" cy="278393"/>
-          </a:xfrm>
-          <a:prstGeom prst="straightConnector1">
-            <a:avLst/>
-          </a:prstGeom>
-          <a:ln>
-            <a:tailEnd type="triangle"/>
-          </a:ln>
+        <p:txBody>
+          <a:bodyPr rtlCol="0" anchor="ctr"/>
+          <a:lstStyle/>
+          <a:p>
+            <a:pPr algn="ctr"/>
+            <a:r>
+              <a:rPr lang="en-GB" dirty="0">
+                <a:solidFill>
+                  <a:schemeClr val="tx1"/>
+                </a:solidFill>
+                <a:latin typeface="Courier New" panose="02070309020205020404" pitchFamily="49" charset="0"/>
+                <a:cs typeface="Courier New" panose="02070309020205020404" pitchFamily="49" charset="0"/>
+              </a:rPr>
+              <a:t>s</a:t>
+            </a:r>
+          </a:p>
+        </p:txBody>
+      </p:sp>
+      <p:sp>
+        <p:nvSpPr>
+          <p:cNvPr id="11" name="Rectangle 10">
+            <a:extLst>
+              <a:ext uri="{FF2B5EF4-FFF2-40B4-BE49-F238E27FC236}">
+                <a16:creationId xmlns:a16="http://schemas.microsoft.com/office/drawing/2014/main" id="{170561C8-7DAA-3E4D-8A6B-C3ED050A32E2}"/>
+              </a:ext>
+            </a:extLst>
+          </p:cNvPr>
+          <p:cNvSpPr/>
+          <p:nvPr/>
+        </p:nvSpPr>
+        <p:spPr>
+          <a:xfrm>
+            <a:off x="6035486" y="2070847"/>
+            <a:ext cx="665630" cy="479611"/>
+          </a:xfrm>
+          <a:prstGeom prst="rect">
+            <a:avLst/>
+          </a:prstGeom>
+          <a:noFill/>
         </p:spPr>
         <p:style>
-          <a:lnRef idx="1">
-            <a:schemeClr val="accent1"/>
+          <a:lnRef idx="2">
+            <a:schemeClr val="accent1">
+              <a:shade val="50000"/>
+            </a:schemeClr>
           </a:lnRef>
-          <a:fillRef idx="0">
+          <a:fillRef idx="1">
             <a:schemeClr val="accent1"/>
           </a:fillRef>
           <a:effectRef idx="0">
             <a:schemeClr val="accent1"/>
           </a:effectRef>
           <a:fontRef idx="minor">
-            <a:schemeClr val="tx1"/>
+            <a:schemeClr val="lt1"/>
           </a:fontRef>
         </p:style>
-      </p:cxnSp>
-      <p:cxnSp>
-        <p:nvCxnSpPr>
-          <p:cNvPr id="19" name="Straight Arrow Connector 18">
-            <a:extLst>
-              <a:ext uri="{FF2B5EF4-FFF2-40B4-BE49-F238E27FC236}">
-                <a16:creationId xmlns:a16="http://schemas.microsoft.com/office/drawing/2014/main" id="{E8EE70CC-8B5E-9A45-AA7C-8B8EA94D32CE}"/>
-              </a:ext>
-            </a:extLst>
-          </p:cNvPr>
-          <p:cNvCxnSpPr>
-            <a:cxnSpLocks/>
-            <a:stCxn id="10" idx="0"/>
-            <a:endCxn id="9" idx="2"/>
-          </p:cNvCxnSpPr>
-          <p:nvPr/>
-        </p:nvCxnSpPr>
-        <p:spPr>
-          <a:xfrm flipV="1">
-            <a:off x="2842842" y="3150607"/>
-            <a:ext cx="0" cy="278393"/>
-          </a:xfrm>
-          <a:prstGeom prst="straightConnector1">
-            <a:avLst/>
-          </a:prstGeom>
-          <a:ln>
-            <a:tailEnd type="triangle"/>
-          </a:ln>
+        <p:txBody>
+          <a:bodyPr rtlCol="0" anchor="ctr"/>
+          <a:lstStyle/>
+          <a:p>
+            <a:pPr algn="ctr"/>
+            <a:r>
+              <a:rPr lang="en-GB" dirty="0">
+                <a:solidFill>
+                  <a:schemeClr val="tx1"/>
+                </a:solidFill>
+                <a:latin typeface="Courier New" panose="02070309020205020404" pitchFamily="49" charset="0"/>
+                <a:cs typeface="Courier New" panose="02070309020205020404" pitchFamily="49" charset="0"/>
+              </a:rPr>
+              <a:t>xyz</a:t>
+            </a:r>
+          </a:p>
+        </p:txBody>
+      </p:sp>
+      <p:sp>
+        <p:nvSpPr>
+          <p:cNvPr id="12" name="Rectangle 11">
+            <a:extLst>
+              <a:ext uri="{FF2B5EF4-FFF2-40B4-BE49-F238E27FC236}">
+                <a16:creationId xmlns:a16="http://schemas.microsoft.com/office/drawing/2014/main" id="{1CB59E4A-E18D-E04E-9157-31655B853F03}"/>
+              </a:ext>
+            </a:extLst>
+          </p:cNvPr>
+          <p:cNvSpPr/>
+          <p:nvPr/>
+        </p:nvSpPr>
+        <p:spPr>
+          <a:xfrm>
+            <a:off x="2514600" y="2550458"/>
+            <a:ext cx="2034988" cy="479611"/>
+          </a:xfrm>
+          <a:prstGeom prst="rect">
+            <a:avLst/>
+          </a:prstGeom>
+          <a:solidFill>
+            <a:schemeClr val="accent2">
+              <a:lumMod val="40000"/>
+              <a:lumOff val="60000"/>
+            </a:schemeClr>
+          </a:solidFill>
         </p:spPr>
         <p:style>
-          <a:lnRef idx="1">
-            <a:schemeClr val="accent1"/>
+          <a:lnRef idx="2">
+            <a:schemeClr val="accent1">
+              <a:shade val="50000"/>
+            </a:schemeClr>
           </a:lnRef>
-          <a:fillRef idx="0">
+          <a:fillRef idx="1">
             <a:schemeClr val="accent1"/>
           </a:fillRef>
           <a:effectRef idx="0">
             <a:schemeClr val="accent1"/>
           </a:effectRef>
           <a:fontRef idx="minor">
-            <a:schemeClr val="tx1"/>
+            <a:schemeClr val="lt1"/>
           </a:fontRef>
         </p:style>
-      </p:cxnSp>
-      <p:cxnSp>
-        <p:nvCxnSpPr>
-          <p:cNvPr id="27" name="Straight Arrow Connector 26">
-            <a:extLst>
-              <a:ext uri="{FF2B5EF4-FFF2-40B4-BE49-F238E27FC236}">
-                <a16:creationId xmlns:a16="http://schemas.microsoft.com/office/drawing/2014/main" id="{B6EA9434-C966-6F41-8997-484E1143C725}"/>
-              </a:ext>
-            </a:extLst>
-          </p:cNvPr>
-          <p:cNvCxnSpPr>
-            <a:cxnSpLocks/>
-            <a:stCxn id="9" idx="0"/>
-          </p:cNvCxnSpPr>
-          <p:nvPr/>
-        </p:nvCxnSpPr>
-        <p:spPr>
-          <a:xfrm flipV="1">
-            <a:off x="2842842" y="1575303"/>
-            <a:ext cx="1321752" cy="852212"/>
-          </a:xfrm>
-          <a:prstGeom prst="straightConnector1">
-            <a:avLst/>
-          </a:prstGeom>
-          <a:ln>
-            <a:tailEnd type="triangle"/>
-          </a:ln>
+        <p:txBody>
+          <a:bodyPr rtlCol="0" anchor="ctr"/>
+          <a:lstStyle/>
+          <a:p>
+            <a:pPr algn="ctr"/>
+            <a:r>
+              <a:rPr lang="en-GB" dirty="0">
+                <a:solidFill>
+                  <a:schemeClr val="tx1"/>
+                </a:solidFill>
+              </a:rPr>
+              <a:t>xyx</a:t>
+            </a:r>
+          </a:p>
+        </p:txBody>
+      </p:sp>
+      <p:sp>
+        <p:nvSpPr>
+          <p:cNvPr id="13" name="Rectangle 12">
+            <a:extLst>
+              <a:ext uri="{FF2B5EF4-FFF2-40B4-BE49-F238E27FC236}">
+                <a16:creationId xmlns:a16="http://schemas.microsoft.com/office/drawing/2014/main" id="{78385039-EB78-D344-B353-E23461449F72}"/>
+              </a:ext>
+            </a:extLst>
+          </p:cNvPr>
+          <p:cNvSpPr/>
+          <p:nvPr/>
+        </p:nvSpPr>
+        <p:spPr>
+          <a:xfrm>
+            <a:off x="1848970" y="2550458"/>
+            <a:ext cx="665630" cy="479611"/>
+          </a:xfrm>
+          <a:prstGeom prst="rect">
+            <a:avLst/>
+          </a:prstGeom>
+          <a:noFill/>
         </p:spPr>
         <p:style>
-          <a:lnRef idx="1">
-            <a:schemeClr val="accent1"/>
+          <a:lnRef idx="2">
+            <a:schemeClr val="accent1">
+              <a:shade val="50000"/>
+            </a:schemeClr>
           </a:lnRef>
-          <a:fillRef idx="0">
+          <a:fillRef idx="1">
             <a:schemeClr val="accent1"/>
           </a:fillRef>
           <a:effectRef idx="0">
             <a:schemeClr val="accent1"/>
           </a:effectRef>
           <a:fontRef idx="minor">
-            <a:schemeClr val="tx1"/>
+            <a:schemeClr val="lt1"/>
           </a:fontRef>
         </p:style>
-      </p:cxnSp>
-      <p:cxnSp>
-        <p:nvCxnSpPr>
-          <p:cNvPr id="30" name="Straight Arrow Connector 29">
-            <a:extLst>
-              <a:ext uri="{FF2B5EF4-FFF2-40B4-BE49-F238E27FC236}">
-                <a16:creationId xmlns:a16="http://schemas.microsoft.com/office/drawing/2014/main" id="{2985D851-C76D-1A4D-999B-2F2FAEAC8370}"/>
-              </a:ext>
-            </a:extLst>
-          </p:cNvPr>
-          <p:cNvCxnSpPr>
-            <a:cxnSpLocks/>
-            <a:stCxn id="13" idx="0"/>
-          </p:cNvCxnSpPr>
-          <p:nvPr/>
-        </p:nvCxnSpPr>
-        <p:spPr>
-          <a:xfrm flipH="1" flipV="1">
-            <a:off x="6096001" y="1710802"/>
-            <a:ext cx="1652310" cy="3721168"/>
-          </a:xfrm>
-          <a:prstGeom prst="straightConnector1">
-            <a:avLst/>
-          </a:prstGeom>
-          <a:ln>
-            <a:tailEnd type="triangle"/>
-          </a:ln>
+        <p:txBody>
+          <a:bodyPr rtlCol="0" anchor="ctr"/>
+          <a:lstStyle/>
+          <a:p>
+            <a:pPr algn="ctr"/>
+            <a:r>
+              <a:rPr lang="en-GB" dirty="0">
+                <a:solidFill>
+                  <a:schemeClr val="tx1"/>
+                </a:solidFill>
+                <a:latin typeface="Courier New" panose="02070309020205020404" pitchFamily="49" charset="0"/>
+                <a:cs typeface="Courier New" panose="02070309020205020404" pitchFamily="49" charset="0"/>
+              </a:rPr>
+              <a:t>s1</a:t>
+            </a:r>
+          </a:p>
+        </p:txBody>
+      </p:sp>
+      <p:sp>
+        <p:nvSpPr>
+          <p:cNvPr id="14" name="Rectangle 13">
+            <a:extLst>
+              <a:ext uri="{FF2B5EF4-FFF2-40B4-BE49-F238E27FC236}">
+                <a16:creationId xmlns:a16="http://schemas.microsoft.com/office/drawing/2014/main" id="{070E65BD-03E3-4F44-8D99-63E3F704B91C}"/>
+              </a:ext>
+            </a:extLst>
+          </p:cNvPr>
+          <p:cNvSpPr/>
+          <p:nvPr/>
+        </p:nvSpPr>
+        <p:spPr>
+          <a:xfrm>
+            <a:off x="2514600" y="3030069"/>
+            <a:ext cx="2034988" cy="479611"/>
+          </a:xfrm>
+          <a:prstGeom prst="rect">
+            <a:avLst/>
+          </a:prstGeom>
+          <a:solidFill>
+            <a:schemeClr val="accent2">
+              <a:lumMod val="40000"/>
+              <a:lumOff val="60000"/>
+            </a:schemeClr>
+          </a:solidFill>
         </p:spPr>
         <p:style>
-          <a:lnRef idx="1">
-            <a:schemeClr val="accent1"/>
+          <a:lnRef idx="2">
+            <a:schemeClr val="accent1">
+              <a:shade val="50000"/>
+            </a:schemeClr>
           </a:lnRef>
-          <a:fillRef idx="0">
+          <a:fillRef idx="1">
             <a:schemeClr val="accent1"/>
           </a:fillRef>
           <a:effectRef idx="0">
             <a:schemeClr val="accent1"/>
           </a:effectRef>
           <a:fontRef idx="minor">
-            <a:schemeClr val="tx1"/>
+            <a:schemeClr val="lt1"/>
           </a:fontRef>
         </p:style>
-      </p:cxnSp>
+        <p:txBody>
+          <a:bodyPr rtlCol="0" anchor="ctr"/>
+          <a:lstStyle/>
+          <a:p>
+            <a:pPr algn="ctr"/>
+            <a:r>
+              <a:rPr lang="en-GB" dirty="0">
+                <a:solidFill>
+                  <a:schemeClr val="tx1"/>
+                </a:solidFill>
+              </a:rPr>
+              <a:t>xyx</a:t>
+            </a:r>
+          </a:p>
+        </p:txBody>
+      </p:sp>
+      <p:sp>
+        <p:nvSpPr>
+          <p:cNvPr id="15" name="Rectangle 14">
+            <a:extLst>
+              <a:ext uri="{FF2B5EF4-FFF2-40B4-BE49-F238E27FC236}">
+                <a16:creationId xmlns:a16="http://schemas.microsoft.com/office/drawing/2014/main" id="{DCDB36E5-0B9E-E14A-9FE8-5229237AFD2D}"/>
+              </a:ext>
+            </a:extLst>
+          </p:cNvPr>
+          <p:cNvSpPr/>
+          <p:nvPr/>
+        </p:nvSpPr>
+        <p:spPr>
+          <a:xfrm>
+            <a:off x="1848970" y="3030069"/>
+            <a:ext cx="665630" cy="479611"/>
+          </a:xfrm>
+          <a:prstGeom prst="rect">
+            <a:avLst/>
+          </a:prstGeom>
+          <a:noFill/>
+        </p:spPr>
+        <p:style>
+          <a:lnRef idx="2">
+            <a:schemeClr val="accent1">
+              <a:shade val="50000"/>
+            </a:schemeClr>
+          </a:lnRef>
+          <a:fillRef idx="1">
+            <a:schemeClr val="accent1"/>
+          </a:fillRef>
+          <a:effectRef idx="0">
+            <a:schemeClr val="accent1"/>
+          </a:effectRef>
+          <a:fontRef idx="minor">
+            <a:schemeClr val="lt1"/>
+          </a:fontRef>
+        </p:style>
+        <p:txBody>
+          <a:bodyPr rtlCol="0" anchor="ctr"/>
+          <a:lstStyle/>
+          <a:p>
+            <a:pPr algn="ctr"/>
+            <a:r>
+              <a:rPr lang="en-GB" dirty="0">
+                <a:solidFill>
+                  <a:schemeClr val="tx1"/>
+                </a:solidFill>
+                <a:latin typeface="Courier New" panose="02070309020205020404" pitchFamily="49" charset="0"/>
+                <a:cs typeface="Courier New" panose="02070309020205020404" pitchFamily="49" charset="0"/>
+              </a:rPr>
+              <a:t>s2</a:t>
+            </a:r>
+          </a:p>
+        </p:txBody>
+      </p:sp>
+      <p:sp>
+        <p:nvSpPr>
+          <p:cNvPr id="16" name="Rectangle 15">
+            <a:extLst>
+              <a:ext uri="{FF2B5EF4-FFF2-40B4-BE49-F238E27FC236}">
+                <a16:creationId xmlns:a16="http://schemas.microsoft.com/office/drawing/2014/main" id="{6CCB94E6-72A4-2048-AF6D-F6F48E8D1E98}"/>
+              </a:ext>
+            </a:extLst>
+          </p:cNvPr>
+          <p:cNvSpPr/>
+          <p:nvPr/>
+        </p:nvSpPr>
+        <p:spPr>
+          <a:xfrm>
+            <a:off x="2514600" y="3509680"/>
+            <a:ext cx="2034988" cy="479611"/>
+          </a:xfrm>
+          <a:prstGeom prst="rect">
+            <a:avLst/>
+          </a:prstGeom>
+          <a:solidFill>
+            <a:schemeClr val="accent2">
+              <a:lumMod val="40000"/>
+              <a:lumOff val="60000"/>
+            </a:schemeClr>
+          </a:solidFill>
+        </p:spPr>
+        <p:style>
+          <a:lnRef idx="2">
+            <a:schemeClr val="accent1">
+              <a:shade val="50000"/>
+            </a:schemeClr>
+          </a:lnRef>
+          <a:fillRef idx="1">
+            <a:schemeClr val="accent1"/>
+          </a:fillRef>
+          <a:effectRef idx="0">
+            <a:schemeClr val="accent1"/>
+          </a:effectRef>
+          <a:fontRef idx="minor">
+            <a:schemeClr val="lt1"/>
+          </a:fontRef>
+        </p:style>
+        <p:txBody>
+          <a:bodyPr rtlCol="0" anchor="ctr"/>
+          <a:lstStyle/>
+          <a:p>
+            <a:pPr algn="ctr"/>
+            <a:r>
+              <a:rPr lang="en-GB" dirty="0">
+                <a:solidFill>
+                  <a:schemeClr val="tx1"/>
+                </a:solidFill>
+              </a:rPr>
+              <a:t>xyx</a:t>
+            </a:r>
+          </a:p>
+        </p:txBody>
+      </p:sp>
+      <p:sp>
+        <p:nvSpPr>
+          <p:cNvPr id="17" name="Rectangle 16">
+            <a:extLst>
+              <a:ext uri="{FF2B5EF4-FFF2-40B4-BE49-F238E27FC236}">
+                <a16:creationId xmlns:a16="http://schemas.microsoft.com/office/drawing/2014/main" id="{CFFFB492-4C6A-7942-98E1-FF83AFDD6821}"/>
+              </a:ext>
+            </a:extLst>
+          </p:cNvPr>
+          <p:cNvSpPr/>
+          <p:nvPr/>
+        </p:nvSpPr>
+        <p:spPr>
+          <a:xfrm>
+            <a:off x="1848970" y="3509680"/>
+            <a:ext cx="665630" cy="479611"/>
+          </a:xfrm>
+          <a:prstGeom prst="rect">
+            <a:avLst/>
+          </a:prstGeom>
+          <a:noFill/>
+        </p:spPr>
+        <p:style>
+          <a:lnRef idx="2">
+            <a:schemeClr val="accent1">
+              <a:shade val="50000"/>
+            </a:schemeClr>
+          </a:lnRef>
+          <a:fillRef idx="1">
+            <a:schemeClr val="accent1"/>
+          </a:fillRef>
+          <a:effectRef idx="0">
+            <a:schemeClr val="accent1"/>
+          </a:effectRef>
+          <a:fontRef idx="minor">
+            <a:schemeClr val="lt1"/>
+          </a:fontRef>
+        </p:style>
+        <p:txBody>
+          <a:bodyPr rtlCol="0" anchor="ctr"/>
+          <a:lstStyle/>
+          <a:p>
+            <a:pPr algn="ctr"/>
+            <a:r>
+              <a:rPr lang="en-GB" dirty="0">
+                <a:solidFill>
+                  <a:schemeClr val="tx1"/>
+                </a:solidFill>
+                <a:latin typeface="Courier New" panose="02070309020205020404" pitchFamily="49" charset="0"/>
+                <a:cs typeface="Courier New" panose="02070309020205020404" pitchFamily="49" charset="0"/>
+              </a:rPr>
+              <a:t>s3</a:t>
+            </a:r>
+          </a:p>
+        </p:txBody>
+      </p:sp>
     </p:spTree>
     <p:extLst>
       <p:ext uri="{BB962C8B-B14F-4D97-AF65-F5344CB8AC3E}">
-        <p14:creationId xmlns:p14="http://schemas.microsoft.com/office/powerpoint/2010/main" val="1006745906"/>
+        <p14:creationId xmlns:p14="http://schemas.microsoft.com/office/powerpoint/2010/main" val="701411516"/>
+      </p:ext>
+    </p:extLst>
+  </p:cSld>
+  <p:clrMapOvr>
+    <a:masterClrMapping/>
+  </p:clrMapOvr>
+</p:sld>
+</file>
+
+<file path=ppt/slides/slide8.xml><?xml version="1.0" encoding="utf-8"?>
+<p:sld xmlns:a="http://schemas.openxmlformats.org/drawingml/2006/main" xmlns:r="http://schemas.openxmlformats.org/officeDocument/2006/relationships" xmlns:p="http://schemas.openxmlformats.org/presentationml/2006/main">
+  <p:cSld>
+    <p:spTree>
+      <p:nvGrpSpPr>
+        <p:cNvPr id="1" name=""/>
+        <p:cNvGrpSpPr/>
+        <p:nvPr/>
+      </p:nvGrpSpPr>
+      <p:grpSpPr>
+        <a:xfrm>
+          <a:off x="0" y="0"/>
+          <a:ext cx="0" cy="0"/>
+          <a:chOff x="0" y="0"/>
+          <a:chExt cx="0" cy="0"/>
+        </a:xfrm>
+      </p:grpSpPr>
+      <p:sp>
+        <p:nvSpPr>
+          <p:cNvPr id="7" name="Rectangle 6">
+            <a:extLst>
+              <a:ext uri="{FF2B5EF4-FFF2-40B4-BE49-F238E27FC236}">
+                <a16:creationId xmlns:a16="http://schemas.microsoft.com/office/drawing/2014/main" id="{7CD7D475-E299-AE41-86D3-1B10CAF77EA3}"/>
+              </a:ext>
+            </a:extLst>
+          </p:cNvPr>
+          <p:cNvSpPr/>
+          <p:nvPr/>
+        </p:nvSpPr>
+        <p:spPr>
+          <a:xfrm>
+            <a:off x="5459504" y="546847"/>
+            <a:ext cx="3935506" cy="5208494"/>
+          </a:xfrm>
+          <a:prstGeom prst="rect">
+            <a:avLst/>
+          </a:prstGeom>
+          <a:solidFill>
+            <a:schemeClr val="accent6">
+              <a:lumMod val="20000"/>
+              <a:lumOff val="80000"/>
+            </a:schemeClr>
+          </a:solidFill>
+          <a:ln>
+            <a:solidFill>
+              <a:schemeClr val="accent6">
+                <a:lumMod val="75000"/>
+              </a:schemeClr>
+            </a:solidFill>
+          </a:ln>
+        </p:spPr>
+        <p:style>
+          <a:lnRef idx="2">
+            <a:schemeClr val="accent1">
+              <a:shade val="50000"/>
+            </a:schemeClr>
+          </a:lnRef>
+          <a:fillRef idx="1">
+            <a:schemeClr val="accent1"/>
+          </a:fillRef>
+          <a:effectRef idx="0">
+            <a:schemeClr val="accent1"/>
+          </a:effectRef>
+          <a:fontRef idx="minor">
+            <a:schemeClr val="lt1"/>
+          </a:fontRef>
+        </p:style>
+        <p:txBody>
+          <a:bodyPr rtlCol="0" anchor="b"/>
+          <a:lstStyle/>
+          <a:p>
+            <a:pPr algn="ctr"/>
+            <a:r>
+              <a:rPr lang="en-GB" sz="3600" dirty="0">
+                <a:solidFill>
+                  <a:schemeClr val="tx1"/>
+                </a:solidFill>
+              </a:rPr>
+              <a:t>heap</a:t>
+            </a:r>
+          </a:p>
+        </p:txBody>
+      </p:sp>
+      <p:sp>
+        <p:nvSpPr>
+          <p:cNvPr id="6" name="Rectangle 5">
+            <a:extLst>
+              <a:ext uri="{FF2B5EF4-FFF2-40B4-BE49-F238E27FC236}">
+                <a16:creationId xmlns:a16="http://schemas.microsoft.com/office/drawing/2014/main" id="{AAC98429-C6B8-BC44-8702-AECA5E3F9DB7}"/>
+              </a:ext>
+            </a:extLst>
+          </p:cNvPr>
+          <p:cNvSpPr/>
+          <p:nvPr/>
+        </p:nvSpPr>
+        <p:spPr>
+          <a:xfrm>
+            <a:off x="1272988" y="546847"/>
+            <a:ext cx="3935506" cy="5208494"/>
+          </a:xfrm>
+          <a:prstGeom prst="rect">
+            <a:avLst/>
+          </a:prstGeom>
+          <a:solidFill>
+            <a:schemeClr val="accent1">
+              <a:lumMod val="20000"/>
+              <a:lumOff val="80000"/>
+            </a:schemeClr>
+          </a:solidFill>
+        </p:spPr>
+        <p:style>
+          <a:lnRef idx="2">
+            <a:schemeClr val="accent1">
+              <a:shade val="50000"/>
+            </a:schemeClr>
+          </a:lnRef>
+          <a:fillRef idx="1">
+            <a:schemeClr val="accent1"/>
+          </a:fillRef>
+          <a:effectRef idx="0">
+            <a:schemeClr val="accent1"/>
+          </a:effectRef>
+          <a:fontRef idx="minor">
+            <a:schemeClr val="lt1"/>
+          </a:fontRef>
+        </p:style>
+        <p:txBody>
+          <a:bodyPr rtlCol="0" anchor="b"/>
+          <a:lstStyle/>
+          <a:p>
+            <a:pPr algn="ctr"/>
+            <a:r>
+              <a:rPr lang="en-GB" sz="3600" dirty="0">
+                <a:solidFill>
+                  <a:schemeClr val="tx1"/>
+                </a:solidFill>
+              </a:rPr>
+              <a:t>stack</a:t>
+            </a:r>
+          </a:p>
+        </p:txBody>
+      </p:sp>
+      <p:sp>
+        <p:nvSpPr>
+          <p:cNvPr id="4" name="Rectangle 3">
+            <a:extLst>
+              <a:ext uri="{FF2B5EF4-FFF2-40B4-BE49-F238E27FC236}">
+                <a16:creationId xmlns:a16="http://schemas.microsoft.com/office/drawing/2014/main" id="{EC27F43E-D801-EE49-A7BB-BB4CC05459C7}"/>
+              </a:ext>
+            </a:extLst>
+          </p:cNvPr>
+          <p:cNvSpPr/>
+          <p:nvPr/>
+        </p:nvSpPr>
+        <p:spPr>
+          <a:xfrm>
+            <a:off x="2514600" y="1591236"/>
+            <a:ext cx="2034988" cy="479611"/>
+          </a:xfrm>
+          <a:prstGeom prst="rect">
+            <a:avLst/>
+          </a:prstGeom>
+          <a:solidFill>
+            <a:schemeClr val="accent2">
+              <a:lumMod val="40000"/>
+              <a:lumOff val="60000"/>
+            </a:schemeClr>
+          </a:solidFill>
+        </p:spPr>
+        <p:style>
+          <a:lnRef idx="2">
+            <a:schemeClr val="accent1">
+              <a:shade val="50000"/>
+            </a:schemeClr>
+          </a:lnRef>
+          <a:fillRef idx="1">
+            <a:schemeClr val="accent1"/>
+          </a:fillRef>
+          <a:effectRef idx="0">
+            <a:schemeClr val="accent1"/>
+          </a:effectRef>
+          <a:fontRef idx="minor">
+            <a:schemeClr val="lt1"/>
+          </a:fontRef>
+        </p:style>
+        <p:txBody>
+          <a:bodyPr rtlCol="0" anchor="ctr"/>
+          <a:lstStyle/>
+          <a:p>
+            <a:pPr algn="ctr"/>
+            <a:r>
+              <a:rPr lang="en-GB" dirty="0">
+                <a:solidFill>
+                  <a:schemeClr val="tx1"/>
+                </a:solidFill>
+              </a:rPr>
+              <a:t>xyz</a:t>
+            </a:r>
+          </a:p>
+        </p:txBody>
+      </p:sp>
+      <p:sp>
+        <p:nvSpPr>
+          <p:cNvPr id="5" name="Rectangle 4">
+            <a:extLst>
+              <a:ext uri="{FF2B5EF4-FFF2-40B4-BE49-F238E27FC236}">
+                <a16:creationId xmlns:a16="http://schemas.microsoft.com/office/drawing/2014/main" id="{4DA6D25D-3C20-6348-9E83-19C1AFEEA0CE}"/>
+              </a:ext>
+            </a:extLst>
+          </p:cNvPr>
+          <p:cNvSpPr/>
+          <p:nvPr/>
+        </p:nvSpPr>
+        <p:spPr>
+          <a:xfrm>
+            <a:off x="6694392" y="2070847"/>
+            <a:ext cx="2034988" cy="479611"/>
+          </a:xfrm>
+          <a:prstGeom prst="rect">
+            <a:avLst/>
+          </a:prstGeom>
+          <a:solidFill>
+            <a:schemeClr val="accent2">
+              <a:lumMod val="40000"/>
+              <a:lumOff val="60000"/>
+            </a:schemeClr>
+          </a:solidFill>
+        </p:spPr>
+        <p:style>
+          <a:lnRef idx="2">
+            <a:schemeClr val="accent1">
+              <a:shade val="50000"/>
+            </a:schemeClr>
+          </a:lnRef>
+          <a:fillRef idx="1">
+            <a:schemeClr val="accent1"/>
+          </a:fillRef>
+          <a:effectRef idx="0">
+            <a:schemeClr val="accent1"/>
+          </a:effectRef>
+          <a:fontRef idx="minor">
+            <a:schemeClr val="lt1"/>
+          </a:fontRef>
+        </p:style>
+        <p:txBody>
+          <a:bodyPr rtlCol="0" anchor="ctr"/>
+          <a:lstStyle/>
+          <a:p>
+            <a:pPr algn="ctr"/>
+            <a:r>
+              <a:rPr lang="en-GB" dirty="0">
+                <a:solidFill>
+                  <a:schemeClr val="tx1"/>
+                </a:solidFill>
+              </a:rPr>
+              <a:t>Point[x=7,</a:t>
+            </a:r>
+            <a:r>
+              <a:rPr lang="en-GB" b="1" dirty="0">
+                <a:solidFill>
+                  <a:srgbClr val="FF0000"/>
+                </a:solidFill>
+              </a:rPr>
+              <a:t>y=3</a:t>
+            </a:r>
+            <a:r>
+              <a:rPr lang="en-GB" dirty="0">
+                <a:solidFill>
+                  <a:schemeClr val="tx1"/>
+                </a:solidFill>
+              </a:rPr>
+              <a:t>]</a:t>
+            </a:r>
+            <a:endParaRPr lang="en-GB" i="1" dirty="0">
+              <a:solidFill>
+                <a:schemeClr val="tx1"/>
+              </a:solidFill>
+            </a:endParaRPr>
+          </a:p>
+        </p:txBody>
+      </p:sp>
+      <p:sp>
+        <p:nvSpPr>
+          <p:cNvPr id="8" name="Rectangle 7">
+            <a:extLst>
+              <a:ext uri="{FF2B5EF4-FFF2-40B4-BE49-F238E27FC236}">
+                <a16:creationId xmlns:a16="http://schemas.microsoft.com/office/drawing/2014/main" id="{F391BC07-0B6F-B445-98D9-917B754665E1}"/>
+              </a:ext>
+            </a:extLst>
+          </p:cNvPr>
+          <p:cNvSpPr/>
+          <p:nvPr/>
+        </p:nvSpPr>
+        <p:spPr>
+          <a:xfrm>
+            <a:off x="2514600" y="2070847"/>
+            <a:ext cx="2034988" cy="479611"/>
+          </a:xfrm>
+          <a:prstGeom prst="rect">
+            <a:avLst/>
+          </a:prstGeom>
+          <a:solidFill>
+            <a:schemeClr val="accent2">
+              <a:lumMod val="40000"/>
+              <a:lumOff val="60000"/>
+            </a:schemeClr>
+          </a:solidFill>
+        </p:spPr>
+        <p:style>
+          <a:lnRef idx="2">
+            <a:schemeClr val="accent1">
+              <a:shade val="50000"/>
+            </a:schemeClr>
+          </a:lnRef>
+          <a:fillRef idx="1">
+            <a:schemeClr val="accent1"/>
+          </a:fillRef>
+          <a:effectRef idx="0">
+            <a:schemeClr val="accent1"/>
+          </a:effectRef>
+          <a:fontRef idx="minor">
+            <a:schemeClr val="lt1"/>
+          </a:fontRef>
+        </p:style>
+        <p:txBody>
+          <a:bodyPr rtlCol="0" anchor="ctr"/>
+          <a:lstStyle/>
+          <a:p>
+            <a:pPr algn="ctr"/>
+            <a:r>
+              <a:rPr lang="en-GB" dirty="0">
+                <a:solidFill>
+                  <a:schemeClr val="tx1"/>
+                </a:solidFill>
+              </a:rPr>
+              <a:t>xyx</a:t>
+            </a:r>
+          </a:p>
+        </p:txBody>
+      </p:sp>
+      <p:sp>
+        <p:nvSpPr>
+          <p:cNvPr id="9" name="Rectangle 8">
+            <a:extLst>
+              <a:ext uri="{FF2B5EF4-FFF2-40B4-BE49-F238E27FC236}">
+                <a16:creationId xmlns:a16="http://schemas.microsoft.com/office/drawing/2014/main" id="{200D0DE9-12F5-8641-B765-93E26765094F}"/>
+              </a:ext>
+            </a:extLst>
+          </p:cNvPr>
+          <p:cNvSpPr/>
+          <p:nvPr/>
+        </p:nvSpPr>
+        <p:spPr>
+          <a:xfrm>
+            <a:off x="1848970" y="1591236"/>
+            <a:ext cx="665630" cy="479611"/>
+          </a:xfrm>
+          <a:prstGeom prst="rect">
+            <a:avLst/>
+          </a:prstGeom>
+          <a:noFill/>
+        </p:spPr>
+        <p:style>
+          <a:lnRef idx="2">
+            <a:schemeClr val="accent1">
+              <a:shade val="50000"/>
+            </a:schemeClr>
+          </a:lnRef>
+          <a:fillRef idx="1">
+            <a:schemeClr val="accent1"/>
+          </a:fillRef>
+          <a:effectRef idx="0">
+            <a:schemeClr val="accent1"/>
+          </a:effectRef>
+          <a:fontRef idx="minor">
+            <a:schemeClr val="lt1"/>
+          </a:fontRef>
+        </p:style>
+        <p:txBody>
+          <a:bodyPr rtlCol="0" anchor="ctr"/>
+          <a:lstStyle/>
+          <a:p>
+            <a:pPr algn="ctr"/>
+            <a:r>
+              <a:rPr lang="en-GB" dirty="0">
+                <a:solidFill>
+                  <a:schemeClr val="tx1"/>
+                </a:solidFill>
+                <a:latin typeface="Courier New" panose="02070309020205020404" pitchFamily="49" charset="0"/>
+                <a:cs typeface="Courier New" panose="02070309020205020404" pitchFamily="49" charset="0"/>
+              </a:rPr>
+              <a:t>a</a:t>
+            </a:r>
+          </a:p>
+        </p:txBody>
+      </p:sp>
+      <p:sp>
+        <p:nvSpPr>
+          <p:cNvPr id="10" name="Rectangle 9">
+            <a:extLst>
+              <a:ext uri="{FF2B5EF4-FFF2-40B4-BE49-F238E27FC236}">
+                <a16:creationId xmlns:a16="http://schemas.microsoft.com/office/drawing/2014/main" id="{7506D401-93A6-F74B-987E-B7E5E1C27913}"/>
+              </a:ext>
+            </a:extLst>
+          </p:cNvPr>
+          <p:cNvSpPr/>
+          <p:nvPr/>
+        </p:nvSpPr>
+        <p:spPr>
+          <a:xfrm>
+            <a:off x="1848970" y="2070847"/>
+            <a:ext cx="665630" cy="479611"/>
+          </a:xfrm>
+          <a:prstGeom prst="rect">
+            <a:avLst/>
+          </a:prstGeom>
+          <a:noFill/>
+        </p:spPr>
+        <p:style>
+          <a:lnRef idx="2">
+            <a:schemeClr val="accent1">
+              <a:shade val="50000"/>
+            </a:schemeClr>
+          </a:lnRef>
+          <a:fillRef idx="1">
+            <a:schemeClr val="accent1"/>
+          </a:fillRef>
+          <a:effectRef idx="0">
+            <a:schemeClr val="accent1"/>
+          </a:effectRef>
+          <a:fontRef idx="minor">
+            <a:schemeClr val="lt1"/>
+          </a:fontRef>
+        </p:style>
+        <p:txBody>
+          <a:bodyPr rtlCol="0" anchor="ctr"/>
+          <a:lstStyle/>
+          <a:p>
+            <a:pPr algn="ctr"/>
+            <a:r>
+              <a:rPr lang="en-GB" dirty="0">
+                <a:solidFill>
+                  <a:schemeClr val="tx1"/>
+                </a:solidFill>
+                <a:latin typeface="Courier New" panose="02070309020205020404" pitchFamily="49" charset="0"/>
+                <a:cs typeface="Courier New" panose="02070309020205020404" pitchFamily="49" charset="0"/>
+              </a:rPr>
+              <a:t>b</a:t>
+            </a:r>
+          </a:p>
+        </p:txBody>
+      </p:sp>
+      <p:sp>
+        <p:nvSpPr>
+          <p:cNvPr id="11" name="Rectangle 10">
+            <a:extLst>
+              <a:ext uri="{FF2B5EF4-FFF2-40B4-BE49-F238E27FC236}">
+                <a16:creationId xmlns:a16="http://schemas.microsoft.com/office/drawing/2014/main" id="{170561C8-7DAA-3E4D-8A6B-C3ED050A32E2}"/>
+              </a:ext>
+            </a:extLst>
+          </p:cNvPr>
+          <p:cNvSpPr/>
+          <p:nvPr/>
+        </p:nvSpPr>
+        <p:spPr>
+          <a:xfrm>
+            <a:off x="6035486" y="2070847"/>
+            <a:ext cx="665630" cy="479611"/>
+          </a:xfrm>
+          <a:prstGeom prst="rect">
+            <a:avLst/>
+          </a:prstGeom>
+          <a:noFill/>
+        </p:spPr>
+        <p:style>
+          <a:lnRef idx="2">
+            <a:schemeClr val="accent1">
+              <a:shade val="50000"/>
+            </a:schemeClr>
+          </a:lnRef>
+          <a:fillRef idx="1">
+            <a:schemeClr val="accent1"/>
+          </a:fillRef>
+          <a:effectRef idx="0">
+            <a:schemeClr val="accent1"/>
+          </a:effectRef>
+          <a:fontRef idx="minor">
+            <a:schemeClr val="lt1"/>
+          </a:fontRef>
+        </p:style>
+        <p:txBody>
+          <a:bodyPr rtlCol="0" anchor="ctr"/>
+          <a:lstStyle/>
+          <a:p>
+            <a:pPr algn="ctr"/>
+            <a:r>
+              <a:rPr lang="en-GB" dirty="0">
+                <a:solidFill>
+                  <a:schemeClr val="tx1"/>
+                </a:solidFill>
+                <a:latin typeface="Courier New" panose="02070309020205020404" pitchFamily="49" charset="0"/>
+                <a:cs typeface="Courier New" panose="02070309020205020404" pitchFamily="49" charset="0"/>
+              </a:rPr>
+              <a:t>xyz</a:t>
+            </a:r>
+          </a:p>
+        </p:txBody>
+      </p:sp>
+      <p:sp>
+        <p:nvSpPr>
+          <p:cNvPr id="12" name="Rectangle 11">
+            <a:extLst>
+              <a:ext uri="{FF2B5EF4-FFF2-40B4-BE49-F238E27FC236}">
+                <a16:creationId xmlns:a16="http://schemas.microsoft.com/office/drawing/2014/main" id="{1CB59E4A-E18D-E04E-9157-31655B853F03}"/>
+              </a:ext>
+            </a:extLst>
+          </p:cNvPr>
+          <p:cNvSpPr/>
+          <p:nvPr/>
+        </p:nvSpPr>
+        <p:spPr>
+          <a:xfrm>
+            <a:off x="2514600" y="2550458"/>
+            <a:ext cx="2034988" cy="479611"/>
+          </a:xfrm>
+          <a:prstGeom prst="rect">
+            <a:avLst/>
+          </a:prstGeom>
+          <a:solidFill>
+            <a:schemeClr val="accent2">
+              <a:lumMod val="40000"/>
+              <a:lumOff val="60000"/>
+            </a:schemeClr>
+          </a:solidFill>
+        </p:spPr>
+        <p:style>
+          <a:lnRef idx="2">
+            <a:schemeClr val="accent1">
+              <a:shade val="50000"/>
+            </a:schemeClr>
+          </a:lnRef>
+          <a:fillRef idx="1">
+            <a:schemeClr val="accent1"/>
+          </a:fillRef>
+          <a:effectRef idx="0">
+            <a:schemeClr val="accent1"/>
+          </a:effectRef>
+          <a:fontRef idx="minor">
+            <a:schemeClr val="lt1"/>
+          </a:fontRef>
+        </p:style>
+        <p:txBody>
+          <a:bodyPr rtlCol="0" anchor="ctr"/>
+          <a:lstStyle/>
+          <a:p>
+            <a:pPr algn="ctr"/>
+            <a:r>
+              <a:rPr lang="en-GB" dirty="0">
+                <a:solidFill>
+                  <a:schemeClr val="tx1"/>
+                </a:solidFill>
+              </a:rPr>
+              <a:t>xyx</a:t>
+            </a:r>
+          </a:p>
+        </p:txBody>
+      </p:sp>
+      <p:sp>
+        <p:nvSpPr>
+          <p:cNvPr id="13" name="Rectangle 12">
+            <a:extLst>
+              <a:ext uri="{FF2B5EF4-FFF2-40B4-BE49-F238E27FC236}">
+                <a16:creationId xmlns:a16="http://schemas.microsoft.com/office/drawing/2014/main" id="{78385039-EB78-D344-B353-E23461449F72}"/>
+              </a:ext>
+            </a:extLst>
+          </p:cNvPr>
+          <p:cNvSpPr/>
+          <p:nvPr/>
+        </p:nvSpPr>
+        <p:spPr>
+          <a:xfrm>
+            <a:off x="1848970" y="2550458"/>
+            <a:ext cx="665630" cy="479611"/>
+          </a:xfrm>
+          <a:prstGeom prst="rect">
+            <a:avLst/>
+          </a:prstGeom>
+          <a:noFill/>
+        </p:spPr>
+        <p:style>
+          <a:lnRef idx="2">
+            <a:schemeClr val="accent1">
+              <a:shade val="50000"/>
+            </a:schemeClr>
+          </a:lnRef>
+          <a:fillRef idx="1">
+            <a:schemeClr val="accent1"/>
+          </a:fillRef>
+          <a:effectRef idx="0">
+            <a:schemeClr val="accent1"/>
+          </a:effectRef>
+          <a:fontRef idx="minor">
+            <a:schemeClr val="lt1"/>
+          </a:fontRef>
+        </p:style>
+        <p:txBody>
+          <a:bodyPr rtlCol="0" anchor="ctr"/>
+          <a:lstStyle/>
+          <a:p>
+            <a:pPr algn="ctr"/>
+            <a:r>
+              <a:rPr lang="en-GB" dirty="0">
+                <a:solidFill>
+                  <a:schemeClr val="tx1"/>
+                </a:solidFill>
+                <a:latin typeface="Courier New" panose="02070309020205020404" pitchFamily="49" charset="0"/>
+                <a:cs typeface="Courier New" panose="02070309020205020404" pitchFamily="49" charset="0"/>
+              </a:rPr>
+              <a:t>c</a:t>
+            </a:r>
+          </a:p>
+        </p:txBody>
+      </p:sp>
+    </p:spTree>
+    <p:extLst>
+      <p:ext uri="{BB962C8B-B14F-4D97-AF65-F5344CB8AC3E}">
+        <p14:creationId xmlns:p14="http://schemas.microsoft.com/office/powerpoint/2010/main" val="2804911304"/>
+      </p:ext>
+    </p:extLst>
+  </p:cSld>
+  <p:clrMapOvr>
+    <a:masterClrMapping/>
+  </p:clrMapOvr>
+</p:sld>
+</file>
+
+<file path=ppt/slides/slide9.xml><?xml version="1.0" encoding="utf-8"?>
+<p:sld xmlns:a="http://schemas.openxmlformats.org/drawingml/2006/main" xmlns:r="http://schemas.openxmlformats.org/officeDocument/2006/relationships" xmlns:p="http://schemas.openxmlformats.org/presentationml/2006/main">
+  <p:cSld>
+    <p:spTree>
+      <p:nvGrpSpPr>
+        <p:cNvPr id="1" name=""/>
+        <p:cNvGrpSpPr/>
+        <p:nvPr/>
+      </p:nvGrpSpPr>
+      <p:grpSpPr>
+        <a:xfrm>
+          <a:off x="0" y="0"/>
+          <a:ext cx="0" cy="0"/>
+          <a:chOff x="0" y="0"/>
+          <a:chExt cx="0" cy="0"/>
+        </a:xfrm>
+      </p:grpSpPr>
+      <p:sp>
+        <p:nvSpPr>
+          <p:cNvPr id="7" name="Rectangle 6">
+            <a:extLst>
+              <a:ext uri="{FF2B5EF4-FFF2-40B4-BE49-F238E27FC236}">
+                <a16:creationId xmlns:a16="http://schemas.microsoft.com/office/drawing/2014/main" id="{7CD7D475-E299-AE41-86D3-1B10CAF77EA3}"/>
+              </a:ext>
+            </a:extLst>
+          </p:cNvPr>
+          <p:cNvSpPr/>
+          <p:nvPr/>
+        </p:nvSpPr>
+        <p:spPr>
+          <a:xfrm>
+            <a:off x="5459504" y="546847"/>
+            <a:ext cx="3935506" cy="5208494"/>
+          </a:xfrm>
+          <a:prstGeom prst="rect">
+            <a:avLst/>
+          </a:prstGeom>
+          <a:solidFill>
+            <a:schemeClr val="accent6">
+              <a:lumMod val="20000"/>
+              <a:lumOff val="80000"/>
+            </a:schemeClr>
+          </a:solidFill>
+          <a:ln>
+            <a:solidFill>
+              <a:schemeClr val="accent6">
+                <a:lumMod val="75000"/>
+              </a:schemeClr>
+            </a:solidFill>
+          </a:ln>
+        </p:spPr>
+        <p:style>
+          <a:lnRef idx="2">
+            <a:schemeClr val="accent1">
+              <a:shade val="50000"/>
+            </a:schemeClr>
+          </a:lnRef>
+          <a:fillRef idx="1">
+            <a:schemeClr val="accent1"/>
+          </a:fillRef>
+          <a:effectRef idx="0">
+            <a:schemeClr val="accent1"/>
+          </a:effectRef>
+          <a:fontRef idx="minor">
+            <a:schemeClr val="lt1"/>
+          </a:fontRef>
+        </p:style>
+        <p:txBody>
+          <a:bodyPr rtlCol="0" anchor="b"/>
+          <a:lstStyle/>
+          <a:p>
+            <a:pPr algn="ctr"/>
+            <a:r>
+              <a:rPr lang="en-GB" sz="3600" dirty="0">
+                <a:solidFill>
+                  <a:schemeClr val="tx1"/>
+                </a:solidFill>
+              </a:rPr>
+              <a:t>heap</a:t>
+            </a:r>
+          </a:p>
+        </p:txBody>
+      </p:sp>
+      <p:sp>
+        <p:nvSpPr>
+          <p:cNvPr id="6" name="Rectangle 5">
+            <a:extLst>
+              <a:ext uri="{FF2B5EF4-FFF2-40B4-BE49-F238E27FC236}">
+                <a16:creationId xmlns:a16="http://schemas.microsoft.com/office/drawing/2014/main" id="{AAC98429-C6B8-BC44-8702-AECA5E3F9DB7}"/>
+              </a:ext>
+            </a:extLst>
+          </p:cNvPr>
+          <p:cNvSpPr/>
+          <p:nvPr/>
+        </p:nvSpPr>
+        <p:spPr>
+          <a:xfrm>
+            <a:off x="1272988" y="546847"/>
+            <a:ext cx="3935506" cy="5208494"/>
+          </a:xfrm>
+          <a:prstGeom prst="rect">
+            <a:avLst/>
+          </a:prstGeom>
+          <a:solidFill>
+            <a:schemeClr val="accent1">
+              <a:lumMod val="20000"/>
+              <a:lumOff val="80000"/>
+            </a:schemeClr>
+          </a:solidFill>
+        </p:spPr>
+        <p:style>
+          <a:lnRef idx="2">
+            <a:schemeClr val="accent1">
+              <a:shade val="50000"/>
+            </a:schemeClr>
+          </a:lnRef>
+          <a:fillRef idx="1">
+            <a:schemeClr val="accent1"/>
+          </a:fillRef>
+          <a:effectRef idx="0">
+            <a:schemeClr val="accent1"/>
+          </a:effectRef>
+          <a:fontRef idx="minor">
+            <a:schemeClr val="lt1"/>
+          </a:fontRef>
+        </p:style>
+        <p:txBody>
+          <a:bodyPr rtlCol="0" anchor="b"/>
+          <a:lstStyle/>
+          <a:p>
+            <a:pPr algn="ctr"/>
+            <a:r>
+              <a:rPr lang="en-GB" sz="3600" dirty="0">
+                <a:solidFill>
+                  <a:schemeClr val="tx1"/>
+                </a:solidFill>
+              </a:rPr>
+              <a:t>stack</a:t>
+            </a:r>
+          </a:p>
+        </p:txBody>
+      </p:sp>
+      <p:sp>
+        <p:nvSpPr>
+          <p:cNvPr id="4" name="Rectangle 3">
+            <a:extLst>
+              <a:ext uri="{FF2B5EF4-FFF2-40B4-BE49-F238E27FC236}">
+                <a16:creationId xmlns:a16="http://schemas.microsoft.com/office/drawing/2014/main" id="{EC27F43E-D801-EE49-A7BB-BB4CC05459C7}"/>
+              </a:ext>
+            </a:extLst>
+          </p:cNvPr>
+          <p:cNvSpPr/>
+          <p:nvPr/>
+        </p:nvSpPr>
+        <p:spPr>
+          <a:xfrm>
+            <a:off x="2514600" y="1591236"/>
+            <a:ext cx="2034988" cy="479611"/>
+          </a:xfrm>
+          <a:prstGeom prst="rect">
+            <a:avLst/>
+          </a:prstGeom>
+          <a:solidFill>
+            <a:schemeClr val="accent2">
+              <a:lumMod val="40000"/>
+              <a:lumOff val="60000"/>
+            </a:schemeClr>
+          </a:solidFill>
+        </p:spPr>
+        <p:style>
+          <a:lnRef idx="2">
+            <a:schemeClr val="accent1">
+              <a:shade val="50000"/>
+            </a:schemeClr>
+          </a:lnRef>
+          <a:fillRef idx="1">
+            <a:schemeClr val="accent1"/>
+          </a:fillRef>
+          <a:effectRef idx="0">
+            <a:schemeClr val="accent1"/>
+          </a:effectRef>
+          <a:fontRef idx="minor">
+            <a:schemeClr val="lt1"/>
+          </a:fontRef>
+        </p:style>
+        <p:txBody>
+          <a:bodyPr rtlCol="0" anchor="ctr"/>
+          <a:lstStyle/>
+          <a:p>
+            <a:pPr algn="ctr"/>
+            <a:r>
+              <a:rPr lang="en-GB" b="1" dirty="0">
+                <a:solidFill>
+                  <a:srgbClr val="FF0000"/>
+                </a:solidFill>
+              </a:rPr>
+              <a:t>null</a:t>
+            </a:r>
+          </a:p>
+        </p:txBody>
+      </p:sp>
+      <p:sp>
+        <p:nvSpPr>
+          <p:cNvPr id="9" name="Rectangle 8">
+            <a:extLst>
+              <a:ext uri="{FF2B5EF4-FFF2-40B4-BE49-F238E27FC236}">
+                <a16:creationId xmlns:a16="http://schemas.microsoft.com/office/drawing/2014/main" id="{200D0DE9-12F5-8641-B765-93E26765094F}"/>
+              </a:ext>
+            </a:extLst>
+          </p:cNvPr>
+          <p:cNvSpPr/>
+          <p:nvPr/>
+        </p:nvSpPr>
+        <p:spPr>
+          <a:xfrm>
+            <a:off x="1848970" y="1591236"/>
+            <a:ext cx="665630" cy="479611"/>
+          </a:xfrm>
+          <a:prstGeom prst="rect">
+            <a:avLst/>
+          </a:prstGeom>
+          <a:noFill/>
+        </p:spPr>
+        <p:style>
+          <a:lnRef idx="2">
+            <a:schemeClr val="accent1">
+              <a:shade val="50000"/>
+            </a:schemeClr>
+          </a:lnRef>
+          <a:fillRef idx="1">
+            <a:schemeClr val="accent1"/>
+          </a:fillRef>
+          <a:effectRef idx="0">
+            <a:schemeClr val="accent1"/>
+          </a:effectRef>
+          <a:fontRef idx="minor">
+            <a:schemeClr val="lt1"/>
+          </a:fontRef>
+        </p:style>
+        <p:txBody>
+          <a:bodyPr rtlCol="0" anchor="ctr"/>
+          <a:lstStyle/>
+          <a:p>
+            <a:pPr algn="ctr"/>
+            <a:r>
+              <a:rPr lang="en-GB" dirty="0">
+                <a:solidFill>
+                  <a:schemeClr val="tx1"/>
+                </a:solidFill>
+                <a:latin typeface="Courier New" panose="02070309020205020404" pitchFamily="49" charset="0"/>
+                <a:cs typeface="Courier New" panose="02070309020205020404" pitchFamily="49" charset="0"/>
+              </a:rPr>
+              <a:t>s</a:t>
+            </a:r>
+          </a:p>
+        </p:txBody>
+      </p:sp>
+    </p:spTree>
+    <p:extLst>
+      <p:ext uri="{BB962C8B-B14F-4D97-AF65-F5344CB8AC3E}">
+        <p14:creationId xmlns:p14="http://schemas.microsoft.com/office/powerpoint/2010/main" val="2309883801"/>
       </p:ext>
     </p:extLst>
   </p:cSld>

--- a/assets/images/Images.pptx
+++ b/assets/images/Images.pptx
@@ -5,7 +5,7 @@
     <p:sldMasterId id="2147483648" r:id="rId1"/>
   </p:sldMasterIdLst>
   <p:notesMasterIdLst>
-    <p:notesMasterId r:id="rId12"/>
+    <p:notesMasterId r:id="rId13"/>
   </p:notesMasterIdLst>
   <p:sldIdLst>
     <p:sldId id="257" r:id="rId2"/>
@@ -14,10 +14,11 @@
     <p:sldId id="260" r:id="rId5"/>
     <p:sldId id="261" r:id="rId6"/>
     <p:sldId id="262" r:id="rId7"/>
-    <p:sldId id="263" r:id="rId8"/>
-    <p:sldId id="264" r:id="rId9"/>
-    <p:sldId id="265" r:id="rId10"/>
-    <p:sldId id="256" r:id="rId11"/>
+    <p:sldId id="266" r:id="rId8"/>
+    <p:sldId id="263" r:id="rId9"/>
+    <p:sldId id="264" r:id="rId10"/>
+    <p:sldId id="265" r:id="rId11"/>
+    <p:sldId id="256" r:id="rId12"/>
   </p:sldIdLst>
   <p:sldSz cx="12192000" cy="6858000"/>
   <p:notesSz cx="6858000" cy="9144000"/>
@@ -131,6 +132,7 @@
             <p14:sldId id="260"/>
             <p14:sldId id="261"/>
             <p14:sldId id="262"/>
+            <p14:sldId id="266"/>
             <p14:sldId id="263"/>
             <p14:sldId id="264"/>
             <p14:sldId id="265"/>
@@ -232,7 +234,7 @@
           <a:p>
             <a:fld id="{F0373C07-0034-D84F-B0CB-1249B408AEAD}" type="datetimeFigureOut">
               <a:rPr lang="en-GB" smtClean="0"/>
-              <a:t>06/05/2020</a:t>
+              <a:t>07/05/2020</a:t>
             </a:fld>
             <a:endParaRPr lang="en-GB"/>
           </a:p>
@@ -583,6 +585,174 @@
 </p:notes>
 </file>
 
+<file path=ppt/notesSlides/notesSlide2.xml><?xml version="1.0" encoding="utf-8"?>
+<p:notes xmlns:a="http://schemas.openxmlformats.org/drawingml/2006/main" xmlns:r="http://schemas.openxmlformats.org/officeDocument/2006/relationships" xmlns:p="http://schemas.openxmlformats.org/presentationml/2006/main">
+  <p:cSld>
+    <p:spTree>
+      <p:nvGrpSpPr>
+        <p:cNvPr id="1" name=""/>
+        <p:cNvGrpSpPr/>
+        <p:nvPr/>
+      </p:nvGrpSpPr>
+      <p:grpSpPr>
+        <a:xfrm>
+          <a:off x="0" y="0"/>
+          <a:ext cx="0" cy="0"/>
+          <a:chOff x="0" y="0"/>
+          <a:chExt cx="0" cy="0"/>
+        </a:xfrm>
+      </p:grpSpPr>
+      <p:sp>
+        <p:nvSpPr>
+          <p:cNvPr id="2" name="Slide Image Placeholder 1"/>
+          <p:cNvSpPr>
+            <a:spLocks noGrp="1" noRot="1" noChangeAspect="1"/>
+          </p:cNvSpPr>
+          <p:nvPr>
+            <p:ph type="sldImg"/>
+          </p:nvPr>
+        </p:nvSpPr>
+        <p:spPr/>
+      </p:sp>
+      <p:sp>
+        <p:nvSpPr>
+          <p:cNvPr id="3" name="Notes Placeholder 2"/>
+          <p:cNvSpPr>
+            <a:spLocks noGrp="1"/>
+          </p:cNvSpPr>
+          <p:nvPr>
+            <p:ph type="body" idx="1"/>
+          </p:nvPr>
+        </p:nvSpPr>
+        <p:spPr/>
+        <p:txBody>
+          <a:bodyPr/>
+          <a:lstStyle/>
+          <a:p>
+            <a:endParaRPr lang="en-GB"/>
+          </a:p>
+        </p:txBody>
+      </p:sp>
+      <p:sp>
+        <p:nvSpPr>
+          <p:cNvPr id="4" name="Slide Number Placeholder 3"/>
+          <p:cNvSpPr>
+            <a:spLocks noGrp="1"/>
+          </p:cNvSpPr>
+          <p:nvPr>
+            <p:ph type="sldNum" sz="quarter" idx="5"/>
+          </p:nvPr>
+        </p:nvSpPr>
+        <p:spPr/>
+        <p:txBody>
+          <a:bodyPr/>
+          <a:lstStyle/>
+          <a:p>
+            <a:fld id="{11A96E62-EC5F-C045-9FEB-EDD3A98888BE}" type="slidenum">
+              <a:rPr lang="en-GB" smtClean="0"/>
+              <a:t>6</a:t>
+            </a:fld>
+            <a:endParaRPr lang="en-GB"/>
+          </a:p>
+        </p:txBody>
+      </p:sp>
+    </p:spTree>
+    <p:extLst>
+      <p:ext uri="{BB962C8B-B14F-4D97-AF65-F5344CB8AC3E}">
+        <p14:creationId xmlns:p14="http://schemas.microsoft.com/office/powerpoint/2010/main" val="4249548194"/>
+      </p:ext>
+    </p:extLst>
+  </p:cSld>
+  <p:clrMapOvr>
+    <a:masterClrMapping/>
+  </p:clrMapOvr>
+</p:notes>
+</file>
+
+<file path=ppt/notesSlides/notesSlide3.xml><?xml version="1.0" encoding="utf-8"?>
+<p:notes xmlns:a="http://schemas.openxmlformats.org/drawingml/2006/main" xmlns:r="http://schemas.openxmlformats.org/officeDocument/2006/relationships" xmlns:p="http://schemas.openxmlformats.org/presentationml/2006/main">
+  <p:cSld>
+    <p:spTree>
+      <p:nvGrpSpPr>
+        <p:cNvPr id="1" name=""/>
+        <p:cNvGrpSpPr/>
+        <p:nvPr/>
+      </p:nvGrpSpPr>
+      <p:grpSpPr>
+        <a:xfrm>
+          <a:off x="0" y="0"/>
+          <a:ext cx="0" cy="0"/>
+          <a:chOff x="0" y="0"/>
+          <a:chExt cx="0" cy="0"/>
+        </a:xfrm>
+      </p:grpSpPr>
+      <p:sp>
+        <p:nvSpPr>
+          <p:cNvPr id="2" name="Slide Image Placeholder 1"/>
+          <p:cNvSpPr>
+            <a:spLocks noGrp="1" noRot="1" noChangeAspect="1"/>
+          </p:cNvSpPr>
+          <p:nvPr>
+            <p:ph type="sldImg"/>
+          </p:nvPr>
+        </p:nvSpPr>
+        <p:spPr/>
+      </p:sp>
+      <p:sp>
+        <p:nvSpPr>
+          <p:cNvPr id="3" name="Notes Placeholder 2"/>
+          <p:cNvSpPr>
+            <a:spLocks noGrp="1"/>
+          </p:cNvSpPr>
+          <p:nvPr>
+            <p:ph type="body" idx="1"/>
+          </p:nvPr>
+        </p:nvSpPr>
+        <p:spPr/>
+        <p:txBody>
+          <a:bodyPr/>
+          <a:lstStyle/>
+          <a:p>
+            <a:endParaRPr lang="en-GB"/>
+          </a:p>
+        </p:txBody>
+      </p:sp>
+      <p:sp>
+        <p:nvSpPr>
+          <p:cNvPr id="4" name="Slide Number Placeholder 3"/>
+          <p:cNvSpPr>
+            <a:spLocks noGrp="1"/>
+          </p:cNvSpPr>
+          <p:nvPr>
+            <p:ph type="sldNum" sz="quarter" idx="5"/>
+          </p:nvPr>
+        </p:nvSpPr>
+        <p:spPr/>
+        <p:txBody>
+          <a:bodyPr/>
+          <a:lstStyle/>
+          <a:p>
+            <a:fld id="{11A96E62-EC5F-C045-9FEB-EDD3A98888BE}" type="slidenum">
+              <a:rPr lang="en-GB" smtClean="0"/>
+              <a:t>11</a:t>
+            </a:fld>
+            <a:endParaRPr lang="en-GB"/>
+          </a:p>
+        </p:txBody>
+      </p:sp>
+    </p:spTree>
+    <p:extLst>
+      <p:ext uri="{BB962C8B-B14F-4D97-AF65-F5344CB8AC3E}">
+        <p14:creationId xmlns:p14="http://schemas.microsoft.com/office/powerpoint/2010/main" val="2174832802"/>
+      </p:ext>
+    </p:extLst>
+  </p:cSld>
+  <p:clrMapOvr>
+    <a:masterClrMapping/>
+  </p:clrMapOvr>
+</p:notes>
+</file>
+
 <file path=ppt/slideLayouts/slideLayout1.xml><?xml version="1.0" encoding="utf-8"?>
 <p:sldLayout xmlns:a="http://schemas.openxmlformats.org/drawingml/2006/main" xmlns:r="http://schemas.openxmlformats.org/officeDocument/2006/relationships" xmlns:p="http://schemas.openxmlformats.org/presentationml/2006/main" type="title" preserve="1">
   <p:cSld name="Title Slide">
@@ -730,7 +900,7 @@
           <a:p>
             <a:fld id="{1277814B-86DA-1A43-BEBE-BB22F0FBA56B}" type="datetimeFigureOut">
               <a:rPr lang="en-GB" smtClean="0"/>
-              <a:t>06/05/2020</a:t>
+              <a:t>07/05/2020</a:t>
             </a:fld>
             <a:endParaRPr lang="en-GB"/>
           </a:p>
@@ -928,7 +1098,7 @@
           <a:p>
             <a:fld id="{1277814B-86DA-1A43-BEBE-BB22F0FBA56B}" type="datetimeFigureOut">
               <a:rPr lang="en-GB" smtClean="0"/>
-              <a:t>06/05/2020</a:t>
+              <a:t>07/05/2020</a:t>
             </a:fld>
             <a:endParaRPr lang="en-GB"/>
           </a:p>
@@ -1136,7 +1306,7 @@
           <a:p>
             <a:fld id="{1277814B-86DA-1A43-BEBE-BB22F0FBA56B}" type="datetimeFigureOut">
               <a:rPr lang="en-GB" smtClean="0"/>
-              <a:t>06/05/2020</a:t>
+              <a:t>07/05/2020</a:t>
             </a:fld>
             <a:endParaRPr lang="en-GB"/>
           </a:p>
@@ -1334,7 +1504,7 @@
           <a:p>
             <a:fld id="{1277814B-86DA-1A43-BEBE-BB22F0FBA56B}" type="datetimeFigureOut">
               <a:rPr lang="en-GB" smtClean="0"/>
-              <a:t>06/05/2020</a:t>
+              <a:t>07/05/2020</a:t>
             </a:fld>
             <a:endParaRPr lang="en-GB"/>
           </a:p>
@@ -1609,7 +1779,7 @@
           <a:p>
             <a:fld id="{1277814B-86DA-1A43-BEBE-BB22F0FBA56B}" type="datetimeFigureOut">
               <a:rPr lang="en-GB" smtClean="0"/>
-              <a:t>06/05/2020</a:t>
+              <a:t>07/05/2020</a:t>
             </a:fld>
             <a:endParaRPr lang="en-GB"/>
           </a:p>
@@ -1874,7 +2044,7 @@
           <a:p>
             <a:fld id="{1277814B-86DA-1A43-BEBE-BB22F0FBA56B}" type="datetimeFigureOut">
               <a:rPr lang="en-GB" smtClean="0"/>
-              <a:t>06/05/2020</a:t>
+              <a:t>07/05/2020</a:t>
             </a:fld>
             <a:endParaRPr lang="en-GB"/>
           </a:p>
@@ -2286,7 +2456,7 @@
           <a:p>
             <a:fld id="{1277814B-86DA-1A43-BEBE-BB22F0FBA56B}" type="datetimeFigureOut">
               <a:rPr lang="en-GB" smtClean="0"/>
-              <a:t>06/05/2020</a:t>
+              <a:t>07/05/2020</a:t>
             </a:fld>
             <a:endParaRPr lang="en-GB"/>
           </a:p>
@@ -2427,7 +2597,7 @@
           <a:p>
             <a:fld id="{1277814B-86DA-1A43-BEBE-BB22F0FBA56B}" type="datetimeFigureOut">
               <a:rPr lang="en-GB" smtClean="0"/>
-              <a:t>06/05/2020</a:t>
+              <a:t>07/05/2020</a:t>
             </a:fld>
             <a:endParaRPr lang="en-GB"/>
           </a:p>
@@ -2540,7 +2710,7 @@
           <a:p>
             <a:fld id="{1277814B-86DA-1A43-BEBE-BB22F0FBA56B}" type="datetimeFigureOut">
               <a:rPr lang="en-GB" smtClean="0"/>
-              <a:t>06/05/2020</a:t>
+              <a:t>07/05/2020</a:t>
             </a:fld>
             <a:endParaRPr lang="en-GB"/>
           </a:p>
@@ -2851,7 +3021,7 @@
           <a:p>
             <a:fld id="{1277814B-86DA-1A43-BEBE-BB22F0FBA56B}" type="datetimeFigureOut">
               <a:rPr lang="en-GB" smtClean="0"/>
-              <a:t>06/05/2020</a:t>
+              <a:t>07/05/2020</a:t>
             </a:fld>
             <a:endParaRPr lang="en-GB"/>
           </a:p>
@@ -3139,7 +3309,7 @@
           <a:p>
             <a:fld id="{1277814B-86DA-1A43-BEBE-BB22F0FBA56B}" type="datetimeFigureOut">
               <a:rPr lang="en-GB" smtClean="0"/>
-              <a:t>06/05/2020</a:t>
+              <a:t>07/05/2020</a:t>
             </a:fld>
             <a:endParaRPr lang="en-GB"/>
           </a:p>
@@ -3380,7 +3550,7 @@
           <a:p>
             <a:fld id="{1277814B-86DA-1A43-BEBE-BB22F0FBA56B}" type="datetimeFigureOut">
               <a:rPr lang="en-GB" smtClean="0"/>
-              <a:t>06/05/2020</a:t>
+              <a:t>07/05/2020</a:t>
             </a:fld>
             <a:endParaRPr lang="en-GB"/>
           </a:p>
@@ -4514,6 +4684,276 @@
       </p:grpSpPr>
       <p:sp>
         <p:nvSpPr>
+          <p:cNvPr id="7" name="Rectangle 6">
+            <a:extLst>
+              <a:ext uri="{FF2B5EF4-FFF2-40B4-BE49-F238E27FC236}">
+                <a16:creationId xmlns:a16="http://schemas.microsoft.com/office/drawing/2014/main" id="{7CD7D475-E299-AE41-86D3-1B10CAF77EA3}"/>
+              </a:ext>
+            </a:extLst>
+          </p:cNvPr>
+          <p:cNvSpPr/>
+          <p:nvPr/>
+        </p:nvSpPr>
+        <p:spPr>
+          <a:xfrm>
+            <a:off x="5459504" y="546847"/>
+            <a:ext cx="3935506" cy="5208494"/>
+          </a:xfrm>
+          <a:prstGeom prst="rect">
+            <a:avLst/>
+          </a:prstGeom>
+          <a:solidFill>
+            <a:schemeClr val="accent6">
+              <a:lumMod val="20000"/>
+              <a:lumOff val="80000"/>
+            </a:schemeClr>
+          </a:solidFill>
+          <a:ln>
+            <a:solidFill>
+              <a:schemeClr val="accent6">
+                <a:lumMod val="75000"/>
+              </a:schemeClr>
+            </a:solidFill>
+          </a:ln>
+        </p:spPr>
+        <p:style>
+          <a:lnRef idx="2">
+            <a:schemeClr val="accent1">
+              <a:shade val="50000"/>
+            </a:schemeClr>
+          </a:lnRef>
+          <a:fillRef idx="1">
+            <a:schemeClr val="accent1"/>
+          </a:fillRef>
+          <a:effectRef idx="0">
+            <a:schemeClr val="accent1"/>
+          </a:effectRef>
+          <a:fontRef idx="minor">
+            <a:schemeClr val="lt1"/>
+          </a:fontRef>
+        </p:style>
+        <p:txBody>
+          <a:bodyPr rtlCol="0" anchor="b"/>
+          <a:lstStyle/>
+          <a:p>
+            <a:pPr algn="ctr"/>
+            <a:r>
+              <a:rPr lang="en-GB" sz="3600" dirty="0">
+                <a:solidFill>
+                  <a:schemeClr val="tx1"/>
+                </a:solidFill>
+              </a:rPr>
+              <a:t>heap</a:t>
+            </a:r>
+          </a:p>
+        </p:txBody>
+      </p:sp>
+      <p:sp>
+        <p:nvSpPr>
+          <p:cNvPr id="6" name="Rectangle 5">
+            <a:extLst>
+              <a:ext uri="{FF2B5EF4-FFF2-40B4-BE49-F238E27FC236}">
+                <a16:creationId xmlns:a16="http://schemas.microsoft.com/office/drawing/2014/main" id="{AAC98429-C6B8-BC44-8702-AECA5E3F9DB7}"/>
+              </a:ext>
+            </a:extLst>
+          </p:cNvPr>
+          <p:cNvSpPr/>
+          <p:nvPr/>
+        </p:nvSpPr>
+        <p:spPr>
+          <a:xfrm>
+            <a:off x="1272988" y="546847"/>
+            <a:ext cx="3935506" cy="5208494"/>
+          </a:xfrm>
+          <a:prstGeom prst="rect">
+            <a:avLst/>
+          </a:prstGeom>
+          <a:solidFill>
+            <a:schemeClr val="accent1">
+              <a:lumMod val="20000"/>
+              <a:lumOff val="80000"/>
+            </a:schemeClr>
+          </a:solidFill>
+        </p:spPr>
+        <p:style>
+          <a:lnRef idx="2">
+            <a:schemeClr val="accent1">
+              <a:shade val="50000"/>
+            </a:schemeClr>
+          </a:lnRef>
+          <a:fillRef idx="1">
+            <a:schemeClr val="accent1"/>
+          </a:fillRef>
+          <a:effectRef idx="0">
+            <a:schemeClr val="accent1"/>
+          </a:effectRef>
+          <a:fontRef idx="minor">
+            <a:schemeClr val="lt1"/>
+          </a:fontRef>
+        </p:style>
+        <p:txBody>
+          <a:bodyPr rtlCol="0" anchor="b"/>
+          <a:lstStyle/>
+          <a:p>
+            <a:pPr algn="ctr"/>
+            <a:r>
+              <a:rPr lang="en-GB" sz="3600" dirty="0">
+                <a:solidFill>
+                  <a:schemeClr val="tx1"/>
+                </a:solidFill>
+              </a:rPr>
+              <a:t>stack</a:t>
+            </a:r>
+          </a:p>
+        </p:txBody>
+      </p:sp>
+      <p:sp>
+        <p:nvSpPr>
+          <p:cNvPr id="4" name="Rectangle 3">
+            <a:extLst>
+              <a:ext uri="{FF2B5EF4-FFF2-40B4-BE49-F238E27FC236}">
+                <a16:creationId xmlns:a16="http://schemas.microsoft.com/office/drawing/2014/main" id="{EC27F43E-D801-EE49-A7BB-BB4CC05459C7}"/>
+              </a:ext>
+            </a:extLst>
+          </p:cNvPr>
+          <p:cNvSpPr/>
+          <p:nvPr/>
+        </p:nvSpPr>
+        <p:spPr>
+          <a:xfrm>
+            <a:off x="2514600" y="1591236"/>
+            <a:ext cx="2034988" cy="479611"/>
+          </a:xfrm>
+          <a:prstGeom prst="rect">
+            <a:avLst/>
+          </a:prstGeom>
+          <a:solidFill>
+            <a:schemeClr val="accent2">
+              <a:lumMod val="40000"/>
+              <a:lumOff val="60000"/>
+            </a:schemeClr>
+          </a:solidFill>
+        </p:spPr>
+        <p:style>
+          <a:lnRef idx="2">
+            <a:schemeClr val="accent1">
+              <a:shade val="50000"/>
+            </a:schemeClr>
+          </a:lnRef>
+          <a:fillRef idx="1">
+            <a:schemeClr val="accent1"/>
+          </a:fillRef>
+          <a:effectRef idx="0">
+            <a:schemeClr val="accent1"/>
+          </a:effectRef>
+          <a:fontRef idx="minor">
+            <a:schemeClr val="lt1"/>
+          </a:fontRef>
+        </p:style>
+        <p:txBody>
+          <a:bodyPr rtlCol="0" anchor="ctr"/>
+          <a:lstStyle/>
+          <a:p>
+            <a:pPr algn="ctr"/>
+            <a:r>
+              <a:rPr lang="en-GB" b="1" dirty="0">
+                <a:solidFill>
+                  <a:srgbClr val="FF0000"/>
+                </a:solidFill>
+              </a:rPr>
+              <a:t>null</a:t>
+            </a:r>
+          </a:p>
+        </p:txBody>
+      </p:sp>
+      <p:sp>
+        <p:nvSpPr>
+          <p:cNvPr id="9" name="Rectangle 8">
+            <a:extLst>
+              <a:ext uri="{FF2B5EF4-FFF2-40B4-BE49-F238E27FC236}">
+                <a16:creationId xmlns:a16="http://schemas.microsoft.com/office/drawing/2014/main" id="{200D0DE9-12F5-8641-B765-93E26765094F}"/>
+              </a:ext>
+            </a:extLst>
+          </p:cNvPr>
+          <p:cNvSpPr/>
+          <p:nvPr/>
+        </p:nvSpPr>
+        <p:spPr>
+          <a:xfrm>
+            <a:off x="1848970" y="1591236"/>
+            <a:ext cx="665630" cy="479611"/>
+          </a:xfrm>
+          <a:prstGeom prst="rect">
+            <a:avLst/>
+          </a:prstGeom>
+          <a:noFill/>
+        </p:spPr>
+        <p:style>
+          <a:lnRef idx="2">
+            <a:schemeClr val="accent1">
+              <a:shade val="50000"/>
+            </a:schemeClr>
+          </a:lnRef>
+          <a:fillRef idx="1">
+            <a:schemeClr val="accent1"/>
+          </a:fillRef>
+          <a:effectRef idx="0">
+            <a:schemeClr val="accent1"/>
+          </a:effectRef>
+          <a:fontRef idx="minor">
+            <a:schemeClr val="lt1"/>
+          </a:fontRef>
+        </p:style>
+        <p:txBody>
+          <a:bodyPr rtlCol="0" anchor="ctr"/>
+          <a:lstStyle/>
+          <a:p>
+            <a:pPr algn="ctr"/>
+            <a:r>
+              <a:rPr lang="en-GB" dirty="0">
+                <a:solidFill>
+                  <a:schemeClr val="tx1"/>
+                </a:solidFill>
+                <a:latin typeface="Courier New" panose="02070309020205020404" pitchFamily="49" charset="0"/>
+                <a:cs typeface="Courier New" panose="02070309020205020404" pitchFamily="49" charset="0"/>
+              </a:rPr>
+              <a:t>s</a:t>
+            </a:r>
+          </a:p>
+        </p:txBody>
+      </p:sp>
+    </p:spTree>
+    <p:extLst>
+      <p:ext uri="{BB962C8B-B14F-4D97-AF65-F5344CB8AC3E}">
+        <p14:creationId xmlns:p14="http://schemas.microsoft.com/office/powerpoint/2010/main" val="2309883801"/>
+      </p:ext>
+    </p:extLst>
+  </p:cSld>
+  <p:clrMapOvr>
+    <a:masterClrMapping/>
+  </p:clrMapOvr>
+</p:sld>
+</file>
+
+<file path=ppt/slides/slide11.xml><?xml version="1.0" encoding="utf-8"?>
+<p:sld xmlns:a="http://schemas.openxmlformats.org/drawingml/2006/main" xmlns:r="http://schemas.openxmlformats.org/officeDocument/2006/relationships" xmlns:p="http://schemas.openxmlformats.org/presentationml/2006/main">
+  <p:cSld>
+    <p:spTree>
+      <p:nvGrpSpPr>
+        <p:cNvPr id="1" name=""/>
+        <p:cNvGrpSpPr/>
+        <p:nvPr/>
+      </p:nvGrpSpPr>
+      <p:grpSpPr>
+        <a:xfrm>
+          <a:off x="0" y="0"/>
+          <a:ext cx="0" cy="0"/>
+          <a:chOff x="0" y="0"/>
+          <a:chExt cx="0" cy="0"/>
+        </a:xfrm>
+      </p:grpSpPr>
+      <p:sp>
+        <p:nvSpPr>
           <p:cNvPr id="8" name="Cloud 7">
             <a:extLst>
               <a:ext uri="{FF2B5EF4-FFF2-40B4-BE49-F238E27FC236}">
@@ -6857,124 +7297,6 @@
       </p:sp>
       <p:sp>
         <p:nvSpPr>
-          <p:cNvPr id="5" name="Rectangle 4">
-            <a:extLst>
-              <a:ext uri="{FF2B5EF4-FFF2-40B4-BE49-F238E27FC236}">
-                <a16:creationId xmlns:a16="http://schemas.microsoft.com/office/drawing/2014/main" id="{4DA6D25D-3C20-6348-9E83-19C1AFEEA0CE}"/>
-              </a:ext>
-            </a:extLst>
-          </p:cNvPr>
-          <p:cNvSpPr/>
-          <p:nvPr/>
-        </p:nvSpPr>
-        <p:spPr>
-          <a:xfrm>
-            <a:off x="6694392" y="2070847"/>
-            <a:ext cx="2034988" cy="479611"/>
-          </a:xfrm>
-          <a:prstGeom prst="rect">
-            <a:avLst/>
-          </a:prstGeom>
-          <a:solidFill>
-            <a:schemeClr val="accent2">
-              <a:lumMod val="40000"/>
-              <a:lumOff val="60000"/>
-            </a:schemeClr>
-          </a:solidFill>
-        </p:spPr>
-        <p:style>
-          <a:lnRef idx="2">
-            <a:schemeClr val="accent1">
-              <a:shade val="50000"/>
-            </a:schemeClr>
-          </a:lnRef>
-          <a:fillRef idx="1">
-            <a:schemeClr val="accent1"/>
-          </a:fillRef>
-          <a:effectRef idx="0">
-            <a:schemeClr val="accent1"/>
-          </a:effectRef>
-          <a:fontRef idx="minor">
-            <a:schemeClr val="lt1"/>
-          </a:fontRef>
-        </p:style>
-        <p:txBody>
-          <a:bodyPr rtlCol="0" anchor="ctr"/>
-          <a:lstStyle/>
-          <a:p>
-            <a:pPr algn="ctr"/>
-            <a:r>
-              <a:rPr lang="en-GB" dirty="0">
-                <a:solidFill>
-                  <a:schemeClr val="tx1"/>
-                </a:solidFill>
-              </a:rPr>
-              <a:t>"my object type"</a:t>
-            </a:r>
-          </a:p>
-        </p:txBody>
-      </p:sp>
-      <p:sp>
-        <p:nvSpPr>
-          <p:cNvPr id="8" name="Rectangle 7">
-            <a:extLst>
-              <a:ext uri="{FF2B5EF4-FFF2-40B4-BE49-F238E27FC236}">
-                <a16:creationId xmlns:a16="http://schemas.microsoft.com/office/drawing/2014/main" id="{F391BC07-0B6F-B445-98D9-917B754665E1}"/>
-              </a:ext>
-            </a:extLst>
-          </p:cNvPr>
-          <p:cNvSpPr/>
-          <p:nvPr/>
-        </p:nvSpPr>
-        <p:spPr>
-          <a:xfrm>
-            <a:off x="2514600" y="2070847"/>
-            <a:ext cx="2034988" cy="479611"/>
-          </a:xfrm>
-          <a:prstGeom prst="rect">
-            <a:avLst/>
-          </a:prstGeom>
-          <a:solidFill>
-            <a:schemeClr val="accent2">
-              <a:lumMod val="40000"/>
-              <a:lumOff val="60000"/>
-            </a:schemeClr>
-          </a:solidFill>
-        </p:spPr>
-        <p:style>
-          <a:lnRef idx="2">
-            <a:schemeClr val="accent1">
-              <a:shade val="50000"/>
-            </a:schemeClr>
-          </a:lnRef>
-          <a:fillRef idx="1">
-            <a:schemeClr val="accent1"/>
-          </a:fillRef>
-          <a:effectRef idx="0">
-            <a:schemeClr val="accent1"/>
-          </a:effectRef>
-          <a:fontRef idx="minor">
-            <a:schemeClr val="lt1"/>
-          </a:fontRef>
-        </p:style>
-        <p:txBody>
-          <a:bodyPr rtlCol="0" anchor="ctr"/>
-          <a:lstStyle/>
-          <a:p>
-            <a:pPr algn="ctr"/>
-            <a:r>
-              <a:rPr lang="en-GB" dirty="0">
-                <a:solidFill>
-                  <a:schemeClr val="tx1"/>
-                </a:solidFill>
-              </a:rPr>
-              <a:t>xyx</a:t>
-            </a:r>
-          </a:p>
-        </p:txBody>
-      </p:sp>
-      <p:sp>
-        <p:nvSpPr>
           <p:cNvPr id="9" name="Rectangle 8">
             <a:extLst>
               <a:ext uri="{FF2B5EF4-FFF2-40B4-BE49-F238E27FC236}">
@@ -7025,118 +7347,6 @@
                 <a:cs typeface="Courier New" panose="02070309020205020404" pitchFamily="49" charset="0"/>
               </a:rPr>
               <a:t>a</a:t>
-            </a:r>
-          </a:p>
-        </p:txBody>
-      </p:sp>
-      <p:sp>
-        <p:nvSpPr>
-          <p:cNvPr id="10" name="Rectangle 9">
-            <a:extLst>
-              <a:ext uri="{FF2B5EF4-FFF2-40B4-BE49-F238E27FC236}">
-                <a16:creationId xmlns:a16="http://schemas.microsoft.com/office/drawing/2014/main" id="{7506D401-93A6-F74B-987E-B7E5E1C27913}"/>
-              </a:ext>
-            </a:extLst>
-          </p:cNvPr>
-          <p:cNvSpPr/>
-          <p:nvPr/>
-        </p:nvSpPr>
-        <p:spPr>
-          <a:xfrm>
-            <a:off x="1848970" y="2070847"/>
-            <a:ext cx="665630" cy="479611"/>
-          </a:xfrm>
-          <a:prstGeom prst="rect">
-            <a:avLst/>
-          </a:prstGeom>
-          <a:noFill/>
-        </p:spPr>
-        <p:style>
-          <a:lnRef idx="2">
-            <a:schemeClr val="accent1">
-              <a:shade val="50000"/>
-            </a:schemeClr>
-          </a:lnRef>
-          <a:fillRef idx="1">
-            <a:schemeClr val="accent1"/>
-          </a:fillRef>
-          <a:effectRef idx="0">
-            <a:schemeClr val="accent1"/>
-          </a:effectRef>
-          <a:fontRef idx="minor">
-            <a:schemeClr val="lt1"/>
-          </a:fontRef>
-        </p:style>
-        <p:txBody>
-          <a:bodyPr rtlCol="0" anchor="ctr"/>
-          <a:lstStyle/>
-          <a:p>
-            <a:pPr algn="ctr"/>
-            <a:r>
-              <a:rPr lang="en-GB" dirty="0">
-                <a:solidFill>
-                  <a:schemeClr val="tx1"/>
-                </a:solidFill>
-                <a:latin typeface="Courier New" panose="02070309020205020404" pitchFamily="49" charset="0"/>
-                <a:cs typeface="Courier New" panose="02070309020205020404" pitchFamily="49" charset="0"/>
-              </a:rPr>
-              <a:t>s</a:t>
-            </a:r>
-          </a:p>
-        </p:txBody>
-      </p:sp>
-      <p:sp>
-        <p:nvSpPr>
-          <p:cNvPr id="11" name="Rectangle 10">
-            <a:extLst>
-              <a:ext uri="{FF2B5EF4-FFF2-40B4-BE49-F238E27FC236}">
-                <a16:creationId xmlns:a16="http://schemas.microsoft.com/office/drawing/2014/main" id="{170561C8-7DAA-3E4D-8A6B-C3ED050A32E2}"/>
-              </a:ext>
-            </a:extLst>
-          </p:cNvPr>
-          <p:cNvSpPr/>
-          <p:nvPr/>
-        </p:nvSpPr>
-        <p:spPr>
-          <a:xfrm>
-            <a:off x="6035486" y="2070847"/>
-            <a:ext cx="665630" cy="479611"/>
-          </a:xfrm>
-          <a:prstGeom prst="rect">
-            <a:avLst/>
-          </a:prstGeom>
-          <a:noFill/>
-        </p:spPr>
-        <p:style>
-          <a:lnRef idx="2">
-            <a:schemeClr val="accent1">
-              <a:shade val="50000"/>
-            </a:schemeClr>
-          </a:lnRef>
-          <a:fillRef idx="1">
-            <a:schemeClr val="accent1"/>
-          </a:fillRef>
-          <a:effectRef idx="0">
-            <a:schemeClr val="accent1"/>
-          </a:effectRef>
-          <a:fontRef idx="minor">
-            <a:schemeClr val="lt1"/>
-          </a:fontRef>
-        </p:style>
-        <p:txBody>
-          <a:bodyPr rtlCol="0" anchor="ctr"/>
-          <a:lstStyle/>
-          <a:p>
-            <a:pPr algn="ctr"/>
-            <a:r>
-              <a:rPr lang="en-GB" dirty="0">
-                <a:solidFill>
-                  <a:schemeClr val="tx1"/>
-                </a:solidFill>
-                <a:latin typeface="Courier New" panose="02070309020205020404" pitchFamily="49" charset="0"/>
-                <a:cs typeface="Courier New" panose="02070309020205020404" pitchFamily="49" charset="0"/>
-              </a:rPr>
-              <a:t>xyz</a:t>
             </a:r>
           </a:p>
         </p:txBody>
@@ -7641,355 +7851,10 @@
           </a:p>
         </p:txBody>
       </p:sp>
-      <p:sp>
-        <p:nvSpPr>
-          <p:cNvPr id="12" name="Rectangle 11">
-            <a:extLst>
-              <a:ext uri="{FF2B5EF4-FFF2-40B4-BE49-F238E27FC236}">
-                <a16:creationId xmlns:a16="http://schemas.microsoft.com/office/drawing/2014/main" id="{1CB59E4A-E18D-E04E-9157-31655B853F03}"/>
-              </a:ext>
-            </a:extLst>
-          </p:cNvPr>
-          <p:cNvSpPr/>
-          <p:nvPr/>
-        </p:nvSpPr>
-        <p:spPr>
-          <a:xfrm>
-            <a:off x="2514600" y="2550458"/>
-            <a:ext cx="2034988" cy="479611"/>
-          </a:xfrm>
-          <a:prstGeom prst="rect">
-            <a:avLst/>
-          </a:prstGeom>
-          <a:solidFill>
-            <a:schemeClr val="accent2">
-              <a:lumMod val="40000"/>
-              <a:lumOff val="60000"/>
-            </a:schemeClr>
-          </a:solidFill>
-        </p:spPr>
-        <p:style>
-          <a:lnRef idx="2">
-            <a:schemeClr val="accent1">
-              <a:shade val="50000"/>
-            </a:schemeClr>
-          </a:lnRef>
-          <a:fillRef idx="1">
-            <a:schemeClr val="accent1"/>
-          </a:fillRef>
-          <a:effectRef idx="0">
-            <a:schemeClr val="accent1"/>
-          </a:effectRef>
-          <a:fontRef idx="minor">
-            <a:schemeClr val="lt1"/>
-          </a:fontRef>
-        </p:style>
-        <p:txBody>
-          <a:bodyPr rtlCol="0" anchor="ctr"/>
-          <a:lstStyle/>
-          <a:p>
-            <a:pPr algn="ctr"/>
-            <a:r>
-              <a:rPr lang="en-GB" dirty="0">
-                <a:solidFill>
-                  <a:schemeClr val="tx1"/>
-                </a:solidFill>
-              </a:rPr>
-              <a:t>xyx</a:t>
-            </a:r>
-          </a:p>
-        </p:txBody>
-      </p:sp>
-      <p:sp>
-        <p:nvSpPr>
-          <p:cNvPr id="13" name="Rectangle 12">
-            <a:extLst>
-              <a:ext uri="{FF2B5EF4-FFF2-40B4-BE49-F238E27FC236}">
-                <a16:creationId xmlns:a16="http://schemas.microsoft.com/office/drawing/2014/main" id="{78385039-EB78-D344-B353-E23461449F72}"/>
-              </a:ext>
-            </a:extLst>
-          </p:cNvPr>
-          <p:cNvSpPr/>
-          <p:nvPr/>
-        </p:nvSpPr>
-        <p:spPr>
-          <a:xfrm>
-            <a:off x="1848970" y="2550458"/>
-            <a:ext cx="665630" cy="479611"/>
-          </a:xfrm>
-          <a:prstGeom prst="rect">
-            <a:avLst/>
-          </a:prstGeom>
-          <a:noFill/>
-        </p:spPr>
-        <p:style>
-          <a:lnRef idx="2">
-            <a:schemeClr val="accent1">
-              <a:shade val="50000"/>
-            </a:schemeClr>
-          </a:lnRef>
-          <a:fillRef idx="1">
-            <a:schemeClr val="accent1"/>
-          </a:fillRef>
-          <a:effectRef idx="0">
-            <a:schemeClr val="accent1"/>
-          </a:effectRef>
-          <a:fontRef idx="minor">
-            <a:schemeClr val="lt1"/>
-          </a:fontRef>
-        </p:style>
-        <p:txBody>
-          <a:bodyPr rtlCol="0" anchor="ctr"/>
-          <a:lstStyle/>
-          <a:p>
-            <a:pPr algn="ctr"/>
-            <a:r>
-              <a:rPr lang="en-GB" dirty="0">
-                <a:solidFill>
-                  <a:schemeClr val="tx1"/>
-                </a:solidFill>
-                <a:latin typeface="Courier New" panose="02070309020205020404" pitchFamily="49" charset="0"/>
-                <a:cs typeface="Courier New" panose="02070309020205020404" pitchFamily="49" charset="0"/>
-              </a:rPr>
-              <a:t>s1</a:t>
-            </a:r>
-          </a:p>
-        </p:txBody>
-      </p:sp>
-      <p:sp>
-        <p:nvSpPr>
-          <p:cNvPr id="14" name="Rectangle 13">
-            <a:extLst>
-              <a:ext uri="{FF2B5EF4-FFF2-40B4-BE49-F238E27FC236}">
-                <a16:creationId xmlns:a16="http://schemas.microsoft.com/office/drawing/2014/main" id="{070E65BD-03E3-4F44-8D99-63E3F704B91C}"/>
-              </a:ext>
-            </a:extLst>
-          </p:cNvPr>
-          <p:cNvSpPr/>
-          <p:nvPr/>
-        </p:nvSpPr>
-        <p:spPr>
-          <a:xfrm>
-            <a:off x="2514600" y="3030069"/>
-            <a:ext cx="2034988" cy="479611"/>
-          </a:xfrm>
-          <a:prstGeom prst="rect">
-            <a:avLst/>
-          </a:prstGeom>
-          <a:solidFill>
-            <a:schemeClr val="accent2">
-              <a:lumMod val="40000"/>
-              <a:lumOff val="60000"/>
-            </a:schemeClr>
-          </a:solidFill>
-        </p:spPr>
-        <p:style>
-          <a:lnRef idx="2">
-            <a:schemeClr val="accent1">
-              <a:shade val="50000"/>
-            </a:schemeClr>
-          </a:lnRef>
-          <a:fillRef idx="1">
-            <a:schemeClr val="accent1"/>
-          </a:fillRef>
-          <a:effectRef idx="0">
-            <a:schemeClr val="accent1"/>
-          </a:effectRef>
-          <a:fontRef idx="minor">
-            <a:schemeClr val="lt1"/>
-          </a:fontRef>
-        </p:style>
-        <p:txBody>
-          <a:bodyPr rtlCol="0" anchor="ctr"/>
-          <a:lstStyle/>
-          <a:p>
-            <a:pPr algn="ctr"/>
-            <a:r>
-              <a:rPr lang="en-GB" dirty="0">
-                <a:solidFill>
-                  <a:schemeClr val="tx1"/>
-                </a:solidFill>
-              </a:rPr>
-              <a:t>xyx</a:t>
-            </a:r>
-          </a:p>
-        </p:txBody>
-      </p:sp>
-      <p:sp>
-        <p:nvSpPr>
-          <p:cNvPr id="15" name="Rectangle 14">
-            <a:extLst>
-              <a:ext uri="{FF2B5EF4-FFF2-40B4-BE49-F238E27FC236}">
-                <a16:creationId xmlns:a16="http://schemas.microsoft.com/office/drawing/2014/main" id="{DCDB36E5-0B9E-E14A-9FE8-5229237AFD2D}"/>
-              </a:ext>
-            </a:extLst>
-          </p:cNvPr>
-          <p:cNvSpPr/>
-          <p:nvPr/>
-        </p:nvSpPr>
-        <p:spPr>
-          <a:xfrm>
-            <a:off x="1848970" y="3030069"/>
-            <a:ext cx="665630" cy="479611"/>
-          </a:xfrm>
-          <a:prstGeom prst="rect">
-            <a:avLst/>
-          </a:prstGeom>
-          <a:noFill/>
-        </p:spPr>
-        <p:style>
-          <a:lnRef idx="2">
-            <a:schemeClr val="accent1">
-              <a:shade val="50000"/>
-            </a:schemeClr>
-          </a:lnRef>
-          <a:fillRef idx="1">
-            <a:schemeClr val="accent1"/>
-          </a:fillRef>
-          <a:effectRef idx="0">
-            <a:schemeClr val="accent1"/>
-          </a:effectRef>
-          <a:fontRef idx="minor">
-            <a:schemeClr val="lt1"/>
-          </a:fontRef>
-        </p:style>
-        <p:txBody>
-          <a:bodyPr rtlCol="0" anchor="ctr"/>
-          <a:lstStyle/>
-          <a:p>
-            <a:pPr algn="ctr"/>
-            <a:r>
-              <a:rPr lang="en-GB" dirty="0">
-                <a:solidFill>
-                  <a:schemeClr val="tx1"/>
-                </a:solidFill>
-                <a:latin typeface="Courier New" panose="02070309020205020404" pitchFamily="49" charset="0"/>
-                <a:cs typeface="Courier New" panose="02070309020205020404" pitchFamily="49" charset="0"/>
-              </a:rPr>
-              <a:t>s2</a:t>
-            </a:r>
-          </a:p>
-        </p:txBody>
-      </p:sp>
-      <p:sp>
-        <p:nvSpPr>
-          <p:cNvPr id="16" name="Rectangle 15">
-            <a:extLst>
-              <a:ext uri="{FF2B5EF4-FFF2-40B4-BE49-F238E27FC236}">
-                <a16:creationId xmlns:a16="http://schemas.microsoft.com/office/drawing/2014/main" id="{6CCB94E6-72A4-2048-AF6D-F6F48E8D1E98}"/>
-              </a:ext>
-            </a:extLst>
-          </p:cNvPr>
-          <p:cNvSpPr/>
-          <p:nvPr/>
-        </p:nvSpPr>
-        <p:spPr>
-          <a:xfrm>
-            <a:off x="2514600" y="3509680"/>
-            <a:ext cx="2034988" cy="479611"/>
-          </a:xfrm>
-          <a:prstGeom prst="rect">
-            <a:avLst/>
-          </a:prstGeom>
-          <a:solidFill>
-            <a:schemeClr val="accent2">
-              <a:lumMod val="40000"/>
-              <a:lumOff val="60000"/>
-            </a:schemeClr>
-          </a:solidFill>
-        </p:spPr>
-        <p:style>
-          <a:lnRef idx="2">
-            <a:schemeClr val="accent1">
-              <a:shade val="50000"/>
-            </a:schemeClr>
-          </a:lnRef>
-          <a:fillRef idx="1">
-            <a:schemeClr val="accent1"/>
-          </a:fillRef>
-          <a:effectRef idx="0">
-            <a:schemeClr val="accent1"/>
-          </a:effectRef>
-          <a:fontRef idx="minor">
-            <a:schemeClr val="lt1"/>
-          </a:fontRef>
-        </p:style>
-        <p:txBody>
-          <a:bodyPr rtlCol="0" anchor="ctr"/>
-          <a:lstStyle/>
-          <a:p>
-            <a:pPr algn="ctr"/>
-            <a:r>
-              <a:rPr lang="en-GB" dirty="0">
-                <a:solidFill>
-                  <a:schemeClr val="tx1"/>
-                </a:solidFill>
-              </a:rPr>
-              <a:t>xyx</a:t>
-            </a:r>
-          </a:p>
-        </p:txBody>
-      </p:sp>
-      <p:sp>
-        <p:nvSpPr>
-          <p:cNvPr id="17" name="Rectangle 16">
-            <a:extLst>
-              <a:ext uri="{FF2B5EF4-FFF2-40B4-BE49-F238E27FC236}">
-                <a16:creationId xmlns:a16="http://schemas.microsoft.com/office/drawing/2014/main" id="{CFFFB492-4C6A-7942-98E1-FF83AFDD6821}"/>
-              </a:ext>
-            </a:extLst>
-          </p:cNvPr>
-          <p:cNvSpPr/>
-          <p:nvPr/>
-        </p:nvSpPr>
-        <p:spPr>
-          <a:xfrm>
-            <a:off x="1848970" y="3509680"/>
-            <a:ext cx="665630" cy="479611"/>
-          </a:xfrm>
-          <a:prstGeom prst="rect">
-            <a:avLst/>
-          </a:prstGeom>
-          <a:noFill/>
-        </p:spPr>
-        <p:style>
-          <a:lnRef idx="2">
-            <a:schemeClr val="accent1">
-              <a:shade val="50000"/>
-            </a:schemeClr>
-          </a:lnRef>
-          <a:fillRef idx="1">
-            <a:schemeClr val="accent1"/>
-          </a:fillRef>
-          <a:effectRef idx="0">
-            <a:schemeClr val="accent1"/>
-          </a:effectRef>
-          <a:fontRef idx="minor">
-            <a:schemeClr val="lt1"/>
-          </a:fontRef>
-        </p:style>
-        <p:txBody>
-          <a:bodyPr rtlCol="0" anchor="ctr"/>
-          <a:lstStyle/>
-          <a:p>
-            <a:pPr algn="ctr"/>
-            <a:r>
-              <a:rPr lang="en-GB" dirty="0">
-                <a:solidFill>
-                  <a:schemeClr val="tx1"/>
-                </a:solidFill>
-                <a:latin typeface="Courier New" panose="02070309020205020404" pitchFamily="49" charset="0"/>
-                <a:cs typeface="Courier New" panose="02070309020205020404" pitchFamily="49" charset="0"/>
-              </a:rPr>
-              <a:t>s3</a:t>
-            </a:r>
-          </a:p>
-        </p:txBody>
-      </p:sp>
     </p:spTree>
     <p:extLst>
       <p:ext uri="{BB962C8B-B14F-4D97-AF65-F5344CB8AC3E}">
-        <p14:creationId xmlns:p14="http://schemas.microsoft.com/office/powerpoint/2010/main" val="701411516"/>
+        <p14:creationId xmlns:p14="http://schemas.microsoft.com/office/powerpoint/2010/main" val="1488746756"/>
       </p:ext>
     </p:extLst>
   </p:cSld>
@@ -8195,7 +8060,7 @@
                   <a:schemeClr val="tx1"/>
                 </a:solidFill>
               </a:rPr>
-              <a:t>xyz</a:t>
+              <a:t>7</a:t>
             </a:r>
           </a:p>
         </p:txBody>
@@ -8254,29 +8119,8 @@
                   <a:schemeClr val="tx1"/>
                 </a:solidFill>
               </a:rPr>
-              <a:t>Point[x=7,</a:t>
-            </a:r>
-            <a:r>
-              <a:rPr lang="en-GB" b="1" dirty="0">
-                <a:solidFill>
-                  <a:srgbClr val="FF0000"/>
-                </a:solidFill>
-              </a:rPr>
-              <a:t>y=3</a:t>
-            </a:r>
-            <a:r>
-              <a:rPr lang="en-GB" dirty="0">
-                <a:solidFill>
-                  <a:schemeClr val="tx1"/>
-                </a:solidFill>
-              </a:rPr>
-              <a:t>]</a:t>
-            </a:r>
-            <a:endParaRPr lang="en-GB" i="1" dirty="0">
-              <a:solidFill>
-                <a:schemeClr val="tx1"/>
-              </a:solidFill>
-            </a:endParaRPr>
+              <a:t>"my object type"</a:t>
+            </a:r>
           </a:p>
         </p:txBody>
       </p:sp>
@@ -8446,7 +8290,7 @@
                 <a:latin typeface="Courier New" panose="02070309020205020404" pitchFamily="49" charset="0"/>
                 <a:cs typeface="Courier New" panose="02070309020205020404" pitchFamily="49" charset="0"/>
               </a:rPr>
-              <a:t>b</a:t>
+              <a:t>s</a:t>
             </a:r>
           </a:p>
         </p:txBody>
@@ -8617,7 +8461,237 @@
                 <a:latin typeface="Courier New" panose="02070309020205020404" pitchFamily="49" charset="0"/>
                 <a:cs typeface="Courier New" panose="02070309020205020404" pitchFamily="49" charset="0"/>
               </a:rPr>
-              <a:t>c</a:t>
+              <a:t>s1</a:t>
+            </a:r>
+          </a:p>
+        </p:txBody>
+      </p:sp>
+      <p:sp>
+        <p:nvSpPr>
+          <p:cNvPr id="14" name="Rectangle 13">
+            <a:extLst>
+              <a:ext uri="{FF2B5EF4-FFF2-40B4-BE49-F238E27FC236}">
+                <a16:creationId xmlns:a16="http://schemas.microsoft.com/office/drawing/2014/main" id="{070E65BD-03E3-4F44-8D99-63E3F704B91C}"/>
+              </a:ext>
+            </a:extLst>
+          </p:cNvPr>
+          <p:cNvSpPr/>
+          <p:nvPr/>
+        </p:nvSpPr>
+        <p:spPr>
+          <a:xfrm>
+            <a:off x="2514600" y="3030069"/>
+            <a:ext cx="2034988" cy="479611"/>
+          </a:xfrm>
+          <a:prstGeom prst="rect">
+            <a:avLst/>
+          </a:prstGeom>
+          <a:solidFill>
+            <a:schemeClr val="accent2">
+              <a:lumMod val="40000"/>
+              <a:lumOff val="60000"/>
+            </a:schemeClr>
+          </a:solidFill>
+        </p:spPr>
+        <p:style>
+          <a:lnRef idx="2">
+            <a:schemeClr val="accent1">
+              <a:shade val="50000"/>
+            </a:schemeClr>
+          </a:lnRef>
+          <a:fillRef idx="1">
+            <a:schemeClr val="accent1"/>
+          </a:fillRef>
+          <a:effectRef idx="0">
+            <a:schemeClr val="accent1"/>
+          </a:effectRef>
+          <a:fontRef idx="minor">
+            <a:schemeClr val="lt1"/>
+          </a:fontRef>
+        </p:style>
+        <p:txBody>
+          <a:bodyPr rtlCol="0" anchor="ctr"/>
+          <a:lstStyle/>
+          <a:p>
+            <a:pPr algn="ctr"/>
+            <a:r>
+              <a:rPr lang="en-GB" dirty="0">
+                <a:solidFill>
+                  <a:schemeClr val="tx1"/>
+                </a:solidFill>
+              </a:rPr>
+              <a:t>xyx</a:t>
+            </a:r>
+          </a:p>
+        </p:txBody>
+      </p:sp>
+      <p:sp>
+        <p:nvSpPr>
+          <p:cNvPr id="15" name="Rectangle 14">
+            <a:extLst>
+              <a:ext uri="{FF2B5EF4-FFF2-40B4-BE49-F238E27FC236}">
+                <a16:creationId xmlns:a16="http://schemas.microsoft.com/office/drawing/2014/main" id="{DCDB36E5-0B9E-E14A-9FE8-5229237AFD2D}"/>
+              </a:ext>
+            </a:extLst>
+          </p:cNvPr>
+          <p:cNvSpPr/>
+          <p:nvPr/>
+        </p:nvSpPr>
+        <p:spPr>
+          <a:xfrm>
+            <a:off x="1848970" y="3030069"/>
+            <a:ext cx="665630" cy="479611"/>
+          </a:xfrm>
+          <a:prstGeom prst="rect">
+            <a:avLst/>
+          </a:prstGeom>
+          <a:noFill/>
+        </p:spPr>
+        <p:style>
+          <a:lnRef idx="2">
+            <a:schemeClr val="accent1">
+              <a:shade val="50000"/>
+            </a:schemeClr>
+          </a:lnRef>
+          <a:fillRef idx="1">
+            <a:schemeClr val="accent1"/>
+          </a:fillRef>
+          <a:effectRef idx="0">
+            <a:schemeClr val="accent1"/>
+          </a:effectRef>
+          <a:fontRef idx="minor">
+            <a:schemeClr val="lt1"/>
+          </a:fontRef>
+        </p:style>
+        <p:txBody>
+          <a:bodyPr rtlCol="0" anchor="ctr"/>
+          <a:lstStyle/>
+          <a:p>
+            <a:pPr algn="ctr"/>
+            <a:r>
+              <a:rPr lang="en-GB" dirty="0">
+                <a:solidFill>
+                  <a:schemeClr val="tx1"/>
+                </a:solidFill>
+                <a:latin typeface="Courier New" panose="02070309020205020404" pitchFamily="49" charset="0"/>
+                <a:cs typeface="Courier New" panose="02070309020205020404" pitchFamily="49" charset="0"/>
+              </a:rPr>
+              <a:t>s2</a:t>
+            </a:r>
+          </a:p>
+        </p:txBody>
+      </p:sp>
+      <p:sp>
+        <p:nvSpPr>
+          <p:cNvPr id="16" name="Rectangle 15">
+            <a:extLst>
+              <a:ext uri="{FF2B5EF4-FFF2-40B4-BE49-F238E27FC236}">
+                <a16:creationId xmlns:a16="http://schemas.microsoft.com/office/drawing/2014/main" id="{6CCB94E6-72A4-2048-AF6D-F6F48E8D1E98}"/>
+              </a:ext>
+            </a:extLst>
+          </p:cNvPr>
+          <p:cNvSpPr/>
+          <p:nvPr/>
+        </p:nvSpPr>
+        <p:spPr>
+          <a:xfrm>
+            <a:off x="2514600" y="3509680"/>
+            <a:ext cx="2034988" cy="479611"/>
+          </a:xfrm>
+          <a:prstGeom prst="rect">
+            <a:avLst/>
+          </a:prstGeom>
+          <a:solidFill>
+            <a:schemeClr val="accent2">
+              <a:lumMod val="40000"/>
+              <a:lumOff val="60000"/>
+            </a:schemeClr>
+          </a:solidFill>
+        </p:spPr>
+        <p:style>
+          <a:lnRef idx="2">
+            <a:schemeClr val="accent1">
+              <a:shade val="50000"/>
+            </a:schemeClr>
+          </a:lnRef>
+          <a:fillRef idx="1">
+            <a:schemeClr val="accent1"/>
+          </a:fillRef>
+          <a:effectRef idx="0">
+            <a:schemeClr val="accent1"/>
+          </a:effectRef>
+          <a:fontRef idx="minor">
+            <a:schemeClr val="lt1"/>
+          </a:fontRef>
+        </p:style>
+        <p:txBody>
+          <a:bodyPr rtlCol="0" anchor="ctr"/>
+          <a:lstStyle/>
+          <a:p>
+            <a:pPr algn="ctr"/>
+            <a:r>
+              <a:rPr lang="en-GB" dirty="0">
+                <a:solidFill>
+                  <a:schemeClr val="tx1"/>
+                </a:solidFill>
+              </a:rPr>
+              <a:t>xyx</a:t>
+            </a:r>
+          </a:p>
+        </p:txBody>
+      </p:sp>
+      <p:sp>
+        <p:nvSpPr>
+          <p:cNvPr id="17" name="Rectangle 16">
+            <a:extLst>
+              <a:ext uri="{FF2B5EF4-FFF2-40B4-BE49-F238E27FC236}">
+                <a16:creationId xmlns:a16="http://schemas.microsoft.com/office/drawing/2014/main" id="{CFFFB492-4C6A-7942-98E1-FF83AFDD6821}"/>
+              </a:ext>
+            </a:extLst>
+          </p:cNvPr>
+          <p:cNvSpPr/>
+          <p:nvPr/>
+        </p:nvSpPr>
+        <p:spPr>
+          <a:xfrm>
+            <a:off x="1848970" y="3509680"/>
+            <a:ext cx="665630" cy="479611"/>
+          </a:xfrm>
+          <a:prstGeom prst="rect">
+            <a:avLst/>
+          </a:prstGeom>
+          <a:noFill/>
+        </p:spPr>
+        <p:style>
+          <a:lnRef idx="2">
+            <a:schemeClr val="accent1">
+              <a:shade val="50000"/>
+            </a:schemeClr>
+          </a:lnRef>
+          <a:fillRef idx="1">
+            <a:schemeClr val="accent1"/>
+          </a:fillRef>
+          <a:effectRef idx="0">
+            <a:schemeClr val="accent1"/>
+          </a:effectRef>
+          <a:fontRef idx="minor">
+            <a:schemeClr val="lt1"/>
+          </a:fontRef>
+        </p:style>
+        <p:txBody>
+          <a:bodyPr rtlCol="0" anchor="ctr"/>
+          <a:lstStyle/>
+          <a:p>
+            <a:pPr algn="ctr"/>
+            <a:r>
+              <a:rPr lang="en-GB" dirty="0">
+                <a:solidFill>
+                  <a:schemeClr val="tx1"/>
+                </a:solidFill>
+                <a:latin typeface="Courier New" panose="02070309020205020404" pitchFamily="49" charset="0"/>
+                <a:cs typeface="Courier New" panose="02070309020205020404" pitchFamily="49" charset="0"/>
+              </a:rPr>
+              <a:t>s3</a:t>
             </a:r>
           </a:p>
         </p:txBody>
@@ -8625,7 +8699,7 @@
     </p:spTree>
     <p:extLst>
       <p:ext uri="{BB962C8B-B14F-4D97-AF65-F5344CB8AC3E}">
-        <p14:creationId xmlns:p14="http://schemas.microsoft.com/office/powerpoint/2010/main" val="2804911304"/>
+        <p14:creationId xmlns:p14="http://schemas.microsoft.com/office/powerpoint/2010/main" val="701411516"/>
       </p:ext>
     </p:extLst>
   </p:cSld>
@@ -8826,12 +8900,151 @@
           <a:p>
             <a:pPr algn="ctr"/>
             <a:r>
+              <a:rPr lang="en-GB" dirty="0">
+                <a:solidFill>
+                  <a:schemeClr val="tx1"/>
+                </a:solidFill>
+              </a:rPr>
+              <a:t>xyz</a:t>
+            </a:r>
+          </a:p>
+        </p:txBody>
+      </p:sp>
+      <p:sp>
+        <p:nvSpPr>
+          <p:cNvPr id="5" name="Rectangle 4">
+            <a:extLst>
+              <a:ext uri="{FF2B5EF4-FFF2-40B4-BE49-F238E27FC236}">
+                <a16:creationId xmlns:a16="http://schemas.microsoft.com/office/drawing/2014/main" id="{4DA6D25D-3C20-6348-9E83-19C1AFEEA0CE}"/>
+              </a:ext>
+            </a:extLst>
+          </p:cNvPr>
+          <p:cNvSpPr/>
+          <p:nvPr/>
+        </p:nvSpPr>
+        <p:spPr>
+          <a:xfrm>
+            <a:off x="6694392" y="2070847"/>
+            <a:ext cx="2034988" cy="479611"/>
+          </a:xfrm>
+          <a:prstGeom prst="rect">
+            <a:avLst/>
+          </a:prstGeom>
+          <a:solidFill>
+            <a:schemeClr val="accent2">
+              <a:lumMod val="40000"/>
+              <a:lumOff val="60000"/>
+            </a:schemeClr>
+          </a:solidFill>
+        </p:spPr>
+        <p:style>
+          <a:lnRef idx="2">
+            <a:schemeClr val="accent1">
+              <a:shade val="50000"/>
+            </a:schemeClr>
+          </a:lnRef>
+          <a:fillRef idx="1">
+            <a:schemeClr val="accent1"/>
+          </a:fillRef>
+          <a:effectRef idx="0">
+            <a:schemeClr val="accent1"/>
+          </a:effectRef>
+          <a:fontRef idx="minor">
+            <a:schemeClr val="lt1"/>
+          </a:fontRef>
+        </p:style>
+        <p:txBody>
+          <a:bodyPr rtlCol="0" anchor="ctr"/>
+          <a:lstStyle/>
+          <a:p>
+            <a:pPr algn="ctr"/>
+            <a:r>
+              <a:rPr lang="en-GB" dirty="0">
+                <a:solidFill>
+                  <a:schemeClr val="tx1"/>
+                </a:solidFill>
+              </a:rPr>
+              <a:t>Point[x=7,</a:t>
+            </a:r>
+            <a:r>
               <a:rPr lang="en-GB" b="1" dirty="0">
                 <a:solidFill>
                   <a:srgbClr val="FF0000"/>
                 </a:solidFill>
               </a:rPr>
-              <a:t>null</a:t>
+              <a:t>y=3</a:t>
+            </a:r>
+            <a:r>
+              <a:rPr lang="en-GB" dirty="0">
+                <a:solidFill>
+                  <a:schemeClr val="tx1"/>
+                </a:solidFill>
+              </a:rPr>
+              <a:t>]</a:t>
+            </a:r>
+            <a:endParaRPr lang="en-GB" i="1" dirty="0">
+              <a:solidFill>
+                <a:schemeClr val="tx1"/>
+              </a:solidFill>
+            </a:endParaRPr>
+          </a:p>
+        </p:txBody>
+      </p:sp>
+      <p:sp>
+        <p:nvSpPr>
+          <p:cNvPr id="8" name="Rectangle 7">
+            <a:extLst>
+              <a:ext uri="{FF2B5EF4-FFF2-40B4-BE49-F238E27FC236}">
+                <a16:creationId xmlns:a16="http://schemas.microsoft.com/office/drawing/2014/main" id="{F391BC07-0B6F-B445-98D9-917B754665E1}"/>
+              </a:ext>
+            </a:extLst>
+          </p:cNvPr>
+          <p:cNvSpPr/>
+          <p:nvPr/>
+        </p:nvSpPr>
+        <p:spPr>
+          <a:xfrm>
+            <a:off x="2514600" y="2070847"/>
+            <a:ext cx="2034988" cy="479611"/>
+          </a:xfrm>
+          <a:prstGeom prst="rect">
+            <a:avLst/>
+          </a:prstGeom>
+          <a:solidFill>
+            <a:schemeClr val="accent2">
+              <a:lumMod val="40000"/>
+              <a:lumOff val="60000"/>
+            </a:schemeClr>
+          </a:solidFill>
+        </p:spPr>
+        <p:style>
+          <a:lnRef idx="2">
+            <a:schemeClr val="accent1">
+              <a:shade val="50000"/>
+            </a:schemeClr>
+          </a:lnRef>
+          <a:fillRef idx="1">
+            <a:schemeClr val="accent1"/>
+          </a:fillRef>
+          <a:effectRef idx="0">
+            <a:schemeClr val="accent1"/>
+          </a:effectRef>
+          <a:fontRef idx="minor">
+            <a:schemeClr val="lt1"/>
+          </a:fontRef>
+        </p:style>
+        <p:txBody>
+          <a:bodyPr rtlCol="0" anchor="ctr"/>
+          <a:lstStyle/>
+          <a:p>
+            <a:pPr algn="ctr"/>
+            <a:r>
+              <a:rPr lang="en-GB" dirty="0">
+                <a:solidFill>
+                  <a:schemeClr val="tx1"/>
+                </a:solidFill>
+              </a:rPr>
+              <a:t>xyx</a:t>
             </a:r>
           </a:p>
         </p:txBody>
@@ -8887,7 +9100,234 @@
                 <a:latin typeface="Courier New" panose="02070309020205020404" pitchFamily="49" charset="0"/>
                 <a:cs typeface="Courier New" panose="02070309020205020404" pitchFamily="49" charset="0"/>
               </a:rPr>
-              <a:t>s</a:t>
+              <a:t>a</a:t>
+            </a:r>
+          </a:p>
+        </p:txBody>
+      </p:sp>
+      <p:sp>
+        <p:nvSpPr>
+          <p:cNvPr id="10" name="Rectangle 9">
+            <a:extLst>
+              <a:ext uri="{FF2B5EF4-FFF2-40B4-BE49-F238E27FC236}">
+                <a16:creationId xmlns:a16="http://schemas.microsoft.com/office/drawing/2014/main" id="{7506D401-93A6-F74B-987E-B7E5E1C27913}"/>
+              </a:ext>
+            </a:extLst>
+          </p:cNvPr>
+          <p:cNvSpPr/>
+          <p:nvPr/>
+        </p:nvSpPr>
+        <p:spPr>
+          <a:xfrm>
+            <a:off x="1848970" y="2070847"/>
+            <a:ext cx="665630" cy="479611"/>
+          </a:xfrm>
+          <a:prstGeom prst="rect">
+            <a:avLst/>
+          </a:prstGeom>
+          <a:noFill/>
+        </p:spPr>
+        <p:style>
+          <a:lnRef idx="2">
+            <a:schemeClr val="accent1">
+              <a:shade val="50000"/>
+            </a:schemeClr>
+          </a:lnRef>
+          <a:fillRef idx="1">
+            <a:schemeClr val="accent1"/>
+          </a:fillRef>
+          <a:effectRef idx="0">
+            <a:schemeClr val="accent1"/>
+          </a:effectRef>
+          <a:fontRef idx="minor">
+            <a:schemeClr val="lt1"/>
+          </a:fontRef>
+        </p:style>
+        <p:txBody>
+          <a:bodyPr rtlCol="0" anchor="ctr"/>
+          <a:lstStyle/>
+          <a:p>
+            <a:pPr algn="ctr"/>
+            <a:r>
+              <a:rPr lang="en-GB" dirty="0">
+                <a:solidFill>
+                  <a:schemeClr val="tx1"/>
+                </a:solidFill>
+                <a:latin typeface="Courier New" panose="02070309020205020404" pitchFamily="49" charset="0"/>
+                <a:cs typeface="Courier New" panose="02070309020205020404" pitchFamily="49" charset="0"/>
+              </a:rPr>
+              <a:t>b</a:t>
+            </a:r>
+          </a:p>
+        </p:txBody>
+      </p:sp>
+      <p:sp>
+        <p:nvSpPr>
+          <p:cNvPr id="11" name="Rectangle 10">
+            <a:extLst>
+              <a:ext uri="{FF2B5EF4-FFF2-40B4-BE49-F238E27FC236}">
+                <a16:creationId xmlns:a16="http://schemas.microsoft.com/office/drawing/2014/main" id="{170561C8-7DAA-3E4D-8A6B-C3ED050A32E2}"/>
+              </a:ext>
+            </a:extLst>
+          </p:cNvPr>
+          <p:cNvSpPr/>
+          <p:nvPr/>
+        </p:nvSpPr>
+        <p:spPr>
+          <a:xfrm>
+            <a:off x="6035486" y="2070847"/>
+            <a:ext cx="665630" cy="479611"/>
+          </a:xfrm>
+          <a:prstGeom prst="rect">
+            <a:avLst/>
+          </a:prstGeom>
+          <a:noFill/>
+        </p:spPr>
+        <p:style>
+          <a:lnRef idx="2">
+            <a:schemeClr val="accent1">
+              <a:shade val="50000"/>
+            </a:schemeClr>
+          </a:lnRef>
+          <a:fillRef idx="1">
+            <a:schemeClr val="accent1"/>
+          </a:fillRef>
+          <a:effectRef idx="0">
+            <a:schemeClr val="accent1"/>
+          </a:effectRef>
+          <a:fontRef idx="minor">
+            <a:schemeClr val="lt1"/>
+          </a:fontRef>
+        </p:style>
+        <p:txBody>
+          <a:bodyPr rtlCol="0" anchor="ctr"/>
+          <a:lstStyle/>
+          <a:p>
+            <a:pPr algn="ctr"/>
+            <a:r>
+              <a:rPr lang="en-GB" dirty="0">
+                <a:solidFill>
+                  <a:schemeClr val="tx1"/>
+                </a:solidFill>
+                <a:latin typeface="Courier New" panose="02070309020205020404" pitchFamily="49" charset="0"/>
+                <a:cs typeface="Courier New" panose="02070309020205020404" pitchFamily="49" charset="0"/>
+              </a:rPr>
+              <a:t>xyz</a:t>
+            </a:r>
+          </a:p>
+        </p:txBody>
+      </p:sp>
+      <p:sp>
+        <p:nvSpPr>
+          <p:cNvPr id="12" name="Rectangle 11">
+            <a:extLst>
+              <a:ext uri="{FF2B5EF4-FFF2-40B4-BE49-F238E27FC236}">
+                <a16:creationId xmlns:a16="http://schemas.microsoft.com/office/drawing/2014/main" id="{1CB59E4A-E18D-E04E-9157-31655B853F03}"/>
+              </a:ext>
+            </a:extLst>
+          </p:cNvPr>
+          <p:cNvSpPr/>
+          <p:nvPr/>
+        </p:nvSpPr>
+        <p:spPr>
+          <a:xfrm>
+            <a:off x="2514600" y="2550458"/>
+            <a:ext cx="2034988" cy="479611"/>
+          </a:xfrm>
+          <a:prstGeom prst="rect">
+            <a:avLst/>
+          </a:prstGeom>
+          <a:solidFill>
+            <a:schemeClr val="accent2">
+              <a:lumMod val="40000"/>
+              <a:lumOff val="60000"/>
+            </a:schemeClr>
+          </a:solidFill>
+        </p:spPr>
+        <p:style>
+          <a:lnRef idx="2">
+            <a:schemeClr val="accent1">
+              <a:shade val="50000"/>
+            </a:schemeClr>
+          </a:lnRef>
+          <a:fillRef idx="1">
+            <a:schemeClr val="accent1"/>
+          </a:fillRef>
+          <a:effectRef idx="0">
+            <a:schemeClr val="accent1"/>
+          </a:effectRef>
+          <a:fontRef idx="minor">
+            <a:schemeClr val="lt1"/>
+          </a:fontRef>
+        </p:style>
+        <p:txBody>
+          <a:bodyPr rtlCol="0" anchor="ctr"/>
+          <a:lstStyle/>
+          <a:p>
+            <a:pPr algn="ctr"/>
+            <a:r>
+              <a:rPr lang="en-GB" dirty="0">
+                <a:solidFill>
+                  <a:schemeClr val="tx1"/>
+                </a:solidFill>
+              </a:rPr>
+              <a:t>xyx</a:t>
+            </a:r>
+          </a:p>
+        </p:txBody>
+      </p:sp>
+      <p:sp>
+        <p:nvSpPr>
+          <p:cNvPr id="13" name="Rectangle 12">
+            <a:extLst>
+              <a:ext uri="{FF2B5EF4-FFF2-40B4-BE49-F238E27FC236}">
+                <a16:creationId xmlns:a16="http://schemas.microsoft.com/office/drawing/2014/main" id="{78385039-EB78-D344-B353-E23461449F72}"/>
+              </a:ext>
+            </a:extLst>
+          </p:cNvPr>
+          <p:cNvSpPr/>
+          <p:nvPr/>
+        </p:nvSpPr>
+        <p:spPr>
+          <a:xfrm>
+            <a:off x="1848970" y="2550458"/>
+            <a:ext cx="665630" cy="479611"/>
+          </a:xfrm>
+          <a:prstGeom prst="rect">
+            <a:avLst/>
+          </a:prstGeom>
+          <a:noFill/>
+        </p:spPr>
+        <p:style>
+          <a:lnRef idx="2">
+            <a:schemeClr val="accent1">
+              <a:shade val="50000"/>
+            </a:schemeClr>
+          </a:lnRef>
+          <a:fillRef idx="1">
+            <a:schemeClr val="accent1"/>
+          </a:fillRef>
+          <a:effectRef idx="0">
+            <a:schemeClr val="accent1"/>
+          </a:effectRef>
+          <a:fontRef idx="minor">
+            <a:schemeClr val="lt1"/>
+          </a:fontRef>
+        </p:style>
+        <p:txBody>
+          <a:bodyPr rtlCol="0" anchor="ctr"/>
+          <a:lstStyle/>
+          <a:p>
+            <a:pPr algn="ctr"/>
+            <a:r>
+              <a:rPr lang="en-GB" dirty="0">
+                <a:solidFill>
+                  <a:schemeClr val="tx1"/>
+                </a:solidFill>
+                <a:latin typeface="Courier New" panose="02070309020205020404" pitchFamily="49" charset="0"/>
+                <a:cs typeface="Courier New" panose="02070309020205020404" pitchFamily="49" charset="0"/>
+              </a:rPr>
+              <a:t>c</a:t>
             </a:r>
           </a:p>
         </p:txBody>
@@ -8895,7 +9335,7 @@
     </p:spTree>
     <p:extLst>
       <p:ext uri="{BB962C8B-B14F-4D97-AF65-F5344CB8AC3E}">
-        <p14:creationId xmlns:p14="http://schemas.microsoft.com/office/powerpoint/2010/main" val="2309883801"/>
+        <p14:creationId xmlns:p14="http://schemas.microsoft.com/office/powerpoint/2010/main" val="2804911304"/>
       </p:ext>
     </p:extLst>
   </p:cSld>

--- a/assets/images/Images.pptx
+++ b/assets/images/Images.pptx
@@ -5,7 +5,7 @@
     <p:sldMasterId id="2147483648" r:id="rId1"/>
   </p:sldMasterIdLst>
   <p:notesMasterIdLst>
-    <p:notesMasterId r:id="rId13"/>
+    <p:notesMasterId r:id="rId14"/>
   </p:notesMasterIdLst>
   <p:sldIdLst>
     <p:sldId id="257" r:id="rId2"/>
@@ -14,11 +14,12 @@
     <p:sldId id="260" r:id="rId5"/>
     <p:sldId id="261" r:id="rId6"/>
     <p:sldId id="262" r:id="rId7"/>
-    <p:sldId id="266" r:id="rId8"/>
-    <p:sldId id="263" r:id="rId9"/>
-    <p:sldId id="264" r:id="rId10"/>
-    <p:sldId id="265" r:id="rId11"/>
-    <p:sldId id="256" r:id="rId12"/>
+    <p:sldId id="267" r:id="rId8"/>
+    <p:sldId id="266" r:id="rId9"/>
+    <p:sldId id="263" r:id="rId10"/>
+    <p:sldId id="264" r:id="rId11"/>
+    <p:sldId id="265" r:id="rId12"/>
+    <p:sldId id="256" r:id="rId13"/>
   </p:sldIdLst>
   <p:sldSz cx="12192000" cy="6858000"/>
   <p:notesSz cx="6858000" cy="9144000"/>
@@ -132,6 +133,7 @@
             <p14:sldId id="260"/>
             <p14:sldId id="261"/>
             <p14:sldId id="262"/>
+            <p14:sldId id="267"/>
             <p14:sldId id="266"/>
             <p14:sldId id="263"/>
             <p14:sldId id="264"/>
@@ -147,6 +149,9 @@
     </p:ext>
     <p:ext uri="{EFAFB233-063F-42B5-8137-9DF3F51BA10A}">
       <p15:sldGuideLst xmlns:p15="http://schemas.microsoft.com/office/powerpoint/2012/main"/>
+    </p:ext>
+    <p:ext uri="{2D200454-40CA-4A62-9FC3-DE9A4176ACB9}">
+      <p15:notesGuideLst xmlns:p15="http://schemas.microsoft.com/office/powerpoint/2012/main"/>
     </p:ext>
   </p:extLst>
 </p:presentation>
@@ -734,7 +739,91 @@
           <a:p>
             <a:fld id="{11A96E62-EC5F-C045-9FEB-EDD3A98888BE}" type="slidenum">
               <a:rPr lang="en-GB" smtClean="0"/>
-              <a:t>11</a:t>
+              <a:t>7</a:t>
+            </a:fld>
+            <a:endParaRPr lang="en-GB"/>
+          </a:p>
+        </p:txBody>
+      </p:sp>
+    </p:spTree>
+    <p:extLst>
+      <p:ext uri="{BB962C8B-B14F-4D97-AF65-F5344CB8AC3E}">
+        <p14:creationId xmlns:p14="http://schemas.microsoft.com/office/powerpoint/2010/main" val="3461584964"/>
+      </p:ext>
+    </p:extLst>
+  </p:cSld>
+  <p:clrMapOvr>
+    <a:masterClrMapping/>
+  </p:clrMapOvr>
+</p:notes>
+</file>
+
+<file path=ppt/notesSlides/notesSlide4.xml><?xml version="1.0" encoding="utf-8"?>
+<p:notes xmlns:a="http://schemas.openxmlformats.org/drawingml/2006/main" xmlns:r="http://schemas.openxmlformats.org/officeDocument/2006/relationships" xmlns:p="http://schemas.openxmlformats.org/presentationml/2006/main">
+  <p:cSld>
+    <p:spTree>
+      <p:nvGrpSpPr>
+        <p:cNvPr id="1" name=""/>
+        <p:cNvGrpSpPr/>
+        <p:nvPr/>
+      </p:nvGrpSpPr>
+      <p:grpSpPr>
+        <a:xfrm>
+          <a:off x="0" y="0"/>
+          <a:ext cx="0" cy="0"/>
+          <a:chOff x="0" y="0"/>
+          <a:chExt cx="0" cy="0"/>
+        </a:xfrm>
+      </p:grpSpPr>
+      <p:sp>
+        <p:nvSpPr>
+          <p:cNvPr id="2" name="Slide Image Placeholder 1"/>
+          <p:cNvSpPr>
+            <a:spLocks noGrp="1" noRot="1" noChangeAspect="1"/>
+          </p:cNvSpPr>
+          <p:nvPr>
+            <p:ph type="sldImg"/>
+          </p:nvPr>
+        </p:nvSpPr>
+        <p:spPr/>
+      </p:sp>
+      <p:sp>
+        <p:nvSpPr>
+          <p:cNvPr id="3" name="Notes Placeholder 2"/>
+          <p:cNvSpPr>
+            <a:spLocks noGrp="1"/>
+          </p:cNvSpPr>
+          <p:nvPr>
+            <p:ph type="body" idx="1"/>
+          </p:nvPr>
+        </p:nvSpPr>
+        <p:spPr/>
+        <p:txBody>
+          <a:bodyPr/>
+          <a:lstStyle/>
+          <a:p>
+            <a:endParaRPr lang="en-GB"/>
+          </a:p>
+        </p:txBody>
+      </p:sp>
+      <p:sp>
+        <p:nvSpPr>
+          <p:cNvPr id="4" name="Slide Number Placeholder 3"/>
+          <p:cNvSpPr>
+            <a:spLocks noGrp="1"/>
+          </p:cNvSpPr>
+          <p:nvPr>
+            <p:ph type="sldNum" sz="quarter" idx="5"/>
+          </p:nvPr>
+        </p:nvSpPr>
+        <p:spPr/>
+        <p:txBody>
+          <a:bodyPr/>
+          <a:lstStyle/>
+          <a:p>
+            <a:fld id="{11A96E62-EC5F-C045-9FEB-EDD3A98888BE}" type="slidenum">
+              <a:rPr lang="en-GB" smtClean="0"/>
+              <a:t>12</a:t>
             </a:fld>
             <a:endParaRPr lang="en-GB"/>
           </a:p>
@@ -4856,6 +4945,642 @@
           <a:p>
             <a:pPr algn="ctr"/>
             <a:r>
+              <a:rPr lang="en-GB" dirty="0">
+                <a:solidFill>
+                  <a:schemeClr val="tx1"/>
+                </a:solidFill>
+              </a:rPr>
+              <a:t>xyz</a:t>
+            </a:r>
+          </a:p>
+        </p:txBody>
+      </p:sp>
+      <p:sp>
+        <p:nvSpPr>
+          <p:cNvPr id="5" name="Rectangle 4">
+            <a:extLst>
+              <a:ext uri="{FF2B5EF4-FFF2-40B4-BE49-F238E27FC236}">
+                <a16:creationId xmlns:a16="http://schemas.microsoft.com/office/drawing/2014/main" id="{4DA6D25D-3C20-6348-9E83-19C1AFEEA0CE}"/>
+              </a:ext>
+            </a:extLst>
+          </p:cNvPr>
+          <p:cNvSpPr/>
+          <p:nvPr/>
+        </p:nvSpPr>
+        <p:spPr>
+          <a:xfrm>
+            <a:off x="6694392" y="2070847"/>
+            <a:ext cx="2034988" cy="479611"/>
+          </a:xfrm>
+          <a:prstGeom prst="rect">
+            <a:avLst/>
+          </a:prstGeom>
+          <a:solidFill>
+            <a:schemeClr val="accent2">
+              <a:lumMod val="40000"/>
+              <a:lumOff val="60000"/>
+            </a:schemeClr>
+          </a:solidFill>
+        </p:spPr>
+        <p:style>
+          <a:lnRef idx="2">
+            <a:schemeClr val="accent1">
+              <a:shade val="50000"/>
+            </a:schemeClr>
+          </a:lnRef>
+          <a:fillRef idx="1">
+            <a:schemeClr val="accent1"/>
+          </a:fillRef>
+          <a:effectRef idx="0">
+            <a:schemeClr val="accent1"/>
+          </a:effectRef>
+          <a:fontRef idx="minor">
+            <a:schemeClr val="lt1"/>
+          </a:fontRef>
+        </p:style>
+        <p:txBody>
+          <a:bodyPr rtlCol="0" anchor="ctr"/>
+          <a:lstStyle/>
+          <a:p>
+            <a:pPr algn="ctr"/>
+            <a:r>
+              <a:rPr lang="en-GB" dirty="0">
+                <a:solidFill>
+                  <a:schemeClr val="tx1"/>
+                </a:solidFill>
+              </a:rPr>
+              <a:t>Point[x=7,</a:t>
+            </a:r>
+            <a:r>
+              <a:rPr lang="en-GB" b="1" dirty="0">
+                <a:solidFill>
+                  <a:srgbClr val="FF0000"/>
+                </a:solidFill>
+              </a:rPr>
+              <a:t>y=3</a:t>
+            </a:r>
+            <a:r>
+              <a:rPr lang="en-GB" dirty="0">
+                <a:solidFill>
+                  <a:schemeClr val="tx1"/>
+                </a:solidFill>
+              </a:rPr>
+              <a:t>]</a:t>
+            </a:r>
+            <a:endParaRPr lang="en-GB" i="1" dirty="0">
+              <a:solidFill>
+                <a:schemeClr val="tx1"/>
+              </a:solidFill>
+            </a:endParaRPr>
+          </a:p>
+        </p:txBody>
+      </p:sp>
+      <p:sp>
+        <p:nvSpPr>
+          <p:cNvPr id="8" name="Rectangle 7">
+            <a:extLst>
+              <a:ext uri="{FF2B5EF4-FFF2-40B4-BE49-F238E27FC236}">
+                <a16:creationId xmlns:a16="http://schemas.microsoft.com/office/drawing/2014/main" id="{F391BC07-0B6F-B445-98D9-917B754665E1}"/>
+              </a:ext>
+            </a:extLst>
+          </p:cNvPr>
+          <p:cNvSpPr/>
+          <p:nvPr/>
+        </p:nvSpPr>
+        <p:spPr>
+          <a:xfrm>
+            <a:off x="2514600" y="2070847"/>
+            <a:ext cx="2034988" cy="479611"/>
+          </a:xfrm>
+          <a:prstGeom prst="rect">
+            <a:avLst/>
+          </a:prstGeom>
+          <a:solidFill>
+            <a:schemeClr val="accent2">
+              <a:lumMod val="40000"/>
+              <a:lumOff val="60000"/>
+            </a:schemeClr>
+          </a:solidFill>
+        </p:spPr>
+        <p:style>
+          <a:lnRef idx="2">
+            <a:schemeClr val="accent1">
+              <a:shade val="50000"/>
+            </a:schemeClr>
+          </a:lnRef>
+          <a:fillRef idx="1">
+            <a:schemeClr val="accent1"/>
+          </a:fillRef>
+          <a:effectRef idx="0">
+            <a:schemeClr val="accent1"/>
+          </a:effectRef>
+          <a:fontRef idx="minor">
+            <a:schemeClr val="lt1"/>
+          </a:fontRef>
+        </p:style>
+        <p:txBody>
+          <a:bodyPr rtlCol="0" anchor="ctr"/>
+          <a:lstStyle/>
+          <a:p>
+            <a:pPr algn="ctr"/>
+            <a:r>
+              <a:rPr lang="en-GB" dirty="0">
+                <a:solidFill>
+                  <a:schemeClr val="tx1"/>
+                </a:solidFill>
+              </a:rPr>
+              <a:t>xyx</a:t>
+            </a:r>
+          </a:p>
+        </p:txBody>
+      </p:sp>
+      <p:sp>
+        <p:nvSpPr>
+          <p:cNvPr id="9" name="Rectangle 8">
+            <a:extLst>
+              <a:ext uri="{FF2B5EF4-FFF2-40B4-BE49-F238E27FC236}">
+                <a16:creationId xmlns:a16="http://schemas.microsoft.com/office/drawing/2014/main" id="{200D0DE9-12F5-8641-B765-93E26765094F}"/>
+              </a:ext>
+            </a:extLst>
+          </p:cNvPr>
+          <p:cNvSpPr/>
+          <p:nvPr/>
+        </p:nvSpPr>
+        <p:spPr>
+          <a:xfrm>
+            <a:off x="1848970" y="1591236"/>
+            <a:ext cx="665630" cy="479611"/>
+          </a:xfrm>
+          <a:prstGeom prst="rect">
+            <a:avLst/>
+          </a:prstGeom>
+          <a:noFill/>
+        </p:spPr>
+        <p:style>
+          <a:lnRef idx="2">
+            <a:schemeClr val="accent1">
+              <a:shade val="50000"/>
+            </a:schemeClr>
+          </a:lnRef>
+          <a:fillRef idx="1">
+            <a:schemeClr val="accent1"/>
+          </a:fillRef>
+          <a:effectRef idx="0">
+            <a:schemeClr val="accent1"/>
+          </a:effectRef>
+          <a:fontRef idx="minor">
+            <a:schemeClr val="lt1"/>
+          </a:fontRef>
+        </p:style>
+        <p:txBody>
+          <a:bodyPr rtlCol="0" anchor="ctr"/>
+          <a:lstStyle/>
+          <a:p>
+            <a:pPr algn="ctr"/>
+            <a:r>
+              <a:rPr lang="en-GB" dirty="0">
+                <a:solidFill>
+                  <a:schemeClr val="tx1"/>
+                </a:solidFill>
+                <a:latin typeface="Courier New" panose="02070309020205020404" pitchFamily="49" charset="0"/>
+                <a:cs typeface="Courier New" panose="02070309020205020404" pitchFamily="49" charset="0"/>
+              </a:rPr>
+              <a:t>a</a:t>
+            </a:r>
+          </a:p>
+        </p:txBody>
+      </p:sp>
+      <p:sp>
+        <p:nvSpPr>
+          <p:cNvPr id="10" name="Rectangle 9">
+            <a:extLst>
+              <a:ext uri="{FF2B5EF4-FFF2-40B4-BE49-F238E27FC236}">
+                <a16:creationId xmlns:a16="http://schemas.microsoft.com/office/drawing/2014/main" id="{7506D401-93A6-F74B-987E-B7E5E1C27913}"/>
+              </a:ext>
+            </a:extLst>
+          </p:cNvPr>
+          <p:cNvSpPr/>
+          <p:nvPr/>
+        </p:nvSpPr>
+        <p:spPr>
+          <a:xfrm>
+            <a:off x="1848970" y="2070847"/>
+            <a:ext cx="665630" cy="479611"/>
+          </a:xfrm>
+          <a:prstGeom prst="rect">
+            <a:avLst/>
+          </a:prstGeom>
+          <a:noFill/>
+        </p:spPr>
+        <p:style>
+          <a:lnRef idx="2">
+            <a:schemeClr val="accent1">
+              <a:shade val="50000"/>
+            </a:schemeClr>
+          </a:lnRef>
+          <a:fillRef idx="1">
+            <a:schemeClr val="accent1"/>
+          </a:fillRef>
+          <a:effectRef idx="0">
+            <a:schemeClr val="accent1"/>
+          </a:effectRef>
+          <a:fontRef idx="minor">
+            <a:schemeClr val="lt1"/>
+          </a:fontRef>
+        </p:style>
+        <p:txBody>
+          <a:bodyPr rtlCol="0" anchor="ctr"/>
+          <a:lstStyle/>
+          <a:p>
+            <a:pPr algn="ctr"/>
+            <a:r>
+              <a:rPr lang="en-GB" dirty="0">
+                <a:solidFill>
+                  <a:schemeClr val="tx1"/>
+                </a:solidFill>
+                <a:latin typeface="Courier New" panose="02070309020205020404" pitchFamily="49" charset="0"/>
+                <a:cs typeface="Courier New" panose="02070309020205020404" pitchFamily="49" charset="0"/>
+              </a:rPr>
+              <a:t>b</a:t>
+            </a:r>
+          </a:p>
+        </p:txBody>
+      </p:sp>
+      <p:sp>
+        <p:nvSpPr>
+          <p:cNvPr id="11" name="Rectangle 10">
+            <a:extLst>
+              <a:ext uri="{FF2B5EF4-FFF2-40B4-BE49-F238E27FC236}">
+                <a16:creationId xmlns:a16="http://schemas.microsoft.com/office/drawing/2014/main" id="{170561C8-7DAA-3E4D-8A6B-C3ED050A32E2}"/>
+              </a:ext>
+            </a:extLst>
+          </p:cNvPr>
+          <p:cNvSpPr/>
+          <p:nvPr/>
+        </p:nvSpPr>
+        <p:spPr>
+          <a:xfrm>
+            <a:off x="6035486" y="2070847"/>
+            <a:ext cx="665630" cy="479611"/>
+          </a:xfrm>
+          <a:prstGeom prst="rect">
+            <a:avLst/>
+          </a:prstGeom>
+          <a:noFill/>
+        </p:spPr>
+        <p:style>
+          <a:lnRef idx="2">
+            <a:schemeClr val="accent1">
+              <a:shade val="50000"/>
+            </a:schemeClr>
+          </a:lnRef>
+          <a:fillRef idx="1">
+            <a:schemeClr val="accent1"/>
+          </a:fillRef>
+          <a:effectRef idx="0">
+            <a:schemeClr val="accent1"/>
+          </a:effectRef>
+          <a:fontRef idx="minor">
+            <a:schemeClr val="lt1"/>
+          </a:fontRef>
+        </p:style>
+        <p:txBody>
+          <a:bodyPr rtlCol="0" anchor="ctr"/>
+          <a:lstStyle/>
+          <a:p>
+            <a:pPr algn="ctr"/>
+            <a:r>
+              <a:rPr lang="en-GB" dirty="0">
+                <a:solidFill>
+                  <a:schemeClr val="tx1"/>
+                </a:solidFill>
+                <a:latin typeface="Courier New" panose="02070309020205020404" pitchFamily="49" charset="0"/>
+                <a:cs typeface="Courier New" panose="02070309020205020404" pitchFamily="49" charset="0"/>
+              </a:rPr>
+              <a:t>xyz</a:t>
+            </a:r>
+          </a:p>
+        </p:txBody>
+      </p:sp>
+      <p:sp>
+        <p:nvSpPr>
+          <p:cNvPr id="12" name="Rectangle 11">
+            <a:extLst>
+              <a:ext uri="{FF2B5EF4-FFF2-40B4-BE49-F238E27FC236}">
+                <a16:creationId xmlns:a16="http://schemas.microsoft.com/office/drawing/2014/main" id="{1CB59E4A-E18D-E04E-9157-31655B853F03}"/>
+              </a:ext>
+            </a:extLst>
+          </p:cNvPr>
+          <p:cNvSpPr/>
+          <p:nvPr/>
+        </p:nvSpPr>
+        <p:spPr>
+          <a:xfrm>
+            <a:off x="2514600" y="2550458"/>
+            <a:ext cx="2034988" cy="479611"/>
+          </a:xfrm>
+          <a:prstGeom prst="rect">
+            <a:avLst/>
+          </a:prstGeom>
+          <a:solidFill>
+            <a:schemeClr val="accent2">
+              <a:lumMod val="40000"/>
+              <a:lumOff val="60000"/>
+            </a:schemeClr>
+          </a:solidFill>
+        </p:spPr>
+        <p:style>
+          <a:lnRef idx="2">
+            <a:schemeClr val="accent1">
+              <a:shade val="50000"/>
+            </a:schemeClr>
+          </a:lnRef>
+          <a:fillRef idx="1">
+            <a:schemeClr val="accent1"/>
+          </a:fillRef>
+          <a:effectRef idx="0">
+            <a:schemeClr val="accent1"/>
+          </a:effectRef>
+          <a:fontRef idx="minor">
+            <a:schemeClr val="lt1"/>
+          </a:fontRef>
+        </p:style>
+        <p:txBody>
+          <a:bodyPr rtlCol="0" anchor="ctr"/>
+          <a:lstStyle/>
+          <a:p>
+            <a:pPr algn="ctr"/>
+            <a:r>
+              <a:rPr lang="en-GB" dirty="0">
+                <a:solidFill>
+                  <a:schemeClr val="tx1"/>
+                </a:solidFill>
+              </a:rPr>
+              <a:t>xyx</a:t>
+            </a:r>
+          </a:p>
+        </p:txBody>
+      </p:sp>
+      <p:sp>
+        <p:nvSpPr>
+          <p:cNvPr id="13" name="Rectangle 12">
+            <a:extLst>
+              <a:ext uri="{FF2B5EF4-FFF2-40B4-BE49-F238E27FC236}">
+                <a16:creationId xmlns:a16="http://schemas.microsoft.com/office/drawing/2014/main" id="{78385039-EB78-D344-B353-E23461449F72}"/>
+              </a:ext>
+            </a:extLst>
+          </p:cNvPr>
+          <p:cNvSpPr/>
+          <p:nvPr/>
+        </p:nvSpPr>
+        <p:spPr>
+          <a:xfrm>
+            <a:off x="1848970" y="2550458"/>
+            <a:ext cx="665630" cy="479611"/>
+          </a:xfrm>
+          <a:prstGeom prst="rect">
+            <a:avLst/>
+          </a:prstGeom>
+          <a:noFill/>
+        </p:spPr>
+        <p:style>
+          <a:lnRef idx="2">
+            <a:schemeClr val="accent1">
+              <a:shade val="50000"/>
+            </a:schemeClr>
+          </a:lnRef>
+          <a:fillRef idx="1">
+            <a:schemeClr val="accent1"/>
+          </a:fillRef>
+          <a:effectRef idx="0">
+            <a:schemeClr val="accent1"/>
+          </a:effectRef>
+          <a:fontRef idx="minor">
+            <a:schemeClr val="lt1"/>
+          </a:fontRef>
+        </p:style>
+        <p:txBody>
+          <a:bodyPr rtlCol="0" anchor="ctr"/>
+          <a:lstStyle/>
+          <a:p>
+            <a:pPr algn="ctr"/>
+            <a:r>
+              <a:rPr lang="en-GB" dirty="0">
+                <a:solidFill>
+                  <a:schemeClr val="tx1"/>
+                </a:solidFill>
+                <a:latin typeface="Courier New" panose="02070309020205020404" pitchFamily="49" charset="0"/>
+                <a:cs typeface="Courier New" panose="02070309020205020404" pitchFamily="49" charset="0"/>
+              </a:rPr>
+              <a:t>c</a:t>
+            </a:r>
+          </a:p>
+        </p:txBody>
+      </p:sp>
+    </p:spTree>
+    <p:extLst>
+      <p:ext uri="{BB962C8B-B14F-4D97-AF65-F5344CB8AC3E}">
+        <p14:creationId xmlns:p14="http://schemas.microsoft.com/office/powerpoint/2010/main" val="2804911304"/>
+      </p:ext>
+    </p:extLst>
+  </p:cSld>
+  <p:clrMapOvr>
+    <a:masterClrMapping/>
+  </p:clrMapOvr>
+</p:sld>
+</file>
+
+<file path=ppt/slides/slide11.xml><?xml version="1.0" encoding="utf-8"?>
+<p:sld xmlns:a="http://schemas.openxmlformats.org/drawingml/2006/main" xmlns:r="http://schemas.openxmlformats.org/officeDocument/2006/relationships" xmlns:p="http://schemas.openxmlformats.org/presentationml/2006/main">
+  <p:cSld>
+    <p:spTree>
+      <p:nvGrpSpPr>
+        <p:cNvPr id="1" name=""/>
+        <p:cNvGrpSpPr/>
+        <p:nvPr/>
+      </p:nvGrpSpPr>
+      <p:grpSpPr>
+        <a:xfrm>
+          <a:off x="0" y="0"/>
+          <a:ext cx="0" cy="0"/>
+          <a:chOff x="0" y="0"/>
+          <a:chExt cx="0" cy="0"/>
+        </a:xfrm>
+      </p:grpSpPr>
+      <p:sp>
+        <p:nvSpPr>
+          <p:cNvPr id="7" name="Rectangle 6">
+            <a:extLst>
+              <a:ext uri="{FF2B5EF4-FFF2-40B4-BE49-F238E27FC236}">
+                <a16:creationId xmlns:a16="http://schemas.microsoft.com/office/drawing/2014/main" id="{7CD7D475-E299-AE41-86D3-1B10CAF77EA3}"/>
+              </a:ext>
+            </a:extLst>
+          </p:cNvPr>
+          <p:cNvSpPr/>
+          <p:nvPr/>
+        </p:nvSpPr>
+        <p:spPr>
+          <a:xfrm>
+            <a:off x="5459504" y="546847"/>
+            <a:ext cx="3935506" cy="5208494"/>
+          </a:xfrm>
+          <a:prstGeom prst="rect">
+            <a:avLst/>
+          </a:prstGeom>
+          <a:solidFill>
+            <a:schemeClr val="accent6">
+              <a:lumMod val="20000"/>
+              <a:lumOff val="80000"/>
+            </a:schemeClr>
+          </a:solidFill>
+          <a:ln>
+            <a:solidFill>
+              <a:schemeClr val="accent6">
+                <a:lumMod val="75000"/>
+              </a:schemeClr>
+            </a:solidFill>
+          </a:ln>
+        </p:spPr>
+        <p:style>
+          <a:lnRef idx="2">
+            <a:schemeClr val="accent1">
+              <a:shade val="50000"/>
+            </a:schemeClr>
+          </a:lnRef>
+          <a:fillRef idx="1">
+            <a:schemeClr val="accent1"/>
+          </a:fillRef>
+          <a:effectRef idx="0">
+            <a:schemeClr val="accent1"/>
+          </a:effectRef>
+          <a:fontRef idx="minor">
+            <a:schemeClr val="lt1"/>
+          </a:fontRef>
+        </p:style>
+        <p:txBody>
+          <a:bodyPr rtlCol="0" anchor="b"/>
+          <a:lstStyle/>
+          <a:p>
+            <a:pPr algn="ctr"/>
+            <a:r>
+              <a:rPr lang="en-GB" sz="3600" dirty="0">
+                <a:solidFill>
+                  <a:schemeClr val="tx1"/>
+                </a:solidFill>
+              </a:rPr>
+              <a:t>heap</a:t>
+            </a:r>
+          </a:p>
+        </p:txBody>
+      </p:sp>
+      <p:sp>
+        <p:nvSpPr>
+          <p:cNvPr id="6" name="Rectangle 5">
+            <a:extLst>
+              <a:ext uri="{FF2B5EF4-FFF2-40B4-BE49-F238E27FC236}">
+                <a16:creationId xmlns:a16="http://schemas.microsoft.com/office/drawing/2014/main" id="{AAC98429-C6B8-BC44-8702-AECA5E3F9DB7}"/>
+              </a:ext>
+            </a:extLst>
+          </p:cNvPr>
+          <p:cNvSpPr/>
+          <p:nvPr/>
+        </p:nvSpPr>
+        <p:spPr>
+          <a:xfrm>
+            <a:off x="1272988" y="546847"/>
+            <a:ext cx="3935506" cy="5208494"/>
+          </a:xfrm>
+          <a:prstGeom prst="rect">
+            <a:avLst/>
+          </a:prstGeom>
+          <a:solidFill>
+            <a:schemeClr val="accent1">
+              <a:lumMod val="20000"/>
+              <a:lumOff val="80000"/>
+            </a:schemeClr>
+          </a:solidFill>
+        </p:spPr>
+        <p:style>
+          <a:lnRef idx="2">
+            <a:schemeClr val="accent1">
+              <a:shade val="50000"/>
+            </a:schemeClr>
+          </a:lnRef>
+          <a:fillRef idx="1">
+            <a:schemeClr val="accent1"/>
+          </a:fillRef>
+          <a:effectRef idx="0">
+            <a:schemeClr val="accent1"/>
+          </a:effectRef>
+          <a:fontRef idx="minor">
+            <a:schemeClr val="lt1"/>
+          </a:fontRef>
+        </p:style>
+        <p:txBody>
+          <a:bodyPr rtlCol="0" anchor="b"/>
+          <a:lstStyle/>
+          <a:p>
+            <a:pPr algn="ctr"/>
+            <a:r>
+              <a:rPr lang="en-GB" sz="3600" dirty="0">
+                <a:solidFill>
+                  <a:schemeClr val="tx1"/>
+                </a:solidFill>
+              </a:rPr>
+              <a:t>stack</a:t>
+            </a:r>
+          </a:p>
+        </p:txBody>
+      </p:sp>
+      <p:sp>
+        <p:nvSpPr>
+          <p:cNvPr id="4" name="Rectangle 3">
+            <a:extLst>
+              <a:ext uri="{FF2B5EF4-FFF2-40B4-BE49-F238E27FC236}">
+                <a16:creationId xmlns:a16="http://schemas.microsoft.com/office/drawing/2014/main" id="{EC27F43E-D801-EE49-A7BB-BB4CC05459C7}"/>
+              </a:ext>
+            </a:extLst>
+          </p:cNvPr>
+          <p:cNvSpPr/>
+          <p:nvPr/>
+        </p:nvSpPr>
+        <p:spPr>
+          <a:xfrm>
+            <a:off x="2514600" y="1591236"/>
+            <a:ext cx="2034988" cy="479611"/>
+          </a:xfrm>
+          <a:prstGeom prst="rect">
+            <a:avLst/>
+          </a:prstGeom>
+          <a:solidFill>
+            <a:schemeClr val="accent2">
+              <a:lumMod val="40000"/>
+              <a:lumOff val="60000"/>
+            </a:schemeClr>
+          </a:solidFill>
+        </p:spPr>
+        <p:style>
+          <a:lnRef idx="2">
+            <a:schemeClr val="accent1">
+              <a:shade val="50000"/>
+            </a:schemeClr>
+          </a:lnRef>
+          <a:fillRef idx="1">
+            <a:schemeClr val="accent1"/>
+          </a:fillRef>
+          <a:effectRef idx="0">
+            <a:schemeClr val="accent1"/>
+          </a:effectRef>
+          <a:fontRef idx="minor">
+            <a:schemeClr val="lt1"/>
+          </a:fontRef>
+        </p:style>
+        <p:txBody>
+          <a:bodyPr rtlCol="0" anchor="ctr"/>
+          <a:lstStyle/>
+          <a:p>
+            <a:pPr algn="ctr"/>
+            <a:r>
               <a:rPr lang="en-GB" b="1" dirty="0">
                 <a:solidFill>
                   <a:srgbClr val="FF0000"/>
@@ -4935,7 +5660,7 @@
 </p:sld>
 </file>
 
-<file path=ppt/slides/slide11.xml><?xml version="1.0" encoding="utf-8"?>
+<file path=ppt/slides/slide12.xml><?xml version="1.0" encoding="utf-8"?>
 <p:sld xmlns:a="http://schemas.openxmlformats.org/drawingml/2006/main" xmlns:r="http://schemas.openxmlformats.org/officeDocument/2006/relationships" xmlns:p="http://schemas.openxmlformats.org/presentationml/2006/main">
   <p:cSld>
     <p:spTree>
@@ -7555,130 +8280,12 @@
           <a:p>
             <a:pPr algn="ctr"/>
             <a:r>
-              <a:rPr lang="en-GB" dirty="0">
+              <a:rPr lang="en-GB" b="1" dirty="0">
                 <a:solidFill>
-                  <a:schemeClr val="tx1"/>
+                  <a:srgbClr val="FF0000"/>
                 </a:solidFill>
               </a:rPr>
-              <a:t>7</a:t>
-            </a:r>
-          </a:p>
-        </p:txBody>
-      </p:sp>
-      <p:sp>
-        <p:nvSpPr>
-          <p:cNvPr id="5" name="Rectangle 4">
-            <a:extLst>
-              <a:ext uri="{FF2B5EF4-FFF2-40B4-BE49-F238E27FC236}">
-                <a16:creationId xmlns:a16="http://schemas.microsoft.com/office/drawing/2014/main" id="{4DA6D25D-3C20-6348-9E83-19C1AFEEA0CE}"/>
-              </a:ext>
-            </a:extLst>
-          </p:cNvPr>
-          <p:cNvSpPr/>
-          <p:nvPr/>
-        </p:nvSpPr>
-        <p:spPr>
-          <a:xfrm>
-            <a:off x="6694392" y="2070847"/>
-            <a:ext cx="2034988" cy="479611"/>
-          </a:xfrm>
-          <a:prstGeom prst="rect">
-            <a:avLst/>
-          </a:prstGeom>
-          <a:solidFill>
-            <a:schemeClr val="accent2">
-              <a:lumMod val="40000"/>
-              <a:lumOff val="60000"/>
-            </a:schemeClr>
-          </a:solidFill>
-        </p:spPr>
-        <p:style>
-          <a:lnRef idx="2">
-            <a:schemeClr val="accent1">
-              <a:shade val="50000"/>
-            </a:schemeClr>
-          </a:lnRef>
-          <a:fillRef idx="1">
-            <a:schemeClr val="accent1"/>
-          </a:fillRef>
-          <a:effectRef idx="0">
-            <a:schemeClr val="accent1"/>
-          </a:effectRef>
-          <a:fontRef idx="minor">
-            <a:schemeClr val="lt1"/>
-          </a:fontRef>
-        </p:style>
-        <p:txBody>
-          <a:bodyPr rtlCol="0" anchor="ctr"/>
-          <a:lstStyle/>
-          <a:p>
-            <a:pPr algn="ctr"/>
-            <a:r>
-              <a:rPr lang="en-GB" dirty="0">
-                <a:solidFill>
-                  <a:schemeClr val="tx1"/>
-                </a:solidFill>
-              </a:rPr>
-              <a:t>"my object type"</a:t>
-            </a:r>
-          </a:p>
-        </p:txBody>
-      </p:sp>
-      <p:sp>
-        <p:nvSpPr>
-          <p:cNvPr id="8" name="Rectangle 7">
-            <a:extLst>
-              <a:ext uri="{FF2B5EF4-FFF2-40B4-BE49-F238E27FC236}">
-                <a16:creationId xmlns:a16="http://schemas.microsoft.com/office/drawing/2014/main" id="{F391BC07-0B6F-B445-98D9-917B754665E1}"/>
-              </a:ext>
-            </a:extLst>
-          </p:cNvPr>
-          <p:cNvSpPr/>
-          <p:nvPr/>
-        </p:nvSpPr>
-        <p:spPr>
-          <a:xfrm>
-            <a:off x="2514600" y="2070847"/>
-            <a:ext cx="2034988" cy="479611"/>
-          </a:xfrm>
-          <a:prstGeom prst="rect">
-            <a:avLst/>
-          </a:prstGeom>
-          <a:solidFill>
-            <a:schemeClr val="accent2">
-              <a:lumMod val="40000"/>
-              <a:lumOff val="60000"/>
-            </a:schemeClr>
-          </a:solidFill>
-        </p:spPr>
-        <p:style>
-          <a:lnRef idx="2">
-            <a:schemeClr val="accent1">
-              <a:shade val="50000"/>
-            </a:schemeClr>
-          </a:lnRef>
-          <a:fillRef idx="1">
-            <a:schemeClr val="accent1"/>
-          </a:fillRef>
-          <a:effectRef idx="0">
-            <a:schemeClr val="accent1"/>
-          </a:effectRef>
-          <a:fontRef idx="minor">
-            <a:schemeClr val="lt1"/>
-          </a:fontRef>
-        </p:style>
-        <p:txBody>
-          <a:bodyPr rtlCol="0" anchor="ctr"/>
-          <a:lstStyle/>
-          <a:p>
-            <a:pPr algn="ctr"/>
-            <a:r>
-              <a:rPr lang="en-GB" dirty="0">
-                <a:solidFill>
-                  <a:schemeClr val="tx1"/>
-                </a:solidFill>
-              </a:rPr>
-              <a:t>xyx</a:t>
+              <a:t>3</a:t>
             </a:r>
           </a:p>
         </p:txBody>
@@ -7739,122 +8346,10 @@
           </a:p>
         </p:txBody>
       </p:sp>
-      <p:sp>
-        <p:nvSpPr>
-          <p:cNvPr id="10" name="Rectangle 9">
-            <a:extLst>
-              <a:ext uri="{FF2B5EF4-FFF2-40B4-BE49-F238E27FC236}">
-                <a16:creationId xmlns:a16="http://schemas.microsoft.com/office/drawing/2014/main" id="{7506D401-93A6-F74B-987E-B7E5E1C27913}"/>
-              </a:ext>
-            </a:extLst>
-          </p:cNvPr>
-          <p:cNvSpPr/>
-          <p:nvPr/>
-        </p:nvSpPr>
-        <p:spPr>
-          <a:xfrm>
-            <a:off x="1848970" y="2070847"/>
-            <a:ext cx="665630" cy="479611"/>
-          </a:xfrm>
-          <a:prstGeom prst="rect">
-            <a:avLst/>
-          </a:prstGeom>
-          <a:noFill/>
-        </p:spPr>
-        <p:style>
-          <a:lnRef idx="2">
-            <a:schemeClr val="accent1">
-              <a:shade val="50000"/>
-            </a:schemeClr>
-          </a:lnRef>
-          <a:fillRef idx="1">
-            <a:schemeClr val="accent1"/>
-          </a:fillRef>
-          <a:effectRef idx="0">
-            <a:schemeClr val="accent1"/>
-          </a:effectRef>
-          <a:fontRef idx="minor">
-            <a:schemeClr val="lt1"/>
-          </a:fontRef>
-        </p:style>
-        <p:txBody>
-          <a:bodyPr rtlCol="0" anchor="ctr"/>
-          <a:lstStyle/>
-          <a:p>
-            <a:pPr algn="ctr"/>
-            <a:r>
-              <a:rPr lang="en-GB" dirty="0">
-                <a:solidFill>
-                  <a:schemeClr val="tx1"/>
-                </a:solidFill>
-                <a:latin typeface="Courier New" panose="02070309020205020404" pitchFamily="49" charset="0"/>
-                <a:cs typeface="Courier New" panose="02070309020205020404" pitchFamily="49" charset="0"/>
-              </a:rPr>
-              <a:t>s</a:t>
-            </a:r>
-          </a:p>
-        </p:txBody>
-      </p:sp>
-      <p:sp>
-        <p:nvSpPr>
-          <p:cNvPr id="11" name="Rectangle 10">
-            <a:extLst>
-              <a:ext uri="{FF2B5EF4-FFF2-40B4-BE49-F238E27FC236}">
-                <a16:creationId xmlns:a16="http://schemas.microsoft.com/office/drawing/2014/main" id="{170561C8-7DAA-3E4D-8A6B-C3ED050A32E2}"/>
-              </a:ext>
-            </a:extLst>
-          </p:cNvPr>
-          <p:cNvSpPr/>
-          <p:nvPr/>
-        </p:nvSpPr>
-        <p:spPr>
-          <a:xfrm>
-            <a:off x="6035486" y="2070847"/>
-            <a:ext cx="665630" cy="479611"/>
-          </a:xfrm>
-          <a:prstGeom prst="rect">
-            <a:avLst/>
-          </a:prstGeom>
-          <a:noFill/>
-        </p:spPr>
-        <p:style>
-          <a:lnRef idx="2">
-            <a:schemeClr val="accent1">
-              <a:shade val="50000"/>
-            </a:schemeClr>
-          </a:lnRef>
-          <a:fillRef idx="1">
-            <a:schemeClr val="accent1"/>
-          </a:fillRef>
-          <a:effectRef idx="0">
-            <a:schemeClr val="accent1"/>
-          </a:effectRef>
-          <a:fontRef idx="minor">
-            <a:schemeClr val="lt1"/>
-          </a:fontRef>
-        </p:style>
-        <p:txBody>
-          <a:bodyPr rtlCol="0" anchor="ctr"/>
-          <a:lstStyle/>
-          <a:p>
-            <a:pPr algn="ctr"/>
-            <a:r>
-              <a:rPr lang="en-GB" dirty="0">
-                <a:solidFill>
-                  <a:schemeClr val="tx1"/>
-                </a:solidFill>
-                <a:latin typeface="Courier New" panose="02070309020205020404" pitchFamily="49" charset="0"/>
-                <a:cs typeface="Courier New" panose="02070309020205020404" pitchFamily="49" charset="0"/>
-              </a:rPr>
-              <a:t>xyz</a:t>
-            </a:r>
-          </a:p>
-        </p:txBody>
-      </p:sp>
     </p:spTree>
     <p:extLst>
       <p:ext uri="{BB962C8B-B14F-4D97-AF65-F5344CB8AC3E}">
-        <p14:creationId xmlns:p14="http://schemas.microsoft.com/office/powerpoint/2010/main" val="1488746756"/>
+        <p14:creationId xmlns:p14="http://schemas.microsoft.com/office/powerpoint/2010/main" val="3543903624"/>
       </p:ext>
     </p:extLst>
   </p:cSld>
@@ -8351,355 +8846,10 @@
           </a:p>
         </p:txBody>
       </p:sp>
-      <p:sp>
-        <p:nvSpPr>
-          <p:cNvPr id="12" name="Rectangle 11">
-            <a:extLst>
-              <a:ext uri="{FF2B5EF4-FFF2-40B4-BE49-F238E27FC236}">
-                <a16:creationId xmlns:a16="http://schemas.microsoft.com/office/drawing/2014/main" id="{1CB59E4A-E18D-E04E-9157-31655B853F03}"/>
-              </a:ext>
-            </a:extLst>
-          </p:cNvPr>
-          <p:cNvSpPr/>
-          <p:nvPr/>
-        </p:nvSpPr>
-        <p:spPr>
-          <a:xfrm>
-            <a:off x="2514600" y="2550458"/>
-            <a:ext cx="2034988" cy="479611"/>
-          </a:xfrm>
-          <a:prstGeom prst="rect">
-            <a:avLst/>
-          </a:prstGeom>
-          <a:solidFill>
-            <a:schemeClr val="accent2">
-              <a:lumMod val="40000"/>
-              <a:lumOff val="60000"/>
-            </a:schemeClr>
-          </a:solidFill>
-        </p:spPr>
-        <p:style>
-          <a:lnRef idx="2">
-            <a:schemeClr val="accent1">
-              <a:shade val="50000"/>
-            </a:schemeClr>
-          </a:lnRef>
-          <a:fillRef idx="1">
-            <a:schemeClr val="accent1"/>
-          </a:fillRef>
-          <a:effectRef idx="0">
-            <a:schemeClr val="accent1"/>
-          </a:effectRef>
-          <a:fontRef idx="minor">
-            <a:schemeClr val="lt1"/>
-          </a:fontRef>
-        </p:style>
-        <p:txBody>
-          <a:bodyPr rtlCol="0" anchor="ctr"/>
-          <a:lstStyle/>
-          <a:p>
-            <a:pPr algn="ctr"/>
-            <a:r>
-              <a:rPr lang="en-GB" dirty="0">
-                <a:solidFill>
-                  <a:schemeClr val="tx1"/>
-                </a:solidFill>
-              </a:rPr>
-              <a:t>xyx</a:t>
-            </a:r>
-          </a:p>
-        </p:txBody>
-      </p:sp>
-      <p:sp>
-        <p:nvSpPr>
-          <p:cNvPr id="13" name="Rectangle 12">
-            <a:extLst>
-              <a:ext uri="{FF2B5EF4-FFF2-40B4-BE49-F238E27FC236}">
-                <a16:creationId xmlns:a16="http://schemas.microsoft.com/office/drawing/2014/main" id="{78385039-EB78-D344-B353-E23461449F72}"/>
-              </a:ext>
-            </a:extLst>
-          </p:cNvPr>
-          <p:cNvSpPr/>
-          <p:nvPr/>
-        </p:nvSpPr>
-        <p:spPr>
-          <a:xfrm>
-            <a:off x="1848970" y="2550458"/>
-            <a:ext cx="665630" cy="479611"/>
-          </a:xfrm>
-          <a:prstGeom prst="rect">
-            <a:avLst/>
-          </a:prstGeom>
-          <a:noFill/>
-        </p:spPr>
-        <p:style>
-          <a:lnRef idx="2">
-            <a:schemeClr val="accent1">
-              <a:shade val="50000"/>
-            </a:schemeClr>
-          </a:lnRef>
-          <a:fillRef idx="1">
-            <a:schemeClr val="accent1"/>
-          </a:fillRef>
-          <a:effectRef idx="0">
-            <a:schemeClr val="accent1"/>
-          </a:effectRef>
-          <a:fontRef idx="minor">
-            <a:schemeClr val="lt1"/>
-          </a:fontRef>
-        </p:style>
-        <p:txBody>
-          <a:bodyPr rtlCol="0" anchor="ctr"/>
-          <a:lstStyle/>
-          <a:p>
-            <a:pPr algn="ctr"/>
-            <a:r>
-              <a:rPr lang="en-GB" dirty="0">
-                <a:solidFill>
-                  <a:schemeClr val="tx1"/>
-                </a:solidFill>
-                <a:latin typeface="Courier New" panose="02070309020205020404" pitchFamily="49" charset="0"/>
-                <a:cs typeface="Courier New" panose="02070309020205020404" pitchFamily="49" charset="0"/>
-              </a:rPr>
-              <a:t>s1</a:t>
-            </a:r>
-          </a:p>
-        </p:txBody>
-      </p:sp>
-      <p:sp>
-        <p:nvSpPr>
-          <p:cNvPr id="14" name="Rectangle 13">
-            <a:extLst>
-              <a:ext uri="{FF2B5EF4-FFF2-40B4-BE49-F238E27FC236}">
-                <a16:creationId xmlns:a16="http://schemas.microsoft.com/office/drawing/2014/main" id="{070E65BD-03E3-4F44-8D99-63E3F704B91C}"/>
-              </a:ext>
-            </a:extLst>
-          </p:cNvPr>
-          <p:cNvSpPr/>
-          <p:nvPr/>
-        </p:nvSpPr>
-        <p:spPr>
-          <a:xfrm>
-            <a:off x="2514600" y="3030069"/>
-            <a:ext cx="2034988" cy="479611"/>
-          </a:xfrm>
-          <a:prstGeom prst="rect">
-            <a:avLst/>
-          </a:prstGeom>
-          <a:solidFill>
-            <a:schemeClr val="accent2">
-              <a:lumMod val="40000"/>
-              <a:lumOff val="60000"/>
-            </a:schemeClr>
-          </a:solidFill>
-        </p:spPr>
-        <p:style>
-          <a:lnRef idx="2">
-            <a:schemeClr val="accent1">
-              <a:shade val="50000"/>
-            </a:schemeClr>
-          </a:lnRef>
-          <a:fillRef idx="1">
-            <a:schemeClr val="accent1"/>
-          </a:fillRef>
-          <a:effectRef idx="0">
-            <a:schemeClr val="accent1"/>
-          </a:effectRef>
-          <a:fontRef idx="minor">
-            <a:schemeClr val="lt1"/>
-          </a:fontRef>
-        </p:style>
-        <p:txBody>
-          <a:bodyPr rtlCol="0" anchor="ctr"/>
-          <a:lstStyle/>
-          <a:p>
-            <a:pPr algn="ctr"/>
-            <a:r>
-              <a:rPr lang="en-GB" dirty="0">
-                <a:solidFill>
-                  <a:schemeClr val="tx1"/>
-                </a:solidFill>
-              </a:rPr>
-              <a:t>xyx</a:t>
-            </a:r>
-          </a:p>
-        </p:txBody>
-      </p:sp>
-      <p:sp>
-        <p:nvSpPr>
-          <p:cNvPr id="15" name="Rectangle 14">
-            <a:extLst>
-              <a:ext uri="{FF2B5EF4-FFF2-40B4-BE49-F238E27FC236}">
-                <a16:creationId xmlns:a16="http://schemas.microsoft.com/office/drawing/2014/main" id="{DCDB36E5-0B9E-E14A-9FE8-5229237AFD2D}"/>
-              </a:ext>
-            </a:extLst>
-          </p:cNvPr>
-          <p:cNvSpPr/>
-          <p:nvPr/>
-        </p:nvSpPr>
-        <p:spPr>
-          <a:xfrm>
-            <a:off x="1848970" y="3030069"/>
-            <a:ext cx="665630" cy="479611"/>
-          </a:xfrm>
-          <a:prstGeom prst="rect">
-            <a:avLst/>
-          </a:prstGeom>
-          <a:noFill/>
-        </p:spPr>
-        <p:style>
-          <a:lnRef idx="2">
-            <a:schemeClr val="accent1">
-              <a:shade val="50000"/>
-            </a:schemeClr>
-          </a:lnRef>
-          <a:fillRef idx="1">
-            <a:schemeClr val="accent1"/>
-          </a:fillRef>
-          <a:effectRef idx="0">
-            <a:schemeClr val="accent1"/>
-          </a:effectRef>
-          <a:fontRef idx="minor">
-            <a:schemeClr val="lt1"/>
-          </a:fontRef>
-        </p:style>
-        <p:txBody>
-          <a:bodyPr rtlCol="0" anchor="ctr"/>
-          <a:lstStyle/>
-          <a:p>
-            <a:pPr algn="ctr"/>
-            <a:r>
-              <a:rPr lang="en-GB" dirty="0">
-                <a:solidFill>
-                  <a:schemeClr val="tx1"/>
-                </a:solidFill>
-                <a:latin typeface="Courier New" panose="02070309020205020404" pitchFamily="49" charset="0"/>
-                <a:cs typeface="Courier New" panose="02070309020205020404" pitchFamily="49" charset="0"/>
-              </a:rPr>
-              <a:t>s2</a:t>
-            </a:r>
-          </a:p>
-        </p:txBody>
-      </p:sp>
-      <p:sp>
-        <p:nvSpPr>
-          <p:cNvPr id="16" name="Rectangle 15">
-            <a:extLst>
-              <a:ext uri="{FF2B5EF4-FFF2-40B4-BE49-F238E27FC236}">
-                <a16:creationId xmlns:a16="http://schemas.microsoft.com/office/drawing/2014/main" id="{6CCB94E6-72A4-2048-AF6D-F6F48E8D1E98}"/>
-              </a:ext>
-            </a:extLst>
-          </p:cNvPr>
-          <p:cNvSpPr/>
-          <p:nvPr/>
-        </p:nvSpPr>
-        <p:spPr>
-          <a:xfrm>
-            <a:off x="2514600" y="3509680"/>
-            <a:ext cx="2034988" cy="479611"/>
-          </a:xfrm>
-          <a:prstGeom prst="rect">
-            <a:avLst/>
-          </a:prstGeom>
-          <a:solidFill>
-            <a:schemeClr val="accent2">
-              <a:lumMod val="40000"/>
-              <a:lumOff val="60000"/>
-            </a:schemeClr>
-          </a:solidFill>
-        </p:spPr>
-        <p:style>
-          <a:lnRef idx="2">
-            <a:schemeClr val="accent1">
-              <a:shade val="50000"/>
-            </a:schemeClr>
-          </a:lnRef>
-          <a:fillRef idx="1">
-            <a:schemeClr val="accent1"/>
-          </a:fillRef>
-          <a:effectRef idx="0">
-            <a:schemeClr val="accent1"/>
-          </a:effectRef>
-          <a:fontRef idx="minor">
-            <a:schemeClr val="lt1"/>
-          </a:fontRef>
-        </p:style>
-        <p:txBody>
-          <a:bodyPr rtlCol="0" anchor="ctr"/>
-          <a:lstStyle/>
-          <a:p>
-            <a:pPr algn="ctr"/>
-            <a:r>
-              <a:rPr lang="en-GB" dirty="0">
-                <a:solidFill>
-                  <a:schemeClr val="tx1"/>
-                </a:solidFill>
-              </a:rPr>
-              <a:t>xyx</a:t>
-            </a:r>
-          </a:p>
-        </p:txBody>
-      </p:sp>
-      <p:sp>
-        <p:nvSpPr>
-          <p:cNvPr id="17" name="Rectangle 16">
-            <a:extLst>
-              <a:ext uri="{FF2B5EF4-FFF2-40B4-BE49-F238E27FC236}">
-                <a16:creationId xmlns:a16="http://schemas.microsoft.com/office/drawing/2014/main" id="{CFFFB492-4C6A-7942-98E1-FF83AFDD6821}"/>
-              </a:ext>
-            </a:extLst>
-          </p:cNvPr>
-          <p:cNvSpPr/>
-          <p:nvPr/>
-        </p:nvSpPr>
-        <p:spPr>
-          <a:xfrm>
-            <a:off x="1848970" y="3509680"/>
-            <a:ext cx="665630" cy="479611"/>
-          </a:xfrm>
-          <a:prstGeom prst="rect">
-            <a:avLst/>
-          </a:prstGeom>
-          <a:noFill/>
-        </p:spPr>
-        <p:style>
-          <a:lnRef idx="2">
-            <a:schemeClr val="accent1">
-              <a:shade val="50000"/>
-            </a:schemeClr>
-          </a:lnRef>
-          <a:fillRef idx="1">
-            <a:schemeClr val="accent1"/>
-          </a:fillRef>
-          <a:effectRef idx="0">
-            <a:schemeClr val="accent1"/>
-          </a:effectRef>
-          <a:fontRef idx="minor">
-            <a:schemeClr val="lt1"/>
-          </a:fontRef>
-        </p:style>
-        <p:txBody>
-          <a:bodyPr rtlCol="0" anchor="ctr"/>
-          <a:lstStyle/>
-          <a:p>
-            <a:pPr algn="ctr"/>
-            <a:r>
-              <a:rPr lang="en-GB" dirty="0">
-                <a:solidFill>
-                  <a:schemeClr val="tx1"/>
-                </a:solidFill>
-                <a:latin typeface="Courier New" panose="02070309020205020404" pitchFamily="49" charset="0"/>
-                <a:cs typeface="Courier New" panose="02070309020205020404" pitchFamily="49" charset="0"/>
-              </a:rPr>
-              <a:t>s3</a:t>
-            </a:r>
-          </a:p>
-        </p:txBody>
-      </p:sp>
     </p:spTree>
     <p:extLst>
       <p:ext uri="{BB962C8B-B14F-4D97-AF65-F5344CB8AC3E}">
-        <p14:creationId xmlns:p14="http://schemas.microsoft.com/office/powerpoint/2010/main" val="701411516"/>
+        <p14:creationId xmlns:p14="http://schemas.microsoft.com/office/powerpoint/2010/main" val="1488746756"/>
       </p:ext>
     </p:extLst>
   </p:cSld>
@@ -8905,7 +9055,7 @@
                   <a:schemeClr val="tx1"/>
                 </a:solidFill>
               </a:rPr>
-              <a:t>xyz</a:t>
+              <a:t>7</a:t>
             </a:r>
           </a:p>
         </p:txBody>
@@ -8964,29 +9114,8 @@
                   <a:schemeClr val="tx1"/>
                 </a:solidFill>
               </a:rPr>
-              <a:t>Point[x=7,</a:t>
-            </a:r>
-            <a:r>
-              <a:rPr lang="en-GB" b="1" dirty="0">
-                <a:solidFill>
-                  <a:srgbClr val="FF0000"/>
-                </a:solidFill>
-              </a:rPr>
-              <a:t>y=3</a:t>
-            </a:r>
-            <a:r>
-              <a:rPr lang="en-GB" dirty="0">
-                <a:solidFill>
-                  <a:schemeClr val="tx1"/>
-                </a:solidFill>
-              </a:rPr>
-              <a:t>]</a:t>
-            </a:r>
-            <a:endParaRPr lang="en-GB" i="1" dirty="0">
-              <a:solidFill>
-                <a:schemeClr val="tx1"/>
-              </a:solidFill>
-            </a:endParaRPr>
+              <a:t>"my object type"</a:t>
+            </a:r>
           </a:p>
         </p:txBody>
       </p:sp>
@@ -9156,7 +9285,7 @@
                 <a:latin typeface="Courier New" panose="02070309020205020404" pitchFamily="49" charset="0"/>
                 <a:cs typeface="Courier New" panose="02070309020205020404" pitchFamily="49" charset="0"/>
               </a:rPr>
-              <a:t>b</a:t>
+              <a:t>s</a:t>
             </a:r>
           </a:p>
         </p:txBody>
@@ -9327,7 +9456,237 @@
                 <a:latin typeface="Courier New" panose="02070309020205020404" pitchFamily="49" charset="0"/>
                 <a:cs typeface="Courier New" panose="02070309020205020404" pitchFamily="49" charset="0"/>
               </a:rPr>
-              <a:t>c</a:t>
+              <a:t>s1</a:t>
+            </a:r>
+          </a:p>
+        </p:txBody>
+      </p:sp>
+      <p:sp>
+        <p:nvSpPr>
+          <p:cNvPr id="14" name="Rectangle 13">
+            <a:extLst>
+              <a:ext uri="{FF2B5EF4-FFF2-40B4-BE49-F238E27FC236}">
+                <a16:creationId xmlns:a16="http://schemas.microsoft.com/office/drawing/2014/main" id="{070E65BD-03E3-4F44-8D99-63E3F704B91C}"/>
+              </a:ext>
+            </a:extLst>
+          </p:cNvPr>
+          <p:cNvSpPr/>
+          <p:nvPr/>
+        </p:nvSpPr>
+        <p:spPr>
+          <a:xfrm>
+            <a:off x="2514600" y="3030069"/>
+            <a:ext cx="2034988" cy="479611"/>
+          </a:xfrm>
+          <a:prstGeom prst="rect">
+            <a:avLst/>
+          </a:prstGeom>
+          <a:solidFill>
+            <a:schemeClr val="accent2">
+              <a:lumMod val="40000"/>
+              <a:lumOff val="60000"/>
+            </a:schemeClr>
+          </a:solidFill>
+        </p:spPr>
+        <p:style>
+          <a:lnRef idx="2">
+            <a:schemeClr val="accent1">
+              <a:shade val="50000"/>
+            </a:schemeClr>
+          </a:lnRef>
+          <a:fillRef idx="1">
+            <a:schemeClr val="accent1"/>
+          </a:fillRef>
+          <a:effectRef idx="0">
+            <a:schemeClr val="accent1"/>
+          </a:effectRef>
+          <a:fontRef idx="minor">
+            <a:schemeClr val="lt1"/>
+          </a:fontRef>
+        </p:style>
+        <p:txBody>
+          <a:bodyPr rtlCol="0" anchor="ctr"/>
+          <a:lstStyle/>
+          <a:p>
+            <a:pPr algn="ctr"/>
+            <a:r>
+              <a:rPr lang="en-GB" dirty="0">
+                <a:solidFill>
+                  <a:schemeClr val="tx1"/>
+                </a:solidFill>
+              </a:rPr>
+              <a:t>xyx</a:t>
+            </a:r>
+          </a:p>
+        </p:txBody>
+      </p:sp>
+      <p:sp>
+        <p:nvSpPr>
+          <p:cNvPr id="15" name="Rectangle 14">
+            <a:extLst>
+              <a:ext uri="{FF2B5EF4-FFF2-40B4-BE49-F238E27FC236}">
+                <a16:creationId xmlns:a16="http://schemas.microsoft.com/office/drawing/2014/main" id="{DCDB36E5-0B9E-E14A-9FE8-5229237AFD2D}"/>
+              </a:ext>
+            </a:extLst>
+          </p:cNvPr>
+          <p:cNvSpPr/>
+          <p:nvPr/>
+        </p:nvSpPr>
+        <p:spPr>
+          <a:xfrm>
+            <a:off x="1848970" y="3030069"/>
+            <a:ext cx="665630" cy="479611"/>
+          </a:xfrm>
+          <a:prstGeom prst="rect">
+            <a:avLst/>
+          </a:prstGeom>
+          <a:noFill/>
+        </p:spPr>
+        <p:style>
+          <a:lnRef idx="2">
+            <a:schemeClr val="accent1">
+              <a:shade val="50000"/>
+            </a:schemeClr>
+          </a:lnRef>
+          <a:fillRef idx="1">
+            <a:schemeClr val="accent1"/>
+          </a:fillRef>
+          <a:effectRef idx="0">
+            <a:schemeClr val="accent1"/>
+          </a:effectRef>
+          <a:fontRef idx="minor">
+            <a:schemeClr val="lt1"/>
+          </a:fontRef>
+        </p:style>
+        <p:txBody>
+          <a:bodyPr rtlCol="0" anchor="ctr"/>
+          <a:lstStyle/>
+          <a:p>
+            <a:pPr algn="ctr"/>
+            <a:r>
+              <a:rPr lang="en-GB" dirty="0">
+                <a:solidFill>
+                  <a:schemeClr val="tx1"/>
+                </a:solidFill>
+                <a:latin typeface="Courier New" panose="02070309020205020404" pitchFamily="49" charset="0"/>
+                <a:cs typeface="Courier New" panose="02070309020205020404" pitchFamily="49" charset="0"/>
+              </a:rPr>
+              <a:t>s2</a:t>
+            </a:r>
+          </a:p>
+        </p:txBody>
+      </p:sp>
+      <p:sp>
+        <p:nvSpPr>
+          <p:cNvPr id="16" name="Rectangle 15">
+            <a:extLst>
+              <a:ext uri="{FF2B5EF4-FFF2-40B4-BE49-F238E27FC236}">
+                <a16:creationId xmlns:a16="http://schemas.microsoft.com/office/drawing/2014/main" id="{6CCB94E6-72A4-2048-AF6D-F6F48E8D1E98}"/>
+              </a:ext>
+            </a:extLst>
+          </p:cNvPr>
+          <p:cNvSpPr/>
+          <p:nvPr/>
+        </p:nvSpPr>
+        <p:spPr>
+          <a:xfrm>
+            <a:off x="2514600" y="3509680"/>
+            <a:ext cx="2034988" cy="479611"/>
+          </a:xfrm>
+          <a:prstGeom prst="rect">
+            <a:avLst/>
+          </a:prstGeom>
+          <a:solidFill>
+            <a:schemeClr val="accent2">
+              <a:lumMod val="40000"/>
+              <a:lumOff val="60000"/>
+            </a:schemeClr>
+          </a:solidFill>
+        </p:spPr>
+        <p:style>
+          <a:lnRef idx="2">
+            <a:schemeClr val="accent1">
+              <a:shade val="50000"/>
+            </a:schemeClr>
+          </a:lnRef>
+          <a:fillRef idx="1">
+            <a:schemeClr val="accent1"/>
+          </a:fillRef>
+          <a:effectRef idx="0">
+            <a:schemeClr val="accent1"/>
+          </a:effectRef>
+          <a:fontRef idx="minor">
+            <a:schemeClr val="lt1"/>
+          </a:fontRef>
+        </p:style>
+        <p:txBody>
+          <a:bodyPr rtlCol="0" anchor="ctr"/>
+          <a:lstStyle/>
+          <a:p>
+            <a:pPr algn="ctr"/>
+            <a:r>
+              <a:rPr lang="en-GB" dirty="0">
+                <a:solidFill>
+                  <a:schemeClr val="tx1"/>
+                </a:solidFill>
+              </a:rPr>
+              <a:t>xyx</a:t>
+            </a:r>
+          </a:p>
+        </p:txBody>
+      </p:sp>
+      <p:sp>
+        <p:nvSpPr>
+          <p:cNvPr id="17" name="Rectangle 16">
+            <a:extLst>
+              <a:ext uri="{FF2B5EF4-FFF2-40B4-BE49-F238E27FC236}">
+                <a16:creationId xmlns:a16="http://schemas.microsoft.com/office/drawing/2014/main" id="{CFFFB492-4C6A-7942-98E1-FF83AFDD6821}"/>
+              </a:ext>
+            </a:extLst>
+          </p:cNvPr>
+          <p:cNvSpPr/>
+          <p:nvPr/>
+        </p:nvSpPr>
+        <p:spPr>
+          <a:xfrm>
+            <a:off x="1848970" y="3509680"/>
+            <a:ext cx="665630" cy="479611"/>
+          </a:xfrm>
+          <a:prstGeom prst="rect">
+            <a:avLst/>
+          </a:prstGeom>
+          <a:noFill/>
+        </p:spPr>
+        <p:style>
+          <a:lnRef idx="2">
+            <a:schemeClr val="accent1">
+              <a:shade val="50000"/>
+            </a:schemeClr>
+          </a:lnRef>
+          <a:fillRef idx="1">
+            <a:schemeClr val="accent1"/>
+          </a:fillRef>
+          <a:effectRef idx="0">
+            <a:schemeClr val="accent1"/>
+          </a:effectRef>
+          <a:fontRef idx="minor">
+            <a:schemeClr val="lt1"/>
+          </a:fontRef>
+        </p:style>
+        <p:txBody>
+          <a:bodyPr rtlCol="0" anchor="ctr"/>
+          <a:lstStyle/>
+          <a:p>
+            <a:pPr algn="ctr"/>
+            <a:r>
+              <a:rPr lang="en-GB" dirty="0">
+                <a:solidFill>
+                  <a:schemeClr val="tx1"/>
+                </a:solidFill>
+                <a:latin typeface="Courier New" panose="02070309020205020404" pitchFamily="49" charset="0"/>
+                <a:cs typeface="Courier New" panose="02070309020205020404" pitchFamily="49" charset="0"/>
+              </a:rPr>
+              <a:t>s3</a:t>
             </a:r>
           </a:p>
         </p:txBody>
@@ -9335,7 +9694,7 @@
     </p:spTree>
     <p:extLst>
       <p:ext uri="{BB962C8B-B14F-4D97-AF65-F5344CB8AC3E}">
-        <p14:creationId xmlns:p14="http://schemas.microsoft.com/office/powerpoint/2010/main" val="2804911304"/>
+        <p14:creationId xmlns:p14="http://schemas.microsoft.com/office/powerpoint/2010/main" val="701411516"/>
       </p:ext>
     </p:extLst>
   </p:cSld>

--- a/assets/images/Images.pptx
+++ b/assets/images/Images.pptx
@@ -5,7 +5,7 @@
     <p:sldMasterId id="2147483648" r:id="rId1"/>
   </p:sldMasterIdLst>
   <p:notesMasterIdLst>
-    <p:notesMasterId r:id="rId14"/>
+    <p:notesMasterId r:id="rId15"/>
   </p:notesMasterIdLst>
   <p:sldIdLst>
     <p:sldId id="257" r:id="rId2"/>
@@ -14,12 +14,13 @@
     <p:sldId id="260" r:id="rId5"/>
     <p:sldId id="261" r:id="rId6"/>
     <p:sldId id="262" r:id="rId7"/>
-    <p:sldId id="267" r:id="rId8"/>
-    <p:sldId id="266" r:id="rId9"/>
-    <p:sldId id="263" r:id="rId10"/>
-    <p:sldId id="264" r:id="rId11"/>
-    <p:sldId id="265" r:id="rId12"/>
-    <p:sldId id="256" r:id="rId13"/>
+    <p:sldId id="268" r:id="rId8"/>
+    <p:sldId id="267" r:id="rId9"/>
+    <p:sldId id="266" r:id="rId10"/>
+    <p:sldId id="263" r:id="rId11"/>
+    <p:sldId id="264" r:id="rId12"/>
+    <p:sldId id="265" r:id="rId13"/>
+    <p:sldId id="256" r:id="rId14"/>
   </p:sldIdLst>
   <p:sldSz cx="12192000" cy="6858000"/>
   <p:notesSz cx="6858000" cy="9144000"/>
@@ -133,6 +134,7 @@
             <p14:sldId id="260"/>
             <p14:sldId id="261"/>
             <p14:sldId id="262"/>
+            <p14:sldId id="268"/>
             <p14:sldId id="267"/>
             <p14:sldId id="266"/>
             <p14:sldId id="263"/>
@@ -748,7 +750,7 @@
     </p:spTree>
     <p:extLst>
       <p:ext uri="{BB962C8B-B14F-4D97-AF65-F5344CB8AC3E}">
-        <p14:creationId xmlns:p14="http://schemas.microsoft.com/office/powerpoint/2010/main" val="3461584964"/>
+        <p14:creationId xmlns:p14="http://schemas.microsoft.com/office/powerpoint/2010/main" val="4014151850"/>
       </p:ext>
     </p:extLst>
   </p:cSld>
@@ -823,7 +825,91 @@
           <a:p>
             <a:fld id="{11A96E62-EC5F-C045-9FEB-EDD3A98888BE}" type="slidenum">
               <a:rPr lang="en-GB" smtClean="0"/>
-              <a:t>12</a:t>
+              <a:t>8</a:t>
+            </a:fld>
+            <a:endParaRPr lang="en-GB"/>
+          </a:p>
+        </p:txBody>
+      </p:sp>
+    </p:spTree>
+    <p:extLst>
+      <p:ext uri="{BB962C8B-B14F-4D97-AF65-F5344CB8AC3E}">
+        <p14:creationId xmlns:p14="http://schemas.microsoft.com/office/powerpoint/2010/main" val="3461584964"/>
+      </p:ext>
+    </p:extLst>
+  </p:cSld>
+  <p:clrMapOvr>
+    <a:masterClrMapping/>
+  </p:clrMapOvr>
+</p:notes>
+</file>
+
+<file path=ppt/notesSlides/notesSlide5.xml><?xml version="1.0" encoding="utf-8"?>
+<p:notes xmlns:a="http://schemas.openxmlformats.org/drawingml/2006/main" xmlns:r="http://schemas.openxmlformats.org/officeDocument/2006/relationships" xmlns:p="http://schemas.openxmlformats.org/presentationml/2006/main">
+  <p:cSld>
+    <p:spTree>
+      <p:nvGrpSpPr>
+        <p:cNvPr id="1" name=""/>
+        <p:cNvGrpSpPr/>
+        <p:nvPr/>
+      </p:nvGrpSpPr>
+      <p:grpSpPr>
+        <a:xfrm>
+          <a:off x="0" y="0"/>
+          <a:ext cx="0" cy="0"/>
+          <a:chOff x="0" y="0"/>
+          <a:chExt cx="0" cy="0"/>
+        </a:xfrm>
+      </p:grpSpPr>
+      <p:sp>
+        <p:nvSpPr>
+          <p:cNvPr id="2" name="Slide Image Placeholder 1"/>
+          <p:cNvSpPr>
+            <a:spLocks noGrp="1" noRot="1" noChangeAspect="1"/>
+          </p:cNvSpPr>
+          <p:nvPr>
+            <p:ph type="sldImg"/>
+          </p:nvPr>
+        </p:nvSpPr>
+        <p:spPr/>
+      </p:sp>
+      <p:sp>
+        <p:nvSpPr>
+          <p:cNvPr id="3" name="Notes Placeholder 2"/>
+          <p:cNvSpPr>
+            <a:spLocks noGrp="1"/>
+          </p:cNvSpPr>
+          <p:nvPr>
+            <p:ph type="body" idx="1"/>
+          </p:nvPr>
+        </p:nvSpPr>
+        <p:spPr/>
+        <p:txBody>
+          <a:bodyPr/>
+          <a:lstStyle/>
+          <a:p>
+            <a:endParaRPr lang="en-GB"/>
+          </a:p>
+        </p:txBody>
+      </p:sp>
+      <p:sp>
+        <p:nvSpPr>
+          <p:cNvPr id="4" name="Slide Number Placeholder 3"/>
+          <p:cNvSpPr>
+            <a:spLocks noGrp="1"/>
+          </p:cNvSpPr>
+          <p:nvPr>
+            <p:ph type="sldNum" sz="quarter" idx="5"/>
+          </p:nvPr>
+        </p:nvSpPr>
+        <p:spPr/>
+        <p:txBody>
+          <a:bodyPr/>
+          <a:lstStyle/>
+          <a:p>
+            <a:fld id="{11A96E62-EC5F-C045-9FEB-EDD3A98888BE}" type="slidenum">
+              <a:rPr lang="en-GB" smtClean="0"/>
+              <a:t>13</a:t>
             </a:fld>
             <a:endParaRPr lang="en-GB"/>
           </a:p>
@@ -4950,7 +5036,7 @@
                   <a:schemeClr val="tx1"/>
                 </a:solidFill>
               </a:rPr>
-              <a:t>xyz</a:t>
+              <a:t>7</a:t>
             </a:r>
           </a:p>
         </p:txBody>
@@ -5009,29 +5095,8 @@
                   <a:schemeClr val="tx1"/>
                 </a:solidFill>
               </a:rPr>
-              <a:t>Point[x=7,</a:t>
-            </a:r>
-            <a:r>
-              <a:rPr lang="en-GB" b="1" dirty="0">
-                <a:solidFill>
-                  <a:srgbClr val="FF0000"/>
-                </a:solidFill>
-              </a:rPr>
-              <a:t>y=3</a:t>
-            </a:r>
-            <a:r>
-              <a:rPr lang="en-GB" dirty="0">
-                <a:solidFill>
-                  <a:schemeClr val="tx1"/>
-                </a:solidFill>
-              </a:rPr>
-              <a:t>]</a:t>
-            </a:r>
-            <a:endParaRPr lang="en-GB" i="1" dirty="0">
-              <a:solidFill>
-                <a:schemeClr val="tx1"/>
-              </a:solidFill>
-            </a:endParaRPr>
+              <a:t>"my object type"</a:t>
+            </a:r>
           </a:p>
         </p:txBody>
       </p:sp>
@@ -5201,7 +5266,7 @@
                 <a:latin typeface="Courier New" panose="02070309020205020404" pitchFamily="49" charset="0"/>
                 <a:cs typeface="Courier New" panose="02070309020205020404" pitchFamily="49" charset="0"/>
               </a:rPr>
-              <a:t>b</a:t>
+              <a:t>s</a:t>
             </a:r>
           </a:p>
         </p:txBody>
@@ -5372,7 +5437,237 @@
                 <a:latin typeface="Courier New" panose="02070309020205020404" pitchFamily="49" charset="0"/>
                 <a:cs typeface="Courier New" panose="02070309020205020404" pitchFamily="49" charset="0"/>
               </a:rPr>
-              <a:t>c</a:t>
+              <a:t>s1</a:t>
+            </a:r>
+          </a:p>
+        </p:txBody>
+      </p:sp>
+      <p:sp>
+        <p:nvSpPr>
+          <p:cNvPr id="14" name="Rectangle 13">
+            <a:extLst>
+              <a:ext uri="{FF2B5EF4-FFF2-40B4-BE49-F238E27FC236}">
+                <a16:creationId xmlns:a16="http://schemas.microsoft.com/office/drawing/2014/main" id="{070E65BD-03E3-4F44-8D99-63E3F704B91C}"/>
+              </a:ext>
+            </a:extLst>
+          </p:cNvPr>
+          <p:cNvSpPr/>
+          <p:nvPr/>
+        </p:nvSpPr>
+        <p:spPr>
+          <a:xfrm>
+            <a:off x="2514600" y="3030069"/>
+            <a:ext cx="2034988" cy="479611"/>
+          </a:xfrm>
+          <a:prstGeom prst="rect">
+            <a:avLst/>
+          </a:prstGeom>
+          <a:solidFill>
+            <a:schemeClr val="accent2">
+              <a:lumMod val="40000"/>
+              <a:lumOff val="60000"/>
+            </a:schemeClr>
+          </a:solidFill>
+        </p:spPr>
+        <p:style>
+          <a:lnRef idx="2">
+            <a:schemeClr val="accent1">
+              <a:shade val="50000"/>
+            </a:schemeClr>
+          </a:lnRef>
+          <a:fillRef idx="1">
+            <a:schemeClr val="accent1"/>
+          </a:fillRef>
+          <a:effectRef idx="0">
+            <a:schemeClr val="accent1"/>
+          </a:effectRef>
+          <a:fontRef idx="minor">
+            <a:schemeClr val="lt1"/>
+          </a:fontRef>
+        </p:style>
+        <p:txBody>
+          <a:bodyPr rtlCol="0" anchor="ctr"/>
+          <a:lstStyle/>
+          <a:p>
+            <a:pPr algn="ctr"/>
+            <a:r>
+              <a:rPr lang="en-GB" dirty="0">
+                <a:solidFill>
+                  <a:schemeClr val="tx1"/>
+                </a:solidFill>
+              </a:rPr>
+              <a:t>xyx</a:t>
+            </a:r>
+          </a:p>
+        </p:txBody>
+      </p:sp>
+      <p:sp>
+        <p:nvSpPr>
+          <p:cNvPr id="15" name="Rectangle 14">
+            <a:extLst>
+              <a:ext uri="{FF2B5EF4-FFF2-40B4-BE49-F238E27FC236}">
+                <a16:creationId xmlns:a16="http://schemas.microsoft.com/office/drawing/2014/main" id="{DCDB36E5-0B9E-E14A-9FE8-5229237AFD2D}"/>
+              </a:ext>
+            </a:extLst>
+          </p:cNvPr>
+          <p:cNvSpPr/>
+          <p:nvPr/>
+        </p:nvSpPr>
+        <p:spPr>
+          <a:xfrm>
+            <a:off x="1848970" y="3030069"/>
+            <a:ext cx="665630" cy="479611"/>
+          </a:xfrm>
+          <a:prstGeom prst="rect">
+            <a:avLst/>
+          </a:prstGeom>
+          <a:noFill/>
+        </p:spPr>
+        <p:style>
+          <a:lnRef idx="2">
+            <a:schemeClr val="accent1">
+              <a:shade val="50000"/>
+            </a:schemeClr>
+          </a:lnRef>
+          <a:fillRef idx="1">
+            <a:schemeClr val="accent1"/>
+          </a:fillRef>
+          <a:effectRef idx="0">
+            <a:schemeClr val="accent1"/>
+          </a:effectRef>
+          <a:fontRef idx="minor">
+            <a:schemeClr val="lt1"/>
+          </a:fontRef>
+        </p:style>
+        <p:txBody>
+          <a:bodyPr rtlCol="0" anchor="ctr"/>
+          <a:lstStyle/>
+          <a:p>
+            <a:pPr algn="ctr"/>
+            <a:r>
+              <a:rPr lang="en-GB" dirty="0">
+                <a:solidFill>
+                  <a:schemeClr val="tx1"/>
+                </a:solidFill>
+                <a:latin typeface="Courier New" panose="02070309020205020404" pitchFamily="49" charset="0"/>
+                <a:cs typeface="Courier New" panose="02070309020205020404" pitchFamily="49" charset="0"/>
+              </a:rPr>
+              <a:t>s2</a:t>
+            </a:r>
+          </a:p>
+        </p:txBody>
+      </p:sp>
+      <p:sp>
+        <p:nvSpPr>
+          <p:cNvPr id="16" name="Rectangle 15">
+            <a:extLst>
+              <a:ext uri="{FF2B5EF4-FFF2-40B4-BE49-F238E27FC236}">
+                <a16:creationId xmlns:a16="http://schemas.microsoft.com/office/drawing/2014/main" id="{6CCB94E6-72A4-2048-AF6D-F6F48E8D1E98}"/>
+              </a:ext>
+            </a:extLst>
+          </p:cNvPr>
+          <p:cNvSpPr/>
+          <p:nvPr/>
+        </p:nvSpPr>
+        <p:spPr>
+          <a:xfrm>
+            <a:off x="2514600" y="3509680"/>
+            <a:ext cx="2034988" cy="479611"/>
+          </a:xfrm>
+          <a:prstGeom prst="rect">
+            <a:avLst/>
+          </a:prstGeom>
+          <a:solidFill>
+            <a:schemeClr val="accent2">
+              <a:lumMod val="40000"/>
+              <a:lumOff val="60000"/>
+            </a:schemeClr>
+          </a:solidFill>
+        </p:spPr>
+        <p:style>
+          <a:lnRef idx="2">
+            <a:schemeClr val="accent1">
+              <a:shade val="50000"/>
+            </a:schemeClr>
+          </a:lnRef>
+          <a:fillRef idx="1">
+            <a:schemeClr val="accent1"/>
+          </a:fillRef>
+          <a:effectRef idx="0">
+            <a:schemeClr val="accent1"/>
+          </a:effectRef>
+          <a:fontRef idx="minor">
+            <a:schemeClr val="lt1"/>
+          </a:fontRef>
+        </p:style>
+        <p:txBody>
+          <a:bodyPr rtlCol="0" anchor="ctr"/>
+          <a:lstStyle/>
+          <a:p>
+            <a:pPr algn="ctr"/>
+            <a:r>
+              <a:rPr lang="en-GB" dirty="0">
+                <a:solidFill>
+                  <a:schemeClr val="tx1"/>
+                </a:solidFill>
+              </a:rPr>
+              <a:t>xyx</a:t>
+            </a:r>
+          </a:p>
+        </p:txBody>
+      </p:sp>
+      <p:sp>
+        <p:nvSpPr>
+          <p:cNvPr id="17" name="Rectangle 16">
+            <a:extLst>
+              <a:ext uri="{FF2B5EF4-FFF2-40B4-BE49-F238E27FC236}">
+                <a16:creationId xmlns:a16="http://schemas.microsoft.com/office/drawing/2014/main" id="{CFFFB492-4C6A-7942-98E1-FF83AFDD6821}"/>
+              </a:ext>
+            </a:extLst>
+          </p:cNvPr>
+          <p:cNvSpPr/>
+          <p:nvPr/>
+        </p:nvSpPr>
+        <p:spPr>
+          <a:xfrm>
+            <a:off x="1848970" y="3509680"/>
+            <a:ext cx="665630" cy="479611"/>
+          </a:xfrm>
+          <a:prstGeom prst="rect">
+            <a:avLst/>
+          </a:prstGeom>
+          <a:noFill/>
+        </p:spPr>
+        <p:style>
+          <a:lnRef idx="2">
+            <a:schemeClr val="accent1">
+              <a:shade val="50000"/>
+            </a:schemeClr>
+          </a:lnRef>
+          <a:fillRef idx="1">
+            <a:schemeClr val="accent1"/>
+          </a:fillRef>
+          <a:effectRef idx="0">
+            <a:schemeClr val="accent1"/>
+          </a:effectRef>
+          <a:fontRef idx="minor">
+            <a:schemeClr val="lt1"/>
+          </a:fontRef>
+        </p:style>
+        <p:txBody>
+          <a:bodyPr rtlCol="0" anchor="ctr"/>
+          <a:lstStyle/>
+          <a:p>
+            <a:pPr algn="ctr"/>
+            <a:r>
+              <a:rPr lang="en-GB" dirty="0">
+                <a:solidFill>
+                  <a:schemeClr val="tx1"/>
+                </a:solidFill>
+                <a:latin typeface="Courier New" panose="02070309020205020404" pitchFamily="49" charset="0"/>
+                <a:cs typeface="Courier New" panose="02070309020205020404" pitchFamily="49" charset="0"/>
+              </a:rPr>
+              <a:t>s3</a:t>
             </a:r>
           </a:p>
         </p:txBody>
@@ -5380,7 +5675,7 @@
     </p:spTree>
     <p:extLst>
       <p:ext uri="{BB962C8B-B14F-4D97-AF65-F5344CB8AC3E}">
-        <p14:creationId xmlns:p14="http://schemas.microsoft.com/office/powerpoint/2010/main" val="2804911304"/>
+        <p14:creationId xmlns:p14="http://schemas.microsoft.com/office/powerpoint/2010/main" val="701411516"/>
       </p:ext>
     </p:extLst>
   </p:cSld>
@@ -5581,6 +5876,642 @@
           <a:p>
             <a:pPr algn="ctr"/>
             <a:r>
+              <a:rPr lang="en-GB" dirty="0">
+                <a:solidFill>
+                  <a:schemeClr val="tx1"/>
+                </a:solidFill>
+              </a:rPr>
+              <a:t>xyz</a:t>
+            </a:r>
+          </a:p>
+        </p:txBody>
+      </p:sp>
+      <p:sp>
+        <p:nvSpPr>
+          <p:cNvPr id="5" name="Rectangle 4">
+            <a:extLst>
+              <a:ext uri="{FF2B5EF4-FFF2-40B4-BE49-F238E27FC236}">
+                <a16:creationId xmlns:a16="http://schemas.microsoft.com/office/drawing/2014/main" id="{4DA6D25D-3C20-6348-9E83-19C1AFEEA0CE}"/>
+              </a:ext>
+            </a:extLst>
+          </p:cNvPr>
+          <p:cNvSpPr/>
+          <p:nvPr/>
+        </p:nvSpPr>
+        <p:spPr>
+          <a:xfrm>
+            <a:off x="6694392" y="2070847"/>
+            <a:ext cx="2034988" cy="479611"/>
+          </a:xfrm>
+          <a:prstGeom prst="rect">
+            <a:avLst/>
+          </a:prstGeom>
+          <a:solidFill>
+            <a:schemeClr val="accent2">
+              <a:lumMod val="40000"/>
+              <a:lumOff val="60000"/>
+            </a:schemeClr>
+          </a:solidFill>
+        </p:spPr>
+        <p:style>
+          <a:lnRef idx="2">
+            <a:schemeClr val="accent1">
+              <a:shade val="50000"/>
+            </a:schemeClr>
+          </a:lnRef>
+          <a:fillRef idx="1">
+            <a:schemeClr val="accent1"/>
+          </a:fillRef>
+          <a:effectRef idx="0">
+            <a:schemeClr val="accent1"/>
+          </a:effectRef>
+          <a:fontRef idx="minor">
+            <a:schemeClr val="lt1"/>
+          </a:fontRef>
+        </p:style>
+        <p:txBody>
+          <a:bodyPr rtlCol="0" anchor="ctr"/>
+          <a:lstStyle/>
+          <a:p>
+            <a:pPr algn="ctr"/>
+            <a:r>
+              <a:rPr lang="en-GB" dirty="0">
+                <a:solidFill>
+                  <a:schemeClr val="tx1"/>
+                </a:solidFill>
+              </a:rPr>
+              <a:t>Point[x=7,</a:t>
+            </a:r>
+            <a:r>
+              <a:rPr lang="en-GB" b="1" dirty="0">
+                <a:solidFill>
+                  <a:srgbClr val="FF0000"/>
+                </a:solidFill>
+              </a:rPr>
+              <a:t>y=3</a:t>
+            </a:r>
+            <a:r>
+              <a:rPr lang="en-GB" dirty="0">
+                <a:solidFill>
+                  <a:schemeClr val="tx1"/>
+                </a:solidFill>
+              </a:rPr>
+              <a:t>]</a:t>
+            </a:r>
+            <a:endParaRPr lang="en-GB" i="1" dirty="0">
+              <a:solidFill>
+                <a:schemeClr val="tx1"/>
+              </a:solidFill>
+            </a:endParaRPr>
+          </a:p>
+        </p:txBody>
+      </p:sp>
+      <p:sp>
+        <p:nvSpPr>
+          <p:cNvPr id="8" name="Rectangle 7">
+            <a:extLst>
+              <a:ext uri="{FF2B5EF4-FFF2-40B4-BE49-F238E27FC236}">
+                <a16:creationId xmlns:a16="http://schemas.microsoft.com/office/drawing/2014/main" id="{F391BC07-0B6F-B445-98D9-917B754665E1}"/>
+              </a:ext>
+            </a:extLst>
+          </p:cNvPr>
+          <p:cNvSpPr/>
+          <p:nvPr/>
+        </p:nvSpPr>
+        <p:spPr>
+          <a:xfrm>
+            <a:off x="2514600" y="2070847"/>
+            <a:ext cx="2034988" cy="479611"/>
+          </a:xfrm>
+          <a:prstGeom prst="rect">
+            <a:avLst/>
+          </a:prstGeom>
+          <a:solidFill>
+            <a:schemeClr val="accent2">
+              <a:lumMod val="40000"/>
+              <a:lumOff val="60000"/>
+            </a:schemeClr>
+          </a:solidFill>
+        </p:spPr>
+        <p:style>
+          <a:lnRef idx="2">
+            <a:schemeClr val="accent1">
+              <a:shade val="50000"/>
+            </a:schemeClr>
+          </a:lnRef>
+          <a:fillRef idx="1">
+            <a:schemeClr val="accent1"/>
+          </a:fillRef>
+          <a:effectRef idx="0">
+            <a:schemeClr val="accent1"/>
+          </a:effectRef>
+          <a:fontRef idx="minor">
+            <a:schemeClr val="lt1"/>
+          </a:fontRef>
+        </p:style>
+        <p:txBody>
+          <a:bodyPr rtlCol="0" anchor="ctr"/>
+          <a:lstStyle/>
+          <a:p>
+            <a:pPr algn="ctr"/>
+            <a:r>
+              <a:rPr lang="en-GB" dirty="0">
+                <a:solidFill>
+                  <a:schemeClr val="tx1"/>
+                </a:solidFill>
+              </a:rPr>
+              <a:t>xyx</a:t>
+            </a:r>
+          </a:p>
+        </p:txBody>
+      </p:sp>
+      <p:sp>
+        <p:nvSpPr>
+          <p:cNvPr id="9" name="Rectangle 8">
+            <a:extLst>
+              <a:ext uri="{FF2B5EF4-FFF2-40B4-BE49-F238E27FC236}">
+                <a16:creationId xmlns:a16="http://schemas.microsoft.com/office/drawing/2014/main" id="{200D0DE9-12F5-8641-B765-93E26765094F}"/>
+              </a:ext>
+            </a:extLst>
+          </p:cNvPr>
+          <p:cNvSpPr/>
+          <p:nvPr/>
+        </p:nvSpPr>
+        <p:spPr>
+          <a:xfrm>
+            <a:off x="1848970" y="1591236"/>
+            <a:ext cx="665630" cy="479611"/>
+          </a:xfrm>
+          <a:prstGeom prst="rect">
+            <a:avLst/>
+          </a:prstGeom>
+          <a:noFill/>
+        </p:spPr>
+        <p:style>
+          <a:lnRef idx="2">
+            <a:schemeClr val="accent1">
+              <a:shade val="50000"/>
+            </a:schemeClr>
+          </a:lnRef>
+          <a:fillRef idx="1">
+            <a:schemeClr val="accent1"/>
+          </a:fillRef>
+          <a:effectRef idx="0">
+            <a:schemeClr val="accent1"/>
+          </a:effectRef>
+          <a:fontRef idx="minor">
+            <a:schemeClr val="lt1"/>
+          </a:fontRef>
+        </p:style>
+        <p:txBody>
+          <a:bodyPr rtlCol="0" anchor="ctr"/>
+          <a:lstStyle/>
+          <a:p>
+            <a:pPr algn="ctr"/>
+            <a:r>
+              <a:rPr lang="en-GB" dirty="0">
+                <a:solidFill>
+                  <a:schemeClr val="tx1"/>
+                </a:solidFill>
+                <a:latin typeface="Courier New" panose="02070309020205020404" pitchFamily="49" charset="0"/>
+                <a:cs typeface="Courier New" panose="02070309020205020404" pitchFamily="49" charset="0"/>
+              </a:rPr>
+              <a:t>a</a:t>
+            </a:r>
+          </a:p>
+        </p:txBody>
+      </p:sp>
+      <p:sp>
+        <p:nvSpPr>
+          <p:cNvPr id="10" name="Rectangle 9">
+            <a:extLst>
+              <a:ext uri="{FF2B5EF4-FFF2-40B4-BE49-F238E27FC236}">
+                <a16:creationId xmlns:a16="http://schemas.microsoft.com/office/drawing/2014/main" id="{7506D401-93A6-F74B-987E-B7E5E1C27913}"/>
+              </a:ext>
+            </a:extLst>
+          </p:cNvPr>
+          <p:cNvSpPr/>
+          <p:nvPr/>
+        </p:nvSpPr>
+        <p:spPr>
+          <a:xfrm>
+            <a:off x="1848970" y="2070847"/>
+            <a:ext cx="665630" cy="479611"/>
+          </a:xfrm>
+          <a:prstGeom prst="rect">
+            <a:avLst/>
+          </a:prstGeom>
+          <a:noFill/>
+        </p:spPr>
+        <p:style>
+          <a:lnRef idx="2">
+            <a:schemeClr val="accent1">
+              <a:shade val="50000"/>
+            </a:schemeClr>
+          </a:lnRef>
+          <a:fillRef idx="1">
+            <a:schemeClr val="accent1"/>
+          </a:fillRef>
+          <a:effectRef idx="0">
+            <a:schemeClr val="accent1"/>
+          </a:effectRef>
+          <a:fontRef idx="minor">
+            <a:schemeClr val="lt1"/>
+          </a:fontRef>
+        </p:style>
+        <p:txBody>
+          <a:bodyPr rtlCol="0" anchor="ctr"/>
+          <a:lstStyle/>
+          <a:p>
+            <a:pPr algn="ctr"/>
+            <a:r>
+              <a:rPr lang="en-GB" dirty="0">
+                <a:solidFill>
+                  <a:schemeClr val="tx1"/>
+                </a:solidFill>
+                <a:latin typeface="Courier New" panose="02070309020205020404" pitchFamily="49" charset="0"/>
+                <a:cs typeface="Courier New" panose="02070309020205020404" pitchFamily="49" charset="0"/>
+              </a:rPr>
+              <a:t>b</a:t>
+            </a:r>
+          </a:p>
+        </p:txBody>
+      </p:sp>
+      <p:sp>
+        <p:nvSpPr>
+          <p:cNvPr id="11" name="Rectangle 10">
+            <a:extLst>
+              <a:ext uri="{FF2B5EF4-FFF2-40B4-BE49-F238E27FC236}">
+                <a16:creationId xmlns:a16="http://schemas.microsoft.com/office/drawing/2014/main" id="{170561C8-7DAA-3E4D-8A6B-C3ED050A32E2}"/>
+              </a:ext>
+            </a:extLst>
+          </p:cNvPr>
+          <p:cNvSpPr/>
+          <p:nvPr/>
+        </p:nvSpPr>
+        <p:spPr>
+          <a:xfrm>
+            <a:off x="6035486" y="2070847"/>
+            <a:ext cx="665630" cy="479611"/>
+          </a:xfrm>
+          <a:prstGeom prst="rect">
+            <a:avLst/>
+          </a:prstGeom>
+          <a:noFill/>
+        </p:spPr>
+        <p:style>
+          <a:lnRef idx="2">
+            <a:schemeClr val="accent1">
+              <a:shade val="50000"/>
+            </a:schemeClr>
+          </a:lnRef>
+          <a:fillRef idx="1">
+            <a:schemeClr val="accent1"/>
+          </a:fillRef>
+          <a:effectRef idx="0">
+            <a:schemeClr val="accent1"/>
+          </a:effectRef>
+          <a:fontRef idx="minor">
+            <a:schemeClr val="lt1"/>
+          </a:fontRef>
+        </p:style>
+        <p:txBody>
+          <a:bodyPr rtlCol="0" anchor="ctr"/>
+          <a:lstStyle/>
+          <a:p>
+            <a:pPr algn="ctr"/>
+            <a:r>
+              <a:rPr lang="en-GB" dirty="0">
+                <a:solidFill>
+                  <a:schemeClr val="tx1"/>
+                </a:solidFill>
+                <a:latin typeface="Courier New" panose="02070309020205020404" pitchFamily="49" charset="0"/>
+                <a:cs typeface="Courier New" panose="02070309020205020404" pitchFamily="49" charset="0"/>
+              </a:rPr>
+              <a:t>xyz</a:t>
+            </a:r>
+          </a:p>
+        </p:txBody>
+      </p:sp>
+      <p:sp>
+        <p:nvSpPr>
+          <p:cNvPr id="12" name="Rectangle 11">
+            <a:extLst>
+              <a:ext uri="{FF2B5EF4-FFF2-40B4-BE49-F238E27FC236}">
+                <a16:creationId xmlns:a16="http://schemas.microsoft.com/office/drawing/2014/main" id="{1CB59E4A-E18D-E04E-9157-31655B853F03}"/>
+              </a:ext>
+            </a:extLst>
+          </p:cNvPr>
+          <p:cNvSpPr/>
+          <p:nvPr/>
+        </p:nvSpPr>
+        <p:spPr>
+          <a:xfrm>
+            <a:off x="2514600" y="2550458"/>
+            <a:ext cx="2034988" cy="479611"/>
+          </a:xfrm>
+          <a:prstGeom prst="rect">
+            <a:avLst/>
+          </a:prstGeom>
+          <a:solidFill>
+            <a:schemeClr val="accent2">
+              <a:lumMod val="40000"/>
+              <a:lumOff val="60000"/>
+            </a:schemeClr>
+          </a:solidFill>
+        </p:spPr>
+        <p:style>
+          <a:lnRef idx="2">
+            <a:schemeClr val="accent1">
+              <a:shade val="50000"/>
+            </a:schemeClr>
+          </a:lnRef>
+          <a:fillRef idx="1">
+            <a:schemeClr val="accent1"/>
+          </a:fillRef>
+          <a:effectRef idx="0">
+            <a:schemeClr val="accent1"/>
+          </a:effectRef>
+          <a:fontRef idx="minor">
+            <a:schemeClr val="lt1"/>
+          </a:fontRef>
+        </p:style>
+        <p:txBody>
+          <a:bodyPr rtlCol="0" anchor="ctr"/>
+          <a:lstStyle/>
+          <a:p>
+            <a:pPr algn="ctr"/>
+            <a:r>
+              <a:rPr lang="en-GB" dirty="0">
+                <a:solidFill>
+                  <a:schemeClr val="tx1"/>
+                </a:solidFill>
+              </a:rPr>
+              <a:t>xyx</a:t>
+            </a:r>
+          </a:p>
+        </p:txBody>
+      </p:sp>
+      <p:sp>
+        <p:nvSpPr>
+          <p:cNvPr id="13" name="Rectangle 12">
+            <a:extLst>
+              <a:ext uri="{FF2B5EF4-FFF2-40B4-BE49-F238E27FC236}">
+                <a16:creationId xmlns:a16="http://schemas.microsoft.com/office/drawing/2014/main" id="{78385039-EB78-D344-B353-E23461449F72}"/>
+              </a:ext>
+            </a:extLst>
+          </p:cNvPr>
+          <p:cNvSpPr/>
+          <p:nvPr/>
+        </p:nvSpPr>
+        <p:spPr>
+          <a:xfrm>
+            <a:off x="1848970" y="2550458"/>
+            <a:ext cx="665630" cy="479611"/>
+          </a:xfrm>
+          <a:prstGeom prst="rect">
+            <a:avLst/>
+          </a:prstGeom>
+          <a:noFill/>
+        </p:spPr>
+        <p:style>
+          <a:lnRef idx="2">
+            <a:schemeClr val="accent1">
+              <a:shade val="50000"/>
+            </a:schemeClr>
+          </a:lnRef>
+          <a:fillRef idx="1">
+            <a:schemeClr val="accent1"/>
+          </a:fillRef>
+          <a:effectRef idx="0">
+            <a:schemeClr val="accent1"/>
+          </a:effectRef>
+          <a:fontRef idx="minor">
+            <a:schemeClr val="lt1"/>
+          </a:fontRef>
+        </p:style>
+        <p:txBody>
+          <a:bodyPr rtlCol="0" anchor="ctr"/>
+          <a:lstStyle/>
+          <a:p>
+            <a:pPr algn="ctr"/>
+            <a:r>
+              <a:rPr lang="en-GB" dirty="0">
+                <a:solidFill>
+                  <a:schemeClr val="tx1"/>
+                </a:solidFill>
+                <a:latin typeface="Courier New" panose="02070309020205020404" pitchFamily="49" charset="0"/>
+                <a:cs typeface="Courier New" panose="02070309020205020404" pitchFamily="49" charset="0"/>
+              </a:rPr>
+              <a:t>c</a:t>
+            </a:r>
+          </a:p>
+        </p:txBody>
+      </p:sp>
+    </p:spTree>
+    <p:extLst>
+      <p:ext uri="{BB962C8B-B14F-4D97-AF65-F5344CB8AC3E}">
+        <p14:creationId xmlns:p14="http://schemas.microsoft.com/office/powerpoint/2010/main" val="2804911304"/>
+      </p:ext>
+    </p:extLst>
+  </p:cSld>
+  <p:clrMapOvr>
+    <a:masterClrMapping/>
+  </p:clrMapOvr>
+</p:sld>
+</file>
+
+<file path=ppt/slides/slide12.xml><?xml version="1.0" encoding="utf-8"?>
+<p:sld xmlns:a="http://schemas.openxmlformats.org/drawingml/2006/main" xmlns:r="http://schemas.openxmlformats.org/officeDocument/2006/relationships" xmlns:p="http://schemas.openxmlformats.org/presentationml/2006/main">
+  <p:cSld>
+    <p:spTree>
+      <p:nvGrpSpPr>
+        <p:cNvPr id="1" name=""/>
+        <p:cNvGrpSpPr/>
+        <p:nvPr/>
+      </p:nvGrpSpPr>
+      <p:grpSpPr>
+        <a:xfrm>
+          <a:off x="0" y="0"/>
+          <a:ext cx="0" cy="0"/>
+          <a:chOff x="0" y="0"/>
+          <a:chExt cx="0" cy="0"/>
+        </a:xfrm>
+      </p:grpSpPr>
+      <p:sp>
+        <p:nvSpPr>
+          <p:cNvPr id="7" name="Rectangle 6">
+            <a:extLst>
+              <a:ext uri="{FF2B5EF4-FFF2-40B4-BE49-F238E27FC236}">
+                <a16:creationId xmlns:a16="http://schemas.microsoft.com/office/drawing/2014/main" id="{7CD7D475-E299-AE41-86D3-1B10CAF77EA3}"/>
+              </a:ext>
+            </a:extLst>
+          </p:cNvPr>
+          <p:cNvSpPr/>
+          <p:nvPr/>
+        </p:nvSpPr>
+        <p:spPr>
+          <a:xfrm>
+            <a:off x="5459504" y="546847"/>
+            <a:ext cx="3935506" cy="5208494"/>
+          </a:xfrm>
+          <a:prstGeom prst="rect">
+            <a:avLst/>
+          </a:prstGeom>
+          <a:solidFill>
+            <a:schemeClr val="accent6">
+              <a:lumMod val="20000"/>
+              <a:lumOff val="80000"/>
+            </a:schemeClr>
+          </a:solidFill>
+          <a:ln>
+            <a:solidFill>
+              <a:schemeClr val="accent6">
+                <a:lumMod val="75000"/>
+              </a:schemeClr>
+            </a:solidFill>
+          </a:ln>
+        </p:spPr>
+        <p:style>
+          <a:lnRef idx="2">
+            <a:schemeClr val="accent1">
+              <a:shade val="50000"/>
+            </a:schemeClr>
+          </a:lnRef>
+          <a:fillRef idx="1">
+            <a:schemeClr val="accent1"/>
+          </a:fillRef>
+          <a:effectRef idx="0">
+            <a:schemeClr val="accent1"/>
+          </a:effectRef>
+          <a:fontRef idx="minor">
+            <a:schemeClr val="lt1"/>
+          </a:fontRef>
+        </p:style>
+        <p:txBody>
+          <a:bodyPr rtlCol="0" anchor="b"/>
+          <a:lstStyle/>
+          <a:p>
+            <a:pPr algn="ctr"/>
+            <a:r>
+              <a:rPr lang="en-GB" sz="3600" dirty="0">
+                <a:solidFill>
+                  <a:schemeClr val="tx1"/>
+                </a:solidFill>
+              </a:rPr>
+              <a:t>heap</a:t>
+            </a:r>
+          </a:p>
+        </p:txBody>
+      </p:sp>
+      <p:sp>
+        <p:nvSpPr>
+          <p:cNvPr id="6" name="Rectangle 5">
+            <a:extLst>
+              <a:ext uri="{FF2B5EF4-FFF2-40B4-BE49-F238E27FC236}">
+                <a16:creationId xmlns:a16="http://schemas.microsoft.com/office/drawing/2014/main" id="{AAC98429-C6B8-BC44-8702-AECA5E3F9DB7}"/>
+              </a:ext>
+            </a:extLst>
+          </p:cNvPr>
+          <p:cNvSpPr/>
+          <p:nvPr/>
+        </p:nvSpPr>
+        <p:spPr>
+          <a:xfrm>
+            <a:off x="1272988" y="546847"/>
+            <a:ext cx="3935506" cy="5208494"/>
+          </a:xfrm>
+          <a:prstGeom prst="rect">
+            <a:avLst/>
+          </a:prstGeom>
+          <a:solidFill>
+            <a:schemeClr val="accent1">
+              <a:lumMod val="20000"/>
+              <a:lumOff val="80000"/>
+            </a:schemeClr>
+          </a:solidFill>
+        </p:spPr>
+        <p:style>
+          <a:lnRef idx="2">
+            <a:schemeClr val="accent1">
+              <a:shade val="50000"/>
+            </a:schemeClr>
+          </a:lnRef>
+          <a:fillRef idx="1">
+            <a:schemeClr val="accent1"/>
+          </a:fillRef>
+          <a:effectRef idx="0">
+            <a:schemeClr val="accent1"/>
+          </a:effectRef>
+          <a:fontRef idx="minor">
+            <a:schemeClr val="lt1"/>
+          </a:fontRef>
+        </p:style>
+        <p:txBody>
+          <a:bodyPr rtlCol="0" anchor="b"/>
+          <a:lstStyle/>
+          <a:p>
+            <a:pPr algn="ctr"/>
+            <a:r>
+              <a:rPr lang="en-GB" sz="3600" dirty="0">
+                <a:solidFill>
+                  <a:schemeClr val="tx1"/>
+                </a:solidFill>
+              </a:rPr>
+              <a:t>stack</a:t>
+            </a:r>
+          </a:p>
+        </p:txBody>
+      </p:sp>
+      <p:sp>
+        <p:nvSpPr>
+          <p:cNvPr id="4" name="Rectangle 3">
+            <a:extLst>
+              <a:ext uri="{FF2B5EF4-FFF2-40B4-BE49-F238E27FC236}">
+                <a16:creationId xmlns:a16="http://schemas.microsoft.com/office/drawing/2014/main" id="{EC27F43E-D801-EE49-A7BB-BB4CC05459C7}"/>
+              </a:ext>
+            </a:extLst>
+          </p:cNvPr>
+          <p:cNvSpPr/>
+          <p:nvPr/>
+        </p:nvSpPr>
+        <p:spPr>
+          <a:xfrm>
+            <a:off x="2514600" y="1591236"/>
+            <a:ext cx="2034988" cy="479611"/>
+          </a:xfrm>
+          <a:prstGeom prst="rect">
+            <a:avLst/>
+          </a:prstGeom>
+          <a:solidFill>
+            <a:schemeClr val="accent2">
+              <a:lumMod val="40000"/>
+              <a:lumOff val="60000"/>
+            </a:schemeClr>
+          </a:solidFill>
+        </p:spPr>
+        <p:style>
+          <a:lnRef idx="2">
+            <a:schemeClr val="accent1">
+              <a:shade val="50000"/>
+            </a:schemeClr>
+          </a:lnRef>
+          <a:fillRef idx="1">
+            <a:schemeClr val="accent1"/>
+          </a:fillRef>
+          <a:effectRef idx="0">
+            <a:schemeClr val="accent1"/>
+          </a:effectRef>
+          <a:fontRef idx="minor">
+            <a:schemeClr val="lt1"/>
+          </a:fontRef>
+        </p:style>
+        <p:txBody>
+          <a:bodyPr rtlCol="0" anchor="ctr"/>
+          <a:lstStyle/>
+          <a:p>
+            <a:pPr algn="ctr"/>
+            <a:r>
               <a:rPr lang="en-GB" b="1" dirty="0">
                 <a:solidFill>
                   <a:srgbClr val="FF0000"/>
@@ -5660,7 +6591,7 @@
 </p:sld>
 </file>
 
-<file path=ppt/slides/slide12.xml><?xml version="1.0" encoding="utf-8"?>
+<file path=ppt/slides/slide13.xml><?xml version="1.0" encoding="utf-8"?>
 <p:sld xmlns:a="http://schemas.openxmlformats.org/drawingml/2006/main" xmlns:r="http://schemas.openxmlformats.org/officeDocument/2006/relationships" xmlns:p="http://schemas.openxmlformats.org/presentationml/2006/main">
   <p:cSld>
     <p:spTree>
@@ -7963,10 +8894,10 @@
       </p:sp>
       <p:sp>
         <p:nvSpPr>
-          <p:cNvPr id="4" name="Rectangle 3">
-            <a:extLst>
-              <a:ext uri="{FF2B5EF4-FFF2-40B4-BE49-F238E27FC236}">
-                <a16:creationId xmlns:a16="http://schemas.microsoft.com/office/drawing/2014/main" id="{EC27F43E-D801-EE49-A7BB-BB4CC05459C7}"/>
+          <p:cNvPr id="8" name="Rectangle 7">
+            <a:extLst>
+              <a:ext uri="{FF2B5EF4-FFF2-40B4-BE49-F238E27FC236}">
+                <a16:creationId xmlns:a16="http://schemas.microsoft.com/office/drawing/2014/main" id="{DDF1589C-6912-DB4F-B09A-F02C0AA2C0AA}"/>
               </a:ext>
             </a:extLst>
           </p:cNvPr>
@@ -7975,7 +8906,7 @@
         </p:nvSpPr>
         <p:spPr>
           <a:xfrm>
-            <a:off x="2514600" y="1591236"/>
+            <a:off x="6694392" y="2070847"/>
             <a:ext cx="2034988" cy="479611"/>
           </a:xfrm>
           <a:prstGeom prst="rect">
@@ -8015,17 +8946,17 @@
                   <a:schemeClr val="tx1"/>
                 </a:solidFill>
               </a:rPr>
-              <a:t>7</a:t>
-            </a:r>
-          </a:p>
-        </p:txBody>
-      </p:sp>
-      <p:sp>
-        <p:nvSpPr>
-          <p:cNvPr id="9" name="Rectangle 8">
-            <a:extLst>
-              <a:ext uri="{FF2B5EF4-FFF2-40B4-BE49-F238E27FC236}">
-                <a16:creationId xmlns:a16="http://schemas.microsoft.com/office/drawing/2014/main" id="{200D0DE9-12F5-8641-B765-93E26765094F}"/>
+              <a:t>Point[x=1,y=2]</a:t>
+            </a:r>
+          </a:p>
+        </p:txBody>
+      </p:sp>
+      <p:sp>
+        <p:nvSpPr>
+          <p:cNvPr id="10" name="Rectangle 9">
+            <a:extLst>
+              <a:ext uri="{FF2B5EF4-FFF2-40B4-BE49-F238E27FC236}">
+                <a16:creationId xmlns:a16="http://schemas.microsoft.com/office/drawing/2014/main" id="{6A4164D5-E045-8F4A-A57E-516F4ACF1F1F}"/>
               </a:ext>
             </a:extLst>
           </p:cNvPr>
@@ -8034,7 +8965,7 @@
         </p:nvSpPr>
         <p:spPr>
           <a:xfrm>
-            <a:off x="1848970" y="1591236"/>
+            <a:off x="6035486" y="2070847"/>
             <a:ext cx="665630" cy="479611"/>
           </a:xfrm>
           <a:prstGeom prst="rect">
@@ -8064,15 +8995,266 @@
           <a:p>
             <a:pPr algn="ctr"/>
             <a:r>
-              <a:rPr lang="en-GB" dirty="0">
+              <a:rPr lang="en-GB" dirty="0" err="1">
                 <a:solidFill>
                   <a:schemeClr val="tx1"/>
                 </a:solidFill>
                 <a:latin typeface="Courier New" panose="02070309020205020404" pitchFamily="49" charset="0"/>
                 <a:cs typeface="Courier New" panose="02070309020205020404" pitchFamily="49" charset="0"/>
               </a:rPr>
-              <a:t>a</a:t>
-            </a:r>
+              <a:t>mno</a:t>
+            </a:r>
+            <a:endParaRPr lang="en-GB" dirty="0">
+              <a:solidFill>
+                <a:schemeClr val="tx1"/>
+              </a:solidFill>
+              <a:latin typeface="Courier New" panose="02070309020205020404" pitchFamily="49" charset="0"/>
+              <a:cs typeface="Courier New" panose="02070309020205020404" pitchFamily="49" charset="0"/>
+            </a:endParaRPr>
+          </a:p>
+        </p:txBody>
+      </p:sp>
+      <p:sp>
+        <p:nvSpPr>
+          <p:cNvPr id="11" name="Rectangle 10">
+            <a:extLst>
+              <a:ext uri="{FF2B5EF4-FFF2-40B4-BE49-F238E27FC236}">
+                <a16:creationId xmlns:a16="http://schemas.microsoft.com/office/drawing/2014/main" id="{569C1454-B4C6-E04F-9E6D-1415368F775D}"/>
+              </a:ext>
+            </a:extLst>
+          </p:cNvPr>
+          <p:cNvSpPr/>
+          <p:nvPr/>
+        </p:nvSpPr>
+        <p:spPr>
+          <a:xfrm>
+            <a:off x="6694392" y="2550458"/>
+            <a:ext cx="2034988" cy="479611"/>
+          </a:xfrm>
+          <a:prstGeom prst="rect">
+            <a:avLst/>
+          </a:prstGeom>
+          <a:solidFill>
+            <a:schemeClr val="accent2">
+              <a:lumMod val="40000"/>
+              <a:lumOff val="60000"/>
+            </a:schemeClr>
+          </a:solidFill>
+        </p:spPr>
+        <p:style>
+          <a:lnRef idx="2">
+            <a:schemeClr val="accent1">
+              <a:shade val="50000"/>
+            </a:schemeClr>
+          </a:lnRef>
+          <a:fillRef idx="1">
+            <a:schemeClr val="accent1"/>
+          </a:fillRef>
+          <a:effectRef idx="0">
+            <a:schemeClr val="accent1"/>
+          </a:effectRef>
+          <a:fontRef idx="minor">
+            <a:schemeClr val="lt1"/>
+          </a:fontRef>
+        </p:style>
+        <p:txBody>
+          <a:bodyPr rtlCol="0" anchor="ctr"/>
+          <a:lstStyle/>
+          <a:p>
+            <a:pPr algn="ctr"/>
+            <a:r>
+              <a:rPr lang="en-GB" dirty="0">
+                <a:solidFill>
+                  <a:schemeClr val="tx1"/>
+                </a:solidFill>
+              </a:rPr>
+              <a:t>Point[x=3,y=4]</a:t>
+            </a:r>
+          </a:p>
+        </p:txBody>
+      </p:sp>
+      <p:sp>
+        <p:nvSpPr>
+          <p:cNvPr id="12" name="Rectangle 11">
+            <a:extLst>
+              <a:ext uri="{FF2B5EF4-FFF2-40B4-BE49-F238E27FC236}">
+                <a16:creationId xmlns:a16="http://schemas.microsoft.com/office/drawing/2014/main" id="{39829AF9-8C24-054C-982B-8934CC62A5D9}"/>
+              </a:ext>
+            </a:extLst>
+          </p:cNvPr>
+          <p:cNvSpPr/>
+          <p:nvPr/>
+        </p:nvSpPr>
+        <p:spPr>
+          <a:xfrm>
+            <a:off x="6035486" y="2550458"/>
+            <a:ext cx="665630" cy="479611"/>
+          </a:xfrm>
+          <a:prstGeom prst="rect">
+            <a:avLst/>
+          </a:prstGeom>
+          <a:noFill/>
+        </p:spPr>
+        <p:style>
+          <a:lnRef idx="2">
+            <a:schemeClr val="accent1">
+              <a:shade val="50000"/>
+            </a:schemeClr>
+          </a:lnRef>
+          <a:fillRef idx="1">
+            <a:schemeClr val="accent1"/>
+          </a:fillRef>
+          <a:effectRef idx="0">
+            <a:schemeClr val="accent1"/>
+          </a:effectRef>
+          <a:fontRef idx="minor">
+            <a:schemeClr val="lt1"/>
+          </a:fontRef>
+        </p:style>
+        <p:txBody>
+          <a:bodyPr rtlCol="0" anchor="ctr"/>
+          <a:lstStyle/>
+          <a:p>
+            <a:pPr algn="ctr"/>
+            <a:r>
+              <a:rPr lang="en-GB" dirty="0" err="1">
+                <a:solidFill>
+                  <a:schemeClr val="tx1"/>
+                </a:solidFill>
+                <a:latin typeface="Courier New" panose="02070309020205020404" pitchFamily="49" charset="0"/>
+                <a:cs typeface="Courier New" panose="02070309020205020404" pitchFamily="49" charset="0"/>
+              </a:rPr>
+              <a:t>pqr</a:t>
+            </a:r>
+            <a:endParaRPr lang="en-GB" dirty="0">
+              <a:solidFill>
+                <a:schemeClr val="tx1"/>
+              </a:solidFill>
+              <a:latin typeface="Courier New" panose="02070309020205020404" pitchFamily="49" charset="0"/>
+              <a:cs typeface="Courier New" panose="02070309020205020404" pitchFamily="49" charset="0"/>
+            </a:endParaRPr>
+          </a:p>
+        </p:txBody>
+      </p:sp>
+      <p:sp>
+        <p:nvSpPr>
+          <p:cNvPr id="13" name="Rectangle 12">
+            <a:extLst>
+              <a:ext uri="{FF2B5EF4-FFF2-40B4-BE49-F238E27FC236}">
+                <a16:creationId xmlns:a16="http://schemas.microsoft.com/office/drawing/2014/main" id="{2C60E9E0-9973-AC47-8323-4EDB0AB90B75}"/>
+              </a:ext>
+            </a:extLst>
+          </p:cNvPr>
+          <p:cNvSpPr/>
+          <p:nvPr/>
+        </p:nvSpPr>
+        <p:spPr>
+          <a:xfrm>
+            <a:off x="6687668" y="3030069"/>
+            <a:ext cx="2034988" cy="479611"/>
+          </a:xfrm>
+          <a:prstGeom prst="rect">
+            <a:avLst/>
+          </a:prstGeom>
+          <a:solidFill>
+            <a:schemeClr val="accent2">
+              <a:lumMod val="40000"/>
+              <a:lumOff val="60000"/>
+            </a:schemeClr>
+          </a:solidFill>
+        </p:spPr>
+        <p:style>
+          <a:lnRef idx="2">
+            <a:schemeClr val="accent1">
+              <a:shade val="50000"/>
+            </a:schemeClr>
+          </a:lnRef>
+          <a:fillRef idx="1">
+            <a:schemeClr val="accent1"/>
+          </a:fillRef>
+          <a:effectRef idx="0">
+            <a:schemeClr val="accent1"/>
+          </a:effectRef>
+          <a:fontRef idx="minor">
+            <a:schemeClr val="lt1"/>
+          </a:fontRef>
+        </p:style>
+        <p:txBody>
+          <a:bodyPr rtlCol="0" anchor="ctr"/>
+          <a:lstStyle/>
+          <a:p>
+            <a:pPr algn="ctr"/>
+            <a:r>
+              <a:rPr lang="en-GB" dirty="0">
+                <a:solidFill>
+                  <a:schemeClr val="tx1"/>
+                </a:solidFill>
+              </a:rPr>
+              <a:t>Point[x=5,y=6]</a:t>
+            </a:r>
+          </a:p>
+        </p:txBody>
+      </p:sp>
+      <p:sp>
+        <p:nvSpPr>
+          <p:cNvPr id="14" name="Rectangle 13">
+            <a:extLst>
+              <a:ext uri="{FF2B5EF4-FFF2-40B4-BE49-F238E27FC236}">
+                <a16:creationId xmlns:a16="http://schemas.microsoft.com/office/drawing/2014/main" id="{24020EA9-3992-E541-BD17-4EA20D4BC130}"/>
+              </a:ext>
+            </a:extLst>
+          </p:cNvPr>
+          <p:cNvSpPr/>
+          <p:nvPr/>
+        </p:nvSpPr>
+        <p:spPr>
+          <a:xfrm>
+            <a:off x="6028762" y="3030069"/>
+            <a:ext cx="665630" cy="479611"/>
+          </a:xfrm>
+          <a:prstGeom prst="rect">
+            <a:avLst/>
+          </a:prstGeom>
+          <a:noFill/>
+        </p:spPr>
+        <p:style>
+          <a:lnRef idx="2">
+            <a:schemeClr val="accent1">
+              <a:shade val="50000"/>
+            </a:schemeClr>
+          </a:lnRef>
+          <a:fillRef idx="1">
+            <a:schemeClr val="accent1"/>
+          </a:fillRef>
+          <a:effectRef idx="0">
+            <a:schemeClr val="accent1"/>
+          </a:effectRef>
+          <a:fontRef idx="minor">
+            <a:schemeClr val="lt1"/>
+          </a:fontRef>
+        </p:style>
+        <p:txBody>
+          <a:bodyPr rtlCol="0" anchor="ctr"/>
+          <a:lstStyle/>
+          <a:p>
+            <a:pPr algn="ctr"/>
+            <a:r>
+              <a:rPr lang="en-GB" dirty="0" err="1">
+                <a:solidFill>
+                  <a:schemeClr val="tx1"/>
+                </a:solidFill>
+                <a:latin typeface="Courier New" panose="02070309020205020404" pitchFamily="49" charset="0"/>
+                <a:cs typeface="Courier New" panose="02070309020205020404" pitchFamily="49" charset="0"/>
+              </a:rPr>
+              <a:t>stu</a:t>
+            </a:r>
+            <a:endParaRPr lang="en-GB" dirty="0">
+              <a:solidFill>
+                <a:schemeClr val="tx1"/>
+              </a:solidFill>
+              <a:latin typeface="Courier New" panose="02070309020205020404" pitchFamily="49" charset="0"/>
+              <a:cs typeface="Courier New" panose="02070309020205020404" pitchFamily="49" charset="0"/>
+            </a:endParaRPr>
           </a:p>
         </p:txBody>
       </p:sp>
@@ -8280,12 +9462,12 @@
           <a:p>
             <a:pPr algn="ctr"/>
             <a:r>
-              <a:rPr lang="en-GB" b="1" dirty="0">
+              <a:rPr lang="en-GB" dirty="0">
                 <a:solidFill>
-                  <a:srgbClr val="FF0000"/>
+                  <a:schemeClr val="tx1"/>
                 </a:solidFill>
               </a:rPr>
-              <a:t>3</a:t>
+              <a:t>7</a:t>
             </a:r>
           </a:p>
         </p:txBody>
@@ -8349,7 +9531,7 @@
     </p:spTree>
     <p:extLst>
       <p:ext uri="{BB962C8B-B14F-4D97-AF65-F5344CB8AC3E}">
-        <p14:creationId xmlns:p14="http://schemas.microsoft.com/office/powerpoint/2010/main" val="3543903624"/>
+        <p14:creationId xmlns:p14="http://schemas.microsoft.com/office/powerpoint/2010/main" val="2857653386"/>
       </p:ext>
     </p:extLst>
   </p:cSld>
@@ -8550,130 +9732,12 @@
           <a:p>
             <a:pPr algn="ctr"/>
             <a:r>
-              <a:rPr lang="en-GB" dirty="0">
+              <a:rPr lang="en-GB" b="1" dirty="0">
                 <a:solidFill>
-                  <a:schemeClr val="tx1"/>
+                  <a:srgbClr val="FF0000"/>
                 </a:solidFill>
               </a:rPr>
-              <a:t>7</a:t>
-            </a:r>
-          </a:p>
-        </p:txBody>
-      </p:sp>
-      <p:sp>
-        <p:nvSpPr>
-          <p:cNvPr id="5" name="Rectangle 4">
-            <a:extLst>
-              <a:ext uri="{FF2B5EF4-FFF2-40B4-BE49-F238E27FC236}">
-                <a16:creationId xmlns:a16="http://schemas.microsoft.com/office/drawing/2014/main" id="{4DA6D25D-3C20-6348-9E83-19C1AFEEA0CE}"/>
-              </a:ext>
-            </a:extLst>
-          </p:cNvPr>
-          <p:cNvSpPr/>
-          <p:nvPr/>
-        </p:nvSpPr>
-        <p:spPr>
-          <a:xfrm>
-            <a:off x="6694392" y="2070847"/>
-            <a:ext cx="2034988" cy="479611"/>
-          </a:xfrm>
-          <a:prstGeom prst="rect">
-            <a:avLst/>
-          </a:prstGeom>
-          <a:solidFill>
-            <a:schemeClr val="accent2">
-              <a:lumMod val="40000"/>
-              <a:lumOff val="60000"/>
-            </a:schemeClr>
-          </a:solidFill>
-        </p:spPr>
-        <p:style>
-          <a:lnRef idx="2">
-            <a:schemeClr val="accent1">
-              <a:shade val="50000"/>
-            </a:schemeClr>
-          </a:lnRef>
-          <a:fillRef idx="1">
-            <a:schemeClr val="accent1"/>
-          </a:fillRef>
-          <a:effectRef idx="0">
-            <a:schemeClr val="accent1"/>
-          </a:effectRef>
-          <a:fontRef idx="minor">
-            <a:schemeClr val="lt1"/>
-          </a:fontRef>
-        </p:style>
-        <p:txBody>
-          <a:bodyPr rtlCol="0" anchor="ctr"/>
-          <a:lstStyle/>
-          <a:p>
-            <a:pPr algn="ctr"/>
-            <a:r>
-              <a:rPr lang="en-GB" dirty="0">
-                <a:solidFill>
-                  <a:schemeClr val="tx1"/>
-                </a:solidFill>
-              </a:rPr>
-              <a:t>"my object type"</a:t>
-            </a:r>
-          </a:p>
-        </p:txBody>
-      </p:sp>
-      <p:sp>
-        <p:nvSpPr>
-          <p:cNvPr id="8" name="Rectangle 7">
-            <a:extLst>
-              <a:ext uri="{FF2B5EF4-FFF2-40B4-BE49-F238E27FC236}">
-                <a16:creationId xmlns:a16="http://schemas.microsoft.com/office/drawing/2014/main" id="{F391BC07-0B6F-B445-98D9-917B754665E1}"/>
-              </a:ext>
-            </a:extLst>
-          </p:cNvPr>
-          <p:cNvSpPr/>
-          <p:nvPr/>
-        </p:nvSpPr>
-        <p:spPr>
-          <a:xfrm>
-            <a:off x="2514600" y="2070847"/>
-            <a:ext cx="2034988" cy="479611"/>
-          </a:xfrm>
-          <a:prstGeom prst="rect">
-            <a:avLst/>
-          </a:prstGeom>
-          <a:solidFill>
-            <a:schemeClr val="accent2">
-              <a:lumMod val="40000"/>
-              <a:lumOff val="60000"/>
-            </a:schemeClr>
-          </a:solidFill>
-        </p:spPr>
-        <p:style>
-          <a:lnRef idx="2">
-            <a:schemeClr val="accent1">
-              <a:shade val="50000"/>
-            </a:schemeClr>
-          </a:lnRef>
-          <a:fillRef idx="1">
-            <a:schemeClr val="accent1"/>
-          </a:fillRef>
-          <a:effectRef idx="0">
-            <a:schemeClr val="accent1"/>
-          </a:effectRef>
-          <a:fontRef idx="minor">
-            <a:schemeClr val="lt1"/>
-          </a:fontRef>
-        </p:style>
-        <p:txBody>
-          <a:bodyPr rtlCol="0" anchor="ctr"/>
-          <a:lstStyle/>
-          <a:p>
-            <a:pPr algn="ctr"/>
-            <a:r>
-              <a:rPr lang="en-GB" dirty="0">
-                <a:solidFill>
-                  <a:schemeClr val="tx1"/>
-                </a:solidFill>
-              </a:rPr>
-              <a:t>xyx</a:t>
+              <a:t>3</a:t>
             </a:r>
           </a:p>
         </p:txBody>
@@ -8734,122 +9798,10 @@
           </a:p>
         </p:txBody>
       </p:sp>
-      <p:sp>
-        <p:nvSpPr>
-          <p:cNvPr id="10" name="Rectangle 9">
-            <a:extLst>
-              <a:ext uri="{FF2B5EF4-FFF2-40B4-BE49-F238E27FC236}">
-                <a16:creationId xmlns:a16="http://schemas.microsoft.com/office/drawing/2014/main" id="{7506D401-93A6-F74B-987E-B7E5E1C27913}"/>
-              </a:ext>
-            </a:extLst>
-          </p:cNvPr>
-          <p:cNvSpPr/>
-          <p:nvPr/>
-        </p:nvSpPr>
-        <p:spPr>
-          <a:xfrm>
-            <a:off x="1848970" y="2070847"/>
-            <a:ext cx="665630" cy="479611"/>
-          </a:xfrm>
-          <a:prstGeom prst="rect">
-            <a:avLst/>
-          </a:prstGeom>
-          <a:noFill/>
-        </p:spPr>
-        <p:style>
-          <a:lnRef idx="2">
-            <a:schemeClr val="accent1">
-              <a:shade val="50000"/>
-            </a:schemeClr>
-          </a:lnRef>
-          <a:fillRef idx="1">
-            <a:schemeClr val="accent1"/>
-          </a:fillRef>
-          <a:effectRef idx="0">
-            <a:schemeClr val="accent1"/>
-          </a:effectRef>
-          <a:fontRef idx="minor">
-            <a:schemeClr val="lt1"/>
-          </a:fontRef>
-        </p:style>
-        <p:txBody>
-          <a:bodyPr rtlCol="0" anchor="ctr"/>
-          <a:lstStyle/>
-          <a:p>
-            <a:pPr algn="ctr"/>
-            <a:r>
-              <a:rPr lang="en-GB" dirty="0">
-                <a:solidFill>
-                  <a:schemeClr val="tx1"/>
-                </a:solidFill>
-                <a:latin typeface="Courier New" panose="02070309020205020404" pitchFamily="49" charset="0"/>
-                <a:cs typeface="Courier New" panose="02070309020205020404" pitchFamily="49" charset="0"/>
-              </a:rPr>
-              <a:t>s</a:t>
-            </a:r>
-          </a:p>
-        </p:txBody>
-      </p:sp>
-      <p:sp>
-        <p:nvSpPr>
-          <p:cNvPr id="11" name="Rectangle 10">
-            <a:extLst>
-              <a:ext uri="{FF2B5EF4-FFF2-40B4-BE49-F238E27FC236}">
-                <a16:creationId xmlns:a16="http://schemas.microsoft.com/office/drawing/2014/main" id="{170561C8-7DAA-3E4D-8A6B-C3ED050A32E2}"/>
-              </a:ext>
-            </a:extLst>
-          </p:cNvPr>
-          <p:cNvSpPr/>
-          <p:nvPr/>
-        </p:nvSpPr>
-        <p:spPr>
-          <a:xfrm>
-            <a:off x="6035486" y="2070847"/>
-            <a:ext cx="665630" cy="479611"/>
-          </a:xfrm>
-          <a:prstGeom prst="rect">
-            <a:avLst/>
-          </a:prstGeom>
-          <a:noFill/>
-        </p:spPr>
-        <p:style>
-          <a:lnRef idx="2">
-            <a:schemeClr val="accent1">
-              <a:shade val="50000"/>
-            </a:schemeClr>
-          </a:lnRef>
-          <a:fillRef idx="1">
-            <a:schemeClr val="accent1"/>
-          </a:fillRef>
-          <a:effectRef idx="0">
-            <a:schemeClr val="accent1"/>
-          </a:effectRef>
-          <a:fontRef idx="minor">
-            <a:schemeClr val="lt1"/>
-          </a:fontRef>
-        </p:style>
-        <p:txBody>
-          <a:bodyPr rtlCol="0" anchor="ctr"/>
-          <a:lstStyle/>
-          <a:p>
-            <a:pPr algn="ctr"/>
-            <a:r>
-              <a:rPr lang="en-GB" dirty="0">
-                <a:solidFill>
-                  <a:schemeClr val="tx1"/>
-                </a:solidFill>
-                <a:latin typeface="Courier New" panose="02070309020205020404" pitchFamily="49" charset="0"/>
-                <a:cs typeface="Courier New" panose="02070309020205020404" pitchFamily="49" charset="0"/>
-              </a:rPr>
-              <a:t>xyz</a:t>
-            </a:r>
-          </a:p>
-        </p:txBody>
-      </p:sp>
     </p:spTree>
     <p:extLst>
       <p:ext uri="{BB962C8B-B14F-4D97-AF65-F5344CB8AC3E}">
-        <p14:creationId xmlns:p14="http://schemas.microsoft.com/office/powerpoint/2010/main" val="1488746756"/>
+        <p14:creationId xmlns:p14="http://schemas.microsoft.com/office/powerpoint/2010/main" val="3543903624"/>
       </p:ext>
     </p:extLst>
   </p:cSld>
@@ -9346,355 +10298,10 @@
           </a:p>
         </p:txBody>
       </p:sp>
-      <p:sp>
-        <p:nvSpPr>
-          <p:cNvPr id="12" name="Rectangle 11">
-            <a:extLst>
-              <a:ext uri="{FF2B5EF4-FFF2-40B4-BE49-F238E27FC236}">
-                <a16:creationId xmlns:a16="http://schemas.microsoft.com/office/drawing/2014/main" id="{1CB59E4A-E18D-E04E-9157-31655B853F03}"/>
-              </a:ext>
-            </a:extLst>
-          </p:cNvPr>
-          <p:cNvSpPr/>
-          <p:nvPr/>
-        </p:nvSpPr>
-        <p:spPr>
-          <a:xfrm>
-            <a:off x="2514600" y="2550458"/>
-            <a:ext cx="2034988" cy="479611"/>
-          </a:xfrm>
-          <a:prstGeom prst="rect">
-            <a:avLst/>
-          </a:prstGeom>
-          <a:solidFill>
-            <a:schemeClr val="accent2">
-              <a:lumMod val="40000"/>
-              <a:lumOff val="60000"/>
-            </a:schemeClr>
-          </a:solidFill>
-        </p:spPr>
-        <p:style>
-          <a:lnRef idx="2">
-            <a:schemeClr val="accent1">
-              <a:shade val="50000"/>
-            </a:schemeClr>
-          </a:lnRef>
-          <a:fillRef idx="1">
-            <a:schemeClr val="accent1"/>
-          </a:fillRef>
-          <a:effectRef idx="0">
-            <a:schemeClr val="accent1"/>
-          </a:effectRef>
-          <a:fontRef idx="minor">
-            <a:schemeClr val="lt1"/>
-          </a:fontRef>
-        </p:style>
-        <p:txBody>
-          <a:bodyPr rtlCol="0" anchor="ctr"/>
-          <a:lstStyle/>
-          <a:p>
-            <a:pPr algn="ctr"/>
-            <a:r>
-              <a:rPr lang="en-GB" dirty="0">
-                <a:solidFill>
-                  <a:schemeClr val="tx1"/>
-                </a:solidFill>
-              </a:rPr>
-              <a:t>xyx</a:t>
-            </a:r>
-          </a:p>
-        </p:txBody>
-      </p:sp>
-      <p:sp>
-        <p:nvSpPr>
-          <p:cNvPr id="13" name="Rectangle 12">
-            <a:extLst>
-              <a:ext uri="{FF2B5EF4-FFF2-40B4-BE49-F238E27FC236}">
-                <a16:creationId xmlns:a16="http://schemas.microsoft.com/office/drawing/2014/main" id="{78385039-EB78-D344-B353-E23461449F72}"/>
-              </a:ext>
-            </a:extLst>
-          </p:cNvPr>
-          <p:cNvSpPr/>
-          <p:nvPr/>
-        </p:nvSpPr>
-        <p:spPr>
-          <a:xfrm>
-            <a:off x="1848970" y="2550458"/>
-            <a:ext cx="665630" cy="479611"/>
-          </a:xfrm>
-          <a:prstGeom prst="rect">
-            <a:avLst/>
-          </a:prstGeom>
-          <a:noFill/>
-        </p:spPr>
-        <p:style>
-          <a:lnRef idx="2">
-            <a:schemeClr val="accent1">
-              <a:shade val="50000"/>
-            </a:schemeClr>
-          </a:lnRef>
-          <a:fillRef idx="1">
-            <a:schemeClr val="accent1"/>
-          </a:fillRef>
-          <a:effectRef idx="0">
-            <a:schemeClr val="accent1"/>
-          </a:effectRef>
-          <a:fontRef idx="minor">
-            <a:schemeClr val="lt1"/>
-          </a:fontRef>
-        </p:style>
-        <p:txBody>
-          <a:bodyPr rtlCol="0" anchor="ctr"/>
-          <a:lstStyle/>
-          <a:p>
-            <a:pPr algn="ctr"/>
-            <a:r>
-              <a:rPr lang="en-GB" dirty="0">
-                <a:solidFill>
-                  <a:schemeClr val="tx1"/>
-                </a:solidFill>
-                <a:latin typeface="Courier New" panose="02070309020205020404" pitchFamily="49" charset="0"/>
-                <a:cs typeface="Courier New" panose="02070309020205020404" pitchFamily="49" charset="0"/>
-              </a:rPr>
-              <a:t>s1</a:t>
-            </a:r>
-          </a:p>
-        </p:txBody>
-      </p:sp>
-      <p:sp>
-        <p:nvSpPr>
-          <p:cNvPr id="14" name="Rectangle 13">
-            <a:extLst>
-              <a:ext uri="{FF2B5EF4-FFF2-40B4-BE49-F238E27FC236}">
-                <a16:creationId xmlns:a16="http://schemas.microsoft.com/office/drawing/2014/main" id="{070E65BD-03E3-4F44-8D99-63E3F704B91C}"/>
-              </a:ext>
-            </a:extLst>
-          </p:cNvPr>
-          <p:cNvSpPr/>
-          <p:nvPr/>
-        </p:nvSpPr>
-        <p:spPr>
-          <a:xfrm>
-            <a:off x="2514600" y="3030069"/>
-            <a:ext cx="2034988" cy="479611"/>
-          </a:xfrm>
-          <a:prstGeom prst="rect">
-            <a:avLst/>
-          </a:prstGeom>
-          <a:solidFill>
-            <a:schemeClr val="accent2">
-              <a:lumMod val="40000"/>
-              <a:lumOff val="60000"/>
-            </a:schemeClr>
-          </a:solidFill>
-        </p:spPr>
-        <p:style>
-          <a:lnRef idx="2">
-            <a:schemeClr val="accent1">
-              <a:shade val="50000"/>
-            </a:schemeClr>
-          </a:lnRef>
-          <a:fillRef idx="1">
-            <a:schemeClr val="accent1"/>
-          </a:fillRef>
-          <a:effectRef idx="0">
-            <a:schemeClr val="accent1"/>
-          </a:effectRef>
-          <a:fontRef idx="minor">
-            <a:schemeClr val="lt1"/>
-          </a:fontRef>
-        </p:style>
-        <p:txBody>
-          <a:bodyPr rtlCol="0" anchor="ctr"/>
-          <a:lstStyle/>
-          <a:p>
-            <a:pPr algn="ctr"/>
-            <a:r>
-              <a:rPr lang="en-GB" dirty="0">
-                <a:solidFill>
-                  <a:schemeClr val="tx1"/>
-                </a:solidFill>
-              </a:rPr>
-              <a:t>xyx</a:t>
-            </a:r>
-          </a:p>
-        </p:txBody>
-      </p:sp>
-      <p:sp>
-        <p:nvSpPr>
-          <p:cNvPr id="15" name="Rectangle 14">
-            <a:extLst>
-              <a:ext uri="{FF2B5EF4-FFF2-40B4-BE49-F238E27FC236}">
-                <a16:creationId xmlns:a16="http://schemas.microsoft.com/office/drawing/2014/main" id="{DCDB36E5-0B9E-E14A-9FE8-5229237AFD2D}"/>
-              </a:ext>
-            </a:extLst>
-          </p:cNvPr>
-          <p:cNvSpPr/>
-          <p:nvPr/>
-        </p:nvSpPr>
-        <p:spPr>
-          <a:xfrm>
-            <a:off x="1848970" y="3030069"/>
-            <a:ext cx="665630" cy="479611"/>
-          </a:xfrm>
-          <a:prstGeom prst="rect">
-            <a:avLst/>
-          </a:prstGeom>
-          <a:noFill/>
-        </p:spPr>
-        <p:style>
-          <a:lnRef idx="2">
-            <a:schemeClr val="accent1">
-              <a:shade val="50000"/>
-            </a:schemeClr>
-          </a:lnRef>
-          <a:fillRef idx="1">
-            <a:schemeClr val="accent1"/>
-          </a:fillRef>
-          <a:effectRef idx="0">
-            <a:schemeClr val="accent1"/>
-          </a:effectRef>
-          <a:fontRef idx="minor">
-            <a:schemeClr val="lt1"/>
-          </a:fontRef>
-        </p:style>
-        <p:txBody>
-          <a:bodyPr rtlCol="0" anchor="ctr"/>
-          <a:lstStyle/>
-          <a:p>
-            <a:pPr algn="ctr"/>
-            <a:r>
-              <a:rPr lang="en-GB" dirty="0">
-                <a:solidFill>
-                  <a:schemeClr val="tx1"/>
-                </a:solidFill>
-                <a:latin typeface="Courier New" panose="02070309020205020404" pitchFamily="49" charset="0"/>
-                <a:cs typeface="Courier New" panose="02070309020205020404" pitchFamily="49" charset="0"/>
-              </a:rPr>
-              <a:t>s2</a:t>
-            </a:r>
-          </a:p>
-        </p:txBody>
-      </p:sp>
-      <p:sp>
-        <p:nvSpPr>
-          <p:cNvPr id="16" name="Rectangle 15">
-            <a:extLst>
-              <a:ext uri="{FF2B5EF4-FFF2-40B4-BE49-F238E27FC236}">
-                <a16:creationId xmlns:a16="http://schemas.microsoft.com/office/drawing/2014/main" id="{6CCB94E6-72A4-2048-AF6D-F6F48E8D1E98}"/>
-              </a:ext>
-            </a:extLst>
-          </p:cNvPr>
-          <p:cNvSpPr/>
-          <p:nvPr/>
-        </p:nvSpPr>
-        <p:spPr>
-          <a:xfrm>
-            <a:off x="2514600" y="3509680"/>
-            <a:ext cx="2034988" cy="479611"/>
-          </a:xfrm>
-          <a:prstGeom prst="rect">
-            <a:avLst/>
-          </a:prstGeom>
-          <a:solidFill>
-            <a:schemeClr val="accent2">
-              <a:lumMod val="40000"/>
-              <a:lumOff val="60000"/>
-            </a:schemeClr>
-          </a:solidFill>
-        </p:spPr>
-        <p:style>
-          <a:lnRef idx="2">
-            <a:schemeClr val="accent1">
-              <a:shade val="50000"/>
-            </a:schemeClr>
-          </a:lnRef>
-          <a:fillRef idx="1">
-            <a:schemeClr val="accent1"/>
-          </a:fillRef>
-          <a:effectRef idx="0">
-            <a:schemeClr val="accent1"/>
-          </a:effectRef>
-          <a:fontRef idx="minor">
-            <a:schemeClr val="lt1"/>
-          </a:fontRef>
-        </p:style>
-        <p:txBody>
-          <a:bodyPr rtlCol="0" anchor="ctr"/>
-          <a:lstStyle/>
-          <a:p>
-            <a:pPr algn="ctr"/>
-            <a:r>
-              <a:rPr lang="en-GB" dirty="0">
-                <a:solidFill>
-                  <a:schemeClr val="tx1"/>
-                </a:solidFill>
-              </a:rPr>
-              <a:t>xyx</a:t>
-            </a:r>
-          </a:p>
-        </p:txBody>
-      </p:sp>
-      <p:sp>
-        <p:nvSpPr>
-          <p:cNvPr id="17" name="Rectangle 16">
-            <a:extLst>
-              <a:ext uri="{FF2B5EF4-FFF2-40B4-BE49-F238E27FC236}">
-                <a16:creationId xmlns:a16="http://schemas.microsoft.com/office/drawing/2014/main" id="{CFFFB492-4C6A-7942-98E1-FF83AFDD6821}"/>
-              </a:ext>
-            </a:extLst>
-          </p:cNvPr>
-          <p:cNvSpPr/>
-          <p:nvPr/>
-        </p:nvSpPr>
-        <p:spPr>
-          <a:xfrm>
-            <a:off x="1848970" y="3509680"/>
-            <a:ext cx="665630" cy="479611"/>
-          </a:xfrm>
-          <a:prstGeom prst="rect">
-            <a:avLst/>
-          </a:prstGeom>
-          <a:noFill/>
-        </p:spPr>
-        <p:style>
-          <a:lnRef idx="2">
-            <a:schemeClr val="accent1">
-              <a:shade val="50000"/>
-            </a:schemeClr>
-          </a:lnRef>
-          <a:fillRef idx="1">
-            <a:schemeClr val="accent1"/>
-          </a:fillRef>
-          <a:effectRef idx="0">
-            <a:schemeClr val="accent1"/>
-          </a:effectRef>
-          <a:fontRef idx="minor">
-            <a:schemeClr val="lt1"/>
-          </a:fontRef>
-        </p:style>
-        <p:txBody>
-          <a:bodyPr rtlCol="0" anchor="ctr"/>
-          <a:lstStyle/>
-          <a:p>
-            <a:pPr algn="ctr"/>
-            <a:r>
-              <a:rPr lang="en-GB" dirty="0">
-                <a:solidFill>
-                  <a:schemeClr val="tx1"/>
-                </a:solidFill>
-                <a:latin typeface="Courier New" panose="02070309020205020404" pitchFamily="49" charset="0"/>
-                <a:cs typeface="Courier New" panose="02070309020205020404" pitchFamily="49" charset="0"/>
-              </a:rPr>
-              <a:t>s3</a:t>
-            </a:r>
-          </a:p>
-        </p:txBody>
-      </p:sp>
     </p:spTree>
     <p:extLst>
       <p:ext uri="{BB962C8B-B14F-4D97-AF65-F5344CB8AC3E}">
-        <p14:creationId xmlns:p14="http://schemas.microsoft.com/office/powerpoint/2010/main" val="701411516"/>
+        <p14:creationId xmlns:p14="http://schemas.microsoft.com/office/powerpoint/2010/main" val="1488746756"/>
       </p:ext>
     </p:extLst>
   </p:cSld>

--- a/assets/images/Images.pptx
+++ b/assets/images/Images.pptx
@@ -5,7 +5,7 @@
     <p:sldMasterId id="2147483648" r:id="rId1"/>
   </p:sldMasterIdLst>
   <p:notesMasterIdLst>
-    <p:notesMasterId r:id="rId15"/>
+    <p:notesMasterId r:id="rId16"/>
   </p:notesMasterIdLst>
   <p:sldIdLst>
     <p:sldId id="257" r:id="rId2"/>
@@ -20,7 +20,8 @@
     <p:sldId id="263" r:id="rId11"/>
     <p:sldId id="264" r:id="rId12"/>
     <p:sldId id="265" r:id="rId13"/>
-    <p:sldId id="256" r:id="rId14"/>
+    <p:sldId id="269" r:id="rId14"/>
+    <p:sldId id="256" r:id="rId15"/>
   </p:sldIdLst>
   <p:sldSz cx="12192000" cy="6858000"/>
   <p:notesSz cx="6858000" cy="9144000"/>
@@ -127,7 +128,7 @@
             <p14:sldId id="257"/>
           </p14:sldIdLst>
         </p14:section>
-        <p14:section name="Data Types" id="{D2EF745B-DF6F-1149-A956-99F8C5570964}">
+        <p14:section name="Data Types - Stack and Heap" id="{D2EF745B-DF6F-1149-A956-99F8C5570964}">
           <p14:sldIdLst>
             <p14:sldId id="258"/>
             <p14:sldId id="259"/>
@@ -140,6 +141,11 @@
             <p14:sldId id="263"/>
             <p14:sldId id="264"/>
             <p14:sldId id="265"/>
+          </p14:sldIdLst>
+        </p14:section>
+        <p14:section name="Data Types - Access Modifieres" id="{AE058796-2059-4E48-B40C-7B85D9A86F81}">
+          <p14:sldIdLst>
+            <p14:sldId id="269"/>
           </p14:sldIdLst>
         </p14:section>
         <p14:section name="Testing" id="{064BBB82-ADB6-E844-9D9E-44CD43DCBE9F}">
@@ -241,7 +247,7 @@
           <a:p>
             <a:fld id="{F0373C07-0034-D84F-B0CB-1249B408AEAD}" type="datetimeFigureOut">
               <a:rPr lang="en-GB" smtClean="0"/>
-              <a:t>07/05/2020</a:t>
+              <a:t>08/05/2020</a:t>
             </a:fld>
             <a:endParaRPr lang="en-GB"/>
           </a:p>
@@ -909,7 +915,7 @@
           <a:p>
             <a:fld id="{11A96E62-EC5F-C045-9FEB-EDD3A98888BE}" type="slidenum">
               <a:rPr lang="en-GB" smtClean="0"/>
-              <a:t>13</a:t>
+              <a:t>14</a:t>
             </a:fld>
             <a:endParaRPr lang="en-GB"/>
           </a:p>
@@ -1075,7 +1081,7 @@
           <a:p>
             <a:fld id="{1277814B-86DA-1A43-BEBE-BB22F0FBA56B}" type="datetimeFigureOut">
               <a:rPr lang="en-GB" smtClean="0"/>
-              <a:t>07/05/2020</a:t>
+              <a:t>08/05/2020</a:t>
             </a:fld>
             <a:endParaRPr lang="en-GB"/>
           </a:p>
@@ -1273,7 +1279,7 @@
           <a:p>
             <a:fld id="{1277814B-86DA-1A43-BEBE-BB22F0FBA56B}" type="datetimeFigureOut">
               <a:rPr lang="en-GB" smtClean="0"/>
-              <a:t>07/05/2020</a:t>
+              <a:t>08/05/2020</a:t>
             </a:fld>
             <a:endParaRPr lang="en-GB"/>
           </a:p>
@@ -1481,7 +1487,7 @@
           <a:p>
             <a:fld id="{1277814B-86DA-1A43-BEBE-BB22F0FBA56B}" type="datetimeFigureOut">
               <a:rPr lang="en-GB" smtClean="0"/>
-              <a:t>07/05/2020</a:t>
+              <a:t>08/05/2020</a:t>
             </a:fld>
             <a:endParaRPr lang="en-GB"/>
           </a:p>
@@ -1679,7 +1685,7 @@
           <a:p>
             <a:fld id="{1277814B-86DA-1A43-BEBE-BB22F0FBA56B}" type="datetimeFigureOut">
               <a:rPr lang="en-GB" smtClean="0"/>
-              <a:t>07/05/2020</a:t>
+              <a:t>08/05/2020</a:t>
             </a:fld>
             <a:endParaRPr lang="en-GB"/>
           </a:p>
@@ -1954,7 +1960,7 @@
           <a:p>
             <a:fld id="{1277814B-86DA-1A43-BEBE-BB22F0FBA56B}" type="datetimeFigureOut">
               <a:rPr lang="en-GB" smtClean="0"/>
-              <a:t>07/05/2020</a:t>
+              <a:t>08/05/2020</a:t>
             </a:fld>
             <a:endParaRPr lang="en-GB"/>
           </a:p>
@@ -2219,7 +2225,7 @@
           <a:p>
             <a:fld id="{1277814B-86DA-1A43-BEBE-BB22F0FBA56B}" type="datetimeFigureOut">
               <a:rPr lang="en-GB" smtClean="0"/>
-              <a:t>07/05/2020</a:t>
+              <a:t>08/05/2020</a:t>
             </a:fld>
             <a:endParaRPr lang="en-GB"/>
           </a:p>
@@ -2631,7 +2637,7 @@
           <a:p>
             <a:fld id="{1277814B-86DA-1A43-BEBE-BB22F0FBA56B}" type="datetimeFigureOut">
               <a:rPr lang="en-GB" smtClean="0"/>
-              <a:t>07/05/2020</a:t>
+              <a:t>08/05/2020</a:t>
             </a:fld>
             <a:endParaRPr lang="en-GB"/>
           </a:p>
@@ -2772,7 +2778,7 @@
           <a:p>
             <a:fld id="{1277814B-86DA-1A43-BEBE-BB22F0FBA56B}" type="datetimeFigureOut">
               <a:rPr lang="en-GB" smtClean="0"/>
-              <a:t>07/05/2020</a:t>
+              <a:t>08/05/2020</a:t>
             </a:fld>
             <a:endParaRPr lang="en-GB"/>
           </a:p>
@@ -2885,7 +2891,7 @@
           <a:p>
             <a:fld id="{1277814B-86DA-1A43-BEBE-BB22F0FBA56B}" type="datetimeFigureOut">
               <a:rPr lang="en-GB" smtClean="0"/>
-              <a:t>07/05/2020</a:t>
+              <a:t>08/05/2020</a:t>
             </a:fld>
             <a:endParaRPr lang="en-GB"/>
           </a:p>
@@ -3196,7 +3202,7 @@
           <a:p>
             <a:fld id="{1277814B-86DA-1A43-BEBE-BB22F0FBA56B}" type="datetimeFigureOut">
               <a:rPr lang="en-GB" smtClean="0"/>
-              <a:t>07/05/2020</a:t>
+              <a:t>08/05/2020</a:t>
             </a:fld>
             <a:endParaRPr lang="en-GB"/>
           </a:p>
@@ -3484,7 +3490,7 @@
           <a:p>
             <a:fld id="{1277814B-86DA-1A43-BEBE-BB22F0FBA56B}" type="datetimeFigureOut">
               <a:rPr lang="en-GB" smtClean="0"/>
-              <a:t>07/05/2020</a:t>
+              <a:t>08/05/2020</a:t>
             </a:fld>
             <a:endParaRPr lang="en-GB"/>
           </a:p>
@@ -3725,7 +3731,7 @@
           <a:p>
             <a:fld id="{1277814B-86DA-1A43-BEBE-BB22F0FBA56B}" type="datetimeFigureOut">
               <a:rPr lang="en-GB" smtClean="0"/>
-              <a:t>07/05/2020</a:t>
+              <a:t>08/05/2020</a:t>
             </a:fld>
             <a:endParaRPr lang="en-GB"/>
           </a:p>
@@ -6592,6 +6598,157 @@
 </file>
 
 <file path=ppt/slides/slide13.xml><?xml version="1.0" encoding="utf-8"?>
+<p:sld xmlns:a="http://schemas.openxmlformats.org/drawingml/2006/main" xmlns:r="http://schemas.openxmlformats.org/officeDocument/2006/relationships" xmlns:p="http://schemas.openxmlformats.org/presentationml/2006/main">
+  <p:cSld>
+    <p:spTree>
+      <p:nvGrpSpPr>
+        <p:cNvPr id="1" name=""/>
+        <p:cNvGrpSpPr/>
+        <p:nvPr/>
+      </p:nvGrpSpPr>
+      <p:grpSpPr>
+        <a:xfrm>
+          <a:off x="0" y="0"/>
+          <a:ext cx="0" cy="0"/>
+          <a:chOff x="0" y="0"/>
+          <a:chExt cx="0" cy="0"/>
+        </a:xfrm>
+      </p:grpSpPr>
+      <p:pic>
+        <p:nvPicPr>
+          <p:cNvPr id="4" name="Picture 3">
+            <a:extLst>
+              <a:ext uri="{FF2B5EF4-FFF2-40B4-BE49-F238E27FC236}">
+                <a16:creationId xmlns:a16="http://schemas.microsoft.com/office/drawing/2014/main" id="{AFE8EFDB-CCDF-E64B-8B9B-A45307BDFBB1}"/>
+              </a:ext>
+            </a:extLst>
+          </p:cNvPr>
+          <p:cNvPicPr>
+            <a:picLocks noChangeAspect="1"/>
+          </p:cNvPicPr>
+          <p:nvPr/>
+        </p:nvPicPr>
+        <p:blipFill>
+          <a:blip r:embed="rId2"/>
+          <a:stretch>
+            <a:fillRect/>
+          </a:stretch>
+        </p:blipFill>
+        <p:spPr>
+          <a:xfrm>
+            <a:off x="1545872" y="810622"/>
+            <a:ext cx="4838700" cy="4635500"/>
+          </a:xfrm>
+          <a:prstGeom prst="rect">
+            <a:avLst/>
+          </a:prstGeom>
+        </p:spPr>
+      </p:pic>
+      <p:sp>
+        <p:nvSpPr>
+          <p:cNvPr id="10" name="Arc 9">
+            <a:extLst>
+              <a:ext uri="{FF2B5EF4-FFF2-40B4-BE49-F238E27FC236}">
+                <a16:creationId xmlns:a16="http://schemas.microsoft.com/office/drawing/2014/main" id="{EAFF5220-A791-E94F-831C-D6C79A2E7238}"/>
+              </a:ext>
+            </a:extLst>
+          </p:cNvPr>
+          <p:cNvSpPr/>
+          <p:nvPr/>
+        </p:nvSpPr>
+        <p:spPr>
+          <a:xfrm>
+            <a:off x="1335494" y="2399741"/>
+            <a:ext cx="5979706" cy="2245125"/>
+          </a:xfrm>
+          <a:prstGeom prst="arc">
+            <a:avLst>
+              <a:gd name="adj1" fmla="val 16200000"/>
+              <a:gd name="adj2" fmla="val 5957216"/>
+            </a:avLst>
+          </a:prstGeom>
+          <a:ln w="38100">
+            <a:solidFill>
+              <a:srgbClr val="FF0000"/>
+            </a:solidFill>
+            <a:headEnd type="arrow" w="med" len="med"/>
+            <a:tailEnd type="none" w="med" len="med"/>
+          </a:ln>
+        </p:spPr>
+        <p:style>
+          <a:lnRef idx="1">
+            <a:schemeClr val="accent1"/>
+          </a:lnRef>
+          <a:fillRef idx="0">
+            <a:schemeClr val="accent1"/>
+          </a:fillRef>
+          <a:effectRef idx="0">
+            <a:schemeClr val="accent1"/>
+          </a:effectRef>
+          <a:fontRef idx="minor">
+            <a:schemeClr val="tx1"/>
+          </a:fontRef>
+        </p:style>
+        <p:txBody>
+          <a:bodyPr rtlCol="0" anchor="ctr"/>
+          <a:lstStyle/>
+          <a:p>
+            <a:pPr algn="ctr"/>
+            <a:endParaRPr lang="en-GB"/>
+          </a:p>
+        </p:txBody>
+      </p:sp>
+      <p:sp>
+        <p:nvSpPr>
+          <p:cNvPr id="5" name="TextBox 4">
+            <a:extLst>
+              <a:ext uri="{FF2B5EF4-FFF2-40B4-BE49-F238E27FC236}">
+                <a16:creationId xmlns:a16="http://schemas.microsoft.com/office/drawing/2014/main" id="{3AB9BB34-C79D-C840-8F80-88028878916A}"/>
+              </a:ext>
+            </a:extLst>
+          </p:cNvPr>
+          <p:cNvSpPr txBox="1"/>
+          <p:nvPr/>
+        </p:nvSpPr>
+        <p:spPr>
+          <a:xfrm>
+            <a:off x="6980582" y="3105834"/>
+            <a:ext cx="2404533" cy="646331"/>
+          </a:xfrm>
+          <a:prstGeom prst="rect">
+            <a:avLst/>
+          </a:prstGeom>
+          <a:solidFill>
+            <a:schemeClr val="bg1"/>
+          </a:solidFill>
+        </p:spPr>
+        <p:txBody>
+          <a:bodyPr wrap="square" rtlCol="0">
+            <a:spAutoFit/>
+          </a:bodyPr>
+          <a:lstStyle/>
+          <a:p>
+            <a:r>
+              <a:rPr lang="en-GB" dirty="0"/>
+              <a:t>One Java source file produces two class files</a:t>
+            </a:r>
+          </a:p>
+        </p:txBody>
+      </p:sp>
+    </p:spTree>
+    <p:extLst>
+      <p:ext uri="{BB962C8B-B14F-4D97-AF65-F5344CB8AC3E}">
+        <p14:creationId xmlns:p14="http://schemas.microsoft.com/office/powerpoint/2010/main" val="4212801109"/>
+      </p:ext>
+    </p:extLst>
+  </p:cSld>
+  <p:clrMapOvr>
+    <a:masterClrMapping/>
+  </p:clrMapOvr>
+</p:sld>
+</file>
+
+<file path=ppt/slides/slide14.xml><?xml version="1.0" encoding="utf-8"?>
 <p:sld xmlns:a="http://schemas.openxmlformats.org/drawingml/2006/main" xmlns:r="http://schemas.openxmlformats.org/officeDocument/2006/relationships" xmlns:p="http://schemas.openxmlformats.org/presentationml/2006/main">
   <p:cSld>
     <p:spTree>

--- a/assets/images/Images.pptx
+++ b/assets/images/Images.pptx
@@ -5,7 +5,7 @@
     <p:sldMasterId id="2147483648" r:id="rId1"/>
   </p:sldMasterIdLst>
   <p:notesMasterIdLst>
-    <p:notesMasterId r:id="rId16"/>
+    <p:notesMasterId r:id="rId18"/>
   </p:notesMasterIdLst>
   <p:sldIdLst>
     <p:sldId id="257" r:id="rId2"/>
@@ -21,7 +21,9 @@
     <p:sldId id="264" r:id="rId12"/>
     <p:sldId id="265" r:id="rId13"/>
     <p:sldId id="269" r:id="rId14"/>
-    <p:sldId id="256" r:id="rId15"/>
+    <p:sldId id="271" r:id="rId15"/>
+    <p:sldId id="270" r:id="rId16"/>
+    <p:sldId id="256" r:id="rId17"/>
   </p:sldIdLst>
   <p:sldSz cx="12192000" cy="6858000"/>
   <p:notesSz cx="6858000" cy="9144000"/>
@@ -148,6 +150,12 @@
             <p14:sldId id="269"/>
           </p14:sldIdLst>
         </p14:section>
+        <p14:section name="Collections - Arrays &amp; Java Heap" id="{A77C8035-645E-BC41-A860-8F1EAD9648FF}">
+          <p14:sldIdLst>
+            <p14:sldId id="271"/>
+            <p14:sldId id="270"/>
+          </p14:sldIdLst>
+        </p14:section>
         <p14:section name="Testing" id="{064BBB82-ADB6-E844-9D9E-44CD43DCBE9F}">
           <p14:sldIdLst>
             <p14:sldId id="256"/>
@@ -915,7 +923,7 @@
           <a:p>
             <a:fld id="{11A96E62-EC5F-C045-9FEB-EDD3A98888BE}" type="slidenum">
               <a:rPr lang="en-GB" smtClean="0"/>
-              <a:t>14</a:t>
+              <a:t>16</a:t>
             </a:fld>
             <a:endParaRPr lang="en-GB"/>
           </a:p>
@@ -6749,6 +6757,66 @@
 </file>
 
 <file path=ppt/slides/slide14.xml><?xml version="1.0" encoding="utf-8"?>
+<p:sld xmlns:a="http://schemas.openxmlformats.org/drawingml/2006/main" xmlns:r="http://schemas.openxmlformats.org/officeDocument/2006/relationships" xmlns:p="http://schemas.openxmlformats.org/presentationml/2006/main">
+  <p:cSld>
+    <p:spTree>
+      <p:nvGrpSpPr>
+        <p:cNvPr id="1" name=""/>
+        <p:cNvGrpSpPr/>
+        <p:nvPr/>
+      </p:nvGrpSpPr>
+      <p:grpSpPr>
+        <a:xfrm>
+          <a:off x="0" y="0"/>
+          <a:ext cx="0" cy="0"/>
+          <a:chOff x="0" y="0"/>
+          <a:chExt cx="0" cy="0"/>
+        </a:xfrm>
+      </p:grpSpPr>
+    </p:spTree>
+    <p:extLst>
+      <p:ext uri="{BB962C8B-B14F-4D97-AF65-F5344CB8AC3E}">
+        <p14:creationId xmlns:p14="http://schemas.microsoft.com/office/powerpoint/2010/main" val="326342617"/>
+      </p:ext>
+    </p:extLst>
+  </p:cSld>
+  <p:clrMapOvr>
+    <a:masterClrMapping/>
+  </p:clrMapOvr>
+</p:sld>
+</file>
+
+<file path=ppt/slides/slide15.xml><?xml version="1.0" encoding="utf-8"?>
+<p:sld xmlns:a="http://schemas.openxmlformats.org/drawingml/2006/main" xmlns:r="http://schemas.openxmlformats.org/officeDocument/2006/relationships" xmlns:p="http://schemas.openxmlformats.org/presentationml/2006/main">
+  <p:cSld>
+    <p:spTree>
+      <p:nvGrpSpPr>
+        <p:cNvPr id="1" name=""/>
+        <p:cNvGrpSpPr/>
+        <p:nvPr/>
+      </p:nvGrpSpPr>
+      <p:grpSpPr>
+        <a:xfrm>
+          <a:off x="0" y="0"/>
+          <a:ext cx="0" cy="0"/>
+          <a:chOff x="0" y="0"/>
+          <a:chExt cx="0" cy="0"/>
+        </a:xfrm>
+      </p:grpSpPr>
+    </p:spTree>
+    <p:extLst>
+      <p:ext uri="{BB962C8B-B14F-4D97-AF65-F5344CB8AC3E}">
+        <p14:creationId xmlns:p14="http://schemas.microsoft.com/office/powerpoint/2010/main" val="606586767"/>
+      </p:ext>
+    </p:extLst>
+  </p:cSld>
+  <p:clrMapOvr>
+    <a:masterClrMapping/>
+  </p:clrMapOvr>
+</p:sld>
+</file>
+
+<file path=ppt/slides/slide16.xml><?xml version="1.0" encoding="utf-8"?>
 <p:sld xmlns:a="http://schemas.openxmlformats.org/drawingml/2006/main" xmlns:r="http://schemas.openxmlformats.org/officeDocument/2006/relationships" xmlns:p="http://schemas.openxmlformats.org/presentationml/2006/main">
   <p:cSld>
     <p:spTree>

--- a/assets/images/Images.pptx
+++ b/assets/images/Images.pptx
@@ -150,9 +150,13 @@
             <p14:sldId id="269"/>
           </p14:sldIdLst>
         </p14:section>
+        <p14:section name="Classes, Methods and Objects" id="{7E6D6E75-2148-054E-9DBB-4F264AFB32D7}">
+          <p14:sldIdLst>
+            <p14:sldId id="271"/>
+          </p14:sldIdLst>
+        </p14:section>
         <p14:section name="Collections - Arrays &amp; Java Heap" id="{A77C8035-645E-BC41-A860-8F1EAD9648FF}">
           <p14:sldIdLst>
-            <p14:sldId id="271"/>
             <p14:sldId id="270"/>
           </p14:sldIdLst>
         </p14:section>
@@ -255,7 +259,7 @@
           <a:p>
             <a:fld id="{F0373C07-0034-D84F-B0CB-1249B408AEAD}" type="datetimeFigureOut">
               <a:rPr lang="en-GB" smtClean="0"/>
-              <a:t>08/05/2020</a:t>
+              <a:t>18/05/2020</a:t>
             </a:fld>
             <a:endParaRPr lang="en-GB"/>
           </a:p>
@@ -1089,7 +1093,7 @@
           <a:p>
             <a:fld id="{1277814B-86DA-1A43-BEBE-BB22F0FBA56B}" type="datetimeFigureOut">
               <a:rPr lang="en-GB" smtClean="0"/>
-              <a:t>08/05/2020</a:t>
+              <a:t>18/05/2020</a:t>
             </a:fld>
             <a:endParaRPr lang="en-GB"/>
           </a:p>
@@ -1287,7 +1291,7 @@
           <a:p>
             <a:fld id="{1277814B-86DA-1A43-BEBE-BB22F0FBA56B}" type="datetimeFigureOut">
               <a:rPr lang="en-GB" smtClean="0"/>
-              <a:t>08/05/2020</a:t>
+              <a:t>18/05/2020</a:t>
             </a:fld>
             <a:endParaRPr lang="en-GB"/>
           </a:p>
@@ -1495,7 +1499,7 @@
           <a:p>
             <a:fld id="{1277814B-86DA-1A43-BEBE-BB22F0FBA56B}" type="datetimeFigureOut">
               <a:rPr lang="en-GB" smtClean="0"/>
-              <a:t>08/05/2020</a:t>
+              <a:t>18/05/2020</a:t>
             </a:fld>
             <a:endParaRPr lang="en-GB"/>
           </a:p>
@@ -1693,7 +1697,7 @@
           <a:p>
             <a:fld id="{1277814B-86DA-1A43-BEBE-BB22F0FBA56B}" type="datetimeFigureOut">
               <a:rPr lang="en-GB" smtClean="0"/>
-              <a:t>08/05/2020</a:t>
+              <a:t>18/05/2020</a:t>
             </a:fld>
             <a:endParaRPr lang="en-GB"/>
           </a:p>
@@ -1968,7 +1972,7 @@
           <a:p>
             <a:fld id="{1277814B-86DA-1A43-BEBE-BB22F0FBA56B}" type="datetimeFigureOut">
               <a:rPr lang="en-GB" smtClean="0"/>
-              <a:t>08/05/2020</a:t>
+              <a:t>18/05/2020</a:t>
             </a:fld>
             <a:endParaRPr lang="en-GB"/>
           </a:p>
@@ -2233,7 +2237,7 @@
           <a:p>
             <a:fld id="{1277814B-86DA-1A43-BEBE-BB22F0FBA56B}" type="datetimeFigureOut">
               <a:rPr lang="en-GB" smtClean="0"/>
-              <a:t>08/05/2020</a:t>
+              <a:t>18/05/2020</a:t>
             </a:fld>
             <a:endParaRPr lang="en-GB"/>
           </a:p>
@@ -2645,7 +2649,7 @@
           <a:p>
             <a:fld id="{1277814B-86DA-1A43-BEBE-BB22F0FBA56B}" type="datetimeFigureOut">
               <a:rPr lang="en-GB" smtClean="0"/>
-              <a:t>08/05/2020</a:t>
+              <a:t>18/05/2020</a:t>
             </a:fld>
             <a:endParaRPr lang="en-GB"/>
           </a:p>
@@ -2786,7 +2790,7 @@
           <a:p>
             <a:fld id="{1277814B-86DA-1A43-BEBE-BB22F0FBA56B}" type="datetimeFigureOut">
               <a:rPr lang="en-GB" smtClean="0"/>
-              <a:t>08/05/2020</a:t>
+              <a:t>18/05/2020</a:t>
             </a:fld>
             <a:endParaRPr lang="en-GB"/>
           </a:p>
@@ -2899,7 +2903,7 @@
           <a:p>
             <a:fld id="{1277814B-86DA-1A43-BEBE-BB22F0FBA56B}" type="datetimeFigureOut">
               <a:rPr lang="en-GB" smtClean="0"/>
-              <a:t>08/05/2020</a:t>
+              <a:t>18/05/2020</a:t>
             </a:fld>
             <a:endParaRPr lang="en-GB"/>
           </a:p>
@@ -3210,7 +3214,7 @@
           <a:p>
             <a:fld id="{1277814B-86DA-1A43-BEBE-BB22F0FBA56B}" type="datetimeFigureOut">
               <a:rPr lang="en-GB" smtClean="0"/>
-              <a:t>08/05/2020</a:t>
+              <a:t>18/05/2020</a:t>
             </a:fld>
             <a:endParaRPr lang="en-GB"/>
           </a:p>
@@ -3498,7 +3502,7 @@
           <a:p>
             <a:fld id="{1277814B-86DA-1A43-BEBE-BB22F0FBA56B}" type="datetimeFigureOut">
               <a:rPr lang="en-GB" smtClean="0"/>
-              <a:t>08/05/2020</a:t>
+              <a:t>18/05/2020</a:t>
             </a:fld>
             <a:endParaRPr lang="en-GB"/>
           </a:p>
@@ -3739,7 +3743,7 @@
           <a:p>
             <a:fld id="{1277814B-86DA-1A43-BEBE-BB22F0FBA56B}" type="datetimeFigureOut">
               <a:rPr lang="en-GB" smtClean="0"/>
-              <a:t>08/05/2020</a:t>
+              <a:t>18/05/2020</a:t>
             </a:fld>
             <a:endParaRPr lang="en-GB"/>
           </a:p>
@@ -6773,6 +6777,695 @@
           <a:chExt cx="0" cy="0"/>
         </a:xfrm>
       </p:grpSpPr>
+      <p:sp>
+        <p:nvSpPr>
+          <p:cNvPr id="2" name="Oval 1">
+            <a:extLst>
+              <a:ext uri="{FF2B5EF4-FFF2-40B4-BE49-F238E27FC236}">
+                <a16:creationId xmlns:a16="http://schemas.microsoft.com/office/drawing/2014/main" id="{45917FD0-4EC4-6B46-99CC-B91E4AAC7533}"/>
+              </a:ext>
+            </a:extLst>
+          </p:cNvPr>
+          <p:cNvSpPr/>
+          <p:nvPr/>
+        </p:nvSpPr>
+        <p:spPr>
+          <a:xfrm>
+            <a:off x="2902226" y="1798982"/>
+            <a:ext cx="1080000" cy="1080000"/>
+          </a:xfrm>
+          <a:prstGeom prst="ellipse">
+            <a:avLst/>
+          </a:prstGeom>
+          <a:solidFill>
+            <a:schemeClr val="bg2">
+              <a:lumMod val="75000"/>
+            </a:schemeClr>
+          </a:solidFill>
+        </p:spPr>
+        <p:style>
+          <a:lnRef idx="2">
+            <a:schemeClr val="accent1">
+              <a:shade val="50000"/>
+            </a:schemeClr>
+          </a:lnRef>
+          <a:fillRef idx="1">
+            <a:schemeClr val="accent1"/>
+          </a:fillRef>
+          <a:effectRef idx="0">
+            <a:schemeClr val="accent1"/>
+          </a:effectRef>
+          <a:fontRef idx="minor">
+            <a:schemeClr val="lt1"/>
+          </a:fontRef>
+        </p:style>
+        <p:txBody>
+          <a:bodyPr rtlCol="0" anchor="ctr"/>
+          <a:lstStyle/>
+          <a:p>
+            <a:pPr algn="ctr"/>
+            <a:r>
+              <a:rPr lang="en-GB" sz="1400" dirty="0">
+                <a:solidFill>
+                  <a:schemeClr val="tx1"/>
+                </a:solidFill>
+              </a:rPr>
+              <a:t>empty &amp; closed</a:t>
+            </a:r>
+          </a:p>
+        </p:txBody>
+      </p:sp>
+      <p:sp>
+        <p:nvSpPr>
+          <p:cNvPr id="3" name="Oval 2">
+            <a:extLst>
+              <a:ext uri="{FF2B5EF4-FFF2-40B4-BE49-F238E27FC236}">
+                <a16:creationId xmlns:a16="http://schemas.microsoft.com/office/drawing/2014/main" id="{3FFA3F3A-4497-504F-B654-2DE83E5CE79B}"/>
+              </a:ext>
+            </a:extLst>
+          </p:cNvPr>
+          <p:cNvSpPr/>
+          <p:nvPr/>
+        </p:nvSpPr>
+        <p:spPr>
+          <a:xfrm>
+            <a:off x="2902226" y="3730487"/>
+            <a:ext cx="1080000" cy="1080000"/>
+          </a:xfrm>
+          <a:prstGeom prst="ellipse">
+            <a:avLst/>
+          </a:prstGeom>
+          <a:solidFill>
+            <a:schemeClr val="accent2">
+              <a:lumMod val="40000"/>
+              <a:lumOff val="60000"/>
+            </a:schemeClr>
+          </a:solidFill>
+        </p:spPr>
+        <p:style>
+          <a:lnRef idx="2">
+            <a:schemeClr val="accent1">
+              <a:shade val="50000"/>
+            </a:schemeClr>
+          </a:lnRef>
+          <a:fillRef idx="1">
+            <a:schemeClr val="accent1"/>
+          </a:fillRef>
+          <a:effectRef idx="0">
+            <a:schemeClr val="accent1"/>
+          </a:effectRef>
+          <a:fontRef idx="minor">
+            <a:schemeClr val="lt1"/>
+          </a:fontRef>
+        </p:style>
+        <p:txBody>
+          <a:bodyPr rtlCol="0" anchor="ctr"/>
+          <a:lstStyle/>
+          <a:p>
+            <a:pPr algn="ctr"/>
+            <a:r>
+              <a:rPr lang="en-GB" sz="1400" dirty="0">
+                <a:solidFill>
+                  <a:schemeClr val="tx1"/>
+                </a:solidFill>
+              </a:rPr>
+              <a:t>empty &amp; open</a:t>
+            </a:r>
+          </a:p>
+        </p:txBody>
+      </p:sp>
+      <p:sp>
+        <p:nvSpPr>
+          <p:cNvPr id="4" name="Oval 3">
+            <a:extLst>
+              <a:ext uri="{FF2B5EF4-FFF2-40B4-BE49-F238E27FC236}">
+                <a16:creationId xmlns:a16="http://schemas.microsoft.com/office/drawing/2014/main" id="{D10E8AC8-A2CA-854D-9619-F20B6327B1A3}"/>
+              </a:ext>
+            </a:extLst>
+          </p:cNvPr>
+          <p:cNvSpPr/>
+          <p:nvPr/>
+        </p:nvSpPr>
+        <p:spPr>
+          <a:xfrm>
+            <a:off x="5271052" y="3730487"/>
+            <a:ext cx="1080000" cy="1080000"/>
+          </a:xfrm>
+          <a:prstGeom prst="ellipse">
+            <a:avLst/>
+          </a:prstGeom>
+          <a:solidFill>
+            <a:schemeClr val="accent2">
+              <a:lumMod val="75000"/>
+            </a:schemeClr>
+          </a:solidFill>
+        </p:spPr>
+        <p:style>
+          <a:lnRef idx="2">
+            <a:schemeClr val="accent1">
+              <a:shade val="50000"/>
+            </a:schemeClr>
+          </a:lnRef>
+          <a:fillRef idx="1">
+            <a:schemeClr val="accent1"/>
+          </a:fillRef>
+          <a:effectRef idx="0">
+            <a:schemeClr val="accent1"/>
+          </a:effectRef>
+          <a:fontRef idx="minor">
+            <a:schemeClr val="lt1"/>
+          </a:fontRef>
+        </p:style>
+        <p:txBody>
+          <a:bodyPr rtlCol="0" anchor="ctr"/>
+          <a:lstStyle/>
+          <a:p>
+            <a:pPr algn="ctr"/>
+            <a:r>
+              <a:rPr lang="en-GB" sz="1400" dirty="0"/>
+              <a:t>full &amp; open</a:t>
+            </a:r>
+          </a:p>
+        </p:txBody>
+      </p:sp>
+      <p:sp>
+        <p:nvSpPr>
+          <p:cNvPr id="5" name="Oval 4">
+            <a:extLst>
+              <a:ext uri="{FF2B5EF4-FFF2-40B4-BE49-F238E27FC236}">
+                <a16:creationId xmlns:a16="http://schemas.microsoft.com/office/drawing/2014/main" id="{7A875FA1-C69E-D345-B690-897BF8DD9BFC}"/>
+              </a:ext>
+            </a:extLst>
+          </p:cNvPr>
+          <p:cNvSpPr/>
+          <p:nvPr/>
+        </p:nvSpPr>
+        <p:spPr>
+          <a:xfrm>
+            <a:off x="5271052" y="1798982"/>
+            <a:ext cx="1080000" cy="1080000"/>
+          </a:xfrm>
+          <a:prstGeom prst="ellipse">
+            <a:avLst/>
+          </a:prstGeom>
+          <a:solidFill>
+            <a:schemeClr val="bg2">
+              <a:lumMod val="25000"/>
+            </a:schemeClr>
+          </a:solidFill>
+        </p:spPr>
+        <p:style>
+          <a:lnRef idx="2">
+            <a:schemeClr val="accent1">
+              <a:shade val="50000"/>
+            </a:schemeClr>
+          </a:lnRef>
+          <a:fillRef idx="1">
+            <a:schemeClr val="accent1"/>
+          </a:fillRef>
+          <a:effectRef idx="0">
+            <a:schemeClr val="accent1"/>
+          </a:effectRef>
+          <a:fontRef idx="minor">
+            <a:schemeClr val="lt1"/>
+          </a:fontRef>
+        </p:style>
+        <p:txBody>
+          <a:bodyPr rtlCol="0" anchor="ctr"/>
+          <a:lstStyle/>
+          <a:p>
+            <a:pPr algn="ctr"/>
+            <a:r>
+              <a:rPr lang="en-GB" sz="1400" dirty="0"/>
+              <a:t>full &amp; closed</a:t>
+            </a:r>
+          </a:p>
+        </p:txBody>
+      </p:sp>
+      <p:cxnSp>
+        <p:nvCxnSpPr>
+          <p:cNvPr id="16" name="Straight Arrow Connector 15">
+            <a:extLst>
+              <a:ext uri="{FF2B5EF4-FFF2-40B4-BE49-F238E27FC236}">
+                <a16:creationId xmlns:a16="http://schemas.microsoft.com/office/drawing/2014/main" id="{CBDBADB9-50BB-414D-A9C8-05F41B9CFF54}"/>
+              </a:ext>
+            </a:extLst>
+          </p:cNvPr>
+          <p:cNvCxnSpPr>
+            <a:stCxn id="2" idx="3"/>
+            <a:endCxn id="3" idx="1"/>
+          </p:cNvCxnSpPr>
+          <p:nvPr/>
+        </p:nvCxnSpPr>
+        <p:spPr>
+          <a:xfrm>
+            <a:off x="3060388" y="2720820"/>
+            <a:ext cx="0" cy="1167829"/>
+          </a:xfrm>
+          <a:prstGeom prst="straightConnector1">
+            <a:avLst/>
+          </a:prstGeom>
+          <a:ln w="12700">
+            <a:tailEnd type="triangle"/>
+          </a:ln>
+        </p:spPr>
+        <p:style>
+          <a:lnRef idx="1">
+            <a:schemeClr val="accent1"/>
+          </a:lnRef>
+          <a:fillRef idx="0">
+            <a:schemeClr val="accent1"/>
+          </a:fillRef>
+          <a:effectRef idx="0">
+            <a:schemeClr val="accent1"/>
+          </a:effectRef>
+          <a:fontRef idx="minor">
+            <a:schemeClr val="tx1"/>
+          </a:fontRef>
+        </p:style>
+      </p:cxnSp>
+      <p:cxnSp>
+        <p:nvCxnSpPr>
+          <p:cNvPr id="17" name="Straight Arrow Connector 16">
+            <a:extLst>
+              <a:ext uri="{FF2B5EF4-FFF2-40B4-BE49-F238E27FC236}">
+                <a16:creationId xmlns:a16="http://schemas.microsoft.com/office/drawing/2014/main" id="{7D6D08F1-D383-944B-A814-A39CFF80A695}"/>
+              </a:ext>
+            </a:extLst>
+          </p:cNvPr>
+          <p:cNvCxnSpPr>
+            <a:cxnSpLocks/>
+            <a:stCxn id="3" idx="7"/>
+            <a:endCxn id="2" idx="5"/>
+          </p:cNvCxnSpPr>
+          <p:nvPr/>
+        </p:nvCxnSpPr>
+        <p:spPr>
+          <a:xfrm flipV="1">
+            <a:off x="3824064" y="2720820"/>
+            <a:ext cx="0" cy="1167829"/>
+          </a:xfrm>
+          <a:prstGeom prst="straightConnector1">
+            <a:avLst/>
+          </a:prstGeom>
+          <a:ln w="12700">
+            <a:tailEnd type="triangle"/>
+          </a:ln>
+        </p:spPr>
+        <p:style>
+          <a:lnRef idx="1">
+            <a:schemeClr val="accent1"/>
+          </a:lnRef>
+          <a:fillRef idx="0">
+            <a:schemeClr val="accent1"/>
+          </a:fillRef>
+          <a:effectRef idx="0">
+            <a:schemeClr val="accent1"/>
+          </a:effectRef>
+          <a:fontRef idx="minor">
+            <a:schemeClr val="tx1"/>
+          </a:fontRef>
+        </p:style>
+      </p:cxnSp>
+      <p:cxnSp>
+        <p:nvCxnSpPr>
+          <p:cNvPr id="21" name="Straight Arrow Connector 20">
+            <a:extLst>
+              <a:ext uri="{FF2B5EF4-FFF2-40B4-BE49-F238E27FC236}">
+                <a16:creationId xmlns:a16="http://schemas.microsoft.com/office/drawing/2014/main" id="{33F19066-A4DD-E040-8F4D-AF0E03E2EF63}"/>
+              </a:ext>
+            </a:extLst>
+          </p:cNvPr>
+          <p:cNvCxnSpPr>
+            <a:stCxn id="3" idx="6"/>
+            <a:endCxn id="4" idx="2"/>
+          </p:cNvCxnSpPr>
+          <p:nvPr/>
+        </p:nvCxnSpPr>
+        <p:spPr>
+          <a:xfrm>
+            <a:off x="3982226" y="4270487"/>
+            <a:ext cx="1288826" cy="0"/>
+          </a:xfrm>
+          <a:prstGeom prst="straightConnector1">
+            <a:avLst/>
+          </a:prstGeom>
+          <a:ln w="12700">
+            <a:tailEnd type="triangle"/>
+          </a:ln>
+        </p:spPr>
+        <p:style>
+          <a:lnRef idx="1">
+            <a:schemeClr val="accent1"/>
+          </a:lnRef>
+          <a:fillRef idx="0">
+            <a:schemeClr val="accent1"/>
+          </a:fillRef>
+          <a:effectRef idx="0">
+            <a:schemeClr val="accent1"/>
+          </a:effectRef>
+          <a:fontRef idx="minor">
+            <a:schemeClr val="tx1"/>
+          </a:fontRef>
+        </p:style>
+      </p:cxnSp>
+      <p:cxnSp>
+        <p:nvCxnSpPr>
+          <p:cNvPr id="23" name="Straight Arrow Connector 22">
+            <a:extLst>
+              <a:ext uri="{FF2B5EF4-FFF2-40B4-BE49-F238E27FC236}">
+                <a16:creationId xmlns:a16="http://schemas.microsoft.com/office/drawing/2014/main" id="{DADCB802-3EC3-AC42-BDEF-B2C5BFAF80AC}"/>
+              </a:ext>
+            </a:extLst>
+          </p:cNvPr>
+          <p:cNvCxnSpPr>
+            <a:stCxn id="4" idx="1"/>
+            <a:endCxn id="5" idx="3"/>
+          </p:cNvCxnSpPr>
+          <p:nvPr/>
+        </p:nvCxnSpPr>
+        <p:spPr>
+          <a:xfrm flipV="1">
+            <a:off x="5429214" y="2720820"/>
+            <a:ext cx="0" cy="1167829"/>
+          </a:xfrm>
+          <a:prstGeom prst="straightConnector1">
+            <a:avLst/>
+          </a:prstGeom>
+          <a:ln w="12700">
+            <a:tailEnd type="triangle"/>
+          </a:ln>
+        </p:spPr>
+        <p:style>
+          <a:lnRef idx="1">
+            <a:schemeClr val="accent1"/>
+          </a:lnRef>
+          <a:fillRef idx="0">
+            <a:schemeClr val="accent1"/>
+          </a:fillRef>
+          <a:effectRef idx="0">
+            <a:schemeClr val="accent1"/>
+          </a:effectRef>
+          <a:fontRef idx="minor">
+            <a:schemeClr val="tx1"/>
+          </a:fontRef>
+        </p:style>
+      </p:cxnSp>
+      <p:cxnSp>
+        <p:nvCxnSpPr>
+          <p:cNvPr id="25" name="Straight Arrow Connector 24">
+            <a:extLst>
+              <a:ext uri="{FF2B5EF4-FFF2-40B4-BE49-F238E27FC236}">
+                <a16:creationId xmlns:a16="http://schemas.microsoft.com/office/drawing/2014/main" id="{CF54113F-0253-7540-A17D-0D4CD145CCA7}"/>
+              </a:ext>
+            </a:extLst>
+          </p:cNvPr>
+          <p:cNvCxnSpPr>
+            <a:stCxn id="5" idx="5"/>
+            <a:endCxn id="4" idx="7"/>
+          </p:cNvCxnSpPr>
+          <p:nvPr/>
+        </p:nvCxnSpPr>
+        <p:spPr>
+          <a:xfrm>
+            <a:off x="6192890" y="2720820"/>
+            <a:ext cx="0" cy="1167829"/>
+          </a:xfrm>
+          <a:prstGeom prst="straightConnector1">
+            <a:avLst/>
+          </a:prstGeom>
+          <a:ln w="12700">
+            <a:tailEnd type="triangle"/>
+          </a:ln>
+        </p:spPr>
+        <p:style>
+          <a:lnRef idx="1">
+            <a:schemeClr val="accent1"/>
+          </a:lnRef>
+          <a:fillRef idx="0">
+            <a:schemeClr val="accent1"/>
+          </a:fillRef>
+          <a:effectRef idx="0">
+            <a:schemeClr val="accent1"/>
+          </a:effectRef>
+          <a:fontRef idx="minor">
+            <a:schemeClr val="tx1"/>
+          </a:fontRef>
+        </p:style>
+      </p:cxnSp>
+      <p:sp>
+        <p:nvSpPr>
+          <p:cNvPr id="26" name="TextBox 25">
+            <a:extLst>
+              <a:ext uri="{FF2B5EF4-FFF2-40B4-BE49-F238E27FC236}">
+                <a16:creationId xmlns:a16="http://schemas.microsoft.com/office/drawing/2014/main" id="{412EE1AF-B22B-9347-AC3A-88D0E2A395F3}"/>
+              </a:ext>
+            </a:extLst>
+          </p:cNvPr>
+          <p:cNvSpPr txBox="1"/>
+          <p:nvPr/>
+        </p:nvSpPr>
+        <p:spPr>
+          <a:xfrm>
+            <a:off x="2343209" y="3121407"/>
+            <a:ext cx="806631" cy="369332"/>
+          </a:xfrm>
+          <a:prstGeom prst="rect">
+            <a:avLst/>
+          </a:prstGeom>
+          <a:noFill/>
+        </p:spPr>
+        <p:txBody>
+          <a:bodyPr wrap="none" rtlCol="0">
+            <a:spAutoFit/>
+          </a:bodyPr>
+          <a:lstStyle/>
+          <a:p>
+            <a:r>
+              <a:rPr lang="en-GB" dirty="0"/>
+              <a:t>open()</a:t>
+            </a:r>
+          </a:p>
+        </p:txBody>
+      </p:sp>
+      <p:sp>
+        <p:nvSpPr>
+          <p:cNvPr id="28" name="TextBox 27">
+            <a:extLst>
+              <a:ext uri="{FF2B5EF4-FFF2-40B4-BE49-F238E27FC236}">
+                <a16:creationId xmlns:a16="http://schemas.microsoft.com/office/drawing/2014/main" id="{CB7A5E75-E616-294B-ABB8-DAC41B4F1B92}"/>
+              </a:ext>
+            </a:extLst>
+          </p:cNvPr>
+          <p:cNvSpPr txBox="1"/>
+          <p:nvPr/>
+        </p:nvSpPr>
+        <p:spPr>
+          <a:xfrm>
+            <a:off x="3773026" y="3121407"/>
+            <a:ext cx="803425" cy="369332"/>
+          </a:xfrm>
+          <a:prstGeom prst="rect">
+            <a:avLst/>
+          </a:prstGeom>
+          <a:noFill/>
+        </p:spPr>
+        <p:txBody>
+          <a:bodyPr wrap="none" rtlCol="0">
+            <a:spAutoFit/>
+          </a:bodyPr>
+          <a:lstStyle/>
+          <a:p>
+            <a:r>
+              <a:rPr lang="en-GB" dirty="0"/>
+              <a:t>close()</a:t>
+            </a:r>
+          </a:p>
+        </p:txBody>
+      </p:sp>
+      <p:sp>
+        <p:nvSpPr>
+          <p:cNvPr id="29" name="TextBox 28">
+            <a:extLst>
+              <a:ext uri="{FF2B5EF4-FFF2-40B4-BE49-F238E27FC236}">
+                <a16:creationId xmlns:a16="http://schemas.microsoft.com/office/drawing/2014/main" id="{C7E1CC61-344B-8542-ADCD-15128D850722}"/>
+              </a:ext>
+            </a:extLst>
+          </p:cNvPr>
+          <p:cNvSpPr txBox="1"/>
+          <p:nvPr/>
+        </p:nvSpPr>
+        <p:spPr>
+          <a:xfrm>
+            <a:off x="4067146" y="4210853"/>
+            <a:ext cx="1078244" cy="369332"/>
+          </a:xfrm>
+          <a:prstGeom prst="rect">
+            <a:avLst/>
+          </a:prstGeom>
+          <a:noFill/>
+        </p:spPr>
+        <p:txBody>
+          <a:bodyPr wrap="none" rtlCol="0">
+            <a:spAutoFit/>
+          </a:bodyPr>
+          <a:lstStyle/>
+          <a:p>
+            <a:pPr algn="ctr"/>
+            <a:r>
+              <a:rPr lang="en-GB" dirty="0"/>
+              <a:t>putItem()</a:t>
+            </a:r>
+          </a:p>
+        </p:txBody>
+      </p:sp>
+      <p:sp>
+        <p:nvSpPr>
+          <p:cNvPr id="30" name="TextBox 29">
+            <a:extLst>
+              <a:ext uri="{FF2B5EF4-FFF2-40B4-BE49-F238E27FC236}">
+                <a16:creationId xmlns:a16="http://schemas.microsoft.com/office/drawing/2014/main" id="{FEA3D5D0-5504-D14E-A717-03EF15AAD840}"/>
+              </a:ext>
+            </a:extLst>
+          </p:cNvPr>
+          <p:cNvSpPr txBox="1"/>
+          <p:nvPr/>
+        </p:nvSpPr>
+        <p:spPr>
+          <a:xfrm>
+            <a:off x="4713860" y="3121407"/>
+            <a:ext cx="803425" cy="369332"/>
+          </a:xfrm>
+          <a:prstGeom prst="rect">
+            <a:avLst/>
+          </a:prstGeom>
+          <a:noFill/>
+        </p:spPr>
+        <p:txBody>
+          <a:bodyPr wrap="none" rtlCol="0">
+            <a:spAutoFit/>
+          </a:bodyPr>
+          <a:lstStyle/>
+          <a:p>
+            <a:r>
+              <a:rPr lang="en-GB" dirty="0"/>
+              <a:t>close()</a:t>
+            </a:r>
+          </a:p>
+        </p:txBody>
+      </p:sp>
+      <p:sp>
+        <p:nvSpPr>
+          <p:cNvPr id="31" name="TextBox 30">
+            <a:extLst>
+              <a:ext uri="{FF2B5EF4-FFF2-40B4-BE49-F238E27FC236}">
+                <a16:creationId xmlns:a16="http://schemas.microsoft.com/office/drawing/2014/main" id="{3E5911BA-02F4-BE4E-AC29-27ADB94661FB}"/>
+              </a:ext>
+            </a:extLst>
+          </p:cNvPr>
+          <p:cNvSpPr txBox="1"/>
+          <p:nvPr/>
+        </p:nvSpPr>
+        <p:spPr>
+          <a:xfrm>
+            <a:off x="6126961" y="3121407"/>
+            <a:ext cx="806631" cy="369332"/>
+          </a:xfrm>
+          <a:prstGeom prst="rect">
+            <a:avLst/>
+          </a:prstGeom>
+          <a:noFill/>
+        </p:spPr>
+        <p:txBody>
+          <a:bodyPr wrap="none" rtlCol="0">
+            <a:spAutoFit/>
+          </a:bodyPr>
+          <a:lstStyle/>
+          <a:p>
+            <a:r>
+              <a:rPr lang="en-GB" dirty="0"/>
+              <a:t>open()</a:t>
+            </a:r>
+          </a:p>
+        </p:txBody>
+      </p:sp>
+      <p:cxnSp>
+        <p:nvCxnSpPr>
+          <p:cNvPr id="32" name="Straight Arrow Connector 31">
+            <a:extLst>
+              <a:ext uri="{FF2B5EF4-FFF2-40B4-BE49-F238E27FC236}">
+                <a16:creationId xmlns:a16="http://schemas.microsoft.com/office/drawing/2014/main" id="{F6CAD0BC-79B4-2548-BDDD-4CD547879786}"/>
+              </a:ext>
+            </a:extLst>
+          </p:cNvPr>
+          <p:cNvCxnSpPr>
+            <a:cxnSpLocks/>
+            <a:endCxn id="2" idx="1"/>
+          </p:cNvCxnSpPr>
+          <p:nvPr/>
+        </p:nvCxnSpPr>
+        <p:spPr>
+          <a:xfrm>
+            <a:off x="2411224" y="1258983"/>
+            <a:ext cx="649164" cy="698161"/>
+          </a:xfrm>
+          <a:prstGeom prst="straightConnector1">
+            <a:avLst/>
+          </a:prstGeom>
+          <a:ln w="12700">
+            <a:tailEnd type="triangle"/>
+          </a:ln>
+        </p:spPr>
+        <p:style>
+          <a:lnRef idx="1">
+            <a:schemeClr val="accent1"/>
+          </a:lnRef>
+          <a:fillRef idx="0">
+            <a:schemeClr val="accent1"/>
+          </a:fillRef>
+          <a:effectRef idx="0">
+            <a:schemeClr val="accent1"/>
+          </a:effectRef>
+          <a:fontRef idx="minor">
+            <a:schemeClr val="tx1"/>
+          </a:fontRef>
+        </p:style>
+      </p:cxnSp>
+      <p:sp>
+        <p:nvSpPr>
+          <p:cNvPr id="35" name="TextBox 34">
+            <a:extLst>
+              <a:ext uri="{FF2B5EF4-FFF2-40B4-BE49-F238E27FC236}">
+                <a16:creationId xmlns:a16="http://schemas.microsoft.com/office/drawing/2014/main" id="{E1DD3BAE-CDB4-DF4A-A395-2ED2E8D0CACA}"/>
+              </a:ext>
+            </a:extLst>
+          </p:cNvPr>
+          <p:cNvSpPr txBox="1"/>
+          <p:nvPr/>
+        </p:nvSpPr>
+        <p:spPr>
+          <a:xfrm>
+            <a:off x="2542375" y="1187225"/>
+            <a:ext cx="585866" cy="369332"/>
+          </a:xfrm>
+          <a:prstGeom prst="rect">
+            <a:avLst/>
+          </a:prstGeom>
+          <a:noFill/>
+        </p:spPr>
+        <p:txBody>
+          <a:bodyPr wrap="none" rtlCol="0">
+            <a:spAutoFit/>
+          </a:bodyPr>
+          <a:lstStyle/>
+          <a:p>
+            <a:r>
+              <a:rPr lang="en-GB" dirty="0"/>
+              <a:t>new</a:t>
+            </a:r>
+          </a:p>
+        </p:txBody>
+      </p:sp>
     </p:spTree>
     <p:extLst>
       <p:ext uri="{BB962C8B-B14F-4D97-AF65-F5344CB8AC3E}">

--- a/assets/images/Images.pptx
+++ b/assets/images/Images.pptx
@@ -5,7 +5,7 @@
     <p:sldMasterId id="2147483648" r:id="rId1"/>
   </p:sldMasterIdLst>
   <p:notesMasterIdLst>
-    <p:notesMasterId r:id="rId18"/>
+    <p:notesMasterId r:id="rId19"/>
   </p:notesMasterIdLst>
   <p:sldIdLst>
     <p:sldId id="257" r:id="rId2"/>
@@ -22,8 +22,9 @@
     <p:sldId id="265" r:id="rId13"/>
     <p:sldId id="269" r:id="rId14"/>
     <p:sldId id="271" r:id="rId15"/>
-    <p:sldId id="270" r:id="rId16"/>
-    <p:sldId id="256" r:id="rId17"/>
+    <p:sldId id="272" r:id="rId16"/>
+    <p:sldId id="270" r:id="rId17"/>
+    <p:sldId id="256" r:id="rId18"/>
   </p:sldIdLst>
   <p:sldSz cx="12192000" cy="6858000"/>
   <p:notesSz cx="6858000" cy="9144000"/>
@@ -153,6 +154,7 @@
         <p14:section name="Classes, Methods and Objects" id="{7E6D6E75-2148-054E-9DBB-4F264AFB32D7}">
           <p14:sldIdLst>
             <p14:sldId id="271"/>
+            <p14:sldId id="272"/>
           </p14:sldIdLst>
         </p14:section>
         <p14:section name="Collections - Arrays &amp; Java Heap" id="{A77C8035-645E-BC41-A860-8F1EAD9648FF}">
@@ -259,7 +261,7 @@
           <a:p>
             <a:fld id="{F0373C07-0034-D84F-B0CB-1249B408AEAD}" type="datetimeFigureOut">
               <a:rPr lang="en-GB" smtClean="0"/>
-              <a:t>18/05/2020</a:t>
+              <a:t>27/05/2020</a:t>
             </a:fld>
             <a:endParaRPr lang="en-GB"/>
           </a:p>
@@ -927,7 +929,7 @@
           <a:p>
             <a:fld id="{11A96E62-EC5F-C045-9FEB-EDD3A98888BE}" type="slidenum">
               <a:rPr lang="en-GB" smtClean="0"/>
-              <a:t>16</a:t>
+              <a:t>17</a:t>
             </a:fld>
             <a:endParaRPr lang="en-GB"/>
           </a:p>
@@ -1093,7 +1095,7 @@
           <a:p>
             <a:fld id="{1277814B-86DA-1A43-BEBE-BB22F0FBA56B}" type="datetimeFigureOut">
               <a:rPr lang="en-GB" smtClean="0"/>
-              <a:t>18/05/2020</a:t>
+              <a:t>27/05/2020</a:t>
             </a:fld>
             <a:endParaRPr lang="en-GB"/>
           </a:p>
@@ -1291,7 +1293,7 @@
           <a:p>
             <a:fld id="{1277814B-86DA-1A43-BEBE-BB22F0FBA56B}" type="datetimeFigureOut">
               <a:rPr lang="en-GB" smtClean="0"/>
-              <a:t>18/05/2020</a:t>
+              <a:t>27/05/2020</a:t>
             </a:fld>
             <a:endParaRPr lang="en-GB"/>
           </a:p>
@@ -1499,7 +1501,7 @@
           <a:p>
             <a:fld id="{1277814B-86DA-1A43-BEBE-BB22F0FBA56B}" type="datetimeFigureOut">
               <a:rPr lang="en-GB" smtClean="0"/>
-              <a:t>18/05/2020</a:t>
+              <a:t>27/05/2020</a:t>
             </a:fld>
             <a:endParaRPr lang="en-GB"/>
           </a:p>
@@ -1697,7 +1699,7 @@
           <a:p>
             <a:fld id="{1277814B-86DA-1A43-BEBE-BB22F0FBA56B}" type="datetimeFigureOut">
               <a:rPr lang="en-GB" smtClean="0"/>
-              <a:t>18/05/2020</a:t>
+              <a:t>27/05/2020</a:t>
             </a:fld>
             <a:endParaRPr lang="en-GB"/>
           </a:p>
@@ -1972,7 +1974,7 @@
           <a:p>
             <a:fld id="{1277814B-86DA-1A43-BEBE-BB22F0FBA56B}" type="datetimeFigureOut">
               <a:rPr lang="en-GB" smtClean="0"/>
-              <a:t>18/05/2020</a:t>
+              <a:t>27/05/2020</a:t>
             </a:fld>
             <a:endParaRPr lang="en-GB"/>
           </a:p>
@@ -2237,7 +2239,7 @@
           <a:p>
             <a:fld id="{1277814B-86DA-1A43-BEBE-BB22F0FBA56B}" type="datetimeFigureOut">
               <a:rPr lang="en-GB" smtClean="0"/>
-              <a:t>18/05/2020</a:t>
+              <a:t>27/05/2020</a:t>
             </a:fld>
             <a:endParaRPr lang="en-GB"/>
           </a:p>
@@ -2649,7 +2651,7 @@
           <a:p>
             <a:fld id="{1277814B-86DA-1A43-BEBE-BB22F0FBA56B}" type="datetimeFigureOut">
               <a:rPr lang="en-GB" smtClean="0"/>
-              <a:t>18/05/2020</a:t>
+              <a:t>27/05/2020</a:t>
             </a:fld>
             <a:endParaRPr lang="en-GB"/>
           </a:p>
@@ -2790,7 +2792,7 @@
           <a:p>
             <a:fld id="{1277814B-86DA-1A43-BEBE-BB22F0FBA56B}" type="datetimeFigureOut">
               <a:rPr lang="en-GB" smtClean="0"/>
-              <a:t>18/05/2020</a:t>
+              <a:t>27/05/2020</a:t>
             </a:fld>
             <a:endParaRPr lang="en-GB"/>
           </a:p>
@@ -2903,7 +2905,7 @@
           <a:p>
             <a:fld id="{1277814B-86DA-1A43-BEBE-BB22F0FBA56B}" type="datetimeFigureOut">
               <a:rPr lang="en-GB" smtClean="0"/>
-              <a:t>18/05/2020</a:t>
+              <a:t>27/05/2020</a:t>
             </a:fld>
             <a:endParaRPr lang="en-GB"/>
           </a:p>
@@ -3214,7 +3216,7 @@
           <a:p>
             <a:fld id="{1277814B-86DA-1A43-BEBE-BB22F0FBA56B}" type="datetimeFigureOut">
               <a:rPr lang="en-GB" smtClean="0"/>
-              <a:t>18/05/2020</a:t>
+              <a:t>27/05/2020</a:t>
             </a:fld>
             <a:endParaRPr lang="en-GB"/>
           </a:p>
@@ -3502,7 +3504,7 @@
           <a:p>
             <a:fld id="{1277814B-86DA-1A43-BEBE-BB22F0FBA56B}" type="datetimeFigureOut">
               <a:rPr lang="en-GB" smtClean="0"/>
-              <a:t>18/05/2020</a:t>
+              <a:t>27/05/2020</a:t>
             </a:fld>
             <a:endParaRPr lang="en-GB"/>
           </a:p>
@@ -3743,7 +3745,7 @@
           <a:p>
             <a:fld id="{1277814B-86DA-1A43-BEBE-BB22F0FBA56B}" type="datetimeFigureOut">
               <a:rPr lang="en-GB" smtClean="0"/>
-              <a:t>18/05/2020</a:t>
+              <a:t>27/05/2020</a:t>
             </a:fld>
             <a:endParaRPr lang="en-GB"/>
           </a:p>
@@ -7496,6 +7498,465 @@
           <a:chExt cx="0" cy="0"/>
         </a:xfrm>
       </p:grpSpPr>
+      <p:sp>
+        <p:nvSpPr>
+          <p:cNvPr id="4" name="Rectangle 3">
+            <a:extLst>
+              <a:ext uri="{FF2B5EF4-FFF2-40B4-BE49-F238E27FC236}">
+                <a16:creationId xmlns:a16="http://schemas.microsoft.com/office/drawing/2014/main" id="{898C000B-BC4B-604A-B6A0-AA66C0BB7830}"/>
+              </a:ext>
+            </a:extLst>
+          </p:cNvPr>
+          <p:cNvSpPr/>
+          <p:nvPr/>
+        </p:nvSpPr>
+        <p:spPr>
+          <a:xfrm>
+            <a:off x="4641574" y="1139687"/>
+            <a:ext cx="1958009" cy="934278"/>
+          </a:xfrm>
+          <a:prstGeom prst="rect">
+            <a:avLst/>
+          </a:prstGeom>
+        </p:spPr>
+        <p:style>
+          <a:lnRef idx="2">
+            <a:schemeClr val="accent1">
+              <a:shade val="50000"/>
+            </a:schemeClr>
+          </a:lnRef>
+          <a:fillRef idx="1">
+            <a:schemeClr val="accent1"/>
+          </a:fillRef>
+          <a:effectRef idx="0">
+            <a:schemeClr val="accent1"/>
+          </a:effectRef>
+          <a:fontRef idx="minor">
+            <a:schemeClr val="lt1"/>
+          </a:fontRef>
+        </p:style>
+        <p:txBody>
+          <a:bodyPr rtlCol="0" anchor="ctr"/>
+          <a:lstStyle/>
+          <a:p>
+            <a:pPr algn="ctr"/>
+            <a:r>
+              <a:rPr lang="en-GB" dirty="0"/>
+              <a:t>Object</a:t>
+            </a:r>
+          </a:p>
+        </p:txBody>
+      </p:sp>
+      <p:sp>
+        <p:nvSpPr>
+          <p:cNvPr id="5" name="Rectangle 4">
+            <a:extLst>
+              <a:ext uri="{FF2B5EF4-FFF2-40B4-BE49-F238E27FC236}">
+                <a16:creationId xmlns:a16="http://schemas.microsoft.com/office/drawing/2014/main" id="{A6E10376-5492-2F47-99E1-BC471F01A5FE}"/>
+              </a:ext>
+            </a:extLst>
+          </p:cNvPr>
+          <p:cNvSpPr/>
+          <p:nvPr/>
+        </p:nvSpPr>
+        <p:spPr>
+          <a:xfrm>
+            <a:off x="4641574" y="2703444"/>
+            <a:ext cx="1958009" cy="934278"/>
+          </a:xfrm>
+          <a:prstGeom prst="rect">
+            <a:avLst/>
+          </a:prstGeom>
+          <a:solidFill>
+            <a:schemeClr val="accent2">
+              <a:lumMod val="75000"/>
+            </a:schemeClr>
+          </a:solidFill>
+        </p:spPr>
+        <p:style>
+          <a:lnRef idx="2">
+            <a:schemeClr val="accent1">
+              <a:shade val="50000"/>
+            </a:schemeClr>
+          </a:lnRef>
+          <a:fillRef idx="1">
+            <a:schemeClr val="accent1"/>
+          </a:fillRef>
+          <a:effectRef idx="0">
+            <a:schemeClr val="accent1"/>
+          </a:effectRef>
+          <a:fontRef idx="minor">
+            <a:schemeClr val="lt1"/>
+          </a:fontRef>
+        </p:style>
+        <p:txBody>
+          <a:bodyPr rtlCol="0" anchor="ctr"/>
+          <a:lstStyle/>
+          <a:p>
+            <a:pPr algn="ctr"/>
+            <a:r>
+              <a:rPr lang="en-GB" dirty="0"/>
+              <a:t>Person</a:t>
+            </a:r>
+          </a:p>
+          <a:p>
+            <a:pPr algn="ctr"/>
+            <a:r>
+              <a:rPr lang="en-GB" sz="1400" i="1" dirty="0"/>
+              <a:t>(extends Object)</a:t>
+            </a:r>
+            <a:endParaRPr lang="en-GB" i="1" dirty="0"/>
+          </a:p>
+        </p:txBody>
+      </p:sp>
+      <p:sp>
+        <p:nvSpPr>
+          <p:cNvPr id="6" name="Rectangle 5">
+            <a:extLst>
+              <a:ext uri="{FF2B5EF4-FFF2-40B4-BE49-F238E27FC236}">
+                <a16:creationId xmlns:a16="http://schemas.microsoft.com/office/drawing/2014/main" id="{45592712-56FA-7C4F-8C50-B3B276CC6863}"/>
+              </a:ext>
+            </a:extLst>
+          </p:cNvPr>
+          <p:cNvSpPr/>
+          <p:nvPr/>
+        </p:nvSpPr>
+        <p:spPr>
+          <a:xfrm>
+            <a:off x="4641574" y="4267201"/>
+            <a:ext cx="1958009" cy="934278"/>
+          </a:xfrm>
+          <a:prstGeom prst="rect">
+            <a:avLst/>
+          </a:prstGeom>
+          <a:solidFill>
+            <a:schemeClr val="accent6">
+              <a:lumMod val="75000"/>
+            </a:schemeClr>
+          </a:solidFill>
+        </p:spPr>
+        <p:style>
+          <a:lnRef idx="2">
+            <a:schemeClr val="accent1">
+              <a:shade val="50000"/>
+            </a:schemeClr>
+          </a:lnRef>
+          <a:fillRef idx="1">
+            <a:schemeClr val="accent1"/>
+          </a:fillRef>
+          <a:effectRef idx="0">
+            <a:schemeClr val="accent1"/>
+          </a:effectRef>
+          <a:fontRef idx="minor">
+            <a:schemeClr val="lt1"/>
+          </a:fontRef>
+        </p:style>
+        <p:txBody>
+          <a:bodyPr rtlCol="0" anchor="ctr"/>
+          <a:lstStyle/>
+          <a:p>
+            <a:pPr algn="ctr"/>
+            <a:r>
+              <a:rPr lang="en-GB" dirty="0"/>
+              <a:t>Very Important Person</a:t>
+            </a:r>
+          </a:p>
+          <a:p>
+            <a:pPr algn="ctr"/>
+            <a:r>
+              <a:rPr lang="en-GB" sz="1400" i="1" dirty="0"/>
+              <a:t>(extends Person)</a:t>
+            </a:r>
+            <a:endParaRPr lang="en-GB" i="1" dirty="0"/>
+          </a:p>
+        </p:txBody>
+      </p:sp>
+      <p:cxnSp>
+        <p:nvCxnSpPr>
+          <p:cNvPr id="8" name="Straight Arrow Connector 7">
+            <a:extLst>
+              <a:ext uri="{FF2B5EF4-FFF2-40B4-BE49-F238E27FC236}">
+                <a16:creationId xmlns:a16="http://schemas.microsoft.com/office/drawing/2014/main" id="{07528738-985F-D74E-A4F2-E2012C9B61A3}"/>
+              </a:ext>
+            </a:extLst>
+          </p:cNvPr>
+          <p:cNvCxnSpPr>
+            <a:stCxn id="5" idx="0"/>
+            <a:endCxn id="4" idx="2"/>
+          </p:cNvCxnSpPr>
+          <p:nvPr/>
+        </p:nvCxnSpPr>
+        <p:spPr>
+          <a:xfrm flipV="1">
+            <a:off x="5620579" y="2073965"/>
+            <a:ext cx="0" cy="629479"/>
+          </a:xfrm>
+          <a:prstGeom prst="straightConnector1">
+            <a:avLst/>
+          </a:prstGeom>
+          <a:ln w="12700">
+            <a:tailEnd type="triangle"/>
+          </a:ln>
+        </p:spPr>
+        <p:style>
+          <a:lnRef idx="1">
+            <a:schemeClr val="accent1"/>
+          </a:lnRef>
+          <a:fillRef idx="0">
+            <a:schemeClr val="accent1"/>
+          </a:fillRef>
+          <a:effectRef idx="0">
+            <a:schemeClr val="accent1"/>
+          </a:effectRef>
+          <a:fontRef idx="minor">
+            <a:schemeClr val="tx1"/>
+          </a:fontRef>
+        </p:style>
+      </p:cxnSp>
+      <p:cxnSp>
+        <p:nvCxnSpPr>
+          <p:cNvPr id="10" name="Straight Arrow Connector 9">
+            <a:extLst>
+              <a:ext uri="{FF2B5EF4-FFF2-40B4-BE49-F238E27FC236}">
+                <a16:creationId xmlns:a16="http://schemas.microsoft.com/office/drawing/2014/main" id="{778AFBC0-6D9E-F54A-A684-2DCA7FCFB437}"/>
+              </a:ext>
+            </a:extLst>
+          </p:cNvPr>
+          <p:cNvCxnSpPr>
+            <a:stCxn id="6" idx="0"/>
+            <a:endCxn id="5" idx="2"/>
+          </p:cNvCxnSpPr>
+          <p:nvPr/>
+        </p:nvCxnSpPr>
+        <p:spPr>
+          <a:xfrm flipV="1">
+            <a:off x="5620579" y="3637722"/>
+            <a:ext cx="0" cy="629479"/>
+          </a:xfrm>
+          <a:prstGeom prst="straightConnector1">
+            <a:avLst/>
+          </a:prstGeom>
+          <a:ln w="12700">
+            <a:tailEnd type="triangle"/>
+          </a:ln>
+        </p:spPr>
+        <p:style>
+          <a:lnRef idx="1">
+            <a:schemeClr val="accent1"/>
+          </a:lnRef>
+          <a:fillRef idx="0">
+            <a:schemeClr val="accent1"/>
+          </a:fillRef>
+          <a:effectRef idx="0">
+            <a:schemeClr val="accent1"/>
+          </a:effectRef>
+          <a:fontRef idx="minor">
+            <a:schemeClr val="tx1"/>
+          </a:fontRef>
+        </p:style>
+      </p:cxnSp>
+      <p:sp>
+        <p:nvSpPr>
+          <p:cNvPr id="16" name="Down Arrow 15">
+            <a:extLst>
+              <a:ext uri="{FF2B5EF4-FFF2-40B4-BE49-F238E27FC236}">
+                <a16:creationId xmlns:a16="http://schemas.microsoft.com/office/drawing/2014/main" id="{FDC2C52A-9449-A14E-8D09-DFA82C8BD0FF}"/>
+              </a:ext>
+            </a:extLst>
+          </p:cNvPr>
+          <p:cNvSpPr/>
+          <p:nvPr/>
+        </p:nvSpPr>
+        <p:spPr>
+          <a:xfrm>
+            <a:off x="7092195" y="1464365"/>
+            <a:ext cx="854765" cy="3412435"/>
+          </a:xfrm>
+          <a:prstGeom prst="downArrow">
+            <a:avLst/>
+          </a:prstGeom>
+          <a:solidFill>
+            <a:schemeClr val="bg2">
+              <a:lumMod val="90000"/>
+            </a:schemeClr>
+          </a:solidFill>
+        </p:spPr>
+        <p:style>
+          <a:lnRef idx="2">
+            <a:schemeClr val="accent1">
+              <a:shade val="50000"/>
+            </a:schemeClr>
+          </a:lnRef>
+          <a:fillRef idx="1">
+            <a:schemeClr val="accent1"/>
+          </a:fillRef>
+          <a:effectRef idx="0">
+            <a:schemeClr val="accent1"/>
+          </a:effectRef>
+          <a:fontRef idx="minor">
+            <a:schemeClr val="lt1"/>
+          </a:fontRef>
+        </p:style>
+        <p:txBody>
+          <a:bodyPr rtlCol="0" anchor="ctr"/>
+          <a:lstStyle/>
+          <a:p>
+            <a:pPr algn="ctr"/>
+            <a:endParaRPr lang="en-GB"/>
+          </a:p>
+        </p:txBody>
+      </p:sp>
+      <p:sp>
+        <p:nvSpPr>
+          <p:cNvPr id="18" name="Down Arrow 17">
+            <a:extLst>
+              <a:ext uri="{FF2B5EF4-FFF2-40B4-BE49-F238E27FC236}">
+                <a16:creationId xmlns:a16="http://schemas.microsoft.com/office/drawing/2014/main" id="{F93D9050-148A-3944-920B-97AC6AF26517}"/>
+              </a:ext>
+            </a:extLst>
+          </p:cNvPr>
+          <p:cNvSpPr/>
+          <p:nvPr/>
+        </p:nvSpPr>
+        <p:spPr>
+          <a:xfrm rot="10800000">
+            <a:off x="3294198" y="1464365"/>
+            <a:ext cx="854765" cy="3412435"/>
+          </a:xfrm>
+          <a:prstGeom prst="downArrow">
+            <a:avLst/>
+          </a:prstGeom>
+          <a:solidFill>
+            <a:schemeClr val="bg2">
+              <a:lumMod val="90000"/>
+            </a:schemeClr>
+          </a:solidFill>
+        </p:spPr>
+        <p:style>
+          <a:lnRef idx="2">
+            <a:schemeClr val="accent1">
+              <a:shade val="50000"/>
+            </a:schemeClr>
+          </a:lnRef>
+          <a:fillRef idx="1">
+            <a:schemeClr val="accent1"/>
+          </a:fillRef>
+          <a:effectRef idx="0">
+            <a:schemeClr val="accent1"/>
+          </a:effectRef>
+          <a:fontRef idx="minor">
+            <a:schemeClr val="lt1"/>
+          </a:fontRef>
+        </p:style>
+        <p:txBody>
+          <a:bodyPr rtlCol="0" anchor="ctr"/>
+          <a:lstStyle/>
+          <a:p>
+            <a:pPr algn="ctr"/>
+            <a:endParaRPr lang="en-GB" dirty="0"/>
+          </a:p>
+        </p:txBody>
+      </p:sp>
+      <p:sp>
+        <p:nvSpPr>
+          <p:cNvPr id="19" name="TextBox 18">
+            <a:extLst>
+              <a:ext uri="{FF2B5EF4-FFF2-40B4-BE49-F238E27FC236}">
+                <a16:creationId xmlns:a16="http://schemas.microsoft.com/office/drawing/2014/main" id="{35B6A071-0CB2-504E-AF24-E9F800F27C92}"/>
+              </a:ext>
+            </a:extLst>
+          </p:cNvPr>
+          <p:cNvSpPr txBox="1"/>
+          <p:nvPr/>
+        </p:nvSpPr>
+        <p:spPr>
+          <a:xfrm>
+            <a:off x="2185880" y="2985916"/>
+            <a:ext cx="1108317" cy="369332"/>
+          </a:xfrm>
+          <a:prstGeom prst="rect">
+            <a:avLst/>
+          </a:prstGeom>
+          <a:noFill/>
+        </p:spPr>
+        <p:txBody>
+          <a:bodyPr wrap="none" rtlCol="0">
+            <a:spAutoFit/>
+          </a:bodyPr>
+          <a:lstStyle/>
+          <a:p>
+            <a:r>
+              <a:rPr lang="en-GB" dirty="0"/>
+              <a:t>Upcasting</a:t>
+            </a:r>
+          </a:p>
+        </p:txBody>
+      </p:sp>
+      <p:sp>
+        <p:nvSpPr>
+          <p:cNvPr id="20" name="TextBox 19">
+            <a:extLst>
+              <a:ext uri="{FF2B5EF4-FFF2-40B4-BE49-F238E27FC236}">
+                <a16:creationId xmlns:a16="http://schemas.microsoft.com/office/drawing/2014/main" id="{9B9E7BA4-E5EC-2C40-8330-C4A42866B8A3}"/>
+              </a:ext>
+            </a:extLst>
+          </p:cNvPr>
+          <p:cNvSpPr txBox="1"/>
+          <p:nvPr/>
+        </p:nvSpPr>
+        <p:spPr>
+          <a:xfrm>
+            <a:off x="7946960" y="2985916"/>
+            <a:ext cx="1389548" cy="369332"/>
+          </a:xfrm>
+          <a:prstGeom prst="rect">
+            <a:avLst/>
+          </a:prstGeom>
+          <a:noFill/>
+        </p:spPr>
+        <p:txBody>
+          <a:bodyPr wrap="none" rtlCol="0">
+            <a:spAutoFit/>
+          </a:bodyPr>
+          <a:lstStyle/>
+          <a:p>
+            <a:r>
+              <a:rPr lang="en-GB" dirty="0"/>
+              <a:t>Downcasting</a:t>
+            </a:r>
+          </a:p>
+        </p:txBody>
+      </p:sp>
+    </p:spTree>
+    <p:extLst>
+      <p:ext uri="{BB962C8B-B14F-4D97-AF65-F5344CB8AC3E}">
+        <p14:creationId xmlns:p14="http://schemas.microsoft.com/office/powerpoint/2010/main" val="2036535415"/>
+      </p:ext>
+    </p:extLst>
+  </p:cSld>
+  <p:clrMapOvr>
+    <a:masterClrMapping/>
+  </p:clrMapOvr>
+</p:sld>
+</file>
+
+<file path=ppt/slides/slide16.xml><?xml version="1.0" encoding="utf-8"?>
+<p:sld xmlns:a="http://schemas.openxmlformats.org/drawingml/2006/main" xmlns:r="http://schemas.openxmlformats.org/officeDocument/2006/relationships" xmlns:p="http://schemas.openxmlformats.org/presentationml/2006/main">
+  <p:cSld>
+    <p:spTree>
+      <p:nvGrpSpPr>
+        <p:cNvPr id="1" name=""/>
+        <p:cNvGrpSpPr/>
+        <p:nvPr/>
+      </p:nvGrpSpPr>
+      <p:grpSpPr>
+        <a:xfrm>
+          <a:off x="0" y="0"/>
+          <a:ext cx="0" cy="0"/>
+          <a:chOff x="0" y="0"/>
+          <a:chExt cx="0" cy="0"/>
+        </a:xfrm>
+      </p:grpSpPr>
     </p:spTree>
     <p:extLst>
       <p:ext uri="{BB962C8B-B14F-4D97-AF65-F5344CB8AC3E}">
@@ -7509,7 +7970,7 @@
 </p:sld>
 </file>
 
-<file path=ppt/slides/slide16.xml><?xml version="1.0" encoding="utf-8"?>
+<file path=ppt/slides/slide17.xml><?xml version="1.0" encoding="utf-8"?>
 <p:sld xmlns:a="http://schemas.openxmlformats.org/drawingml/2006/main" xmlns:r="http://schemas.openxmlformats.org/officeDocument/2006/relationships" xmlns:p="http://schemas.openxmlformats.org/presentationml/2006/main">
   <p:cSld>
     <p:spTree>

--- a/assets/images/Images.pptx
+++ b/assets/images/Images.pptx
@@ -5,7 +5,7 @@
     <p:sldMasterId id="2147483648" r:id="rId1"/>
   </p:sldMasterIdLst>
   <p:notesMasterIdLst>
-    <p:notesMasterId r:id="rId19"/>
+    <p:notesMasterId r:id="rId21"/>
   </p:notesMasterIdLst>
   <p:sldIdLst>
     <p:sldId id="257" r:id="rId2"/>
@@ -22,9 +22,11 @@
     <p:sldId id="265" r:id="rId13"/>
     <p:sldId id="269" r:id="rId14"/>
     <p:sldId id="271" r:id="rId15"/>
-    <p:sldId id="272" r:id="rId16"/>
-    <p:sldId id="270" r:id="rId17"/>
-    <p:sldId id="256" r:id="rId18"/>
+    <p:sldId id="273" r:id="rId16"/>
+    <p:sldId id="274" r:id="rId17"/>
+    <p:sldId id="272" r:id="rId18"/>
+    <p:sldId id="270" r:id="rId19"/>
+    <p:sldId id="256" r:id="rId20"/>
   </p:sldIdLst>
   <p:sldSz cx="12192000" cy="6858000"/>
   <p:notesSz cx="6858000" cy="9144000"/>
@@ -154,6 +156,8 @@
         <p14:section name="Classes, Methods and Objects" id="{7E6D6E75-2148-054E-9DBB-4F264AFB32D7}">
           <p14:sldIdLst>
             <p14:sldId id="271"/>
+            <p14:sldId id="273"/>
+            <p14:sldId id="274"/>
             <p14:sldId id="272"/>
           </p14:sldIdLst>
         </p14:section>
@@ -929,7 +933,7 @@
           <a:p>
             <a:fld id="{11A96E62-EC5F-C045-9FEB-EDD3A98888BE}" type="slidenum">
               <a:rPr lang="en-GB" smtClean="0"/>
-              <a:t>17</a:t>
+              <a:t>19</a:t>
             </a:fld>
             <a:endParaRPr lang="en-GB"/>
           </a:p>
@@ -7498,6 +7502,1099 @@
           <a:chExt cx="0" cy="0"/>
         </a:xfrm>
       </p:grpSpPr>
+      <p:pic>
+        <p:nvPicPr>
+          <p:cNvPr id="4" name="Picture 3">
+            <a:extLst>
+              <a:ext uri="{FF2B5EF4-FFF2-40B4-BE49-F238E27FC236}">
+                <a16:creationId xmlns:a16="http://schemas.microsoft.com/office/drawing/2014/main" id="{BF0422D7-196C-2443-BEB7-80D387E7886A}"/>
+              </a:ext>
+            </a:extLst>
+          </p:cNvPr>
+          <p:cNvPicPr>
+            <a:picLocks noChangeAspect="1"/>
+          </p:cNvPicPr>
+          <p:nvPr/>
+        </p:nvPicPr>
+        <p:blipFill>
+          <a:blip r:embed="rId2"/>
+          <a:stretch>
+            <a:fillRect/>
+          </a:stretch>
+        </p:blipFill>
+        <p:spPr>
+          <a:xfrm>
+            <a:off x="726976" y="1844408"/>
+            <a:ext cx="9514114" cy="1706731"/>
+          </a:xfrm>
+          <a:prstGeom prst="rect">
+            <a:avLst/>
+          </a:prstGeom>
+        </p:spPr>
+      </p:pic>
+      <p:sp>
+        <p:nvSpPr>
+          <p:cNvPr id="5" name="TextBox 4">
+            <a:extLst>
+              <a:ext uri="{FF2B5EF4-FFF2-40B4-BE49-F238E27FC236}">
+                <a16:creationId xmlns:a16="http://schemas.microsoft.com/office/drawing/2014/main" id="{ECB716C0-BF3D-E84C-AFD6-C97C9C6202C2}"/>
+              </a:ext>
+            </a:extLst>
+          </p:cNvPr>
+          <p:cNvSpPr txBox="1"/>
+          <p:nvPr/>
+        </p:nvSpPr>
+        <p:spPr>
+          <a:xfrm>
+            <a:off x="639890" y="1520687"/>
+            <a:ext cx="1011815" cy="369332"/>
+          </a:xfrm>
+          <a:prstGeom prst="rect">
+            <a:avLst/>
+          </a:prstGeom>
+          <a:noFill/>
+        </p:spPr>
+        <p:txBody>
+          <a:bodyPr wrap="none" rtlCol="0">
+            <a:spAutoFit/>
+          </a:bodyPr>
+          <a:lstStyle/>
+          <a:p>
+            <a:r>
+              <a:rPr lang="en-GB" dirty="0">
+                <a:latin typeface="Courier New" panose="02070309020205020404" pitchFamily="49" charset="0"/>
+                <a:cs typeface="Courier New" panose="02070309020205020404" pitchFamily="49" charset="0"/>
+              </a:rPr>
+              <a:t>albert</a:t>
+            </a:r>
+          </a:p>
+        </p:txBody>
+      </p:sp>
+      <p:pic>
+        <p:nvPicPr>
+          <p:cNvPr id="6" name="Picture 5">
+            <a:extLst>
+              <a:ext uri="{FF2B5EF4-FFF2-40B4-BE49-F238E27FC236}">
+                <a16:creationId xmlns:a16="http://schemas.microsoft.com/office/drawing/2014/main" id="{84046185-3848-274F-9656-4DDE27493D39}"/>
+              </a:ext>
+            </a:extLst>
+          </p:cNvPr>
+          <p:cNvPicPr>
+            <a:picLocks noChangeAspect="1"/>
+          </p:cNvPicPr>
+          <p:nvPr/>
+        </p:nvPicPr>
+        <p:blipFill>
+          <a:blip r:embed="rId2"/>
+          <a:stretch>
+            <a:fillRect/>
+          </a:stretch>
+        </p:blipFill>
+        <p:spPr>
+          <a:xfrm>
+            <a:off x="726976" y="4029425"/>
+            <a:ext cx="9514114" cy="1706731"/>
+          </a:xfrm>
+          <a:prstGeom prst="rect">
+            <a:avLst/>
+          </a:prstGeom>
+        </p:spPr>
+      </p:pic>
+      <p:sp>
+        <p:nvSpPr>
+          <p:cNvPr id="7" name="TextBox 6">
+            <a:extLst>
+              <a:ext uri="{FF2B5EF4-FFF2-40B4-BE49-F238E27FC236}">
+                <a16:creationId xmlns:a16="http://schemas.microsoft.com/office/drawing/2014/main" id="{A48A349D-FDBE-3A44-B2B3-41A071330AF2}"/>
+              </a:ext>
+            </a:extLst>
+          </p:cNvPr>
+          <p:cNvSpPr txBox="1"/>
+          <p:nvPr/>
+        </p:nvSpPr>
+        <p:spPr>
+          <a:xfrm>
+            <a:off x="639890" y="3690194"/>
+            <a:ext cx="736099" cy="369332"/>
+          </a:xfrm>
+          <a:prstGeom prst="rect">
+            <a:avLst/>
+          </a:prstGeom>
+          <a:noFill/>
+        </p:spPr>
+        <p:txBody>
+          <a:bodyPr wrap="none" rtlCol="0">
+            <a:spAutoFit/>
+          </a:bodyPr>
+          <a:lstStyle/>
+          <a:p>
+            <a:r>
+              <a:rPr lang="en-GB" dirty="0">
+                <a:latin typeface="Courier New" panose="02070309020205020404" pitchFamily="49" charset="0"/>
+                <a:cs typeface="Courier New" panose="02070309020205020404" pitchFamily="49" charset="0"/>
+              </a:rPr>
+              <a:t>john</a:t>
+            </a:r>
+          </a:p>
+        </p:txBody>
+      </p:sp>
+      <p:sp>
+        <p:nvSpPr>
+          <p:cNvPr id="11" name="Rounded Rectangle 10">
+            <a:extLst>
+              <a:ext uri="{FF2B5EF4-FFF2-40B4-BE49-F238E27FC236}">
+                <a16:creationId xmlns:a16="http://schemas.microsoft.com/office/drawing/2014/main" id="{1E587990-49B2-1649-94EE-7A6DEBD0CEB6}"/>
+              </a:ext>
+            </a:extLst>
+          </p:cNvPr>
+          <p:cNvSpPr/>
+          <p:nvPr/>
+        </p:nvSpPr>
+        <p:spPr>
+          <a:xfrm>
+            <a:off x="6221895" y="2434930"/>
+            <a:ext cx="1152939" cy="417443"/>
+          </a:xfrm>
+          <a:prstGeom prst="roundRect">
+            <a:avLst/>
+          </a:prstGeom>
+          <a:noFill/>
+          <a:ln w="38100">
+            <a:solidFill>
+              <a:srgbClr val="FF0000"/>
+            </a:solidFill>
+          </a:ln>
+        </p:spPr>
+        <p:style>
+          <a:lnRef idx="2">
+            <a:schemeClr val="accent1">
+              <a:shade val="50000"/>
+            </a:schemeClr>
+          </a:lnRef>
+          <a:fillRef idx="1">
+            <a:schemeClr val="accent1"/>
+          </a:fillRef>
+          <a:effectRef idx="0">
+            <a:schemeClr val="accent1"/>
+          </a:effectRef>
+          <a:fontRef idx="minor">
+            <a:schemeClr val="lt1"/>
+          </a:fontRef>
+        </p:style>
+        <p:txBody>
+          <a:bodyPr rtlCol="0" anchor="ctr"/>
+          <a:lstStyle/>
+          <a:p>
+            <a:pPr algn="ctr"/>
+            <a:endParaRPr lang="en-GB"/>
+          </a:p>
+        </p:txBody>
+      </p:sp>
+      <p:sp>
+        <p:nvSpPr>
+          <p:cNvPr id="12" name="Rounded Rectangle 11">
+            <a:extLst>
+              <a:ext uri="{FF2B5EF4-FFF2-40B4-BE49-F238E27FC236}">
+                <a16:creationId xmlns:a16="http://schemas.microsoft.com/office/drawing/2014/main" id="{D5AF8C7D-77A6-2C49-AB00-4C8142CD346C}"/>
+              </a:ext>
+            </a:extLst>
+          </p:cNvPr>
+          <p:cNvSpPr/>
+          <p:nvPr/>
+        </p:nvSpPr>
+        <p:spPr>
+          <a:xfrm>
+            <a:off x="8839199" y="2438243"/>
+            <a:ext cx="1152939" cy="417443"/>
+          </a:xfrm>
+          <a:prstGeom prst="roundRect">
+            <a:avLst/>
+          </a:prstGeom>
+          <a:noFill/>
+          <a:ln w="38100">
+            <a:solidFill>
+              <a:srgbClr val="FF0000"/>
+            </a:solidFill>
+          </a:ln>
+        </p:spPr>
+        <p:style>
+          <a:lnRef idx="2">
+            <a:schemeClr val="accent1">
+              <a:shade val="50000"/>
+            </a:schemeClr>
+          </a:lnRef>
+          <a:fillRef idx="1">
+            <a:schemeClr val="accent1"/>
+          </a:fillRef>
+          <a:effectRef idx="0">
+            <a:schemeClr val="accent1"/>
+          </a:effectRef>
+          <a:fontRef idx="minor">
+            <a:schemeClr val="lt1"/>
+          </a:fontRef>
+        </p:style>
+        <p:txBody>
+          <a:bodyPr rtlCol="0" anchor="ctr"/>
+          <a:lstStyle/>
+          <a:p>
+            <a:pPr algn="ctr"/>
+            <a:endParaRPr lang="en-GB"/>
+          </a:p>
+        </p:txBody>
+      </p:sp>
+      <p:sp>
+        <p:nvSpPr>
+          <p:cNvPr id="13" name="Rounded Rectangle 12">
+            <a:extLst>
+              <a:ext uri="{FF2B5EF4-FFF2-40B4-BE49-F238E27FC236}">
+                <a16:creationId xmlns:a16="http://schemas.microsoft.com/office/drawing/2014/main" id="{716D1A89-129D-5F4D-A430-1A75CAF901D7}"/>
+              </a:ext>
+            </a:extLst>
+          </p:cNvPr>
+          <p:cNvSpPr/>
+          <p:nvPr/>
+        </p:nvSpPr>
+        <p:spPr>
+          <a:xfrm>
+            <a:off x="6221895" y="4614912"/>
+            <a:ext cx="1152939" cy="417443"/>
+          </a:xfrm>
+          <a:prstGeom prst="roundRect">
+            <a:avLst/>
+          </a:prstGeom>
+          <a:noFill/>
+          <a:ln w="38100">
+            <a:solidFill>
+              <a:srgbClr val="FF0000"/>
+            </a:solidFill>
+          </a:ln>
+        </p:spPr>
+        <p:style>
+          <a:lnRef idx="2">
+            <a:schemeClr val="accent1">
+              <a:shade val="50000"/>
+            </a:schemeClr>
+          </a:lnRef>
+          <a:fillRef idx="1">
+            <a:schemeClr val="accent1"/>
+          </a:fillRef>
+          <a:effectRef idx="0">
+            <a:schemeClr val="accent1"/>
+          </a:effectRef>
+          <a:fontRef idx="minor">
+            <a:schemeClr val="lt1"/>
+          </a:fontRef>
+        </p:style>
+        <p:txBody>
+          <a:bodyPr rtlCol="0" anchor="ctr"/>
+          <a:lstStyle/>
+          <a:p>
+            <a:pPr algn="ctr"/>
+            <a:endParaRPr lang="en-GB"/>
+          </a:p>
+        </p:txBody>
+      </p:sp>
+      <p:sp>
+        <p:nvSpPr>
+          <p:cNvPr id="14" name="Rounded Rectangle 13">
+            <a:extLst>
+              <a:ext uri="{FF2B5EF4-FFF2-40B4-BE49-F238E27FC236}">
+                <a16:creationId xmlns:a16="http://schemas.microsoft.com/office/drawing/2014/main" id="{4BF6FA67-F1C6-A441-B0D7-8A14B4DD11E8}"/>
+              </a:ext>
+            </a:extLst>
+          </p:cNvPr>
+          <p:cNvSpPr/>
+          <p:nvPr/>
+        </p:nvSpPr>
+        <p:spPr>
+          <a:xfrm>
+            <a:off x="8839199" y="4618225"/>
+            <a:ext cx="1152939" cy="417443"/>
+          </a:xfrm>
+          <a:prstGeom prst="roundRect">
+            <a:avLst/>
+          </a:prstGeom>
+          <a:noFill/>
+          <a:ln w="38100">
+            <a:solidFill>
+              <a:srgbClr val="FF0000"/>
+            </a:solidFill>
+          </a:ln>
+        </p:spPr>
+        <p:style>
+          <a:lnRef idx="2">
+            <a:schemeClr val="accent1">
+              <a:shade val="50000"/>
+            </a:schemeClr>
+          </a:lnRef>
+          <a:fillRef idx="1">
+            <a:schemeClr val="accent1"/>
+          </a:fillRef>
+          <a:effectRef idx="0">
+            <a:schemeClr val="accent1"/>
+          </a:effectRef>
+          <a:fontRef idx="minor">
+            <a:schemeClr val="lt1"/>
+          </a:fontRef>
+        </p:style>
+        <p:txBody>
+          <a:bodyPr rtlCol="0" anchor="ctr"/>
+          <a:lstStyle/>
+          <a:p>
+            <a:pPr algn="ctr"/>
+            <a:endParaRPr lang="en-GB"/>
+          </a:p>
+        </p:txBody>
+      </p:sp>
+      <p:sp>
+        <p:nvSpPr>
+          <p:cNvPr id="17" name="Right Brace 16">
+            <a:extLst>
+              <a:ext uri="{FF2B5EF4-FFF2-40B4-BE49-F238E27FC236}">
+                <a16:creationId xmlns:a16="http://schemas.microsoft.com/office/drawing/2014/main" id="{DDBBF86C-FEFA-DC48-8478-CD07F6693EF8}"/>
+              </a:ext>
+            </a:extLst>
+          </p:cNvPr>
+          <p:cNvSpPr/>
+          <p:nvPr/>
+        </p:nvSpPr>
+        <p:spPr>
+          <a:xfrm rot="5400000">
+            <a:off x="7941364" y="1749734"/>
+            <a:ext cx="417444" cy="2663687"/>
+          </a:xfrm>
+          <a:prstGeom prst="rightBrace">
+            <a:avLst>
+              <a:gd name="adj1" fmla="val 8333"/>
+              <a:gd name="adj2" fmla="val 80597"/>
+            </a:avLst>
+          </a:prstGeom>
+          <a:ln w="38100">
+            <a:solidFill>
+              <a:srgbClr val="FF0000"/>
+            </a:solidFill>
+          </a:ln>
+        </p:spPr>
+        <p:style>
+          <a:lnRef idx="1">
+            <a:schemeClr val="accent1"/>
+          </a:lnRef>
+          <a:fillRef idx="0">
+            <a:schemeClr val="accent1"/>
+          </a:fillRef>
+          <a:effectRef idx="0">
+            <a:schemeClr val="accent1"/>
+          </a:effectRef>
+          <a:fontRef idx="minor">
+            <a:schemeClr val="tx1"/>
+          </a:fontRef>
+        </p:style>
+        <p:txBody>
+          <a:bodyPr rtlCol="0" anchor="ctr"/>
+          <a:lstStyle/>
+          <a:p>
+            <a:pPr algn="ctr"/>
+            <a:endParaRPr lang="en-GB"/>
+          </a:p>
+        </p:txBody>
+      </p:sp>
+      <p:cxnSp>
+        <p:nvCxnSpPr>
+          <p:cNvPr id="21" name="Straight Arrow Connector 20">
+            <a:extLst>
+              <a:ext uri="{FF2B5EF4-FFF2-40B4-BE49-F238E27FC236}">
+                <a16:creationId xmlns:a16="http://schemas.microsoft.com/office/drawing/2014/main" id="{3B4C0DFB-1BC3-1B47-98F0-425E535EE5C9}"/>
+              </a:ext>
+            </a:extLst>
+          </p:cNvPr>
+          <p:cNvCxnSpPr>
+            <a:cxnSpLocks/>
+            <a:stCxn id="17" idx="1"/>
+          </p:cNvCxnSpPr>
+          <p:nvPr/>
+        </p:nvCxnSpPr>
+        <p:spPr>
+          <a:xfrm>
+            <a:off x="7335078" y="3290300"/>
+            <a:ext cx="0" cy="677387"/>
+          </a:xfrm>
+          <a:prstGeom prst="straightConnector1">
+            <a:avLst/>
+          </a:prstGeom>
+          <a:ln w="38100">
+            <a:solidFill>
+              <a:srgbClr val="FF0000"/>
+            </a:solidFill>
+            <a:tailEnd type="triangle"/>
+          </a:ln>
+        </p:spPr>
+        <p:style>
+          <a:lnRef idx="1">
+            <a:schemeClr val="accent1"/>
+          </a:lnRef>
+          <a:fillRef idx="0">
+            <a:schemeClr val="accent1"/>
+          </a:fillRef>
+          <a:effectRef idx="0">
+            <a:schemeClr val="accent1"/>
+          </a:effectRef>
+          <a:fontRef idx="minor">
+            <a:schemeClr val="tx1"/>
+          </a:fontRef>
+        </p:style>
+      </p:cxnSp>
+      <p:sp>
+        <p:nvSpPr>
+          <p:cNvPr id="24" name="Right Brace 23">
+            <a:extLst>
+              <a:ext uri="{FF2B5EF4-FFF2-40B4-BE49-F238E27FC236}">
+                <a16:creationId xmlns:a16="http://schemas.microsoft.com/office/drawing/2014/main" id="{AC7A03BB-FFF6-E341-9D57-C73E25C2458C}"/>
+              </a:ext>
+            </a:extLst>
+          </p:cNvPr>
+          <p:cNvSpPr/>
+          <p:nvPr/>
+        </p:nvSpPr>
+        <p:spPr>
+          <a:xfrm rot="5400000">
+            <a:off x="7941364" y="3939655"/>
+            <a:ext cx="417444" cy="2663687"/>
+          </a:xfrm>
+          <a:prstGeom prst="rightBrace">
+            <a:avLst>
+              <a:gd name="adj1" fmla="val 8333"/>
+              <a:gd name="adj2" fmla="val 80597"/>
+            </a:avLst>
+          </a:prstGeom>
+          <a:ln w="38100">
+            <a:solidFill>
+              <a:srgbClr val="FF0000"/>
+            </a:solidFill>
+          </a:ln>
+        </p:spPr>
+        <p:style>
+          <a:lnRef idx="1">
+            <a:schemeClr val="accent1"/>
+          </a:lnRef>
+          <a:fillRef idx="0">
+            <a:schemeClr val="accent1"/>
+          </a:fillRef>
+          <a:effectRef idx="0">
+            <a:schemeClr val="accent1"/>
+          </a:effectRef>
+          <a:fontRef idx="minor">
+            <a:schemeClr val="tx1"/>
+          </a:fontRef>
+        </p:style>
+        <p:txBody>
+          <a:bodyPr rtlCol="0" anchor="ctr"/>
+          <a:lstStyle/>
+          <a:p>
+            <a:pPr algn="ctr"/>
+            <a:endParaRPr lang="en-GB"/>
+          </a:p>
+        </p:txBody>
+      </p:sp>
+      <p:sp>
+        <p:nvSpPr>
+          <p:cNvPr id="33" name="Arc 32">
+            <a:extLst>
+              <a:ext uri="{FF2B5EF4-FFF2-40B4-BE49-F238E27FC236}">
+                <a16:creationId xmlns:a16="http://schemas.microsoft.com/office/drawing/2014/main" id="{4FCD897F-6AF1-7B44-8A80-209DCD12268A}"/>
+              </a:ext>
+            </a:extLst>
+          </p:cNvPr>
+          <p:cNvSpPr/>
+          <p:nvPr/>
+        </p:nvSpPr>
+        <p:spPr>
+          <a:xfrm>
+            <a:off x="6957392" y="1371600"/>
+            <a:ext cx="3945830" cy="5178285"/>
+          </a:xfrm>
+          <a:prstGeom prst="arc">
+            <a:avLst>
+              <a:gd name="adj1" fmla="val 14658087"/>
+              <a:gd name="adj2" fmla="val 8207597"/>
+            </a:avLst>
+          </a:prstGeom>
+          <a:ln w="38100">
+            <a:solidFill>
+              <a:srgbClr val="FF0000"/>
+            </a:solidFill>
+            <a:headEnd type="triangle" w="med" len="med"/>
+            <a:tailEnd type="none" w="med" len="med"/>
+          </a:ln>
+        </p:spPr>
+        <p:style>
+          <a:lnRef idx="1">
+            <a:schemeClr val="accent1"/>
+          </a:lnRef>
+          <a:fillRef idx="0">
+            <a:schemeClr val="accent1"/>
+          </a:fillRef>
+          <a:effectRef idx="0">
+            <a:schemeClr val="accent1"/>
+          </a:effectRef>
+          <a:fontRef idx="minor">
+            <a:schemeClr val="tx1"/>
+          </a:fontRef>
+        </p:style>
+        <p:txBody>
+          <a:bodyPr rtlCol="0" anchor="ctr"/>
+          <a:lstStyle/>
+          <a:p>
+            <a:pPr algn="ctr"/>
+            <a:endParaRPr lang="en-GB"/>
+          </a:p>
+        </p:txBody>
+      </p:sp>
+      <p:cxnSp>
+        <p:nvCxnSpPr>
+          <p:cNvPr id="34" name="Straight Arrow Connector 33">
+            <a:extLst>
+              <a:ext uri="{FF2B5EF4-FFF2-40B4-BE49-F238E27FC236}">
+                <a16:creationId xmlns:a16="http://schemas.microsoft.com/office/drawing/2014/main" id="{C2C99445-5B50-8A40-A2EC-45005E77A3E2}"/>
+              </a:ext>
+            </a:extLst>
+          </p:cNvPr>
+          <p:cNvCxnSpPr>
+            <a:cxnSpLocks/>
+          </p:cNvCxnSpPr>
+          <p:nvPr/>
+        </p:nvCxnSpPr>
+        <p:spPr>
+          <a:xfrm>
+            <a:off x="3834802" y="879553"/>
+            <a:ext cx="4526" cy="964855"/>
+          </a:xfrm>
+          <a:prstGeom prst="straightConnector1">
+            <a:avLst/>
+          </a:prstGeom>
+          <a:ln w="38100">
+            <a:solidFill>
+              <a:srgbClr val="FF0000"/>
+            </a:solidFill>
+            <a:tailEnd type="triangle"/>
+          </a:ln>
+        </p:spPr>
+        <p:style>
+          <a:lnRef idx="1">
+            <a:schemeClr val="accent1"/>
+          </a:lnRef>
+          <a:fillRef idx="0">
+            <a:schemeClr val="accent1"/>
+          </a:fillRef>
+          <a:effectRef idx="0">
+            <a:schemeClr val="accent1"/>
+          </a:effectRef>
+          <a:fontRef idx="minor">
+            <a:schemeClr val="tx1"/>
+          </a:fontRef>
+        </p:style>
+      </p:cxnSp>
+      <p:pic>
+        <p:nvPicPr>
+          <p:cNvPr id="36" name="Picture 35">
+            <a:extLst>
+              <a:ext uri="{FF2B5EF4-FFF2-40B4-BE49-F238E27FC236}">
+                <a16:creationId xmlns:a16="http://schemas.microsoft.com/office/drawing/2014/main" id="{B7EF5B21-28A3-6147-B8EB-83EF0707C284}"/>
+              </a:ext>
+            </a:extLst>
+          </p:cNvPr>
+          <p:cNvPicPr>
+            <a:picLocks noChangeAspect="1"/>
+          </p:cNvPicPr>
+          <p:nvPr/>
+        </p:nvPicPr>
+        <p:blipFill>
+          <a:blip r:embed="rId3"/>
+          <a:stretch>
+            <a:fillRect/>
+          </a:stretch>
+        </p:blipFill>
+        <p:spPr>
+          <a:xfrm>
+            <a:off x="726976" y="548377"/>
+            <a:ext cx="3642691" cy="395944"/>
+          </a:xfrm>
+          <a:prstGeom prst="rect">
+            <a:avLst/>
+          </a:prstGeom>
+        </p:spPr>
+      </p:pic>
+    </p:spTree>
+    <p:extLst>
+      <p:ext uri="{BB962C8B-B14F-4D97-AF65-F5344CB8AC3E}">
+        <p14:creationId xmlns:p14="http://schemas.microsoft.com/office/powerpoint/2010/main" val="444441661"/>
+      </p:ext>
+    </p:extLst>
+  </p:cSld>
+  <p:clrMapOvr>
+    <a:masterClrMapping/>
+  </p:clrMapOvr>
+</p:sld>
+</file>
+
+<file path=ppt/slides/slide16.xml><?xml version="1.0" encoding="utf-8"?>
+<p:sld xmlns:a="http://schemas.openxmlformats.org/drawingml/2006/main" xmlns:r="http://schemas.openxmlformats.org/officeDocument/2006/relationships" xmlns:p="http://schemas.openxmlformats.org/presentationml/2006/main">
+  <p:cSld>
+    <p:spTree>
+      <p:nvGrpSpPr>
+        <p:cNvPr id="1" name=""/>
+        <p:cNvGrpSpPr/>
+        <p:nvPr/>
+      </p:nvGrpSpPr>
+      <p:grpSpPr>
+        <a:xfrm>
+          <a:off x="0" y="0"/>
+          <a:ext cx="0" cy="0"/>
+          <a:chOff x="0" y="0"/>
+          <a:chExt cx="0" cy="0"/>
+        </a:xfrm>
+      </p:grpSpPr>
+      <p:pic>
+        <p:nvPicPr>
+          <p:cNvPr id="4" name="Picture 3">
+            <a:extLst>
+              <a:ext uri="{FF2B5EF4-FFF2-40B4-BE49-F238E27FC236}">
+                <a16:creationId xmlns:a16="http://schemas.microsoft.com/office/drawing/2014/main" id="{B5C287CE-82AC-6F4C-9BF2-B1F70ACCAFA6}"/>
+              </a:ext>
+            </a:extLst>
+          </p:cNvPr>
+          <p:cNvPicPr>
+            <a:picLocks noChangeAspect="1"/>
+          </p:cNvPicPr>
+          <p:nvPr/>
+        </p:nvPicPr>
+        <p:blipFill>
+          <a:blip r:embed="rId2"/>
+          <a:stretch>
+            <a:fillRect/>
+          </a:stretch>
+        </p:blipFill>
+        <p:spPr>
+          <a:xfrm>
+            <a:off x="679647" y="1798955"/>
+            <a:ext cx="7124700" cy="1803400"/>
+          </a:xfrm>
+          <a:prstGeom prst="rect">
+            <a:avLst/>
+          </a:prstGeom>
+        </p:spPr>
+      </p:pic>
+      <p:pic>
+        <p:nvPicPr>
+          <p:cNvPr id="5" name="Picture 4">
+            <a:extLst>
+              <a:ext uri="{FF2B5EF4-FFF2-40B4-BE49-F238E27FC236}">
+                <a16:creationId xmlns:a16="http://schemas.microsoft.com/office/drawing/2014/main" id="{9331C4FD-C827-9D47-BF2B-7072074F751E}"/>
+              </a:ext>
+            </a:extLst>
+          </p:cNvPr>
+          <p:cNvPicPr>
+            <a:picLocks noChangeAspect="1"/>
+          </p:cNvPicPr>
+          <p:nvPr/>
+        </p:nvPicPr>
+        <p:blipFill>
+          <a:blip r:embed="rId2"/>
+          <a:stretch>
+            <a:fillRect/>
+          </a:stretch>
+        </p:blipFill>
+        <p:spPr>
+          <a:xfrm>
+            <a:off x="679647" y="4396274"/>
+            <a:ext cx="7124700" cy="1803400"/>
+          </a:xfrm>
+          <a:prstGeom prst="rect">
+            <a:avLst/>
+          </a:prstGeom>
+        </p:spPr>
+      </p:pic>
+      <p:sp>
+        <p:nvSpPr>
+          <p:cNvPr id="6" name="TextBox 5">
+            <a:extLst>
+              <a:ext uri="{FF2B5EF4-FFF2-40B4-BE49-F238E27FC236}">
+                <a16:creationId xmlns:a16="http://schemas.microsoft.com/office/drawing/2014/main" id="{723741BE-5873-2543-8F5B-72AF8FF1A0F9}"/>
+              </a:ext>
+            </a:extLst>
+          </p:cNvPr>
+          <p:cNvSpPr txBox="1"/>
+          <p:nvPr/>
+        </p:nvSpPr>
+        <p:spPr>
+          <a:xfrm>
+            <a:off x="571605" y="1480931"/>
+            <a:ext cx="1011815" cy="369332"/>
+          </a:xfrm>
+          <a:prstGeom prst="rect">
+            <a:avLst/>
+          </a:prstGeom>
+          <a:noFill/>
+        </p:spPr>
+        <p:txBody>
+          <a:bodyPr wrap="none" rtlCol="0">
+            <a:spAutoFit/>
+          </a:bodyPr>
+          <a:lstStyle/>
+          <a:p>
+            <a:r>
+              <a:rPr lang="en-GB" dirty="0">
+                <a:latin typeface="Courier New" panose="02070309020205020404" pitchFamily="49" charset="0"/>
+                <a:cs typeface="Courier New" panose="02070309020205020404" pitchFamily="49" charset="0"/>
+              </a:rPr>
+              <a:t>albert</a:t>
+            </a:r>
+          </a:p>
+        </p:txBody>
+      </p:sp>
+      <p:sp>
+        <p:nvSpPr>
+          <p:cNvPr id="7" name="TextBox 6">
+            <a:extLst>
+              <a:ext uri="{FF2B5EF4-FFF2-40B4-BE49-F238E27FC236}">
+                <a16:creationId xmlns:a16="http://schemas.microsoft.com/office/drawing/2014/main" id="{44A48F48-62C3-2949-8EF2-05C825FCCCA6}"/>
+              </a:ext>
+            </a:extLst>
+          </p:cNvPr>
+          <p:cNvSpPr txBox="1"/>
+          <p:nvPr/>
+        </p:nvSpPr>
+        <p:spPr>
+          <a:xfrm>
+            <a:off x="571605" y="4056759"/>
+            <a:ext cx="736099" cy="369332"/>
+          </a:xfrm>
+          <a:prstGeom prst="rect">
+            <a:avLst/>
+          </a:prstGeom>
+          <a:noFill/>
+        </p:spPr>
+        <p:txBody>
+          <a:bodyPr wrap="none" rtlCol="0">
+            <a:spAutoFit/>
+          </a:bodyPr>
+          <a:lstStyle/>
+          <a:p>
+            <a:r>
+              <a:rPr lang="en-GB" dirty="0">
+                <a:latin typeface="Courier New" panose="02070309020205020404" pitchFamily="49" charset="0"/>
+                <a:cs typeface="Courier New" panose="02070309020205020404" pitchFamily="49" charset="0"/>
+              </a:rPr>
+              <a:t>john</a:t>
+            </a:r>
+          </a:p>
+        </p:txBody>
+      </p:sp>
+      <p:cxnSp>
+        <p:nvCxnSpPr>
+          <p:cNvPr id="9" name="Straight Arrow Connector 8">
+            <a:extLst>
+              <a:ext uri="{FF2B5EF4-FFF2-40B4-BE49-F238E27FC236}">
+                <a16:creationId xmlns:a16="http://schemas.microsoft.com/office/drawing/2014/main" id="{1F266B64-F58A-C042-A0DC-55040A57D455}"/>
+              </a:ext>
+            </a:extLst>
+          </p:cNvPr>
+          <p:cNvCxnSpPr>
+            <a:cxnSpLocks/>
+          </p:cNvCxnSpPr>
+          <p:nvPr/>
+        </p:nvCxnSpPr>
+        <p:spPr>
+          <a:xfrm>
+            <a:off x="3874559" y="790101"/>
+            <a:ext cx="4526" cy="964855"/>
+          </a:xfrm>
+          <a:prstGeom prst="straightConnector1">
+            <a:avLst/>
+          </a:prstGeom>
+          <a:ln w="38100">
+            <a:solidFill>
+              <a:srgbClr val="FF0000"/>
+            </a:solidFill>
+            <a:tailEnd type="triangle"/>
+          </a:ln>
+        </p:spPr>
+        <p:style>
+          <a:lnRef idx="1">
+            <a:schemeClr val="accent1"/>
+          </a:lnRef>
+          <a:fillRef idx="0">
+            <a:schemeClr val="accent1"/>
+          </a:fillRef>
+          <a:effectRef idx="0">
+            <a:schemeClr val="accent1"/>
+          </a:effectRef>
+          <a:fontRef idx="minor">
+            <a:schemeClr val="tx1"/>
+          </a:fontRef>
+        </p:style>
+      </p:cxnSp>
+      <p:pic>
+        <p:nvPicPr>
+          <p:cNvPr id="8" name="Picture 7">
+            <a:extLst>
+              <a:ext uri="{FF2B5EF4-FFF2-40B4-BE49-F238E27FC236}">
+                <a16:creationId xmlns:a16="http://schemas.microsoft.com/office/drawing/2014/main" id="{915EDA6D-F3B7-E849-B115-89ACEEFC259C}"/>
+              </a:ext>
+            </a:extLst>
+          </p:cNvPr>
+          <p:cNvPicPr>
+            <a:picLocks noChangeAspect="1"/>
+          </p:cNvPicPr>
+          <p:nvPr/>
+        </p:nvPicPr>
+        <p:blipFill>
+          <a:blip r:embed="rId3"/>
+          <a:stretch>
+            <a:fillRect/>
+          </a:stretch>
+        </p:blipFill>
+        <p:spPr>
+          <a:xfrm>
+            <a:off x="679647" y="344636"/>
+            <a:ext cx="9613900" cy="660400"/>
+          </a:xfrm>
+          <a:prstGeom prst="rect">
+            <a:avLst/>
+          </a:prstGeom>
+        </p:spPr>
+      </p:pic>
+      <p:sp>
+        <p:nvSpPr>
+          <p:cNvPr id="10" name="Rounded Rectangle 9">
+            <a:extLst>
+              <a:ext uri="{FF2B5EF4-FFF2-40B4-BE49-F238E27FC236}">
+                <a16:creationId xmlns:a16="http://schemas.microsoft.com/office/drawing/2014/main" id="{3D1709BC-DB2F-FC4F-8EF8-2E2A814A8514}"/>
+              </a:ext>
+            </a:extLst>
+          </p:cNvPr>
+          <p:cNvSpPr/>
+          <p:nvPr/>
+        </p:nvSpPr>
+        <p:spPr>
+          <a:xfrm>
+            <a:off x="6135757" y="2587330"/>
+            <a:ext cx="1152939" cy="417443"/>
+          </a:xfrm>
+          <a:prstGeom prst="roundRect">
+            <a:avLst/>
+          </a:prstGeom>
+          <a:noFill/>
+          <a:ln w="38100">
+            <a:solidFill>
+              <a:srgbClr val="FF0000"/>
+            </a:solidFill>
+          </a:ln>
+        </p:spPr>
+        <p:style>
+          <a:lnRef idx="2">
+            <a:schemeClr val="accent1">
+              <a:shade val="50000"/>
+            </a:schemeClr>
+          </a:lnRef>
+          <a:fillRef idx="1">
+            <a:schemeClr val="accent1"/>
+          </a:fillRef>
+          <a:effectRef idx="0">
+            <a:schemeClr val="accent1"/>
+          </a:effectRef>
+          <a:fontRef idx="minor">
+            <a:schemeClr val="lt1"/>
+          </a:fontRef>
+        </p:style>
+        <p:txBody>
+          <a:bodyPr rtlCol="0" anchor="ctr"/>
+          <a:lstStyle/>
+          <a:p>
+            <a:pPr algn="ctr"/>
+            <a:endParaRPr lang="en-GB" dirty="0"/>
+          </a:p>
+        </p:txBody>
+      </p:sp>
+      <p:sp>
+        <p:nvSpPr>
+          <p:cNvPr id="11" name="Rounded Rectangle 10">
+            <a:extLst>
+              <a:ext uri="{FF2B5EF4-FFF2-40B4-BE49-F238E27FC236}">
+                <a16:creationId xmlns:a16="http://schemas.microsoft.com/office/drawing/2014/main" id="{131B8C73-6446-4846-94BA-178712014759}"/>
+              </a:ext>
+            </a:extLst>
+          </p:cNvPr>
+          <p:cNvSpPr/>
+          <p:nvPr/>
+        </p:nvSpPr>
+        <p:spPr>
+          <a:xfrm>
+            <a:off x="6135757" y="5181444"/>
+            <a:ext cx="1152939" cy="417443"/>
+          </a:xfrm>
+          <a:prstGeom prst="roundRect">
+            <a:avLst/>
+          </a:prstGeom>
+          <a:noFill/>
+          <a:ln w="38100">
+            <a:solidFill>
+              <a:srgbClr val="FF0000"/>
+            </a:solidFill>
+          </a:ln>
+        </p:spPr>
+        <p:style>
+          <a:lnRef idx="2">
+            <a:schemeClr val="accent1">
+              <a:shade val="50000"/>
+            </a:schemeClr>
+          </a:lnRef>
+          <a:fillRef idx="1">
+            <a:schemeClr val="accent1"/>
+          </a:fillRef>
+          <a:effectRef idx="0">
+            <a:schemeClr val="accent1"/>
+          </a:effectRef>
+          <a:fontRef idx="minor">
+            <a:schemeClr val="lt1"/>
+          </a:fontRef>
+        </p:style>
+        <p:txBody>
+          <a:bodyPr rtlCol="0" anchor="ctr"/>
+          <a:lstStyle/>
+          <a:p>
+            <a:pPr algn="ctr"/>
+            <a:endParaRPr lang="en-GB"/>
+          </a:p>
+        </p:txBody>
+      </p:sp>
+      <p:cxnSp>
+        <p:nvCxnSpPr>
+          <p:cNvPr id="12" name="Straight Arrow Connector 11">
+            <a:extLst>
+              <a:ext uri="{FF2B5EF4-FFF2-40B4-BE49-F238E27FC236}">
+                <a16:creationId xmlns:a16="http://schemas.microsoft.com/office/drawing/2014/main" id="{F8D0387C-541F-8D42-BCEB-4E5EC26BEDB8}"/>
+              </a:ext>
+            </a:extLst>
+          </p:cNvPr>
+          <p:cNvCxnSpPr>
+            <a:cxnSpLocks/>
+          </p:cNvCxnSpPr>
+          <p:nvPr/>
+        </p:nvCxnSpPr>
+        <p:spPr>
+          <a:xfrm>
+            <a:off x="6460757" y="3004773"/>
+            <a:ext cx="0" cy="2176671"/>
+          </a:xfrm>
+          <a:prstGeom prst="straightConnector1">
+            <a:avLst/>
+          </a:prstGeom>
+          <a:ln w="38100">
+            <a:solidFill>
+              <a:srgbClr val="FF0000"/>
+            </a:solidFill>
+            <a:tailEnd type="triangle"/>
+          </a:ln>
+        </p:spPr>
+        <p:style>
+          <a:lnRef idx="1">
+            <a:schemeClr val="accent1"/>
+          </a:lnRef>
+          <a:fillRef idx="0">
+            <a:schemeClr val="accent1"/>
+          </a:fillRef>
+          <a:effectRef idx="0">
+            <a:schemeClr val="accent1"/>
+          </a:effectRef>
+          <a:fontRef idx="minor">
+            <a:schemeClr val="tx1"/>
+          </a:fontRef>
+        </p:style>
+      </p:cxnSp>
+      <p:sp>
+        <p:nvSpPr>
+          <p:cNvPr id="14" name="Arc 13">
+            <a:extLst>
+              <a:ext uri="{FF2B5EF4-FFF2-40B4-BE49-F238E27FC236}">
+                <a16:creationId xmlns:a16="http://schemas.microsoft.com/office/drawing/2014/main" id="{D5EF7D33-C17E-8B49-A97A-DA397778A699}"/>
+              </a:ext>
+            </a:extLst>
+          </p:cNvPr>
+          <p:cNvSpPr/>
+          <p:nvPr/>
+        </p:nvSpPr>
+        <p:spPr>
+          <a:xfrm>
+            <a:off x="6135757" y="1497652"/>
+            <a:ext cx="3945830" cy="5178285"/>
+          </a:xfrm>
+          <a:prstGeom prst="arc">
+            <a:avLst>
+              <a:gd name="adj1" fmla="val 13410194"/>
+              <a:gd name="adj2" fmla="val 8207597"/>
+            </a:avLst>
+          </a:prstGeom>
+          <a:ln w="38100">
+            <a:solidFill>
+              <a:srgbClr val="FF0000"/>
+            </a:solidFill>
+            <a:headEnd type="triangle" w="med" len="med"/>
+            <a:tailEnd type="none" w="med" len="med"/>
+          </a:ln>
+        </p:spPr>
+        <p:style>
+          <a:lnRef idx="1">
+            <a:schemeClr val="accent1"/>
+          </a:lnRef>
+          <a:fillRef idx="0">
+            <a:schemeClr val="accent1"/>
+          </a:fillRef>
+          <a:effectRef idx="0">
+            <a:schemeClr val="accent1"/>
+          </a:effectRef>
+          <a:fontRef idx="minor">
+            <a:schemeClr val="tx1"/>
+          </a:fontRef>
+        </p:style>
+        <p:txBody>
+          <a:bodyPr rtlCol="0" anchor="ctr"/>
+          <a:lstStyle/>
+          <a:p>
+            <a:pPr algn="ctr"/>
+            <a:endParaRPr lang="en-GB"/>
+          </a:p>
+        </p:txBody>
+      </p:sp>
+    </p:spTree>
+    <p:extLst>
+      <p:ext uri="{BB962C8B-B14F-4D97-AF65-F5344CB8AC3E}">
+        <p14:creationId xmlns:p14="http://schemas.microsoft.com/office/powerpoint/2010/main" val="3247899128"/>
+      </p:ext>
+    </p:extLst>
+  </p:cSld>
+  <p:clrMapOvr>
+    <a:masterClrMapping/>
+  </p:clrMapOvr>
+</p:sld>
+</file>
+
+<file path=ppt/slides/slide17.xml><?xml version="1.0" encoding="utf-8"?>
+<p:sld xmlns:a="http://schemas.openxmlformats.org/drawingml/2006/main" xmlns:r="http://schemas.openxmlformats.org/officeDocument/2006/relationships" xmlns:p="http://schemas.openxmlformats.org/presentationml/2006/main">
+  <p:cSld>
+    <p:spTree>
+      <p:nvGrpSpPr>
+        <p:cNvPr id="1" name=""/>
+        <p:cNvGrpSpPr/>
+        <p:nvPr/>
+      </p:nvGrpSpPr>
+      <p:grpSpPr>
+        <a:xfrm>
+          <a:off x="0" y="0"/>
+          <a:ext cx="0" cy="0"/>
+          <a:chOff x="0" y="0"/>
+          <a:chExt cx="0" cy="0"/>
+        </a:xfrm>
+      </p:grpSpPr>
       <p:sp>
         <p:nvSpPr>
           <p:cNvPr id="4" name="Rectangle 3">
@@ -7940,7 +9037,7 @@
 </p:sld>
 </file>
 
-<file path=ppt/slides/slide16.xml><?xml version="1.0" encoding="utf-8"?>
+<file path=ppt/slides/slide18.xml><?xml version="1.0" encoding="utf-8"?>
 <p:sld xmlns:a="http://schemas.openxmlformats.org/drawingml/2006/main" xmlns:r="http://schemas.openxmlformats.org/officeDocument/2006/relationships" xmlns:p="http://schemas.openxmlformats.org/presentationml/2006/main">
   <p:cSld>
     <p:spTree>
@@ -7970,7 +9067,7 @@
 </p:sld>
 </file>
 
-<file path=ppt/slides/slide17.xml><?xml version="1.0" encoding="utf-8"?>
+<file path=ppt/slides/slide19.xml><?xml version="1.0" encoding="utf-8"?>
 <p:sld xmlns:a="http://schemas.openxmlformats.org/drawingml/2006/main" xmlns:r="http://schemas.openxmlformats.org/officeDocument/2006/relationships" xmlns:p="http://schemas.openxmlformats.org/presentationml/2006/main">
   <p:cSld>
     <p:spTree>

--- a/assets/images/Images.pptx
+++ b/assets/images/Images.pptx
@@ -5,7 +5,7 @@
     <p:sldMasterId id="2147483648" r:id="rId1"/>
   </p:sldMasterIdLst>
   <p:notesMasterIdLst>
-    <p:notesMasterId r:id="rId21"/>
+    <p:notesMasterId r:id="rId23"/>
   </p:notesMasterIdLst>
   <p:sldIdLst>
     <p:sldId id="257" r:id="rId2"/>
@@ -25,8 +25,10 @@
     <p:sldId id="273" r:id="rId16"/>
     <p:sldId id="274" r:id="rId17"/>
     <p:sldId id="272" r:id="rId18"/>
-    <p:sldId id="270" r:id="rId19"/>
-    <p:sldId id="256" r:id="rId20"/>
+    <p:sldId id="275" r:id="rId19"/>
+    <p:sldId id="276" r:id="rId20"/>
+    <p:sldId id="270" r:id="rId21"/>
+    <p:sldId id="256" r:id="rId22"/>
   </p:sldIdLst>
   <p:sldSz cx="12192000" cy="6858000"/>
   <p:notesSz cx="6858000" cy="9144000"/>
@@ -159,6 +161,8 @@
             <p14:sldId id="273"/>
             <p14:sldId id="274"/>
             <p14:sldId id="272"/>
+            <p14:sldId id="275"/>
+            <p14:sldId id="276"/>
           </p14:sldIdLst>
         </p14:section>
         <p14:section name="Collections - Arrays &amp; Java Heap" id="{A77C8035-645E-BC41-A860-8F1EAD9648FF}">
@@ -933,7 +937,7 @@
           <a:p>
             <a:fld id="{11A96E62-EC5F-C045-9FEB-EDD3A98888BE}" type="slidenum">
               <a:rPr lang="en-GB" smtClean="0"/>
-              <a:t>19</a:t>
+              <a:t>21</a:t>
             </a:fld>
             <a:endParaRPr lang="en-GB"/>
           </a:p>
@@ -8792,6 +8796,12 @@
             <a:avLst/>
           </a:prstGeom>
           <a:ln w="12700">
+            <a:solidFill>
+              <a:schemeClr val="tx1">
+                <a:lumMod val="75000"/>
+                <a:lumOff val="25000"/>
+              </a:schemeClr>
+            </a:solidFill>
             <a:tailEnd type="triangle"/>
           </a:ln>
         </p:spPr>
@@ -8834,6 +8844,12 @@
             <a:avLst/>
           </a:prstGeom>
           <a:ln w="12700">
+            <a:solidFill>
+              <a:schemeClr val="tx1">
+                <a:lumMod val="75000"/>
+                <a:lumOff val="25000"/>
+              </a:schemeClr>
+            </a:solidFill>
             <a:tailEnd type="triangle"/>
           </a:ln>
         </p:spPr>
@@ -9054,10 +9070,875 @@
           <a:chExt cx="0" cy="0"/>
         </a:xfrm>
       </p:grpSpPr>
+      <p:cxnSp>
+        <p:nvCxnSpPr>
+          <p:cNvPr id="23" name="Straight Connector 22">
+            <a:extLst>
+              <a:ext uri="{FF2B5EF4-FFF2-40B4-BE49-F238E27FC236}">
+                <a16:creationId xmlns:a16="http://schemas.microsoft.com/office/drawing/2014/main" id="{31E41BD0-758F-864D-9B7A-B816DBEC8A0E}"/>
+              </a:ext>
+            </a:extLst>
+          </p:cNvPr>
+          <p:cNvCxnSpPr>
+            <a:cxnSpLocks/>
+          </p:cNvCxnSpPr>
+          <p:nvPr/>
+        </p:nvCxnSpPr>
+        <p:spPr>
+          <a:xfrm flipH="1">
+            <a:off x="708091" y="3583056"/>
+            <a:ext cx="2450895" cy="2429289"/>
+          </a:xfrm>
+          <a:prstGeom prst="line">
+            <a:avLst/>
+          </a:prstGeom>
+          <a:ln>
+            <a:solidFill>
+              <a:schemeClr val="tx1">
+                <a:lumMod val="75000"/>
+                <a:lumOff val="25000"/>
+              </a:schemeClr>
+            </a:solidFill>
+          </a:ln>
+        </p:spPr>
+        <p:style>
+          <a:lnRef idx="1">
+            <a:schemeClr val="accent1"/>
+          </a:lnRef>
+          <a:fillRef idx="0">
+            <a:schemeClr val="accent1"/>
+          </a:fillRef>
+          <a:effectRef idx="0">
+            <a:schemeClr val="accent1"/>
+          </a:effectRef>
+          <a:fontRef idx="minor">
+            <a:schemeClr val="tx1"/>
+          </a:fontRef>
+        </p:style>
+      </p:cxnSp>
+      <p:sp>
+        <p:nvSpPr>
+          <p:cNvPr id="4" name="Rectangle 3">
+            <a:extLst>
+              <a:ext uri="{FF2B5EF4-FFF2-40B4-BE49-F238E27FC236}">
+                <a16:creationId xmlns:a16="http://schemas.microsoft.com/office/drawing/2014/main" id="{10FD7723-B813-DD45-B685-9F6914B4AF10}"/>
+              </a:ext>
+            </a:extLst>
+          </p:cNvPr>
+          <p:cNvSpPr/>
+          <p:nvPr/>
+        </p:nvSpPr>
+        <p:spPr>
+          <a:xfrm>
+            <a:off x="5116995" y="414130"/>
+            <a:ext cx="1958009" cy="934278"/>
+          </a:xfrm>
+          <a:prstGeom prst="rect">
+            <a:avLst/>
+          </a:prstGeom>
+        </p:spPr>
+        <p:style>
+          <a:lnRef idx="2">
+            <a:schemeClr val="accent1">
+              <a:shade val="50000"/>
+            </a:schemeClr>
+          </a:lnRef>
+          <a:fillRef idx="1">
+            <a:schemeClr val="accent1"/>
+          </a:fillRef>
+          <a:effectRef idx="0">
+            <a:schemeClr val="accent1"/>
+          </a:effectRef>
+          <a:fontRef idx="minor">
+            <a:schemeClr val="lt1"/>
+          </a:fontRef>
+        </p:style>
+        <p:txBody>
+          <a:bodyPr rtlCol="0" anchor="ctr"/>
+          <a:lstStyle/>
+          <a:p>
+            <a:pPr algn="ctr"/>
+            <a:r>
+              <a:rPr lang="en-GB" dirty="0"/>
+              <a:t>Object</a:t>
+            </a:r>
+          </a:p>
+        </p:txBody>
+      </p:sp>
+      <p:sp>
+        <p:nvSpPr>
+          <p:cNvPr id="5" name="Rectangle 4">
+            <a:extLst>
+              <a:ext uri="{FF2B5EF4-FFF2-40B4-BE49-F238E27FC236}">
+                <a16:creationId xmlns:a16="http://schemas.microsoft.com/office/drawing/2014/main" id="{9D691378-D15A-E645-8849-E3AEE923A412}"/>
+              </a:ext>
+            </a:extLst>
+          </p:cNvPr>
+          <p:cNvSpPr/>
+          <p:nvPr/>
+        </p:nvSpPr>
+        <p:spPr>
+          <a:xfrm>
+            <a:off x="3158986" y="2648778"/>
+            <a:ext cx="1958009" cy="934278"/>
+          </a:xfrm>
+          <a:prstGeom prst="rect">
+            <a:avLst/>
+          </a:prstGeom>
+          <a:solidFill>
+            <a:schemeClr val="accent2">
+              <a:lumMod val="75000"/>
+            </a:schemeClr>
+          </a:solidFill>
+        </p:spPr>
+        <p:style>
+          <a:lnRef idx="2">
+            <a:schemeClr val="accent1">
+              <a:shade val="50000"/>
+            </a:schemeClr>
+          </a:lnRef>
+          <a:fillRef idx="1">
+            <a:schemeClr val="accent1"/>
+          </a:fillRef>
+          <a:effectRef idx="0">
+            <a:schemeClr val="accent1"/>
+          </a:effectRef>
+          <a:fontRef idx="minor">
+            <a:schemeClr val="lt1"/>
+          </a:fontRef>
+        </p:style>
+        <p:txBody>
+          <a:bodyPr rtlCol="0" anchor="ctr"/>
+          <a:lstStyle/>
+          <a:p>
+            <a:pPr algn="ctr"/>
+            <a:r>
+              <a:rPr lang="en-GB" dirty="0"/>
+              <a:t>Person</a:t>
+            </a:r>
+          </a:p>
+          <a:p>
+            <a:pPr algn="ctr"/>
+            <a:r>
+              <a:rPr lang="en-GB" sz="1400" i="1" dirty="0"/>
+              <a:t>(extends Object)</a:t>
+            </a:r>
+            <a:endParaRPr lang="en-GB" i="1" dirty="0"/>
+          </a:p>
+        </p:txBody>
+      </p:sp>
+      <p:sp>
+        <p:nvSpPr>
+          <p:cNvPr id="6" name="Rectangle 5">
+            <a:extLst>
+              <a:ext uri="{FF2B5EF4-FFF2-40B4-BE49-F238E27FC236}">
+                <a16:creationId xmlns:a16="http://schemas.microsoft.com/office/drawing/2014/main" id="{2D6529E2-E8CB-7942-9608-D2B9AEF93CE9}"/>
+              </a:ext>
+            </a:extLst>
+          </p:cNvPr>
+          <p:cNvSpPr/>
+          <p:nvPr/>
+        </p:nvSpPr>
+        <p:spPr>
+          <a:xfrm>
+            <a:off x="7075004" y="4883427"/>
+            <a:ext cx="1958009" cy="934278"/>
+          </a:xfrm>
+          <a:prstGeom prst="rect">
+            <a:avLst/>
+          </a:prstGeom>
+          <a:solidFill>
+            <a:schemeClr val="accent4">
+              <a:lumMod val="75000"/>
+            </a:schemeClr>
+          </a:solidFill>
+        </p:spPr>
+        <p:style>
+          <a:lnRef idx="2">
+            <a:schemeClr val="accent1">
+              <a:shade val="50000"/>
+            </a:schemeClr>
+          </a:lnRef>
+          <a:fillRef idx="1">
+            <a:schemeClr val="accent1"/>
+          </a:fillRef>
+          <a:effectRef idx="0">
+            <a:schemeClr val="accent1"/>
+          </a:effectRef>
+          <a:fontRef idx="minor">
+            <a:schemeClr val="lt1"/>
+          </a:fontRef>
+        </p:style>
+        <p:txBody>
+          <a:bodyPr rtlCol="0" anchor="ctr"/>
+          <a:lstStyle/>
+          <a:p>
+            <a:pPr algn="ctr"/>
+            <a:r>
+              <a:rPr lang="en-GB" dirty="0"/>
+              <a:t>LightBox</a:t>
+            </a:r>
+          </a:p>
+          <a:p>
+            <a:pPr algn="ctr"/>
+            <a:r>
+              <a:rPr lang="en-GB" sz="1400" i="1" dirty="0"/>
+              <a:t>(extends Box)</a:t>
+            </a:r>
+            <a:endParaRPr lang="en-GB" i="1" dirty="0"/>
+          </a:p>
+        </p:txBody>
+      </p:sp>
+      <p:sp>
+        <p:nvSpPr>
+          <p:cNvPr id="7" name="Rectangle 6">
+            <a:extLst>
+              <a:ext uri="{FF2B5EF4-FFF2-40B4-BE49-F238E27FC236}">
+                <a16:creationId xmlns:a16="http://schemas.microsoft.com/office/drawing/2014/main" id="{18EC90D1-FFA5-6948-948D-F525B2AA4A75}"/>
+              </a:ext>
+            </a:extLst>
+          </p:cNvPr>
+          <p:cNvSpPr/>
+          <p:nvPr/>
+        </p:nvSpPr>
+        <p:spPr>
+          <a:xfrm>
+            <a:off x="7075003" y="2648778"/>
+            <a:ext cx="1958009" cy="934278"/>
+          </a:xfrm>
+          <a:prstGeom prst="rect">
+            <a:avLst/>
+          </a:prstGeom>
+          <a:solidFill>
+            <a:schemeClr val="accent6">
+              <a:lumMod val="75000"/>
+            </a:schemeClr>
+          </a:solidFill>
+        </p:spPr>
+        <p:style>
+          <a:lnRef idx="2">
+            <a:schemeClr val="accent1">
+              <a:shade val="50000"/>
+            </a:schemeClr>
+          </a:lnRef>
+          <a:fillRef idx="1">
+            <a:schemeClr val="accent1"/>
+          </a:fillRef>
+          <a:effectRef idx="0">
+            <a:schemeClr val="accent1"/>
+          </a:effectRef>
+          <a:fontRef idx="minor">
+            <a:schemeClr val="lt1"/>
+          </a:fontRef>
+        </p:style>
+        <p:txBody>
+          <a:bodyPr rtlCol="0" anchor="ctr"/>
+          <a:lstStyle/>
+          <a:p>
+            <a:pPr algn="ctr"/>
+            <a:r>
+              <a:rPr lang="en-GB" dirty="0"/>
+              <a:t>Box</a:t>
+            </a:r>
+          </a:p>
+          <a:p>
+            <a:pPr algn="ctr"/>
+            <a:r>
+              <a:rPr lang="en-GB" sz="1400" i="1" dirty="0"/>
+              <a:t>(extends Object)</a:t>
+            </a:r>
+            <a:endParaRPr lang="en-GB" i="1" dirty="0"/>
+          </a:p>
+        </p:txBody>
+      </p:sp>
+      <p:cxnSp>
+        <p:nvCxnSpPr>
+          <p:cNvPr id="9" name="Straight Arrow Connector 8">
+            <a:extLst>
+              <a:ext uri="{FF2B5EF4-FFF2-40B4-BE49-F238E27FC236}">
+                <a16:creationId xmlns:a16="http://schemas.microsoft.com/office/drawing/2014/main" id="{E2C3A75C-8475-1640-9149-43AC0489C63C}"/>
+              </a:ext>
+            </a:extLst>
+          </p:cNvPr>
+          <p:cNvCxnSpPr>
+            <a:stCxn id="5" idx="0"/>
+            <a:endCxn id="4" idx="2"/>
+          </p:cNvCxnSpPr>
+          <p:nvPr/>
+        </p:nvCxnSpPr>
+        <p:spPr>
+          <a:xfrm flipV="1">
+            <a:off x="4137991" y="1348408"/>
+            <a:ext cx="1958009" cy="1300370"/>
+          </a:xfrm>
+          <a:prstGeom prst="straightConnector1">
+            <a:avLst/>
+          </a:prstGeom>
+          <a:ln w="12700">
+            <a:solidFill>
+              <a:schemeClr val="tx1">
+                <a:lumMod val="75000"/>
+                <a:lumOff val="25000"/>
+              </a:schemeClr>
+            </a:solidFill>
+            <a:tailEnd type="triangle"/>
+          </a:ln>
+        </p:spPr>
+        <p:style>
+          <a:lnRef idx="1">
+            <a:schemeClr val="accent1"/>
+          </a:lnRef>
+          <a:fillRef idx="0">
+            <a:schemeClr val="accent1"/>
+          </a:fillRef>
+          <a:effectRef idx="0">
+            <a:schemeClr val="accent1"/>
+          </a:effectRef>
+          <a:fontRef idx="minor">
+            <a:schemeClr val="tx1"/>
+          </a:fontRef>
+        </p:style>
+      </p:cxnSp>
+      <p:cxnSp>
+        <p:nvCxnSpPr>
+          <p:cNvPr id="10" name="Straight Arrow Connector 9">
+            <a:extLst>
+              <a:ext uri="{FF2B5EF4-FFF2-40B4-BE49-F238E27FC236}">
+                <a16:creationId xmlns:a16="http://schemas.microsoft.com/office/drawing/2014/main" id="{2BD96D8D-D847-B946-B50F-9720CCF92044}"/>
+              </a:ext>
+            </a:extLst>
+          </p:cNvPr>
+          <p:cNvCxnSpPr>
+            <a:cxnSpLocks/>
+            <a:stCxn id="7" idx="0"/>
+            <a:endCxn id="4" idx="2"/>
+          </p:cNvCxnSpPr>
+          <p:nvPr/>
+        </p:nvCxnSpPr>
+        <p:spPr>
+          <a:xfrm flipH="1" flipV="1">
+            <a:off x="6096000" y="1348408"/>
+            <a:ext cx="1958008" cy="1300370"/>
+          </a:xfrm>
+          <a:prstGeom prst="straightConnector1">
+            <a:avLst/>
+          </a:prstGeom>
+          <a:ln w="12700">
+            <a:solidFill>
+              <a:schemeClr val="tx1">
+                <a:lumMod val="75000"/>
+                <a:lumOff val="25000"/>
+              </a:schemeClr>
+            </a:solidFill>
+            <a:tailEnd type="triangle"/>
+          </a:ln>
+        </p:spPr>
+        <p:style>
+          <a:lnRef idx="1">
+            <a:schemeClr val="accent1"/>
+          </a:lnRef>
+          <a:fillRef idx="0">
+            <a:schemeClr val="accent1"/>
+          </a:fillRef>
+          <a:effectRef idx="0">
+            <a:schemeClr val="accent1"/>
+          </a:effectRef>
+          <a:fontRef idx="minor">
+            <a:schemeClr val="tx1"/>
+          </a:fontRef>
+        </p:style>
+      </p:cxnSp>
+      <p:cxnSp>
+        <p:nvCxnSpPr>
+          <p:cNvPr id="13" name="Straight Arrow Connector 12">
+            <a:extLst>
+              <a:ext uri="{FF2B5EF4-FFF2-40B4-BE49-F238E27FC236}">
+                <a16:creationId xmlns:a16="http://schemas.microsoft.com/office/drawing/2014/main" id="{C10F176A-3A44-BF4B-AB5C-1CF178E92616}"/>
+              </a:ext>
+            </a:extLst>
+          </p:cNvPr>
+          <p:cNvCxnSpPr>
+            <a:cxnSpLocks/>
+            <a:stCxn id="6" idx="0"/>
+            <a:endCxn id="7" idx="2"/>
+          </p:cNvCxnSpPr>
+          <p:nvPr/>
+        </p:nvCxnSpPr>
+        <p:spPr>
+          <a:xfrm flipH="1" flipV="1">
+            <a:off x="8054008" y="3583056"/>
+            <a:ext cx="1" cy="1300371"/>
+          </a:xfrm>
+          <a:prstGeom prst="straightConnector1">
+            <a:avLst/>
+          </a:prstGeom>
+          <a:ln w="12700">
+            <a:solidFill>
+              <a:schemeClr val="tx1">
+                <a:lumMod val="75000"/>
+                <a:lumOff val="25000"/>
+              </a:schemeClr>
+            </a:solidFill>
+            <a:tailEnd type="triangle"/>
+          </a:ln>
+        </p:spPr>
+        <p:style>
+          <a:lnRef idx="1">
+            <a:schemeClr val="accent1"/>
+          </a:lnRef>
+          <a:fillRef idx="0">
+            <a:schemeClr val="accent1"/>
+          </a:fillRef>
+          <a:effectRef idx="0">
+            <a:schemeClr val="accent1"/>
+          </a:effectRef>
+          <a:fontRef idx="minor">
+            <a:schemeClr val="tx1"/>
+          </a:fontRef>
+        </p:style>
+      </p:cxnSp>
+      <p:sp>
+        <p:nvSpPr>
+          <p:cNvPr id="16" name="Rectangle 15">
+            <a:extLst>
+              <a:ext uri="{FF2B5EF4-FFF2-40B4-BE49-F238E27FC236}">
+                <a16:creationId xmlns:a16="http://schemas.microsoft.com/office/drawing/2014/main" id="{07EFD6A5-190C-304F-AB64-520489DB95FF}"/>
+              </a:ext>
+            </a:extLst>
+          </p:cNvPr>
+          <p:cNvSpPr/>
+          <p:nvPr/>
+        </p:nvSpPr>
+        <p:spPr>
+          <a:xfrm>
+            <a:off x="708091" y="4082497"/>
+            <a:ext cx="4044470" cy="1929848"/>
+          </a:xfrm>
+          <a:prstGeom prst="rect">
+            <a:avLst/>
+          </a:prstGeom>
+          <a:solidFill>
+            <a:schemeClr val="accent2">
+              <a:lumMod val="40000"/>
+              <a:lumOff val="60000"/>
+            </a:schemeClr>
+          </a:solidFill>
+        </p:spPr>
+        <p:style>
+          <a:lnRef idx="2">
+            <a:schemeClr val="accent1">
+              <a:shade val="50000"/>
+            </a:schemeClr>
+          </a:lnRef>
+          <a:fillRef idx="1">
+            <a:schemeClr val="accent1"/>
+          </a:fillRef>
+          <a:effectRef idx="0">
+            <a:schemeClr val="accent1"/>
+          </a:effectRef>
+          <a:fontRef idx="minor">
+            <a:schemeClr val="lt1"/>
+          </a:fontRef>
+        </p:style>
+        <p:txBody>
+          <a:bodyPr rtlCol="0" anchor="ctr"/>
+          <a:lstStyle/>
+          <a:p>
+            <a:pPr algn="ctr"/>
+            <a:endParaRPr lang="en-GB" i="1" dirty="0"/>
+          </a:p>
+        </p:txBody>
+      </p:sp>
+      <p:sp>
+        <p:nvSpPr>
+          <p:cNvPr id="19" name="Rectangle 18">
+            <a:extLst>
+              <a:ext uri="{FF2B5EF4-FFF2-40B4-BE49-F238E27FC236}">
+                <a16:creationId xmlns:a16="http://schemas.microsoft.com/office/drawing/2014/main" id="{1EFD359A-DA35-6647-A4C2-BC45AE1FCD56}"/>
+              </a:ext>
+            </a:extLst>
+          </p:cNvPr>
+          <p:cNvSpPr/>
+          <p:nvPr/>
+        </p:nvSpPr>
+        <p:spPr>
+          <a:xfrm>
+            <a:off x="992410" y="4677109"/>
+            <a:ext cx="1552160" cy="740624"/>
+          </a:xfrm>
+          <a:prstGeom prst="rect">
+            <a:avLst/>
+          </a:prstGeom>
+          <a:solidFill>
+            <a:schemeClr val="tx2">
+              <a:lumMod val="75000"/>
+            </a:schemeClr>
+          </a:solidFill>
+        </p:spPr>
+        <p:style>
+          <a:lnRef idx="2">
+            <a:schemeClr val="accent1">
+              <a:shade val="50000"/>
+            </a:schemeClr>
+          </a:lnRef>
+          <a:fillRef idx="1">
+            <a:schemeClr val="accent1"/>
+          </a:fillRef>
+          <a:effectRef idx="0">
+            <a:schemeClr val="accent1"/>
+          </a:effectRef>
+          <a:fontRef idx="minor">
+            <a:schemeClr val="lt1"/>
+          </a:fontRef>
+        </p:style>
+        <p:txBody>
+          <a:bodyPr rtlCol="0" anchor="ctr"/>
+          <a:lstStyle/>
+          <a:p>
+            <a:pPr algn="ctr"/>
+            <a:r>
+              <a:rPr lang="en-GB" dirty="0"/>
+              <a:t>String</a:t>
+            </a:r>
+            <a:endParaRPr lang="en-GB" i="1" dirty="0"/>
+          </a:p>
+        </p:txBody>
+      </p:sp>
+      <p:sp>
+        <p:nvSpPr>
+          <p:cNvPr id="20" name="Rectangle 19">
+            <a:extLst>
+              <a:ext uri="{FF2B5EF4-FFF2-40B4-BE49-F238E27FC236}">
+                <a16:creationId xmlns:a16="http://schemas.microsoft.com/office/drawing/2014/main" id="{D0FF9EB7-C71E-0A4C-B2B9-3D9191F13B43}"/>
+              </a:ext>
+            </a:extLst>
+          </p:cNvPr>
+          <p:cNvSpPr/>
+          <p:nvPr/>
+        </p:nvSpPr>
+        <p:spPr>
+          <a:xfrm>
+            <a:off x="2872485" y="4677109"/>
+            <a:ext cx="1552160" cy="740624"/>
+          </a:xfrm>
+          <a:prstGeom prst="rect">
+            <a:avLst/>
+          </a:prstGeom>
+          <a:solidFill>
+            <a:schemeClr val="tx2">
+              <a:lumMod val="75000"/>
+            </a:schemeClr>
+          </a:solidFill>
+        </p:spPr>
+        <p:style>
+          <a:lnRef idx="2">
+            <a:schemeClr val="accent1">
+              <a:shade val="50000"/>
+            </a:schemeClr>
+          </a:lnRef>
+          <a:fillRef idx="1">
+            <a:schemeClr val="accent1"/>
+          </a:fillRef>
+          <a:effectRef idx="0">
+            <a:schemeClr val="accent1"/>
+          </a:effectRef>
+          <a:fontRef idx="minor">
+            <a:schemeClr val="lt1"/>
+          </a:fontRef>
+        </p:style>
+        <p:txBody>
+          <a:bodyPr rtlCol="0" anchor="ctr"/>
+          <a:lstStyle/>
+          <a:p>
+            <a:pPr algn="ctr"/>
+            <a:r>
+              <a:rPr lang="en-GB" dirty="0"/>
+              <a:t>int</a:t>
+            </a:r>
+            <a:endParaRPr lang="en-GB" i="1" dirty="0"/>
+          </a:p>
+        </p:txBody>
+      </p:sp>
+      <p:cxnSp>
+        <p:nvCxnSpPr>
+          <p:cNvPr id="22" name="Straight Connector 21">
+            <a:extLst>
+              <a:ext uri="{FF2B5EF4-FFF2-40B4-BE49-F238E27FC236}">
+                <a16:creationId xmlns:a16="http://schemas.microsoft.com/office/drawing/2014/main" id="{02DD1F40-1F45-5A46-B130-943FA76C84E5}"/>
+              </a:ext>
+            </a:extLst>
+          </p:cNvPr>
+          <p:cNvCxnSpPr/>
+          <p:nvPr/>
+        </p:nvCxnSpPr>
+        <p:spPr>
+          <a:xfrm flipH="1">
+            <a:off x="708091" y="2648778"/>
+            <a:ext cx="2450895" cy="1433719"/>
+          </a:xfrm>
+          <a:prstGeom prst="line">
+            <a:avLst/>
+          </a:prstGeom>
+          <a:ln>
+            <a:solidFill>
+              <a:schemeClr val="tx1">
+                <a:lumMod val="75000"/>
+                <a:lumOff val="25000"/>
+              </a:schemeClr>
+            </a:solidFill>
+          </a:ln>
+        </p:spPr>
+        <p:style>
+          <a:lnRef idx="1">
+            <a:schemeClr val="accent1"/>
+          </a:lnRef>
+          <a:fillRef idx="0">
+            <a:schemeClr val="accent1"/>
+          </a:fillRef>
+          <a:effectRef idx="0">
+            <a:schemeClr val="accent1"/>
+          </a:effectRef>
+          <a:fontRef idx="minor">
+            <a:schemeClr val="tx1"/>
+          </a:fontRef>
+        </p:style>
+      </p:cxnSp>
+      <p:cxnSp>
+        <p:nvCxnSpPr>
+          <p:cNvPr id="26" name="Straight Connector 25">
+            <a:extLst>
+              <a:ext uri="{FF2B5EF4-FFF2-40B4-BE49-F238E27FC236}">
+                <a16:creationId xmlns:a16="http://schemas.microsoft.com/office/drawing/2014/main" id="{7F1A8473-CB9C-7D4F-826E-D1D0EBA8C3F4}"/>
+              </a:ext>
+            </a:extLst>
+          </p:cNvPr>
+          <p:cNvCxnSpPr>
+            <a:cxnSpLocks/>
+          </p:cNvCxnSpPr>
+          <p:nvPr/>
+        </p:nvCxnSpPr>
+        <p:spPr>
+          <a:xfrm flipH="1">
+            <a:off x="4752561" y="3583056"/>
+            <a:ext cx="364435" cy="2429289"/>
+          </a:xfrm>
+          <a:prstGeom prst="line">
+            <a:avLst/>
+          </a:prstGeom>
+          <a:ln>
+            <a:solidFill>
+              <a:schemeClr val="tx1">
+                <a:lumMod val="75000"/>
+                <a:lumOff val="25000"/>
+              </a:schemeClr>
+            </a:solidFill>
+          </a:ln>
+        </p:spPr>
+        <p:style>
+          <a:lnRef idx="1">
+            <a:schemeClr val="accent1"/>
+          </a:lnRef>
+          <a:fillRef idx="0">
+            <a:schemeClr val="accent1"/>
+          </a:fillRef>
+          <a:effectRef idx="0">
+            <a:schemeClr val="accent1"/>
+          </a:effectRef>
+          <a:fontRef idx="minor">
+            <a:schemeClr val="tx1"/>
+          </a:fontRef>
+        </p:style>
+      </p:cxnSp>
+      <p:cxnSp>
+        <p:nvCxnSpPr>
+          <p:cNvPr id="29" name="Straight Connector 28">
+            <a:extLst>
+              <a:ext uri="{FF2B5EF4-FFF2-40B4-BE49-F238E27FC236}">
+                <a16:creationId xmlns:a16="http://schemas.microsoft.com/office/drawing/2014/main" id="{6F1239EB-5865-B145-B7E9-C30B6B838792}"/>
+              </a:ext>
+            </a:extLst>
+          </p:cNvPr>
+          <p:cNvCxnSpPr>
+            <a:cxnSpLocks/>
+          </p:cNvCxnSpPr>
+          <p:nvPr/>
+        </p:nvCxnSpPr>
+        <p:spPr>
+          <a:xfrm flipH="1">
+            <a:off x="4752560" y="2648778"/>
+            <a:ext cx="364434" cy="1433719"/>
+          </a:xfrm>
+          <a:prstGeom prst="line">
+            <a:avLst/>
+          </a:prstGeom>
+          <a:ln>
+            <a:solidFill>
+              <a:schemeClr val="tx1">
+                <a:lumMod val="75000"/>
+                <a:lumOff val="25000"/>
+              </a:schemeClr>
+            </a:solidFill>
+          </a:ln>
+        </p:spPr>
+        <p:style>
+          <a:lnRef idx="1">
+            <a:schemeClr val="accent1"/>
+          </a:lnRef>
+          <a:fillRef idx="0">
+            <a:schemeClr val="accent1"/>
+          </a:fillRef>
+          <a:effectRef idx="0">
+            <a:schemeClr val="accent1"/>
+          </a:effectRef>
+          <a:fontRef idx="minor">
+            <a:schemeClr val="tx1"/>
+          </a:fontRef>
+        </p:style>
+      </p:cxnSp>
+      <p:sp>
+        <p:nvSpPr>
+          <p:cNvPr id="33" name="TextBox 32">
+            <a:extLst>
+              <a:ext uri="{FF2B5EF4-FFF2-40B4-BE49-F238E27FC236}">
+                <a16:creationId xmlns:a16="http://schemas.microsoft.com/office/drawing/2014/main" id="{DF1E0BFF-095E-9547-948A-1504D7AEC8E6}"/>
+              </a:ext>
+            </a:extLst>
+          </p:cNvPr>
+          <p:cNvSpPr txBox="1"/>
+          <p:nvPr/>
+        </p:nvSpPr>
+        <p:spPr>
+          <a:xfrm>
+            <a:off x="4507140" y="1719470"/>
+            <a:ext cx="490840" cy="369332"/>
+          </a:xfrm>
+          <a:prstGeom prst="rect">
+            <a:avLst/>
+          </a:prstGeom>
+          <a:noFill/>
+        </p:spPr>
+        <p:txBody>
+          <a:bodyPr wrap="none" rtlCol="0">
+            <a:spAutoFit/>
+          </a:bodyPr>
+          <a:lstStyle/>
+          <a:p>
+            <a:r>
+              <a:rPr lang="en-GB" dirty="0"/>
+              <a:t>is a</a:t>
+            </a:r>
+          </a:p>
+        </p:txBody>
+      </p:sp>
+      <p:sp>
+        <p:nvSpPr>
+          <p:cNvPr id="34" name="TextBox 33">
+            <a:extLst>
+              <a:ext uri="{FF2B5EF4-FFF2-40B4-BE49-F238E27FC236}">
+                <a16:creationId xmlns:a16="http://schemas.microsoft.com/office/drawing/2014/main" id="{2DDF9C50-D137-784F-94D1-DD8827F21ACC}"/>
+              </a:ext>
+            </a:extLst>
+          </p:cNvPr>
+          <p:cNvSpPr txBox="1"/>
+          <p:nvPr/>
+        </p:nvSpPr>
+        <p:spPr>
+          <a:xfrm>
+            <a:off x="7149548" y="1719470"/>
+            <a:ext cx="490840" cy="369332"/>
+          </a:xfrm>
+          <a:prstGeom prst="rect">
+            <a:avLst/>
+          </a:prstGeom>
+          <a:noFill/>
+        </p:spPr>
+        <p:txBody>
+          <a:bodyPr wrap="none" rtlCol="0">
+            <a:spAutoFit/>
+          </a:bodyPr>
+          <a:lstStyle/>
+          <a:p>
+            <a:r>
+              <a:rPr lang="en-GB" dirty="0"/>
+              <a:t>is a</a:t>
+            </a:r>
+          </a:p>
+        </p:txBody>
+      </p:sp>
+      <p:sp>
+        <p:nvSpPr>
+          <p:cNvPr id="35" name="TextBox 34">
+            <a:extLst>
+              <a:ext uri="{FF2B5EF4-FFF2-40B4-BE49-F238E27FC236}">
+                <a16:creationId xmlns:a16="http://schemas.microsoft.com/office/drawing/2014/main" id="{C8FFEFB8-B8D2-8147-AF93-F6CBA42F3B1F}"/>
+              </a:ext>
+            </a:extLst>
+          </p:cNvPr>
+          <p:cNvSpPr txBox="1"/>
+          <p:nvPr/>
+        </p:nvSpPr>
+        <p:spPr>
+          <a:xfrm>
+            <a:off x="8054006" y="4048575"/>
+            <a:ext cx="490840" cy="369332"/>
+          </a:xfrm>
+          <a:prstGeom prst="rect">
+            <a:avLst/>
+          </a:prstGeom>
+          <a:noFill/>
+        </p:spPr>
+        <p:txBody>
+          <a:bodyPr wrap="none" rtlCol="0">
+            <a:spAutoFit/>
+          </a:bodyPr>
+          <a:lstStyle/>
+          <a:p>
+            <a:r>
+              <a:rPr lang="en-GB" dirty="0"/>
+              <a:t>is a</a:t>
+            </a:r>
+          </a:p>
+        </p:txBody>
+      </p:sp>
+      <p:sp>
+        <p:nvSpPr>
+          <p:cNvPr id="36" name="TextBox 35">
+            <a:extLst>
+              <a:ext uri="{FF2B5EF4-FFF2-40B4-BE49-F238E27FC236}">
+                <a16:creationId xmlns:a16="http://schemas.microsoft.com/office/drawing/2014/main" id="{7C5F620D-B4F5-E94E-A4DC-20DF2D6A3F10}"/>
+              </a:ext>
+            </a:extLst>
+          </p:cNvPr>
+          <p:cNvSpPr txBox="1"/>
+          <p:nvPr/>
+        </p:nvSpPr>
+        <p:spPr>
+          <a:xfrm>
+            <a:off x="3486902" y="3648110"/>
+            <a:ext cx="513282" cy="369332"/>
+          </a:xfrm>
+          <a:prstGeom prst="rect">
+            <a:avLst/>
+          </a:prstGeom>
+          <a:noFill/>
+        </p:spPr>
+        <p:txBody>
+          <a:bodyPr wrap="none" rtlCol="0">
+            <a:spAutoFit/>
+          </a:bodyPr>
+          <a:lstStyle/>
+          <a:p>
+            <a:r>
+              <a:rPr lang="en-GB" b="1" dirty="0"/>
+              <a:t>has</a:t>
+            </a:r>
+          </a:p>
+        </p:txBody>
+      </p:sp>
     </p:spTree>
     <p:extLst>
       <p:ext uri="{BB962C8B-B14F-4D97-AF65-F5344CB8AC3E}">
-        <p14:creationId xmlns:p14="http://schemas.microsoft.com/office/powerpoint/2010/main" val="606586767"/>
+        <p14:creationId xmlns:p14="http://schemas.microsoft.com/office/powerpoint/2010/main" val="3653858940"/>
       </p:ext>
     </p:extLst>
   </p:cSld>
@@ -9086,10 +9967,10 @@
       </p:grpSpPr>
       <p:sp>
         <p:nvSpPr>
-          <p:cNvPr id="8" name="Cloud 7">
-            <a:extLst>
-              <a:ext uri="{FF2B5EF4-FFF2-40B4-BE49-F238E27FC236}">
-                <a16:creationId xmlns:a16="http://schemas.microsoft.com/office/drawing/2014/main" id="{94F42F71-0F59-7847-8897-2C8409A6EB4E}"/>
+          <p:cNvPr id="4" name="Rectangle 3">
+            <a:extLst>
+              <a:ext uri="{FF2B5EF4-FFF2-40B4-BE49-F238E27FC236}">
+                <a16:creationId xmlns:a16="http://schemas.microsoft.com/office/drawing/2014/main" id="{8690E21F-D695-4B4E-A381-9A86FF18F400}"/>
               </a:ext>
             </a:extLst>
           </p:cNvPr>
@@ -9098,10 +9979,10 @@
         </p:nvSpPr>
         <p:spPr>
           <a:xfrm>
-            <a:off x="4078835" y="168909"/>
-            <a:ext cx="2430049" cy="1828800"/>
-          </a:xfrm>
-          <a:prstGeom prst="cloud">
+            <a:off x="3389244" y="5039140"/>
+            <a:ext cx="2256183" cy="238539"/>
+          </a:xfrm>
+          <a:prstGeom prst="rect">
             <a:avLst/>
           </a:prstGeom>
         </p:spPr>
@@ -9126,19 +10007,16 @@
           <a:lstStyle/>
           <a:p>
             <a:pPr algn="ctr"/>
-            <a:r>
-              <a:rPr lang="en-GB" dirty="0"/>
-              <a:t>Test Double</a:t>
-            </a:r>
-          </a:p>
-        </p:txBody>
-      </p:sp>
-      <p:sp>
-        <p:nvSpPr>
-          <p:cNvPr id="9" name="Rectangle 8">
-            <a:extLst>
-              <a:ext uri="{FF2B5EF4-FFF2-40B4-BE49-F238E27FC236}">
-                <a16:creationId xmlns:a16="http://schemas.microsoft.com/office/drawing/2014/main" id="{F6EE240D-D31C-1A4B-9685-1613792E46F0}"/>
+            <a:endParaRPr lang="en-GB"/>
+          </a:p>
+        </p:txBody>
+      </p:sp>
+      <p:sp>
+        <p:nvSpPr>
+          <p:cNvPr id="5" name="Rectangle 4">
+            <a:extLst>
+              <a:ext uri="{FF2B5EF4-FFF2-40B4-BE49-F238E27FC236}">
+                <a16:creationId xmlns:a16="http://schemas.microsoft.com/office/drawing/2014/main" id="{F1945C65-F0EC-1047-AEA2-9AFDC2D90CAE}"/>
               </a:ext>
             </a:extLst>
           </p:cNvPr>
@@ -9147,8 +10025,8 @@
         </p:nvSpPr>
         <p:spPr>
           <a:xfrm>
-            <a:off x="1883229" y="2427515"/>
-            <a:ext cx="1919226" cy="723092"/>
+            <a:off x="3389244" y="4750908"/>
+            <a:ext cx="2256183" cy="238539"/>
           </a:xfrm>
           <a:prstGeom prst="rect">
             <a:avLst/>
@@ -9175,19 +10053,16 @@
           <a:lstStyle/>
           <a:p>
             <a:pPr algn="ctr"/>
-            <a:r>
-              <a:rPr lang="en-GB" dirty="0"/>
-              <a:t>Dummy</a:t>
-            </a:r>
-          </a:p>
-        </p:txBody>
-      </p:sp>
-      <p:sp>
-        <p:nvSpPr>
-          <p:cNvPr id="10" name="Rectangle 9">
-            <a:extLst>
-              <a:ext uri="{FF2B5EF4-FFF2-40B4-BE49-F238E27FC236}">
-                <a16:creationId xmlns:a16="http://schemas.microsoft.com/office/drawing/2014/main" id="{1EE69F68-74C0-464F-8E30-0E2C5B2D4696}"/>
+            <a:endParaRPr lang="en-GB"/>
+          </a:p>
+        </p:txBody>
+      </p:sp>
+      <p:sp>
+        <p:nvSpPr>
+          <p:cNvPr id="6" name="Rectangle 5">
+            <a:extLst>
+              <a:ext uri="{FF2B5EF4-FFF2-40B4-BE49-F238E27FC236}">
+                <a16:creationId xmlns:a16="http://schemas.microsoft.com/office/drawing/2014/main" id="{1745E959-458F-154E-8F53-C0E07DB128B2}"/>
               </a:ext>
             </a:extLst>
           </p:cNvPr>
@@ -9196,8 +10071,8 @@
         </p:nvSpPr>
         <p:spPr>
           <a:xfrm>
-            <a:off x="1883229" y="3429000"/>
-            <a:ext cx="1919226" cy="723092"/>
+            <a:off x="3389244" y="4462675"/>
+            <a:ext cx="2256183" cy="238539"/>
           </a:xfrm>
           <a:prstGeom prst="rect">
             <a:avLst/>
@@ -9224,19 +10099,16 @@
           <a:lstStyle/>
           <a:p>
             <a:pPr algn="ctr"/>
-            <a:r>
-              <a:rPr lang="en-GB" dirty="0"/>
-              <a:t>Stub</a:t>
-            </a:r>
-          </a:p>
-        </p:txBody>
-      </p:sp>
-      <p:sp>
-        <p:nvSpPr>
-          <p:cNvPr id="11" name="Rectangle 10">
-            <a:extLst>
-              <a:ext uri="{FF2B5EF4-FFF2-40B4-BE49-F238E27FC236}">
-                <a16:creationId xmlns:a16="http://schemas.microsoft.com/office/drawing/2014/main" id="{B2E808FA-1944-2B4E-947D-628334D8C9F8}"/>
+            <a:endParaRPr lang="en-GB"/>
+          </a:p>
+        </p:txBody>
+      </p:sp>
+      <p:sp>
+        <p:nvSpPr>
+          <p:cNvPr id="7" name="Rectangle 6">
+            <a:extLst>
+              <a:ext uri="{FF2B5EF4-FFF2-40B4-BE49-F238E27FC236}">
+                <a16:creationId xmlns:a16="http://schemas.microsoft.com/office/drawing/2014/main" id="{C0404FEA-9A3F-7E4B-B2D7-797FB245F033}"/>
               </a:ext>
             </a:extLst>
           </p:cNvPr>
@@ -9245,8 +10117,8 @@
         </p:nvSpPr>
         <p:spPr>
           <a:xfrm>
-            <a:off x="1883229" y="4430485"/>
-            <a:ext cx="1919226" cy="723092"/>
+            <a:off x="3389244" y="4174442"/>
+            <a:ext cx="2256183" cy="238539"/>
           </a:xfrm>
           <a:prstGeom prst="rect">
             <a:avLst/>
@@ -9273,19 +10145,16 @@
           <a:lstStyle/>
           <a:p>
             <a:pPr algn="ctr"/>
-            <a:r>
-              <a:rPr lang="en-GB" dirty="0"/>
-              <a:t>Spy</a:t>
-            </a:r>
-          </a:p>
-        </p:txBody>
-      </p:sp>
-      <p:sp>
-        <p:nvSpPr>
-          <p:cNvPr id="12" name="Rectangle 11">
-            <a:extLst>
-              <a:ext uri="{FF2B5EF4-FFF2-40B4-BE49-F238E27FC236}">
-                <a16:creationId xmlns:a16="http://schemas.microsoft.com/office/drawing/2014/main" id="{34975D4E-A32E-9B46-B936-3CD4867661D0}"/>
+            <a:endParaRPr lang="en-GB"/>
+          </a:p>
+        </p:txBody>
+      </p:sp>
+      <p:sp>
+        <p:nvSpPr>
+          <p:cNvPr id="8" name="Rectangle 7">
+            <a:extLst>
+              <a:ext uri="{FF2B5EF4-FFF2-40B4-BE49-F238E27FC236}">
+                <a16:creationId xmlns:a16="http://schemas.microsoft.com/office/drawing/2014/main" id="{80B1371C-57F0-FC4B-94D5-B9D8DF50AD0E}"/>
               </a:ext>
             </a:extLst>
           </p:cNvPr>
@@ -9294,8 +10163,8 @@
         </p:nvSpPr>
         <p:spPr>
           <a:xfrm>
-            <a:off x="1883229" y="5431970"/>
-            <a:ext cx="1919226" cy="723092"/>
+            <a:off x="828260" y="3309730"/>
+            <a:ext cx="2256183" cy="238539"/>
           </a:xfrm>
           <a:prstGeom prst="rect">
             <a:avLst/>
@@ -9322,19 +10191,16 @@
           <a:lstStyle/>
           <a:p>
             <a:pPr algn="ctr"/>
-            <a:r>
-              <a:rPr lang="en-GB" dirty="0"/>
-              <a:t>Mock</a:t>
-            </a:r>
-          </a:p>
-        </p:txBody>
-      </p:sp>
-      <p:sp>
-        <p:nvSpPr>
-          <p:cNvPr id="13" name="Rectangle 12">
-            <a:extLst>
-              <a:ext uri="{FF2B5EF4-FFF2-40B4-BE49-F238E27FC236}">
-                <a16:creationId xmlns:a16="http://schemas.microsoft.com/office/drawing/2014/main" id="{3B2A9E41-DB72-7D43-9CF8-F3213B9CC7B4}"/>
+            <a:endParaRPr lang="en-GB"/>
+          </a:p>
+        </p:txBody>
+      </p:sp>
+      <p:sp>
+        <p:nvSpPr>
+          <p:cNvPr id="10" name="Arc 9">
+            <a:extLst>
+              <a:ext uri="{FF2B5EF4-FFF2-40B4-BE49-F238E27FC236}">
+                <a16:creationId xmlns:a16="http://schemas.microsoft.com/office/drawing/2014/main" id="{627793A5-0296-F745-9139-2843D7476403}"/>
               </a:ext>
             </a:extLst>
           </p:cNvPr>
@@ -9343,27 +10209,35 @@
         </p:nvSpPr>
         <p:spPr>
           <a:xfrm>
-            <a:off x="6788698" y="5431970"/>
-            <a:ext cx="1919226" cy="723092"/>
-          </a:xfrm>
-          <a:prstGeom prst="rect">
-            <a:avLst/>
-          </a:prstGeom>
+            <a:off x="2353918" y="3429000"/>
+            <a:ext cx="1765851" cy="1093312"/>
+          </a:xfrm>
+          <a:prstGeom prst="arc">
+            <a:avLst/>
+          </a:prstGeom>
+          <a:ln w="12700">
+            <a:solidFill>
+              <a:schemeClr val="tx1">
+                <a:lumMod val="75000"/>
+                <a:lumOff val="25000"/>
+              </a:schemeClr>
+            </a:solidFill>
+            <a:headEnd type="none" w="med" len="med"/>
+            <a:tailEnd type="triangle" w="med" len="med"/>
+          </a:ln>
         </p:spPr>
         <p:style>
-          <a:lnRef idx="2">
-            <a:schemeClr val="accent1">
-              <a:shade val="50000"/>
-            </a:schemeClr>
+          <a:lnRef idx="1">
+            <a:schemeClr val="accent1"/>
           </a:lnRef>
-          <a:fillRef idx="1">
+          <a:fillRef idx="0">
             <a:schemeClr val="accent1"/>
           </a:fillRef>
           <a:effectRef idx="0">
             <a:schemeClr val="accent1"/>
           </a:effectRef>
           <a:fontRef idx="minor">
-            <a:schemeClr val="lt1"/>
+            <a:schemeClr val="tx1"/>
           </a:fontRef>
         </p:style>
         <p:txBody>
@@ -9371,37 +10245,37 @@
           <a:lstStyle/>
           <a:p>
             <a:pPr algn="ctr"/>
-            <a:r>
-              <a:rPr lang="en-GB" dirty="0"/>
-              <a:t>Fake</a:t>
-            </a:r>
+            <a:endParaRPr lang="en-GB"/>
           </a:p>
         </p:txBody>
       </p:sp>
       <p:cxnSp>
         <p:nvCxnSpPr>
-          <p:cNvPr id="15" name="Straight Arrow Connector 14">
-            <a:extLst>
-              <a:ext uri="{FF2B5EF4-FFF2-40B4-BE49-F238E27FC236}">
-                <a16:creationId xmlns:a16="http://schemas.microsoft.com/office/drawing/2014/main" id="{6D0AA745-0DB1-2641-BAD8-9D0F53B759BF}"/>
-              </a:ext>
-            </a:extLst>
-          </p:cNvPr>
-          <p:cNvCxnSpPr>
-            <a:stCxn id="12" idx="0"/>
-            <a:endCxn id="11" idx="2"/>
-          </p:cNvCxnSpPr>
+          <p:cNvPr id="12" name="Straight Arrow Connector 11">
+            <a:extLst>
+              <a:ext uri="{FF2B5EF4-FFF2-40B4-BE49-F238E27FC236}">
+                <a16:creationId xmlns:a16="http://schemas.microsoft.com/office/drawing/2014/main" id="{BD80E9E5-5C1E-C743-8347-8EA673B10892}"/>
+              </a:ext>
+            </a:extLst>
+          </p:cNvPr>
+          <p:cNvCxnSpPr/>
           <p:nvPr/>
         </p:nvCxnSpPr>
         <p:spPr>
           <a:xfrm flipV="1">
-            <a:off x="2842842" y="5153577"/>
-            <a:ext cx="0" cy="278393"/>
+            <a:off x="4880113" y="2912165"/>
+            <a:ext cx="536713" cy="1063491"/>
           </a:xfrm>
           <a:prstGeom prst="straightConnector1">
             <a:avLst/>
           </a:prstGeom>
-          <a:ln>
+          <a:ln w="12700">
+            <a:solidFill>
+              <a:schemeClr val="tx1">
+                <a:lumMod val="75000"/>
+                <a:lumOff val="25000"/>
+              </a:schemeClr>
+            </a:solidFill>
             <a:tailEnd type="triangle"/>
           </a:ln>
         </p:spPr>
@@ -9420,180 +10294,91 @@
           </a:fontRef>
         </p:style>
       </p:cxnSp>
-      <p:cxnSp>
-        <p:nvCxnSpPr>
-          <p:cNvPr id="16" name="Straight Arrow Connector 15">
-            <a:extLst>
-              <a:ext uri="{FF2B5EF4-FFF2-40B4-BE49-F238E27FC236}">
-                <a16:creationId xmlns:a16="http://schemas.microsoft.com/office/drawing/2014/main" id="{454CE2E0-6108-6647-8B20-0D2B2A8F3A95}"/>
-              </a:ext>
-            </a:extLst>
-          </p:cNvPr>
-          <p:cNvCxnSpPr>
-            <a:cxnSpLocks/>
-            <a:stCxn id="11" idx="0"/>
-            <a:endCxn id="10" idx="2"/>
-          </p:cNvCxnSpPr>
-          <p:nvPr/>
-        </p:nvCxnSpPr>
-        <p:spPr>
-          <a:xfrm flipV="1">
-            <a:off x="2842842" y="4152092"/>
-            <a:ext cx="0" cy="278393"/>
-          </a:xfrm>
-          <a:prstGeom prst="straightConnector1">
-            <a:avLst/>
-          </a:prstGeom>
-          <a:ln>
-            <a:tailEnd type="triangle"/>
-          </a:ln>
+      <p:sp>
+        <p:nvSpPr>
+          <p:cNvPr id="13" name="Rectangle 12">
+            <a:extLst>
+              <a:ext uri="{FF2B5EF4-FFF2-40B4-BE49-F238E27FC236}">
+                <a16:creationId xmlns:a16="http://schemas.microsoft.com/office/drawing/2014/main" id="{61CD34FF-3990-3944-897D-4BE7E41C4A73}"/>
+              </a:ext>
+            </a:extLst>
+          </p:cNvPr>
+          <p:cNvSpPr/>
+          <p:nvPr/>
+        </p:nvSpPr>
+        <p:spPr>
+          <a:xfrm>
+            <a:off x="4419599" y="2484782"/>
+            <a:ext cx="2256183" cy="238539"/>
+          </a:xfrm>
+          <a:prstGeom prst="rect">
+            <a:avLst/>
+          </a:prstGeom>
         </p:spPr>
         <p:style>
-          <a:lnRef idx="1">
-            <a:schemeClr val="accent1"/>
+          <a:lnRef idx="2">
+            <a:schemeClr val="accent1">
+              <a:shade val="50000"/>
+            </a:schemeClr>
           </a:lnRef>
-          <a:fillRef idx="0">
+          <a:fillRef idx="1">
             <a:schemeClr val="accent1"/>
           </a:fillRef>
           <a:effectRef idx="0">
             <a:schemeClr val="accent1"/>
           </a:effectRef>
           <a:fontRef idx="minor">
-            <a:schemeClr val="tx1"/>
+            <a:schemeClr val="lt1"/>
           </a:fontRef>
         </p:style>
-      </p:cxnSp>
-      <p:cxnSp>
-        <p:nvCxnSpPr>
-          <p:cNvPr id="19" name="Straight Arrow Connector 18">
-            <a:extLst>
-              <a:ext uri="{FF2B5EF4-FFF2-40B4-BE49-F238E27FC236}">
-                <a16:creationId xmlns:a16="http://schemas.microsoft.com/office/drawing/2014/main" id="{E8EE70CC-8B5E-9A45-AA7C-8B8EA94D32CE}"/>
-              </a:ext>
-            </a:extLst>
-          </p:cNvPr>
-          <p:cNvCxnSpPr>
-            <a:cxnSpLocks/>
-            <a:stCxn id="10" idx="0"/>
-            <a:endCxn id="9" idx="2"/>
-          </p:cNvCxnSpPr>
-          <p:nvPr/>
-        </p:nvCxnSpPr>
-        <p:spPr>
-          <a:xfrm flipV="1">
-            <a:off x="2842842" y="3150607"/>
-            <a:ext cx="0" cy="278393"/>
-          </a:xfrm>
-          <a:prstGeom prst="straightConnector1">
-            <a:avLst/>
-          </a:prstGeom>
-          <a:ln>
-            <a:tailEnd type="triangle"/>
-          </a:ln>
-        </p:spPr>
-        <p:style>
-          <a:lnRef idx="1">
-            <a:schemeClr val="accent1"/>
-          </a:lnRef>
-          <a:fillRef idx="0">
-            <a:schemeClr val="accent1"/>
-          </a:fillRef>
-          <a:effectRef idx="0">
-            <a:schemeClr val="accent1"/>
-          </a:effectRef>
-          <a:fontRef idx="minor">
-            <a:schemeClr val="tx1"/>
-          </a:fontRef>
-        </p:style>
-      </p:cxnSp>
-      <p:cxnSp>
-        <p:nvCxnSpPr>
-          <p:cNvPr id="27" name="Straight Arrow Connector 26">
-            <a:extLst>
-              <a:ext uri="{FF2B5EF4-FFF2-40B4-BE49-F238E27FC236}">
-                <a16:creationId xmlns:a16="http://schemas.microsoft.com/office/drawing/2014/main" id="{B6EA9434-C966-6F41-8997-484E1143C725}"/>
-              </a:ext>
-            </a:extLst>
-          </p:cNvPr>
-          <p:cNvCxnSpPr>
-            <a:cxnSpLocks/>
-            <a:stCxn id="9" idx="0"/>
-          </p:cNvCxnSpPr>
-          <p:nvPr/>
-        </p:nvCxnSpPr>
-        <p:spPr>
-          <a:xfrm flipV="1">
-            <a:off x="2842842" y="1575303"/>
-            <a:ext cx="1321752" cy="852212"/>
-          </a:xfrm>
-          <a:prstGeom prst="straightConnector1">
-            <a:avLst/>
-          </a:prstGeom>
-          <a:ln>
-            <a:tailEnd type="triangle"/>
-          </a:ln>
-        </p:spPr>
-        <p:style>
-          <a:lnRef idx="1">
-            <a:schemeClr val="accent1"/>
-          </a:lnRef>
-          <a:fillRef idx="0">
-            <a:schemeClr val="accent1"/>
-          </a:fillRef>
-          <a:effectRef idx="0">
-            <a:schemeClr val="accent1"/>
-          </a:effectRef>
-          <a:fontRef idx="minor">
-            <a:schemeClr val="tx1"/>
-          </a:fontRef>
-        </p:style>
-      </p:cxnSp>
-      <p:cxnSp>
-        <p:nvCxnSpPr>
-          <p:cNvPr id="30" name="Straight Arrow Connector 29">
-            <a:extLst>
-              <a:ext uri="{FF2B5EF4-FFF2-40B4-BE49-F238E27FC236}">
-                <a16:creationId xmlns:a16="http://schemas.microsoft.com/office/drawing/2014/main" id="{2985D851-C76D-1A4D-999B-2F2FAEAC8370}"/>
-              </a:ext>
-            </a:extLst>
-          </p:cNvPr>
-          <p:cNvCxnSpPr>
-            <a:cxnSpLocks/>
-            <a:stCxn id="13" idx="0"/>
-          </p:cNvCxnSpPr>
-          <p:nvPr/>
-        </p:nvCxnSpPr>
-        <p:spPr>
-          <a:xfrm flipH="1" flipV="1">
-            <a:off x="6096001" y="1710802"/>
-            <a:ext cx="1652310" cy="3721168"/>
-          </a:xfrm>
-          <a:prstGeom prst="straightConnector1">
-            <a:avLst/>
-          </a:prstGeom>
-          <a:ln>
-            <a:tailEnd type="triangle"/>
-          </a:ln>
-        </p:spPr>
-        <p:style>
-          <a:lnRef idx="1">
-            <a:schemeClr val="accent1"/>
-          </a:lnRef>
-          <a:fillRef idx="0">
-            <a:schemeClr val="accent1"/>
-          </a:fillRef>
-          <a:effectRef idx="0">
-            <a:schemeClr val="accent1"/>
-          </a:effectRef>
-          <a:fontRef idx="minor">
-            <a:schemeClr val="tx1"/>
-          </a:fontRef>
-        </p:style>
-      </p:cxnSp>
+        <p:txBody>
+          <a:bodyPr rtlCol="0" anchor="ctr"/>
+          <a:lstStyle/>
+          <a:p>
+            <a:pPr algn="ctr"/>
+            <a:endParaRPr lang="en-GB"/>
+          </a:p>
+        </p:txBody>
+      </p:sp>
+      <p:sp>
+        <p:nvSpPr>
+          <p:cNvPr id="14" name="TextBox 13">
+            <a:extLst>
+              <a:ext uri="{FF2B5EF4-FFF2-40B4-BE49-F238E27FC236}">
+                <a16:creationId xmlns:a16="http://schemas.microsoft.com/office/drawing/2014/main" id="{6510DC81-6F24-B04A-B74B-FE5600D2AD8F}"/>
+              </a:ext>
+            </a:extLst>
+          </p:cNvPr>
+          <p:cNvSpPr txBox="1"/>
+          <p:nvPr/>
+        </p:nvSpPr>
+        <p:spPr>
+          <a:xfrm>
+            <a:off x="3776870" y="5834270"/>
+            <a:ext cx="2092689" cy="369332"/>
+          </a:xfrm>
+          <a:prstGeom prst="rect">
+            <a:avLst/>
+          </a:prstGeom>
+          <a:noFill/>
+        </p:spPr>
+        <p:txBody>
+          <a:bodyPr wrap="none" rtlCol="0">
+            <a:spAutoFit/>
+          </a:bodyPr>
+          <a:lstStyle/>
+          <a:p>
+            <a:r>
+              <a:rPr lang="en-GB" dirty="0"/>
+              <a:t>Stack Data Structure</a:t>
+            </a:r>
+          </a:p>
+        </p:txBody>
+      </p:sp>
     </p:spTree>
     <p:extLst>
       <p:ext uri="{BB962C8B-B14F-4D97-AF65-F5344CB8AC3E}">
-        <p14:creationId xmlns:p14="http://schemas.microsoft.com/office/powerpoint/2010/main" val="1006745906"/>
+        <p14:creationId xmlns:p14="http://schemas.microsoft.com/office/powerpoint/2010/main" val="3265520289"/>
       </p:ext>
     </p:extLst>
   </p:cSld>
@@ -10117,6 +10902,572 @@
     <p:extLst>
       <p:ext uri="{BB962C8B-B14F-4D97-AF65-F5344CB8AC3E}">
         <p14:creationId xmlns:p14="http://schemas.microsoft.com/office/powerpoint/2010/main" val="554229952"/>
+      </p:ext>
+    </p:extLst>
+  </p:cSld>
+  <p:clrMapOvr>
+    <a:masterClrMapping/>
+  </p:clrMapOvr>
+</p:sld>
+</file>
+
+<file path=ppt/slides/slide20.xml><?xml version="1.0" encoding="utf-8"?>
+<p:sld xmlns:a="http://schemas.openxmlformats.org/drawingml/2006/main" xmlns:r="http://schemas.openxmlformats.org/officeDocument/2006/relationships" xmlns:p="http://schemas.openxmlformats.org/presentationml/2006/main">
+  <p:cSld>
+    <p:spTree>
+      <p:nvGrpSpPr>
+        <p:cNvPr id="1" name=""/>
+        <p:cNvGrpSpPr/>
+        <p:nvPr/>
+      </p:nvGrpSpPr>
+      <p:grpSpPr>
+        <a:xfrm>
+          <a:off x="0" y="0"/>
+          <a:ext cx="0" cy="0"/>
+          <a:chOff x="0" y="0"/>
+          <a:chExt cx="0" cy="0"/>
+        </a:xfrm>
+      </p:grpSpPr>
+    </p:spTree>
+    <p:extLst>
+      <p:ext uri="{BB962C8B-B14F-4D97-AF65-F5344CB8AC3E}">
+        <p14:creationId xmlns:p14="http://schemas.microsoft.com/office/powerpoint/2010/main" val="606586767"/>
+      </p:ext>
+    </p:extLst>
+  </p:cSld>
+  <p:clrMapOvr>
+    <a:masterClrMapping/>
+  </p:clrMapOvr>
+</p:sld>
+</file>
+
+<file path=ppt/slides/slide21.xml><?xml version="1.0" encoding="utf-8"?>
+<p:sld xmlns:a="http://schemas.openxmlformats.org/drawingml/2006/main" xmlns:r="http://schemas.openxmlformats.org/officeDocument/2006/relationships" xmlns:p="http://schemas.openxmlformats.org/presentationml/2006/main">
+  <p:cSld>
+    <p:spTree>
+      <p:nvGrpSpPr>
+        <p:cNvPr id="1" name=""/>
+        <p:cNvGrpSpPr/>
+        <p:nvPr/>
+      </p:nvGrpSpPr>
+      <p:grpSpPr>
+        <a:xfrm>
+          <a:off x="0" y="0"/>
+          <a:ext cx="0" cy="0"/>
+          <a:chOff x="0" y="0"/>
+          <a:chExt cx="0" cy="0"/>
+        </a:xfrm>
+      </p:grpSpPr>
+      <p:sp>
+        <p:nvSpPr>
+          <p:cNvPr id="8" name="Cloud 7">
+            <a:extLst>
+              <a:ext uri="{FF2B5EF4-FFF2-40B4-BE49-F238E27FC236}">
+                <a16:creationId xmlns:a16="http://schemas.microsoft.com/office/drawing/2014/main" id="{94F42F71-0F59-7847-8897-2C8409A6EB4E}"/>
+              </a:ext>
+            </a:extLst>
+          </p:cNvPr>
+          <p:cNvSpPr/>
+          <p:nvPr/>
+        </p:nvSpPr>
+        <p:spPr>
+          <a:xfrm>
+            <a:off x="4078835" y="168909"/>
+            <a:ext cx="2430049" cy="1828800"/>
+          </a:xfrm>
+          <a:prstGeom prst="cloud">
+            <a:avLst/>
+          </a:prstGeom>
+        </p:spPr>
+        <p:style>
+          <a:lnRef idx="2">
+            <a:schemeClr val="accent1">
+              <a:shade val="50000"/>
+            </a:schemeClr>
+          </a:lnRef>
+          <a:fillRef idx="1">
+            <a:schemeClr val="accent1"/>
+          </a:fillRef>
+          <a:effectRef idx="0">
+            <a:schemeClr val="accent1"/>
+          </a:effectRef>
+          <a:fontRef idx="minor">
+            <a:schemeClr val="lt1"/>
+          </a:fontRef>
+        </p:style>
+        <p:txBody>
+          <a:bodyPr rtlCol="0" anchor="ctr"/>
+          <a:lstStyle/>
+          <a:p>
+            <a:pPr algn="ctr"/>
+            <a:r>
+              <a:rPr lang="en-GB" dirty="0"/>
+              <a:t>Test Double</a:t>
+            </a:r>
+          </a:p>
+        </p:txBody>
+      </p:sp>
+      <p:sp>
+        <p:nvSpPr>
+          <p:cNvPr id="9" name="Rectangle 8">
+            <a:extLst>
+              <a:ext uri="{FF2B5EF4-FFF2-40B4-BE49-F238E27FC236}">
+                <a16:creationId xmlns:a16="http://schemas.microsoft.com/office/drawing/2014/main" id="{F6EE240D-D31C-1A4B-9685-1613792E46F0}"/>
+              </a:ext>
+            </a:extLst>
+          </p:cNvPr>
+          <p:cNvSpPr/>
+          <p:nvPr/>
+        </p:nvSpPr>
+        <p:spPr>
+          <a:xfrm>
+            <a:off x="1883229" y="2427515"/>
+            <a:ext cx="1919226" cy="723092"/>
+          </a:xfrm>
+          <a:prstGeom prst="rect">
+            <a:avLst/>
+          </a:prstGeom>
+        </p:spPr>
+        <p:style>
+          <a:lnRef idx="2">
+            <a:schemeClr val="accent1">
+              <a:shade val="50000"/>
+            </a:schemeClr>
+          </a:lnRef>
+          <a:fillRef idx="1">
+            <a:schemeClr val="accent1"/>
+          </a:fillRef>
+          <a:effectRef idx="0">
+            <a:schemeClr val="accent1"/>
+          </a:effectRef>
+          <a:fontRef idx="minor">
+            <a:schemeClr val="lt1"/>
+          </a:fontRef>
+        </p:style>
+        <p:txBody>
+          <a:bodyPr rtlCol="0" anchor="ctr"/>
+          <a:lstStyle/>
+          <a:p>
+            <a:pPr algn="ctr"/>
+            <a:r>
+              <a:rPr lang="en-GB" dirty="0"/>
+              <a:t>Dummy</a:t>
+            </a:r>
+          </a:p>
+        </p:txBody>
+      </p:sp>
+      <p:sp>
+        <p:nvSpPr>
+          <p:cNvPr id="10" name="Rectangle 9">
+            <a:extLst>
+              <a:ext uri="{FF2B5EF4-FFF2-40B4-BE49-F238E27FC236}">
+                <a16:creationId xmlns:a16="http://schemas.microsoft.com/office/drawing/2014/main" id="{1EE69F68-74C0-464F-8E30-0E2C5B2D4696}"/>
+              </a:ext>
+            </a:extLst>
+          </p:cNvPr>
+          <p:cNvSpPr/>
+          <p:nvPr/>
+        </p:nvSpPr>
+        <p:spPr>
+          <a:xfrm>
+            <a:off x="1883229" y="3429000"/>
+            <a:ext cx="1919226" cy="723092"/>
+          </a:xfrm>
+          <a:prstGeom prst="rect">
+            <a:avLst/>
+          </a:prstGeom>
+        </p:spPr>
+        <p:style>
+          <a:lnRef idx="2">
+            <a:schemeClr val="accent1">
+              <a:shade val="50000"/>
+            </a:schemeClr>
+          </a:lnRef>
+          <a:fillRef idx="1">
+            <a:schemeClr val="accent1"/>
+          </a:fillRef>
+          <a:effectRef idx="0">
+            <a:schemeClr val="accent1"/>
+          </a:effectRef>
+          <a:fontRef idx="minor">
+            <a:schemeClr val="lt1"/>
+          </a:fontRef>
+        </p:style>
+        <p:txBody>
+          <a:bodyPr rtlCol="0" anchor="ctr"/>
+          <a:lstStyle/>
+          <a:p>
+            <a:pPr algn="ctr"/>
+            <a:r>
+              <a:rPr lang="en-GB" dirty="0"/>
+              <a:t>Stub</a:t>
+            </a:r>
+          </a:p>
+        </p:txBody>
+      </p:sp>
+      <p:sp>
+        <p:nvSpPr>
+          <p:cNvPr id="11" name="Rectangle 10">
+            <a:extLst>
+              <a:ext uri="{FF2B5EF4-FFF2-40B4-BE49-F238E27FC236}">
+                <a16:creationId xmlns:a16="http://schemas.microsoft.com/office/drawing/2014/main" id="{B2E808FA-1944-2B4E-947D-628334D8C9F8}"/>
+              </a:ext>
+            </a:extLst>
+          </p:cNvPr>
+          <p:cNvSpPr/>
+          <p:nvPr/>
+        </p:nvSpPr>
+        <p:spPr>
+          <a:xfrm>
+            <a:off x="1883229" y="4430485"/>
+            <a:ext cx="1919226" cy="723092"/>
+          </a:xfrm>
+          <a:prstGeom prst="rect">
+            <a:avLst/>
+          </a:prstGeom>
+        </p:spPr>
+        <p:style>
+          <a:lnRef idx="2">
+            <a:schemeClr val="accent1">
+              <a:shade val="50000"/>
+            </a:schemeClr>
+          </a:lnRef>
+          <a:fillRef idx="1">
+            <a:schemeClr val="accent1"/>
+          </a:fillRef>
+          <a:effectRef idx="0">
+            <a:schemeClr val="accent1"/>
+          </a:effectRef>
+          <a:fontRef idx="minor">
+            <a:schemeClr val="lt1"/>
+          </a:fontRef>
+        </p:style>
+        <p:txBody>
+          <a:bodyPr rtlCol="0" anchor="ctr"/>
+          <a:lstStyle/>
+          <a:p>
+            <a:pPr algn="ctr"/>
+            <a:r>
+              <a:rPr lang="en-GB" dirty="0"/>
+              <a:t>Spy</a:t>
+            </a:r>
+          </a:p>
+        </p:txBody>
+      </p:sp>
+      <p:sp>
+        <p:nvSpPr>
+          <p:cNvPr id="12" name="Rectangle 11">
+            <a:extLst>
+              <a:ext uri="{FF2B5EF4-FFF2-40B4-BE49-F238E27FC236}">
+                <a16:creationId xmlns:a16="http://schemas.microsoft.com/office/drawing/2014/main" id="{34975D4E-A32E-9B46-B936-3CD4867661D0}"/>
+              </a:ext>
+            </a:extLst>
+          </p:cNvPr>
+          <p:cNvSpPr/>
+          <p:nvPr/>
+        </p:nvSpPr>
+        <p:spPr>
+          <a:xfrm>
+            <a:off x="1883229" y="5431970"/>
+            <a:ext cx="1919226" cy="723092"/>
+          </a:xfrm>
+          <a:prstGeom prst="rect">
+            <a:avLst/>
+          </a:prstGeom>
+        </p:spPr>
+        <p:style>
+          <a:lnRef idx="2">
+            <a:schemeClr val="accent1">
+              <a:shade val="50000"/>
+            </a:schemeClr>
+          </a:lnRef>
+          <a:fillRef idx="1">
+            <a:schemeClr val="accent1"/>
+          </a:fillRef>
+          <a:effectRef idx="0">
+            <a:schemeClr val="accent1"/>
+          </a:effectRef>
+          <a:fontRef idx="minor">
+            <a:schemeClr val="lt1"/>
+          </a:fontRef>
+        </p:style>
+        <p:txBody>
+          <a:bodyPr rtlCol="0" anchor="ctr"/>
+          <a:lstStyle/>
+          <a:p>
+            <a:pPr algn="ctr"/>
+            <a:r>
+              <a:rPr lang="en-GB" dirty="0"/>
+              <a:t>Mock</a:t>
+            </a:r>
+          </a:p>
+        </p:txBody>
+      </p:sp>
+      <p:sp>
+        <p:nvSpPr>
+          <p:cNvPr id="13" name="Rectangle 12">
+            <a:extLst>
+              <a:ext uri="{FF2B5EF4-FFF2-40B4-BE49-F238E27FC236}">
+                <a16:creationId xmlns:a16="http://schemas.microsoft.com/office/drawing/2014/main" id="{3B2A9E41-DB72-7D43-9CF8-F3213B9CC7B4}"/>
+              </a:ext>
+            </a:extLst>
+          </p:cNvPr>
+          <p:cNvSpPr/>
+          <p:nvPr/>
+        </p:nvSpPr>
+        <p:spPr>
+          <a:xfrm>
+            <a:off x="6788698" y="5431970"/>
+            <a:ext cx="1919226" cy="723092"/>
+          </a:xfrm>
+          <a:prstGeom prst="rect">
+            <a:avLst/>
+          </a:prstGeom>
+        </p:spPr>
+        <p:style>
+          <a:lnRef idx="2">
+            <a:schemeClr val="accent1">
+              <a:shade val="50000"/>
+            </a:schemeClr>
+          </a:lnRef>
+          <a:fillRef idx="1">
+            <a:schemeClr val="accent1"/>
+          </a:fillRef>
+          <a:effectRef idx="0">
+            <a:schemeClr val="accent1"/>
+          </a:effectRef>
+          <a:fontRef idx="minor">
+            <a:schemeClr val="lt1"/>
+          </a:fontRef>
+        </p:style>
+        <p:txBody>
+          <a:bodyPr rtlCol="0" anchor="ctr"/>
+          <a:lstStyle/>
+          <a:p>
+            <a:pPr algn="ctr"/>
+            <a:r>
+              <a:rPr lang="en-GB" dirty="0"/>
+              <a:t>Fake</a:t>
+            </a:r>
+          </a:p>
+        </p:txBody>
+      </p:sp>
+      <p:cxnSp>
+        <p:nvCxnSpPr>
+          <p:cNvPr id="15" name="Straight Arrow Connector 14">
+            <a:extLst>
+              <a:ext uri="{FF2B5EF4-FFF2-40B4-BE49-F238E27FC236}">
+                <a16:creationId xmlns:a16="http://schemas.microsoft.com/office/drawing/2014/main" id="{6D0AA745-0DB1-2641-BAD8-9D0F53B759BF}"/>
+              </a:ext>
+            </a:extLst>
+          </p:cNvPr>
+          <p:cNvCxnSpPr>
+            <a:stCxn id="12" idx="0"/>
+            <a:endCxn id="11" idx="2"/>
+          </p:cNvCxnSpPr>
+          <p:nvPr/>
+        </p:nvCxnSpPr>
+        <p:spPr>
+          <a:xfrm flipV="1">
+            <a:off x="2842842" y="5153577"/>
+            <a:ext cx="0" cy="278393"/>
+          </a:xfrm>
+          <a:prstGeom prst="straightConnector1">
+            <a:avLst/>
+          </a:prstGeom>
+          <a:ln>
+            <a:tailEnd type="triangle"/>
+          </a:ln>
+        </p:spPr>
+        <p:style>
+          <a:lnRef idx="1">
+            <a:schemeClr val="accent1"/>
+          </a:lnRef>
+          <a:fillRef idx="0">
+            <a:schemeClr val="accent1"/>
+          </a:fillRef>
+          <a:effectRef idx="0">
+            <a:schemeClr val="accent1"/>
+          </a:effectRef>
+          <a:fontRef idx="minor">
+            <a:schemeClr val="tx1"/>
+          </a:fontRef>
+        </p:style>
+      </p:cxnSp>
+      <p:cxnSp>
+        <p:nvCxnSpPr>
+          <p:cNvPr id="16" name="Straight Arrow Connector 15">
+            <a:extLst>
+              <a:ext uri="{FF2B5EF4-FFF2-40B4-BE49-F238E27FC236}">
+                <a16:creationId xmlns:a16="http://schemas.microsoft.com/office/drawing/2014/main" id="{454CE2E0-6108-6647-8B20-0D2B2A8F3A95}"/>
+              </a:ext>
+            </a:extLst>
+          </p:cNvPr>
+          <p:cNvCxnSpPr>
+            <a:cxnSpLocks/>
+            <a:stCxn id="11" idx="0"/>
+            <a:endCxn id="10" idx="2"/>
+          </p:cNvCxnSpPr>
+          <p:nvPr/>
+        </p:nvCxnSpPr>
+        <p:spPr>
+          <a:xfrm flipV="1">
+            <a:off x="2842842" y="4152092"/>
+            <a:ext cx="0" cy="278393"/>
+          </a:xfrm>
+          <a:prstGeom prst="straightConnector1">
+            <a:avLst/>
+          </a:prstGeom>
+          <a:ln>
+            <a:tailEnd type="triangle"/>
+          </a:ln>
+        </p:spPr>
+        <p:style>
+          <a:lnRef idx="1">
+            <a:schemeClr val="accent1"/>
+          </a:lnRef>
+          <a:fillRef idx="0">
+            <a:schemeClr val="accent1"/>
+          </a:fillRef>
+          <a:effectRef idx="0">
+            <a:schemeClr val="accent1"/>
+          </a:effectRef>
+          <a:fontRef idx="minor">
+            <a:schemeClr val="tx1"/>
+          </a:fontRef>
+        </p:style>
+      </p:cxnSp>
+      <p:cxnSp>
+        <p:nvCxnSpPr>
+          <p:cNvPr id="19" name="Straight Arrow Connector 18">
+            <a:extLst>
+              <a:ext uri="{FF2B5EF4-FFF2-40B4-BE49-F238E27FC236}">
+                <a16:creationId xmlns:a16="http://schemas.microsoft.com/office/drawing/2014/main" id="{E8EE70CC-8B5E-9A45-AA7C-8B8EA94D32CE}"/>
+              </a:ext>
+            </a:extLst>
+          </p:cNvPr>
+          <p:cNvCxnSpPr>
+            <a:cxnSpLocks/>
+            <a:stCxn id="10" idx="0"/>
+            <a:endCxn id="9" idx="2"/>
+          </p:cNvCxnSpPr>
+          <p:nvPr/>
+        </p:nvCxnSpPr>
+        <p:spPr>
+          <a:xfrm flipV="1">
+            <a:off x="2842842" y="3150607"/>
+            <a:ext cx="0" cy="278393"/>
+          </a:xfrm>
+          <a:prstGeom prst="straightConnector1">
+            <a:avLst/>
+          </a:prstGeom>
+          <a:ln>
+            <a:tailEnd type="triangle"/>
+          </a:ln>
+        </p:spPr>
+        <p:style>
+          <a:lnRef idx="1">
+            <a:schemeClr val="accent1"/>
+          </a:lnRef>
+          <a:fillRef idx="0">
+            <a:schemeClr val="accent1"/>
+          </a:fillRef>
+          <a:effectRef idx="0">
+            <a:schemeClr val="accent1"/>
+          </a:effectRef>
+          <a:fontRef idx="minor">
+            <a:schemeClr val="tx1"/>
+          </a:fontRef>
+        </p:style>
+      </p:cxnSp>
+      <p:cxnSp>
+        <p:nvCxnSpPr>
+          <p:cNvPr id="27" name="Straight Arrow Connector 26">
+            <a:extLst>
+              <a:ext uri="{FF2B5EF4-FFF2-40B4-BE49-F238E27FC236}">
+                <a16:creationId xmlns:a16="http://schemas.microsoft.com/office/drawing/2014/main" id="{B6EA9434-C966-6F41-8997-484E1143C725}"/>
+              </a:ext>
+            </a:extLst>
+          </p:cNvPr>
+          <p:cNvCxnSpPr>
+            <a:cxnSpLocks/>
+            <a:stCxn id="9" idx="0"/>
+          </p:cNvCxnSpPr>
+          <p:nvPr/>
+        </p:nvCxnSpPr>
+        <p:spPr>
+          <a:xfrm flipV="1">
+            <a:off x="2842842" y="1575303"/>
+            <a:ext cx="1321752" cy="852212"/>
+          </a:xfrm>
+          <a:prstGeom prst="straightConnector1">
+            <a:avLst/>
+          </a:prstGeom>
+          <a:ln>
+            <a:tailEnd type="triangle"/>
+          </a:ln>
+        </p:spPr>
+        <p:style>
+          <a:lnRef idx="1">
+            <a:schemeClr val="accent1"/>
+          </a:lnRef>
+          <a:fillRef idx="0">
+            <a:schemeClr val="accent1"/>
+          </a:fillRef>
+          <a:effectRef idx="0">
+            <a:schemeClr val="accent1"/>
+          </a:effectRef>
+          <a:fontRef idx="minor">
+            <a:schemeClr val="tx1"/>
+          </a:fontRef>
+        </p:style>
+      </p:cxnSp>
+      <p:cxnSp>
+        <p:nvCxnSpPr>
+          <p:cNvPr id="30" name="Straight Arrow Connector 29">
+            <a:extLst>
+              <a:ext uri="{FF2B5EF4-FFF2-40B4-BE49-F238E27FC236}">
+                <a16:creationId xmlns:a16="http://schemas.microsoft.com/office/drawing/2014/main" id="{2985D851-C76D-1A4D-999B-2F2FAEAC8370}"/>
+              </a:ext>
+            </a:extLst>
+          </p:cNvPr>
+          <p:cNvCxnSpPr>
+            <a:cxnSpLocks/>
+            <a:stCxn id="13" idx="0"/>
+          </p:cNvCxnSpPr>
+          <p:nvPr/>
+        </p:nvCxnSpPr>
+        <p:spPr>
+          <a:xfrm flipH="1" flipV="1">
+            <a:off x="6096001" y="1710802"/>
+            <a:ext cx="1652310" cy="3721168"/>
+          </a:xfrm>
+          <a:prstGeom prst="straightConnector1">
+            <a:avLst/>
+          </a:prstGeom>
+          <a:ln>
+            <a:tailEnd type="triangle"/>
+          </a:ln>
+        </p:spPr>
+        <p:style>
+          <a:lnRef idx="1">
+            <a:schemeClr val="accent1"/>
+          </a:lnRef>
+          <a:fillRef idx="0">
+            <a:schemeClr val="accent1"/>
+          </a:fillRef>
+          <a:effectRef idx="0">
+            <a:schemeClr val="accent1"/>
+          </a:effectRef>
+          <a:fontRef idx="minor">
+            <a:schemeClr val="tx1"/>
+          </a:fontRef>
+        </p:style>
+      </p:cxnSp>
+    </p:spTree>
+    <p:extLst>
+      <p:ext uri="{BB962C8B-B14F-4D97-AF65-F5344CB8AC3E}">
+        <p14:creationId xmlns:p14="http://schemas.microsoft.com/office/powerpoint/2010/main" val="1006745906"/>
       </p:ext>
     </p:extLst>
   </p:cSld>

--- a/assets/images/Images.pptx
+++ b/assets/images/Images.pptx
@@ -5,7 +5,7 @@
     <p:sldMasterId id="2147483648" r:id="rId1"/>
   </p:sldMasterIdLst>
   <p:notesMasterIdLst>
-    <p:notesMasterId r:id="rId23"/>
+    <p:notesMasterId r:id="rId24"/>
   </p:notesMasterIdLst>
   <p:sldIdLst>
     <p:sldId id="257" r:id="rId2"/>
@@ -27,8 +27,9 @@
     <p:sldId id="272" r:id="rId18"/>
     <p:sldId id="275" r:id="rId19"/>
     <p:sldId id="276" r:id="rId20"/>
-    <p:sldId id="270" r:id="rId21"/>
-    <p:sldId id="256" r:id="rId22"/>
+    <p:sldId id="277" r:id="rId21"/>
+    <p:sldId id="270" r:id="rId22"/>
+    <p:sldId id="256" r:id="rId23"/>
   </p:sldIdLst>
   <p:sldSz cx="12192000" cy="6858000"/>
   <p:notesSz cx="6858000" cy="9144000"/>
@@ -163,6 +164,7 @@
             <p14:sldId id="272"/>
             <p14:sldId id="275"/>
             <p14:sldId id="276"/>
+            <p14:sldId id="277"/>
           </p14:sldIdLst>
         </p14:section>
         <p14:section name="Collections - Arrays &amp; Java Heap" id="{A77C8035-645E-BC41-A860-8F1EAD9648FF}">
@@ -269,7 +271,7 @@
           <a:p>
             <a:fld id="{F0373C07-0034-D84F-B0CB-1249B408AEAD}" type="datetimeFigureOut">
               <a:rPr lang="en-GB" smtClean="0"/>
-              <a:t>27/05/2020</a:t>
+              <a:t>02/06/2020</a:t>
             </a:fld>
             <a:endParaRPr lang="en-GB"/>
           </a:p>
@@ -937,7 +939,7 @@
           <a:p>
             <a:fld id="{11A96E62-EC5F-C045-9FEB-EDD3A98888BE}" type="slidenum">
               <a:rPr lang="en-GB" smtClean="0"/>
-              <a:t>21</a:t>
+              <a:t>22</a:t>
             </a:fld>
             <a:endParaRPr lang="en-GB"/>
           </a:p>
@@ -1103,7 +1105,7 @@
           <a:p>
             <a:fld id="{1277814B-86DA-1A43-BEBE-BB22F0FBA56B}" type="datetimeFigureOut">
               <a:rPr lang="en-GB" smtClean="0"/>
-              <a:t>27/05/2020</a:t>
+              <a:t>02/06/2020</a:t>
             </a:fld>
             <a:endParaRPr lang="en-GB"/>
           </a:p>
@@ -1301,7 +1303,7 @@
           <a:p>
             <a:fld id="{1277814B-86DA-1A43-BEBE-BB22F0FBA56B}" type="datetimeFigureOut">
               <a:rPr lang="en-GB" smtClean="0"/>
-              <a:t>27/05/2020</a:t>
+              <a:t>02/06/2020</a:t>
             </a:fld>
             <a:endParaRPr lang="en-GB"/>
           </a:p>
@@ -1509,7 +1511,7 @@
           <a:p>
             <a:fld id="{1277814B-86DA-1A43-BEBE-BB22F0FBA56B}" type="datetimeFigureOut">
               <a:rPr lang="en-GB" smtClean="0"/>
-              <a:t>27/05/2020</a:t>
+              <a:t>02/06/2020</a:t>
             </a:fld>
             <a:endParaRPr lang="en-GB"/>
           </a:p>
@@ -1707,7 +1709,7 @@
           <a:p>
             <a:fld id="{1277814B-86DA-1A43-BEBE-BB22F0FBA56B}" type="datetimeFigureOut">
               <a:rPr lang="en-GB" smtClean="0"/>
-              <a:t>27/05/2020</a:t>
+              <a:t>02/06/2020</a:t>
             </a:fld>
             <a:endParaRPr lang="en-GB"/>
           </a:p>
@@ -1982,7 +1984,7 @@
           <a:p>
             <a:fld id="{1277814B-86DA-1A43-BEBE-BB22F0FBA56B}" type="datetimeFigureOut">
               <a:rPr lang="en-GB" smtClean="0"/>
-              <a:t>27/05/2020</a:t>
+              <a:t>02/06/2020</a:t>
             </a:fld>
             <a:endParaRPr lang="en-GB"/>
           </a:p>
@@ -2247,7 +2249,7 @@
           <a:p>
             <a:fld id="{1277814B-86DA-1A43-BEBE-BB22F0FBA56B}" type="datetimeFigureOut">
               <a:rPr lang="en-GB" smtClean="0"/>
-              <a:t>27/05/2020</a:t>
+              <a:t>02/06/2020</a:t>
             </a:fld>
             <a:endParaRPr lang="en-GB"/>
           </a:p>
@@ -2659,7 +2661,7 @@
           <a:p>
             <a:fld id="{1277814B-86DA-1A43-BEBE-BB22F0FBA56B}" type="datetimeFigureOut">
               <a:rPr lang="en-GB" smtClean="0"/>
-              <a:t>27/05/2020</a:t>
+              <a:t>02/06/2020</a:t>
             </a:fld>
             <a:endParaRPr lang="en-GB"/>
           </a:p>
@@ -2800,7 +2802,7 @@
           <a:p>
             <a:fld id="{1277814B-86DA-1A43-BEBE-BB22F0FBA56B}" type="datetimeFigureOut">
               <a:rPr lang="en-GB" smtClean="0"/>
-              <a:t>27/05/2020</a:t>
+              <a:t>02/06/2020</a:t>
             </a:fld>
             <a:endParaRPr lang="en-GB"/>
           </a:p>
@@ -2913,7 +2915,7 @@
           <a:p>
             <a:fld id="{1277814B-86DA-1A43-BEBE-BB22F0FBA56B}" type="datetimeFigureOut">
               <a:rPr lang="en-GB" smtClean="0"/>
-              <a:t>27/05/2020</a:t>
+              <a:t>02/06/2020</a:t>
             </a:fld>
             <a:endParaRPr lang="en-GB"/>
           </a:p>
@@ -3224,7 +3226,7 @@
           <a:p>
             <a:fld id="{1277814B-86DA-1A43-BEBE-BB22F0FBA56B}" type="datetimeFigureOut">
               <a:rPr lang="en-GB" smtClean="0"/>
-              <a:t>27/05/2020</a:t>
+              <a:t>02/06/2020</a:t>
             </a:fld>
             <a:endParaRPr lang="en-GB"/>
           </a:p>
@@ -3512,7 +3514,7 @@
           <a:p>
             <a:fld id="{1277814B-86DA-1A43-BEBE-BB22F0FBA56B}" type="datetimeFigureOut">
               <a:rPr lang="en-GB" smtClean="0"/>
-              <a:t>27/05/2020</a:t>
+              <a:t>02/06/2020</a:t>
             </a:fld>
             <a:endParaRPr lang="en-GB"/>
           </a:p>
@@ -3753,7 +3755,7 @@
           <a:p>
             <a:fld id="{1277814B-86DA-1A43-BEBE-BB22F0FBA56B}" type="datetimeFigureOut">
               <a:rPr lang="en-GB" smtClean="0"/>
-              <a:t>27/05/2020</a:t>
+              <a:t>02/06/2020</a:t>
             </a:fld>
             <a:endParaRPr lang="en-GB"/>
           </a:p>
@@ -9965,6 +9967,53 @@
           <a:chExt cx="0" cy="0"/>
         </a:xfrm>
       </p:grpSpPr>
+      <p:pic>
+        <p:nvPicPr>
+          <p:cNvPr id="1026" name="Picture 2" descr="Icon for Peek,peep">
+            <a:extLst>
+              <a:ext uri="{FF2B5EF4-FFF2-40B4-BE49-F238E27FC236}">
+                <a16:creationId xmlns:a16="http://schemas.microsoft.com/office/drawing/2014/main" id="{A899FEAA-C92F-1C44-9C17-C12CC36B6841}"/>
+              </a:ext>
+            </a:extLst>
+          </p:cNvPr>
+          <p:cNvPicPr>
+            <a:picLocks noChangeAspect="1" noChangeArrowheads="1"/>
+          </p:cNvPicPr>
+          <p:nvPr/>
+        </p:nvPicPr>
+        <p:blipFill>
+          <a:blip r:embed="rId2">
+            <a:extLst>
+              <a:ext uri="{28A0092B-C50C-407E-A947-70E740481C1C}">
+                <a14:useLocalDpi xmlns:a14="http://schemas.microsoft.com/office/drawing/2010/main" val="0"/>
+              </a:ext>
+            </a:extLst>
+          </a:blip>
+          <a:srcRect/>
+          <a:stretch>
+            <a:fillRect/>
+          </a:stretch>
+        </p:blipFill>
+        <p:spPr bwMode="auto">
+          <a:xfrm flipH="1">
+            <a:off x="8039099" y="2757320"/>
+            <a:ext cx="1032013" cy="1032013"/>
+          </a:xfrm>
+          <a:prstGeom prst="rect">
+            <a:avLst/>
+          </a:prstGeom>
+          <a:noFill/>
+          <a:extLst>
+            <a:ext uri="{909E8E84-426E-40DD-AFC4-6F175D3DCCD1}">
+              <a14:hiddenFill xmlns:a14="http://schemas.microsoft.com/office/drawing/2010/main">
+                <a:solidFill>
+                  <a:srgbClr val="FFFFFF"/>
+                </a:solidFill>
+              </a14:hiddenFill>
+            </a:ext>
+          </a:extLst>
+        </p:spPr>
+      </p:pic>
       <p:sp>
         <p:nvSpPr>
           <p:cNvPr id="4" name="Rectangle 3">
@@ -9979,7 +10028,7 @@
         </p:nvSpPr>
         <p:spPr>
           <a:xfrm>
-            <a:off x="3389244" y="5039140"/>
+            <a:off x="4452731" y="4532244"/>
             <a:ext cx="2256183" cy="238539"/>
           </a:xfrm>
           <a:prstGeom prst="rect">
@@ -10025,7 +10074,7 @@
         </p:nvSpPr>
         <p:spPr>
           <a:xfrm>
-            <a:off x="3389244" y="4750908"/>
+            <a:off x="4452731" y="4244012"/>
             <a:ext cx="2256183" cy="238539"/>
           </a:xfrm>
           <a:prstGeom prst="rect">
@@ -10071,7 +10120,7 @@
         </p:nvSpPr>
         <p:spPr>
           <a:xfrm>
-            <a:off x="3389244" y="4462675"/>
+            <a:off x="4452731" y="3955779"/>
             <a:ext cx="2256183" cy="238539"/>
           </a:xfrm>
           <a:prstGeom prst="rect">
@@ -10117,7 +10166,7 @@
         </p:nvSpPr>
         <p:spPr>
           <a:xfrm>
-            <a:off x="3389244" y="4174442"/>
+            <a:off x="4452731" y="3667546"/>
             <a:ext cx="2256183" cy="238539"/>
           </a:xfrm>
           <a:prstGeom prst="rect">
@@ -10163,7 +10212,7 @@
         </p:nvSpPr>
         <p:spPr>
           <a:xfrm>
-            <a:off x="828260" y="3309730"/>
+            <a:off x="1891747" y="2802834"/>
             <a:ext cx="2256183" cy="238539"/>
           </a:xfrm>
           <a:prstGeom prst="rect">
@@ -10209,7 +10258,7 @@
         </p:nvSpPr>
         <p:spPr>
           <a:xfrm>
-            <a:off x="2353918" y="3429000"/>
+            <a:off x="3417405" y="2922104"/>
             <a:ext cx="1765851" cy="1093312"/>
           </a:xfrm>
           <a:prstGeom prst="arc">
@@ -10263,7 +10312,7 @@
         </p:nvCxnSpPr>
         <p:spPr>
           <a:xfrm flipV="1">
-            <a:off x="4880113" y="2912165"/>
+            <a:off x="5943600" y="2405269"/>
             <a:ext cx="536713" cy="1063491"/>
           </a:xfrm>
           <a:prstGeom prst="straightConnector1">
@@ -10308,7 +10357,7 @@
         </p:nvSpPr>
         <p:spPr>
           <a:xfrm>
-            <a:off x="4419599" y="2484782"/>
+            <a:off x="5483086" y="1977886"/>
             <a:ext cx="2256183" cy="238539"/>
           </a:xfrm>
           <a:prstGeom prst="rect">
@@ -10354,7 +10403,7 @@
         </p:nvSpPr>
         <p:spPr>
           <a:xfrm>
-            <a:off x="3776870" y="5834270"/>
+            <a:off x="4436741" y="4987874"/>
             <a:ext cx="2092689" cy="369332"/>
           </a:xfrm>
           <a:prstGeom prst="rect">
@@ -10371,6 +10420,159 @@
             <a:r>
               <a:rPr lang="en-GB" dirty="0"/>
               <a:t>Stack Data Structure</a:t>
+            </a:r>
+          </a:p>
+        </p:txBody>
+      </p:sp>
+      <p:cxnSp>
+        <p:nvCxnSpPr>
+          <p:cNvPr id="11" name="Straight Arrow Connector 10">
+            <a:extLst>
+              <a:ext uri="{FF2B5EF4-FFF2-40B4-BE49-F238E27FC236}">
+                <a16:creationId xmlns:a16="http://schemas.microsoft.com/office/drawing/2014/main" id="{11784FFD-819B-6D48-A3BF-CC87409F4642}"/>
+              </a:ext>
+            </a:extLst>
+          </p:cNvPr>
+          <p:cNvCxnSpPr>
+            <a:cxnSpLocks/>
+          </p:cNvCxnSpPr>
+          <p:nvPr/>
+        </p:nvCxnSpPr>
+        <p:spPr>
+          <a:xfrm flipH="1">
+            <a:off x="6978927" y="3299791"/>
+            <a:ext cx="1297056" cy="487024"/>
+          </a:xfrm>
+          <a:prstGeom prst="straightConnector1">
+            <a:avLst/>
+          </a:prstGeom>
+          <a:ln w="12700">
+            <a:solidFill>
+              <a:schemeClr val="tx1">
+                <a:lumMod val="75000"/>
+                <a:lumOff val="25000"/>
+              </a:schemeClr>
+            </a:solidFill>
+            <a:prstDash val="dash"/>
+            <a:tailEnd type="triangle"/>
+          </a:ln>
+        </p:spPr>
+        <p:style>
+          <a:lnRef idx="1">
+            <a:schemeClr val="accent1"/>
+          </a:lnRef>
+          <a:fillRef idx="0">
+            <a:schemeClr val="accent1"/>
+          </a:fillRef>
+          <a:effectRef idx="0">
+            <a:schemeClr val="accent1"/>
+          </a:effectRef>
+          <a:fontRef idx="minor">
+            <a:schemeClr val="tx1"/>
+          </a:fontRef>
+        </p:style>
+      </p:cxnSp>
+      <p:sp>
+        <p:nvSpPr>
+          <p:cNvPr id="15" name="TextBox 14">
+            <a:extLst>
+              <a:ext uri="{FF2B5EF4-FFF2-40B4-BE49-F238E27FC236}">
+                <a16:creationId xmlns:a16="http://schemas.microsoft.com/office/drawing/2014/main" id="{FDFF68E0-070C-3549-8165-2A7A05C6566F}"/>
+              </a:ext>
+            </a:extLst>
+          </p:cNvPr>
+          <p:cNvSpPr txBox="1"/>
+          <p:nvPr/>
+        </p:nvSpPr>
+        <p:spPr>
+          <a:xfrm>
+            <a:off x="4603549" y="2572654"/>
+            <a:ext cx="639919" cy="369332"/>
+          </a:xfrm>
+          <a:prstGeom prst="rect">
+            <a:avLst/>
+          </a:prstGeom>
+          <a:noFill/>
+        </p:spPr>
+        <p:txBody>
+          <a:bodyPr wrap="none" rtlCol="0">
+            <a:spAutoFit/>
+          </a:bodyPr>
+          <a:lstStyle/>
+          <a:p>
+            <a:r>
+              <a:rPr lang="en-GB" dirty="0"/>
+              <a:t>push</a:t>
+            </a:r>
+          </a:p>
+        </p:txBody>
+      </p:sp>
+      <p:sp>
+        <p:nvSpPr>
+          <p:cNvPr id="16" name="TextBox 15">
+            <a:extLst>
+              <a:ext uri="{FF2B5EF4-FFF2-40B4-BE49-F238E27FC236}">
+                <a16:creationId xmlns:a16="http://schemas.microsoft.com/office/drawing/2014/main" id="{46B193DE-3C43-DA48-A625-58B32F7ADE1E}"/>
+              </a:ext>
+            </a:extLst>
+          </p:cNvPr>
+          <p:cNvSpPr txBox="1"/>
+          <p:nvPr/>
+        </p:nvSpPr>
+        <p:spPr>
+          <a:xfrm>
+            <a:off x="6289719" y="2672041"/>
+            <a:ext cx="550151" cy="369332"/>
+          </a:xfrm>
+          <a:prstGeom prst="rect">
+            <a:avLst/>
+          </a:prstGeom>
+          <a:noFill/>
+        </p:spPr>
+        <p:txBody>
+          <a:bodyPr wrap="none" rtlCol="0">
+            <a:spAutoFit/>
+          </a:bodyPr>
+          <a:lstStyle/>
+          <a:p>
+            <a:r>
+              <a:rPr lang="en-GB" dirty="0"/>
+              <a:t>pop</a:t>
+            </a:r>
+          </a:p>
+        </p:txBody>
+      </p:sp>
+      <p:sp>
+        <p:nvSpPr>
+          <p:cNvPr id="17" name="TextBox 16">
+            <a:extLst>
+              <a:ext uri="{FF2B5EF4-FFF2-40B4-BE49-F238E27FC236}">
+                <a16:creationId xmlns:a16="http://schemas.microsoft.com/office/drawing/2014/main" id="{B211D8E3-A0CF-B543-BDD5-6E4476248189}"/>
+              </a:ext>
+            </a:extLst>
+          </p:cNvPr>
+          <p:cNvSpPr txBox="1"/>
+          <p:nvPr/>
+        </p:nvSpPr>
+        <p:spPr>
+          <a:xfrm>
+            <a:off x="7504043" y="3536753"/>
+            <a:ext cx="641522" cy="369332"/>
+          </a:xfrm>
+          <a:prstGeom prst="rect">
+            <a:avLst/>
+          </a:prstGeom>
+          <a:noFill/>
+        </p:spPr>
+        <p:txBody>
+          <a:bodyPr wrap="none" rtlCol="0">
+            <a:spAutoFit/>
+          </a:bodyPr>
+          <a:lstStyle/>
+          <a:p>
+            <a:r>
+              <a:rPr lang="en-GB" dirty="0"/>
+              <a:t>peek</a:t>
             </a:r>
           </a:p>
         </p:txBody>
@@ -10928,6 +11130,318 @@
           <a:chExt cx="0" cy="0"/>
         </a:xfrm>
       </p:grpSpPr>
+      <p:pic>
+        <p:nvPicPr>
+          <p:cNvPr id="6" name="Picture 5">
+            <a:extLst>
+              <a:ext uri="{FF2B5EF4-FFF2-40B4-BE49-F238E27FC236}">
+                <a16:creationId xmlns:a16="http://schemas.microsoft.com/office/drawing/2014/main" id="{25EF7111-9BAE-464D-9700-0DC2433904FF}"/>
+              </a:ext>
+            </a:extLst>
+          </p:cNvPr>
+          <p:cNvPicPr>
+            <a:picLocks noChangeAspect="1"/>
+          </p:cNvPicPr>
+          <p:nvPr/>
+        </p:nvPicPr>
+        <p:blipFill>
+          <a:blip r:embed="rId2"/>
+          <a:stretch>
+            <a:fillRect/>
+          </a:stretch>
+        </p:blipFill>
+        <p:spPr>
+          <a:xfrm>
+            <a:off x="2777152" y="2413789"/>
+            <a:ext cx="5305852" cy="3641271"/>
+          </a:xfrm>
+          <a:prstGeom prst="rect">
+            <a:avLst/>
+          </a:prstGeom>
+        </p:spPr>
+      </p:pic>
+      <p:sp>
+        <p:nvSpPr>
+          <p:cNvPr id="7" name="Arc 6">
+            <a:extLst>
+              <a:ext uri="{FF2B5EF4-FFF2-40B4-BE49-F238E27FC236}">
+                <a16:creationId xmlns:a16="http://schemas.microsoft.com/office/drawing/2014/main" id="{208DBA7B-128C-FE4E-939F-127207BE2D9D}"/>
+              </a:ext>
+            </a:extLst>
+          </p:cNvPr>
+          <p:cNvSpPr/>
+          <p:nvPr/>
+        </p:nvSpPr>
+        <p:spPr>
+          <a:xfrm>
+            <a:off x="2417312" y="2736953"/>
+            <a:ext cx="1765851" cy="1093312"/>
+          </a:xfrm>
+          <a:prstGeom prst="arc">
+            <a:avLst/>
+          </a:prstGeom>
+          <a:ln w="38100">
+            <a:solidFill>
+              <a:schemeClr val="tx1">
+                <a:lumMod val="75000"/>
+                <a:lumOff val="25000"/>
+              </a:schemeClr>
+            </a:solidFill>
+            <a:headEnd type="none" w="med" len="med"/>
+            <a:tailEnd type="triangle" w="med" len="med"/>
+          </a:ln>
+        </p:spPr>
+        <p:style>
+          <a:lnRef idx="1">
+            <a:schemeClr val="accent1"/>
+          </a:lnRef>
+          <a:fillRef idx="0">
+            <a:schemeClr val="accent1"/>
+          </a:fillRef>
+          <a:effectRef idx="0">
+            <a:schemeClr val="accent1"/>
+          </a:effectRef>
+          <a:fontRef idx="minor">
+            <a:schemeClr val="tx1"/>
+          </a:fontRef>
+        </p:style>
+        <p:txBody>
+          <a:bodyPr rtlCol="0" anchor="ctr"/>
+          <a:lstStyle/>
+          <a:p>
+            <a:pPr algn="ctr"/>
+            <a:endParaRPr lang="en-GB"/>
+          </a:p>
+        </p:txBody>
+      </p:sp>
+      <p:sp>
+        <p:nvSpPr>
+          <p:cNvPr id="8" name="TextBox 7">
+            <a:extLst>
+              <a:ext uri="{FF2B5EF4-FFF2-40B4-BE49-F238E27FC236}">
+                <a16:creationId xmlns:a16="http://schemas.microsoft.com/office/drawing/2014/main" id="{2B911238-5654-1243-8C4D-4A7CBC092374}"/>
+              </a:ext>
+            </a:extLst>
+          </p:cNvPr>
+          <p:cNvSpPr txBox="1"/>
+          <p:nvPr/>
+        </p:nvSpPr>
+        <p:spPr>
+          <a:xfrm>
+            <a:off x="1671000" y="2383970"/>
+            <a:ext cx="1872342" cy="646331"/>
+          </a:xfrm>
+          <a:prstGeom prst="rect">
+            <a:avLst/>
+          </a:prstGeom>
+          <a:noFill/>
+        </p:spPr>
+        <p:txBody>
+          <a:bodyPr wrap="square" rtlCol="0">
+            <a:spAutoFit/>
+          </a:bodyPr>
+          <a:lstStyle/>
+          <a:p>
+            <a:r>
+              <a:rPr lang="en-GB" dirty="0"/>
+              <a:t>Add plates to the top of the stack</a:t>
+            </a:r>
+          </a:p>
+        </p:txBody>
+      </p:sp>
+      <p:cxnSp>
+        <p:nvCxnSpPr>
+          <p:cNvPr id="9" name="Straight Arrow Connector 8">
+            <a:extLst>
+              <a:ext uri="{FF2B5EF4-FFF2-40B4-BE49-F238E27FC236}">
+                <a16:creationId xmlns:a16="http://schemas.microsoft.com/office/drawing/2014/main" id="{45545C0A-913F-594A-85B7-B9D4D7CD6F07}"/>
+              </a:ext>
+            </a:extLst>
+          </p:cNvPr>
+          <p:cNvCxnSpPr/>
+          <p:nvPr/>
+        </p:nvCxnSpPr>
+        <p:spPr>
+          <a:xfrm flipV="1">
+            <a:off x="5792327" y="2205208"/>
+            <a:ext cx="536713" cy="1063491"/>
+          </a:xfrm>
+          <a:prstGeom prst="straightConnector1">
+            <a:avLst/>
+          </a:prstGeom>
+          <a:ln w="38100">
+            <a:solidFill>
+              <a:schemeClr val="tx1">
+                <a:lumMod val="75000"/>
+                <a:lumOff val="25000"/>
+              </a:schemeClr>
+            </a:solidFill>
+            <a:tailEnd type="triangle"/>
+          </a:ln>
+        </p:spPr>
+        <p:style>
+          <a:lnRef idx="1">
+            <a:schemeClr val="accent1"/>
+          </a:lnRef>
+          <a:fillRef idx="0">
+            <a:schemeClr val="accent1"/>
+          </a:fillRef>
+          <a:effectRef idx="0">
+            <a:schemeClr val="accent1"/>
+          </a:effectRef>
+          <a:fontRef idx="minor">
+            <a:schemeClr val="tx1"/>
+          </a:fontRef>
+        </p:style>
+      </p:cxnSp>
+      <p:sp>
+        <p:nvSpPr>
+          <p:cNvPr id="10" name="TextBox 9">
+            <a:extLst>
+              <a:ext uri="{FF2B5EF4-FFF2-40B4-BE49-F238E27FC236}">
+                <a16:creationId xmlns:a16="http://schemas.microsoft.com/office/drawing/2014/main" id="{53680D55-22FC-2344-8AF2-3E91809D9724}"/>
+              </a:ext>
+            </a:extLst>
+          </p:cNvPr>
+          <p:cNvSpPr txBox="1"/>
+          <p:nvPr/>
+        </p:nvSpPr>
+        <p:spPr>
+          <a:xfrm>
+            <a:off x="5430078" y="1454586"/>
+            <a:ext cx="2007704" cy="646331"/>
+          </a:xfrm>
+          <a:prstGeom prst="rect">
+            <a:avLst/>
+          </a:prstGeom>
+          <a:noFill/>
+        </p:spPr>
+        <p:txBody>
+          <a:bodyPr wrap="square" rtlCol="0">
+            <a:spAutoFit/>
+          </a:bodyPr>
+          <a:lstStyle/>
+          <a:p>
+            <a:r>
+              <a:rPr lang="en-GB" dirty="0"/>
+              <a:t>Take plates from the top of the stack</a:t>
+            </a:r>
+          </a:p>
+        </p:txBody>
+      </p:sp>
+      <p:cxnSp>
+        <p:nvCxnSpPr>
+          <p:cNvPr id="11" name="Straight Arrow Connector 10">
+            <a:extLst>
+              <a:ext uri="{FF2B5EF4-FFF2-40B4-BE49-F238E27FC236}">
+                <a16:creationId xmlns:a16="http://schemas.microsoft.com/office/drawing/2014/main" id="{EFC13159-C8C7-0446-8873-440FA98F11F2}"/>
+              </a:ext>
+            </a:extLst>
+          </p:cNvPr>
+          <p:cNvCxnSpPr>
+            <a:cxnSpLocks/>
+          </p:cNvCxnSpPr>
+          <p:nvPr/>
+        </p:nvCxnSpPr>
+        <p:spPr>
+          <a:xfrm flipH="1">
+            <a:off x="7014402" y="2413789"/>
+            <a:ext cx="1068602" cy="869820"/>
+          </a:xfrm>
+          <a:prstGeom prst="straightConnector1">
+            <a:avLst/>
+          </a:prstGeom>
+          <a:ln w="38100">
+            <a:solidFill>
+              <a:schemeClr val="tx1">
+                <a:lumMod val="75000"/>
+                <a:lumOff val="25000"/>
+              </a:schemeClr>
+            </a:solidFill>
+            <a:prstDash val="dash"/>
+            <a:tailEnd type="triangle"/>
+          </a:ln>
+        </p:spPr>
+        <p:style>
+          <a:lnRef idx="1">
+            <a:schemeClr val="accent1"/>
+          </a:lnRef>
+          <a:fillRef idx="0">
+            <a:schemeClr val="accent1"/>
+          </a:fillRef>
+          <a:effectRef idx="0">
+            <a:schemeClr val="accent1"/>
+          </a:effectRef>
+          <a:fontRef idx="minor">
+            <a:schemeClr val="tx1"/>
+          </a:fontRef>
+        </p:style>
+      </p:cxnSp>
+      <p:sp>
+        <p:nvSpPr>
+          <p:cNvPr id="13" name="TextBox 12">
+            <a:extLst>
+              <a:ext uri="{FF2B5EF4-FFF2-40B4-BE49-F238E27FC236}">
+                <a16:creationId xmlns:a16="http://schemas.microsoft.com/office/drawing/2014/main" id="{8C1F7ED2-A05D-E247-B7E4-63AA1834C3A4}"/>
+              </a:ext>
+            </a:extLst>
+          </p:cNvPr>
+          <p:cNvSpPr txBox="1"/>
+          <p:nvPr/>
+        </p:nvSpPr>
+        <p:spPr>
+          <a:xfrm>
+            <a:off x="7789672" y="1454586"/>
+            <a:ext cx="3443074" cy="923330"/>
+          </a:xfrm>
+          <a:prstGeom prst="rect">
+            <a:avLst/>
+          </a:prstGeom>
+          <a:noFill/>
+        </p:spPr>
+        <p:txBody>
+          <a:bodyPr wrap="square" rtlCol="0">
+            <a:spAutoFit/>
+          </a:bodyPr>
+          <a:lstStyle/>
+          <a:p>
+            <a:r>
+              <a:rPr lang="en-GB" dirty="0"/>
+              <a:t>We can only see the plate at the top.  We don't know if the other plates are clean or not.</a:t>
+            </a:r>
+          </a:p>
+        </p:txBody>
+      </p:sp>
+    </p:spTree>
+    <p:extLst>
+      <p:ext uri="{BB962C8B-B14F-4D97-AF65-F5344CB8AC3E}">
+        <p14:creationId xmlns:p14="http://schemas.microsoft.com/office/powerpoint/2010/main" val="2861695303"/>
+      </p:ext>
+    </p:extLst>
+  </p:cSld>
+  <p:clrMapOvr>
+    <a:masterClrMapping/>
+  </p:clrMapOvr>
+</p:sld>
+</file>
+
+<file path=ppt/slides/slide21.xml><?xml version="1.0" encoding="utf-8"?>
+<p:sld xmlns:a="http://schemas.openxmlformats.org/drawingml/2006/main" xmlns:r="http://schemas.openxmlformats.org/officeDocument/2006/relationships" xmlns:p="http://schemas.openxmlformats.org/presentationml/2006/main">
+  <p:cSld>
+    <p:spTree>
+      <p:nvGrpSpPr>
+        <p:cNvPr id="1" name=""/>
+        <p:cNvGrpSpPr/>
+        <p:nvPr/>
+      </p:nvGrpSpPr>
+      <p:grpSpPr>
+        <a:xfrm>
+          <a:off x="0" y="0"/>
+          <a:ext cx="0" cy="0"/>
+          <a:chOff x="0" y="0"/>
+          <a:chExt cx="0" cy="0"/>
+        </a:xfrm>
+      </p:grpSpPr>
     </p:spTree>
     <p:extLst>
       <p:ext uri="{BB962C8B-B14F-4D97-AF65-F5344CB8AC3E}">
@@ -10941,7 +11455,7 @@
 </p:sld>
 </file>
 
-<file path=ppt/slides/slide21.xml><?xml version="1.0" encoding="utf-8"?>
+<file path=ppt/slides/slide22.xml><?xml version="1.0" encoding="utf-8"?>
 <p:sld xmlns:a="http://schemas.openxmlformats.org/drawingml/2006/main" xmlns:r="http://schemas.openxmlformats.org/officeDocument/2006/relationships" xmlns:p="http://schemas.openxmlformats.org/presentationml/2006/main">
   <p:cSld>
     <p:spTree>

--- a/assets/images/Images.pptx
+++ b/assets/images/Images.pptx
@@ -5,7 +5,7 @@
     <p:sldMasterId id="2147483648" r:id="rId1"/>
   </p:sldMasterIdLst>
   <p:notesMasterIdLst>
-    <p:notesMasterId r:id="rId24"/>
+    <p:notesMasterId r:id="rId25"/>
   </p:notesMasterIdLst>
   <p:sldIdLst>
     <p:sldId id="257" r:id="rId2"/>
@@ -28,8 +28,9 @@
     <p:sldId id="275" r:id="rId19"/>
     <p:sldId id="276" r:id="rId20"/>
     <p:sldId id="277" r:id="rId21"/>
-    <p:sldId id="270" r:id="rId22"/>
-    <p:sldId id="256" r:id="rId23"/>
+    <p:sldId id="278" r:id="rId22"/>
+    <p:sldId id="270" r:id="rId23"/>
+    <p:sldId id="256" r:id="rId24"/>
   </p:sldIdLst>
   <p:sldSz cx="12192000" cy="6858000"/>
   <p:notesSz cx="6858000" cy="9144000"/>
@@ -165,6 +166,7 @@
             <p14:sldId id="275"/>
             <p14:sldId id="276"/>
             <p14:sldId id="277"/>
+            <p14:sldId id="278"/>
           </p14:sldIdLst>
         </p14:section>
         <p14:section name="Collections - Arrays &amp; Java Heap" id="{A77C8035-645E-BC41-A860-8F1EAD9648FF}">
@@ -271,7 +273,7 @@
           <a:p>
             <a:fld id="{F0373C07-0034-D84F-B0CB-1249B408AEAD}" type="datetimeFigureOut">
               <a:rPr lang="en-GB" smtClean="0"/>
-              <a:t>02/06/2020</a:t>
+              <a:t>03/06/2020</a:t>
             </a:fld>
             <a:endParaRPr lang="en-GB"/>
           </a:p>
@@ -939,7 +941,7 @@
           <a:p>
             <a:fld id="{11A96E62-EC5F-C045-9FEB-EDD3A98888BE}" type="slidenum">
               <a:rPr lang="en-GB" smtClean="0"/>
-              <a:t>22</a:t>
+              <a:t>23</a:t>
             </a:fld>
             <a:endParaRPr lang="en-GB"/>
           </a:p>
@@ -1105,7 +1107,7 @@
           <a:p>
             <a:fld id="{1277814B-86DA-1A43-BEBE-BB22F0FBA56B}" type="datetimeFigureOut">
               <a:rPr lang="en-GB" smtClean="0"/>
-              <a:t>02/06/2020</a:t>
+              <a:t>03/06/2020</a:t>
             </a:fld>
             <a:endParaRPr lang="en-GB"/>
           </a:p>
@@ -1303,7 +1305,7 @@
           <a:p>
             <a:fld id="{1277814B-86DA-1A43-BEBE-BB22F0FBA56B}" type="datetimeFigureOut">
               <a:rPr lang="en-GB" smtClean="0"/>
-              <a:t>02/06/2020</a:t>
+              <a:t>03/06/2020</a:t>
             </a:fld>
             <a:endParaRPr lang="en-GB"/>
           </a:p>
@@ -1511,7 +1513,7 @@
           <a:p>
             <a:fld id="{1277814B-86DA-1A43-BEBE-BB22F0FBA56B}" type="datetimeFigureOut">
               <a:rPr lang="en-GB" smtClean="0"/>
-              <a:t>02/06/2020</a:t>
+              <a:t>03/06/2020</a:t>
             </a:fld>
             <a:endParaRPr lang="en-GB"/>
           </a:p>
@@ -1709,7 +1711,7 @@
           <a:p>
             <a:fld id="{1277814B-86DA-1A43-BEBE-BB22F0FBA56B}" type="datetimeFigureOut">
               <a:rPr lang="en-GB" smtClean="0"/>
-              <a:t>02/06/2020</a:t>
+              <a:t>03/06/2020</a:t>
             </a:fld>
             <a:endParaRPr lang="en-GB"/>
           </a:p>
@@ -1984,7 +1986,7 @@
           <a:p>
             <a:fld id="{1277814B-86DA-1A43-BEBE-BB22F0FBA56B}" type="datetimeFigureOut">
               <a:rPr lang="en-GB" smtClean="0"/>
-              <a:t>02/06/2020</a:t>
+              <a:t>03/06/2020</a:t>
             </a:fld>
             <a:endParaRPr lang="en-GB"/>
           </a:p>
@@ -2249,7 +2251,7 @@
           <a:p>
             <a:fld id="{1277814B-86DA-1A43-BEBE-BB22F0FBA56B}" type="datetimeFigureOut">
               <a:rPr lang="en-GB" smtClean="0"/>
-              <a:t>02/06/2020</a:t>
+              <a:t>03/06/2020</a:t>
             </a:fld>
             <a:endParaRPr lang="en-GB"/>
           </a:p>
@@ -2661,7 +2663,7 @@
           <a:p>
             <a:fld id="{1277814B-86DA-1A43-BEBE-BB22F0FBA56B}" type="datetimeFigureOut">
               <a:rPr lang="en-GB" smtClean="0"/>
-              <a:t>02/06/2020</a:t>
+              <a:t>03/06/2020</a:t>
             </a:fld>
             <a:endParaRPr lang="en-GB"/>
           </a:p>
@@ -2802,7 +2804,7 @@
           <a:p>
             <a:fld id="{1277814B-86DA-1A43-BEBE-BB22F0FBA56B}" type="datetimeFigureOut">
               <a:rPr lang="en-GB" smtClean="0"/>
-              <a:t>02/06/2020</a:t>
+              <a:t>03/06/2020</a:t>
             </a:fld>
             <a:endParaRPr lang="en-GB"/>
           </a:p>
@@ -2915,7 +2917,7 @@
           <a:p>
             <a:fld id="{1277814B-86DA-1A43-BEBE-BB22F0FBA56B}" type="datetimeFigureOut">
               <a:rPr lang="en-GB" smtClean="0"/>
-              <a:t>02/06/2020</a:t>
+              <a:t>03/06/2020</a:t>
             </a:fld>
             <a:endParaRPr lang="en-GB"/>
           </a:p>
@@ -3226,7 +3228,7 @@
           <a:p>
             <a:fld id="{1277814B-86DA-1A43-BEBE-BB22F0FBA56B}" type="datetimeFigureOut">
               <a:rPr lang="en-GB" smtClean="0"/>
-              <a:t>02/06/2020</a:t>
+              <a:t>03/06/2020</a:t>
             </a:fld>
             <a:endParaRPr lang="en-GB"/>
           </a:p>
@@ -3514,7 +3516,7 @@
           <a:p>
             <a:fld id="{1277814B-86DA-1A43-BEBE-BB22F0FBA56B}" type="datetimeFigureOut">
               <a:rPr lang="en-GB" smtClean="0"/>
-              <a:t>02/06/2020</a:t>
+              <a:t>03/06/2020</a:t>
             </a:fld>
             <a:endParaRPr lang="en-GB"/>
           </a:p>
@@ -3755,7 +3757,7 @@
           <a:p>
             <a:fld id="{1277814B-86DA-1A43-BEBE-BB22F0FBA56B}" type="datetimeFigureOut">
               <a:rPr lang="en-GB" smtClean="0"/>
-              <a:t>02/06/2020</a:t>
+              <a:t>03/06/2020</a:t>
             </a:fld>
             <a:endParaRPr lang="en-GB"/>
           </a:p>
@@ -11442,6 +11444,1241 @@
           <a:chExt cx="0" cy="0"/>
         </a:xfrm>
       </p:grpSpPr>
+      <p:sp>
+        <p:nvSpPr>
+          <p:cNvPr id="14" name="Arc 13">
+            <a:extLst>
+              <a:ext uri="{FF2B5EF4-FFF2-40B4-BE49-F238E27FC236}">
+                <a16:creationId xmlns:a16="http://schemas.microsoft.com/office/drawing/2014/main" id="{1A69982A-994E-A146-89D5-84B996368365}"/>
+              </a:ext>
+            </a:extLst>
+          </p:cNvPr>
+          <p:cNvSpPr/>
+          <p:nvPr/>
+        </p:nvSpPr>
+        <p:spPr>
+          <a:xfrm>
+            <a:off x="2782958" y="2286000"/>
+            <a:ext cx="3781835" cy="3250096"/>
+          </a:xfrm>
+          <a:prstGeom prst="arc">
+            <a:avLst>
+              <a:gd name="adj1" fmla="val 5192950"/>
+              <a:gd name="adj2" fmla="val 10515788"/>
+            </a:avLst>
+          </a:prstGeom>
+          <a:ln w="12700">
+            <a:solidFill>
+              <a:schemeClr val="tx1">
+                <a:lumMod val="75000"/>
+                <a:lumOff val="25000"/>
+              </a:schemeClr>
+            </a:solidFill>
+            <a:headEnd type="none" w="med" len="med"/>
+            <a:tailEnd type="triangle" w="med" len="med"/>
+          </a:ln>
+        </p:spPr>
+        <p:style>
+          <a:lnRef idx="1">
+            <a:schemeClr val="accent1"/>
+          </a:lnRef>
+          <a:fillRef idx="0">
+            <a:schemeClr val="accent1"/>
+          </a:fillRef>
+          <a:effectRef idx="0">
+            <a:schemeClr val="accent1"/>
+          </a:effectRef>
+          <a:fontRef idx="minor">
+            <a:schemeClr val="tx1"/>
+          </a:fontRef>
+        </p:style>
+        <p:txBody>
+          <a:bodyPr rtlCol="0" anchor="ctr"/>
+          <a:lstStyle/>
+          <a:p>
+            <a:pPr algn="ctr"/>
+            <a:endParaRPr lang="en-GB"/>
+          </a:p>
+        </p:txBody>
+      </p:sp>
+      <p:sp>
+        <p:nvSpPr>
+          <p:cNvPr id="15" name="Arc 14">
+            <a:extLst>
+              <a:ext uri="{FF2B5EF4-FFF2-40B4-BE49-F238E27FC236}">
+                <a16:creationId xmlns:a16="http://schemas.microsoft.com/office/drawing/2014/main" id="{9213DEA0-C5BE-9444-B662-6A5B67B5BD52}"/>
+              </a:ext>
+            </a:extLst>
+          </p:cNvPr>
+          <p:cNvSpPr/>
+          <p:nvPr/>
+        </p:nvSpPr>
+        <p:spPr>
+          <a:xfrm>
+            <a:off x="2782958" y="1103243"/>
+            <a:ext cx="3781835" cy="3250096"/>
+          </a:xfrm>
+          <a:prstGeom prst="arc">
+            <a:avLst>
+              <a:gd name="adj1" fmla="val 10999068"/>
+              <a:gd name="adj2" fmla="val 16359552"/>
+            </a:avLst>
+          </a:prstGeom>
+          <a:ln w="12700">
+            <a:solidFill>
+              <a:schemeClr val="tx1">
+                <a:lumMod val="75000"/>
+                <a:lumOff val="25000"/>
+              </a:schemeClr>
+            </a:solidFill>
+            <a:headEnd type="none" w="med" len="med"/>
+            <a:tailEnd type="triangle" w="med" len="med"/>
+          </a:ln>
+        </p:spPr>
+        <p:style>
+          <a:lnRef idx="1">
+            <a:schemeClr val="accent1"/>
+          </a:lnRef>
+          <a:fillRef idx="0">
+            <a:schemeClr val="accent1"/>
+          </a:fillRef>
+          <a:effectRef idx="0">
+            <a:schemeClr val="accent1"/>
+          </a:effectRef>
+          <a:fontRef idx="minor">
+            <a:schemeClr val="tx1"/>
+          </a:fontRef>
+        </p:style>
+        <p:txBody>
+          <a:bodyPr rtlCol="0" anchor="ctr"/>
+          <a:lstStyle/>
+          <a:p>
+            <a:pPr algn="ctr"/>
+            <a:endParaRPr lang="en-GB"/>
+          </a:p>
+        </p:txBody>
+      </p:sp>
+      <p:sp>
+        <p:nvSpPr>
+          <p:cNvPr id="6" name="Rectangle 5">
+            <a:extLst>
+              <a:ext uri="{FF2B5EF4-FFF2-40B4-BE49-F238E27FC236}">
+                <a16:creationId xmlns:a16="http://schemas.microsoft.com/office/drawing/2014/main" id="{481DEF72-193A-4B49-9585-27C924F6CADE}"/>
+              </a:ext>
+            </a:extLst>
+          </p:cNvPr>
+          <p:cNvSpPr/>
+          <p:nvPr/>
+        </p:nvSpPr>
+        <p:spPr>
+          <a:xfrm>
+            <a:off x="4740967" y="4846982"/>
+            <a:ext cx="1958009" cy="1457738"/>
+          </a:xfrm>
+          <a:prstGeom prst="rect">
+            <a:avLst/>
+          </a:prstGeom>
+          <a:solidFill>
+            <a:schemeClr val="accent6">
+              <a:lumMod val="75000"/>
+            </a:schemeClr>
+          </a:solidFill>
+          <a:ln>
+            <a:solidFill>
+              <a:schemeClr val="tx1"/>
+            </a:solidFill>
+          </a:ln>
+        </p:spPr>
+        <p:style>
+          <a:lnRef idx="2">
+            <a:schemeClr val="accent1">
+              <a:shade val="50000"/>
+            </a:schemeClr>
+          </a:lnRef>
+          <a:fillRef idx="1">
+            <a:schemeClr val="accent1"/>
+          </a:fillRef>
+          <a:effectRef idx="0">
+            <a:schemeClr val="accent1"/>
+          </a:effectRef>
+          <a:fontRef idx="minor">
+            <a:schemeClr val="lt1"/>
+          </a:fontRef>
+        </p:style>
+        <p:txBody>
+          <a:bodyPr rtlCol="0" anchor="t"/>
+          <a:lstStyle/>
+          <a:p>
+            <a:pPr algn="ctr"/>
+            <a:r>
+              <a:rPr lang="en-GB" dirty="0"/>
+              <a:t>C</a:t>
+            </a:r>
+          </a:p>
+          <a:p>
+            <a:pPr algn="ctr"/>
+            <a:r>
+              <a:rPr lang="en-GB" sz="1200" i="1" dirty="0"/>
+              <a:t>(extends B implements X)</a:t>
+            </a:r>
+            <a:endParaRPr lang="en-GB" i="1" dirty="0"/>
+          </a:p>
+        </p:txBody>
+      </p:sp>
+      <p:sp>
+        <p:nvSpPr>
+          <p:cNvPr id="8" name="Rectangle 7">
+            <a:extLst>
+              <a:ext uri="{FF2B5EF4-FFF2-40B4-BE49-F238E27FC236}">
+                <a16:creationId xmlns:a16="http://schemas.microsoft.com/office/drawing/2014/main" id="{18F57904-45D4-1A4C-B4FA-9CCCF3E703DA}"/>
+              </a:ext>
+            </a:extLst>
+          </p:cNvPr>
+          <p:cNvSpPr/>
+          <p:nvPr/>
+        </p:nvSpPr>
+        <p:spPr>
+          <a:xfrm>
+            <a:off x="4875139" y="5534042"/>
+            <a:ext cx="1689653" cy="288237"/>
+          </a:xfrm>
+          <a:prstGeom prst="rect">
+            <a:avLst/>
+          </a:prstGeom>
+          <a:solidFill>
+            <a:srgbClr val="FF85FF"/>
+          </a:solidFill>
+          <a:ln>
+            <a:solidFill>
+              <a:schemeClr val="tx1"/>
+            </a:solidFill>
+          </a:ln>
+        </p:spPr>
+        <p:style>
+          <a:lnRef idx="2">
+            <a:schemeClr val="accent1">
+              <a:shade val="50000"/>
+            </a:schemeClr>
+          </a:lnRef>
+          <a:fillRef idx="1">
+            <a:schemeClr val="accent1"/>
+          </a:fillRef>
+          <a:effectRef idx="0">
+            <a:schemeClr val="accent1"/>
+          </a:effectRef>
+          <a:fontRef idx="minor">
+            <a:schemeClr val="lt1"/>
+          </a:fontRef>
+        </p:style>
+        <p:txBody>
+          <a:bodyPr rtlCol="0" anchor="ctr"/>
+          <a:lstStyle/>
+          <a:p>
+            <a:pPr algn="ctr"/>
+            <a:r>
+              <a:rPr lang="en-GB" dirty="0">
+                <a:solidFill>
+                  <a:schemeClr val="tx1"/>
+                </a:solidFill>
+              </a:rPr>
+              <a:t>pink()</a:t>
+            </a:r>
+          </a:p>
+        </p:txBody>
+      </p:sp>
+      <p:grpSp>
+        <p:nvGrpSpPr>
+          <p:cNvPr id="11" name="Group 10">
+            <a:extLst>
+              <a:ext uri="{FF2B5EF4-FFF2-40B4-BE49-F238E27FC236}">
+                <a16:creationId xmlns:a16="http://schemas.microsoft.com/office/drawing/2014/main" id="{56EFA068-3B1E-DE46-B411-77ACA8EF9089}"/>
+              </a:ext>
+            </a:extLst>
+          </p:cNvPr>
+          <p:cNvGrpSpPr/>
+          <p:nvPr/>
+        </p:nvGrpSpPr>
+        <p:grpSpPr>
+          <a:xfrm>
+            <a:off x="4740967" y="374374"/>
+            <a:ext cx="1958009" cy="1457738"/>
+            <a:chOff x="4641574" y="1139687"/>
+            <a:chExt cx="1958009" cy="1457738"/>
+          </a:xfrm>
+        </p:grpSpPr>
+        <p:sp>
+          <p:nvSpPr>
+            <p:cNvPr id="4" name="Rectangle 3">
+              <a:extLst>
+                <a:ext uri="{FF2B5EF4-FFF2-40B4-BE49-F238E27FC236}">
+                  <a16:creationId xmlns:a16="http://schemas.microsoft.com/office/drawing/2014/main" id="{8C5DFEE3-7FC5-DD4D-B16F-D15CF6E0C22F}"/>
+                </a:ext>
+              </a:extLst>
+            </p:cNvPr>
+            <p:cNvSpPr/>
+            <p:nvPr/>
+          </p:nvSpPr>
+          <p:spPr>
+            <a:xfrm>
+              <a:off x="4641574" y="1139687"/>
+              <a:ext cx="1958009" cy="1457738"/>
+            </a:xfrm>
+            <a:prstGeom prst="rect">
+              <a:avLst/>
+            </a:prstGeom>
+            <a:ln>
+              <a:solidFill>
+                <a:schemeClr val="tx1"/>
+              </a:solidFill>
+            </a:ln>
+          </p:spPr>
+          <p:style>
+            <a:lnRef idx="2">
+              <a:schemeClr val="accent1">
+                <a:shade val="50000"/>
+              </a:schemeClr>
+            </a:lnRef>
+            <a:fillRef idx="1">
+              <a:schemeClr val="accent1"/>
+            </a:fillRef>
+            <a:effectRef idx="0">
+              <a:schemeClr val="accent1"/>
+            </a:effectRef>
+            <a:fontRef idx="minor">
+              <a:schemeClr val="lt1"/>
+            </a:fontRef>
+          </p:style>
+          <p:txBody>
+            <a:bodyPr rtlCol="0" anchor="t"/>
+            <a:lstStyle/>
+            <a:p>
+              <a:pPr algn="ctr"/>
+              <a:r>
+                <a:rPr lang="en-GB" dirty="0"/>
+                <a:t>A</a:t>
+              </a:r>
+            </a:p>
+          </p:txBody>
+        </p:sp>
+        <p:sp>
+          <p:nvSpPr>
+            <p:cNvPr id="7" name="Rectangle 6">
+              <a:extLst>
+                <a:ext uri="{FF2B5EF4-FFF2-40B4-BE49-F238E27FC236}">
+                  <a16:creationId xmlns:a16="http://schemas.microsoft.com/office/drawing/2014/main" id="{C22FC975-D16F-BB41-B276-95A04D40134A}"/>
+                </a:ext>
+              </a:extLst>
+            </p:cNvPr>
+            <p:cNvSpPr/>
+            <p:nvPr/>
+          </p:nvSpPr>
+          <p:spPr>
+            <a:xfrm>
+              <a:off x="4775747" y="1845358"/>
+              <a:ext cx="1689653" cy="288237"/>
+            </a:xfrm>
+            <a:prstGeom prst="rect">
+              <a:avLst/>
+            </a:prstGeom>
+            <a:solidFill>
+              <a:srgbClr val="FF85FF"/>
+            </a:solidFill>
+            <a:ln>
+              <a:solidFill>
+                <a:schemeClr val="tx1"/>
+              </a:solidFill>
+            </a:ln>
+          </p:spPr>
+          <p:style>
+            <a:lnRef idx="2">
+              <a:schemeClr val="accent1">
+                <a:shade val="50000"/>
+              </a:schemeClr>
+            </a:lnRef>
+            <a:fillRef idx="1">
+              <a:schemeClr val="accent1"/>
+            </a:fillRef>
+            <a:effectRef idx="0">
+              <a:schemeClr val="accent1"/>
+            </a:effectRef>
+            <a:fontRef idx="minor">
+              <a:schemeClr val="lt1"/>
+            </a:fontRef>
+          </p:style>
+          <p:txBody>
+            <a:bodyPr rtlCol="0" anchor="ctr"/>
+            <a:lstStyle/>
+            <a:p>
+              <a:pPr algn="ctr"/>
+              <a:r>
+                <a:rPr lang="en-GB" dirty="0">
+                  <a:solidFill>
+                    <a:schemeClr val="tx1"/>
+                  </a:solidFill>
+                </a:rPr>
+                <a:t>pink()</a:t>
+              </a:r>
+            </a:p>
+          </p:txBody>
+        </p:sp>
+        <p:sp>
+          <p:nvSpPr>
+            <p:cNvPr id="9" name="Rectangle 8">
+              <a:extLst>
+                <a:ext uri="{FF2B5EF4-FFF2-40B4-BE49-F238E27FC236}">
+                  <a16:creationId xmlns:a16="http://schemas.microsoft.com/office/drawing/2014/main" id="{D0A469E8-1C74-594D-86DE-C980C65C2D69}"/>
+                </a:ext>
+              </a:extLst>
+            </p:cNvPr>
+            <p:cNvSpPr/>
+            <p:nvPr/>
+          </p:nvSpPr>
+          <p:spPr>
+            <a:xfrm>
+              <a:off x="4775747" y="2186605"/>
+              <a:ext cx="1689653" cy="288237"/>
+            </a:xfrm>
+            <a:prstGeom prst="rect">
+              <a:avLst/>
+            </a:prstGeom>
+            <a:solidFill>
+              <a:schemeClr val="accent4">
+                <a:lumMod val="60000"/>
+                <a:lumOff val="40000"/>
+              </a:schemeClr>
+            </a:solidFill>
+            <a:ln>
+              <a:solidFill>
+                <a:schemeClr val="tx1"/>
+              </a:solidFill>
+            </a:ln>
+          </p:spPr>
+          <p:style>
+            <a:lnRef idx="2">
+              <a:schemeClr val="accent1">
+                <a:shade val="50000"/>
+              </a:schemeClr>
+            </a:lnRef>
+            <a:fillRef idx="1">
+              <a:schemeClr val="accent1"/>
+            </a:fillRef>
+            <a:effectRef idx="0">
+              <a:schemeClr val="accent1"/>
+            </a:effectRef>
+            <a:fontRef idx="minor">
+              <a:schemeClr val="lt1"/>
+            </a:fontRef>
+          </p:style>
+          <p:txBody>
+            <a:bodyPr rtlCol="0" anchor="ctr"/>
+            <a:lstStyle/>
+            <a:p>
+              <a:pPr algn="ctr"/>
+              <a:r>
+                <a:rPr lang="en-GB" dirty="0">
+                  <a:solidFill>
+                    <a:schemeClr val="tx1"/>
+                  </a:solidFill>
+                </a:rPr>
+                <a:t>yellow()</a:t>
+              </a:r>
+            </a:p>
+          </p:txBody>
+        </p:sp>
+      </p:grpSp>
+      <p:grpSp>
+        <p:nvGrpSpPr>
+          <p:cNvPr id="12" name="Group 11">
+            <a:extLst>
+              <a:ext uri="{FF2B5EF4-FFF2-40B4-BE49-F238E27FC236}">
+                <a16:creationId xmlns:a16="http://schemas.microsoft.com/office/drawing/2014/main" id="{AA0A8DF6-206C-9949-B6C1-1CCA5C35E28A}"/>
+              </a:ext>
+            </a:extLst>
+          </p:cNvPr>
+          <p:cNvGrpSpPr/>
+          <p:nvPr/>
+        </p:nvGrpSpPr>
+        <p:grpSpPr>
+          <a:xfrm>
+            <a:off x="1918254" y="2610678"/>
+            <a:ext cx="1958009" cy="1457738"/>
+            <a:chOff x="4641574" y="2703444"/>
+            <a:chExt cx="1958009" cy="1457738"/>
+          </a:xfrm>
+        </p:grpSpPr>
+        <p:sp>
+          <p:nvSpPr>
+            <p:cNvPr id="5" name="Rectangle 4">
+              <a:extLst>
+                <a:ext uri="{FF2B5EF4-FFF2-40B4-BE49-F238E27FC236}">
+                  <a16:creationId xmlns:a16="http://schemas.microsoft.com/office/drawing/2014/main" id="{77252500-9B97-6D40-A0F9-5439F6B83CE5}"/>
+                </a:ext>
+              </a:extLst>
+            </p:cNvPr>
+            <p:cNvSpPr/>
+            <p:nvPr/>
+          </p:nvSpPr>
+          <p:spPr>
+            <a:xfrm>
+              <a:off x="4641574" y="2703444"/>
+              <a:ext cx="1958009" cy="1457738"/>
+            </a:xfrm>
+            <a:prstGeom prst="rect">
+              <a:avLst/>
+            </a:prstGeom>
+            <a:solidFill>
+              <a:schemeClr val="accent2">
+                <a:lumMod val="75000"/>
+              </a:schemeClr>
+            </a:solidFill>
+            <a:ln>
+              <a:solidFill>
+                <a:schemeClr val="tx1"/>
+              </a:solidFill>
+            </a:ln>
+          </p:spPr>
+          <p:style>
+            <a:lnRef idx="2">
+              <a:schemeClr val="accent1">
+                <a:shade val="50000"/>
+              </a:schemeClr>
+            </a:lnRef>
+            <a:fillRef idx="1">
+              <a:schemeClr val="accent1"/>
+            </a:fillRef>
+            <a:effectRef idx="0">
+              <a:schemeClr val="accent1"/>
+            </a:effectRef>
+            <a:fontRef idx="minor">
+              <a:schemeClr val="lt1"/>
+            </a:fontRef>
+          </p:style>
+          <p:txBody>
+            <a:bodyPr rtlCol="0" anchor="t"/>
+            <a:lstStyle/>
+            <a:p>
+              <a:pPr algn="ctr"/>
+              <a:r>
+                <a:rPr lang="en-GB" dirty="0"/>
+                <a:t>B</a:t>
+              </a:r>
+            </a:p>
+            <a:p>
+              <a:pPr algn="ctr"/>
+              <a:r>
+                <a:rPr lang="en-GB" sz="1200" i="1" dirty="0"/>
+                <a:t>(extends A)</a:t>
+              </a:r>
+              <a:endParaRPr lang="en-GB" sz="1600" i="1" dirty="0"/>
+            </a:p>
+          </p:txBody>
+        </p:sp>
+        <p:sp>
+          <p:nvSpPr>
+            <p:cNvPr id="10" name="Rectangle 9">
+              <a:extLst>
+                <a:ext uri="{FF2B5EF4-FFF2-40B4-BE49-F238E27FC236}">
+                  <a16:creationId xmlns:a16="http://schemas.microsoft.com/office/drawing/2014/main" id="{5074FB5A-2F16-4E47-930D-2662CD958265}"/>
+                </a:ext>
+              </a:extLst>
+            </p:cNvPr>
+            <p:cNvSpPr/>
+            <p:nvPr/>
+          </p:nvSpPr>
+          <p:spPr>
+            <a:xfrm>
+              <a:off x="4775748" y="3761958"/>
+              <a:ext cx="1689653" cy="288237"/>
+            </a:xfrm>
+            <a:prstGeom prst="rect">
+              <a:avLst/>
+            </a:prstGeom>
+            <a:solidFill>
+              <a:schemeClr val="accent4">
+                <a:lumMod val="60000"/>
+                <a:lumOff val="40000"/>
+              </a:schemeClr>
+            </a:solidFill>
+            <a:ln>
+              <a:solidFill>
+                <a:schemeClr val="tx1"/>
+              </a:solidFill>
+            </a:ln>
+          </p:spPr>
+          <p:style>
+            <a:lnRef idx="2">
+              <a:schemeClr val="accent1">
+                <a:shade val="50000"/>
+              </a:schemeClr>
+            </a:lnRef>
+            <a:fillRef idx="1">
+              <a:schemeClr val="accent1"/>
+            </a:fillRef>
+            <a:effectRef idx="0">
+              <a:schemeClr val="accent1"/>
+            </a:effectRef>
+            <a:fontRef idx="minor">
+              <a:schemeClr val="lt1"/>
+            </a:fontRef>
+          </p:style>
+          <p:txBody>
+            <a:bodyPr rtlCol="0" anchor="ctr"/>
+            <a:lstStyle/>
+            <a:p>
+              <a:pPr algn="ctr"/>
+              <a:r>
+                <a:rPr lang="en-GB" dirty="0">
+                  <a:solidFill>
+                    <a:schemeClr val="tx1"/>
+                  </a:solidFill>
+                </a:rPr>
+                <a:t>yellow()</a:t>
+              </a:r>
+            </a:p>
+          </p:txBody>
+        </p:sp>
+      </p:grpSp>
+      <p:cxnSp>
+        <p:nvCxnSpPr>
+          <p:cNvPr id="17" name="Straight Arrow Connector 16">
+            <a:extLst>
+              <a:ext uri="{FF2B5EF4-FFF2-40B4-BE49-F238E27FC236}">
+                <a16:creationId xmlns:a16="http://schemas.microsoft.com/office/drawing/2014/main" id="{4403A561-B992-694C-ADF4-A1B455CC2A74}"/>
+              </a:ext>
+            </a:extLst>
+          </p:cNvPr>
+          <p:cNvCxnSpPr>
+            <a:cxnSpLocks/>
+          </p:cNvCxnSpPr>
+          <p:nvPr/>
+        </p:nvCxnSpPr>
+        <p:spPr>
+          <a:xfrm flipV="1">
+            <a:off x="5257802" y="1281348"/>
+            <a:ext cx="0" cy="4453996"/>
+          </a:xfrm>
+          <a:prstGeom prst="straightConnector1">
+            <a:avLst/>
+          </a:prstGeom>
+          <a:ln w="12700">
+            <a:solidFill>
+              <a:schemeClr val="tx1">
+                <a:lumMod val="75000"/>
+                <a:lumOff val="25000"/>
+              </a:schemeClr>
+            </a:solidFill>
+            <a:prstDash val="dash"/>
+            <a:tailEnd type="triangle"/>
+          </a:ln>
+        </p:spPr>
+        <p:style>
+          <a:lnRef idx="1">
+            <a:schemeClr val="accent1"/>
+          </a:lnRef>
+          <a:fillRef idx="0">
+            <a:schemeClr val="accent1"/>
+          </a:fillRef>
+          <a:effectRef idx="0">
+            <a:schemeClr val="accent1"/>
+          </a:effectRef>
+          <a:fontRef idx="minor">
+            <a:schemeClr val="tx1"/>
+          </a:fontRef>
+        </p:style>
+      </p:cxnSp>
+      <p:cxnSp>
+        <p:nvCxnSpPr>
+          <p:cNvPr id="19" name="Straight Arrow Connector 18">
+            <a:extLst>
+              <a:ext uri="{FF2B5EF4-FFF2-40B4-BE49-F238E27FC236}">
+                <a16:creationId xmlns:a16="http://schemas.microsoft.com/office/drawing/2014/main" id="{0FD653E1-A21C-904B-9182-5D955B14EF23}"/>
+              </a:ext>
+            </a:extLst>
+          </p:cNvPr>
+          <p:cNvCxnSpPr>
+            <a:cxnSpLocks/>
+          </p:cNvCxnSpPr>
+          <p:nvPr/>
+        </p:nvCxnSpPr>
+        <p:spPr>
+          <a:xfrm flipV="1">
+            <a:off x="3508514" y="1517376"/>
+            <a:ext cx="1533110" cy="2295935"/>
+          </a:xfrm>
+          <a:prstGeom prst="straightConnector1">
+            <a:avLst/>
+          </a:prstGeom>
+          <a:ln w="12700">
+            <a:solidFill>
+              <a:schemeClr val="tx1">
+                <a:lumMod val="75000"/>
+                <a:lumOff val="25000"/>
+              </a:schemeClr>
+            </a:solidFill>
+            <a:prstDash val="dash"/>
+            <a:tailEnd type="triangle"/>
+          </a:ln>
+        </p:spPr>
+        <p:style>
+          <a:lnRef idx="1">
+            <a:schemeClr val="accent1"/>
+          </a:lnRef>
+          <a:fillRef idx="0">
+            <a:schemeClr val="accent1"/>
+          </a:fillRef>
+          <a:effectRef idx="0">
+            <a:schemeClr val="accent1"/>
+          </a:effectRef>
+          <a:fontRef idx="minor">
+            <a:schemeClr val="tx1"/>
+          </a:fontRef>
+        </p:style>
+      </p:cxnSp>
+      <p:sp>
+        <p:nvSpPr>
+          <p:cNvPr id="22" name="TextBox 21">
+            <a:extLst>
+              <a:ext uri="{FF2B5EF4-FFF2-40B4-BE49-F238E27FC236}">
+                <a16:creationId xmlns:a16="http://schemas.microsoft.com/office/drawing/2014/main" id="{47E7AEE3-2432-4844-B426-936A2DAF4E3D}"/>
+              </a:ext>
+            </a:extLst>
+          </p:cNvPr>
+          <p:cNvSpPr txBox="1"/>
+          <p:nvPr/>
+        </p:nvSpPr>
+        <p:spPr>
+          <a:xfrm>
+            <a:off x="2461482" y="1359282"/>
+            <a:ext cx="919995" cy="369332"/>
+          </a:xfrm>
+          <a:prstGeom prst="rect">
+            <a:avLst/>
+          </a:prstGeom>
+          <a:noFill/>
+        </p:spPr>
+        <p:txBody>
+          <a:bodyPr wrap="none" rtlCol="0">
+            <a:spAutoFit/>
+          </a:bodyPr>
+          <a:lstStyle/>
+          <a:p>
+            <a:r>
+              <a:rPr lang="en-GB" i="1" dirty="0"/>
+              <a:t>extends</a:t>
+            </a:r>
+          </a:p>
+        </p:txBody>
+      </p:sp>
+      <p:sp>
+        <p:nvSpPr>
+          <p:cNvPr id="23" name="TextBox 22">
+            <a:extLst>
+              <a:ext uri="{FF2B5EF4-FFF2-40B4-BE49-F238E27FC236}">
+                <a16:creationId xmlns:a16="http://schemas.microsoft.com/office/drawing/2014/main" id="{7ECAFF0F-8CA3-3246-A695-4EEB1F223E38}"/>
+              </a:ext>
+            </a:extLst>
+          </p:cNvPr>
+          <p:cNvSpPr txBox="1"/>
+          <p:nvPr/>
+        </p:nvSpPr>
+        <p:spPr>
+          <a:xfrm>
+            <a:off x="2461482" y="4866858"/>
+            <a:ext cx="919995" cy="369332"/>
+          </a:xfrm>
+          <a:prstGeom prst="rect">
+            <a:avLst/>
+          </a:prstGeom>
+          <a:noFill/>
+        </p:spPr>
+        <p:txBody>
+          <a:bodyPr wrap="none" rtlCol="0">
+            <a:spAutoFit/>
+          </a:bodyPr>
+          <a:lstStyle/>
+          <a:p>
+            <a:r>
+              <a:rPr lang="en-GB" i="1" dirty="0"/>
+              <a:t>extends</a:t>
+            </a:r>
+          </a:p>
+        </p:txBody>
+      </p:sp>
+      <p:sp>
+        <p:nvSpPr>
+          <p:cNvPr id="24" name="TextBox 23">
+            <a:extLst>
+              <a:ext uri="{FF2B5EF4-FFF2-40B4-BE49-F238E27FC236}">
+                <a16:creationId xmlns:a16="http://schemas.microsoft.com/office/drawing/2014/main" id="{B595DDCF-FE21-FA46-92EC-18EF5F6751F3}"/>
+              </a:ext>
+            </a:extLst>
+          </p:cNvPr>
+          <p:cNvSpPr txBox="1"/>
+          <p:nvPr/>
+        </p:nvSpPr>
+        <p:spPr>
+          <a:xfrm>
+            <a:off x="4114854" y="2623064"/>
+            <a:ext cx="1063048" cy="369332"/>
+          </a:xfrm>
+          <a:prstGeom prst="rect">
+            <a:avLst/>
+          </a:prstGeom>
+          <a:noFill/>
+        </p:spPr>
+        <p:txBody>
+          <a:bodyPr wrap="none" rtlCol="0">
+            <a:spAutoFit/>
+          </a:bodyPr>
+          <a:lstStyle/>
+          <a:p>
+            <a:r>
+              <a:rPr lang="en-GB" dirty="0"/>
+              <a:t>overrides</a:t>
+            </a:r>
+          </a:p>
+        </p:txBody>
+      </p:sp>
+      <p:sp>
+        <p:nvSpPr>
+          <p:cNvPr id="25" name="TextBox 24">
+            <a:extLst>
+              <a:ext uri="{FF2B5EF4-FFF2-40B4-BE49-F238E27FC236}">
+                <a16:creationId xmlns:a16="http://schemas.microsoft.com/office/drawing/2014/main" id="{F7897514-F7D6-5948-9188-E3238AE668AB}"/>
+              </a:ext>
+            </a:extLst>
+          </p:cNvPr>
+          <p:cNvSpPr txBox="1"/>
+          <p:nvPr/>
+        </p:nvSpPr>
+        <p:spPr>
+          <a:xfrm>
+            <a:off x="5188441" y="3379304"/>
+            <a:ext cx="1063048" cy="369332"/>
+          </a:xfrm>
+          <a:prstGeom prst="rect">
+            <a:avLst/>
+          </a:prstGeom>
+          <a:noFill/>
+        </p:spPr>
+        <p:txBody>
+          <a:bodyPr wrap="none" rtlCol="0">
+            <a:spAutoFit/>
+          </a:bodyPr>
+          <a:lstStyle/>
+          <a:p>
+            <a:r>
+              <a:rPr lang="en-GB" dirty="0"/>
+              <a:t>overrides</a:t>
+            </a:r>
+          </a:p>
+        </p:txBody>
+      </p:sp>
+      <p:grpSp>
+        <p:nvGrpSpPr>
+          <p:cNvPr id="26" name="Group 25">
+            <a:extLst>
+              <a:ext uri="{FF2B5EF4-FFF2-40B4-BE49-F238E27FC236}">
+                <a16:creationId xmlns:a16="http://schemas.microsoft.com/office/drawing/2014/main" id="{582C0ADA-6447-9744-BBA4-F5214258D983}"/>
+              </a:ext>
+            </a:extLst>
+          </p:cNvPr>
+          <p:cNvGrpSpPr/>
+          <p:nvPr/>
+        </p:nvGrpSpPr>
+        <p:grpSpPr>
+          <a:xfrm>
+            <a:off x="7451033" y="2575098"/>
+            <a:ext cx="1958009" cy="1457738"/>
+            <a:chOff x="4641574" y="1139687"/>
+            <a:chExt cx="1958009" cy="1457738"/>
+          </a:xfrm>
+        </p:grpSpPr>
+        <p:sp>
+          <p:nvSpPr>
+            <p:cNvPr id="27" name="Rectangle 26">
+              <a:extLst>
+                <a:ext uri="{FF2B5EF4-FFF2-40B4-BE49-F238E27FC236}">
+                  <a16:creationId xmlns:a16="http://schemas.microsoft.com/office/drawing/2014/main" id="{6261AFF3-A90C-CD49-86E7-909DEB2819C4}"/>
+                </a:ext>
+              </a:extLst>
+            </p:cNvPr>
+            <p:cNvSpPr/>
+            <p:nvPr/>
+          </p:nvSpPr>
+          <p:spPr>
+            <a:xfrm>
+              <a:off x="4641574" y="1139687"/>
+              <a:ext cx="1958009" cy="1457738"/>
+            </a:xfrm>
+            <a:prstGeom prst="rect">
+              <a:avLst/>
+            </a:prstGeom>
+            <a:solidFill>
+              <a:schemeClr val="tx2"/>
+            </a:solidFill>
+            <a:ln>
+              <a:solidFill>
+                <a:schemeClr val="tx1"/>
+              </a:solidFill>
+            </a:ln>
+          </p:spPr>
+          <p:style>
+            <a:lnRef idx="2">
+              <a:schemeClr val="accent1">
+                <a:shade val="50000"/>
+              </a:schemeClr>
+            </a:lnRef>
+            <a:fillRef idx="1">
+              <a:schemeClr val="accent1"/>
+            </a:fillRef>
+            <a:effectRef idx="0">
+              <a:schemeClr val="accent1"/>
+            </a:effectRef>
+            <a:fontRef idx="minor">
+              <a:schemeClr val="lt1"/>
+            </a:fontRef>
+          </p:style>
+          <p:txBody>
+            <a:bodyPr rtlCol="0" anchor="t"/>
+            <a:lstStyle/>
+            <a:p>
+              <a:pPr algn="ctr"/>
+              <a:r>
+                <a:rPr lang="en-GB" dirty="0"/>
+                <a:t>X</a:t>
+              </a:r>
+            </a:p>
+          </p:txBody>
+        </p:sp>
+        <p:sp>
+          <p:nvSpPr>
+            <p:cNvPr id="29" name="Rectangle 28">
+              <a:extLst>
+                <a:ext uri="{FF2B5EF4-FFF2-40B4-BE49-F238E27FC236}">
+                  <a16:creationId xmlns:a16="http://schemas.microsoft.com/office/drawing/2014/main" id="{24174AAC-F6B3-A94F-8545-6534429EC72F}"/>
+                </a:ext>
+              </a:extLst>
+            </p:cNvPr>
+            <p:cNvSpPr/>
+            <p:nvPr/>
+          </p:nvSpPr>
+          <p:spPr>
+            <a:xfrm>
+              <a:off x="4775747" y="2186605"/>
+              <a:ext cx="1689653" cy="288237"/>
+            </a:xfrm>
+            <a:prstGeom prst="rect">
+              <a:avLst/>
+            </a:prstGeom>
+            <a:solidFill>
+              <a:srgbClr val="00FDFF"/>
+            </a:solidFill>
+            <a:ln>
+              <a:solidFill>
+                <a:schemeClr val="tx1"/>
+              </a:solidFill>
+            </a:ln>
+          </p:spPr>
+          <p:style>
+            <a:lnRef idx="2">
+              <a:schemeClr val="accent1">
+                <a:shade val="50000"/>
+              </a:schemeClr>
+            </a:lnRef>
+            <a:fillRef idx="1">
+              <a:schemeClr val="accent1"/>
+            </a:fillRef>
+            <a:effectRef idx="0">
+              <a:schemeClr val="accent1"/>
+            </a:effectRef>
+            <a:fontRef idx="minor">
+              <a:schemeClr val="lt1"/>
+            </a:fontRef>
+          </p:style>
+          <p:txBody>
+            <a:bodyPr rtlCol="0" anchor="ctr"/>
+            <a:lstStyle/>
+            <a:p>
+              <a:pPr algn="ctr"/>
+              <a:r>
+                <a:rPr lang="en-GB" dirty="0">
+                  <a:solidFill>
+                    <a:schemeClr val="tx1"/>
+                  </a:solidFill>
+                </a:rPr>
+                <a:t>cyan()</a:t>
+              </a:r>
+            </a:p>
+          </p:txBody>
+        </p:sp>
+      </p:grpSp>
+      <p:sp>
+        <p:nvSpPr>
+          <p:cNvPr id="30" name="Rectangle 29">
+            <a:extLst>
+              <a:ext uri="{FF2B5EF4-FFF2-40B4-BE49-F238E27FC236}">
+                <a16:creationId xmlns:a16="http://schemas.microsoft.com/office/drawing/2014/main" id="{D0A9448C-376C-F440-8770-E1F2A9C99B9D}"/>
+              </a:ext>
+            </a:extLst>
+          </p:cNvPr>
+          <p:cNvSpPr/>
+          <p:nvPr/>
+        </p:nvSpPr>
+        <p:spPr>
+          <a:xfrm>
+            <a:off x="4875139" y="5887701"/>
+            <a:ext cx="1689653" cy="288237"/>
+          </a:xfrm>
+          <a:prstGeom prst="rect">
+            <a:avLst/>
+          </a:prstGeom>
+          <a:solidFill>
+            <a:srgbClr val="00FDFF"/>
+          </a:solidFill>
+          <a:ln>
+            <a:solidFill>
+              <a:schemeClr val="tx1"/>
+            </a:solidFill>
+          </a:ln>
+        </p:spPr>
+        <p:style>
+          <a:lnRef idx="2">
+            <a:schemeClr val="accent1">
+              <a:shade val="50000"/>
+            </a:schemeClr>
+          </a:lnRef>
+          <a:fillRef idx="1">
+            <a:schemeClr val="accent1"/>
+          </a:fillRef>
+          <a:effectRef idx="0">
+            <a:schemeClr val="accent1"/>
+          </a:effectRef>
+          <a:fontRef idx="minor">
+            <a:schemeClr val="lt1"/>
+          </a:fontRef>
+        </p:style>
+        <p:txBody>
+          <a:bodyPr rtlCol="0" anchor="ctr"/>
+          <a:lstStyle/>
+          <a:p>
+            <a:pPr algn="ctr"/>
+            <a:r>
+              <a:rPr lang="en-GB" dirty="0">
+                <a:solidFill>
+                  <a:schemeClr val="tx1"/>
+                </a:solidFill>
+              </a:rPr>
+              <a:t>cyan()</a:t>
+            </a:r>
+          </a:p>
+        </p:txBody>
+      </p:sp>
+      <p:cxnSp>
+        <p:nvCxnSpPr>
+          <p:cNvPr id="33" name="Straight Arrow Connector 32">
+            <a:extLst>
+              <a:ext uri="{FF2B5EF4-FFF2-40B4-BE49-F238E27FC236}">
+                <a16:creationId xmlns:a16="http://schemas.microsoft.com/office/drawing/2014/main" id="{ACE8C960-0AB8-F142-8C3A-17A7B22035E7}"/>
+              </a:ext>
+            </a:extLst>
+          </p:cNvPr>
+          <p:cNvCxnSpPr>
+            <a:cxnSpLocks/>
+          </p:cNvCxnSpPr>
+          <p:nvPr/>
+        </p:nvCxnSpPr>
+        <p:spPr>
+          <a:xfrm flipV="1">
+            <a:off x="6451732" y="3766134"/>
+            <a:ext cx="1370364" cy="2265685"/>
+          </a:xfrm>
+          <a:prstGeom prst="straightConnector1">
+            <a:avLst/>
+          </a:prstGeom>
+          <a:ln w="12700">
+            <a:solidFill>
+              <a:schemeClr val="tx1">
+                <a:lumMod val="75000"/>
+                <a:lumOff val="25000"/>
+              </a:schemeClr>
+            </a:solidFill>
+            <a:prstDash val="dash"/>
+            <a:tailEnd type="triangle"/>
+          </a:ln>
+        </p:spPr>
+        <p:style>
+          <a:lnRef idx="1">
+            <a:schemeClr val="accent1"/>
+          </a:lnRef>
+          <a:fillRef idx="0">
+            <a:schemeClr val="accent1"/>
+          </a:fillRef>
+          <a:effectRef idx="0">
+            <a:schemeClr val="accent1"/>
+          </a:effectRef>
+          <a:fontRef idx="minor">
+            <a:schemeClr val="tx1"/>
+          </a:fontRef>
+        </p:style>
+      </p:cxnSp>
+      <p:sp>
+        <p:nvSpPr>
+          <p:cNvPr id="36" name="TextBox 35">
+            <a:extLst>
+              <a:ext uri="{FF2B5EF4-FFF2-40B4-BE49-F238E27FC236}">
+                <a16:creationId xmlns:a16="http://schemas.microsoft.com/office/drawing/2014/main" id="{E4A9ECCD-134E-5349-B5B2-E8DE4EDC095C}"/>
+              </a:ext>
+            </a:extLst>
+          </p:cNvPr>
+          <p:cNvSpPr txBox="1"/>
+          <p:nvPr/>
+        </p:nvSpPr>
+        <p:spPr>
+          <a:xfrm>
+            <a:off x="6390045" y="4290090"/>
+            <a:ext cx="1063048" cy="369332"/>
+          </a:xfrm>
+          <a:prstGeom prst="rect">
+            <a:avLst/>
+          </a:prstGeom>
+          <a:noFill/>
+        </p:spPr>
+        <p:txBody>
+          <a:bodyPr wrap="none" rtlCol="0">
+            <a:spAutoFit/>
+          </a:bodyPr>
+          <a:lstStyle/>
+          <a:p>
+            <a:r>
+              <a:rPr lang="en-GB" dirty="0"/>
+              <a:t>overrides</a:t>
+            </a:r>
+          </a:p>
+        </p:txBody>
+      </p:sp>
+      <p:sp>
+        <p:nvSpPr>
+          <p:cNvPr id="40" name="Arc 39">
+            <a:extLst>
+              <a:ext uri="{FF2B5EF4-FFF2-40B4-BE49-F238E27FC236}">
+                <a16:creationId xmlns:a16="http://schemas.microsoft.com/office/drawing/2014/main" id="{925B7FC0-AA66-F545-8D38-01A05AB7B683}"/>
+              </a:ext>
+            </a:extLst>
+          </p:cNvPr>
+          <p:cNvSpPr/>
+          <p:nvPr/>
+        </p:nvSpPr>
+        <p:spPr>
+          <a:xfrm>
+            <a:off x="4942230" y="2585112"/>
+            <a:ext cx="3781835" cy="3250096"/>
+          </a:xfrm>
+          <a:prstGeom prst="arc">
+            <a:avLst>
+              <a:gd name="adj1" fmla="val 21272881"/>
+              <a:gd name="adj2" fmla="val 5668366"/>
+            </a:avLst>
+          </a:prstGeom>
+          <a:ln w="12700">
+            <a:solidFill>
+              <a:schemeClr val="tx1">
+                <a:lumMod val="75000"/>
+                <a:lumOff val="25000"/>
+              </a:schemeClr>
+            </a:solidFill>
+            <a:headEnd type="triangle" w="med" len="med"/>
+            <a:tailEnd type="none" w="med" len="med"/>
+          </a:ln>
+        </p:spPr>
+        <p:style>
+          <a:lnRef idx="1">
+            <a:schemeClr val="accent1"/>
+          </a:lnRef>
+          <a:fillRef idx="0">
+            <a:schemeClr val="accent1"/>
+          </a:fillRef>
+          <a:effectRef idx="0">
+            <a:schemeClr val="accent1"/>
+          </a:effectRef>
+          <a:fontRef idx="minor">
+            <a:schemeClr val="tx1"/>
+          </a:fontRef>
+        </p:style>
+        <p:txBody>
+          <a:bodyPr rtlCol="0" anchor="ctr"/>
+          <a:lstStyle/>
+          <a:p>
+            <a:pPr algn="ctr"/>
+            <a:endParaRPr lang="en-GB"/>
+          </a:p>
+        </p:txBody>
+      </p:sp>
+      <p:sp>
+        <p:nvSpPr>
+          <p:cNvPr id="41" name="TextBox 40">
+            <a:extLst>
+              <a:ext uri="{FF2B5EF4-FFF2-40B4-BE49-F238E27FC236}">
+                <a16:creationId xmlns:a16="http://schemas.microsoft.com/office/drawing/2014/main" id="{A6A6BC6B-9B6F-024C-BC73-0E8A75221B0C}"/>
+              </a:ext>
+            </a:extLst>
+          </p:cNvPr>
+          <p:cNvSpPr txBox="1"/>
+          <p:nvPr/>
+        </p:nvSpPr>
+        <p:spPr>
+          <a:xfrm>
+            <a:off x="8350342" y="5051524"/>
+            <a:ext cx="1298241" cy="369332"/>
+          </a:xfrm>
+          <a:prstGeom prst="rect">
+            <a:avLst/>
+          </a:prstGeom>
+          <a:noFill/>
+        </p:spPr>
+        <p:txBody>
+          <a:bodyPr wrap="none" rtlCol="0">
+            <a:spAutoFit/>
+          </a:bodyPr>
+          <a:lstStyle/>
+          <a:p>
+            <a:r>
+              <a:rPr lang="en-GB" i="1" dirty="0"/>
+              <a:t>implements</a:t>
+            </a:r>
+          </a:p>
+        </p:txBody>
+      </p:sp>
+    </p:spTree>
+    <p:extLst>
+      <p:ext uri="{BB962C8B-B14F-4D97-AF65-F5344CB8AC3E}">
+        <p14:creationId xmlns:p14="http://schemas.microsoft.com/office/powerpoint/2010/main" val="2944514101"/>
+      </p:ext>
+    </p:extLst>
+  </p:cSld>
+  <p:clrMapOvr>
+    <a:masterClrMapping/>
+  </p:clrMapOvr>
+</p:sld>
+</file>
+
+<file path=ppt/slides/slide22.xml><?xml version="1.0" encoding="utf-8"?>
+<p:sld xmlns:a="http://schemas.openxmlformats.org/drawingml/2006/main" xmlns:r="http://schemas.openxmlformats.org/officeDocument/2006/relationships" xmlns:p="http://schemas.openxmlformats.org/presentationml/2006/main">
+  <p:cSld>
+    <p:spTree>
+      <p:nvGrpSpPr>
+        <p:cNvPr id="1" name=""/>
+        <p:cNvGrpSpPr/>
+        <p:nvPr/>
+      </p:nvGrpSpPr>
+      <p:grpSpPr>
+        <a:xfrm>
+          <a:off x="0" y="0"/>
+          <a:ext cx="0" cy="0"/>
+          <a:chOff x="0" y="0"/>
+          <a:chExt cx="0" cy="0"/>
+        </a:xfrm>
+      </p:grpSpPr>
     </p:spTree>
     <p:extLst>
       <p:ext uri="{BB962C8B-B14F-4D97-AF65-F5344CB8AC3E}">
@@ -11455,7 +12692,7 @@
 </p:sld>
 </file>
 
-<file path=ppt/slides/slide22.xml><?xml version="1.0" encoding="utf-8"?>
+<file path=ppt/slides/slide23.xml><?xml version="1.0" encoding="utf-8"?>
 <p:sld xmlns:a="http://schemas.openxmlformats.org/drawingml/2006/main" xmlns:r="http://schemas.openxmlformats.org/officeDocument/2006/relationships" xmlns:p="http://schemas.openxmlformats.org/presentationml/2006/main">
   <p:cSld>
     <p:spTree>

--- a/assets/images/Images.pptx
+++ b/assets/images/Images.pptx
@@ -5,7 +5,7 @@
     <p:sldMasterId id="2147483648" r:id="rId1"/>
   </p:sldMasterIdLst>
   <p:notesMasterIdLst>
-    <p:notesMasterId r:id="rId25"/>
+    <p:notesMasterId r:id="rId27"/>
   </p:notesMasterIdLst>
   <p:sldIdLst>
     <p:sldId id="257" r:id="rId2"/>
@@ -29,8 +29,10 @@
     <p:sldId id="276" r:id="rId20"/>
     <p:sldId id="277" r:id="rId21"/>
     <p:sldId id="278" r:id="rId22"/>
-    <p:sldId id="270" r:id="rId23"/>
-    <p:sldId id="256" r:id="rId24"/>
+    <p:sldId id="279" r:id="rId23"/>
+    <p:sldId id="280" r:id="rId24"/>
+    <p:sldId id="270" r:id="rId25"/>
+    <p:sldId id="256" r:id="rId26"/>
   </p:sldIdLst>
   <p:sldSz cx="12192000" cy="6858000"/>
   <p:notesSz cx="6858000" cy="9144000"/>
@@ -167,6 +169,8 @@
             <p14:sldId id="276"/>
             <p14:sldId id="277"/>
             <p14:sldId id="278"/>
+            <p14:sldId id="279"/>
+            <p14:sldId id="280"/>
           </p14:sldIdLst>
         </p14:section>
         <p14:section name="Collections - Arrays &amp; Java Heap" id="{A77C8035-645E-BC41-A860-8F1EAD9648FF}">
@@ -273,7 +277,7 @@
           <a:p>
             <a:fld id="{F0373C07-0034-D84F-B0CB-1249B408AEAD}" type="datetimeFigureOut">
               <a:rPr lang="en-GB" smtClean="0"/>
-              <a:t>03/06/2020</a:t>
+              <a:t>04/06/2020</a:t>
             </a:fld>
             <a:endParaRPr lang="en-GB"/>
           </a:p>
@@ -941,7 +945,7 @@
           <a:p>
             <a:fld id="{11A96E62-EC5F-C045-9FEB-EDD3A98888BE}" type="slidenum">
               <a:rPr lang="en-GB" smtClean="0"/>
-              <a:t>23</a:t>
+              <a:t>25</a:t>
             </a:fld>
             <a:endParaRPr lang="en-GB"/>
           </a:p>
@@ -1107,7 +1111,7 @@
           <a:p>
             <a:fld id="{1277814B-86DA-1A43-BEBE-BB22F0FBA56B}" type="datetimeFigureOut">
               <a:rPr lang="en-GB" smtClean="0"/>
-              <a:t>03/06/2020</a:t>
+              <a:t>04/06/2020</a:t>
             </a:fld>
             <a:endParaRPr lang="en-GB"/>
           </a:p>
@@ -1305,7 +1309,7 @@
           <a:p>
             <a:fld id="{1277814B-86DA-1A43-BEBE-BB22F0FBA56B}" type="datetimeFigureOut">
               <a:rPr lang="en-GB" smtClean="0"/>
-              <a:t>03/06/2020</a:t>
+              <a:t>04/06/2020</a:t>
             </a:fld>
             <a:endParaRPr lang="en-GB"/>
           </a:p>
@@ -1513,7 +1517,7 @@
           <a:p>
             <a:fld id="{1277814B-86DA-1A43-BEBE-BB22F0FBA56B}" type="datetimeFigureOut">
               <a:rPr lang="en-GB" smtClean="0"/>
-              <a:t>03/06/2020</a:t>
+              <a:t>04/06/2020</a:t>
             </a:fld>
             <a:endParaRPr lang="en-GB"/>
           </a:p>
@@ -1711,7 +1715,7 @@
           <a:p>
             <a:fld id="{1277814B-86DA-1A43-BEBE-BB22F0FBA56B}" type="datetimeFigureOut">
               <a:rPr lang="en-GB" smtClean="0"/>
-              <a:t>03/06/2020</a:t>
+              <a:t>04/06/2020</a:t>
             </a:fld>
             <a:endParaRPr lang="en-GB"/>
           </a:p>
@@ -1986,7 +1990,7 @@
           <a:p>
             <a:fld id="{1277814B-86DA-1A43-BEBE-BB22F0FBA56B}" type="datetimeFigureOut">
               <a:rPr lang="en-GB" smtClean="0"/>
-              <a:t>03/06/2020</a:t>
+              <a:t>04/06/2020</a:t>
             </a:fld>
             <a:endParaRPr lang="en-GB"/>
           </a:p>
@@ -2251,7 +2255,7 @@
           <a:p>
             <a:fld id="{1277814B-86DA-1A43-BEBE-BB22F0FBA56B}" type="datetimeFigureOut">
               <a:rPr lang="en-GB" smtClean="0"/>
-              <a:t>03/06/2020</a:t>
+              <a:t>04/06/2020</a:t>
             </a:fld>
             <a:endParaRPr lang="en-GB"/>
           </a:p>
@@ -2663,7 +2667,7 @@
           <a:p>
             <a:fld id="{1277814B-86DA-1A43-BEBE-BB22F0FBA56B}" type="datetimeFigureOut">
               <a:rPr lang="en-GB" smtClean="0"/>
-              <a:t>03/06/2020</a:t>
+              <a:t>04/06/2020</a:t>
             </a:fld>
             <a:endParaRPr lang="en-GB"/>
           </a:p>
@@ -2804,7 +2808,7 @@
           <a:p>
             <a:fld id="{1277814B-86DA-1A43-BEBE-BB22F0FBA56B}" type="datetimeFigureOut">
               <a:rPr lang="en-GB" smtClean="0"/>
-              <a:t>03/06/2020</a:t>
+              <a:t>04/06/2020</a:t>
             </a:fld>
             <a:endParaRPr lang="en-GB"/>
           </a:p>
@@ -2917,7 +2921,7 @@
           <a:p>
             <a:fld id="{1277814B-86DA-1A43-BEBE-BB22F0FBA56B}" type="datetimeFigureOut">
               <a:rPr lang="en-GB" smtClean="0"/>
-              <a:t>03/06/2020</a:t>
+              <a:t>04/06/2020</a:t>
             </a:fld>
             <a:endParaRPr lang="en-GB"/>
           </a:p>
@@ -3228,7 +3232,7 @@
           <a:p>
             <a:fld id="{1277814B-86DA-1A43-BEBE-BB22F0FBA56B}" type="datetimeFigureOut">
               <a:rPr lang="en-GB" smtClean="0"/>
-              <a:t>03/06/2020</a:t>
+              <a:t>04/06/2020</a:t>
             </a:fld>
             <a:endParaRPr lang="en-GB"/>
           </a:p>
@@ -3516,7 +3520,7 @@
           <a:p>
             <a:fld id="{1277814B-86DA-1A43-BEBE-BB22F0FBA56B}" type="datetimeFigureOut">
               <a:rPr lang="en-GB" smtClean="0"/>
-              <a:t>03/06/2020</a:t>
+              <a:t>04/06/2020</a:t>
             </a:fld>
             <a:endParaRPr lang="en-GB"/>
           </a:p>
@@ -3757,7 +3761,7 @@
           <a:p>
             <a:fld id="{1277814B-86DA-1A43-BEBE-BB22F0FBA56B}" type="datetimeFigureOut">
               <a:rPr lang="en-GB" smtClean="0"/>
-              <a:t>03/06/2020</a:t>
+              <a:t>04/06/2020</a:t>
             </a:fld>
             <a:endParaRPr lang="en-GB"/>
           </a:p>
@@ -12679,6 +12683,377 @@
           <a:chExt cx="0" cy="0"/>
         </a:xfrm>
       </p:grpSpPr>
+      <p:pic>
+        <p:nvPicPr>
+          <p:cNvPr id="4" name="Picture 3">
+            <a:extLst>
+              <a:ext uri="{FF2B5EF4-FFF2-40B4-BE49-F238E27FC236}">
+                <a16:creationId xmlns:a16="http://schemas.microsoft.com/office/drawing/2014/main" id="{C1AFB156-057D-184D-B1D3-4B717B7CB8AB}"/>
+              </a:ext>
+            </a:extLst>
+          </p:cNvPr>
+          <p:cNvPicPr>
+            <a:picLocks noChangeAspect="1"/>
+          </p:cNvPicPr>
+          <p:nvPr/>
+        </p:nvPicPr>
+        <p:blipFill>
+          <a:blip r:embed="rId2"/>
+          <a:stretch>
+            <a:fillRect/>
+          </a:stretch>
+        </p:blipFill>
+        <p:spPr>
+          <a:xfrm>
+            <a:off x="2584450" y="1524000"/>
+            <a:ext cx="7023100" cy="3810000"/>
+          </a:xfrm>
+          <a:prstGeom prst="rect">
+            <a:avLst/>
+          </a:prstGeom>
+        </p:spPr>
+      </p:pic>
+      <p:sp>
+        <p:nvSpPr>
+          <p:cNvPr id="8" name="TextBox 7">
+            <a:extLst>
+              <a:ext uri="{FF2B5EF4-FFF2-40B4-BE49-F238E27FC236}">
+                <a16:creationId xmlns:a16="http://schemas.microsoft.com/office/drawing/2014/main" id="{C915ACC9-866A-2449-923F-9A1059FA823D}"/>
+              </a:ext>
+            </a:extLst>
+          </p:cNvPr>
+          <p:cNvSpPr txBox="1"/>
+          <p:nvPr/>
+        </p:nvSpPr>
+        <p:spPr>
+          <a:xfrm>
+            <a:off x="4416245" y="2035938"/>
+            <a:ext cx="3359509" cy="369332"/>
+          </a:xfrm>
+          <a:prstGeom prst="rect">
+            <a:avLst/>
+          </a:prstGeom>
+          <a:noFill/>
+        </p:spPr>
+        <p:txBody>
+          <a:bodyPr wrap="none" rtlCol="0">
+            <a:spAutoFit/>
+          </a:bodyPr>
+          <a:lstStyle/>
+          <a:p>
+            <a:r>
+              <a:rPr lang="en-GB" dirty="0">
+                <a:solidFill>
+                  <a:srgbClr val="FF0000"/>
+                </a:solidFill>
+              </a:rPr>
+              <a:t>Creates an inner anonymous class</a:t>
+            </a:r>
+          </a:p>
+        </p:txBody>
+      </p:sp>
+      <p:sp>
+        <p:nvSpPr>
+          <p:cNvPr id="9" name="Freeform 8">
+            <a:extLst>
+              <a:ext uri="{FF2B5EF4-FFF2-40B4-BE49-F238E27FC236}">
+                <a16:creationId xmlns:a16="http://schemas.microsoft.com/office/drawing/2014/main" id="{BE9BD999-2FE9-C64A-A1E6-B9B4FB15B6B3}"/>
+              </a:ext>
+            </a:extLst>
+          </p:cNvPr>
+          <p:cNvSpPr/>
+          <p:nvPr/>
+        </p:nvSpPr>
+        <p:spPr>
+          <a:xfrm>
+            <a:off x="3235071" y="2405270"/>
+            <a:ext cx="3528392" cy="2117034"/>
+          </a:xfrm>
+          <a:custGeom>
+            <a:avLst/>
+            <a:gdLst>
+              <a:gd name="connsiteX0" fmla="*/ 2256183 w 3528392"/>
+              <a:gd name="connsiteY0" fmla="*/ 0 h 2117034"/>
+              <a:gd name="connsiteX1" fmla="*/ 3508514 w 3528392"/>
+              <a:gd name="connsiteY1" fmla="*/ 0 h 2117034"/>
+              <a:gd name="connsiteX2" fmla="*/ 3528392 w 3528392"/>
+              <a:gd name="connsiteY2" fmla="*/ 2047460 h 2117034"/>
+              <a:gd name="connsiteX3" fmla="*/ 0 w 3528392"/>
+              <a:gd name="connsiteY3" fmla="*/ 2117034 h 2117034"/>
+              <a:gd name="connsiteX4" fmla="*/ 0 w 3528392"/>
+              <a:gd name="connsiteY4" fmla="*/ 327991 h 2117034"/>
+              <a:gd name="connsiteX5" fmla="*/ 2206487 w 3528392"/>
+              <a:gd name="connsiteY5" fmla="*/ 337930 h 2117034"/>
+              <a:gd name="connsiteX6" fmla="*/ 2256183 w 3528392"/>
+              <a:gd name="connsiteY6" fmla="*/ 0 h 2117034"/>
+            </a:gdLst>
+            <a:ahLst/>
+            <a:cxnLst>
+              <a:cxn ang="0">
+                <a:pos x="connsiteX0" y="connsiteY0"/>
+              </a:cxn>
+              <a:cxn ang="0">
+                <a:pos x="connsiteX1" y="connsiteY1"/>
+              </a:cxn>
+              <a:cxn ang="0">
+                <a:pos x="connsiteX2" y="connsiteY2"/>
+              </a:cxn>
+              <a:cxn ang="0">
+                <a:pos x="connsiteX3" y="connsiteY3"/>
+              </a:cxn>
+              <a:cxn ang="0">
+                <a:pos x="connsiteX4" y="connsiteY4"/>
+              </a:cxn>
+              <a:cxn ang="0">
+                <a:pos x="connsiteX5" y="connsiteY5"/>
+              </a:cxn>
+              <a:cxn ang="0">
+                <a:pos x="connsiteX6" y="connsiteY6"/>
+              </a:cxn>
+            </a:cxnLst>
+            <a:rect l="l" t="t" r="r" b="b"/>
+            <a:pathLst>
+              <a:path w="3528392" h="2117034">
+                <a:moveTo>
+                  <a:pt x="2256183" y="0"/>
+                </a:moveTo>
+                <a:lnTo>
+                  <a:pt x="3508514" y="0"/>
+                </a:lnTo>
+                <a:lnTo>
+                  <a:pt x="3528392" y="2047460"/>
+                </a:lnTo>
+                <a:lnTo>
+                  <a:pt x="0" y="2117034"/>
+                </a:lnTo>
+                <a:lnTo>
+                  <a:pt x="0" y="327991"/>
+                </a:lnTo>
+                <a:lnTo>
+                  <a:pt x="2206487" y="337930"/>
+                </a:lnTo>
+                <a:lnTo>
+                  <a:pt x="2256183" y="0"/>
+                </a:lnTo>
+                <a:close/>
+              </a:path>
+            </a:pathLst>
+          </a:custGeom>
+          <a:noFill/>
+          <a:ln w="38100">
+            <a:solidFill>
+              <a:srgbClr val="FF0000"/>
+            </a:solidFill>
+          </a:ln>
+          <a:effectLst/>
+        </p:spPr>
+        <p:style>
+          <a:lnRef idx="2">
+            <a:schemeClr val="accent1">
+              <a:shade val="50000"/>
+            </a:schemeClr>
+          </a:lnRef>
+          <a:fillRef idx="1">
+            <a:schemeClr val="accent1"/>
+          </a:fillRef>
+          <a:effectRef idx="0">
+            <a:schemeClr val="accent1"/>
+          </a:effectRef>
+          <a:fontRef idx="minor">
+            <a:schemeClr val="lt1"/>
+          </a:fontRef>
+        </p:style>
+        <p:txBody>
+          <a:bodyPr rtlCol="0" anchor="ctr"/>
+          <a:lstStyle/>
+          <a:p>
+            <a:pPr algn="ctr"/>
+            <a:endParaRPr lang="en-GB" dirty="0"/>
+          </a:p>
+        </p:txBody>
+      </p:sp>
+    </p:spTree>
+    <p:extLst>
+      <p:ext uri="{BB962C8B-B14F-4D97-AF65-F5344CB8AC3E}">
+        <p14:creationId xmlns:p14="http://schemas.microsoft.com/office/powerpoint/2010/main" val="3801480591"/>
+      </p:ext>
+    </p:extLst>
+  </p:cSld>
+  <p:clrMapOvr>
+    <a:masterClrMapping/>
+  </p:clrMapOvr>
+</p:sld>
+</file>
+
+<file path=ppt/slides/slide23.xml><?xml version="1.0" encoding="utf-8"?>
+<p:sld xmlns:a="http://schemas.openxmlformats.org/drawingml/2006/main" xmlns:r="http://schemas.openxmlformats.org/officeDocument/2006/relationships" xmlns:p="http://schemas.openxmlformats.org/presentationml/2006/main">
+  <p:cSld>
+    <p:spTree>
+      <p:nvGrpSpPr>
+        <p:cNvPr id="1" name=""/>
+        <p:cNvGrpSpPr/>
+        <p:nvPr/>
+      </p:nvGrpSpPr>
+      <p:grpSpPr>
+        <a:xfrm>
+          <a:off x="0" y="0"/>
+          <a:ext cx="0" cy="0"/>
+          <a:chOff x="0" y="0"/>
+          <a:chExt cx="0" cy="0"/>
+        </a:xfrm>
+      </p:grpSpPr>
+      <p:pic>
+        <p:nvPicPr>
+          <p:cNvPr id="4" name="Picture 3">
+            <a:extLst>
+              <a:ext uri="{FF2B5EF4-FFF2-40B4-BE49-F238E27FC236}">
+                <a16:creationId xmlns:a16="http://schemas.microsoft.com/office/drawing/2014/main" id="{C1AFB156-057D-184D-B1D3-4B717B7CB8AB}"/>
+              </a:ext>
+            </a:extLst>
+          </p:cNvPr>
+          <p:cNvPicPr>
+            <a:picLocks noChangeAspect="1"/>
+          </p:cNvPicPr>
+          <p:nvPr/>
+        </p:nvPicPr>
+        <p:blipFill>
+          <a:blip r:embed="rId2"/>
+          <a:stretch>
+            <a:fillRect/>
+          </a:stretch>
+        </p:blipFill>
+        <p:spPr>
+          <a:xfrm>
+            <a:off x="2584450" y="1524000"/>
+            <a:ext cx="7023100" cy="3810000"/>
+          </a:xfrm>
+          <a:prstGeom prst="rect">
+            <a:avLst/>
+          </a:prstGeom>
+        </p:spPr>
+      </p:pic>
+      <p:sp>
+        <p:nvSpPr>
+          <p:cNvPr id="8" name="TextBox 7">
+            <a:extLst>
+              <a:ext uri="{FF2B5EF4-FFF2-40B4-BE49-F238E27FC236}">
+                <a16:creationId xmlns:a16="http://schemas.microsoft.com/office/drawing/2014/main" id="{C915ACC9-866A-2449-923F-9A1059FA823D}"/>
+              </a:ext>
+            </a:extLst>
+          </p:cNvPr>
+          <p:cNvSpPr txBox="1"/>
+          <p:nvPr/>
+        </p:nvSpPr>
+        <p:spPr>
+          <a:xfrm>
+            <a:off x="3518704" y="4259484"/>
+            <a:ext cx="3437682" cy="646331"/>
+          </a:xfrm>
+          <a:prstGeom prst="rect">
+            <a:avLst/>
+          </a:prstGeom>
+          <a:noFill/>
+        </p:spPr>
+        <p:txBody>
+          <a:bodyPr wrap="square" rtlCol="0">
+            <a:spAutoFit/>
+          </a:bodyPr>
+          <a:lstStyle/>
+          <a:p>
+            <a:pPr algn="ctr"/>
+            <a:r>
+              <a:rPr lang="en-GB" dirty="0">
+                <a:solidFill>
+                  <a:srgbClr val="FF0000"/>
+                </a:solidFill>
+              </a:rPr>
+              <a:t>Creates an initialisation block within the inner anonymous class</a:t>
+            </a:r>
+          </a:p>
+        </p:txBody>
+      </p:sp>
+      <p:sp>
+        <p:nvSpPr>
+          <p:cNvPr id="2" name="Rectangle 1">
+            <a:extLst>
+              <a:ext uri="{FF2B5EF4-FFF2-40B4-BE49-F238E27FC236}">
+                <a16:creationId xmlns:a16="http://schemas.microsoft.com/office/drawing/2014/main" id="{8FFF884E-BA97-D54B-BD9D-32BCA450A4DE}"/>
+              </a:ext>
+            </a:extLst>
+          </p:cNvPr>
+          <p:cNvSpPr/>
+          <p:nvPr/>
+        </p:nvSpPr>
+        <p:spPr>
+          <a:xfrm>
+            <a:off x="3518704" y="2731625"/>
+            <a:ext cx="3437681" cy="1527859"/>
+          </a:xfrm>
+          <a:prstGeom prst="rect">
+            <a:avLst/>
+          </a:prstGeom>
+          <a:noFill/>
+          <a:ln w="38100">
+            <a:solidFill>
+              <a:srgbClr val="FF0000"/>
+            </a:solidFill>
+          </a:ln>
+        </p:spPr>
+        <p:style>
+          <a:lnRef idx="2">
+            <a:schemeClr val="accent1">
+              <a:shade val="50000"/>
+            </a:schemeClr>
+          </a:lnRef>
+          <a:fillRef idx="1">
+            <a:schemeClr val="accent1"/>
+          </a:fillRef>
+          <a:effectRef idx="0">
+            <a:schemeClr val="accent1"/>
+          </a:effectRef>
+          <a:fontRef idx="minor">
+            <a:schemeClr val="lt1"/>
+          </a:fontRef>
+        </p:style>
+        <p:txBody>
+          <a:bodyPr rtlCol="0" anchor="ctr"/>
+          <a:lstStyle/>
+          <a:p>
+            <a:pPr algn="ctr"/>
+            <a:endParaRPr lang="en-GB"/>
+          </a:p>
+        </p:txBody>
+      </p:sp>
+    </p:spTree>
+    <p:extLst>
+      <p:ext uri="{BB962C8B-B14F-4D97-AF65-F5344CB8AC3E}">
+        <p14:creationId xmlns:p14="http://schemas.microsoft.com/office/powerpoint/2010/main" val="2238525586"/>
+      </p:ext>
+    </p:extLst>
+  </p:cSld>
+  <p:clrMapOvr>
+    <a:masterClrMapping/>
+  </p:clrMapOvr>
+</p:sld>
+</file>
+
+<file path=ppt/slides/slide24.xml><?xml version="1.0" encoding="utf-8"?>
+<p:sld xmlns:a="http://schemas.openxmlformats.org/drawingml/2006/main" xmlns:r="http://schemas.openxmlformats.org/officeDocument/2006/relationships" xmlns:p="http://schemas.openxmlformats.org/presentationml/2006/main">
+  <p:cSld>
+    <p:spTree>
+      <p:nvGrpSpPr>
+        <p:cNvPr id="1" name=""/>
+        <p:cNvGrpSpPr/>
+        <p:nvPr/>
+      </p:nvGrpSpPr>
+      <p:grpSpPr>
+        <a:xfrm>
+          <a:off x="0" y="0"/>
+          <a:ext cx="0" cy="0"/>
+          <a:chOff x="0" y="0"/>
+          <a:chExt cx="0" cy="0"/>
+        </a:xfrm>
+      </p:grpSpPr>
     </p:spTree>
     <p:extLst>
       <p:ext uri="{BB962C8B-B14F-4D97-AF65-F5344CB8AC3E}">
@@ -12692,7 +13067,7 @@
 </p:sld>
 </file>
 
-<file path=ppt/slides/slide23.xml><?xml version="1.0" encoding="utf-8"?>
+<file path=ppt/slides/slide25.xml><?xml version="1.0" encoding="utf-8"?>
 <p:sld xmlns:a="http://schemas.openxmlformats.org/drawingml/2006/main" xmlns:r="http://schemas.openxmlformats.org/officeDocument/2006/relationships" xmlns:p="http://schemas.openxmlformats.org/presentationml/2006/main">
   <p:cSld>
     <p:spTree>

--- a/assets/images/Images.pptx
+++ b/assets/images/Images.pptx
@@ -5,7 +5,7 @@
     <p:sldMasterId id="2147483648" r:id="rId1"/>
   </p:sldMasterIdLst>
   <p:notesMasterIdLst>
-    <p:notesMasterId r:id="rId27"/>
+    <p:notesMasterId r:id="rId28"/>
   </p:notesMasterIdLst>
   <p:sldIdLst>
     <p:sldId id="257" r:id="rId2"/>
@@ -31,8 +31,9 @@
     <p:sldId id="278" r:id="rId22"/>
     <p:sldId id="279" r:id="rId23"/>
     <p:sldId id="280" r:id="rId24"/>
-    <p:sldId id="270" r:id="rId25"/>
-    <p:sldId id="256" r:id="rId26"/>
+    <p:sldId id="281" r:id="rId25"/>
+    <p:sldId id="270" r:id="rId26"/>
+    <p:sldId id="256" r:id="rId27"/>
   </p:sldIdLst>
   <p:sldSz cx="12192000" cy="6858000"/>
   <p:notesSz cx="6858000" cy="9144000"/>
@@ -171,6 +172,7 @@
             <p14:sldId id="278"/>
             <p14:sldId id="279"/>
             <p14:sldId id="280"/>
+            <p14:sldId id="281"/>
           </p14:sldIdLst>
         </p14:section>
         <p14:section name="Collections - Arrays &amp; Java Heap" id="{A77C8035-645E-BC41-A860-8F1EAD9648FF}">
@@ -277,7 +279,7 @@
           <a:p>
             <a:fld id="{F0373C07-0034-D84F-B0CB-1249B408AEAD}" type="datetimeFigureOut">
               <a:rPr lang="en-GB" smtClean="0"/>
-              <a:t>04/06/2020</a:t>
+              <a:t>05/06/2020</a:t>
             </a:fld>
             <a:endParaRPr lang="en-GB"/>
           </a:p>
@@ -945,7 +947,7 @@
           <a:p>
             <a:fld id="{11A96E62-EC5F-C045-9FEB-EDD3A98888BE}" type="slidenum">
               <a:rPr lang="en-GB" smtClean="0"/>
-              <a:t>25</a:t>
+              <a:t>26</a:t>
             </a:fld>
             <a:endParaRPr lang="en-GB"/>
           </a:p>
@@ -1111,7 +1113,7 @@
           <a:p>
             <a:fld id="{1277814B-86DA-1A43-BEBE-BB22F0FBA56B}" type="datetimeFigureOut">
               <a:rPr lang="en-GB" smtClean="0"/>
-              <a:t>04/06/2020</a:t>
+              <a:t>05/06/2020</a:t>
             </a:fld>
             <a:endParaRPr lang="en-GB"/>
           </a:p>
@@ -1309,7 +1311,7 @@
           <a:p>
             <a:fld id="{1277814B-86DA-1A43-BEBE-BB22F0FBA56B}" type="datetimeFigureOut">
               <a:rPr lang="en-GB" smtClean="0"/>
-              <a:t>04/06/2020</a:t>
+              <a:t>05/06/2020</a:t>
             </a:fld>
             <a:endParaRPr lang="en-GB"/>
           </a:p>
@@ -1517,7 +1519,7 @@
           <a:p>
             <a:fld id="{1277814B-86DA-1A43-BEBE-BB22F0FBA56B}" type="datetimeFigureOut">
               <a:rPr lang="en-GB" smtClean="0"/>
-              <a:t>04/06/2020</a:t>
+              <a:t>05/06/2020</a:t>
             </a:fld>
             <a:endParaRPr lang="en-GB"/>
           </a:p>
@@ -1715,7 +1717,7 @@
           <a:p>
             <a:fld id="{1277814B-86DA-1A43-BEBE-BB22F0FBA56B}" type="datetimeFigureOut">
               <a:rPr lang="en-GB" smtClean="0"/>
-              <a:t>04/06/2020</a:t>
+              <a:t>05/06/2020</a:t>
             </a:fld>
             <a:endParaRPr lang="en-GB"/>
           </a:p>
@@ -1990,7 +1992,7 @@
           <a:p>
             <a:fld id="{1277814B-86DA-1A43-BEBE-BB22F0FBA56B}" type="datetimeFigureOut">
               <a:rPr lang="en-GB" smtClean="0"/>
-              <a:t>04/06/2020</a:t>
+              <a:t>05/06/2020</a:t>
             </a:fld>
             <a:endParaRPr lang="en-GB"/>
           </a:p>
@@ -2255,7 +2257,7 @@
           <a:p>
             <a:fld id="{1277814B-86DA-1A43-BEBE-BB22F0FBA56B}" type="datetimeFigureOut">
               <a:rPr lang="en-GB" smtClean="0"/>
-              <a:t>04/06/2020</a:t>
+              <a:t>05/06/2020</a:t>
             </a:fld>
             <a:endParaRPr lang="en-GB"/>
           </a:p>
@@ -2667,7 +2669,7 @@
           <a:p>
             <a:fld id="{1277814B-86DA-1A43-BEBE-BB22F0FBA56B}" type="datetimeFigureOut">
               <a:rPr lang="en-GB" smtClean="0"/>
-              <a:t>04/06/2020</a:t>
+              <a:t>05/06/2020</a:t>
             </a:fld>
             <a:endParaRPr lang="en-GB"/>
           </a:p>
@@ -2808,7 +2810,7 @@
           <a:p>
             <a:fld id="{1277814B-86DA-1A43-BEBE-BB22F0FBA56B}" type="datetimeFigureOut">
               <a:rPr lang="en-GB" smtClean="0"/>
-              <a:t>04/06/2020</a:t>
+              <a:t>05/06/2020</a:t>
             </a:fld>
             <a:endParaRPr lang="en-GB"/>
           </a:p>
@@ -2921,7 +2923,7 @@
           <a:p>
             <a:fld id="{1277814B-86DA-1A43-BEBE-BB22F0FBA56B}" type="datetimeFigureOut">
               <a:rPr lang="en-GB" smtClean="0"/>
-              <a:t>04/06/2020</a:t>
+              <a:t>05/06/2020</a:t>
             </a:fld>
             <a:endParaRPr lang="en-GB"/>
           </a:p>
@@ -3232,7 +3234,7 @@
           <a:p>
             <a:fld id="{1277814B-86DA-1A43-BEBE-BB22F0FBA56B}" type="datetimeFigureOut">
               <a:rPr lang="en-GB" smtClean="0"/>
-              <a:t>04/06/2020</a:t>
+              <a:t>05/06/2020</a:t>
             </a:fld>
             <a:endParaRPr lang="en-GB"/>
           </a:p>
@@ -3520,7 +3522,7 @@
           <a:p>
             <a:fld id="{1277814B-86DA-1A43-BEBE-BB22F0FBA56B}" type="datetimeFigureOut">
               <a:rPr lang="en-GB" smtClean="0"/>
-              <a:t>04/06/2020</a:t>
+              <a:t>05/06/2020</a:t>
             </a:fld>
             <a:endParaRPr lang="en-GB"/>
           </a:p>
@@ -3761,7 +3763,7 @@
           <a:p>
             <a:fld id="{1277814B-86DA-1A43-BEBE-BB22F0FBA56B}" type="datetimeFigureOut">
               <a:rPr lang="en-GB" smtClean="0"/>
-              <a:t>04/06/2020</a:t>
+              <a:t>05/06/2020</a:t>
             </a:fld>
             <a:endParaRPr lang="en-GB"/>
           </a:p>
@@ -13054,6 +13056,332 @@
           <a:chExt cx="0" cy="0"/>
         </a:xfrm>
       </p:grpSpPr>
+      <p:sp>
+        <p:nvSpPr>
+          <p:cNvPr id="14" name="Rectangle 13">
+            <a:extLst>
+              <a:ext uri="{FF2B5EF4-FFF2-40B4-BE49-F238E27FC236}">
+                <a16:creationId xmlns:a16="http://schemas.microsoft.com/office/drawing/2014/main" id="{F4308FB2-1561-7545-AE9B-C8290F7361F3}"/>
+              </a:ext>
+            </a:extLst>
+          </p:cNvPr>
+          <p:cNvSpPr/>
+          <p:nvPr/>
+        </p:nvSpPr>
+        <p:spPr>
+          <a:xfrm>
+            <a:off x="5459504" y="546847"/>
+            <a:ext cx="3935506" cy="5208494"/>
+          </a:xfrm>
+          <a:prstGeom prst="rect">
+            <a:avLst/>
+          </a:prstGeom>
+          <a:solidFill>
+            <a:schemeClr val="accent6">
+              <a:lumMod val="20000"/>
+              <a:lumOff val="80000"/>
+            </a:schemeClr>
+          </a:solidFill>
+          <a:ln>
+            <a:solidFill>
+              <a:schemeClr val="accent6">
+                <a:lumMod val="75000"/>
+              </a:schemeClr>
+            </a:solidFill>
+          </a:ln>
+        </p:spPr>
+        <p:style>
+          <a:lnRef idx="2">
+            <a:schemeClr val="accent1">
+              <a:shade val="50000"/>
+            </a:schemeClr>
+          </a:lnRef>
+          <a:fillRef idx="1">
+            <a:schemeClr val="accent1"/>
+          </a:fillRef>
+          <a:effectRef idx="0">
+            <a:schemeClr val="accent1"/>
+          </a:effectRef>
+          <a:fontRef idx="minor">
+            <a:schemeClr val="lt1"/>
+          </a:fontRef>
+        </p:style>
+        <p:txBody>
+          <a:bodyPr rtlCol="0" anchor="b"/>
+          <a:lstStyle/>
+          <a:p>
+            <a:pPr algn="ctr"/>
+            <a:r>
+              <a:rPr lang="en-GB" sz="3600" dirty="0">
+                <a:solidFill>
+                  <a:schemeClr val="tx1"/>
+                </a:solidFill>
+              </a:rPr>
+              <a:t>heap</a:t>
+            </a:r>
+          </a:p>
+        </p:txBody>
+      </p:sp>
+      <p:sp>
+        <p:nvSpPr>
+          <p:cNvPr id="4" name="Rectangle 3">
+            <a:extLst>
+              <a:ext uri="{FF2B5EF4-FFF2-40B4-BE49-F238E27FC236}">
+                <a16:creationId xmlns:a16="http://schemas.microsoft.com/office/drawing/2014/main" id="{BDE99851-13B7-2C40-B692-3C958C5D4CD2}"/>
+              </a:ext>
+            </a:extLst>
+          </p:cNvPr>
+          <p:cNvSpPr/>
+          <p:nvPr/>
+        </p:nvSpPr>
+        <p:spPr>
+          <a:xfrm>
+            <a:off x="6756400" y="2033793"/>
+            <a:ext cx="1971040" cy="975360"/>
+          </a:xfrm>
+          <a:prstGeom prst="rect">
+            <a:avLst/>
+          </a:prstGeom>
+          <a:ln>
+            <a:solidFill>
+              <a:schemeClr val="tx1">
+                <a:lumMod val="75000"/>
+                <a:lumOff val="25000"/>
+              </a:schemeClr>
+            </a:solidFill>
+          </a:ln>
+        </p:spPr>
+        <p:style>
+          <a:lnRef idx="2">
+            <a:schemeClr val="accent1">
+              <a:shade val="50000"/>
+            </a:schemeClr>
+          </a:lnRef>
+          <a:fillRef idx="1">
+            <a:schemeClr val="accent1"/>
+          </a:fillRef>
+          <a:effectRef idx="0">
+            <a:schemeClr val="accent1"/>
+          </a:effectRef>
+          <a:fontRef idx="minor">
+            <a:schemeClr val="lt1"/>
+          </a:fontRef>
+        </p:style>
+        <p:txBody>
+          <a:bodyPr rtlCol="0" anchor="ctr"/>
+          <a:lstStyle/>
+          <a:p>
+            <a:pPr algn="ctr"/>
+            <a:r>
+              <a:rPr lang="en-GB" dirty="0"/>
+              <a:t>Data</a:t>
+            </a:r>
+          </a:p>
+        </p:txBody>
+      </p:sp>
+      <p:sp>
+        <p:nvSpPr>
+          <p:cNvPr id="5" name="Rectangle 4">
+            <a:extLst>
+              <a:ext uri="{FF2B5EF4-FFF2-40B4-BE49-F238E27FC236}">
+                <a16:creationId xmlns:a16="http://schemas.microsoft.com/office/drawing/2014/main" id="{65D9945C-E0E8-CB46-A94D-B9DD194837C3}"/>
+              </a:ext>
+            </a:extLst>
+          </p:cNvPr>
+          <p:cNvSpPr/>
+          <p:nvPr/>
+        </p:nvSpPr>
+        <p:spPr>
+          <a:xfrm>
+            <a:off x="5770880" y="3794462"/>
+            <a:ext cx="1971040" cy="975360"/>
+          </a:xfrm>
+          <a:prstGeom prst="rect">
+            <a:avLst/>
+          </a:prstGeom>
+          <a:solidFill>
+            <a:schemeClr val="accent2">
+              <a:lumMod val="75000"/>
+            </a:schemeClr>
+          </a:solidFill>
+          <a:ln>
+            <a:solidFill>
+              <a:schemeClr val="tx1">
+                <a:lumMod val="75000"/>
+                <a:lumOff val="25000"/>
+              </a:schemeClr>
+            </a:solidFill>
+          </a:ln>
+        </p:spPr>
+        <p:style>
+          <a:lnRef idx="2">
+            <a:schemeClr val="accent1">
+              <a:shade val="50000"/>
+            </a:schemeClr>
+          </a:lnRef>
+          <a:fillRef idx="1">
+            <a:schemeClr val="accent1"/>
+          </a:fillRef>
+          <a:effectRef idx="0">
+            <a:schemeClr val="accent1"/>
+          </a:effectRef>
+          <a:fontRef idx="minor">
+            <a:schemeClr val="lt1"/>
+          </a:fontRef>
+        </p:style>
+        <p:txBody>
+          <a:bodyPr rtlCol="0" anchor="ctr"/>
+          <a:lstStyle/>
+          <a:p>
+            <a:pPr algn="ctr"/>
+            <a:r>
+              <a:rPr lang="en-GB" dirty="0"/>
+              <a:t>Rows</a:t>
+            </a:r>
+          </a:p>
+        </p:txBody>
+      </p:sp>
+      <p:cxnSp>
+        <p:nvCxnSpPr>
+          <p:cNvPr id="7" name="Straight Arrow Connector 6">
+            <a:extLst>
+              <a:ext uri="{FF2B5EF4-FFF2-40B4-BE49-F238E27FC236}">
+                <a16:creationId xmlns:a16="http://schemas.microsoft.com/office/drawing/2014/main" id="{732D0C69-C40B-EC49-86A7-1EDF84FB61F5}"/>
+              </a:ext>
+            </a:extLst>
+          </p:cNvPr>
+          <p:cNvCxnSpPr>
+            <a:cxnSpLocks/>
+            <a:stCxn id="5" idx="0"/>
+            <a:endCxn id="4" idx="2"/>
+          </p:cNvCxnSpPr>
+          <p:nvPr/>
+        </p:nvCxnSpPr>
+        <p:spPr>
+          <a:xfrm flipV="1">
+            <a:off x="6756400" y="3009153"/>
+            <a:ext cx="985520" cy="785309"/>
+          </a:xfrm>
+          <a:prstGeom prst="straightConnector1">
+            <a:avLst/>
+          </a:prstGeom>
+          <a:ln w="38100">
+            <a:solidFill>
+              <a:schemeClr val="tx1">
+                <a:lumMod val="75000"/>
+                <a:lumOff val="25000"/>
+              </a:schemeClr>
+            </a:solidFill>
+            <a:tailEnd type="triangle"/>
+          </a:ln>
+        </p:spPr>
+        <p:style>
+          <a:lnRef idx="1">
+            <a:schemeClr val="accent1"/>
+          </a:lnRef>
+          <a:fillRef idx="0">
+            <a:schemeClr val="accent1"/>
+          </a:fillRef>
+          <a:effectRef idx="0">
+            <a:schemeClr val="accent1"/>
+          </a:effectRef>
+          <a:fontRef idx="minor">
+            <a:schemeClr val="tx1"/>
+          </a:fontRef>
+        </p:style>
+      </p:cxnSp>
+      <p:sp>
+        <p:nvSpPr>
+          <p:cNvPr id="21" name="Rectangle 20">
+            <a:extLst>
+              <a:ext uri="{FF2B5EF4-FFF2-40B4-BE49-F238E27FC236}">
+                <a16:creationId xmlns:a16="http://schemas.microsoft.com/office/drawing/2014/main" id="{C9118B8B-9D6E-E342-82A1-5D1706AF0E13}"/>
+              </a:ext>
+            </a:extLst>
+          </p:cNvPr>
+          <p:cNvSpPr/>
+          <p:nvPr/>
+        </p:nvSpPr>
+        <p:spPr>
+          <a:xfrm>
+            <a:off x="5882640" y="802640"/>
+            <a:ext cx="1971040" cy="975360"/>
+          </a:xfrm>
+          <a:prstGeom prst="rect">
+            <a:avLst/>
+          </a:prstGeom>
+          <a:solidFill>
+            <a:schemeClr val="accent6">
+              <a:lumMod val="75000"/>
+            </a:schemeClr>
+          </a:solidFill>
+          <a:ln>
+            <a:solidFill>
+              <a:schemeClr val="tx1">
+                <a:lumMod val="75000"/>
+                <a:lumOff val="25000"/>
+              </a:schemeClr>
+            </a:solidFill>
+          </a:ln>
+        </p:spPr>
+        <p:style>
+          <a:lnRef idx="2">
+            <a:schemeClr val="accent1">
+              <a:shade val="50000"/>
+            </a:schemeClr>
+          </a:lnRef>
+          <a:fillRef idx="1">
+            <a:schemeClr val="accent1"/>
+          </a:fillRef>
+          <a:effectRef idx="0">
+            <a:schemeClr val="accent1"/>
+          </a:effectRef>
+          <a:fontRef idx="minor">
+            <a:schemeClr val="lt1"/>
+          </a:fontRef>
+        </p:style>
+        <p:txBody>
+          <a:bodyPr rtlCol="0" anchor="ctr"/>
+          <a:lstStyle/>
+          <a:p>
+            <a:pPr algn="ctr"/>
+            <a:r>
+              <a:rPr lang="en-GB" dirty="0"/>
+              <a:t>Rows</a:t>
+            </a:r>
+          </a:p>
+        </p:txBody>
+      </p:sp>
+    </p:spTree>
+    <p:extLst>
+      <p:ext uri="{BB962C8B-B14F-4D97-AF65-F5344CB8AC3E}">
+        <p14:creationId xmlns:p14="http://schemas.microsoft.com/office/powerpoint/2010/main" val="3148202334"/>
+      </p:ext>
+    </p:extLst>
+  </p:cSld>
+  <p:clrMapOvr>
+    <a:masterClrMapping/>
+  </p:clrMapOvr>
+</p:sld>
+</file>
+
+<file path=ppt/slides/slide25.xml><?xml version="1.0" encoding="utf-8"?>
+<p:sld xmlns:a="http://schemas.openxmlformats.org/drawingml/2006/main" xmlns:r="http://schemas.openxmlformats.org/officeDocument/2006/relationships" xmlns:p="http://schemas.openxmlformats.org/presentationml/2006/main">
+  <p:cSld>
+    <p:spTree>
+      <p:nvGrpSpPr>
+        <p:cNvPr id="1" name=""/>
+        <p:cNvGrpSpPr/>
+        <p:nvPr/>
+      </p:nvGrpSpPr>
+      <p:grpSpPr>
+        <a:xfrm>
+          <a:off x="0" y="0"/>
+          <a:ext cx="0" cy="0"/>
+          <a:chOff x="0" y="0"/>
+          <a:chExt cx="0" cy="0"/>
+        </a:xfrm>
+      </p:grpSpPr>
     </p:spTree>
     <p:extLst>
       <p:ext uri="{BB962C8B-B14F-4D97-AF65-F5344CB8AC3E}">
@@ -13067,7 +13395,7 @@
 </p:sld>
 </file>
 
-<file path=ppt/slides/slide25.xml><?xml version="1.0" encoding="utf-8"?>
+<file path=ppt/slides/slide26.xml><?xml version="1.0" encoding="utf-8"?>
 <p:sld xmlns:a="http://schemas.openxmlformats.org/drawingml/2006/main" xmlns:r="http://schemas.openxmlformats.org/officeDocument/2006/relationships" xmlns:p="http://schemas.openxmlformats.org/presentationml/2006/main">
   <p:cSld>
     <p:spTree>

--- a/assets/images/Images.pptx
+++ b/assets/images/Images.pptx
@@ -13136,7 +13136,7 @@
         </p:nvSpPr>
         <p:spPr>
           <a:xfrm>
-            <a:off x="6756400" y="2033793"/>
+            <a:off x="6756400" y="2298551"/>
             <a:ext cx="1971040" cy="975360"/>
           </a:xfrm>
           <a:prstGeom prst="rect">
@@ -13252,15 +13252,13 @@
           </p:cNvPr>
           <p:cNvCxnSpPr>
             <a:cxnSpLocks/>
-            <a:stCxn id="5" idx="0"/>
-            <a:endCxn id="4" idx="2"/>
           </p:cNvCxnSpPr>
           <p:nvPr/>
         </p:nvCxnSpPr>
         <p:spPr>
           <a:xfrm flipV="1">
-            <a:off x="6756400" y="3009153"/>
-            <a:ext cx="985520" cy="785309"/>
+            <a:off x="7305040" y="3273911"/>
+            <a:ext cx="0" cy="520552"/>
           </a:xfrm>
           <a:prstGeom prst="straightConnector1">
             <a:avLst/>
@@ -13347,11 +13345,177 @@
             <a:pPr algn="ctr"/>
             <a:r>
               <a:rPr lang="en-GB" dirty="0"/>
-              <a:t>Rows</a:t>
-            </a:r>
-          </a:p>
-        </p:txBody>
-      </p:sp>
+              <a:t>int[][]</a:t>
+            </a:r>
+          </a:p>
+        </p:txBody>
+      </p:sp>
+      <p:cxnSp>
+        <p:nvCxnSpPr>
+          <p:cNvPr id="23" name="Straight Arrow Connector 22">
+            <a:extLst>
+              <a:ext uri="{FF2B5EF4-FFF2-40B4-BE49-F238E27FC236}">
+                <a16:creationId xmlns:a16="http://schemas.microsoft.com/office/drawing/2014/main" id="{62A0412A-43AB-E84D-BC2F-1FB38449E699}"/>
+              </a:ext>
+            </a:extLst>
+          </p:cNvPr>
+          <p:cNvCxnSpPr>
+            <a:cxnSpLocks/>
+          </p:cNvCxnSpPr>
+          <p:nvPr/>
+        </p:nvCxnSpPr>
+        <p:spPr>
+          <a:xfrm flipV="1">
+            <a:off x="7305040" y="1778001"/>
+            <a:ext cx="0" cy="520550"/>
+          </a:xfrm>
+          <a:prstGeom prst="straightConnector1">
+            <a:avLst/>
+          </a:prstGeom>
+          <a:ln w="38100">
+            <a:solidFill>
+              <a:schemeClr val="tx1">
+                <a:lumMod val="75000"/>
+                <a:lumOff val="25000"/>
+              </a:schemeClr>
+            </a:solidFill>
+            <a:tailEnd type="triangle"/>
+          </a:ln>
+        </p:spPr>
+        <p:style>
+          <a:lnRef idx="1">
+            <a:schemeClr val="accent1"/>
+          </a:lnRef>
+          <a:fillRef idx="0">
+            <a:schemeClr val="accent1"/>
+          </a:fillRef>
+          <a:effectRef idx="0">
+            <a:schemeClr val="accent1"/>
+          </a:effectRef>
+          <a:fontRef idx="minor">
+            <a:schemeClr val="tx1"/>
+          </a:fontRef>
+        </p:style>
+      </p:cxnSp>
+      <p:pic>
+        <p:nvPicPr>
+          <p:cNvPr id="33" name="Picture 32">
+            <a:extLst>
+              <a:ext uri="{FF2B5EF4-FFF2-40B4-BE49-F238E27FC236}">
+                <a16:creationId xmlns:a16="http://schemas.microsoft.com/office/drawing/2014/main" id="{CDD7780B-093B-7343-A2DC-17B38ED226BB}"/>
+              </a:ext>
+            </a:extLst>
+          </p:cNvPr>
+          <p:cNvPicPr>
+            <a:picLocks noChangeAspect="1"/>
+          </p:cNvPicPr>
+          <p:nvPr/>
+        </p:nvPicPr>
+        <p:blipFill>
+          <a:blip r:embed="rId2"/>
+          <a:stretch>
+            <a:fillRect/>
+          </a:stretch>
+        </p:blipFill>
+        <p:spPr>
+          <a:xfrm>
+            <a:off x="442458" y="1301104"/>
+            <a:ext cx="4279900" cy="2984500"/>
+          </a:xfrm>
+          <a:prstGeom prst="rect">
+            <a:avLst/>
+          </a:prstGeom>
+        </p:spPr>
+      </p:pic>
+      <p:cxnSp>
+        <p:nvCxnSpPr>
+          <p:cNvPr id="35" name="Straight Arrow Connector 34">
+            <a:extLst>
+              <a:ext uri="{FF2B5EF4-FFF2-40B4-BE49-F238E27FC236}">
+                <a16:creationId xmlns:a16="http://schemas.microsoft.com/office/drawing/2014/main" id="{138F1EC6-6AE2-0242-AF09-0AB7D084234E}"/>
+              </a:ext>
+            </a:extLst>
+          </p:cNvPr>
+          <p:cNvCxnSpPr>
+            <a:cxnSpLocks/>
+            <a:endCxn id="21" idx="1"/>
+          </p:cNvCxnSpPr>
+          <p:nvPr/>
+        </p:nvCxnSpPr>
+        <p:spPr>
+          <a:xfrm flipV="1">
+            <a:off x="3438939" y="1290320"/>
+            <a:ext cx="2443701" cy="236718"/>
+          </a:xfrm>
+          <a:prstGeom prst="straightConnector1">
+            <a:avLst/>
+          </a:prstGeom>
+          <a:ln w="38100">
+            <a:solidFill>
+              <a:srgbClr val="FF0000"/>
+            </a:solidFill>
+            <a:tailEnd type="triangle"/>
+          </a:ln>
+        </p:spPr>
+        <p:style>
+          <a:lnRef idx="1">
+            <a:schemeClr val="accent1"/>
+          </a:lnRef>
+          <a:fillRef idx="0">
+            <a:schemeClr val="accent1"/>
+          </a:fillRef>
+          <a:effectRef idx="0">
+            <a:schemeClr val="accent1"/>
+          </a:effectRef>
+          <a:fontRef idx="minor">
+            <a:schemeClr val="tx1"/>
+          </a:fontRef>
+        </p:style>
+      </p:cxnSp>
+      <p:cxnSp>
+        <p:nvCxnSpPr>
+          <p:cNvPr id="37" name="Straight Arrow Connector 36">
+            <a:extLst>
+              <a:ext uri="{FF2B5EF4-FFF2-40B4-BE49-F238E27FC236}">
+                <a16:creationId xmlns:a16="http://schemas.microsoft.com/office/drawing/2014/main" id="{3C26BD9A-818B-574D-B8D1-144F192B8D30}"/>
+              </a:ext>
+            </a:extLst>
+          </p:cNvPr>
+          <p:cNvCxnSpPr>
+            <a:cxnSpLocks/>
+          </p:cNvCxnSpPr>
+          <p:nvPr/>
+        </p:nvCxnSpPr>
+        <p:spPr>
+          <a:xfrm>
+            <a:off x="4263887" y="3773793"/>
+            <a:ext cx="1506993" cy="242308"/>
+          </a:xfrm>
+          <a:prstGeom prst="straightConnector1">
+            <a:avLst/>
+          </a:prstGeom>
+          <a:ln w="38100">
+            <a:solidFill>
+              <a:srgbClr val="FF0000"/>
+            </a:solidFill>
+            <a:tailEnd type="triangle"/>
+          </a:ln>
+        </p:spPr>
+        <p:style>
+          <a:lnRef idx="1">
+            <a:schemeClr val="accent1"/>
+          </a:lnRef>
+          <a:fillRef idx="0">
+            <a:schemeClr val="accent1"/>
+          </a:fillRef>
+          <a:effectRef idx="0">
+            <a:schemeClr val="accent1"/>
+          </a:effectRef>
+          <a:fontRef idx="minor">
+            <a:schemeClr val="tx1"/>
+          </a:fontRef>
+        </p:style>
+      </p:cxnSp>
     </p:spTree>
     <p:extLst>
       <p:ext uri="{BB962C8B-B14F-4D97-AF65-F5344CB8AC3E}">

--- a/assets/images/Images.pptx
+++ b/assets/images/Images.pptx
@@ -5,7 +5,7 @@
     <p:sldMasterId id="2147483648" r:id="rId1"/>
   </p:sldMasterIdLst>
   <p:notesMasterIdLst>
-    <p:notesMasterId r:id="rId28"/>
+    <p:notesMasterId r:id="rId29"/>
   </p:notesMasterIdLst>
   <p:sldIdLst>
     <p:sldId id="257" r:id="rId2"/>
@@ -31,9 +31,10 @@
     <p:sldId id="278" r:id="rId22"/>
     <p:sldId id="279" r:id="rId23"/>
     <p:sldId id="280" r:id="rId24"/>
-    <p:sldId id="281" r:id="rId25"/>
-    <p:sldId id="270" r:id="rId26"/>
-    <p:sldId id="256" r:id="rId27"/>
+    <p:sldId id="282" r:id="rId25"/>
+    <p:sldId id="281" r:id="rId26"/>
+    <p:sldId id="270" r:id="rId27"/>
+    <p:sldId id="256" r:id="rId28"/>
   </p:sldIdLst>
   <p:sldSz cx="12192000" cy="6858000"/>
   <p:notesSz cx="6858000" cy="9144000"/>
@@ -172,6 +173,7 @@
             <p14:sldId id="278"/>
             <p14:sldId id="279"/>
             <p14:sldId id="280"/>
+            <p14:sldId id="282"/>
             <p14:sldId id="281"/>
           </p14:sldIdLst>
         </p14:section>
@@ -279,7 +281,7 @@
           <a:p>
             <a:fld id="{F0373C07-0034-D84F-B0CB-1249B408AEAD}" type="datetimeFigureOut">
               <a:rPr lang="en-GB" smtClean="0"/>
-              <a:t>05/06/2020</a:t>
+              <a:t>08/06/2020</a:t>
             </a:fld>
             <a:endParaRPr lang="en-GB"/>
           </a:p>
@@ -947,7 +949,7 @@
           <a:p>
             <a:fld id="{11A96E62-EC5F-C045-9FEB-EDD3A98888BE}" type="slidenum">
               <a:rPr lang="en-GB" smtClean="0"/>
-              <a:t>26</a:t>
+              <a:t>27</a:t>
             </a:fld>
             <a:endParaRPr lang="en-GB"/>
           </a:p>
@@ -1113,7 +1115,7 @@
           <a:p>
             <a:fld id="{1277814B-86DA-1A43-BEBE-BB22F0FBA56B}" type="datetimeFigureOut">
               <a:rPr lang="en-GB" smtClean="0"/>
-              <a:t>05/06/2020</a:t>
+              <a:t>08/06/2020</a:t>
             </a:fld>
             <a:endParaRPr lang="en-GB"/>
           </a:p>
@@ -1311,7 +1313,7 @@
           <a:p>
             <a:fld id="{1277814B-86DA-1A43-BEBE-BB22F0FBA56B}" type="datetimeFigureOut">
               <a:rPr lang="en-GB" smtClean="0"/>
-              <a:t>05/06/2020</a:t>
+              <a:t>08/06/2020</a:t>
             </a:fld>
             <a:endParaRPr lang="en-GB"/>
           </a:p>
@@ -1519,7 +1521,7 @@
           <a:p>
             <a:fld id="{1277814B-86DA-1A43-BEBE-BB22F0FBA56B}" type="datetimeFigureOut">
               <a:rPr lang="en-GB" smtClean="0"/>
-              <a:t>05/06/2020</a:t>
+              <a:t>08/06/2020</a:t>
             </a:fld>
             <a:endParaRPr lang="en-GB"/>
           </a:p>
@@ -1717,7 +1719,7 @@
           <a:p>
             <a:fld id="{1277814B-86DA-1A43-BEBE-BB22F0FBA56B}" type="datetimeFigureOut">
               <a:rPr lang="en-GB" smtClean="0"/>
-              <a:t>05/06/2020</a:t>
+              <a:t>08/06/2020</a:t>
             </a:fld>
             <a:endParaRPr lang="en-GB"/>
           </a:p>
@@ -1992,7 +1994,7 @@
           <a:p>
             <a:fld id="{1277814B-86DA-1A43-BEBE-BB22F0FBA56B}" type="datetimeFigureOut">
               <a:rPr lang="en-GB" smtClean="0"/>
-              <a:t>05/06/2020</a:t>
+              <a:t>08/06/2020</a:t>
             </a:fld>
             <a:endParaRPr lang="en-GB"/>
           </a:p>
@@ -2257,7 +2259,7 @@
           <a:p>
             <a:fld id="{1277814B-86DA-1A43-BEBE-BB22F0FBA56B}" type="datetimeFigureOut">
               <a:rPr lang="en-GB" smtClean="0"/>
-              <a:t>05/06/2020</a:t>
+              <a:t>08/06/2020</a:t>
             </a:fld>
             <a:endParaRPr lang="en-GB"/>
           </a:p>
@@ -2669,7 +2671,7 @@
           <a:p>
             <a:fld id="{1277814B-86DA-1A43-BEBE-BB22F0FBA56B}" type="datetimeFigureOut">
               <a:rPr lang="en-GB" smtClean="0"/>
-              <a:t>05/06/2020</a:t>
+              <a:t>08/06/2020</a:t>
             </a:fld>
             <a:endParaRPr lang="en-GB"/>
           </a:p>
@@ -2810,7 +2812,7 @@
           <a:p>
             <a:fld id="{1277814B-86DA-1A43-BEBE-BB22F0FBA56B}" type="datetimeFigureOut">
               <a:rPr lang="en-GB" smtClean="0"/>
-              <a:t>05/06/2020</a:t>
+              <a:t>08/06/2020</a:t>
             </a:fld>
             <a:endParaRPr lang="en-GB"/>
           </a:p>
@@ -2923,7 +2925,7 @@
           <a:p>
             <a:fld id="{1277814B-86DA-1A43-BEBE-BB22F0FBA56B}" type="datetimeFigureOut">
               <a:rPr lang="en-GB" smtClean="0"/>
-              <a:t>05/06/2020</a:t>
+              <a:t>08/06/2020</a:t>
             </a:fld>
             <a:endParaRPr lang="en-GB"/>
           </a:p>
@@ -3234,7 +3236,7 @@
           <a:p>
             <a:fld id="{1277814B-86DA-1A43-BEBE-BB22F0FBA56B}" type="datetimeFigureOut">
               <a:rPr lang="en-GB" smtClean="0"/>
-              <a:t>05/06/2020</a:t>
+              <a:t>08/06/2020</a:t>
             </a:fld>
             <a:endParaRPr lang="en-GB"/>
           </a:p>
@@ -3522,7 +3524,7 @@
           <a:p>
             <a:fld id="{1277814B-86DA-1A43-BEBE-BB22F0FBA56B}" type="datetimeFigureOut">
               <a:rPr lang="en-GB" smtClean="0"/>
-              <a:t>05/06/2020</a:t>
+              <a:t>08/06/2020</a:t>
             </a:fld>
             <a:endParaRPr lang="en-GB"/>
           </a:p>
@@ -3763,7 +3765,7 @@
           <a:p>
             <a:fld id="{1277814B-86DA-1A43-BEBE-BB22F0FBA56B}" type="datetimeFigureOut">
               <a:rPr lang="en-GB" smtClean="0"/>
-              <a:t>05/06/2020</a:t>
+              <a:t>08/06/2020</a:t>
             </a:fld>
             <a:endParaRPr lang="en-GB"/>
           </a:p>
@@ -13058,6 +13060,875 @@
       </p:grpSpPr>
       <p:sp>
         <p:nvSpPr>
+          <p:cNvPr id="4" name="Rectangle 3">
+            <a:extLst>
+              <a:ext uri="{FF2B5EF4-FFF2-40B4-BE49-F238E27FC236}">
+                <a16:creationId xmlns:a16="http://schemas.microsoft.com/office/drawing/2014/main" id="{409FEF2E-796A-D044-AC07-8598917F45B5}"/>
+              </a:ext>
+            </a:extLst>
+          </p:cNvPr>
+          <p:cNvSpPr/>
+          <p:nvPr/>
+        </p:nvSpPr>
+        <p:spPr>
+          <a:xfrm>
+            <a:off x="554228" y="357808"/>
+            <a:ext cx="4743329" cy="2325757"/>
+          </a:xfrm>
+          <a:prstGeom prst="rect">
+            <a:avLst/>
+          </a:prstGeom>
+          <a:solidFill>
+            <a:schemeClr val="accent1">
+              <a:lumMod val="60000"/>
+              <a:lumOff val="40000"/>
+            </a:schemeClr>
+          </a:solidFill>
+          <a:ln>
+            <a:solidFill>
+              <a:schemeClr val="tx1">
+                <a:lumMod val="75000"/>
+                <a:lumOff val="25000"/>
+              </a:schemeClr>
+            </a:solidFill>
+          </a:ln>
+        </p:spPr>
+        <p:style>
+          <a:lnRef idx="2">
+            <a:schemeClr val="accent1">
+              <a:shade val="50000"/>
+            </a:schemeClr>
+          </a:lnRef>
+          <a:fillRef idx="1">
+            <a:schemeClr val="accent1"/>
+          </a:fillRef>
+          <a:effectRef idx="0">
+            <a:schemeClr val="accent1"/>
+          </a:effectRef>
+          <a:fontRef idx="minor">
+            <a:schemeClr val="lt1"/>
+          </a:fontRef>
+        </p:style>
+        <p:txBody>
+          <a:bodyPr rtlCol="0" anchor="t"/>
+          <a:lstStyle/>
+          <a:p>
+            <a:pPr algn="ctr"/>
+            <a:r>
+              <a:rPr lang="en-GB" dirty="0">
+                <a:solidFill>
+                  <a:schemeClr val="tx1"/>
+                </a:solidFill>
+              </a:rPr>
+              <a:t>Source Code</a:t>
+            </a:r>
+          </a:p>
+        </p:txBody>
+      </p:sp>
+      <p:sp>
+        <p:nvSpPr>
+          <p:cNvPr id="5" name="Rectangle 4">
+            <a:extLst>
+              <a:ext uri="{FF2B5EF4-FFF2-40B4-BE49-F238E27FC236}">
+                <a16:creationId xmlns:a16="http://schemas.microsoft.com/office/drawing/2014/main" id="{B7399BC5-DCDA-0A44-96B6-202A37EF06E1}"/>
+              </a:ext>
+            </a:extLst>
+          </p:cNvPr>
+          <p:cNvSpPr/>
+          <p:nvPr/>
+        </p:nvSpPr>
+        <p:spPr>
+          <a:xfrm>
+            <a:off x="6974906" y="357808"/>
+            <a:ext cx="4743329" cy="6211364"/>
+          </a:xfrm>
+          <a:prstGeom prst="rect">
+            <a:avLst/>
+          </a:prstGeom>
+          <a:solidFill>
+            <a:schemeClr val="accent1">
+              <a:lumMod val="75000"/>
+            </a:schemeClr>
+          </a:solidFill>
+          <a:ln>
+            <a:solidFill>
+              <a:schemeClr val="tx1">
+                <a:lumMod val="75000"/>
+                <a:lumOff val="25000"/>
+              </a:schemeClr>
+            </a:solidFill>
+          </a:ln>
+        </p:spPr>
+        <p:style>
+          <a:lnRef idx="2">
+            <a:schemeClr val="accent1">
+              <a:shade val="50000"/>
+            </a:schemeClr>
+          </a:lnRef>
+          <a:fillRef idx="1">
+            <a:schemeClr val="accent1"/>
+          </a:fillRef>
+          <a:effectRef idx="0">
+            <a:schemeClr val="accent1"/>
+          </a:effectRef>
+          <a:fontRef idx="minor">
+            <a:schemeClr val="lt1"/>
+          </a:fontRef>
+        </p:style>
+        <p:txBody>
+          <a:bodyPr rtlCol="0" anchor="t"/>
+          <a:lstStyle/>
+          <a:p>
+            <a:pPr algn="ctr"/>
+            <a:r>
+              <a:rPr lang="en-GB" dirty="0"/>
+              <a:t>Bytecode</a:t>
+            </a:r>
+          </a:p>
+        </p:txBody>
+      </p:sp>
+      <p:pic>
+        <p:nvPicPr>
+          <p:cNvPr id="1026" name="Picture 2" descr="Wallpaper old, mechanism, bolt, gear, cogwheel desktop wallpaper ...">
+            <a:extLst>
+              <a:ext uri="{FF2B5EF4-FFF2-40B4-BE49-F238E27FC236}">
+                <a16:creationId xmlns:a16="http://schemas.microsoft.com/office/drawing/2014/main" id="{6FF35CD3-5152-F141-8793-5C700E92D996}"/>
+              </a:ext>
+            </a:extLst>
+          </p:cNvPr>
+          <p:cNvPicPr>
+            <a:picLocks noChangeAspect="1" noChangeArrowheads="1"/>
+          </p:cNvPicPr>
+          <p:nvPr/>
+        </p:nvPicPr>
+        <p:blipFill>
+          <a:blip r:embed="rId2">
+            <a:extLst>
+              <a:ext uri="{28A0092B-C50C-407E-A947-70E740481C1C}">
+                <a14:useLocalDpi xmlns:a14="http://schemas.microsoft.com/office/drawing/2010/main" val="0"/>
+              </a:ext>
+            </a:extLst>
+          </a:blip>
+          <a:srcRect/>
+          <a:stretch>
+            <a:fillRect/>
+          </a:stretch>
+        </p:blipFill>
+        <p:spPr bwMode="auto">
+          <a:xfrm>
+            <a:off x="554227" y="3354455"/>
+            <a:ext cx="4743329" cy="3214717"/>
+          </a:xfrm>
+          <a:prstGeom prst="rect">
+            <a:avLst/>
+          </a:prstGeom>
+          <a:noFill/>
+          <a:ln>
+            <a:solidFill>
+              <a:schemeClr val="tx1">
+                <a:lumMod val="75000"/>
+                <a:lumOff val="25000"/>
+              </a:schemeClr>
+            </a:solidFill>
+          </a:ln>
+          <a:extLst>
+            <a:ext uri="{909E8E84-426E-40DD-AFC4-6F175D3DCCD1}">
+              <a14:hiddenFill xmlns:a14="http://schemas.microsoft.com/office/drawing/2010/main">
+                <a:solidFill>
+                  <a:srgbClr val="FFFFFF"/>
+                </a:solidFill>
+              </a14:hiddenFill>
+            </a:ext>
+          </a:extLst>
+        </p:spPr>
+      </p:pic>
+      <p:sp>
+        <p:nvSpPr>
+          <p:cNvPr id="7" name="Down Arrow 6">
+            <a:extLst>
+              <a:ext uri="{FF2B5EF4-FFF2-40B4-BE49-F238E27FC236}">
+                <a16:creationId xmlns:a16="http://schemas.microsoft.com/office/drawing/2014/main" id="{5E6BD36F-D28A-2845-9CE2-4375985DA684}"/>
+              </a:ext>
+            </a:extLst>
+          </p:cNvPr>
+          <p:cNvSpPr/>
+          <p:nvPr/>
+        </p:nvSpPr>
+        <p:spPr>
+          <a:xfrm>
+            <a:off x="2584174" y="2782957"/>
+            <a:ext cx="546652" cy="477078"/>
+          </a:xfrm>
+          <a:prstGeom prst="downArrow">
+            <a:avLst/>
+          </a:prstGeom>
+          <a:solidFill>
+            <a:schemeClr val="accent2">
+              <a:lumMod val="75000"/>
+            </a:schemeClr>
+          </a:solidFill>
+          <a:ln>
+            <a:solidFill>
+              <a:schemeClr val="tx1">
+                <a:lumMod val="75000"/>
+                <a:lumOff val="25000"/>
+              </a:schemeClr>
+            </a:solidFill>
+          </a:ln>
+        </p:spPr>
+        <p:style>
+          <a:lnRef idx="2">
+            <a:schemeClr val="accent1">
+              <a:shade val="50000"/>
+            </a:schemeClr>
+          </a:lnRef>
+          <a:fillRef idx="1">
+            <a:schemeClr val="accent1"/>
+          </a:fillRef>
+          <a:effectRef idx="0">
+            <a:schemeClr val="accent1"/>
+          </a:effectRef>
+          <a:fontRef idx="minor">
+            <a:schemeClr val="lt1"/>
+          </a:fontRef>
+        </p:style>
+        <p:txBody>
+          <a:bodyPr rtlCol="0" anchor="ctr"/>
+          <a:lstStyle/>
+          <a:p>
+            <a:pPr algn="ctr"/>
+            <a:endParaRPr lang="en-GB"/>
+          </a:p>
+        </p:txBody>
+      </p:sp>
+      <p:sp>
+        <p:nvSpPr>
+          <p:cNvPr id="9" name="Down Arrow 8">
+            <a:extLst>
+              <a:ext uri="{FF2B5EF4-FFF2-40B4-BE49-F238E27FC236}">
+                <a16:creationId xmlns:a16="http://schemas.microsoft.com/office/drawing/2014/main" id="{A7971A73-F1D9-C14A-A4C1-241FEF2F64BD}"/>
+              </a:ext>
+            </a:extLst>
+          </p:cNvPr>
+          <p:cNvSpPr/>
+          <p:nvPr/>
+        </p:nvSpPr>
+        <p:spPr>
+          <a:xfrm rot="16200000">
+            <a:off x="5822674" y="4723274"/>
+            <a:ext cx="546652" cy="477078"/>
+          </a:xfrm>
+          <a:prstGeom prst="downArrow">
+            <a:avLst/>
+          </a:prstGeom>
+          <a:solidFill>
+            <a:schemeClr val="accent2">
+              <a:lumMod val="75000"/>
+            </a:schemeClr>
+          </a:solidFill>
+          <a:ln>
+            <a:solidFill>
+              <a:schemeClr val="tx1">
+                <a:lumMod val="75000"/>
+                <a:lumOff val="25000"/>
+              </a:schemeClr>
+            </a:solidFill>
+          </a:ln>
+        </p:spPr>
+        <p:style>
+          <a:lnRef idx="2">
+            <a:schemeClr val="accent1">
+              <a:shade val="50000"/>
+            </a:schemeClr>
+          </a:lnRef>
+          <a:fillRef idx="1">
+            <a:schemeClr val="accent1"/>
+          </a:fillRef>
+          <a:effectRef idx="0">
+            <a:schemeClr val="accent1"/>
+          </a:effectRef>
+          <a:fontRef idx="minor">
+            <a:schemeClr val="lt1"/>
+          </a:fontRef>
+        </p:style>
+        <p:txBody>
+          <a:bodyPr rtlCol="0" anchor="ctr"/>
+          <a:lstStyle/>
+          <a:p>
+            <a:pPr algn="ctr"/>
+            <a:endParaRPr lang="en-GB"/>
+          </a:p>
+        </p:txBody>
+      </p:sp>
+      <p:sp>
+        <p:nvSpPr>
+          <p:cNvPr id="8" name="TextBox 7">
+            <a:extLst>
+              <a:ext uri="{FF2B5EF4-FFF2-40B4-BE49-F238E27FC236}">
+                <a16:creationId xmlns:a16="http://schemas.microsoft.com/office/drawing/2014/main" id="{3F92972F-5F47-9449-BD74-D9B93EE130E4}"/>
+              </a:ext>
+            </a:extLst>
+          </p:cNvPr>
+          <p:cNvSpPr txBox="1"/>
+          <p:nvPr/>
+        </p:nvSpPr>
+        <p:spPr>
+          <a:xfrm>
+            <a:off x="1357352" y="4607869"/>
+            <a:ext cx="3137077" cy="707886"/>
+          </a:xfrm>
+          <a:prstGeom prst="rect">
+            <a:avLst/>
+          </a:prstGeom>
+          <a:noFill/>
+        </p:spPr>
+        <p:txBody>
+          <a:bodyPr wrap="none" rtlCol="0">
+            <a:spAutoFit/>
+          </a:bodyPr>
+          <a:lstStyle/>
+          <a:p>
+            <a:pPr algn="ctr"/>
+            <a:r>
+              <a:rPr lang="en-GB" sz="4000" b="1" dirty="0">
+                <a:solidFill>
+                  <a:schemeClr val="bg1"/>
+                </a:solidFill>
+              </a:rPr>
+              <a:t>Java Compiler</a:t>
+            </a:r>
+          </a:p>
+        </p:txBody>
+      </p:sp>
+      <p:sp>
+        <p:nvSpPr>
+          <p:cNvPr id="10" name="Oval 9">
+            <a:extLst>
+              <a:ext uri="{FF2B5EF4-FFF2-40B4-BE49-F238E27FC236}">
+                <a16:creationId xmlns:a16="http://schemas.microsoft.com/office/drawing/2014/main" id="{25C0B099-D31D-0247-A86D-7887D3ED74DB}"/>
+              </a:ext>
+            </a:extLst>
+          </p:cNvPr>
+          <p:cNvSpPr/>
+          <p:nvPr/>
+        </p:nvSpPr>
+        <p:spPr>
+          <a:xfrm>
+            <a:off x="927183" y="1007512"/>
+            <a:ext cx="720000" cy="720000"/>
+          </a:xfrm>
+          <a:prstGeom prst="ellipse">
+            <a:avLst/>
+          </a:prstGeom>
+          <a:solidFill>
+            <a:srgbClr val="00FDFF"/>
+          </a:solidFill>
+          <a:ln>
+            <a:solidFill>
+              <a:schemeClr val="tx1">
+                <a:lumMod val="75000"/>
+                <a:lumOff val="25000"/>
+              </a:schemeClr>
+            </a:solidFill>
+          </a:ln>
+        </p:spPr>
+        <p:style>
+          <a:lnRef idx="2">
+            <a:schemeClr val="accent1">
+              <a:shade val="50000"/>
+            </a:schemeClr>
+          </a:lnRef>
+          <a:fillRef idx="1">
+            <a:schemeClr val="accent1"/>
+          </a:fillRef>
+          <a:effectRef idx="0">
+            <a:schemeClr val="accent1"/>
+          </a:effectRef>
+          <a:fontRef idx="minor">
+            <a:schemeClr val="lt1"/>
+          </a:fontRef>
+        </p:style>
+        <p:txBody>
+          <a:bodyPr rtlCol="0" anchor="ctr"/>
+          <a:lstStyle/>
+          <a:p>
+            <a:pPr algn="ctr"/>
+            <a:endParaRPr lang="en-GB"/>
+          </a:p>
+        </p:txBody>
+      </p:sp>
+      <p:sp>
+        <p:nvSpPr>
+          <p:cNvPr id="12" name="Oval 11">
+            <a:extLst>
+              <a:ext uri="{FF2B5EF4-FFF2-40B4-BE49-F238E27FC236}">
+                <a16:creationId xmlns:a16="http://schemas.microsoft.com/office/drawing/2014/main" id="{98704C94-BE6E-C44A-BE8B-77167A7DE3E5}"/>
+              </a:ext>
+            </a:extLst>
+          </p:cNvPr>
+          <p:cNvSpPr/>
+          <p:nvPr/>
+        </p:nvSpPr>
+        <p:spPr>
+          <a:xfrm>
+            <a:off x="2008082" y="1823875"/>
+            <a:ext cx="720000" cy="720000"/>
+          </a:xfrm>
+          <a:prstGeom prst="ellipse">
+            <a:avLst/>
+          </a:prstGeom>
+          <a:solidFill>
+            <a:srgbClr val="FF40FF"/>
+          </a:solidFill>
+          <a:ln>
+            <a:solidFill>
+              <a:schemeClr val="tx1">
+                <a:lumMod val="75000"/>
+                <a:lumOff val="25000"/>
+              </a:schemeClr>
+            </a:solidFill>
+          </a:ln>
+        </p:spPr>
+        <p:style>
+          <a:lnRef idx="2">
+            <a:schemeClr val="accent1">
+              <a:shade val="50000"/>
+            </a:schemeClr>
+          </a:lnRef>
+          <a:fillRef idx="1">
+            <a:schemeClr val="accent1"/>
+          </a:fillRef>
+          <a:effectRef idx="0">
+            <a:schemeClr val="accent1"/>
+          </a:effectRef>
+          <a:fontRef idx="minor">
+            <a:schemeClr val="lt1"/>
+          </a:fontRef>
+        </p:style>
+        <p:txBody>
+          <a:bodyPr rtlCol="0" anchor="ctr"/>
+          <a:lstStyle/>
+          <a:p>
+            <a:pPr algn="ctr"/>
+            <a:endParaRPr lang="en-GB"/>
+          </a:p>
+        </p:txBody>
+      </p:sp>
+      <p:sp>
+        <p:nvSpPr>
+          <p:cNvPr id="13" name="Oval 12">
+            <a:extLst>
+              <a:ext uri="{FF2B5EF4-FFF2-40B4-BE49-F238E27FC236}">
+                <a16:creationId xmlns:a16="http://schemas.microsoft.com/office/drawing/2014/main" id="{C5B7B4CA-89F4-7549-AFFE-B1835204C3DC}"/>
+              </a:ext>
+            </a:extLst>
+          </p:cNvPr>
+          <p:cNvSpPr/>
+          <p:nvPr/>
+        </p:nvSpPr>
+        <p:spPr>
+          <a:xfrm>
+            <a:off x="4169879" y="1823875"/>
+            <a:ext cx="720000" cy="720000"/>
+          </a:xfrm>
+          <a:prstGeom prst="ellipse">
+            <a:avLst/>
+          </a:prstGeom>
+          <a:solidFill>
+            <a:srgbClr val="00FA00"/>
+          </a:solidFill>
+          <a:ln>
+            <a:solidFill>
+              <a:schemeClr val="tx1">
+                <a:lumMod val="75000"/>
+                <a:lumOff val="25000"/>
+              </a:schemeClr>
+            </a:solidFill>
+          </a:ln>
+        </p:spPr>
+        <p:style>
+          <a:lnRef idx="2">
+            <a:schemeClr val="accent1">
+              <a:shade val="50000"/>
+            </a:schemeClr>
+          </a:lnRef>
+          <a:fillRef idx="1">
+            <a:schemeClr val="accent1"/>
+          </a:fillRef>
+          <a:effectRef idx="0">
+            <a:schemeClr val="accent1"/>
+          </a:effectRef>
+          <a:fontRef idx="minor">
+            <a:schemeClr val="lt1"/>
+          </a:fontRef>
+        </p:style>
+        <p:txBody>
+          <a:bodyPr rtlCol="0" anchor="ctr"/>
+          <a:lstStyle/>
+          <a:p>
+            <a:pPr algn="ctr"/>
+            <a:endParaRPr lang="en-GB"/>
+          </a:p>
+        </p:txBody>
+      </p:sp>
+      <p:sp>
+        <p:nvSpPr>
+          <p:cNvPr id="11" name="Rectangle 10">
+            <a:extLst>
+              <a:ext uri="{FF2B5EF4-FFF2-40B4-BE49-F238E27FC236}">
+                <a16:creationId xmlns:a16="http://schemas.microsoft.com/office/drawing/2014/main" id="{397EF05C-C02C-834F-8E0F-88091C6754F3}"/>
+              </a:ext>
+            </a:extLst>
+          </p:cNvPr>
+          <p:cNvSpPr/>
+          <p:nvPr/>
+        </p:nvSpPr>
+        <p:spPr>
+          <a:xfrm>
+            <a:off x="3088981" y="1007512"/>
+            <a:ext cx="720000" cy="720000"/>
+          </a:xfrm>
+          <a:prstGeom prst="rect">
+            <a:avLst/>
+          </a:prstGeom>
+          <a:solidFill>
+            <a:srgbClr val="FFFC00"/>
+          </a:solidFill>
+        </p:spPr>
+        <p:style>
+          <a:lnRef idx="2">
+            <a:schemeClr val="accent1">
+              <a:shade val="50000"/>
+            </a:schemeClr>
+          </a:lnRef>
+          <a:fillRef idx="1">
+            <a:schemeClr val="accent1"/>
+          </a:fillRef>
+          <a:effectRef idx="0">
+            <a:schemeClr val="accent1"/>
+          </a:effectRef>
+          <a:fontRef idx="minor">
+            <a:schemeClr val="lt1"/>
+          </a:fontRef>
+        </p:style>
+        <p:txBody>
+          <a:bodyPr rtlCol="0" anchor="ctr"/>
+          <a:lstStyle/>
+          <a:p>
+            <a:pPr algn="ctr"/>
+            <a:endParaRPr lang="en-GB"/>
+          </a:p>
+        </p:txBody>
+      </p:sp>
+      <p:sp>
+        <p:nvSpPr>
+          <p:cNvPr id="15" name="Oval 14">
+            <a:extLst>
+              <a:ext uri="{FF2B5EF4-FFF2-40B4-BE49-F238E27FC236}">
+                <a16:creationId xmlns:a16="http://schemas.microsoft.com/office/drawing/2014/main" id="{19DE68CF-8661-C54B-97BB-5912284CE8EF}"/>
+              </a:ext>
+            </a:extLst>
+          </p:cNvPr>
+          <p:cNvSpPr/>
+          <p:nvPr/>
+        </p:nvSpPr>
+        <p:spPr>
+          <a:xfrm>
+            <a:off x="7708098" y="2384045"/>
+            <a:ext cx="1080000" cy="720000"/>
+          </a:xfrm>
+          <a:prstGeom prst="ellipse">
+            <a:avLst/>
+          </a:prstGeom>
+          <a:solidFill>
+            <a:srgbClr val="00FDFF"/>
+          </a:solidFill>
+          <a:ln>
+            <a:solidFill>
+              <a:schemeClr val="tx1">
+                <a:lumMod val="75000"/>
+                <a:lumOff val="25000"/>
+              </a:schemeClr>
+            </a:solidFill>
+          </a:ln>
+        </p:spPr>
+        <p:style>
+          <a:lnRef idx="2">
+            <a:schemeClr val="accent1">
+              <a:shade val="50000"/>
+            </a:schemeClr>
+          </a:lnRef>
+          <a:fillRef idx="1">
+            <a:schemeClr val="accent1"/>
+          </a:fillRef>
+          <a:effectRef idx="0">
+            <a:schemeClr val="accent1"/>
+          </a:effectRef>
+          <a:fontRef idx="minor">
+            <a:schemeClr val="lt1"/>
+          </a:fontRef>
+        </p:style>
+        <p:txBody>
+          <a:bodyPr rtlCol="0" anchor="ctr"/>
+          <a:lstStyle/>
+          <a:p>
+            <a:pPr algn="ctr"/>
+            <a:endParaRPr lang="en-GB"/>
+          </a:p>
+        </p:txBody>
+      </p:sp>
+      <p:sp>
+        <p:nvSpPr>
+          <p:cNvPr id="16" name="Oval 15">
+            <a:extLst>
+              <a:ext uri="{FF2B5EF4-FFF2-40B4-BE49-F238E27FC236}">
+                <a16:creationId xmlns:a16="http://schemas.microsoft.com/office/drawing/2014/main" id="{62F91CF5-D3E8-974F-9F5A-F982A4D4F1F6}"/>
+              </a:ext>
+            </a:extLst>
+          </p:cNvPr>
+          <p:cNvSpPr/>
+          <p:nvPr/>
+        </p:nvSpPr>
+        <p:spPr>
+          <a:xfrm>
+            <a:off x="7708098" y="3465640"/>
+            <a:ext cx="720000" cy="720000"/>
+          </a:xfrm>
+          <a:prstGeom prst="ellipse">
+            <a:avLst/>
+          </a:prstGeom>
+          <a:solidFill>
+            <a:srgbClr val="FF40FF"/>
+          </a:solidFill>
+          <a:ln>
+            <a:solidFill>
+              <a:schemeClr val="tx1">
+                <a:lumMod val="75000"/>
+                <a:lumOff val="25000"/>
+              </a:schemeClr>
+            </a:solidFill>
+          </a:ln>
+        </p:spPr>
+        <p:style>
+          <a:lnRef idx="2">
+            <a:schemeClr val="accent1">
+              <a:shade val="50000"/>
+            </a:schemeClr>
+          </a:lnRef>
+          <a:fillRef idx="1">
+            <a:schemeClr val="accent1"/>
+          </a:fillRef>
+          <a:effectRef idx="0">
+            <a:schemeClr val="accent1"/>
+          </a:effectRef>
+          <a:fontRef idx="minor">
+            <a:schemeClr val="lt1"/>
+          </a:fontRef>
+        </p:style>
+        <p:txBody>
+          <a:bodyPr rtlCol="0" anchor="ctr"/>
+          <a:lstStyle/>
+          <a:p>
+            <a:pPr algn="ctr"/>
+            <a:endParaRPr lang="en-GB"/>
+          </a:p>
+        </p:txBody>
+      </p:sp>
+      <p:sp>
+        <p:nvSpPr>
+          <p:cNvPr id="17" name="Oval 16">
+            <a:extLst>
+              <a:ext uri="{FF2B5EF4-FFF2-40B4-BE49-F238E27FC236}">
+                <a16:creationId xmlns:a16="http://schemas.microsoft.com/office/drawing/2014/main" id="{2F3844C7-BF25-9544-ADC7-A09B0C3DC89A}"/>
+              </a:ext>
+            </a:extLst>
+          </p:cNvPr>
+          <p:cNvSpPr/>
+          <p:nvPr/>
+        </p:nvSpPr>
+        <p:spPr>
+          <a:xfrm>
+            <a:off x="7708098" y="5628829"/>
+            <a:ext cx="720000" cy="720000"/>
+          </a:xfrm>
+          <a:prstGeom prst="ellipse">
+            <a:avLst/>
+          </a:prstGeom>
+          <a:solidFill>
+            <a:srgbClr val="00FA00"/>
+          </a:solidFill>
+          <a:ln>
+            <a:solidFill>
+              <a:schemeClr val="tx1">
+                <a:lumMod val="75000"/>
+                <a:lumOff val="25000"/>
+              </a:schemeClr>
+            </a:solidFill>
+          </a:ln>
+        </p:spPr>
+        <p:style>
+          <a:lnRef idx="2">
+            <a:schemeClr val="accent1">
+              <a:shade val="50000"/>
+            </a:schemeClr>
+          </a:lnRef>
+          <a:fillRef idx="1">
+            <a:schemeClr val="accent1"/>
+          </a:fillRef>
+          <a:effectRef idx="0">
+            <a:schemeClr val="accent1"/>
+          </a:effectRef>
+          <a:fontRef idx="minor">
+            <a:schemeClr val="lt1"/>
+          </a:fontRef>
+        </p:style>
+        <p:txBody>
+          <a:bodyPr rtlCol="0" anchor="ctr"/>
+          <a:lstStyle/>
+          <a:p>
+            <a:pPr algn="ctr"/>
+            <a:endParaRPr lang="en-GB"/>
+          </a:p>
+        </p:txBody>
+      </p:sp>
+      <p:sp>
+        <p:nvSpPr>
+          <p:cNvPr id="18" name="Rectangle 17">
+            <a:extLst>
+              <a:ext uri="{FF2B5EF4-FFF2-40B4-BE49-F238E27FC236}">
+                <a16:creationId xmlns:a16="http://schemas.microsoft.com/office/drawing/2014/main" id="{0835B8AB-D1EF-E34E-AC7D-72A428398CE9}"/>
+              </a:ext>
+            </a:extLst>
+          </p:cNvPr>
+          <p:cNvSpPr/>
+          <p:nvPr/>
+        </p:nvSpPr>
+        <p:spPr>
+          <a:xfrm>
+            <a:off x="7708096" y="4547235"/>
+            <a:ext cx="1440000" cy="720000"/>
+          </a:xfrm>
+          <a:prstGeom prst="rect">
+            <a:avLst/>
+          </a:prstGeom>
+          <a:solidFill>
+            <a:srgbClr val="FFFC00"/>
+          </a:solidFill>
+        </p:spPr>
+        <p:style>
+          <a:lnRef idx="2">
+            <a:schemeClr val="accent1">
+              <a:shade val="50000"/>
+            </a:schemeClr>
+          </a:lnRef>
+          <a:fillRef idx="1">
+            <a:schemeClr val="accent1"/>
+          </a:fillRef>
+          <a:effectRef idx="0">
+            <a:schemeClr val="accent1"/>
+          </a:effectRef>
+          <a:fontRef idx="minor">
+            <a:schemeClr val="lt1"/>
+          </a:fontRef>
+        </p:style>
+        <p:txBody>
+          <a:bodyPr rtlCol="0" anchor="ctr"/>
+          <a:lstStyle/>
+          <a:p>
+            <a:pPr algn="ctr"/>
+            <a:endParaRPr lang="en-GB"/>
+          </a:p>
+        </p:txBody>
+      </p:sp>
+      <p:sp>
+        <p:nvSpPr>
+          <p:cNvPr id="14" name="Triangle 13">
+            <a:extLst>
+              <a:ext uri="{FF2B5EF4-FFF2-40B4-BE49-F238E27FC236}">
+                <a16:creationId xmlns:a16="http://schemas.microsoft.com/office/drawing/2014/main" id="{4B9594C3-59C5-684B-BB2C-B79E554B58E7}"/>
+              </a:ext>
+            </a:extLst>
+          </p:cNvPr>
+          <p:cNvSpPr/>
+          <p:nvPr/>
+        </p:nvSpPr>
+        <p:spPr>
+          <a:xfrm>
+            <a:off x="7708098" y="1302450"/>
+            <a:ext cx="720000" cy="720000"/>
+          </a:xfrm>
+          <a:prstGeom prst="triangle">
+            <a:avLst/>
+          </a:prstGeom>
+          <a:solidFill>
+            <a:srgbClr val="FF9300"/>
+          </a:solidFill>
+          <a:ln>
+            <a:solidFill>
+              <a:schemeClr val="tx1">
+                <a:lumMod val="75000"/>
+                <a:lumOff val="25000"/>
+              </a:schemeClr>
+            </a:solidFill>
+          </a:ln>
+        </p:spPr>
+        <p:style>
+          <a:lnRef idx="2">
+            <a:schemeClr val="accent1">
+              <a:shade val="50000"/>
+            </a:schemeClr>
+          </a:lnRef>
+          <a:fillRef idx="1">
+            <a:schemeClr val="accent1"/>
+          </a:fillRef>
+          <a:effectRef idx="0">
+            <a:schemeClr val="accent1"/>
+          </a:effectRef>
+          <a:fontRef idx="minor">
+            <a:schemeClr val="lt1"/>
+          </a:fontRef>
+        </p:style>
+        <p:txBody>
+          <a:bodyPr rtlCol="0" anchor="ctr"/>
+          <a:lstStyle/>
+          <a:p>
+            <a:pPr algn="ctr"/>
+            <a:endParaRPr lang="en-GB"/>
+          </a:p>
+        </p:txBody>
+      </p:sp>
+    </p:spTree>
+    <p:extLst>
+      <p:ext uri="{BB962C8B-B14F-4D97-AF65-F5344CB8AC3E}">
+        <p14:creationId xmlns:p14="http://schemas.microsoft.com/office/powerpoint/2010/main" val="1218280879"/>
+      </p:ext>
+    </p:extLst>
+  </p:cSld>
+  <p:clrMapOvr>
+    <a:masterClrMapping/>
+  </p:clrMapOvr>
+</p:sld>
+</file>
+
+<file path=ppt/slides/slide25.xml><?xml version="1.0" encoding="utf-8"?>
+<p:sld xmlns:a="http://schemas.openxmlformats.org/drawingml/2006/main" xmlns:r="http://schemas.openxmlformats.org/officeDocument/2006/relationships" xmlns:p="http://schemas.openxmlformats.org/presentationml/2006/main">
+  <p:cSld>
+    <p:spTree>
+      <p:nvGrpSpPr>
+        <p:cNvPr id="1" name=""/>
+        <p:cNvGrpSpPr/>
+        <p:nvPr/>
+      </p:nvGrpSpPr>
+      <p:grpSpPr>
+        <a:xfrm>
+          <a:off x="0" y="0"/>
+          <a:ext cx="0" cy="0"/>
+          <a:chOff x="0" y="0"/>
+          <a:chExt cx="0" cy="0"/>
+        </a:xfrm>
+      </p:grpSpPr>
+      <p:sp>
+        <p:nvSpPr>
           <p:cNvPr id="14" name="Rectangle 13">
             <a:extLst>
               <a:ext uri="{FF2B5EF4-FFF2-40B4-BE49-F238E27FC236}">
@@ -13529,7 +14400,7 @@
 </p:sld>
 </file>
 
-<file path=ppt/slides/slide25.xml><?xml version="1.0" encoding="utf-8"?>
+<file path=ppt/slides/slide26.xml><?xml version="1.0" encoding="utf-8"?>
 <p:sld xmlns:a="http://schemas.openxmlformats.org/drawingml/2006/main" xmlns:r="http://schemas.openxmlformats.org/officeDocument/2006/relationships" xmlns:p="http://schemas.openxmlformats.org/presentationml/2006/main">
   <p:cSld>
     <p:spTree>
@@ -13559,7 +14430,7 @@
 </p:sld>
 </file>
 
-<file path=ppt/slides/slide26.xml><?xml version="1.0" encoding="utf-8"?>
+<file path=ppt/slides/slide27.xml><?xml version="1.0" encoding="utf-8"?>
 <p:sld xmlns:a="http://schemas.openxmlformats.org/drawingml/2006/main" xmlns:r="http://schemas.openxmlformats.org/officeDocument/2006/relationships" xmlns:p="http://schemas.openxmlformats.org/presentationml/2006/main">
   <p:cSld>
     <p:spTree>

--- a/assets/images/Images.pptx
+++ b/assets/images/Images.pptx
@@ -5,7 +5,7 @@
     <p:sldMasterId id="2147483648" r:id="rId1"/>
   </p:sldMasterIdLst>
   <p:notesMasterIdLst>
-    <p:notesMasterId r:id="rId29"/>
+    <p:notesMasterId r:id="rId30"/>
   </p:notesMasterIdLst>
   <p:sldIdLst>
     <p:sldId id="257" r:id="rId2"/>
@@ -34,7 +34,8 @@
     <p:sldId id="282" r:id="rId25"/>
     <p:sldId id="281" r:id="rId26"/>
     <p:sldId id="270" r:id="rId27"/>
-    <p:sldId id="256" r:id="rId28"/>
+    <p:sldId id="283" r:id="rId28"/>
+    <p:sldId id="256" r:id="rId29"/>
   </p:sldIdLst>
   <p:sldSz cx="12192000" cy="6858000"/>
   <p:notesSz cx="6858000" cy="9144000"/>
@@ -182,6 +183,11 @@
             <p14:sldId id="270"/>
           </p14:sldIdLst>
         </p14:section>
+        <p14:section name="Generics" id="{E31CA8EF-AF00-7843-A542-3016C7754C74}">
+          <p14:sldIdLst>
+            <p14:sldId id="283"/>
+          </p14:sldIdLst>
+        </p14:section>
         <p14:section name="Testing" id="{064BBB82-ADB6-E844-9D9E-44CD43DCBE9F}">
           <p14:sldIdLst>
             <p14:sldId id="256"/>
@@ -281,7 +287,7 @@
           <a:p>
             <a:fld id="{F0373C07-0034-D84F-B0CB-1249B408AEAD}" type="datetimeFigureOut">
               <a:rPr lang="en-GB" smtClean="0"/>
-              <a:t>08/06/2020</a:t>
+              <a:t>26/06/2020</a:t>
             </a:fld>
             <a:endParaRPr lang="en-GB"/>
           </a:p>
@@ -949,7 +955,7 @@
           <a:p>
             <a:fld id="{11A96E62-EC5F-C045-9FEB-EDD3A98888BE}" type="slidenum">
               <a:rPr lang="en-GB" smtClean="0"/>
-              <a:t>27</a:t>
+              <a:t>28</a:t>
             </a:fld>
             <a:endParaRPr lang="en-GB"/>
           </a:p>
@@ -1115,7 +1121,7 @@
           <a:p>
             <a:fld id="{1277814B-86DA-1A43-BEBE-BB22F0FBA56B}" type="datetimeFigureOut">
               <a:rPr lang="en-GB" smtClean="0"/>
-              <a:t>08/06/2020</a:t>
+              <a:t>26/06/2020</a:t>
             </a:fld>
             <a:endParaRPr lang="en-GB"/>
           </a:p>
@@ -1313,7 +1319,7 @@
           <a:p>
             <a:fld id="{1277814B-86DA-1A43-BEBE-BB22F0FBA56B}" type="datetimeFigureOut">
               <a:rPr lang="en-GB" smtClean="0"/>
-              <a:t>08/06/2020</a:t>
+              <a:t>26/06/2020</a:t>
             </a:fld>
             <a:endParaRPr lang="en-GB"/>
           </a:p>
@@ -1521,7 +1527,7 @@
           <a:p>
             <a:fld id="{1277814B-86DA-1A43-BEBE-BB22F0FBA56B}" type="datetimeFigureOut">
               <a:rPr lang="en-GB" smtClean="0"/>
-              <a:t>08/06/2020</a:t>
+              <a:t>26/06/2020</a:t>
             </a:fld>
             <a:endParaRPr lang="en-GB"/>
           </a:p>
@@ -1719,7 +1725,7 @@
           <a:p>
             <a:fld id="{1277814B-86DA-1A43-BEBE-BB22F0FBA56B}" type="datetimeFigureOut">
               <a:rPr lang="en-GB" smtClean="0"/>
-              <a:t>08/06/2020</a:t>
+              <a:t>26/06/2020</a:t>
             </a:fld>
             <a:endParaRPr lang="en-GB"/>
           </a:p>
@@ -1994,7 +2000,7 @@
           <a:p>
             <a:fld id="{1277814B-86DA-1A43-BEBE-BB22F0FBA56B}" type="datetimeFigureOut">
               <a:rPr lang="en-GB" smtClean="0"/>
-              <a:t>08/06/2020</a:t>
+              <a:t>26/06/2020</a:t>
             </a:fld>
             <a:endParaRPr lang="en-GB"/>
           </a:p>
@@ -2259,7 +2265,7 @@
           <a:p>
             <a:fld id="{1277814B-86DA-1A43-BEBE-BB22F0FBA56B}" type="datetimeFigureOut">
               <a:rPr lang="en-GB" smtClean="0"/>
-              <a:t>08/06/2020</a:t>
+              <a:t>26/06/2020</a:t>
             </a:fld>
             <a:endParaRPr lang="en-GB"/>
           </a:p>
@@ -2671,7 +2677,7 @@
           <a:p>
             <a:fld id="{1277814B-86DA-1A43-BEBE-BB22F0FBA56B}" type="datetimeFigureOut">
               <a:rPr lang="en-GB" smtClean="0"/>
-              <a:t>08/06/2020</a:t>
+              <a:t>26/06/2020</a:t>
             </a:fld>
             <a:endParaRPr lang="en-GB"/>
           </a:p>
@@ -2812,7 +2818,7 @@
           <a:p>
             <a:fld id="{1277814B-86DA-1A43-BEBE-BB22F0FBA56B}" type="datetimeFigureOut">
               <a:rPr lang="en-GB" smtClean="0"/>
-              <a:t>08/06/2020</a:t>
+              <a:t>26/06/2020</a:t>
             </a:fld>
             <a:endParaRPr lang="en-GB"/>
           </a:p>
@@ -2925,7 +2931,7 @@
           <a:p>
             <a:fld id="{1277814B-86DA-1A43-BEBE-BB22F0FBA56B}" type="datetimeFigureOut">
               <a:rPr lang="en-GB" smtClean="0"/>
-              <a:t>08/06/2020</a:t>
+              <a:t>26/06/2020</a:t>
             </a:fld>
             <a:endParaRPr lang="en-GB"/>
           </a:p>
@@ -3236,7 +3242,7 @@
           <a:p>
             <a:fld id="{1277814B-86DA-1A43-BEBE-BB22F0FBA56B}" type="datetimeFigureOut">
               <a:rPr lang="en-GB" smtClean="0"/>
-              <a:t>08/06/2020</a:t>
+              <a:t>26/06/2020</a:t>
             </a:fld>
             <a:endParaRPr lang="en-GB"/>
           </a:p>
@@ -3524,7 +3530,7 @@
           <a:p>
             <a:fld id="{1277814B-86DA-1A43-BEBE-BB22F0FBA56B}" type="datetimeFigureOut">
               <a:rPr lang="en-GB" smtClean="0"/>
-              <a:t>08/06/2020</a:t>
+              <a:t>26/06/2020</a:t>
             </a:fld>
             <a:endParaRPr lang="en-GB"/>
           </a:p>
@@ -3765,7 +3771,7 @@
           <a:p>
             <a:fld id="{1277814B-86DA-1A43-BEBE-BB22F0FBA56B}" type="datetimeFigureOut">
               <a:rPr lang="en-GB" smtClean="0"/>
-              <a:t>08/06/2020</a:t>
+              <a:t>26/06/2020</a:t>
             </a:fld>
             <a:endParaRPr lang="en-GB"/>
           </a:p>
@@ -14431,6 +14437,805 @@
 </file>
 
 <file path=ppt/slides/slide27.xml><?xml version="1.0" encoding="utf-8"?>
+<p:sld xmlns:a="http://schemas.openxmlformats.org/drawingml/2006/main" xmlns:r="http://schemas.openxmlformats.org/officeDocument/2006/relationships" xmlns:p="http://schemas.openxmlformats.org/presentationml/2006/main">
+  <p:cSld>
+    <p:spTree>
+      <p:nvGrpSpPr>
+        <p:cNvPr id="1" name=""/>
+        <p:cNvGrpSpPr/>
+        <p:nvPr/>
+      </p:nvGrpSpPr>
+      <p:grpSpPr>
+        <a:xfrm>
+          <a:off x="0" y="0"/>
+          <a:ext cx="0" cy="0"/>
+          <a:chOff x="0" y="0"/>
+          <a:chExt cx="0" cy="0"/>
+        </a:xfrm>
+      </p:grpSpPr>
+      <p:sp>
+        <p:nvSpPr>
+          <p:cNvPr id="5" name="Rectangle 4">
+            <a:extLst>
+              <a:ext uri="{FF2B5EF4-FFF2-40B4-BE49-F238E27FC236}">
+                <a16:creationId xmlns:a16="http://schemas.microsoft.com/office/drawing/2014/main" id="{253CB38F-9F04-CB41-9D1F-4452BF736087}"/>
+              </a:ext>
+            </a:extLst>
+          </p:cNvPr>
+          <p:cNvSpPr/>
+          <p:nvPr/>
+        </p:nvSpPr>
+        <p:spPr>
+          <a:xfrm>
+            <a:off x="1929847" y="3673062"/>
+            <a:ext cx="1958009" cy="934278"/>
+          </a:xfrm>
+          <a:prstGeom prst="rect">
+            <a:avLst/>
+          </a:prstGeom>
+          <a:solidFill>
+            <a:schemeClr val="tx2">
+              <a:lumMod val="75000"/>
+            </a:schemeClr>
+          </a:solidFill>
+          <a:ln>
+            <a:solidFill>
+              <a:schemeClr val="tx1">
+                <a:lumMod val="75000"/>
+                <a:lumOff val="25000"/>
+              </a:schemeClr>
+            </a:solidFill>
+          </a:ln>
+        </p:spPr>
+        <p:style>
+          <a:lnRef idx="2">
+            <a:schemeClr val="accent1">
+              <a:shade val="50000"/>
+            </a:schemeClr>
+          </a:lnRef>
+          <a:fillRef idx="1">
+            <a:schemeClr val="accent1"/>
+          </a:fillRef>
+          <a:effectRef idx="0">
+            <a:schemeClr val="accent1"/>
+          </a:effectRef>
+          <a:fontRef idx="minor">
+            <a:schemeClr val="lt1"/>
+          </a:fontRef>
+        </p:style>
+        <p:txBody>
+          <a:bodyPr rtlCol="0" anchor="ctr"/>
+          <a:lstStyle/>
+          <a:p>
+            <a:pPr algn="ctr"/>
+            <a:r>
+              <a:rPr lang="en-GB" dirty="0"/>
+              <a:t>Rectangle</a:t>
+            </a:r>
+          </a:p>
+        </p:txBody>
+      </p:sp>
+      <p:sp>
+        <p:nvSpPr>
+          <p:cNvPr id="6" name="Rectangle 5">
+            <a:extLst>
+              <a:ext uri="{FF2B5EF4-FFF2-40B4-BE49-F238E27FC236}">
+                <a16:creationId xmlns:a16="http://schemas.microsoft.com/office/drawing/2014/main" id="{74D75409-532D-754E-A73C-3A07B212AF9D}"/>
+              </a:ext>
+            </a:extLst>
+          </p:cNvPr>
+          <p:cNvSpPr/>
+          <p:nvPr/>
+        </p:nvSpPr>
+        <p:spPr>
+          <a:xfrm>
+            <a:off x="4845325" y="3673062"/>
+            <a:ext cx="1958009" cy="934278"/>
+          </a:xfrm>
+          <a:prstGeom prst="rect">
+            <a:avLst/>
+          </a:prstGeom>
+          <a:solidFill>
+            <a:schemeClr val="accent4">
+              <a:lumMod val="75000"/>
+            </a:schemeClr>
+          </a:solidFill>
+          <a:ln>
+            <a:solidFill>
+              <a:schemeClr val="tx1">
+                <a:lumMod val="75000"/>
+                <a:lumOff val="25000"/>
+              </a:schemeClr>
+            </a:solidFill>
+          </a:ln>
+        </p:spPr>
+        <p:style>
+          <a:lnRef idx="2">
+            <a:schemeClr val="accent1">
+              <a:shade val="50000"/>
+            </a:schemeClr>
+          </a:lnRef>
+          <a:fillRef idx="1">
+            <a:schemeClr val="accent1"/>
+          </a:fillRef>
+          <a:effectRef idx="0">
+            <a:schemeClr val="accent1"/>
+          </a:effectRef>
+          <a:fontRef idx="minor">
+            <a:schemeClr val="lt1"/>
+          </a:fontRef>
+        </p:style>
+        <p:txBody>
+          <a:bodyPr rtlCol="0" anchor="ctr"/>
+          <a:lstStyle/>
+          <a:p>
+            <a:pPr algn="ctr"/>
+            <a:r>
+              <a:rPr lang="en-GB" dirty="0"/>
+              <a:t>Circle</a:t>
+            </a:r>
+          </a:p>
+        </p:txBody>
+      </p:sp>
+      <p:sp>
+        <p:nvSpPr>
+          <p:cNvPr id="7" name="Rectangle 6">
+            <a:extLst>
+              <a:ext uri="{FF2B5EF4-FFF2-40B4-BE49-F238E27FC236}">
+                <a16:creationId xmlns:a16="http://schemas.microsoft.com/office/drawing/2014/main" id="{0D63BD3A-245D-EF46-A7BE-08548E16D916}"/>
+              </a:ext>
+            </a:extLst>
+          </p:cNvPr>
+          <p:cNvSpPr/>
+          <p:nvPr/>
+        </p:nvSpPr>
+        <p:spPr>
+          <a:xfrm>
+            <a:off x="7760803" y="3673062"/>
+            <a:ext cx="1958009" cy="934278"/>
+          </a:xfrm>
+          <a:prstGeom prst="rect">
+            <a:avLst/>
+          </a:prstGeom>
+          <a:solidFill>
+            <a:schemeClr val="accent2">
+              <a:lumMod val="75000"/>
+            </a:schemeClr>
+          </a:solidFill>
+          <a:ln>
+            <a:solidFill>
+              <a:schemeClr val="tx1">
+                <a:lumMod val="75000"/>
+                <a:lumOff val="25000"/>
+              </a:schemeClr>
+            </a:solidFill>
+          </a:ln>
+        </p:spPr>
+        <p:style>
+          <a:lnRef idx="2">
+            <a:schemeClr val="accent1">
+              <a:shade val="50000"/>
+            </a:schemeClr>
+          </a:lnRef>
+          <a:fillRef idx="1">
+            <a:schemeClr val="accent1"/>
+          </a:fillRef>
+          <a:effectRef idx="0">
+            <a:schemeClr val="accent1"/>
+          </a:effectRef>
+          <a:fontRef idx="minor">
+            <a:schemeClr val="lt1"/>
+          </a:fontRef>
+        </p:style>
+        <p:txBody>
+          <a:bodyPr rtlCol="0" anchor="ctr"/>
+          <a:lstStyle/>
+          <a:p>
+            <a:pPr algn="ctr"/>
+            <a:r>
+              <a:rPr lang="en-GB" dirty="0"/>
+              <a:t>Triangle</a:t>
+            </a:r>
+          </a:p>
+        </p:txBody>
+      </p:sp>
+      <p:sp>
+        <p:nvSpPr>
+          <p:cNvPr id="8" name="Rectangle 7">
+            <a:extLst>
+              <a:ext uri="{FF2B5EF4-FFF2-40B4-BE49-F238E27FC236}">
+                <a16:creationId xmlns:a16="http://schemas.microsoft.com/office/drawing/2014/main" id="{B4449C17-7BA2-8D45-88C1-5168D168ACB1}"/>
+              </a:ext>
+            </a:extLst>
+          </p:cNvPr>
+          <p:cNvSpPr/>
+          <p:nvPr/>
+        </p:nvSpPr>
+        <p:spPr>
+          <a:xfrm>
+            <a:off x="1929846" y="5370444"/>
+            <a:ext cx="1958009" cy="934278"/>
+          </a:xfrm>
+          <a:prstGeom prst="rect">
+            <a:avLst/>
+          </a:prstGeom>
+          <a:solidFill>
+            <a:schemeClr val="tx2">
+              <a:lumMod val="60000"/>
+              <a:lumOff val="40000"/>
+            </a:schemeClr>
+          </a:solidFill>
+          <a:ln>
+            <a:solidFill>
+              <a:schemeClr val="tx1">
+                <a:lumMod val="75000"/>
+                <a:lumOff val="25000"/>
+              </a:schemeClr>
+            </a:solidFill>
+          </a:ln>
+        </p:spPr>
+        <p:style>
+          <a:lnRef idx="2">
+            <a:schemeClr val="accent1">
+              <a:shade val="50000"/>
+            </a:schemeClr>
+          </a:lnRef>
+          <a:fillRef idx="1">
+            <a:schemeClr val="accent1"/>
+          </a:fillRef>
+          <a:effectRef idx="0">
+            <a:schemeClr val="accent1"/>
+          </a:effectRef>
+          <a:fontRef idx="minor">
+            <a:schemeClr val="lt1"/>
+          </a:fontRef>
+        </p:style>
+        <p:txBody>
+          <a:bodyPr rtlCol="0" anchor="ctr"/>
+          <a:lstStyle/>
+          <a:p>
+            <a:pPr algn="ctr"/>
+            <a:r>
+              <a:rPr lang="en-GB" dirty="0"/>
+              <a:t>Square</a:t>
+            </a:r>
+          </a:p>
+        </p:txBody>
+      </p:sp>
+      <p:sp>
+        <p:nvSpPr>
+          <p:cNvPr id="14" name="Rectangle 13">
+            <a:extLst>
+              <a:ext uri="{FF2B5EF4-FFF2-40B4-BE49-F238E27FC236}">
+                <a16:creationId xmlns:a16="http://schemas.microsoft.com/office/drawing/2014/main" id="{09093530-9962-374E-A947-6C19F5C2FC8C}"/>
+              </a:ext>
+            </a:extLst>
+          </p:cNvPr>
+          <p:cNvSpPr/>
+          <p:nvPr/>
+        </p:nvSpPr>
+        <p:spPr>
+          <a:xfrm>
+            <a:off x="1929846" y="278296"/>
+            <a:ext cx="1958009" cy="934278"/>
+          </a:xfrm>
+          <a:prstGeom prst="rect">
+            <a:avLst/>
+          </a:prstGeom>
+          <a:ln>
+            <a:solidFill>
+              <a:schemeClr val="tx1">
+                <a:lumMod val="75000"/>
+                <a:lumOff val="25000"/>
+              </a:schemeClr>
+            </a:solidFill>
+          </a:ln>
+        </p:spPr>
+        <p:style>
+          <a:lnRef idx="2">
+            <a:schemeClr val="accent1">
+              <a:shade val="50000"/>
+            </a:schemeClr>
+          </a:lnRef>
+          <a:fillRef idx="1">
+            <a:schemeClr val="accent1"/>
+          </a:fillRef>
+          <a:effectRef idx="0">
+            <a:schemeClr val="accent1"/>
+          </a:effectRef>
+          <a:fontRef idx="minor">
+            <a:schemeClr val="lt1"/>
+          </a:fontRef>
+        </p:style>
+        <p:txBody>
+          <a:bodyPr rtlCol="0" anchor="ctr"/>
+          <a:lstStyle/>
+          <a:p>
+            <a:pPr algn="ctr"/>
+            <a:r>
+              <a:rPr lang="en-GB" dirty="0"/>
+              <a:t>Object</a:t>
+            </a:r>
+          </a:p>
+        </p:txBody>
+      </p:sp>
+      <p:cxnSp>
+        <p:nvCxnSpPr>
+          <p:cNvPr id="16" name="Straight Arrow Connector 15">
+            <a:extLst>
+              <a:ext uri="{FF2B5EF4-FFF2-40B4-BE49-F238E27FC236}">
+                <a16:creationId xmlns:a16="http://schemas.microsoft.com/office/drawing/2014/main" id="{93FF4F04-088E-1442-B1F3-938F967A8523}"/>
+              </a:ext>
+            </a:extLst>
+          </p:cNvPr>
+          <p:cNvCxnSpPr>
+            <a:cxnSpLocks/>
+            <a:stCxn id="5" idx="0"/>
+            <a:endCxn id="14" idx="2"/>
+          </p:cNvCxnSpPr>
+          <p:nvPr/>
+        </p:nvCxnSpPr>
+        <p:spPr>
+          <a:xfrm flipH="1" flipV="1">
+            <a:off x="2908851" y="1212574"/>
+            <a:ext cx="1" cy="2460488"/>
+          </a:xfrm>
+          <a:prstGeom prst="straightConnector1">
+            <a:avLst/>
+          </a:prstGeom>
+          <a:ln>
+            <a:solidFill>
+              <a:schemeClr val="tx1">
+                <a:lumMod val="75000"/>
+                <a:lumOff val="25000"/>
+              </a:schemeClr>
+            </a:solidFill>
+            <a:prstDash val="sysDash"/>
+            <a:tailEnd type="triangle"/>
+          </a:ln>
+        </p:spPr>
+        <p:style>
+          <a:lnRef idx="1">
+            <a:schemeClr val="accent1"/>
+          </a:lnRef>
+          <a:fillRef idx="0">
+            <a:schemeClr val="accent1"/>
+          </a:fillRef>
+          <a:effectRef idx="0">
+            <a:schemeClr val="accent1"/>
+          </a:effectRef>
+          <a:fontRef idx="minor">
+            <a:schemeClr val="tx1"/>
+          </a:fontRef>
+        </p:style>
+      </p:cxnSp>
+      <p:cxnSp>
+        <p:nvCxnSpPr>
+          <p:cNvPr id="27" name="Curved Connector 26">
+            <a:extLst>
+              <a:ext uri="{FF2B5EF4-FFF2-40B4-BE49-F238E27FC236}">
+                <a16:creationId xmlns:a16="http://schemas.microsoft.com/office/drawing/2014/main" id="{F7DE7D8A-0C6B-6141-A312-63FC8A4A7D7C}"/>
+              </a:ext>
+            </a:extLst>
+          </p:cNvPr>
+          <p:cNvCxnSpPr>
+            <a:stCxn id="7" idx="0"/>
+            <a:endCxn id="4" idx="2"/>
+          </p:cNvCxnSpPr>
+          <p:nvPr/>
+        </p:nvCxnSpPr>
+        <p:spPr>
+          <a:xfrm rot="16200000" flipV="1">
+            <a:off x="6900518" y="1833771"/>
+            <a:ext cx="763105" cy="2915477"/>
+          </a:xfrm>
+          <a:prstGeom prst="curvedConnector3">
+            <a:avLst/>
+          </a:prstGeom>
+          <a:ln w="12700">
+            <a:solidFill>
+              <a:schemeClr val="tx1">
+                <a:lumMod val="75000"/>
+                <a:lumOff val="25000"/>
+              </a:schemeClr>
+            </a:solidFill>
+            <a:tailEnd type="triangle"/>
+          </a:ln>
+        </p:spPr>
+        <p:style>
+          <a:lnRef idx="1">
+            <a:schemeClr val="accent1"/>
+          </a:lnRef>
+          <a:fillRef idx="0">
+            <a:schemeClr val="accent1"/>
+          </a:fillRef>
+          <a:effectRef idx="0">
+            <a:schemeClr val="accent1"/>
+          </a:effectRef>
+          <a:fontRef idx="minor">
+            <a:schemeClr val="tx1"/>
+          </a:fontRef>
+        </p:style>
+      </p:cxnSp>
+      <p:cxnSp>
+        <p:nvCxnSpPr>
+          <p:cNvPr id="28" name="Curved Connector 27">
+            <a:extLst>
+              <a:ext uri="{FF2B5EF4-FFF2-40B4-BE49-F238E27FC236}">
+                <a16:creationId xmlns:a16="http://schemas.microsoft.com/office/drawing/2014/main" id="{6B3D4297-09BE-A041-8DFB-3102A44CDD1D}"/>
+              </a:ext>
+            </a:extLst>
+          </p:cNvPr>
+          <p:cNvCxnSpPr>
+            <a:cxnSpLocks/>
+            <a:stCxn id="7" idx="0"/>
+            <a:endCxn id="14" idx="2"/>
+          </p:cNvCxnSpPr>
+          <p:nvPr/>
+        </p:nvCxnSpPr>
+        <p:spPr>
+          <a:xfrm rot="16200000" flipV="1">
+            <a:off x="4594086" y="-472661"/>
+            <a:ext cx="2460488" cy="5830957"/>
+          </a:xfrm>
+          <a:prstGeom prst="curvedConnector3">
+            <a:avLst>
+              <a:gd name="adj1" fmla="val 78276"/>
+            </a:avLst>
+          </a:prstGeom>
+          <a:ln>
+            <a:solidFill>
+              <a:schemeClr val="tx1">
+                <a:lumMod val="75000"/>
+                <a:lumOff val="25000"/>
+              </a:schemeClr>
+            </a:solidFill>
+            <a:prstDash val="sysDash"/>
+            <a:tailEnd type="triangle"/>
+          </a:ln>
+        </p:spPr>
+        <p:style>
+          <a:lnRef idx="1">
+            <a:schemeClr val="accent1"/>
+          </a:lnRef>
+          <a:fillRef idx="0">
+            <a:schemeClr val="accent1"/>
+          </a:fillRef>
+          <a:effectRef idx="0">
+            <a:schemeClr val="accent1"/>
+          </a:effectRef>
+          <a:fontRef idx="minor">
+            <a:schemeClr val="tx1"/>
+          </a:fontRef>
+        </p:style>
+      </p:cxnSp>
+      <p:cxnSp>
+        <p:nvCxnSpPr>
+          <p:cNvPr id="31" name="Curved Connector 30">
+            <a:extLst>
+              <a:ext uri="{FF2B5EF4-FFF2-40B4-BE49-F238E27FC236}">
+                <a16:creationId xmlns:a16="http://schemas.microsoft.com/office/drawing/2014/main" id="{C9F25D02-FC5E-5148-8BD0-6C6BA1B765B1}"/>
+              </a:ext>
+            </a:extLst>
+          </p:cNvPr>
+          <p:cNvCxnSpPr>
+            <a:cxnSpLocks/>
+            <a:stCxn id="6" idx="0"/>
+            <a:endCxn id="14" idx="2"/>
+          </p:cNvCxnSpPr>
+          <p:nvPr/>
+        </p:nvCxnSpPr>
+        <p:spPr>
+          <a:xfrm rot="16200000" flipV="1">
+            <a:off x="3136347" y="985078"/>
+            <a:ext cx="2460488" cy="2915479"/>
+          </a:xfrm>
+          <a:prstGeom prst="curvedConnector3">
+            <a:avLst>
+              <a:gd name="adj1" fmla="val 26975"/>
+            </a:avLst>
+          </a:prstGeom>
+          <a:ln>
+            <a:solidFill>
+              <a:schemeClr val="tx1">
+                <a:lumMod val="75000"/>
+                <a:lumOff val="25000"/>
+              </a:schemeClr>
+            </a:solidFill>
+            <a:prstDash val="sysDash"/>
+            <a:tailEnd type="triangle"/>
+          </a:ln>
+        </p:spPr>
+        <p:style>
+          <a:lnRef idx="1">
+            <a:schemeClr val="accent1"/>
+          </a:lnRef>
+          <a:fillRef idx="0">
+            <a:schemeClr val="accent1"/>
+          </a:fillRef>
+          <a:effectRef idx="0">
+            <a:schemeClr val="accent1"/>
+          </a:effectRef>
+          <a:fontRef idx="minor">
+            <a:schemeClr val="tx1"/>
+          </a:fontRef>
+        </p:style>
+      </p:cxnSp>
+      <p:cxnSp>
+        <p:nvCxnSpPr>
+          <p:cNvPr id="34" name="Straight Arrow Connector 33">
+            <a:extLst>
+              <a:ext uri="{FF2B5EF4-FFF2-40B4-BE49-F238E27FC236}">
+                <a16:creationId xmlns:a16="http://schemas.microsoft.com/office/drawing/2014/main" id="{B520B3ED-7F69-F645-BCE5-7489A87524D2}"/>
+              </a:ext>
+            </a:extLst>
+          </p:cNvPr>
+          <p:cNvCxnSpPr>
+            <a:cxnSpLocks/>
+            <a:stCxn id="6" idx="0"/>
+            <a:endCxn id="4" idx="2"/>
+          </p:cNvCxnSpPr>
+          <p:nvPr/>
+        </p:nvCxnSpPr>
+        <p:spPr>
+          <a:xfrm flipV="1">
+            <a:off x="5824330" y="2909957"/>
+            <a:ext cx="1" cy="763105"/>
+          </a:xfrm>
+          <a:prstGeom prst="straightConnector1">
+            <a:avLst/>
+          </a:prstGeom>
+          <a:ln w="12700">
+            <a:solidFill>
+              <a:schemeClr val="tx1">
+                <a:lumMod val="75000"/>
+                <a:lumOff val="25000"/>
+              </a:schemeClr>
+            </a:solidFill>
+            <a:tailEnd type="triangle"/>
+          </a:ln>
+        </p:spPr>
+        <p:style>
+          <a:lnRef idx="1">
+            <a:schemeClr val="accent1"/>
+          </a:lnRef>
+          <a:fillRef idx="0">
+            <a:schemeClr val="accent1"/>
+          </a:fillRef>
+          <a:effectRef idx="0">
+            <a:schemeClr val="accent1"/>
+          </a:effectRef>
+          <a:fontRef idx="minor">
+            <a:schemeClr val="tx1"/>
+          </a:fontRef>
+        </p:style>
+      </p:cxnSp>
+      <p:cxnSp>
+        <p:nvCxnSpPr>
+          <p:cNvPr id="37" name="Straight Arrow Connector 36">
+            <a:extLst>
+              <a:ext uri="{FF2B5EF4-FFF2-40B4-BE49-F238E27FC236}">
+                <a16:creationId xmlns:a16="http://schemas.microsoft.com/office/drawing/2014/main" id="{C477412A-EDE0-C047-B6D0-30FA5F75C2C9}"/>
+              </a:ext>
+            </a:extLst>
+          </p:cNvPr>
+          <p:cNvCxnSpPr>
+            <a:cxnSpLocks/>
+            <a:stCxn id="8" idx="0"/>
+            <a:endCxn id="5" idx="2"/>
+          </p:cNvCxnSpPr>
+          <p:nvPr/>
+        </p:nvCxnSpPr>
+        <p:spPr>
+          <a:xfrm flipV="1">
+            <a:off x="2908851" y="4607340"/>
+            <a:ext cx="1" cy="763104"/>
+          </a:xfrm>
+          <a:prstGeom prst="straightConnector1">
+            <a:avLst/>
+          </a:prstGeom>
+          <a:ln w="12700">
+            <a:solidFill>
+              <a:schemeClr val="tx1">
+                <a:lumMod val="75000"/>
+                <a:lumOff val="25000"/>
+              </a:schemeClr>
+            </a:solidFill>
+            <a:tailEnd type="triangle"/>
+          </a:ln>
+        </p:spPr>
+        <p:style>
+          <a:lnRef idx="1">
+            <a:schemeClr val="accent1"/>
+          </a:lnRef>
+          <a:fillRef idx="0">
+            <a:schemeClr val="accent1"/>
+          </a:fillRef>
+          <a:effectRef idx="0">
+            <a:schemeClr val="accent1"/>
+          </a:effectRef>
+          <a:fontRef idx="minor">
+            <a:schemeClr val="tx1"/>
+          </a:fontRef>
+        </p:style>
+      </p:cxnSp>
+      <p:cxnSp>
+        <p:nvCxnSpPr>
+          <p:cNvPr id="40" name="Curved Connector 39">
+            <a:extLst>
+              <a:ext uri="{FF2B5EF4-FFF2-40B4-BE49-F238E27FC236}">
+                <a16:creationId xmlns:a16="http://schemas.microsoft.com/office/drawing/2014/main" id="{8F7BD11A-C742-CD46-B344-B9C93D155174}"/>
+              </a:ext>
+            </a:extLst>
+          </p:cNvPr>
+          <p:cNvCxnSpPr>
+            <a:cxnSpLocks/>
+            <a:stCxn id="5" idx="0"/>
+            <a:endCxn id="4" idx="2"/>
+          </p:cNvCxnSpPr>
+          <p:nvPr/>
+        </p:nvCxnSpPr>
+        <p:spPr>
+          <a:xfrm rot="5400000" flipH="1" flipV="1">
+            <a:off x="3985039" y="1833771"/>
+            <a:ext cx="763105" cy="2915479"/>
+          </a:xfrm>
+          <a:prstGeom prst="curvedConnector3">
+            <a:avLst>
+              <a:gd name="adj1" fmla="val 50000"/>
+            </a:avLst>
+          </a:prstGeom>
+          <a:ln w="12700">
+            <a:solidFill>
+              <a:schemeClr val="tx1">
+                <a:lumMod val="75000"/>
+                <a:lumOff val="25000"/>
+              </a:schemeClr>
+            </a:solidFill>
+            <a:tailEnd type="triangle"/>
+          </a:ln>
+        </p:spPr>
+        <p:style>
+          <a:lnRef idx="1">
+            <a:schemeClr val="accent1"/>
+          </a:lnRef>
+          <a:fillRef idx="0">
+            <a:schemeClr val="accent1"/>
+          </a:fillRef>
+          <a:effectRef idx="0">
+            <a:schemeClr val="accent1"/>
+          </a:effectRef>
+          <a:fontRef idx="minor">
+            <a:schemeClr val="tx1"/>
+          </a:fontRef>
+        </p:style>
+      </p:cxnSp>
+      <p:sp>
+        <p:nvSpPr>
+          <p:cNvPr id="4" name="Rectangle 3">
+            <a:extLst>
+              <a:ext uri="{FF2B5EF4-FFF2-40B4-BE49-F238E27FC236}">
+                <a16:creationId xmlns:a16="http://schemas.microsoft.com/office/drawing/2014/main" id="{18CF6D0D-C76B-6843-8E45-C2A87F31CE3F}"/>
+              </a:ext>
+            </a:extLst>
+          </p:cNvPr>
+          <p:cNvSpPr/>
+          <p:nvPr/>
+        </p:nvSpPr>
+        <p:spPr>
+          <a:xfrm>
+            <a:off x="4845326" y="1975679"/>
+            <a:ext cx="1958009" cy="934278"/>
+          </a:xfrm>
+          <a:prstGeom prst="rect">
+            <a:avLst/>
+          </a:prstGeom>
+          <a:solidFill>
+            <a:schemeClr val="accent6">
+              <a:lumMod val="75000"/>
+            </a:schemeClr>
+          </a:solidFill>
+          <a:ln>
+            <a:solidFill>
+              <a:schemeClr val="tx1">
+                <a:lumMod val="75000"/>
+                <a:lumOff val="25000"/>
+              </a:schemeClr>
+            </a:solidFill>
+          </a:ln>
+        </p:spPr>
+        <p:style>
+          <a:lnRef idx="2">
+            <a:schemeClr val="accent1">
+              <a:shade val="50000"/>
+            </a:schemeClr>
+          </a:lnRef>
+          <a:fillRef idx="1">
+            <a:schemeClr val="accent1"/>
+          </a:fillRef>
+          <a:effectRef idx="0">
+            <a:schemeClr val="accent1"/>
+          </a:effectRef>
+          <a:fontRef idx="minor">
+            <a:schemeClr val="lt1"/>
+          </a:fontRef>
+        </p:style>
+        <p:txBody>
+          <a:bodyPr rtlCol="0" anchor="ctr"/>
+          <a:lstStyle/>
+          <a:p>
+            <a:pPr algn="ctr"/>
+            <a:r>
+              <a:rPr lang="en-GB" dirty="0"/>
+              <a:t>Shape</a:t>
+            </a:r>
+          </a:p>
+        </p:txBody>
+      </p:sp>
+      <p:sp>
+        <p:nvSpPr>
+          <p:cNvPr id="45" name="TextBox 44">
+            <a:extLst>
+              <a:ext uri="{FF2B5EF4-FFF2-40B4-BE49-F238E27FC236}">
+                <a16:creationId xmlns:a16="http://schemas.microsoft.com/office/drawing/2014/main" id="{D519CDB0-CDE5-DB44-A3D5-87130E6E4914}"/>
+              </a:ext>
+            </a:extLst>
+          </p:cNvPr>
+          <p:cNvSpPr txBox="1"/>
+          <p:nvPr/>
+        </p:nvSpPr>
+        <p:spPr>
+          <a:xfrm>
+            <a:off x="2261152" y="1480210"/>
+            <a:ext cx="5521127" cy="369332"/>
+          </a:xfrm>
+          <a:prstGeom prst="rect">
+            <a:avLst/>
+          </a:prstGeom>
+          <a:solidFill>
+            <a:srgbClr val="FFFFFF">
+              <a:alpha val="50196"/>
+            </a:srgbClr>
+          </a:solidFill>
+        </p:spPr>
+        <p:txBody>
+          <a:bodyPr wrap="none" rtlCol="0">
+            <a:spAutoFit/>
+          </a:bodyPr>
+          <a:lstStyle/>
+          <a:p>
+            <a:r>
+              <a:rPr lang="en-GB" dirty="0"/>
+              <a:t>These three classes extends the </a:t>
+            </a:r>
+            <a:r>
+              <a:rPr lang="en-GB" sz="1600" dirty="0">
+                <a:latin typeface="Courier New" panose="02070309020205020404" pitchFamily="49" charset="0"/>
+                <a:cs typeface="Courier New" panose="02070309020205020404" pitchFamily="49" charset="0"/>
+              </a:rPr>
+              <a:t>Object</a:t>
+            </a:r>
+            <a:r>
+              <a:rPr lang="en-GB" dirty="0"/>
+              <a:t> class by default</a:t>
+            </a:r>
+          </a:p>
+        </p:txBody>
+      </p:sp>
+    </p:spTree>
+    <p:extLst>
+      <p:ext uri="{BB962C8B-B14F-4D97-AF65-F5344CB8AC3E}">
+        <p14:creationId xmlns:p14="http://schemas.microsoft.com/office/powerpoint/2010/main" val="264711353"/>
+      </p:ext>
+    </p:extLst>
+  </p:cSld>
+  <p:clrMapOvr>
+    <a:masterClrMapping/>
+  </p:clrMapOvr>
+</p:sld>
+</file>
+
+<file path=ppt/slides/slide28.xml><?xml version="1.0" encoding="utf-8"?>
 <p:sld xmlns:a="http://schemas.openxmlformats.org/drawingml/2006/main" xmlns:r="http://schemas.openxmlformats.org/officeDocument/2006/relationships" xmlns:p="http://schemas.openxmlformats.org/presentationml/2006/main">
   <p:cSld>
     <p:spTree>

--- a/assets/images/Images.pptx
+++ b/assets/images/Images.pptx
@@ -5,7 +5,7 @@
     <p:sldMasterId id="2147483648" r:id="rId1"/>
   </p:sldMasterIdLst>
   <p:notesMasterIdLst>
-    <p:notesMasterId r:id="rId30"/>
+    <p:notesMasterId r:id="rId32"/>
   </p:notesMasterIdLst>
   <p:sldIdLst>
     <p:sldId id="257" r:id="rId2"/>
@@ -35,7 +35,9 @@
     <p:sldId id="281" r:id="rId26"/>
     <p:sldId id="270" r:id="rId27"/>
     <p:sldId id="283" r:id="rId28"/>
-    <p:sldId id="256" r:id="rId29"/>
+    <p:sldId id="284" r:id="rId29"/>
+    <p:sldId id="285" r:id="rId30"/>
+    <p:sldId id="256" r:id="rId31"/>
   </p:sldIdLst>
   <p:sldSz cx="12192000" cy="6858000"/>
   <p:notesSz cx="6858000" cy="9144000"/>
@@ -186,6 +188,8 @@
         <p14:section name="Generics" id="{E31CA8EF-AF00-7843-A542-3016C7754C74}">
           <p14:sldIdLst>
             <p14:sldId id="283"/>
+            <p14:sldId id="284"/>
+            <p14:sldId id="285"/>
           </p14:sldIdLst>
         </p14:section>
         <p14:section name="Testing" id="{064BBB82-ADB6-E844-9D9E-44CD43DCBE9F}">
@@ -287,7 +291,7 @@
           <a:p>
             <a:fld id="{F0373C07-0034-D84F-B0CB-1249B408AEAD}" type="datetimeFigureOut">
               <a:rPr lang="en-GB" smtClean="0"/>
-              <a:t>26/06/2020</a:t>
+              <a:t>29/06/2020</a:t>
             </a:fld>
             <a:endParaRPr lang="en-GB"/>
           </a:p>
@@ -934,7 +938,7 @@
           <a:bodyPr/>
           <a:lstStyle/>
           <a:p>
-            <a:endParaRPr lang="en-GB"/>
+            <a:endParaRPr lang="en-GB" dirty="0"/>
           </a:p>
         </p:txBody>
       </p:sp>
@@ -956,6 +960,174 @@
             <a:fld id="{11A96E62-EC5F-C045-9FEB-EDD3A98888BE}" type="slidenum">
               <a:rPr lang="en-GB" smtClean="0"/>
               <a:t>28</a:t>
+            </a:fld>
+            <a:endParaRPr lang="en-GB"/>
+          </a:p>
+        </p:txBody>
+      </p:sp>
+    </p:spTree>
+    <p:extLst>
+      <p:ext uri="{BB962C8B-B14F-4D97-AF65-F5344CB8AC3E}">
+        <p14:creationId xmlns:p14="http://schemas.microsoft.com/office/powerpoint/2010/main" val="1980388598"/>
+      </p:ext>
+    </p:extLst>
+  </p:cSld>
+  <p:clrMapOvr>
+    <a:masterClrMapping/>
+  </p:clrMapOvr>
+</p:notes>
+</file>
+
+<file path=ppt/notesSlides/notesSlide6.xml><?xml version="1.0" encoding="utf-8"?>
+<p:notes xmlns:a="http://schemas.openxmlformats.org/drawingml/2006/main" xmlns:r="http://schemas.openxmlformats.org/officeDocument/2006/relationships" xmlns:p="http://schemas.openxmlformats.org/presentationml/2006/main">
+  <p:cSld>
+    <p:spTree>
+      <p:nvGrpSpPr>
+        <p:cNvPr id="1" name=""/>
+        <p:cNvGrpSpPr/>
+        <p:nvPr/>
+      </p:nvGrpSpPr>
+      <p:grpSpPr>
+        <a:xfrm>
+          <a:off x="0" y="0"/>
+          <a:ext cx="0" cy="0"/>
+          <a:chOff x="0" y="0"/>
+          <a:chExt cx="0" cy="0"/>
+        </a:xfrm>
+      </p:grpSpPr>
+      <p:sp>
+        <p:nvSpPr>
+          <p:cNvPr id="2" name="Slide Image Placeholder 1"/>
+          <p:cNvSpPr>
+            <a:spLocks noGrp="1" noRot="1" noChangeAspect="1"/>
+          </p:cNvSpPr>
+          <p:nvPr>
+            <p:ph type="sldImg"/>
+          </p:nvPr>
+        </p:nvSpPr>
+        <p:spPr/>
+      </p:sp>
+      <p:sp>
+        <p:nvSpPr>
+          <p:cNvPr id="3" name="Notes Placeholder 2"/>
+          <p:cNvSpPr>
+            <a:spLocks noGrp="1"/>
+          </p:cNvSpPr>
+          <p:nvPr>
+            <p:ph type="body" idx="1"/>
+          </p:nvPr>
+        </p:nvSpPr>
+        <p:spPr/>
+        <p:txBody>
+          <a:bodyPr/>
+          <a:lstStyle/>
+          <a:p>
+            <a:endParaRPr lang="en-GB" dirty="0"/>
+          </a:p>
+        </p:txBody>
+      </p:sp>
+      <p:sp>
+        <p:nvSpPr>
+          <p:cNvPr id="4" name="Slide Number Placeholder 3"/>
+          <p:cNvSpPr>
+            <a:spLocks noGrp="1"/>
+          </p:cNvSpPr>
+          <p:nvPr>
+            <p:ph type="sldNum" sz="quarter" idx="5"/>
+          </p:nvPr>
+        </p:nvSpPr>
+        <p:spPr/>
+        <p:txBody>
+          <a:bodyPr/>
+          <a:lstStyle/>
+          <a:p>
+            <a:fld id="{11A96E62-EC5F-C045-9FEB-EDD3A98888BE}" type="slidenum">
+              <a:rPr lang="en-GB" smtClean="0"/>
+              <a:t>29</a:t>
+            </a:fld>
+            <a:endParaRPr lang="en-GB"/>
+          </a:p>
+        </p:txBody>
+      </p:sp>
+    </p:spTree>
+    <p:extLst>
+      <p:ext uri="{BB962C8B-B14F-4D97-AF65-F5344CB8AC3E}">
+        <p14:creationId xmlns:p14="http://schemas.microsoft.com/office/powerpoint/2010/main" val="4240995572"/>
+      </p:ext>
+    </p:extLst>
+  </p:cSld>
+  <p:clrMapOvr>
+    <a:masterClrMapping/>
+  </p:clrMapOvr>
+</p:notes>
+</file>
+
+<file path=ppt/notesSlides/notesSlide7.xml><?xml version="1.0" encoding="utf-8"?>
+<p:notes xmlns:a="http://schemas.openxmlformats.org/drawingml/2006/main" xmlns:r="http://schemas.openxmlformats.org/officeDocument/2006/relationships" xmlns:p="http://schemas.openxmlformats.org/presentationml/2006/main">
+  <p:cSld>
+    <p:spTree>
+      <p:nvGrpSpPr>
+        <p:cNvPr id="1" name=""/>
+        <p:cNvGrpSpPr/>
+        <p:nvPr/>
+      </p:nvGrpSpPr>
+      <p:grpSpPr>
+        <a:xfrm>
+          <a:off x="0" y="0"/>
+          <a:ext cx="0" cy="0"/>
+          <a:chOff x="0" y="0"/>
+          <a:chExt cx="0" cy="0"/>
+        </a:xfrm>
+      </p:grpSpPr>
+      <p:sp>
+        <p:nvSpPr>
+          <p:cNvPr id="2" name="Slide Image Placeholder 1"/>
+          <p:cNvSpPr>
+            <a:spLocks noGrp="1" noRot="1" noChangeAspect="1"/>
+          </p:cNvSpPr>
+          <p:nvPr>
+            <p:ph type="sldImg"/>
+          </p:nvPr>
+        </p:nvSpPr>
+        <p:spPr/>
+      </p:sp>
+      <p:sp>
+        <p:nvSpPr>
+          <p:cNvPr id="3" name="Notes Placeholder 2"/>
+          <p:cNvSpPr>
+            <a:spLocks noGrp="1"/>
+          </p:cNvSpPr>
+          <p:nvPr>
+            <p:ph type="body" idx="1"/>
+          </p:nvPr>
+        </p:nvSpPr>
+        <p:spPr/>
+        <p:txBody>
+          <a:bodyPr/>
+          <a:lstStyle/>
+          <a:p>
+            <a:endParaRPr lang="en-GB"/>
+          </a:p>
+        </p:txBody>
+      </p:sp>
+      <p:sp>
+        <p:nvSpPr>
+          <p:cNvPr id="4" name="Slide Number Placeholder 3"/>
+          <p:cNvSpPr>
+            <a:spLocks noGrp="1"/>
+          </p:cNvSpPr>
+          <p:nvPr>
+            <p:ph type="sldNum" sz="quarter" idx="5"/>
+          </p:nvPr>
+        </p:nvSpPr>
+        <p:spPr/>
+        <p:txBody>
+          <a:bodyPr/>
+          <a:lstStyle/>
+          <a:p>
+            <a:fld id="{11A96E62-EC5F-C045-9FEB-EDD3A98888BE}" type="slidenum">
+              <a:rPr lang="en-GB" smtClean="0"/>
+              <a:t>30</a:t>
             </a:fld>
             <a:endParaRPr lang="en-GB"/>
           </a:p>
@@ -1121,7 +1293,7 @@
           <a:p>
             <a:fld id="{1277814B-86DA-1A43-BEBE-BB22F0FBA56B}" type="datetimeFigureOut">
               <a:rPr lang="en-GB" smtClean="0"/>
-              <a:t>26/06/2020</a:t>
+              <a:t>29/06/2020</a:t>
             </a:fld>
             <a:endParaRPr lang="en-GB"/>
           </a:p>
@@ -1319,7 +1491,7 @@
           <a:p>
             <a:fld id="{1277814B-86DA-1A43-BEBE-BB22F0FBA56B}" type="datetimeFigureOut">
               <a:rPr lang="en-GB" smtClean="0"/>
-              <a:t>26/06/2020</a:t>
+              <a:t>29/06/2020</a:t>
             </a:fld>
             <a:endParaRPr lang="en-GB"/>
           </a:p>
@@ -1527,7 +1699,7 @@
           <a:p>
             <a:fld id="{1277814B-86DA-1A43-BEBE-BB22F0FBA56B}" type="datetimeFigureOut">
               <a:rPr lang="en-GB" smtClean="0"/>
-              <a:t>26/06/2020</a:t>
+              <a:t>29/06/2020</a:t>
             </a:fld>
             <a:endParaRPr lang="en-GB"/>
           </a:p>
@@ -1725,7 +1897,7 @@
           <a:p>
             <a:fld id="{1277814B-86DA-1A43-BEBE-BB22F0FBA56B}" type="datetimeFigureOut">
               <a:rPr lang="en-GB" smtClean="0"/>
-              <a:t>26/06/2020</a:t>
+              <a:t>29/06/2020</a:t>
             </a:fld>
             <a:endParaRPr lang="en-GB"/>
           </a:p>
@@ -2000,7 +2172,7 @@
           <a:p>
             <a:fld id="{1277814B-86DA-1A43-BEBE-BB22F0FBA56B}" type="datetimeFigureOut">
               <a:rPr lang="en-GB" smtClean="0"/>
-              <a:t>26/06/2020</a:t>
+              <a:t>29/06/2020</a:t>
             </a:fld>
             <a:endParaRPr lang="en-GB"/>
           </a:p>
@@ -2265,7 +2437,7 @@
           <a:p>
             <a:fld id="{1277814B-86DA-1A43-BEBE-BB22F0FBA56B}" type="datetimeFigureOut">
               <a:rPr lang="en-GB" smtClean="0"/>
-              <a:t>26/06/2020</a:t>
+              <a:t>29/06/2020</a:t>
             </a:fld>
             <a:endParaRPr lang="en-GB"/>
           </a:p>
@@ -2677,7 +2849,7 @@
           <a:p>
             <a:fld id="{1277814B-86DA-1A43-BEBE-BB22F0FBA56B}" type="datetimeFigureOut">
               <a:rPr lang="en-GB" smtClean="0"/>
-              <a:t>26/06/2020</a:t>
+              <a:t>29/06/2020</a:t>
             </a:fld>
             <a:endParaRPr lang="en-GB"/>
           </a:p>
@@ -2818,7 +2990,7 @@
           <a:p>
             <a:fld id="{1277814B-86DA-1A43-BEBE-BB22F0FBA56B}" type="datetimeFigureOut">
               <a:rPr lang="en-GB" smtClean="0"/>
-              <a:t>26/06/2020</a:t>
+              <a:t>29/06/2020</a:t>
             </a:fld>
             <a:endParaRPr lang="en-GB"/>
           </a:p>
@@ -2931,7 +3103,7 @@
           <a:p>
             <a:fld id="{1277814B-86DA-1A43-BEBE-BB22F0FBA56B}" type="datetimeFigureOut">
               <a:rPr lang="en-GB" smtClean="0"/>
-              <a:t>26/06/2020</a:t>
+              <a:t>29/06/2020</a:t>
             </a:fld>
             <a:endParaRPr lang="en-GB"/>
           </a:p>
@@ -3242,7 +3414,7 @@
           <a:p>
             <a:fld id="{1277814B-86DA-1A43-BEBE-BB22F0FBA56B}" type="datetimeFigureOut">
               <a:rPr lang="en-GB" smtClean="0"/>
-              <a:t>26/06/2020</a:t>
+              <a:t>29/06/2020</a:t>
             </a:fld>
             <a:endParaRPr lang="en-GB"/>
           </a:p>
@@ -3530,7 +3702,7 @@
           <a:p>
             <a:fld id="{1277814B-86DA-1A43-BEBE-BB22F0FBA56B}" type="datetimeFigureOut">
               <a:rPr lang="en-GB" smtClean="0"/>
-              <a:t>26/06/2020</a:t>
+              <a:t>29/06/2020</a:t>
             </a:fld>
             <a:endParaRPr lang="en-GB"/>
           </a:p>
@@ -3771,7 +3943,7 @@
           <a:p>
             <a:fld id="{1277814B-86DA-1A43-BEBE-BB22F0FBA56B}" type="datetimeFigureOut">
               <a:rPr lang="en-GB" smtClean="0"/>
-              <a:t>26/06/2020</a:t>
+              <a:t>29/06/2020</a:t>
             </a:fld>
             <a:endParaRPr lang="en-GB"/>
           </a:p>
@@ -15254,10 +15426,10 @@
       </p:grpSpPr>
       <p:sp>
         <p:nvSpPr>
-          <p:cNvPr id="8" name="Cloud 7">
-            <a:extLst>
-              <a:ext uri="{FF2B5EF4-FFF2-40B4-BE49-F238E27FC236}">
-                <a16:creationId xmlns:a16="http://schemas.microsoft.com/office/drawing/2014/main" id="{94F42F71-0F59-7847-8897-2C8409A6EB4E}"/>
+          <p:cNvPr id="4" name="Rectangle 3">
+            <a:extLst>
+              <a:ext uri="{FF2B5EF4-FFF2-40B4-BE49-F238E27FC236}">
+                <a16:creationId xmlns:a16="http://schemas.microsoft.com/office/drawing/2014/main" id="{9E5FF8BA-3EFC-124C-9A88-A59FC08B98F9}"/>
               </a:ext>
             </a:extLst>
           </p:cNvPr>
@@ -15266,12 +15438,20 @@
         </p:nvSpPr>
         <p:spPr>
           <a:xfrm>
-            <a:off x="4078835" y="168909"/>
-            <a:ext cx="2430049" cy="1828800"/>
-          </a:xfrm>
-          <a:prstGeom prst="cloud">
-            <a:avLst/>
-          </a:prstGeom>
+            <a:off x="4967908" y="1878495"/>
+            <a:ext cx="2435087" cy="715617"/>
+          </a:xfrm>
+          <a:prstGeom prst="rect">
+            <a:avLst/>
+          </a:prstGeom>
+          <a:ln>
+            <a:solidFill>
+              <a:schemeClr val="tx1">
+                <a:lumMod val="75000"/>
+                <a:lumOff val="25000"/>
+              </a:schemeClr>
+            </a:solidFill>
+          </a:ln>
         </p:spPr>
         <p:style>
           <a:lnRef idx="2">
@@ -15295,18 +15475,21 @@
           <a:p>
             <a:pPr algn="ctr"/>
             <a:r>
-              <a:rPr lang="en-GB" dirty="0"/>
-              <a:t>Test Double</a:t>
-            </a:r>
-          </a:p>
-        </p:txBody>
-      </p:sp>
-      <p:sp>
-        <p:nvSpPr>
-          <p:cNvPr id="9" name="Rectangle 8">
-            <a:extLst>
-              <a:ext uri="{FF2B5EF4-FFF2-40B4-BE49-F238E27FC236}">
-                <a16:creationId xmlns:a16="http://schemas.microsoft.com/office/drawing/2014/main" id="{F6EE240D-D31C-1A4B-9685-1613792E46F0}"/>
+              <a:rPr lang="en-GB" dirty="0">
+                <a:latin typeface="Courier New" panose="02070309020205020404" pitchFamily="49" charset="0"/>
+                <a:cs typeface="Courier New" panose="02070309020205020404" pitchFamily="49" charset="0"/>
+              </a:rPr>
+              <a:t>put(Object)</a:t>
+            </a:r>
+          </a:p>
+        </p:txBody>
+      </p:sp>
+      <p:sp>
+        <p:nvSpPr>
+          <p:cNvPr id="5" name="Rectangle 4">
+            <a:extLst>
+              <a:ext uri="{FF2B5EF4-FFF2-40B4-BE49-F238E27FC236}">
+                <a16:creationId xmlns:a16="http://schemas.microsoft.com/office/drawing/2014/main" id="{82B50688-CDAF-524A-BB49-54E7C315C431}"/>
               </a:ext>
             </a:extLst>
           </p:cNvPr>
@@ -15315,12 +15498,25 @@
         </p:nvSpPr>
         <p:spPr>
           <a:xfrm>
-            <a:off x="1883229" y="2427515"/>
-            <a:ext cx="1919226" cy="723092"/>
+            <a:off x="8986630" y="3945835"/>
+            <a:ext cx="2435087" cy="715617"/>
           </a:xfrm>
           <a:prstGeom prst="rect">
             <a:avLst/>
           </a:prstGeom>
+          <a:solidFill>
+            <a:schemeClr val="accent6">
+              <a:lumMod val="75000"/>
+            </a:schemeClr>
+          </a:solidFill>
+          <a:ln>
+            <a:solidFill>
+              <a:schemeClr val="tx1">
+                <a:lumMod val="75000"/>
+                <a:lumOff val="25000"/>
+              </a:schemeClr>
+            </a:solidFill>
+          </a:ln>
         </p:spPr>
         <p:style>
           <a:lnRef idx="2">
@@ -15344,18 +15540,21 @@
           <a:p>
             <a:pPr algn="ctr"/>
             <a:r>
-              <a:rPr lang="en-GB" dirty="0"/>
-              <a:t>Dummy</a:t>
-            </a:r>
-          </a:p>
-        </p:txBody>
-      </p:sp>
-      <p:sp>
-        <p:nvSpPr>
-          <p:cNvPr id="10" name="Rectangle 9">
-            <a:extLst>
-              <a:ext uri="{FF2B5EF4-FFF2-40B4-BE49-F238E27FC236}">
-                <a16:creationId xmlns:a16="http://schemas.microsoft.com/office/drawing/2014/main" id="{1EE69F68-74C0-464F-8E30-0E2C5B2D4696}"/>
+              <a:rPr lang="en-GB" dirty="0">
+                <a:latin typeface="Courier New" panose="02070309020205020404" pitchFamily="49" charset="0"/>
+                <a:cs typeface="Courier New" panose="02070309020205020404" pitchFamily="49" charset="0"/>
+              </a:rPr>
+              <a:t>put(String)</a:t>
+            </a:r>
+          </a:p>
+        </p:txBody>
+      </p:sp>
+      <p:sp>
+        <p:nvSpPr>
+          <p:cNvPr id="6" name="Rectangle 5">
+            <a:extLst>
+              <a:ext uri="{FF2B5EF4-FFF2-40B4-BE49-F238E27FC236}">
+                <a16:creationId xmlns:a16="http://schemas.microsoft.com/office/drawing/2014/main" id="{1D34A800-43D8-8547-9BA7-CC34D651BF4A}"/>
               </a:ext>
             </a:extLst>
           </p:cNvPr>
@@ -15364,12 +15563,20 @@
         </p:nvSpPr>
         <p:spPr>
           <a:xfrm>
-            <a:off x="1883229" y="3429000"/>
-            <a:ext cx="1919226" cy="723092"/>
+            <a:off x="949187" y="1878494"/>
+            <a:ext cx="2435087" cy="715617"/>
           </a:xfrm>
           <a:prstGeom prst="rect">
             <a:avLst/>
           </a:prstGeom>
+          <a:ln>
+            <a:solidFill>
+              <a:schemeClr val="tx1">
+                <a:lumMod val="75000"/>
+                <a:lumOff val="25000"/>
+              </a:schemeClr>
+            </a:solidFill>
+          </a:ln>
         </p:spPr>
         <p:style>
           <a:lnRef idx="2">
@@ -15394,17 +15601,68 @@
             <a:pPr algn="ctr"/>
             <a:r>
               <a:rPr lang="en-GB" dirty="0"/>
-              <a:t>Stub</a:t>
-            </a:r>
-          </a:p>
-        </p:txBody>
-      </p:sp>
-      <p:sp>
-        <p:nvSpPr>
-          <p:cNvPr id="11" name="Rectangle 10">
-            <a:extLst>
-              <a:ext uri="{FF2B5EF4-FFF2-40B4-BE49-F238E27FC236}">
-                <a16:creationId xmlns:a16="http://schemas.microsoft.com/office/drawing/2014/main" id="{B2E808FA-1944-2B4E-947D-628334D8C9F8}"/>
+              <a:t>Raw Type</a:t>
+            </a:r>
+          </a:p>
+        </p:txBody>
+      </p:sp>
+      <p:cxnSp>
+        <p:nvCxnSpPr>
+          <p:cNvPr id="12" name="Curved Connector 11">
+            <a:extLst>
+              <a:ext uri="{FF2B5EF4-FFF2-40B4-BE49-F238E27FC236}">
+                <a16:creationId xmlns:a16="http://schemas.microsoft.com/office/drawing/2014/main" id="{057D1818-92DB-7143-8E70-61A91854C118}"/>
+              </a:ext>
+            </a:extLst>
+          </p:cNvPr>
+          <p:cNvCxnSpPr>
+            <a:cxnSpLocks/>
+            <a:stCxn id="4" idx="3"/>
+            <a:endCxn id="5" idx="1"/>
+          </p:cNvCxnSpPr>
+          <p:nvPr/>
+        </p:nvCxnSpPr>
+        <p:spPr>
+          <a:xfrm>
+            <a:off x="7402995" y="2236304"/>
+            <a:ext cx="1583635" cy="2067340"/>
+          </a:xfrm>
+          <a:prstGeom prst="curvedConnector3">
+            <a:avLst>
+              <a:gd name="adj1" fmla="val 50000"/>
+            </a:avLst>
+          </a:prstGeom>
+          <a:ln w="12700">
+            <a:solidFill>
+              <a:schemeClr val="tx1">
+                <a:lumMod val="75000"/>
+                <a:lumOff val="25000"/>
+              </a:schemeClr>
+            </a:solidFill>
+            <a:tailEnd type="triangle"/>
+          </a:ln>
+        </p:spPr>
+        <p:style>
+          <a:lnRef idx="1">
+            <a:schemeClr val="accent1"/>
+          </a:lnRef>
+          <a:fillRef idx="0">
+            <a:schemeClr val="accent1"/>
+          </a:fillRef>
+          <a:effectRef idx="0">
+            <a:schemeClr val="accent1"/>
+          </a:effectRef>
+          <a:fontRef idx="minor">
+            <a:schemeClr val="tx1"/>
+          </a:fontRef>
+        </p:style>
+      </p:cxnSp>
+      <p:sp>
+        <p:nvSpPr>
+          <p:cNvPr id="16" name="Rectangle 15">
+            <a:extLst>
+              <a:ext uri="{FF2B5EF4-FFF2-40B4-BE49-F238E27FC236}">
+                <a16:creationId xmlns:a16="http://schemas.microsoft.com/office/drawing/2014/main" id="{733B1903-9710-8A42-B7C8-1F160E2A04ED}"/>
               </a:ext>
             </a:extLst>
           </p:cNvPr>
@@ -15413,12 +15671,25 @@
         </p:nvSpPr>
         <p:spPr>
           <a:xfrm>
-            <a:off x="1883229" y="4430485"/>
-            <a:ext cx="1919226" cy="723092"/>
+            <a:off x="949186" y="3945835"/>
+            <a:ext cx="2435087" cy="715617"/>
           </a:xfrm>
           <a:prstGeom prst="rect">
             <a:avLst/>
           </a:prstGeom>
+          <a:solidFill>
+            <a:schemeClr val="accent6">
+              <a:lumMod val="75000"/>
+            </a:schemeClr>
+          </a:solidFill>
+          <a:ln>
+            <a:solidFill>
+              <a:schemeClr val="tx1">
+                <a:lumMod val="75000"/>
+                <a:lumOff val="25000"/>
+              </a:schemeClr>
+            </a:solidFill>
+          </a:ln>
         </p:spPr>
         <p:style>
           <a:lnRef idx="2">
@@ -15443,176 +15714,57 @@
             <a:pPr algn="ctr"/>
             <a:r>
               <a:rPr lang="en-GB" dirty="0"/>
-              <a:t>Spy</a:t>
-            </a:r>
-          </a:p>
-        </p:txBody>
-      </p:sp>
-      <p:sp>
-        <p:nvSpPr>
-          <p:cNvPr id="12" name="Rectangle 11">
-            <a:extLst>
-              <a:ext uri="{FF2B5EF4-FFF2-40B4-BE49-F238E27FC236}">
-                <a16:creationId xmlns:a16="http://schemas.microsoft.com/office/drawing/2014/main" id="{34975D4E-A32E-9B46-B936-3CD4867661D0}"/>
-              </a:ext>
-            </a:extLst>
-          </p:cNvPr>
-          <p:cNvSpPr/>
-          <p:nvPr/>
-        </p:nvSpPr>
-        <p:spPr>
-          <a:xfrm>
-            <a:off x="1883229" y="5431970"/>
-            <a:ext cx="1919226" cy="723092"/>
-          </a:xfrm>
-          <a:prstGeom prst="rect">
-            <a:avLst/>
-          </a:prstGeom>
-        </p:spPr>
-        <p:style>
-          <a:lnRef idx="2">
-            <a:schemeClr val="accent1">
-              <a:shade val="50000"/>
-            </a:schemeClr>
-          </a:lnRef>
-          <a:fillRef idx="1">
-            <a:schemeClr val="accent1"/>
-          </a:fillRef>
-          <a:effectRef idx="0">
-            <a:schemeClr val="accent1"/>
-          </a:effectRef>
-          <a:fontRef idx="minor">
-            <a:schemeClr val="lt1"/>
-          </a:fontRef>
-        </p:style>
-        <p:txBody>
-          <a:bodyPr rtlCol="0" anchor="ctr"/>
-          <a:lstStyle/>
-          <a:p>
-            <a:pPr algn="ctr"/>
-            <a:r>
+              <a:t>Generics</a:t>
+            </a:r>
+            <a:br>
               <a:rPr lang="en-GB" dirty="0"/>
-              <a:t>Mock</a:t>
-            </a:r>
-          </a:p>
-        </p:txBody>
-      </p:sp>
-      <p:sp>
-        <p:nvSpPr>
-          <p:cNvPr id="13" name="Rectangle 12">
-            <a:extLst>
-              <a:ext uri="{FF2B5EF4-FFF2-40B4-BE49-F238E27FC236}">
-                <a16:creationId xmlns:a16="http://schemas.microsoft.com/office/drawing/2014/main" id="{3B2A9E41-DB72-7D43-9CF8-F3213B9CC7B4}"/>
-              </a:ext>
-            </a:extLst>
-          </p:cNvPr>
-          <p:cNvSpPr/>
-          <p:nvPr/>
-        </p:nvSpPr>
-        <p:spPr>
-          <a:xfrm>
-            <a:off x="6788698" y="5431970"/>
-            <a:ext cx="1919226" cy="723092"/>
-          </a:xfrm>
-          <a:prstGeom prst="rect">
-            <a:avLst/>
-          </a:prstGeom>
-        </p:spPr>
-        <p:style>
-          <a:lnRef idx="2">
-            <a:schemeClr val="accent1">
-              <a:shade val="50000"/>
-            </a:schemeClr>
-          </a:lnRef>
-          <a:fillRef idx="1">
-            <a:schemeClr val="accent1"/>
-          </a:fillRef>
-          <a:effectRef idx="0">
-            <a:schemeClr val="accent1"/>
-          </a:effectRef>
-          <a:fontRef idx="minor">
-            <a:schemeClr val="lt1"/>
-          </a:fontRef>
-        </p:style>
-        <p:txBody>
-          <a:bodyPr rtlCol="0" anchor="ctr"/>
-          <a:lstStyle/>
-          <a:p>
-            <a:pPr algn="ctr"/>
-            <a:r>
-              <a:rPr lang="en-GB" dirty="0"/>
-              <a:t>Fake</a:t>
-            </a:r>
+            </a:br>
+            <a:r>
+              <a:rPr lang="en-GB" sz="1400" dirty="0"/>
+              <a:t>(</a:t>
+            </a:r>
+            <a:r>
+              <a:rPr lang="en-GB" sz="1400" i="1" dirty="0"/>
+              <a:t>of type String</a:t>
+            </a:r>
+            <a:r>
+              <a:rPr lang="en-GB" sz="1400" dirty="0"/>
+              <a:t>)</a:t>
+            </a:r>
+            <a:endParaRPr lang="en-GB" dirty="0"/>
           </a:p>
         </p:txBody>
       </p:sp>
       <p:cxnSp>
         <p:nvCxnSpPr>
-          <p:cNvPr id="15" name="Straight Arrow Connector 14">
-            <a:extLst>
-              <a:ext uri="{FF2B5EF4-FFF2-40B4-BE49-F238E27FC236}">
-                <a16:creationId xmlns:a16="http://schemas.microsoft.com/office/drawing/2014/main" id="{6D0AA745-0DB1-2641-BAD8-9D0F53B759BF}"/>
+          <p:cNvPr id="18" name="Straight Arrow Connector 17">
+            <a:extLst>
+              <a:ext uri="{FF2B5EF4-FFF2-40B4-BE49-F238E27FC236}">
+                <a16:creationId xmlns:a16="http://schemas.microsoft.com/office/drawing/2014/main" id="{CFE10467-AEC0-F64C-92EE-62FF8D0514DF}"/>
               </a:ext>
             </a:extLst>
           </p:cNvPr>
           <p:cNvCxnSpPr>
-            <a:stCxn id="12" idx="0"/>
-            <a:endCxn id="11" idx="2"/>
+            <a:stCxn id="6" idx="3"/>
+            <a:endCxn id="4" idx="1"/>
           </p:cNvCxnSpPr>
           <p:nvPr/>
         </p:nvCxnSpPr>
         <p:spPr>
-          <a:xfrm flipV="1">
-            <a:off x="2842842" y="5153577"/>
-            <a:ext cx="0" cy="278393"/>
+          <a:xfrm>
+            <a:off x="3384274" y="2236303"/>
+            <a:ext cx="1583634" cy="1"/>
           </a:xfrm>
           <a:prstGeom prst="straightConnector1">
             <a:avLst/>
           </a:prstGeom>
-          <a:ln>
-            <a:tailEnd type="triangle"/>
-          </a:ln>
-        </p:spPr>
-        <p:style>
-          <a:lnRef idx="1">
-            <a:schemeClr val="accent1"/>
-          </a:lnRef>
-          <a:fillRef idx="0">
-            <a:schemeClr val="accent1"/>
-          </a:fillRef>
-          <a:effectRef idx="0">
-            <a:schemeClr val="accent1"/>
-          </a:effectRef>
-          <a:fontRef idx="minor">
-            <a:schemeClr val="tx1"/>
-          </a:fontRef>
-        </p:style>
-      </p:cxnSp>
-      <p:cxnSp>
-        <p:nvCxnSpPr>
-          <p:cNvPr id="16" name="Straight Arrow Connector 15">
-            <a:extLst>
-              <a:ext uri="{FF2B5EF4-FFF2-40B4-BE49-F238E27FC236}">
-                <a16:creationId xmlns:a16="http://schemas.microsoft.com/office/drawing/2014/main" id="{454CE2E0-6108-6647-8B20-0D2B2A8F3A95}"/>
-              </a:ext>
-            </a:extLst>
-          </p:cNvPr>
-          <p:cNvCxnSpPr>
-            <a:cxnSpLocks/>
-            <a:stCxn id="11" idx="0"/>
-            <a:endCxn id="10" idx="2"/>
-          </p:cNvCxnSpPr>
-          <p:nvPr/>
-        </p:nvCxnSpPr>
-        <p:spPr>
-          <a:xfrm flipV="1">
-            <a:off x="2842842" y="4152092"/>
-            <a:ext cx="0" cy="278393"/>
-          </a:xfrm>
-          <a:prstGeom prst="straightConnector1">
-            <a:avLst/>
-          </a:prstGeom>
-          <a:ln>
+          <a:ln w="12700">
+            <a:solidFill>
+              <a:schemeClr val="tx1">
+                <a:lumMod val="75000"/>
+                <a:lumOff val="25000"/>
+              </a:schemeClr>
+            </a:solidFill>
             <a:tailEnd type="triangle"/>
           </a:ln>
         </p:spPr>
@@ -15636,26 +15788,32 @@
           <p:cNvPr id="19" name="Straight Arrow Connector 18">
             <a:extLst>
               <a:ext uri="{FF2B5EF4-FFF2-40B4-BE49-F238E27FC236}">
-                <a16:creationId xmlns:a16="http://schemas.microsoft.com/office/drawing/2014/main" id="{E8EE70CC-8B5E-9A45-AA7C-8B8EA94D32CE}"/>
+                <a16:creationId xmlns:a16="http://schemas.microsoft.com/office/drawing/2014/main" id="{CCF759CA-2698-6743-BCC3-929B16B86ED7}"/>
               </a:ext>
             </a:extLst>
           </p:cNvPr>
           <p:cNvCxnSpPr>
             <a:cxnSpLocks/>
-            <a:stCxn id="10" idx="0"/>
-            <a:endCxn id="9" idx="2"/>
+            <a:stCxn id="16" idx="3"/>
+            <a:endCxn id="5" idx="1"/>
           </p:cNvCxnSpPr>
           <p:nvPr/>
         </p:nvCxnSpPr>
         <p:spPr>
-          <a:xfrm flipV="1">
-            <a:off x="2842842" y="3150607"/>
-            <a:ext cx="0" cy="278393"/>
+          <a:xfrm>
+            <a:off x="3384273" y="4303644"/>
+            <a:ext cx="5602357" cy="0"/>
           </a:xfrm>
           <a:prstGeom prst="straightConnector1">
             <a:avLst/>
           </a:prstGeom>
-          <a:ln>
+          <a:ln w="12700">
+            <a:solidFill>
+              <a:schemeClr val="tx1">
+                <a:lumMod val="75000"/>
+                <a:lumOff val="25000"/>
+              </a:schemeClr>
+            </a:solidFill>
             <a:tailEnd type="triangle"/>
           </a:ln>
         </p:spPr>
@@ -15676,71 +15834,32 @@
       </p:cxnSp>
       <p:cxnSp>
         <p:nvCxnSpPr>
-          <p:cNvPr id="27" name="Straight Arrow Connector 26">
-            <a:extLst>
-              <a:ext uri="{FF2B5EF4-FFF2-40B4-BE49-F238E27FC236}">
-                <a16:creationId xmlns:a16="http://schemas.microsoft.com/office/drawing/2014/main" id="{B6EA9434-C966-6F41-8997-484E1143C725}"/>
-              </a:ext>
-            </a:extLst>
-          </p:cNvPr>
-          <p:cNvCxnSpPr>
-            <a:cxnSpLocks/>
-            <a:stCxn id="9" idx="0"/>
-          </p:cNvCxnSpPr>
+          <p:cNvPr id="23" name="Straight Connector 22">
+            <a:extLst>
+              <a:ext uri="{FF2B5EF4-FFF2-40B4-BE49-F238E27FC236}">
+                <a16:creationId xmlns:a16="http://schemas.microsoft.com/office/drawing/2014/main" id="{BEBD5E81-34CE-AE4D-BB9C-170C24639743}"/>
+              </a:ext>
+            </a:extLst>
+          </p:cNvPr>
+          <p:cNvCxnSpPr/>
           <p:nvPr/>
         </p:nvCxnSpPr>
         <p:spPr>
-          <a:xfrm flipV="1">
-            <a:off x="2842842" y="1575303"/>
-            <a:ext cx="1321752" cy="852212"/>
-          </a:xfrm>
-          <a:prstGeom prst="straightConnector1">
+          <a:xfrm>
+            <a:off x="457200" y="3220278"/>
+            <a:ext cx="11290852" cy="0"/>
+          </a:xfrm>
+          <a:prstGeom prst="line">
             <a:avLst/>
           </a:prstGeom>
           <a:ln>
-            <a:tailEnd type="triangle"/>
-          </a:ln>
-        </p:spPr>
-        <p:style>
-          <a:lnRef idx="1">
-            <a:schemeClr val="accent1"/>
-          </a:lnRef>
-          <a:fillRef idx="0">
-            <a:schemeClr val="accent1"/>
-          </a:fillRef>
-          <a:effectRef idx="0">
-            <a:schemeClr val="accent1"/>
-          </a:effectRef>
-          <a:fontRef idx="minor">
-            <a:schemeClr val="tx1"/>
-          </a:fontRef>
-        </p:style>
-      </p:cxnSp>
-      <p:cxnSp>
-        <p:nvCxnSpPr>
-          <p:cNvPr id="30" name="Straight Arrow Connector 29">
-            <a:extLst>
-              <a:ext uri="{FF2B5EF4-FFF2-40B4-BE49-F238E27FC236}">
-                <a16:creationId xmlns:a16="http://schemas.microsoft.com/office/drawing/2014/main" id="{2985D851-C76D-1A4D-999B-2F2FAEAC8370}"/>
-              </a:ext>
-            </a:extLst>
-          </p:cNvPr>
-          <p:cNvCxnSpPr>
-            <a:cxnSpLocks/>
-            <a:stCxn id="13" idx="0"/>
-          </p:cNvCxnSpPr>
-          <p:nvPr/>
-        </p:nvCxnSpPr>
-        <p:spPr>
-          <a:xfrm flipH="1" flipV="1">
-            <a:off x="6096001" y="1710802"/>
-            <a:ext cx="1652310" cy="3721168"/>
-          </a:xfrm>
-          <a:prstGeom prst="straightConnector1">
-            <a:avLst/>
-          </a:prstGeom>
-          <a:ln>
-            <a:tailEnd type="triangle"/>
+            <a:solidFill>
+              <a:schemeClr val="tx1">
+                <a:lumMod val="75000"/>
+                <a:lumOff val="25000"/>
+              </a:schemeClr>
+            </a:solidFill>
+            <a:prstDash val="dash"/>
           </a:ln>
         </p:spPr>
         <p:style>
@@ -15761,7 +15880,559 @@
     </p:spTree>
     <p:extLst>
       <p:ext uri="{BB962C8B-B14F-4D97-AF65-F5344CB8AC3E}">
-        <p14:creationId xmlns:p14="http://schemas.microsoft.com/office/powerpoint/2010/main" val="1006745906"/>
+        <p14:creationId xmlns:p14="http://schemas.microsoft.com/office/powerpoint/2010/main" val="867628900"/>
+      </p:ext>
+    </p:extLst>
+  </p:cSld>
+  <p:clrMapOvr>
+    <a:masterClrMapping/>
+  </p:clrMapOvr>
+</p:sld>
+</file>
+
+<file path=ppt/slides/slide29.xml><?xml version="1.0" encoding="utf-8"?>
+<p:sld xmlns:a="http://schemas.openxmlformats.org/drawingml/2006/main" xmlns:r="http://schemas.openxmlformats.org/officeDocument/2006/relationships" xmlns:p="http://schemas.openxmlformats.org/presentationml/2006/main">
+  <p:cSld>
+    <p:spTree>
+      <p:nvGrpSpPr>
+        <p:cNvPr id="1" name=""/>
+        <p:cNvGrpSpPr/>
+        <p:nvPr/>
+      </p:nvGrpSpPr>
+      <p:grpSpPr>
+        <a:xfrm>
+          <a:off x="0" y="0"/>
+          <a:ext cx="0" cy="0"/>
+          <a:chOff x="0" y="0"/>
+          <a:chExt cx="0" cy="0"/>
+        </a:xfrm>
+      </p:grpSpPr>
+      <p:sp>
+        <p:nvSpPr>
+          <p:cNvPr id="4" name="Rectangle 3">
+            <a:extLst>
+              <a:ext uri="{FF2B5EF4-FFF2-40B4-BE49-F238E27FC236}">
+                <a16:creationId xmlns:a16="http://schemas.microsoft.com/office/drawing/2014/main" id="{9E5FF8BA-3EFC-124C-9A88-A59FC08B98F9}"/>
+              </a:ext>
+            </a:extLst>
+          </p:cNvPr>
+          <p:cNvSpPr/>
+          <p:nvPr/>
+        </p:nvSpPr>
+        <p:spPr>
+          <a:xfrm>
+            <a:off x="2912165" y="4144616"/>
+            <a:ext cx="2435087" cy="715617"/>
+          </a:xfrm>
+          <a:prstGeom prst="rect">
+            <a:avLst/>
+          </a:prstGeom>
+          <a:solidFill>
+            <a:schemeClr val="tx2">
+              <a:lumMod val="75000"/>
+            </a:schemeClr>
+          </a:solidFill>
+          <a:ln>
+            <a:solidFill>
+              <a:schemeClr val="tx1">
+                <a:lumMod val="75000"/>
+                <a:lumOff val="25000"/>
+              </a:schemeClr>
+            </a:solidFill>
+          </a:ln>
+        </p:spPr>
+        <p:style>
+          <a:lnRef idx="2">
+            <a:schemeClr val="accent1">
+              <a:shade val="50000"/>
+            </a:schemeClr>
+          </a:lnRef>
+          <a:fillRef idx="1">
+            <a:schemeClr val="accent1"/>
+          </a:fillRef>
+          <a:effectRef idx="0">
+            <a:schemeClr val="accent1"/>
+          </a:effectRef>
+          <a:fontRef idx="minor">
+            <a:schemeClr val="lt1"/>
+          </a:fontRef>
+        </p:style>
+        <p:txBody>
+          <a:bodyPr rtlCol="0" anchor="ctr"/>
+          <a:lstStyle/>
+          <a:p>
+            <a:pPr algn="ctr"/>
+            <a:r>
+              <a:rPr lang="en-GB" dirty="0">
+                <a:latin typeface="Courier New" panose="02070309020205020404" pitchFamily="49" charset="0"/>
+                <a:cs typeface="Courier New" panose="02070309020205020404" pitchFamily="49" charset="0"/>
+              </a:rPr>
+              <a:t>put(Object)</a:t>
+            </a:r>
+          </a:p>
+        </p:txBody>
+      </p:sp>
+      <p:sp>
+        <p:nvSpPr>
+          <p:cNvPr id="5" name="Rectangle 4">
+            <a:extLst>
+              <a:ext uri="{FF2B5EF4-FFF2-40B4-BE49-F238E27FC236}">
+                <a16:creationId xmlns:a16="http://schemas.microsoft.com/office/drawing/2014/main" id="{82B50688-CDAF-524A-BB49-54E7C315C431}"/>
+              </a:ext>
+            </a:extLst>
+          </p:cNvPr>
+          <p:cNvSpPr/>
+          <p:nvPr/>
+        </p:nvSpPr>
+        <p:spPr>
+          <a:xfrm>
+            <a:off x="7007084" y="4144615"/>
+            <a:ext cx="2435087" cy="715617"/>
+          </a:xfrm>
+          <a:prstGeom prst="rect">
+            <a:avLst/>
+          </a:prstGeom>
+          <a:solidFill>
+            <a:schemeClr val="tx2">
+              <a:lumMod val="75000"/>
+            </a:schemeClr>
+          </a:solidFill>
+          <a:ln>
+            <a:solidFill>
+              <a:schemeClr val="tx1">
+                <a:lumMod val="75000"/>
+                <a:lumOff val="25000"/>
+              </a:schemeClr>
+            </a:solidFill>
+          </a:ln>
+        </p:spPr>
+        <p:style>
+          <a:lnRef idx="2">
+            <a:schemeClr val="accent1">
+              <a:shade val="50000"/>
+            </a:schemeClr>
+          </a:lnRef>
+          <a:fillRef idx="1">
+            <a:schemeClr val="accent1"/>
+          </a:fillRef>
+          <a:effectRef idx="0">
+            <a:schemeClr val="accent1"/>
+          </a:effectRef>
+          <a:fontRef idx="minor">
+            <a:schemeClr val="lt1"/>
+          </a:fontRef>
+        </p:style>
+        <p:txBody>
+          <a:bodyPr rtlCol="0" anchor="ctr"/>
+          <a:lstStyle/>
+          <a:p>
+            <a:pPr algn="ctr"/>
+            <a:r>
+              <a:rPr lang="en-GB" dirty="0">
+                <a:latin typeface="Courier New" panose="02070309020205020404" pitchFamily="49" charset="0"/>
+                <a:cs typeface="Courier New" panose="02070309020205020404" pitchFamily="49" charset="0"/>
+              </a:rPr>
+              <a:t>put(String)</a:t>
+            </a:r>
+          </a:p>
+        </p:txBody>
+      </p:sp>
+      <p:sp>
+        <p:nvSpPr>
+          <p:cNvPr id="6" name="Rectangle 5">
+            <a:extLst>
+              <a:ext uri="{FF2B5EF4-FFF2-40B4-BE49-F238E27FC236}">
+                <a16:creationId xmlns:a16="http://schemas.microsoft.com/office/drawing/2014/main" id="{1D34A800-43D8-8547-9BA7-CC34D651BF4A}"/>
+              </a:ext>
+            </a:extLst>
+          </p:cNvPr>
+          <p:cNvSpPr/>
+          <p:nvPr/>
+        </p:nvSpPr>
+        <p:spPr>
+          <a:xfrm>
+            <a:off x="1694622" y="1669773"/>
+            <a:ext cx="2435087" cy="715617"/>
+          </a:xfrm>
+          <a:prstGeom prst="rect">
+            <a:avLst/>
+          </a:prstGeom>
+          <a:solidFill>
+            <a:schemeClr val="accent3">
+              <a:lumMod val="75000"/>
+            </a:schemeClr>
+          </a:solidFill>
+          <a:ln>
+            <a:solidFill>
+              <a:schemeClr val="tx1">
+                <a:lumMod val="75000"/>
+                <a:lumOff val="25000"/>
+              </a:schemeClr>
+            </a:solidFill>
+          </a:ln>
+        </p:spPr>
+        <p:style>
+          <a:lnRef idx="2">
+            <a:schemeClr val="accent1">
+              <a:shade val="50000"/>
+            </a:schemeClr>
+          </a:lnRef>
+          <a:fillRef idx="1">
+            <a:schemeClr val="accent1"/>
+          </a:fillRef>
+          <a:effectRef idx="0">
+            <a:schemeClr val="accent1"/>
+          </a:effectRef>
+          <a:fontRef idx="minor">
+            <a:schemeClr val="lt1"/>
+          </a:fontRef>
+        </p:style>
+        <p:txBody>
+          <a:bodyPr rtlCol="0" anchor="ctr"/>
+          <a:lstStyle/>
+          <a:p>
+            <a:pPr algn="ctr"/>
+            <a:r>
+              <a:rPr lang="en-GB" dirty="0">
+                <a:latin typeface="Courier New" panose="02070309020205020404" pitchFamily="49" charset="0"/>
+                <a:cs typeface="Courier New" panose="02070309020205020404" pitchFamily="49" charset="0"/>
+              </a:rPr>
+              <a:t>clear()</a:t>
+            </a:r>
+          </a:p>
+        </p:txBody>
+      </p:sp>
+      <p:sp>
+        <p:nvSpPr>
+          <p:cNvPr id="16" name="Rectangle 15">
+            <a:extLst>
+              <a:ext uri="{FF2B5EF4-FFF2-40B4-BE49-F238E27FC236}">
+                <a16:creationId xmlns:a16="http://schemas.microsoft.com/office/drawing/2014/main" id="{733B1903-9710-8A42-B7C8-1F160E2A04ED}"/>
+              </a:ext>
+            </a:extLst>
+          </p:cNvPr>
+          <p:cNvSpPr/>
+          <p:nvPr/>
+        </p:nvSpPr>
+        <p:spPr>
+          <a:xfrm>
+            <a:off x="8224627" y="1669774"/>
+            <a:ext cx="2435087" cy="715617"/>
+          </a:xfrm>
+          <a:prstGeom prst="rect">
+            <a:avLst/>
+          </a:prstGeom>
+          <a:solidFill>
+            <a:schemeClr val="accent3">
+              <a:lumMod val="75000"/>
+            </a:schemeClr>
+          </a:solidFill>
+          <a:ln>
+            <a:solidFill>
+              <a:schemeClr val="tx1">
+                <a:lumMod val="75000"/>
+                <a:lumOff val="25000"/>
+              </a:schemeClr>
+            </a:solidFill>
+          </a:ln>
+        </p:spPr>
+        <p:style>
+          <a:lnRef idx="2">
+            <a:schemeClr val="accent1">
+              <a:shade val="50000"/>
+            </a:schemeClr>
+          </a:lnRef>
+          <a:fillRef idx="1">
+            <a:schemeClr val="accent1"/>
+          </a:fillRef>
+          <a:effectRef idx="0">
+            <a:schemeClr val="accent1"/>
+          </a:effectRef>
+          <a:fontRef idx="minor">
+            <a:schemeClr val="lt1"/>
+          </a:fontRef>
+        </p:style>
+        <p:txBody>
+          <a:bodyPr rtlCol="0" anchor="ctr"/>
+          <a:lstStyle/>
+          <a:p>
+            <a:pPr algn="ctr"/>
+            <a:r>
+              <a:rPr lang="en-GB" dirty="0">
+                <a:latin typeface="Courier New" panose="02070309020205020404" pitchFamily="49" charset="0"/>
+                <a:cs typeface="Courier New" panose="02070309020205020404" pitchFamily="49" charset="0"/>
+              </a:rPr>
+              <a:t>put(Object)</a:t>
+            </a:r>
+          </a:p>
+        </p:txBody>
+      </p:sp>
+      <p:cxnSp>
+        <p:nvCxnSpPr>
+          <p:cNvPr id="18" name="Straight Arrow Connector 17">
+            <a:extLst>
+              <a:ext uri="{FF2B5EF4-FFF2-40B4-BE49-F238E27FC236}">
+                <a16:creationId xmlns:a16="http://schemas.microsoft.com/office/drawing/2014/main" id="{CFE10467-AEC0-F64C-92EE-62FF8D0514DF}"/>
+              </a:ext>
+            </a:extLst>
+          </p:cNvPr>
+          <p:cNvCxnSpPr>
+            <a:cxnSpLocks/>
+            <a:stCxn id="6" idx="2"/>
+            <a:endCxn id="4" idx="0"/>
+          </p:cNvCxnSpPr>
+          <p:nvPr/>
+        </p:nvCxnSpPr>
+        <p:spPr>
+          <a:xfrm>
+            <a:off x="2912166" y="2385390"/>
+            <a:ext cx="1217543" cy="1759226"/>
+          </a:xfrm>
+          <a:prstGeom prst="straightConnector1">
+            <a:avLst/>
+          </a:prstGeom>
+          <a:ln w="12700">
+            <a:solidFill>
+              <a:schemeClr val="tx1">
+                <a:lumMod val="75000"/>
+                <a:lumOff val="25000"/>
+              </a:schemeClr>
+            </a:solidFill>
+            <a:tailEnd type="triangle"/>
+          </a:ln>
+        </p:spPr>
+        <p:style>
+          <a:lnRef idx="1">
+            <a:schemeClr val="accent1"/>
+          </a:lnRef>
+          <a:fillRef idx="0">
+            <a:schemeClr val="accent1"/>
+          </a:fillRef>
+          <a:effectRef idx="0">
+            <a:schemeClr val="accent1"/>
+          </a:effectRef>
+          <a:fontRef idx="minor">
+            <a:schemeClr val="tx1"/>
+          </a:fontRef>
+        </p:style>
+      </p:cxnSp>
+      <p:cxnSp>
+        <p:nvCxnSpPr>
+          <p:cNvPr id="19" name="Straight Arrow Connector 18">
+            <a:extLst>
+              <a:ext uri="{FF2B5EF4-FFF2-40B4-BE49-F238E27FC236}">
+                <a16:creationId xmlns:a16="http://schemas.microsoft.com/office/drawing/2014/main" id="{CCF759CA-2698-6743-BCC3-929B16B86ED7}"/>
+              </a:ext>
+            </a:extLst>
+          </p:cNvPr>
+          <p:cNvCxnSpPr>
+            <a:cxnSpLocks/>
+            <a:stCxn id="5" idx="0"/>
+            <a:endCxn id="16" idx="2"/>
+          </p:cNvCxnSpPr>
+          <p:nvPr/>
+        </p:nvCxnSpPr>
+        <p:spPr>
+          <a:xfrm flipV="1">
+            <a:off x="8224628" y="2385391"/>
+            <a:ext cx="1217543" cy="1759224"/>
+          </a:xfrm>
+          <a:prstGeom prst="straightConnector1">
+            <a:avLst/>
+          </a:prstGeom>
+          <a:ln w="12700">
+            <a:solidFill>
+              <a:schemeClr val="tx1">
+                <a:lumMod val="75000"/>
+                <a:lumOff val="25000"/>
+              </a:schemeClr>
+            </a:solidFill>
+            <a:tailEnd type="triangle"/>
+          </a:ln>
+        </p:spPr>
+        <p:style>
+          <a:lnRef idx="1">
+            <a:schemeClr val="accent1"/>
+          </a:lnRef>
+          <a:fillRef idx="0">
+            <a:schemeClr val="accent1"/>
+          </a:fillRef>
+          <a:effectRef idx="0">
+            <a:schemeClr val="accent1"/>
+          </a:effectRef>
+          <a:fontRef idx="minor">
+            <a:schemeClr val="tx1"/>
+          </a:fontRef>
+        </p:style>
+      </p:cxnSp>
+      <p:cxnSp>
+        <p:nvCxnSpPr>
+          <p:cNvPr id="23" name="Straight Connector 22">
+            <a:extLst>
+              <a:ext uri="{FF2B5EF4-FFF2-40B4-BE49-F238E27FC236}">
+                <a16:creationId xmlns:a16="http://schemas.microsoft.com/office/drawing/2014/main" id="{BEBD5E81-34CE-AE4D-BB9C-170C24639743}"/>
+              </a:ext>
+            </a:extLst>
+          </p:cNvPr>
+          <p:cNvCxnSpPr/>
+          <p:nvPr/>
+        </p:nvCxnSpPr>
+        <p:spPr>
+          <a:xfrm>
+            <a:off x="457200" y="3220278"/>
+            <a:ext cx="11290852" cy="0"/>
+          </a:xfrm>
+          <a:prstGeom prst="line">
+            <a:avLst/>
+          </a:prstGeom>
+          <a:ln>
+            <a:solidFill>
+              <a:schemeClr val="tx1">
+                <a:lumMod val="75000"/>
+                <a:lumOff val="25000"/>
+              </a:schemeClr>
+            </a:solidFill>
+            <a:prstDash val="dash"/>
+          </a:ln>
+        </p:spPr>
+        <p:style>
+          <a:lnRef idx="1">
+            <a:schemeClr val="accent1"/>
+          </a:lnRef>
+          <a:fillRef idx="0">
+            <a:schemeClr val="accent1"/>
+          </a:fillRef>
+          <a:effectRef idx="0">
+            <a:schemeClr val="accent1"/>
+          </a:effectRef>
+          <a:fontRef idx="minor">
+            <a:schemeClr val="tx1"/>
+          </a:fontRef>
+        </p:style>
+      </p:cxnSp>
+      <p:cxnSp>
+        <p:nvCxnSpPr>
+          <p:cNvPr id="20" name="Straight Arrow Connector 19">
+            <a:extLst>
+              <a:ext uri="{FF2B5EF4-FFF2-40B4-BE49-F238E27FC236}">
+                <a16:creationId xmlns:a16="http://schemas.microsoft.com/office/drawing/2014/main" id="{85B30B7F-909F-7D4F-B124-20932507A3EE}"/>
+              </a:ext>
+            </a:extLst>
+          </p:cNvPr>
+          <p:cNvCxnSpPr>
+            <a:cxnSpLocks/>
+            <a:stCxn id="4" idx="3"/>
+            <a:endCxn id="5" idx="1"/>
+          </p:cNvCxnSpPr>
+          <p:nvPr/>
+        </p:nvCxnSpPr>
+        <p:spPr>
+          <a:xfrm flipV="1">
+            <a:off x="5347252" y="4502424"/>
+            <a:ext cx="1659832" cy="1"/>
+          </a:xfrm>
+          <a:prstGeom prst="straightConnector1">
+            <a:avLst/>
+          </a:prstGeom>
+          <a:ln w="12700">
+            <a:solidFill>
+              <a:schemeClr val="tx1">
+                <a:lumMod val="75000"/>
+                <a:lumOff val="25000"/>
+              </a:schemeClr>
+            </a:solidFill>
+            <a:tailEnd type="triangle"/>
+          </a:ln>
+        </p:spPr>
+        <p:style>
+          <a:lnRef idx="1">
+            <a:schemeClr val="accent1"/>
+          </a:lnRef>
+          <a:fillRef idx="0">
+            <a:schemeClr val="accent1"/>
+          </a:fillRef>
+          <a:effectRef idx="0">
+            <a:schemeClr val="accent1"/>
+          </a:effectRef>
+          <a:fontRef idx="minor">
+            <a:schemeClr val="tx1"/>
+          </a:fontRef>
+        </p:style>
+      </p:cxnSp>
+      <p:sp>
+        <p:nvSpPr>
+          <p:cNvPr id="33" name="TextBox 32">
+            <a:extLst>
+              <a:ext uri="{FF2B5EF4-FFF2-40B4-BE49-F238E27FC236}">
+                <a16:creationId xmlns:a16="http://schemas.microsoft.com/office/drawing/2014/main" id="{77C2E1FF-E794-8D4D-BBB3-F957345196AB}"/>
+              </a:ext>
+            </a:extLst>
+          </p:cNvPr>
+          <p:cNvSpPr txBox="1"/>
+          <p:nvPr/>
+        </p:nvSpPr>
+        <p:spPr>
+          <a:xfrm>
+            <a:off x="457200" y="1842915"/>
+            <a:ext cx="526426" cy="369332"/>
+          </a:xfrm>
+          <a:prstGeom prst="rect">
+            <a:avLst/>
+          </a:prstGeom>
+          <a:noFill/>
+        </p:spPr>
+        <p:txBody>
+          <a:bodyPr wrap="none" rtlCol="0">
+            <a:spAutoFit/>
+          </a:bodyPr>
+          <a:lstStyle/>
+          <a:p>
+            <a:r>
+              <a:rPr lang="en-GB" dirty="0"/>
+              <a:t>Box</a:t>
+            </a:r>
+          </a:p>
+        </p:txBody>
+      </p:sp>
+      <p:sp>
+        <p:nvSpPr>
+          <p:cNvPr id="34" name="TextBox 33">
+            <a:extLst>
+              <a:ext uri="{FF2B5EF4-FFF2-40B4-BE49-F238E27FC236}">
+                <a16:creationId xmlns:a16="http://schemas.microsoft.com/office/drawing/2014/main" id="{630D9C90-9A52-3C4D-A5C0-7B0C603FDDDD}"/>
+              </a:ext>
+            </a:extLst>
+          </p:cNvPr>
+          <p:cNvSpPr txBox="1"/>
+          <p:nvPr/>
+        </p:nvSpPr>
+        <p:spPr>
+          <a:xfrm>
+            <a:off x="457200" y="4317757"/>
+            <a:ext cx="1073051" cy="369332"/>
+          </a:xfrm>
+          <a:prstGeom prst="rect">
+            <a:avLst/>
+          </a:prstGeom>
+          <a:noFill/>
+        </p:spPr>
+        <p:txBody>
+          <a:bodyPr wrap="none" rtlCol="0">
+            <a:spAutoFit/>
+          </a:bodyPr>
+          <a:lstStyle/>
+          <a:p>
+            <a:r>
+              <a:rPr lang="en-GB" dirty="0"/>
+              <a:t>StringBox</a:t>
+            </a:r>
+          </a:p>
+        </p:txBody>
+      </p:sp>
+    </p:spTree>
+    <p:extLst>
+      <p:ext uri="{BB962C8B-B14F-4D97-AF65-F5344CB8AC3E}">
+        <p14:creationId xmlns:p14="http://schemas.microsoft.com/office/powerpoint/2010/main" val="1741562764"/>
       </p:ext>
     </p:extLst>
   </p:cSld>
@@ -16050,6 +16721,542 @@
     <p:extLst>
       <p:ext uri="{BB962C8B-B14F-4D97-AF65-F5344CB8AC3E}">
         <p14:creationId xmlns:p14="http://schemas.microsoft.com/office/powerpoint/2010/main" val="1574445373"/>
+      </p:ext>
+    </p:extLst>
+  </p:cSld>
+  <p:clrMapOvr>
+    <a:masterClrMapping/>
+  </p:clrMapOvr>
+</p:sld>
+</file>
+
+<file path=ppt/slides/slide30.xml><?xml version="1.0" encoding="utf-8"?>
+<p:sld xmlns:a="http://schemas.openxmlformats.org/drawingml/2006/main" xmlns:r="http://schemas.openxmlformats.org/officeDocument/2006/relationships" xmlns:p="http://schemas.openxmlformats.org/presentationml/2006/main">
+  <p:cSld>
+    <p:spTree>
+      <p:nvGrpSpPr>
+        <p:cNvPr id="1" name=""/>
+        <p:cNvGrpSpPr/>
+        <p:nvPr/>
+      </p:nvGrpSpPr>
+      <p:grpSpPr>
+        <a:xfrm>
+          <a:off x="0" y="0"/>
+          <a:ext cx="0" cy="0"/>
+          <a:chOff x="0" y="0"/>
+          <a:chExt cx="0" cy="0"/>
+        </a:xfrm>
+      </p:grpSpPr>
+      <p:sp>
+        <p:nvSpPr>
+          <p:cNvPr id="8" name="Cloud 7">
+            <a:extLst>
+              <a:ext uri="{FF2B5EF4-FFF2-40B4-BE49-F238E27FC236}">
+                <a16:creationId xmlns:a16="http://schemas.microsoft.com/office/drawing/2014/main" id="{94F42F71-0F59-7847-8897-2C8409A6EB4E}"/>
+              </a:ext>
+            </a:extLst>
+          </p:cNvPr>
+          <p:cNvSpPr/>
+          <p:nvPr/>
+        </p:nvSpPr>
+        <p:spPr>
+          <a:xfrm>
+            <a:off x="4078835" y="168909"/>
+            <a:ext cx="2430049" cy="1828800"/>
+          </a:xfrm>
+          <a:prstGeom prst="cloud">
+            <a:avLst/>
+          </a:prstGeom>
+        </p:spPr>
+        <p:style>
+          <a:lnRef idx="2">
+            <a:schemeClr val="accent1">
+              <a:shade val="50000"/>
+            </a:schemeClr>
+          </a:lnRef>
+          <a:fillRef idx="1">
+            <a:schemeClr val="accent1"/>
+          </a:fillRef>
+          <a:effectRef idx="0">
+            <a:schemeClr val="accent1"/>
+          </a:effectRef>
+          <a:fontRef idx="minor">
+            <a:schemeClr val="lt1"/>
+          </a:fontRef>
+        </p:style>
+        <p:txBody>
+          <a:bodyPr rtlCol="0" anchor="ctr"/>
+          <a:lstStyle/>
+          <a:p>
+            <a:pPr algn="ctr"/>
+            <a:r>
+              <a:rPr lang="en-GB" dirty="0"/>
+              <a:t>Test Double</a:t>
+            </a:r>
+          </a:p>
+        </p:txBody>
+      </p:sp>
+      <p:sp>
+        <p:nvSpPr>
+          <p:cNvPr id="9" name="Rectangle 8">
+            <a:extLst>
+              <a:ext uri="{FF2B5EF4-FFF2-40B4-BE49-F238E27FC236}">
+                <a16:creationId xmlns:a16="http://schemas.microsoft.com/office/drawing/2014/main" id="{F6EE240D-D31C-1A4B-9685-1613792E46F0}"/>
+              </a:ext>
+            </a:extLst>
+          </p:cNvPr>
+          <p:cNvSpPr/>
+          <p:nvPr/>
+        </p:nvSpPr>
+        <p:spPr>
+          <a:xfrm>
+            <a:off x="1883229" y="2427515"/>
+            <a:ext cx="1919226" cy="723092"/>
+          </a:xfrm>
+          <a:prstGeom prst="rect">
+            <a:avLst/>
+          </a:prstGeom>
+        </p:spPr>
+        <p:style>
+          <a:lnRef idx="2">
+            <a:schemeClr val="accent1">
+              <a:shade val="50000"/>
+            </a:schemeClr>
+          </a:lnRef>
+          <a:fillRef idx="1">
+            <a:schemeClr val="accent1"/>
+          </a:fillRef>
+          <a:effectRef idx="0">
+            <a:schemeClr val="accent1"/>
+          </a:effectRef>
+          <a:fontRef idx="minor">
+            <a:schemeClr val="lt1"/>
+          </a:fontRef>
+        </p:style>
+        <p:txBody>
+          <a:bodyPr rtlCol="0" anchor="ctr"/>
+          <a:lstStyle/>
+          <a:p>
+            <a:pPr algn="ctr"/>
+            <a:r>
+              <a:rPr lang="en-GB" dirty="0"/>
+              <a:t>Dummy</a:t>
+            </a:r>
+          </a:p>
+        </p:txBody>
+      </p:sp>
+      <p:sp>
+        <p:nvSpPr>
+          <p:cNvPr id="10" name="Rectangle 9">
+            <a:extLst>
+              <a:ext uri="{FF2B5EF4-FFF2-40B4-BE49-F238E27FC236}">
+                <a16:creationId xmlns:a16="http://schemas.microsoft.com/office/drawing/2014/main" id="{1EE69F68-74C0-464F-8E30-0E2C5B2D4696}"/>
+              </a:ext>
+            </a:extLst>
+          </p:cNvPr>
+          <p:cNvSpPr/>
+          <p:nvPr/>
+        </p:nvSpPr>
+        <p:spPr>
+          <a:xfrm>
+            <a:off x="1883229" y="3429000"/>
+            <a:ext cx="1919226" cy="723092"/>
+          </a:xfrm>
+          <a:prstGeom prst="rect">
+            <a:avLst/>
+          </a:prstGeom>
+        </p:spPr>
+        <p:style>
+          <a:lnRef idx="2">
+            <a:schemeClr val="accent1">
+              <a:shade val="50000"/>
+            </a:schemeClr>
+          </a:lnRef>
+          <a:fillRef idx="1">
+            <a:schemeClr val="accent1"/>
+          </a:fillRef>
+          <a:effectRef idx="0">
+            <a:schemeClr val="accent1"/>
+          </a:effectRef>
+          <a:fontRef idx="minor">
+            <a:schemeClr val="lt1"/>
+          </a:fontRef>
+        </p:style>
+        <p:txBody>
+          <a:bodyPr rtlCol="0" anchor="ctr"/>
+          <a:lstStyle/>
+          <a:p>
+            <a:pPr algn="ctr"/>
+            <a:r>
+              <a:rPr lang="en-GB" dirty="0"/>
+              <a:t>Stub</a:t>
+            </a:r>
+          </a:p>
+        </p:txBody>
+      </p:sp>
+      <p:sp>
+        <p:nvSpPr>
+          <p:cNvPr id="11" name="Rectangle 10">
+            <a:extLst>
+              <a:ext uri="{FF2B5EF4-FFF2-40B4-BE49-F238E27FC236}">
+                <a16:creationId xmlns:a16="http://schemas.microsoft.com/office/drawing/2014/main" id="{B2E808FA-1944-2B4E-947D-628334D8C9F8}"/>
+              </a:ext>
+            </a:extLst>
+          </p:cNvPr>
+          <p:cNvSpPr/>
+          <p:nvPr/>
+        </p:nvSpPr>
+        <p:spPr>
+          <a:xfrm>
+            <a:off x="1883229" y="4430485"/>
+            <a:ext cx="1919226" cy="723092"/>
+          </a:xfrm>
+          <a:prstGeom prst="rect">
+            <a:avLst/>
+          </a:prstGeom>
+        </p:spPr>
+        <p:style>
+          <a:lnRef idx="2">
+            <a:schemeClr val="accent1">
+              <a:shade val="50000"/>
+            </a:schemeClr>
+          </a:lnRef>
+          <a:fillRef idx="1">
+            <a:schemeClr val="accent1"/>
+          </a:fillRef>
+          <a:effectRef idx="0">
+            <a:schemeClr val="accent1"/>
+          </a:effectRef>
+          <a:fontRef idx="minor">
+            <a:schemeClr val="lt1"/>
+          </a:fontRef>
+        </p:style>
+        <p:txBody>
+          <a:bodyPr rtlCol="0" anchor="ctr"/>
+          <a:lstStyle/>
+          <a:p>
+            <a:pPr algn="ctr"/>
+            <a:r>
+              <a:rPr lang="en-GB" dirty="0"/>
+              <a:t>Spy</a:t>
+            </a:r>
+          </a:p>
+        </p:txBody>
+      </p:sp>
+      <p:sp>
+        <p:nvSpPr>
+          <p:cNvPr id="12" name="Rectangle 11">
+            <a:extLst>
+              <a:ext uri="{FF2B5EF4-FFF2-40B4-BE49-F238E27FC236}">
+                <a16:creationId xmlns:a16="http://schemas.microsoft.com/office/drawing/2014/main" id="{34975D4E-A32E-9B46-B936-3CD4867661D0}"/>
+              </a:ext>
+            </a:extLst>
+          </p:cNvPr>
+          <p:cNvSpPr/>
+          <p:nvPr/>
+        </p:nvSpPr>
+        <p:spPr>
+          <a:xfrm>
+            <a:off x="1883229" y="5431970"/>
+            <a:ext cx="1919226" cy="723092"/>
+          </a:xfrm>
+          <a:prstGeom prst="rect">
+            <a:avLst/>
+          </a:prstGeom>
+        </p:spPr>
+        <p:style>
+          <a:lnRef idx="2">
+            <a:schemeClr val="accent1">
+              <a:shade val="50000"/>
+            </a:schemeClr>
+          </a:lnRef>
+          <a:fillRef idx="1">
+            <a:schemeClr val="accent1"/>
+          </a:fillRef>
+          <a:effectRef idx="0">
+            <a:schemeClr val="accent1"/>
+          </a:effectRef>
+          <a:fontRef idx="minor">
+            <a:schemeClr val="lt1"/>
+          </a:fontRef>
+        </p:style>
+        <p:txBody>
+          <a:bodyPr rtlCol="0" anchor="ctr"/>
+          <a:lstStyle/>
+          <a:p>
+            <a:pPr algn="ctr"/>
+            <a:r>
+              <a:rPr lang="en-GB" dirty="0"/>
+              <a:t>Mock</a:t>
+            </a:r>
+          </a:p>
+        </p:txBody>
+      </p:sp>
+      <p:sp>
+        <p:nvSpPr>
+          <p:cNvPr id="13" name="Rectangle 12">
+            <a:extLst>
+              <a:ext uri="{FF2B5EF4-FFF2-40B4-BE49-F238E27FC236}">
+                <a16:creationId xmlns:a16="http://schemas.microsoft.com/office/drawing/2014/main" id="{3B2A9E41-DB72-7D43-9CF8-F3213B9CC7B4}"/>
+              </a:ext>
+            </a:extLst>
+          </p:cNvPr>
+          <p:cNvSpPr/>
+          <p:nvPr/>
+        </p:nvSpPr>
+        <p:spPr>
+          <a:xfrm>
+            <a:off x="6788698" y="5431970"/>
+            <a:ext cx="1919226" cy="723092"/>
+          </a:xfrm>
+          <a:prstGeom prst="rect">
+            <a:avLst/>
+          </a:prstGeom>
+        </p:spPr>
+        <p:style>
+          <a:lnRef idx="2">
+            <a:schemeClr val="accent1">
+              <a:shade val="50000"/>
+            </a:schemeClr>
+          </a:lnRef>
+          <a:fillRef idx="1">
+            <a:schemeClr val="accent1"/>
+          </a:fillRef>
+          <a:effectRef idx="0">
+            <a:schemeClr val="accent1"/>
+          </a:effectRef>
+          <a:fontRef idx="minor">
+            <a:schemeClr val="lt1"/>
+          </a:fontRef>
+        </p:style>
+        <p:txBody>
+          <a:bodyPr rtlCol="0" anchor="ctr"/>
+          <a:lstStyle/>
+          <a:p>
+            <a:pPr algn="ctr"/>
+            <a:r>
+              <a:rPr lang="en-GB" dirty="0"/>
+              <a:t>Fake</a:t>
+            </a:r>
+          </a:p>
+        </p:txBody>
+      </p:sp>
+      <p:cxnSp>
+        <p:nvCxnSpPr>
+          <p:cNvPr id="15" name="Straight Arrow Connector 14">
+            <a:extLst>
+              <a:ext uri="{FF2B5EF4-FFF2-40B4-BE49-F238E27FC236}">
+                <a16:creationId xmlns:a16="http://schemas.microsoft.com/office/drawing/2014/main" id="{6D0AA745-0DB1-2641-BAD8-9D0F53B759BF}"/>
+              </a:ext>
+            </a:extLst>
+          </p:cNvPr>
+          <p:cNvCxnSpPr>
+            <a:stCxn id="12" idx="0"/>
+            <a:endCxn id="11" idx="2"/>
+          </p:cNvCxnSpPr>
+          <p:nvPr/>
+        </p:nvCxnSpPr>
+        <p:spPr>
+          <a:xfrm flipV="1">
+            <a:off x="2842842" y="5153577"/>
+            <a:ext cx="0" cy="278393"/>
+          </a:xfrm>
+          <a:prstGeom prst="straightConnector1">
+            <a:avLst/>
+          </a:prstGeom>
+          <a:ln>
+            <a:tailEnd type="triangle"/>
+          </a:ln>
+        </p:spPr>
+        <p:style>
+          <a:lnRef idx="1">
+            <a:schemeClr val="accent1"/>
+          </a:lnRef>
+          <a:fillRef idx="0">
+            <a:schemeClr val="accent1"/>
+          </a:fillRef>
+          <a:effectRef idx="0">
+            <a:schemeClr val="accent1"/>
+          </a:effectRef>
+          <a:fontRef idx="minor">
+            <a:schemeClr val="tx1"/>
+          </a:fontRef>
+        </p:style>
+      </p:cxnSp>
+      <p:cxnSp>
+        <p:nvCxnSpPr>
+          <p:cNvPr id="16" name="Straight Arrow Connector 15">
+            <a:extLst>
+              <a:ext uri="{FF2B5EF4-FFF2-40B4-BE49-F238E27FC236}">
+                <a16:creationId xmlns:a16="http://schemas.microsoft.com/office/drawing/2014/main" id="{454CE2E0-6108-6647-8B20-0D2B2A8F3A95}"/>
+              </a:ext>
+            </a:extLst>
+          </p:cNvPr>
+          <p:cNvCxnSpPr>
+            <a:cxnSpLocks/>
+            <a:stCxn id="11" idx="0"/>
+            <a:endCxn id="10" idx="2"/>
+          </p:cNvCxnSpPr>
+          <p:nvPr/>
+        </p:nvCxnSpPr>
+        <p:spPr>
+          <a:xfrm flipV="1">
+            <a:off x="2842842" y="4152092"/>
+            <a:ext cx="0" cy="278393"/>
+          </a:xfrm>
+          <a:prstGeom prst="straightConnector1">
+            <a:avLst/>
+          </a:prstGeom>
+          <a:ln>
+            <a:tailEnd type="triangle"/>
+          </a:ln>
+        </p:spPr>
+        <p:style>
+          <a:lnRef idx="1">
+            <a:schemeClr val="accent1"/>
+          </a:lnRef>
+          <a:fillRef idx="0">
+            <a:schemeClr val="accent1"/>
+          </a:fillRef>
+          <a:effectRef idx="0">
+            <a:schemeClr val="accent1"/>
+          </a:effectRef>
+          <a:fontRef idx="minor">
+            <a:schemeClr val="tx1"/>
+          </a:fontRef>
+        </p:style>
+      </p:cxnSp>
+      <p:cxnSp>
+        <p:nvCxnSpPr>
+          <p:cNvPr id="19" name="Straight Arrow Connector 18">
+            <a:extLst>
+              <a:ext uri="{FF2B5EF4-FFF2-40B4-BE49-F238E27FC236}">
+                <a16:creationId xmlns:a16="http://schemas.microsoft.com/office/drawing/2014/main" id="{E8EE70CC-8B5E-9A45-AA7C-8B8EA94D32CE}"/>
+              </a:ext>
+            </a:extLst>
+          </p:cNvPr>
+          <p:cNvCxnSpPr>
+            <a:cxnSpLocks/>
+            <a:stCxn id="10" idx="0"/>
+            <a:endCxn id="9" idx="2"/>
+          </p:cNvCxnSpPr>
+          <p:nvPr/>
+        </p:nvCxnSpPr>
+        <p:spPr>
+          <a:xfrm flipV="1">
+            <a:off x="2842842" y="3150607"/>
+            <a:ext cx="0" cy="278393"/>
+          </a:xfrm>
+          <a:prstGeom prst="straightConnector1">
+            <a:avLst/>
+          </a:prstGeom>
+          <a:ln>
+            <a:tailEnd type="triangle"/>
+          </a:ln>
+        </p:spPr>
+        <p:style>
+          <a:lnRef idx="1">
+            <a:schemeClr val="accent1"/>
+          </a:lnRef>
+          <a:fillRef idx="0">
+            <a:schemeClr val="accent1"/>
+          </a:fillRef>
+          <a:effectRef idx="0">
+            <a:schemeClr val="accent1"/>
+          </a:effectRef>
+          <a:fontRef idx="minor">
+            <a:schemeClr val="tx1"/>
+          </a:fontRef>
+        </p:style>
+      </p:cxnSp>
+      <p:cxnSp>
+        <p:nvCxnSpPr>
+          <p:cNvPr id="27" name="Straight Arrow Connector 26">
+            <a:extLst>
+              <a:ext uri="{FF2B5EF4-FFF2-40B4-BE49-F238E27FC236}">
+                <a16:creationId xmlns:a16="http://schemas.microsoft.com/office/drawing/2014/main" id="{B6EA9434-C966-6F41-8997-484E1143C725}"/>
+              </a:ext>
+            </a:extLst>
+          </p:cNvPr>
+          <p:cNvCxnSpPr>
+            <a:cxnSpLocks/>
+            <a:stCxn id="9" idx="0"/>
+          </p:cNvCxnSpPr>
+          <p:nvPr/>
+        </p:nvCxnSpPr>
+        <p:spPr>
+          <a:xfrm flipV="1">
+            <a:off x="2842842" y="1575303"/>
+            <a:ext cx="1321752" cy="852212"/>
+          </a:xfrm>
+          <a:prstGeom prst="straightConnector1">
+            <a:avLst/>
+          </a:prstGeom>
+          <a:ln>
+            <a:tailEnd type="triangle"/>
+          </a:ln>
+        </p:spPr>
+        <p:style>
+          <a:lnRef idx="1">
+            <a:schemeClr val="accent1"/>
+          </a:lnRef>
+          <a:fillRef idx="0">
+            <a:schemeClr val="accent1"/>
+          </a:fillRef>
+          <a:effectRef idx="0">
+            <a:schemeClr val="accent1"/>
+          </a:effectRef>
+          <a:fontRef idx="minor">
+            <a:schemeClr val="tx1"/>
+          </a:fontRef>
+        </p:style>
+      </p:cxnSp>
+      <p:cxnSp>
+        <p:nvCxnSpPr>
+          <p:cNvPr id="30" name="Straight Arrow Connector 29">
+            <a:extLst>
+              <a:ext uri="{FF2B5EF4-FFF2-40B4-BE49-F238E27FC236}">
+                <a16:creationId xmlns:a16="http://schemas.microsoft.com/office/drawing/2014/main" id="{2985D851-C76D-1A4D-999B-2F2FAEAC8370}"/>
+              </a:ext>
+            </a:extLst>
+          </p:cNvPr>
+          <p:cNvCxnSpPr>
+            <a:cxnSpLocks/>
+            <a:stCxn id="13" idx="0"/>
+          </p:cNvCxnSpPr>
+          <p:nvPr/>
+        </p:nvCxnSpPr>
+        <p:spPr>
+          <a:xfrm flipH="1" flipV="1">
+            <a:off x="6096001" y="1710802"/>
+            <a:ext cx="1652310" cy="3721168"/>
+          </a:xfrm>
+          <a:prstGeom prst="straightConnector1">
+            <a:avLst/>
+          </a:prstGeom>
+          <a:ln>
+            <a:tailEnd type="triangle"/>
+          </a:ln>
+        </p:spPr>
+        <p:style>
+          <a:lnRef idx="1">
+            <a:schemeClr val="accent1"/>
+          </a:lnRef>
+          <a:fillRef idx="0">
+            <a:schemeClr val="accent1"/>
+          </a:fillRef>
+          <a:effectRef idx="0">
+            <a:schemeClr val="accent1"/>
+          </a:effectRef>
+          <a:fontRef idx="minor">
+            <a:schemeClr val="tx1"/>
+          </a:fontRef>
+        </p:style>
+      </p:cxnSp>
+    </p:spTree>
+    <p:extLst>
+      <p:ext uri="{BB962C8B-B14F-4D97-AF65-F5344CB8AC3E}">
+        <p14:creationId xmlns:p14="http://schemas.microsoft.com/office/powerpoint/2010/main" val="1006745906"/>
       </p:ext>
     </p:extLst>
   </p:cSld>

--- a/assets/images/Images.pptx
+++ b/assets/images/Images.pptx
@@ -16425,6 +16425,290 @@
             <a:r>
               <a:rPr lang="en-GB" dirty="0"/>
               <a:t>StringBox</a:t>
+            </a:r>
+          </a:p>
+        </p:txBody>
+      </p:sp>
+      <p:sp>
+        <p:nvSpPr>
+          <p:cNvPr id="35" name="TextBox 34">
+            <a:extLst>
+              <a:ext uri="{FF2B5EF4-FFF2-40B4-BE49-F238E27FC236}">
+                <a16:creationId xmlns:a16="http://schemas.microsoft.com/office/drawing/2014/main" id="{3E36C05F-0E99-0249-AD66-CD4AEB641C6D}"/>
+              </a:ext>
+            </a:extLst>
+          </p:cNvPr>
+          <p:cNvSpPr txBox="1"/>
+          <p:nvPr/>
+        </p:nvSpPr>
+        <p:spPr>
+          <a:xfrm>
+            <a:off x="2207835" y="5599904"/>
+            <a:ext cx="3843745" cy="369332"/>
+          </a:xfrm>
+          <a:prstGeom prst="rect">
+            <a:avLst/>
+          </a:prstGeom>
+          <a:noFill/>
+        </p:spPr>
+        <p:txBody>
+          <a:bodyPr wrap="none" rtlCol="0">
+            <a:spAutoFit/>
+          </a:bodyPr>
+          <a:lstStyle/>
+          <a:p>
+            <a:r>
+              <a:rPr lang="en-GB" dirty="0"/>
+              <a:t>The method generated by type erasure</a:t>
+            </a:r>
+          </a:p>
+        </p:txBody>
+      </p:sp>
+      <p:cxnSp>
+        <p:nvCxnSpPr>
+          <p:cNvPr id="37" name="Straight Connector 36">
+            <a:extLst>
+              <a:ext uri="{FF2B5EF4-FFF2-40B4-BE49-F238E27FC236}">
+                <a16:creationId xmlns:a16="http://schemas.microsoft.com/office/drawing/2014/main" id="{95064719-B650-9342-945F-C4745C20479A}"/>
+              </a:ext>
+            </a:extLst>
+          </p:cNvPr>
+          <p:cNvCxnSpPr>
+            <a:stCxn id="35" idx="0"/>
+            <a:endCxn id="4" idx="2"/>
+          </p:cNvCxnSpPr>
+          <p:nvPr/>
+        </p:nvCxnSpPr>
+        <p:spPr>
+          <a:xfrm flipV="1">
+            <a:off x="4129708" y="4860233"/>
+            <a:ext cx="1" cy="739671"/>
+          </a:xfrm>
+          <a:prstGeom prst="line">
+            <a:avLst/>
+          </a:prstGeom>
+          <a:ln>
+            <a:solidFill>
+              <a:schemeClr val="tx1">
+                <a:lumMod val="75000"/>
+                <a:lumOff val="25000"/>
+              </a:schemeClr>
+            </a:solidFill>
+            <a:prstDash val="sysDash"/>
+          </a:ln>
+        </p:spPr>
+        <p:style>
+          <a:lnRef idx="1">
+            <a:schemeClr val="accent1"/>
+          </a:lnRef>
+          <a:fillRef idx="0">
+            <a:schemeClr val="accent1"/>
+          </a:fillRef>
+          <a:effectRef idx="0">
+            <a:schemeClr val="accent1"/>
+          </a:effectRef>
+          <a:fontRef idx="minor">
+            <a:schemeClr val="tx1"/>
+          </a:fontRef>
+        </p:style>
+      </p:cxnSp>
+      <p:cxnSp>
+        <p:nvCxnSpPr>
+          <p:cNvPr id="38" name="Straight Connector 37">
+            <a:extLst>
+              <a:ext uri="{FF2B5EF4-FFF2-40B4-BE49-F238E27FC236}">
+                <a16:creationId xmlns:a16="http://schemas.microsoft.com/office/drawing/2014/main" id="{F3AFB379-6983-854E-95B6-8307738DCACD}"/>
+              </a:ext>
+            </a:extLst>
+          </p:cNvPr>
+          <p:cNvCxnSpPr>
+            <a:cxnSpLocks/>
+            <a:stCxn id="16" idx="0"/>
+            <a:endCxn id="39" idx="2"/>
+          </p:cNvCxnSpPr>
+          <p:nvPr/>
+        </p:nvCxnSpPr>
+        <p:spPr>
+          <a:xfrm flipH="1" flipV="1">
+            <a:off x="9442170" y="1003856"/>
+            <a:ext cx="1" cy="665918"/>
+          </a:xfrm>
+          <a:prstGeom prst="line">
+            <a:avLst/>
+          </a:prstGeom>
+          <a:ln>
+            <a:solidFill>
+              <a:schemeClr val="tx1">
+                <a:lumMod val="75000"/>
+                <a:lumOff val="25000"/>
+              </a:schemeClr>
+            </a:solidFill>
+            <a:prstDash val="sysDash"/>
+          </a:ln>
+        </p:spPr>
+        <p:style>
+          <a:lnRef idx="1">
+            <a:schemeClr val="accent1"/>
+          </a:lnRef>
+          <a:fillRef idx="0">
+            <a:schemeClr val="accent1"/>
+          </a:fillRef>
+          <a:effectRef idx="0">
+            <a:schemeClr val="accent1"/>
+          </a:effectRef>
+          <a:fontRef idx="minor">
+            <a:schemeClr val="tx1"/>
+          </a:fontRef>
+        </p:style>
+      </p:cxnSp>
+      <p:sp>
+        <p:nvSpPr>
+          <p:cNvPr id="39" name="TextBox 38">
+            <a:extLst>
+              <a:ext uri="{FF2B5EF4-FFF2-40B4-BE49-F238E27FC236}">
+                <a16:creationId xmlns:a16="http://schemas.microsoft.com/office/drawing/2014/main" id="{B1C9D3C6-852F-024C-8579-93A1F241FC5B}"/>
+              </a:ext>
+            </a:extLst>
+          </p:cNvPr>
+          <p:cNvSpPr txBox="1"/>
+          <p:nvPr/>
+        </p:nvSpPr>
+        <p:spPr>
+          <a:xfrm>
+            <a:off x="7516460" y="357525"/>
+            <a:ext cx="3851419" cy="646331"/>
+          </a:xfrm>
+          <a:prstGeom prst="rect">
+            <a:avLst/>
+          </a:prstGeom>
+          <a:noFill/>
+        </p:spPr>
+        <p:txBody>
+          <a:bodyPr wrap="square" rtlCol="0">
+            <a:spAutoFit/>
+          </a:bodyPr>
+          <a:lstStyle/>
+          <a:p>
+            <a:r>
+              <a:rPr lang="en-GB" dirty="0"/>
+              <a:t>The method type parameter changed from </a:t>
+            </a:r>
+            <a:r>
+              <a:rPr lang="en-GB" dirty="0">
+                <a:latin typeface="Courier New" panose="02070309020205020404" pitchFamily="49" charset="0"/>
+                <a:cs typeface="Courier New" panose="02070309020205020404" pitchFamily="49" charset="0"/>
+              </a:rPr>
+              <a:t>T</a:t>
+            </a:r>
+            <a:r>
+              <a:rPr lang="en-GB" dirty="0"/>
+              <a:t> to </a:t>
+            </a:r>
+            <a:r>
+              <a:rPr lang="en-GB" dirty="0">
+                <a:latin typeface="Courier New" panose="02070309020205020404" pitchFamily="49" charset="0"/>
+                <a:cs typeface="Courier New" panose="02070309020205020404" pitchFamily="49" charset="0"/>
+              </a:rPr>
+              <a:t>Object</a:t>
+            </a:r>
+            <a:r>
+              <a:rPr lang="en-GB" dirty="0"/>
+              <a:t> during type erasure</a:t>
+            </a:r>
+          </a:p>
+        </p:txBody>
+      </p:sp>
+      <p:cxnSp>
+        <p:nvCxnSpPr>
+          <p:cNvPr id="43" name="Straight Arrow Connector 42">
+            <a:extLst>
+              <a:ext uri="{FF2B5EF4-FFF2-40B4-BE49-F238E27FC236}">
+                <a16:creationId xmlns:a16="http://schemas.microsoft.com/office/drawing/2014/main" id="{84508283-269E-A74F-A2FF-A0A387AD2AA1}"/>
+              </a:ext>
+            </a:extLst>
+          </p:cNvPr>
+          <p:cNvCxnSpPr>
+            <a:cxnSpLocks/>
+            <a:stCxn id="46" idx="2"/>
+            <a:endCxn id="6" idx="0"/>
+          </p:cNvCxnSpPr>
+          <p:nvPr/>
+        </p:nvCxnSpPr>
+        <p:spPr>
+          <a:xfrm>
+            <a:off x="2912166" y="888764"/>
+            <a:ext cx="0" cy="781009"/>
+          </a:xfrm>
+          <a:prstGeom prst="straightConnector1">
+            <a:avLst/>
+          </a:prstGeom>
+          <a:ln w="12700">
+            <a:solidFill>
+              <a:schemeClr val="tx1">
+                <a:lumMod val="75000"/>
+                <a:lumOff val="25000"/>
+              </a:schemeClr>
+            </a:solidFill>
+            <a:tailEnd type="triangle"/>
+          </a:ln>
+        </p:spPr>
+        <p:style>
+          <a:lnRef idx="1">
+            <a:schemeClr val="accent1"/>
+          </a:lnRef>
+          <a:fillRef idx="0">
+            <a:schemeClr val="accent1"/>
+          </a:fillRef>
+          <a:effectRef idx="0">
+            <a:schemeClr val="accent1"/>
+          </a:effectRef>
+          <a:fontRef idx="minor">
+            <a:schemeClr val="tx1"/>
+          </a:fontRef>
+        </p:style>
+      </p:cxnSp>
+      <p:sp>
+        <p:nvSpPr>
+          <p:cNvPr id="46" name="TextBox 45">
+            <a:extLst>
+              <a:ext uri="{FF2B5EF4-FFF2-40B4-BE49-F238E27FC236}">
+                <a16:creationId xmlns:a16="http://schemas.microsoft.com/office/drawing/2014/main" id="{A0784004-010A-5A46-91CA-ECA95913B729}"/>
+              </a:ext>
+            </a:extLst>
+          </p:cNvPr>
+          <p:cNvSpPr txBox="1"/>
+          <p:nvPr/>
+        </p:nvSpPr>
+        <p:spPr>
+          <a:xfrm>
+            <a:off x="1619312" y="519432"/>
+            <a:ext cx="2585708" cy="369332"/>
+          </a:xfrm>
+          <a:prstGeom prst="rect">
+            <a:avLst/>
+          </a:prstGeom>
+          <a:noFill/>
+        </p:spPr>
+        <p:txBody>
+          <a:bodyPr wrap="none" rtlCol="0">
+            <a:spAutoFit/>
+          </a:bodyPr>
+          <a:lstStyle/>
+          <a:p>
+            <a:r>
+              <a:rPr lang="en-GB" dirty="0"/>
+              <a:t>Call to </a:t>
+            </a:r>
+            <a:r>
+              <a:rPr lang="en-GB" dirty="0">
+                <a:latin typeface="Courier New" panose="02070309020205020404" pitchFamily="49" charset="0"/>
+                <a:cs typeface="Courier New" panose="02070309020205020404" pitchFamily="49" charset="0"/>
+              </a:rPr>
+              <a:t>clear()</a:t>
+            </a:r>
+            <a:r>
+              <a:rPr lang="en-GB" dirty="0"/>
+              <a:t> method</a:t>
             </a:r>
           </a:p>
         </p:txBody>

--- a/assets/images/Images.pptx
+++ b/assets/images/Images.pptx
@@ -16713,6 +16713,89 @@
           </a:p>
         </p:txBody>
       </p:sp>
+      <p:sp>
+        <p:nvSpPr>
+          <p:cNvPr id="50" name="TextBox 49">
+            <a:extLst>
+              <a:ext uri="{FF2B5EF4-FFF2-40B4-BE49-F238E27FC236}">
+                <a16:creationId xmlns:a16="http://schemas.microsoft.com/office/drawing/2014/main" id="{988EFE44-B46B-7547-9F8A-E9526E77E5F2}"/>
+              </a:ext>
+            </a:extLst>
+          </p:cNvPr>
+          <p:cNvSpPr txBox="1"/>
+          <p:nvPr/>
+        </p:nvSpPr>
+        <p:spPr>
+          <a:xfrm>
+            <a:off x="3697357" y="2478730"/>
+            <a:ext cx="2713382" cy="646331"/>
+          </a:xfrm>
+          <a:prstGeom prst="rect">
+            <a:avLst/>
+          </a:prstGeom>
+          <a:noFill/>
+        </p:spPr>
+        <p:txBody>
+          <a:bodyPr wrap="square" rtlCol="0">
+            <a:spAutoFit/>
+          </a:bodyPr>
+          <a:lstStyle/>
+          <a:p>
+            <a:r>
+              <a:rPr lang="en-GB" dirty="0"/>
+              <a:t>Invokes the method of the subtype (polymorphism)</a:t>
+            </a:r>
+          </a:p>
+        </p:txBody>
+      </p:sp>
+      <p:cxnSp>
+        <p:nvCxnSpPr>
+          <p:cNvPr id="51" name="Straight Connector 50">
+            <a:extLst>
+              <a:ext uri="{FF2B5EF4-FFF2-40B4-BE49-F238E27FC236}">
+                <a16:creationId xmlns:a16="http://schemas.microsoft.com/office/drawing/2014/main" id="{7B1B7744-FCA3-FB4B-9733-B04955A5EDA3}"/>
+              </a:ext>
+            </a:extLst>
+          </p:cNvPr>
+          <p:cNvCxnSpPr>
+            <a:cxnSpLocks/>
+            <a:endCxn id="50" idx="1"/>
+          </p:cNvCxnSpPr>
+          <p:nvPr/>
+        </p:nvCxnSpPr>
+        <p:spPr>
+          <a:xfrm flipV="1">
+            <a:off x="3349487" y="2801896"/>
+            <a:ext cx="347870" cy="209661"/>
+          </a:xfrm>
+          <a:prstGeom prst="line">
+            <a:avLst/>
+          </a:prstGeom>
+          <a:ln>
+            <a:solidFill>
+              <a:schemeClr val="tx1">
+                <a:lumMod val="75000"/>
+                <a:lumOff val="25000"/>
+              </a:schemeClr>
+            </a:solidFill>
+            <a:prstDash val="sysDash"/>
+          </a:ln>
+        </p:spPr>
+        <p:style>
+          <a:lnRef idx="1">
+            <a:schemeClr val="accent1"/>
+          </a:lnRef>
+          <a:fillRef idx="0">
+            <a:schemeClr val="accent1"/>
+          </a:fillRef>
+          <a:effectRef idx="0">
+            <a:schemeClr val="accent1"/>
+          </a:effectRef>
+          <a:fontRef idx="minor">
+            <a:schemeClr val="tx1"/>
+          </a:fontRef>
+        </p:style>
+      </p:cxnSp>
     </p:spTree>
     <p:extLst>
       <p:ext uri="{BB962C8B-B14F-4D97-AF65-F5344CB8AC3E}">

--- a/assets/images/Images.pptx
+++ b/assets/images/Images.pptx
@@ -5,7 +5,7 @@
     <p:sldMasterId id="2147483648" r:id="rId1"/>
   </p:sldMasterIdLst>
   <p:notesMasterIdLst>
-    <p:notesMasterId r:id="rId32"/>
+    <p:notesMasterId r:id="rId33"/>
   </p:notesMasterIdLst>
   <p:sldIdLst>
     <p:sldId id="257" r:id="rId2"/>
@@ -37,7 +37,8 @@
     <p:sldId id="283" r:id="rId28"/>
     <p:sldId id="284" r:id="rId29"/>
     <p:sldId id="285" r:id="rId30"/>
-    <p:sldId id="256" r:id="rId31"/>
+    <p:sldId id="286" r:id="rId31"/>
+    <p:sldId id="256" r:id="rId32"/>
   </p:sldIdLst>
   <p:sldSz cx="12192000" cy="6858000"/>
   <p:notesSz cx="6858000" cy="9144000"/>
@@ -190,6 +191,7 @@
             <p14:sldId id="283"/>
             <p14:sldId id="284"/>
             <p14:sldId id="285"/>
+            <p14:sldId id="286"/>
           </p14:sldIdLst>
         </p14:section>
         <p14:section name="Testing" id="{064BBB82-ADB6-E844-9D9E-44CD43DCBE9F}">
@@ -291,7 +293,7 @@
           <a:p>
             <a:fld id="{F0373C07-0034-D84F-B0CB-1249B408AEAD}" type="datetimeFigureOut">
               <a:rPr lang="en-GB" smtClean="0"/>
-              <a:t>29/06/2020</a:t>
+              <a:t>06/07/2020</a:t>
             </a:fld>
             <a:endParaRPr lang="en-GB"/>
           </a:p>
@@ -1106,7 +1108,7 @@
           <a:bodyPr/>
           <a:lstStyle/>
           <a:p>
-            <a:endParaRPr lang="en-GB"/>
+            <a:endParaRPr lang="en-GB" dirty="0"/>
           </a:p>
         </p:txBody>
       </p:sp>
@@ -1128,6 +1130,90 @@
             <a:fld id="{11A96E62-EC5F-C045-9FEB-EDD3A98888BE}" type="slidenum">
               <a:rPr lang="en-GB" smtClean="0"/>
               <a:t>30</a:t>
+            </a:fld>
+            <a:endParaRPr lang="en-GB"/>
+          </a:p>
+        </p:txBody>
+      </p:sp>
+    </p:spTree>
+    <p:extLst>
+      <p:ext uri="{BB962C8B-B14F-4D97-AF65-F5344CB8AC3E}">
+        <p14:creationId xmlns:p14="http://schemas.microsoft.com/office/powerpoint/2010/main" val="2557770129"/>
+      </p:ext>
+    </p:extLst>
+  </p:cSld>
+  <p:clrMapOvr>
+    <a:masterClrMapping/>
+  </p:clrMapOvr>
+</p:notes>
+</file>
+
+<file path=ppt/notesSlides/notesSlide8.xml><?xml version="1.0" encoding="utf-8"?>
+<p:notes xmlns:a="http://schemas.openxmlformats.org/drawingml/2006/main" xmlns:r="http://schemas.openxmlformats.org/officeDocument/2006/relationships" xmlns:p="http://schemas.openxmlformats.org/presentationml/2006/main">
+  <p:cSld>
+    <p:spTree>
+      <p:nvGrpSpPr>
+        <p:cNvPr id="1" name=""/>
+        <p:cNvGrpSpPr/>
+        <p:nvPr/>
+      </p:nvGrpSpPr>
+      <p:grpSpPr>
+        <a:xfrm>
+          <a:off x="0" y="0"/>
+          <a:ext cx="0" cy="0"/>
+          <a:chOff x="0" y="0"/>
+          <a:chExt cx="0" cy="0"/>
+        </a:xfrm>
+      </p:grpSpPr>
+      <p:sp>
+        <p:nvSpPr>
+          <p:cNvPr id="2" name="Slide Image Placeholder 1"/>
+          <p:cNvSpPr>
+            <a:spLocks noGrp="1" noRot="1" noChangeAspect="1"/>
+          </p:cNvSpPr>
+          <p:nvPr>
+            <p:ph type="sldImg"/>
+          </p:nvPr>
+        </p:nvSpPr>
+        <p:spPr/>
+      </p:sp>
+      <p:sp>
+        <p:nvSpPr>
+          <p:cNvPr id="3" name="Notes Placeholder 2"/>
+          <p:cNvSpPr>
+            <a:spLocks noGrp="1"/>
+          </p:cNvSpPr>
+          <p:nvPr>
+            <p:ph type="body" idx="1"/>
+          </p:nvPr>
+        </p:nvSpPr>
+        <p:spPr/>
+        <p:txBody>
+          <a:bodyPr/>
+          <a:lstStyle/>
+          <a:p>
+            <a:endParaRPr lang="en-GB"/>
+          </a:p>
+        </p:txBody>
+      </p:sp>
+      <p:sp>
+        <p:nvSpPr>
+          <p:cNvPr id="4" name="Slide Number Placeholder 3"/>
+          <p:cNvSpPr>
+            <a:spLocks noGrp="1"/>
+          </p:cNvSpPr>
+          <p:nvPr>
+            <p:ph type="sldNum" sz="quarter" idx="5"/>
+          </p:nvPr>
+        </p:nvSpPr>
+        <p:spPr/>
+        <p:txBody>
+          <a:bodyPr/>
+          <a:lstStyle/>
+          <a:p>
+            <a:fld id="{11A96E62-EC5F-C045-9FEB-EDD3A98888BE}" type="slidenum">
+              <a:rPr lang="en-GB" smtClean="0"/>
+              <a:t>31</a:t>
             </a:fld>
             <a:endParaRPr lang="en-GB"/>
           </a:p>
@@ -1293,7 +1379,7 @@
           <a:p>
             <a:fld id="{1277814B-86DA-1A43-BEBE-BB22F0FBA56B}" type="datetimeFigureOut">
               <a:rPr lang="en-GB" smtClean="0"/>
-              <a:t>29/06/2020</a:t>
+              <a:t>06/07/2020</a:t>
             </a:fld>
             <a:endParaRPr lang="en-GB"/>
           </a:p>
@@ -1491,7 +1577,7 @@
           <a:p>
             <a:fld id="{1277814B-86DA-1A43-BEBE-BB22F0FBA56B}" type="datetimeFigureOut">
               <a:rPr lang="en-GB" smtClean="0"/>
-              <a:t>29/06/2020</a:t>
+              <a:t>06/07/2020</a:t>
             </a:fld>
             <a:endParaRPr lang="en-GB"/>
           </a:p>
@@ -1699,7 +1785,7 @@
           <a:p>
             <a:fld id="{1277814B-86DA-1A43-BEBE-BB22F0FBA56B}" type="datetimeFigureOut">
               <a:rPr lang="en-GB" smtClean="0"/>
-              <a:t>29/06/2020</a:t>
+              <a:t>06/07/2020</a:t>
             </a:fld>
             <a:endParaRPr lang="en-GB"/>
           </a:p>
@@ -1897,7 +1983,7 @@
           <a:p>
             <a:fld id="{1277814B-86DA-1A43-BEBE-BB22F0FBA56B}" type="datetimeFigureOut">
               <a:rPr lang="en-GB" smtClean="0"/>
-              <a:t>29/06/2020</a:t>
+              <a:t>06/07/2020</a:t>
             </a:fld>
             <a:endParaRPr lang="en-GB"/>
           </a:p>
@@ -2172,7 +2258,7 @@
           <a:p>
             <a:fld id="{1277814B-86DA-1A43-BEBE-BB22F0FBA56B}" type="datetimeFigureOut">
               <a:rPr lang="en-GB" smtClean="0"/>
-              <a:t>29/06/2020</a:t>
+              <a:t>06/07/2020</a:t>
             </a:fld>
             <a:endParaRPr lang="en-GB"/>
           </a:p>
@@ -2437,7 +2523,7 @@
           <a:p>
             <a:fld id="{1277814B-86DA-1A43-BEBE-BB22F0FBA56B}" type="datetimeFigureOut">
               <a:rPr lang="en-GB" smtClean="0"/>
-              <a:t>29/06/2020</a:t>
+              <a:t>06/07/2020</a:t>
             </a:fld>
             <a:endParaRPr lang="en-GB"/>
           </a:p>
@@ -2849,7 +2935,7 @@
           <a:p>
             <a:fld id="{1277814B-86DA-1A43-BEBE-BB22F0FBA56B}" type="datetimeFigureOut">
               <a:rPr lang="en-GB" smtClean="0"/>
-              <a:t>29/06/2020</a:t>
+              <a:t>06/07/2020</a:t>
             </a:fld>
             <a:endParaRPr lang="en-GB"/>
           </a:p>
@@ -2990,7 +3076,7 @@
           <a:p>
             <a:fld id="{1277814B-86DA-1A43-BEBE-BB22F0FBA56B}" type="datetimeFigureOut">
               <a:rPr lang="en-GB" smtClean="0"/>
-              <a:t>29/06/2020</a:t>
+              <a:t>06/07/2020</a:t>
             </a:fld>
             <a:endParaRPr lang="en-GB"/>
           </a:p>
@@ -3103,7 +3189,7 @@
           <a:p>
             <a:fld id="{1277814B-86DA-1A43-BEBE-BB22F0FBA56B}" type="datetimeFigureOut">
               <a:rPr lang="en-GB" smtClean="0"/>
-              <a:t>29/06/2020</a:t>
+              <a:t>06/07/2020</a:t>
             </a:fld>
             <a:endParaRPr lang="en-GB"/>
           </a:p>
@@ -3414,7 +3500,7 @@
           <a:p>
             <a:fld id="{1277814B-86DA-1A43-BEBE-BB22F0FBA56B}" type="datetimeFigureOut">
               <a:rPr lang="en-GB" smtClean="0"/>
-              <a:t>29/06/2020</a:t>
+              <a:t>06/07/2020</a:t>
             </a:fld>
             <a:endParaRPr lang="en-GB"/>
           </a:p>
@@ -3702,7 +3788,7 @@
           <a:p>
             <a:fld id="{1277814B-86DA-1A43-BEBE-BB22F0FBA56B}" type="datetimeFigureOut">
               <a:rPr lang="en-GB" smtClean="0"/>
-              <a:t>29/06/2020</a:t>
+              <a:t>06/07/2020</a:t>
             </a:fld>
             <a:endParaRPr lang="en-GB"/>
           </a:p>
@@ -3943,7 +4029,7 @@
           <a:p>
             <a:fld id="{1277814B-86DA-1A43-BEBE-BB22F0FBA56B}" type="datetimeFigureOut">
               <a:rPr lang="en-GB" smtClean="0"/>
-              <a:t>29/06/2020</a:t>
+              <a:t>06/07/2020</a:t>
             </a:fld>
             <a:endParaRPr lang="en-GB"/>
           </a:p>
@@ -14595,6 +14681,1529 @@
           <a:chExt cx="0" cy="0"/>
         </a:xfrm>
       </p:grpSpPr>
+      <p:sp>
+        <p:nvSpPr>
+          <p:cNvPr id="30" name="Rectangle 29">
+            <a:extLst>
+              <a:ext uri="{FF2B5EF4-FFF2-40B4-BE49-F238E27FC236}">
+                <a16:creationId xmlns:a16="http://schemas.microsoft.com/office/drawing/2014/main" id="{933D494D-5EC5-DD4F-889E-D59A1826D55F}"/>
+              </a:ext>
+            </a:extLst>
+          </p:cNvPr>
+          <p:cNvSpPr/>
+          <p:nvPr/>
+        </p:nvSpPr>
+        <p:spPr>
+          <a:xfrm>
+            <a:off x="1740129" y="795134"/>
+            <a:ext cx="8122021" cy="1568938"/>
+          </a:xfrm>
+          <a:prstGeom prst="rect">
+            <a:avLst/>
+          </a:prstGeom>
+          <a:solidFill>
+            <a:schemeClr val="bg2">
+              <a:lumMod val="90000"/>
+            </a:schemeClr>
+          </a:solidFill>
+          <a:ln>
+            <a:solidFill>
+              <a:schemeClr val="tx1">
+                <a:lumMod val="75000"/>
+                <a:lumOff val="25000"/>
+              </a:schemeClr>
+            </a:solidFill>
+          </a:ln>
+        </p:spPr>
+        <p:style>
+          <a:lnRef idx="2">
+            <a:schemeClr val="accent1">
+              <a:shade val="50000"/>
+            </a:schemeClr>
+          </a:lnRef>
+          <a:fillRef idx="1">
+            <a:schemeClr val="accent1"/>
+          </a:fillRef>
+          <a:effectRef idx="0">
+            <a:schemeClr val="accent1"/>
+          </a:effectRef>
+          <a:fontRef idx="minor">
+            <a:schemeClr val="lt1"/>
+          </a:fontRef>
+        </p:style>
+        <p:txBody>
+          <a:bodyPr rtlCol="0" anchor="b"/>
+          <a:lstStyle/>
+          <a:p>
+            <a:pPr algn="ctr"/>
+            <a:r>
+              <a:rPr lang="en-GB" sz="3600" dirty="0">
+                <a:solidFill>
+                  <a:schemeClr val="tx1"/>
+                </a:solidFill>
+              </a:rPr>
+              <a:t>code</a:t>
+            </a:r>
+          </a:p>
+        </p:txBody>
+      </p:sp>
+      <p:sp>
+        <p:nvSpPr>
+          <p:cNvPr id="2" name="Rectangle 1">
+            <a:extLst>
+              <a:ext uri="{FF2B5EF4-FFF2-40B4-BE49-F238E27FC236}">
+                <a16:creationId xmlns:a16="http://schemas.microsoft.com/office/drawing/2014/main" id="{A6F555FC-BBA9-144D-9C08-72C9B3DCA3DF}"/>
+              </a:ext>
+            </a:extLst>
+          </p:cNvPr>
+          <p:cNvSpPr/>
+          <p:nvPr/>
+        </p:nvSpPr>
+        <p:spPr>
+          <a:xfrm>
+            <a:off x="5926644" y="2594307"/>
+            <a:ext cx="3935506" cy="3389049"/>
+          </a:xfrm>
+          <a:prstGeom prst="rect">
+            <a:avLst/>
+          </a:prstGeom>
+          <a:solidFill>
+            <a:schemeClr val="accent6">
+              <a:lumMod val="20000"/>
+              <a:lumOff val="80000"/>
+            </a:schemeClr>
+          </a:solidFill>
+          <a:ln>
+            <a:solidFill>
+              <a:schemeClr val="tx1">
+                <a:lumMod val="75000"/>
+                <a:lumOff val="25000"/>
+              </a:schemeClr>
+            </a:solidFill>
+          </a:ln>
+        </p:spPr>
+        <p:style>
+          <a:lnRef idx="2">
+            <a:schemeClr val="accent1">
+              <a:shade val="50000"/>
+            </a:schemeClr>
+          </a:lnRef>
+          <a:fillRef idx="1">
+            <a:schemeClr val="accent1"/>
+          </a:fillRef>
+          <a:effectRef idx="0">
+            <a:schemeClr val="accent1"/>
+          </a:effectRef>
+          <a:fontRef idx="minor">
+            <a:schemeClr val="lt1"/>
+          </a:fontRef>
+        </p:style>
+        <p:txBody>
+          <a:bodyPr rtlCol="0" anchor="b"/>
+          <a:lstStyle/>
+          <a:p>
+            <a:pPr algn="ctr"/>
+            <a:r>
+              <a:rPr lang="en-GB" sz="3600" dirty="0">
+                <a:solidFill>
+                  <a:schemeClr val="tx1"/>
+                </a:solidFill>
+              </a:rPr>
+              <a:t>heap</a:t>
+            </a:r>
+          </a:p>
+        </p:txBody>
+      </p:sp>
+      <p:sp>
+        <p:nvSpPr>
+          <p:cNvPr id="3" name="Rectangle 2">
+            <a:extLst>
+              <a:ext uri="{FF2B5EF4-FFF2-40B4-BE49-F238E27FC236}">
+                <a16:creationId xmlns:a16="http://schemas.microsoft.com/office/drawing/2014/main" id="{3BBEC3B3-91C2-6D4E-B992-21EC7665B992}"/>
+              </a:ext>
+            </a:extLst>
+          </p:cNvPr>
+          <p:cNvSpPr/>
+          <p:nvPr/>
+        </p:nvSpPr>
+        <p:spPr>
+          <a:xfrm>
+            <a:off x="1740128" y="2594307"/>
+            <a:ext cx="3935506" cy="3389049"/>
+          </a:xfrm>
+          <a:prstGeom prst="rect">
+            <a:avLst/>
+          </a:prstGeom>
+          <a:solidFill>
+            <a:schemeClr val="accent1">
+              <a:lumMod val="20000"/>
+              <a:lumOff val="80000"/>
+            </a:schemeClr>
+          </a:solidFill>
+          <a:ln>
+            <a:solidFill>
+              <a:schemeClr val="tx1">
+                <a:lumMod val="75000"/>
+                <a:lumOff val="25000"/>
+              </a:schemeClr>
+            </a:solidFill>
+          </a:ln>
+        </p:spPr>
+        <p:style>
+          <a:lnRef idx="2">
+            <a:schemeClr val="accent1">
+              <a:shade val="50000"/>
+            </a:schemeClr>
+          </a:lnRef>
+          <a:fillRef idx="1">
+            <a:schemeClr val="accent1"/>
+          </a:fillRef>
+          <a:effectRef idx="0">
+            <a:schemeClr val="accent1"/>
+          </a:effectRef>
+          <a:fontRef idx="minor">
+            <a:schemeClr val="lt1"/>
+          </a:fontRef>
+        </p:style>
+        <p:txBody>
+          <a:bodyPr rtlCol="0" anchor="b"/>
+          <a:lstStyle/>
+          <a:p>
+            <a:pPr algn="ctr"/>
+            <a:r>
+              <a:rPr lang="en-GB" sz="3600" dirty="0">
+                <a:solidFill>
+                  <a:schemeClr val="tx1"/>
+                </a:solidFill>
+              </a:rPr>
+              <a:t>stack</a:t>
+            </a:r>
+          </a:p>
+        </p:txBody>
+      </p:sp>
+      <p:sp>
+        <p:nvSpPr>
+          <p:cNvPr id="4" name="Rectangle 3">
+            <a:extLst>
+              <a:ext uri="{FF2B5EF4-FFF2-40B4-BE49-F238E27FC236}">
+                <a16:creationId xmlns:a16="http://schemas.microsoft.com/office/drawing/2014/main" id="{177A6D0A-E0E4-E143-95AE-C90BF2152856}"/>
+              </a:ext>
+            </a:extLst>
+          </p:cNvPr>
+          <p:cNvSpPr/>
+          <p:nvPr/>
+        </p:nvSpPr>
+        <p:spPr>
+          <a:xfrm>
+            <a:off x="2981740" y="3638696"/>
+            <a:ext cx="2034988" cy="479611"/>
+          </a:xfrm>
+          <a:prstGeom prst="rect">
+            <a:avLst/>
+          </a:prstGeom>
+          <a:solidFill>
+            <a:schemeClr val="accent2">
+              <a:lumMod val="40000"/>
+              <a:lumOff val="60000"/>
+            </a:schemeClr>
+          </a:solidFill>
+          <a:ln>
+            <a:solidFill>
+              <a:schemeClr val="tx1">
+                <a:lumMod val="75000"/>
+                <a:lumOff val="25000"/>
+              </a:schemeClr>
+            </a:solidFill>
+          </a:ln>
+        </p:spPr>
+        <p:style>
+          <a:lnRef idx="2">
+            <a:schemeClr val="accent1">
+              <a:shade val="50000"/>
+            </a:schemeClr>
+          </a:lnRef>
+          <a:fillRef idx="1">
+            <a:schemeClr val="accent1"/>
+          </a:fillRef>
+          <a:effectRef idx="0">
+            <a:schemeClr val="accent1"/>
+          </a:effectRef>
+          <a:fontRef idx="minor">
+            <a:schemeClr val="lt1"/>
+          </a:fontRef>
+        </p:style>
+        <p:txBody>
+          <a:bodyPr rtlCol="0" anchor="ctr"/>
+          <a:lstStyle/>
+          <a:p>
+            <a:pPr algn="ctr"/>
+            <a:r>
+              <a:rPr lang="en-GB" b="1" dirty="0">
+                <a:solidFill>
+                  <a:schemeClr val="tx1">
+                    <a:lumMod val="75000"/>
+                    <a:lumOff val="25000"/>
+                  </a:schemeClr>
+                </a:solidFill>
+              </a:rPr>
+              <a:t>xyz</a:t>
+            </a:r>
+          </a:p>
+        </p:txBody>
+      </p:sp>
+      <p:sp>
+        <p:nvSpPr>
+          <p:cNvPr id="5" name="Rectangle 4">
+            <a:extLst>
+              <a:ext uri="{FF2B5EF4-FFF2-40B4-BE49-F238E27FC236}">
+                <a16:creationId xmlns:a16="http://schemas.microsoft.com/office/drawing/2014/main" id="{96ED242F-8A3F-5B47-887C-875DC29748ED}"/>
+              </a:ext>
+            </a:extLst>
+          </p:cNvPr>
+          <p:cNvSpPr/>
+          <p:nvPr/>
+        </p:nvSpPr>
+        <p:spPr>
+          <a:xfrm>
+            <a:off x="2316110" y="3638696"/>
+            <a:ext cx="665630" cy="479611"/>
+          </a:xfrm>
+          <a:prstGeom prst="rect">
+            <a:avLst/>
+          </a:prstGeom>
+          <a:noFill/>
+          <a:ln>
+            <a:solidFill>
+              <a:schemeClr val="tx1">
+                <a:lumMod val="75000"/>
+                <a:lumOff val="25000"/>
+              </a:schemeClr>
+            </a:solidFill>
+          </a:ln>
+        </p:spPr>
+        <p:style>
+          <a:lnRef idx="2">
+            <a:schemeClr val="accent1">
+              <a:shade val="50000"/>
+            </a:schemeClr>
+          </a:lnRef>
+          <a:fillRef idx="1">
+            <a:schemeClr val="accent1"/>
+          </a:fillRef>
+          <a:effectRef idx="0">
+            <a:schemeClr val="accent1"/>
+          </a:effectRef>
+          <a:fontRef idx="minor">
+            <a:schemeClr val="lt1"/>
+          </a:fontRef>
+        </p:style>
+        <p:txBody>
+          <a:bodyPr rtlCol="0" anchor="ctr"/>
+          <a:lstStyle/>
+          <a:p>
+            <a:pPr algn="ctr"/>
+            <a:r>
+              <a:rPr lang="en-GB" sz="900" dirty="0">
+                <a:solidFill>
+                  <a:schemeClr val="tx1"/>
+                </a:solidFill>
+                <a:latin typeface="Courier New" panose="02070309020205020404" pitchFamily="49" charset="0"/>
+                <a:cs typeface="Courier New" panose="02070309020205020404" pitchFamily="49" charset="0"/>
+              </a:rPr>
+              <a:t>numbers</a:t>
+            </a:r>
+          </a:p>
+        </p:txBody>
+      </p:sp>
+      <p:grpSp>
+        <p:nvGrpSpPr>
+          <p:cNvPr id="20" name="Group 19">
+            <a:extLst>
+              <a:ext uri="{FF2B5EF4-FFF2-40B4-BE49-F238E27FC236}">
+                <a16:creationId xmlns:a16="http://schemas.microsoft.com/office/drawing/2014/main" id="{4D3626C4-B86F-4646-BB22-28AEE6D274FF}"/>
+              </a:ext>
+            </a:extLst>
+          </p:cNvPr>
+          <p:cNvGrpSpPr/>
+          <p:nvPr/>
+        </p:nvGrpSpPr>
+        <p:grpSpPr>
+          <a:xfrm>
+            <a:off x="6523070" y="3527877"/>
+            <a:ext cx="2616835" cy="701247"/>
+            <a:chOff x="9173796" y="3547172"/>
+            <a:chExt cx="2616835" cy="701247"/>
+          </a:xfrm>
+        </p:grpSpPr>
+        <p:sp>
+          <p:nvSpPr>
+            <p:cNvPr id="7" name="Rectangle 6">
+              <a:extLst>
+                <a:ext uri="{FF2B5EF4-FFF2-40B4-BE49-F238E27FC236}">
+                  <a16:creationId xmlns:a16="http://schemas.microsoft.com/office/drawing/2014/main" id="{2BDD39F7-4189-CC47-B28F-2FB7E5190FB8}"/>
+                </a:ext>
+              </a:extLst>
+            </p:cNvPr>
+            <p:cNvSpPr/>
+            <p:nvPr/>
+          </p:nvSpPr>
+          <p:spPr>
+            <a:xfrm>
+              <a:off x="9173796" y="3547367"/>
+              <a:ext cx="665630" cy="701052"/>
+            </a:xfrm>
+            <a:prstGeom prst="rect">
+              <a:avLst/>
+            </a:prstGeom>
+            <a:noFill/>
+            <a:ln>
+              <a:solidFill>
+                <a:schemeClr val="tx1">
+                  <a:lumMod val="75000"/>
+                  <a:lumOff val="25000"/>
+                </a:schemeClr>
+              </a:solidFill>
+            </a:ln>
+          </p:spPr>
+          <p:style>
+            <a:lnRef idx="2">
+              <a:schemeClr val="accent1">
+                <a:shade val="50000"/>
+              </a:schemeClr>
+            </a:lnRef>
+            <a:fillRef idx="1">
+              <a:schemeClr val="accent1"/>
+            </a:fillRef>
+            <a:effectRef idx="0">
+              <a:schemeClr val="accent1"/>
+            </a:effectRef>
+            <a:fontRef idx="minor">
+              <a:schemeClr val="lt1"/>
+            </a:fontRef>
+          </p:style>
+          <p:txBody>
+            <a:bodyPr rtlCol="0" anchor="ctr"/>
+            <a:lstStyle/>
+            <a:p>
+              <a:pPr algn="ctr"/>
+              <a:r>
+                <a:rPr lang="en-GB" dirty="0">
+                  <a:solidFill>
+                    <a:schemeClr val="tx1"/>
+                  </a:solidFill>
+                  <a:latin typeface="Courier New" panose="02070309020205020404" pitchFamily="49" charset="0"/>
+                  <a:cs typeface="Courier New" panose="02070309020205020404" pitchFamily="49" charset="0"/>
+                </a:rPr>
+                <a:t>xyz</a:t>
+              </a:r>
+            </a:p>
+          </p:txBody>
+        </p:sp>
+        <p:sp>
+          <p:nvSpPr>
+            <p:cNvPr id="8" name="Rectangle 7">
+              <a:extLst>
+                <a:ext uri="{FF2B5EF4-FFF2-40B4-BE49-F238E27FC236}">
+                  <a16:creationId xmlns:a16="http://schemas.microsoft.com/office/drawing/2014/main" id="{622EA556-4D6B-E048-B44F-4FBAE2010BB4}"/>
+                </a:ext>
+              </a:extLst>
+            </p:cNvPr>
+            <p:cNvSpPr/>
+            <p:nvPr/>
+          </p:nvSpPr>
+          <p:spPr>
+            <a:xfrm>
+              <a:off x="11403392" y="3547172"/>
+              <a:ext cx="387239" cy="348967"/>
+            </a:xfrm>
+            <a:prstGeom prst="rect">
+              <a:avLst/>
+            </a:prstGeom>
+            <a:solidFill>
+              <a:schemeClr val="accent2">
+                <a:lumMod val="40000"/>
+                <a:lumOff val="60000"/>
+              </a:schemeClr>
+            </a:solidFill>
+            <a:ln>
+              <a:solidFill>
+                <a:schemeClr val="tx1">
+                  <a:lumMod val="75000"/>
+                  <a:lumOff val="25000"/>
+                </a:schemeClr>
+              </a:solidFill>
+            </a:ln>
+          </p:spPr>
+          <p:style>
+            <a:lnRef idx="2">
+              <a:schemeClr val="accent1">
+                <a:shade val="50000"/>
+              </a:schemeClr>
+            </a:lnRef>
+            <a:fillRef idx="1">
+              <a:schemeClr val="accent1"/>
+            </a:fillRef>
+            <a:effectRef idx="0">
+              <a:schemeClr val="accent1"/>
+            </a:effectRef>
+            <a:fontRef idx="minor">
+              <a:schemeClr val="lt1"/>
+            </a:fontRef>
+          </p:style>
+          <p:txBody>
+            <a:bodyPr rtlCol="0" anchor="ctr"/>
+            <a:lstStyle/>
+            <a:p>
+              <a:pPr algn="ctr"/>
+              <a:r>
+                <a:rPr lang="en-GB" dirty="0">
+                  <a:solidFill>
+                    <a:schemeClr val="tx1"/>
+                  </a:solidFill>
+                </a:rPr>
+                <a:t>5</a:t>
+              </a:r>
+            </a:p>
+          </p:txBody>
+        </p:sp>
+        <p:sp>
+          <p:nvSpPr>
+            <p:cNvPr id="9" name="Rectangle 8">
+              <a:extLst>
+                <a:ext uri="{FF2B5EF4-FFF2-40B4-BE49-F238E27FC236}">
+                  <a16:creationId xmlns:a16="http://schemas.microsoft.com/office/drawing/2014/main" id="{BAF90704-404F-AF4B-B6D9-3F0BCC27F202}"/>
+                </a:ext>
+              </a:extLst>
+            </p:cNvPr>
+            <p:cNvSpPr/>
+            <p:nvPr/>
+          </p:nvSpPr>
+          <p:spPr>
+            <a:xfrm>
+              <a:off x="11012819" y="3547172"/>
+              <a:ext cx="387239" cy="348967"/>
+            </a:xfrm>
+            <a:prstGeom prst="rect">
+              <a:avLst/>
+            </a:prstGeom>
+            <a:solidFill>
+              <a:schemeClr val="accent2">
+                <a:lumMod val="40000"/>
+                <a:lumOff val="60000"/>
+              </a:schemeClr>
+            </a:solidFill>
+            <a:ln>
+              <a:solidFill>
+                <a:schemeClr val="tx1">
+                  <a:lumMod val="75000"/>
+                  <a:lumOff val="25000"/>
+                </a:schemeClr>
+              </a:solidFill>
+            </a:ln>
+          </p:spPr>
+          <p:style>
+            <a:lnRef idx="2">
+              <a:schemeClr val="accent1">
+                <a:shade val="50000"/>
+              </a:schemeClr>
+            </a:lnRef>
+            <a:fillRef idx="1">
+              <a:schemeClr val="accent1"/>
+            </a:fillRef>
+            <a:effectRef idx="0">
+              <a:schemeClr val="accent1"/>
+            </a:effectRef>
+            <a:fontRef idx="minor">
+              <a:schemeClr val="lt1"/>
+            </a:fontRef>
+          </p:style>
+          <p:txBody>
+            <a:bodyPr rtlCol="0" anchor="ctr"/>
+            <a:lstStyle/>
+            <a:p>
+              <a:pPr algn="ctr"/>
+              <a:r>
+                <a:rPr lang="en-GB" dirty="0">
+                  <a:solidFill>
+                    <a:schemeClr val="tx1"/>
+                  </a:solidFill>
+                </a:rPr>
+                <a:t>4</a:t>
+              </a:r>
+            </a:p>
+          </p:txBody>
+        </p:sp>
+        <p:sp>
+          <p:nvSpPr>
+            <p:cNvPr id="10" name="Rectangle 9">
+              <a:extLst>
+                <a:ext uri="{FF2B5EF4-FFF2-40B4-BE49-F238E27FC236}">
+                  <a16:creationId xmlns:a16="http://schemas.microsoft.com/office/drawing/2014/main" id="{BFBB56A3-5481-E742-8C3B-A8937873D4E2}"/>
+                </a:ext>
+              </a:extLst>
+            </p:cNvPr>
+            <p:cNvSpPr/>
+            <p:nvPr/>
+          </p:nvSpPr>
+          <p:spPr>
+            <a:xfrm>
+              <a:off x="10622244" y="3547172"/>
+              <a:ext cx="387239" cy="348967"/>
+            </a:xfrm>
+            <a:prstGeom prst="rect">
+              <a:avLst/>
+            </a:prstGeom>
+            <a:solidFill>
+              <a:schemeClr val="accent2">
+                <a:lumMod val="40000"/>
+                <a:lumOff val="60000"/>
+              </a:schemeClr>
+            </a:solidFill>
+            <a:ln>
+              <a:solidFill>
+                <a:schemeClr val="tx1">
+                  <a:lumMod val="75000"/>
+                  <a:lumOff val="25000"/>
+                </a:schemeClr>
+              </a:solidFill>
+            </a:ln>
+          </p:spPr>
+          <p:style>
+            <a:lnRef idx="2">
+              <a:schemeClr val="accent1">
+                <a:shade val="50000"/>
+              </a:schemeClr>
+            </a:lnRef>
+            <a:fillRef idx="1">
+              <a:schemeClr val="accent1"/>
+            </a:fillRef>
+            <a:effectRef idx="0">
+              <a:schemeClr val="accent1"/>
+            </a:effectRef>
+            <a:fontRef idx="minor">
+              <a:schemeClr val="lt1"/>
+            </a:fontRef>
+          </p:style>
+          <p:txBody>
+            <a:bodyPr rtlCol="0" anchor="ctr"/>
+            <a:lstStyle/>
+            <a:p>
+              <a:pPr algn="ctr"/>
+              <a:r>
+                <a:rPr lang="en-GB" dirty="0">
+                  <a:solidFill>
+                    <a:schemeClr val="tx1"/>
+                  </a:solidFill>
+                </a:rPr>
+                <a:t>3</a:t>
+              </a:r>
+            </a:p>
+          </p:txBody>
+        </p:sp>
+        <p:sp>
+          <p:nvSpPr>
+            <p:cNvPr id="11" name="Rectangle 10">
+              <a:extLst>
+                <a:ext uri="{FF2B5EF4-FFF2-40B4-BE49-F238E27FC236}">
+                  <a16:creationId xmlns:a16="http://schemas.microsoft.com/office/drawing/2014/main" id="{2AE05A2E-E861-BE41-BBFD-CD9077CF47EA}"/>
+                </a:ext>
+              </a:extLst>
+            </p:cNvPr>
+            <p:cNvSpPr/>
+            <p:nvPr/>
+          </p:nvSpPr>
+          <p:spPr>
+            <a:xfrm>
+              <a:off x="10231669" y="3547172"/>
+              <a:ext cx="387239" cy="348967"/>
+            </a:xfrm>
+            <a:prstGeom prst="rect">
+              <a:avLst/>
+            </a:prstGeom>
+            <a:solidFill>
+              <a:schemeClr val="accent2">
+                <a:lumMod val="40000"/>
+                <a:lumOff val="60000"/>
+              </a:schemeClr>
+            </a:solidFill>
+            <a:ln>
+              <a:solidFill>
+                <a:schemeClr val="tx1">
+                  <a:lumMod val="75000"/>
+                  <a:lumOff val="25000"/>
+                </a:schemeClr>
+              </a:solidFill>
+            </a:ln>
+          </p:spPr>
+          <p:style>
+            <a:lnRef idx="2">
+              <a:schemeClr val="accent1">
+                <a:shade val="50000"/>
+              </a:schemeClr>
+            </a:lnRef>
+            <a:fillRef idx="1">
+              <a:schemeClr val="accent1"/>
+            </a:fillRef>
+            <a:effectRef idx="0">
+              <a:schemeClr val="accent1"/>
+            </a:effectRef>
+            <a:fontRef idx="minor">
+              <a:schemeClr val="lt1"/>
+            </a:fontRef>
+          </p:style>
+          <p:txBody>
+            <a:bodyPr rtlCol="0" anchor="ctr"/>
+            <a:lstStyle/>
+            <a:p>
+              <a:pPr algn="ctr"/>
+              <a:r>
+                <a:rPr lang="en-GB" dirty="0">
+                  <a:solidFill>
+                    <a:schemeClr val="tx1"/>
+                  </a:solidFill>
+                </a:rPr>
+                <a:t>2</a:t>
+              </a:r>
+            </a:p>
+          </p:txBody>
+        </p:sp>
+        <p:sp>
+          <p:nvSpPr>
+            <p:cNvPr id="12" name="Rectangle 11">
+              <a:extLst>
+                <a:ext uri="{FF2B5EF4-FFF2-40B4-BE49-F238E27FC236}">
+                  <a16:creationId xmlns:a16="http://schemas.microsoft.com/office/drawing/2014/main" id="{6FEF5DF9-7373-5646-B300-E566AA0B4C62}"/>
+                </a:ext>
+              </a:extLst>
+            </p:cNvPr>
+            <p:cNvSpPr/>
+            <p:nvPr/>
+          </p:nvSpPr>
+          <p:spPr>
+            <a:xfrm>
+              <a:off x="9841094" y="3547172"/>
+              <a:ext cx="387239" cy="348967"/>
+            </a:xfrm>
+            <a:prstGeom prst="rect">
+              <a:avLst/>
+            </a:prstGeom>
+            <a:solidFill>
+              <a:schemeClr val="accent2">
+                <a:lumMod val="40000"/>
+                <a:lumOff val="60000"/>
+              </a:schemeClr>
+            </a:solidFill>
+            <a:ln>
+              <a:solidFill>
+                <a:schemeClr val="tx1">
+                  <a:lumMod val="75000"/>
+                  <a:lumOff val="25000"/>
+                </a:schemeClr>
+              </a:solidFill>
+            </a:ln>
+          </p:spPr>
+          <p:style>
+            <a:lnRef idx="2">
+              <a:schemeClr val="accent1">
+                <a:shade val="50000"/>
+              </a:schemeClr>
+            </a:lnRef>
+            <a:fillRef idx="1">
+              <a:schemeClr val="accent1"/>
+            </a:fillRef>
+            <a:effectRef idx="0">
+              <a:schemeClr val="accent1"/>
+            </a:effectRef>
+            <a:fontRef idx="minor">
+              <a:schemeClr val="lt1"/>
+            </a:fontRef>
+          </p:style>
+          <p:txBody>
+            <a:bodyPr rtlCol="0" anchor="ctr"/>
+            <a:lstStyle/>
+            <a:p>
+              <a:pPr algn="ctr"/>
+              <a:r>
+                <a:rPr lang="en-GB" dirty="0">
+                  <a:solidFill>
+                    <a:schemeClr val="tx1"/>
+                  </a:solidFill>
+                </a:rPr>
+                <a:t>1</a:t>
+              </a:r>
+            </a:p>
+          </p:txBody>
+        </p:sp>
+        <p:sp>
+          <p:nvSpPr>
+            <p:cNvPr id="15" name="Rectangle 14">
+              <a:extLst>
+                <a:ext uri="{FF2B5EF4-FFF2-40B4-BE49-F238E27FC236}">
+                  <a16:creationId xmlns:a16="http://schemas.microsoft.com/office/drawing/2014/main" id="{FABDE073-DE95-AB43-91C3-2BB862CB362D}"/>
+                </a:ext>
+              </a:extLst>
+            </p:cNvPr>
+            <p:cNvSpPr/>
+            <p:nvPr/>
+          </p:nvSpPr>
+          <p:spPr>
+            <a:xfrm>
+              <a:off x="11403392" y="3899452"/>
+              <a:ext cx="387239" cy="348967"/>
+            </a:xfrm>
+            <a:prstGeom prst="rect">
+              <a:avLst/>
+            </a:prstGeom>
+            <a:noFill/>
+            <a:ln>
+              <a:solidFill>
+                <a:schemeClr val="tx1">
+                  <a:lumMod val="75000"/>
+                  <a:lumOff val="25000"/>
+                </a:schemeClr>
+              </a:solidFill>
+            </a:ln>
+          </p:spPr>
+          <p:style>
+            <a:lnRef idx="2">
+              <a:schemeClr val="accent1">
+                <a:shade val="50000"/>
+              </a:schemeClr>
+            </a:lnRef>
+            <a:fillRef idx="1">
+              <a:schemeClr val="accent1"/>
+            </a:fillRef>
+            <a:effectRef idx="0">
+              <a:schemeClr val="accent1"/>
+            </a:effectRef>
+            <a:fontRef idx="minor">
+              <a:schemeClr val="lt1"/>
+            </a:fontRef>
+          </p:style>
+          <p:txBody>
+            <a:bodyPr rtlCol="0" anchor="ctr"/>
+            <a:lstStyle/>
+            <a:p>
+              <a:pPr algn="ctr"/>
+              <a:r>
+                <a:rPr lang="en-GB" dirty="0">
+                  <a:solidFill>
+                    <a:schemeClr val="tx1"/>
+                  </a:solidFill>
+                </a:rPr>
+                <a:t>4</a:t>
+              </a:r>
+            </a:p>
+          </p:txBody>
+        </p:sp>
+        <p:sp>
+          <p:nvSpPr>
+            <p:cNvPr id="16" name="Rectangle 15">
+              <a:extLst>
+                <a:ext uri="{FF2B5EF4-FFF2-40B4-BE49-F238E27FC236}">
+                  <a16:creationId xmlns:a16="http://schemas.microsoft.com/office/drawing/2014/main" id="{A1BF4E35-CF9B-5848-A614-BB3B4DA6F19C}"/>
+                </a:ext>
+              </a:extLst>
+            </p:cNvPr>
+            <p:cNvSpPr/>
+            <p:nvPr/>
+          </p:nvSpPr>
+          <p:spPr>
+            <a:xfrm>
+              <a:off x="11012819" y="3899452"/>
+              <a:ext cx="387239" cy="348967"/>
+            </a:xfrm>
+            <a:prstGeom prst="rect">
+              <a:avLst/>
+            </a:prstGeom>
+            <a:noFill/>
+            <a:ln>
+              <a:solidFill>
+                <a:schemeClr val="tx1">
+                  <a:lumMod val="75000"/>
+                  <a:lumOff val="25000"/>
+                </a:schemeClr>
+              </a:solidFill>
+            </a:ln>
+          </p:spPr>
+          <p:style>
+            <a:lnRef idx="2">
+              <a:schemeClr val="accent1">
+                <a:shade val="50000"/>
+              </a:schemeClr>
+            </a:lnRef>
+            <a:fillRef idx="1">
+              <a:schemeClr val="accent1"/>
+            </a:fillRef>
+            <a:effectRef idx="0">
+              <a:schemeClr val="accent1"/>
+            </a:effectRef>
+            <a:fontRef idx="minor">
+              <a:schemeClr val="lt1"/>
+            </a:fontRef>
+          </p:style>
+          <p:txBody>
+            <a:bodyPr rtlCol="0" anchor="ctr"/>
+            <a:lstStyle/>
+            <a:p>
+              <a:pPr algn="ctr"/>
+              <a:r>
+                <a:rPr lang="en-GB" dirty="0">
+                  <a:solidFill>
+                    <a:schemeClr val="tx1"/>
+                  </a:solidFill>
+                </a:rPr>
+                <a:t>3</a:t>
+              </a:r>
+            </a:p>
+          </p:txBody>
+        </p:sp>
+        <p:sp>
+          <p:nvSpPr>
+            <p:cNvPr id="17" name="Rectangle 16">
+              <a:extLst>
+                <a:ext uri="{FF2B5EF4-FFF2-40B4-BE49-F238E27FC236}">
+                  <a16:creationId xmlns:a16="http://schemas.microsoft.com/office/drawing/2014/main" id="{3A715A0B-6BE6-E245-BE86-DF4C5219F1EA}"/>
+                </a:ext>
+              </a:extLst>
+            </p:cNvPr>
+            <p:cNvSpPr/>
+            <p:nvPr/>
+          </p:nvSpPr>
+          <p:spPr>
+            <a:xfrm>
+              <a:off x="10622244" y="3899452"/>
+              <a:ext cx="387239" cy="348967"/>
+            </a:xfrm>
+            <a:prstGeom prst="rect">
+              <a:avLst/>
+            </a:prstGeom>
+            <a:noFill/>
+            <a:ln>
+              <a:solidFill>
+                <a:schemeClr val="tx1">
+                  <a:lumMod val="75000"/>
+                  <a:lumOff val="25000"/>
+                </a:schemeClr>
+              </a:solidFill>
+            </a:ln>
+          </p:spPr>
+          <p:style>
+            <a:lnRef idx="2">
+              <a:schemeClr val="accent1">
+                <a:shade val="50000"/>
+              </a:schemeClr>
+            </a:lnRef>
+            <a:fillRef idx="1">
+              <a:schemeClr val="accent1"/>
+            </a:fillRef>
+            <a:effectRef idx="0">
+              <a:schemeClr val="accent1"/>
+            </a:effectRef>
+            <a:fontRef idx="minor">
+              <a:schemeClr val="lt1"/>
+            </a:fontRef>
+          </p:style>
+          <p:txBody>
+            <a:bodyPr rtlCol="0" anchor="ctr"/>
+            <a:lstStyle/>
+            <a:p>
+              <a:pPr algn="ctr"/>
+              <a:r>
+                <a:rPr lang="en-GB" dirty="0">
+                  <a:solidFill>
+                    <a:schemeClr val="tx1"/>
+                  </a:solidFill>
+                </a:rPr>
+                <a:t>2</a:t>
+              </a:r>
+            </a:p>
+          </p:txBody>
+        </p:sp>
+        <p:sp>
+          <p:nvSpPr>
+            <p:cNvPr id="18" name="Rectangle 17">
+              <a:extLst>
+                <a:ext uri="{FF2B5EF4-FFF2-40B4-BE49-F238E27FC236}">
+                  <a16:creationId xmlns:a16="http://schemas.microsoft.com/office/drawing/2014/main" id="{DC112A77-8ED5-AA42-8091-35207768C316}"/>
+                </a:ext>
+              </a:extLst>
+            </p:cNvPr>
+            <p:cNvSpPr/>
+            <p:nvPr/>
+          </p:nvSpPr>
+          <p:spPr>
+            <a:xfrm>
+              <a:off x="10231669" y="3899452"/>
+              <a:ext cx="387239" cy="348967"/>
+            </a:xfrm>
+            <a:prstGeom prst="rect">
+              <a:avLst/>
+            </a:prstGeom>
+            <a:noFill/>
+            <a:ln>
+              <a:solidFill>
+                <a:schemeClr val="tx1">
+                  <a:lumMod val="75000"/>
+                  <a:lumOff val="25000"/>
+                </a:schemeClr>
+              </a:solidFill>
+            </a:ln>
+          </p:spPr>
+          <p:style>
+            <a:lnRef idx="2">
+              <a:schemeClr val="accent1">
+                <a:shade val="50000"/>
+              </a:schemeClr>
+            </a:lnRef>
+            <a:fillRef idx="1">
+              <a:schemeClr val="accent1"/>
+            </a:fillRef>
+            <a:effectRef idx="0">
+              <a:schemeClr val="accent1"/>
+            </a:effectRef>
+            <a:fontRef idx="minor">
+              <a:schemeClr val="lt1"/>
+            </a:fontRef>
+          </p:style>
+          <p:txBody>
+            <a:bodyPr rtlCol="0" anchor="ctr"/>
+            <a:lstStyle/>
+            <a:p>
+              <a:pPr algn="ctr"/>
+              <a:r>
+                <a:rPr lang="en-GB" dirty="0">
+                  <a:solidFill>
+                    <a:schemeClr val="tx1"/>
+                  </a:solidFill>
+                </a:rPr>
+                <a:t>1</a:t>
+              </a:r>
+            </a:p>
+          </p:txBody>
+        </p:sp>
+        <p:sp>
+          <p:nvSpPr>
+            <p:cNvPr id="19" name="Rectangle 18">
+              <a:extLst>
+                <a:ext uri="{FF2B5EF4-FFF2-40B4-BE49-F238E27FC236}">
+                  <a16:creationId xmlns:a16="http://schemas.microsoft.com/office/drawing/2014/main" id="{A7EC961A-EC2D-644B-8641-25758ECCF951}"/>
+                </a:ext>
+              </a:extLst>
+            </p:cNvPr>
+            <p:cNvSpPr/>
+            <p:nvPr/>
+          </p:nvSpPr>
+          <p:spPr>
+            <a:xfrm>
+              <a:off x="9841094" y="3899452"/>
+              <a:ext cx="387239" cy="348967"/>
+            </a:xfrm>
+            <a:prstGeom prst="rect">
+              <a:avLst/>
+            </a:prstGeom>
+            <a:noFill/>
+            <a:ln>
+              <a:solidFill>
+                <a:schemeClr val="tx1">
+                  <a:lumMod val="75000"/>
+                  <a:lumOff val="25000"/>
+                </a:schemeClr>
+              </a:solidFill>
+            </a:ln>
+          </p:spPr>
+          <p:style>
+            <a:lnRef idx="2">
+              <a:schemeClr val="accent1">
+                <a:shade val="50000"/>
+              </a:schemeClr>
+            </a:lnRef>
+            <a:fillRef idx="1">
+              <a:schemeClr val="accent1"/>
+            </a:fillRef>
+            <a:effectRef idx="0">
+              <a:schemeClr val="accent1"/>
+            </a:effectRef>
+            <a:fontRef idx="minor">
+              <a:schemeClr val="lt1"/>
+            </a:fontRef>
+          </p:style>
+          <p:txBody>
+            <a:bodyPr rtlCol="0" anchor="ctr"/>
+            <a:lstStyle/>
+            <a:p>
+              <a:pPr algn="ctr"/>
+              <a:r>
+                <a:rPr lang="en-GB" dirty="0">
+                  <a:solidFill>
+                    <a:schemeClr val="tx1"/>
+                  </a:solidFill>
+                </a:rPr>
+                <a:t>0</a:t>
+              </a:r>
+            </a:p>
+          </p:txBody>
+        </p:sp>
+      </p:grpSp>
+      <p:cxnSp>
+        <p:nvCxnSpPr>
+          <p:cNvPr id="22" name="Curved Connector 21">
+            <a:extLst>
+              <a:ext uri="{FF2B5EF4-FFF2-40B4-BE49-F238E27FC236}">
+                <a16:creationId xmlns:a16="http://schemas.microsoft.com/office/drawing/2014/main" id="{D65019BD-7513-6647-AE7D-B802A5A344B7}"/>
+              </a:ext>
+            </a:extLst>
+          </p:cNvPr>
+          <p:cNvCxnSpPr>
+            <a:stCxn id="4" idx="2"/>
+            <a:endCxn id="7" idx="2"/>
+          </p:cNvCxnSpPr>
+          <p:nvPr/>
+        </p:nvCxnSpPr>
+        <p:spPr>
+          <a:xfrm rot="16200000" flipH="1">
+            <a:off x="5372151" y="2745389"/>
+            <a:ext cx="110817" cy="2856651"/>
+          </a:xfrm>
+          <a:prstGeom prst="curvedConnector3">
+            <a:avLst>
+              <a:gd name="adj1" fmla="val 620199"/>
+            </a:avLst>
+          </a:prstGeom>
+          <a:ln w="12700">
+            <a:solidFill>
+              <a:srgbClr val="FF0000"/>
+            </a:solidFill>
+            <a:tailEnd type="triangle"/>
+          </a:ln>
+        </p:spPr>
+        <p:style>
+          <a:lnRef idx="1">
+            <a:schemeClr val="accent1"/>
+          </a:lnRef>
+          <a:fillRef idx="0">
+            <a:schemeClr val="accent1"/>
+          </a:fillRef>
+          <a:effectRef idx="0">
+            <a:schemeClr val="accent1"/>
+          </a:effectRef>
+          <a:fontRef idx="minor">
+            <a:schemeClr val="tx1"/>
+          </a:fontRef>
+        </p:style>
+      </p:cxnSp>
+      <p:sp>
+        <p:nvSpPr>
+          <p:cNvPr id="24" name="Right Brace 23">
+            <a:extLst>
+              <a:ext uri="{FF2B5EF4-FFF2-40B4-BE49-F238E27FC236}">
+                <a16:creationId xmlns:a16="http://schemas.microsoft.com/office/drawing/2014/main" id="{104FA229-294C-DD42-B184-D206F59B2C58}"/>
+              </a:ext>
+            </a:extLst>
+          </p:cNvPr>
+          <p:cNvSpPr/>
+          <p:nvPr/>
+        </p:nvSpPr>
+        <p:spPr>
+          <a:xfrm rot="5400000">
+            <a:off x="7989817" y="3423277"/>
+            <a:ext cx="348967" cy="1951204"/>
+          </a:xfrm>
+          <a:prstGeom prst="rightBrace">
+            <a:avLst/>
+          </a:prstGeom>
+          <a:ln w="12700">
+            <a:solidFill>
+              <a:srgbClr val="FF0000"/>
+            </a:solidFill>
+          </a:ln>
+        </p:spPr>
+        <p:style>
+          <a:lnRef idx="1">
+            <a:schemeClr val="accent1"/>
+          </a:lnRef>
+          <a:fillRef idx="0">
+            <a:schemeClr val="accent1"/>
+          </a:fillRef>
+          <a:effectRef idx="0">
+            <a:schemeClr val="accent1"/>
+          </a:effectRef>
+          <a:fontRef idx="minor">
+            <a:schemeClr val="tx1"/>
+          </a:fontRef>
+        </p:style>
+        <p:txBody>
+          <a:bodyPr rtlCol="0" anchor="ctr"/>
+          <a:lstStyle/>
+          <a:p>
+            <a:pPr algn="ctr"/>
+            <a:endParaRPr lang="en-GB"/>
+          </a:p>
+        </p:txBody>
+      </p:sp>
+      <p:sp>
+        <p:nvSpPr>
+          <p:cNvPr id="25" name="TextBox 24">
+            <a:extLst>
+              <a:ext uri="{FF2B5EF4-FFF2-40B4-BE49-F238E27FC236}">
+                <a16:creationId xmlns:a16="http://schemas.microsoft.com/office/drawing/2014/main" id="{E452DD68-EF30-3349-AFCC-B6DF4A5EB1C2}"/>
+              </a:ext>
+            </a:extLst>
+          </p:cNvPr>
+          <p:cNvSpPr txBox="1"/>
+          <p:nvPr/>
+        </p:nvSpPr>
+        <p:spPr>
+          <a:xfrm>
+            <a:off x="7253345" y="4516419"/>
+            <a:ext cx="1821909" cy="369332"/>
+          </a:xfrm>
+          <a:prstGeom prst="rect">
+            <a:avLst/>
+          </a:prstGeom>
+          <a:noFill/>
+        </p:spPr>
+        <p:txBody>
+          <a:bodyPr wrap="none" rtlCol="0">
+            <a:spAutoFit/>
+          </a:bodyPr>
+          <a:lstStyle/>
+          <a:p>
+            <a:r>
+              <a:rPr lang="en-GB" dirty="0">
+                <a:solidFill>
+                  <a:srgbClr val="FF0000"/>
+                </a:solidFill>
+              </a:rPr>
+              <a:t>The array indices</a:t>
+            </a:r>
+          </a:p>
+        </p:txBody>
+      </p:sp>
+      <p:sp>
+        <p:nvSpPr>
+          <p:cNvPr id="26" name="TextBox 25">
+            <a:extLst>
+              <a:ext uri="{FF2B5EF4-FFF2-40B4-BE49-F238E27FC236}">
+                <a16:creationId xmlns:a16="http://schemas.microsoft.com/office/drawing/2014/main" id="{E31B65A9-99CF-B145-8A26-D452E68D0293}"/>
+              </a:ext>
+            </a:extLst>
+          </p:cNvPr>
+          <p:cNvSpPr txBox="1"/>
+          <p:nvPr/>
+        </p:nvSpPr>
+        <p:spPr>
+          <a:xfrm>
+            <a:off x="7306400" y="2824098"/>
+            <a:ext cx="1707903" cy="369332"/>
+          </a:xfrm>
+          <a:prstGeom prst="rect">
+            <a:avLst/>
+          </a:prstGeom>
+          <a:noFill/>
+        </p:spPr>
+        <p:txBody>
+          <a:bodyPr wrap="none" rtlCol="0">
+            <a:spAutoFit/>
+          </a:bodyPr>
+          <a:lstStyle/>
+          <a:p>
+            <a:r>
+              <a:rPr lang="en-GB" dirty="0">
+                <a:solidFill>
+                  <a:schemeClr val="tx2">
+                    <a:lumMod val="50000"/>
+                  </a:schemeClr>
+                </a:solidFill>
+              </a:rPr>
+              <a:t>The array values</a:t>
+            </a:r>
+          </a:p>
+        </p:txBody>
+      </p:sp>
+      <p:sp>
+        <p:nvSpPr>
+          <p:cNvPr id="28" name="Right Brace 27">
+            <a:extLst>
+              <a:ext uri="{FF2B5EF4-FFF2-40B4-BE49-F238E27FC236}">
+                <a16:creationId xmlns:a16="http://schemas.microsoft.com/office/drawing/2014/main" id="{B09835BB-E6D6-4C43-BED4-8CD4B4C5EB82}"/>
+              </a:ext>
+            </a:extLst>
+          </p:cNvPr>
+          <p:cNvSpPr/>
+          <p:nvPr/>
+        </p:nvSpPr>
+        <p:spPr>
+          <a:xfrm rot="16200000">
+            <a:off x="7985869" y="2372755"/>
+            <a:ext cx="348967" cy="1951204"/>
+          </a:xfrm>
+          <a:prstGeom prst="rightBrace">
+            <a:avLst/>
+          </a:prstGeom>
+          <a:ln w="12700">
+            <a:solidFill>
+              <a:schemeClr val="tx2">
+                <a:lumMod val="50000"/>
+              </a:schemeClr>
+            </a:solidFill>
+          </a:ln>
+        </p:spPr>
+        <p:style>
+          <a:lnRef idx="1">
+            <a:schemeClr val="accent1"/>
+          </a:lnRef>
+          <a:fillRef idx="0">
+            <a:schemeClr val="accent1"/>
+          </a:fillRef>
+          <a:effectRef idx="0">
+            <a:schemeClr val="accent1"/>
+          </a:effectRef>
+          <a:fontRef idx="minor">
+            <a:schemeClr val="tx1"/>
+          </a:fontRef>
+        </p:style>
+        <p:txBody>
+          <a:bodyPr rtlCol="0" anchor="ctr"/>
+          <a:lstStyle/>
+          <a:p>
+            <a:pPr algn="ctr"/>
+            <a:endParaRPr lang="en-GB"/>
+          </a:p>
+        </p:txBody>
+      </p:sp>
+      <p:sp>
+        <p:nvSpPr>
+          <p:cNvPr id="29" name="TextBox 28">
+            <a:extLst>
+              <a:ext uri="{FF2B5EF4-FFF2-40B4-BE49-F238E27FC236}">
+                <a16:creationId xmlns:a16="http://schemas.microsoft.com/office/drawing/2014/main" id="{A7D110EC-A220-F84E-A4CE-E0A65EA2A5FD}"/>
+              </a:ext>
+            </a:extLst>
+          </p:cNvPr>
+          <p:cNvSpPr txBox="1"/>
+          <p:nvPr/>
+        </p:nvSpPr>
+        <p:spPr>
+          <a:xfrm>
+            <a:off x="1740128" y="1086971"/>
+            <a:ext cx="5836854" cy="369332"/>
+          </a:xfrm>
+          <a:prstGeom prst="rect">
+            <a:avLst/>
+          </a:prstGeom>
+          <a:noFill/>
+        </p:spPr>
+        <p:txBody>
+          <a:bodyPr wrap="none" rtlCol="0">
+            <a:spAutoFit/>
+          </a:bodyPr>
+          <a:lstStyle/>
+          <a:p>
+            <a:r>
+              <a:rPr lang="en-GB" dirty="0">
+                <a:latin typeface="Courier New" panose="02070309020205020404" pitchFamily="49" charset="0"/>
+                <a:cs typeface="Courier New" panose="02070309020205020404" pitchFamily="49" charset="0"/>
+              </a:rPr>
+              <a:t> final int[] numbers = { 1, 2, 3, 4, 5 };</a:t>
+            </a:r>
+          </a:p>
+        </p:txBody>
+      </p:sp>
+      <p:sp>
+        <p:nvSpPr>
+          <p:cNvPr id="31" name="Rounded Rectangle 30">
+            <a:extLst>
+              <a:ext uri="{FF2B5EF4-FFF2-40B4-BE49-F238E27FC236}">
+                <a16:creationId xmlns:a16="http://schemas.microsoft.com/office/drawing/2014/main" id="{A10C90D1-9111-6640-868B-F0926041D623}"/>
+              </a:ext>
+            </a:extLst>
+          </p:cNvPr>
+          <p:cNvSpPr/>
+          <p:nvPr/>
+        </p:nvSpPr>
+        <p:spPr>
+          <a:xfrm>
+            <a:off x="2648925" y="1007567"/>
+            <a:ext cx="2009630" cy="528140"/>
+          </a:xfrm>
+          <a:prstGeom prst="roundRect">
+            <a:avLst/>
+          </a:prstGeom>
+          <a:noFill/>
+          <a:ln>
+            <a:solidFill>
+              <a:srgbClr val="FF0000"/>
+            </a:solidFill>
+          </a:ln>
+        </p:spPr>
+        <p:style>
+          <a:lnRef idx="2">
+            <a:schemeClr val="accent1">
+              <a:shade val="50000"/>
+            </a:schemeClr>
+          </a:lnRef>
+          <a:fillRef idx="1">
+            <a:schemeClr val="accent1"/>
+          </a:fillRef>
+          <a:effectRef idx="0">
+            <a:schemeClr val="accent1"/>
+          </a:effectRef>
+          <a:fontRef idx="minor">
+            <a:schemeClr val="lt1"/>
+          </a:fontRef>
+        </p:style>
+        <p:txBody>
+          <a:bodyPr rtlCol="0" anchor="ctr"/>
+          <a:lstStyle/>
+          <a:p>
+            <a:pPr algn="ctr"/>
+            <a:endParaRPr lang="en-GB"/>
+          </a:p>
+        </p:txBody>
+      </p:sp>
+      <p:sp>
+        <p:nvSpPr>
+          <p:cNvPr id="32" name="Rounded Rectangle 31">
+            <a:extLst>
+              <a:ext uri="{FF2B5EF4-FFF2-40B4-BE49-F238E27FC236}">
+                <a16:creationId xmlns:a16="http://schemas.microsoft.com/office/drawing/2014/main" id="{5C36BE01-D246-6F4F-B66C-3F9FCB61D849}"/>
+              </a:ext>
+            </a:extLst>
+          </p:cNvPr>
+          <p:cNvSpPr/>
+          <p:nvPr/>
+        </p:nvSpPr>
+        <p:spPr>
+          <a:xfrm>
+            <a:off x="4921829" y="1007567"/>
+            <a:ext cx="2331516" cy="528140"/>
+          </a:xfrm>
+          <a:prstGeom prst="roundRect">
+            <a:avLst/>
+          </a:prstGeom>
+          <a:noFill/>
+          <a:ln>
+            <a:solidFill>
+              <a:srgbClr val="FF0000"/>
+            </a:solidFill>
+          </a:ln>
+        </p:spPr>
+        <p:style>
+          <a:lnRef idx="2">
+            <a:schemeClr val="accent1">
+              <a:shade val="50000"/>
+            </a:schemeClr>
+          </a:lnRef>
+          <a:fillRef idx="1">
+            <a:schemeClr val="accent1"/>
+          </a:fillRef>
+          <a:effectRef idx="0">
+            <a:schemeClr val="accent1"/>
+          </a:effectRef>
+          <a:fontRef idx="minor">
+            <a:schemeClr val="lt1"/>
+          </a:fontRef>
+        </p:style>
+        <p:txBody>
+          <a:bodyPr rtlCol="0" anchor="ctr"/>
+          <a:lstStyle/>
+          <a:p>
+            <a:pPr algn="ctr"/>
+            <a:endParaRPr lang="en-GB"/>
+          </a:p>
+        </p:txBody>
+      </p:sp>
+      <p:cxnSp>
+        <p:nvCxnSpPr>
+          <p:cNvPr id="34" name="Straight Arrow Connector 33">
+            <a:extLst>
+              <a:ext uri="{FF2B5EF4-FFF2-40B4-BE49-F238E27FC236}">
+                <a16:creationId xmlns:a16="http://schemas.microsoft.com/office/drawing/2014/main" id="{D427D1BF-4A6E-CF4D-B3F6-B41B3F199CCD}"/>
+              </a:ext>
+            </a:extLst>
+          </p:cNvPr>
+          <p:cNvCxnSpPr>
+            <a:cxnSpLocks/>
+            <a:stCxn id="31" idx="2"/>
+          </p:cNvCxnSpPr>
+          <p:nvPr/>
+        </p:nvCxnSpPr>
+        <p:spPr>
+          <a:xfrm>
+            <a:off x="3653740" y="1535707"/>
+            <a:ext cx="0" cy="1893293"/>
+          </a:xfrm>
+          <a:prstGeom prst="straightConnector1">
+            <a:avLst/>
+          </a:prstGeom>
+          <a:ln w="12700">
+            <a:solidFill>
+              <a:srgbClr val="FF0000"/>
+            </a:solidFill>
+            <a:tailEnd type="triangle"/>
+          </a:ln>
+        </p:spPr>
+        <p:style>
+          <a:lnRef idx="1">
+            <a:schemeClr val="accent1"/>
+          </a:lnRef>
+          <a:fillRef idx="0">
+            <a:schemeClr val="accent1"/>
+          </a:fillRef>
+          <a:effectRef idx="0">
+            <a:schemeClr val="accent1"/>
+          </a:effectRef>
+          <a:fontRef idx="minor">
+            <a:schemeClr val="tx1"/>
+          </a:fontRef>
+        </p:style>
+      </p:cxnSp>
+      <p:cxnSp>
+        <p:nvCxnSpPr>
+          <p:cNvPr id="35" name="Straight Arrow Connector 34">
+            <a:extLst>
+              <a:ext uri="{FF2B5EF4-FFF2-40B4-BE49-F238E27FC236}">
+                <a16:creationId xmlns:a16="http://schemas.microsoft.com/office/drawing/2014/main" id="{859A2871-F11F-2B42-AFA9-D0D048E4C6F3}"/>
+              </a:ext>
+            </a:extLst>
+          </p:cNvPr>
+          <p:cNvCxnSpPr>
+            <a:cxnSpLocks/>
+            <a:stCxn id="32" idx="2"/>
+          </p:cNvCxnSpPr>
+          <p:nvPr/>
+        </p:nvCxnSpPr>
+        <p:spPr>
+          <a:xfrm>
+            <a:off x="6087587" y="1535707"/>
+            <a:ext cx="939379" cy="1363230"/>
+          </a:xfrm>
+          <a:prstGeom prst="straightConnector1">
+            <a:avLst/>
+          </a:prstGeom>
+          <a:ln w="12700">
+            <a:solidFill>
+              <a:srgbClr val="FF0000"/>
+            </a:solidFill>
+            <a:tailEnd type="triangle"/>
+          </a:ln>
+        </p:spPr>
+        <p:style>
+          <a:lnRef idx="1">
+            <a:schemeClr val="accent1"/>
+          </a:lnRef>
+          <a:fillRef idx="0">
+            <a:schemeClr val="accent1"/>
+          </a:fillRef>
+          <a:effectRef idx="0">
+            <a:schemeClr val="accent1"/>
+          </a:effectRef>
+          <a:fontRef idx="minor">
+            <a:schemeClr val="tx1"/>
+          </a:fontRef>
+        </p:style>
+      </p:cxnSp>
     </p:spTree>
     <p:extLst>
       <p:ext uri="{BB962C8B-B14F-4D97-AF65-F5344CB8AC3E}">
@@ -16058,6 +17667,67 @@
             <a:avLst/>
           </a:prstGeom>
           <a:solidFill>
+            <a:schemeClr val="bg1"/>
+          </a:solidFill>
+          <a:ln>
+            <a:solidFill>
+              <a:schemeClr val="tx1">
+                <a:lumMod val="75000"/>
+                <a:lumOff val="25000"/>
+              </a:schemeClr>
+            </a:solidFill>
+            <a:prstDash val="dash"/>
+          </a:ln>
+        </p:spPr>
+        <p:style>
+          <a:lnRef idx="2">
+            <a:schemeClr val="accent1">
+              <a:shade val="50000"/>
+            </a:schemeClr>
+          </a:lnRef>
+          <a:fillRef idx="1">
+            <a:schemeClr val="accent1"/>
+          </a:fillRef>
+          <a:effectRef idx="0">
+            <a:schemeClr val="accent1"/>
+          </a:effectRef>
+          <a:fontRef idx="minor">
+            <a:schemeClr val="lt1"/>
+          </a:fontRef>
+        </p:style>
+        <p:txBody>
+          <a:bodyPr rtlCol="0" anchor="ctr"/>
+          <a:lstStyle/>
+          <a:p>
+            <a:pPr algn="ctr"/>
+            <a:endParaRPr lang="en-GB" dirty="0">
+              <a:latin typeface="Courier New" panose="02070309020205020404" pitchFamily="49" charset="0"/>
+              <a:cs typeface="Courier New" panose="02070309020205020404" pitchFamily="49" charset="0"/>
+            </a:endParaRPr>
+          </a:p>
+        </p:txBody>
+      </p:sp>
+      <p:sp>
+        <p:nvSpPr>
+          <p:cNvPr id="16" name="Rectangle 15">
+            <a:extLst>
+              <a:ext uri="{FF2B5EF4-FFF2-40B4-BE49-F238E27FC236}">
+                <a16:creationId xmlns:a16="http://schemas.microsoft.com/office/drawing/2014/main" id="{733B1903-9710-8A42-B7C8-1F160E2A04ED}"/>
+              </a:ext>
+            </a:extLst>
+          </p:cNvPr>
+          <p:cNvSpPr/>
+          <p:nvPr/>
+        </p:nvSpPr>
+        <p:spPr>
+          <a:xfrm>
+            <a:off x="8224627" y="1669774"/>
+            <a:ext cx="2435087" cy="715617"/>
+          </a:xfrm>
+          <a:prstGeom prst="rect">
+            <a:avLst/>
+          </a:prstGeom>
+          <a:solidFill>
             <a:schemeClr val="accent3">
               <a:lumMod val="75000"/>
             </a:schemeClr>
@@ -16097,71 +17767,6 @@
                 <a:latin typeface="Courier New" panose="02070309020205020404" pitchFamily="49" charset="0"/>
                 <a:cs typeface="Courier New" panose="02070309020205020404" pitchFamily="49" charset="0"/>
               </a:rPr>
-              <a:t>clear()</a:t>
-            </a:r>
-          </a:p>
-        </p:txBody>
-      </p:sp>
-      <p:sp>
-        <p:nvSpPr>
-          <p:cNvPr id="16" name="Rectangle 15">
-            <a:extLst>
-              <a:ext uri="{FF2B5EF4-FFF2-40B4-BE49-F238E27FC236}">
-                <a16:creationId xmlns:a16="http://schemas.microsoft.com/office/drawing/2014/main" id="{733B1903-9710-8A42-B7C8-1F160E2A04ED}"/>
-              </a:ext>
-            </a:extLst>
-          </p:cNvPr>
-          <p:cNvSpPr/>
-          <p:nvPr/>
-        </p:nvSpPr>
-        <p:spPr>
-          <a:xfrm>
-            <a:off x="8224627" y="1669774"/>
-            <a:ext cx="2435087" cy="715617"/>
-          </a:xfrm>
-          <a:prstGeom prst="rect">
-            <a:avLst/>
-          </a:prstGeom>
-          <a:solidFill>
-            <a:schemeClr val="accent3">
-              <a:lumMod val="75000"/>
-            </a:schemeClr>
-          </a:solidFill>
-          <a:ln>
-            <a:solidFill>
-              <a:schemeClr val="tx1">
-                <a:lumMod val="75000"/>
-                <a:lumOff val="25000"/>
-              </a:schemeClr>
-            </a:solidFill>
-          </a:ln>
-        </p:spPr>
-        <p:style>
-          <a:lnRef idx="2">
-            <a:schemeClr val="accent1">
-              <a:shade val="50000"/>
-            </a:schemeClr>
-          </a:lnRef>
-          <a:fillRef idx="1">
-            <a:schemeClr val="accent1"/>
-          </a:fillRef>
-          <a:effectRef idx="0">
-            <a:schemeClr val="accent1"/>
-          </a:effectRef>
-          <a:fontRef idx="minor">
-            <a:schemeClr val="lt1"/>
-          </a:fontRef>
-        </p:style>
-        <p:txBody>
-          <a:bodyPr rtlCol="0" anchor="ctr"/>
-          <a:lstStyle/>
-          <a:p>
-            <a:pPr algn="ctr"/>
-            <a:r>
-              <a:rPr lang="en-GB" dirty="0">
-                <a:latin typeface="Courier New" panose="02070309020205020404" pitchFamily="49" charset="0"/>
-                <a:cs typeface="Courier New" panose="02070309020205020404" pitchFamily="49" charset="0"/>
-              </a:rPr>
               <a:t>put(Object)</a:t>
             </a:r>
           </a:p>
@@ -16279,7 +17884,7 @@
         </p:nvCxnSpPr>
         <p:spPr>
           <a:xfrm>
-            <a:off x="457200" y="3220278"/>
+            <a:off x="228603" y="3220278"/>
             <a:ext cx="11290852" cy="0"/>
           </a:xfrm>
           <a:prstGeom prst="line">
@@ -16636,8 +18241,8 @@
         </p:nvCxnSpPr>
         <p:spPr>
           <a:xfrm>
-            <a:off x="2912166" y="888764"/>
-            <a:ext cx="0" cy="781009"/>
+            <a:off x="2912166" y="865356"/>
+            <a:ext cx="0" cy="804417"/>
           </a:xfrm>
           <a:prstGeom prst="straightConnector1">
             <a:avLst/>
@@ -16681,8 +18286,8 @@
         </p:nvSpPr>
         <p:spPr>
           <a:xfrm>
-            <a:off x="1619312" y="519432"/>
-            <a:ext cx="2585708" cy="369332"/>
+            <a:off x="1343595" y="496024"/>
+            <a:ext cx="3137141" cy="369332"/>
           </a:xfrm>
           <a:prstGeom prst="rect">
             <a:avLst/>
@@ -16704,7 +18309,7 @@
                 <a:latin typeface="Courier New" panose="02070309020205020404" pitchFamily="49" charset="0"/>
                 <a:cs typeface="Courier New" panose="02070309020205020404" pitchFamily="49" charset="0"/>
               </a:rPr>
-              <a:t>clear()</a:t>
+              <a:t>put(Object)</a:t>
             </a:r>
             <a:r>
               <a:rPr lang="en-GB" dirty="0"/>
@@ -17098,6 +18703,925 @@
 </file>
 
 <file path=ppt/slides/slide30.xml><?xml version="1.0" encoding="utf-8"?>
+<p:sld xmlns:a="http://schemas.openxmlformats.org/drawingml/2006/main" xmlns:r="http://schemas.openxmlformats.org/officeDocument/2006/relationships" xmlns:p="http://schemas.openxmlformats.org/presentationml/2006/main">
+  <p:cSld>
+    <p:spTree>
+      <p:nvGrpSpPr>
+        <p:cNvPr id="1" name=""/>
+        <p:cNvGrpSpPr/>
+        <p:nvPr/>
+      </p:nvGrpSpPr>
+      <p:grpSpPr>
+        <a:xfrm>
+          <a:off x="0" y="0"/>
+          <a:ext cx="0" cy="0"/>
+          <a:chOff x="0" y="0"/>
+          <a:chExt cx="0" cy="0"/>
+        </a:xfrm>
+      </p:grpSpPr>
+      <p:sp>
+        <p:nvSpPr>
+          <p:cNvPr id="4" name="Rectangle 3">
+            <a:extLst>
+              <a:ext uri="{FF2B5EF4-FFF2-40B4-BE49-F238E27FC236}">
+                <a16:creationId xmlns:a16="http://schemas.microsoft.com/office/drawing/2014/main" id="{9E5FF8BA-3EFC-124C-9A88-A59FC08B98F9}"/>
+              </a:ext>
+            </a:extLst>
+          </p:cNvPr>
+          <p:cNvSpPr/>
+          <p:nvPr/>
+        </p:nvSpPr>
+        <p:spPr>
+          <a:xfrm>
+            <a:off x="2912165" y="4144616"/>
+            <a:ext cx="2435087" cy="715617"/>
+          </a:xfrm>
+          <a:prstGeom prst="rect">
+            <a:avLst/>
+          </a:prstGeom>
+          <a:solidFill>
+            <a:schemeClr val="tx2">
+              <a:lumMod val="75000"/>
+            </a:schemeClr>
+          </a:solidFill>
+          <a:ln>
+            <a:solidFill>
+              <a:schemeClr val="tx1">
+                <a:lumMod val="75000"/>
+                <a:lumOff val="25000"/>
+              </a:schemeClr>
+            </a:solidFill>
+          </a:ln>
+        </p:spPr>
+        <p:style>
+          <a:lnRef idx="2">
+            <a:schemeClr val="accent1">
+              <a:shade val="50000"/>
+            </a:schemeClr>
+          </a:lnRef>
+          <a:fillRef idx="1">
+            <a:schemeClr val="accent1"/>
+          </a:fillRef>
+          <a:effectRef idx="0">
+            <a:schemeClr val="accent1"/>
+          </a:effectRef>
+          <a:fontRef idx="minor">
+            <a:schemeClr val="lt1"/>
+          </a:fontRef>
+        </p:style>
+        <p:txBody>
+          <a:bodyPr rtlCol="0" anchor="ctr"/>
+          <a:lstStyle/>
+          <a:p>
+            <a:pPr algn="ctr"/>
+            <a:r>
+              <a:rPr lang="en-GB" dirty="0">
+                <a:latin typeface="Courier New" panose="02070309020205020404" pitchFamily="49" charset="0"/>
+                <a:cs typeface="Courier New" panose="02070309020205020404" pitchFamily="49" charset="0"/>
+              </a:rPr>
+              <a:t>put(Object)</a:t>
+            </a:r>
+          </a:p>
+        </p:txBody>
+      </p:sp>
+      <p:sp>
+        <p:nvSpPr>
+          <p:cNvPr id="5" name="Rectangle 4">
+            <a:extLst>
+              <a:ext uri="{FF2B5EF4-FFF2-40B4-BE49-F238E27FC236}">
+                <a16:creationId xmlns:a16="http://schemas.microsoft.com/office/drawing/2014/main" id="{82B50688-CDAF-524A-BB49-54E7C315C431}"/>
+              </a:ext>
+            </a:extLst>
+          </p:cNvPr>
+          <p:cNvSpPr/>
+          <p:nvPr/>
+        </p:nvSpPr>
+        <p:spPr>
+          <a:xfrm>
+            <a:off x="7007084" y="4144615"/>
+            <a:ext cx="2435087" cy="715617"/>
+          </a:xfrm>
+          <a:prstGeom prst="rect">
+            <a:avLst/>
+          </a:prstGeom>
+          <a:solidFill>
+            <a:schemeClr val="tx2">
+              <a:lumMod val="75000"/>
+            </a:schemeClr>
+          </a:solidFill>
+          <a:ln>
+            <a:solidFill>
+              <a:schemeClr val="tx1">
+                <a:lumMod val="75000"/>
+                <a:lumOff val="25000"/>
+              </a:schemeClr>
+            </a:solidFill>
+          </a:ln>
+        </p:spPr>
+        <p:style>
+          <a:lnRef idx="2">
+            <a:schemeClr val="accent1">
+              <a:shade val="50000"/>
+            </a:schemeClr>
+          </a:lnRef>
+          <a:fillRef idx="1">
+            <a:schemeClr val="accent1"/>
+          </a:fillRef>
+          <a:effectRef idx="0">
+            <a:schemeClr val="accent1"/>
+          </a:effectRef>
+          <a:fontRef idx="minor">
+            <a:schemeClr val="lt1"/>
+          </a:fontRef>
+        </p:style>
+        <p:txBody>
+          <a:bodyPr rtlCol="0" anchor="ctr"/>
+          <a:lstStyle/>
+          <a:p>
+            <a:pPr algn="ctr"/>
+            <a:r>
+              <a:rPr lang="en-GB" dirty="0">
+                <a:latin typeface="Courier New" panose="02070309020205020404" pitchFamily="49" charset="0"/>
+                <a:cs typeface="Courier New" panose="02070309020205020404" pitchFamily="49" charset="0"/>
+              </a:rPr>
+              <a:t>put(String)</a:t>
+            </a:r>
+          </a:p>
+        </p:txBody>
+      </p:sp>
+      <p:sp>
+        <p:nvSpPr>
+          <p:cNvPr id="6" name="Rectangle 5">
+            <a:extLst>
+              <a:ext uri="{FF2B5EF4-FFF2-40B4-BE49-F238E27FC236}">
+                <a16:creationId xmlns:a16="http://schemas.microsoft.com/office/drawing/2014/main" id="{1D34A800-43D8-8547-9BA7-CC34D651BF4A}"/>
+              </a:ext>
+            </a:extLst>
+          </p:cNvPr>
+          <p:cNvSpPr/>
+          <p:nvPr/>
+        </p:nvSpPr>
+        <p:spPr>
+          <a:xfrm>
+            <a:off x="1694622" y="1669773"/>
+            <a:ext cx="2435087" cy="715617"/>
+          </a:xfrm>
+          <a:prstGeom prst="rect">
+            <a:avLst/>
+          </a:prstGeom>
+          <a:solidFill>
+            <a:schemeClr val="accent3">
+              <a:lumMod val="75000"/>
+            </a:schemeClr>
+          </a:solidFill>
+          <a:ln>
+            <a:solidFill>
+              <a:schemeClr val="tx1">
+                <a:lumMod val="75000"/>
+                <a:lumOff val="25000"/>
+              </a:schemeClr>
+            </a:solidFill>
+          </a:ln>
+        </p:spPr>
+        <p:style>
+          <a:lnRef idx="2">
+            <a:schemeClr val="accent1">
+              <a:shade val="50000"/>
+            </a:schemeClr>
+          </a:lnRef>
+          <a:fillRef idx="1">
+            <a:schemeClr val="accent1"/>
+          </a:fillRef>
+          <a:effectRef idx="0">
+            <a:schemeClr val="accent1"/>
+          </a:effectRef>
+          <a:fontRef idx="minor">
+            <a:schemeClr val="lt1"/>
+          </a:fontRef>
+        </p:style>
+        <p:txBody>
+          <a:bodyPr rtlCol="0" anchor="ctr"/>
+          <a:lstStyle/>
+          <a:p>
+            <a:pPr algn="ctr"/>
+            <a:r>
+              <a:rPr lang="en-GB" dirty="0">
+                <a:latin typeface="Courier New" panose="02070309020205020404" pitchFamily="49" charset="0"/>
+                <a:cs typeface="Courier New" panose="02070309020205020404" pitchFamily="49" charset="0"/>
+              </a:rPr>
+              <a:t>clear()</a:t>
+            </a:r>
+          </a:p>
+        </p:txBody>
+      </p:sp>
+      <p:sp>
+        <p:nvSpPr>
+          <p:cNvPr id="16" name="Rectangle 15">
+            <a:extLst>
+              <a:ext uri="{FF2B5EF4-FFF2-40B4-BE49-F238E27FC236}">
+                <a16:creationId xmlns:a16="http://schemas.microsoft.com/office/drawing/2014/main" id="{733B1903-9710-8A42-B7C8-1F160E2A04ED}"/>
+              </a:ext>
+            </a:extLst>
+          </p:cNvPr>
+          <p:cNvSpPr/>
+          <p:nvPr/>
+        </p:nvSpPr>
+        <p:spPr>
+          <a:xfrm>
+            <a:off x="8224627" y="1669774"/>
+            <a:ext cx="2435087" cy="715617"/>
+          </a:xfrm>
+          <a:prstGeom prst="rect">
+            <a:avLst/>
+          </a:prstGeom>
+          <a:solidFill>
+            <a:schemeClr val="accent3">
+              <a:lumMod val="75000"/>
+            </a:schemeClr>
+          </a:solidFill>
+          <a:ln>
+            <a:solidFill>
+              <a:schemeClr val="tx1">
+                <a:lumMod val="75000"/>
+                <a:lumOff val="25000"/>
+              </a:schemeClr>
+            </a:solidFill>
+          </a:ln>
+        </p:spPr>
+        <p:style>
+          <a:lnRef idx="2">
+            <a:schemeClr val="accent1">
+              <a:shade val="50000"/>
+            </a:schemeClr>
+          </a:lnRef>
+          <a:fillRef idx="1">
+            <a:schemeClr val="accent1"/>
+          </a:fillRef>
+          <a:effectRef idx="0">
+            <a:schemeClr val="accent1"/>
+          </a:effectRef>
+          <a:fontRef idx="minor">
+            <a:schemeClr val="lt1"/>
+          </a:fontRef>
+        </p:style>
+        <p:txBody>
+          <a:bodyPr rtlCol="0" anchor="ctr"/>
+          <a:lstStyle/>
+          <a:p>
+            <a:pPr algn="ctr"/>
+            <a:r>
+              <a:rPr lang="en-GB" dirty="0">
+                <a:latin typeface="Courier New" panose="02070309020205020404" pitchFamily="49" charset="0"/>
+                <a:cs typeface="Courier New" panose="02070309020205020404" pitchFamily="49" charset="0"/>
+              </a:rPr>
+              <a:t>put(Object)</a:t>
+            </a:r>
+          </a:p>
+        </p:txBody>
+      </p:sp>
+      <p:cxnSp>
+        <p:nvCxnSpPr>
+          <p:cNvPr id="18" name="Straight Arrow Connector 17">
+            <a:extLst>
+              <a:ext uri="{FF2B5EF4-FFF2-40B4-BE49-F238E27FC236}">
+                <a16:creationId xmlns:a16="http://schemas.microsoft.com/office/drawing/2014/main" id="{CFE10467-AEC0-F64C-92EE-62FF8D0514DF}"/>
+              </a:ext>
+            </a:extLst>
+          </p:cNvPr>
+          <p:cNvCxnSpPr>
+            <a:cxnSpLocks/>
+            <a:stCxn id="6" idx="2"/>
+            <a:endCxn id="4" idx="0"/>
+          </p:cNvCxnSpPr>
+          <p:nvPr/>
+        </p:nvCxnSpPr>
+        <p:spPr>
+          <a:xfrm>
+            <a:off x="2912166" y="2385390"/>
+            <a:ext cx="1217543" cy="1759226"/>
+          </a:xfrm>
+          <a:prstGeom prst="straightConnector1">
+            <a:avLst/>
+          </a:prstGeom>
+          <a:ln w="12700">
+            <a:solidFill>
+              <a:schemeClr val="tx1">
+                <a:lumMod val="75000"/>
+                <a:lumOff val="25000"/>
+              </a:schemeClr>
+            </a:solidFill>
+            <a:tailEnd type="triangle"/>
+          </a:ln>
+        </p:spPr>
+        <p:style>
+          <a:lnRef idx="1">
+            <a:schemeClr val="accent1"/>
+          </a:lnRef>
+          <a:fillRef idx="0">
+            <a:schemeClr val="accent1"/>
+          </a:fillRef>
+          <a:effectRef idx="0">
+            <a:schemeClr val="accent1"/>
+          </a:effectRef>
+          <a:fontRef idx="minor">
+            <a:schemeClr val="tx1"/>
+          </a:fontRef>
+        </p:style>
+      </p:cxnSp>
+      <p:cxnSp>
+        <p:nvCxnSpPr>
+          <p:cNvPr id="19" name="Straight Arrow Connector 18">
+            <a:extLst>
+              <a:ext uri="{FF2B5EF4-FFF2-40B4-BE49-F238E27FC236}">
+                <a16:creationId xmlns:a16="http://schemas.microsoft.com/office/drawing/2014/main" id="{CCF759CA-2698-6743-BCC3-929B16B86ED7}"/>
+              </a:ext>
+            </a:extLst>
+          </p:cNvPr>
+          <p:cNvCxnSpPr>
+            <a:cxnSpLocks/>
+            <a:stCxn id="5" idx="0"/>
+            <a:endCxn id="16" idx="2"/>
+          </p:cNvCxnSpPr>
+          <p:nvPr/>
+        </p:nvCxnSpPr>
+        <p:spPr>
+          <a:xfrm flipV="1">
+            <a:off x="8224628" y="2385391"/>
+            <a:ext cx="1217543" cy="1759224"/>
+          </a:xfrm>
+          <a:prstGeom prst="straightConnector1">
+            <a:avLst/>
+          </a:prstGeom>
+          <a:ln w="12700">
+            <a:solidFill>
+              <a:schemeClr val="tx1">
+                <a:lumMod val="75000"/>
+                <a:lumOff val="25000"/>
+              </a:schemeClr>
+            </a:solidFill>
+            <a:tailEnd type="triangle"/>
+          </a:ln>
+        </p:spPr>
+        <p:style>
+          <a:lnRef idx="1">
+            <a:schemeClr val="accent1"/>
+          </a:lnRef>
+          <a:fillRef idx="0">
+            <a:schemeClr val="accent1"/>
+          </a:fillRef>
+          <a:effectRef idx="0">
+            <a:schemeClr val="accent1"/>
+          </a:effectRef>
+          <a:fontRef idx="minor">
+            <a:schemeClr val="tx1"/>
+          </a:fontRef>
+        </p:style>
+      </p:cxnSp>
+      <p:cxnSp>
+        <p:nvCxnSpPr>
+          <p:cNvPr id="23" name="Straight Connector 22">
+            <a:extLst>
+              <a:ext uri="{FF2B5EF4-FFF2-40B4-BE49-F238E27FC236}">
+                <a16:creationId xmlns:a16="http://schemas.microsoft.com/office/drawing/2014/main" id="{BEBD5E81-34CE-AE4D-BB9C-170C24639743}"/>
+              </a:ext>
+            </a:extLst>
+          </p:cNvPr>
+          <p:cNvCxnSpPr/>
+          <p:nvPr/>
+        </p:nvCxnSpPr>
+        <p:spPr>
+          <a:xfrm>
+            <a:off x="457200" y="3220278"/>
+            <a:ext cx="11290852" cy="0"/>
+          </a:xfrm>
+          <a:prstGeom prst="line">
+            <a:avLst/>
+          </a:prstGeom>
+          <a:ln>
+            <a:solidFill>
+              <a:schemeClr val="tx1">
+                <a:lumMod val="75000"/>
+                <a:lumOff val="25000"/>
+              </a:schemeClr>
+            </a:solidFill>
+            <a:prstDash val="dash"/>
+          </a:ln>
+        </p:spPr>
+        <p:style>
+          <a:lnRef idx="1">
+            <a:schemeClr val="accent1"/>
+          </a:lnRef>
+          <a:fillRef idx="0">
+            <a:schemeClr val="accent1"/>
+          </a:fillRef>
+          <a:effectRef idx="0">
+            <a:schemeClr val="accent1"/>
+          </a:effectRef>
+          <a:fontRef idx="minor">
+            <a:schemeClr val="tx1"/>
+          </a:fontRef>
+        </p:style>
+      </p:cxnSp>
+      <p:cxnSp>
+        <p:nvCxnSpPr>
+          <p:cNvPr id="20" name="Straight Arrow Connector 19">
+            <a:extLst>
+              <a:ext uri="{FF2B5EF4-FFF2-40B4-BE49-F238E27FC236}">
+                <a16:creationId xmlns:a16="http://schemas.microsoft.com/office/drawing/2014/main" id="{85B30B7F-909F-7D4F-B124-20932507A3EE}"/>
+              </a:ext>
+            </a:extLst>
+          </p:cNvPr>
+          <p:cNvCxnSpPr>
+            <a:cxnSpLocks/>
+            <a:stCxn id="4" idx="3"/>
+            <a:endCxn id="5" idx="1"/>
+          </p:cNvCxnSpPr>
+          <p:nvPr/>
+        </p:nvCxnSpPr>
+        <p:spPr>
+          <a:xfrm flipV="1">
+            <a:off x="5347252" y="4502424"/>
+            <a:ext cx="1659832" cy="1"/>
+          </a:xfrm>
+          <a:prstGeom prst="straightConnector1">
+            <a:avLst/>
+          </a:prstGeom>
+          <a:ln w="12700">
+            <a:solidFill>
+              <a:schemeClr val="tx1">
+                <a:lumMod val="75000"/>
+                <a:lumOff val="25000"/>
+              </a:schemeClr>
+            </a:solidFill>
+            <a:tailEnd type="triangle"/>
+          </a:ln>
+        </p:spPr>
+        <p:style>
+          <a:lnRef idx="1">
+            <a:schemeClr val="accent1"/>
+          </a:lnRef>
+          <a:fillRef idx="0">
+            <a:schemeClr val="accent1"/>
+          </a:fillRef>
+          <a:effectRef idx="0">
+            <a:schemeClr val="accent1"/>
+          </a:effectRef>
+          <a:fontRef idx="minor">
+            <a:schemeClr val="tx1"/>
+          </a:fontRef>
+        </p:style>
+      </p:cxnSp>
+      <p:sp>
+        <p:nvSpPr>
+          <p:cNvPr id="33" name="TextBox 32">
+            <a:extLst>
+              <a:ext uri="{FF2B5EF4-FFF2-40B4-BE49-F238E27FC236}">
+                <a16:creationId xmlns:a16="http://schemas.microsoft.com/office/drawing/2014/main" id="{77C2E1FF-E794-8D4D-BBB3-F957345196AB}"/>
+              </a:ext>
+            </a:extLst>
+          </p:cNvPr>
+          <p:cNvSpPr txBox="1"/>
+          <p:nvPr/>
+        </p:nvSpPr>
+        <p:spPr>
+          <a:xfrm>
+            <a:off x="457200" y="1842915"/>
+            <a:ext cx="526426" cy="369332"/>
+          </a:xfrm>
+          <a:prstGeom prst="rect">
+            <a:avLst/>
+          </a:prstGeom>
+          <a:noFill/>
+        </p:spPr>
+        <p:txBody>
+          <a:bodyPr wrap="none" rtlCol="0">
+            <a:spAutoFit/>
+          </a:bodyPr>
+          <a:lstStyle/>
+          <a:p>
+            <a:r>
+              <a:rPr lang="en-GB" dirty="0"/>
+              <a:t>Box</a:t>
+            </a:r>
+          </a:p>
+        </p:txBody>
+      </p:sp>
+      <p:sp>
+        <p:nvSpPr>
+          <p:cNvPr id="34" name="TextBox 33">
+            <a:extLst>
+              <a:ext uri="{FF2B5EF4-FFF2-40B4-BE49-F238E27FC236}">
+                <a16:creationId xmlns:a16="http://schemas.microsoft.com/office/drawing/2014/main" id="{630D9C90-9A52-3C4D-A5C0-7B0C603FDDDD}"/>
+              </a:ext>
+            </a:extLst>
+          </p:cNvPr>
+          <p:cNvSpPr txBox="1"/>
+          <p:nvPr/>
+        </p:nvSpPr>
+        <p:spPr>
+          <a:xfrm>
+            <a:off x="457200" y="4317757"/>
+            <a:ext cx="1073051" cy="369332"/>
+          </a:xfrm>
+          <a:prstGeom prst="rect">
+            <a:avLst/>
+          </a:prstGeom>
+          <a:noFill/>
+        </p:spPr>
+        <p:txBody>
+          <a:bodyPr wrap="none" rtlCol="0">
+            <a:spAutoFit/>
+          </a:bodyPr>
+          <a:lstStyle/>
+          <a:p>
+            <a:r>
+              <a:rPr lang="en-GB" dirty="0"/>
+              <a:t>StringBox</a:t>
+            </a:r>
+          </a:p>
+        </p:txBody>
+      </p:sp>
+      <p:sp>
+        <p:nvSpPr>
+          <p:cNvPr id="35" name="TextBox 34">
+            <a:extLst>
+              <a:ext uri="{FF2B5EF4-FFF2-40B4-BE49-F238E27FC236}">
+                <a16:creationId xmlns:a16="http://schemas.microsoft.com/office/drawing/2014/main" id="{3E36C05F-0E99-0249-AD66-CD4AEB641C6D}"/>
+              </a:ext>
+            </a:extLst>
+          </p:cNvPr>
+          <p:cNvSpPr txBox="1"/>
+          <p:nvPr/>
+        </p:nvSpPr>
+        <p:spPr>
+          <a:xfrm>
+            <a:off x="2207835" y="5599904"/>
+            <a:ext cx="3843745" cy="369332"/>
+          </a:xfrm>
+          <a:prstGeom prst="rect">
+            <a:avLst/>
+          </a:prstGeom>
+          <a:noFill/>
+        </p:spPr>
+        <p:txBody>
+          <a:bodyPr wrap="none" rtlCol="0">
+            <a:spAutoFit/>
+          </a:bodyPr>
+          <a:lstStyle/>
+          <a:p>
+            <a:r>
+              <a:rPr lang="en-GB" dirty="0"/>
+              <a:t>The method generated by type erasure</a:t>
+            </a:r>
+          </a:p>
+        </p:txBody>
+      </p:sp>
+      <p:cxnSp>
+        <p:nvCxnSpPr>
+          <p:cNvPr id="37" name="Straight Connector 36">
+            <a:extLst>
+              <a:ext uri="{FF2B5EF4-FFF2-40B4-BE49-F238E27FC236}">
+                <a16:creationId xmlns:a16="http://schemas.microsoft.com/office/drawing/2014/main" id="{95064719-B650-9342-945F-C4745C20479A}"/>
+              </a:ext>
+            </a:extLst>
+          </p:cNvPr>
+          <p:cNvCxnSpPr>
+            <a:stCxn id="35" idx="0"/>
+            <a:endCxn id="4" idx="2"/>
+          </p:cNvCxnSpPr>
+          <p:nvPr/>
+        </p:nvCxnSpPr>
+        <p:spPr>
+          <a:xfrm flipV="1">
+            <a:off x="4129708" y="4860233"/>
+            <a:ext cx="1" cy="739671"/>
+          </a:xfrm>
+          <a:prstGeom prst="line">
+            <a:avLst/>
+          </a:prstGeom>
+          <a:ln>
+            <a:solidFill>
+              <a:schemeClr val="tx1">
+                <a:lumMod val="75000"/>
+                <a:lumOff val="25000"/>
+              </a:schemeClr>
+            </a:solidFill>
+            <a:prstDash val="sysDash"/>
+          </a:ln>
+        </p:spPr>
+        <p:style>
+          <a:lnRef idx="1">
+            <a:schemeClr val="accent1"/>
+          </a:lnRef>
+          <a:fillRef idx="0">
+            <a:schemeClr val="accent1"/>
+          </a:fillRef>
+          <a:effectRef idx="0">
+            <a:schemeClr val="accent1"/>
+          </a:effectRef>
+          <a:fontRef idx="minor">
+            <a:schemeClr val="tx1"/>
+          </a:fontRef>
+        </p:style>
+      </p:cxnSp>
+      <p:cxnSp>
+        <p:nvCxnSpPr>
+          <p:cNvPr id="38" name="Straight Connector 37">
+            <a:extLst>
+              <a:ext uri="{FF2B5EF4-FFF2-40B4-BE49-F238E27FC236}">
+                <a16:creationId xmlns:a16="http://schemas.microsoft.com/office/drawing/2014/main" id="{F3AFB379-6983-854E-95B6-8307738DCACD}"/>
+              </a:ext>
+            </a:extLst>
+          </p:cNvPr>
+          <p:cNvCxnSpPr>
+            <a:cxnSpLocks/>
+            <a:stCxn id="16" idx="0"/>
+            <a:endCxn id="39" idx="2"/>
+          </p:cNvCxnSpPr>
+          <p:nvPr/>
+        </p:nvCxnSpPr>
+        <p:spPr>
+          <a:xfrm flipH="1" flipV="1">
+            <a:off x="9442170" y="1003856"/>
+            <a:ext cx="1" cy="665918"/>
+          </a:xfrm>
+          <a:prstGeom prst="line">
+            <a:avLst/>
+          </a:prstGeom>
+          <a:ln>
+            <a:solidFill>
+              <a:schemeClr val="tx1">
+                <a:lumMod val="75000"/>
+                <a:lumOff val="25000"/>
+              </a:schemeClr>
+            </a:solidFill>
+            <a:prstDash val="sysDash"/>
+          </a:ln>
+        </p:spPr>
+        <p:style>
+          <a:lnRef idx="1">
+            <a:schemeClr val="accent1"/>
+          </a:lnRef>
+          <a:fillRef idx="0">
+            <a:schemeClr val="accent1"/>
+          </a:fillRef>
+          <a:effectRef idx="0">
+            <a:schemeClr val="accent1"/>
+          </a:effectRef>
+          <a:fontRef idx="minor">
+            <a:schemeClr val="tx1"/>
+          </a:fontRef>
+        </p:style>
+      </p:cxnSp>
+      <p:sp>
+        <p:nvSpPr>
+          <p:cNvPr id="39" name="TextBox 38">
+            <a:extLst>
+              <a:ext uri="{FF2B5EF4-FFF2-40B4-BE49-F238E27FC236}">
+                <a16:creationId xmlns:a16="http://schemas.microsoft.com/office/drawing/2014/main" id="{B1C9D3C6-852F-024C-8579-93A1F241FC5B}"/>
+              </a:ext>
+            </a:extLst>
+          </p:cNvPr>
+          <p:cNvSpPr txBox="1"/>
+          <p:nvPr/>
+        </p:nvSpPr>
+        <p:spPr>
+          <a:xfrm>
+            <a:off x="7516460" y="357525"/>
+            <a:ext cx="3851419" cy="646331"/>
+          </a:xfrm>
+          <a:prstGeom prst="rect">
+            <a:avLst/>
+          </a:prstGeom>
+          <a:noFill/>
+        </p:spPr>
+        <p:txBody>
+          <a:bodyPr wrap="square" rtlCol="0">
+            <a:spAutoFit/>
+          </a:bodyPr>
+          <a:lstStyle/>
+          <a:p>
+            <a:r>
+              <a:rPr lang="en-GB" dirty="0"/>
+              <a:t>The method type parameter changed from </a:t>
+            </a:r>
+            <a:r>
+              <a:rPr lang="en-GB" dirty="0">
+                <a:latin typeface="Courier New" panose="02070309020205020404" pitchFamily="49" charset="0"/>
+                <a:cs typeface="Courier New" panose="02070309020205020404" pitchFamily="49" charset="0"/>
+              </a:rPr>
+              <a:t>T</a:t>
+            </a:r>
+            <a:r>
+              <a:rPr lang="en-GB" dirty="0"/>
+              <a:t> to </a:t>
+            </a:r>
+            <a:r>
+              <a:rPr lang="en-GB" dirty="0">
+                <a:latin typeface="Courier New" panose="02070309020205020404" pitchFamily="49" charset="0"/>
+                <a:cs typeface="Courier New" panose="02070309020205020404" pitchFamily="49" charset="0"/>
+              </a:rPr>
+              <a:t>Object</a:t>
+            </a:r>
+            <a:r>
+              <a:rPr lang="en-GB" dirty="0"/>
+              <a:t> during type erasure</a:t>
+            </a:r>
+          </a:p>
+        </p:txBody>
+      </p:sp>
+      <p:cxnSp>
+        <p:nvCxnSpPr>
+          <p:cNvPr id="43" name="Straight Arrow Connector 42">
+            <a:extLst>
+              <a:ext uri="{FF2B5EF4-FFF2-40B4-BE49-F238E27FC236}">
+                <a16:creationId xmlns:a16="http://schemas.microsoft.com/office/drawing/2014/main" id="{84508283-269E-A74F-A2FF-A0A387AD2AA1}"/>
+              </a:ext>
+            </a:extLst>
+          </p:cNvPr>
+          <p:cNvCxnSpPr>
+            <a:cxnSpLocks/>
+            <a:stCxn id="46" idx="2"/>
+            <a:endCxn id="6" idx="0"/>
+          </p:cNvCxnSpPr>
+          <p:nvPr/>
+        </p:nvCxnSpPr>
+        <p:spPr>
+          <a:xfrm>
+            <a:off x="2912166" y="888764"/>
+            <a:ext cx="0" cy="781009"/>
+          </a:xfrm>
+          <a:prstGeom prst="straightConnector1">
+            <a:avLst/>
+          </a:prstGeom>
+          <a:ln w="12700">
+            <a:solidFill>
+              <a:schemeClr val="tx1">
+                <a:lumMod val="75000"/>
+                <a:lumOff val="25000"/>
+              </a:schemeClr>
+            </a:solidFill>
+            <a:tailEnd type="triangle"/>
+          </a:ln>
+        </p:spPr>
+        <p:style>
+          <a:lnRef idx="1">
+            <a:schemeClr val="accent1"/>
+          </a:lnRef>
+          <a:fillRef idx="0">
+            <a:schemeClr val="accent1"/>
+          </a:fillRef>
+          <a:effectRef idx="0">
+            <a:schemeClr val="accent1"/>
+          </a:effectRef>
+          <a:fontRef idx="minor">
+            <a:schemeClr val="tx1"/>
+          </a:fontRef>
+        </p:style>
+      </p:cxnSp>
+      <p:sp>
+        <p:nvSpPr>
+          <p:cNvPr id="46" name="TextBox 45">
+            <a:extLst>
+              <a:ext uri="{FF2B5EF4-FFF2-40B4-BE49-F238E27FC236}">
+                <a16:creationId xmlns:a16="http://schemas.microsoft.com/office/drawing/2014/main" id="{A0784004-010A-5A46-91CA-ECA95913B729}"/>
+              </a:ext>
+            </a:extLst>
+          </p:cNvPr>
+          <p:cNvSpPr txBox="1"/>
+          <p:nvPr/>
+        </p:nvSpPr>
+        <p:spPr>
+          <a:xfrm>
+            <a:off x="1619312" y="519432"/>
+            <a:ext cx="2585708" cy="369332"/>
+          </a:xfrm>
+          <a:prstGeom prst="rect">
+            <a:avLst/>
+          </a:prstGeom>
+          <a:noFill/>
+        </p:spPr>
+        <p:txBody>
+          <a:bodyPr wrap="none" rtlCol="0">
+            <a:spAutoFit/>
+          </a:bodyPr>
+          <a:lstStyle/>
+          <a:p>
+            <a:r>
+              <a:rPr lang="en-GB" dirty="0"/>
+              <a:t>Call to </a:t>
+            </a:r>
+            <a:r>
+              <a:rPr lang="en-GB" dirty="0">
+                <a:latin typeface="Courier New" panose="02070309020205020404" pitchFamily="49" charset="0"/>
+                <a:cs typeface="Courier New" panose="02070309020205020404" pitchFamily="49" charset="0"/>
+              </a:rPr>
+              <a:t>clear()</a:t>
+            </a:r>
+            <a:r>
+              <a:rPr lang="en-GB" dirty="0"/>
+              <a:t> method</a:t>
+            </a:r>
+          </a:p>
+        </p:txBody>
+      </p:sp>
+      <p:sp>
+        <p:nvSpPr>
+          <p:cNvPr id="50" name="TextBox 49">
+            <a:extLst>
+              <a:ext uri="{FF2B5EF4-FFF2-40B4-BE49-F238E27FC236}">
+                <a16:creationId xmlns:a16="http://schemas.microsoft.com/office/drawing/2014/main" id="{988EFE44-B46B-7547-9F8A-E9526E77E5F2}"/>
+              </a:ext>
+            </a:extLst>
+          </p:cNvPr>
+          <p:cNvSpPr txBox="1"/>
+          <p:nvPr/>
+        </p:nvSpPr>
+        <p:spPr>
+          <a:xfrm>
+            <a:off x="3697357" y="2478730"/>
+            <a:ext cx="2713382" cy="646331"/>
+          </a:xfrm>
+          <a:prstGeom prst="rect">
+            <a:avLst/>
+          </a:prstGeom>
+          <a:noFill/>
+        </p:spPr>
+        <p:txBody>
+          <a:bodyPr wrap="square" rtlCol="0">
+            <a:spAutoFit/>
+          </a:bodyPr>
+          <a:lstStyle/>
+          <a:p>
+            <a:r>
+              <a:rPr lang="en-GB" dirty="0"/>
+              <a:t>Invokes the method of the subtype (polymorphism)</a:t>
+            </a:r>
+          </a:p>
+        </p:txBody>
+      </p:sp>
+      <p:cxnSp>
+        <p:nvCxnSpPr>
+          <p:cNvPr id="51" name="Straight Connector 50">
+            <a:extLst>
+              <a:ext uri="{FF2B5EF4-FFF2-40B4-BE49-F238E27FC236}">
+                <a16:creationId xmlns:a16="http://schemas.microsoft.com/office/drawing/2014/main" id="{7B1B7744-FCA3-FB4B-9733-B04955A5EDA3}"/>
+              </a:ext>
+            </a:extLst>
+          </p:cNvPr>
+          <p:cNvCxnSpPr>
+            <a:cxnSpLocks/>
+            <a:endCxn id="50" idx="1"/>
+          </p:cNvCxnSpPr>
+          <p:nvPr/>
+        </p:nvCxnSpPr>
+        <p:spPr>
+          <a:xfrm flipV="1">
+            <a:off x="3349487" y="2801896"/>
+            <a:ext cx="347870" cy="209661"/>
+          </a:xfrm>
+          <a:prstGeom prst="line">
+            <a:avLst/>
+          </a:prstGeom>
+          <a:ln>
+            <a:solidFill>
+              <a:schemeClr val="tx1">
+                <a:lumMod val="75000"/>
+                <a:lumOff val="25000"/>
+              </a:schemeClr>
+            </a:solidFill>
+            <a:prstDash val="sysDash"/>
+          </a:ln>
+        </p:spPr>
+        <p:style>
+          <a:lnRef idx="1">
+            <a:schemeClr val="accent1"/>
+          </a:lnRef>
+          <a:fillRef idx="0">
+            <a:schemeClr val="accent1"/>
+          </a:fillRef>
+          <a:effectRef idx="0">
+            <a:schemeClr val="accent1"/>
+          </a:effectRef>
+          <a:fontRef idx="minor">
+            <a:schemeClr val="tx1"/>
+          </a:fontRef>
+        </p:style>
+      </p:cxnSp>
+    </p:spTree>
+    <p:extLst>
+      <p:ext uri="{BB962C8B-B14F-4D97-AF65-F5344CB8AC3E}">
+        <p14:creationId xmlns:p14="http://schemas.microsoft.com/office/powerpoint/2010/main" val="1709712887"/>
+      </p:ext>
+    </p:extLst>
+  </p:cSld>
+  <p:clrMapOvr>
+    <a:masterClrMapping/>
+  </p:clrMapOvr>
+</p:sld>
+</file>
+
+<file path=ppt/slides/slide31.xml><?xml version="1.0" encoding="utf-8"?>
 <p:sld xmlns:a="http://schemas.openxmlformats.org/drawingml/2006/main" xmlns:r="http://schemas.openxmlformats.org/officeDocument/2006/relationships" xmlns:p="http://schemas.openxmlformats.org/presentationml/2006/main">
   <p:cSld>
     <p:spTree>

--- a/assets/images/Images.pptx
+++ b/assets/images/Images.pptx
@@ -5,7 +5,7 @@
     <p:sldMasterId id="2147483648" r:id="rId1"/>
   </p:sldMasterIdLst>
   <p:notesMasterIdLst>
-    <p:notesMasterId r:id="rId33"/>
+    <p:notesMasterId r:id="rId38"/>
   </p:notesMasterIdLst>
   <p:sldIdLst>
     <p:sldId id="257" r:id="rId2"/>
@@ -33,12 +33,17 @@
     <p:sldId id="280" r:id="rId24"/>
     <p:sldId id="282" r:id="rId25"/>
     <p:sldId id="281" r:id="rId26"/>
-    <p:sldId id="270" r:id="rId27"/>
-    <p:sldId id="283" r:id="rId28"/>
-    <p:sldId id="284" r:id="rId29"/>
-    <p:sldId id="285" r:id="rId30"/>
-    <p:sldId id="286" r:id="rId31"/>
-    <p:sldId id="256" r:id="rId32"/>
+    <p:sldId id="287" r:id="rId27"/>
+    <p:sldId id="288" r:id="rId28"/>
+    <p:sldId id="291" r:id="rId29"/>
+    <p:sldId id="290" r:id="rId30"/>
+    <p:sldId id="289" r:id="rId31"/>
+    <p:sldId id="270" r:id="rId32"/>
+    <p:sldId id="283" r:id="rId33"/>
+    <p:sldId id="284" r:id="rId34"/>
+    <p:sldId id="285" r:id="rId35"/>
+    <p:sldId id="286" r:id="rId36"/>
+    <p:sldId id="256" r:id="rId37"/>
   </p:sldIdLst>
   <p:sldSz cx="12192000" cy="6858000"/>
   <p:notesSz cx="6858000" cy="9144000"/>
@@ -183,6 +188,11 @@
         </p14:section>
         <p14:section name="Collections - Arrays &amp; Java Heap" id="{A77C8035-645E-BC41-A860-8F1EAD9648FF}">
           <p14:sldIdLst>
+            <p14:sldId id="287"/>
+            <p14:sldId id="288"/>
+            <p14:sldId id="291"/>
+            <p14:sldId id="290"/>
+            <p14:sldId id="289"/>
             <p14:sldId id="270"/>
           </p14:sldIdLst>
         </p14:section>
@@ -961,7 +971,7 @@
           <a:p>
             <a:fld id="{11A96E62-EC5F-C045-9FEB-EDD3A98888BE}" type="slidenum">
               <a:rPr lang="en-GB" smtClean="0"/>
-              <a:t>28</a:t>
+              <a:t>33</a:t>
             </a:fld>
             <a:endParaRPr lang="en-GB"/>
           </a:p>
@@ -1045,7 +1055,7 @@
           <a:p>
             <a:fld id="{11A96E62-EC5F-C045-9FEB-EDD3A98888BE}" type="slidenum">
               <a:rPr lang="en-GB" smtClean="0"/>
-              <a:t>29</a:t>
+              <a:t>34</a:t>
             </a:fld>
             <a:endParaRPr lang="en-GB"/>
           </a:p>
@@ -1129,7 +1139,7 @@
           <a:p>
             <a:fld id="{11A96E62-EC5F-C045-9FEB-EDD3A98888BE}" type="slidenum">
               <a:rPr lang="en-GB" smtClean="0"/>
-              <a:t>30</a:t>
+              <a:t>35</a:t>
             </a:fld>
             <a:endParaRPr lang="en-GB"/>
           </a:p>
@@ -1213,7 +1223,7 @@
           <a:p>
             <a:fld id="{11A96E62-EC5F-C045-9FEB-EDD3A98888BE}" type="slidenum">
               <a:rPr lang="en-GB" smtClean="0"/>
-              <a:t>31</a:t>
+              <a:t>36</a:t>
             </a:fld>
             <a:endParaRPr lang="en-GB"/>
           </a:p>
@@ -14665,6 +14675,4978 @@
 </file>
 
 <file path=ppt/slides/slide26.xml><?xml version="1.0" encoding="utf-8"?>
+<p:sld xmlns:a="http://schemas.openxmlformats.org/drawingml/2006/main" xmlns:r="http://schemas.openxmlformats.org/officeDocument/2006/relationships" xmlns:p="http://schemas.openxmlformats.org/presentationml/2006/main">
+  <p:cSld>
+    <p:spTree>
+      <p:nvGrpSpPr>
+        <p:cNvPr id="1" name=""/>
+        <p:cNvGrpSpPr/>
+        <p:nvPr/>
+      </p:nvGrpSpPr>
+      <p:grpSpPr>
+        <a:xfrm>
+          <a:off x="0" y="0"/>
+          <a:ext cx="0" cy="0"/>
+          <a:chOff x="0" y="0"/>
+          <a:chExt cx="0" cy="0"/>
+        </a:xfrm>
+      </p:grpSpPr>
+      <p:sp>
+        <p:nvSpPr>
+          <p:cNvPr id="58" name="Rectangle 57">
+            <a:extLst>
+              <a:ext uri="{FF2B5EF4-FFF2-40B4-BE49-F238E27FC236}">
+                <a16:creationId xmlns:a16="http://schemas.microsoft.com/office/drawing/2014/main" id="{024F67FF-8283-C344-8CEB-7297D732C3EA}"/>
+              </a:ext>
+            </a:extLst>
+          </p:cNvPr>
+          <p:cNvSpPr/>
+          <p:nvPr/>
+        </p:nvSpPr>
+        <p:spPr>
+          <a:xfrm>
+            <a:off x="5944343" y="2326749"/>
+            <a:ext cx="4808310" cy="336150"/>
+          </a:xfrm>
+          <a:prstGeom prst="rect">
+            <a:avLst/>
+          </a:prstGeom>
+          <a:solidFill>
+            <a:schemeClr val="bg2"/>
+          </a:solidFill>
+          <a:ln>
+            <a:noFill/>
+          </a:ln>
+        </p:spPr>
+        <p:style>
+          <a:lnRef idx="2">
+            <a:schemeClr val="accent1">
+              <a:shade val="50000"/>
+            </a:schemeClr>
+          </a:lnRef>
+          <a:fillRef idx="1">
+            <a:schemeClr val="accent1"/>
+          </a:fillRef>
+          <a:effectRef idx="0">
+            <a:schemeClr val="accent1"/>
+          </a:effectRef>
+          <a:fontRef idx="minor">
+            <a:schemeClr val="lt1"/>
+          </a:fontRef>
+        </p:style>
+        <p:txBody>
+          <a:bodyPr rtlCol="0" anchor="ctr"/>
+          <a:lstStyle/>
+          <a:p>
+            <a:pPr algn="ctr"/>
+            <a:endParaRPr lang="en-GB"/>
+          </a:p>
+        </p:txBody>
+      </p:sp>
+      <p:sp>
+        <p:nvSpPr>
+          <p:cNvPr id="26" name="Rectangle 25">
+            <a:extLst>
+              <a:ext uri="{FF2B5EF4-FFF2-40B4-BE49-F238E27FC236}">
+                <a16:creationId xmlns:a16="http://schemas.microsoft.com/office/drawing/2014/main" id="{C10B2FB1-BFAB-CD41-A53D-885968651722}"/>
+              </a:ext>
+            </a:extLst>
+          </p:cNvPr>
+          <p:cNvSpPr/>
+          <p:nvPr/>
+        </p:nvSpPr>
+        <p:spPr>
+          <a:xfrm>
+            <a:off x="889841" y="2237069"/>
+            <a:ext cx="4789121" cy="1655092"/>
+          </a:xfrm>
+          <a:prstGeom prst="rect">
+            <a:avLst/>
+          </a:prstGeom>
+          <a:solidFill>
+            <a:schemeClr val="bg2">
+              <a:lumMod val="90000"/>
+            </a:schemeClr>
+          </a:solidFill>
+          <a:ln>
+            <a:solidFill>
+              <a:schemeClr val="tx1">
+                <a:lumMod val="75000"/>
+                <a:lumOff val="25000"/>
+              </a:schemeClr>
+            </a:solidFill>
+          </a:ln>
+        </p:spPr>
+        <p:style>
+          <a:lnRef idx="2">
+            <a:schemeClr val="accent1">
+              <a:shade val="50000"/>
+            </a:schemeClr>
+          </a:lnRef>
+          <a:fillRef idx="1">
+            <a:schemeClr val="accent1"/>
+          </a:fillRef>
+          <a:effectRef idx="0">
+            <a:schemeClr val="accent1"/>
+          </a:effectRef>
+          <a:fontRef idx="minor">
+            <a:schemeClr val="lt1"/>
+          </a:fontRef>
+        </p:style>
+        <p:txBody>
+          <a:bodyPr rtlCol="0" anchor="ctr"/>
+          <a:lstStyle/>
+          <a:p>
+            <a:pPr algn="ctr"/>
+            <a:endParaRPr lang="en-GB"/>
+          </a:p>
+        </p:txBody>
+      </p:sp>
+      <p:sp>
+        <p:nvSpPr>
+          <p:cNvPr id="4" name="Rectangle 3">
+            <a:extLst>
+              <a:ext uri="{FF2B5EF4-FFF2-40B4-BE49-F238E27FC236}">
+                <a16:creationId xmlns:a16="http://schemas.microsoft.com/office/drawing/2014/main" id="{F6681D0E-277C-C447-9BD8-28211386C6EC}"/>
+              </a:ext>
+            </a:extLst>
+          </p:cNvPr>
+          <p:cNvSpPr/>
+          <p:nvPr/>
+        </p:nvSpPr>
+        <p:spPr>
+          <a:xfrm>
+            <a:off x="7156173" y="2832652"/>
+            <a:ext cx="720000" cy="720000"/>
+          </a:xfrm>
+          <a:prstGeom prst="rect">
+            <a:avLst/>
+          </a:prstGeom>
+          <a:solidFill>
+            <a:schemeClr val="bg1"/>
+          </a:solidFill>
+          <a:ln>
+            <a:solidFill>
+              <a:schemeClr val="tx1">
+                <a:lumMod val="75000"/>
+                <a:lumOff val="25000"/>
+              </a:schemeClr>
+            </a:solidFill>
+          </a:ln>
+        </p:spPr>
+        <p:style>
+          <a:lnRef idx="2">
+            <a:schemeClr val="accent1">
+              <a:shade val="50000"/>
+            </a:schemeClr>
+          </a:lnRef>
+          <a:fillRef idx="1">
+            <a:schemeClr val="accent1"/>
+          </a:fillRef>
+          <a:effectRef idx="0">
+            <a:schemeClr val="accent1"/>
+          </a:effectRef>
+          <a:fontRef idx="minor">
+            <a:schemeClr val="lt1"/>
+          </a:fontRef>
+        </p:style>
+        <p:txBody>
+          <a:bodyPr rtlCol="0" anchor="ctr"/>
+          <a:lstStyle/>
+          <a:p>
+            <a:pPr algn="ctr"/>
+            <a:r>
+              <a:rPr lang="en-GB" sz="3200" dirty="0">
+                <a:solidFill>
+                  <a:schemeClr val="tx1"/>
+                </a:solidFill>
+              </a:rPr>
+              <a:t>1</a:t>
+            </a:r>
+          </a:p>
+        </p:txBody>
+      </p:sp>
+      <p:sp>
+        <p:nvSpPr>
+          <p:cNvPr id="5" name="Rectangle 4">
+            <a:extLst>
+              <a:ext uri="{FF2B5EF4-FFF2-40B4-BE49-F238E27FC236}">
+                <a16:creationId xmlns:a16="http://schemas.microsoft.com/office/drawing/2014/main" id="{F61B2204-1961-5B4C-8D81-87B7C2D3DAFA}"/>
+              </a:ext>
+            </a:extLst>
+          </p:cNvPr>
+          <p:cNvSpPr/>
+          <p:nvPr/>
+        </p:nvSpPr>
+        <p:spPr>
+          <a:xfrm>
+            <a:off x="7873395" y="2832652"/>
+            <a:ext cx="720000" cy="720000"/>
+          </a:xfrm>
+          <a:prstGeom prst="rect">
+            <a:avLst/>
+          </a:prstGeom>
+          <a:solidFill>
+            <a:schemeClr val="bg1"/>
+          </a:solidFill>
+          <a:ln>
+            <a:solidFill>
+              <a:schemeClr val="tx1">
+                <a:lumMod val="75000"/>
+                <a:lumOff val="25000"/>
+              </a:schemeClr>
+            </a:solidFill>
+          </a:ln>
+        </p:spPr>
+        <p:style>
+          <a:lnRef idx="2">
+            <a:schemeClr val="accent1">
+              <a:shade val="50000"/>
+            </a:schemeClr>
+          </a:lnRef>
+          <a:fillRef idx="1">
+            <a:schemeClr val="accent1"/>
+          </a:fillRef>
+          <a:effectRef idx="0">
+            <a:schemeClr val="accent1"/>
+          </a:effectRef>
+          <a:fontRef idx="minor">
+            <a:schemeClr val="lt1"/>
+          </a:fontRef>
+        </p:style>
+        <p:txBody>
+          <a:bodyPr rtlCol="0" anchor="ctr"/>
+          <a:lstStyle/>
+          <a:p>
+            <a:pPr algn="ctr"/>
+            <a:r>
+              <a:rPr lang="en-GB" sz="3200" dirty="0">
+                <a:solidFill>
+                  <a:schemeClr val="tx1"/>
+                </a:solidFill>
+              </a:rPr>
+              <a:t>2</a:t>
+            </a:r>
+          </a:p>
+        </p:txBody>
+      </p:sp>
+      <p:sp>
+        <p:nvSpPr>
+          <p:cNvPr id="6" name="Rectangle 5">
+            <a:extLst>
+              <a:ext uri="{FF2B5EF4-FFF2-40B4-BE49-F238E27FC236}">
+                <a16:creationId xmlns:a16="http://schemas.microsoft.com/office/drawing/2014/main" id="{A5A9CF09-03B2-9F4E-BECE-6D48472086CA}"/>
+              </a:ext>
+            </a:extLst>
+          </p:cNvPr>
+          <p:cNvSpPr/>
+          <p:nvPr/>
+        </p:nvSpPr>
+        <p:spPr>
+          <a:xfrm>
+            <a:off x="8590617" y="2832652"/>
+            <a:ext cx="720000" cy="720000"/>
+          </a:xfrm>
+          <a:prstGeom prst="rect">
+            <a:avLst/>
+          </a:prstGeom>
+          <a:solidFill>
+            <a:schemeClr val="bg1"/>
+          </a:solidFill>
+          <a:ln>
+            <a:solidFill>
+              <a:schemeClr val="tx1">
+                <a:lumMod val="75000"/>
+                <a:lumOff val="25000"/>
+              </a:schemeClr>
+            </a:solidFill>
+          </a:ln>
+        </p:spPr>
+        <p:style>
+          <a:lnRef idx="2">
+            <a:schemeClr val="accent1">
+              <a:shade val="50000"/>
+            </a:schemeClr>
+          </a:lnRef>
+          <a:fillRef idx="1">
+            <a:schemeClr val="accent1"/>
+          </a:fillRef>
+          <a:effectRef idx="0">
+            <a:schemeClr val="accent1"/>
+          </a:effectRef>
+          <a:fontRef idx="minor">
+            <a:schemeClr val="lt1"/>
+          </a:fontRef>
+        </p:style>
+        <p:txBody>
+          <a:bodyPr rtlCol="0" anchor="ctr"/>
+          <a:lstStyle/>
+          <a:p>
+            <a:pPr algn="ctr"/>
+            <a:r>
+              <a:rPr lang="en-GB" sz="3200" dirty="0">
+                <a:solidFill>
+                  <a:schemeClr val="tx1"/>
+                </a:solidFill>
+              </a:rPr>
+              <a:t>3</a:t>
+            </a:r>
+          </a:p>
+        </p:txBody>
+      </p:sp>
+      <p:sp>
+        <p:nvSpPr>
+          <p:cNvPr id="7" name="Rectangle 6">
+            <a:extLst>
+              <a:ext uri="{FF2B5EF4-FFF2-40B4-BE49-F238E27FC236}">
+                <a16:creationId xmlns:a16="http://schemas.microsoft.com/office/drawing/2014/main" id="{8954146E-1083-6C4D-A1C1-D2B55D1AA7E4}"/>
+              </a:ext>
+            </a:extLst>
+          </p:cNvPr>
+          <p:cNvSpPr/>
+          <p:nvPr/>
+        </p:nvSpPr>
+        <p:spPr>
+          <a:xfrm>
+            <a:off x="9315431" y="2832652"/>
+            <a:ext cx="720000" cy="720000"/>
+          </a:xfrm>
+          <a:prstGeom prst="rect">
+            <a:avLst/>
+          </a:prstGeom>
+          <a:solidFill>
+            <a:schemeClr val="bg1"/>
+          </a:solidFill>
+          <a:ln>
+            <a:solidFill>
+              <a:schemeClr val="tx1">
+                <a:lumMod val="75000"/>
+                <a:lumOff val="25000"/>
+              </a:schemeClr>
+            </a:solidFill>
+          </a:ln>
+        </p:spPr>
+        <p:style>
+          <a:lnRef idx="2">
+            <a:schemeClr val="accent1">
+              <a:shade val="50000"/>
+            </a:schemeClr>
+          </a:lnRef>
+          <a:fillRef idx="1">
+            <a:schemeClr val="accent1"/>
+          </a:fillRef>
+          <a:effectRef idx="0">
+            <a:schemeClr val="accent1"/>
+          </a:effectRef>
+          <a:fontRef idx="minor">
+            <a:schemeClr val="lt1"/>
+          </a:fontRef>
+        </p:style>
+        <p:txBody>
+          <a:bodyPr rtlCol="0" anchor="ctr"/>
+          <a:lstStyle/>
+          <a:p>
+            <a:pPr algn="ctr"/>
+            <a:r>
+              <a:rPr lang="en-GB" sz="3200" dirty="0">
+                <a:solidFill>
+                  <a:schemeClr val="tx1"/>
+                </a:solidFill>
+              </a:rPr>
+              <a:t>4</a:t>
+            </a:r>
+          </a:p>
+        </p:txBody>
+      </p:sp>
+      <p:sp>
+        <p:nvSpPr>
+          <p:cNvPr id="8" name="Rectangle 7">
+            <a:extLst>
+              <a:ext uri="{FF2B5EF4-FFF2-40B4-BE49-F238E27FC236}">
+                <a16:creationId xmlns:a16="http://schemas.microsoft.com/office/drawing/2014/main" id="{0D8C368F-300E-1E41-B4F7-FB6D74ABC674}"/>
+              </a:ext>
+            </a:extLst>
+          </p:cNvPr>
+          <p:cNvSpPr/>
+          <p:nvPr/>
+        </p:nvSpPr>
+        <p:spPr>
+          <a:xfrm>
+            <a:off x="10032653" y="2832652"/>
+            <a:ext cx="720000" cy="720000"/>
+          </a:xfrm>
+          <a:prstGeom prst="rect">
+            <a:avLst/>
+          </a:prstGeom>
+          <a:solidFill>
+            <a:schemeClr val="bg1"/>
+          </a:solidFill>
+          <a:ln>
+            <a:solidFill>
+              <a:schemeClr val="tx1">
+                <a:lumMod val="75000"/>
+                <a:lumOff val="25000"/>
+              </a:schemeClr>
+            </a:solidFill>
+          </a:ln>
+        </p:spPr>
+        <p:style>
+          <a:lnRef idx="2">
+            <a:schemeClr val="accent1">
+              <a:shade val="50000"/>
+            </a:schemeClr>
+          </a:lnRef>
+          <a:fillRef idx="1">
+            <a:schemeClr val="accent1"/>
+          </a:fillRef>
+          <a:effectRef idx="0">
+            <a:schemeClr val="accent1"/>
+          </a:effectRef>
+          <a:fontRef idx="minor">
+            <a:schemeClr val="lt1"/>
+          </a:fontRef>
+        </p:style>
+        <p:txBody>
+          <a:bodyPr rtlCol="0" anchor="ctr"/>
+          <a:lstStyle/>
+          <a:p>
+            <a:pPr algn="ctr"/>
+            <a:r>
+              <a:rPr lang="en-GB" sz="3200" dirty="0">
+                <a:solidFill>
+                  <a:schemeClr val="tx1"/>
+                </a:solidFill>
+              </a:rPr>
+              <a:t>5</a:t>
+            </a:r>
+          </a:p>
+        </p:txBody>
+      </p:sp>
+      <p:sp>
+        <p:nvSpPr>
+          <p:cNvPr id="19" name="TextBox 18">
+            <a:extLst>
+              <a:ext uri="{FF2B5EF4-FFF2-40B4-BE49-F238E27FC236}">
+                <a16:creationId xmlns:a16="http://schemas.microsoft.com/office/drawing/2014/main" id="{4D80A885-83C1-2E49-AFC1-8D3D289139CE}"/>
+              </a:ext>
+            </a:extLst>
+          </p:cNvPr>
+          <p:cNvSpPr txBox="1"/>
+          <p:nvPr/>
+        </p:nvSpPr>
+        <p:spPr>
+          <a:xfrm>
+            <a:off x="9514169" y="2330500"/>
+            <a:ext cx="322524" cy="369332"/>
+          </a:xfrm>
+          <a:prstGeom prst="rect">
+            <a:avLst/>
+          </a:prstGeom>
+          <a:noFill/>
+        </p:spPr>
+        <p:txBody>
+          <a:bodyPr wrap="none" rtlCol="0">
+            <a:spAutoFit/>
+          </a:bodyPr>
+          <a:lstStyle/>
+          <a:p>
+            <a:r>
+              <a:rPr lang="en-GB" dirty="0">
+                <a:latin typeface="Courier New" panose="02070309020205020404" pitchFamily="49" charset="0"/>
+                <a:cs typeface="Courier New" panose="02070309020205020404" pitchFamily="49" charset="0"/>
+              </a:rPr>
+              <a:t>3</a:t>
+            </a:r>
+          </a:p>
+        </p:txBody>
+      </p:sp>
+      <p:sp>
+        <p:nvSpPr>
+          <p:cNvPr id="20" name="TextBox 19">
+            <a:extLst>
+              <a:ext uri="{FF2B5EF4-FFF2-40B4-BE49-F238E27FC236}">
+                <a16:creationId xmlns:a16="http://schemas.microsoft.com/office/drawing/2014/main" id="{F67E99D3-35C4-7D48-9DA5-6078D993866F}"/>
+              </a:ext>
+            </a:extLst>
+          </p:cNvPr>
+          <p:cNvSpPr txBox="1"/>
+          <p:nvPr/>
+        </p:nvSpPr>
+        <p:spPr>
+          <a:xfrm>
+            <a:off x="10231391" y="2330500"/>
+            <a:ext cx="322524" cy="369332"/>
+          </a:xfrm>
+          <a:prstGeom prst="rect">
+            <a:avLst/>
+          </a:prstGeom>
+          <a:noFill/>
+        </p:spPr>
+        <p:txBody>
+          <a:bodyPr wrap="none" rtlCol="0">
+            <a:spAutoFit/>
+          </a:bodyPr>
+          <a:lstStyle/>
+          <a:p>
+            <a:r>
+              <a:rPr lang="en-GB" dirty="0">
+                <a:latin typeface="Courier New" panose="02070309020205020404" pitchFamily="49" charset="0"/>
+                <a:cs typeface="Courier New" panose="02070309020205020404" pitchFamily="49" charset="0"/>
+              </a:rPr>
+              <a:t>4</a:t>
+            </a:r>
+          </a:p>
+        </p:txBody>
+      </p:sp>
+      <p:sp>
+        <p:nvSpPr>
+          <p:cNvPr id="22" name="TextBox 21">
+            <a:extLst>
+              <a:ext uri="{FF2B5EF4-FFF2-40B4-BE49-F238E27FC236}">
+                <a16:creationId xmlns:a16="http://schemas.microsoft.com/office/drawing/2014/main" id="{D23B74F0-1ADD-1D43-82BD-058EDD67D7C2}"/>
+              </a:ext>
+            </a:extLst>
+          </p:cNvPr>
+          <p:cNvSpPr txBox="1"/>
+          <p:nvPr/>
+        </p:nvSpPr>
+        <p:spPr>
+          <a:xfrm>
+            <a:off x="7354911" y="2330500"/>
+            <a:ext cx="322524" cy="369332"/>
+          </a:xfrm>
+          <a:prstGeom prst="rect">
+            <a:avLst/>
+          </a:prstGeom>
+          <a:noFill/>
+        </p:spPr>
+        <p:txBody>
+          <a:bodyPr wrap="none" rtlCol="0">
+            <a:spAutoFit/>
+          </a:bodyPr>
+          <a:lstStyle/>
+          <a:p>
+            <a:r>
+              <a:rPr lang="en-GB" dirty="0">
+                <a:latin typeface="Courier New" panose="02070309020205020404" pitchFamily="49" charset="0"/>
+                <a:cs typeface="Courier New" panose="02070309020205020404" pitchFamily="49" charset="0"/>
+              </a:rPr>
+              <a:t>0</a:t>
+            </a:r>
+          </a:p>
+        </p:txBody>
+      </p:sp>
+      <p:sp>
+        <p:nvSpPr>
+          <p:cNvPr id="23" name="TextBox 22">
+            <a:extLst>
+              <a:ext uri="{FF2B5EF4-FFF2-40B4-BE49-F238E27FC236}">
+                <a16:creationId xmlns:a16="http://schemas.microsoft.com/office/drawing/2014/main" id="{65BAF025-32D7-6E44-A3C3-C6C9FF1A7B8F}"/>
+              </a:ext>
+            </a:extLst>
+          </p:cNvPr>
+          <p:cNvSpPr txBox="1"/>
+          <p:nvPr/>
+        </p:nvSpPr>
+        <p:spPr>
+          <a:xfrm>
+            <a:off x="8072133" y="2330500"/>
+            <a:ext cx="322524" cy="369332"/>
+          </a:xfrm>
+          <a:prstGeom prst="rect">
+            <a:avLst/>
+          </a:prstGeom>
+          <a:noFill/>
+        </p:spPr>
+        <p:txBody>
+          <a:bodyPr wrap="none" rtlCol="0">
+            <a:spAutoFit/>
+          </a:bodyPr>
+          <a:lstStyle/>
+          <a:p>
+            <a:r>
+              <a:rPr lang="en-GB" dirty="0">
+                <a:latin typeface="Courier New" panose="02070309020205020404" pitchFamily="49" charset="0"/>
+                <a:cs typeface="Courier New" panose="02070309020205020404" pitchFamily="49" charset="0"/>
+              </a:rPr>
+              <a:t>1</a:t>
+            </a:r>
+          </a:p>
+        </p:txBody>
+      </p:sp>
+      <p:sp>
+        <p:nvSpPr>
+          <p:cNvPr id="24" name="TextBox 23">
+            <a:extLst>
+              <a:ext uri="{FF2B5EF4-FFF2-40B4-BE49-F238E27FC236}">
+                <a16:creationId xmlns:a16="http://schemas.microsoft.com/office/drawing/2014/main" id="{B89F88D3-68FC-E24D-8E11-DE496CA73D69}"/>
+              </a:ext>
+            </a:extLst>
+          </p:cNvPr>
+          <p:cNvSpPr txBox="1"/>
+          <p:nvPr/>
+        </p:nvSpPr>
+        <p:spPr>
+          <a:xfrm>
+            <a:off x="8789355" y="2330500"/>
+            <a:ext cx="322524" cy="369332"/>
+          </a:xfrm>
+          <a:prstGeom prst="rect">
+            <a:avLst/>
+          </a:prstGeom>
+          <a:noFill/>
+        </p:spPr>
+        <p:txBody>
+          <a:bodyPr wrap="none" rtlCol="0">
+            <a:spAutoFit/>
+          </a:bodyPr>
+          <a:lstStyle/>
+          <a:p>
+            <a:r>
+              <a:rPr lang="en-GB" dirty="0">
+                <a:latin typeface="Courier New" panose="02070309020205020404" pitchFamily="49" charset="0"/>
+                <a:cs typeface="Courier New" panose="02070309020205020404" pitchFamily="49" charset="0"/>
+              </a:rPr>
+              <a:t>2</a:t>
+            </a:r>
+          </a:p>
+        </p:txBody>
+      </p:sp>
+      <p:sp>
+        <p:nvSpPr>
+          <p:cNvPr id="25" name="TextBox 24">
+            <a:extLst>
+              <a:ext uri="{FF2B5EF4-FFF2-40B4-BE49-F238E27FC236}">
+                <a16:creationId xmlns:a16="http://schemas.microsoft.com/office/drawing/2014/main" id="{C36AC852-1A05-654B-9EB1-F24F36852DE0}"/>
+              </a:ext>
+            </a:extLst>
+          </p:cNvPr>
+          <p:cNvSpPr txBox="1"/>
+          <p:nvPr/>
+        </p:nvSpPr>
+        <p:spPr>
+          <a:xfrm>
+            <a:off x="1136245" y="2869486"/>
+            <a:ext cx="4320413" cy="646331"/>
+          </a:xfrm>
+          <a:prstGeom prst="rect">
+            <a:avLst/>
+          </a:prstGeom>
+          <a:noFill/>
+        </p:spPr>
+        <p:txBody>
+          <a:bodyPr wrap="none" rtlCol="0">
+            <a:spAutoFit/>
+          </a:bodyPr>
+          <a:lstStyle/>
+          <a:p>
+            <a:r>
+              <a:rPr lang="en-GB" dirty="0">
+                <a:latin typeface="Courier New" panose="02070309020205020404" pitchFamily="49" charset="0"/>
+                <a:cs typeface="Courier New" panose="02070309020205020404" pitchFamily="49" charset="0"/>
+              </a:rPr>
+              <a:t>final int[] numbers = </a:t>
+            </a:r>
+          </a:p>
+          <a:p>
+            <a:r>
+              <a:rPr lang="en-GB" dirty="0">
+                <a:latin typeface="Courier New" panose="02070309020205020404" pitchFamily="49" charset="0"/>
+                <a:cs typeface="Courier New" panose="02070309020205020404" pitchFamily="49" charset="0"/>
+              </a:rPr>
+              <a:t>  new int[] { 1, 2, 3, 4, 5 };</a:t>
+            </a:r>
+          </a:p>
+        </p:txBody>
+      </p:sp>
+      <p:sp>
+        <p:nvSpPr>
+          <p:cNvPr id="27" name="Rounded Rectangle 26">
+            <a:extLst>
+              <a:ext uri="{FF2B5EF4-FFF2-40B4-BE49-F238E27FC236}">
+                <a16:creationId xmlns:a16="http://schemas.microsoft.com/office/drawing/2014/main" id="{FA0EC5F9-E0FD-F14B-915D-2F5317F1E713}"/>
+              </a:ext>
+            </a:extLst>
+          </p:cNvPr>
+          <p:cNvSpPr/>
+          <p:nvPr/>
+        </p:nvSpPr>
+        <p:spPr>
+          <a:xfrm>
+            <a:off x="3478359" y="3202768"/>
+            <a:ext cx="338265" cy="251076"/>
+          </a:xfrm>
+          <a:prstGeom prst="roundRect">
+            <a:avLst/>
+          </a:prstGeom>
+          <a:noFill/>
+          <a:ln>
+            <a:solidFill>
+              <a:srgbClr val="FF0000"/>
+            </a:solidFill>
+          </a:ln>
+        </p:spPr>
+        <p:style>
+          <a:lnRef idx="2">
+            <a:schemeClr val="accent1">
+              <a:shade val="50000"/>
+            </a:schemeClr>
+          </a:lnRef>
+          <a:fillRef idx="1">
+            <a:schemeClr val="accent1"/>
+          </a:fillRef>
+          <a:effectRef idx="0">
+            <a:schemeClr val="accent1"/>
+          </a:effectRef>
+          <a:fontRef idx="minor">
+            <a:schemeClr val="lt1"/>
+          </a:fontRef>
+        </p:style>
+        <p:txBody>
+          <a:bodyPr rtlCol="0" anchor="ctr"/>
+          <a:lstStyle/>
+          <a:p>
+            <a:pPr algn="ctr"/>
+            <a:endParaRPr lang="en-GB"/>
+          </a:p>
+        </p:txBody>
+      </p:sp>
+      <p:sp>
+        <p:nvSpPr>
+          <p:cNvPr id="29" name="Rounded Rectangle 28">
+            <a:extLst>
+              <a:ext uri="{FF2B5EF4-FFF2-40B4-BE49-F238E27FC236}">
+                <a16:creationId xmlns:a16="http://schemas.microsoft.com/office/drawing/2014/main" id="{441AC412-681C-AF42-9049-CD2D32AC6F7E}"/>
+              </a:ext>
+            </a:extLst>
+          </p:cNvPr>
+          <p:cNvSpPr/>
+          <p:nvPr/>
+        </p:nvSpPr>
+        <p:spPr>
+          <a:xfrm rot="5400000">
+            <a:off x="7622724" y="2652984"/>
+            <a:ext cx="1201161" cy="369332"/>
+          </a:xfrm>
+          <a:prstGeom prst="roundRect">
+            <a:avLst/>
+          </a:prstGeom>
+          <a:noFill/>
+          <a:ln>
+            <a:solidFill>
+              <a:srgbClr val="FF0000"/>
+            </a:solidFill>
+          </a:ln>
+        </p:spPr>
+        <p:style>
+          <a:lnRef idx="2">
+            <a:schemeClr val="accent1">
+              <a:shade val="50000"/>
+            </a:schemeClr>
+          </a:lnRef>
+          <a:fillRef idx="1">
+            <a:schemeClr val="accent1"/>
+          </a:fillRef>
+          <a:effectRef idx="0">
+            <a:schemeClr val="accent1"/>
+          </a:effectRef>
+          <a:fontRef idx="minor">
+            <a:schemeClr val="lt1"/>
+          </a:fontRef>
+        </p:style>
+        <p:txBody>
+          <a:bodyPr rtlCol="0" anchor="ctr"/>
+          <a:lstStyle/>
+          <a:p>
+            <a:pPr algn="ctr"/>
+            <a:endParaRPr lang="en-GB"/>
+          </a:p>
+        </p:txBody>
+      </p:sp>
+      <p:sp>
+        <p:nvSpPr>
+          <p:cNvPr id="30" name="TextBox 29">
+            <a:extLst>
+              <a:ext uri="{FF2B5EF4-FFF2-40B4-BE49-F238E27FC236}">
+                <a16:creationId xmlns:a16="http://schemas.microsoft.com/office/drawing/2014/main" id="{CA951DB5-13C5-7745-87DE-BCB20ADA1A67}"/>
+              </a:ext>
+            </a:extLst>
+          </p:cNvPr>
+          <p:cNvSpPr txBox="1"/>
+          <p:nvPr/>
+        </p:nvSpPr>
+        <p:spPr>
+          <a:xfrm>
+            <a:off x="5135493" y="4641575"/>
+            <a:ext cx="2117887" cy="523220"/>
+          </a:xfrm>
+          <a:prstGeom prst="rect">
+            <a:avLst/>
+          </a:prstGeom>
+          <a:noFill/>
+        </p:spPr>
+        <p:txBody>
+          <a:bodyPr wrap="none" rtlCol="0">
+            <a:spAutoFit/>
+          </a:bodyPr>
+          <a:lstStyle/>
+          <a:p>
+            <a:r>
+              <a:rPr lang="en-GB" sz="2800" dirty="0">
+                <a:solidFill>
+                  <a:srgbClr val="FF0000"/>
+                </a:solidFill>
+                <a:latin typeface="Courier New" panose="02070309020205020404" pitchFamily="49" charset="0"/>
+                <a:cs typeface="Courier New" panose="02070309020205020404" pitchFamily="49" charset="0"/>
+              </a:rPr>
+              <a:t>number[1]</a:t>
+            </a:r>
+          </a:p>
+        </p:txBody>
+      </p:sp>
+      <p:cxnSp>
+        <p:nvCxnSpPr>
+          <p:cNvPr id="38" name="Curved Connector 37">
+            <a:extLst>
+              <a:ext uri="{FF2B5EF4-FFF2-40B4-BE49-F238E27FC236}">
+                <a16:creationId xmlns:a16="http://schemas.microsoft.com/office/drawing/2014/main" id="{D72699BF-2C70-B04C-817F-96F09E0B1156}"/>
+              </a:ext>
+            </a:extLst>
+          </p:cNvPr>
+          <p:cNvCxnSpPr>
+            <a:cxnSpLocks/>
+            <a:stCxn id="27" idx="2"/>
+            <a:endCxn id="30" idx="1"/>
+          </p:cNvCxnSpPr>
+          <p:nvPr/>
+        </p:nvCxnSpPr>
+        <p:spPr>
+          <a:xfrm rot="16200000" flipH="1">
+            <a:off x="3666822" y="3434513"/>
+            <a:ext cx="1449341" cy="1488001"/>
+          </a:xfrm>
+          <a:prstGeom prst="curvedConnector2">
+            <a:avLst/>
+          </a:prstGeom>
+          <a:ln w="12700">
+            <a:solidFill>
+              <a:srgbClr val="FF0000"/>
+            </a:solidFill>
+            <a:headEnd type="none" w="med" len="med"/>
+            <a:tailEnd type="none" w="med" len="med"/>
+          </a:ln>
+        </p:spPr>
+        <p:style>
+          <a:lnRef idx="1">
+            <a:schemeClr val="accent1"/>
+          </a:lnRef>
+          <a:fillRef idx="0">
+            <a:schemeClr val="accent1"/>
+          </a:fillRef>
+          <a:effectRef idx="0">
+            <a:schemeClr val="accent1"/>
+          </a:effectRef>
+          <a:fontRef idx="minor">
+            <a:schemeClr val="tx1"/>
+          </a:fontRef>
+        </p:style>
+      </p:cxnSp>
+      <p:cxnSp>
+        <p:nvCxnSpPr>
+          <p:cNvPr id="43" name="Curved Connector 42">
+            <a:extLst>
+              <a:ext uri="{FF2B5EF4-FFF2-40B4-BE49-F238E27FC236}">
+                <a16:creationId xmlns:a16="http://schemas.microsoft.com/office/drawing/2014/main" id="{41E35E7E-4E72-3D49-A40B-4E51A807AA61}"/>
+              </a:ext>
+            </a:extLst>
+          </p:cNvPr>
+          <p:cNvCxnSpPr>
+            <a:cxnSpLocks/>
+            <a:stCxn id="30" idx="3"/>
+            <a:endCxn id="29" idx="3"/>
+          </p:cNvCxnSpPr>
+          <p:nvPr/>
+        </p:nvCxnSpPr>
+        <p:spPr>
+          <a:xfrm flipV="1">
+            <a:off x="7253380" y="3438231"/>
+            <a:ext cx="969925" cy="1464954"/>
+          </a:xfrm>
+          <a:prstGeom prst="curvedConnector2">
+            <a:avLst/>
+          </a:prstGeom>
+          <a:ln w="12700">
+            <a:solidFill>
+              <a:srgbClr val="FF0000"/>
+            </a:solidFill>
+            <a:tailEnd type="triangle"/>
+          </a:ln>
+        </p:spPr>
+        <p:style>
+          <a:lnRef idx="1">
+            <a:schemeClr val="accent1"/>
+          </a:lnRef>
+          <a:fillRef idx="0">
+            <a:schemeClr val="accent1"/>
+          </a:fillRef>
+          <a:effectRef idx="0">
+            <a:schemeClr val="accent1"/>
+          </a:effectRef>
+          <a:fontRef idx="minor">
+            <a:schemeClr val="tx1"/>
+          </a:fontRef>
+        </p:style>
+      </p:cxnSp>
+      <p:sp>
+        <p:nvSpPr>
+          <p:cNvPr id="55" name="TextBox 54">
+            <a:extLst>
+              <a:ext uri="{FF2B5EF4-FFF2-40B4-BE49-F238E27FC236}">
+                <a16:creationId xmlns:a16="http://schemas.microsoft.com/office/drawing/2014/main" id="{1A1B52F3-1C08-AE41-9BA9-04426129DE37}"/>
+              </a:ext>
+            </a:extLst>
+          </p:cNvPr>
+          <p:cNvSpPr txBox="1"/>
+          <p:nvPr/>
+        </p:nvSpPr>
+        <p:spPr>
+          <a:xfrm>
+            <a:off x="5973655" y="2355122"/>
+            <a:ext cx="936475" cy="307777"/>
+          </a:xfrm>
+          <a:prstGeom prst="rect">
+            <a:avLst/>
+          </a:prstGeom>
+          <a:noFill/>
+        </p:spPr>
+        <p:txBody>
+          <a:bodyPr wrap="none" rtlCol="0">
+            <a:spAutoFit/>
+          </a:bodyPr>
+          <a:lstStyle/>
+          <a:p>
+            <a:r>
+              <a:rPr lang="en-GB" sz="1400" dirty="0">
+                <a:latin typeface="Courier New" panose="02070309020205020404" pitchFamily="49" charset="0"/>
+                <a:cs typeface="Courier New" panose="02070309020205020404" pitchFamily="49" charset="0"/>
+              </a:rPr>
+              <a:t>indices</a:t>
+            </a:r>
+          </a:p>
+        </p:txBody>
+      </p:sp>
+      <p:sp>
+        <p:nvSpPr>
+          <p:cNvPr id="57" name="TextBox 56">
+            <a:extLst>
+              <a:ext uri="{FF2B5EF4-FFF2-40B4-BE49-F238E27FC236}">
+                <a16:creationId xmlns:a16="http://schemas.microsoft.com/office/drawing/2014/main" id="{F07B4C60-4FA6-D840-984B-20E4F6EC3912}"/>
+              </a:ext>
+            </a:extLst>
+          </p:cNvPr>
+          <p:cNvSpPr txBox="1"/>
+          <p:nvPr/>
+        </p:nvSpPr>
+        <p:spPr>
+          <a:xfrm>
+            <a:off x="5973655" y="3047397"/>
+            <a:ext cx="1043876" cy="307777"/>
+          </a:xfrm>
+          <a:prstGeom prst="rect">
+            <a:avLst/>
+          </a:prstGeom>
+          <a:noFill/>
+        </p:spPr>
+        <p:txBody>
+          <a:bodyPr wrap="none" rtlCol="0">
+            <a:spAutoFit/>
+          </a:bodyPr>
+          <a:lstStyle/>
+          <a:p>
+            <a:r>
+              <a:rPr lang="en-GB" sz="1400" dirty="0">
+                <a:latin typeface="Courier New" panose="02070309020205020404" pitchFamily="49" charset="0"/>
+                <a:cs typeface="Courier New" panose="02070309020205020404" pitchFamily="49" charset="0"/>
+              </a:rPr>
+              <a:t>elements</a:t>
+            </a:r>
+          </a:p>
+        </p:txBody>
+      </p:sp>
+    </p:spTree>
+    <p:extLst>
+      <p:ext uri="{BB962C8B-B14F-4D97-AF65-F5344CB8AC3E}">
+        <p14:creationId xmlns:p14="http://schemas.microsoft.com/office/powerpoint/2010/main" val="628697397"/>
+      </p:ext>
+    </p:extLst>
+  </p:cSld>
+  <p:clrMapOvr>
+    <a:masterClrMapping/>
+  </p:clrMapOvr>
+</p:sld>
+</file>
+
+<file path=ppt/slides/slide27.xml><?xml version="1.0" encoding="utf-8"?>
+<p:sld xmlns:a="http://schemas.openxmlformats.org/drawingml/2006/main" xmlns:r="http://schemas.openxmlformats.org/officeDocument/2006/relationships" xmlns:p="http://schemas.openxmlformats.org/presentationml/2006/main">
+  <p:cSld>
+    <p:spTree>
+      <p:nvGrpSpPr>
+        <p:cNvPr id="1" name=""/>
+        <p:cNvGrpSpPr/>
+        <p:nvPr/>
+      </p:nvGrpSpPr>
+      <p:grpSpPr>
+        <a:xfrm>
+          <a:off x="0" y="0"/>
+          <a:ext cx="0" cy="0"/>
+          <a:chOff x="0" y="0"/>
+          <a:chExt cx="0" cy="0"/>
+        </a:xfrm>
+      </p:grpSpPr>
+      <p:sp>
+        <p:nvSpPr>
+          <p:cNvPr id="32" name="Rectangle 31">
+            <a:extLst>
+              <a:ext uri="{FF2B5EF4-FFF2-40B4-BE49-F238E27FC236}">
+                <a16:creationId xmlns:a16="http://schemas.microsoft.com/office/drawing/2014/main" id="{46C2E4C0-B69E-D044-B794-9A9C25E3F150}"/>
+              </a:ext>
+            </a:extLst>
+          </p:cNvPr>
+          <p:cNvSpPr/>
+          <p:nvPr/>
+        </p:nvSpPr>
+        <p:spPr>
+          <a:xfrm>
+            <a:off x="6757068" y="1777979"/>
+            <a:ext cx="327927" cy="2330090"/>
+          </a:xfrm>
+          <a:prstGeom prst="rect">
+            <a:avLst/>
+          </a:prstGeom>
+          <a:solidFill>
+            <a:schemeClr val="bg2"/>
+          </a:solidFill>
+          <a:ln>
+            <a:noFill/>
+          </a:ln>
+        </p:spPr>
+        <p:style>
+          <a:lnRef idx="2">
+            <a:schemeClr val="accent1">
+              <a:shade val="50000"/>
+            </a:schemeClr>
+          </a:lnRef>
+          <a:fillRef idx="1">
+            <a:schemeClr val="accent1"/>
+          </a:fillRef>
+          <a:effectRef idx="0">
+            <a:schemeClr val="accent1"/>
+          </a:effectRef>
+          <a:fontRef idx="minor">
+            <a:schemeClr val="lt1"/>
+          </a:fontRef>
+        </p:style>
+        <p:txBody>
+          <a:bodyPr rtlCol="0" anchor="ctr"/>
+          <a:lstStyle/>
+          <a:p>
+            <a:pPr algn="ctr"/>
+            <a:endParaRPr lang="en-GB"/>
+          </a:p>
+        </p:txBody>
+      </p:sp>
+      <p:sp>
+        <p:nvSpPr>
+          <p:cNvPr id="2" name="Rectangle 1">
+            <a:extLst>
+              <a:ext uri="{FF2B5EF4-FFF2-40B4-BE49-F238E27FC236}">
+                <a16:creationId xmlns:a16="http://schemas.microsoft.com/office/drawing/2014/main" id="{E5B4DFBB-2BE1-734F-9A3F-61C5F71D4EA9}"/>
+              </a:ext>
+            </a:extLst>
+          </p:cNvPr>
+          <p:cNvSpPr/>
+          <p:nvPr/>
+        </p:nvSpPr>
+        <p:spPr>
+          <a:xfrm>
+            <a:off x="6450155" y="1445917"/>
+            <a:ext cx="3029428" cy="336150"/>
+          </a:xfrm>
+          <a:prstGeom prst="rect">
+            <a:avLst/>
+          </a:prstGeom>
+          <a:solidFill>
+            <a:schemeClr val="bg2"/>
+          </a:solidFill>
+          <a:ln>
+            <a:noFill/>
+          </a:ln>
+        </p:spPr>
+        <p:style>
+          <a:lnRef idx="2">
+            <a:schemeClr val="accent1">
+              <a:shade val="50000"/>
+            </a:schemeClr>
+          </a:lnRef>
+          <a:fillRef idx="1">
+            <a:schemeClr val="accent1"/>
+          </a:fillRef>
+          <a:effectRef idx="0">
+            <a:schemeClr val="accent1"/>
+          </a:effectRef>
+          <a:fontRef idx="minor">
+            <a:schemeClr val="lt1"/>
+          </a:fontRef>
+        </p:style>
+        <p:txBody>
+          <a:bodyPr rtlCol="0" anchor="ctr"/>
+          <a:lstStyle/>
+          <a:p>
+            <a:pPr algn="ctr"/>
+            <a:endParaRPr lang="en-GB"/>
+          </a:p>
+        </p:txBody>
+      </p:sp>
+      <p:sp>
+        <p:nvSpPr>
+          <p:cNvPr id="26" name="Rectangle 25">
+            <a:extLst>
+              <a:ext uri="{FF2B5EF4-FFF2-40B4-BE49-F238E27FC236}">
+                <a16:creationId xmlns:a16="http://schemas.microsoft.com/office/drawing/2014/main" id="{C10B2FB1-BFAB-CD41-A53D-885968651722}"/>
+              </a:ext>
+            </a:extLst>
+          </p:cNvPr>
+          <p:cNvSpPr/>
+          <p:nvPr/>
+        </p:nvSpPr>
+        <p:spPr>
+          <a:xfrm>
+            <a:off x="1381540" y="1445917"/>
+            <a:ext cx="4303644" cy="2662152"/>
+          </a:xfrm>
+          <a:prstGeom prst="rect">
+            <a:avLst/>
+          </a:prstGeom>
+          <a:solidFill>
+            <a:schemeClr val="bg2">
+              <a:lumMod val="90000"/>
+            </a:schemeClr>
+          </a:solidFill>
+          <a:ln>
+            <a:solidFill>
+              <a:schemeClr val="tx1">
+                <a:lumMod val="75000"/>
+                <a:lumOff val="25000"/>
+              </a:schemeClr>
+            </a:solidFill>
+          </a:ln>
+        </p:spPr>
+        <p:style>
+          <a:lnRef idx="2">
+            <a:schemeClr val="accent1">
+              <a:shade val="50000"/>
+            </a:schemeClr>
+          </a:lnRef>
+          <a:fillRef idx="1">
+            <a:schemeClr val="accent1"/>
+          </a:fillRef>
+          <a:effectRef idx="0">
+            <a:schemeClr val="accent1"/>
+          </a:effectRef>
+          <a:fontRef idx="minor">
+            <a:schemeClr val="lt1"/>
+          </a:fontRef>
+        </p:style>
+        <p:txBody>
+          <a:bodyPr rtlCol="0" anchor="ctr"/>
+          <a:lstStyle/>
+          <a:p>
+            <a:pPr algn="ctr"/>
+            <a:endParaRPr lang="en-GB"/>
+          </a:p>
+        </p:txBody>
+      </p:sp>
+      <p:grpSp>
+        <p:nvGrpSpPr>
+          <p:cNvPr id="14" name="Group 13">
+            <a:extLst>
+              <a:ext uri="{FF2B5EF4-FFF2-40B4-BE49-F238E27FC236}">
+                <a16:creationId xmlns:a16="http://schemas.microsoft.com/office/drawing/2014/main" id="{20A32532-B098-ED4F-9B5E-59D1AB004C32}"/>
+              </a:ext>
+            </a:extLst>
+          </p:cNvPr>
+          <p:cNvGrpSpPr/>
+          <p:nvPr/>
+        </p:nvGrpSpPr>
+        <p:grpSpPr>
+          <a:xfrm>
+            <a:off x="7325139" y="1948069"/>
+            <a:ext cx="2154444" cy="720000"/>
+            <a:chOff x="2564296" y="1351722"/>
+            <a:chExt cx="2154444" cy="720000"/>
+          </a:xfrm>
+        </p:grpSpPr>
+        <p:sp>
+          <p:nvSpPr>
+            <p:cNvPr id="4" name="Rectangle 3">
+              <a:extLst>
+                <a:ext uri="{FF2B5EF4-FFF2-40B4-BE49-F238E27FC236}">
+                  <a16:creationId xmlns:a16="http://schemas.microsoft.com/office/drawing/2014/main" id="{F6681D0E-277C-C447-9BD8-28211386C6EC}"/>
+                </a:ext>
+              </a:extLst>
+            </p:cNvPr>
+            <p:cNvSpPr/>
+            <p:nvPr/>
+          </p:nvSpPr>
+          <p:spPr>
+            <a:xfrm>
+              <a:off x="2564296" y="1351722"/>
+              <a:ext cx="720000" cy="720000"/>
+            </a:xfrm>
+            <a:prstGeom prst="rect">
+              <a:avLst/>
+            </a:prstGeom>
+            <a:solidFill>
+              <a:schemeClr val="bg1"/>
+            </a:solidFill>
+            <a:ln>
+              <a:solidFill>
+                <a:schemeClr val="tx1">
+                  <a:lumMod val="75000"/>
+                  <a:lumOff val="25000"/>
+                </a:schemeClr>
+              </a:solidFill>
+            </a:ln>
+          </p:spPr>
+          <p:style>
+            <a:lnRef idx="2">
+              <a:schemeClr val="accent1">
+                <a:shade val="50000"/>
+              </a:schemeClr>
+            </a:lnRef>
+            <a:fillRef idx="1">
+              <a:schemeClr val="accent1"/>
+            </a:fillRef>
+            <a:effectRef idx="0">
+              <a:schemeClr val="accent1"/>
+            </a:effectRef>
+            <a:fontRef idx="minor">
+              <a:schemeClr val="lt1"/>
+            </a:fontRef>
+          </p:style>
+          <p:txBody>
+            <a:bodyPr rtlCol="0" anchor="ctr"/>
+            <a:lstStyle/>
+            <a:p>
+              <a:pPr algn="ctr"/>
+              <a:r>
+                <a:rPr lang="en-GB" sz="3200" dirty="0">
+                  <a:solidFill>
+                    <a:schemeClr val="tx1"/>
+                  </a:solidFill>
+                </a:rPr>
+                <a:t>1</a:t>
+              </a:r>
+            </a:p>
+          </p:txBody>
+        </p:sp>
+        <p:sp>
+          <p:nvSpPr>
+            <p:cNvPr id="5" name="Rectangle 4">
+              <a:extLst>
+                <a:ext uri="{FF2B5EF4-FFF2-40B4-BE49-F238E27FC236}">
+                  <a16:creationId xmlns:a16="http://schemas.microsoft.com/office/drawing/2014/main" id="{F61B2204-1961-5B4C-8D81-87B7C2D3DAFA}"/>
+                </a:ext>
+              </a:extLst>
+            </p:cNvPr>
+            <p:cNvSpPr/>
+            <p:nvPr/>
+          </p:nvSpPr>
+          <p:spPr>
+            <a:xfrm>
+              <a:off x="3281518" y="1351722"/>
+              <a:ext cx="720000" cy="720000"/>
+            </a:xfrm>
+            <a:prstGeom prst="rect">
+              <a:avLst/>
+            </a:prstGeom>
+            <a:solidFill>
+              <a:schemeClr val="bg1"/>
+            </a:solidFill>
+            <a:ln>
+              <a:solidFill>
+                <a:schemeClr val="tx1">
+                  <a:lumMod val="75000"/>
+                  <a:lumOff val="25000"/>
+                </a:schemeClr>
+              </a:solidFill>
+            </a:ln>
+          </p:spPr>
+          <p:style>
+            <a:lnRef idx="2">
+              <a:schemeClr val="accent1">
+                <a:shade val="50000"/>
+              </a:schemeClr>
+            </a:lnRef>
+            <a:fillRef idx="1">
+              <a:schemeClr val="accent1"/>
+            </a:fillRef>
+            <a:effectRef idx="0">
+              <a:schemeClr val="accent1"/>
+            </a:effectRef>
+            <a:fontRef idx="minor">
+              <a:schemeClr val="lt1"/>
+            </a:fontRef>
+          </p:style>
+          <p:txBody>
+            <a:bodyPr rtlCol="0" anchor="ctr"/>
+            <a:lstStyle/>
+            <a:p>
+              <a:pPr algn="ctr"/>
+              <a:r>
+                <a:rPr lang="en-GB" sz="3200" dirty="0">
+                  <a:solidFill>
+                    <a:schemeClr val="tx1"/>
+                  </a:solidFill>
+                </a:rPr>
+                <a:t>2</a:t>
+              </a:r>
+            </a:p>
+          </p:txBody>
+        </p:sp>
+        <p:sp>
+          <p:nvSpPr>
+            <p:cNvPr id="6" name="Rectangle 5">
+              <a:extLst>
+                <a:ext uri="{FF2B5EF4-FFF2-40B4-BE49-F238E27FC236}">
+                  <a16:creationId xmlns:a16="http://schemas.microsoft.com/office/drawing/2014/main" id="{A5A9CF09-03B2-9F4E-BECE-6D48472086CA}"/>
+                </a:ext>
+              </a:extLst>
+            </p:cNvPr>
+            <p:cNvSpPr/>
+            <p:nvPr/>
+          </p:nvSpPr>
+          <p:spPr>
+            <a:xfrm>
+              <a:off x="3998740" y="1351722"/>
+              <a:ext cx="720000" cy="720000"/>
+            </a:xfrm>
+            <a:prstGeom prst="rect">
+              <a:avLst/>
+            </a:prstGeom>
+            <a:solidFill>
+              <a:schemeClr val="bg1"/>
+            </a:solidFill>
+            <a:ln>
+              <a:solidFill>
+                <a:schemeClr val="tx1">
+                  <a:lumMod val="75000"/>
+                  <a:lumOff val="25000"/>
+                </a:schemeClr>
+              </a:solidFill>
+            </a:ln>
+          </p:spPr>
+          <p:style>
+            <a:lnRef idx="2">
+              <a:schemeClr val="accent1">
+                <a:shade val="50000"/>
+              </a:schemeClr>
+            </a:lnRef>
+            <a:fillRef idx="1">
+              <a:schemeClr val="accent1"/>
+            </a:fillRef>
+            <a:effectRef idx="0">
+              <a:schemeClr val="accent1"/>
+            </a:effectRef>
+            <a:fontRef idx="minor">
+              <a:schemeClr val="lt1"/>
+            </a:fontRef>
+          </p:style>
+          <p:txBody>
+            <a:bodyPr rtlCol="0" anchor="ctr"/>
+            <a:lstStyle/>
+            <a:p>
+              <a:pPr algn="ctr"/>
+              <a:r>
+                <a:rPr lang="en-GB" sz="3200" dirty="0">
+                  <a:solidFill>
+                    <a:schemeClr val="tx1"/>
+                  </a:solidFill>
+                </a:rPr>
+                <a:t>3</a:t>
+              </a:r>
+            </a:p>
+          </p:txBody>
+        </p:sp>
+      </p:grpSp>
+      <p:grpSp>
+        <p:nvGrpSpPr>
+          <p:cNvPr id="13" name="Group 12">
+            <a:extLst>
+              <a:ext uri="{FF2B5EF4-FFF2-40B4-BE49-F238E27FC236}">
+                <a16:creationId xmlns:a16="http://schemas.microsoft.com/office/drawing/2014/main" id="{30DEA05E-8EA5-3749-8B5D-C6D865D40500}"/>
+              </a:ext>
+            </a:extLst>
+          </p:cNvPr>
+          <p:cNvGrpSpPr/>
+          <p:nvPr/>
+        </p:nvGrpSpPr>
+        <p:grpSpPr>
+          <a:xfrm>
+            <a:off x="7325139" y="2668069"/>
+            <a:ext cx="2154444" cy="720000"/>
+            <a:chOff x="2564296" y="2071722"/>
+            <a:chExt cx="2154444" cy="720000"/>
+          </a:xfrm>
+        </p:grpSpPr>
+        <p:sp>
+          <p:nvSpPr>
+            <p:cNvPr id="7" name="Rectangle 6">
+              <a:extLst>
+                <a:ext uri="{FF2B5EF4-FFF2-40B4-BE49-F238E27FC236}">
+                  <a16:creationId xmlns:a16="http://schemas.microsoft.com/office/drawing/2014/main" id="{8954146E-1083-6C4D-A1C1-D2B55D1AA7E4}"/>
+                </a:ext>
+              </a:extLst>
+            </p:cNvPr>
+            <p:cNvSpPr/>
+            <p:nvPr/>
+          </p:nvSpPr>
+          <p:spPr>
+            <a:xfrm>
+              <a:off x="2564296" y="2071722"/>
+              <a:ext cx="720000" cy="720000"/>
+            </a:xfrm>
+            <a:prstGeom prst="rect">
+              <a:avLst/>
+            </a:prstGeom>
+            <a:solidFill>
+              <a:schemeClr val="bg1"/>
+            </a:solidFill>
+            <a:ln>
+              <a:solidFill>
+                <a:schemeClr val="tx1">
+                  <a:lumMod val="75000"/>
+                  <a:lumOff val="25000"/>
+                </a:schemeClr>
+              </a:solidFill>
+            </a:ln>
+          </p:spPr>
+          <p:style>
+            <a:lnRef idx="2">
+              <a:schemeClr val="accent1">
+                <a:shade val="50000"/>
+              </a:schemeClr>
+            </a:lnRef>
+            <a:fillRef idx="1">
+              <a:schemeClr val="accent1"/>
+            </a:fillRef>
+            <a:effectRef idx="0">
+              <a:schemeClr val="accent1"/>
+            </a:effectRef>
+            <a:fontRef idx="minor">
+              <a:schemeClr val="lt1"/>
+            </a:fontRef>
+          </p:style>
+          <p:txBody>
+            <a:bodyPr rtlCol="0" anchor="ctr"/>
+            <a:lstStyle/>
+            <a:p>
+              <a:pPr algn="ctr"/>
+              <a:r>
+                <a:rPr lang="en-GB" sz="3200" dirty="0">
+                  <a:solidFill>
+                    <a:schemeClr val="tx1"/>
+                  </a:solidFill>
+                </a:rPr>
+                <a:t>4</a:t>
+              </a:r>
+            </a:p>
+          </p:txBody>
+        </p:sp>
+        <p:sp>
+          <p:nvSpPr>
+            <p:cNvPr id="8" name="Rectangle 7">
+              <a:extLst>
+                <a:ext uri="{FF2B5EF4-FFF2-40B4-BE49-F238E27FC236}">
+                  <a16:creationId xmlns:a16="http://schemas.microsoft.com/office/drawing/2014/main" id="{0D8C368F-300E-1E41-B4F7-FB6D74ABC674}"/>
+                </a:ext>
+              </a:extLst>
+            </p:cNvPr>
+            <p:cNvSpPr/>
+            <p:nvPr/>
+          </p:nvSpPr>
+          <p:spPr>
+            <a:xfrm>
+              <a:off x="3281518" y="2071722"/>
+              <a:ext cx="720000" cy="720000"/>
+            </a:xfrm>
+            <a:prstGeom prst="rect">
+              <a:avLst/>
+            </a:prstGeom>
+            <a:solidFill>
+              <a:schemeClr val="bg1"/>
+            </a:solidFill>
+            <a:ln>
+              <a:solidFill>
+                <a:schemeClr val="tx1">
+                  <a:lumMod val="75000"/>
+                  <a:lumOff val="25000"/>
+                </a:schemeClr>
+              </a:solidFill>
+            </a:ln>
+          </p:spPr>
+          <p:style>
+            <a:lnRef idx="2">
+              <a:schemeClr val="accent1">
+                <a:shade val="50000"/>
+              </a:schemeClr>
+            </a:lnRef>
+            <a:fillRef idx="1">
+              <a:schemeClr val="accent1"/>
+            </a:fillRef>
+            <a:effectRef idx="0">
+              <a:schemeClr val="accent1"/>
+            </a:effectRef>
+            <a:fontRef idx="minor">
+              <a:schemeClr val="lt1"/>
+            </a:fontRef>
+          </p:style>
+          <p:txBody>
+            <a:bodyPr rtlCol="0" anchor="ctr"/>
+            <a:lstStyle/>
+            <a:p>
+              <a:pPr algn="ctr"/>
+              <a:r>
+                <a:rPr lang="en-GB" sz="3200" dirty="0">
+                  <a:solidFill>
+                    <a:schemeClr val="tx1"/>
+                  </a:solidFill>
+                </a:rPr>
+                <a:t>5</a:t>
+              </a:r>
+            </a:p>
+          </p:txBody>
+        </p:sp>
+        <p:sp>
+          <p:nvSpPr>
+            <p:cNvPr id="9" name="Rectangle 8">
+              <a:extLst>
+                <a:ext uri="{FF2B5EF4-FFF2-40B4-BE49-F238E27FC236}">
+                  <a16:creationId xmlns:a16="http://schemas.microsoft.com/office/drawing/2014/main" id="{A6A2E386-1EAB-AC4B-91CE-021061B54AEA}"/>
+                </a:ext>
+              </a:extLst>
+            </p:cNvPr>
+            <p:cNvSpPr/>
+            <p:nvPr/>
+          </p:nvSpPr>
+          <p:spPr>
+            <a:xfrm>
+              <a:off x="3998740" y="2071722"/>
+              <a:ext cx="720000" cy="720000"/>
+            </a:xfrm>
+            <a:prstGeom prst="rect">
+              <a:avLst/>
+            </a:prstGeom>
+            <a:solidFill>
+              <a:schemeClr val="bg1"/>
+            </a:solidFill>
+            <a:ln>
+              <a:solidFill>
+                <a:schemeClr val="tx1">
+                  <a:lumMod val="75000"/>
+                  <a:lumOff val="25000"/>
+                </a:schemeClr>
+              </a:solidFill>
+            </a:ln>
+          </p:spPr>
+          <p:style>
+            <a:lnRef idx="2">
+              <a:schemeClr val="accent1">
+                <a:shade val="50000"/>
+              </a:schemeClr>
+            </a:lnRef>
+            <a:fillRef idx="1">
+              <a:schemeClr val="accent1"/>
+            </a:fillRef>
+            <a:effectRef idx="0">
+              <a:schemeClr val="accent1"/>
+            </a:effectRef>
+            <a:fontRef idx="minor">
+              <a:schemeClr val="lt1"/>
+            </a:fontRef>
+          </p:style>
+          <p:txBody>
+            <a:bodyPr rtlCol="0" anchor="ctr"/>
+            <a:lstStyle/>
+            <a:p>
+              <a:pPr algn="ctr"/>
+              <a:r>
+                <a:rPr lang="en-GB" sz="3200" dirty="0">
+                  <a:solidFill>
+                    <a:schemeClr val="tx1"/>
+                  </a:solidFill>
+                </a:rPr>
+                <a:t>6</a:t>
+              </a:r>
+            </a:p>
+          </p:txBody>
+        </p:sp>
+      </p:grpSp>
+      <p:grpSp>
+        <p:nvGrpSpPr>
+          <p:cNvPr id="15" name="Group 14">
+            <a:extLst>
+              <a:ext uri="{FF2B5EF4-FFF2-40B4-BE49-F238E27FC236}">
+                <a16:creationId xmlns:a16="http://schemas.microsoft.com/office/drawing/2014/main" id="{1CE6E445-45BE-AF41-B4C7-CD456AEB8AE2}"/>
+              </a:ext>
+            </a:extLst>
+          </p:cNvPr>
+          <p:cNvGrpSpPr/>
+          <p:nvPr/>
+        </p:nvGrpSpPr>
+        <p:grpSpPr>
+          <a:xfrm>
+            <a:off x="7325139" y="3388069"/>
+            <a:ext cx="2154444" cy="720000"/>
+            <a:chOff x="2564296" y="2071722"/>
+            <a:chExt cx="2154444" cy="720000"/>
+          </a:xfrm>
+        </p:grpSpPr>
+        <p:sp>
+          <p:nvSpPr>
+            <p:cNvPr id="16" name="Rectangle 15">
+              <a:extLst>
+                <a:ext uri="{FF2B5EF4-FFF2-40B4-BE49-F238E27FC236}">
+                  <a16:creationId xmlns:a16="http://schemas.microsoft.com/office/drawing/2014/main" id="{29B884EB-EF09-4148-85A5-B19F30B98984}"/>
+                </a:ext>
+              </a:extLst>
+            </p:cNvPr>
+            <p:cNvSpPr/>
+            <p:nvPr/>
+          </p:nvSpPr>
+          <p:spPr>
+            <a:xfrm>
+              <a:off x="2564296" y="2071722"/>
+              <a:ext cx="720000" cy="720000"/>
+            </a:xfrm>
+            <a:prstGeom prst="rect">
+              <a:avLst/>
+            </a:prstGeom>
+            <a:solidFill>
+              <a:schemeClr val="bg1"/>
+            </a:solidFill>
+            <a:ln>
+              <a:solidFill>
+                <a:schemeClr val="tx1">
+                  <a:lumMod val="75000"/>
+                  <a:lumOff val="25000"/>
+                </a:schemeClr>
+              </a:solidFill>
+            </a:ln>
+          </p:spPr>
+          <p:style>
+            <a:lnRef idx="2">
+              <a:schemeClr val="accent1">
+                <a:shade val="50000"/>
+              </a:schemeClr>
+            </a:lnRef>
+            <a:fillRef idx="1">
+              <a:schemeClr val="accent1"/>
+            </a:fillRef>
+            <a:effectRef idx="0">
+              <a:schemeClr val="accent1"/>
+            </a:effectRef>
+            <a:fontRef idx="minor">
+              <a:schemeClr val="lt1"/>
+            </a:fontRef>
+          </p:style>
+          <p:txBody>
+            <a:bodyPr rtlCol="0" anchor="ctr"/>
+            <a:lstStyle/>
+            <a:p>
+              <a:pPr algn="ctr"/>
+              <a:r>
+                <a:rPr lang="en-GB" sz="3200" dirty="0">
+                  <a:solidFill>
+                    <a:schemeClr val="tx1"/>
+                  </a:solidFill>
+                </a:rPr>
+                <a:t>7</a:t>
+              </a:r>
+            </a:p>
+          </p:txBody>
+        </p:sp>
+        <p:sp>
+          <p:nvSpPr>
+            <p:cNvPr id="17" name="Rectangle 16">
+              <a:extLst>
+                <a:ext uri="{FF2B5EF4-FFF2-40B4-BE49-F238E27FC236}">
+                  <a16:creationId xmlns:a16="http://schemas.microsoft.com/office/drawing/2014/main" id="{F16C3502-D13C-244D-8A77-17641B431B91}"/>
+                </a:ext>
+              </a:extLst>
+            </p:cNvPr>
+            <p:cNvSpPr/>
+            <p:nvPr/>
+          </p:nvSpPr>
+          <p:spPr>
+            <a:xfrm>
+              <a:off x="3281518" y="2071722"/>
+              <a:ext cx="720000" cy="720000"/>
+            </a:xfrm>
+            <a:prstGeom prst="rect">
+              <a:avLst/>
+            </a:prstGeom>
+            <a:solidFill>
+              <a:schemeClr val="bg1"/>
+            </a:solidFill>
+            <a:ln>
+              <a:solidFill>
+                <a:schemeClr val="tx1">
+                  <a:lumMod val="75000"/>
+                  <a:lumOff val="25000"/>
+                </a:schemeClr>
+              </a:solidFill>
+            </a:ln>
+          </p:spPr>
+          <p:style>
+            <a:lnRef idx="2">
+              <a:schemeClr val="accent1">
+                <a:shade val="50000"/>
+              </a:schemeClr>
+            </a:lnRef>
+            <a:fillRef idx="1">
+              <a:schemeClr val="accent1"/>
+            </a:fillRef>
+            <a:effectRef idx="0">
+              <a:schemeClr val="accent1"/>
+            </a:effectRef>
+            <a:fontRef idx="minor">
+              <a:schemeClr val="lt1"/>
+            </a:fontRef>
+          </p:style>
+          <p:txBody>
+            <a:bodyPr rtlCol="0" anchor="ctr"/>
+            <a:lstStyle/>
+            <a:p>
+              <a:pPr algn="ctr"/>
+              <a:r>
+                <a:rPr lang="en-GB" sz="3200" dirty="0">
+                  <a:solidFill>
+                    <a:schemeClr val="tx1"/>
+                  </a:solidFill>
+                </a:rPr>
+                <a:t>8</a:t>
+              </a:r>
+            </a:p>
+          </p:txBody>
+        </p:sp>
+        <p:sp>
+          <p:nvSpPr>
+            <p:cNvPr id="18" name="Rectangle 17">
+              <a:extLst>
+                <a:ext uri="{FF2B5EF4-FFF2-40B4-BE49-F238E27FC236}">
+                  <a16:creationId xmlns:a16="http://schemas.microsoft.com/office/drawing/2014/main" id="{2D8B039A-5E8E-3B40-90FC-C43DECA61F13}"/>
+                </a:ext>
+              </a:extLst>
+            </p:cNvPr>
+            <p:cNvSpPr/>
+            <p:nvPr/>
+          </p:nvSpPr>
+          <p:spPr>
+            <a:xfrm>
+              <a:off x="3998740" y="2071722"/>
+              <a:ext cx="720000" cy="720000"/>
+            </a:xfrm>
+            <a:prstGeom prst="rect">
+              <a:avLst/>
+            </a:prstGeom>
+            <a:solidFill>
+              <a:schemeClr val="bg1"/>
+            </a:solidFill>
+            <a:ln>
+              <a:solidFill>
+                <a:schemeClr val="tx1">
+                  <a:lumMod val="75000"/>
+                  <a:lumOff val="25000"/>
+                </a:schemeClr>
+              </a:solidFill>
+            </a:ln>
+          </p:spPr>
+          <p:style>
+            <a:lnRef idx="2">
+              <a:schemeClr val="accent1">
+                <a:shade val="50000"/>
+              </a:schemeClr>
+            </a:lnRef>
+            <a:fillRef idx="1">
+              <a:schemeClr val="accent1"/>
+            </a:fillRef>
+            <a:effectRef idx="0">
+              <a:schemeClr val="accent1"/>
+            </a:effectRef>
+            <a:fontRef idx="minor">
+              <a:schemeClr val="lt1"/>
+            </a:fontRef>
+          </p:style>
+          <p:txBody>
+            <a:bodyPr rtlCol="0" anchor="ctr"/>
+            <a:lstStyle/>
+            <a:p>
+              <a:pPr algn="ctr"/>
+              <a:r>
+                <a:rPr lang="en-GB" sz="3200" dirty="0">
+                  <a:solidFill>
+                    <a:schemeClr val="tx1"/>
+                  </a:solidFill>
+                </a:rPr>
+                <a:t>9</a:t>
+              </a:r>
+            </a:p>
+          </p:txBody>
+        </p:sp>
+      </p:grpSp>
+      <p:sp>
+        <p:nvSpPr>
+          <p:cNvPr id="19" name="TextBox 18">
+            <a:extLst>
+              <a:ext uri="{FF2B5EF4-FFF2-40B4-BE49-F238E27FC236}">
+                <a16:creationId xmlns:a16="http://schemas.microsoft.com/office/drawing/2014/main" id="{4D80A885-83C1-2E49-AFC1-8D3D289139CE}"/>
+              </a:ext>
+            </a:extLst>
+          </p:cNvPr>
+          <p:cNvSpPr txBox="1"/>
+          <p:nvPr/>
+        </p:nvSpPr>
+        <p:spPr>
+          <a:xfrm>
+            <a:off x="6762471" y="2123403"/>
+            <a:ext cx="322524" cy="369332"/>
+          </a:xfrm>
+          <a:prstGeom prst="rect">
+            <a:avLst/>
+          </a:prstGeom>
+          <a:noFill/>
+        </p:spPr>
+        <p:txBody>
+          <a:bodyPr wrap="none" rtlCol="0">
+            <a:spAutoFit/>
+          </a:bodyPr>
+          <a:lstStyle/>
+          <a:p>
+            <a:r>
+              <a:rPr lang="en-GB" dirty="0">
+                <a:latin typeface="Courier New" panose="02070309020205020404" pitchFamily="49" charset="0"/>
+                <a:cs typeface="Courier New" panose="02070309020205020404" pitchFamily="49" charset="0"/>
+              </a:rPr>
+              <a:t>0</a:t>
+            </a:r>
+          </a:p>
+        </p:txBody>
+      </p:sp>
+      <p:sp>
+        <p:nvSpPr>
+          <p:cNvPr id="20" name="TextBox 19">
+            <a:extLst>
+              <a:ext uri="{FF2B5EF4-FFF2-40B4-BE49-F238E27FC236}">
+                <a16:creationId xmlns:a16="http://schemas.microsoft.com/office/drawing/2014/main" id="{F67E99D3-35C4-7D48-9DA5-6078D993866F}"/>
+              </a:ext>
+            </a:extLst>
+          </p:cNvPr>
+          <p:cNvSpPr txBox="1"/>
+          <p:nvPr/>
+        </p:nvSpPr>
+        <p:spPr>
+          <a:xfrm>
+            <a:off x="6762471" y="2843403"/>
+            <a:ext cx="322524" cy="369332"/>
+          </a:xfrm>
+          <a:prstGeom prst="rect">
+            <a:avLst/>
+          </a:prstGeom>
+          <a:noFill/>
+        </p:spPr>
+        <p:txBody>
+          <a:bodyPr wrap="none" rtlCol="0">
+            <a:spAutoFit/>
+          </a:bodyPr>
+          <a:lstStyle/>
+          <a:p>
+            <a:r>
+              <a:rPr lang="en-GB" dirty="0">
+                <a:latin typeface="Courier New" panose="02070309020205020404" pitchFamily="49" charset="0"/>
+                <a:cs typeface="Courier New" panose="02070309020205020404" pitchFamily="49" charset="0"/>
+              </a:rPr>
+              <a:t>1</a:t>
+            </a:r>
+          </a:p>
+        </p:txBody>
+      </p:sp>
+      <p:sp>
+        <p:nvSpPr>
+          <p:cNvPr id="21" name="TextBox 20">
+            <a:extLst>
+              <a:ext uri="{FF2B5EF4-FFF2-40B4-BE49-F238E27FC236}">
+                <a16:creationId xmlns:a16="http://schemas.microsoft.com/office/drawing/2014/main" id="{B5A9460A-F865-1744-AC11-6219E0579D07}"/>
+              </a:ext>
+            </a:extLst>
+          </p:cNvPr>
+          <p:cNvSpPr txBox="1"/>
+          <p:nvPr/>
+        </p:nvSpPr>
+        <p:spPr>
+          <a:xfrm>
+            <a:off x="6762471" y="3565390"/>
+            <a:ext cx="322524" cy="369332"/>
+          </a:xfrm>
+          <a:prstGeom prst="rect">
+            <a:avLst/>
+          </a:prstGeom>
+          <a:noFill/>
+        </p:spPr>
+        <p:txBody>
+          <a:bodyPr wrap="none" rtlCol="0">
+            <a:spAutoFit/>
+          </a:bodyPr>
+          <a:lstStyle/>
+          <a:p>
+            <a:r>
+              <a:rPr lang="en-GB" dirty="0">
+                <a:latin typeface="Courier New" panose="02070309020205020404" pitchFamily="49" charset="0"/>
+                <a:cs typeface="Courier New" panose="02070309020205020404" pitchFamily="49" charset="0"/>
+              </a:rPr>
+              <a:t>2</a:t>
+            </a:r>
+          </a:p>
+        </p:txBody>
+      </p:sp>
+      <p:sp>
+        <p:nvSpPr>
+          <p:cNvPr id="22" name="TextBox 21">
+            <a:extLst>
+              <a:ext uri="{FF2B5EF4-FFF2-40B4-BE49-F238E27FC236}">
+                <a16:creationId xmlns:a16="http://schemas.microsoft.com/office/drawing/2014/main" id="{D23B74F0-1ADD-1D43-82BD-058EDD67D7C2}"/>
+              </a:ext>
+            </a:extLst>
+          </p:cNvPr>
+          <p:cNvSpPr txBox="1"/>
+          <p:nvPr/>
+        </p:nvSpPr>
+        <p:spPr>
+          <a:xfrm>
+            <a:off x="7523877" y="1445917"/>
+            <a:ext cx="322524" cy="369332"/>
+          </a:xfrm>
+          <a:prstGeom prst="rect">
+            <a:avLst/>
+          </a:prstGeom>
+          <a:noFill/>
+        </p:spPr>
+        <p:txBody>
+          <a:bodyPr wrap="none" rtlCol="0">
+            <a:spAutoFit/>
+          </a:bodyPr>
+          <a:lstStyle/>
+          <a:p>
+            <a:r>
+              <a:rPr lang="en-GB" dirty="0">
+                <a:latin typeface="Courier New" panose="02070309020205020404" pitchFamily="49" charset="0"/>
+                <a:cs typeface="Courier New" panose="02070309020205020404" pitchFamily="49" charset="0"/>
+              </a:rPr>
+              <a:t>0</a:t>
+            </a:r>
+          </a:p>
+        </p:txBody>
+      </p:sp>
+      <p:sp>
+        <p:nvSpPr>
+          <p:cNvPr id="23" name="TextBox 22">
+            <a:extLst>
+              <a:ext uri="{FF2B5EF4-FFF2-40B4-BE49-F238E27FC236}">
+                <a16:creationId xmlns:a16="http://schemas.microsoft.com/office/drawing/2014/main" id="{65BAF025-32D7-6E44-A3C3-C6C9FF1A7B8F}"/>
+              </a:ext>
+            </a:extLst>
+          </p:cNvPr>
+          <p:cNvSpPr txBox="1"/>
+          <p:nvPr/>
+        </p:nvSpPr>
+        <p:spPr>
+          <a:xfrm>
+            <a:off x="8241099" y="1445917"/>
+            <a:ext cx="322524" cy="369332"/>
+          </a:xfrm>
+          <a:prstGeom prst="rect">
+            <a:avLst/>
+          </a:prstGeom>
+          <a:noFill/>
+        </p:spPr>
+        <p:txBody>
+          <a:bodyPr wrap="none" rtlCol="0">
+            <a:spAutoFit/>
+          </a:bodyPr>
+          <a:lstStyle/>
+          <a:p>
+            <a:r>
+              <a:rPr lang="en-GB" dirty="0">
+                <a:latin typeface="Courier New" panose="02070309020205020404" pitchFamily="49" charset="0"/>
+                <a:cs typeface="Courier New" panose="02070309020205020404" pitchFamily="49" charset="0"/>
+              </a:rPr>
+              <a:t>1</a:t>
+            </a:r>
+          </a:p>
+        </p:txBody>
+      </p:sp>
+      <p:sp>
+        <p:nvSpPr>
+          <p:cNvPr id="24" name="TextBox 23">
+            <a:extLst>
+              <a:ext uri="{FF2B5EF4-FFF2-40B4-BE49-F238E27FC236}">
+                <a16:creationId xmlns:a16="http://schemas.microsoft.com/office/drawing/2014/main" id="{B89F88D3-68FC-E24D-8E11-DE496CA73D69}"/>
+              </a:ext>
+            </a:extLst>
+          </p:cNvPr>
+          <p:cNvSpPr txBox="1"/>
+          <p:nvPr/>
+        </p:nvSpPr>
+        <p:spPr>
+          <a:xfrm>
+            <a:off x="8958321" y="1445917"/>
+            <a:ext cx="322524" cy="369332"/>
+          </a:xfrm>
+          <a:prstGeom prst="rect">
+            <a:avLst/>
+          </a:prstGeom>
+          <a:noFill/>
+        </p:spPr>
+        <p:txBody>
+          <a:bodyPr wrap="none" rtlCol="0">
+            <a:spAutoFit/>
+          </a:bodyPr>
+          <a:lstStyle/>
+          <a:p>
+            <a:r>
+              <a:rPr lang="en-GB" dirty="0">
+                <a:latin typeface="Courier New" panose="02070309020205020404" pitchFamily="49" charset="0"/>
+                <a:cs typeface="Courier New" panose="02070309020205020404" pitchFamily="49" charset="0"/>
+              </a:rPr>
+              <a:t>2</a:t>
+            </a:r>
+          </a:p>
+        </p:txBody>
+      </p:sp>
+      <p:sp>
+        <p:nvSpPr>
+          <p:cNvPr id="25" name="TextBox 24">
+            <a:extLst>
+              <a:ext uri="{FF2B5EF4-FFF2-40B4-BE49-F238E27FC236}">
+                <a16:creationId xmlns:a16="http://schemas.microsoft.com/office/drawing/2014/main" id="{C36AC852-1A05-654B-9EB1-F24F36852DE0}"/>
+              </a:ext>
+            </a:extLst>
+          </p:cNvPr>
+          <p:cNvSpPr txBox="1"/>
+          <p:nvPr/>
+        </p:nvSpPr>
+        <p:spPr>
+          <a:xfrm>
+            <a:off x="1599297" y="2193379"/>
+            <a:ext cx="2803973" cy="1477328"/>
+          </a:xfrm>
+          <a:prstGeom prst="rect">
+            <a:avLst/>
+          </a:prstGeom>
+          <a:noFill/>
+        </p:spPr>
+        <p:txBody>
+          <a:bodyPr wrap="none" rtlCol="0">
+            <a:spAutoFit/>
+          </a:bodyPr>
+          <a:lstStyle/>
+          <a:p>
+            <a:r>
+              <a:rPr lang="en-GB" dirty="0">
+                <a:latin typeface="Courier New" panose="02070309020205020404" pitchFamily="49" charset="0"/>
+                <a:cs typeface="Courier New" panose="02070309020205020404" pitchFamily="49" charset="0"/>
+              </a:rPr>
+              <a:t>final int[][] a = {</a:t>
+            </a:r>
+          </a:p>
+          <a:p>
+            <a:r>
+              <a:rPr lang="en-GB" dirty="0">
+                <a:latin typeface="Courier New" panose="02070309020205020404" pitchFamily="49" charset="0"/>
+                <a:cs typeface="Courier New" panose="02070309020205020404" pitchFamily="49" charset="0"/>
+              </a:rPr>
+              <a:t>  { 1, 2, 3 },</a:t>
+            </a:r>
+          </a:p>
+          <a:p>
+            <a:r>
+              <a:rPr lang="en-GB" dirty="0">
+                <a:latin typeface="Courier New" panose="02070309020205020404" pitchFamily="49" charset="0"/>
+                <a:cs typeface="Courier New" panose="02070309020205020404" pitchFamily="49" charset="0"/>
+              </a:rPr>
+              <a:t>  { 4, 5, 6 },</a:t>
+            </a:r>
+          </a:p>
+          <a:p>
+            <a:r>
+              <a:rPr lang="en-GB" dirty="0">
+                <a:latin typeface="Courier New" panose="02070309020205020404" pitchFamily="49" charset="0"/>
+                <a:cs typeface="Courier New" panose="02070309020205020404" pitchFamily="49" charset="0"/>
+              </a:rPr>
+              <a:t>  { 7, 8, 9 }</a:t>
+            </a:r>
+          </a:p>
+          <a:p>
+            <a:r>
+              <a:rPr lang="en-GB" dirty="0">
+                <a:latin typeface="Courier New" panose="02070309020205020404" pitchFamily="49" charset="0"/>
+                <a:cs typeface="Courier New" panose="02070309020205020404" pitchFamily="49" charset="0"/>
+              </a:rPr>
+              <a:t>};</a:t>
+            </a:r>
+          </a:p>
+        </p:txBody>
+      </p:sp>
+      <p:sp>
+        <p:nvSpPr>
+          <p:cNvPr id="27" name="Rounded Rectangle 26">
+            <a:extLst>
+              <a:ext uri="{FF2B5EF4-FFF2-40B4-BE49-F238E27FC236}">
+                <a16:creationId xmlns:a16="http://schemas.microsoft.com/office/drawing/2014/main" id="{FA0EC5F9-E0FD-F14B-915D-2F5317F1E713}"/>
+              </a:ext>
+            </a:extLst>
+          </p:cNvPr>
+          <p:cNvSpPr/>
+          <p:nvPr/>
+        </p:nvSpPr>
+        <p:spPr>
+          <a:xfrm>
+            <a:off x="1949570" y="3087197"/>
+            <a:ext cx="1578633" cy="251076"/>
+          </a:xfrm>
+          <a:prstGeom prst="roundRect">
+            <a:avLst/>
+          </a:prstGeom>
+          <a:noFill/>
+          <a:ln>
+            <a:solidFill>
+              <a:srgbClr val="FF0000"/>
+            </a:solidFill>
+          </a:ln>
+        </p:spPr>
+        <p:style>
+          <a:lnRef idx="2">
+            <a:schemeClr val="accent1">
+              <a:shade val="50000"/>
+            </a:schemeClr>
+          </a:lnRef>
+          <a:fillRef idx="1">
+            <a:schemeClr val="accent1"/>
+          </a:fillRef>
+          <a:effectRef idx="0">
+            <a:schemeClr val="accent1"/>
+          </a:effectRef>
+          <a:fontRef idx="minor">
+            <a:schemeClr val="lt1"/>
+          </a:fontRef>
+        </p:style>
+        <p:txBody>
+          <a:bodyPr rtlCol="0" anchor="ctr"/>
+          <a:lstStyle/>
+          <a:p>
+            <a:pPr algn="ctr"/>
+            <a:endParaRPr lang="en-GB"/>
+          </a:p>
+        </p:txBody>
+      </p:sp>
+      <p:sp>
+        <p:nvSpPr>
+          <p:cNvPr id="28" name="Rounded Rectangle 27">
+            <a:extLst>
+              <a:ext uri="{FF2B5EF4-FFF2-40B4-BE49-F238E27FC236}">
+                <a16:creationId xmlns:a16="http://schemas.microsoft.com/office/drawing/2014/main" id="{E0B7507E-E9B0-4C43-9923-D6A93C41F4B3}"/>
+              </a:ext>
+            </a:extLst>
+          </p:cNvPr>
+          <p:cNvSpPr/>
+          <p:nvPr/>
+        </p:nvSpPr>
+        <p:spPr>
+          <a:xfrm>
+            <a:off x="6702834" y="3554071"/>
+            <a:ext cx="2855234" cy="369332"/>
+          </a:xfrm>
+          <a:prstGeom prst="roundRect">
+            <a:avLst/>
+          </a:prstGeom>
+          <a:noFill/>
+          <a:ln>
+            <a:solidFill>
+              <a:srgbClr val="FF0000"/>
+            </a:solidFill>
+          </a:ln>
+        </p:spPr>
+        <p:style>
+          <a:lnRef idx="2">
+            <a:schemeClr val="accent1">
+              <a:shade val="50000"/>
+            </a:schemeClr>
+          </a:lnRef>
+          <a:fillRef idx="1">
+            <a:schemeClr val="accent1"/>
+          </a:fillRef>
+          <a:effectRef idx="0">
+            <a:schemeClr val="accent1"/>
+          </a:effectRef>
+          <a:fontRef idx="minor">
+            <a:schemeClr val="lt1"/>
+          </a:fontRef>
+        </p:style>
+        <p:txBody>
+          <a:bodyPr rtlCol="0" anchor="ctr"/>
+          <a:lstStyle/>
+          <a:p>
+            <a:pPr algn="ctr"/>
+            <a:endParaRPr lang="en-GB"/>
+          </a:p>
+        </p:txBody>
+      </p:sp>
+      <p:sp>
+        <p:nvSpPr>
+          <p:cNvPr id="30" name="TextBox 29">
+            <a:extLst>
+              <a:ext uri="{FF2B5EF4-FFF2-40B4-BE49-F238E27FC236}">
+                <a16:creationId xmlns:a16="http://schemas.microsoft.com/office/drawing/2014/main" id="{CA951DB5-13C5-7745-87DE-BCB20ADA1A67}"/>
+              </a:ext>
+            </a:extLst>
+          </p:cNvPr>
+          <p:cNvSpPr txBox="1"/>
+          <p:nvPr/>
+        </p:nvSpPr>
+        <p:spPr>
+          <a:xfrm>
+            <a:off x="4877076" y="4930433"/>
+            <a:ext cx="1043876" cy="523220"/>
+          </a:xfrm>
+          <a:prstGeom prst="rect">
+            <a:avLst/>
+          </a:prstGeom>
+          <a:noFill/>
+        </p:spPr>
+        <p:txBody>
+          <a:bodyPr wrap="none" rtlCol="0">
+            <a:spAutoFit/>
+          </a:bodyPr>
+          <a:lstStyle/>
+          <a:p>
+            <a:r>
+              <a:rPr lang="en-GB" sz="2800" dirty="0">
+                <a:solidFill>
+                  <a:srgbClr val="FF0000"/>
+                </a:solidFill>
+                <a:latin typeface="Courier New" panose="02070309020205020404" pitchFamily="49" charset="0"/>
+                <a:cs typeface="Courier New" panose="02070309020205020404" pitchFamily="49" charset="0"/>
+              </a:rPr>
+              <a:t>a[2]</a:t>
+            </a:r>
+          </a:p>
+        </p:txBody>
+      </p:sp>
+      <p:cxnSp>
+        <p:nvCxnSpPr>
+          <p:cNvPr id="38" name="Curved Connector 37">
+            <a:extLst>
+              <a:ext uri="{FF2B5EF4-FFF2-40B4-BE49-F238E27FC236}">
+                <a16:creationId xmlns:a16="http://schemas.microsoft.com/office/drawing/2014/main" id="{D72699BF-2C70-B04C-817F-96F09E0B1156}"/>
+              </a:ext>
+            </a:extLst>
+          </p:cNvPr>
+          <p:cNvCxnSpPr>
+            <a:cxnSpLocks/>
+            <a:stCxn id="27" idx="2"/>
+            <a:endCxn id="30" idx="1"/>
+          </p:cNvCxnSpPr>
+          <p:nvPr/>
+        </p:nvCxnSpPr>
+        <p:spPr>
+          <a:xfrm rot="16200000" flipH="1">
+            <a:off x="2881096" y="3196063"/>
+            <a:ext cx="1853770" cy="2138189"/>
+          </a:xfrm>
+          <a:prstGeom prst="curvedConnector2">
+            <a:avLst/>
+          </a:prstGeom>
+          <a:ln w="12700">
+            <a:solidFill>
+              <a:srgbClr val="FF0000"/>
+            </a:solidFill>
+            <a:headEnd type="none" w="med" len="med"/>
+            <a:tailEnd type="none" w="med" len="med"/>
+          </a:ln>
+        </p:spPr>
+        <p:style>
+          <a:lnRef idx="1">
+            <a:schemeClr val="accent1"/>
+          </a:lnRef>
+          <a:fillRef idx="0">
+            <a:schemeClr val="accent1"/>
+          </a:fillRef>
+          <a:effectRef idx="0">
+            <a:schemeClr val="accent1"/>
+          </a:effectRef>
+          <a:fontRef idx="minor">
+            <a:schemeClr val="tx1"/>
+          </a:fontRef>
+        </p:style>
+      </p:cxnSp>
+      <p:cxnSp>
+        <p:nvCxnSpPr>
+          <p:cNvPr id="43" name="Curved Connector 42">
+            <a:extLst>
+              <a:ext uri="{FF2B5EF4-FFF2-40B4-BE49-F238E27FC236}">
+                <a16:creationId xmlns:a16="http://schemas.microsoft.com/office/drawing/2014/main" id="{41E35E7E-4E72-3D49-A40B-4E51A807AA61}"/>
+              </a:ext>
+            </a:extLst>
+          </p:cNvPr>
+          <p:cNvCxnSpPr>
+            <a:cxnSpLocks/>
+            <a:stCxn id="30" idx="3"/>
+            <a:endCxn id="28" idx="2"/>
+          </p:cNvCxnSpPr>
+          <p:nvPr/>
+        </p:nvCxnSpPr>
+        <p:spPr>
+          <a:xfrm flipV="1">
+            <a:off x="5920952" y="3923403"/>
+            <a:ext cx="2209499" cy="1268640"/>
+          </a:xfrm>
+          <a:prstGeom prst="curvedConnector2">
+            <a:avLst/>
+          </a:prstGeom>
+          <a:ln w="12700">
+            <a:solidFill>
+              <a:srgbClr val="FF0000"/>
+            </a:solidFill>
+            <a:tailEnd type="triangle"/>
+          </a:ln>
+        </p:spPr>
+        <p:style>
+          <a:lnRef idx="1">
+            <a:schemeClr val="accent1"/>
+          </a:lnRef>
+          <a:fillRef idx="0">
+            <a:schemeClr val="accent1"/>
+          </a:fillRef>
+          <a:effectRef idx="0">
+            <a:schemeClr val="accent1"/>
+          </a:effectRef>
+          <a:fontRef idx="minor">
+            <a:schemeClr val="tx1"/>
+          </a:fontRef>
+        </p:style>
+      </p:cxnSp>
+      <p:sp>
+        <p:nvSpPr>
+          <p:cNvPr id="31" name="TextBox 30">
+            <a:extLst>
+              <a:ext uri="{FF2B5EF4-FFF2-40B4-BE49-F238E27FC236}">
+                <a16:creationId xmlns:a16="http://schemas.microsoft.com/office/drawing/2014/main" id="{C4E31C80-EEAE-1C41-A52F-2B21E518DCCD}"/>
+              </a:ext>
+            </a:extLst>
+          </p:cNvPr>
+          <p:cNvSpPr txBox="1"/>
+          <p:nvPr/>
+        </p:nvSpPr>
+        <p:spPr>
+          <a:xfrm>
+            <a:off x="6450155" y="1474290"/>
+            <a:ext cx="936475" cy="307777"/>
+          </a:xfrm>
+          <a:prstGeom prst="rect">
+            <a:avLst/>
+          </a:prstGeom>
+          <a:noFill/>
+        </p:spPr>
+        <p:txBody>
+          <a:bodyPr wrap="none" rtlCol="0">
+            <a:spAutoFit/>
+          </a:bodyPr>
+          <a:lstStyle/>
+          <a:p>
+            <a:r>
+              <a:rPr lang="en-GB" sz="1400" dirty="0">
+                <a:latin typeface="Courier New" panose="02070309020205020404" pitchFamily="49" charset="0"/>
+                <a:cs typeface="Courier New" panose="02070309020205020404" pitchFamily="49" charset="0"/>
+              </a:rPr>
+              <a:t>indices</a:t>
+            </a:r>
+          </a:p>
+        </p:txBody>
+      </p:sp>
+    </p:spTree>
+    <p:extLst>
+      <p:ext uri="{BB962C8B-B14F-4D97-AF65-F5344CB8AC3E}">
+        <p14:creationId xmlns:p14="http://schemas.microsoft.com/office/powerpoint/2010/main" val="1916739272"/>
+      </p:ext>
+    </p:extLst>
+  </p:cSld>
+  <p:clrMapOvr>
+    <a:masterClrMapping/>
+  </p:clrMapOvr>
+</p:sld>
+</file>
+
+<file path=ppt/slides/slide28.xml><?xml version="1.0" encoding="utf-8"?>
+<p:sld xmlns:a="http://schemas.openxmlformats.org/drawingml/2006/main" xmlns:r="http://schemas.openxmlformats.org/officeDocument/2006/relationships" xmlns:p="http://schemas.openxmlformats.org/presentationml/2006/main">
+  <p:cSld>
+    <p:spTree>
+      <p:nvGrpSpPr>
+        <p:cNvPr id="1" name=""/>
+        <p:cNvGrpSpPr/>
+        <p:nvPr/>
+      </p:nvGrpSpPr>
+      <p:grpSpPr>
+        <a:xfrm>
+          <a:off x="0" y="0"/>
+          <a:ext cx="0" cy="0"/>
+          <a:chOff x="0" y="0"/>
+          <a:chExt cx="0" cy="0"/>
+        </a:xfrm>
+      </p:grpSpPr>
+      <p:sp>
+        <p:nvSpPr>
+          <p:cNvPr id="32" name="Rectangle 31">
+            <a:extLst>
+              <a:ext uri="{FF2B5EF4-FFF2-40B4-BE49-F238E27FC236}">
+                <a16:creationId xmlns:a16="http://schemas.microsoft.com/office/drawing/2014/main" id="{46C2E4C0-B69E-D044-B794-9A9C25E3F150}"/>
+              </a:ext>
+            </a:extLst>
+          </p:cNvPr>
+          <p:cNvSpPr/>
+          <p:nvPr/>
+        </p:nvSpPr>
+        <p:spPr>
+          <a:xfrm>
+            <a:off x="6757068" y="1777979"/>
+            <a:ext cx="327927" cy="2330090"/>
+          </a:xfrm>
+          <a:prstGeom prst="rect">
+            <a:avLst/>
+          </a:prstGeom>
+          <a:solidFill>
+            <a:schemeClr val="bg2"/>
+          </a:solidFill>
+          <a:ln>
+            <a:noFill/>
+          </a:ln>
+        </p:spPr>
+        <p:style>
+          <a:lnRef idx="2">
+            <a:schemeClr val="accent1">
+              <a:shade val="50000"/>
+            </a:schemeClr>
+          </a:lnRef>
+          <a:fillRef idx="1">
+            <a:schemeClr val="accent1"/>
+          </a:fillRef>
+          <a:effectRef idx="0">
+            <a:schemeClr val="accent1"/>
+          </a:effectRef>
+          <a:fontRef idx="minor">
+            <a:schemeClr val="lt1"/>
+          </a:fontRef>
+        </p:style>
+        <p:txBody>
+          <a:bodyPr rtlCol="0" anchor="ctr"/>
+          <a:lstStyle/>
+          <a:p>
+            <a:pPr algn="ctr"/>
+            <a:endParaRPr lang="en-GB"/>
+          </a:p>
+        </p:txBody>
+      </p:sp>
+      <p:sp>
+        <p:nvSpPr>
+          <p:cNvPr id="2" name="Rectangle 1">
+            <a:extLst>
+              <a:ext uri="{FF2B5EF4-FFF2-40B4-BE49-F238E27FC236}">
+                <a16:creationId xmlns:a16="http://schemas.microsoft.com/office/drawing/2014/main" id="{E5B4DFBB-2BE1-734F-9A3F-61C5F71D4EA9}"/>
+              </a:ext>
+            </a:extLst>
+          </p:cNvPr>
+          <p:cNvSpPr/>
+          <p:nvPr/>
+        </p:nvSpPr>
+        <p:spPr>
+          <a:xfrm>
+            <a:off x="6450155" y="1445917"/>
+            <a:ext cx="3029428" cy="336150"/>
+          </a:xfrm>
+          <a:prstGeom prst="rect">
+            <a:avLst/>
+          </a:prstGeom>
+          <a:solidFill>
+            <a:schemeClr val="bg2"/>
+          </a:solidFill>
+          <a:ln>
+            <a:noFill/>
+          </a:ln>
+        </p:spPr>
+        <p:style>
+          <a:lnRef idx="2">
+            <a:schemeClr val="accent1">
+              <a:shade val="50000"/>
+            </a:schemeClr>
+          </a:lnRef>
+          <a:fillRef idx="1">
+            <a:schemeClr val="accent1"/>
+          </a:fillRef>
+          <a:effectRef idx="0">
+            <a:schemeClr val="accent1"/>
+          </a:effectRef>
+          <a:fontRef idx="minor">
+            <a:schemeClr val="lt1"/>
+          </a:fontRef>
+        </p:style>
+        <p:txBody>
+          <a:bodyPr rtlCol="0" anchor="ctr"/>
+          <a:lstStyle/>
+          <a:p>
+            <a:pPr algn="ctr"/>
+            <a:endParaRPr lang="en-GB"/>
+          </a:p>
+        </p:txBody>
+      </p:sp>
+      <p:sp>
+        <p:nvSpPr>
+          <p:cNvPr id="26" name="Rectangle 25">
+            <a:extLst>
+              <a:ext uri="{FF2B5EF4-FFF2-40B4-BE49-F238E27FC236}">
+                <a16:creationId xmlns:a16="http://schemas.microsoft.com/office/drawing/2014/main" id="{C10B2FB1-BFAB-CD41-A53D-885968651722}"/>
+              </a:ext>
+            </a:extLst>
+          </p:cNvPr>
+          <p:cNvSpPr/>
+          <p:nvPr/>
+        </p:nvSpPr>
+        <p:spPr>
+          <a:xfrm>
+            <a:off x="1381540" y="1445917"/>
+            <a:ext cx="4303644" cy="2662152"/>
+          </a:xfrm>
+          <a:prstGeom prst="rect">
+            <a:avLst/>
+          </a:prstGeom>
+          <a:solidFill>
+            <a:schemeClr val="bg2">
+              <a:lumMod val="90000"/>
+            </a:schemeClr>
+          </a:solidFill>
+          <a:ln>
+            <a:solidFill>
+              <a:schemeClr val="tx1">
+                <a:lumMod val="75000"/>
+                <a:lumOff val="25000"/>
+              </a:schemeClr>
+            </a:solidFill>
+          </a:ln>
+        </p:spPr>
+        <p:style>
+          <a:lnRef idx="2">
+            <a:schemeClr val="accent1">
+              <a:shade val="50000"/>
+            </a:schemeClr>
+          </a:lnRef>
+          <a:fillRef idx="1">
+            <a:schemeClr val="accent1"/>
+          </a:fillRef>
+          <a:effectRef idx="0">
+            <a:schemeClr val="accent1"/>
+          </a:effectRef>
+          <a:fontRef idx="minor">
+            <a:schemeClr val="lt1"/>
+          </a:fontRef>
+        </p:style>
+        <p:txBody>
+          <a:bodyPr rtlCol="0" anchor="ctr"/>
+          <a:lstStyle/>
+          <a:p>
+            <a:pPr algn="ctr"/>
+            <a:endParaRPr lang="en-GB"/>
+          </a:p>
+        </p:txBody>
+      </p:sp>
+      <p:grpSp>
+        <p:nvGrpSpPr>
+          <p:cNvPr id="14" name="Group 13">
+            <a:extLst>
+              <a:ext uri="{FF2B5EF4-FFF2-40B4-BE49-F238E27FC236}">
+                <a16:creationId xmlns:a16="http://schemas.microsoft.com/office/drawing/2014/main" id="{20A32532-B098-ED4F-9B5E-59D1AB004C32}"/>
+              </a:ext>
+            </a:extLst>
+          </p:cNvPr>
+          <p:cNvGrpSpPr/>
+          <p:nvPr/>
+        </p:nvGrpSpPr>
+        <p:grpSpPr>
+          <a:xfrm>
+            <a:off x="7325139" y="1948069"/>
+            <a:ext cx="2154444" cy="720000"/>
+            <a:chOff x="2564296" y="1351722"/>
+            <a:chExt cx="2154444" cy="720000"/>
+          </a:xfrm>
+        </p:grpSpPr>
+        <p:sp>
+          <p:nvSpPr>
+            <p:cNvPr id="4" name="Rectangle 3">
+              <a:extLst>
+                <a:ext uri="{FF2B5EF4-FFF2-40B4-BE49-F238E27FC236}">
+                  <a16:creationId xmlns:a16="http://schemas.microsoft.com/office/drawing/2014/main" id="{F6681D0E-277C-C447-9BD8-28211386C6EC}"/>
+                </a:ext>
+              </a:extLst>
+            </p:cNvPr>
+            <p:cNvSpPr/>
+            <p:nvPr/>
+          </p:nvSpPr>
+          <p:spPr>
+            <a:xfrm>
+              <a:off x="2564296" y="1351722"/>
+              <a:ext cx="720000" cy="720000"/>
+            </a:xfrm>
+            <a:prstGeom prst="rect">
+              <a:avLst/>
+            </a:prstGeom>
+            <a:solidFill>
+              <a:schemeClr val="bg1"/>
+            </a:solidFill>
+            <a:ln>
+              <a:solidFill>
+                <a:schemeClr val="tx1">
+                  <a:lumMod val="75000"/>
+                  <a:lumOff val="25000"/>
+                </a:schemeClr>
+              </a:solidFill>
+            </a:ln>
+          </p:spPr>
+          <p:style>
+            <a:lnRef idx="2">
+              <a:schemeClr val="accent1">
+                <a:shade val="50000"/>
+              </a:schemeClr>
+            </a:lnRef>
+            <a:fillRef idx="1">
+              <a:schemeClr val="accent1"/>
+            </a:fillRef>
+            <a:effectRef idx="0">
+              <a:schemeClr val="accent1"/>
+            </a:effectRef>
+            <a:fontRef idx="minor">
+              <a:schemeClr val="lt1"/>
+            </a:fontRef>
+          </p:style>
+          <p:txBody>
+            <a:bodyPr rtlCol="0" anchor="ctr"/>
+            <a:lstStyle/>
+            <a:p>
+              <a:pPr algn="ctr"/>
+              <a:r>
+                <a:rPr lang="en-GB" sz="3200" dirty="0">
+                  <a:solidFill>
+                    <a:schemeClr val="tx1"/>
+                  </a:solidFill>
+                </a:rPr>
+                <a:t>1</a:t>
+              </a:r>
+            </a:p>
+          </p:txBody>
+        </p:sp>
+        <p:sp>
+          <p:nvSpPr>
+            <p:cNvPr id="5" name="Rectangle 4">
+              <a:extLst>
+                <a:ext uri="{FF2B5EF4-FFF2-40B4-BE49-F238E27FC236}">
+                  <a16:creationId xmlns:a16="http://schemas.microsoft.com/office/drawing/2014/main" id="{F61B2204-1961-5B4C-8D81-87B7C2D3DAFA}"/>
+                </a:ext>
+              </a:extLst>
+            </p:cNvPr>
+            <p:cNvSpPr/>
+            <p:nvPr/>
+          </p:nvSpPr>
+          <p:spPr>
+            <a:xfrm>
+              <a:off x="3281518" y="1351722"/>
+              <a:ext cx="720000" cy="720000"/>
+            </a:xfrm>
+            <a:prstGeom prst="rect">
+              <a:avLst/>
+            </a:prstGeom>
+            <a:solidFill>
+              <a:schemeClr val="bg1"/>
+            </a:solidFill>
+            <a:ln>
+              <a:solidFill>
+                <a:schemeClr val="tx1">
+                  <a:lumMod val="75000"/>
+                  <a:lumOff val="25000"/>
+                </a:schemeClr>
+              </a:solidFill>
+            </a:ln>
+          </p:spPr>
+          <p:style>
+            <a:lnRef idx="2">
+              <a:schemeClr val="accent1">
+                <a:shade val="50000"/>
+              </a:schemeClr>
+            </a:lnRef>
+            <a:fillRef idx="1">
+              <a:schemeClr val="accent1"/>
+            </a:fillRef>
+            <a:effectRef idx="0">
+              <a:schemeClr val="accent1"/>
+            </a:effectRef>
+            <a:fontRef idx="minor">
+              <a:schemeClr val="lt1"/>
+            </a:fontRef>
+          </p:style>
+          <p:txBody>
+            <a:bodyPr rtlCol="0" anchor="ctr"/>
+            <a:lstStyle/>
+            <a:p>
+              <a:pPr algn="ctr"/>
+              <a:r>
+                <a:rPr lang="en-GB" sz="3200" dirty="0">
+                  <a:solidFill>
+                    <a:schemeClr val="tx1"/>
+                  </a:solidFill>
+                </a:rPr>
+                <a:t>2</a:t>
+              </a:r>
+            </a:p>
+          </p:txBody>
+        </p:sp>
+        <p:sp>
+          <p:nvSpPr>
+            <p:cNvPr id="6" name="Rectangle 5">
+              <a:extLst>
+                <a:ext uri="{FF2B5EF4-FFF2-40B4-BE49-F238E27FC236}">
+                  <a16:creationId xmlns:a16="http://schemas.microsoft.com/office/drawing/2014/main" id="{A5A9CF09-03B2-9F4E-BECE-6D48472086CA}"/>
+                </a:ext>
+              </a:extLst>
+            </p:cNvPr>
+            <p:cNvSpPr/>
+            <p:nvPr/>
+          </p:nvSpPr>
+          <p:spPr>
+            <a:xfrm>
+              <a:off x="3998740" y="1351722"/>
+              <a:ext cx="720000" cy="720000"/>
+            </a:xfrm>
+            <a:prstGeom prst="rect">
+              <a:avLst/>
+            </a:prstGeom>
+            <a:solidFill>
+              <a:schemeClr val="bg1"/>
+            </a:solidFill>
+            <a:ln>
+              <a:solidFill>
+                <a:schemeClr val="tx1">
+                  <a:lumMod val="75000"/>
+                  <a:lumOff val="25000"/>
+                </a:schemeClr>
+              </a:solidFill>
+            </a:ln>
+          </p:spPr>
+          <p:style>
+            <a:lnRef idx="2">
+              <a:schemeClr val="accent1">
+                <a:shade val="50000"/>
+              </a:schemeClr>
+            </a:lnRef>
+            <a:fillRef idx="1">
+              <a:schemeClr val="accent1"/>
+            </a:fillRef>
+            <a:effectRef idx="0">
+              <a:schemeClr val="accent1"/>
+            </a:effectRef>
+            <a:fontRef idx="minor">
+              <a:schemeClr val="lt1"/>
+            </a:fontRef>
+          </p:style>
+          <p:txBody>
+            <a:bodyPr rtlCol="0" anchor="ctr"/>
+            <a:lstStyle/>
+            <a:p>
+              <a:pPr algn="ctr"/>
+              <a:r>
+                <a:rPr lang="en-GB" sz="3200" dirty="0">
+                  <a:solidFill>
+                    <a:schemeClr val="tx1"/>
+                  </a:solidFill>
+                </a:rPr>
+                <a:t>3</a:t>
+              </a:r>
+            </a:p>
+          </p:txBody>
+        </p:sp>
+      </p:grpSp>
+      <p:grpSp>
+        <p:nvGrpSpPr>
+          <p:cNvPr id="13" name="Group 12">
+            <a:extLst>
+              <a:ext uri="{FF2B5EF4-FFF2-40B4-BE49-F238E27FC236}">
+                <a16:creationId xmlns:a16="http://schemas.microsoft.com/office/drawing/2014/main" id="{30DEA05E-8EA5-3749-8B5D-C6D865D40500}"/>
+              </a:ext>
+            </a:extLst>
+          </p:cNvPr>
+          <p:cNvGrpSpPr/>
+          <p:nvPr/>
+        </p:nvGrpSpPr>
+        <p:grpSpPr>
+          <a:xfrm>
+            <a:off x="7325139" y="2668069"/>
+            <a:ext cx="2154444" cy="720000"/>
+            <a:chOff x="2564296" y="2071722"/>
+            <a:chExt cx="2154444" cy="720000"/>
+          </a:xfrm>
+        </p:grpSpPr>
+        <p:sp>
+          <p:nvSpPr>
+            <p:cNvPr id="7" name="Rectangle 6">
+              <a:extLst>
+                <a:ext uri="{FF2B5EF4-FFF2-40B4-BE49-F238E27FC236}">
+                  <a16:creationId xmlns:a16="http://schemas.microsoft.com/office/drawing/2014/main" id="{8954146E-1083-6C4D-A1C1-D2B55D1AA7E4}"/>
+                </a:ext>
+              </a:extLst>
+            </p:cNvPr>
+            <p:cNvSpPr/>
+            <p:nvPr/>
+          </p:nvSpPr>
+          <p:spPr>
+            <a:xfrm>
+              <a:off x="2564296" y="2071722"/>
+              <a:ext cx="720000" cy="720000"/>
+            </a:xfrm>
+            <a:prstGeom prst="rect">
+              <a:avLst/>
+            </a:prstGeom>
+            <a:solidFill>
+              <a:schemeClr val="bg1"/>
+            </a:solidFill>
+            <a:ln>
+              <a:solidFill>
+                <a:schemeClr val="tx1">
+                  <a:lumMod val="75000"/>
+                  <a:lumOff val="25000"/>
+                </a:schemeClr>
+              </a:solidFill>
+            </a:ln>
+          </p:spPr>
+          <p:style>
+            <a:lnRef idx="2">
+              <a:schemeClr val="accent1">
+                <a:shade val="50000"/>
+              </a:schemeClr>
+            </a:lnRef>
+            <a:fillRef idx="1">
+              <a:schemeClr val="accent1"/>
+            </a:fillRef>
+            <a:effectRef idx="0">
+              <a:schemeClr val="accent1"/>
+            </a:effectRef>
+            <a:fontRef idx="minor">
+              <a:schemeClr val="lt1"/>
+            </a:fontRef>
+          </p:style>
+          <p:txBody>
+            <a:bodyPr rtlCol="0" anchor="ctr"/>
+            <a:lstStyle/>
+            <a:p>
+              <a:pPr algn="ctr"/>
+              <a:r>
+                <a:rPr lang="en-GB" sz="3200" dirty="0">
+                  <a:solidFill>
+                    <a:schemeClr val="tx1"/>
+                  </a:solidFill>
+                </a:rPr>
+                <a:t>4</a:t>
+              </a:r>
+            </a:p>
+          </p:txBody>
+        </p:sp>
+        <p:sp>
+          <p:nvSpPr>
+            <p:cNvPr id="8" name="Rectangle 7">
+              <a:extLst>
+                <a:ext uri="{FF2B5EF4-FFF2-40B4-BE49-F238E27FC236}">
+                  <a16:creationId xmlns:a16="http://schemas.microsoft.com/office/drawing/2014/main" id="{0D8C368F-300E-1E41-B4F7-FB6D74ABC674}"/>
+                </a:ext>
+              </a:extLst>
+            </p:cNvPr>
+            <p:cNvSpPr/>
+            <p:nvPr/>
+          </p:nvSpPr>
+          <p:spPr>
+            <a:xfrm>
+              <a:off x="3281518" y="2071722"/>
+              <a:ext cx="720000" cy="720000"/>
+            </a:xfrm>
+            <a:prstGeom prst="rect">
+              <a:avLst/>
+            </a:prstGeom>
+            <a:solidFill>
+              <a:schemeClr val="bg1"/>
+            </a:solidFill>
+            <a:ln>
+              <a:solidFill>
+                <a:schemeClr val="tx1">
+                  <a:lumMod val="75000"/>
+                  <a:lumOff val="25000"/>
+                </a:schemeClr>
+              </a:solidFill>
+            </a:ln>
+          </p:spPr>
+          <p:style>
+            <a:lnRef idx="2">
+              <a:schemeClr val="accent1">
+                <a:shade val="50000"/>
+              </a:schemeClr>
+            </a:lnRef>
+            <a:fillRef idx="1">
+              <a:schemeClr val="accent1"/>
+            </a:fillRef>
+            <a:effectRef idx="0">
+              <a:schemeClr val="accent1"/>
+            </a:effectRef>
+            <a:fontRef idx="minor">
+              <a:schemeClr val="lt1"/>
+            </a:fontRef>
+          </p:style>
+          <p:txBody>
+            <a:bodyPr rtlCol="0" anchor="ctr"/>
+            <a:lstStyle/>
+            <a:p>
+              <a:pPr algn="ctr"/>
+              <a:r>
+                <a:rPr lang="en-GB" sz="3200" dirty="0">
+                  <a:solidFill>
+                    <a:schemeClr val="tx1"/>
+                  </a:solidFill>
+                </a:rPr>
+                <a:t>5</a:t>
+              </a:r>
+            </a:p>
+          </p:txBody>
+        </p:sp>
+        <p:sp>
+          <p:nvSpPr>
+            <p:cNvPr id="9" name="Rectangle 8">
+              <a:extLst>
+                <a:ext uri="{FF2B5EF4-FFF2-40B4-BE49-F238E27FC236}">
+                  <a16:creationId xmlns:a16="http://schemas.microsoft.com/office/drawing/2014/main" id="{A6A2E386-1EAB-AC4B-91CE-021061B54AEA}"/>
+                </a:ext>
+              </a:extLst>
+            </p:cNvPr>
+            <p:cNvSpPr/>
+            <p:nvPr/>
+          </p:nvSpPr>
+          <p:spPr>
+            <a:xfrm>
+              <a:off x="3998740" y="2071722"/>
+              <a:ext cx="720000" cy="720000"/>
+            </a:xfrm>
+            <a:prstGeom prst="rect">
+              <a:avLst/>
+            </a:prstGeom>
+            <a:solidFill>
+              <a:schemeClr val="bg1"/>
+            </a:solidFill>
+            <a:ln>
+              <a:solidFill>
+                <a:schemeClr val="tx1">
+                  <a:lumMod val="75000"/>
+                  <a:lumOff val="25000"/>
+                </a:schemeClr>
+              </a:solidFill>
+            </a:ln>
+          </p:spPr>
+          <p:style>
+            <a:lnRef idx="2">
+              <a:schemeClr val="accent1">
+                <a:shade val="50000"/>
+              </a:schemeClr>
+            </a:lnRef>
+            <a:fillRef idx="1">
+              <a:schemeClr val="accent1"/>
+            </a:fillRef>
+            <a:effectRef idx="0">
+              <a:schemeClr val="accent1"/>
+            </a:effectRef>
+            <a:fontRef idx="minor">
+              <a:schemeClr val="lt1"/>
+            </a:fontRef>
+          </p:style>
+          <p:txBody>
+            <a:bodyPr rtlCol="0" anchor="ctr"/>
+            <a:lstStyle/>
+            <a:p>
+              <a:pPr algn="ctr"/>
+              <a:r>
+                <a:rPr lang="en-GB" sz="3200" dirty="0">
+                  <a:solidFill>
+                    <a:schemeClr val="tx1"/>
+                  </a:solidFill>
+                </a:rPr>
+                <a:t>6</a:t>
+              </a:r>
+            </a:p>
+          </p:txBody>
+        </p:sp>
+      </p:grpSp>
+      <p:grpSp>
+        <p:nvGrpSpPr>
+          <p:cNvPr id="15" name="Group 14">
+            <a:extLst>
+              <a:ext uri="{FF2B5EF4-FFF2-40B4-BE49-F238E27FC236}">
+                <a16:creationId xmlns:a16="http://schemas.microsoft.com/office/drawing/2014/main" id="{1CE6E445-45BE-AF41-B4C7-CD456AEB8AE2}"/>
+              </a:ext>
+            </a:extLst>
+          </p:cNvPr>
+          <p:cNvGrpSpPr/>
+          <p:nvPr/>
+        </p:nvGrpSpPr>
+        <p:grpSpPr>
+          <a:xfrm>
+            <a:off x="7325139" y="3388069"/>
+            <a:ext cx="2154444" cy="720000"/>
+            <a:chOff x="2564296" y="2071722"/>
+            <a:chExt cx="2154444" cy="720000"/>
+          </a:xfrm>
+        </p:grpSpPr>
+        <p:sp>
+          <p:nvSpPr>
+            <p:cNvPr id="16" name="Rectangle 15">
+              <a:extLst>
+                <a:ext uri="{FF2B5EF4-FFF2-40B4-BE49-F238E27FC236}">
+                  <a16:creationId xmlns:a16="http://schemas.microsoft.com/office/drawing/2014/main" id="{29B884EB-EF09-4148-85A5-B19F30B98984}"/>
+                </a:ext>
+              </a:extLst>
+            </p:cNvPr>
+            <p:cNvSpPr/>
+            <p:nvPr/>
+          </p:nvSpPr>
+          <p:spPr>
+            <a:xfrm>
+              <a:off x="2564296" y="2071722"/>
+              <a:ext cx="720000" cy="720000"/>
+            </a:xfrm>
+            <a:prstGeom prst="rect">
+              <a:avLst/>
+            </a:prstGeom>
+            <a:solidFill>
+              <a:schemeClr val="bg1"/>
+            </a:solidFill>
+            <a:ln>
+              <a:solidFill>
+                <a:schemeClr val="tx1">
+                  <a:lumMod val="75000"/>
+                  <a:lumOff val="25000"/>
+                </a:schemeClr>
+              </a:solidFill>
+            </a:ln>
+          </p:spPr>
+          <p:style>
+            <a:lnRef idx="2">
+              <a:schemeClr val="accent1">
+                <a:shade val="50000"/>
+              </a:schemeClr>
+            </a:lnRef>
+            <a:fillRef idx="1">
+              <a:schemeClr val="accent1"/>
+            </a:fillRef>
+            <a:effectRef idx="0">
+              <a:schemeClr val="accent1"/>
+            </a:effectRef>
+            <a:fontRef idx="minor">
+              <a:schemeClr val="lt1"/>
+            </a:fontRef>
+          </p:style>
+          <p:txBody>
+            <a:bodyPr rtlCol="0" anchor="ctr"/>
+            <a:lstStyle/>
+            <a:p>
+              <a:pPr algn="ctr"/>
+              <a:r>
+                <a:rPr lang="en-GB" sz="3200" dirty="0">
+                  <a:solidFill>
+                    <a:schemeClr val="tx1"/>
+                  </a:solidFill>
+                </a:rPr>
+                <a:t>7</a:t>
+              </a:r>
+            </a:p>
+          </p:txBody>
+        </p:sp>
+        <p:sp>
+          <p:nvSpPr>
+            <p:cNvPr id="17" name="Rectangle 16">
+              <a:extLst>
+                <a:ext uri="{FF2B5EF4-FFF2-40B4-BE49-F238E27FC236}">
+                  <a16:creationId xmlns:a16="http://schemas.microsoft.com/office/drawing/2014/main" id="{F16C3502-D13C-244D-8A77-17641B431B91}"/>
+                </a:ext>
+              </a:extLst>
+            </p:cNvPr>
+            <p:cNvSpPr/>
+            <p:nvPr/>
+          </p:nvSpPr>
+          <p:spPr>
+            <a:xfrm>
+              <a:off x="3281518" y="2071722"/>
+              <a:ext cx="720000" cy="720000"/>
+            </a:xfrm>
+            <a:prstGeom prst="rect">
+              <a:avLst/>
+            </a:prstGeom>
+            <a:solidFill>
+              <a:schemeClr val="bg1"/>
+            </a:solidFill>
+            <a:ln>
+              <a:solidFill>
+                <a:schemeClr val="tx1">
+                  <a:lumMod val="75000"/>
+                  <a:lumOff val="25000"/>
+                </a:schemeClr>
+              </a:solidFill>
+            </a:ln>
+          </p:spPr>
+          <p:style>
+            <a:lnRef idx="2">
+              <a:schemeClr val="accent1">
+                <a:shade val="50000"/>
+              </a:schemeClr>
+            </a:lnRef>
+            <a:fillRef idx="1">
+              <a:schemeClr val="accent1"/>
+            </a:fillRef>
+            <a:effectRef idx="0">
+              <a:schemeClr val="accent1"/>
+            </a:effectRef>
+            <a:fontRef idx="minor">
+              <a:schemeClr val="lt1"/>
+            </a:fontRef>
+          </p:style>
+          <p:txBody>
+            <a:bodyPr rtlCol="0" anchor="ctr"/>
+            <a:lstStyle/>
+            <a:p>
+              <a:pPr algn="ctr"/>
+              <a:r>
+                <a:rPr lang="en-GB" sz="3200" dirty="0">
+                  <a:solidFill>
+                    <a:schemeClr val="tx1"/>
+                  </a:solidFill>
+                </a:rPr>
+                <a:t>8</a:t>
+              </a:r>
+            </a:p>
+          </p:txBody>
+        </p:sp>
+        <p:sp>
+          <p:nvSpPr>
+            <p:cNvPr id="18" name="Rectangle 17">
+              <a:extLst>
+                <a:ext uri="{FF2B5EF4-FFF2-40B4-BE49-F238E27FC236}">
+                  <a16:creationId xmlns:a16="http://schemas.microsoft.com/office/drawing/2014/main" id="{2D8B039A-5E8E-3B40-90FC-C43DECA61F13}"/>
+                </a:ext>
+              </a:extLst>
+            </p:cNvPr>
+            <p:cNvSpPr/>
+            <p:nvPr/>
+          </p:nvSpPr>
+          <p:spPr>
+            <a:xfrm>
+              <a:off x="3998740" y="2071722"/>
+              <a:ext cx="720000" cy="720000"/>
+            </a:xfrm>
+            <a:prstGeom prst="rect">
+              <a:avLst/>
+            </a:prstGeom>
+            <a:solidFill>
+              <a:schemeClr val="bg1"/>
+            </a:solidFill>
+            <a:ln>
+              <a:solidFill>
+                <a:schemeClr val="tx1">
+                  <a:lumMod val="75000"/>
+                  <a:lumOff val="25000"/>
+                </a:schemeClr>
+              </a:solidFill>
+            </a:ln>
+          </p:spPr>
+          <p:style>
+            <a:lnRef idx="2">
+              <a:schemeClr val="accent1">
+                <a:shade val="50000"/>
+              </a:schemeClr>
+            </a:lnRef>
+            <a:fillRef idx="1">
+              <a:schemeClr val="accent1"/>
+            </a:fillRef>
+            <a:effectRef idx="0">
+              <a:schemeClr val="accent1"/>
+            </a:effectRef>
+            <a:fontRef idx="minor">
+              <a:schemeClr val="lt1"/>
+            </a:fontRef>
+          </p:style>
+          <p:txBody>
+            <a:bodyPr rtlCol="0" anchor="ctr"/>
+            <a:lstStyle/>
+            <a:p>
+              <a:pPr algn="ctr"/>
+              <a:r>
+                <a:rPr lang="en-GB" sz="3200" dirty="0">
+                  <a:solidFill>
+                    <a:schemeClr val="tx1"/>
+                  </a:solidFill>
+                </a:rPr>
+                <a:t>9</a:t>
+              </a:r>
+            </a:p>
+          </p:txBody>
+        </p:sp>
+      </p:grpSp>
+      <p:sp>
+        <p:nvSpPr>
+          <p:cNvPr id="19" name="TextBox 18">
+            <a:extLst>
+              <a:ext uri="{FF2B5EF4-FFF2-40B4-BE49-F238E27FC236}">
+                <a16:creationId xmlns:a16="http://schemas.microsoft.com/office/drawing/2014/main" id="{4D80A885-83C1-2E49-AFC1-8D3D289139CE}"/>
+              </a:ext>
+            </a:extLst>
+          </p:cNvPr>
+          <p:cNvSpPr txBox="1"/>
+          <p:nvPr/>
+        </p:nvSpPr>
+        <p:spPr>
+          <a:xfrm>
+            <a:off x="6762471" y="2123403"/>
+            <a:ext cx="322524" cy="369332"/>
+          </a:xfrm>
+          <a:prstGeom prst="rect">
+            <a:avLst/>
+          </a:prstGeom>
+          <a:noFill/>
+        </p:spPr>
+        <p:txBody>
+          <a:bodyPr wrap="none" rtlCol="0">
+            <a:spAutoFit/>
+          </a:bodyPr>
+          <a:lstStyle/>
+          <a:p>
+            <a:r>
+              <a:rPr lang="en-GB" dirty="0">
+                <a:latin typeface="Courier New" panose="02070309020205020404" pitchFamily="49" charset="0"/>
+                <a:cs typeface="Courier New" panose="02070309020205020404" pitchFamily="49" charset="0"/>
+              </a:rPr>
+              <a:t>0</a:t>
+            </a:r>
+          </a:p>
+        </p:txBody>
+      </p:sp>
+      <p:sp>
+        <p:nvSpPr>
+          <p:cNvPr id="20" name="TextBox 19">
+            <a:extLst>
+              <a:ext uri="{FF2B5EF4-FFF2-40B4-BE49-F238E27FC236}">
+                <a16:creationId xmlns:a16="http://schemas.microsoft.com/office/drawing/2014/main" id="{F67E99D3-35C4-7D48-9DA5-6078D993866F}"/>
+              </a:ext>
+            </a:extLst>
+          </p:cNvPr>
+          <p:cNvSpPr txBox="1"/>
+          <p:nvPr/>
+        </p:nvSpPr>
+        <p:spPr>
+          <a:xfrm>
+            <a:off x="6762471" y="2843403"/>
+            <a:ext cx="322524" cy="369332"/>
+          </a:xfrm>
+          <a:prstGeom prst="rect">
+            <a:avLst/>
+          </a:prstGeom>
+          <a:noFill/>
+        </p:spPr>
+        <p:txBody>
+          <a:bodyPr wrap="none" rtlCol="0">
+            <a:spAutoFit/>
+          </a:bodyPr>
+          <a:lstStyle/>
+          <a:p>
+            <a:r>
+              <a:rPr lang="en-GB" dirty="0">
+                <a:latin typeface="Courier New" panose="02070309020205020404" pitchFamily="49" charset="0"/>
+                <a:cs typeface="Courier New" panose="02070309020205020404" pitchFamily="49" charset="0"/>
+              </a:rPr>
+              <a:t>1</a:t>
+            </a:r>
+          </a:p>
+        </p:txBody>
+      </p:sp>
+      <p:sp>
+        <p:nvSpPr>
+          <p:cNvPr id="21" name="TextBox 20">
+            <a:extLst>
+              <a:ext uri="{FF2B5EF4-FFF2-40B4-BE49-F238E27FC236}">
+                <a16:creationId xmlns:a16="http://schemas.microsoft.com/office/drawing/2014/main" id="{B5A9460A-F865-1744-AC11-6219E0579D07}"/>
+              </a:ext>
+            </a:extLst>
+          </p:cNvPr>
+          <p:cNvSpPr txBox="1"/>
+          <p:nvPr/>
+        </p:nvSpPr>
+        <p:spPr>
+          <a:xfrm>
+            <a:off x="6762471" y="3565390"/>
+            <a:ext cx="322524" cy="369332"/>
+          </a:xfrm>
+          <a:prstGeom prst="rect">
+            <a:avLst/>
+          </a:prstGeom>
+          <a:noFill/>
+        </p:spPr>
+        <p:txBody>
+          <a:bodyPr wrap="none" rtlCol="0">
+            <a:spAutoFit/>
+          </a:bodyPr>
+          <a:lstStyle/>
+          <a:p>
+            <a:r>
+              <a:rPr lang="en-GB" dirty="0">
+                <a:latin typeface="Courier New" panose="02070309020205020404" pitchFamily="49" charset="0"/>
+                <a:cs typeface="Courier New" panose="02070309020205020404" pitchFamily="49" charset="0"/>
+              </a:rPr>
+              <a:t>2</a:t>
+            </a:r>
+          </a:p>
+        </p:txBody>
+      </p:sp>
+      <p:sp>
+        <p:nvSpPr>
+          <p:cNvPr id="22" name="TextBox 21">
+            <a:extLst>
+              <a:ext uri="{FF2B5EF4-FFF2-40B4-BE49-F238E27FC236}">
+                <a16:creationId xmlns:a16="http://schemas.microsoft.com/office/drawing/2014/main" id="{D23B74F0-1ADD-1D43-82BD-058EDD67D7C2}"/>
+              </a:ext>
+            </a:extLst>
+          </p:cNvPr>
+          <p:cNvSpPr txBox="1"/>
+          <p:nvPr/>
+        </p:nvSpPr>
+        <p:spPr>
+          <a:xfrm>
+            <a:off x="7523877" y="1445917"/>
+            <a:ext cx="322524" cy="369332"/>
+          </a:xfrm>
+          <a:prstGeom prst="rect">
+            <a:avLst/>
+          </a:prstGeom>
+          <a:noFill/>
+        </p:spPr>
+        <p:txBody>
+          <a:bodyPr wrap="none" rtlCol="0">
+            <a:spAutoFit/>
+          </a:bodyPr>
+          <a:lstStyle/>
+          <a:p>
+            <a:r>
+              <a:rPr lang="en-GB" dirty="0">
+                <a:latin typeface="Courier New" panose="02070309020205020404" pitchFamily="49" charset="0"/>
+                <a:cs typeface="Courier New" panose="02070309020205020404" pitchFamily="49" charset="0"/>
+              </a:rPr>
+              <a:t>0</a:t>
+            </a:r>
+          </a:p>
+        </p:txBody>
+      </p:sp>
+      <p:sp>
+        <p:nvSpPr>
+          <p:cNvPr id="23" name="TextBox 22">
+            <a:extLst>
+              <a:ext uri="{FF2B5EF4-FFF2-40B4-BE49-F238E27FC236}">
+                <a16:creationId xmlns:a16="http://schemas.microsoft.com/office/drawing/2014/main" id="{65BAF025-32D7-6E44-A3C3-C6C9FF1A7B8F}"/>
+              </a:ext>
+            </a:extLst>
+          </p:cNvPr>
+          <p:cNvSpPr txBox="1"/>
+          <p:nvPr/>
+        </p:nvSpPr>
+        <p:spPr>
+          <a:xfrm>
+            <a:off x="8241099" y="1445917"/>
+            <a:ext cx="322524" cy="369332"/>
+          </a:xfrm>
+          <a:prstGeom prst="rect">
+            <a:avLst/>
+          </a:prstGeom>
+          <a:noFill/>
+        </p:spPr>
+        <p:txBody>
+          <a:bodyPr wrap="none" rtlCol="0">
+            <a:spAutoFit/>
+          </a:bodyPr>
+          <a:lstStyle/>
+          <a:p>
+            <a:r>
+              <a:rPr lang="en-GB" dirty="0">
+                <a:latin typeface="Courier New" panose="02070309020205020404" pitchFamily="49" charset="0"/>
+                <a:cs typeface="Courier New" panose="02070309020205020404" pitchFamily="49" charset="0"/>
+              </a:rPr>
+              <a:t>1</a:t>
+            </a:r>
+          </a:p>
+        </p:txBody>
+      </p:sp>
+      <p:sp>
+        <p:nvSpPr>
+          <p:cNvPr id="24" name="TextBox 23">
+            <a:extLst>
+              <a:ext uri="{FF2B5EF4-FFF2-40B4-BE49-F238E27FC236}">
+                <a16:creationId xmlns:a16="http://schemas.microsoft.com/office/drawing/2014/main" id="{B89F88D3-68FC-E24D-8E11-DE496CA73D69}"/>
+              </a:ext>
+            </a:extLst>
+          </p:cNvPr>
+          <p:cNvSpPr txBox="1"/>
+          <p:nvPr/>
+        </p:nvSpPr>
+        <p:spPr>
+          <a:xfrm>
+            <a:off x="8958321" y="1445917"/>
+            <a:ext cx="322524" cy="369332"/>
+          </a:xfrm>
+          <a:prstGeom prst="rect">
+            <a:avLst/>
+          </a:prstGeom>
+          <a:noFill/>
+        </p:spPr>
+        <p:txBody>
+          <a:bodyPr wrap="none" rtlCol="0">
+            <a:spAutoFit/>
+          </a:bodyPr>
+          <a:lstStyle/>
+          <a:p>
+            <a:r>
+              <a:rPr lang="en-GB" dirty="0">
+                <a:latin typeface="Courier New" panose="02070309020205020404" pitchFamily="49" charset="0"/>
+                <a:cs typeface="Courier New" panose="02070309020205020404" pitchFamily="49" charset="0"/>
+              </a:rPr>
+              <a:t>2</a:t>
+            </a:r>
+          </a:p>
+        </p:txBody>
+      </p:sp>
+      <p:sp>
+        <p:nvSpPr>
+          <p:cNvPr id="25" name="TextBox 24">
+            <a:extLst>
+              <a:ext uri="{FF2B5EF4-FFF2-40B4-BE49-F238E27FC236}">
+                <a16:creationId xmlns:a16="http://schemas.microsoft.com/office/drawing/2014/main" id="{C36AC852-1A05-654B-9EB1-F24F36852DE0}"/>
+              </a:ext>
+            </a:extLst>
+          </p:cNvPr>
+          <p:cNvSpPr txBox="1"/>
+          <p:nvPr/>
+        </p:nvSpPr>
+        <p:spPr>
+          <a:xfrm>
+            <a:off x="1599297" y="2193379"/>
+            <a:ext cx="2803973" cy="1477328"/>
+          </a:xfrm>
+          <a:prstGeom prst="rect">
+            <a:avLst/>
+          </a:prstGeom>
+          <a:noFill/>
+        </p:spPr>
+        <p:txBody>
+          <a:bodyPr wrap="none" rtlCol="0">
+            <a:spAutoFit/>
+          </a:bodyPr>
+          <a:lstStyle/>
+          <a:p>
+            <a:r>
+              <a:rPr lang="en-GB" dirty="0">
+                <a:latin typeface="Courier New" panose="02070309020205020404" pitchFamily="49" charset="0"/>
+                <a:cs typeface="Courier New" panose="02070309020205020404" pitchFamily="49" charset="0"/>
+              </a:rPr>
+              <a:t>final int[][] a = {</a:t>
+            </a:r>
+          </a:p>
+          <a:p>
+            <a:r>
+              <a:rPr lang="en-GB" dirty="0">
+                <a:latin typeface="Courier New" panose="02070309020205020404" pitchFamily="49" charset="0"/>
+                <a:cs typeface="Courier New" panose="02070309020205020404" pitchFamily="49" charset="0"/>
+              </a:rPr>
+              <a:t>  { 1, 2, 3 },</a:t>
+            </a:r>
+          </a:p>
+          <a:p>
+            <a:r>
+              <a:rPr lang="en-GB" dirty="0">
+                <a:latin typeface="Courier New" panose="02070309020205020404" pitchFamily="49" charset="0"/>
+                <a:cs typeface="Courier New" panose="02070309020205020404" pitchFamily="49" charset="0"/>
+              </a:rPr>
+              <a:t>  { 4, 5, 6 },</a:t>
+            </a:r>
+          </a:p>
+          <a:p>
+            <a:r>
+              <a:rPr lang="en-GB" dirty="0">
+                <a:latin typeface="Courier New" panose="02070309020205020404" pitchFamily="49" charset="0"/>
+                <a:cs typeface="Courier New" panose="02070309020205020404" pitchFamily="49" charset="0"/>
+              </a:rPr>
+              <a:t>  { 7, 8, 9 }</a:t>
+            </a:r>
+          </a:p>
+          <a:p>
+            <a:r>
+              <a:rPr lang="en-GB" dirty="0">
+                <a:latin typeface="Courier New" panose="02070309020205020404" pitchFamily="49" charset="0"/>
+                <a:cs typeface="Courier New" panose="02070309020205020404" pitchFamily="49" charset="0"/>
+              </a:rPr>
+              <a:t>};</a:t>
+            </a:r>
+          </a:p>
+        </p:txBody>
+      </p:sp>
+      <p:sp>
+        <p:nvSpPr>
+          <p:cNvPr id="27" name="Rounded Rectangle 26">
+            <a:extLst>
+              <a:ext uri="{FF2B5EF4-FFF2-40B4-BE49-F238E27FC236}">
+                <a16:creationId xmlns:a16="http://schemas.microsoft.com/office/drawing/2014/main" id="{FA0EC5F9-E0FD-F14B-915D-2F5317F1E713}"/>
+              </a:ext>
+            </a:extLst>
+          </p:cNvPr>
+          <p:cNvSpPr/>
+          <p:nvPr/>
+        </p:nvSpPr>
+        <p:spPr>
+          <a:xfrm>
+            <a:off x="2146517" y="3087197"/>
+            <a:ext cx="338265" cy="251076"/>
+          </a:xfrm>
+          <a:prstGeom prst="roundRect">
+            <a:avLst/>
+          </a:prstGeom>
+          <a:noFill/>
+          <a:ln>
+            <a:solidFill>
+              <a:srgbClr val="FF0000"/>
+            </a:solidFill>
+          </a:ln>
+        </p:spPr>
+        <p:style>
+          <a:lnRef idx="2">
+            <a:schemeClr val="accent1">
+              <a:shade val="50000"/>
+            </a:schemeClr>
+          </a:lnRef>
+          <a:fillRef idx="1">
+            <a:schemeClr val="accent1"/>
+          </a:fillRef>
+          <a:effectRef idx="0">
+            <a:schemeClr val="accent1"/>
+          </a:effectRef>
+          <a:fontRef idx="minor">
+            <a:schemeClr val="lt1"/>
+          </a:fontRef>
+        </p:style>
+        <p:txBody>
+          <a:bodyPr rtlCol="0" anchor="ctr"/>
+          <a:lstStyle/>
+          <a:p>
+            <a:pPr algn="ctr"/>
+            <a:endParaRPr lang="en-GB"/>
+          </a:p>
+        </p:txBody>
+      </p:sp>
+      <p:sp>
+        <p:nvSpPr>
+          <p:cNvPr id="28" name="Rounded Rectangle 27">
+            <a:extLst>
+              <a:ext uri="{FF2B5EF4-FFF2-40B4-BE49-F238E27FC236}">
+                <a16:creationId xmlns:a16="http://schemas.microsoft.com/office/drawing/2014/main" id="{E0B7507E-E9B0-4C43-9923-D6A93C41F4B3}"/>
+              </a:ext>
+            </a:extLst>
+          </p:cNvPr>
+          <p:cNvSpPr/>
+          <p:nvPr/>
+        </p:nvSpPr>
+        <p:spPr>
+          <a:xfrm>
+            <a:off x="6702834" y="3554071"/>
+            <a:ext cx="1248469" cy="369332"/>
+          </a:xfrm>
+          <a:prstGeom prst="roundRect">
+            <a:avLst/>
+          </a:prstGeom>
+          <a:noFill/>
+          <a:ln>
+            <a:solidFill>
+              <a:srgbClr val="FF0000"/>
+            </a:solidFill>
+          </a:ln>
+        </p:spPr>
+        <p:style>
+          <a:lnRef idx="2">
+            <a:schemeClr val="accent1">
+              <a:shade val="50000"/>
+            </a:schemeClr>
+          </a:lnRef>
+          <a:fillRef idx="1">
+            <a:schemeClr val="accent1"/>
+          </a:fillRef>
+          <a:effectRef idx="0">
+            <a:schemeClr val="accent1"/>
+          </a:effectRef>
+          <a:fontRef idx="minor">
+            <a:schemeClr val="lt1"/>
+          </a:fontRef>
+        </p:style>
+        <p:txBody>
+          <a:bodyPr rtlCol="0" anchor="ctr"/>
+          <a:lstStyle/>
+          <a:p>
+            <a:pPr algn="ctr"/>
+            <a:endParaRPr lang="en-GB"/>
+          </a:p>
+        </p:txBody>
+      </p:sp>
+      <p:sp>
+        <p:nvSpPr>
+          <p:cNvPr id="29" name="Rounded Rectangle 28">
+            <a:extLst>
+              <a:ext uri="{FF2B5EF4-FFF2-40B4-BE49-F238E27FC236}">
+                <a16:creationId xmlns:a16="http://schemas.microsoft.com/office/drawing/2014/main" id="{441AC412-681C-AF42-9049-CD2D32AC6F7E}"/>
+              </a:ext>
+            </a:extLst>
+          </p:cNvPr>
+          <p:cNvSpPr/>
+          <p:nvPr/>
+        </p:nvSpPr>
+        <p:spPr>
+          <a:xfrm rot="5400000">
+            <a:off x="6354063" y="2487781"/>
+            <a:ext cx="2662151" cy="369332"/>
+          </a:xfrm>
+          <a:prstGeom prst="roundRect">
+            <a:avLst/>
+          </a:prstGeom>
+          <a:noFill/>
+          <a:ln>
+            <a:solidFill>
+              <a:srgbClr val="FF0000"/>
+            </a:solidFill>
+          </a:ln>
+        </p:spPr>
+        <p:style>
+          <a:lnRef idx="2">
+            <a:schemeClr val="accent1">
+              <a:shade val="50000"/>
+            </a:schemeClr>
+          </a:lnRef>
+          <a:fillRef idx="1">
+            <a:schemeClr val="accent1"/>
+          </a:fillRef>
+          <a:effectRef idx="0">
+            <a:schemeClr val="accent1"/>
+          </a:effectRef>
+          <a:fontRef idx="minor">
+            <a:schemeClr val="lt1"/>
+          </a:fontRef>
+        </p:style>
+        <p:txBody>
+          <a:bodyPr rtlCol="0" anchor="ctr"/>
+          <a:lstStyle/>
+          <a:p>
+            <a:pPr algn="ctr"/>
+            <a:endParaRPr lang="en-GB"/>
+          </a:p>
+        </p:txBody>
+      </p:sp>
+      <p:sp>
+        <p:nvSpPr>
+          <p:cNvPr id="30" name="TextBox 29">
+            <a:extLst>
+              <a:ext uri="{FF2B5EF4-FFF2-40B4-BE49-F238E27FC236}">
+                <a16:creationId xmlns:a16="http://schemas.microsoft.com/office/drawing/2014/main" id="{CA951DB5-13C5-7745-87DE-BCB20ADA1A67}"/>
+              </a:ext>
+            </a:extLst>
+          </p:cNvPr>
+          <p:cNvSpPr txBox="1"/>
+          <p:nvPr/>
+        </p:nvSpPr>
+        <p:spPr>
+          <a:xfrm>
+            <a:off x="4877076" y="4930433"/>
+            <a:ext cx="1688283" cy="523220"/>
+          </a:xfrm>
+          <a:prstGeom prst="rect">
+            <a:avLst/>
+          </a:prstGeom>
+          <a:noFill/>
+        </p:spPr>
+        <p:txBody>
+          <a:bodyPr wrap="none" rtlCol="0">
+            <a:spAutoFit/>
+          </a:bodyPr>
+          <a:lstStyle/>
+          <a:p>
+            <a:r>
+              <a:rPr lang="en-GB" sz="2800" dirty="0">
+                <a:solidFill>
+                  <a:srgbClr val="FF0000"/>
+                </a:solidFill>
+                <a:latin typeface="Courier New" panose="02070309020205020404" pitchFamily="49" charset="0"/>
+                <a:cs typeface="Courier New" panose="02070309020205020404" pitchFamily="49" charset="0"/>
+              </a:rPr>
+              <a:t>a[2][0]</a:t>
+            </a:r>
+          </a:p>
+        </p:txBody>
+      </p:sp>
+      <p:cxnSp>
+        <p:nvCxnSpPr>
+          <p:cNvPr id="38" name="Curved Connector 37">
+            <a:extLst>
+              <a:ext uri="{FF2B5EF4-FFF2-40B4-BE49-F238E27FC236}">
+                <a16:creationId xmlns:a16="http://schemas.microsoft.com/office/drawing/2014/main" id="{D72699BF-2C70-B04C-817F-96F09E0B1156}"/>
+              </a:ext>
+            </a:extLst>
+          </p:cNvPr>
+          <p:cNvCxnSpPr>
+            <a:cxnSpLocks/>
+            <a:stCxn id="27" idx="2"/>
+            <a:endCxn id="30" idx="1"/>
+          </p:cNvCxnSpPr>
+          <p:nvPr/>
+        </p:nvCxnSpPr>
+        <p:spPr>
+          <a:xfrm rot="16200000" flipH="1">
+            <a:off x="2669478" y="2984445"/>
+            <a:ext cx="1853770" cy="2561426"/>
+          </a:xfrm>
+          <a:prstGeom prst="curvedConnector2">
+            <a:avLst/>
+          </a:prstGeom>
+          <a:ln w="12700">
+            <a:solidFill>
+              <a:srgbClr val="FF0000"/>
+            </a:solidFill>
+            <a:headEnd type="none" w="med" len="med"/>
+            <a:tailEnd type="none" w="med" len="med"/>
+          </a:ln>
+        </p:spPr>
+        <p:style>
+          <a:lnRef idx="1">
+            <a:schemeClr val="accent1"/>
+          </a:lnRef>
+          <a:fillRef idx="0">
+            <a:schemeClr val="accent1"/>
+          </a:fillRef>
+          <a:effectRef idx="0">
+            <a:schemeClr val="accent1"/>
+          </a:effectRef>
+          <a:fontRef idx="minor">
+            <a:schemeClr val="tx1"/>
+          </a:fontRef>
+        </p:style>
+      </p:cxnSp>
+      <p:cxnSp>
+        <p:nvCxnSpPr>
+          <p:cNvPr id="43" name="Curved Connector 42">
+            <a:extLst>
+              <a:ext uri="{FF2B5EF4-FFF2-40B4-BE49-F238E27FC236}">
+                <a16:creationId xmlns:a16="http://schemas.microsoft.com/office/drawing/2014/main" id="{41E35E7E-4E72-3D49-A40B-4E51A807AA61}"/>
+              </a:ext>
+            </a:extLst>
+          </p:cNvPr>
+          <p:cNvCxnSpPr>
+            <a:cxnSpLocks/>
+            <a:stCxn id="30" idx="3"/>
+          </p:cNvCxnSpPr>
+          <p:nvPr/>
+        </p:nvCxnSpPr>
+        <p:spPr>
+          <a:xfrm flipV="1">
+            <a:off x="6565359" y="3946041"/>
+            <a:ext cx="1116474" cy="1246002"/>
+          </a:xfrm>
+          <a:prstGeom prst="curvedConnector2">
+            <a:avLst/>
+          </a:prstGeom>
+          <a:ln w="12700">
+            <a:solidFill>
+              <a:srgbClr val="FF0000"/>
+            </a:solidFill>
+            <a:tailEnd type="triangle"/>
+          </a:ln>
+        </p:spPr>
+        <p:style>
+          <a:lnRef idx="1">
+            <a:schemeClr val="accent1"/>
+          </a:lnRef>
+          <a:fillRef idx="0">
+            <a:schemeClr val="accent1"/>
+          </a:fillRef>
+          <a:effectRef idx="0">
+            <a:schemeClr val="accent1"/>
+          </a:effectRef>
+          <a:fontRef idx="minor">
+            <a:schemeClr val="tx1"/>
+          </a:fontRef>
+        </p:style>
+      </p:cxnSp>
+      <p:sp>
+        <p:nvSpPr>
+          <p:cNvPr id="31" name="TextBox 30">
+            <a:extLst>
+              <a:ext uri="{FF2B5EF4-FFF2-40B4-BE49-F238E27FC236}">
+                <a16:creationId xmlns:a16="http://schemas.microsoft.com/office/drawing/2014/main" id="{C4E31C80-EEAE-1C41-A52F-2B21E518DCCD}"/>
+              </a:ext>
+            </a:extLst>
+          </p:cNvPr>
+          <p:cNvSpPr txBox="1"/>
+          <p:nvPr/>
+        </p:nvSpPr>
+        <p:spPr>
+          <a:xfrm>
+            <a:off x="6450155" y="1474290"/>
+            <a:ext cx="936475" cy="307777"/>
+          </a:xfrm>
+          <a:prstGeom prst="rect">
+            <a:avLst/>
+          </a:prstGeom>
+          <a:noFill/>
+        </p:spPr>
+        <p:txBody>
+          <a:bodyPr wrap="none" rtlCol="0">
+            <a:spAutoFit/>
+          </a:bodyPr>
+          <a:lstStyle/>
+          <a:p>
+            <a:r>
+              <a:rPr lang="en-GB" sz="1400" dirty="0">
+                <a:latin typeface="Courier New" panose="02070309020205020404" pitchFamily="49" charset="0"/>
+                <a:cs typeface="Courier New" panose="02070309020205020404" pitchFamily="49" charset="0"/>
+              </a:rPr>
+              <a:t>indices</a:t>
+            </a:r>
+          </a:p>
+        </p:txBody>
+      </p:sp>
+    </p:spTree>
+    <p:extLst>
+      <p:ext uri="{BB962C8B-B14F-4D97-AF65-F5344CB8AC3E}">
+        <p14:creationId xmlns:p14="http://schemas.microsoft.com/office/powerpoint/2010/main" val="2182338707"/>
+      </p:ext>
+    </p:extLst>
+  </p:cSld>
+  <p:clrMapOvr>
+    <a:masterClrMapping/>
+  </p:clrMapOvr>
+</p:sld>
+</file>
+
+<file path=ppt/slides/slide29.xml><?xml version="1.0" encoding="utf-8"?>
+<p:sld xmlns:a="http://schemas.openxmlformats.org/drawingml/2006/main" xmlns:r="http://schemas.openxmlformats.org/officeDocument/2006/relationships" xmlns:p="http://schemas.openxmlformats.org/presentationml/2006/main">
+  <p:cSld>
+    <p:spTree>
+      <p:nvGrpSpPr>
+        <p:cNvPr id="1" name=""/>
+        <p:cNvGrpSpPr/>
+        <p:nvPr/>
+      </p:nvGrpSpPr>
+      <p:grpSpPr>
+        <a:xfrm>
+          <a:off x="0" y="0"/>
+          <a:ext cx="0" cy="0"/>
+          <a:chOff x="0" y="0"/>
+          <a:chExt cx="0" cy="0"/>
+        </a:xfrm>
+      </p:grpSpPr>
+      <p:pic>
+        <p:nvPicPr>
+          <p:cNvPr id="4" name="Picture 3">
+            <a:extLst>
+              <a:ext uri="{FF2B5EF4-FFF2-40B4-BE49-F238E27FC236}">
+                <a16:creationId xmlns:a16="http://schemas.microsoft.com/office/drawing/2014/main" id="{ECE6B37F-E96C-C247-8273-A5B0E073746C}"/>
+              </a:ext>
+            </a:extLst>
+          </p:cNvPr>
+          <p:cNvPicPr>
+            <a:picLocks noChangeAspect="1"/>
+          </p:cNvPicPr>
+          <p:nvPr/>
+        </p:nvPicPr>
+        <p:blipFill>
+          <a:blip r:embed="rId2"/>
+          <a:stretch>
+            <a:fillRect/>
+          </a:stretch>
+        </p:blipFill>
+        <p:spPr>
+          <a:xfrm>
+            <a:off x="245015" y="597020"/>
+            <a:ext cx="8216900" cy="2921000"/>
+          </a:xfrm>
+          <a:prstGeom prst="rect">
+            <a:avLst/>
+          </a:prstGeom>
+        </p:spPr>
+      </p:pic>
+      <p:pic>
+        <p:nvPicPr>
+          <p:cNvPr id="5" name="Picture 4">
+            <a:extLst>
+              <a:ext uri="{FF2B5EF4-FFF2-40B4-BE49-F238E27FC236}">
+                <a16:creationId xmlns:a16="http://schemas.microsoft.com/office/drawing/2014/main" id="{28A36BF2-9C18-9B43-AC41-D43CD890CA40}"/>
+              </a:ext>
+            </a:extLst>
+          </p:cNvPr>
+          <p:cNvPicPr>
+            <a:picLocks noChangeAspect="1"/>
+          </p:cNvPicPr>
+          <p:nvPr/>
+        </p:nvPicPr>
+        <p:blipFill>
+          <a:blip r:embed="rId3"/>
+          <a:stretch>
+            <a:fillRect/>
+          </a:stretch>
+        </p:blipFill>
+        <p:spPr>
+          <a:xfrm>
+            <a:off x="3571216" y="3944068"/>
+            <a:ext cx="8255000" cy="2247900"/>
+          </a:xfrm>
+          <a:prstGeom prst="rect">
+            <a:avLst/>
+          </a:prstGeom>
+        </p:spPr>
+      </p:pic>
+      <p:sp>
+        <p:nvSpPr>
+          <p:cNvPr id="11" name="Rounded Rectangle 10">
+            <a:extLst>
+              <a:ext uri="{FF2B5EF4-FFF2-40B4-BE49-F238E27FC236}">
+                <a16:creationId xmlns:a16="http://schemas.microsoft.com/office/drawing/2014/main" id="{F3F5B866-2E77-7B48-9F81-4B7BCCA14FAD}"/>
+              </a:ext>
+            </a:extLst>
+          </p:cNvPr>
+          <p:cNvSpPr/>
+          <p:nvPr/>
+        </p:nvSpPr>
+        <p:spPr>
+          <a:xfrm>
+            <a:off x="3571215" y="1708030"/>
+            <a:ext cx="681487" cy="355241"/>
+          </a:xfrm>
+          <a:prstGeom prst="roundRect">
+            <a:avLst/>
+          </a:prstGeom>
+          <a:noFill/>
+          <a:ln w="38100">
+            <a:solidFill>
+              <a:srgbClr val="FF0000"/>
+            </a:solidFill>
+          </a:ln>
+        </p:spPr>
+        <p:style>
+          <a:lnRef idx="2">
+            <a:schemeClr val="accent1">
+              <a:shade val="50000"/>
+            </a:schemeClr>
+          </a:lnRef>
+          <a:fillRef idx="1">
+            <a:schemeClr val="accent1"/>
+          </a:fillRef>
+          <a:effectRef idx="0">
+            <a:schemeClr val="accent1"/>
+          </a:effectRef>
+          <a:fontRef idx="minor">
+            <a:schemeClr val="lt1"/>
+          </a:fontRef>
+        </p:style>
+        <p:txBody>
+          <a:bodyPr rtlCol="0" anchor="ctr"/>
+          <a:lstStyle/>
+          <a:p>
+            <a:pPr algn="ctr"/>
+            <a:endParaRPr lang="en-GB"/>
+          </a:p>
+        </p:txBody>
+      </p:sp>
+      <p:sp>
+        <p:nvSpPr>
+          <p:cNvPr id="13" name="Rounded Rectangle 12">
+            <a:extLst>
+              <a:ext uri="{FF2B5EF4-FFF2-40B4-BE49-F238E27FC236}">
+                <a16:creationId xmlns:a16="http://schemas.microsoft.com/office/drawing/2014/main" id="{9A41E8DA-8A41-B44C-8055-DDC4B6FC359B}"/>
+              </a:ext>
+            </a:extLst>
+          </p:cNvPr>
+          <p:cNvSpPr/>
+          <p:nvPr/>
+        </p:nvSpPr>
+        <p:spPr>
+          <a:xfrm>
+            <a:off x="6803245" y="4353464"/>
+            <a:ext cx="681487" cy="355241"/>
+          </a:xfrm>
+          <a:prstGeom prst="roundRect">
+            <a:avLst/>
+          </a:prstGeom>
+          <a:noFill/>
+          <a:ln w="38100">
+            <a:solidFill>
+              <a:srgbClr val="00B0F0"/>
+            </a:solidFill>
+          </a:ln>
+        </p:spPr>
+        <p:style>
+          <a:lnRef idx="2">
+            <a:schemeClr val="accent1">
+              <a:shade val="50000"/>
+            </a:schemeClr>
+          </a:lnRef>
+          <a:fillRef idx="1">
+            <a:schemeClr val="accent1"/>
+          </a:fillRef>
+          <a:effectRef idx="0">
+            <a:schemeClr val="accent1"/>
+          </a:effectRef>
+          <a:fontRef idx="minor">
+            <a:schemeClr val="lt1"/>
+          </a:fontRef>
+        </p:style>
+        <p:txBody>
+          <a:bodyPr rtlCol="0" anchor="ctr"/>
+          <a:lstStyle/>
+          <a:p>
+            <a:pPr algn="ctr"/>
+            <a:endParaRPr lang="en-GB"/>
+          </a:p>
+        </p:txBody>
+      </p:sp>
+      <p:cxnSp>
+        <p:nvCxnSpPr>
+          <p:cNvPr id="8" name="Straight Arrow Connector 7">
+            <a:extLst>
+              <a:ext uri="{FF2B5EF4-FFF2-40B4-BE49-F238E27FC236}">
+                <a16:creationId xmlns:a16="http://schemas.microsoft.com/office/drawing/2014/main" id="{16B428DB-A331-604F-B4C9-111A77B3C13C}"/>
+              </a:ext>
+            </a:extLst>
+          </p:cNvPr>
+          <p:cNvCxnSpPr>
+            <a:cxnSpLocks/>
+            <a:stCxn id="6" idx="2"/>
+          </p:cNvCxnSpPr>
+          <p:nvPr/>
+        </p:nvCxnSpPr>
+        <p:spPr>
+          <a:xfrm>
+            <a:off x="2769079" y="1337094"/>
+            <a:ext cx="802136" cy="370936"/>
+          </a:xfrm>
+          <a:prstGeom prst="straightConnector1">
+            <a:avLst/>
+          </a:prstGeom>
+          <a:ln w="38100">
+            <a:solidFill>
+              <a:srgbClr val="FF0000"/>
+            </a:solidFill>
+            <a:tailEnd type="triangle"/>
+          </a:ln>
+        </p:spPr>
+        <p:style>
+          <a:lnRef idx="1">
+            <a:schemeClr val="accent1"/>
+          </a:lnRef>
+          <a:fillRef idx="0">
+            <a:schemeClr val="accent1"/>
+          </a:fillRef>
+          <a:effectRef idx="0">
+            <a:schemeClr val="accent1"/>
+          </a:effectRef>
+          <a:fontRef idx="minor">
+            <a:schemeClr val="tx1"/>
+          </a:fontRef>
+        </p:style>
+      </p:cxnSp>
+      <p:sp>
+        <p:nvSpPr>
+          <p:cNvPr id="6" name="Rounded Rectangle 5">
+            <a:extLst>
+              <a:ext uri="{FF2B5EF4-FFF2-40B4-BE49-F238E27FC236}">
+                <a16:creationId xmlns:a16="http://schemas.microsoft.com/office/drawing/2014/main" id="{225202B0-1F92-584F-AB2D-3610DBD95086}"/>
+              </a:ext>
+            </a:extLst>
+          </p:cNvPr>
+          <p:cNvSpPr/>
+          <p:nvPr/>
+        </p:nvSpPr>
+        <p:spPr>
+          <a:xfrm>
+            <a:off x="1561381" y="981853"/>
+            <a:ext cx="2415395" cy="355241"/>
+          </a:xfrm>
+          <a:prstGeom prst="roundRect">
+            <a:avLst/>
+          </a:prstGeom>
+          <a:noFill/>
+          <a:ln w="38100">
+            <a:solidFill>
+              <a:srgbClr val="FF0000"/>
+            </a:solidFill>
+          </a:ln>
+        </p:spPr>
+        <p:style>
+          <a:lnRef idx="2">
+            <a:schemeClr val="accent1">
+              <a:shade val="50000"/>
+            </a:schemeClr>
+          </a:lnRef>
+          <a:fillRef idx="1">
+            <a:schemeClr val="accent1"/>
+          </a:fillRef>
+          <a:effectRef idx="0">
+            <a:schemeClr val="accent1"/>
+          </a:effectRef>
+          <a:fontRef idx="minor">
+            <a:schemeClr val="lt1"/>
+          </a:fontRef>
+        </p:style>
+        <p:txBody>
+          <a:bodyPr rtlCol="0" anchor="ctr"/>
+          <a:lstStyle/>
+          <a:p>
+            <a:pPr algn="ctr"/>
+            <a:endParaRPr lang="en-GB"/>
+          </a:p>
+        </p:txBody>
+      </p:sp>
+      <p:sp>
+        <p:nvSpPr>
+          <p:cNvPr id="20" name="Rounded Rectangle 19">
+            <a:extLst>
+              <a:ext uri="{FF2B5EF4-FFF2-40B4-BE49-F238E27FC236}">
+                <a16:creationId xmlns:a16="http://schemas.microsoft.com/office/drawing/2014/main" id="{11D22653-087F-0342-A9CB-0CFCA9B44812}"/>
+              </a:ext>
+            </a:extLst>
+          </p:cNvPr>
+          <p:cNvSpPr/>
+          <p:nvPr/>
+        </p:nvSpPr>
+        <p:spPr>
+          <a:xfrm>
+            <a:off x="10207803" y="4712777"/>
+            <a:ext cx="1066922" cy="355241"/>
+          </a:xfrm>
+          <a:prstGeom prst="roundRect">
+            <a:avLst/>
+          </a:prstGeom>
+          <a:noFill/>
+          <a:ln w="38100">
+            <a:solidFill>
+              <a:srgbClr val="00B0F0"/>
+            </a:solidFill>
+          </a:ln>
+        </p:spPr>
+        <p:style>
+          <a:lnRef idx="2">
+            <a:schemeClr val="accent1">
+              <a:shade val="50000"/>
+            </a:schemeClr>
+          </a:lnRef>
+          <a:fillRef idx="1">
+            <a:schemeClr val="accent1"/>
+          </a:fillRef>
+          <a:effectRef idx="0">
+            <a:schemeClr val="accent1"/>
+          </a:effectRef>
+          <a:fontRef idx="minor">
+            <a:schemeClr val="lt1"/>
+          </a:fontRef>
+        </p:style>
+        <p:txBody>
+          <a:bodyPr rtlCol="0" anchor="ctr"/>
+          <a:lstStyle/>
+          <a:p>
+            <a:pPr algn="ctr"/>
+            <a:endParaRPr lang="en-GB"/>
+          </a:p>
+        </p:txBody>
+      </p:sp>
+      <p:sp>
+        <p:nvSpPr>
+          <p:cNvPr id="21" name="Rounded Rectangle 20">
+            <a:extLst>
+              <a:ext uri="{FF2B5EF4-FFF2-40B4-BE49-F238E27FC236}">
+                <a16:creationId xmlns:a16="http://schemas.microsoft.com/office/drawing/2014/main" id="{7B667848-AEF1-4746-93D7-EE0191B71133}"/>
+              </a:ext>
+            </a:extLst>
+          </p:cNvPr>
+          <p:cNvSpPr/>
+          <p:nvPr/>
+        </p:nvSpPr>
+        <p:spPr>
+          <a:xfrm>
+            <a:off x="6960019" y="2057520"/>
+            <a:ext cx="979281" cy="355241"/>
+          </a:xfrm>
+          <a:prstGeom prst="roundRect">
+            <a:avLst/>
+          </a:prstGeom>
+          <a:noFill/>
+          <a:ln w="38100">
+            <a:solidFill>
+              <a:srgbClr val="FF0000"/>
+            </a:solidFill>
+          </a:ln>
+        </p:spPr>
+        <p:style>
+          <a:lnRef idx="2">
+            <a:schemeClr val="accent1">
+              <a:shade val="50000"/>
+            </a:schemeClr>
+          </a:lnRef>
+          <a:fillRef idx="1">
+            <a:schemeClr val="accent1"/>
+          </a:fillRef>
+          <a:effectRef idx="0">
+            <a:schemeClr val="accent1"/>
+          </a:effectRef>
+          <a:fontRef idx="minor">
+            <a:schemeClr val="lt1"/>
+          </a:fontRef>
+        </p:style>
+        <p:txBody>
+          <a:bodyPr rtlCol="0" anchor="ctr"/>
+          <a:lstStyle/>
+          <a:p>
+            <a:pPr algn="ctr"/>
+            <a:endParaRPr lang="en-GB"/>
+          </a:p>
+        </p:txBody>
+      </p:sp>
+      <p:cxnSp>
+        <p:nvCxnSpPr>
+          <p:cNvPr id="22" name="Curved Connector 21">
+            <a:extLst>
+              <a:ext uri="{FF2B5EF4-FFF2-40B4-BE49-F238E27FC236}">
+                <a16:creationId xmlns:a16="http://schemas.microsoft.com/office/drawing/2014/main" id="{8AD042AB-C0DE-4947-B9BD-665BAD2E2DBA}"/>
+              </a:ext>
+            </a:extLst>
+          </p:cNvPr>
+          <p:cNvCxnSpPr>
+            <a:cxnSpLocks/>
+            <a:stCxn id="13" idx="2"/>
+            <a:endCxn id="20" idx="2"/>
+          </p:cNvCxnSpPr>
+          <p:nvPr/>
+        </p:nvCxnSpPr>
+        <p:spPr>
+          <a:xfrm rot="16200000" flipH="1">
+            <a:off x="8762970" y="3089723"/>
+            <a:ext cx="359313" cy="3597275"/>
+          </a:xfrm>
+          <a:prstGeom prst="curvedConnector3">
+            <a:avLst>
+              <a:gd name="adj1" fmla="val 163621"/>
+            </a:avLst>
+          </a:prstGeom>
+          <a:ln w="38100">
+            <a:solidFill>
+              <a:srgbClr val="00B0F0"/>
+            </a:solidFill>
+            <a:tailEnd type="triangle"/>
+          </a:ln>
+        </p:spPr>
+        <p:style>
+          <a:lnRef idx="1">
+            <a:schemeClr val="accent1"/>
+          </a:lnRef>
+          <a:fillRef idx="0">
+            <a:schemeClr val="accent1"/>
+          </a:fillRef>
+          <a:effectRef idx="0">
+            <a:schemeClr val="accent1"/>
+          </a:effectRef>
+          <a:fontRef idx="minor">
+            <a:schemeClr val="tx1"/>
+          </a:fontRef>
+        </p:style>
+      </p:cxnSp>
+      <p:cxnSp>
+        <p:nvCxnSpPr>
+          <p:cNvPr id="28" name="Curved Connector 27">
+            <a:extLst>
+              <a:ext uri="{FF2B5EF4-FFF2-40B4-BE49-F238E27FC236}">
+                <a16:creationId xmlns:a16="http://schemas.microsoft.com/office/drawing/2014/main" id="{D467C50B-7AA8-3345-84B4-085E1966C138}"/>
+              </a:ext>
+            </a:extLst>
+          </p:cNvPr>
+          <p:cNvCxnSpPr>
+            <a:cxnSpLocks/>
+          </p:cNvCxnSpPr>
+          <p:nvPr/>
+        </p:nvCxnSpPr>
+        <p:spPr>
+          <a:xfrm rot="16200000" flipH="1">
+            <a:off x="5530939" y="455913"/>
+            <a:ext cx="359313" cy="3597275"/>
+          </a:xfrm>
+          <a:prstGeom prst="curvedConnector3">
+            <a:avLst>
+              <a:gd name="adj1" fmla="val 163621"/>
+            </a:avLst>
+          </a:prstGeom>
+          <a:ln w="38100">
+            <a:solidFill>
+              <a:srgbClr val="FF0000"/>
+            </a:solidFill>
+            <a:tailEnd type="triangle"/>
+          </a:ln>
+        </p:spPr>
+        <p:style>
+          <a:lnRef idx="1">
+            <a:schemeClr val="accent1"/>
+          </a:lnRef>
+          <a:fillRef idx="0">
+            <a:schemeClr val="accent1"/>
+          </a:fillRef>
+          <a:effectRef idx="0">
+            <a:schemeClr val="accent1"/>
+          </a:effectRef>
+          <a:fontRef idx="minor">
+            <a:schemeClr val="tx1"/>
+          </a:fontRef>
+        </p:style>
+      </p:cxnSp>
+      <p:cxnSp>
+        <p:nvCxnSpPr>
+          <p:cNvPr id="17" name="Curved Connector 16">
+            <a:extLst>
+              <a:ext uri="{FF2B5EF4-FFF2-40B4-BE49-F238E27FC236}">
+                <a16:creationId xmlns:a16="http://schemas.microsoft.com/office/drawing/2014/main" id="{884C498D-FED2-DA45-9C21-0896781889AC}"/>
+              </a:ext>
+            </a:extLst>
+          </p:cNvPr>
+          <p:cNvCxnSpPr>
+            <a:cxnSpLocks/>
+            <a:stCxn id="6" idx="3"/>
+          </p:cNvCxnSpPr>
+          <p:nvPr/>
+        </p:nvCxnSpPr>
+        <p:spPr>
+          <a:xfrm>
+            <a:off x="3976776" y="1159474"/>
+            <a:ext cx="3140016" cy="3193990"/>
+          </a:xfrm>
+          <a:prstGeom prst="curvedConnector2">
+            <a:avLst/>
+          </a:prstGeom>
+          <a:ln w="38100">
+            <a:solidFill>
+              <a:srgbClr val="00B0F0"/>
+            </a:solidFill>
+            <a:tailEnd type="triangle"/>
+          </a:ln>
+        </p:spPr>
+        <p:style>
+          <a:lnRef idx="1">
+            <a:schemeClr val="accent1"/>
+          </a:lnRef>
+          <a:fillRef idx="0">
+            <a:schemeClr val="accent1"/>
+          </a:fillRef>
+          <a:effectRef idx="0">
+            <a:schemeClr val="accent1"/>
+          </a:effectRef>
+          <a:fontRef idx="minor">
+            <a:schemeClr val="tx1"/>
+          </a:fontRef>
+        </p:style>
+      </p:cxnSp>
+    </p:spTree>
+    <p:extLst>
+      <p:ext uri="{BB962C8B-B14F-4D97-AF65-F5344CB8AC3E}">
+        <p14:creationId xmlns:p14="http://schemas.microsoft.com/office/powerpoint/2010/main" val="2389514908"/>
+      </p:ext>
+    </p:extLst>
+  </p:cSld>
+  <p:clrMapOvr>
+    <a:masterClrMapping/>
+  </p:clrMapOvr>
+</p:sld>
+</file>
+
+<file path=ppt/slides/slide3.xml><?xml version="1.0" encoding="utf-8"?>
+<p:sld xmlns:a="http://schemas.openxmlformats.org/drawingml/2006/main" xmlns:r="http://schemas.openxmlformats.org/officeDocument/2006/relationships" xmlns:p="http://schemas.openxmlformats.org/presentationml/2006/main">
+  <p:cSld>
+    <p:spTree>
+      <p:nvGrpSpPr>
+        <p:cNvPr id="1" name=""/>
+        <p:cNvGrpSpPr/>
+        <p:nvPr/>
+      </p:nvGrpSpPr>
+      <p:grpSpPr>
+        <a:xfrm>
+          <a:off x="0" y="0"/>
+          <a:ext cx="0" cy="0"/>
+          <a:chOff x="0" y="0"/>
+          <a:chExt cx="0" cy="0"/>
+        </a:xfrm>
+      </p:grpSpPr>
+      <p:sp>
+        <p:nvSpPr>
+          <p:cNvPr id="5" name="Rectangle 4">
+            <a:extLst>
+              <a:ext uri="{FF2B5EF4-FFF2-40B4-BE49-F238E27FC236}">
+                <a16:creationId xmlns:a16="http://schemas.microsoft.com/office/drawing/2014/main" id="{5BCC71AA-52B2-0E4A-AEDB-BA54AE9CA39C}"/>
+              </a:ext>
+            </a:extLst>
+          </p:cNvPr>
+          <p:cNvSpPr/>
+          <p:nvPr/>
+        </p:nvSpPr>
+        <p:spPr>
+          <a:xfrm>
+            <a:off x="4123766" y="1878106"/>
+            <a:ext cx="2034988" cy="923364"/>
+          </a:xfrm>
+          <a:prstGeom prst="rect">
+            <a:avLst/>
+          </a:prstGeom>
+          <a:solidFill>
+            <a:schemeClr val="accent2">
+              <a:lumMod val="40000"/>
+              <a:lumOff val="60000"/>
+            </a:schemeClr>
+          </a:solidFill>
+        </p:spPr>
+        <p:style>
+          <a:lnRef idx="2">
+            <a:schemeClr val="accent1">
+              <a:shade val="50000"/>
+            </a:schemeClr>
+          </a:lnRef>
+          <a:fillRef idx="1">
+            <a:schemeClr val="accent1"/>
+          </a:fillRef>
+          <a:effectRef idx="0">
+            <a:schemeClr val="accent1"/>
+          </a:effectRef>
+          <a:fontRef idx="minor">
+            <a:schemeClr val="lt1"/>
+          </a:fontRef>
+        </p:style>
+        <p:txBody>
+          <a:bodyPr rtlCol="0" anchor="ctr"/>
+          <a:lstStyle/>
+          <a:p>
+            <a:pPr algn="ctr"/>
+            <a:r>
+              <a:rPr lang="en-GB" dirty="0"/>
+              <a:t>main() </a:t>
+            </a:r>
+          </a:p>
+        </p:txBody>
+      </p:sp>
+      <p:sp>
+        <p:nvSpPr>
+          <p:cNvPr id="9" name="Rectangle 8">
+            <a:extLst>
+              <a:ext uri="{FF2B5EF4-FFF2-40B4-BE49-F238E27FC236}">
+                <a16:creationId xmlns:a16="http://schemas.microsoft.com/office/drawing/2014/main" id="{425E895A-F0DE-AC44-984C-7DCF1AE95F8D}"/>
+              </a:ext>
+            </a:extLst>
+          </p:cNvPr>
+          <p:cNvSpPr/>
+          <p:nvPr/>
+        </p:nvSpPr>
+        <p:spPr>
+          <a:xfrm>
+            <a:off x="4123766" y="2801470"/>
+            <a:ext cx="2034988" cy="694765"/>
+          </a:xfrm>
+          <a:prstGeom prst="rect">
+            <a:avLst/>
+          </a:prstGeom>
+          <a:solidFill>
+            <a:schemeClr val="accent2"/>
+          </a:solidFill>
+        </p:spPr>
+        <p:style>
+          <a:lnRef idx="2">
+            <a:schemeClr val="accent1">
+              <a:shade val="50000"/>
+            </a:schemeClr>
+          </a:lnRef>
+          <a:fillRef idx="1">
+            <a:schemeClr val="accent1"/>
+          </a:fillRef>
+          <a:effectRef idx="0">
+            <a:schemeClr val="accent1"/>
+          </a:effectRef>
+          <a:fontRef idx="minor">
+            <a:schemeClr val="lt1"/>
+          </a:fontRef>
+        </p:style>
+        <p:txBody>
+          <a:bodyPr rtlCol="0" anchor="ctr"/>
+          <a:lstStyle/>
+          <a:p>
+            <a:pPr algn="ctr"/>
+            <a:r>
+              <a:rPr lang="en-GB" dirty="0"/>
+              <a:t>printf() </a:t>
+            </a:r>
+          </a:p>
+        </p:txBody>
+      </p:sp>
+      <p:sp>
+        <p:nvSpPr>
+          <p:cNvPr id="10" name="Left Brace 9">
+            <a:extLst>
+              <a:ext uri="{FF2B5EF4-FFF2-40B4-BE49-F238E27FC236}">
+                <a16:creationId xmlns:a16="http://schemas.microsoft.com/office/drawing/2014/main" id="{26DE15B0-A5FF-494B-BE23-2C799E633A46}"/>
+              </a:ext>
+            </a:extLst>
+          </p:cNvPr>
+          <p:cNvSpPr/>
+          <p:nvPr/>
+        </p:nvSpPr>
+        <p:spPr>
+          <a:xfrm>
+            <a:off x="3155577" y="1878106"/>
+            <a:ext cx="824753" cy="1618129"/>
+          </a:xfrm>
+          <a:prstGeom prst="leftBrace">
+            <a:avLst/>
+          </a:prstGeom>
+          <a:ln w="12700"/>
+        </p:spPr>
+        <p:style>
+          <a:lnRef idx="1">
+            <a:schemeClr val="accent1"/>
+          </a:lnRef>
+          <a:fillRef idx="0">
+            <a:schemeClr val="accent1"/>
+          </a:fillRef>
+          <a:effectRef idx="0">
+            <a:schemeClr val="accent1"/>
+          </a:effectRef>
+          <a:fontRef idx="minor">
+            <a:schemeClr val="tx1"/>
+          </a:fontRef>
+        </p:style>
+        <p:txBody>
+          <a:bodyPr rtlCol="0" anchor="ctr"/>
+          <a:lstStyle/>
+          <a:p>
+            <a:pPr algn="ctr"/>
+            <a:endParaRPr lang="en-GB"/>
+          </a:p>
+        </p:txBody>
+      </p:sp>
+      <p:sp>
+        <p:nvSpPr>
+          <p:cNvPr id="11" name="TextBox 10">
+            <a:extLst>
+              <a:ext uri="{FF2B5EF4-FFF2-40B4-BE49-F238E27FC236}">
+                <a16:creationId xmlns:a16="http://schemas.microsoft.com/office/drawing/2014/main" id="{CD3F9649-41A2-9246-AFE8-6CE32264EBFC}"/>
+              </a:ext>
+            </a:extLst>
+          </p:cNvPr>
+          <p:cNvSpPr txBox="1"/>
+          <p:nvPr/>
+        </p:nvSpPr>
+        <p:spPr>
+          <a:xfrm>
+            <a:off x="1980307" y="2364004"/>
+            <a:ext cx="1354566" cy="646331"/>
+          </a:xfrm>
+          <a:prstGeom prst="rect">
+            <a:avLst/>
+          </a:prstGeom>
+          <a:noFill/>
+        </p:spPr>
+        <p:txBody>
+          <a:bodyPr wrap="square" rtlCol="0">
+            <a:spAutoFit/>
+          </a:bodyPr>
+          <a:lstStyle/>
+          <a:p>
+            <a:pPr algn="r"/>
+            <a:r>
+              <a:rPr lang="en-GB" dirty="0"/>
+              <a:t>The current stack</a:t>
+            </a:r>
+          </a:p>
+        </p:txBody>
+      </p:sp>
+      <p:sp>
+        <p:nvSpPr>
+          <p:cNvPr id="12" name="TextBox 11">
+            <a:extLst>
+              <a:ext uri="{FF2B5EF4-FFF2-40B4-BE49-F238E27FC236}">
+                <a16:creationId xmlns:a16="http://schemas.microsoft.com/office/drawing/2014/main" id="{18E95D89-07FA-CE4F-A466-20C9C4FA90B9}"/>
+              </a:ext>
+            </a:extLst>
+          </p:cNvPr>
+          <p:cNvSpPr txBox="1"/>
+          <p:nvPr/>
+        </p:nvSpPr>
+        <p:spPr>
+          <a:xfrm>
+            <a:off x="6381975" y="2155122"/>
+            <a:ext cx="2526333" cy="369332"/>
+          </a:xfrm>
+          <a:prstGeom prst="rect">
+            <a:avLst/>
+          </a:prstGeom>
+          <a:noFill/>
+        </p:spPr>
+        <p:txBody>
+          <a:bodyPr wrap="none" rtlCol="0">
+            <a:spAutoFit/>
+          </a:bodyPr>
+          <a:lstStyle/>
+          <a:p>
+            <a:r>
+              <a:rPr lang="en-GB" dirty="0"/>
+              <a:t>The first method invoked</a:t>
+            </a:r>
+          </a:p>
+        </p:txBody>
+      </p:sp>
+      <p:sp>
+        <p:nvSpPr>
+          <p:cNvPr id="13" name="TextBox 12">
+            <a:extLst>
+              <a:ext uri="{FF2B5EF4-FFF2-40B4-BE49-F238E27FC236}">
+                <a16:creationId xmlns:a16="http://schemas.microsoft.com/office/drawing/2014/main" id="{F1FF435C-EF88-1748-A9C6-B479A7A7FB79}"/>
+              </a:ext>
+            </a:extLst>
+          </p:cNvPr>
+          <p:cNvSpPr txBox="1"/>
+          <p:nvPr/>
+        </p:nvSpPr>
+        <p:spPr>
+          <a:xfrm>
+            <a:off x="6381974" y="2687187"/>
+            <a:ext cx="2526333" cy="923330"/>
+          </a:xfrm>
+          <a:prstGeom prst="rect">
+            <a:avLst/>
+          </a:prstGeom>
+          <a:noFill/>
+        </p:spPr>
+        <p:txBody>
+          <a:bodyPr wrap="square" rtlCol="0">
+            <a:spAutoFit/>
+          </a:bodyPr>
+          <a:lstStyle/>
+          <a:p>
+            <a:r>
+              <a:rPr lang="en-GB" dirty="0"/>
+              <a:t>The last method invoked and currently active method</a:t>
+            </a:r>
+          </a:p>
+        </p:txBody>
+      </p:sp>
+    </p:spTree>
+    <p:extLst>
+      <p:ext uri="{BB962C8B-B14F-4D97-AF65-F5344CB8AC3E}">
+        <p14:creationId xmlns:p14="http://schemas.microsoft.com/office/powerpoint/2010/main" val="1574445373"/>
+      </p:ext>
+    </p:extLst>
+  </p:cSld>
+  <p:clrMapOvr>
+    <a:masterClrMapping/>
+  </p:clrMapOvr>
+</p:sld>
+</file>
+
+<file path=ppt/slides/slide30.xml><?xml version="1.0" encoding="utf-8"?>
+<p:sld xmlns:a="http://schemas.openxmlformats.org/drawingml/2006/main" xmlns:r="http://schemas.openxmlformats.org/officeDocument/2006/relationships" xmlns:p="http://schemas.openxmlformats.org/presentationml/2006/main">
+  <p:cSld>
+    <p:spTree>
+      <p:nvGrpSpPr>
+        <p:cNvPr id="1" name=""/>
+        <p:cNvGrpSpPr/>
+        <p:nvPr/>
+      </p:nvGrpSpPr>
+      <p:grpSpPr>
+        <a:xfrm>
+          <a:off x="0" y="0"/>
+          <a:ext cx="0" cy="0"/>
+          <a:chOff x="0" y="0"/>
+          <a:chExt cx="0" cy="0"/>
+        </a:xfrm>
+      </p:grpSpPr>
+      <p:pic>
+        <p:nvPicPr>
+          <p:cNvPr id="4" name="Picture 3">
+            <a:extLst>
+              <a:ext uri="{FF2B5EF4-FFF2-40B4-BE49-F238E27FC236}">
+                <a16:creationId xmlns:a16="http://schemas.microsoft.com/office/drawing/2014/main" id="{8FDDC73A-5EFD-6049-BFCF-B118EDF73861}"/>
+              </a:ext>
+            </a:extLst>
+          </p:cNvPr>
+          <p:cNvPicPr>
+            <a:picLocks noChangeAspect="1"/>
+          </p:cNvPicPr>
+          <p:nvPr/>
+        </p:nvPicPr>
+        <p:blipFill>
+          <a:blip r:embed="rId2"/>
+          <a:stretch>
+            <a:fillRect/>
+          </a:stretch>
+        </p:blipFill>
+        <p:spPr>
+          <a:xfrm>
+            <a:off x="1651000" y="615950"/>
+            <a:ext cx="8890000" cy="5626100"/>
+          </a:xfrm>
+          <a:prstGeom prst="rect">
+            <a:avLst/>
+          </a:prstGeom>
+        </p:spPr>
+      </p:pic>
+      <p:sp>
+        <p:nvSpPr>
+          <p:cNvPr id="5" name="TextBox 4">
+            <a:extLst>
+              <a:ext uri="{FF2B5EF4-FFF2-40B4-BE49-F238E27FC236}">
+                <a16:creationId xmlns:a16="http://schemas.microsoft.com/office/drawing/2014/main" id="{9DF4109D-A7BE-3B4C-94DD-B4B3115C62EB}"/>
+              </a:ext>
+            </a:extLst>
+          </p:cNvPr>
+          <p:cNvSpPr txBox="1"/>
+          <p:nvPr/>
+        </p:nvSpPr>
+        <p:spPr>
+          <a:xfrm>
+            <a:off x="4497325" y="1959723"/>
+            <a:ext cx="2637132" cy="369332"/>
+          </a:xfrm>
+          <a:prstGeom prst="rect">
+            <a:avLst/>
+          </a:prstGeom>
+          <a:noFill/>
+        </p:spPr>
+        <p:txBody>
+          <a:bodyPr wrap="none" rtlCol="0">
+            <a:spAutoFit/>
+          </a:bodyPr>
+          <a:lstStyle/>
+          <a:p>
+            <a:r>
+              <a:rPr lang="en-GB" dirty="0">
+                <a:solidFill>
+                  <a:srgbClr val="FF0000"/>
+                </a:solidFill>
+              </a:rPr>
+              <a:t>The length of array </a:t>
+            </a:r>
+            <a:r>
+              <a:rPr lang="en-GB" dirty="0">
+                <a:solidFill>
+                  <a:srgbClr val="FF0000"/>
+                </a:solidFill>
+                <a:latin typeface="Courier New" panose="02070309020205020404" pitchFamily="49" charset="0"/>
+                <a:cs typeface="Courier New" panose="02070309020205020404" pitchFamily="49" charset="0"/>
+              </a:rPr>
+              <a:t>a</a:t>
+            </a:r>
+            <a:r>
+              <a:rPr lang="en-GB" dirty="0">
+                <a:solidFill>
+                  <a:srgbClr val="FF0000"/>
+                </a:solidFill>
+              </a:rPr>
+              <a:t> is 3 </a:t>
+            </a:r>
+          </a:p>
+        </p:txBody>
+      </p:sp>
+      <p:cxnSp>
+        <p:nvCxnSpPr>
+          <p:cNvPr id="7" name="Straight Arrow Connector 6">
+            <a:extLst>
+              <a:ext uri="{FF2B5EF4-FFF2-40B4-BE49-F238E27FC236}">
+                <a16:creationId xmlns:a16="http://schemas.microsoft.com/office/drawing/2014/main" id="{B7E677BF-1AFE-6849-871D-D66C969FB8C8}"/>
+              </a:ext>
+            </a:extLst>
+          </p:cNvPr>
+          <p:cNvCxnSpPr/>
+          <p:nvPr/>
+        </p:nvCxnSpPr>
+        <p:spPr>
+          <a:xfrm>
+            <a:off x="4497325" y="1759226"/>
+            <a:ext cx="0" cy="755374"/>
+          </a:xfrm>
+          <a:prstGeom prst="straightConnector1">
+            <a:avLst/>
+          </a:prstGeom>
+          <a:ln w="12700">
+            <a:solidFill>
+              <a:srgbClr val="FF0000"/>
+            </a:solidFill>
+            <a:tailEnd type="triangle"/>
+          </a:ln>
+        </p:spPr>
+        <p:style>
+          <a:lnRef idx="1">
+            <a:schemeClr val="accent1"/>
+          </a:lnRef>
+          <a:fillRef idx="0">
+            <a:schemeClr val="accent1"/>
+          </a:fillRef>
+          <a:effectRef idx="0">
+            <a:schemeClr val="accent1"/>
+          </a:effectRef>
+          <a:fontRef idx="minor">
+            <a:schemeClr val="tx1"/>
+          </a:fontRef>
+        </p:style>
+      </p:cxnSp>
+      <p:sp>
+        <p:nvSpPr>
+          <p:cNvPr id="12" name="Arc 11">
+            <a:extLst>
+              <a:ext uri="{FF2B5EF4-FFF2-40B4-BE49-F238E27FC236}">
+                <a16:creationId xmlns:a16="http://schemas.microsoft.com/office/drawing/2014/main" id="{9491F0CB-338C-C545-B0FD-3EF332D2F81C}"/>
+              </a:ext>
+            </a:extLst>
+          </p:cNvPr>
+          <p:cNvSpPr/>
+          <p:nvPr/>
+        </p:nvSpPr>
+        <p:spPr>
+          <a:xfrm>
+            <a:off x="4010747" y="1817145"/>
+            <a:ext cx="318490" cy="327244"/>
+          </a:xfrm>
+          <a:prstGeom prst="arc">
+            <a:avLst>
+              <a:gd name="adj1" fmla="val 16200000"/>
+              <a:gd name="adj2" fmla="val 5250620"/>
+            </a:avLst>
+          </a:prstGeom>
+          <a:ln w="12700">
+            <a:solidFill>
+              <a:srgbClr val="FF0000"/>
+            </a:solidFill>
+            <a:headEnd type="none" w="med" len="med"/>
+            <a:tailEnd type="triangle" w="med" len="med"/>
+          </a:ln>
+        </p:spPr>
+        <p:style>
+          <a:lnRef idx="1">
+            <a:schemeClr val="accent1"/>
+          </a:lnRef>
+          <a:fillRef idx="0">
+            <a:schemeClr val="accent1"/>
+          </a:fillRef>
+          <a:effectRef idx="0">
+            <a:schemeClr val="accent1"/>
+          </a:effectRef>
+          <a:fontRef idx="minor">
+            <a:schemeClr val="tx1"/>
+          </a:fontRef>
+        </p:style>
+        <p:txBody>
+          <a:bodyPr rtlCol="0" anchor="ctr"/>
+          <a:lstStyle/>
+          <a:p>
+            <a:pPr algn="ctr"/>
+            <a:endParaRPr lang="en-GB"/>
+          </a:p>
+        </p:txBody>
+      </p:sp>
+      <p:sp>
+        <p:nvSpPr>
+          <p:cNvPr id="13" name="Arc 12">
+            <a:extLst>
+              <a:ext uri="{FF2B5EF4-FFF2-40B4-BE49-F238E27FC236}">
+                <a16:creationId xmlns:a16="http://schemas.microsoft.com/office/drawing/2014/main" id="{FB145D00-24EB-D741-977E-1A43D415289D}"/>
+              </a:ext>
+            </a:extLst>
+          </p:cNvPr>
+          <p:cNvSpPr/>
+          <p:nvPr/>
+        </p:nvSpPr>
+        <p:spPr>
+          <a:xfrm>
+            <a:off x="4010747" y="2157957"/>
+            <a:ext cx="318490" cy="327244"/>
+          </a:xfrm>
+          <a:prstGeom prst="arc">
+            <a:avLst>
+              <a:gd name="adj1" fmla="val 16200000"/>
+              <a:gd name="adj2" fmla="val 5250620"/>
+            </a:avLst>
+          </a:prstGeom>
+          <a:ln w="12700">
+            <a:solidFill>
+              <a:srgbClr val="FF0000"/>
+            </a:solidFill>
+            <a:headEnd type="none" w="med" len="med"/>
+            <a:tailEnd type="triangle" w="med" len="med"/>
+          </a:ln>
+        </p:spPr>
+        <p:style>
+          <a:lnRef idx="1">
+            <a:schemeClr val="accent1"/>
+          </a:lnRef>
+          <a:fillRef idx="0">
+            <a:schemeClr val="accent1"/>
+          </a:fillRef>
+          <a:effectRef idx="0">
+            <a:schemeClr val="accent1"/>
+          </a:effectRef>
+          <a:fontRef idx="minor">
+            <a:schemeClr val="tx1"/>
+          </a:fontRef>
+        </p:style>
+        <p:txBody>
+          <a:bodyPr rtlCol="0" anchor="ctr"/>
+          <a:lstStyle/>
+          <a:p>
+            <a:pPr algn="ctr"/>
+            <a:endParaRPr lang="en-GB"/>
+          </a:p>
+        </p:txBody>
+      </p:sp>
+    </p:spTree>
+    <p:extLst>
+      <p:ext uri="{BB962C8B-B14F-4D97-AF65-F5344CB8AC3E}">
+        <p14:creationId xmlns:p14="http://schemas.microsoft.com/office/powerpoint/2010/main" val="3470463590"/>
+      </p:ext>
+    </p:extLst>
+  </p:cSld>
+  <p:clrMapOvr>
+    <a:masterClrMapping/>
+  </p:clrMapOvr>
+</p:sld>
+</file>
+
+<file path=ppt/slides/slide31.xml><?xml version="1.0" encoding="utf-8"?>
 <p:sld xmlns:a="http://schemas.openxmlformats.org/drawingml/2006/main" xmlns:r="http://schemas.openxmlformats.org/officeDocument/2006/relationships" xmlns:p="http://schemas.openxmlformats.org/presentationml/2006/main">
   <p:cSld>
     <p:spTree>
@@ -16217,7 +21199,7 @@
 </p:sld>
 </file>
 
-<file path=ppt/slides/slide27.xml><?xml version="1.0" encoding="utf-8"?>
+<file path=ppt/slides/slide32.xml><?xml version="1.0" encoding="utf-8"?>
 <p:sld xmlns:a="http://schemas.openxmlformats.org/drawingml/2006/main" xmlns:r="http://schemas.openxmlformats.org/officeDocument/2006/relationships" xmlns:p="http://schemas.openxmlformats.org/presentationml/2006/main">
   <p:cSld>
     <p:spTree>
@@ -17016,7 +21998,7 @@
 </p:sld>
 </file>
 
-<file path=ppt/slides/slide28.xml><?xml version="1.0" encoding="utf-8"?>
+<file path=ppt/slides/slide33.xml><?xml version="1.0" encoding="utf-8"?>
 <p:sld xmlns:a="http://schemas.openxmlformats.org/drawingml/2006/main" xmlns:r="http://schemas.openxmlformats.org/officeDocument/2006/relationships" xmlns:p="http://schemas.openxmlformats.org/presentationml/2006/main">
   <p:cSld>
     <p:spTree>
@@ -17499,7 +22481,7 @@
 </p:sld>
 </file>
 
-<file path=ppt/slides/slide29.xml><?xml version="1.0" encoding="utf-8"?>
+<file path=ppt/slides/slide34.xml><?xml version="1.0" encoding="utf-8"?>
 <p:sld xmlns:a="http://schemas.openxmlformats.org/drawingml/2006/main" xmlns:r="http://schemas.openxmlformats.org/officeDocument/2006/relationships" xmlns:p="http://schemas.openxmlformats.org/presentationml/2006/main">
   <p:cSld>
     <p:spTree>
@@ -18414,295 +23396,7 @@
 </p:sld>
 </file>
 
-<file path=ppt/slides/slide3.xml><?xml version="1.0" encoding="utf-8"?>
-<p:sld xmlns:a="http://schemas.openxmlformats.org/drawingml/2006/main" xmlns:r="http://schemas.openxmlformats.org/officeDocument/2006/relationships" xmlns:p="http://schemas.openxmlformats.org/presentationml/2006/main">
-  <p:cSld>
-    <p:spTree>
-      <p:nvGrpSpPr>
-        <p:cNvPr id="1" name=""/>
-        <p:cNvGrpSpPr/>
-        <p:nvPr/>
-      </p:nvGrpSpPr>
-      <p:grpSpPr>
-        <a:xfrm>
-          <a:off x="0" y="0"/>
-          <a:ext cx="0" cy="0"/>
-          <a:chOff x="0" y="0"/>
-          <a:chExt cx="0" cy="0"/>
-        </a:xfrm>
-      </p:grpSpPr>
-      <p:sp>
-        <p:nvSpPr>
-          <p:cNvPr id="5" name="Rectangle 4">
-            <a:extLst>
-              <a:ext uri="{FF2B5EF4-FFF2-40B4-BE49-F238E27FC236}">
-                <a16:creationId xmlns:a16="http://schemas.microsoft.com/office/drawing/2014/main" id="{5BCC71AA-52B2-0E4A-AEDB-BA54AE9CA39C}"/>
-              </a:ext>
-            </a:extLst>
-          </p:cNvPr>
-          <p:cNvSpPr/>
-          <p:nvPr/>
-        </p:nvSpPr>
-        <p:spPr>
-          <a:xfrm>
-            <a:off x="4123766" y="1878106"/>
-            <a:ext cx="2034988" cy="923364"/>
-          </a:xfrm>
-          <a:prstGeom prst="rect">
-            <a:avLst/>
-          </a:prstGeom>
-          <a:solidFill>
-            <a:schemeClr val="accent2">
-              <a:lumMod val="40000"/>
-              <a:lumOff val="60000"/>
-            </a:schemeClr>
-          </a:solidFill>
-        </p:spPr>
-        <p:style>
-          <a:lnRef idx="2">
-            <a:schemeClr val="accent1">
-              <a:shade val="50000"/>
-            </a:schemeClr>
-          </a:lnRef>
-          <a:fillRef idx="1">
-            <a:schemeClr val="accent1"/>
-          </a:fillRef>
-          <a:effectRef idx="0">
-            <a:schemeClr val="accent1"/>
-          </a:effectRef>
-          <a:fontRef idx="minor">
-            <a:schemeClr val="lt1"/>
-          </a:fontRef>
-        </p:style>
-        <p:txBody>
-          <a:bodyPr rtlCol="0" anchor="ctr"/>
-          <a:lstStyle/>
-          <a:p>
-            <a:pPr algn="ctr"/>
-            <a:r>
-              <a:rPr lang="en-GB" dirty="0"/>
-              <a:t>main() </a:t>
-            </a:r>
-          </a:p>
-        </p:txBody>
-      </p:sp>
-      <p:sp>
-        <p:nvSpPr>
-          <p:cNvPr id="9" name="Rectangle 8">
-            <a:extLst>
-              <a:ext uri="{FF2B5EF4-FFF2-40B4-BE49-F238E27FC236}">
-                <a16:creationId xmlns:a16="http://schemas.microsoft.com/office/drawing/2014/main" id="{425E895A-F0DE-AC44-984C-7DCF1AE95F8D}"/>
-              </a:ext>
-            </a:extLst>
-          </p:cNvPr>
-          <p:cNvSpPr/>
-          <p:nvPr/>
-        </p:nvSpPr>
-        <p:spPr>
-          <a:xfrm>
-            <a:off x="4123766" y="2801470"/>
-            <a:ext cx="2034988" cy="694765"/>
-          </a:xfrm>
-          <a:prstGeom prst="rect">
-            <a:avLst/>
-          </a:prstGeom>
-          <a:solidFill>
-            <a:schemeClr val="accent2"/>
-          </a:solidFill>
-        </p:spPr>
-        <p:style>
-          <a:lnRef idx="2">
-            <a:schemeClr val="accent1">
-              <a:shade val="50000"/>
-            </a:schemeClr>
-          </a:lnRef>
-          <a:fillRef idx="1">
-            <a:schemeClr val="accent1"/>
-          </a:fillRef>
-          <a:effectRef idx="0">
-            <a:schemeClr val="accent1"/>
-          </a:effectRef>
-          <a:fontRef idx="minor">
-            <a:schemeClr val="lt1"/>
-          </a:fontRef>
-        </p:style>
-        <p:txBody>
-          <a:bodyPr rtlCol="0" anchor="ctr"/>
-          <a:lstStyle/>
-          <a:p>
-            <a:pPr algn="ctr"/>
-            <a:r>
-              <a:rPr lang="en-GB" dirty="0"/>
-              <a:t>printf() </a:t>
-            </a:r>
-          </a:p>
-        </p:txBody>
-      </p:sp>
-      <p:sp>
-        <p:nvSpPr>
-          <p:cNvPr id="10" name="Left Brace 9">
-            <a:extLst>
-              <a:ext uri="{FF2B5EF4-FFF2-40B4-BE49-F238E27FC236}">
-                <a16:creationId xmlns:a16="http://schemas.microsoft.com/office/drawing/2014/main" id="{26DE15B0-A5FF-494B-BE23-2C799E633A46}"/>
-              </a:ext>
-            </a:extLst>
-          </p:cNvPr>
-          <p:cNvSpPr/>
-          <p:nvPr/>
-        </p:nvSpPr>
-        <p:spPr>
-          <a:xfrm>
-            <a:off x="3155577" y="1878106"/>
-            <a:ext cx="824753" cy="1618129"/>
-          </a:xfrm>
-          <a:prstGeom prst="leftBrace">
-            <a:avLst/>
-          </a:prstGeom>
-          <a:ln w="12700"/>
-        </p:spPr>
-        <p:style>
-          <a:lnRef idx="1">
-            <a:schemeClr val="accent1"/>
-          </a:lnRef>
-          <a:fillRef idx="0">
-            <a:schemeClr val="accent1"/>
-          </a:fillRef>
-          <a:effectRef idx="0">
-            <a:schemeClr val="accent1"/>
-          </a:effectRef>
-          <a:fontRef idx="minor">
-            <a:schemeClr val="tx1"/>
-          </a:fontRef>
-        </p:style>
-        <p:txBody>
-          <a:bodyPr rtlCol="0" anchor="ctr"/>
-          <a:lstStyle/>
-          <a:p>
-            <a:pPr algn="ctr"/>
-            <a:endParaRPr lang="en-GB"/>
-          </a:p>
-        </p:txBody>
-      </p:sp>
-      <p:sp>
-        <p:nvSpPr>
-          <p:cNvPr id="11" name="TextBox 10">
-            <a:extLst>
-              <a:ext uri="{FF2B5EF4-FFF2-40B4-BE49-F238E27FC236}">
-                <a16:creationId xmlns:a16="http://schemas.microsoft.com/office/drawing/2014/main" id="{CD3F9649-41A2-9246-AFE8-6CE32264EBFC}"/>
-              </a:ext>
-            </a:extLst>
-          </p:cNvPr>
-          <p:cNvSpPr txBox="1"/>
-          <p:nvPr/>
-        </p:nvSpPr>
-        <p:spPr>
-          <a:xfrm>
-            <a:off x="1980307" y="2364004"/>
-            <a:ext cx="1354566" cy="646331"/>
-          </a:xfrm>
-          <a:prstGeom prst="rect">
-            <a:avLst/>
-          </a:prstGeom>
-          <a:noFill/>
-        </p:spPr>
-        <p:txBody>
-          <a:bodyPr wrap="square" rtlCol="0">
-            <a:spAutoFit/>
-          </a:bodyPr>
-          <a:lstStyle/>
-          <a:p>
-            <a:pPr algn="r"/>
-            <a:r>
-              <a:rPr lang="en-GB" dirty="0"/>
-              <a:t>The current stack</a:t>
-            </a:r>
-          </a:p>
-        </p:txBody>
-      </p:sp>
-      <p:sp>
-        <p:nvSpPr>
-          <p:cNvPr id="12" name="TextBox 11">
-            <a:extLst>
-              <a:ext uri="{FF2B5EF4-FFF2-40B4-BE49-F238E27FC236}">
-                <a16:creationId xmlns:a16="http://schemas.microsoft.com/office/drawing/2014/main" id="{18E95D89-07FA-CE4F-A466-20C9C4FA90B9}"/>
-              </a:ext>
-            </a:extLst>
-          </p:cNvPr>
-          <p:cNvSpPr txBox="1"/>
-          <p:nvPr/>
-        </p:nvSpPr>
-        <p:spPr>
-          <a:xfrm>
-            <a:off x="6381975" y="2155122"/>
-            <a:ext cx="2526333" cy="369332"/>
-          </a:xfrm>
-          <a:prstGeom prst="rect">
-            <a:avLst/>
-          </a:prstGeom>
-          <a:noFill/>
-        </p:spPr>
-        <p:txBody>
-          <a:bodyPr wrap="none" rtlCol="0">
-            <a:spAutoFit/>
-          </a:bodyPr>
-          <a:lstStyle/>
-          <a:p>
-            <a:r>
-              <a:rPr lang="en-GB" dirty="0"/>
-              <a:t>The first method invoked</a:t>
-            </a:r>
-          </a:p>
-        </p:txBody>
-      </p:sp>
-      <p:sp>
-        <p:nvSpPr>
-          <p:cNvPr id="13" name="TextBox 12">
-            <a:extLst>
-              <a:ext uri="{FF2B5EF4-FFF2-40B4-BE49-F238E27FC236}">
-                <a16:creationId xmlns:a16="http://schemas.microsoft.com/office/drawing/2014/main" id="{F1FF435C-EF88-1748-A9C6-B479A7A7FB79}"/>
-              </a:ext>
-            </a:extLst>
-          </p:cNvPr>
-          <p:cNvSpPr txBox="1"/>
-          <p:nvPr/>
-        </p:nvSpPr>
-        <p:spPr>
-          <a:xfrm>
-            <a:off x="6381974" y="2687187"/>
-            <a:ext cx="2526333" cy="923330"/>
-          </a:xfrm>
-          <a:prstGeom prst="rect">
-            <a:avLst/>
-          </a:prstGeom>
-          <a:noFill/>
-        </p:spPr>
-        <p:txBody>
-          <a:bodyPr wrap="square" rtlCol="0">
-            <a:spAutoFit/>
-          </a:bodyPr>
-          <a:lstStyle/>
-          <a:p>
-            <a:r>
-              <a:rPr lang="en-GB" dirty="0"/>
-              <a:t>The last method invoked and currently active method</a:t>
-            </a:r>
-          </a:p>
-        </p:txBody>
-      </p:sp>
-    </p:spTree>
-    <p:extLst>
-      <p:ext uri="{BB962C8B-B14F-4D97-AF65-F5344CB8AC3E}">
-        <p14:creationId xmlns:p14="http://schemas.microsoft.com/office/powerpoint/2010/main" val="1574445373"/>
-      </p:ext>
-    </p:extLst>
-  </p:cSld>
-  <p:clrMapOvr>
-    <a:masterClrMapping/>
-  </p:clrMapOvr>
-</p:sld>
-</file>
-
-<file path=ppt/slides/slide30.xml><?xml version="1.0" encoding="utf-8"?>
+<file path=ppt/slides/slide35.xml><?xml version="1.0" encoding="utf-8"?>
 <p:sld xmlns:a="http://schemas.openxmlformats.org/drawingml/2006/main" xmlns:r="http://schemas.openxmlformats.org/officeDocument/2006/relationships" xmlns:p="http://schemas.openxmlformats.org/presentationml/2006/main">
   <p:cSld>
     <p:spTree>
@@ -19621,7 +24315,7 @@
 </p:sld>
 </file>
 
-<file path=ppt/slides/slide31.xml><?xml version="1.0" encoding="utf-8"?>
+<file path=ppt/slides/slide36.xml><?xml version="1.0" encoding="utf-8"?>
 <p:sld xmlns:a="http://schemas.openxmlformats.org/drawingml/2006/main" xmlns:r="http://schemas.openxmlformats.org/officeDocument/2006/relationships" xmlns:p="http://schemas.openxmlformats.org/presentationml/2006/main">
   <p:cSld>
     <p:spTree>

--- a/assets/images/Images.pptx
+++ b/assets/images/Images.pptx
@@ -5,7 +5,7 @@
     <p:sldMasterId id="2147483648" r:id="rId1"/>
   </p:sldMasterIdLst>
   <p:notesMasterIdLst>
-    <p:notesMasterId r:id="rId38"/>
+    <p:notesMasterId r:id="rId41"/>
   </p:notesMasterIdLst>
   <p:sldIdLst>
     <p:sldId id="257" r:id="rId2"/>
@@ -38,12 +38,15 @@
     <p:sldId id="291" r:id="rId29"/>
     <p:sldId id="290" r:id="rId30"/>
     <p:sldId id="289" r:id="rId31"/>
-    <p:sldId id="270" r:id="rId32"/>
-    <p:sldId id="283" r:id="rId33"/>
-    <p:sldId id="284" r:id="rId34"/>
-    <p:sldId id="285" r:id="rId35"/>
-    <p:sldId id="286" r:id="rId36"/>
-    <p:sldId id="256" r:id="rId37"/>
+    <p:sldId id="292" r:id="rId32"/>
+    <p:sldId id="293" r:id="rId33"/>
+    <p:sldId id="294" r:id="rId34"/>
+    <p:sldId id="270" r:id="rId35"/>
+    <p:sldId id="283" r:id="rId36"/>
+    <p:sldId id="284" r:id="rId37"/>
+    <p:sldId id="285" r:id="rId38"/>
+    <p:sldId id="286" r:id="rId39"/>
+    <p:sldId id="256" r:id="rId40"/>
   </p:sldIdLst>
   <p:sldSz cx="12192000" cy="6858000"/>
   <p:notesSz cx="6858000" cy="9144000"/>
@@ -193,6 +196,9 @@
             <p14:sldId id="291"/>
             <p14:sldId id="290"/>
             <p14:sldId id="289"/>
+            <p14:sldId id="292"/>
+            <p14:sldId id="293"/>
+            <p14:sldId id="294"/>
             <p14:sldId id="270"/>
           </p14:sldIdLst>
         </p14:section>
@@ -971,7 +977,7 @@
           <a:p>
             <a:fld id="{11A96E62-EC5F-C045-9FEB-EDD3A98888BE}" type="slidenum">
               <a:rPr lang="en-GB" smtClean="0"/>
-              <a:t>33</a:t>
+              <a:t>36</a:t>
             </a:fld>
             <a:endParaRPr lang="en-GB"/>
           </a:p>
@@ -1055,7 +1061,7 @@
           <a:p>
             <a:fld id="{11A96E62-EC5F-C045-9FEB-EDD3A98888BE}" type="slidenum">
               <a:rPr lang="en-GB" smtClean="0"/>
-              <a:t>34</a:t>
+              <a:t>37</a:t>
             </a:fld>
             <a:endParaRPr lang="en-GB"/>
           </a:p>
@@ -1139,7 +1145,7 @@
           <a:p>
             <a:fld id="{11A96E62-EC5F-C045-9FEB-EDD3A98888BE}" type="slidenum">
               <a:rPr lang="en-GB" smtClean="0"/>
-              <a:t>35</a:t>
+              <a:t>38</a:t>
             </a:fld>
             <a:endParaRPr lang="en-GB"/>
           </a:p>
@@ -1223,7 +1229,7 @@
           <a:p>
             <a:fld id="{11A96E62-EC5F-C045-9FEB-EDD3A98888BE}" type="slidenum">
               <a:rPr lang="en-GB" smtClean="0"/>
-              <a:t>36</a:t>
+              <a:t>39</a:t>
             </a:fld>
             <a:endParaRPr lang="en-GB"/>
           </a:p>
@@ -19647,6 +19653,1222 @@
 </file>
 
 <file path=ppt/slides/slide31.xml><?xml version="1.0" encoding="utf-8"?>
+<p:sld xmlns:a="http://schemas.openxmlformats.org/drawingml/2006/main" xmlns:r="http://schemas.openxmlformats.org/officeDocument/2006/relationships" xmlns:p="http://schemas.openxmlformats.org/presentationml/2006/main">
+  <p:cSld>
+    <p:spTree>
+      <p:nvGrpSpPr>
+        <p:cNvPr id="1" name=""/>
+        <p:cNvGrpSpPr/>
+        <p:nvPr/>
+      </p:nvGrpSpPr>
+      <p:grpSpPr>
+        <a:xfrm>
+          <a:off x="0" y="0"/>
+          <a:ext cx="0" cy="0"/>
+          <a:chOff x="0" y="0"/>
+          <a:chExt cx="0" cy="0"/>
+        </a:xfrm>
+      </p:grpSpPr>
+      <p:pic>
+        <p:nvPicPr>
+          <p:cNvPr id="4" name="Picture 3">
+            <a:extLst>
+              <a:ext uri="{FF2B5EF4-FFF2-40B4-BE49-F238E27FC236}">
+                <a16:creationId xmlns:a16="http://schemas.microsoft.com/office/drawing/2014/main" id="{775B04A3-A4B1-4A4D-883C-C5402ACAD8A1}"/>
+              </a:ext>
+            </a:extLst>
+          </p:cNvPr>
+          <p:cNvPicPr>
+            <a:picLocks noChangeAspect="1"/>
+          </p:cNvPicPr>
+          <p:nvPr/>
+        </p:nvPicPr>
+        <p:blipFill rotWithShape="1">
+          <a:blip r:embed="rId2"/>
+          <a:srcRect t="5505"/>
+          <a:stretch/>
+        </p:blipFill>
+        <p:spPr>
+          <a:xfrm>
+            <a:off x="1280305" y="319177"/>
+            <a:ext cx="7543800" cy="6096478"/>
+          </a:xfrm>
+          <a:prstGeom prst="rect">
+            <a:avLst/>
+          </a:prstGeom>
+        </p:spPr>
+      </p:pic>
+      <p:cxnSp>
+        <p:nvCxnSpPr>
+          <p:cNvPr id="6" name="Straight Arrow Connector 5">
+            <a:extLst>
+              <a:ext uri="{FF2B5EF4-FFF2-40B4-BE49-F238E27FC236}">
+                <a16:creationId xmlns:a16="http://schemas.microsoft.com/office/drawing/2014/main" id="{89269E00-2FD8-7642-B0CD-63D390610B34}"/>
+              </a:ext>
+            </a:extLst>
+          </p:cNvPr>
+          <p:cNvCxnSpPr>
+            <a:cxnSpLocks/>
+          </p:cNvCxnSpPr>
+          <p:nvPr/>
+        </p:nvCxnSpPr>
+        <p:spPr>
+          <a:xfrm flipH="1" flipV="1">
+            <a:off x="4675517" y="534839"/>
+            <a:ext cx="1420483" cy="715991"/>
+          </a:xfrm>
+          <a:prstGeom prst="straightConnector1">
+            <a:avLst/>
+          </a:prstGeom>
+          <a:ln w="12700">
+            <a:solidFill>
+              <a:srgbClr val="FF0000"/>
+            </a:solidFill>
+            <a:tailEnd type="triangle"/>
+          </a:ln>
+        </p:spPr>
+        <p:style>
+          <a:lnRef idx="1">
+            <a:schemeClr val="accent1"/>
+          </a:lnRef>
+          <a:fillRef idx="0">
+            <a:schemeClr val="accent1"/>
+          </a:fillRef>
+          <a:effectRef idx="0">
+            <a:schemeClr val="accent1"/>
+          </a:effectRef>
+          <a:fontRef idx="minor">
+            <a:schemeClr val="tx1"/>
+          </a:fontRef>
+        </p:style>
+      </p:cxnSp>
+      <p:cxnSp>
+        <p:nvCxnSpPr>
+          <p:cNvPr id="7" name="Straight Arrow Connector 6">
+            <a:extLst>
+              <a:ext uri="{FF2B5EF4-FFF2-40B4-BE49-F238E27FC236}">
+                <a16:creationId xmlns:a16="http://schemas.microsoft.com/office/drawing/2014/main" id="{A6E7716A-E828-0A48-9B2C-A0C7A6296AA7}"/>
+              </a:ext>
+            </a:extLst>
+          </p:cNvPr>
+          <p:cNvCxnSpPr>
+            <a:cxnSpLocks/>
+          </p:cNvCxnSpPr>
+          <p:nvPr/>
+        </p:nvCxnSpPr>
+        <p:spPr>
+          <a:xfrm flipH="1">
+            <a:off x="2175655" y="2981864"/>
+            <a:ext cx="3086458" cy="0"/>
+          </a:xfrm>
+          <a:prstGeom prst="straightConnector1">
+            <a:avLst/>
+          </a:prstGeom>
+          <a:ln w="12700">
+            <a:solidFill>
+              <a:srgbClr val="FF0000"/>
+            </a:solidFill>
+            <a:tailEnd type="triangle"/>
+          </a:ln>
+        </p:spPr>
+        <p:style>
+          <a:lnRef idx="1">
+            <a:schemeClr val="accent1"/>
+          </a:lnRef>
+          <a:fillRef idx="0">
+            <a:schemeClr val="accent1"/>
+          </a:fillRef>
+          <a:effectRef idx="0">
+            <a:schemeClr val="accent1"/>
+          </a:effectRef>
+          <a:fontRef idx="minor">
+            <a:schemeClr val="tx1"/>
+          </a:fontRef>
+        </p:style>
+      </p:cxnSp>
+      <p:cxnSp>
+        <p:nvCxnSpPr>
+          <p:cNvPr id="15" name="Straight Arrow Connector 14">
+            <a:extLst>
+              <a:ext uri="{FF2B5EF4-FFF2-40B4-BE49-F238E27FC236}">
+                <a16:creationId xmlns:a16="http://schemas.microsoft.com/office/drawing/2014/main" id="{4BC73A91-0245-D244-B9B5-4442836E70F6}"/>
+              </a:ext>
+            </a:extLst>
+          </p:cNvPr>
+          <p:cNvCxnSpPr>
+            <a:cxnSpLocks/>
+          </p:cNvCxnSpPr>
+          <p:nvPr/>
+        </p:nvCxnSpPr>
+        <p:spPr>
+          <a:xfrm flipH="1">
+            <a:off x="3128515" y="4784787"/>
+            <a:ext cx="2133598" cy="0"/>
+          </a:xfrm>
+          <a:prstGeom prst="straightConnector1">
+            <a:avLst/>
+          </a:prstGeom>
+          <a:ln w="12700">
+            <a:solidFill>
+              <a:srgbClr val="FF0000"/>
+            </a:solidFill>
+            <a:tailEnd type="triangle"/>
+          </a:ln>
+        </p:spPr>
+        <p:style>
+          <a:lnRef idx="1">
+            <a:schemeClr val="accent1"/>
+          </a:lnRef>
+          <a:fillRef idx="0">
+            <a:schemeClr val="accent1"/>
+          </a:fillRef>
+          <a:effectRef idx="0">
+            <a:schemeClr val="accent1"/>
+          </a:effectRef>
+          <a:fontRef idx="minor">
+            <a:schemeClr val="tx1"/>
+          </a:fontRef>
+        </p:style>
+      </p:cxnSp>
+      <p:sp>
+        <p:nvSpPr>
+          <p:cNvPr id="18" name="TextBox 17">
+            <a:extLst>
+              <a:ext uri="{FF2B5EF4-FFF2-40B4-BE49-F238E27FC236}">
+                <a16:creationId xmlns:a16="http://schemas.microsoft.com/office/drawing/2014/main" id="{768EE3DF-4D50-524F-A5B0-FB833DC19B75}"/>
+              </a:ext>
+            </a:extLst>
+          </p:cNvPr>
+          <p:cNvSpPr txBox="1"/>
+          <p:nvPr/>
+        </p:nvSpPr>
+        <p:spPr>
+          <a:xfrm>
+            <a:off x="6096000" y="1066164"/>
+            <a:ext cx="1447704" cy="369332"/>
+          </a:xfrm>
+          <a:prstGeom prst="rect">
+            <a:avLst/>
+          </a:prstGeom>
+          <a:noFill/>
+        </p:spPr>
+        <p:txBody>
+          <a:bodyPr wrap="none" rtlCol="0">
+            <a:spAutoFit/>
+          </a:bodyPr>
+          <a:lstStyle/>
+          <a:p>
+            <a:r>
+              <a:rPr lang="en-GB" dirty="0">
+                <a:solidFill>
+                  <a:srgbClr val="FF0000"/>
+                </a:solidFill>
+              </a:rPr>
+              <a:t>1</a:t>
+            </a:r>
+            <a:r>
+              <a:rPr lang="en-GB" baseline="30000" dirty="0">
+                <a:solidFill>
+                  <a:srgbClr val="FF0000"/>
+                </a:solidFill>
+              </a:rPr>
+              <a:t>st</a:t>
+            </a:r>
+            <a:r>
+              <a:rPr lang="en-GB" dirty="0">
+                <a:solidFill>
+                  <a:srgbClr val="FF0000"/>
+                </a:solidFill>
+              </a:rPr>
+              <a:t> dimension</a:t>
+            </a:r>
+          </a:p>
+        </p:txBody>
+      </p:sp>
+      <p:sp>
+        <p:nvSpPr>
+          <p:cNvPr id="19" name="TextBox 18">
+            <a:extLst>
+              <a:ext uri="{FF2B5EF4-FFF2-40B4-BE49-F238E27FC236}">
+                <a16:creationId xmlns:a16="http://schemas.microsoft.com/office/drawing/2014/main" id="{9293AA7F-71B4-274A-B537-A11669CCDD0B}"/>
+              </a:ext>
+            </a:extLst>
+          </p:cNvPr>
+          <p:cNvSpPr txBox="1"/>
+          <p:nvPr/>
+        </p:nvSpPr>
+        <p:spPr>
+          <a:xfrm>
+            <a:off x="5321468" y="2797198"/>
+            <a:ext cx="1497526" cy="369332"/>
+          </a:xfrm>
+          <a:prstGeom prst="rect">
+            <a:avLst/>
+          </a:prstGeom>
+          <a:noFill/>
+        </p:spPr>
+        <p:txBody>
+          <a:bodyPr wrap="none" rtlCol="0">
+            <a:spAutoFit/>
+          </a:bodyPr>
+          <a:lstStyle/>
+          <a:p>
+            <a:r>
+              <a:rPr lang="en-GB" dirty="0">
+                <a:solidFill>
+                  <a:srgbClr val="FF0000"/>
+                </a:solidFill>
+              </a:rPr>
+              <a:t>2</a:t>
+            </a:r>
+            <a:r>
+              <a:rPr lang="en-GB" baseline="30000" dirty="0">
+                <a:solidFill>
+                  <a:srgbClr val="FF0000"/>
+                </a:solidFill>
+              </a:rPr>
+              <a:t>nd</a:t>
+            </a:r>
+            <a:r>
+              <a:rPr lang="en-GB" dirty="0">
+                <a:solidFill>
+                  <a:srgbClr val="FF0000"/>
+                </a:solidFill>
+              </a:rPr>
+              <a:t> dimension</a:t>
+            </a:r>
+          </a:p>
+        </p:txBody>
+      </p:sp>
+      <p:sp>
+        <p:nvSpPr>
+          <p:cNvPr id="20" name="TextBox 19">
+            <a:extLst>
+              <a:ext uri="{FF2B5EF4-FFF2-40B4-BE49-F238E27FC236}">
+                <a16:creationId xmlns:a16="http://schemas.microsoft.com/office/drawing/2014/main" id="{AC9E20CE-1FF5-7A41-A40E-9A9516FA6F71}"/>
+              </a:ext>
+            </a:extLst>
+          </p:cNvPr>
+          <p:cNvSpPr txBox="1"/>
+          <p:nvPr/>
+        </p:nvSpPr>
+        <p:spPr>
+          <a:xfrm>
+            <a:off x="5262113" y="4606426"/>
+            <a:ext cx="1468159" cy="369332"/>
+          </a:xfrm>
+          <a:prstGeom prst="rect">
+            <a:avLst/>
+          </a:prstGeom>
+          <a:noFill/>
+        </p:spPr>
+        <p:txBody>
+          <a:bodyPr wrap="none" rtlCol="0">
+            <a:spAutoFit/>
+          </a:bodyPr>
+          <a:lstStyle/>
+          <a:p>
+            <a:r>
+              <a:rPr lang="en-GB" dirty="0">
+                <a:solidFill>
+                  <a:srgbClr val="FF0000"/>
+                </a:solidFill>
+              </a:rPr>
+              <a:t>3</a:t>
+            </a:r>
+            <a:r>
+              <a:rPr lang="en-GB" baseline="30000" dirty="0">
+                <a:solidFill>
+                  <a:srgbClr val="FF0000"/>
+                </a:solidFill>
+              </a:rPr>
+              <a:t>rd</a:t>
+            </a:r>
+            <a:r>
+              <a:rPr lang="en-GB" dirty="0">
+                <a:solidFill>
+                  <a:srgbClr val="FF0000"/>
+                </a:solidFill>
+              </a:rPr>
+              <a:t> dimension</a:t>
+            </a:r>
+          </a:p>
+        </p:txBody>
+      </p:sp>
+    </p:spTree>
+    <p:extLst>
+      <p:ext uri="{BB962C8B-B14F-4D97-AF65-F5344CB8AC3E}">
+        <p14:creationId xmlns:p14="http://schemas.microsoft.com/office/powerpoint/2010/main" val="1356651050"/>
+      </p:ext>
+    </p:extLst>
+  </p:cSld>
+  <p:clrMapOvr>
+    <a:masterClrMapping/>
+  </p:clrMapOvr>
+</p:sld>
+</file>
+
+<file path=ppt/slides/slide32.xml><?xml version="1.0" encoding="utf-8"?>
+<p:sld xmlns:a="http://schemas.openxmlformats.org/drawingml/2006/main" xmlns:r="http://schemas.openxmlformats.org/officeDocument/2006/relationships" xmlns:p="http://schemas.openxmlformats.org/presentationml/2006/main">
+  <p:cSld>
+    <p:spTree>
+      <p:nvGrpSpPr>
+        <p:cNvPr id="1" name=""/>
+        <p:cNvGrpSpPr/>
+        <p:nvPr/>
+      </p:nvGrpSpPr>
+      <p:grpSpPr>
+        <a:xfrm>
+          <a:off x="0" y="0"/>
+          <a:ext cx="0" cy="0"/>
+          <a:chOff x="0" y="0"/>
+          <a:chExt cx="0" cy="0"/>
+        </a:xfrm>
+      </p:grpSpPr>
+      <p:pic>
+        <p:nvPicPr>
+          <p:cNvPr id="4" name="Picture 3">
+            <a:extLst>
+              <a:ext uri="{FF2B5EF4-FFF2-40B4-BE49-F238E27FC236}">
+                <a16:creationId xmlns:a16="http://schemas.microsoft.com/office/drawing/2014/main" id="{775B04A3-A4B1-4A4D-883C-C5402ACAD8A1}"/>
+              </a:ext>
+            </a:extLst>
+          </p:cNvPr>
+          <p:cNvPicPr>
+            <a:picLocks noChangeAspect="1"/>
+          </p:cNvPicPr>
+          <p:nvPr/>
+        </p:nvPicPr>
+        <p:blipFill rotWithShape="1">
+          <a:blip r:embed="rId2"/>
+          <a:srcRect t="5505"/>
+          <a:stretch/>
+        </p:blipFill>
+        <p:spPr>
+          <a:xfrm>
+            <a:off x="1280305" y="319177"/>
+            <a:ext cx="7543800" cy="6096478"/>
+          </a:xfrm>
+          <a:prstGeom prst="rect">
+            <a:avLst/>
+          </a:prstGeom>
+        </p:spPr>
+      </p:pic>
+      <p:sp>
+        <p:nvSpPr>
+          <p:cNvPr id="3" name="Rectangle 2">
+            <a:extLst>
+              <a:ext uri="{FF2B5EF4-FFF2-40B4-BE49-F238E27FC236}">
+                <a16:creationId xmlns:a16="http://schemas.microsoft.com/office/drawing/2014/main" id="{ABAF8C61-AD10-B04D-AFA0-9EE49D5EA46F}"/>
+              </a:ext>
+            </a:extLst>
+          </p:cNvPr>
+          <p:cNvSpPr/>
+          <p:nvPr/>
+        </p:nvSpPr>
+        <p:spPr>
+          <a:xfrm>
+            <a:off x="1949570" y="715992"/>
+            <a:ext cx="3286664" cy="2044461"/>
+          </a:xfrm>
+          <a:prstGeom prst="rect">
+            <a:avLst/>
+          </a:prstGeom>
+          <a:noFill/>
+          <a:ln>
+            <a:solidFill>
+              <a:srgbClr val="FF0000"/>
+            </a:solidFill>
+          </a:ln>
+        </p:spPr>
+        <p:style>
+          <a:lnRef idx="2">
+            <a:schemeClr val="accent1">
+              <a:shade val="50000"/>
+            </a:schemeClr>
+          </a:lnRef>
+          <a:fillRef idx="1">
+            <a:schemeClr val="accent1"/>
+          </a:fillRef>
+          <a:effectRef idx="0">
+            <a:schemeClr val="accent1"/>
+          </a:effectRef>
+          <a:fontRef idx="minor">
+            <a:schemeClr val="lt1"/>
+          </a:fontRef>
+        </p:style>
+        <p:txBody>
+          <a:bodyPr rtlCol="0" anchor="ctr"/>
+          <a:lstStyle/>
+          <a:p>
+            <a:pPr algn="ctr"/>
+            <a:endParaRPr lang="en-GB"/>
+          </a:p>
+        </p:txBody>
+      </p:sp>
+      <p:sp>
+        <p:nvSpPr>
+          <p:cNvPr id="11" name="Rectangle 10">
+            <a:extLst>
+              <a:ext uri="{FF2B5EF4-FFF2-40B4-BE49-F238E27FC236}">
+                <a16:creationId xmlns:a16="http://schemas.microsoft.com/office/drawing/2014/main" id="{B261CBA5-4B69-CC43-A8A0-BDC1615D5373}"/>
+              </a:ext>
+            </a:extLst>
+          </p:cNvPr>
+          <p:cNvSpPr/>
+          <p:nvPr/>
+        </p:nvSpPr>
+        <p:spPr>
+          <a:xfrm>
+            <a:off x="1949570" y="2886974"/>
+            <a:ext cx="3286664" cy="1331344"/>
+          </a:xfrm>
+          <a:prstGeom prst="rect">
+            <a:avLst/>
+          </a:prstGeom>
+          <a:noFill/>
+          <a:ln>
+            <a:solidFill>
+              <a:srgbClr val="FF0000"/>
+            </a:solidFill>
+          </a:ln>
+        </p:spPr>
+        <p:style>
+          <a:lnRef idx="2">
+            <a:schemeClr val="accent1">
+              <a:shade val="50000"/>
+            </a:schemeClr>
+          </a:lnRef>
+          <a:fillRef idx="1">
+            <a:schemeClr val="accent1"/>
+          </a:fillRef>
+          <a:effectRef idx="0">
+            <a:schemeClr val="accent1"/>
+          </a:effectRef>
+          <a:fontRef idx="minor">
+            <a:schemeClr val="lt1"/>
+          </a:fontRef>
+        </p:style>
+        <p:txBody>
+          <a:bodyPr rtlCol="0" anchor="ctr"/>
+          <a:lstStyle/>
+          <a:p>
+            <a:pPr algn="ctr"/>
+            <a:endParaRPr lang="en-GB"/>
+          </a:p>
+        </p:txBody>
+      </p:sp>
+      <p:sp>
+        <p:nvSpPr>
+          <p:cNvPr id="12" name="Rectangle 11">
+            <a:extLst>
+              <a:ext uri="{FF2B5EF4-FFF2-40B4-BE49-F238E27FC236}">
+                <a16:creationId xmlns:a16="http://schemas.microsoft.com/office/drawing/2014/main" id="{44C31093-B148-A046-A68A-FEF67407D2FF}"/>
+              </a:ext>
+            </a:extLst>
+          </p:cNvPr>
+          <p:cNvSpPr/>
+          <p:nvPr/>
+        </p:nvSpPr>
+        <p:spPr>
+          <a:xfrm>
+            <a:off x="1949570" y="4344839"/>
+            <a:ext cx="3286664" cy="1659146"/>
+          </a:xfrm>
+          <a:prstGeom prst="rect">
+            <a:avLst/>
+          </a:prstGeom>
+          <a:noFill/>
+          <a:ln>
+            <a:solidFill>
+              <a:srgbClr val="FF0000"/>
+            </a:solidFill>
+          </a:ln>
+        </p:spPr>
+        <p:style>
+          <a:lnRef idx="2">
+            <a:schemeClr val="accent1">
+              <a:shade val="50000"/>
+            </a:schemeClr>
+          </a:lnRef>
+          <a:fillRef idx="1">
+            <a:schemeClr val="accent1"/>
+          </a:fillRef>
+          <a:effectRef idx="0">
+            <a:schemeClr val="accent1"/>
+          </a:effectRef>
+          <a:fontRef idx="minor">
+            <a:schemeClr val="lt1"/>
+          </a:fontRef>
+        </p:style>
+        <p:txBody>
+          <a:bodyPr rtlCol="0" anchor="ctr"/>
+          <a:lstStyle/>
+          <a:p>
+            <a:pPr algn="ctr"/>
+            <a:endParaRPr lang="en-GB"/>
+          </a:p>
+        </p:txBody>
+      </p:sp>
+      <p:sp>
+        <p:nvSpPr>
+          <p:cNvPr id="13" name="TextBox 12">
+            <a:extLst>
+              <a:ext uri="{FF2B5EF4-FFF2-40B4-BE49-F238E27FC236}">
+                <a16:creationId xmlns:a16="http://schemas.microsoft.com/office/drawing/2014/main" id="{DD625AB5-47D0-E54E-9970-02639F0B4DF3}"/>
+              </a:ext>
+            </a:extLst>
+          </p:cNvPr>
+          <p:cNvSpPr txBox="1"/>
+          <p:nvPr/>
+        </p:nvSpPr>
+        <p:spPr>
+          <a:xfrm>
+            <a:off x="4586376" y="2391121"/>
+            <a:ext cx="736099" cy="369332"/>
+          </a:xfrm>
+          <a:prstGeom prst="rect">
+            <a:avLst/>
+          </a:prstGeom>
+          <a:noFill/>
+        </p:spPr>
+        <p:txBody>
+          <a:bodyPr wrap="none" rtlCol="0">
+            <a:spAutoFit/>
+          </a:bodyPr>
+          <a:lstStyle/>
+          <a:p>
+            <a:r>
+              <a:rPr lang="en-GB" dirty="0">
+                <a:solidFill>
+                  <a:srgbClr val="FF0000"/>
+                </a:solidFill>
+                <a:latin typeface="Courier New" panose="02070309020205020404" pitchFamily="49" charset="0"/>
+                <a:cs typeface="Courier New" panose="02070309020205020404" pitchFamily="49" charset="0"/>
+              </a:rPr>
+              <a:t>a[0]</a:t>
+            </a:r>
+          </a:p>
+        </p:txBody>
+      </p:sp>
+      <p:sp>
+        <p:nvSpPr>
+          <p:cNvPr id="14" name="TextBox 13">
+            <a:extLst>
+              <a:ext uri="{FF2B5EF4-FFF2-40B4-BE49-F238E27FC236}">
+                <a16:creationId xmlns:a16="http://schemas.microsoft.com/office/drawing/2014/main" id="{D780F2C0-06EC-4642-B330-EBAEB5479124}"/>
+              </a:ext>
+            </a:extLst>
+          </p:cNvPr>
+          <p:cNvSpPr txBox="1"/>
+          <p:nvPr/>
+        </p:nvSpPr>
+        <p:spPr>
+          <a:xfrm>
+            <a:off x="4586376" y="3848986"/>
+            <a:ext cx="736099" cy="369332"/>
+          </a:xfrm>
+          <a:prstGeom prst="rect">
+            <a:avLst/>
+          </a:prstGeom>
+          <a:noFill/>
+        </p:spPr>
+        <p:txBody>
+          <a:bodyPr wrap="none" rtlCol="0">
+            <a:spAutoFit/>
+          </a:bodyPr>
+          <a:lstStyle/>
+          <a:p>
+            <a:r>
+              <a:rPr lang="en-GB" dirty="0">
+                <a:solidFill>
+                  <a:srgbClr val="FF0000"/>
+                </a:solidFill>
+                <a:latin typeface="Courier New" panose="02070309020205020404" pitchFamily="49" charset="0"/>
+                <a:cs typeface="Courier New" panose="02070309020205020404" pitchFamily="49" charset="0"/>
+              </a:rPr>
+              <a:t>a[1]</a:t>
+            </a:r>
+          </a:p>
+        </p:txBody>
+      </p:sp>
+      <p:sp>
+        <p:nvSpPr>
+          <p:cNvPr id="16" name="TextBox 15">
+            <a:extLst>
+              <a:ext uri="{FF2B5EF4-FFF2-40B4-BE49-F238E27FC236}">
+                <a16:creationId xmlns:a16="http://schemas.microsoft.com/office/drawing/2014/main" id="{F9A78A39-10BC-4042-8DF4-7B3580858F8D}"/>
+              </a:ext>
+            </a:extLst>
+          </p:cNvPr>
+          <p:cNvSpPr txBox="1"/>
+          <p:nvPr/>
+        </p:nvSpPr>
+        <p:spPr>
+          <a:xfrm>
+            <a:off x="4586376" y="5623152"/>
+            <a:ext cx="736099" cy="369332"/>
+          </a:xfrm>
+          <a:prstGeom prst="rect">
+            <a:avLst/>
+          </a:prstGeom>
+          <a:noFill/>
+        </p:spPr>
+        <p:txBody>
+          <a:bodyPr wrap="none" rtlCol="0">
+            <a:spAutoFit/>
+          </a:bodyPr>
+          <a:lstStyle/>
+          <a:p>
+            <a:r>
+              <a:rPr lang="en-GB" dirty="0">
+                <a:solidFill>
+                  <a:srgbClr val="FF0000"/>
+                </a:solidFill>
+                <a:latin typeface="Courier New" panose="02070309020205020404" pitchFamily="49" charset="0"/>
+                <a:cs typeface="Courier New" panose="02070309020205020404" pitchFamily="49" charset="0"/>
+              </a:rPr>
+              <a:t>a[2]</a:t>
+            </a:r>
+          </a:p>
+        </p:txBody>
+      </p:sp>
+      <p:sp>
+        <p:nvSpPr>
+          <p:cNvPr id="5" name="TextBox 4">
+            <a:extLst>
+              <a:ext uri="{FF2B5EF4-FFF2-40B4-BE49-F238E27FC236}">
+                <a16:creationId xmlns:a16="http://schemas.microsoft.com/office/drawing/2014/main" id="{783E12FC-8DD4-F847-BD82-A021355C3417}"/>
+              </a:ext>
+            </a:extLst>
+          </p:cNvPr>
+          <p:cNvSpPr txBox="1"/>
+          <p:nvPr/>
+        </p:nvSpPr>
+        <p:spPr>
+          <a:xfrm>
+            <a:off x="5978106" y="719208"/>
+            <a:ext cx="2705239" cy="923330"/>
+          </a:xfrm>
+          <a:prstGeom prst="rect">
+            <a:avLst/>
+          </a:prstGeom>
+          <a:noFill/>
+        </p:spPr>
+        <p:txBody>
+          <a:bodyPr wrap="square" rtlCol="0">
+            <a:spAutoFit/>
+          </a:bodyPr>
+          <a:lstStyle/>
+          <a:p>
+            <a:r>
+              <a:rPr lang="en-GB" dirty="0">
+                <a:solidFill>
+                  <a:srgbClr val="FF0000"/>
+                </a:solidFill>
+              </a:rPr>
+              <a:t>The first index, </a:t>
+            </a:r>
+            <a:r>
+              <a:rPr lang="en-GB" dirty="0">
+                <a:solidFill>
+                  <a:srgbClr val="FF0000"/>
+                </a:solidFill>
+                <a:latin typeface="Courier New" panose="02070309020205020404" pitchFamily="49" charset="0"/>
+                <a:cs typeface="Courier New" panose="02070309020205020404" pitchFamily="49" charset="0"/>
+              </a:rPr>
+              <a:t>a[i]</a:t>
+            </a:r>
+            <a:r>
+              <a:rPr lang="en-GB" dirty="0">
+                <a:solidFill>
+                  <a:srgbClr val="FF0000"/>
+                </a:solidFill>
+              </a:rPr>
+              <a:t>, determines which of these three elements we access</a:t>
+            </a:r>
+          </a:p>
+        </p:txBody>
+      </p:sp>
+    </p:spTree>
+    <p:extLst>
+      <p:ext uri="{BB962C8B-B14F-4D97-AF65-F5344CB8AC3E}">
+        <p14:creationId xmlns:p14="http://schemas.microsoft.com/office/powerpoint/2010/main" val="2348971361"/>
+      </p:ext>
+    </p:extLst>
+  </p:cSld>
+  <p:clrMapOvr>
+    <a:masterClrMapping/>
+  </p:clrMapOvr>
+</p:sld>
+</file>
+
+<file path=ppt/slides/slide33.xml><?xml version="1.0" encoding="utf-8"?>
+<p:sld xmlns:a="http://schemas.openxmlformats.org/drawingml/2006/main" xmlns:r="http://schemas.openxmlformats.org/officeDocument/2006/relationships" xmlns:p="http://schemas.openxmlformats.org/presentationml/2006/main">
+  <p:cSld>
+    <p:spTree>
+      <p:nvGrpSpPr>
+        <p:cNvPr id="1" name=""/>
+        <p:cNvGrpSpPr/>
+        <p:nvPr/>
+      </p:nvGrpSpPr>
+      <p:grpSpPr>
+        <a:xfrm>
+          <a:off x="0" y="0"/>
+          <a:ext cx="0" cy="0"/>
+          <a:chOff x="0" y="0"/>
+          <a:chExt cx="0" cy="0"/>
+        </a:xfrm>
+      </p:grpSpPr>
+      <p:pic>
+        <p:nvPicPr>
+          <p:cNvPr id="4" name="Picture 3">
+            <a:extLst>
+              <a:ext uri="{FF2B5EF4-FFF2-40B4-BE49-F238E27FC236}">
+                <a16:creationId xmlns:a16="http://schemas.microsoft.com/office/drawing/2014/main" id="{775B04A3-A4B1-4A4D-883C-C5402ACAD8A1}"/>
+              </a:ext>
+            </a:extLst>
+          </p:cNvPr>
+          <p:cNvPicPr>
+            <a:picLocks noChangeAspect="1"/>
+          </p:cNvPicPr>
+          <p:nvPr/>
+        </p:nvPicPr>
+        <p:blipFill rotWithShape="1">
+          <a:blip r:embed="rId2"/>
+          <a:srcRect t="5505"/>
+          <a:stretch/>
+        </p:blipFill>
+        <p:spPr>
+          <a:xfrm>
+            <a:off x="1280305" y="319177"/>
+            <a:ext cx="7543800" cy="6096478"/>
+          </a:xfrm>
+          <a:prstGeom prst="rect">
+            <a:avLst/>
+          </a:prstGeom>
+        </p:spPr>
+      </p:pic>
+      <p:sp>
+        <p:nvSpPr>
+          <p:cNvPr id="5" name="TextBox 4">
+            <a:extLst>
+              <a:ext uri="{FF2B5EF4-FFF2-40B4-BE49-F238E27FC236}">
+                <a16:creationId xmlns:a16="http://schemas.microsoft.com/office/drawing/2014/main" id="{783E12FC-8DD4-F847-BD82-A021355C3417}"/>
+              </a:ext>
+            </a:extLst>
+          </p:cNvPr>
+          <p:cNvSpPr txBox="1"/>
+          <p:nvPr/>
+        </p:nvSpPr>
+        <p:spPr>
+          <a:xfrm>
+            <a:off x="5789534" y="2974046"/>
+            <a:ext cx="2705239" cy="1477328"/>
+          </a:xfrm>
+          <a:prstGeom prst="rect">
+            <a:avLst/>
+          </a:prstGeom>
+          <a:noFill/>
+        </p:spPr>
+        <p:txBody>
+          <a:bodyPr wrap="square" rtlCol="0">
+            <a:spAutoFit/>
+          </a:bodyPr>
+          <a:lstStyle/>
+          <a:p>
+            <a:r>
+              <a:rPr lang="en-GB" dirty="0">
+                <a:solidFill>
+                  <a:srgbClr val="FF0000"/>
+                </a:solidFill>
+              </a:rPr>
+              <a:t>The third (and final) index, </a:t>
+            </a:r>
+            <a:r>
+              <a:rPr lang="en-GB" dirty="0">
+                <a:solidFill>
+                  <a:srgbClr val="FF0000"/>
+                </a:solidFill>
+                <a:latin typeface="Courier New" panose="02070309020205020404" pitchFamily="49" charset="0"/>
+                <a:cs typeface="Courier New" panose="02070309020205020404" pitchFamily="49" charset="0"/>
+              </a:rPr>
+              <a:t>a[1][1]</a:t>
+            </a:r>
+            <a:r>
+              <a:rPr lang="en-GB" b="1" dirty="0">
+                <a:solidFill>
+                  <a:srgbClr val="FF0000"/>
+                </a:solidFill>
+                <a:latin typeface="Courier New" panose="02070309020205020404" pitchFamily="49" charset="0"/>
+                <a:cs typeface="Courier New" panose="02070309020205020404" pitchFamily="49" charset="0"/>
+              </a:rPr>
+              <a:t>[k]</a:t>
+            </a:r>
+            <a:r>
+              <a:rPr lang="en-GB" dirty="0">
+                <a:solidFill>
+                  <a:srgbClr val="FF0000"/>
+                </a:solidFill>
+              </a:rPr>
+              <a:t>, determines which value of these two elements we access</a:t>
+            </a:r>
+          </a:p>
+        </p:txBody>
+      </p:sp>
+      <p:sp>
+        <p:nvSpPr>
+          <p:cNvPr id="10" name="Rectangle 9">
+            <a:extLst>
+              <a:ext uri="{FF2B5EF4-FFF2-40B4-BE49-F238E27FC236}">
+                <a16:creationId xmlns:a16="http://schemas.microsoft.com/office/drawing/2014/main" id="{A74C6C13-A2EC-C540-9D7C-AFB09832AA32}"/>
+              </a:ext>
+            </a:extLst>
+          </p:cNvPr>
+          <p:cNvSpPr/>
+          <p:nvPr/>
+        </p:nvSpPr>
+        <p:spPr>
+          <a:xfrm>
+            <a:off x="2915728" y="3574211"/>
+            <a:ext cx="362310" cy="303197"/>
+          </a:xfrm>
+          <a:prstGeom prst="rect">
+            <a:avLst/>
+          </a:prstGeom>
+          <a:noFill/>
+          <a:ln>
+            <a:solidFill>
+              <a:srgbClr val="FF0000"/>
+            </a:solidFill>
+          </a:ln>
+        </p:spPr>
+        <p:style>
+          <a:lnRef idx="2">
+            <a:schemeClr val="accent1">
+              <a:shade val="50000"/>
+            </a:schemeClr>
+          </a:lnRef>
+          <a:fillRef idx="1">
+            <a:schemeClr val="accent1"/>
+          </a:fillRef>
+          <a:effectRef idx="0">
+            <a:schemeClr val="accent1"/>
+          </a:effectRef>
+          <a:fontRef idx="minor">
+            <a:schemeClr val="lt1"/>
+          </a:fontRef>
+        </p:style>
+        <p:txBody>
+          <a:bodyPr rtlCol="0" anchor="ctr"/>
+          <a:lstStyle/>
+          <a:p>
+            <a:pPr algn="ctr"/>
+            <a:endParaRPr lang="en-GB"/>
+          </a:p>
+        </p:txBody>
+      </p:sp>
+      <p:sp>
+        <p:nvSpPr>
+          <p:cNvPr id="17" name="TextBox 16">
+            <a:extLst>
+              <a:ext uri="{FF2B5EF4-FFF2-40B4-BE49-F238E27FC236}">
+                <a16:creationId xmlns:a16="http://schemas.microsoft.com/office/drawing/2014/main" id="{17CB3A23-19E1-2E41-A259-C30419408767}"/>
+              </a:ext>
+            </a:extLst>
+          </p:cNvPr>
+          <p:cNvSpPr txBox="1"/>
+          <p:nvPr/>
+        </p:nvSpPr>
+        <p:spPr>
+          <a:xfrm>
+            <a:off x="4129176" y="3244334"/>
+            <a:ext cx="1149674" cy="369332"/>
+          </a:xfrm>
+          <a:prstGeom prst="rect">
+            <a:avLst/>
+          </a:prstGeom>
+          <a:noFill/>
+        </p:spPr>
+        <p:txBody>
+          <a:bodyPr wrap="none" rtlCol="0">
+            <a:spAutoFit/>
+          </a:bodyPr>
+          <a:lstStyle/>
+          <a:p>
+            <a:r>
+              <a:rPr lang="en-GB" dirty="0">
+                <a:solidFill>
+                  <a:srgbClr val="FF0000"/>
+                </a:solidFill>
+                <a:latin typeface="Courier New" panose="02070309020205020404" pitchFamily="49" charset="0"/>
+                <a:cs typeface="Courier New" panose="02070309020205020404" pitchFamily="49" charset="0"/>
+              </a:rPr>
+              <a:t>a[1]</a:t>
+            </a:r>
+            <a:r>
+              <a:rPr lang="en-GB" b="1" dirty="0">
+                <a:solidFill>
+                  <a:srgbClr val="FF0000"/>
+                </a:solidFill>
+                <a:latin typeface="Courier New" panose="02070309020205020404" pitchFamily="49" charset="0"/>
+                <a:cs typeface="Courier New" panose="02070309020205020404" pitchFamily="49" charset="0"/>
+              </a:rPr>
+              <a:t>[1]</a:t>
+            </a:r>
+          </a:p>
+        </p:txBody>
+      </p:sp>
+      <p:sp>
+        <p:nvSpPr>
+          <p:cNvPr id="18" name="TextBox 17">
+            <a:extLst>
+              <a:ext uri="{FF2B5EF4-FFF2-40B4-BE49-F238E27FC236}">
+                <a16:creationId xmlns:a16="http://schemas.microsoft.com/office/drawing/2014/main" id="{486041B1-D631-FB40-BB41-C99CE00007D5}"/>
+              </a:ext>
+            </a:extLst>
+          </p:cNvPr>
+          <p:cNvSpPr txBox="1"/>
+          <p:nvPr/>
+        </p:nvSpPr>
+        <p:spPr>
+          <a:xfrm>
+            <a:off x="4129176" y="2603907"/>
+            <a:ext cx="736099" cy="369332"/>
+          </a:xfrm>
+          <a:prstGeom prst="rect">
+            <a:avLst/>
+          </a:prstGeom>
+          <a:noFill/>
+        </p:spPr>
+        <p:txBody>
+          <a:bodyPr wrap="none" rtlCol="0">
+            <a:spAutoFit/>
+          </a:bodyPr>
+          <a:lstStyle/>
+          <a:p>
+            <a:r>
+              <a:rPr lang="en-GB" dirty="0">
+                <a:solidFill>
+                  <a:srgbClr val="FF0000"/>
+                </a:solidFill>
+                <a:latin typeface="Courier New" panose="02070309020205020404" pitchFamily="49" charset="0"/>
+                <a:cs typeface="Courier New" panose="02070309020205020404" pitchFamily="49" charset="0"/>
+              </a:rPr>
+              <a:t>a</a:t>
+            </a:r>
+            <a:r>
+              <a:rPr lang="en-GB" b="1" dirty="0">
+                <a:solidFill>
+                  <a:srgbClr val="FF0000"/>
+                </a:solidFill>
+                <a:latin typeface="Courier New" panose="02070309020205020404" pitchFamily="49" charset="0"/>
+                <a:cs typeface="Courier New" panose="02070309020205020404" pitchFamily="49" charset="0"/>
+              </a:rPr>
+              <a:t>[1]</a:t>
+            </a:r>
+          </a:p>
+        </p:txBody>
+      </p:sp>
+      <p:cxnSp>
+        <p:nvCxnSpPr>
+          <p:cNvPr id="6" name="Straight Arrow Connector 5">
+            <a:extLst>
+              <a:ext uri="{FF2B5EF4-FFF2-40B4-BE49-F238E27FC236}">
+                <a16:creationId xmlns:a16="http://schemas.microsoft.com/office/drawing/2014/main" id="{163808F5-EC67-6744-9CE4-BE4E263EA99E}"/>
+              </a:ext>
+            </a:extLst>
+          </p:cNvPr>
+          <p:cNvCxnSpPr>
+            <a:stCxn id="18" idx="1"/>
+          </p:cNvCxnSpPr>
+          <p:nvPr/>
+        </p:nvCxnSpPr>
+        <p:spPr>
+          <a:xfrm flipH="1">
+            <a:off x="2173858" y="2788573"/>
+            <a:ext cx="1955318" cy="184666"/>
+          </a:xfrm>
+          <a:prstGeom prst="straightConnector1">
+            <a:avLst/>
+          </a:prstGeom>
+          <a:ln w="12700">
+            <a:solidFill>
+              <a:srgbClr val="FF0000"/>
+            </a:solidFill>
+            <a:tailEnd type="triangle"/>
+          </a:ln>
+        </p:spPr>
+        <p:style>
+          <a:lnRef idx="1">
+            <a:schemeClr val="accent1"/>
+          </a:lnRef>
+          <a:fillRef idx="0">
+            <a:schemeClr val="accent1"/>
+          </a:fillRef>
+          <a:effectRef idx="0">
+            <a:schemeClr val="accent1"/>
+          </a:effectRef>
+          <a:fontRef idx="minor">
+            <a:schemeClr val="tx1"/>
+          </a:fontRef>
+        </p:style>
+      </p:cxnSp>
+      <p:cxnSp>
+        <p:nvCxnSpPr>
+          <p:cNvPr id="19" name="Straight Arrow Connector 18">
+            <a:extLst>
+              <a:ext uri="{FF2B5EF4-FFF2-40B4-BE49-F238E27FC236}">
+                <a16:creationId xmlns:a16="http://schemas.microsoft.com/office/drawing/2014/main" id="{763DE9EB-70EE-E745-A5B5-7EB8BCE309AF}"/>
+              </a:ext>
+            </a:extLst>
+          </p:cNvPr>
+          <p:cNvCxnSpPr>
+            <a:cxnSpLocks/>
+            <a:stCxn id="17" idx="1"/>
+          </p:cNvCxnSpPr>
+          <p:nvPr/>
+        </p:nvCxnSpPr>
+        <p:spPr>
+          <a:xfrm flipH="1">
+            <a:off x="3433314" y="3429000"/>
+            <a:ext cx="695862" cy="283710"/>
+          </a:xfrm>
+          <a:prstGeom prst="straightConnector1">
+            <a:avLst/>
+          </a:prstGeom>
+          <a:ln w="12700">
+            <a:solidFill>
+              <a:srgbClr val="FF0000"/>
+            </a:solidFill>
+            <a:tailEnd type="triangle"/>
+          </a:ln>
+        </p:spPr>
+        <p:style>
+          <a:lnRef idx="1">
+            <a:schemeClr val="accent1"/>
+          </a:lnRef>
+          <a:fillRef idx="0">
+            <a:schemeClr val="accent1"/>
+          </a:fillRef>
+          <a:effectRef idx="0">
+            <a:schemeClr val="accent1"/>
+          </a:effectRef>
+          <a:fontRef idx="minor">
+            <a:schemeClr val="tx1"/>
+          </a:fontRef>
+        </p:style>
+      </p:cxnSp>
+      <p:cxnSp>
+        <p:nvCxnSpPr>
+          <p:cNvPr id="23" name="Straight Arrow Connector 22">
+            <a:extLst>
+              <a:ext uri="{FF2B5EF4-FFF2-40B4-BE49-F238E27FC236}">
+                <a16:creationId xmlns:a16="http://schemas.microsoft.com/office/drawing/2014/main" id="{15305EF5-D0C1-9045-9DE3-C90C7BFC178E}"/>
+              </a:ext>
+            </a:extLst>
+          </p:cNvPr>
+          <p:cNvCxnSpPr>
+            <a:cxnSpLocks/>
+            <a:stCxn id="26" idx="1"/>
+          </p:cNvCxnSpPr>
+          <p:nvPr/>
+        </p:nvCxnSpPr>
+        <p:spPr>
+          <a:xfrm flipH="1" flipV="1">
+            <a:off x="3291582" y="3887948"/>
+            <a:ext cx="837594" cy="563426"/>
+          </a:xfrm>
+          <a:prstGeom prst="straightConnector1">
+            <a:avLst/>
+          </a:prstGeom>
+          <a:ln w="12700">
+            <a:solidFill>
+              <a:srgbClr val="FF0000"/>
+            </a:solidFill>
+            <a:tailEnd type="triangle"/>
+          </a:ln>
+        </p:spPr>
+        <p:style>
+          <a:lnRef idx="1">
+            <a:schemeClr val="accent1"/>
+          </a:lnRef>
+          <a:fillRef idx="0">
+            <a:schemeClr val="accent1"/>
+          </a:fillRef>
+          <a:effectRef idx="0">
+            <a:schemeClr val="accent1"/>
+          </a:effectRef>
+          <a:fontRef idx="minor">
+            <a:schemeClr val="tx1"/>
+          </a:fontRef>
+        </p:style>
+      </p:cxnSp>
+      <p:sp>
+        <p:nvSpPr>
+          <p:cNvPr id="26" name="TextBox 25">
+            <a:extLst>
+              <a:ext uri="{FF2B5EF4-FFF2-40B4-BE49-F238E27FC236}">
+                <a16:creationId xmlns:a16="http://schemas.microsoft.com/office/drawing/2014/main" id="{C71D2846-9DE4-AB41-BB82-7811E691109B}"/>
+              </a:ext>
+            </a:extLst>
+          </p:cNvPr>
+          <p:cNvSpPr txBox="1"/>
+          <p:nvPr/>
+        </p:nvSpPr>
+        <p:spPr>
+          <a:xfrm>
+            <a:off x="4129176" y="4266708"/>
+            <a:ext cx="1563248" cy="369332"/>
+          </a:xfrm>
+          <a:prstGeom prst="rect">
+            <a:avLst/>
+          </a:prstGeom>
+          <a:noFill/>
+        </p:spPr>
+        <p:txBody>
+          <a:bodyPr wrap="none" rtlCol="0">
+            <a:spAutoFit/>
+          </a:bodyPr>
+          <a:lstStyle/>
+          <a:p>
+            <a:r>
+              <a:rPr lang="en-GB" dirty="0">
+                <a:solidFill>
+                  <a:srgbClr val="FF0000"/>
+                </a:solidFill>
+                <a:latin typeface="Courier New" panose="02070309020205020404" pitchFamily="49" charset="0"/>
+                <a:cs typeface="Courier New" panose="02070309020205020404" pitchFamily="49" charset="0"/>
+              </a:rPr>
+              <a:t>a[1][1]</a:t>
+            </a:r>
+            <a:r>
+              <a:rPr lang="en-GB" b="1" dirty="0">
+                <a:solidFill>
+                  <a:srgbClr val="FF0000"/>
+                </a:solidFill>
+                <a:latin typeface="Courier New" panose="02070309020205020404" pitchFamily="49" charset="0"/>
+                <a:cs typeface="Courier New" panose="02070309020205020404" pitchFamily="49" charset="0"/>
+              </a:rPr>
+              <a:t>[1]</a:t>
+            </a:r>
+          </a:p>
+        </p:txBody>
+      </p:sp>
+    </p:spTree>
+    <p:extLst>
+      <p:ext uri="{BB962C8B-B14F-4D97-AF65-F5344CB8AC3E}">
+        <p14:creationId xmlns:p14="http://schemas.microsoft.com/office/powerpoint/2010/main" val="3442094901"/>
+      </p:ext>
+    </p:extLst>
+  </p:cSld>
+  <p:clrMapOvr>
+    <a:masterClrMapping/>
+  </p:clrMapOvr>
+</p:sld>
+</file>
+
+<file path=ppt/slides/slide34.xml><?xml version="1.0" encoding="utf-8"?>
 <p:sld xmlns:a="http://schemas.openxmlformats.org/drawingml/2006/main" xmlns:r="http://schemas.openxmlformats.org/officeDocument/2006/relationships" xmlns:p="http://schemas.openxmlformats.org/presentationml/2006/main">
   <p:cSld>
     <p:spTree>
@@ -21199,7 +22421,7 @@
 </p:sld>
 </file>
 
-<file path=ppt/slides/slide32.xml><?xml version="1.0" encoding="utf-8"?>
+<file path=ppt/slides/slide35.xml><?xml version="1.0" encoding="utf-8"?>
 <p:sld xmlns:a="http://schemas.openxmlformats.org/drawingml/2006/main" xmlns:r="http://schemas.openxmlformats.org/officeDocument/2006/relationships" xmlns:p="http://schemas.openxmlformats.org/presentationml/2006/main">
   <p:cSld>
     <p:spTree>
@@ -21998,7 +23220,7 @@
 </p:sld>
 </file>
 
-<file path=ppt/slides/slide33.xml><?xml version="1.0" encoding="utf-8"?>
+<file path=ppt/slides/slide36.xml><?xml version="1.0" encoding="utf-8"?>
 <p:sld xmlns:a="http://schemas.openxmlformats.org/drawingml/2006/main" xmlns:r="http://schemas.openxmlformats.org/officeDocument/2006/relationships" xmlns:p="http://schemas.openxmlformats.org/presentationml/2006/main">
   <p:cSld>
     <p:spTree>
@@ -22481,7 +23703,7 @@
 </p:sld>
 </file>
 
-<file path=ppt/slides/slide34.xml><?xml version="1.0" encoding="utf-8"?>
+<file path=ppt/slides/slide37.xml><?xml version="1.0" encoding="utf-8"?>
 <p:sld xmlns:a="http://schemas.openxmlformats.org/drawingml/2006/main" xmlns:r="http://schemas.openxmlformats.org/officeDocument/2006/relationships" xmlns:p="http://schemas.openxmlformats.org/presentationml/2006/main">
   <p:cSld>
     <p:spTree>
@@ -23396,7 +24618,7 @@
 </p:sld>
 </file>
 
-<file path=ppt/slides/slide35.xml><?xml version="1.0" encoding="utf-8"?>
+<file path=ppt/slides/slide38.xml><?xml version="1.0" encoding="utf-8"?>
 <p:sld xmlns:a="http://schemas.openxmlformats.org/drawingml/2006/main" xmlns:r="http://schemas.openxmlformats.org/officeDocument/2006/relationships" xmlns:p="http://schemas.openxmlformats.org/presentationml/2006/main">
   <p:cSld>
     <p:spTree>
@@ -24315,7 +25537,7 @@
 </p:sld>
 </file>
 
-<file path=ppt/slides/slide36.xml><?xml version="1.0" encoding="utf-8"?>
+<file path=ppt/slides/slide39.xml><?xml version="1.0" encoding="utf-8"?>
 <p:sld xmlns:a="http://schemas.openxmlformats.org/drawingml/2006/main" xmlns:r="http://schemas.openxmlformats.org/officeDocument/2006/relationships" xmlns:p="http://schemas.openxmlformats.org/presentationml/2006/main">
   <p:cSld>
     <p:spTree>

--- a/assets/images/Images.pptx
+++ b/assets/images/Images.pptx
@@ -20851,6 +20851,157 @@
                 <a:cs typeface="Courier New" panose="02070309020205020404" pitchFamily="49" charset="0"/>
               </a:rPr>
               <a:t>[1]</a:t>
+            </a:r>
+          </a:p>
+        </p:txBody>
+      </p:sp>
+      <p:sp>
+        <p:nvSpPr>
+          <p:cNvPr id="28" name="Rectangle 27">
+            <a:extLst>
+              <a:ext uri="{FF2B5EF4-FFF2-40B4-BE49-F238E27FC236}">
+                <a16:creationId xmlns:a16="http://schemas.microsoft.com/office/drawing/2014/main" id="{89C9FC39-EB46-9947-B796-F59CE7AACFF4}"/>
+              </a:ext>
+            </a:extLst>
+          </p:cNvPr>
+          <p:cNvSpPr/>
+          <p:nvPr/>
+        </p:nvSpPr>
+        <p:spPr>
+          <a:xfrm>
+            <a:off x="2504863" y="3570855"/>
+            <a:ext cx="362310" cy="303197"/>
+          </a:xfrm>
+          <a:prstGeom prst="rect">
+            <a:avLst/>
+          </a:prstGeom>
+          <a:noFill/>
+          <a:ln>
+            <a:solidFill>
+              <a:srgbClr val="FF0000"/>
+            </a:solidFill>
+          </a:ln>
+        </p:spPr>
+        <p:style>
+          <a:lnRef idx="2">
+            <a:schemeClr val="accent1">
+              <a:shade val="50000"/>
+            </a:schemeClr>
+          </a:lnRef>
+          <a:fillRef idx="1">
+            <a:schemeClr val="accent1"/>
+          </a:fillRef>
+          <a:effectRef idx="0">
+            <a:schemeClr val="accent1"/>
+          </a:effectRef>
+          <a:fontRef idx="minor">
+            <a:schemeClr val="lt1"/>
+          </a:fontRef>
+        </p:style>
+        <p:txBody>
+          <a:bodyPr rtlCol="0" anchor="ctr"/>
+          <a:lstStyle/>
+          <a:p>
+            <a:pPr algn="ctr"/>
+            <a:endParaRPr lang="en-GB"/>
+          </a:p>
+        </p:txBody>
+      </p:sp>
+      <p:cxnSp>
+        <p:nvCxnSpPr>
+          <p:cNvPr id="29" name="Straight Arrow Connector 28">
+            <a:extLst>
+              <a:ext uri="{FF2B5EF4-FFF2-40B4-BE49-F238E27FC236}">
+                <a16:creationId xmlns:a16="http://schemas.microsoft.com/office/drawing/2014/main" id="{36B80227-4E7A-A145-BE54-7E8A0A60F16F}"/>
+              </a:ext>
+            </a:extLst>
+          </p:cNvPr>
+          <p:cNvCxnSpPr>
+            <a:cxnSpLocks/>
+          </p:cNvCxnSpPr>
+          <p:nvPr/>
+        </p:nvCxnSpPr>
+        <p:spPr>
+          <a:xfrm flipH="1" flipV="1">
+            <a:off x="2678086" y="3894432"/>
+            <a:ext cx="284164" cy="518302"/>
+          </a:xfrm>
+          <a:prstGeom prst="straightConnector1">
+            <a:avLst/>
+          </a:prstGeom>
+          <a:ln w="12700">
+            <a:solidFill>
+              <a:srgbClr val="FF0000"/>
+            </a:solidFill>
+            <a:tailEnd type="triangle"/>
+          </a:ln>
+        </p:spPr>
+        <p:style>
+          <a:lnRef idx="1">
+            <a:schemeClr val="accent1"/>
+          </a:lnRef>
+          <a:fillRef idx="0">
+            <a:schemeClr val="accent1"/>
+          </a:fillRef>
+          <a:effectRef idx="0">
+            <a:schemeClr val="accent1"/>
+          </a:effectRef>
+          <a:fontRef idx="minor">
+            <a:schemeClr val="tx1"/>
+          </a:fontRef>
+        </p:style>
+      </p:cxnSp>
+      <p:sp>
+        <p:nvSpPr>
+          <p:cNvPr id="31" name="TextBox 30">
+            <a:extLst>
+              <a:ext uri="{FF2B5EF4-FFF2-40B4-BE49-F238E27FC236}">
+                <a16:creationId xmlns:a16="http://schemas.microsoft.com/office/drawing/2014/main" id="{AEAC6ABC-470F-6D4E-AEFA-832943A82FD2}"/>
+              </a:ext>
+            </a:extLst>
+          </p:cNvPr>
+          <p:cNvSpPr txBox="1"/>
+          <p:nvPr/>
+        </p:nvSpPr>
+        <p:spPr>
+          <a:xfrm>
+            <a:off x="2565928" y="4513457"/>
+            <a:ext cx="1563248" cy="369332"/>
+          </a:xfrm>
+          <a:prstGeom prst="rect">
+            <a:avLst/>
+          </a:prstGeom>
+          <a:solidFill>
+            <a:srgbClr val="2B2A2B">
+              <a:alpha val="50196"/>
+            </a:srgbClr>
+          </a:solidFill>
+        </p:spPr>
+        <p:txBody>
+          <a:bodyPr wrap="none" rtlCol="0">
+            <a:spAutoFit/>
+          </a:bodyPr>
+          <a:lstStyle/>
+          <a:p>
+            <a:r>
+              <a:rPr lang="en-GB" dirty="0">
+                <a:solidFill>
+                  <a:srgbClr val="FF0000"/>
+                </a:solidFill>
+                <a:latin typeface="Courier New" panose="02070309020205020404" pitchFamily="49" charset="0"/>
+                <a:cs typeface="Courier New" panose="02070309020205020404" pitchFamily="49" charset="0"/>
+              </a:rPr>
+              <a:t>a[1][1]</a:t>
+            </a:r>
+            <a:r>
+              <a:rPr lang="en-GB" b="1" dirty="0">
+                <a:solidFill>
+                  <a:srgbClr val="FF0000"/>
+                </a:solidFill>
+                <a:latin typeface="Courier New" panose="02070309020205020404" pitchFamily="49" charset="0"/>
+                <a:cs typeface="Courier New" panose="02070309020205020404" pitchFamily="49" charset="0"/>
+              </a:rPr>
+              <a:t>[0]</a:t>
             </a:r>
           </a:p>
         </p:txBody>

--- a/assets/images/Images.pptx
+++ b/assets/images/Images.pptx
@@ -5,7 +5,7 @@
     <p:sldMasterId id="2147483648" r:id="rId1"/>
   </p:sldMasterIdLst>
   <p:notesMasterIdLst>
-    <p:notesMasterId r:id="rId41"/>
+    <p:notesMasterId r:id="rId42"/>
   </p:notesMasterIdLst>
   <p:sldIdLst>
     <p:sldId id="257" r:id="rId2"/>
@@ -42,11 +42,12 @@
     <p:sldId id="293" r:id="rId33"/>
     <p:sldId id="294" r:id="rId34"/>
     <p:sldId id="270" r:id="rId35"/>
-    <p:sldId id="283" r:id="rId36"/>
-    <p:sldId id="284" r:id="rId37"/>
-    <p:sldId id="285" r:id="rId38"/>
-    <p:sldId id="286" r:id="rId39"/>
-    <p:sldId id="256" r:id="rId40"/>
+    <p:sldId id="295" r:id="rId36"/>
+    <p:sldId id="283" r:id="rId37"/>
+    <p:sldId id="284" r:id="rId38"/>
+    <p:sldId id="285" r:id="rId39"/>
+    <p:sldId id="286" r:id="rId40"/>
+    <p:sldId id="256" r:id="rId41"/>
   </p:sldIdLst>
   <p:sldSz cx="12192000" cy="6858000"/>
   <p:notesSz cx="6858000" cy="9144000"/>
@@ -200,6 +201,7 @@
             <p14:sldId id="293"/>
             <p14:sldId id="294"/>
             <p14:sldId id="270"/>
+            <p14:sldId id="295"/>
           </p14:sldIdLst>
         </p14:section>
         <p14:section name="Generics" id="{E31CA8EF-AF00-7843-A542-3016C7754C74}">
@@ -977,7 +979,7 @@
           <a:p>
             <a:fld id="{11A96E62-EC5F-C045-9FEB-EDD3A98888BE}" type="slidenum">
               <a:rPr lang="en-GB" smtClean="0"/>
-              <a:t>36</a:t>
+              <a:t>37</a:t>
             </a:fld>
             <a:endParaRPr lang="en-GB"/>
           </a:p>
@@ -1061,7 +1063,7 @@
           <a:p>
             <a:fld id="{11A96E62-EC5F-C045-9FEB-EDD3A98888BE}" type="slidenum">
               <a:rPr lang="en-GB" smtClean="0"/>
-              <a:t>37</a:t>
+              <a:t>38</a:t>
             </a:fld>
             <a:endParaRPr lang="en-GB"/>
           </a:p>
@@ -1145,7 +1147,7 @@
           <a:p>
             <a:fld id="{11A96E62-EC5F-C045-9FEB-EDD3A98888BE}" type="slidenum">
               <a:rPr lang="en-GB" smtClean="0"/>
-              <a:t>38</a:t>
+              <a:t>39</a:t>
             </a:fld>
             <a:endParaRPr lang="en-GB"/>
           </a:p>
@@ -1229,7 +1231,7 @@
           <a:p>
             <a:fld id="{11A96E62-EC5F-C045-9FEB-EDD3A98888BE}" type="slidenum">
               <a:rPr lang="en-GB" smtClean="0"/>
-              <a:t>39</a:t>
+              <a:t>40</a:t>
             </a:fld>
             <a:endParaRPr lang="en-GB"/>
           </a:p>
@@ -22591,10 +22593,10 @@
       </p:grpSpPr>
       <p:sp>
         <p:nvSpPr>
-          <p:cNvPr id="5" name="Rectangle 4">
-            <a:extLst>
-              <a:ext uri="{FF2B5EF4-FFF2-40B4-BE49-F238E27FC236}">
-                <a16:creationId xmlns:a16="http://schemas.microsoft.com/office/drawing/2014/main" id="{253CB38F-9F04-CB41-9D1F-4452BF736087}"/>
+          <p:cNvPr id="30" name="Rectangle 29">
+            <a:extLst>
+              <a:ext uri="{FF2B5EF4-FFF2-40B4-BE49-F238E27FC236}">
+                <a16:creationId xmlns:a16="http://schemas.microsoft.com/office/drawing/2014/main" id="{933D494D-5EC5-DD4F-889E-D59A1826D55F}"/>
               </a:ext>
             </a:extLst>
           </p:cNvPr>
@@ -22603,15 +22605,15 @@
         </p:nvSpPr>
         <p:spPr>
           <a:xfrm>
-            <a:off x="1929847" y="3673062"/>
-            <a:ext cx="1958009" cy="934278"/>
+            <a:off x="1740129" y="795134"/>
+            <a:ext cx="8122021" cy="1568938"/>
           </a:xfrm>
           <a:prstGeom prst="rect">
             <a:avLst/>
           </a:prstGeom>
           <a:solidFill>
-            <a:schemeClr val="tx2">
-              <a:lumMod val="75000"/>
+            <a:schemeClr val="bg2">
+              <a:lumMod val="90000"/>
             </a:schemeClr>
           </a:solidFill>
           <a:ln>
@@ -22640,23 +22642,27 @@
           </a:fontRef>
         </p:style>
         <p:txBody>
-          <a:bodyPr rtlCol="0" anchor="ctr"/>
+          <a:bodyPr rtlCol="0" anchor="b"/>
           <a:lstStyle/>
           <a:p>
             <a:pPr algn="ctr"/>
             <a:r>
-              <a:rPr lang="en-GB" dirty="0"/>
-              <a:t>Rectangle</a:t>
-            </a:r>
-          </a:p>
-        </p:txBody>
-      </p:sp>
-      <p:sp>
-        <p:nvSpPr>
-          <p:cNvPr id="6" name="Rectangle 5">
-            <a:extLst>
-              <a:ext uri="{FF2B5EF4-FFF2-40B4-BE49-F238E27FC236}">
-                <a16:creationId xmlns:a16="http://schemas.microsoft.com/office/drawing/2014/main" id="{74D75409-532D-754E-A73C-3A07B212AF9D}"/>
+              <a:rPr lang="en-GB" sz="3600" dirty="0">
+                <a:solidFill>
+                  <a:schemeClr val="tx1"/>
+                </a:solidFill>
+              </a:rPr>
+              <a:t>code</a:t>
+            </a:r>
+          </a:p>
+        </p:txBody>
+      </p:sp>
+      <p:sp>
+        <p:nvSpPr>
+          <p:cNvPr id="2" name="Rectangle 1">
+            <a:extLst>
+              <a:ext uri="{FF2B5EF4-FFF2-40B4-BE49-F238E27FC236}">
+                <a16:creationId xmlns:a16="http://schemas.microsoft.com/office/drawing/2014/main" id="{A6F555FC-BBA9-144D-9C08-72C9B3DCA3DF}"/>
               </a:ext>
             </a:extLst>
           </p:cNvPr>
@@ -22665,15 +22671,16 @@
         </p:nvSpPr>
         <p:spPr>
           <a:xfrm>
-            <a:off x="4845325" y="3673062"/>
-            <a:ext cx="1958009" cy="934278"/>
+            <a:off x="5926644" y="2594307"/>
+            <a:ext cx="3935506" cy="3389049"/>
           </a:xfrm>
           <a:prstGeom prst="rect">
             <a:avLst/>
           </a:prstGeom>
           <a:solidFill>
-            <a:schemeClr val="accent4">
-              <a:lumMod val="75000"/>
+            <a:schemeClr val="accent6">
+              <a:lumMod val="20000"/>
+              <a:lumOff val="80000"/>
             </a:schemeClr>
           </a:solidFill>
           <a:ln>
@@ -22702,23 +22709,27 @@
           </a:fontRef>
         </p:style>
         <p:txBody>
-          <a:bodyPr rtlCol="0" anchor="ctr"/>
+          <a:bodyPr rtlCol="0" anchor="b"/>
           <a:lstStyle/>
           <a:p>
             <a:pPr algn="ctr"/>
             <a:r>
-              <a:rPr lang="en-GB" dirty="0"/>
-              <a:t>Circle</a:t>
-            </a:r>
-          </a:p>
-        </p:txBody>
-      </p:sp>
-      <p:sp>
-        <p:nvSpPr>
-          <p:cNvPr id="7" name="Rectangle 6">
-            <a:extLst>
-              <a:ext uri="{FF2B5EF4-FFF2-40B4-BE49-F238E27FC236}">
-                <a16:creationId xmlns:a16="http://schemas.microsoft.com/office/drawing/2014/main" id="{0D63BD3A-245D-EF46-A7BE-08548E16D916}"/>
+              <a:rPr lang="en-GB" sz="3600" dirty="0">
+                <a:solidFill>
+                  <a:schemeClr val="tx1"/>
+                </a:solidFill>
+              </a:rPr>
+              <a:t>heap</a:t>
+            </a:r>
+          </a:p>
+        </p:txBody>
+      </p:sp>
+      <p:sp>
+        <p:nvSpPr>
+          <p:cNvPr id="3" name="Rectangle 2">
+            <a:extLst>
+              <a:ext uri="{FF2B5EF4-FFF2-40B4-BE49-F238E27FC236}">
+                <a16:creationId xmlns:a16="http://schemas.microsoft.com/office/drawing/2014/main" id="{3BBEC3B3-91C2-6D4E-B992-21EC7665B992}"/>
               </a:ext>
             </a:extLst>
           </p:cNvPr>
@@ -22727,15 +22738,16 @@
         </p:nvSpPr>
         <p:spPr>
           <a:xfrm>
-            <a:off x="7760803" y="3673062"/>
-            <a:ext cx="1958009" cy="934278"/>
+            <a:off x="1740128" y="2594307"/>
+            <a:ext cx="3935506" cy="3389049"/>
           </a:xfrm>
           <a:prstGeom prst="rect">
             <a:avLst/>
           </a:prstGeom>
           <a:solidFill>
-            <a:schemeClr val="accent2">
-              <a:lumMod val="75000"/>
+            <a:schemeClr val="accent1">
+              <a:lumMod val="20000"/>
+              <a:lumOff val="80000"/>
             </a:schemeClr>
           </a:solidFill>
           <a:ln>
@@ -22764,23 +22776,27 @@
           </a:fontRef>
         </p:style>
         <p:txBody>
-          <a:bodyPr rtlCol="0" anchor="ctr"/>
+          <a:bodyPr rtlCol="0" anchor="b"/>
           <a:lstStyle/>
           <a:p>
             <a:pPr algn="ctr"/>
             <a:r>
-              <a:rPr lang="en-GB" dirty="0"/>
-              <a:t>Triangle</a:t>
-            </a:r>
-          </a:p>
-        </p:txBody>
-      </p:sp>
-      <p:sp>
-        <p:nvSpPr>
-          <p:cNvPr id="8" name="Rectangle 7">
-            <a:extLst>
-              <a:ext uri="{FF2B5EF4-FFF2-40B4-BE49-F238E27FC236}">
-                <a16:creationId xmlns:a16="http://schemas.microsoft.com/office/drawing/2014/main" id="{B4449C17-7BA2-8D45-88C1-5168D168ACB1}"/>
+              <a:rPr lang="en-GB" sz="3600" dirty="0">
+                <a:solidFill>
+                  <a:schemeClr val="tx1"/>
+                </a:solidFill>
+              </a:rPr>
+              <a:t>stack</a:t>
+            </a:r>
+          </a:p>
+        </p:txBody>
+      </p:sp>
+      <p:sp>
+        <p:nvSpPr>
+          <p:cNvPr id="4" name="Rectangle 3">
+            <a:extLst>
+              <a:ext uri="{FF2B5EF4-FFF2-40B4-BE49-F238E27FC236}">
+                <a16:creationId xmlns:a16="http://schemas.microsoft.com/office/drawing/2014/main" id="{177A6D0A-E0E4-E143-95AE-C90BF2152856}"/>
               </a:ext>
             </a:extLst>
           </p:cNvPr>
@@ -22789,16 +22805,16 @@
         </p:nvSpPr>
         <p:spPr>
           <a:xfrm>
-            <a:off x="1929846" y="5370444"/>
-            <a:ext cx="1958009" cy="934278"/>
+            <a:off x="2981740" y="3638696"/>
+            <a:ext cx="2034988" cy="479611"/>
           </a:xfrm>
           <a:prstGeom prst="rect">
             <a:avLst/>
           </a:prstGeom>
           <a:solidFill>
-            <a:schemeClr val="tx2">
-              <a:lumMod val="60000"/>
-              <a:lumOff val="40000"/>
+            <a:schemeClr val="accent2">
+              <a:lumMod val="40000"/>
+              <a:lumOff val="60000"/>
             </a:schemeClr>
           </a:solidFill>
           <a:ln>
@@ -22832,18 +22848,25 @@
           <a:p>
             <a:pPr algn="ctr"/>
             <a:r>
-              <a:rPr lang="en-GB" dirty="0"/>
-              <a:t>Square</a:t>
-            </a:r>
-          </a:p>
-        </p:txBody>
-      </p:sp>
-      <p:sp>
-        <p:nvSpPr>
-          <p:cNvPr id="14" name="Rectangle 13">
-            <a:extLst>
-              <a:ext uri="{FF2B5EF4-FFF2-40B4-BE49-F238E27FC236}">
-                <a16:creationId xmlns:a16="http://schemas.microsoft.com/office/drawing/2014/main" id="{09093530-9962-374E-A947-6C19F5C2FC8C}"/>
+              <a:rPr lang="en-GB" b="1" dirty="0">
+                <a:solidFill>
+                  <a:schemeClr val="tx1">
+                    <a:lumMod val="75000"/>
+                    <a:lumOff val="25000"/>
+                  </a:schemeClr>
+                </a:solidFill>
+              </a:rPr>
+              <a:t>xyz</a:t>
+            </a:r>
+          </a:p>
+        </p:txBody>
+      </p:sp>
+      <p:sp>
+        <p:nvSpPr>
+          <p:cNvPr id="5" name="Rectangle 4">
+            <a:extLst>
+              <a:ext uri="{FF2B5EF4-FFF2-40B4-BE49-F238E27FC236}">
+                <a16:creationId xmlns:a16="http://schemas.microsoft.com/office/drawing/2014/main" id="{96ED242F-8A3F-5B47-887C-875DC29748ED}"/>
               </a:ext>
             </a:extLst>
           </p:cNvPr>
@@ -22852,12 +22875,13 @@
         </p:nvSpPr>
         <p:spPr>
           <a:xfrm>
-            <a:off x="1929846" y="278296"/>
-            <a:ext cx="1958009" cy="934278"/>
+            <a:off x="2316110" y="3638696"/>
+            <a:ext cx="665630" cy="479611"/>
           </a:xfrm>
           <a:prstGeom prst="rect">
             <a:avLst/>
           </a:prstGeom>
+          <a:noFill/>
           <a:ln>
             <a:solidFill>
               <a:schemeClr val="tx1">
@@ -22889,44 +22913,576 @@
           <a:p>
             <a:pPr algn="ctr"/>
             <a:r>
-              <a:rPr lang="en-GB" dirty="0"/>
-              <a:t>Object</a:t>
-            </a:r>
-          </a:p>
-        </p:txBody>
-      </p:sp>
+              <a:rPr lang="en-GB" sz="900" dirty="0">
+                <a:solidFill>
+                  <a:schemeClr val="tx1"/>
+                </a:solidFill>
+                <a:latin typeface="Courier New" panose="02070309020205020404" pitchFamily="49" charset="0"/>
+                <a:cs typeface="Courier New" panose="02070309020205020404" pitchFamily="49" charset="0"/>
+              </a:rPr>
+              <a:t>names</a:t>
+            </a:r>
+          </a:p>
+        </p:txBody>
+      </p:sp>
+      <p:grpSp>
+        <p:nvGrpSpPr>
+          <p:cNvPr id="20" name="Group 19">
+            <a:extLst>
+              <a:ext uri="{FF2B5EF4-FFF2-40B4-BE49-F238E27FC236}">
+                <a16:creationId xmlns:a16="http://schemas.microsoft.com/office/drawing/2014/main" id="{4D3626C4-B86F-4646-BB22-28AEE6D274FF}"/>
+              </a:ext>
+            </a:extLst>
+          </p:cNvPr>
+          <p:cNvGrpSpPr/>
+          <p:nvPr/>
+        </p:nvGrpSpPr>
+        <p:grpSpPr>
+          <a:xfrm>
+            <a:off x="6509642" y="4347447"/>
+            <a:ext cx="2618288" cy="701247"/>
+            <a:chOff x="9173796" y="3547172"/>
+            <a:chExt cx="2618288" cy="701247"/>
+          </a:xfrm>
+        </p:grpSpPr>
+        <p:sp>
+          <p:nvSpPr>
+            <p:cNvPr id="7" name="Rectangle 6">
+              <a:extLst>
+                <a:ext uri="{FF2B5EF4-FFF2-40B4-BE49-F238E27FC236}">
+                  <a16:creationId xmlns:a16="http://schemas.microsoft.com/office/drawing/2014/main" id="{2BDD39F7-4189-CC47-B28F-2FB7E5190FB8}"/>
+                </a:ext>
+              </a:extLst>
+            </p:cNvPr>
+            <p:cNvSpPr/>
+            <p:nvPr/>
+          </p:nvSpPr>
+          <p:spPr>
+            <a:xfrm>
+              <a:off x="9173796" y="3547367"/>
+              <a:ext cx="665630" cy="701052"/>
+            </a:xfrm>
+            <a:prstGeom prst="rect">
+              <a:avLst/>
+            </a:prstGeom>
+            <a:noFill/>
+            <a:ln>
+              <a:solidFill>
+                <a:schemeClr val="tx1">
+                  <a:lumMod val="75000"/>
+                  <a:lumOff val="25000"/>
+                </a:schemeClr>
+              </a:solidFill>
+            </a:ln>
+          </p:spPr>
+          <p:style>
+            <a:lnRef idx="2">
+              <a:schemeClr val="accent1">
+                <a:shade val="50000"/>
+              </a:schemeClr>
+            </a:lnRef>
+            <a:fillRef idx="1">
+              <a:schemeClr val="accent1"/>
+            </a:fillRef>
+            <a:effectRef idx="0">
+              <a:schemeClr val="accent1"/>
+            </a:effectRef>
+            <a:fontRef idx="minor">
+              <a:schemeClr val="lt1"/>
+            </a:fontRef>
+          </p:style>
+          <p:txBody>
+            <a:bodyPr rtlCol="0" anchor="ctr"/>
+            <a:lstStyle/>
+            <a:p>
+              <a:pPr algn="ctr"/>
+              <a:r>
+                <a:rPr lang="en-GB" dirty="0">
+                  <a:solidFill>
+                    <a:schemeClr val="tx1"/>
+                  </a:solidFill>
+                  <a:latin typeface="Courier New" panose="02070309020205020404" pitchFamily="49" charset="0"/>
+                  <a:cs typeface="Courier New" panose="02070309020205020404" pitchFamily="49" charset="0"/>
+                </a:rPr>
+                <a:t>xyz</a:t>
+              </a:r>
+            </a:p>
+          </p:txBody>
+        </p:sp>
+        <p:sp>
+          <p:nvSpPr>
+            <p:cNvPr id="11" name="Rectangle 10">
+              <a:extLst>
+                <a:ext uri="{FF2B5EF4-FFF2-40B4-BE49-F238E27FC236}">
+                  <a16:creationId xmlns:a16="http://schemas.microsoft.com/office/drawing/2014/main" id="{2AE05A2E-E861-BE41-BBFD-CD9077CF47EA}"/>
+                </a:ext>
+              </a:extLst>
+            </p:cNvPr>
+            <p:cNvSpPr/>
+            <p:nvPr/>
+          </p:nvSpPr>
+          <p:spPr>
+            <a:xfrm>
+              <a:off x="10813237" y="3547172"/>
+              <a:ext cx="978847" cy="348967"/>
+            </a:xfrm>
+            <a:prstGeom prst="rect">
+              <a:avLst/>
+            </a:prstGeom>
+            <a:solidFill>
+              <a:schemeClr val="accent2">
+                <a:lumMod val="40000"/>
+                <a:lumOff val="60000"/>
+              </a:schemeClr>
+            </a:solidFill>
+            <a:ln>
+              <a:solidFill>
+                <a:schemeClr val="tx1">
+                  <a:lumMod val="75000"/>
+                  <a:lumOff val="25000"/>
+                </a:schemeClr>
+              </a:solidFill>
+            </a:ln>
+          </p:spPr>
+          <p:style>
+            <a:lnRef idx="2">
+              <a:schemeClr val="accent1">
+                <a:shade val="50000"/>
+              </a:schemeClr>
+            </a:lnRef>
+            <a:fillRef idx="1">
+              <a:schemeClr val="accent1"/>
+            </a:fillRef>
+            <a:effectRef idx="0">
+              <a:schemeClr val="accent1"/>
+            </a:effectRef>
+            <a:fontRef idx="minor">
+              <a:schemeClr val="lt1"/>
+            </a:fontRef>
+          </p:style>
+          <p:txBody>
+            <a:bodyPr rtlCol="0" anchor="ctr"/>
+            <a:lstStyle/>
+            <a:p>
+              <a:pPr algn="ctr"/>
+              <a:r>
+                <a:rPr lang="en-GB" b="1" dirty="0">
+                  <a:solidFill>
+                    <a:schemeClr val="tx1"/>
+                  </a:solidFill>
+                </a:rPr>
+                <a:t>pqr</a:t>
+              </a:r>
+            </a:p>
+          </p:txBody>
+        </p:sp>
+        <p:sp>
+          <p:nvSpPr>
+            <p:cNvPr id="12" name="Rectangle 11">
+              <a:extLst>
+                <a:ext uri="{FF2B5EF4-FFF2-40B4-BE49-F238E27FC236}">
+                  <a16:creationId xmlns:a16="http://schemas.microsoft.com/office/drawing/2014/main" id="{6FEF5DF9-7373-5646-B300-E566AA0B4C62}"/>
+                </a:ext>
+              </a:extLst>
+            </p:cNvPr>
+            <p:cNvSpPr/>
+            <p:nvPr/>
+          </p:nvSpPr>
+          <p:spPr>
+            <a:xfrm>
+              <a:off x="9841094" y="3547172"/>
+              <a:ext cx="978847" cy="348967"/>
+            </a:xfrm>
+            <a:prstGeom prst="rect">
+              <a:avLst/>
+            </a:prstGeom>
+            <a:solidFill>
+              <a:schemeClr val="accent2">
+                <a:lumMod val="40000"/>
+                <a:lumOff val="60000"/>
+              </a:schemeClr>
+            </a:solidFill>
+            <a:ln>
+              <a:solidFill>
+                <a:schemeClr val="tx1">
+                  <a:lumMod val="75000"/>
+                  <a:lumOff val="25000"/>
+                </a:schemeClr>
+              </a:solidFill>
+            </a:ln>
+          </p:spPr>
+          <p:style>
+            <a:lnRef idx="2">
+              <a:schemeClr val="accent1">
+                <a:shade val="50000"/>
+              </a:schemeClr>
+            </a:lnRef>
+            <a:fillRef idx="1">
+              <a:schemeClr val="accent1"/>
+            </a:fillRef>
+            <a:effectRef idx="0">
+              <a:schemeClr val="accent1"/>
+            </a:effectRef>
+            <a:fontRef idx="minor">
+              <a:schemeClr val="lt1"/>
+            </a:fontRef>
+          </p:style>
+          <p:txBody>
+            <a:bodyPr rtlCol="0" anchor="ctr"/>
+            <a:lstStyle/>
+            <a:p>
+              <a:pPr algn="ctr"/>
+              <a:r>
+                <a:rPr lang="en-GB" b="1" dirty="0">
+                  <a:solidFill>
+                    <a:schemeClr val="tx1"/>
+                  </a:solidFill>
+                </a:rPr>
+                <a:t>mno</a:t>
+              </a:r>
+            </a:p>
+          </p:txBody>
+        </p:sp>
+        <p:sp>
+          <p:nvSpPr>
+            <p:cNvPr id="18" name="Rectangle 17">
+              <a:extLst>
+                <a:ext uri="{FF2B5EF4-FFF2-40B4-BE49-F238E27FC236}">
+                  <a16:creationId xmlns:a16="http://schemas.microsoft.com/office/drawing/2014/main" id="{DC112A77-8ED5-AA42-8091-35207768C316}"/>
+                </a:ext>
+              </a:extLst>
+            </p:cNvPr>
+            <p:cNvSpPr/>
+            <p:nvPr/>
+          </p:nvSpPr>
+          <p:spPr>
+            <a:xfrm>
+              <a:off x="10819941" y="3896139"/>
+              <a:ext cx="972143" cy="348967"/>
+            </a:xfrm>
+            <a:prstGeom prst="rect">
+              <a:avLst/>
+            </a:prstGeom>
+            <a:noFill/>
+            <a:ln>
+              <a:solidFill>
+                <a:schemeClr val="tx1">
+                  <a:lumMod val="75000"/>
+                  <a:lumOff val="25000"/>
+                </a:schemeClr>
+              </a:solidFill>
+            </a:ln>
+          </p:spPr>
+          <p:style>
+            <a:lnRef idx="2">
+              <a:schemeClr val="accent1">
+                <a:shade val="50000"/>
+              </a:schemeClr>
+            </a:lnRef>
+            <a:fillRef idx="1">
+              <a:schemeClr val="accent1"/>
+            </a:fillRef>
+            <a:effectRef idx="0">
+              <a:schemeClr val="accent1"/>
+            </a:effectRef>
+            <a:fontRef idx="minor">
+              <a:schemeClr val="lt1"/>
+            </a:fontRef>
+          </p:style>
+          <p:txBody>
+            <a:bodyPr rtlCol="0" anchor="ctr"/>
+            <a:lstStyle/>
+            <a:p>
+              <a:pPr algn="ctr"/>
+              <a:r>
+                <a:rPr lang="en-GB" dirty="0">
+                  <a:solidFill>
+                    <a:schemeClr val="tx1"/>
+                  </a:solidFill>
+                </a:rPr>
+                <a:t>1</a:t>
+              </a:r>
+            </a:p>
+          </p:txBody>
+        </p:sp>
+        <p:sp>
+          <p:nvSpPr>
+            <p:cNvPr id="19" name="Rectangle 18">
+              <a:extLst>
+                <a:ext uri="{FF2B5EF4-FFF2-40B4-BE49-F238E27FC236}">
+                  <a16:creationId xmlns:a16="http://schemas.microsoft.com/office/drawing/2014/main" id="{A7EC961A-EC2D-644B-8641-25758ECCF951}"/>
+                </a:ext>
+              </a:extLst>
+            </p:cNvPr>
+            <p:cNvSpPr/>
+            <p:nvPr/>
+          </p:nvSpPr>
+          <p:spPr>
+            <a:xfrm>
+              <a:off x="9841094" y="3899452"/>
+              <a:ext cx="972143" cy="348967"/>
+            </a:xfrm>
+            <a:prstGeom prst="rect">
+              <a:avLst/>
+            </a:prstGeom>
+            <a:noFill/>
+            <a:ln>
+              <a:solidFill>
+                <a:schemeClr val="tx1">
+                  <a:lumMod val="75000"/>
+                  <a:lumOff val="25000"/>
+                </a:schemeClr>
+              </a:solidFill>
+            </a:ln>
+          </p:spPr>
+          <p:style>
+            <a:lnRef idx="2">
+              <a:schemeClr val="accent1">
+                <a:shade val="50000"/>
+              </a:schemeClr>
+            </a:lnRef>
+            <a:fillRef idx="1">
+              <a:schemeClr val="accent1"/>
+            </a:fillRef>
+            <a:effectRef idx="0">
+              <a:schemeClr val="accent1"/>
+            </a:effectRef>
+            <a:fontRef idx="minor">
+              <a:schemeClr val="lt1"/>
+            </a:fontRef>
+          </p:style>
+          <p:txBody>
+            <a:bodyPr rtlCol="0" anchor="ctr"/>
+            <a:lstStyle/>
+            <a:p>
+              <a:pPr algn="ctr"/>
+              <a:r>
+                <a:rPr lang="en-GB" dirty="0">
+                  <a:solidFill>
+                    <a:schemeClr val="tx1"/>
+                  </a:solidFill>
+                </a:rPr>
+                <a:t>0</a:t>
+              </a:r>
+            </a:p>
+          </p:txBody>
+        </p:sp>
+      </p:grpSp>
       <p:cxnSp>
         <p:nvCxnSpPr>
-          <p:cNvPr id="16" name="Straight Arrow Connector 15">
-            <a:extLst>
-              <a:ext uri="{FF2B5EF4-FFF2-40B4-BE49-F238E27FC236}">
-                <a16:creationId xmlns:a16="http://schemas.microsoft.com/office/drawing/2014/main" id="{93FF4F04-088E-1442-B1F3-938F967A8523}"/>
+          <p:cNvPr id="22" name="Curved Connector 21">
+            <a:extLst>
+              <a:ext uri="{FF2B5EF4-FFF2-40B4-BE49-F238E27FC236}">
+                <a16:creationId xmlns:a16="http://schemas.microsoft.com/office/drawing/2014/main" id="{D65019BD-7513-6647-AE7D-B802A5A344B7}"/>
               </a:ext>
             </a:extLst>
           </p:cNvPr>
           <p:cNvCxnSpPr>
             <a:cxnSpLocks/>
-            <a:stCxn id="5" idx="0"/>
-            <a:endCxn id="14" idx="2"/>
+            <a:stCxn id="4" idx="2"/>
+            <a:endCxn id="7" idx="1"/>
           </p:cNvCxnSpPr>
           <p:nvPr/>
         </p:nvCxnSpPr>
         <p:spPr>
-          <a:xfrm flipH="1" flipV="1">
-            <a:off x="2908851" y="1212574"/>
-            <a:ext cx="1" cy="2460488"/>
-          </a:xfrm>
-          <a:prstGeom prst="straightConnector1">
-            <a:avLst/>
-          </a:prstGeom>
+          <a:xfrm rot="16200000" flipH="1">
+            <a:off x="4964508" y="3153033"/>
+            <a:ext cx="579861" cy="2510408"/>
+          </a:xfrm>
+          <a:prstGeom prst="curvedConnector2">
+            <a:avLst/>
+          </a:prstGeom>
+          <a:ln w="12700">
+            <a:solidFill>
+              <a:srgbClr val="FF0000"/>
+            </a:solidFill>
+            <a:tailEnd type="triangle"/>
+          </a:ln>
+        </p:spPr>
+        <p:style>
+          <a:lnRef idx="1">
+            <a:schemeClr val="accent1"/>
+          </a:lnRef>
+          <a:fillRef idx="0">
+            <a:schemeClr val="accent1"/>
+          </a:fillRef>
+          <a:effectRef idx="0">
+            <a:schemeClr val="accent1"/>
+          </a:effectRef>
+          <a:fontRef idx="minor">
+            <a:schemeClr val="tx1"/>
+          </a:fontRef>
+        </p:style>
+      </p:cxnSp>
+      <p:sp>
+        <p:nvSpPr>
+          <p:cNvPr id="29" name="TextBox 28">
+            <a:extLst>
+              <a:ext uri="{FF2B5EF4-FFF2-40B4-BE49-F238E27FC236}">
+                <a16:creationId xmlns:a16="http://schemas.microsoft.com/office/drawing/2014/main" id="{A7D110EC-A220-F84E-A4CE-E0A65EA2A5FD}"/>
+              </a:ext>
+            </a:extLst>
+          </p:cNvPr>
+          <p:cNvSpPr txBox="1"/>
+          <p:nvPr/>
+        </p:nvSpPr>
+        <p:spPr>
+          <a:xfrm>
+            <a:off x="1740128" y="1086971"/>
+            <a:ext cx="5974713" cy="369332"/>
+          </a:xfrm>
+          <a:prstGeom prst="rect">
+            <a:avLst/>
+          </a:prstGeom>
+          <a:noFill/>
+        </p:spPr>
+        <p:txBody>
+          <a:bodyPr wrap="none" rtlCol="0">
+            <a:spAutoFit/>
+          </a:bodyPr>
+          <a:lstStyle/>
+          <a:p>
+            <a:r>
+              <a:rPr lang="en-GB" dirty="0">
+                <a:latin typeface="Courier New" panose="02070309020205020404" pitchFamily="49" charset="0"/>
+                <a:cs typeface="Courier New" panose="02070309020205020404" pitchFamily="49" charset="0"/>
+              </a:rPr>
+              <a:t>final String[] names = { "Jade", "Aden" };</a:t>
+            </a:r>
+          </a:p>
+        </p:txBody>
+      </p:sp>
+      <p:sp>
+        <p:nvSpPr>
+          <p:cNvPr id="31" name="Rounded Rectangle 30">
+            <a:extLst>
+              <a:ext uri="{FF2B5EF4-FFF2-40B4-BE49-F238E27FC236}">
+                <a16:creationId xmlns:a16="http://schemas.microsoft.com/office/drawing/2014/main" id="{A10C90D1-9111-6640-868B-F0926041D623}"/>
+              </a:ext>
+            </a:extLst>
+          </p:cNvPr>
+          <p:cNvSpPr/>
+          <p:nvPr/>
+        </p:nvSpPr>
+        <p:spPr>
+          <a:xfrm>
+            <a:off x="2648925" y="1007567"/>
+            <a:ext cx="2009630" cy="528140"/>
+          </a:xfrm>
+          <a:prstGeom prst="roundRect">
+            <a:avLst/>
+          </a:prstGeom>
+          <a:noFill/>
           <a:ln>
             <a:solidFill>
-              <a:schemeClr val="tx1">
-                <a:lumMod val="75000"/>
-                <a:lumOff val="25000"/>
-              </a:schemeClr>
+              <a:srgbClr val="FF0000"/>
             </a:solidFill>
-            <a:prstDash val="sysDash"/>
+          </a:ln>
+        </p:spPr>
+        <p:style>
+          <a:lnRef idx="2">
+            <a:schemeClr val="accent1">
+              <a:shade val="50000"/>
+            </a:schemeClr>
+          </a:lnRef>
+          <a:fillRef idx="1">
+            <a:schemeClr val="accent1"/>
+          </a:fillRef>
+          <a:effectRef idx="0">
+            <a:schemeClr val="accent1"/>
+          </a:effectRef>
+          <a:fontRef idx="minor">
+            <a:schemeClr val="lt1"/>
+          </a:fontRef>
+        </p:style>
+        <p:txBody>
+          <a:bodyPr rtlCol="0" anchor="ctr"/>
+          <a:lstStyle/>
+          <a:p>
+            <a:pPr algn="ctr"/>
+            <a:endParaRPr lang="en-GB"/>
+          </a:p>
+        </p:txBody>
+      </p:sp>
+      <p:sp>
+        <p:nvSpPr>
+          <p:cNvPr id="32" name="Rounded Rectangle 31">
+            <a:extLst>
+              <a:ext uri="{FF2B5EF4-FFF2-40B4-BE49-F238E27FC236}">
+                <a16:creationId xmlns:a16="http://schemas.microsoft.com/office/drawing/2014/main" id="{5C36BE01-D246-6F4F-B66C-3F9FCB61D849}"/>
+              </a:ext>
+            </a:extLst>
+          </p:cNvPr>
+          <p:cNvSpPr/>
+          <p:nvPr/>
+        </p:nvSpPr>
+        <p:spPr>
+          <a:xfrm>
+            <a:off x="4921829" y="1007567"/>
+            <a:ext cx="2496888" cy="528140"/>
+          </a:xfrm>
+          <a:prstGeom prst="roundRect">
+            <a:avLst/>
+          </a:prstGeom>
+          <a:noFill/>
+          <a:ln>
+            <a:solidFill>
+              <a:srgbClr val="FF0000"/>
+            </a:solidFill>
+          </a:ln>
+        </p:spPr>
+        <p:style>
+          <a:lnRef idx="2">
+            <a:schemeClr val="accent1">
+              <a:shade val="50000"/>
+            </a:schemeClr>
+          </a:lnRef>
+          <a:fillRef idx="1">
+            <a:schemeClr val="accent1"/>
+          </a:fillRef>
+          <a:effectRef idx="0">
+            <a:schemeClr val="accent1"/>
+          </a:effectRef>
+          <a:fontRef idx="minor">
+            <a:schemeClr val="lt1"/>
+          </a:fontRef>
+        </p:style>
+        <p:txBody>
+          <a:bodyPr rtlCol="0" anchor="ctr"/>
+          <a:lstStyle/>
+          <a:p>
+            <a:pPr algn="ctr"/>
+            <a:endParaRPr lang="en-GB"/>
+          </a:p>
+        </p:txBody>
+      </p:sp>
+      <p:cxnSp>
+        <p:nvCxnSpPr>
+          <p:cNvPr id="34" name="Straight Arrow Connector 33">
+            <a:extLst>
+              <a:ext uri="{FF2B5EF4-FFF2-40B4-BE49-F238E27FC236}">
+                <a16:creationId xmlns:a16="http://schemas.microsoft.com/office/drawing/2014/main" id="{D427D1BF-4A6E-CF4D-B3F6-B41B3F199CCD}"/>
+              </a:ext>
+            </a:extLst>
+          </p:cNvPr>
+          <p:cNvCxnSpPr>
+            <a:cxnSpLocks/>
+            <a:stCxn id="31" idx="2"/>
+          </p:cNvCxnSpPr>
+          <p:nvPr/>
+        </p:nvCxnSpPr>
+        <p:spPr>
+          <a:xfrm>
+            <a:off x="3653740" y="1535707"/>
+            <a:ext cx="0" cy="1893293"/>
+          </a:xfrm>
+          <a:prstGeom prst="straightConnector1">
+            <a:avLst/>
+          </a:prstGeom>
+          <a:ln w="12700">
+            <a:solidFill>
+              <a:srgbClr val="FF0000"/>
+            </a:solidFill>
             <a:tailEnd type="triangle"/>
           </a:ln>
         </p:spPr>
@@ -22947,33 +23503,30 @@
       </p:cxnSp>
       <p:cxnSp>
         <p:nvCxnSpPr>
-          <p:cNvPr id="27" name="Curved Connector 26">
-            <a:extLst>
-              <a:ext uri="{FF2B5EF4-FFF2-40B4-BE49-F238E27FC236}">
-                <a16:creationId xmlns:a16="http://schemas.microsoft.com/office/drawing/2014/main" id="{F7DE7D8A-0C6B-6141-A312-63FC8A4A7D7C}"/>
+          <p:cNvPr id="35" name="Straight Arrow Connector 34">
+            <a:extLst>
+              <a:ext uri="{FF2B5EF4-FFF2-40B4-BE49-F238E27FC236}">
+                <a16:creationId xmlns:a16="http://schemas.microsoft.com/office/drawing/2014/main" id="{859A2871-F11F-2B42-AFA9-D0D048E4C6F3}"/>
               </a:ext>
             </a:extLst>
           </p:cNvPr>
           <p:cNvCxnSpPr>
-            <a:stCxn id="7" idx="0"/>
-            <a:endCxn id="4" idx="2"/>
+            <a:cxnSpLocks/>
+            <a:stCxn id="32" idx="2"/>
           </p:cNvCxnSpPr>
           <p:nvPr/>
         </p:nvCxnSpPr>
         <p:spPr>
-          <a:xfrm rot="16200000" flipV="1">
-            <a:off x="6900518" y="1833771"/>
-            <a:ext cx="763105" cy="2915477"/>
-          </a:xfrm>
-          <a:prstGeom prst="curvedConnector3">
+          <a:xfrm>
+            <a:off x="6170273" y="1535707"/>
+            <a:ext cx="856693" cy="1363230"/>
+          </a:xfrm>
+          <a:prstGeom prst="straightConnector1">
             <a:avLst/>
           </a:prstGeom>
           <a:ln w="12700">
             <a:solidFill>
-              <a:schemeClr val="tx1">
-                <a:lumMod val="75000"/>
-                <a:lumOff val="25000"/>
-              </a:schemeClr>
+              <a:srgbClr val="FF0000"/>
             </a:solidFill>
             <a:tailEnd type="triangle"/>
           </a:ln>
@@ -22993,265 +23546,12 @@
           </a:fontRef>
         </p:style>
       </p:cxnSp>
-      <p:cxnSp>
-        <p:nvCxnSpPr>
-          <p:cNvPr id="28" name="Curved Connector 27">
-            <a:extLst>
-              <a:ext uri="{FF2B5EF4-FFF2-40B4-BE49-F238E27FC236}">
-                <a16:creationId xmlns:a16="http://schemas.microsoft.com/office/drawing/2014/main" id="{6B3D4297-09BE-A041-8DFB-3102A44CDD1D}"/>
-              </a:ext>
-            </a:extLst>
-          </p:cNvPr>
-          <p:cNvCxnSpPr>
-            <a:cxnSpLocks/>
-            <a:stCxn id="7" idx="0"/>
-            <a:endCxn id="14" idx="2"/>
-          </p:cNvCxnSpPr>
-          <p:nvPr/>
-        </p:nvCxnSpPr>
-        <p:spPr>
-          <a:xfrm rot="16200000" flipV="1">
-            <a:off x="4594086" y="-472661"/>
-            <a:ext cx="2460488" cy="5830957"/>
-          </a:xfrm>
-          <a:prstGeom prst="curvedConnector3">
-            <a:avLst>
-              <a:gd name="adj1" fmla="val 78276"/>
-            </a:avLst>
-          </a:prstGeom>
-          <a:ln>
-            <a:solidFill>
-              <a:schemeClr val="tx1">
-                <a:lumMod val="75000"/>
-                <a:lumOff val="25000"/>
-              </a:schemeClr>
-            </a:solidFill>
-            <a:prstDash val="sysDash"/>
-            <a:tailEnd type="triangle"/>
-          </a:ln>
-        </p:spPr>
-        <p:style>
-          <a:lnRef idx="1">
-            <a:schemeClr val="accent1"/>
-          </a:lnRef>
-          <a:fillRef idx="0">
-            <a:schemeClr val="accent1"/>
-          </a:fillRef>
-          <a:effectRef idx="0">
-            <a:schemeClr val="accent1"/>
-          </a:effectRef>
-          <a:fontRef idx="minor">
-            <a:schemeClr val="tx1"/>
-          </a:fontRef>
-        </p:style>
-      </p:cxnSp>
-      <p:cxnSp>
-        <p:nvCxnSpPr>
-          <p:cNvPr id="31" name="Curved Connector 30">
-            <a:extLst>
-              <a:ext uri="{FF2B5EF4-FFF2-40B4-BE49-F238E27FC236}">
-                <a16:creationId xmlns:a16="http://schemas.microsoft.com/office/drawing/2014/main" id="{C9F25D02-FC5E-5148-8BD0-6C6BA1B765B1}"/>
-              </a:ext>
-            </a:extLst>
-          </p:cNvPr>
-          <p:cNvCxnSpPr>
-            <a:cxnSpLocks/>
-            <a:stCxn id="6" idx="0"/>
-            <a:endCxn id="14" idx="2"/>
-          </p:cNvCxnSpPr>
-          <p:nvPr/>
-        </p:nvCxnSpPr>
-        <p:spPr>
-          <a:xfrm rot="16200000" flipV="1">
-            <a:off x="3136347" y="985078"/>
-            <a:ext cx="2460488" cy="2915479"/>
-          </a:xfrm>
-          <a:prstGeom prst="curvedConnector3">
-            <a:avLst>
-              <a:gd name="adj1" fmla="val 26975"/>
-            </a:avLst>
-          </a:prstGeom>
-          <a:ln>
-            <a:solidFill>
-              <a:schemeClr val="tx1">
-                <a:lumMod val="75000"/>
-                <a:lumOff val="25000"/>
-              </a:schemeClr>
-            </a:solidFill>
-            <a:prstDash val="sysDash"/>
-            <a:tailEnd type="triangle"/>
-          </a:ln>
-        </p:spPr>
-        <p:style>
-          <a:lnRef idx="1">
-            <a:schemeClr val="accent1"/>
-          </a:lnRef>
-          <a:fillRef idx="0">
-            <a:schemeClr val="accent1"/>
-          </a:fillRef>
-          <a:effectRef idx="0">
-            <a:schemeClr val="accent1"/>
-          </a:effectRef>
-          <a:fontRef idx="minor">
-            <a:schemeClr val="tx1"/>
-          </a:fontRef>
-        </p:style>
-      </p:cxnSp>
-      <p:cxnSp>
-        <p:nvCxnSpPr>
-          <p:cNvPr id="34" name="Straight Arrow Connector 33">
-            <a:extLst>
-              <a:ext uri="{FF2B5EF4-FFF2-40B4-BE49-F238E27FC236}">
-                <a16:creationId xmlns:a16="http://schemas.microsoft.com/office/drawing/2014/main" id="{B520B3ED-7F69-F645-BCE5-7489A87524D2}"/>
-              </a:ext>
-            </a:extLst>
-          </p:cNvPr>
-          <p:cNvCxnSpPr>
-            <a:cxnSpLocks/>
-            <a:stCxn id="6" idx="0"/>
-            <a:endCxn id="4" idx="2"/>
-          </p:cNvCxnSpPr>
-          <p:nvPr/>
-        </p:nvCxnSpPr>
-        <p:spPr>
-          <a:xfrm flipV="1">
-            <a:off x="5824330" y="2909957"/>
-            <a:ext cx="1" cy="763105"/>
-          </a:xfrm>
-          <a:prstGeom prst="straightConnector1">
-            <a:avLst/>
-          </a:prstGeom>
-          <a:ln w="12700">
-            <a:solidFill>
-              <a:schemeClr val="tx1">
-                <a:lumMod val="75000"/>
-                <a:lumOff val="25000"/>
-              </a:schemeClr>
-            </a:solidFill>
-            <a:tailEnd type="triangle"/>
-          </a:ln>
-        </p:spPr>
-        <p:style>
-          <a:lnRef idx="1">
-            <a:schemeClr val="accent1"/>
-          </a:lnRef>
-          <a:fillRef idx="0">
-            <a:schemeClr val="accent1"/>
-          </a:fillRef>
-          <a:effectRef idx="0">
-            <a:schemeClr val="accent1"/>
-          </a:effectRef>
-          <a:fontRef idx="minor">
-            <a:schemeClr val="tx1"/>
-          </a:fontRef>
-        </p:style>
-      </p:cxnSp>
-      <p:cxnSp>
-        <p:nvCxnSpPr>
-          <p:cNvPr id="37" name="Straight Arrow Connector 36">
-            <a:extLst>
-              <a:ext uri="{FF2B5EF4-FFF2-40B4-BE49-F238E27FC236}">
-                <a16:creationId xmlns:a16="http://schemas.microsoft.com/office/drawing/2014/main" id="{C477412A-EDE0-C047-B6D0-30FA5F75C2C9}"/>
-              </a:ext>
-            </a:extLst>
-          </p:cNvPr>
-          <p:cNvCxnSpPr>
-            <a:cxnSpLocks/>
-            <a:stCxn id="8" idx="0"/>
-            <a:endCxn id="5" idx="2"/>
-          </p:cNvCxnSpPr>
-          <p:nvPr/>
-        </p:nvCxnSpPr>
-        <p:spPr>
-          <a:xfrm flipV="1">
-            <a:off x="2908851" y="4607340"/>
-            <a:ext cx="1" cy="763104"/>
-          </a:xfrm>
-          <a:prstGeom prst="straightConnector1">
-            <a:avLst/>
-          </a:prstGeom>
-          <a:ln w="12700">
-            <a:solidFill>
-              <a:schemeClr val="tx1">
-                <a:lumMod val="75000"/>
-                <a:lumOff val="25000"/>
-              </a:schemeClr>
-            </a:solidFill>
-            <a:tailEnd type="triangle"/>
-          </a:ln>
-        </p:spPr>
-        <p:style>
-          <a:lnRef idx="1">
-            <a:schemeClr val="accent1"/>
-          </a:lnRef>
-          <a:fillRef idx="0">
-            <a:schemeClr val="accent1"/>
-          </a:fillRef>
-          <a:effectRef idx="0">
-            <a:schemeClr val="accent1"/>
-          </a:effectRef>
-          <a:fontRef idx="minor">
-            <a:schemeClr val="tx1"/>
-          </a:fontRef>
-        </p:style>
-      </p:cxnSp>
-      <p:cxnSp>
-        <p:nvCxnSpPr>
-          <p:cNvPr id="40" name="Curved Connector 39">
-            <a:extLst>
-              <a:ext uri="{FF2B5EF4-FFF2-40B4-BE49-F238E27FC236}">
-                <a16:creationId xmlns:a16="http://schemas.microsoft.com/office/drawing/2014/main" id="{8F7BD11A-C742-CD46-B344-B9C93D155174}"/>
-              </a:ext>
-            </a:extLst>
-          </p:cNvPr>
-          <p:cNvCxnSpPr>
-            <a:cxnSpLocks/>
-            <a:stCxn id="5" idx="0"/>
-            <a:endCxn id="4" idx="2"/>
-          </p:cNvCxnSpPr>
-          <p:nvPr/>
-        </p:nvCxnSpPr>
-        <p:spPr>
-          <a:xfrm rot="5400000" flipH="1" flipV="1">
-            <a:off x="3985039" y="1833771"/>
-            <a:ext cx="763105" cy="2915479"/>
-          </a:xfrm>
-          <a:prstGeom prst="curvedConnector3">
-            <a:avLst>
-              <a:gd name="adj1" fmla="val 50000"/>
-            </a:avLst>
-          </a:prstGeom>
-          <a:ln w="12700">
-            <a:solidFill>
-              <a:schemeClr val="tx1">
-                <a:lumMod val="75000"/>
-                <a:lumOff val="25000"/>
-              </a:schemeClr>
-            </a:solidFill>
-            <a:tailEnd type="triangle"/>
-          </a:ln>
-        </p:spPr>
-        <p:style>
-          <a:lnRef idx="1">
-            <a:schemeClr val="accent1"/>
-          </a:lnRef>
-          <a:fillRef idx="0">
-            <a:schemeClr val="accent1"/>
-          </a:fillRef>
-          <a:effectRef idx="0">
-            <a:schemeClr val="accent1"/>
-          </a:effectRef>
-          <a:fontRef idx="minor">
-            <a:schemeClr val="tx1"/>
-          </a:fontRef>
-        </p:style>
-      </p:cxnSp>
-      <p:sp>
-        <p:nvSpPr>
-          <p:cNvPr id="4" name="Rectangle 3">
-            <a:extLst>
-              <a:ext uri="{FF2B5EF4-FFF2-40B4-BE49-F238E27FC236}">
-                <a16:creationId xmlns:a16="http://schemas.microsoft.com/office/drawing/2014/main" id="{18CF6D0D-C76B-6843-8E45-C2A87F31CE3F}"/>
+      <p:sp>
+        <p:nvSpPr>
+          <p:cNvPr id="33" name="Rectangle 32">
+            <a:extLst>
+              <a:ext uri="{FF2B5EF4-FFF2-40B4-BE49-F238E27FC236}">
+                <a16:creationId xmlns:a16="http://schemas.microsoft.com/office/drawing/2014/main" id="{4553C5B9-C7A9-A14D-99CB-A2A0132114F2}"/>
               </a:ext>
             </a:extLst>
           </p:cNvPr>
@@ -23260,15 +23560,16 @@
         </p:nvSpPr>
         <p:spPr>
           <a:xfrm>
-            <a:off x="4845326" y="1975679"/>
-            <a:ext cx="1958009" cy="934278"/>
+            <a:off x="7175272" y="3686863"/>
+            <a:ext cx="1952658" cy="479611"/>
           </a:xfrm>
           <a:prstGeom prst="rect">
             <a:avLst/>
           </a:prstGeom>
           <a:solidFill>
-            <a:schemeClr val="accent6">
-              <a:lumMod val="75000"/>
+            <a:schemeClr val="accent2">
+              <a:lumMod val="40000"/>
+              <a:lumOff val="60000"/>
             </a:schemeClr>
           </a:solidFill>
           <a:ln>
@@ -23302,58 +23603,213 @@
           <a:p>
             <a:pPr algn="ctr"/>
             <a:r>
-              <a:rPr lang="en-GB" dirty="0"/>
-              <a:t>Shape</a:t>
-            </a:r>
-          </a:p>
-        </p:txBody>
-      </p:sp>
-      <p:sp>
-        <p:nvSpPr>
-          <p:cNvPr id="45" name="TextBox 44">
-            <a:extLst>
-              <a:ext uri="{FF2B5EF4-FFF2-40B4-BE49-F238E27FC236}">
-                <a16:creationId xmlns:a16="http://schemas.microsoft.com/office/drawing/2014/main" id="{D519CDB0-CDE5-DB44-A3D5-87130E6E4914}"/>
-              </a:ext>
-            </a:extLst>
-          </p:cNvPr>
-          <p:cNvSpPr txBox="1"/>
-          <p:nvPr/>
-        </p:nvSpPr>
-        <p:spPr>
-          <a:xfrm>
-            <a:off x="2261152" y="1480210"/>
-            <a:ext cx="5521127" cy="369332"/>
+              <a:rPr lang="en-GB" b="1" dirty="0">
+                <a:solidFill>
+                  <a:schemeClr val="tx1">
+                    <a:lumMod val="75000"/>
+                    <a:lumOff val="25000"/>
+                  </a:schemeClr>
+                </a:solidFill>
+              </a:rPr>
+              <a:t>Aden</a:t>
+            </a:r>
+          </a:p>
+        </p:txBody>
+      </p:sp>
+      <p:sp>
+        <p:nvSpPr>
+          <p:cNvPr id="36" name="Rectangle 35">
+            <a:extLst>
+              <a:ext uri="{FF2B5EF4-FFF2-40B4-BE49-F238E27FC236}">
+                <a16:creationId xmlns:a16="http://schemas.microsoft.com/office/drawing/2014/main" id="{609A3A84-E863-484B-8CBE-FE0342CE22AD}"/>
+              </a:ext>
+            </a:extLst>
+          </p:cNvPr>
+          <p:cNvSpPr/>
+          <p:nvPr/>
+        </p:nvSpPr>
+        <p:spPr>
+          <a:xfrm>
+            <a:off x="6509642" y="3686863"/>
+            <a:ext cx="665630" cy="479611"/>
           </a:xfrm>
           <a:prstGeom prst="rect">
             <a:avLst/>
           </a:prstGeom>
-          <a:solidFill>
-            <a:srgbClr val="FFFFFF">
-              <a:alpha val="50196"/>
-            </a:srgbClr>
-          </a:solidFill>
-        </p:spPr>
-        <p:txBody>
-          <a:bodyPr wrap="none" rtlCol="0">
-            <a:spAutoFit/>
-          </a:bodyPr>
-          <a:lstStyle/>
-          <a:p>
-            <a:r>
-              <a:rPr lang="en-GB" dirty="0"/>
-              <a:t>These three classes extends the </a:t>
-            </a:r>
-            <a:r>
-              <a:rPr lang="en-GB" sz="1600" dirty="0">
+          <a:noFill/>
+          <a:ln>
+            <a:solidFill>
+              <a:schemeClr val="tx1">
+                <a:lumMod val="75000"/>
+                <a:lumOff val="25000"/>
+              </a:schemeClr>
+            </a:solidFill>
+          </a:ln>
+        </p:spPr>
+        <p:style>
+          <a:lnRef idx="2">
+            <a:schemeClr val="accent1">
+              <a:shade val="50000"/>
+            </a:schemeClr>
+          </a:lnRef>
+          <a:fillRef idx="1">
+            <a:schemeClr val="accent1"/>
+          </a:fillRef>
+          <a:effectRef idx="0">
+            <a:schemeClr val="accent1"/>
+          </a:effectRef>
+          <a:fontRef idx="minor">
+            <a:schemeClr val="lt1"/>
+          </a:fontRef>
+        </p:style>
+        <p:txBody>
+          <a:bodyPr rtlCol="0" anchor="ctr"/>
+          <a:lstStyle/>
+          <a:p>
+            <a:pPr algn="ctr"/>
+            <a:r>
+              <a:rPr lang="en-GB" dirty="0">
+                <a:solidFill>
+                  <a:schemeClr val="tx1"/>
+                </a:solidFill>
                 <a:latin typeface="Courier New" panose="02070309020205020404" pitchFamily="49" charset="0"/>
                 <a:cs typeface="Courier New" panose="02070309020205020404" pitchFamily="49" charset="0"/>
               </a:rPr>
-              <a:t>Object</a:t>
-            </a:r>
-            <a:r>
-              <a:rPr lang="en-GB" dirty="0"/>
-              <a:t> class by default</a:t>
+              <a:t>pqr</a:t>
+            </a:r>
+          </a:p>
+        </p:txBody>
+      </p:sp>
+      <p:sp>
+        <p:nvSpPr>
+          <p:cNvPr id="38" name="Rectangle 37">
+            <a:extLst>
+              <a:ext uri="{FF2B5EF4-FFF2-40B4-BE49-F238E27FC236}">
+                <a16:creationId xmlns:a16="http://schemas.microsoft.com/office/drawing/2014/main" id="{A495CECA-BC78-164E-B89D-48EDEDE4814A}"/>
+              </a:ext>
+            </a:extLst>
+          </p:cNvPr>
+          <p:cNvSpPr/>
+          <p:nvPr/>
+        </p:nvSpPr>
+        <p:spPr>
+          <a:xfrm>
+            <a:off x="7175272" y="3026279"/>
+            <a:ext cx="1952658" cy="479611"/>
+          </a:xfrm>
+          <a:prstGeom prst="rect">
+            <a:avLst/>
+          </a:prstGeom>
+          <a:solidFill>
+            <a:schemeClr val="accent2">
+              <a:lumMod val="40000"/>
+              <a:lumOff val="60000"/>
+            </a:schemeClr>
+          </a:solidFill>
+          <a:ln>
+            <a:solidFill>
+              <a:schemeClr val="tx1">
+                <a:lumMod val="75000"/>
+                <a:lumOff val="25000"/>
+              </a:schemeClr>
+            </a:solidFill>
+          </a:ln>
+        </p:spPr>
+        <p:style>
+          <a:lnRef idx="2">
+            <a:schemeClr val="accent1">
+              <a:shade val="50000"/>
+            </a:schemeClr>
+          </a:lnRef>
+          <a:fillRef idx="1">
+            <a:schemeClr val="accent1"/>
+          </a:fillRef>
+          <a:effectRef idx="0">
+            <a:schemeClr val="accent1"/>
+          </a:effectRef>
+          <a:fontRef idx="minor">
+            <a:schemeClr val="lt1"/>
+          </a:fontRef>
+        </p:style>
+        <p:txBody>
+          <a:bodyPr rtlCol="0" anchor="ctr"/>
+          <a:lstStyle/>
+          <a:p>
+            <a:pPr algn="ctr"/>
+            <a:r>
+              <a:rPr lang="en-GB" b="1" dirty="0">
+                <a:solidFill>
+                  <a:schemeClr val="tx1">
+                    <a:lumMod val="75000"/>
+                    <a:lumOff val="25000"/>
+                  </a:schemeClr>
+                </a:solidFill>
+              </a:rPr>
+              <a:t>Jade</a:t>
+            </a:r>
+          </a:p>
+        </p:txBody>
+      </p:sp>
+      <p:sp>
+        <p:nvSpPr>
+          <p:cNvPr id="39" name="Rectangle 38">
+            <a:extLst>
+              <a:ext uri="{FF2B5EF4-FFF2-40B4-BE49-F238E27FC236}">
+                <a16:creationId xmlns:a16="http://schemas.microsoft.com/office/drawing/2014/main" id="{0AB0F4A5-BEF0-F54F-856A-D39F69F46774}"/>
+              </a:ext>
+            </a:extLst>
+          </p:cNvPr>
+          <p:cNvSpPr/>
+          <p:nvPr/>
+        </p:nvSpPr>
+        <p:spPr>
+          <a:xfrm>
+            <a:off x="6509642" y="3026279"/>
+            <a:ext cx="665630" cy="479611"/>
+          </a:xfrm>
+          <a:prstGeom prst="rect">
+            <a:avLst/>
+          </a:prstGeom>
+          <a:noFill/>
+          <a:ln>
+            <a:solidFill>
+              <a:schemeClr val="tx1">
+                <a:lumMod val="75000"/>
+                <a:lumOff val="25000"/>
+              </a:schemeClr>
+            </a:solidFill>
+          </a:ln>
+        </p:spPr>
+        <p:style>
+          <a:lnRef idx="2">
+            <a:schemeClr val="accent1">
+              <a:shade val="50000"/>
+            </a:schemeClr>
+          </a:lnRef>
+          <a:fillRef idx="1">
+            <a:schemeClr val="accent1"/>
+          </a:fillRef>
+          <a:effectRef idx="0">
+            <a:schemeClr val="accent1"/>
+          </a:effectRef>
+          <a:fontRef idx="minor">
+            <a:schemeClr val="lt1"/>
+          </a:fontRef>
+        </p:style>
+        <p:txBody>
+          <a:bodyPr rtlCol="0" anchor="ctr"/>
+          <a:lstStyle/>
+          <a:p>
+            <a:pPr algn="ctr"/>
+            <a:r>
+              <a:rPr lang="en-GB" dirty="0">
+                <a:solidFill>
+                  <a:schemeClr val="tx1"/>
+                </a:solidFill>
+                <a:latin typeface="Courier New" panose="02070309020205020404" pitchFamily="49" charset="0"/>
+                <a:cs typeface="Courier New" panose="02070309020205020404" pitchFamily="49" charset="0"/>
+              </a:rPr>
+              <a:t>mno</a:t>
             </a:r>
           </a:p>
         </p:txBody>
@@ -23361,7 +23817,7 @@
     </p:spTree>
     <p:extLst>
       <p:ext uri="{BB962C8B-B14F-4D97-AF65-F5344CB8AC3E}">
-        <p14:creationId xmlns:p14="http://schemas.microsoft.com/office/powerpoint/2010/main" val="264711353"/>
+        <p14:creationId xmlns:p14="http://schemas.microsoft.com/office/powerpoint/2010/main" val="1098940258"/>
       </p:ext>
     </p:extLst>
   </p:cSld>
@@ -23390,10 +23846,10 @@
       </p:grpSpPr>
       <p:sp>
         <p:nvSpPr>
-          <p:cNvPr id="4" name="Rectangle 3">
-            <a:extLst>
-              <a:ext uri="{FF2B5EF4-FFF2-40B4-BE49-F238E27FC236}">
-                <a16:creationId xmlns:a16="http://schemas.microsoft.com/office/drawing/2014/main" id="{9E5FF8BA-3EFC-124C-9A88-A59FC08B98F9}"/>
+          <p:cNvPr id="5" name="Rectangle 4">
+            <a:extLst>
+              <a:ext uri="{FF2B5EF4-FFF2-40B4-BE49-F238E27FC236}">
+                <a16:creationId xmlns:a16="http://schemas.microsoft.com/office/drawing/2014/main" id="{253CB38F-9F04-CB41-9D1F-4452BF736087}"/>
               </a:ext>
             </a:extLst>
           </p:cNvPr>
@@ -23402,12 +23858,17 @@
         </p:nvSpPr>
         <p:spPr>
           <a:xfrm>
-            <a:off x="4967908" y="1878495"/>
-            <a:ext cx="2435087" cy="715617"/>
+            <a:off x="1929847" y="3673062"/>
+            <a:ext cx="1958009" cy="934278"/>
           </a:xfrm>
           <a:prstGeom prst="rect">
             <a:avLst/>
           </a:prstGeom>
+          <a:solidFill>
+            <a:schemeClr val="tx2">
+              <a:lumMod val="75000"/>
+            </a:schemeClr>
+          </a:solidFill>
           <a:ln>
             <a:solidFill>
               <a:schemeClr val="tx1">
@@ -23439,21 +23900,18 @@
           <a:p>
             <a:pPr algn="ctr"/>
             <a:r>
-              <a:rPr lang="en-GB" dirty="0">
-                <a:latin typeface="Courier New" panose="02070309020205020404" pitchFamily="49" charset="0"/>
-                <a:cs typeface="Courier New" panose="02070309020205020404" pitchFamily="49" charset="0"/>
-              </a:rPr>
-              <a:t>put(Object)</a:t>
-            </a:r>
-          </a:p>
-        </p:txBody>
-      </p:sp>
-      <p:sp>
-        <p:nvSpPr>
-          <p:cNvPr id="5" name="Rectangle 4">
-            <a:extLst>
-              <a:ext uri="{FF2B5EF4-FFF2-40B4-BE49-F238E27FC236}">
-                <a16:creationId xmlns:a16="http://schemas.microsoft.com/office/drawing/2014/main" id="{82B50688-CDAF-524A-BB49-54E7C315C431}"/>
+              <a:rPr lang="en-GB" dirty="0"/>
+              <a:t>Rectangle</a:t>
+            </a:r>
+          </a:p>
+        </p:txBody>
+      </p:sp>
+      <p:sp>
+        <p:nvSpPr>
+          <p:cNvPr id="6" name="Rectangle 5">
+            <a:extLst>
+              <a:ext uri="{FF2B5EF4-FFF2-40B4-BE49-F238E27FC236}">
+                <a16:creationId xmlns:a16="http://schemas.microsoft.com/office/drawing/2014/main" id="{74D75409-532D-754E-A73C-3A07B212AF9D}"/>
               </a:ext>
             </a:extLst>
           </p:cNvPr>
@@ -23462,8 +23920,603 @@
         </p:nvSpPr>
         <p:spPr>
           <a:xfrm>
-            <a:off x="8986630" y="3945835"/>
-            <a:ext cx="2435087" cy="715617"/>
+            <a:off x="4845325" y="3673062"/>
+            <a:ext cx="1958009" cy="934278"/>
+          </a:xfrm>
+          <a:prstGeom prst="rect">
+            <a:avLst/>
+          </a:prstGeom>
+          <a:solidFill>
+            <a:schemeClr val="accent4">
+              <a:lumMod val="75000"/>
+            </a:schemeClr>
+          </a:solidFill>
+          <a:ln>
+            <a:solidFill>
+              <a:schemeClr val="tx1">
+                <a:lumMod val="75000"/>
+                <a:lumOff val="25000"/>
+              </a:schemeClr>
+            </a:solidFill>
+          </a:ln>
+        </p:spPr>
+        <p:style>
+          <a:lnRef idx="2">
+            <a:schemeClr val="accent1">
+              <a:shade val="50000"/>
+            </a:schemeClr>
+          </a:lnRef>
+          <a:fillRef idx="1">
+            <a:schemeClr val="accent1"/>
+          </a:fillRef>
+          <a:effectRef idx="0">
+            <a:schemeClr val="accent1"/>
+          </a:effectRef>
+          <a:fontRef idx="minor">
+            <a:schemeClr val="lt1"/>
+          </a:fontRef>
+        </p:style>
+        <p:txBody>
+          <a:bodyPr rtlCol="0" anchor="ctr"/>
+          <a:lstStyle/>
+          <a:p>
+            <a:pPr algn="ctr"/>
+            <a:r>
+              <a:rPr lang="en-GB" dirty="0"/>
+              <a:t>Circle</a:t>
+            </a:r>
+          </a:p>
+        </p:txBody>
+      </p:sp>
+      <p:sp>
+        <p:nvSpPr>
+          <p:cNvPr id="7" name="Rectangle 6">
+            <a:extLst>
+              <a:ext uri="{FF2B5EF4-FFF2-40B4-BE49-F238E27FC236}">
+                <a16:creationId xmlns:a16="http://schemas.microsoft.com/office/drawing/2014/main" id="{0D63BD3A-245D-EF46-A7BE-08548E16D916}"/>
+              </a:ext>
+            </a:extLst>
+          </p:cNvPr>
+          <p:cNvSpPr/>
+          <p:nvPr/>
+        </p:nvSpPr>
+        <p:spPr>
+          <a:xfrm>
+            <a:off x="7760803" y="3673062"/>
+            <a:ext cx="1958009" cy="934278"/>
+          </a:xfrm>
+          <a:prstGeom prst="rect">
+            <a:avLst/>
+          </a:prstGeom>
+          <a:solidFill>
+            <a:schemeClr val="accent2">
+              <a:lumMod val="75000"/>
+            </a:schemeClr>
+          </a:solidFill>
+          <a:ln>
+            <a:solidFill>
+              <a:schemeClr val="tx1">
+                <a:lumMod val="75000"/>
+                <a:lumOff val="25000"/>
+              </a:schemeClr>
+            </a:solidFill>
+          </a:ln>
+        </p:spPr>
+        <p:style>
+          <a:lnRef idx="2">
+            <a:schemeClr val="accent1">
+              <a:shade val="50000"/>
+            </a:schemeClr>
+          </a:lnRef>
+          <a:fillRef idx="1">
+            <a:schemeClr val="accent1"/>
+          </a:fillRef>
+          <a:effectRef idx="0">
+            <a:schemeClr val="accent1"/>
+          </a:effectRef>
+          <a:fontRef idx="minor">
+            <a:schemeClr val="lt1"/>
+          </a:fontRef>
+        </p:style>
+        <p:txBody>
+          <a:bodyPr rtlCol="0" anchor="ctr"/>
+          <a:lstStyle/>
+          <a:p>
+            <a:pPr algn="ctr"/>
+            <a:r>
+              <a:rPr lang="en-GB" dirty="0"/>
+              <a:t>Triangle</a:t>
+            </a:r>
+          </a:p>
+        </p:txBody>
+      </p:sp>
+      <p:sp>
+        <p:nvSpPr>
+          <p:cNvPr id="8" name="Rectangle 7">
+            <a:extLst>
+              <a:ext uri="{FF2B5EF4-FFF2-40B4-BE49-F238E27FC236}">
+                <a16:creationId xmlns:a16="http://schemas.microsoft.com/office/drawing/2014/main" id="{B4449C17-7BA2-8D45-88C1-5168D168ACB1}"/>
+              </a:ext>
+            </a:extLst>
+          </p:cNvPr>
+          <p:cNvSpPr/>
+          <p:nvPr/>
+        </p:nvSpPr>
+        <p:spPr>
+          <a:xfrm>
+            <a:off x="1929846" y="5370444"/>
+            <a:ext cx="1958009" cy="934278"/>
+          </a:xfrm>
+          <a:prstGeom prst="rect">
+            <a:avLst/>
+          </a:prstGeom>
+          <a:solidFill>
+            <a:schemeClr val="tx2">
+              <a:lumMod val="60000"/>
+              <a:lumOff val="40000"/>
+            </a:schemeClr>
+          </a:solidFill>
+          <a:ln>
+            <a:solidFill>
+              <a:schemeClr val="tx1">
+                <a:lumMod val="75000"/>
+                <a:lumOff val="25000"/>
+              </a:schemeClr>
+            </a:solidFill>
+          </a:ln>
+        </p:spPr>
+        <p:style>
+          <a:lnRef idx="2">
+            <a:schemeClr val="accent1">
+              <a:shade val="50000"/>
+            </a:schemeClr>
+          </a:lnRef>
+          <a:fillRef idx="1">
+            <a:schemeClr val="accent1"/>
+          </a:fillRef>
+          <a:effectRef idx="0">
+            <a:schemeClr val="accent1"/>
+          </a:effectRef>
+          <a:fontRef idx="minor">
+            <a:schemeClr val="lt1"/>
+          </a:fontRef>
+        </p:style>
+        <p:txBody>
+          <a:bodyPr rtlCol="0" anchor="ctr"/>
+          <a:lstStyle/>
+          <a:p>
+            <a:pPr algn="ctr"/>
+            <a:r>
+              <a:rPr lang="en-GB" dirty="0"/>
+              <a:t>Square</a:t>
+            </a:r>
+          </a:p>
+        </p:txBody>
+      </p:sp>
+      <p:sp>
+        <p:nvSpPr>
+          <p:cNvPr id="14" name="Rectangle 13">
+            <a:extLst>
+              <a:ext uri="{FF2B5EF4-FFF2-40B4-BE49-F238E27FC236}">
+                <a16:creationId xmlns:a16="http://schemas.microsoft.com/office/drawing/2014/main" id="{09093530-9962-374E-A947-6C19F5C2FC8C}"/>
+              </a:ext>
+            </a:extLst>
+          </p:cNvPr>
+          <p:cNvSpPr/>
+          <p:nvPr/>
+        </p:nvSpPr>
+        <p:spPr>
+          <a:xfrm>
+            <a:off x="1929846" y="278296"/>
+            <a:ext cx="1958009" cy="934278"/>
+          </a:xfrm>
+          <a:prstGeom prst="rect">
+            <a:avLst/>
+          </a:prstGeom>
+          <a:ln>
+            <a:solidFill>
+              <a:schemeClr val="tx1">
+                <a:lumMod val="75000"/>
+                <a:lumOff val="25000"/>
+              </a:schemeClr>
+            </a:solidFill>
+          </a:ln>
+        </p:spPr>
+        <p:style>
+          <a:lnRef idx="2">
+            <a:schemeClr val="accent1">
+              <a:shade val="50000"/>
+            </a:schemeClr>
+          </a:lnRef>
+          <a:fillRef idx="1">
+            <a:schemeClr val="accent1"/>
+          </a:fillRef>
+          <a:effectRef idx="0">
+            <a:schemeClr val="accent1"/>
+          </a:effectRef>
+          <a:fontRef idx="minor">
+            <a:schemeClr val="lt1"/>
+          </a:fontRef>
+        </p:style>
+        <p:txBody>
+          <a:bodyPr rtlCol="0" anchor="ctr"/>
+          <a:lstStyle/>
+          <a:p>
+            <a:pPr algn="ctr"/>
+            <a:r>
+              <a:rPr lang="en-GB" dirty="0"/>
+              <a:t>Object</a:t>
+            </a:r>
+          </a:p>
+        </p:txBody>
+      </p:sp>
+      <p:cxnSp>
+        <p:nvCxnSpPr>
+          <p:cNvPr id="16" name="Straight Arrow Connector 15">
+            <a:extLst>
+              <a:ext uri="{FF2B5EF4-FFF2-40B4-BE49-F238E27FC236}">
+                <a16:creationId xmlns:a16="http://schemas.microsoft.com/office/drawing/2014/main" id="{93FF4F04-088E-1442-B1F3-938F967A8523}"/>
+              </a:ext>
+            </a:extLst>
+          </p:cNvPr>
+          <p:cNvCxnSpPr>
+            <a:cxnSpLocks/>
+            <a:stCxn id="5" idx="0"/>
+            <a:endCxn id="14" idx="2"/>
+          </p:cNvCxnSpPr>
+          <p:nvPr/>
+        </p:nvCxnSpPr>
+        <p:spPr>
+          <a:xfrm flipH="1" flipV="1">
+            <a:off x="2908851" y="1212574"/>
+            <a:ext cx="1" cy="2460488"/>
+          </a:xfrm>
+          <a:prstGeom prst="straightConnector1">
+            <a:avLst/>
+          </a:prstGeom>
+          <a:ln>
+            <a:solidFill>
+              <a:schemeClr val="tx1">
+                <a:lumMod val="75000"/>
+                <a:lumOff val="25000"/>
+              </a:schemeClr>
+            </a:solidFill>
+            <a:prstDash val="sysDash"/>
+            <a:tailEnd type="triangle"/>
+          </a:ln>
+        </p:spPr>
+        <p:style>
+          <a:lnRef idx="1">
+            <a:schemeClr val="accent1"/>
+          </a:lnRef>
+          <a:fillRef idx="0">
+            <a:schemeClr val="accent1"/>
+          </a:fillRef>
+          <a:effectRef idx="0">
+            <a:schemeClr val="accent1"/>
+          </a:effectRef>
+          <a:fontRef idx="minor">
+            <a:schemeClr val="tx1"/>
+          </a:fontRef>
+        </p:style>
+      </p:cxnSp>
+      <p:cxnSp>
+        <p:nvCxnSpPr>
+          <p:cNvPr id="27" name="Curved Connector 26">
+            <a:extLst>
+              <a:ext uri="{FF2B5EF4-FFF2-40B4-BE49-F238E27FC236}">
+                <a16:creationId xmlns:a16="http://schemas.microsoft.com/office/drawing/2014/main" id="{F7DE7D8A-0C6B-6141-A312-63FC8A4A7D7C}"/>
+              </a:ext>
+            </a:extLst>
+          </p:cNvPr>
+          <p:cNvCxnSpPr>
+            <a:stCxn id="7" idx="0"/>
+            <a:endCxn id="4" idx="2"/>
+          </p:cNvCxnSpPr>
+          <p:nvPr/>
+        </p:nvCxnSpPr>
+        <p:spPr>
+          <a:xfrm rot="16200000" flipV="1">
+            <a:off x="6900518" y="1833771"/>
+            <a:ext cx="763105" cy="2915477"/>
+          </a:xfrm>
+          <a:prstGeom prst="curvedConnector3">
+            <a:avLst/>
+          </a:prstGeom>
+          <a:ln w="12700">
+            <a:solidFill>
+              <a:schemeClr val="tx1">
+                <a:lumMod val="75000"/>
+                <a:lumOff val="25000"/>
+              </a:schemeClr>
+            </a:solidFill>
+            <a:tailEnd type="triangle"/>
+          </a:ln>
+        </p:spPr>
+        <p:style>
+          <a:lnRef idx="1">
+            <a:schemeClr val="accent1"/>
+          </a:lnRef>
+          <a:fillRef idx="0">
+            <a:schemeClr val="accent1"/>
+          </a:fillRef>
+          <a:effectRef idx="0">
+            <a:schemeClr val="accent1"/>
+          </a:effectRef>
+          <a:fontRef idx="minor">
+            <a:schemeClr val="tx1"/>
+          </a:fontRef>
+        </p:style>
+      </p:cxnSp>
+      <p:cxnSp>
+        <p:nvCxnSpPr>
+          <p:cNvPr id="28" name="Curved Connector 27">
+            <a:extLst>
+              <a:ext uri="{FF2B5EF4-FFF2-40B4-BE49-F238E27FC236}">
+                <a16:creationId xmlns:a16="http://schemas.microsoft.com/office/drawing/2014/main" id="{6B3D4297-09BE-A041-8DFB-3102A44CDD1D}"/>
+              </a:ext>
+            </a:extLst>
+          </p:cNvPr>
+          <p:cNvCxnSpPr>
+            <a:cxnSpLocks/>
+            <a:stCxn id="7" idx="0"/>
+            <a:endCxn id="14" idx="2"/>
+          </p:cNvCxnSpPr>
+          <p:nvPr/>
+        </p:nvCxnSpPr>
+        <p:spPr>
+          <a:xfrm rot="16200000" flipV="1">
+            <a:off x="4594086" y="-472661"/>
+            <a:ext cx="2460488" cy="5830957"/>
+          </a:xfrm>
+          <a:prstGeom prst="curvedConnector3">
+            <a:avLst>
+              <a:gd name="adj1" fmla="val 78276"/>
+            </a:avLst>
+          </a:prstGeom>
+          <a:ln>
+            <a:solidFill>
+              <a:schemeClr val="tx1">
+                <a:lumMod val="75000"/>
+                <a:lumOff val="25000"/>
+              </a:schemeClr>
+            </a:solidFill>
+            <a:prstDash val="sysDash"/>
+            <a:tailEnd type="triangle"/>
+          </a:ln>
+        </p:spPr>
+        <p:style>
+          <a:lnRef idx="1">
+            <a:schemeClr val="accent1"/>
+          </a:lnRef>
+          <a:fillRef idx="0">
+            <a:schemeClr val="accent1"/>
+          </a:fillRef>
+          <a:effectRef idx="0">
+            <a:schemeClr val="accent1"/>
+          </a:effectRef>
+          <a:fontRef idx="minor">
+            <a:schemeClr val="tx1"/>
+          </a:fontRef>
+        </p:style>
+      </p:cxnSp>
+      <p:cxnSp>
+        <p:nvCxnSpPr>
+          <p:cNvPr id="31" name="Curved Connector 30">
+            <a:extLst>
+              <a:ext uri="{FF2B5EF4-FFF2-40B4-BE49-F238E27FC236}">
+                <a16:creationId xmlns:a16="http://schemas.microsoft.com/office/drawing/2014/main" id="{C9F25D02-FC5E-5148-8BD0-6C6BA1B765B1}"/>
+              </a:ext>
+            </a:extLst>
+          </p:cNvPr>
+          <p:cNvCxnSpPr>
+            <a:cxnSpLocks/>
+            <a:stCxn id="6" idx="0"/>
+            <a:endCxn id="14" idx="2"/>
+          </p:cNvCxnSpPr>
+          <p:nvPr/>
+        </p:nvCxnSpPr>
+        <p:spPr>
+          <a:xfrm rot="16200000" flipV="1">
+            <a:off x="3136347" y="985078"/>
+            <a:ext cx="2460488" cy="2915479"/>
+          </a:xfrm>
+          <a:prstGeom prst="curvedConnector3">
+            <a:avLst>
+              <a:gd name="adj1" fmla="val 26975"/>
+            </a:avLst>
+          </a:prstGeom>
+          <a:ln>
+            <a:solidFill>
+              <a:schemeClr val="tx1">
+                <a:lumMod val="75000"/>
+                <a:lumOff val="25000"/>
+              </a:schemeClr>
+            </a:solidFill>
+            <a:prstDash val="sysDash"/>
+            <a:tailEnd type="triangle"/>
+          </a:ln>
+        </p:spPr>
+        <p:style>
+          <a:lnRef idx="1">
+            <a:schemeClr val="accent1"/>
+          </a:lnRef>
+          <a:fillRef idx="0">
+            <a:schemeClr val="accent1"/>
+          </a:fillRef>
+          <a:effectRef idx="0">
+            <a:schemeClr val="accent1"/>
+          </a:effectRef>
+          <a:fontRef idx="minor">
+            <a:schemeClr val="tx1"/>
+          </a:fontRef>
+        </p:style>
+      </p:cxnSp>
+      <p:cxnSp>
+        <p:nvCxnSpPr>
+          <p:cNvPr id="34" name="Straight Arrow Connector 33">
+            <a:extLst>
+              <a:ext uri="{FF2B5EF4-FFF2-40B4-BE49-F238E27FC236}">
+                <a16:creationId xmlns:a16="http://schemas.microsoft.com/office/drawing/2014/main" id="{B520B3ED-7F69-F645-BCE5-7489A87524D2}"/>
+              </a:ext>
+            </a:extLst>
+          </p:cNvPr>
+          <p:cNvCxnSpPr>
+            <a:cxnSpLocks/>
+            <a:stCxn id="6" idx="0"/>
+            <a:endCxn id="4" idx="2"/>
+          </p:cNvCxnSpPr>
+          <p:nvPr/>
+        </p:nvCxnSpPr>
+        <p:spPr>
+          <a:xfrm flipV="1">
+            <a:off x="5824330" y="2909957"/>
+            <a:ext cx="1" cy="763105"/>
+          </a:xfrm>
+          <a:prstGeom prst="straightConnector1">
+            <a:avLst/>
+          </a:prstGeom>
+          <a:ln w="12700">
+            <a:solidFill>
+              <a:schemeClr val="tx1">
+                <a:lumMod val="75000"/>
+                <a:lumOff val="25000"/>
+              </a:schemeClr>
+            </a:solidFill>
+            <a:tailEnd type="triangle"/>
+          </a:ln>
+        </p:spPr>
+        <p:style>
+          <a:lnRef idx="1">
+            <a:schemeClr val="accent1"/>
+          </a:lnRef>
+          <a:fillRef idx="0">
+            <a:schemeClr val="accent1"/>
+          </a:fillRef>
+          <a:effectRef idx="0">
+            <a:schemeClr val="accent1"/>
+          </a:effectRef>
+          <a:fontRef idx="minor">
+            <a:schemeClr val="tx1"/>
+          </a:fontRef>
+        </p:style>
+      </p:cxnSp>
+      <p:cxnSp>
+        <p:nvCxnSpPr>
+          <p:cNvPr id="37" name="Straight Arrow Connector 36">
+            <a:extLst>
+              <a:ext uri="{FF2B5EF4-FFF2-40B4-BE49-F238E27FC236}">
+                <a16:creationId xmlns:a16="http://schemas.microsoft.com/office/drawing/2014/main" id="{C477412A-EDE0-C047-B6D0-30FA5F75C2C9}"/>
+              </a:ext>
+            </a:extLst>
+          </p:cNvPr>
+          <p:cNvCxnSpPr>
+            <a:cxnSpLocks/>
+            <a:stCxn id="8" idx="0"/>
+            <a:endCxn id="5" idx="2"/>
+          </p:cNvCxnSpPr>
+          <p:nvPr/>
+        </p:nvCxnSpPr>
+        <p:spPr>
+          <a:xfrm flipV="1">
+            <a:off x="2908851" y="4607340"/>
+            <a:ext cx="1" cy="763104"/>
+          </a:xfrm>
+          <a:prstGeom prst="straightConnector1">
+            <a:avLst/>
+          </a:prstGeom>
+          <a:ln w="12700">
+            <a:solidFill>
+              <a:schemeClr val="tx1">
+                <a:lumMod val="75000"/>
+                <a:lumOff val="25000"/>
+              </a:schemeClr>
+            </a:solidFill>
+            <a:tailEnd type="triangle"/>
+          </a:ln>
+        </p:spPr>
+        <p:style>
+          <a:lnRef idx="1">
+            <a:schemeClr val="accent1"/>
+          </a:lnRef>
+          <a:fillRef idx="0">
+            <a:schemeClr val="accent1"/>
+          </a:fillRef>
+          <a:effectRef idx="0">
+            <a:schemeClr val="accent1"/>
+          </a:effectRef>
+          <a:fontRef idx="minor">
+            <a:schemeClr val="tx1"/>
+          </a:fontRef>
+        </p:style>
+      </p:cxnSp>
+      <p:cxnSp>
+        <p:nvCxnSpPr>
+          <p:cNvPr id="40" name="Curved Connector 39">
+            <a:extLst>
+              <a:ext uri="{FF2B5EF4-FFF2-40B4-BE49-F238E27FC236}">
+                <a16:creationId xmlns:a16="http://schemas.microsoft.com/office/drawing/2014/main" id="{8F7BD11A-C742-CD46-B344-B9C93D155174}"/>
+              </a:ext>
+            </a:extLst>
+          </p:cNvPr>
+          <p:cNvCxnSpPr>
+            <a:cxnSpLocks/>
+            <a:stCxn id="5" idx="0"/>
+            <a:endCxn id="4" idx="2"/>
+          </p:cNvCxnSpPr>
+          <p:nvPr/>
+        </p:nvCxnSpPr>
+        <p:spPr>
+          <a:xfrm rot="5400000" flipH="1" flipV="1">
+            <a:off x="3985039" y="1833771"/>
+            <a:ext cx="763105" cy="2915479"/>
+          </a:xfrm>
+          <a:prstGeom prst="curvedConnector3">
+            <a:avLst>
+              <a:gd name="adj1" fmla="val 50000"/>
+            </a:avLst>
+          </a:prstGeom>
+          <a:ln w="12700">
+            <a:solidFill>
+              <a:schemeClr val="tx1">
+                <a:lumMod val="75000"/>
+                <a:lumOff val="25000"/>
+              </a:schemeClr>
+            </a:solidFill>
+            <a:tailEnd type="triangle"/>
+          </a:ln>
+        </p:spPr>
+        <p:style>
+          <a:lnRef idx="1">
+            <a:schemeClr val="accent1"/>
+          </a:lnRef>
+          <a:fillRef idx="0">
+            <a:schemeClr val="accent1"/>
+          </a:fillRef>
+          <a:effectRef idx="0">
+            <a:schemeClr val="accent1"/>
+          </a:effectRef>
+          <a:fontRef idx="minor">
+            <a:schemeClr val="tx1"/>
+          </a:fontRef>
+        </p:style>
+      </p:cxnSp>
+      <p:sp>
+        <p:nvSpPr>
+          <p:cNvPr id="4" name="Rectangle 3">
+            <a:extLst>
+              <a:ext uri="{FF2B5EF4-FFF2-40B4-BE49-F238E27FC236}">
+                <a16:creationId xmlns:a16="http://schemas.microsoft.com/office/drawing/2014/main" id="{18CF6D0D-C76B-6843-8E45-C2A87F31CE3F}"/>
+              </a:ext>
+            </a:extLst>
+          </p:cNvPr>
+          <p:cNvSpPr/>
+          <p:nvPr/>
+        </p:nvSpPr>
+        <p:spPr>
+          <a:xfrm>
+            <a:off x="4845326" y="1975679"/>
+            <a:ext cx="1958009" cy="934278"/>
           </a:xfrm>
           <a:prstGeom prst="rect">
             <a:avLst/>
@@ -23504,347 +24557,66 @@
           <a:p>
             <a:pPr algn="ctr"/>
             <a:r>
-              <a:rPr lang="en-GB" dirty="0">
+              <a:rPr lang="en-GB" dirty="0"/>
+              <a:t>Shape</a:t>
+            </a:r>
+          </a:p>
+        </p:txBody>
+      </p:sp>
+      <p:sp>
+        <p:nvSpPr>
+          <p:cNvPr id="45" name="TextBox 44">
+            <a:extLst>
+              <a:ext uri="{FF2B5EF4-FFF2-40B4-BE49-F238E27FC236}">
+                <a16:creationId xmlns:a16="http://schemas.microsoft.com/office/drawing/2014/main" id="{D519CDB0-CDE5-DB44-A3D5-87130E6E4914}"/>
+              </a:ext>
+            </a:extLst>
+          </p:cNvPr>
+          <p:cNvSpPr txBox="1"/>
+          <p:nvPr/>
+        </p:nvSpPr>
+        <p:spPr>
+          <a:xfrm>
+            <a:off x="2261152" y="1480210"/>
+            <a:ext cx="5521127" cy="369332"/>
+          </a:xfrm>
+          <a:prstGeom prst="rect">
+            <a:avLst/>
+          </a:prstGeom>
+          <a:solidFill>
+            <a:srgbClr val="FFFFFF">
+              <a:alpha val="50196"/>
+            </a:srgbClr>
+          </a:solidFill>
+        </p:spPr>
+        <p:txBody>
+          <a:bodyPr wrap="none" rtlCol="0">
+            <a:spAutoFit/>
+          </a:bodyPr>
+          <a:lstStyle/>
+          <a:p>
+            <a:r>
+              <a:rPr lang="en-GB" dirty="0"/>
+              <a:t>These three classes extends the </a:t>
+            </a:r>
+            <a:r>
+              <a:rPr lang="en-GB" sz="1600" dirty="0">
                 <a:latin typeface="Courier New" panose="02070309020205020404" pitchFamily="49" charset="0"/>
                 <a:cs typeface="Courier New" panose="02070309020205020404" pitchFamily="49" charset="0"/>
               </a:rPr>
-              <a:t>put(String)</a:t>
-            </a:r>
-          </a:p>
-        </p:txBody>
-      </p:sp>
-      <p:sp>
-        <p:nvSpPr>
-          <p:cNvPr id="6" name="Rectangle 5">
-            <a:extLst>
-              <a:ext uri="{FF2B5EF4-FFF2-40B4-BE49-F238E27FC236}">
-                <a16:creationId xmlns:a16="http://schemas.microsoft.com/office/drawing/2014/main" id="{1D34A800-43D8-8547-9BA7-CC34D651BF4A}"/>
-              </a:ext>
-            </a:extLst>
-          </p:cNvPr>
-          <p:cNvSpPr/>
-          <p:nvPr/>
-        </p:nvSpPr>
-        <p:spPr>
-          <a:xfrm>
-            <a:off x="949187" y="1878494"/>
-            <a:ext cx="2435087" cy="715617"/>
-          </a:xfrm>
-          <a:prstGeom prst="rect">
-            <a:avLst/>
-          </a:prstGeom>
-          <a:ln>
-            <a:solidFill>
-              <a:schemeClr val="tx1">
-                <a:lumMod val="75000"/>
-                <a:lumOff val="25000"/>
-              </a:schemeClr>
-            </a:solidFill>
-          </a:ln>
-        </p:spPr>
-        <p:style>
-          <a:lnRef idx="2">
-            <a:schemeClr val="accent1">
-              <a:shade val="50000"/>
-            </a:schemeClr>
-          </a:lnRef>
-          <a:fillRef idx="1">
-            <a:schemeClr val="accent1"/>
-          </a:fillRef>
-          <a:effectRef idx="0">
-            <a:schemeClr val="accent1"/>
-          </a:effectRef>
-          <a:fontRef idx="minor">
-            <a:schemeClr val="lt1"/>
-          </a:fontRef>
-        </p:style>
-        <p:txBody>
-          <a:bodyPr rtlCol="0" anchor="ctr"/>
-          <a:lstStyle/>
-          <a:p>
-            <a:pPr algn="ctr"/>
+              <a:t>Object</a:t>
+            </a:r>
             <a:r>
               <a:rPr lang="en-GB" dirty="0"/>
-              <a:t>Raw Type</a:t>
-            </a:r>
-          </a:p>
-        </p:txBody>
-      </p:sp>
-      <p:cxnSp>
-        <p:nvCxnSpPr>
-          <p:cNvPr id="12" name="Curved Connector 11">
-            <a:extLst>
-              <a:ext uri="{FF2B5EF4-FFF2-40B4-BE49-F238E27FC236}">
-                <a16:creationId xmlns:a16="http://schemas.microsoft.com/office/drawing/2014/main" id="{057D1818-92DB-7143-8E70-61A91854C118}"/>
-              </a:ext>
-            </a:extLst>
-          </p:cNvPr>
-          <p:cNvCxnSpPr>
-            <a:cxnSpLocks/>
-            <a:stCxn id="4" idx="3"/>
-            <a:endCxn id="5" idx="1"/>
-          </p:cNvCxnSpPr>
-          <p:nvPr/>
-        </p:nvCxnSpPr>
-        <p:spPr>
-          <a:xfrm>
-            <a:off x="7402995" y="2236304"/>
-            <a:ext cx="1583635" cy="2067340"/>
-          </a:xfrm>
-          <a:prstGeom prst="curvedConnector3">
-            <a:avLst>
-              <a:gd name="adj1" fmla="val 50000"/>
-            </a:avLst>
-          </a:prstGeom>
-          <a:ln w="12700">
-            <a:solidFill>
-              <a:schemeClr val="tx1">
-                <a:lumMod val="75000"/>
-                <a:lumOff val="25000"/>
-              </a:schemeClr>
-            </a:solidFill>
-            <a:tailEnd type="triangle"/>
-          </a:ln>
-        </p:spPr>
-        <p:style>
-          <a:lnRef idx="1">
-            <a:schemeClr val="accent1"/>
-          </a:lnRef>
-          <a:fillRef idx="0">
-            <a:schemeClr val="accent1"/>
-          </a:fillRef>
-          <a:effectRef idx="0">
-            <a:schemeClr val="accent1"/>
-          </a:effectRef>
-          <a:fontRef idx="minor">
-            <a:schemeClr val="tx1"/>
-          </a:fontRef>
-        </p:style>
-      </p:cxnSp>
-      <p:sp>
-        <p:nvSpPr>
-          <p:cNvPr id="16" name="Rectangle 15">
-            <a:extLst>
-              <a:ext uri="{FF2B5EF4-FFF2-40B4-BE49-F238E27FC236}">
-                <a16:creationId xmlns:a16="http://schemas.microsoft.com/office/drawing/2014/main" id="{733B1903-9710-8A42-B7C8-1F160E2A04ED}"/>
-              </a:ext>
-            </a:extLst>
-          </p:cNvPr>
-          <p:cNvSpPr/>
-          <p:nvPr/>
-        </p:nvSpPr>
-        <p:spPr>
-          <a:xfrm>
-            <a:off x="949186" y="3945835"/>
-            <a:ext cx="2435087" cy="715617"/>
-          </a:xfrm>
-          <a:prstGeom prst="rect">
-            <a:avLst/>
-          </a:prstGeom>
-          <a:solidFill>
-            <a:schemeClr val="accent6">
-              <a:lumMod val="75000"/>
-            </a:schemeClr>
-          </a:solidFill>
-          <a:ln>
-            <a:solidFill>
-              <a:schemeClr val="tx1">
-                <a:lumMod val="75000"/>
-                <a:lumOff val="25000"/>
-              </a:schemeClr>
-            </a:solidFill>
-          </a:ln>
-        </p:spPr>
-        <p:style>
-          <a:lnRef idx="2">
-            <a:schemeClr val="accent1">
-              <a:shade val="50000"/>
-            </a:schemeClr>
-          </a:lnRef>
-          <a:fillRef idx="1">
-            <a:schemeClr val="accent1"/>
-          </a:fillRef>
-          <a:effectRef idx="0">
-            <a:schemeClr val="accent1"/>
-          </a:effectRef>
-          <a:fontRef idx="minor">
-            <a:schemeClr val="lt1"/>
-          </a:fontRef>
-        </p:style>
-        <p:txBody>
-          <a:bodyPr rtlCol="0" anchor="ctr"/>
-          <a:lstStyle/>
-          <a:p>
-            <a:pPr algn="ctr"/>
-            <a:r>
-              <a:rPr lang="en-GB" dirty="0"/>
-              <a:t>Generics</a:t>
-            </a:r>
-            <a:br>
-              <a:rPr lang="en-GB" dirty="0"/>
-            </a:br>
-            <a:r>
-              <a:rPr lang="en-GB" sz="1400" dirty="0"/>
-              <a:t>(</a:t>
-            </a:r>
-            <a:r>
-              <a:rPr lang="en-GB" sz="1400" i="1" dirty="0"/>
-              <a:t>of type String</a:t>
-            </a:r>
-            <a:r>
-              <a:rPr lang="en-GB" sz="1400" dirty="0"/>
-              <a:t>)</a:t>
-            </a:r>
-            <a:endParaRPr lang="en-GB" dirty="0"/>
-          </a:p>
-        </p:txBody>
-      </p:sp>
-      <p:cxnSp>
-        <p:nvCxnSpPr>
-          <p:cNvPr id="18" name="Straight Arrow Connector 17">
-            <a:extLst>
-              <a:ext uri="{FF2B5EF4-FFF2-40B4-BE49-F238E27FC236}">
-                <a16:creationId xmlns:a16="http://schemas.microsoft.com/office/drawing/2014/main" id="{CFE10467-AEC0-F64C-92EE-62FF8D0514DF}"/>
-              </a:ext>
-            </a:extLst>
-          </p:cNvPr>
-          <p:cNvCxnSpPr>
-            <a:stCxn id="6" idx="3"/>
-            <a:endCxn id="4" idx="1"/>
-          </p:cNvCxnSpPr>
-          <p:nvPr/>
-        </p:nvCxnSpPr>
-        <p:spPr>
-          <a:xfrm>
-            <a:off x="3384274" y="2236303"/>
-            <a:ext cx="1583634" cy="1"/>
-          </a:xfrm>
-          <a:prstGeom prst="straightConnector1">
-            <a:avLst/>
-          </a:prstGeom>
-          <a:ln w="12700">
-            <a:solidFill>
-              <a:schemeClr val="tx1">
-                <a:lumMod val="75000"/>
-                <a:lumOff val="25000"/>
-              </a:schemeClr>
-            </a:solidFill>
-            <a:tailEnd type="triangle"/>
-          </a:ln>
-        </p:spPr>
-        <p:style>
-          <a:lnRef idx="1">
-            <a:schemeClr val="accent1"/>
-          </a:lnRef>
-          <a:fillRef idx="0">
-            <a:schemeClr val="accent1"/>
-          </a:fillRef>
-          <a:effectRef idx="0">
-            <a:schemeClr val="accent1"/>
-          </a:effectRef>
-          <a:fontRef idx="minor">
-            <a:schemeClr val="tx1"/>
-          </a:fontRef>
-        </p:style>
-      </p:cxnSp>
-      <p:cxnSp>
-        <p:nvCxnSpPr>
-          <p:cNvPr id="19" name="Straight Arrow Connector 18">
-            <a:extLst>
-              <a:ext uri="{FF2B5EF4-FFF2-40B4-BE49-F238E27FC236}">
-                <a16:creationId xmlns:a16="http://schemas.microsoft.com/office/drawing/2014/main" id="{CCF759CA-2698-6743-BCC3-929B16B86ED7}"/>
-              </a:ext>
-            </a:extLst>
-          </p:cNvPr>
-          <p:cNvCxnSpPr>
-            <a:cxnSpLocks/>
-            <a:stCxn id="16" idx="3"/>
-            <a:endCxn id="5" idx="1"/>
-          </p:cNvCxnSpPr>
-          <p:nvPr/>
-        </p:nvCxnSpPr>
-        <p:spPr>
-          <a:xfrm>
-            <a:off x="3384273" y="4303644"/>
-            <a:ext cx="5602357" cy="0"/>
-          </a:xfrm>
-          <a:prstGeom prst="straightConnector1">
-            <a:avLst/>
-          </a:prstGeom>
-          <a:ln w="12700">
-            <a:solidFill>
-              <a:schemeClr val="tx1">
-                <a:lumMod val="75000"/>
-                <a:lumOff val="25000"/>
-              </a:schemeClr>
-            </a:solidFill>
-            <a:tailEnd type="triangle"/>
-          </a:ln>
-        </p:spPr>
-        <p:style>
-          <a:lnRef idx="1">
-            <a:schemeClr val="accent1"/>
-          </a:lnRef>
-          <a:fillRef idx="0">
-            <a:schemeClr val="accent1"/>
-          </a:fillRef>
-          <a:effectRef idx="0">
-            <a:schemeClr val="accent1"/>
-          </a:effectRef>
-          <a:fontRef idx="minor">
-            <a:schemeClr val="tx1"/>
-          </a:fontRef>
-        </p:style>
-      </p:cxnSp>
-      <p:cxnSp>
-        <p:nvCxnSpPr>
-          <p:cNvPr id="23" name="Straight Connector 22">
-            <a:extLst>
-              <a:ext uri="{FF2B5EF4-FFF2-40B4-BE49-F238E27FC236}">
-                <a16:creationId xmlns:a16="http://schemas.microsoft.com/office/drawing/2014/main" id="{BEBD5E81-34CE-AE4D-BB9C-170C24639743}"/>
-              </a:ext>
-            </a:extLst>
-          </p:cNvPr>
-          <p:cNvCxnSpPr/>
-          <p:nvPr/>
-        </p:nvCxnSpPr>
-        <p:spPr>
-          <a:xfrm>
-            <a:off x="457200" y="3220278"/>
-            <a:ext cx="11290852" cy="0"/>
-          </a:xfrm>
-          <a:prstGeom prst="line">
-            <a:avLst/>
-          </a:prstGeom>
-          <a:ln>
-            <a:solidFill>
-              <a:schemeClr val="tx1">
-                <a:lumMod val="75000"/>
-                <a:lumOff val="25000"/>
-              </a:schemeClr>
-            </a:solidFill>
-            <a:prstDash val="dash"/>
-          </a:ln>
-        </p:spPr>
-        <p:style>
-          <a:lnRef idx="1">
-            <a:schemeClr val="accent1"/>
-          </a:lnRef>
-          <a:fillRef idx="0">
-            <a:schemeClr val="accent1"/>
-          </a:fillRef>
-          <a:effectRef idx="0">
-            <a:schemeClr val="accent1"/>
-          </a:effectRef>
-          <a:fontRef idx="minor">
-            <a:schemeClr val="tx1"/>
-          </a:fontRef>
-        </p:style>
-      </p:cxnSp>
+              <a:t> class by default</a:t>
+            </a:r>
+          </a:p>
+        </p:txBody>
+      </p:sp>
     </p:spTree>
     <p:extLst>
       <p:ext uri="{BB962C8B-B14F-4D97-AF65-F5344CB8AC3E}">
-        <p14:creationId xmlns:p14="http://schemas.microsoft.com/office/powerpoint/2010/main" val="867628900"/>
+        <p14:creationId xmlns:p14="http://schemas.microsoft.com/office/powerpoint/2010/main" val="264711353"/>
       </p:ext>
     </p:extLst>
   </p:cSld>
@@ -23885,14 +24657,74 @@
         </p:nvSpPr>
         <p:spPr>
           <a:xfrm>
-            <a:off x="2912165" y="4144616"/>
+            <a:off x="4967908" y="1878495"/>
             <a:ext cx="2435087" cy="715617"/>
           </a:xfrm>
           <a:prstGeom prst="rect">
             <a:avLst/>
           </a:prstGeom>
+          <a:ln>
+            <a:solidFill>
+              <a:schemeClr val="tx1">
+                <a:lumMod val="75000"/>
+                <a:lumOff val="25000"/>
+              </a:schemeClr>
+            </a:solidFill>
+          </a:ln>
+        </p:spPr>
+        <p:style>
+          <a:lnRef idx="2">
+            <a:schemeClr val="accent1">
+              <a:shade val="50000"/>
+            </a:schemeClr>
+          </a:lnRef>
+          <a:fillRef idx="1">
+            <a:schemeClr val="accent1"/>
+          </a:fillRef>
+          <a:effectRef idx="0">
+            <a:schemeClr val="accent1"/>
+          </a:effectRef>
+          <a:fontRef idx="minor">
+            <a:schemeClr val="lt1"/>
+          </a:fontRef>
+        </p:style>
+        <p:txBody>
+          <a:bodyPr rtlCol="0" anchor="ctr"/>
+          <a:lstStyle/>
+          <a:p>
+            <a:pPr algn="ctr"/>
+            <a:r>
+              <a:rPr lang="en-GB" dirty="0">
+                <a:latin typeface="Courier New" panose="02070309020205020404" pitchFamily="49" charset="0"/>
+                <a:cs typeface="Courier New" panose="02070309020205020404" pitchFamily="49" charset="0"/>
+              </a:rPr>
+              <a:t>put(Object)</a:t>
+            </a:r>
+          </a:p>
+        </p:txBody>
+      </p:sp>
+      <p:sp>
+        <p:nvSpPr>
+          <p:cNvPr id="5" name="Rectangle 4">
+            <a:extLst>
+              <a:ext uri="{FF2B5EF4-FFF2-40B4-BE49-F238E27FC236}">
+                <a16:creationId xmlns:a16="http://schemas.microsoft.com/office/drawing/2014/main" id="{82B50688-CDAF-524A-BB49-54E7C315C431}"/>
+              </a:ext>
+            </a:extLst>
+          </p:cNvPr>
+          <p:cNvSpPr/>
+          <p:nvPr/>
+        </p:nvSpPr>
+        <p:spPr>
+          <a:xfrm>
+            <a:off x="8986630" y="3945835"/>
+            <a:ext cx="2435087" cy="715617"/>
+          </a:xfrm>
+          <a:prstGeom prst="rect">
+            <a:avLst/>
+          </a:prstGeom>
           <a:solidFill>
-            <a:schemeClr val="tx2">
+            <a:schemeClr val="accent6">
               <a:lumMod val="75000"/>
             </a:schemeClr>
           </a:solidFill>
@@ -23931,17 +24763,17 @@
                 <a:latin typeface="Courier New" panose="02070309020205020404" pitchFamily="49" charset="0"/>
                 <a:cs typeface="Courier New" panose="02070309020205020404" pitchFamily="49" charset="0"/>
               </a:rPr>
-              <a:t>put(Object)</a:t>
-            </a:r>
-          </a:p>
-        </p:txBody>
-      </p:sp>
-      <p:sp>
-        <p:nvSpPr>
-          <p:cNvPr id="5" name="Rectangle 4">
-            <a:extLst>
-              <a:ext uri="{FF2B5EF4-FFF2-40B4-BE49-F238E27FC236}">
-                <a16:creationId xmlns:a16="http://schemas.microsoft.com/office/drawing/2014/main" id="{82B50688-CDAF-524A-BB49-54E7C315C431}"/>
+              <a:t>put(String)</a:t>
+            </a:r>
+          </a:p>
+        </p:txBody>
+      </p:sp>
+      <p:sp>
+        <p:nvSpPr>
+          <p:cNvPr id="6" name="Rectangle 5">
+            <a:extLst>
+              <a:ext uri="{FF2B5EF4-FFF2-40B4-BE49-F238E27FC236}">
+                <a16:creationId xmlns:a16="http://schemas.microsoft.com/office/drawing/2014/main" id="{1D34A800-43D8-8547-9BA7-CC34D651BF4A}"/>
               </a:ext>
             </a:extLst>
           </p:cNvPr>
@@ -23950,14 +24782,122 @@
         </p:nvSpPr>
         <p:spPr>
           <a:xfrm>
-            <a:off x="7007084" y="4144615"/>
+            <a:off x="949187" y="1878494"/>
             <a:ext cx="2435087" cy="715617"/>
           </a:xfrm>
           <a:prstGeom prst="rect">
             <a:avLst/>
           </a:prstGeom>
+          <a:ln>
+            <a:solidFill>
+              <a:schemeClr val="tx1">
+                <a:lumMod val="75000"/>
+                <a:lumOff val="25000"/>
+              </a:schemeClr>
+            </a:solidFill>
+          </a:ln>
+        </p:spPr>
+        <p:style>
+          <a:lnRef idx="2">
+            <a:schemeClr val="accent1">
+              <a:shade val="50000"/>
+            </a:schemeClr>
+          </a:lnRef>
+          <a:fillRef idx="1">
+            <a:schemeClr val="accent1"/>
+          </a:fillRef>
+          <a:effectRef idx="0">
+            <a:schemeClr val="accent1"/>
+          </a:effectRef>
+          <a:fontRef idx="minor">
+            <a:schemeClr val="lt1"/>
+          </a:fontRef>
+        </p:style>
+        <p:txBody>
+          <a:bodyPr rtlCol="0" anchor="ctr"/>
+          <a:lstStyle/>
+          <a:p>
+            <a:pPr algn="ctr"/>
+            <a:r>
+              <a:rPr lang="en-GB" dirty="0"/>
+              <a:t>Raw Type</a:t>
+            </a:r>
+          </a:p>
+        </p:txBody>
+      </p:sp>
+      <p:cxnSp>
+        <p:nvCxnSpPr>
+          <p:cNvPr id="12" name="Curved Connector 11">
+            <a:extLst>
+              <a:ext uri="{FF2B5EF4-FFF2-40B4-BE49-F238E27FC236}">
+                <a16:creationId xmlns:a16="http://schemas.microsoft.com/office/drawing/2014/main" id="{057D1818-92DB-7143-8E70-61A91854C118}"/>
+              </a:ext>
+            </a:extLst>
+          </p:cNvPr>
+          <p:cNvCxnSpPr>
+            <a:cxnSpLocks/>
+            <a:stCxn id="4" idx="3"/>
+            <a:endCxn id="5" idx="1"/>
+          </p:cNvCxnSpPr>
+          <p:nvPr/>
+        </p:nvCxnSpPr>
+        <p:spPr>
+          <a:xfrm>
+            <a:off x="7402995" y="2236304"/>
+            <a:ext cx="1583635" cy="2067340"/>
+          </a:xfrm>
+          <a:prstGeom prst="curvedConnector3">
+            <a:avLst>
+              <a:gd name="adj1" fmla="val 50000"/>
+            </a:avLst>
+          </a:prstGeom>
+          <a:ln w="12700">
+            <a:solidFill>
+              <a:schemeClr val="tx1">
+                <a:lumMod val="75000"/>
+                <a:lumOff val="25000"/>
+              </a:schemeClr>
+            </a:solidFill>
+            <a:tailEnd type="triangle"/>
+          </a:ln>
+        </p:spPr>
+        <p:style>
+          <a:lnRef idx="1">
+            <a:schemeClr val="accent1"/>
+          </a:lnRef>
+          <a:fillRef idx="0">
+            <a:schemeClr val="accent1"/>
+          </a:fillRef>
+          <a:effectRef idx="0">
+            <a:schemeClr val="accent1"/>
+          </a:effectRef>
+          <a:fontRef idx="minor">
+            <a:schemeClr val="tx1"/>
+          </a:fontRef>
+        </p:style>
+      </p:cxnSp>
+      <p:sp>
+        <p:nvSpPr>
+          <p:cNvPr id="16" name="Rectangle 15">
+            <a:extLst>
+              <a:ext uri="{FF2B5EF4-FFF2-40B4-BE49-F238E27FC236}">
+                <a16:creationId xmlns:a16="http://schemas.microsoft.com/office/drawing/2014/main" id="{733B1903-9710-8A42-B7C8-1F160E2A04ED}"/>
+              </a:ext>
+            </a:extLst>
+          </p:cNvPr>
+          <p:cNvSpPr/>
+          <p:nvPr/>
+        </p:nvSpPr>
+        <p:spPr>
+          <a:xfrm>
+            <a:off x="949186" y="3945835"/>
+            <a:ext cx="2435087" cy="715617"/>
+          </a:xfrm>
+          <a:prstGeom prst="rect">
+            <a:avLst/>
+          </a:prstGeom>
           <a:solidFill>
-            <a:schemeClr val="tx2">
+            <a:schemeClr val="accent6">
               <a:lumMod val="75000"/>
             </a:schemeClr>
           </a:solidFill>
@@ -23992,38 +24932,145 @@
           <a:p>
             <a:pPr algn="ctr"/>
             <a:r>
-              <a:rPr lang="en-GB" dirty="0">
-                <a:latin typeface="Courier New" panose="02070309020205020404" pitchFamily="49" charset="0"/>
-                <a:cs typeface="Courier New" panose="02070309020205020404" pitchFamily="49" charset="0"/>
-              </a:rPr>
-              <a:t>put(String)</a:t>
-            </a:r>
-          </a:p>
-        </p:txBody>
-      </p:sp>
-      <p:sp>
-        <p:nvSpPr>
-          <p:cNvPr id="6" name="Rectangle 5">
-            <a:extLst>
-              <a:ext uri="{FF2B5EF4-FFF2-40B4-BE49-F238E27FC236}">
-                <a16:creationId xmlns:a16="http://schemas.microsoft.com/office/drawing/2014/main" id="{1D34A800-43D8-8547-9BA7-CC34D651BF4A}"/>
-              </a:ext>
-            </a:extLst>
-          </p:cNvPr>
-          <p:cNvSpPr/>
-          <p:nvPr/>
-        </p:nvSpPr>
-        <p:spPr>
-          <a:xfrm>
-            <a:off x="1694622" y="1669773"/>
-            <a:ext cx="2435087" cy="715617"/>
-          </a:xfrm>
-          <a:prstGeom prst="rect">
-            <a:avLst/>
-          </a:prstGeom>
-          <a:solidFill>
-            <a:schemeClr val="bg1"/>
-          </a:solidFill>
+              <a:rPr lang="en-GB" dirty="0"/>
+              <a:t>Generics</a:t>
+            </a:r>
+            <a:br>
+              <a:rPr lang="en-GB" dirty="0"/>
+            </a:br>
+            <a:r>
+              <a:rPr lang="en-GB" sz="1400" dirty="0"/>
+              <a:t>(</a:t>
+            </a:r>
+            <a:r>
+              <a:rPr lang="en-GB" sz="1400" i="1" dirty="0"/>
+              <a:t>of type String</a:t>
+            </a:r>
+            <a:r>
+              <a:rPr lang="en-GB" sz="1400" dirty="0"/>
+              <a:t>)</a:t>
+            </a:r>
+            <a:endParaRPr lang="en-GB" dirty="0"/>
+          </a:p>
+        </p:txBody>
+      </p:sp>
+      <p:cxnSp>
+        <p:nvCxnSpPr>
+          <p:cNvPr id="18" name="Straight Arrow Connector 17">
+            <a:extLst>
+              <a:ext uri="{FF2B5EF4-FFF2-40B4-BE49-F238E27FC236}">
+                <a16:creationId xmlns:a16="http://schemas.microsoft.com/office/drawing/2014/main" id="{CFE10467-AEC0-F64C-92EE-62FF8D0514DF}"/>
+              </a:ext>
+            </a:extLst>
+          </p:cNvPr>
+          <p:cNvCxnSpPr>
+            <a:stCxn id="6" idx="3"/>
+            <a:endCxn id="4" idx="1"/>
+          </p:cNvCxnSpPr>
+          <p:nvPr/>
+        </p:nvCxnSpPr>
+        <p:spPr>
+          <a:xfrm>
+            <a:off x="3384274" y="2236303"/>
+            <a:ext cx="1583634" cy="1"/>
+          </a:xfrm>
+          <a:prstGeom prst="straightConnector1">
+            <a:avLst/>
+          </a:prstGeom>
+          <a:ln w="12700">
+            <a:solidFill>
+              <a:schemeClr val="tx1">
+                <a:lumMod val="75000"/>
+                <a:lumOff val="25000"/>
+              </a:schemeClr>
+            </a:solidFill>
+            <a:tailEnd type="triangle"/>
+          </a:ln>
+        </p:spPr>
+        <p:style>
+          <a:lnRef idx="1">
+            <a:schemeClr val="accent1"/>
+          </a:lnRef>
+          <a:fillRef idx="0">
+            <a:schemeClr val="accent1"/>
+          </a:fillRef>
+          <a:effectRef idx="0">
+            <a:schemeClr val="accent1"/>
+          </a:effectRef>
+          <a:fontRef idx="minor">
+            <a:schemeClr val="tx1"/>
+          </a:fontRef>
+        </p:style>
+      </p:cxnSp>
+      <p:cxnSp>
+        <p:nvCxnSpPr>
+          <p:cNvPr id="19" name="Straight Arrow Connector 18">
+            <a:extLst>
+              <a:ext uri="{FF2B5EF4-FFF2-40B4-BE49-F238E27FC236}">
+                <a16:creationId xmlns:a16="http://schemas.microsoft.com/office/drawing/2014/main" id="{CCF759CA-2698-6743-BCC3-929B16B86ED7}"/>
+              </a:ext>
+            </a:extLst>
+          </p:cNvPr>
+          <p:cNvCxnSpPr>
+            <a:cxnSpLocks/>
+            <a:stCxn id="16" idx="3"/>
+            <a:endCxn id="5" idx="1"/>
+          </p:cNvCxnSpPr>
+          <p:nvPr/>
+        </p:nvCxnSpPr>
+        <p:spPr>
+          <a:xfrm>
+            <a:off x="3384273" y="4303644"/>
+            <a:ext cx="5602357" cy="0"/>
+          </a:xfrm>
+          <a:prstGeom prst="straightConnector1">
+            <a:avLst/>
+          </a:prstGeom>
+          <a:ln w="12700">
+            <a:solidFill>
+              <a:schemeClr val="tx1">
+                <a:lumMod val="75000"/>
+                <a:lumOff val="25000"/>
+              </a:schemeClr>
+            </a:solidFill>
+            <a:tailEnd type="triangle"/>
+          </a:ln>
+        </p:spPr>
+        <p:style>
+          <a:lnRef idx="1">
+            <a:schemeClr val="accent1"/>
+          </a:lnRef>
+          <a:fillRef idx="0">
+            <a:schemeClr val="accent1"/>
+          </a:fillRef>
+          <a:effectRef idx="0">
+            <a:schemeClr val="accent1"/>
+          </a:effectRef>
+          <a:fontRef idx="minor">
+            <a:schemeClr val="tx1"/>
+          </a:fontRef>
+        </p:style>
+      </p:cxnSp>
+      <p:cxnSp>
+        <p:nvCxnSpPr>
+          <p:cNvPr id="23" name="Straight Connector 22">
+            <a:extLst>
+              <a:ext uri="{FF2B5EF4-FFF2-40B4-BE49-F238E27FC236}">
+                <a16:creationId xmlns:a16="http://schemas.microsoft.com/office/drawing/2014/main" id="{BEBD5E81-34CE-AE4D-BB9C-170C24639743}"/>
+              </a:ext>
+            </a:extLst>
+          </p:cNvPr>
+          <p:cNvCxnSpPr/>
+          <p:nvPr/>
+        </p:nvCxnSpPr>
+        <p:spPr>
+          <a:xfrm>
+            <a:off x="457200" y="3220278"/>
+            <a:ext cx="11290852" cy="0"/>
+          </a:xfrm>
+          <a:prstGeom prst="line">
+            <a:avLst/>
+          </a:prstGeom>
           <a:ln>
             <a:solidFill>
               <a:schemeClr val="tx1">
@@ -24035,713 +25082,6 @@
           </a:ln>
         </p:spPr>
         <p:style>
-          <a:lnRef idx="2">
-            <a:schemeClr val="accent1">
-              <a:shade val="50000"/>
-            </a:schemeClr>
-          </a:lnRef>
-          <a:fillRef idx="1">
-            <a:schemeClr val="accent1"/>
-          </a:fillRef>
-          <a:effectRef idx="0">
-            <a:schemeClr val="accent1"/>
-          </a:effectRef>
-          <a:fontRef idx="minor">
-            <a:schemeClr val="lt1"/>
-          </a:fontRef>
-        </p:style>
-        <p:txBody>
-          <a:bodyPr rtlCol="0" anchor="ctr"/>
-          <a:lstStyle/>
-          <a:p>
-            <a:pPr algn="ctr"/>
-            <a:endParaRPr lang="en-GB" dirty="0">
-              <a:latin typeface="Courier New" panose="02070309020205020404" pitchFamily="49" charset="0"/>
-              <a:cs typeface="Courier New" panose="02070309020205020404" pitchFamily="49" charset="0"/>
-            </a:endParaRPr>
-          </a:p>
-        </p:txBody>
-      </p:sp>
-      <p:sp>
-        <p:nvSpPr>
-          <p:cNvPr id="16" name="Rectangle 15">
-            <a:extLst>
-              <a:ext uri="{FF2B5EF4-FFF2-40B4-BE49-F238E27FC236}">
-                <a16:creationId xmlns:a16="http://schemas.microsoft.com/office/drawing/2014/main" id="{733B1903-9710-8A42-B7C8-1F160E2A04ED}"/>
-              </a:ext>
-            </a:extLst>
-          </p:cNvPr>
-          <p:cNvSpPr/>
-          <p:nvPr/>
-        </p:nvSpPr>
-        <p:spPr>
-          <a:xfrm>
-            <a:off x="8224627" y="1669774"/>
-            <a:ext cx="2435087" cy="715617"/>
-          </a:xfrm>
-          <a:prstGeom prst="rect">
-            <a:avLst/>
-          </a:prstGeom>
-          <a:solidFill>
-            <a:schemeClr val="accent3">
-              <a:lumMod val="75000"/>
-            </a:schemeClr>
-          </a:solidFill>
-          <a:ln>
-            <a:solidFill>
-              <a:schemeClr val="tx1">
-                <a:lumMod val="75000"/>
-                <a:lumOff val="25000"/>
-              </a:schemeClr>
-            </a:solidFill>
-          </a:ln>
-        </p:spPr>
-        <p:style>
-          <a:lnRef idx="2">
-            <a:schemeClr val="accent1">
-              <a:shade val="50000"/>
-            </a:schemeClr>
-          </a:lnRef>
-          <a:fillRef idx="1">
-            <a:schemeClr val="accent1"/>
-          </a:fillRef>
-          <a:effectRef idx="0">
-            <a:schemeClr val="accent1"/>
-          </a:effectRef>
-          <a:fontRef idx="minor">
-            <a:schemeClr val="lt1"/>
-          </a:fontRef>
-        </p:style>
-        <p:txBody>
-          <a:bodyPr rtlCol="0" anchor="ctr"/>
-          <a:lstStyle/>
-          <a:p>
-            <a:pPr algn="ctr"/>
-            <a:r>
-              <a:rPr lang="en-GB" dirty="0">
-                <a:latin typeface="Courier New" panose="02070309020205020404" pitchFamily="49" charset="0"/>
-                <a:cs typeface="Courier New" panose="02070309020205020404" pitchFamily="49" charset="0"/>
-              </a:rPr>
-              <a:t>put(Object)</a:t>
-            </a:r>
-          </a:p>
-        </p:txBody>
-      </p:sp>
-      <p:cxnSp>
-        <p:nvCxnSpPr>
-          <p:cNvPr id="18" name="Straight Arrow Connector 17">
-            <a:extLst>
-              <a:ext uri="{FF2B5EF4-FFF2-40B4-BE49-F238E27FC236}">
-                <a16:creationId xmlns:a16="http://schemas.microsoft.com/office/drawing/2014/main" id="{CFE10467-AEC0-F64C-92EE-62FF8D0514DF}"/>
-              </a:ext>
-            </a:extLst>
-          </p:cNvPr>
-          <p:cNvCxnSpPr>
-            <a:cxnSpLocks/>
-            <a:stCxn id="6" idx="2"/>
-            <a:endCxn id="4" idx="0"/>
-          </p:cNvCxnSpPr>
-          <p:nvPr/>
-        </p:nvCxnSpPr>
-        <p:spPr>
-          <a:xfrm>
-            <a:off x="2912166" y="2385390"/>
-            <a:ext cx="1217543" cy="1759226"/>
-          </a:xfrm>
-          <a:prstGeom prst="straightConnector1">
-            <a:avLst/>
-          </a:prstGeom>
-          <a:ln w="12700">
-            <a:solidFill>
-              <a:schemeClr val="tx1">
-                <a:lumMod val="75000"/>
-                <a:lumOff val="25000"/>
-              </a:schemeClr>
-            </a:solidFill>
-            <a:tailEnd type="triangle"/>
-          </a:ln>
-        </p:spPr>
-        <p:style>
-          <a:lnRef idx="1">
-            <a:schemeClr val="accent1"/>
-          </a:lnRef>
-          <a:fillRef idx="0">
-            <a:schemeClr val="accent1"/>
-          </a:fillRef>
-          <a:effectRef idx="0">
-            <a:schemeClr val="accent1"/>
-          </a:effectRef>
-          <a:fontRef idx="minor">
-            <a:schemeClr val="tx1"/>
-          </a:fontRef>
-        </p:style>
-      </p:cxnSp>
-      <p:cxnSp>
-        <p:nvCxnSpPr>
-          <p:cNvPr id="19" name="Straight Arrow Connector 18">
-            <a:extLst>
-              <a:ext uri="{FF2B5EF4-FFF2-40B4-BE49-F238E27FC236}">
-                <a16:creationId xmlns:a16="http://schemas.microsoft.com/office/drawing/2014/main" id="{CCF759CA-2698-6743-BCC3-929B16B86ED7}"/>
-              </a:ext>
-            </a:extLst>
-          </p:cNvPr>
-          <p:cNvCxnSpPr>
-            <a:cxnSpLocks/>
-            <a:stCxn id="5" idx="0"/>
-            <a:endCxn id="16" idx="2"/>
-          </p:cNvCxnSpPr>
-          <p:nvPr/>
-        </p:nvCxnSpPr>
-        <p:spPr>
-          <a:xfrm flipV="1">
-            <a:off x="8224628" y="2385391"/>
-            <a:ext cx="1217543" cy="1759224"/>
-          </a:xfrm>
-          <a:prstGeom prst="straightConnector1">
-            <a:avLst/>
-          </a:prstGeom>
-          <a:ln w="12700">
-            <a:solidFill>
-              <a:schemeClr val="tx1">
-                <a:lumMod val="75000"/>
-                <a:lumOff val="25000"/>
-              </a:schemeClr>
-            </a:solidFill>
-            <a:tailEnd type="triangle"/>
-          </a:ln>
-        </p:spPr>
-        <p:style>
-          <a:lnRef idx="1">
-            <a:schemeClr val="accent1"/>
-          </a:lnRef>
-          <a:fillRef idx="0">
-            <a:schemeClr val="accent1"/>
-          </a:fillRef>
-          <a:effectRef idx="0">
-            <a:schemeClr val="accent1"/>
-          </a:effectRef>
-          <a:fontRef idx="minor">
-            <a:schemeClr val="tx1"/>
-          </a:fontRef>
-        </p:style>
-      </p:cxnSp>
-      <p:cxnSp>
-        <p:nvCxnSpPr>
-          <p:cNvPr id="23" name="Straight Connector 22">
-            <a:extLst>
-              <a:ext uri="{FF2B5EF4-FFF2-40B4-BE49-F238E27FC236}">
-                <a16:creationId xmlns:a16="http://schemas.microsoft.com/office/drawing/2014/main" id="{BEBD5E81-34CE-AE4D-BB9C-170C24639743}"/>
-              </a:ext>
-            </a:extLst>
-          </p:cNvPr>
-          <p:cNvCxnSpPr/>
-          <p:nvPr/>
-        </p:nvCxnSpPr>
-        <p:spPr>
-          <a:xfrm>
-            <a:off x="228603" y="3220278"/>
-            <a:ext cx="11290852" cy="0"/>
-          </a:xfrm>
-          <a:prstGeom prst="line">
-            <a:avLst/>
-          </a:prstGeom>
-          <a:ln>
-            <a:solidFill>
-              <a:schemeClr val="tx1">
-                <a:lumMod val="75000"/>
-                <a:lumOff val="25000"/>
-              </a:schemeClr>
-            </a:solidFill>
-            <a:prstDash val="dash"/>
-          </a:ln>
-        </p:spPr>
-        <p:style>
-          <a:lnRef idx="1">
-            <a:schemeClr val="accent1"/>
-          </a:lnRef>
-          <a:fillRef idx="0">
-            <a:schemeClr val="accent1"/>
-          </a:fillRef>
-          <a:effectRef idx="0">
-            <a:schemeClr val="accent1"/>
-          </a:effectRef>
-          <a:fontRef idx="minor">
-            <a:schemeClr val="tx1"/>
-          </a:fontRef>
-        </p:style>
-      </p:cxnSp>
-      <p:cxnSp>
-        <p:nvCxnSpPr>
-          <p:cNvPr id="20" name="Straight Arrow Connector 19">
-            <a:extLst>
-              <a:ext uri="{FF2B5EF4-FFF2-40B4-BE49-F238E27FC236}">
-                <a16:creationId xmlns:a16="http://schemas.microsoft.com/office/drawing/2014/main" id="{85B30B7F-909F-7D4F-B124-20932507A3EE}"/>
-              </a:ext>
-            </a:extLst>
-          </p:cNvPr>
-          <p:cNvCxnSpPr>
-            <a:cxnSpLocks/>
-            <a:stCxn id="4" idx="3"/>
-            <a:endCxn id="5" idx="1"/>
-          </p:cNvCxnSpPr>
-          <p:nvPr/>
-        </p:nvCxnSpPr>
-        <p:spPr>
-          <a:xfrm flipV="1">
-            <a:off x="5347252" y="4502424"/>
-            <a:ext cx="1659832" cy="1"/>
-          </a:xfrm>
-          <a:prstGeom prst="straightConnector1">
-            <a:avLst/>
-          </a:prstGeom>
-          <a:ln w="12700">
-            <a:solidFill>
-              <a:schemeClr val="tx1">
-                <a:lumMod val="75000"/>
-                <a:lumOff val="25000"/>
-              </a:schemeClr>
-            </a:solidFill>
-            <a:tailEnd type="triangle"/>
-          </a:ln>
-        </p:spPr>
-        <p:style>
-          <a:lnRef idx="1">
-            <a:schemeClr val="accent1"/>
-          </a:lnRef>
-          <a:fillRef idx="0">
-            <a:schemeClr val="accent1"/>
-          </a:fillRef>
-          <a:effectRef idx="0">
-            <a:schemeClr val="accent1"/>
-          </a:effectRef>
-          <a:fontRef idx="minor">
-            <a:schemeClr val="tx1"/>
-          </a:fontRef>
-        </p:style>
-      </p:cxnSp>
-      <p:sp>
-        <p:nvSpPr>
-          <p:cNvPr id="33" name="TextBox 32">
-            <a:extLst>
-              <a:ext uri="{FF2B5EF4-FFF2-40B4-BE49-F238E27FC236}">
-                <a16:creationId xmlns:a16="http://schemas.microsoft.com/office/drawing/2014/main" id="{77C2E1FF-E794-8D4D-BBB3-F957345196AB}"/>
-              </a:ext>
-            </a:extLst>
-          </p:cNvPr>
-          <p:cNvSpPr txBox="1"/>
-          <p:nvPr/>
-        </p:nvSpPr>
-        <p:spPr>
-          <a:xfrm>
-            <a:off x="457200" y="1842915"/>
-            <a:ext cx="526426" cy="369332"/>
-          </a:xfrm>
-          <a:prstGeom prst="rect">
-            <a:avLst/>
-          </a:prstGeom>
-          <a:noFill/>
-        </p:spPr>
-        <p:txBody>
-          <a:bodyPr wrap="none" rtlCol="0">
-            <a:spAutoFit/>
-          </a:bodyPr>
-          <a:lstStyle/>
-          <a:p>
-            <a:r>
-              <a:rPr lang="en-GB" dirty="0"/>
-              <a:t>Box</a:t>
-            </a:r>
-          </a:p>
-        </p:txBody>
-      </p:sp>
-      <p:sp>
-        <p:nvSpPr>
-          <p:cNvPr id="34" name="TextBox 33">
-            <a:extLst>
-              <a:ext uri="{FF2B5EF4-FFF2-40B4-BE49-F238E27FC236}">
-                <a16:creationId xmlns:a16="http://schemas.microsoft.com/office/drawing/2014/main" id="{630D9C90-9A52-3C4D-A5C0-7B0C603FDDDD}"/>
-              </a:ext>
-            </a:extLst>
-          </p:cNvPr>
-          <p:cNvSpPr txBox="1"/>
-          <p:nvPr/>
-        </p:nvSpPr>
-        <p:spPr>
-          <a:xfrm>
-            <a:off x="457200" y="4317757"/>
-            <a:ext cx="1073051" cy="369332"/>
-          </a:xfrm>
-          <a:prstGeom prst="rect">
-            <a:avLst/>
-          </a:prstGeom>
-          <a:noFill/>
-        </p:spPr>
-        <p:txBody>
-          <a:bodyPr wrap="none" rtlCol="0">
-            <a:spAutoFit/>
-          </a:bodyPr>
-          <a:lstStyle/>
-          <a:p>
-            <a:r>
-              <a:rPr lang="en-GB" dirty="0"/>
-              <a:t>StringBox</a:t>
-            </a:r>
-          </a:p>
-        </p:txBody>
-      </p:sp>
-      <p:sp>
-        <p:nvSpPr>
-          <p:cNvPr id="35" name="TextBox 34">
-            <a:extLst>
-              <a:ext uri="{FF2B5EF4-FFF2-40B4-BE49-F238E27FC236}">
-                <a16:creationId xmlns:a16="http://schemas.microsoft.com/office/drawing/2014/main" id="{3E36C05F-0E99-0249-AD66-CD4AEB641C6D}"/>
-              </a:ext>
-            </a:extLst>
-          </p:cNvPr>
-          <p:cNvSpPr txBox="1"/>
-          <p:nvPr/>
-        </p:nvSpPr>
-        <p:spPr>
-          <a:xfrm>
-            <a:off x="2207835" y="5599904"/>
-            <a:ext cx="3843745" cy="369332"/>
-          </a:xfrm>
-          <a:prstGeom prst="rect">
-            <a:avLst/>
-          </a:prstGeom>
-          <a:noFill/>
-        </p:spPr>
-        <p:txBody>
-          <a:bodyPr wrap="none" rtlCol="0">
-            <a:spAutoFit/>
-          </a:bodyPr>
-          <a:lstStyle/>
-          <a:p>
-            <a:r>
-              <a:rPr lang="en-GB" dirty="0"/>
-              <a:t>The method generated by type erasure</a:t>
-            </a:r>
-          </a:p>
-        </p:txBody>
-      </p:sp>
-      <p:cxnSp>
-        <p:nvCxnSpPr>
-          <p:cNvPr id="37" name="Straight Connector 36">
-            <a:extLst>
-              <a:ext uri="{FF2B5EF4-FFF2-40B4-BE49-F238E27FC236}">
-                <a16:creationId xmlns:a16="http://schemas.microsoft.com/office/drawing/2014/main" id="{95064719-B650-9342-945F-C4745C20479A}"/>
-              </a:ext>
-            </a:extLst>
-          </p:cNvPr>
-          <p:cNvCxnSpPr>
-            <a:stCxn id="35" idx="0"/>
-            <a:endCxn id="4" idx="2"/>
-          </p:cNvCxnSpPr>
-          <p:nvPr/>
-        </p:nvCxnSpPr>
-        <p:spPr>
-          <a:xfrm flipV="1">
-            <a:off x="4129708" y="4860233"/>
-            <a:ext cx="1" cy="739671"/>
-          </a:xfrm>
-          <a:prstGeom prst="line">
-            <a:avLst/>
-          </a:prstGeom>
-          <a:ln>
-            <a:solidFill>
-              <a:schemeClr val="tx1">
-                <a:lumMod val="75000"/>
-                <a:lumOff val="25000"/>
-              </a:schemeClr>
-            </a:solidFill>
-            <a:prstDash val="sysDash"/>
-          </a:ln>
-        </p:spPr>
-        <p:style>
-          <a:lnRef idx="1">
-            <a:schemeClr val="accent1"/>
-          </a:lnRef>
-          <a:fillRef idx="0">
-            <a:schemeClr val="accent1"/>
-          </a:fillRef>
-          <a:effectRef idx="0">
-            <a:schemeClr val="accent1"/>
-          </a:effectRef>
-          <a:fontRef idx="minor">
-            <a:schemeClr val="tx1"/>
-          </a:fontRef>
-        </p:style>
-      </p:cxnSp>
-      <p:cxnSp>
-        <p:nvCxnSpPr>
-          <p:cNvPr id="38" name="Straight Connector 37">
-            <a:extLst>
-              <a:ext uri="{FF2B5EF4-FFF2-40B4-BE49-F238E27FC236}">
-                <a16:creationId xmlns:a16="http://schemas.microsoft.com/office/drawing/2014/main" id="{F3AFB379-6983-854E-95B6-8307738DCACD}"/>
-              </a:ext>
-            </a:extLst>
-          </p:cNvPr>
-          <p:cNvCxnSpPr>
-            <a:cxnSpLocks/>
-            <a:stCxn id="16" idx="0"/>
-            <a:endCxn id="39" idx="2"/>
-          </p:cNvCxnSpPr>
-          <p:nvPr/>
-        </p:nvCxnSpPr>
-        <p:spPr>
-          <a:xfrm flipH="1" flipV="1">
-            <a:off x="9442170" y="1003856"/>
-            <a:ext cx="1" cy="665918"/>
-          </a:xfrm>
-          <a:prstGeom prst="line">
-            <a:avLst/>
-          </a:prstGeom>
-          <a:ln>
-            <a:solidFill>
-              <a:schemeClr val="tx1">
-                <a:lumMod val="75000"/>
-                <a:lumOff val="25000"/>
-              </a:schemeClr>
-            </a:solidFill>
-            <a:prstDash val="sysDash"/>
-          </a:ln>
-        </p:spPr>
-        <p:style>
-          <a:lnRef idx="1">
-            <a:schemeClr val="accent1"/>
-          </a:lnRef>
-          <a:fillRef idx="0">
-            <a:schemeClr val="accent1"/>
-          </a:fillRef>
-          <a:effectRef idx="0">
-            <a:schemeClr val="accent1"/>
-          </a:effectRef>
-          <a:fontRef idx="minor">
-            <a:schemeClr val="tx1"/>
-          </a:fontRef>
-        </p:style>
-      </p:cxnSp>
-      <p:sp>
-        <p:nvSpPr>
-          <p:cNvPr id="39" name="TextBox 38">
-            <a:extLst>
-              <a:ext uri="{FF2B5EF4-FFF2-40B4-BE49-F238E27FC236}">
-                <a16:creationId xmlns:a16="http://schemas.microsoft.com/office/drawing/2014/main" id="{B1C9D3C6-852F-024C-8579-93A1F241FC5B}"/>
-              </a:ext>
-            </a:extLst>
-          </p:cNvPr>
-          <p:cNvSpPr txBox="1"/>
-          <p:nvPr/>
-        </p:nvSpPr>
-        <p:spPr>
-          <a:xfrm>
-            <a:off x="7516460" y="357525"/>
-            <a:ext cx="3851419" cy="646331"/>
-          </a:xfrm>
-          <a:prstGeom prst="rect">
-            <a:avLst/>
-          </a:prstGeom>
-          <a:noFill/>
-        </p:spPr>
-        <p:txBody>
-          <a:bodyPr wrap="square" rtlCol="0">
-            <a:spAutoFit/>
-          </a:bodyPr>
-          <a:lstStyle/>
-          <a:p>
-            <a:r>
-              <a:rPr lang="en-GB" dirty="0"/>
-              <a:t>The method type parameter changed from </a:t>
-            </a:r>
-            <a:r>
-              <a:rPr lang="en-GB" dirty="0">
-                <a:latin typeface="Courier New" panose="02070309020205020404" pitchFamily="49" charset="0"/>
-                <a:cs typeface="Courier New" panose="02070309020205020404" pitchFamily="49" charset="0"/>
-              </a:rPr>
-              <a:t>T</a:t>
-            </a:r>
-            <a:r>
-              <a:rPr lang="en-GB" dirty="0"/>
-              <a:t> to </a:t>
-            </a:r>
-            <a:r>
-              <a:rPr lang="en-GB" dirty="0">
-                <a:latin typeface="Courier New" panose="02070309020205020404" pitchFamily="49" charset="0"/>
-                <a:cs typeface="Courier New" panose="02070309020205020404" pitchFamily="49" charset="0"/>
-              </a:rPr>
-              <a:t>Object</a:t>
-            </a:r>
-            <a:r>
-              <a:rPr lang="en-GB" dirty="0"/>
-              <a:t> during type erasure</a:t>
-            </a:r>
-          </a:p>
-        </p:txBody>
-      </p:sp>
-      <p:cxnSp>
-        <p:nvCxnSpPr>
-          <p:cNvPr id="43" name="Straight Arrow Connector 42">
-            <a:extLst>
-              <a:ext uri="{FF2B5EF4-FFF2-40B4-BE49-F238E27FC236}">
-                <a16:creationId xmlns:a16="http://schemas.microsoft.com/office/drawing/2014/main" id="{84508283-269E-A74F-A2FF-A0A387AD2AA1}"/>
-              </a:ext>
-            </a:extLst>
-          </p:cNvPr>
-          <p:cNvCxnSpPr>
-            <a:cxnSpLocks/>
-            <a:stCxn id="46" idx="2"/>
-            <a:endCxn id="6" idx="0"/>
-          </p:cNvCxnSpPr>
-          <p:nvPr/>
-        </p:nvCxnSpPr>
-        <p:spPr>
-          <a:xfrm>
-            <a:off x="2912166" y="865356"/>
-            <a:ext cx="0" cy="804417"/>
-          </a:xfrm>
-          <a:prstGeom prst="straightConnector1">
-            <a:avLst/>
-          </a:prstGeom>
-          <a:ln w="12700">
-            <a:solidFill>
-              <a:schemeClr val="tx1">
-                <a:lumMod val="75000"/>
-                <a:lumOff val="25000"/>
-              </a:schemeClr>
-            </a:solidFill>
-            <a:tailEnd type="triangle"/>
-          </a:ln>
-        </p:spPr>
-        <p:style>
-          <a:lnRef idx="1">
-            <a:schemeClr val="accent1"/>
-          </a:lnRef>
-          <a:fillRef idx="0">
-            <a:schemeClr val="accent1"/>
-          </a:fillRef>
-          <a:effectRef idx="0">
-            <a:schemeClr val="accent1"/>
-          </a:effectRef>
-          <a:fontRef idx="minor">
-            <a:schemeClr val="tx1"/>
-          </a:fontRef>
-        </p:style>
-      </p:cxnSp>
-      <p:sp>
-        <p:nvSpPr>
-          <p:cNvPr id="46" name="TextBox 45">
-            <a:extLst>
-              <a:ext uri="{FF2B5EF4-FFF2-40B4-BE49-F238E27FC236}">
-                <a16:creationId xmlns:a16="http://schemas.microsoft.com/office/drawing/2014/main" id="{A0784004-010A-5A46-91CA-ECA95913B729}"/>
-              </a:ext>
-            </a:extLst>
-          </p:cNvPr>
-          <p:cNvSpPr txBox="1"/>
-          <p:nvPr/>
-        </p:nvSpPr>
-        <p:spPr>
-          <a:xfrm>
-            <a:off x="1343595" y="496024"/>
-            <a:ext cx="3137141" cy="369332"/>
-          </a:xfrm>
-          <a:prstGeom prst="rect">
-            <a:avLst/>
-          </a:prstGeom>
-          <a:noFill/>
-        </p:spPr>
-        <p:txBody>
-          <a:bodyPr wrap="none" rtlCol="0">
-            <a:spAutoFit/>
-          </a:bodyPr>
-          <a:lstStyle/>
-          <a:p>
-            <a:r>
-              <a:rPr lang="en-GB" dirty="0"/>
-              <a:t>Call to </a:t>
-            </a:r>
-            <a:r>
-              <a:rPr lang="en-GB" dirty="0">
-                <a:latin typeface="Courier New" panose="02070309020205020404" pitchFamily="49" charset="0"/>
-                <a:cs typeface="Courier New" panose="02070309020205020404" pitchFamily="49" charset="0"/>
-              </a:rPr>
-              <a:t>put(Object)</a:t>
-            </a:r>
-            <a:r>
-              <a:rPr lang="en-GB" dirty="0"/>
-              <a:t> method</a:t>
-            </a:r>
-          </a:p>
-        </p:txBody>
-      </p:sp>
-      <p:sp>
-        <p:nvSpPr>
-          <p:cNvPr id="50" name="TextBox 49">
-            <a:extLst>
-              <a:ext uri="{FF2B5EF4-FFF2-40B4-BE49-F238E27FC236}">
-                <a16:creationId xmlns:a16="http://schemas.microsoft.com/office/drawing/2014/main" id="{988EFE44-B46B-7547-9F8A-E9526E77E5F2}"/>
-              </a:ext>
-            </a:extLst>
-          </p:cNvPr>
-          <p:cNvSpPr txBox="1"/>
-          <p:nvPr/>
-        </p:nvSpPr>
-        <p:spPr>
-          <a:xfrm>
-            <a:off x="3697357" y="2478730"/>
-            <a:ext cx="2713382" cy="646331"/>
-          </a:xfrm>
-          <a:prstGeom prst="rect">
-            <a:avLst/>
-          </a:prstGeom>
-          <a:noFill/>
-        </p:spPr>
-        <p:txBody>
-          <a:bodyPr wrap="square" rtlCol="0">
-            <a:spAutoFit/>
-          </a:bodyPr>
-          <a:lstStyle/>
-          <a:p>
-            <a:r>
-              <a:rPr lang="en-GB" dirty="0"/>
-              <a:t>Invokes the method of the subtype (polymorphism)</a:t>
-            </a:r>
-          </a:p>
-        </p:txBody>
-      </p:sp>
-      <p:cxnSp>
-        <p:nvCxnSpPr>
-          <p:cNvPr id="51" name="Straight Connector 50">
-            <a:extLst>
-              <a:ext uri="{FF2B5EF4-FFF2-40B4-BE49-F238E27FC236}">
-                <a16:creationId xmlns:a16="http://schemas.microsoft.com/office/drawing/2014/main" id="{7B1B7744-FCA3-FB4B-9733-B04955A5EDA3}"/>
-              </a:ext>
-            </a:extLst>
-          </p:cNvPr>
-          <p:cNvCxnSpPr>
-            <a:cxnSpLocks/>
-            <a:endCxn id="50" idx="1"/>
-          </p:cNvCxnSpPr>
-          <p:nvPr/>
-        </p:nvCxnSpPr>
-        <p:spPr>
-          <a:xfrm flipV="1">
-            <a:off x="3349487" y="2801896"/>
-            <a:ext cx="347870" cy="209661"/>
-          </a:xfrm>
-          <a:prstGeom prst="line">
-            <a:avLst/>
-          </a:prstGeom>
-          <a:ln>
-            <a:solidFill>
-              <a:schemeClr val="tx1">
-                <a:lumMod val="75000"/>
-                <a:lumOff val="25000"/>
-              </a:schemeClr>
-            </a:solidFill>
-            <a:prstDash val="sysDash"/>
-          </a:ln>
-        </p:spPr>
-        <p:style>
           <a:lnRef idx="1">
             <a:schemeClr val="accent1"/>
           </a:lnRef>
@@ -24759,7 +25099,7 @@
     </p:spTree>
     <p:extLst>
       <p:ext uri="{BB962C8B-B14F-4D97-AF65-F5344CB8AC3E}">
-        <p14:creationId xmlns:p14="http://schemas.microsoft.com/office/powerpoint/2010/main" val="1741562764"/>
+        <p14:creationId xmlns:p14="http://schemas.microsoft.com/office/powerpoint/2010/main" val="867628900"/>
       </p:ext>
     </p:extLst>
   </p:cSld>
@@ -24937,9 +25277,7 @@
             <a:avLst/>
           </a:prstGeom>
           <a:solidFill>
-            <a:schemeClr val="accent3">
-              <a:lumMod val="75000"/>
-            </a:schemeClr>
+            <a:schemeClr val="bg1"/>
           </a:solidFill>
           <a:ln>
             <a:solidFill>
@@ -24948,6 +25286,7 @@
                 <a:lumOff val="25000"/>
               </a:schemeClr>
             </a:solidFill>
+            <a:prstDash val="dash"/>
           </a:ln>
         </p:spPr>
         <p:style>
@@ -24971,13 +25310,10 @@
           <a:lstStyle/>
           <a:p>
             <a:pPr algn="ctr"/>
-            <a:r>
-              <a:rPr lang="en-GB" dirty="0">
-                <a:latin typeface="Courier New" panose="02070309020205020404" pitchFamily="49" charset="0"/>
-                <a:cs typeface="Courier New" panose="02070309020205020404" pitchFamily="49" charset="0"/>
-              </a:rPr>
-              <a:t>clear()</a:t>
-            </a:r>
+            <a:endParaRPr lang="en-GB" dirty="0">
+              <a:latin typeface="Courier New" panose="02070309020205020404" pitchFamily="49" charset="0"/>
+              <a:cs typeface="Courier New" panose="02070309020205020404" pitchFamily="49" charset="0"/>
+            </a:endParaRPr>
           </a:p>
         </p:txBody>
       </p:sp>
@@ -25158,7 +25494,7 @@
         </p:nvCxnSpPr>
         <p:spPr>
           <a:xfrm>
-            <a:off x="457200" y="3220278"/>
+            <a:off x="228603" y="3220278"/>
             <a:ext cx="11290852" cy="0"/>
           </a:xfrm>
           <a:prstGeom prst="line">
@@ -25515,8 +25851,8 @@
         </p:nvCxnSpPr>
         <p:spPr>
           <a:xfrm>
-            <a:off x="2912166" y="888764"/>
-            <a:ext cx="0" cy="781009"/>
+            <a:off x="2912166" y="865356"/>
+            <a:ext cx="0" cy="804417"/>
           </a:xfrm>
           <a:prstGeom prst="straightConnector1">
             <a:avLst/>
@@ -25560,8 +25896,8 @@
         </p:nvSpPr>
         <p:spPr>
           <a:xfrm>
-            <a:off x="1619312" y="519432"/>
-            <a:ext cx="2585708" cy="369332"/>
+            <a:off x="1343595" y="496024"/>
+            <a:ext cx="3137141" cy="369332"/>
           </a:xfrm>
           <a:prstGeom prst="rect">
             <a:avLst/>
@@ -25583,7 +25919,7 @@
                 <a:latin typeface="Courier New" panose="02070309020205020404" pitchFamily="49" charset="0"/>
                 <a:cs typeface="Courier New" panose="02070309020205020404" pitchFamily="49" charset="0"/>
               </a:rPr>
-              <a:t>clear()</a:t>
+              <a:t>put(Object)</a:t>
             </a:r>
             <a:r>
               <a:rPr lang="en-GB" dirty="0"/>
@@ -25678,7 +26014,7 @@
     </p:spTree>
     <p:extLst>
       <p:ext uri="{BB962C8B-B14F-4D97-AF65-F5344CB8AC3E}">
-        <p14:creationId xmlns:p14="http://schemas.microsoft.com/office/powerpoint/2010/main" val="1709712887"/>
+        <p14:creationId xmlns:p14="http://schemas.microsoft.com/office/powerpoint/2010/main" val="1741562764"/>
       </p:ext>
     </p:extLst>
   </p:cSld>
@@ -25707,10 +26043,10 @@
       </p:grpSpPr>
       <p:sp>
         <p:nvSpPr>
-          <p:cNvPr id="8" name="Cloud 7">
-            <a:extLst>
-              <a:ext uri="{FF2B5EF4-FFF2-40B4-BE49-F238E27FC236}">
-                <a16:creationId xmlns:a16="http://schemas.microsoft.com/office/drawing/2014/main" id="{94F42F71-0F59-7847-8897-2C8409A6EB4E}"/>
+          <p:cNvPr id="4" name="Rectangle 3">
+            <a:extLst>
+              <a:ext uri="{FF2B5EF4-FFF2-40B4-BE49-F238E27FC236}">
+                <a16:creationId xmlns:a16="http://schemas.microsoft.com/office/drawing/2014/main" id="{9E5FF8BA-3EFC-124C-9A88-A59FC08B98F9}"/>
               </a:ext>
             </a:extLst>
           </p:cNvPr>
@@ -25719,12 +26055,25 @@
         </p:nvSpPr>
         <p:spPr>
           <a:xfrm>
-            <a:off x="4078835" y="168909"/>
-            <a:ext cx="2430049" cy="1828800"/>
-          </a:xfrm>
-          <a:prstGeom prst="cloud">
-            <a:avLst/>
-          </a:prstGeom>
+            <a:off x="2912165" y="4144616"/>
+            <a:ext cx="2435087" cy="715617"/>
+          </a:xfrm>
+          <a:prstGeom prst="rect">
+            <a:avLst/>
+          </a:prstGeom>
+          <a:solidFill>
+            <a:schemeClr val="tx2">
+              <a:lumMod val="75000"/>
+            </a:schemeClr>
+          </a:solidFill>
+          <a:ln>
+            <a:solidFill>
+              <a:schemeClr val="tx1">
+                <a:lumMod val="75000"/>
+                <a:lumOff val="25000"/>
+              </a:schemeClr>
+            </a:solidFill>
+          </a:ln>
         </p:spPr>
         <p:style>
           <a:lnRef idx="2">
@@ -25748,18 +26097,21 @@
           <a:p>
             <a:pPr algn="ctr"/>
             <a:r>
-              <a:rPr lang="en-GB" dirty="0"/>
-              <a:t>Test Double</a:t>
-            </a:r>
-          </a:p>
-        </p:txBody>
-      </p:sp>
-      <p:sp>
-        <p:nvSpPr>
-          <p:cNvPr id="9" name="Rectangle 8">
-            <a:extLst>
-              <a:ext uri="{FF2B5EF4-FFF2-40B4-BE49-F238E27FC236}">
-                <a16:creationId xmlns:a16="http://schemas.microsoft.com/office/drawing/2014/main" id="{F6EE240D-D31C-1A4B-9685-1613792E46F0}"/>
+              <a:rPr lang="en-GB" dirty="0">
+                <a:latin typeface="Courier New" panose="02070309020205020404" pitchFamily="49" charset="0"/>
+                <a:cs typeface="Courier New" panose="02070309020205020404" pitchFamily="49" charset="0"/>
+              </a:rPr>
+              <a:t>put(Object)</a:t>
+            </a:r>
+          </a:p>
+        </p:txBody>
+      </p:sp>
+      <p:sp>
+        <p:nvSpPr>
+          <p:cNvPr id="5" name="Rectangle 4">
+            <a:extLst>
+              <a:ext uri="{FF2B5EF4-FFF2-40B4-BE49-F238E27FC236}">
+                <a16:creationId xmlns:a16="http://schemas.microsoft.com/office/drawing/2014/main" id="{82B50688-CDAF-524A-BB49-54E7C315C431}"/>
               </a:ext>
             </a:extLst>
           </p:cNvPr>
@@ -25768,12 +26120,25 @@
         </p:nvSpPr>
         <p:spPr>
           <a:xfrm>
-            <a:off x="1883229" y="2427515"/>
-            <a:ext cx="1919226" cy="723092"/>
+            <a:off x="7007084" y="4144615"/>
+            <a:ext cx="2435087" cy="715617"/>
           </a:xfrm>
           <a:prstGeom prst="rect">
             <a:avLst/>
           </a:prstGeom>
+          <a:solidFill>
+            <a:schemeClr val="tx2">
+              <a:lumMod val="75000"/>
+            </a:schemeClr>
+          </a:solidFill>
+          <a:ln>
+            <a:solidFill>
+              <a:schemeClr val="tx1">
+                <a:lumMod val="75000"/>
+                <a:lumOff val="25000"/>
+              </a:schemeClr>
+            </a:solidFill>
+          </a:ln>
         </p:spPr>
         <p:style>
           <a:lnRef idx="2">
@@ -25797,18 +26162,21 @@
           <a:p>
             <a:pPr algn="ctr"/>
             <a:r>
-              <a:rPr lang="en-GB" dirty="0"/>
-              <a:t>Dummy</a:t>
-            </a:r>
-          </a:p>
-        </p:txBody>
-      </p:sp>
-      <p:sp>
-        <p:nvSpPr>
-          <p:cNvPr id="10" name="Rectangle 9">
-            <a:extLst>
-              <a:ext uri="{FF2B5EF4-FFF2-40B4-BE49-F238E27FC236}">
-                <a16:creationId xmlns:a16="http://schemas.microsoft.com/office/drawing/2014/main" id="{1EE69F68-74C0-464F-8E30-0E2C5B2D4696}"/>
+              <a:rPr lang="en-GB" dirty="0">
+                <a:latin typeface="Courier New" panose="02070309020205020404" pitchFamily="49" charset="0"/>
+                <a:cs typeface="Courier New" panose="02070309020205020404" pitchFamily="49" charset="0"/>
+              </a:rPr>
+              <a:t>put(String)</a:t>
+            </a:r>
+          </a:p>
+        </p:txBody>
+      </p:sp>
+      <p:sp>
+        <p:nvSpPr>
+          <p:cNvPr id="6" name="Rectangle 5">
+            <a:extLst>
+              <a:ext uri="{FF2B5EF4-FFF2-40B4-BE49-F238E27FC236}">
+                <a16:creationId xmlns:a16="http://schemas.microsoft.com/office/drawing/2014/main" id="{1D34A800-43D8-8547-9BA7-CC34D651BF4A}"/>
               </a:ext>
             </a:extLst>
           </p:cNvPr>
@@ -25817,12 +26185,25 @@
         </p:nvSpPr>
         <p:spPr>
           <a:xfrm>
-            <a:off x="1883229" y="3429000"/>
-            <a:ext cx="1919226" cy="723092"/>
+            <a:off x="1694622" y="1669773"/>
+            <a:ext cx="2435087" cy="715617"/>
           </a:xfrm>
           <a:prstGeom prst="rect">
             <a:avLst/>
           </a:prstGeom>
+          <a:solidFill>
+            <a:schemeClr val="accent3">
+              <a:lumMod val="75000"/>
+            </a:schemeClr>
+          </a:solidFill>
+          <a:ln>
+            <a:solidFill>
+              <a:schemeClr val="tx1">
+                <a:lumMod val="75000"/>
+                <a:lumOff val="25000"/>
+              </a:schemeClr>
+            </a:solidFill>
+          </a:ln>
         </p:spPr>
         <p:style>
           <a:lnRef idx="2">
@@ -25846,18 +26227,21 @@
           <a:p>
             <a:pPr algn="ctr"/>
             <a:r>
-              <a:rPr lang="en-GB" dirty="0"/>
-              <a:t>Stub</a:t>
-            </a:r>
-          </a:p>
-        </p:txBody>
-      </p:sp>
-      <p:sp>
-        <p:nvSpPr>
-          <p:cNvPr id="11" name="Rectangle 10">
-            <a:extLst>
-              <a:ext uri="{FF2B5EF4-FFF2-40B4-BE49-F238E27FC236}">
-                <a16:creationId xmlns:a16="http://schemas.microsoft.com/office/drawing/2014/main" id="{B2E808FA-1944-2B4E-947D-628334D8C9F8}"/>
+              <a:rPr lang="en-GB" dirty="0">
+                <a:latin typeface="Courier New" panose="02070309020205020404" pitchFamily="49" charset="0"/>
+                <a:cs typeface="Courier New" panose="02070309020205020404" pitchFamily="49" charset="0"/>
+              </a:rPr>
+              <a:t>clear()</a:t>
+            </a:r>
+          </a:p>
+        </p:txBody>
+      </p:sp>
+      <p:sp>
+        <p:nvSpPr>
+          <p:cNvPr id="16" name="Rectangle 15">
+            <a:extLst>
+              <a:ext uri="{FF2B5EF4-FFF2-40B4-BE49-F238E27FC236}">
+                <a16:creationId xmlns:a16="http://schemas.microsoft.com/office/drawing/2014/main" id="{733B1903-9710-8A42-B7C8-1F160E2A04ED}"/>
               </a:ext>
             </a:extLst>
           </p:cNvPr>
@@ -25866,12 +26250,25 @@
         </p:nvSpPr>
         <p:spPr>
           <a:xfrm>
-            <a:off x="1883229" y="4430485"/>
-            <a:ext cx="1919226" cy="723092"/>
+            <a:off x="8224627" y="1669774"/>
+            <a:ext cx="2435087" cy="715617"/>
           </a:xfrm>
           <a:prstGeom prst="rect">
             <a:avLst/>
           </a:prstGeom>
+          <a:solidFill>
+            <a:schemeClr val="accent3">
+              <a:lumMod val="75000"/>
+            </a:schemeClr>
+          </a:solidFill>
+          <a:ln>
+            <a:solidFill>
+              <a:schemeClr val="tx1">
+                <a:lumMod val="75000"/>
+                <a:lumOff val="25000"/>
+              </a:schemeClr>
+            </a:solidFill>
+          </a:ln>
         </p:spPr>
         <p:style>
           <a:lnRef idx="2">
@@ -25895,177 +26292,46 @@
           <a:p>
             <a:pPr algn="ctr"/>
             <a:r>
-              <a:rPr lang="en-GB" dirty="0"/>
-              <a:t>Spy</a:t>
-            </a:r>
-          </a:p>
-        </p:txBody>
-      </p:sp>
-      <p:sp>
-        <p:nvSpPr>
-          <p:cNvPr id="12" name="Rectangle 11">
-            <a:extLst>
-              <a:ext uri="{FF2B5EF4-FFF2-40B4-BE49-F238E27FC236}">
-                <a16:creationId xmlns:a16="http://schemas.microsoft.com/office/drawing/2014/main" id="{34975D4E-A32E-9B46-B936-3CD4867661D0}"/>
-              </a:ext>
-            </a:extLst>
-          </p:cNvPr>
-          <p:cNvSpPr/>
-          <p:nvPr/>
-        </p:nvSpPr>
-        <p:spPr>
-          <a:xfrm>
-            <a:off x="1883229" y="5431970"/>
-            <a:ext cx="1919226" cy="723092"/>
-          </a:xfrm>
-          <a:prstGeom prst="rect">
-            <a:avLst/>
-          </a:prstGeom>
-        </p:spPr>
-        <p:style>
-          <a:lnRef idx="2">
-            <a:schemeClr val="accent1">
-              <a:shade val="50000"/>
-            </a:schemeClr>
-          </a:lnRef>
-          <a:fillRef idx="1">
-            <a:schemeClr val="accent1"/>
-          </a:fillRef>
-          <a:effectRef idx="0">
-            <a:schemeClr val="accent1"/>
-          </a:effectRef>
-          <a:fontRef idx="minor">
-            <a:schemeClr val="lt1"/>
-          </a:fontRef>
-        </p:style>
-        <p:txBody>
-          <a:bodyPr rtlCol="0" anchor="ctr"/>
-          <a:lstStyle/>
-          <a:p>
-            <a:pPr algn="ctr"/>
-            <a:r>
-              <a:rPr lang="en-GB" dirty="0"/>
-              <a:t>Mock</a:t>
-            </a:r>
-          </a:p>
-        </p:txBody>
-      </p:sp>
-      <p:sp>
-        <p:nvSpPr>
-          <p:cNvPr id="13" name="Rectangle 12">
-            <a:extLst>
-              <a:ext uri="{FF2B5EF4-FFF2-40B4-BE49-F238E27FC236}">
-                <a16:creationId xmlns:a16="http://schemas.microsoft.com/office/drawing/2014/main" id="{3B2A9E41-DB72-7D43-9CF8-F3213B9CC7B4}"/>
-              </a:ext>
-            </a:extLst>
-          </p:cNvPr>
-          <p:cNvSpPr/>
-          <p:nvPr/>
-        </p:nvSpPr>
-        <p:spPr>
-          <a:xfrm>
-            <a:off x="6788698" y="5431970"/>
-            <a:ext cx="1919226" cy="723092"/>
-          </a:xfrm>
-          <a:prstGeom prst="rect">
-            <a:avLst/>
-          </a:prstGeom>
-        </p:spPr>
-        <p:style>
-          <a:lnRef idx="2">
-            <a:schemeClr val="accent1">
-              <a:shade val="50000"/>
-            </a:schemeClr>
-          </a:lnRef>
-          <a:fillRef idx="1">
-            <a:schemeClr val="accent1"/>
-          </a:fillRef>
-          <a:effectRef idx="0">
-            <a:schemeClr val="accent1"/>
-          </a:effectRef>
-          <a:fontRef idx="minor">
-            <a:schemeClr val="lt1"/>
-          </a:fontRef>
-        </p:style>
-        <p:txBody>
-          <a:bodyPr rtlCol="0" anchor="ctr"/>
-          <a:lstStyle/>
-          <a:p>
-            <a:pPr algn="ctr"/>
-            <a:r>
-              <a:rPr lang="en-GB" dirty="0"/>
-              <a:t>Fake</a:t>
+              <a:rPr lang="en-GB" dirty="0">
+                <a:latin typeface="Courier New" panose="02070309020205020404" pitchFamily="49" charset="0"/>
+                <a:cs typeface="Courier New" panose="02070309020205020404" pitchFamily="49" charset="0"/>
+              </a:rPr>
+              <a:t>put(Object)</a:t>
             </a:r>
           </a:p>
         </p:txBody>
       </p:sp>
       <p:cxnSp>
         <p:nvCxnSpPr>
-          <p:cNvPr id="15" name="Straight Arrow Connector 14">
-            <a:extLst>
-              <a:ext uri="{FF2B5EF4-FFF2-40B4-BE49-F238E27FC236}">
-                <a16:creationId xmlns:a16="http://schemas.microsoft.com/office/drawing/2014/main" id="{6D0AA745-0DB1-2641-BAD8-9D0F53B759BF}"/>
-              </a:ext>
-            </a:extLst>
-          </p:cNvPr>
-          <p:cNvCxnSpPr>
-            <a:stCxn id="12" idx="0"/>
-            <a:endCxn id="11" idx="2"/>
-          </p:cNvCxnSpPr>
-          <p:nvPr/>
-        </p:nvCxnSpPr>
-        <p:spPr>
-          <a:xfrm flipV="1">
-            <a:off x="2842842" y="5153577"/>
-            <a:ext cx="0" cy="278393"/>
-          </a:xfrm>
-          <a:prstGeom prst="straightConnector1">
-            <a:avLst/>
-          </a:prstGeom>
-          <a:ln>
-            <a:tailEnd type="triangle"/>
-          </a:ln>
-        </p:spPr>
-        <p:style>
-          <a:lnRef idx="1">
-            <a:schemeClr val="accent1"/>
-          </a:lnRef>
-          <a:fillRef idx="0">
-            <a:schemeClr val="accent1"/>
-          </a:fillRef>
-          <a:effectRef idx="0">
-            <a:schemeClr val="accent1"/>
-          </a:effectRef>
-          <a:fontRef idx="minor">
-            <a:schemeClr val="tx1"/>
-          </a:fontRef>
-        </p:style>
-      </p:cxnSp>
-      <p:cxnSp>
-        <p:nvCxnSpPr>
-          <p:cNvPr id="16" name="Straight Arrow Connector 15">
-            <a:extLst>
-              <a:ext uri="{FF2B5EF4-FFF2-40B4-BE49-F238E27FC236}">
-                <a16:creationId xmlns:a16="http://schemas.microsoft.com/office/drawing/2014/main" id="{454CE2E0-6108-6647-8B20-0D2B2A8F3A95}"/>
+          <p:cNvPr id="18" name="Straight Arrow Connector 17">
+            <a:extLst>
+              <a:ext uri="{FF2B5EF4-FFF2-40B4-BE49-F238E27FC236}">
+                <a16:creationId xmlns:a16="http://schemas.microsoft.com/office/drawing/2014/main" id="{CFE10467-AEC0-F64C-92EE-62FF8D0514DF}"/>
               </a:ext>
             </a:extLst>
           </p:cNvPr>
           <p:cNvCxnSpPr>
             <a:cxnSpLocks/>
-            <a:stCxn id="11" idx="0"/>
-            <a:endCxn id="10" idx="2"/>
+            <a:stCxn id="6" idx="2"/>
+            <a:endCxn id="4" idx="0"/>
           </p:cNvCxnSpPr>
           <p:nvPr/>
         </p:nvCxnSpPr>
         <p:spPr>
-          <a:xfrm flipV="1">
-            <a:off x="2842842" y="4152092"/>
-            <a:ext cx="0" cy="278393"/>
+          <a:xfrm>
+            <a:off x="2912166" y="2385390"/>
+            <a:ext cx="1217543" cy="1759226"/>
           </a:xfrm>
           <a:prstGeom prst="straightConnector1">
             <a:avLst/>
           </a:prstGeom>
-          <a:ln>
+          <a:ln w="12700">
+            <a:solidFill>
+              <a:schemeClr val="tx1">
+                <a:lumMod val="75000"/>
+                <a:lumOff val="25000"/>
+              </a:schemeClr>
+            </a:solidFill>
             <a:tailEnd type="triangle"/>
           </a:ln>
         </p:spPr>
@@ -26089,26 +26355,32 @@
           <p:cNvPr id="19" name="Straight Arrow Connector 18">
             <a:extLst>
               <a:ext uri="{FF2B5EF4-FFF2-40B4-BE49-F238E27FC236}">
-                <a16:creationId xmlns:a16="http://schemas.microsoft.com/office/drawing/2014/main" id="{E8EE70CC-8B5E-9A45-AA7C-8B8EA94D32CE}"/>
+                <a16:creationId xmlns:a16="http://schemas.microsoft.com/office/drawing/2014/main" id="{CCF759CA-2698-6743-BCC3-929B16B86ED7}"/>
               </a:ext>
             </a:extLst>
           </p:cNvPr>
           <p:cNvCxnSpPr>
             <a:cxnSpLocks/>
-            <a:stCxn id="10" idx="0"/>
-            <a:endCxn id="9" idx="2"/>
+            <a:stCxn id="5" idx="0"/>
+            <a:endCxn id="16" idx="2"/>
           </p:cNvCxnSpPr>
           <p:nvPr/>
         </p:nvCxnSpPr>
         <p:spPr>
           <a:xfrm flipV="1">
-            <a:off x="2842842" y="3150607"/>
-            <a:ext cx="0" cy="278393"/>
+            <a:off x="8224628" y="2385391"/>
+            <a:ext cx="1217543" cy="1759224"/>
           </a:xfrm>
           <a:prstGeom prst="straightConnector1">
             <a:avLst/>
           </a:prstGeom>
-          <a:ln>
+          <a:ln w="12700">
+            <a:solidFill>
+              <a:schemeClr val="tx1">
+                <a:lumMod val="75000"/>
+                <a:lumOff val="25000"/>
+              </a:schemeClr>
+            </a:solidFill>
             <a:tailEnd type="triangle"/>
           </a:ln>
         </p:spPr>
@@ -26129,29 +26401,32 @@
       </p:cxnSp>
       <p:cxnSp>
         <p:nvCxnSpPr>
-          <p:cNvPr id="27" name="Straight Arrow Connector 26">
-            <a:extLst>
-              <a:ext uri="{FF2B5EF4-FFF2-40B4-BE49-F238E27FC236}">
-                <a16:creationId xmlns:a16="http://schemas.microsoft.com/office/drawing/2014/main" id="{B6EA9434-C966-6F41-8997-484E1143C725}"/>
-              </a:ext>
-            </a:extLst>
-          </p:cNvPr>
-          <p:cNvCxnSpPr>
-            <a:cxnSpLocks/>
-            <a:stCxn id="9" idx="0"/>
-          </p:cNvCxnSpPr>
+          <p:cNvPr id="23" name="Straight Connector 22">
+            <a:extLst>
+              <a:ext uri="{FF2B5EF4-FFF2-40B4-BE49-F238E27FC236}">
+                <a16:creationId xmlns:a16="http://schemas.microsoft.com/office/drawing/2014/main" id="{BEBD5E81-34CE-AE4D-BB9C-170C24639743}"/>
+              </a:ext>
+            </a:extLst>
+          </p:cNvPr>
+          <p:cNvCxnSpPr/>
           <p:nvPr/>
         </p:nvCxnSpPr>
         <p:spPr>
-          <a:xfrm flipV="1">
-            <a:off x="2842842" y="1575303"/>
-            <a:ext cx="1321752" cy="852212"/>
-          </a:xfrm>
-          <a:prstGeom prst="straightConnector1">
+          <a:xfrm>
+            <a:off x="457200" y="3220278"/>
+            <a:ext cx="11290852" cy="0"/>
+          </a:xfrm>
+          <a:prstGeom prst="line">
             <a:avLst/>
           </a:prstGeom>
           <a:ln>
-            <a:tailEnd type="triangle"/>
+            <a:solidFill>
+              <a:schemeClr val="tx1">
+                <a:lumMod val="75000"/>
+                <a:lumOff val="25000"/>
+              </a:schemeClr>
+            </a:solidFill>
+            <a:prstDash val="dash"/>
           </a:ln>
         </p:spPr>
         <p:style>
@@ -26171,29 +26446,473 @@
       </p:cxnSp>
       <p:cxnSp>
         <p:nvCxnSpPr>
-          <p:cNvPr id="30" name="Straight Arrow Connector 29">
-            <a:extLst>
-              <a:ext uri="{FF2B5EF4-FFF2-40B4-BE49-F238E27FC236}">
-                <a16:creationId xmlns:a16="http://schemas.microsoft.com/office/drawing/2014/main" id="{2985D851-C76D-1A4D-999B-2F2FAEAC8370}"/>
+          <p:cNvPr id="20" name="Straight Arrow Connector 19">
+            <a:extLst>
+              <a:ext uri="{FF2B5EF4-FFF2-40B4-BE49-F238E27FC236}">
+                <a16:creationId xmlns:a16="http://schemas.microsoft.com/office/drawing/2014/main" id="{85B30B7F-909F-7D4F-B124-20932507A3EE}"/>
               </a:ext>
             </a:extLst>
           </p:cNvPr>
           <p:cNvCxnSpPr>
             <a:cxnSpLocks/>
-            <a:stCxn id="13" idx="0"/>
+            <a:stCxn id="4" idx="3"/>
+            <a:endCxn id="5" idx="1"/>
           </p:cNvCxnSpPr>
           <p:nvPr/>
         </p:nvCxnSpPr>
         <p:spPr>
+          <a:xfrm flipV="1">
+            <a:off x="5347252" y="4502424"/>
+            <a:ext cx="1659832" cy="1"/>
+          </a:xfrm>
+          <a:prstGeom prst="straightConnector1">
+            <a:avLst/>
+          </a:prstGeom>
+          <a:ln w="12700">
+            <a:solidFill>
+              <a:schemeClr val="tx1">
+                <a:lumMod val="75000"/>
+                <a:lumOff val="25000"/>
+              </a:schemeClr>
+            </a:solidFill>
+            <a:tailEnd type="triangle"/>
+          </a:ln>
+        </p:spPr>
+        <p:style>
+          <a:lnRef idx="1">
+            <a:schemeClr val="accent1"/>
+          </a:lnRef>
+          <a:fillRef idx="0">
+            <a:schemeClr val="accent1"/>
+          </a:fillRef>
+          <a:effectRef idx="0">
+            <a:schemeClr val="accent1"/>
+          </a:effectRef>
+          <a:fontRef idx="minor">
+            <a:schemeClr val="tx1"/>
+          </a:fontRef>
+        </p:style>
+      </p:cxnSp>
+      <p:sp>
+        <p:nvSpPr>
+          <p:cNvPr id="33" name="TextBox 32">
+            <a:extLst>
+              <a:ext uri="{FF2B5EF4-FFF2-40B4-BE49-F238E27FC236}">
+                <a16:creationId xmlns:a16="http://schemas.microsoft.com/office/drawing/2014/main" id="{77C2E1FF-E794-8D4D-BBB3-F957345196AB}"/>
+              </a:ext>
+            </a:extLst>
+          </p:cNvPr>
+          <p:cNvSpPr txBox="1"/>
+          <p:nvPr/>
+        </p:nvSpPr>
+        <p:spPr>
+          <a:xfrm>
+            <a:off x="457200" y="1842915"/>
+            <a:ext cx="526426" cy="369332"/>
+          </a:xfrm>
+          <a:prstGeom prst="rect">
+            <a:avLst/>
+          </a:prstGeom>
+          <a:noFill/>
+        </p:spPr>
+        <p:txBody>
+          <a:bodyPr wrap="none" rtlCol="0">
+            <a:spAutoFit/>
+          </a:bodyPr>
+          <a:lstStyle/>
+          <a:p>
+            <a:r>
+              <a:rPr lang="en-GB" dirty="0"/>
+              <a:t>Box</a:t>
+            </a:r>
+          </a:p>
+        </p:txBody>
+      </p:sp>
+      <p:sp>
+        <p:nvSpPr>
+          <p:cNvPr id="34" name="TextBox 33">
+            <a:extLst>
+              <a:ext uri="{FF2B5EF4-FFF2-40B4-BE49-F238E27FC236}">
+                <a16:creationId xmlns:a16="http://schemas.microsoft.com/office/drawing/2014/main" id="{630D9C90-9A52-3C4D-A5C0-7B0C603FDDDD}"/>
+              </a:ext>
+            </a:extLst>
+          </p:cNvPr>
+          <p:cNvSpPr txBox="1"/>
+          <p:nvPr/>
+        </p:nvSpPr>
+        <p:spPr>
+          <a:xfrm>
+            <a:off x="457200" y="4317757"/>
+            <a:ext cx="1073051" cy="369332"/>
+          </a:xfrm>
+          <a:prstGeom prst="rect">
+            <a:avLst/>
+          </a:prstGeom>
+          <a:noFill/>
+        </p:spPr>
+        <p:txBody>
+          <a:bodyPr wrap="none" rtlCol="0">
+            <a:spAutoFit/>
+          </a:bodyPr>
+          <a:lstStyle/>
+          <a:p>
+            <a:r>
+              <a:rPr lang="en-GB" dirty="0"/>
+              <a:t>StringBox</a:t>
+            </a:r>
+          </a:p>
+        </p:txBody>
+      </p:sp>
+      <p:sp>
+        <p:nvSpPr>
+          <p:cNvPr id="35" name="TextBox 34">
+            <a:extLst>
+              <a:ext uri="{FF2B5EF4-FFF2-40B4-BE49-F238E27FC236}">
+                <a16:creationId xmlns:a16="http://schemas.microsoft.com/office/drawing/2014/main" id="{3E36C05F-0E99-0249-AD66-CD4AEB641C6D}"/>
+              </a:ext>
+            </a:extLst>
+          </p:cNvPr>
+          <p:cNvSpPr txBox="1"/>
+          <p:nvPr/>
+        </p:nvSpPr>
+        <p:spPr>
+          <a:xfrm>
+            <a:off x="2207835" y="5599904"/>
+            <a:ext cx="3843745" cy="369332"/>
+          </a:xfrm>
+          <a:prstGeom prst="rect">
+            <a:avLst/>
+          </a:prstGeom>
+          <a:noFill/>
+        </p:spPr>
+        <p:txBody>
+          <a:bodyPr wrap="none" rtlCol="0">
+            <a:spAutoFit/>
+          </a:bodyPr>
+          <a:lstStyle/>
+          <a:p>
+            <a:r>
+              <a:rPr lang="en-GB" dirty="0"/>
+              <a:t>The method generated by type erasure</a:t>
+            </a:r>
+          </a:p>
+        </p:txBody>
+      </p:sp>
+      <p:cxnSp>
+        <p:nvCxnSpPr>
+          <p:cNvPr id="37" name="Straight Connector 36">
+            <a:extLst>
+              <a:ext uri="{FF2B5EF4-FFF2-40B4-BE49-F238E27FC236}">
+                <a16:creationId xmlns:a16="http://schemas.microsoft.com/office/drawing/2014/main" id="{95064719-B650-9342-945F-C4745C20479A}"/>
+              </a:ext>
+            </a:extLst>
+          </p:cNvPr>
+          <p:cNvCxnSpPr>
+            <a:stCxn id="35" idx="0"/>
+            <a:endCxn id="4" idx="2"/>
+          </p:cNvCxnSpPr>
+          <p:nvPr/>
+        </p:nvCxnSpPr>
+        <p:spPr>
+          <a:xfrm flipV="1">
+            <a:off x="4129708" y="4860233"/>
+            <a:ext cx="1" cy="739671"/>
+          </a:xfrm>
+          <a:prstGeom prst="line">
+            <a:avLst/>
+          </a:prstGeom>
+          <a:ln>
+            <a:solidFill>
+              <a:schemeClr val="tx1">
+                <a:lumMod val="75000"/>
+                <a:lumOff val="25000"/>
+              </a:schemeClr>
+            </a:solidFill>
+            <a:prstDash val="sysDash"/>
+          </a:ln>
+        </p:spPr>
+        <p:style>
+          <a:lnRef idx="1">
+            <a:schemeClr val="accent1"/>
+          </a:lnRef>
+          <a:fillRef idx="0">
+            <a:schemeClr val="accent1"/>
+          </a:fillRef>
+          <a:effectRef idx="0">
+            <a:schemeClr val="accent1"/>
+          </a:effectRef>
+          <a:fontRef idx="minor">
+            <a:schemeClr val="tx1"/>
+          </a:fontRef>
+        </p:style>
+      </p:cxnSp>
+      <p:cxnSp>
+        <p:nvCxnSpPr>
+          <p:cNvPr id="38" name="Straight Connector 37">
+            <a:extLst>
+              <a:ext uri="{FF2B5EF4-FFF2-40B4-BE49-F238E27FC236}">
+                <a16:creationId xmlns:a16="http://schemas.microsoft.com/office/drawing/2014/main" id="{F3AFB379-6983-854E-95B6-8307738DCACD}"/>
+              </a:ext>
+            </a:extLst>
+          </p:cNvPr>
+          <p:cNvCxnSpPr>
+            <a:cxnSpLocks/>
+            <a:stCxn id="16" idx="0"/>
+            <a:endCxn id="39" idx="2"/>
+          </p:cNvCxnSpPr>
+          <p:nvPr/>
+        </p:nvCxnSpPr>
+        <p:spPr>
           <a:xfrm flipH="1" flipV="1">
-            <a:off x="6096001" y="1710802"/>
-            <a:ext cx="1652310" cy="3721168"/>
+            <a:off x="9442170" y="1003856"/>
+            <a:ext cx="1" cy="665918"/>
+          </a:xfrm>
+          <a:prstGeom prst="line">
+            <a:avLst/>
+          </a:prstGeom>
+          <a:ln>
+            <a:solidFill>
+              <a:schemeClr val="tx1">
+                <a:lumMod val="75000"/>
+                <a:lumOff val="25000"/>
+              </a:schemeClr>
+            </a:solidFill>
+            <a:prstDash val="sysDash"/>
+          </a:ln>
+        </p:spPr>
+        <p:style>
+          <a:lnRef idx="1">
+            <a:schemeClr val="accent1"/>
+          </a:lnRef>
+          <a:fillRef idx="0">
+            <a:schemeClr val="accent1"/>
+          </a:fillRef>
+          <a:effectRef idx="0">
+            <a:schemeClr val="accent1"/>
+          </a:effectRef>
+          <a:fontRef idx="minor">
+            <a:schemeClr val="tx1"/>
+          </a:fontRef>
+        </p:style>
+      </p:cxnSp>
+      <p:sp>
+        <p:nvSpPr>
+          <p:cNvPr id="39" name="TextBox 38">
+            <a:extLst>
+              <a:ext uri="{FF2B5EF4-FFF2-40B4-BE49-F238E27FC236}">
+                <a16:creationId xmlns:a16="http://schemas.microsoft.com/office/drawing/2014/main" id="{B1C9D3C6-852F-024C-8579-93A1F241FC5B}"/>
+              </a:ext>
+            </a:extLst>
+          </p:cNvPr>
+          <p:cNvSpPr txBox="1"/>
+          <p:nvPr/>
+        </p:nvSpPr>
+        <p:spPr>
+          <a:xfrm>
+            <a:off x="7516460" y="357525"/>
+            <a:ext cx="3851419" cy="646331"/>
+          </a:xfrm>
+          <a:prstGeom prst="rect">
+            <a:avLst/>
+          </a:prstGeom>
+          <a:noFill/>
+        </p:spPr>
+        <p:txBody>
+          <a:bodyPr wrap="square" rtlCol="0">
+            <a:spAutoFit/>
+          </a:bodyPr>
+          <a:lstStyle/>
+          <a:p>
+            <a:r>
+              <a:rPr lang="en-GB" dirty="0"/>
+              <a:t>The method type parameter changed from </a:t>
+            </a:r>
+            <a:r>
+              <a:rPr lang="en-GB" dirty="0">
+                <a:latin typeface="Courier New" panose="02070309020205020404" pitchFamily="49" charset="0"/>
+                <a:cs typeface="Courier New" panose="02070309020205020404" pitchFamily="49" charset="0"/>
+              </a:rPr>
+              <a:t>T</a:t>
+            </a:r>
+            <a:r>
+              <a:rPr lang="en-GB" dirty="0"/>
+              <a:t> to </a:t>
+            </a:r>
+            <a:r>
+              <a:rPr lang="en-GB" dirty="0">
+                <a:latin typeface="Courier New" panose="02070309020205020404" pitchFamily="49" charset="0"/>
+                <a:cs typeface="Courier New" panose="02070309020205020404" pitchFamily="49" charset="0"/>
+              </a:rPr>
+              <a:t>Object</a:t>
+            </a:r>
+            <a:r>
+              <a:rPr lang="en-GB" dirty="0"/>
+              <a:t> during type erasure</a:t>
+            </a:r>
+          </a:p>
+        </p:txBody>
+      </p:sp>
+      <p:cxnSp>
+        <p:nvCxnSpPr>
+          <p:cNvPr id="43" name="Straight Arrow Connector 42">
+            <a:extLst>
+              <a:ext uri="{FF2B5EF4-FFF2-40B4-BE49-F238E27FC236}">
+                <a16:creationId xmlns:a16="http://schemas.microsoft.com/office/drawing/2014/main" id="{84508283-269E-A74F-A2FF-A0A387AD2AA1}"/>
+              </a:ext>
+            </a:extLst>
+          </p:cNvPr>
+          <p:cNvCxnSpPr>
+            <a:cxnSpLocks/>
+            <a:stCxn id="46" idx="2"/>
+            <a:endCxn id="6" idx="0"/>
+          </p:cNvCxnSpPr>
+          <p:nvPr/>
+        </p:nvCxnSpPr>
+        <p:spPr>
+          <a:xfrm>
+            <a:off x="2912166" y="888764"/>
+            <a:ext cx="0" cy="781009"/>
           </a:xfrm>
           <a:prstGeom prst="straightConnector1">
             <a:avLst/>
           </a:prstGeom>
+          <a:ln w="12700">
+            <a:solidFill>
+              <a:schemeClr val="tx1">
+                <a:lumMod val="75000"/>
+                <a:lumOff val="25000"/>
+              </a:schemeClr>
+            </a:solidFill>
+            <a:tailEnd type="triangle"/>
+          </a:ln>
+        </p:spPr>
+        <p:style>
+          <a:lnRef idx="1">
+            <a:schemeClr val="accent1"/>
+          </a:lnRef>
+          <a:fillRef idx="0">
+            <a:schemeClr val="accent1"/>
+          </a:fillRef>
+          <a:effectRef idx="0">
+            <a:schemeClr val="accent1"/>
+          </a:effectRef>
+          <a:fontRef idx="minor">
+            <a:schemeClr val="tx1"/>
+          </a:fontRef>
+        </p:style>
+      </p:cxnSp>
+      <p:sp>
+        <p:nvSpPr>
+          <p:cNvPr id="46" name="TextBox 45">
+            <a:extLst>
+              <a:ext uri="{FF2B5EF4-FFF2-40B4-BE49-F238E27FC236}">
+                <a16:creationId xmlns:a16="http://schemas.microsoft.com/office/drawing/2014/main" id="{A0784004-010A-5A46-91CA-ECA95913B729}"/>
+              </a:ext>
+            </a:extLst>
+          </p:cNvPr>
+          <p:cNvSpPr txBox="1"/>
+          <p:nvPr/>
+        </p:nvSpPr>
+        <p:spPr>
+          <a:xfrm>
+            <a:off x="1619312" y="519432"/>
+            <a:ext cx="2585708" cy="369332"/>
+          </a:xfrm>
+          <a:prstGeom prst="rect">
+            <a:avLst/>
+          </a:prstGeom>
+          <a:noFill/>
+        </p:spPr>
+        <p:txBody>
+          <a:bodyPr wrap="none" rtlCol="0">
+            <a:spAutoFit/>
+          </a:bodyPr>
+          <a:lstStyle/>
+          <a:p>
+            <a:r>
+              <a:rPr lang="en-GB" dirty="0"/>
+              <a:t>Call to </a:t>
+            </a:r>
+            <a:r>
+              <a:rPr lang="en-GB" dirty="0">
+                <a:latin typeface="Courier New" panose="02070309020205020404" pitchFamily="49" charset="0"/>
+                <a:cs typeface="Courier New" panose="02070309020205020404" pitchFamily="49" charset="0"/>
+              </a:rPr>
+              <a:t>clear()</a:t>
+            </a:r>
+            <a:r>
+              <a:rPr lang="en-GB" dirty="0"/>
+              <a:t> method</a:t>
+            </a:r>
+          </a:p>
+        </p:txBody>
+      </p:sp>
+      <p:sp>
+        <p:nvSpPr>
+          <p:cNvPr id="50" name="TextBox 49">
+            <a:extLst>
+              <a:ext uri="{FF2B5EF4-FFF2-40B4-BE49-F238E27FC236}">
+                <a16:creationId xmlns:a16="http://schemas.microsoft.com/office/drawing/2014/main" id="{988EFE44-B46B-7547-9F8A-E9526E77E5F2}"/>
+              </a:ext>
+            </a:extLst>
+          </p:cNvPr>
+          <p:cNvSpPr txBox="1"/>
+          <p:nvPr/>
+        </p:nvSpPr>
+        <p:spPr>
+          <a:xfrm>
+            <a:off x="3697357" y="2478730"/>
+            <a:ext cx="2713382" cy="646331"/>
+          </a:xfrm>
+          <a:prstGeom prst="rect">
+            <a:avLst/>
+          </a:prstGeom>
+          <a:noFill/>
+        </p:spPr>
+        <p:txBody>
+          <a:bodyPr wrap="square" rtlCol="0">
+            <a:spAutoFit/>
+          </a:bodyPr>
+          <a:lstStyle/>
+          <a:p>
+            <a:r>
+              <a:rPr lang="en-GB" dirty="0"/>
+              <a:t>Invokes the method of the subtype (polymorphism)</a:t>
+            </a:r>
+          </a:p>
+        </p:txBody>
+      </p:sp>
+      <p:cxnSp>
+        <p:nvCxnSpPr>
+          <p:cNvPr id="51" name="Straight Connector 50">
+            <a:extLst>
+              <a:ext uri="{FF2B5EF4-FFF2-40B4-BE49-F238E27FC236}">
+                <a16:creationId xmlns:a16="http://schemas.microsoft.com/office/drawing/2014/main" id="{7B1B7744-FCA3-FB4B-9733-B04955A5EDA3}"/>
+              </a:ext>
+            </a:extLst>
+          </p:cNvPr>
+          <p:cNvCxnSpPr>
+            <a:cxnSpLocks/>
+            <a:endCxn id="50" idx="1"/>
+          </p:cNvCxnSpPr>
+          <p:nvPr/>
+        </p:nvCxnSpPr>
+        <p:spPr>
+          <a:xfrm flipV="1">
+            <a:off x="3349487" y="2801896"/>
+            <a:ext cx="347870" cy="209661"/>
+          </a:xfrm>
+          <a:prstGeom prst="line">
+            <a:avLst/>
+          </a:prstGeom>
           <a:ln>
-            <a:tailEnd type="triangle"/>
+            <a:solidFill>
+              <a:schemeClr val="tx1">
+                <a:lumMod val="75000"/>
+                <a:lumOff val="25000"/>
+              </a:schemeClr>
+            </a:solidFill>
+            <a:prstDash val="sysDash"/>
           </a:ln>
         </p:spPr>
         <p:style>
@@ -26214,7 +26933,7 @@
     </p:spTree>
     <p:extLst>
       <p:ext uri="{BB962C8B-B14F-4D97-AF65-F5344CB8AC3E}">
-        <p14:creationId xmlns:p14="http://schemas.microsoft.com/office/powerpoint/2010/main" val="1006745906"/>
+        <p14:creationId xmlns:p14="http://schemas.microsoft.com/office/powerpoint/2010/main" val="1709712887"/>
       </p:ext>
     </p:extLst>
   </p:cSld>
@@ -26613,6 +27332,542 @@
     <p:extLst>
       <p:ext uri="{BB962C8B-B14F-4D97-AF65-F5344CB8AC3E}">
         <p14:creationId xmlns:p14="http://schemas.microsoft.com/office/powerpoint/2010/main" val="3224260765"/>
+      </p:ext>
+    </p:extLst>
+  </p:cSld>
+  <p:clrMapOvr>
+    <a:masterClrMapping/>
+  </p:clrMapOvr>
+</p:sld>
+</file>
+
+<file path=ppt/slides/slide40.xml><?xml version="1.0" encoding="utf-8"?>
+<p:sld xmlns:a="http://schemas.openxmlformats.org/drawingml/2006/main" xmlns:r="http://schemas.openxmlformats.org/officeDocument/2006/relationships" xmlns:p="http://schemas.openxmlformats.org/presentationml/2006/main">
+  <p:cSld>
+    <p:spTree>
+      <p:nvGrpSpPr>
+        <p:cNvPr id="1" name=""/>
+        <p:cNvGrpSpPr/>
+        <p:nvPr/>
+      </p:nvGrpSpPr>
+      <p:grpSpPr>
+        <a:xfrm>
+          <a:off x="0" y="0"/>
+          <a:ext cx="0" cy="0"/>
+          <a:chOff x="0" y="0"/>
+          <a:chExt cx="0" cy="0"/>
+        </a:xfrm>
+      </p:grpSpPr>
+      <p:sp>
+        <p:nvSpPr>
+          <p:cNvPr id="8" name="Cloud 7">
+            <a:extLst>
+              <a:ext uri="{FF2B5EF4-FFF2-40B4-BE49-F238E27FC236}">
+                <a16:creationId xmlns:a16="http://schemas.microsoft.com/office/drawing/2014/main" id="{94F42F71-0F59-7847-8897-2C8409A6EB4E}"/>
+              </a:ext>
+            </a:extLst>
+          </p:cNvPr>
+          <p:cNvSpPr/>
+          <p:nvPr/>
+        </p:nvSpPr>
+        <p:spPr>
+          <a:xfrm>
+            <a:off x="4078835" y="168909"/>
+            <a:ext cx="2430049" cy="1828800"/>
+          </a:xfrm>
+          <a:prstGeom prst="cloud">
+            <a:avLst/>
+          </a:prstGeom>
+        </p:spPr>
+        <p:style>
+          <a:lnRef idx="2">
+            <a:schemeClr val="accent1">
+              <a:shade val="50000"/>
+            </a:schemeClr>
+          </a:lnRef>
+          <a:fillRef idx="1">
+            <a:schemeClr val="accent1"/>
+          </a:fillRef>
+          <a:effectRef idx="0">
+            <a:schemeClr val="accent1"/>
+          </a:effectRef>
+          <a:fontRef idx="minor">
+            <a:schemeClr val="lt1"/>
+          </a:fontRef>
+        </p:style>
+        <p:txBody>
+          <a:bodyPr rtlCol="0" anchor="ctr"/>
+          <a:lstStyle/>
+          <a:p>
+            <a:pPr algn="ctr"/>
+            <a:r>
+              <a:rPr lang="en-GB" dirty="0"/>
+              <a:t>Test Double</a:t>
+            </a:r>
+          </a:p>
+        </p:txBody>
+      </p:sp>
+      <p:sp>
+        <p:nvSpPr>
+          <p:cNvPr id="9" name="Rectangle 8">
+            <a:extLst>
+              <a:ext uri="{FF2B5EF4-FFF2-40B4-BE49-F238E27FC236}">
+                <a16:creationId xmlns:a16="http://schemas.microsoft.com/office/drawing/2014/main" id="{F6EE240D-D31C-1A4B-9685-1613792E46F0}"/>
+              </a:ext>
+            </a:extLst>
+          </p:cNvPr>
+          <p:cNvSpPr/>
+          <p:nvPr/>
+        </p:nvSpPr>
+        <p:spPr>
+          <a:xfrm>
+            <a:off x="1883229" y="2427515"/>
+            <a:ext cx="1919226" cy="723092"/>
+          </a:xfrm>
+          <a:prstGeom prst="rect">
+            <a:avLst/>
+          </a:prstGeom>
+        </p:spPr>
+        <p:style>
+          <a:lnRef idx="2">
+            <a:schemeClr val="accent1">
+              <a:shade val="50000"/>
+            </a:schemeClr>
+          </a:lnRef>
+          <a:fillRef idx="1">
+            <a:schemeClr val="accent1"/>
+          </a:fillRef>
+          <a:effectRef idx="0">
+            <a:schemeClr val="accent1"/>
+          </a:effectRef>
+          <a:fontRef idx="minor">
+            <a:schemeClr val="lt1"/>
+          </a:fontRef>
+        </p:style>
+        <p:txBody>
+          <a:bodyPr rtlCol="0" anchor="ctr"/>
+          <a:lstStyle/>
+          <a:p>
+            <a:pPr algn="ctr"/>
+            <a:r>
+              <a:rPr lang="en-GB" dirty="0"/>
+              <a:t>Dummy</a:t>
+            </a:r>
+          </a:p>
+        </p:txBody>
+      </p:sp>
+      <p:sp>
+        <p:nvSpPr>
+          <p:cNvPr id="10" name="Rectangle 9">
+            <a:extLst>
+              <a:ext uri="{FF2B5EF4-FFF2-40B4-BE49-F238E27FC236}">
+                <a16:creationId xmlns:a16="http://schemas.microsoft.com/office/drawing/2014/main" id="{1EE69F68-74C0-464F-8E30-0E2C5B2D4696}"/>
+              </a:ext>
+            </a:extLst>
+          </p:cNvPr>
+          <p:cNvSpPr/>
+          <p:nvPr/>
+        </p:nvSpPr>
+        <p:spPr>
+          <a:xfrm>
+            <a:off x="1883229" y="3429000"/>
+            <a:ext cx="1919226" cy="723092"/>
+          </a:xfrm>
+          <a:prstGeom prst="rect">
+            <a:avLst/>
+          </a:prstGeom>
+        </p:spPr>
+        <p:style>
+          <a:lnRef idx="2">
+            <a:schemeClr val="accent1">
+              <a:shade val="50000"/>
+            </a:schemeClr>
+          </a:lnRef>
+          <a:fillRef idx="1">
+            <a:schemeClr val="accent1"/>
+          </a:fillRef>
+          <a:effectRef idx="0">
+            <a:schemeClr val="accent1"/>
+          </a:effectRef>
+          <a:fontRef idx="minor">
+            <a:schemeClr val="lt1"/>
+          </a:fontRef>
+        </p:style>
+        <p:txBody>
+          <a:bodyPr rtlCol="0" anchor="ctr"/>
+          <a:lstStyle/>
+          <a:p>
+            <a:pPr algn="ctr"/>
+            <a:r>
+              <a:rPr lang="en-GB" dirty="0"/>
+              <a:t>Stub</a:t>
+            </a:r>
+          </a:p>
+        </p:txBody>
+      </p:sp>
+      <p:sp>
+        <p:nvSpPr>
+          <p:cNvPr id="11" name="Rectangle 10">
+            <a:extLst>
+              <a:ext uri="{FF2B5EF4-FFF2-40B4-BE49-F238E27FC236}">
+                <a16:creationId xmlns:a16="http://schemas.microsoft.com/office/drawing/2014/main" id="{B2E808FA-1944-2B4E-947D-628334D8C9F8}"/>
+              </a:ext>
+            </a:extLst>
+          </p:cNvPr>
+          <p:cNvSpPr/>
+          <p:nvPr/>
+        </p:nvSpPr>
+        <p:spPr>
+          <a:xfrm>
+            <a:off x="1883229" y="4430485"/>
+            <a:ext cx="1919226" cy="723092"/>
+          </a:xfrm>
+          <a:prstGeom prst="rect">
+            <a:avLst/>
+          </a:prstGeom>
+        </p:spPr>
+        <p:style>
+          <a:lnRef idx="2">
+            <a:schemeClr val="accent1">
+              <a:shade val="50000"/>
+            </a:schemeClr>
+          </a:lnRef>
+          <a:fillRef idx="1">
+            <a:schemeClr val="accent1"/>
+          </a:fillRef>
+          <a:effectRef idx="0">
+            <a:schemeClr val="accent1"/>
+          </a:effectRef>
+          <a:fontRef idx="minor">
+            <a:schemeClr val="lt1"/>
+          </a:fontRef>
+        </p:style>
+        <p:txBody>
+          <a:bodyPr rtlCol="0" anchor="ctr"/>
+          <a:lstStyle/>
+          <a:p>
+            <a:pPr algn="ctr"/>
+            <a:r>
+              <a:rPr lang="en-GB" dirty="0"/>
+              <a:t>Spy</a:t>
+            </a:r>
+          </a:p>
+        </p:txBody>
+      </p:sp>
+      <p:sp>
+        <p:nvSpPr>
+          <p:cNvPr id="12" name="Rectangle 11">
+            <a:extLst>
+              <a:ext uri="{FF2B5EF4-FFF2-40B4-BE49-F238E27FC236}">
+                <a16:creationId xmlns:a16="http://schemas.microsoft.com/office/drawing/2014/main" id="{34975D4E-A32E-9B46-B936-3CD4867661D0}"/>
+              </a:ext>
+            </a:extLst>
+          </p:cNvPr>
+          <p:cNvSpPr/>
+          <p:nvPr/>
+        </p:nvSpPr>
+        <p:spPr>
+          <a:xfrm>
+            <a:off x="1883229" y="5431970"/>
+            <a:ext cx="1919226" cy="723092"/>
+          </a:xfrm>
+          <a:prstGeom prst="rect">
+            <a:avLst/>
+          </a:prstGeom>
+        </p:spPr>
+        <p:style>
+          <a:lnRef idx="2">
+            <a:schemeClr val="accent1">
+              <a:shade val="50000"/>
+            </a:schemeClr>
+          </a:lnRef>
+          <a:fillRef idx="1">
+            <a:schemeClr val="accent1"/>
+          </a:fillRef>
+          <a:effectRef idx="0">
+            <a:schemeClr val="accent1"/>
+          </a:effectRef>
+          <a:fontRef idx="minor">
+            <a:schemeClr val="lt1"/>
+          </a:fontRef>
+        </p:style>
+        <p:txBody>
+          <a:bodyPr rtlCol="0" anchor="ctr"/>
+          <a:lstStyle/>
+          <a:p>
+            <a:pPr algn="ctr"/>
+            <a:r>
+              <a:rPr lang="en-GB" dirty="0"/>
+              <a:t>Mock</a:t>
+            </a:r>
+          </a:p>
+        </p:txBody>
+      </p:sp>
+      <p:sp>
+        <p:nvSpPr>
+          <p:cNvPr id="13" name="Rectangle 12">
+            <a:extLst>
+              <a:ext uri="{FF2B5EF4-FFF2-40B4-BE49-F238E27FC236}">
+                <a16:creationId xmlns:a16="http://schemas.microsoft.com/office/drawing/2014/main" id="{3B2A9E41-DB72-7D43-9CF8-F3213B9CC7B4}"/>
+              </a:ext>
+            </a:extLst>
+          </p:cNvPr>
+          <p:cNvSpPr/>
+          <p:nvPr/>
+        </p:nvSpPr>
+        <p:spPr>
+          <a:xfrm>
+            <a:off x="6788698" y="5431970"/>
+            <a:ext cx="1919226" cy="723092"/>
+          </a:xfrm>
+          <a:prstGeom prst="rect">
+            <a:avLst/>
+          </a:prstGeom>
+        </p:spPr>
+        <p:style>
+          <a:lnRef idx="2">
+            <a:schemeClr val="accent1">
+              <a:shade val="50000"/>
+            </a:schemeClr>
+          </a:lnRef>
+          <a:fillRef idx="1">
+            <a:schemeClr val="accent1"/>
+          </a:fillRef>
+          <a:effectRef idx="0">
+            <a:schemeClr val="accent1"/>
+          </a:effectRef>
+          <a:fontRef idx="minor">
+            <a:schemeClr val="lt1"/>
+          </a:fontRef>
+        </p:style>
+        <p:txBody>
+          <a:bodyPr rtlCol="0" anchor="ctr"/>
+          <a:lstStyle/>
+          <a:p>
+            <a:pPr algn="ctr"/>
+            <a:r>
+              <a:rPr lang="en-GB" dirty="0"/>
+              <a:t>Fake</a:t>
+            </a:r>
+          </a:p>
+        </p:txBody>
+      </p:sp>
+      <p:cxnSp>
+        <p:nvCxnSpPr>
+          <p:cNvPr id="15" name="Straight Arrow Connector 14">
+            <a:extLst>
+              <a:ext uri="{FF2B5EF4-FFF2-40B4-BE49-F238E27FC236}">
+                <a16:creationId xmlns:a16="http://schemas.microsoft.com/office/drawing/2014/main" id="{6D0AA745-0DB1-2641-BAD8-9D0F53B759BF}"/>
+              </a:ext>
+            </a:extLst>
+          </p:cNvPr>
+          <p:cNvCxnSpPr>
+            <a:stCxn id="12" idx="0"/>
+            <a:endCxn id="11" idx="2"/>
+          </p:cNvCxnSpPr>
+          <p:nvPr/>
+        </p:nvCxnSpPr>
+        <p:spPr>
+          <a:xfrm flipV="1">
+            <a:off x="2842842" y="5153577"/>
+            <a:ext cx="0" cy="278393"/>
+          </a:xfrm>
+          <a:prstGeom prst="straightConnector1">
+            <a:avLst/>
+          </a:prstGeom>
+          <a:ln>
+            <a:tailEnd type="triangle"/>
+          </a:ln>
+        </p:spPr>
+        <p:style>
+          <a:lnRef idx="1">
+            <a:schemeClr val="accent1"/>
+          </a:lnRef>
+          <a:fillRef idx="0">
+            <a:schemeClr val="accent1"/>
+          </a:fillRef>
+          <a:effectRef idx="0">
+            <a:schemeClr val="accent1"/>
+          </a:effectRef>
+          <a:fontRef idx="minor">
+            <a:schemeClr val="tx1"/>
+          </a:fontRef>
+        </p:style>
+      </p:cxnSp>
+      <p:cxnSp>
+        <p:nvCxnSpPr>
+          <p:cNvPr id="16" name="Straight Arrow Connector 15">
+            <a:extLst>
+              <a:ext uri="{FF2B5EF4-FFF2-40B4-BE49-F238E27FC236}">
+                <a16:creationId xmlns:a16="http://schemas.microsoft.com/office/drawing/2014/main" id="{454CE2E0-6108-6647-8B20-0D2B2A8F3A95}"/>
+              </a:ext>
+            </a:extLst>
+          </p:cNvPr>
+          <p:cNvCxnSpPr>
+            <a:cxnSpLocks/>
+            <a:stCxn id="11" idx="0"/>
+            <a:endCxn id="10" idx="2"/>
+          </p:cNvCxnSpPr>
+          <p:nvPr/>
+        </p:nvCxnSpPr>
+        <p:spPr>
+          <a:xfrm flipV="1">
+            <a:off x="2842842" y="4152092"/>
+            <a:ext cx="0" cy="278393"/>
+          </a:xfrm>
+          <a:prstGeom prst="straightConnector1">
+            <a:avLst/>
+          </a:prstGeom>
+          <a:ln>
+            <a:tailEnd type="triangle"/>
+          </a:ln>
+        </p:spPr>
+        <p:style>
+          <a:lnRef idx="1">
+            <a:schemeClr val="accent1"/>
+          </a:lnRef>
+          <a:fillRef idx="0">
+            <a:schemeClr val="accent1"/>
+          </a:fillRef>
+          <a:effectRef idx="0">
+            <a:schemeClr val="accent1"/>
+          </a:effectRef>
+          <a:fontRef idx="minor">
+            <a:schemeClr val="tx1"/>
+          </a:fontRef>
+        </p:style>
+      </p:cxnSp>
+      <p:cxnSp>
+        <p:nvCxnSpPr>
+          <p:cNvPr id="19" name="Straight Arrow Connector 18">
+            <a:extLst>
+              <a:ext uri="{FF2B5EF4-FFF2-40B4-BE49-F238E27FC236}">
+                <a16:creationId xmlns:a16="http://schemas.microsoft.com/office/drawing/2014/main" id="{E8EE70CC-8B5E-9A45-AA7C-8B8EA94D32CE}"/>
+              </a:ext>
+            </a:extLst>
+          </p:cNvPr>
+          <p:cNvCxnSpPr>
+            <a:cxnSpLocks/>
+            <a:stCxn id="10" idx="0"/>
+            <a:endCxn id="9" idx="2"/>
+          </p:cNvCxnSpPr>
+          <p:nvPr/>
+        </p:nvCxnSpPr>
+        <p:spPr>
+          <a:xfrm flipV="1">
+            <a:off x="2842842" y="3150607"/>
+            <a:ext cx="0" cy="278393"/>
+          </a:xfrm>
+          <a:prstGeom prst="straightConnector1">
+            <a:avLst/>
+          </a:prstGeom>
+          <a:ln>
+            <a:tailEnd type="triangle"/>
+          </a:ln>
+        </p:spPr>
+        <p:style>
+          <a:lnRef idx="1">
+            <a:schemeClr val="accent1"/>
+          </a:lnRef>
+          <a:fillRef idx="0">
+            <a:schemeClr val="accent1"/>
+          </a:fillRef>
+          <a:effectRef idx="0">
+            <a:schemeClr val="accent1"/>
+          </a:effectRef>
+          <a:fontRef idx="minor">
+            <a:schemeClr val="tx1"/>
+          </a:fontRef>
+        </p:style>
+      </p:cxnSp>
+      <p:cxnSp>
+        <p:nvCxnSpPr>
+          <p:cNvPr id="27" name="Straight Arrow Connector 26">
+            <a:extLst>
+              <a:ext uri="{FF2B5EF4-FFF2-40B4-BE49-F238E27FC236}">
+                <a16:creationId xmlns:a16="http://schemas.microsoft.com/office/drawing/2014/main" id="{B6EA9434-C966-6F41-8997-484E1143C725}"/>
+              </a:ext>
+            </a:extLst>
+          </p:cNvPr>
+          <p:cNvCxnSpPr>
+            <a:cxnSpLocks/>
+            <a:stCxn id="9" idx="0"/>
+          </p:cNvCxnSpPr>
+          <p:nvPr/>
+        </p:nvCxnSpPr>
+        <p:spPr>
+          <a:xfrm flipV="1">
+            <a:off x="2842842" y="1575303"/>
+            <a:ext cx="1321752" cy="852212"/>
+          </a:xfrm>
+          <a:prstGeom prst="straightConnector1">
+            <a:avLst/>
+          </a:prstGeom>
+          <a:ln>
+            <a:tailEnd type="triangle"/>
+          </a:ln>
+        </p:spPr>
+        <p:style>
+          <a:lnRef idx="1">
+            <a:schemeClr val="accent1"/>
+          </a:lnRef>
+          <a:fillRef idx="0">
+            <a:schemeClr val="accent1"/>
+          </a:fillRef>
+          <a:effectRef idx="0">
+            <a:schemeClr val="accent1"/>
+          </a:effectRef>
+          <a:fontRef idx="minor">
+            <a:schemeClr val="tx1"/>
+          </a:fontRef>
+        </p:style>
+      </p:cxnSp>
+      <p:cxnSp>
+        <p:nvCxnSpPr>
+          <p:cNvPr id="30" name="Straight Arrow Connector 29">
+            <a:extLst>
+              <a:ext uri="{FF2B5EF4-FFF2-40B4-BE49-F238E27FC236}">
+                <a16:creationId xmlns:a16="http://schemas.microsoft.com/office/drawing/2014/main" id="{2985D851-C76D-1A4D-999B-2F2FAEAC8370}"/>
+              </a:ext>
+            </a:extLst>
+          </p:cNvPr>
+          <p:cNvCxnSpPr>
+            <a:cxnSpLocks/>
+            <a:stCxn id="13" idx="0"/>
+          </p:cNvCxnSpPr>
+          <p:nvPr/>
+        </p:nvCxnSpPr>
+        <p:spPr>
+          <a:xfrm flipH="1" flipV="1">
+            <a:off x="6096001" y="1710802"/>
+            <a:ext cx="1652310" cy="3721168"/>
+          </a:xfrm>
+          <a:prstGeom prst="straightConnector1">
+            <a:avLst/>
+          </a:prstGeom>
+          <a:ln>
+            <a:tailEnd type="triangle"/>
+          </a:ln>
+        </p:spPr>
+        <p:style>
+          <a:lnRef idx="1">
+            <a:schemeClr val="accent1"/>
+          </a:lnRef>
+          <a:fillRef idx="0">
+            <a:schemeClr val="accent1"/>
+          </a:fillRef>
+          <a:effectRef idx="0">
+            <a:schemeClr val="accent1"/>
+          </a:effectRef>
+          <a:fontRef idx="minor">
+            <a:schemeClr val="tx1"/>
+          </a:fontRef>
+        </p:style>
+      </p:cxnSp>
+    </p:spTree>
+    <p:extLst>
+      <p:ext uri="{BB962C8B-B14F-4D97-AF65-F5344CB8AC3E}">
+        <p14:creationId xmlns:p14="http://schemas.microsoft.com/office/powerpoint/2010/main" val="1006745906"/>
       </p:ext>
     </p:extLst>
   </p:cSld>
@@ -27281,7 +28536,7 @@
           <a:p>
             <a:pPr algn="ctr"/>
             <a:r>
-              <a:rPr lang="en-GB" dirty="0" err="1">
+              <a:rPr lang="en-GB" dirty="0">
                 <a:solidFill>
                   <a:schemeClr val="tx1"/>
                 </a:solidFill>
@@ -27290,13 +28545,6 @@
               </a:rPr>
               <a:t>mno</a:t>
             </a:r>
-            <a:endParaRPr lang="en-GB" dirty="0">
-              <a:solidFill>
-                <a:schemeClr val="tx1"/>
-              </a:solidFill>
-              <a:latin typeface="Courier New" panose="02070309020205020404" pitchFamily="49" charset="0"/>
-              <a:cs typeface="Courier New" panose="02070309020205020404" pitchFamily="49" charset="0"/>
-            </a:endParaRPr>
           </a:p>
         </p:txBody>
       </p:sp>
@@ -27403,7 +28651,7 @@
           <a:p>
             <a:pPr algn="ctr"/>
             <a:r>
-              <a:rPr lang="en-GB" dirty="0" err="1">
+              <a:rPr lang="en-GB" dirty="0">
                 <a:solidFill>
                   <a:schemeClr val="tx1"/>
                 </a:solidFill>
@@ -27412,13 +28660,6 @@
               </a:rPr>
               <a:t>pqr</a:t>
             </a:r>
-            <a:endParaRPr lang="en-GB" dirty="0">
-              <a:solidFill>
-                <a:schemeClr val="tx1"/>
-              </a:solidFill>
-              <a:latin typeface="Courier New" panose="02070309020205020404" pitchFamily="49" charset="0"/>
-              <a:cs typeface="Courier New" panose="02070309020205020404" pitchFamily="49" charset="0"/>
-            </a:endParaRPr>
           </a:p>
         </p:txBody>
       </p:sp>

--- a/assets/images/Images.pptx
+++ b/assets/images/Images.pptx
@@ -311,7 +311,7 @@
           <a:p>
             <a:fld id="{F0373C07-0034-D84F-B0CB-1249B408AEAD}" type="datetimeFigureOut">
               <a:rPr lang="en-GB" smtClean="0"/>
-              <a:t>06/07/2020</a:t>
+              <a:t>07/07/2020</a:t>
             </a:fld>
             <a:endParaRPr lang="en-GB"/>
           </a:p>
@@ -1397,7 +1397,7 @@
           <a:p>
             <a:fld id="{1277814B-86DA-1A43-BEBE-BB22F0FBA56B}" type="datetimeFigureOut">
               <a:rPr lang="en-GB" smtClean="0"/>
-              <a:t>06/07/2020</a:t>
+              <a:t>07/07/2020</a:t>
             </a:fld>
             <a:endParaRPr lang="en-GB"/>
           </a:p>
@@ -1595,7 +1595,7 @@
           <a:p>
             <a:fld id="{1277814B-86DA-1A43-BEBE-BB22F0FBA56B}" type="datetimeFigureOut">
               <a:rPr lang="en-GB" smtClean="0"/>
-              <a:t>06/07/2020</a:t>
+              <a:t>07/07/2020</a:t>
             </a:fld>
             <a:endParaRPr lang="en-GB"/>
           </a:p>
@@ -1803,7 +1803,7 @@
           <a:p>
             <a:fld id="{1277814B-86DA-1A43-BEBE-BB22F0FBA56B}" type="datetimeFigureOut">
               <a:rPr lang="en-GB" smtClean="0"/>
-              <a:t>06/07/2020</a:t>
+              <a:t>07/07/2020</a:t>
             </a:fld>
             <a:endParaRPr lang="en-GB"/>
           </a:p>
@@ -2001,7 +2001,7 @@
           <a:p>
             <a:fld id="{1277814B-86DA-1A43-BEBE-BB22F0FBA56B}" type="datetimeFigureOut">
               <a:rPr lang="en-GB" smtClean="0"/>
-              <a:t>06/07/2020</a:t>
+              <a:t>07/07/2020</a:t>
             </a:fld>
             <a:endParaRPr lang="en-GB"/>
           </a:p>
@@ -2276,7 +2276,7 @@
           <a:p>
             <a:fld id="{1277814B-86DA-1A43-BEBE-BB22F0FBA56B}" type="datetimeFigureOut">
               <a:rPr lang="en-GB" smtClean="0"/>
-              <a:t>06/07/2020</a:t>
+              <a:t>07/07/2020</a:t>
             </a:fld>
             <a:endParaRPr lang="en-GB"/>
           </a:p>
@@ -2541,7 +2541,7 @@
           <a:p>
             <a:fld id="{1277814B-86DA-1A43-BEBE-BB22F0FBA56B}" type="datetimeFigureOut">
               <a:rPr lang="en-GB" smtClean="0"/>
-              <a:t>06/07/2020</a:t>
+              <a:t>07/07/2020</a:t>
             </a:fld>
             <a:endParaRPr lang="en-GB"/>
           </a:p>
@@ -2953,7 +2953,7 @@
           <a:p>
             <a:fld id="{1277814B-86DA-1A43-BEBE-BB22F0FBA56B}" type="datetimeFigureOut">
               <a:rPr lang="en-GB" smtClean="0"/>
-              <a:t>06/07/2020</a:t>
+              <a:t>07/07/2020</a:t>
             </a:fld>
             <a:endParaRPr lang="en-GB"/>
           </a:p>
@@ -3094,7 +3094,7 @@
           <a:p>
             <a:fld id="{1277814B-86DA-1A43-BEBE-BB22F0FBA56B}" type="datetimeFigureOut">
               <a:rPr lang="en-GB" smtClean="0"/>
-              <a:t>06/07/2020</a:t>
+              <a:t>07/07/2020</a:t>
             </a:fld>
             <a:endParaRPr lang="en-GB"/>
           </a:p>
@@ -3207,7 +3207,7 @@
           <a:p>
             <a:fld id="{1277814B-86DA-1A43-BEBE-BB22F0FBA56B}" type="datetimeFigureOut">
               <a:rPr lang="en-GB" smtClean="0"/>
-              <a:t>06/07/2020</a:t>
+              <a:t>07/07/2020</a:t>
             </a:fld>
             <a:endParaRPr lang="en-GB"/>
           </a:p>
@@ -3518,7 +3518,7 @@
           <a:p>
             <a:fld id="{1277814B-86DA-1A43-BEBE-BB22F0FBA56B}" type="datetimeFigureOut">
               <a:rPr lang="en-GB" smtClean="0"/>
-              <a:t>06/07/2020</a:t>
+              <a:t>07/07/2020</a:t>
             </a:fld>
             <a:endParaRPr lang="en-GB"/>
           </a:p>
@@ -3806,7 +3806,7 @@
           <a:p>
             <a:fld id="{1277814B-86DA-1A43-BEBE-BB22F0FBA56B}" type="datetimeFigureOut">
               <a:rPr lang="en-GB" smtClean="0"/>
-              <a:t>06/07/2020</a:t>
+              <a:t>07/07/2020</a:t>
             </a:fld>
             <a:endParaRPr lang="en-GB"/>
           </a:p>
@@ -4047,7 +4047,7 @@
           <a:p>
             <a:fld id="{1277814B-86DA-1A43-BEBE-BB22F0FBA56B}" type="datetimeFigureOut">
               <a:rPr lang="en-GB" smtClean="0"/>
-              <a:t>06/07/2020</a:t>
+              <a:t>07/07/2020</a:t>
             </a:fld>
             <a:endParaRPr lang="en-GB"/>
           </a:p>

--- a/assets/images/Images.pptx
+++ b/assets/images/Images.pptx
@@ -5,7 +5,7 @@
     <p:sldMasterId id="2147483648" r:id="rId1"/>
   </p:sldMasterIdLst>
   <p:notesMasterIdLst>
-    <p:notesMasterId r:id="rId42"/>
+    <p:notesMasterId r:id="rId44"/>
   </p:notesMasterIdLst>
   <p:sldIdLst>
     <p:sldId id="257" r:id="rId2"/>
@@ -47,7 +47,9 @@
     <p:sldId id="284" r:id="rId38"/>
     <p:sldId id="285" r:id="rId39"/>
     <p:sldId id="286" r:id="rId40"/>
-    <p:sldId id="256" r:id="rId41"/>
+    <p:sldId id="296" r:id="rId41"/>
+    <p:sldId id="297" r:id="rId42"/>
+    <p:sldId id="256" r:id="rId43"/>
   </p:sldIdLst>
   <p:sldSz cx="12192000" cy="6858000"/>
   <p:notesSz cx="6858000" cy="9144000"/>
@@ -212,6 +214,12 @@
             <p14:sldId id="286"/>
           </p14:sldIdLst>
         </p14:section>
+        <p14:section name="Collections" id="{8E46117E-0206-B64A-8A0B-6D61516E76C2}">
+          <p14:sldIdLst>
+            <p14:sldId id="296"/>
+            <p14:sldId id="297"/>
+          </p14:sldIdLst>
+        </p14:section>
         <p14:section name="Testing" id="{064BBB82-ADB6-E844-9D9E-44CD43DCBE9F}">
           <p14:sldIdLst>
             <p14:sldId id="256"/>
@@ -311,7 +319,7 @@
           <a:p>
             <a:fld id="{F0373C07-0034-D84F-B0CB-1249B408AEAD}" type="datetimeFigureOut">
               <a:rPr lang="en-GB" smtClean="0"/>
-              <a:t>07/07/2020</a:t>
+              <a:t>13/07/2020</a:t>
             </a:fld>
             <a:endParaRPr lang="en-GB"/>
           </a:p>
@@ -1231,7 +1239,7 @@
           <a:p>
             <a:fld id="{11A96E62-EC5F-C045-9FEB-EDD3A98888BE}" type="slidenum">
               <a:rPr lang="en-GB" smtClean="0"/>
-              <a:t>40</a:t>
+              <a:t>42</a:t>
             </a:fld>
             <a:endParaRPr lang="en-GB"/>
           </a:p>
@@ -1397,7 +1405,7 @@
           <a:p>
             <a:fld id="{1277814B-86DA-1A43-BEBE-BB22F0FBA56B}" type="datetimeFigureOut">
               <a:rPr lang="en-GB" smtClean="0"/>
-              <a:t>07/07/2020</a:t>
+              <a:t>13/07/2020</a:t>
             </a:fld>
             <a:endParaRPr lang="en-GB"/>
           </a:p>
@@ -1595,7 +1603,7 @@
           <a:p>
             <a:fld id="{1277814B-86DA-1A43-BEBE-BB22F0FBA56B}" type="datetimeFigureOut">
               <a:rPr lang="en-GB" smtClean="0"/>
-              <a:t>07/07/2020</a:t>
+              <a:t>13/07/2020</a:t>
             </a:fld>
             <a:endParaRPr lang="en-GB"/>
           </a:p>
@@ -1803,7 +1811,7 @@
           <a:p>
             <a:fld id="{1277814B-86DA-1A43-BEBE-BB22F0FBA56B}" type="datetimeFigureOut">
               <a:rPr lang="en-GB" smtClean="0"/>
-              <a:t>07/07/2020</a:t>
+              <a:t>13/07/2020</a:t>
             </a:fld>
             <a:endParaRPr lang="en-GB"/>
           </a:p>
@@ -2001,7 +2009,7 @@
           <a:p>
             <a:fld id="{1277814B-86DA-1A43-BEBE-BB22F0FBA56B}" type="datetimeFigureOut">
               <a:rPr lang="en-GB" smtClean="0"/>
-              <a:t>07/07/2020</a:t>
+              <a:t>13/07/2020</a:t>
             </a:fld>
             <a:endParaRPr lang="en-GB"/>
           </a:p>
@@ -2276,7 +2284,7 @@
           <a:p>
             <a:fld id="{1277814B-86DA-1A43-BEBE-BB22F0FBA56B}" type="datetimeFigureOut">
               <a:rPr lang="en-GB" smtClean="0"/>
-              <a:t>07/07/2020</a:t>
+              <a:t>13/07/2020</a:t>
             </a:fld>
             <a:endParaRPr lang="en-GB"/>
           </a:p>
@@ -2541,7 +2549,7 @@
           <a:p>
             <a:fld id="{1277814B-86DA-1A43-BEBE-BB22F0FBA56B}" type="datetimeFigureOut">
               <a:rPr lang="en-GB" smtClean="0"/>
-              <a:t>07/07/2020</a:t>
+              <a:t>13/07/2020</a:t>
             </a:fld>
             <a:endParaRPr lang="en-GB"/>
           </a:p>
@@ -2953,7 +2961,7 @@
           <a:p>
             <a:fld id="{1277814B-86DA-1A43-BEBE-BB22F0FBA56B}" type="datetimeFigureOut">
               <a:rPr lang="en-GB" smtClean="0"/>
-              <a:t>07/07/2020</a:t>
+              <a:t>13/07/2020</a:t>
             </a:fld>
             <a:endParaRPr lang="en-GB"/>
           </a:p>
@@ -3094,7 +3102,7 @@
           <a:p>
             <a:fld id="{1277814B-86DA-1A43-BEBE-BB22F0FBA56B}" type="datetimeFigureOut">
               <a:rPr lang="en-GB" smtClean="0"/>
-              <a:t>07/07/2020</a:t>
+              <a:t>13/07/2020</a:t>
             </a:fld>
             <a:endParaRPr lang="en-GB"/>
           </a:p>
@@ -3207,7 +3215,7 @@
           <a:p>
             <a:fld id="{1277814B-86DA-1A43-BEBE-BB22F0FBA56B}" type="datetimeFigureOut">
               <a:rPr lang="en-GB" smtClean="0"/>
-              <a:t>07/07/2020</a:t>
+              <a:t>13/07/2020</a:t>
             </a:fld>
             <a:endParaRPr lang="en-GB"/>
           </a:p>
@@ -3518,7 +3526,7 @@
           <a:p>
             <a:fld id="{1277814B-86DA-1A43-BEBE-BB22F0FBA56B}" type="datetimeFigureOut">
               <a:rPr lang="en-GB" smtClean="0"/>
-              <a:t>07/07/2020</a:t>
+              <a:t>13/07/2020</a:t>
             </a:fld>
             <a:endParaRPr lang="en-GB"/>
           </a:p>
@@ -3806,7 +3814,7 @@
           <a:p>
             <a:fld id="{1277814B-86DA-1A43-BEBE-BB22F0FBA56B}" type="datetimeFigureOut">
               <a:rPr lang="en-GB" smtClean="0"/>
-              <a:t>07/07/2020</a:t>
+              <a:t>13/07/2020</a:t>
             </a:fld>
             <a:endParaRPr lang="en-GB"/>
           </a:p>
@@ -4047,7 +4055,7 @@
           <a:p>
             <a:fld id="{1277814B-86DA-1A43-BEBE-BB22F0FBA56B}" type="datetimeFigureOut">
               <a:rPr lang="en-GB" smtClean="0"/>
-              <a:t>07/07/2020</a:t>
+              <a:t>13/07/2020</a:t>
             </a:fld>
             <a:endParaRPr lang="en-GB"/>
           </a:p>
@@ -27360,6 +27368,4008 @@
       </p:grpSpPr>
       <p:sp>
         <p:nvSpPr>
+          <p:cNvPr id="4" name="Rectangle 3">
+            <a:extLst>
+              <a:ext uri="{FF2B5EF4-FFF2-40B4-BE49-F238E27FC236}">
+                <a16:creationId xmlns:a16="http://schemas.microsoft.com/office/drawing/2014/main" id="{3B94AF55-9A9B-5A45-9B13-39E9E6824ABA}"/>
+              </a:ext>
+            </a:extLst>
+          </p:cNvPr>
+          <p:cNvSpPr/>
+          <p:nvPr/>
+        </p:nvSpPr>
+        <p:spPr>
+          <a:xfrm>
+            <a:off x="4969563" y="701413"/>
+            <a:ext cx="1709531" cy="685800"/>
+          </a:xfrm>
+          <a:prstGeom prst="rect">
+            <a:avLst/>
+          </a:prstGeom>
+          <a:solidFill>
+            <a:schemeClr val="accent6">
+              <a:lumMod val="75000"/>
+            </a:schemeClr>
+          </a:solidFill>
+          <a:ln>
+            <a:solidFill>
+              <a:schemeClr val="tx1">
+                <a:lumMod val="75000"/>
+                <a:lumOff val="25000"/>
+              </a:schemeClr>
+            </a:solidFill>
+          </a:ln>
+        </p:spPr>
+        <p:style>
+          <a:lnRef idx="2">
+            <a:schemeClr val="accent1">
+              <a:shade val="50000"/>
+            </a:schemeClr>
+          </a:lnRef>
+          <a:fillRef idx="1">
+            <a:schemeClr val="accent1"/>
+          </a:fillRef>
+          <a:effectRef idx="0">
+            <a:schemeClr val="accent1"/>
+          </a:effectRef>
+          <a:fontRef idx="minor">
+            <a:schemeClr val="lt1"/>
+          </a:fontRef>
+        </p:style>
+        <p:txBody>
+          <a:bodyPr rtlCol="0" anchor="ctr"/>
+          <a:lstStyle/>
+          <a:p>
+            <a:pPr algn="ctr"/>
+            <a:endParaRPr lang="en-GB"/>
+          </a:p>
+        </p:txBody>
+      </p:sp>
+      <p:sp>
+        <p:nvSpPr>
+          <p:cNvPr id="5" name="Rectangle 4">
+            <a:extLst>
+              <a:ext uri="{FF2B5EF4-FFF2-40B4-BE49-F238E27FC236}">
+                <a16:creationId xmlns:a16="http://schemas.microsoft.com/office/drawing/2014/main" id="{B1A518B8-5C5C-E64C-ACE5-E33348372F0A}"/>
+              </a:ext>
+            </a:extLst>
+          </p:cNvPr>
+          <p:cNvSpPr/>
+          <p:nvPr/>
+        </p:nvSpPr>
+        <p:spPr>
+          <a:xfrm>
+            <a:off x="4969563" y="1438331"/>
+            <a:ext cx="1709531" cy="685800"/>
+          </a:xfrm>
+          <a:prstGeom prst="rect">
+            <a:avLst/>
+          </a:prstGeom>
+          <a:solidFill>
+            <a:schemeClr val="accent5">
+              <a:lumMod val="75000"/>
+            </a:schemeClr>
+          </a:solidFill>
+          <a:ln>
+            <a:solidFill>
+              <a:schemeClr val="tx1">
+                <a:lumMod val="75000"/>
+                <a:lumOff val="25000"/>
+              </a:schemeClr>
+            </a:solidFill>
+          </a:ln>
+        </p:spPr>
+        <p:style>
+          <a:lnRef idx="2">
+            <a:schemeClr val="accent1">
+              <a:shade val="50000"/>
+            </a:schemeClr>
+          </a:lnRef>
+          <a:fillRef idx="1">
+            <a:schemeClr val="accent1"/>
+          </a:fillRef>
+          <a:effectRef idx="0">
+            <a:schemeClr val="accent1"/>
+          </a:effectRef>
+          <a:fontRef idx="minor">
+            <a:schemeClr val="lt1"/>
+          </a:fontRef>
+        </p:style>
+        <p:txBody>
+          <a:bodyPr rtlCol="0" anchor="ctr"/>
+          <a:lstStyle/>
+          <a:p>
+            <a:pPr algn="ctr"/>
+            <a:endParaRPr lang="en-GB"/>
+          </a:p>
+        </p:txBody>
+      </p:sp>
+      <p:sp>
+        <p:nvSpPr>
+          <p:cNvPr id="6" name="Rectangle 5">
+            <a:extLst>
+              <a:ext uri="{FF2B5EF4-FFF2-40B4-BE49-F238E27FC236}">
+                <a16:creationId xmlns:a16="http://schemas.microsoft.com/office/drawing/2014/main" id="{5CCA1AAC-DDD2-B841-84D2-E8C746D34D69}"/>
+              </a:ext>
+            </a:extLst>
+          </p:cNvPr>
+          <p:cNvSpPr/>
+          <p:nvPr/>
+        </p:nvSpPr>
+        <p:spPr>
+          <a:xfrm>
+            <a:off x="4969563" y="2175249"/>
+            <a:ext cx="1709531" cy="685800"/>
+          </a:xfrm>
+          <a:prstGeom prst="rect">
+            <a:avLst/>
+          </a:prstGeom>
+          <a:solidFill>
+            <a:schemeClr val="accent4">
+              <a:lumMod val="75000"/>
+            </a:schemeClr>
+          </a:solidFill>
+          <a:ln>
+            <a:solidFill>
+              <a:schemeClr val="tx1">
+                <a:lumMod val="75000"/>
+                <a:lumOff val="25000"/>
+              </a:schemeClr>
+            </a:solidFill>
+          </a:ln>
+        </p:spPr>
+        <p:style>
+          <a:lnRef idx="2">
+            <a:schemeClr val="accent1">
+              <a:shade val="50000"/>
+            </a:schemeClr>
+          </a:lnRef>
+          <a:fillRef idx="1">
+            <a:schemeClr val="accent1"/>
+          </a:fillRef>
+          <a:effectRef idx="0">
+            <a:schemeClr val="accent1"/>
+          </a:effectRef>
+          <a:fontRef idx="minor">
+            <a:schemeClr val="lt1"/>
+          </a:fontRef>
+        </p:style>
+        <p:txBody>
+          <a:bodyPr rtlCol="0" anchor="ctr"/>
+          <a:lstStyle/>
+          <a:p>
+            <a:pPr algn="ctr"/>
+            <a:endParaRPr lang="en-GB"/>
+          </a:p>
+        </p:txBody>
+      </p:sp>
+      <p:sp>
+        <p:nvSpPr>
+          <p:cNvPr id="7" name="Rectangle 6">
+            <a:extLst>
+              <a:ext uri="{FF2B5EF4-FFF2-40B4-BE49-F238E27FC236}">
+                <a16:creationId xmlns:a16="http://schemas.microsoft.com/office/drawing/2014/main" id="{41FC1AD4-1D9C-3B47-A2C1-48742A5B95A9}"/>
+              </a:ext>
+            </a:extLst>
+          </p:cNvPr>
+          <p:cNvSpPr/>
+          <p:nvPr/>
+        </p:nvSpPr>
+        <p:spPr>
+          <a:xfrm>
+            <a:off x="4969563" y="2912167"/>
+            <a:ext cx="1709531" cy="685800"/>
+          </a:xfrm>
+          <a:prstGeom prst="rect">
+            <a:avLst/>
+          </a:prstGeom>
+          <a:solidFill>
+            <a:schemeClr val="accent3">
+              <a:lumMod val="75000"/>
+            </a:schemeClr>
+          </a:solidFill>
+          <a:ln>
+            <a:solidFill>
+              <a:schemeClr val="tx1">
+                <a:lumMod val="75000"/>
+                <a:lumOff val="25000"/>
+              </a:schemeClr>
+            </a:solidFill>
+          </a:ln>
+        </p:spPr>
+        <p:style>
+          <a:lnRef idx="2">
+            <a:schemeClr val="accent1">
+              <a:shade val="50000"/>
+            </a:schemeClr>
+          </a:lnRef>
+          <a:fillRef idx="1">
+            <a:schemeClr val="accent1"/>
+          </a:fillRef>
+          <a:effectRef idx="0">
+            <a:schemeClr val="accent1"/>
+          </a:effectRef>
+          <a:fontRef idx="minor">
+            <a:schemeClr val="lt1"/>
+          </a:fontRef>
+        </p:style>
+        <p:txBody>
+          <a:bodyPr rtlCol="0" anchor="ctr"/>
+          <a:lstStyle/>
+          <a:p>
+            <a:pPr algn="ctr"/>
+            <a:endParaRPr lang="en-GB"/>
+          </a:p>
+        </p:txBody>
+      </p:sp>
+      <p:sp>
+        <p:nvSpPr>
+          <p:cNvPr id="8" name="Rectangle 7">
+            <a:extLst>
+              <a:ext uri="{FF2B5EF4-FFF2-40B4-BE49-F238E27FC236}">
+                <a16:creationId xmlns:a16="http://schemas.microsoft.com/office/drawing/2014/main" id="{B2657DBE-7773-DE4F-BB73-773C32511744}"/>
+              </a:ext>
+            </a:extLst>
+          </p:cNvPr>
+          <p:cNvSpPr/>
+          <p:nvPr/>
+        </p:nvSpPr>
+        <p:spPr>
+          <a:xfrm>
+            <a:off x="4969563" y="3649085"/>
+            <a:ext cx="1709531" cy="685800"/>
+          </a:xfrm>
+          <a:prstGeom prst="rect">
+            <a:avLst/>
+          </a:prstGeom>
+          <a:solidFill>
+            <a:schemeClr val="accent2">
+              <a:lumMod val="75000"/>
+            </a:schemeClr>
+          </a:solidFill>
+          <a:ln>
+            <a:solidFill>
+              <a:schemeClr val="tx1">
+                <a:lumMod val="75000"/>
+                <a:lumOff val="25000"/>
+              </a:schemeClr>
+            </a:solidFill>
+          </a:ln>
+        </p:spPr>
+        <p:style>
+          <a:lnRef idx="2">
+            <a:schemeClr val="accent1">
+              <a:shade val="50000"/>
+            </a:schemeClr>
+          </a:lnRef>
+          <a:fillRef idx="1">
+            <a:schemeClr val="accent1"/>
+          </a:fillRef>
+          <a:effectRef idx="0">
+            <a:schemeClr val="accent1"/>
+          </a:effectRef>
+          <a:fontRef idx="minor">
+            <a:schemeClr val="lt1"/>
+          </a:fontRef>
+        </p:style>
+        <p:txBody>
+          <a:bodyPr rtlCol="0" anchor="ctr"/>
+          <a:lstStyle/>
+          <a:p>
+            <a:pPr algn="ctr"/>
+            <a:endParaRPr lang="en-GB"/>
+          </a:p>
+        </p:txBody>
+      </p:sp>
+      <p:sp>
+        <p:nvSpPr>
+          <p:cNvPr id="9" name="Rectangle 8">
+            <a:extLst>
+              <a:ext uri="{FF2B5EF4-FFF2-40B4-BE49-F238E27FC236}">
+                <a16:creationId xmlns:a16="http://schemas.microsoft.com/office/drawing/2014/main" id="{F0005842-6145-6144-83E9-FBE5683A7E99}"/>
+              </a:ext>
+            </a:extLst>
+          </p:cNvPr>
+          <p:cNvSpPr/>
+          <p:nvPr/>
+        </p:nvSpPr>
+        <p:spPr>
+          <a:xfrm>
+            <a:off x="4969563" y="4386003"/>
+            <a:ext cx="1709531" cy="685800"/>
+          </a:xfrm>
+          <a:prstGeom prst="rect">
+            <a:avLst/>
+          </a:prstGeom>
+          <a:solidFill>
+            <a:schemeClr val="accent1">
+              <a:lumMod val="75000"/>
+            </a:schemeClr>
+          </a:solidFill>
+          <a:ln>
+            <a:solidFill>
+              <a:schemeClr val="tx1">
+                <a:lumMod val="75000"/>
+                <a:lumOff val="25000"/>
+              </a:schemeClr>
+            </a:solidFill>
+          </a:ln>
+        </p:spPr>
+        <p:style>
+          <a:lnRef idx="2">
+            <a:schemeClr val="accent1">
+              <a:shade val="50000"/>
+            </a:schemeClr>
+          </a:lnRef>
+          <a:fillRef idx="1">
+            <a:schemeClr val="accent1"/>
+          </a:fillRef>
+          <a:effectRef idx="0">
+            <a:schemeClr val="accent1"/>
+          </a:effectRef>
+          <a:fontRef idx="minor">
+            <a:schemeClr val="lt1"/>
+          </a:fontRef>
+        </p:style>
+        <p:txBody>
+          <a:bodyPr rtlCol="0" anchor="ctr"/>
+          <a:lstStyle/>
+          <a:p>
+            <a:pPr algn="ctr"/>
+            <a:endParaRPr lang="en-GB"/>
+          </a:p>
+        </p:txBody>
+      </p:sp>
+      <p:sp>
+        <p:nvSpPr>
+          <p:cNvPr id="10" name="Rectangle 9">
+            <a:extLst>
+              <a:ext uri="{FF2B5EF4-FFF2-40B4-BE49-F238E27FC236}">
+                <a16:creationId xmlns:a16="http://schemas.microsoft.com/office/drawing/2014/main" id="{EABE6F0D-CC24-A14F-A15E-328328163D1A}"/>
+              </a:ext>
+            </a:extLst>
+          </p:cNvPr>
+          <p:cNvSpPr/>
+          <p:nvPr/>
+        </p:nvSpPr>
+        <p:spPr>
+          <a:xfrm>
+            <a:off x="4969563" y="5122921"/>
+            <a:ext cx="1709531" cy="685800"/>
+          </a:xfrm>
+          <a:prstGeom prst="rect">
+            <a:avLst/>
+          </a:prstGeom>
+          <a:solidFill>
+            <a:schemeClr val="tx2">
+              <a:lumMod val="75000"/>
+            </a:schemeClr>
+          </a:solidFill>
+          <a:ln>
+            <a:solidFill>
+              <a:schemeClr val="tx1">
+                <a:lumMod val="75000"/>
+                <a:lumOff val="25000"/>
+              </a:schemeClr>
+            </a:solidFill>
+          </a:ln>
+        </p:spPr>
+        <p:style>
+          <a:lnRef idx="2">
+            <a:schemeClr val="accent1">
+              <a:shade val="50000"/>
+            </a:schemeClr>
+          </a:lnRef>
+          <a:fillRef idx="1">
+            <a:schemeClr val="accent1"/>
+          </a:fillRef>
+          <a:effectRef idx="0">
+            <a:schemeClr val="accent1"/>
+          </a:effectRef>
+          <a:fontRef idx="minor">
+            <a:schemeClr val="lt1"/>
+          </a:fontRef>
+        </p:style>
+        <p:txBody>
+          <a:bodyPr rtlCol="0" anchor="ctr"/>
+          <a:lstStyle/>
+          <a:p>
+            <a:pPr algn="ctr"/>
+            <a:endParaRPr lang="en-GB"/>
+          </a:p>
+        </p:txBody>
+      </p:sp>
+      <p:sp>
+        <p:nvSpPr>
+          <p:cNvPr id="11" name="Rectangle 10">
+            <a:extLst>
+              <a:ext uri="{FF2B5EF4-FFF2-40B4-BE49-F238E27FC236}">
+                <a16:creationId xmlns:a16="http://schemas.microsoft.com/office/drawing/2014/main" id="{8FA5615D-8504-0149-8F6A-269F55CA63B2}"/>
+              </a:ext>
+            </a:extLst>
+          </p:cNvPr>
+          <p:cNvSpPr/>
+          <p:nvPr/>
+        </p:nvSpPr>
+        <p:spPr>
+          <a:xfrm>
+            <a:off x="4969563" y="5859839"/>
+            <a:ext cx="1709531" cy="685800"/>
+          </a:xfrm>
+          <a:prstGeom prst="rect">
+            <a:avLst/>
+          </a:prstGeom>
+          <a:solidFill>
+            <a:schemeClr val="bg2">
+              <a:lumMod val="25000"/>
+            </a:schemeClr>
+          </a:solidFill>
+          <a:ln>
+            <a:solidFill>
+              <a:schemeClr val="tx1">
+                <a:lumMod val="75000"/>
+                <a:lumOff val="25000"/>
+              </a:schemeClr>
+            </a:solidFill>
+          </a:ln>
+        </p:spPr>
+        <p:style>
+          <a:lnRef idx="2">
+            <a:schemeClr val="accent1">
+              <a:shade val="50000"/>
+            </a:schemeClr>
+          </a:lnRef>
+          <a:fillRef idx="1">
+            <a:schemeClr val="accent1"/>
+          </a:fillRef>
+          <a:effectRef idx="0">
+            <a:schemeClr val="accent1"/>
+          </a:effectRef>
+          <a:fontRef idx="minor">
+            <a:schemeClr val="lt1"/>
+          </a:fontRef>
+        </p:style>
+        <p:txBody>
+          <a:bodyPr rtlCol="0" anchor="ctr"/>
+          <a:lstStyle/>
+          <a:p>
+            <a:pPr algn="ctr"/>
+            <a:endParaRPr lang="en-GB"/>
+          </a:p>
+        </p:txBody>
+      </p:sp>
+      <p:sp>
+        <p:nvSpPr>
+          <p:cNvPr id="12" name="Rectangle 11">
+            <a:extLst>
+              <a:ext uri="{FF2B5EF4-FFF2-40B4-BE49-F238E27FC236}">
+                <a16:creationId xmlns:a16="http://schemas.microsoft.com/office/drawing/2014/main" id="{FD6B8999-D77A-9142-906A-5AB920934BFA}"/>
+              </a:ext>
+            </a:extLst>
+          </p:cNvPr>
+          <p:cNvSpPr/>
+          <p:nvPr/>
+        </p:nvSpPr>
+        <p:spPr>
+          <a:xfrm>
+            <a:off x="7378146" y="701413"/>
+            <a:ext cx="801758" cy="685800"/>
+          </a:xfrm>
+          <a:prstGeom prst="rect">
+            <a:avLst/>
+          </a:prstGeom>
+          <a:solidFill>
+            <a:schemeClr val="accent6">
+              <a:lumMod val="60000"/>
+              <a:lumOff val="40000"/>
+            </a:schemeClr>
+          </a:solidFill>
+          <a:ln>
+            <a:solidFill>
+              <a:schemeClr val="tx1">
+                <a:lumMod val="75000"/>
+                <a:lumOff val="25000"/>
+              </a:schemeClr>
+            </a:solidFill>
+          </a:ln>
+        </p:spPr>
+        <p:style>
+          <a:lnRef idx="2">
+            <a:schemeClr val="accent1">
+              <a:shade val="50000"/>
+            </a:schemeClr>
+          </a:lnRef>
+          <a:fillRef idx="1">
+            <a:schemeClr val="accent1"/>
+          </a:fillRef>
+          <a:effectRef idx="0">
+            <a:schemeClr val="accent1"/>
+          </a:effectRef>
+          <a:fontRef idx="minor">
+            <a:schemeClr val="lt1"/>
+          </a:fontRef>
+        </p:style>
+        <p:txBody>
+          <a:bodyPr rtlCol="0" anchor="ctr"/>
+          <a:lstStyle/>
+          <a:p>
+            <a:pPr algn="ctr"/>
+            <a:endParaRPr lang="en-GB"/>
+          </a:p>
+        </p:txBody>
+      </p:sp>
+      <p:sp>
+        <p:nvSpPr>
+          <p:cNvPr id="13" name="Rectangle 12">
+            <a:extLst>
+              <a:ext uri="{FF2B5EF4-FFF2-40B4-BE49-F238E27FC236}">
+                <a16:creationId xmlns:a16="http://schemas.microsoft.com/office/drawing/2014/main" id="{4C498C8C-EEAC-AC4F-A4D7-96DDFDEB9BCB}"/>
+              </a:ext>
+            </a:extLst>
+          </p:cNvPr>
+          <p:cNvSpPr/>
+          <p:nvPr/>
+        </p:nvSpPr>
+        <p:spPr>
+          <a:xfrm>
+            <a:off x="8257206" y="701413"/>
+            <a:ext cx="801758" cy="685800"/>
+          </a:xfrm>
+          <a:prstGeom prst="rect">
+            <a:avLst/>
+          </a:prstGeom>
+          <a:solidFill>
+            <a:schemeClr val="accent6">
+              <a:lumMod val="40000"/>
+              <a:lumOff val="60000"/>
+            </a:schemeClr>
+          </a:solidFill>
+          <a:ln>
+            <a:solidFill>
+              <a:schemeClr val="tx1">
+                <a:lumMod val="75000"/>
+                <a:lumOff val="25000"/>
+              </a:schemeClr>
+            </a:solidFill>
+          </a:ln>
+        </p:spPr>
+        <p:style>
+          <a:lnRef idx="2">
+            <a:schemeClr val="accent1">
+              <a:shade val="50000"/>
+            </a:schemeClr>
+          </a:lnRef>
+          <a:fillRef idx="1">
+            <a:schemeClr val="accent1"/>
+          </a:fillRef>
+          <a:effectRef idx="0">
+            <a:schemeClr val="accent1"/>
+          </a:effectRef>
+          <a:fontRef idx="minor">
+            <a:schemeClr val="lt1"/>
+          </a:fontRef>
+        </p:style>
+        <p:txBody>
+          <a:bodyPr rtlCol="0" anchor="ctr"/>
+          <a:lstStyle/>
+          <a:p>
+            <a:pPr algn="ctr"/>
+            <a:endParaRPr lang="en-GB"/>
+          </a:p>
+        </p:txBody>
+      </p:sp>
+      <p:sp>
+        <p:nvSpPr>
+          <p:cNvPr id="14" name="Rectangle 13">
+            <a:extLst>
+              <a:ext uri="{FF2B5EF4-FFF2-40B4-BE49-F238E27FC236}">
+                <a16:creationId xmlns:a16="http://schemas.microsoft.com/office/drawing/2014/main" id="{A55EFCF7-B6A5-674A-9D0F-F663CD7E2A06}"/>
+              </a:ext>
+            </a:extLst>
+          </p:cNvPr>
+          <p:cNvSpPr/>
+          <p:nvPr/>
+        </p:nvSpPr>
+        <p:spPr>
+          <a:xfrm>
+            <a:off x="9136266" y="701413"/>
+            <a:ext cx="801758" cy="685800"/>
+          </a:xfrm>
+          <a:prstGeom prst="rect">
+            <a:avLst/>
+          </a:prstGeom>
+          <a:solidFill>
+            <a:schemeClr val="accent6">
+              <a:lumMod val="40000"/>
+              <a:lumOff val="60000"/>
+            </a:schemeClr>
+          </a:solidFill>
+          <a:ln>
+            <a:solidFill>
+              <a:schemeClr val="tx1">
+                <a:lumMod val="75000"/>
+                <a:lumOff val="25000"/>
+              </a:schemeClr>
+            </a:solidFill>
+          </a:ln>
+        </p:spPr>
+        <p:style>
+          <a:lnRef idx="2">
+            <a:schemeClr val="accent1">
+              <a:shade val="50000"/>
+            </a:schemeClr>
+          </a:lnRef>
+          <a:fillRef idx="1">
+            <a:schemeClr val="accent1"/>
+          </a:fillRef>
+          <a:effectRef idx="0">
+            <a:schemeClr val="accent1"/>
+          </a:effectRef>
+          <a:fontRef idx="minor">
+            <a:schemeClr val="lt1"/>
+          </a:fontRef>
+        </p:style>
+        <p:txBody>
+          <a:bodyPr rtlCol="0" anchor="ctr"/>
+          <a:lstStyle/>
+          <a:p>
+            <a:pPr algn="ctr"/>
+            <a:endParaRPr lang="en-GB"/>
+          </a:p>
+        </p:txBody>
+      </p:sp>
+      <p:sp>
+        <p:nvSpPr>
+          <p:cNvPr id="15" name="Rectangle 14">
+            <a:extLst>
+              <a:ext uri="{FF2B5EF4-FFF2-40B4-BE49-F238E27FC236}">
+                <a16:creationId xmlns:a16="http://schemas.microsoft.com/office/drawing/2014/main" id="{FD2E4C0E-C29C-A149-98B3-93BB03ED7E6E}"/>
+              </a:ext>
+            </a:extLst>
+          </p:cNvPr>
+          <p:cNvSpPr/>
+          <p:nvPr/>
+        </p:nvSpPr>
+        <p:spPr>
+          <a:xfrm>
+            <a:off x="10015326" y="701413"/>
+            <a:ext cx="801758" cy="685800"/>
+          </a:xfrm>
+          <a:prstGeom prst="rect">
+            <a:avLst/>
+          </a:prstGeom>
+          <a:solidFill>
+            <a:schemeClr val="accent6">
+              <a:lumMod val="20000"/>
+              <a:lumOff val="80000"/>
+            </a:schemeClr>
+          </a:solidFill>
+          <a:ln>
+            <a:solidFill>
+              <a:schemeClr val="tx1">
+                <a:lumMod val="75000"/>
+                <a:lumOff val="25000"/>
+              </a:schemeClr>
+            </a:solidFill>
+          </a:ln>
+        </p:spPr>
+        <p:style>
+          <a:lnRef idx="2">
+            <a:schemeClr val="accent1">
+              <a:shade val="50000"/>
+            </a:schemeClr>
+          </a:lnRef>
+          <a:fillRef idx="1">
+            <a:schemeClr val="accent1"/>
+          </a:fillRef>
+          <a:effectRef idx="0">
+            <a:schemeClr val="accent1"/>
+          </a:effectRef>
+          <a:fontRef idx="minor">
+            <a:schemeClr val="lt1"/>
+          </a:fontRef>
+        </p:style>
+        <p:txBody>
+          <a:bodyPr rtlCol="0" anchor="ctr"/>
+          <a:lstStyle/>
+          <a:p>
+            <a:pPr algn="ctr"/>
+            <a:endParaRPr lang="en-GB"/>
+          </a:p>
+        </p:txBody>
+      </p:sp>
+      <p:sp>
+        <p:nvSpPr>
+          <p:cNvPr id="16" name="Rectangle 15">
+            <a:extLst>
+              <a:ext uri="{FF2B5EF4-FFF2-40B4-BE49-F238E27FC236}">
+                <a16:creationId xmlns:a16="http://schemas.microsoft.com/office/drawing/2014/main" id="{61F8BB6E-734D-1A48-9E59-2EEC7B3FC417}"/>
+              </a:ext>
+            </a:extLst>
+          </p:cNvPr>
+          <p:cNvSpPr/>
+          <p:nvPr/>
+        </p:nvSpPr>
+        <p:spPr>
+          <a:xfrm>
+            <a:off x="7378146" y="2175249"/>
+            <a:ext cx="801758" cy="685800"/>
+          </a:xfrm>
+          <a:prstGeom prst="rect">
+            <a:avLst/>
+          </a:prstGeom>
+          <a:solidFill>
+            <a:schemeClr val="accent4">
+              <a:lumMod val="60000"/>
+              <a:lumOff val="40000"/>
+            </a:schemeClr>
+          </a:solidFill>
+          <a:ln>
+            <a:solidFill>
+              <a:schemeClr val="tx1">
+                <a:lumMod val="75000"/>
+                <a:lumOff val="25000"/>
+              </a:schemeClr>
+            </a:solidFill>
+          </a:ln>
+        </p:spPr>
+        <p:style>
+          <a:lnRef idx="2">
+            <a:schemeClr val="accent1">
+              <a:shade val="50000"/>
+            </a:schemeClr>
+          </a:lnRef>
+          <a:fillRef idx="1">
+            <a:schemeClr val="accent1"/>
+          </a:fillRef>
+          <a:effectRef idx="0">
+            <a:schemeClr val="accent1"/>
+          </a:effectRef>
+          <a:fontRef idx="minor">
+            <a:schemeClr val="lt1"/>
+          </a:fontRef>
+        </p:style>
+        <p:txBody>
+          <a:bodyPr rtlCol="0" anchor="ctr"/>
+          <a:lstStyle/>
+          <a:p>
+            <a:pPr algn="ctr"/>
+            <a:endParaRPr lang="en-GB"/>
+          </a:p>
+        </p:txBody>
+      </p:sp>
+      <p:sp>
+        <p:nvSpPr>
+          <p:cNvPr id="17" name="Rectangle 16">
+            <a:extLst>
+              <a:ext uri="{FF2B5EF4-FFF2-40B4-BE49-F238E27FC236}">
+                <a16:creationId xmlns:a16="http://schemas.microsoft.com/office/drawing/2014/main" id="{ECD7417F-7227-1640-A1EB-7FB77352EDD0}"/>
+              </a:ext>
+            </a:extLst>
+          </p:cNvPr>
+          <p:cNvSpPr/>
+          <p:nvPr/>
+        </p:nvSpPr>
+        <p:spPr>
+          <a:xfrm>
+            <a:off x="8257206" y="2175249"/>
+            <a:ext cx="801758" cy="685800"/>
+          </a:xfrm>
+          <a:prstGeom prst="rect">
+            <a:avLst/>
+          </a:prstGeom>
+          <a:solidFill>
+            <a:schemeClr val="accent4">
+              <a:lumMod val="40000"/>
+              <a:lumOff val="60000"/>
+            </a:schemeClr>
+          </a:solidFill>
+          <a:ln>
+            <a:solidFill>
+              <a:schemeClr val="tx1">
+                <a:lumMod val="75000"/>
+                <a:lumOff val="25000"/>
+              </a:schemeClr>
+            </a:solidFill>
+          </a:ln>
+        </p:spPr>
+        <p:style>
+          <a:lnRef idx="2">
+            <a:schemeClr val="accent1">
+              <a:shade val="50000"/>
+            </a:schemeClr>
+          </a:lnRef>
+          <a:fillRef idx="1">
+            <a:schemeClr val="accent1"/>
+          </a:fillRef>
+          <a:effectRef idx="0">
+            <a:schemeClr val="accent1"/>
+          </a:effectRef>
+          <a:fontRef idx="minor">
+            <a:schemeClr val="lt1"/>
+          </a:fontRef>
+        </p:style>
+        <p:txBody>
+          <a:bodyPr rtlCol="0" anchor="ctr"/>
+          <a:lstStyle/>
+          <a:p>
+            <a:pPr algn="ctr"/>
+            <a:endParaRPr lang="en-GB"/>
+          </a:p>
+        </p:txBody>
+      </p:sp>
+      <p:sp>
+        <p:nvSpPr>
+          <p:cNvPr id="18" name="Rectangle 17">
+            <a:extLst>
+              <a:ext uri="{FF2B5EF4-FFF2-40B4-BE49-F238E27FC236}">
+                <a16:creationId xmlns:a16="http://schemas.microsoft.com/office/drawing/2014/main" id="{80ABE64D-F68D-CC41-A022-91F43A4FE774}"/>
+              </a:ext>
+            </a:extLst>
+          </p:cNvPr>
+          <p:cNvSpPr/>
+          <p:nvPr/>
+        </p:nvSpPr>
+        <p:spPr>
+          <a:xfrm>
+            <a:off x="7378146" y="2912167"/>
+            <a:ext cx="801758" cy="685800"/>
+          </a:xfrm>
+          <a:prstGeom prst="rect">
+            <a:avLst/>
+          </a:prstGeom>
+          <a:solidFill>
+            <a:schemeClr val="accent3">
+              <a:lumMod val="60000"/>
+              <a:lumOff val="40000"/>
+            </a:schemeClr>
+          </a:solidFill>
+          <a:ln>
+            <a:solidFill>
+              <a:schemeClr val="tx1">
+                <a:lumMod val="75000"/>
+                <a:lumOff val="25000"/>
+              </a:schemeClr>
+            </a:solidFill>
+          </a:ln>
+        </p:spPr>
+        <p:style>
+          <a:lnRef idx="2">
+            <a:schemeClr val="accent1">
+              <a:shade val="50000"/>
+            </a:schemeClr>
+          </a:lnRef>
+          <a:fillRef idx="1">
+            <a:schemeClr val="accent1"/>
+          </a:fillRef>
+          <a:effectRef idx="0">
+            <a:schemeClr val="accent1"/>
+          </a:effectRef>
+          <a:fontRef idx="minor">
+            <a:schemeClr val="lt1"/>
+          </a:fontRef>
+        </p:style>
+        <p:txBody>
+          <a:bodyPr rtlCol="0" anchor="ctr"/>
+          <a:lstStyle/>
+          <a:p>
+            <a:pPr algn="ctr"/>
+            <a:endParaRPr lang="en-GB"/>
+          </a:p>
+        </p:txBody>
+      </p:sp>
+      <p:sp>
+        <p:nvSpPr>
+          <p:cNvPr id="19" name="Rectangle 18">
+            <a:extLst>
+              <a:ext uri="{FF2B5EF4-FFF2-40B4-BE49-F238E27FC236}">
+                <a16:creationId xmlns:a16="http://schemas.microsoft.com/office/drawing/2014/main" id="{42C9A58E-7415-EA4E-9A78-1EAC580913B5}"/>
+              </a:ext>
+            </a:extLst>
+          </p:cNvPr>
+          <p:cNvSpPr/>
+          <p:nvPr/>
+        </p:nvSpPr>
+        <p:spPr>
+          <a:xfrm>
+            <a:off x="8257206" y="2912167"/>
+            <a:ext cx="801758" cy="685800"/>
+          </a:xfrm>
+          <a:prstGeom prst="rect">
+            <a:avLst/>
+          </a:prstGeom>
+          <a:solidFill>
+            <a:schemeClr val="accent3">
+              <a:lumMod val="40000"/>
+              <a:lumOff val="60000"/>
+            </a:schemeClr>
+          </a:solidFill>
+          <a:ln>
+            <a:solidFill>
+              <a:schemeClr val="tx1">
+                <a:lumMod val="75000"/>
+                <a:lumOff val="25000"/>
+              </a:schemeClr>
+            </a:solidFill>
+          </a:ln>
+        </p:spPr>
+        <p:style>
+          <a:lnRef idx="2">
+            <a:schemeClr val="accent1">
+              <a:shade val="50000"/>
+            </a:schemeClr>
+          </a:lnRef>
+          <a:fillRef idx="1">
+            <a:schemeClr val="accent1"/>
+          </a:fillRef>
+          <a:effectRef idx="0">
+            <a:schemeClr val="accent1"/>
+          </a:effectRef>
+          <a:fontRef idx="minor">
+            <a:schemeClr val="lt1"/>
+          </a:fontRef>
+        </p:style>
+        <p:txBody>
+          <a:bodyPr rtlCol="0" anchor="ctr"/>
+          <a:lstStyle/>
+          <a:p>
+            <a:pPr algn="ctr"/>
+            <a:endParaRPr lang="en-GB"/>
+          </a:p>
+        </p:txBody>
+      </p:sp>
+      <p:sp>
+        <p:nvSpPr>
+          <p:cNvPr id="20" name="Rectangle 19">
+            <a:extLst>
+              <a:ext uri="{FF2B5EF4-FFF2-40B4-BE49-F238E27FC236}">
+                <a16:creationId xmlns:a16="http://schemas.microsoft.com/office/drawing/2014/main" id="{47D95489-9184-664C-A821-DFEB1AEA38A5}"/>
+              </a:ext>
+            </a:extLst>
+          </p:cNvPr>
+          <p:cNvSpPr/>
+          <p:nvPr/>
+        </p:nvSpPr>
+        <p:spPr>
+          <a:xfrm>
+            <a:off x="9136266" y="2912167"/>
+            <a:ext cx="801758" cy="685800"/>
+          </a:xfrm>
+          <a:prstGeom prst="rect">
+            <a:avLst/>
+          </a:prstGeom>
+          <a:solidFill>
+            <a:schemeClr val="accent3">
+              <a:lumMod val="20000"/>
+              <a:lumOff val="80000"/>
+            </a:schemeClr>
+          </a:solidFill>
+          <a:ln>
+            <a:solidFill>
+              <a:schemeClr val="tx1">
+                <a:lumMod val="75000"/>
+                <a:lumOff val="25000"/>
+              </a:schemeClr>
+            </a:solidFill>
+          </a:ln>
+        </p:spPr>
+        <p:style>
+          <a:lnRef idx="2">
+            <a:schemeClr val="accent1">
+              <a:shade val="50000"/>
+            </a:schemeClr>
+          </a:lnRef>
+          <a:fillRef idx="1">
+            <a:schemeClr val="accent1"/>
+          </a:fillRef>
+          <a:effectRef idx="0">
+            <a:schemeClr val="accent1"/>
+          </a:effectRef>
+          <a:fontRef idx="minor">
+            <a:schemeClr val="lt1"/>
+          </a:fontRef>
+        </p:style>
+        <p:txBody>
+          <a:bodyPr rtlCol="0" anchor="ctr"/>
+          <a:lstStyle/>
+          <a:p>
+            <a:pPr algn="ctr"/>
+            <a:endParaRPr lang="en-GB"/>
+          </a:p>
+        </p:txBody>
+      </p:sp>
+      <p:sp>
+        <p:nvSpPr>
+          <p:cNvPr id="21" name="Rectangle 20">
+            <a:extLst>
+              <a:ext uri="{FF2B5EF4-FFF2-40B4-BE49-F238E27FC236}">
+                <a16:creationId xmlns:a16="http://schemas.microsoft.com/office/drawing/2014/main" id="{D6490C35-827C-1B42-AB8A-5234076EF9A6}"/>
+              </a:ext>
+            </a:extLst>
+          </p:cNvPr>
+          <p:cNvSpPr/>
+          <p:nvPr/>
+        </p:nvSpPr>
+        <p:spPr>
+          <a:xfrm>
+            <a:off x="7378146" y="4386003"/>
+            <a:ext cx="801758" cy="685800"/>
+          </a:xfrm>
+          <a:prstGeom prst="rect">
+            <a:avLst/>
+          </a:prstGeom>
+          <a:solidFill>
+            <a:schemeClr val="accent1">
+              <a:lumMod val="60000"/>
+              <a:lumOff val="40000"/>
+            </a:schemeClr>
+          </a:solidFill>
+          <a:ln>
+            <a:solidFill>
+              <a:schemeClr val="tx1">
+                <a:lumMod val="75000"/>
+                <a:lumOff val="25000"/>
+              </a:schemeClr>
+            </a:solidFill>
+          </a:ln>
+        </p:spPr>
+        <p:style>
+          <a:lnRef idx="2">
+            <a:schemeClr val="accent1">
+              <a:shade val="50000"/>
+            </a:schemeClr>
+          </a:lnRef>
+          <a:fillRef idx="1">
+            <a:schemeClr val="accent1"/>
+          </a:fillRef>
+          <a:effectRef idx="0">
+            <a:schemeClr val="accent1"/>
+          </a:effectRef>
+          <a:fontRef idx="minor">
+            <a:schemeClr val="lt1"/>
+          </a:fontRef>
+        </p:style>
+        <p:txBody>
+          <a:bodyPr rtlCol="0" anchor="ctr"/>
+          <a:lstStyle/>
+          <a:p>
+            <a:pPr algn="ctr"/>
+            <a:endParaRPr lang="en-GB"/>
+          </a:p>
+        </p:txBody>
+      </p:sp>
+      <p:sp>
+        <p:nvSpPr>
+          <p:cNvPr id="22" name="TextBox 21">
+            <a:extLst>
+              <a:ext uri="{FF2B5EF4-FFF2-40B4-BE49-F238E27FC236}">
+                <a16:creationId xmlns:a16="http://schemas.microsoft.com/office/drawing/2014/main" id="{30C38E19-01B6-EC4A-8191-A3A47F8CFE74}"/>
+              </a:ext>
+            </a:extLst>
+          </p:cNvPr>
+          <p:cNvSpPr txBox="1"/>
+          <p:nvPr/>
+        </p:nvSpPr>
+        <p:spPr>
+          <a:xfrm>
+            <a:off x="5415722" y="121856"/>
+            <a:ext cx="817211" cy="369332"/>
+          </a:xfrm>
+          <a:prstGeom prst="rect">
+            <a:avLst/>
+          </a:prstGeom>
+          <a:noFill/>
+        </p:spPr>
+        <p:txBody>
+          <a:bodyPr wrap="none" rtlCol="0">
+            <a:spAutoFit/>
+          </a:bodyPr>
+          <a:lstStyle/>
+          <a:p>
+            <a:r>
+              <a:rPr lang="en-GB" dirty="0"/>
+              <a:t>Bucket</a:t>
+            </a:r>
+          </a:p>
+        </p:txBody>
+      </p:sp>
+      <p:cxnSp>
+        <p:nvCxnSpPr>
+          <p:cNvPr id="29" name="Straight Arrow Connector 28">
+            <a:extLst>
+              <a:ext uri="{FF2B5EF4-FFF2-40B4-BE49-F238E27FC236}">
+                <a16:creationId xmlns:a16="http://schemas.microsoft.com/office/drawing/2014/main" id="{AEA644C4-A8B5-454D-BD52-DB43DC2B620F}"/>
+              </a:ext>
+            </a:extLst>
+          </p:cNvPr>
+          <p:cNvCxnSpPr>
+            <a:cxnSpLocks/>
+            <a:stCxn id="4" idx="3"/>
+            <a:endCxn id="12" idx="1"/>
+          </p:cNvCxnSpPr>
+          <p:nvPr/>
+        </p:nvCxnSpPr>
+        <p:spPr>
+          <a:xfrm>
+            <a:off x="6679094" y="1044313"/>
+            <a:ext cx="699052" cy="0"/>
+          </a:xfrm>
+          <a:prstGeom prst="straightConnector1">
+            <a:avLst/>
+          </a:prstGeom>
+          <a:ln w="12700">
+            <a:solidFill>
+              <a:schemeClr val="tx1">
+                <a:lumMod val="75000"/>
+                <a:lumOff val="25000"/>
+              </a:schemeClr>
+            </a:solidFill>
+            <a:tailEnd type="triangle"/>
+          </a:ln>
+        </p:spPr>
+        <p:style>
+          <a:lnRef idx="1">
+            <a:schemeClr val="accent1"/>
+          </a:lnRef>
+          <a:fillRef idx="0">
+            <a:schemeClr val="accent1"/>
+          </a:fillRef>
+          <a:effectRef idx="0">
+            <a:schemeClr val="accent1"/>
+          </a:effectRef>
+          <a:fontRef idx="minor">
+            <a:schemeClr val="tx1"/>
+          </a:fontRef>
+        </p:style>
+      </p:cxnSp>
+      <p:cxnSp>
+        <p:nvCxnSpPr>
+          <p:cNvPr id="32" name="Straight Arrow Connector 31">
+            <a:extLst>
+              <a:ext uri="{FF2B5EF4-FFF2-40B4-BE49-F238E27FC236}">
+                <a16:creationId xmlns:a16="http://schemas.microsoft.com/office/drawing/2014/main" id="{92A58AE9-E73E-DE42-8F0D-378CA7FE23D0}"/>
+              </a:ext>
+            </a:extLst>
+          </p:cNvPr>
+          <p:cNvCxnSpPr>
+            <a:cxnSpLocks/>
+          </p:cNvCxnSpPr>
+          <p:nvPr/>
+        </p:nvCxnSpPr>
+        <p:spPr>
+          <a:xfrm>
+            <a:off x="6679094" y="2542043"/>
+            <a:ext cx="699052" cy="0"/>
+          </a:xfrm>
+          <a:prstGeom prst="straightConnector1">
+            <a:avLst/>
+          </a:prstGeom>
+          <a:ln w="12700">
+            <a:solidFill>
+              <a:schemeClr val="tx1">
+                <a:lumMod val="75000"/>
+                <a:lumOff val="25000"/>
+              </a:schemeClr>
+            </a:solidFill>
+            <a:tailEnd type="triangle"/>
+          </a:ln>
+        </p:spPr>
+        <p:style>
+          <a:lnRef idx="1">
+            <a:schemeClr val="accent1"/>
+          </a:lnRef>
+          <a:fillRef idx="0">
+            <a:schemeClr val="accent1"/>
+          </a:fillRef>
+          <a:effectRef idx="0">
+            <a:schemeClr val="accent1"/>
+          </a:effectRef>
+          <a:fontRef idx="minor">
+            <a:schemeClr val="tx1"/>
+          </a:fontRef>
+        </p:style>
+      </p:cxnSp>
+      <p:cxnSp>
+        <p:nvCxnSpPr>
+          <p:cNvPr id="33" name="Straight Arrow Connector 32">
+            <a:extLst>
+              <a:ext uri="{FF2B5EF4-FFF2-40B4-BE49-F238E27FC236}">
+                <a16:creationId xmlns:a16="http://schemas.microsoft.com/office/drawing/2014/main" id="{9CE49648-689F-534F-BF1A-83728C09B043}"/>
+              </a:ext>
+            </a:extLst>
+          </p:cNvPr>
+          <p:cNvCxnSpPr>
+            <a:cxnSpLocks/>
+          </p:cNvCxnSpPr>
+          <p:nvPr/>
+        </p:nvCxnSpPr>
+        <p:spPr>
+          <a:xfrm>
+            <a:off x="6679094" y="3246065"/>
+            <a:ext cx="699052" cy="0"/>
+          </a:xfrm>
+          <a:prstGeom prst="straightConnector1">
+            <a:avLst/>
+          </a:prstGeom>
+          <a:ln w="12700">
+            <a:solidFill>
+              <a:schemeClr val="tx1">
+                <a:lumMod val="75000"/>
+                <a:lumOff val="25000"/>
+              </a:schemeClr>
+            </a:solidFill>
+            <a:tailEnd type="triangle"/>
+          </a:ln>
+        </p:spPr>
+        <p:style>
+          <a:lnRef idx="1">
+            <a:schemeClr val="accent1"/>
+          </a:lnRef>
+          <a:fillRef idx="0">
+            <a:schemeClr val="accent1"/>
+          </a:fillRef>
+          <a:effectRef idx="0">
+            <a:schemeClr val="accent1"/>
+          </a:effectRef>
+          <a:fontRef idx="minor">
+            <a:schemeClr val="tx1"/>
+          </a:fontRef>
+        </p:style>
+      </p:cxnSp>
+      <p:cxnSp>
+        <p:nvCxnSpPr>
+          <p:cNvPr id="34" name="Straight Arrow Connector 33">
+            <a:extLst>
+              <a:ext uri="{FF2B5EF4-FFF2-40B4-BE49-F238E27FC236}">
+                <a16:creationId xmlns:a16="http://schemas.microsoft.com/office/drawing/2014/main" id="{D827D052-2581-9C49-8950-195F133DCCAB}"/>
+              </a:ext>
+            </a:extLst>
+          </p:cNvPr>
+          <p:cNvCxnSpPr>
+            <a:cxnSpLocks/>
+          </p:cNvCxnSpPr>
+          <p:nvPr/>
+        </p:nvCxnSpPr>
+        <p:spPr>
+          <a:xfrm>
+            <a:off x="6679094" y="4738123"/>
+            <a:ext cx="699052" cy="0"/>
+          </a:xfrm>
+          <a:prstGeom prst="straightConnector1">
+            <a:avLst/>
+          </a:prstGeom>
+          <a:ln w="12700">
+            <a:solidFill>
+              <a:schemeClr val="tx1">
+                <a:lumMod val="75000"/>
+                <a:lumOff val="25000"/>
+              </a:schemeClr>
+            </a:solidFill>
+            <a:tailEnd type="triangle"/>
+          </a:ln>
+        </p:spPr>
+        <p:style>
+          <a:lnRef idx="1">
+            <a:schemeClr val="accent1"/>
+          </a:lnRef>
+          <a:fillRef idx="0">
+            <a:schemeClr val="accent1"/>
+          </a:fillRef>
+          <a:effectRef idx="0">
+            <a:schemeClr val="accent1"/>
+          </a:effectRef>
+          <a:fontRef idx="minor">
+            <a:schemeClr val="tx1"/>
+          </a:fontRef>
+        </p:style>
+      </p:cxnSp>
+      <p:sp>
+        <p:nvSpPr>
+          <p:cNvPr id="35" name="TextBox 34">
+            <a:extLst>
+              <a:ext uri="{FF2B5EF4-FFF2-40B4-BE49-F238E27FC236}">
+                <a16:creationId xmlns:a16="http://schemas.microsoft.com/office/drawing/2014/main" id="{83700A9D-BDE3-9449-9D3D-60F09260A66A}"/>
+              </a:ext>
+            </a:extLst>
+          </p:cNvPr>
+          <p:cNvSpPr txBox="1"/>
+          <p:nvPr/>
+        </p:nvSpPr>
+        <p:spPr>
+          <a:xfrm>
+            <a:off x="8144429" y="121856"/>
+            <a:ext cx="1870897" cy="369332"/>
+          </a:xfrm>
+          <a:prstGeom prst="rect">
+            <a:avLst/>
+          </a:prstGeom>
+          <a:noFill/>
+        </p:spPr>
+        <p:txBody>
+          <a:bodyPr wrap="none" rtlCol="0">
+            <a:spAutoFit/>
+          </a:bodyPr>
+          <a:lstStyle/>
+          <a:p>
+            <a:r>
+              <a:rPr lang="en-GB" dirty="0"/>
+              <a:t>HashSet elements</a:t>
+            </a:r>
+          </a:p>
+        </p:txBody>
+      </p:sp>
+      <p:sp>
+        <p:nvSpPr>
+          <p:cNvPr id="36" name="Rectangle 35">
+            <a:extLst>
+              <a:ext uri="{FF2B5EF4-FFF2-40B4-BE49-F238E27FC236}">
+                <a16:creationId xmlns:a16="http://schemas.microsoft.com/office/drawing/2014/main" id="{0959BB0B-E47B-E34E-AE2B-53973A66D881}"/>
+              </a:ext>
+            </a:extLst>
+          </p:cNvPr>
+          <p:cNvSpPr/>
+          <p:nvPr/>
+        </p:nvSpPr>
+        <p:spPr>
+          <a:xfrm>
+            <a:off x="4641574" y="121856"/>
+            <a:ext cx="6450496" cy="6636754"/>
+          </a:xfrm>
+          <a:prstGeom prst="rect">
+            <a:avLst/>
+          </a:prstGeom>
+          <a:noFill/>
+          <a:ln>
+            <a:solidFill>
+              <a:schemeClr val="tx1">
+                <a:lumMod val="75000"/>
+                <a:lumOff val="25000"/>
+              </a:schemeClr>
+            </a:solidFill>
+            <a:prstDash val="sysDash"/>
+          </a:ln>
+        </p:spPr>
+        <p:style>
+          <a:lnRef idx="2">
+            <a:schemeClr val="accent1">
+              <a:shade val="50000"/>
+            </a:schemeClr>
+          </a:lnRef>
+          <a:fillRef idx="1">
+            <a:schemeClr val="accent1"/>
+          </a:fillRef>
+          <a:effectRef idx="0">
+            <a:schemeClr val="accent1"/>
+          </a:effectRef>
+          <a:fontRef idx="minor">
+            <a:schemeClr val="lt1"/>
+          </a:fontRef>
+        </p:style>
+        <p:txBody>
+          <a:bodyPr rtlCol="0" anchor="ctr"/>
+          <a:lstStyle/>
+          <a:p>
+            <a:pPr algn="ctr"/>
+            <a:endParaRPr lang="en-GB"/>
+          </a:p>
+        </p:txBody>
+      </p:sp>
+      <p:sp>
+        <p:nvSpPr>
+          <p:cNvPr id="37" name="TextBox 36">
+            <a:extLst>
+              <a:ext uri="{FF2B5EF4-FFF2-40B4-BE49-F238E27FC236}">
+                <a16:creationId xmlns:a16="http://schemas.microsoft.com/office/drawing/2014/main" id="{B633F677-028C-0747-8B46-DFA55FE89060}"/>
+              </a:ext>
+            </a:extLst>
+          </p:cNvPr>
+          <p:cNvSpPr txBox="1"/>
+          <p:nvPr/>
+        </p:nvSpPr>
+        <p:spPr>
+          <a:xfrm>
+            <a:off x="1779936" y="859647"/>
+            <a:ext cx="948080" cy="369332"/>
+          </a:xfrm>
+          <a:prstGeom prst="rect">
+            <a:avLst/>
+          </a:prstGeom>
+          <a:noFill/>
+        </p:spPr>
+        <p:txBody>
+          <a:bodyPr wrap="none" rtlCol="0">
+            <a:spAutoFit/>
+          </a:bodyPr>
+          <a:lstStyle/>
+          <a:p>
+            <a:r>
+              <a:rPr lang="en-GB" dirty="0"/>
+              <a:t>HashSet</a:t>
+            </a:r>
+          </a:p>
+        </p:txBody>
+      </p:sp>
+      <p:sp>
+        <p:nvSpPr>
+          <p:cNvPr id="39" name="TextBox 38">
+            <a:extLst>
+              <a:ext uri="{FF2B5EF4-FFF2-40B4-BE49-F238E27FC236}">
+                <a16:creationId xmlns:a16="http://schemas.microsoft.com/office/drawing/2014/main" id="{8BF4539B-5BE0-B849-8B51-E1EA386EFB3E}"/>
+              </a:ext>
+            </a:extLst>
+          </p:cNvPr>
+          <p:cNvSpPr txBox="1"/>
+          <p:nvPr/>
+        </p:nvSpPr>
+        <p:spPr>
+          <a:xfrm>
+            <a:off x="1099930" y="2357377"/>
+            <a:ext cx="1657826" cy="369332"/>
+          </a:xfrm>
+          <a:prstGeom prst="rect">
+            <a:avLst/>
+          </a:prstGeom>
+          <a:noFill/>
+        </p:spPr>
+        <p:txBody>
+          <a:bodyPr wrap="none" rtlCol="0">
+            <a:spAutoFit/>
+          </a:bodyPr>
+          <a:lstStyle/>
+          <a:p>
+            <a:r>
+              <a:rPr lang="en-GB" dirty="0"/>
+              <a:t>A list of buckets</a:t>
+            </a:r>
+          </a:p>
+        </p:txBody>
+      </p:sp>
+      <p:sp>
+        <p:nvSpPr>
+          <p:cNvPr id="40" name="TextBox 39">
+            <a:extLst>
+              <a:ext uri="{FF2B5EF4-FFF2-40B4-BE49-F238E27FC236}">
+                <a16:creationId xmlns:a16="http://schemas.microsoft.com/office/drawing/2014/main" id="{0459E707-FFB7-2F45-82CF-E443A5502A37}"/>
+              </a:ext>
+            </a:extLst>
+          </p:cNvPr>
+          <p:cNvSpPr txBox="1"/>
+          <p:nvPr/>
+        </p:nvSpPr>
+        <p:spPr>
+          <a:xfrm>
+            <a:off x="8849587" y="4414957"/>
+            <a:ext cx="1967497" cy="646331"/>
+          </a:xfrm>
+          <a:prstGeom prst="rect">
+            <a:avLst/>
+          </a:prstGeom>
+          <a:noFill/>
+        </p:spPr>
+        <p:txBody>
+          <a:bodyPr wrap="square" rtlCol="0">
+            <a:spAutoFit/>
+          </a:bodyPr>
+          <a:lstStyle/>
+          <a:p>
+            <a:r>
+              <a:rPr lang="en-GB" dirty="0"/>
+              <a:t>Each bucket points to another list</a:t>
+            </a:r>
+          </a:p>
+        </p:txBody>
+      </p:sp>
+      <p:cxnSp>
+        <p:nvCxnSpPr>
+          <p:cNvPr id="41" name="Straight Arrow Connector 40">
+            <a:extLst>
+              <a:ext uri="{FF2B5EF4-FFF2-40B4-BE49-F238E27FC236}">
+                <a16:creationId xmlns:a16="http://schemas.microsoft.com/office/drawing/2014/main" id="{D6300FB5-6D04-BD40-8E1E-9949FE93828A}"/>
+              </a:ext>
+            </a:extLst>
+          </p:cNvPr>
+          <p:cNvCxnSpPr>
+            <a:cxnSpLocks/>
+          </p:cNvCxnSpPr>
+          <p:nvPr/>
+        </p:nvCxnSpPr>
+        <p:spPr>
+          <a:xfrm>
+            <a:off x="2728016" y="1044313"/>
+            <a:ext cx="1913558" cy="0"/>
+          </a:xfrm>
+          <a:prstGeom prst="straightConnector1">
+            <a:avLst/>
+          </a:prstGeom>
+          <a:ln w="12700">
+            <a:solidFill>
+              <a:schemeClr val="tx1">
+                <a:lumMod val="75000"/>
+                <a:lumOff val="25000"/>
+              </a:schemeClr>
+            </a:solidFill>
+            <a:tailEnd type="triangle"/>
+          </a:ln>
+        </p:spPr>
+        <p:style>
+          <a:lnRef idx="1">
+            <a:schemeClr val="accent1"/>
+          </a:lnRef>
+          <a:fillRef idx="0">
+            <a:schemeClr val="accent1"/>
+          </a:fillRef>
+          <a:effectRef idx="0">
+            <a:schemeClr val="accent1"/>
+          </a:effectRef>
+          <a:fontRef idx="minor">
+            <a:schemeClr val="tx1"/>
+          </a:fontRef>
+        </p:style>
+      </p:cxnSp>
+      <p:cxnSp>
+        <p:nvCxnSpPr>
+          <p:cNvPr id="43" name="Straight Arrow Connector 42">
+            <a:extLst>
+              <a:ext uri="{FF2B5EF4-FFF2-40B4-BE49-F238E27FC236}">
+                <a16:creationId xmlns:a16="http://schemas.microsoft.com/office/drawing/2014/main" id="{ACC10CBB-3DBA-F24A-8E4F-57951B0FBD5B}"/>
+              </a:ext>
+            </a:extLst>
+          </p:cNvPr>
+          <p:cNvCxnSpPr>
+            <a:cxnSpLocks/>
+          </p:cNvCxnSpPr>
+          <p:nvPr/>
+        </p:nvCxnSpPr>
+        <p:spPr>
+          <a:xfrm>
+            <a:off x="2728016" y="2542043"/>
+            <a:ext cx="2072584" cy="0"/>
+          </a:xfrm>
+          <a:prstGeom prst="straightConnector1">
+            <a:avLst/>
+          </a:prstGeom>
+          <a:ln w="12700">
+            <a:solidFill>
+              <a:schemeClr val="tx1">
+                <a:lumMod val="75000"/>
+                <a:lumOff val="25000"/>
+              </a:schemeClr>
+            </a:solidFill>
+            <a:tailEnd type="triangle"/>
+          </a:ln>
+        </p:spPr>
+        <p:style>
+          <a:lnRef idx="1">
+            <a:schemeClr val="accent1"/>
+          </a:lnRef>
+          <a:fillRef idx="0">
+            <a:schemeClr val="accent1"/>
+          </a:fillRef>
+          <a:effectRef idx="0">
+            <a:schemeClr val="accent1"/>
+          </a:effectRef>
+          <a:fontRef idx="minor">
+            <a:schemeClr val="tx1"/>
+          </a:fontRef>
+        </p:style>
+      </p:cxnSp>
+      <p:cxnSp>
+        <p:nvCxnSpPr>
+          <p:cNvPr id="45" name="Straight Arrow Connector 44">
+            <a:extLst>
+              <a:ext uri="{FF2B5EF4-FFF2-40B4-BE49-F238E27FC236}">
+                <a16:creationId xmlns:a16="http://schemas.microsoft.com/office/drawing/2014/main" id="{5D27024F-77EE-A042-B512-86180BD89F1B}"/>
+              </a:ext>
+            </a:extLst>
+          </p:cNvPr>
+          <p:cNvCxnSpPr>
+            <a:cxnSpLocks/>
+            <a:stCxn id="40" idx="0"/>
+          </p:cNvCxnSpPr>
+          <p:nvPr/>
+        </p:nvCxnSpPr>
+        <p:spPr>
+          <a:xfrm flipH="1" flipV="1">
+            <a:off x="9562103" y="3682200"/>
+            <a:ext cx="271233" cy="732757"/>
+          </a:xfrm>
+          <a:prstGeom prst="straightConnector1">
+            <a:avLst/>
+          </a:prstGeom>
+          <a:ln w="12700">
+            <a:solidFill>
+              <a:schemeClr val="tx1">
+                <a:lumMod val="75000"/>
+                <a:lumOff val="25000"/>
+              </a:schemeClr>
+            </a:solidFill>
+            <a:tailEnd type="triangle"/>
+          </a:ln>
+        </p:spPr>
+        <p:style>
+          <a:lnRef idx="1">
+            <a:schemeClr val="accent1"/>
+          </a:lnRef>
+          <a:fillRef idx="0">
+            <a:schemeClr val="accent1"/>
+          </a:fillRef>
+          <a:effectRef idx="0">
+            <a:schemeClr val="accent1"/>
+          </a:effectRef>
+          <a:fontRef idx="minor">
+            <a:schemeClr val="tx1"/>
+          </a:fontRef>
+        </p:style>
+      </p:cxnSp>
+      <p:sp>
+        <p:nvSpPr>
+          <p:cNvPr id="48" name="Rectangle 47">
+            <a:extLst>
+              <a:ext uri="{FF2B5EF4-FFF2-40B4-BE49-F238E27FC236}">
+                <a16:creationId xmlns:a16="http://schemas.microsoft.com/office/drawing/2014/main" id="{BB56BC8D-F3D8-3646-B778-0AA4A73702C2}"/>
+              </a:ext>
+            </a:extLst>
+          </p:cNvPr>
+          <p:cNvSpPr/>
+          <p:nvPr/>
+        </p:nvSpPr>
+        <p:spPr>
+          <a:xfrm>
+            <a:off x="4811419" y="549092"/>
+            <a:ext cx="2011467" cy="6110115"/>
+          </a:xfrm>
+          <a:prstGeom prst="rect">
+            <a:avLst/>
+          </a:prstGeom>
+          <a:noFill/>
+          <a:ln>
+            <a:solidFill>
+              <a:schemeClr val="tx1">
+                <a:lumMod val="75000"/>
+                <a:lumOff val="25000"/>
+              </a:schemeClr>
+            </a:solidFill>
+            <a:prstDash val="sysDash"/>
+          </a:ln>
+        </p:spPr>
+        <p:style>
+          <a:lnRef idx="2">
+            <a:schemeClr val="accent1">
+              <a:shade val="50000"/>
+            </a:schemeClr>
+          </a:lnRef>
+          <a:fillRef idx="1">
+            <a:schemeClr val="accent1"/>
+          </a:fillRef>
+          <a:effectRef idx="0">
+            <a:schemeClr val="accent1"/>
+          </a:effectRef>
+          <a:fontRef idx="minor">
+            <a:schemeClr val="lt1"/>
+          </a:fontRef>
+        </p:style>
+        <p:txBody>
+          <a:bodyPr rtlCol="0" anchor="ctr"/>
+          <a:lstStyle/>
+          <a:p>
+            <a:pPr algn="ctr"/>
+            <a:endParaRPr lang="en-GB"/>
+          </a:p>
+        </p:txBody>
+      </p:sp>
+      <p:sp>
+        <p:nvSpPr>
+          <p:cNvPr id="49" name="Rectangle 48">
+            <a:extLst>
+              <a:ext uri="{FF2B5EF4-FFF2-40B4-BE49-F238E27FC236}">
+                <a16:creationId xmlns:a16="http://schemas.microsoft.com/office/drawing/2014/main" id="{BC8D0FCF-E288-D04C-9E85-020A145552B2}"/>
+              </a:ext>
+            </a:extLst>
+          </p:cNvPr>
+          <p:cNvSpPr/>
+          <p:nvPr/>
+        </p:nvSpPr>
+        <p:spPr>
+          <a:xfrm>
+            <a:off x="7308010" y="2801166"/>
+            <a:ext cx="2707316" cy="881034"/>
+          </a:xfrm>
+          <a:prstGeom prst="rect">
+            <a:avLst/>
+          </a:prstGeom>
+          <a:noFill/>
+          <a:ln>
+            <a:solidFill>
+              <a:schemeClr val="tx1">
+                <a:lumMod val="75000"/>
+                <a:lumOff val="25000"/>
+              </a:schemeClr>
+            </a:solidFill>
+            <a:prstDash val="sysDash"/>
+          </a:ln>
+        </p:spPr>
+        <p:style>
+          <a:lnRef idx="2">
+            <a:schemeClr val="accent1">
+              <a:shade val="50000"/>
+            </a:schemeClr>
+          </a:lnRef>
+          <a:fillRef idx="1">
+            <a:schemeClr val="accent1"/>
+          </a:fillRef>
+          <a:effectRef idx="0">
+            <a:schemeClr val="accent1"/>
+          </a:effectRef>
+          <a:fontRef idx="minor">
+            <a:schemeClr val="lt1"/>
+          </a:fontRef>
+        </p:style>
+        <p:txBody>
+          <a:bodyPr rtlCol="0" anchor="ctr"/>
+          <a:lstStyle/>
+          <a:p>
+            <a:pPr algn="ctr"/>
+            <a:endParaRPr lang="en-GB"/>
+          </a:p>
+        </p:txBody>
+      </p:sp>
+      <p:cxnSp>
+        <p:nvCxnSpPr>
+          <p:cNvPr id="50" name="Straight Arrow Connector 49">
+            <a:extLst>
+              <a:ext uri="{FF2B5EF4-FFF2-40B4-BE49-F238E27FC236}">
+                <a16:creationId xmlns:a16="http://schemas.microsoft.com/office/drawing/2014/main" id="{0E99604A-2A8E-3A4B-924E-E30B1375B3A9}"/>
+              </a:ext>
+            </a:extLst>
+          </p:cNvPr>
+          <p:cNvCxnSpPr>
+            <a:cxnSpLocks/>
+          </p:cNvCxnSpPr>
+          <p:nvPr/>
+        </p:nvCxnSpPr>
+        <p:spPr>
+          <a:xfrm>
+            <a:off x="6679094" y="1803000"/>
+            <a:ext cx="699052" cy="0"/>
+          </a:xfrm>
+          <a:prstGeom prst="straightConnector1">
+            <a:avLst/>
+          </a:prstGeom>
+          <a:ln w="12700">
+            <a:solidFill>
+              <a:schemeClr val="tx1">
+                <a:lumMod val="75000"/>
+                <a:lumOff val="25000"/>
+              </a:schemeClr>
+            </a:solidFill>
+            <a:tailEnd type="triangle"/>
+          </a:ln>
+        </p:spPr>
+        <p:style>
+          <a:lnRef idx="1">
+            <a:schemeClr val="accent1"/>
+          </a:lnRef>
+          <a:fillRef idx="0">
+            <a:schemeClr val="accent1"/>
+          </a:fillRef>
+          <a:effectRef idx="0">
+            <a:schemeClr val="accent1"/>
+          </a:effectRef>
+          <a:fontRef idx="minor">
+            <a:schemeClr val="tx1"/>
+          </a:fontRef>
+        </p:style>
+      </p:cxnSp>
+      <p:sp>
+        <p:nvSpPr>
+          <p:cNvPr id="51" name="Rectangle 50">
+            <a:extLst>
+              <a:ext uri="{FF2B5EF4-FFF2-40B4-BE49-F238E27FC236}">
+                <a16:creationId xmlns:a16="http://schemas.microsoft.com/office/drawing/2014/main" id="{7E1262CD-F988-C849-868B-3D708C3C9A4C}"/>
+              </a:ext>
+            </a:extLst>
+          </p:cNvPr>
+          <p:cNvSpPr/>
+          <p:nvPr/>
+        </p:nvSpPr>
+        <p:spPr>
+          <a:xfrm>
+            <a:off x="7378146" y="1438331"/>
+            <a:ext cx="86141" cy="685800"/>
+          </a:xfrm>
+          <a:prstGeom prst="rect">
+            <a:avLst/>
+          </a:prstGeom>
+          <a:noFill/>
+          <a:ln>
+            <a:solidFill>
+              <a:schemeClr val="tx1">
+                <a:lumMod val="75000"/>
+                <a:lumOff val="25000"/>
+              </a:schemeClr>
+            </a:solidFill>
+          </a:ln>
+        </p:spPr>
+        <p:style>
+          <a:lnRef idx="2">
+            <a:schemeClr val="accent1">
+              <a:shade val="50000"/>
+            </a:schemeClr>
+          </a:lnRef>
+          <a:fillRef idx="1">
+            <a:schemeClr val="accent1"/>
+          </a:fillRef>
+          <a:effectRef idx="0">
+            <a:schemeClr val="accent1"/>
+          </a:effectRef>
+          <a:fontRef idx="minor">
+            <a:schemeClr val="lt1"/>
+          </a:fontRef>
+        </p:style>
+        <p:txBody>
+          <a:bodyPr rtlCol="0" anchor="ctr"/>
+          <a:lstStyle/>
+          <a:p>
+            <a:pPr algn="ctr"/>
+            <a:endParaRPr lang="en-GB"/>
+          </a:p>
+        </p:txBody>
+      </p:sp>
+      <p:sp>
+        <p:nvSpPr>
+          <p:cNvPr id="52" name="Rectangle 51">
+            <a:extLst>
+              <a:ext uri="{FF2B5EF4-FFF2-40B4-BE49-F238E27FC236}">
+                <a16:creationId xmlns:a16="http://schemas.microsoft.com/office/drawing/2014/main" id="{629F4C5D-D48F-114D-8CFE-B2D99A8084E1}"/>
+              </a:ext>
+            </a:extLst>
+          </p:cNvPr>
+          <p:cNvSpPr/>
+          <p:nvPr/>
+        </p:nvSpPr>
+        <p:spPr>
+          <a:xfrm>
+            <a:off x="7378146" y="3649085"/>
+            <a:ext cx="86141" cy="685800"/>
+          </a:xfrm>
+          <a:prstGeom prst="rect">
+            <a:avLst/>
+          </a:prstGeom>
+          <a:noFill/>
+          <a:ln>
+            <a:solidFill>
+              <a:schemeClr val="tx1">
+                <a:lumMod val="75000"/>
+                <a:lumOff val="25000"/>
+              </a:schemeClr>
+            </a:solidFill>
+          </a:ln>
+        </p:spPr>
+        <p:style>
+          <a:lnRef idx="2">
+            <a:schemeClr val="accent1">
+              <a:shade val="50000"/>
+            </a:schemeClr>
+          </a:lnRef>
+          <a:fillRef idx="1">
+            <a:schemeClr val="accent1"/>
+          </a:fillRef>
+          <a:effectRef idx="0">
+            <a:schemeClr val="accent1"/>
+          </a:effectRef>
+          <a:fontRef idx="minor">
+            <a:schemeClr val="lt1"/>
+          </a:fontRef>
+        </p:style>
+        <p:txBody>
+          <a:bodyPr rtlCol="0" anchor="ctr"/>
+          <a:lstStyle/>
+          <a:p>
+            <a:pPr algn="ctr"/>
+            <a:endParaRPr lang="en-GB"/>
+          </a:p>
+        </p:txBody>
+      </p:sp>
+      <p:sp>
+        <p:nvSpPr>
+          <p:cNvPr id="53" name="Rectangle 52">
+            <a:extLst>
+              <a:ext uri="{FF2B5EF4-FFF2-40B4-BE49-F238E27FC236}">
+                <a16:creationId xmlns:a16="http://schemas.microsoft.com/office/drawing/2014/main" id="{74206620-CED2-6046-B16E-368031D162CE}"/>
+              </a:ext>
+            </a:extLst>
+          </p:cNvPr>
+          <p:cNvSpPr/>
+          <p:nvPr/>
+        </p:nvSpPr>
+        <p:spPr>
+          <a:xfrm>
+            <a:off x="7366111" y="5118923"/>
+            <a:ext cx="86141" cy="685800"/>
+          </a:xfrm>
+          <a:prstGeom prst="rect">
+            <a:avLst/>
+          </a:prstGeom>
+          <a:noFill/>
+          <a:ln>
+            <a:solidFill>
+              <a:schemeClr val="tx1">
+                <a:lumMod val="75000"/>
+                <a:lumOff val="25000"/>
+              </a:schemeClr>
+            </a:solidFill>
+          </a:ln>
+        </p:spPr>
+        <p:style>
+          <a:lnRef idx="2">
+            <a:schemeClr val="accent1">
+              <a:shade val="50000"/>
+            </a:schemeClr>
+          </a:lnRef>
+          <a:fillRef idx="1">
+            <a:schemeClr val="accent1"/>
+          </a:fillRef>
+          <a:effectRef idx="0">
+            <a:schemeClr val="accent1"/>
+          </a:effectRef>
+          <a:fontRef idx="minor">
+            <a:schemeClr val="lt1"/>
+          </a:fontRef>
+        </p:style>
+        <p:txBody>
+          <a:bodyPr rtlCol="0" anchor="ctr"/>
+          <a:lstStyle/>
+          <a:p>
+            <a:pPr algn="ctr"/>
+            <a:endParaRPr lang="en-GB"/>
+          </a:p>
+        </p:txBody>
+      </p:sp>
+      <p:sp>
+        <p:nvSpPr>
+          <p:cNvPr id="54" name="Rectangle 53">
+            <a:extLst>
+              <a:ext uri="{FF2B5EF4-FFF2-40B4-BE49-F238E27FC236}">
+                <a16:creationId xmlns:a16="http://schemas.microsoft.com/office/drawing/2014/main" id="{21B77AE7-7CCC-E947-8C89-9DE4E8D6E7CC}"/>
+              </a:ext>
+            </a:extLst>
+          </p:cNvPr>
+          <p:cNvSpPr/>
+          <p:nvPr/>
+        </p:nvSpPr>
+        <p:spPr>
+          <a:xfrm>
+            <a:off x="7366110" y="5859471"/>
+            <a:ext cx="86141" cy="685800"/>
+          </a:xfrm>
+          <a:prstGeom prst="rect">
+            <a:avLst/>
+          </a:prstGeom>
+          <a:noFill/>
+          <a:ln>
+            <a:solidFill>
+              <a:schemeClr val="tx1">
+                <a:lumMod val="75000"/>
+                <a:lumOff val="25000"/>
+              </a:schemeClr>
+            </a:solidFill>
+          </a:ln>
+        </p:spPr>
+        <p:style>
+          <a:lnRef idx="2">
+            <a:schemeClr val="accent1">
+              <a:shade val="50000"/>
+            </a:schemeClr>
+          </a:lnRef>
+          <a:fillRef idx="1">
+            <a:schemeClr val="accent1"/>
+          </a:fillRef>
+          <a:effectRef idx="0">
+            <a:schemeClr val="accent1"/>
+          </a:effectRef>
+          <a:fontRef idx="minor">
+            <a:schemeClr val="lt1"/>
+          </a:fontRef>
+        </p:style>
+        <p:txBody>
+          <a:bodyPr rtlCol="0" anchor="ctr"/>
+          <a:lstStyle/>
+          <a:p>
+            <a:pPr algn="ctr"/>
+            <a:endParaRPr lang="en-GB"/>
+          </a:p>
+        </p:txBody>
+      </p:sp>
+      <p:sp>
+        <p:nvSpPr>
+          <p:cNvPr id="56" name="TextBox 55">
+            <a:extLst>
+              <a:ext uri="{FF2B5EF4-FFF2-40B4-BE49-F238E27FC236}">
+                <a16:creationId xmlns:a16="http://schemas.microsoft.com/office/drawing/2014/main" id="{F7BD929B-D94B-EE47-9E8F-72D1A158D74F}"/>
+              </a:ext>
+            </a:extLst>
+          </p:cNvPr>
+          <p:cNvSpPr txBox="1"/>
+          <p:nvPr/>
+        </p:nvSpPr>
+        <p:spPr>
+          <a:xfrm>
+            <a:off x="8849587" y="6017705"/>
+            <a:ext cx="1465401" cy="369332"/>
+          </a:xfrm>
+          <a:prstGeom prst="rect">
+            <a:avLst/>
+          </a:prstGeom>
+          <a:noFill/>
+        </p:spPr>
+        <p:txBody>
+          <a:bodyPr wrap="none" rtlCol="0">
+            <a:spAutoFit/>
+          </a:bodyPr>
+          <a:lstStyle/>
+          <a:p>
+            <a:r>
+              <a:rPr lang="en-GB" dirty="0"/>
+              <a:t>Empty bucket</a:t>
+            </a:r>
+          </a:p>
+        </p:txBody>
+      </p:sp>
+      <p:cxnSp>
+        <p:nvCxnSpPr>
+          <p:cNvPr id="57" name="Straight Arrow Connector 56">
+            <a:extLst>
+              <a:ext uri="{FF2B5EF4-FFF2-40B4-BE49-F238E27FC236}">
+                <a16:creationId xmlns:a16="http://schemas.microsoft.com/office/drawing/2014/main" id="{984F62D1-9DCF-E940-B015-B39FC82B5473}"/>
+              </a:ext>
+            </a:extLst>
+          </p:cNvPr>
+          <p:cNvCxnSpPr>
+            <a:cxnSpLocks/>
+            <a:stCxn id="56" idx="1"/>
+            <a:endCxn id="60" idx="3"/>
+          </p:cNvCxnSpPr>
+          <p:nvPr/>
+        </p:nvCxnSpPr>
+        <p:spPr>
+          <a:xfrm flipH="1">
+            <a:off x="7573617" y="6202371"/>
+            <a:ext cx="1275970" cy="87"/>
+          </a:xfrm>
+          <a:prstGeom prst="straightConnector1">
+            <a:avLst/>
+          </a:prstGeom>
+          <a:ln w="12700">
+            <a:solidFill>
+              <a:schemeClr val="tx1">
+                <a:lumMod val="75000"/>
+                <a:lumOff val="25000"/>
+              </a:schemeClr>
+            </a:solidFill>
+            <a:tailEnd type="triangle"/>
+          </a:ln>
+        </p:spPr>
+        <p:style>
+          <a:lnRef idx="1">
+            <a:schemeClr val="accent1"/>
+          </a:lnRef>
+          <a:fillRef idx="0">
+            <a:schemeClr val="accent1"/>
+          </a:fillRef>
+          <a:effectRef idx="0">
+            <a:schemeClr val="accent1"/>
+          </a:effectRef>
+          <a:fontRef idx="minor">
+            <a:schemeClr val="tx1"/>
+          </a:fontRef>
+        </p:style>
+      </p:cxnSp>
+      <p:sp>
+        <p:nvSpPr>
+          <p:cNvPr id="60" name="Rectangle 59">
+            <a:extLst>
+              <a:ext uri="{FF2B5EF4-FFF2-40B4-BE49-F238E27FC236}">
+                <a16:creationId xmlns:a16="http://schemas.microsoft.com/office/drawing/2014/main" id="{E737903F-98C9-E448-895E-74323C73E57F}"/>
+              </a:ext>
+            </a:extLst>
+          </p:cNvPr>
+          <p:cNvSpPr/>
+          <p:nvPr/>
+        </p:nvSpPr>
+        <p:spPr>
+          <a:xfrm>
+            <a:off x="7278980" y="5761941"/>
+            <a:ext cx="294637" cy="881034"/>
+          </a:xfrm>
+          <a:prstGeom prst="rect">
+            <a:avLst/>
+          </a:prstGeom>
+          <a:noFill/>
+          <a:ln>
+            <a:solidFill>
+              <a:schemeClr val="tx1">
+                <a:lumMod val="75000"/>
+                <a:lumOff val="25000"/>
+              </a:schemeClr>
+            </a:solidFill>
+            <a:prstDash val="sysDash"/>
+          </a:ln>
+        </p:spPr>
+        <p:style>
+          <a:lnRef idx="2">
+            <a:schemeClr val="accent1">
+              <a:shade val="50000"/>
+            </a:schemeClr>
+          </a:lnRef>
+          <a:fillRef idx="1">
+            <a:schemeClr val="accent1"/>
+          </a:fillRef>
+          <a:effectRef idx="0">
+            <a:schemeClr val="accent1"/>
+          </a:effectRef>
+          <a:fontRef idx="minor">
+            <a:schemeClr val="lt1"/>
+          </a:fontRef>
+        </p:style>
+        <p:txBody>
+          <a:bodyPr rtlCol="0" anchor="ctr"/>
+          <a:lstStyle/>
+          <a:p>
+            <a:pPr algn="ctr"/>
+            <a:endParaRPr lang="en-GB"/>
+          </a:p>
+        </p:txBody>
+      </p:sp>
+    </p:spTree>
+    <p:extLst>
+      <p:ext uri="{BB962C8B-B14F-4D97-AF65-F5344CB8AC3E}">
+        <p14:creationId xmlns:p14="http://schemas.microsoft.com/office/powerpoint/2010/main" val="1676294883"/>
+      </p:ext>
+    </p:extLst>
+  </p:cSld>
+  <p:clrMapOvr>
+    <a:masterClrMapping/>
+  </p:clrMapOvr>
+</p:sld>
+</file>
+
+<file path=ppt/slides/slide41.xml><?xml version="1.0" encoding="utf-8"?>
+<p:sld xmlns:a="http://schemas.openxmlformats.org/drawingml/2006/main" xmlns:r="http://schemas.openxmlformats.org/officeDocument/2006/relationships" xmlns:p="http://schemas.openxmlformats.org/presentationml/2006/main">
+  <p:cSld>
+    <p:spTree>
+      <p:nvGrpSpPr>
+        <p:cNvPr id="1" name=""/>
+        <p:cNvGrpSpPr/>
+        <p:nvPr/>
+      </p:nvGrpSpPr>
+      <p:grpSpPr>
+        <a:xfrm>
+          <a:off x="0" y="0"/>
+          <a:ext cx="0" cy="0"/>
+          <a:chOff x="0" y="0"/>
+          <a:chExt cx="0" cy="0"/>
+        </a:xfrm>
+      </p:grpSpPr>
+      <p:sp>
+        <p:nvSpPr>
+          <p:cNvPr id="4" name="Rectangle 3">
+            <a:extLst>
+              <a:ext uri="{FF2B5EF4-FFF2-40B4-BE49-F238E27FC236}">
+                <a16:creationId xmlns:a16="http://schemas.microsoft.com/office/drawing/2014/main" id="{3B94AF55-9A9B-5A45-9B13-39E9E6824ABA}"/>
+              </a:ext>
+            </a:extLst>
+          </p:cNvPr>
+          <p:cNvSpPr/>
+          <p:nvPr/>
+        </p:nvSpPr>
+        <p:spPr>
+          <a:xfrm>
+            <a:off x="4969563" y="701413"/>
+            <a:ext cx="1709531" cy="685800"/>
+          </a:xfrm>
+          <a:prstGeom prst="rect">
+            <a:avLst/>
+          </a:prstGeom>
+          <a:solidFill>
+            <a:schemeClr val="accent6">
+              <a:lumMod val="75000"/>
+            </a:schemeClr>
+          </a:solidFill>
+          <a:ln>
+            <a:solidFill>
+              <a:schemeClr val="tx1">
+                <a:lumMod val="75000"/>
+                <a:lumOff val="25000"/>
+              </a:schemeClr>
+            </a:solidFill>
+          </a:ln>
+        </p:spPr>
+        <p:style>
+          <a:lnRef idx="2">
+            <a:schemeClr val="accent1">
+              <a:shade val="50000"/>
+            </a:schemeClr>
+          </a:lnRef>
+          <a:fillRef idx="1">
+            <a:schemeClr val="accent1"/>
+          </a:fillRef>
+          <a:effectRef idx="0">
+            <a:schemeClr val="accent1"/>
+          </a:effectRef>
+          <a:fontRef idx="minor">
+            <a:schemeClr val="lt1"/>
+          </a:fontRef>
+        </p:style>
+        <p:txBody>
+          <a:bodyPr rtlCol="0" anchor="ctr"/>
+          <a:lstStyle/>
+          <a:p>
+            <a:pPr algn="ctr"/>
+            <a:endParaRPr lang="en-GB"/>
+          </a:p>
+        </p:txBody>
+      </p:sp>
+      <p:sp>
+        <p:nvSpPr>
+          <p:cNvPr id="5" name="Rectangle 4">
+            <a:extLst>
+              <a:ext uri="{FF2B5EF4-FFF2-40B4-BE49-F238E27FC236}">
+                <a16:creationId xmlns:a16="http://schemas.microsoft.com/office/drawing/2014/main" id="{B1A518B8-5C5C-E64C-ACE5-E33348372F0A}"/>
+              </a:ext>
+            </a:extLst>
+          </p:cNvPr>
+          <p:cNvSpPr/>
+          <p:nvPr/>
+        </p:nvSpPr>
+        <p:spPr>
+          <a:xfrm>
+            <a:off x="4969563" y="1438331"/>
+            <a:ext cx="1709531" cy="685800"/>
+          </a:xfrm>
+          <a:prstGeom prst="rect">
+            <a:avLst/>
+          </a:prstGeom>
+          <a:solidFill>
+            <a:schemeClr val="accent5">
+              <a:lumMod val="75000"/>
+            </a:schemeClr>
+          </a:solidFill>
+          <a:ln>
+            <a:solidFill>
+              <a:schemeClr val="tx1">
+                <a:lumMod val="75000"/>
+                <a:lumOff val="25000"/>
+              </a:schemeClr>
+            </a:solidFill>
+          </a:ln>
+        </p:spPr>
+        <p:style>
+          <a:lnRef idx="2">
+            <a:schemeClr val="accent1">
+              <a:shade val="50000"/>
+            </a:schemeClr>
+          </a:lnRef>
+          <a:fillRef idx="1">
+            <a:schemeClr val="accent1"/>
+          </a:fillRef>
+          <a:effectRef idx="0">
+            <a:schemeClr val="accent1"/>
+          </a:effectRef>
+          <a:fontRef idx="minor">
+            <a:schemeClr val="lt1"/>
+          </a:fontRef>
+        </p:style>
+        <p:txBody>
+          <a:bodyPr rtlCol="0" anchor="ctr"/>
+          <a:lstStyle/>
+          <a:p>
+            <a:pPr algn="ctr"/>
+            <a:endParaRPr lang="en-GB"/>
+          </a:p>
+        </p:txBody>
+      </p:sp>
+      <p:sp>
+        <p:nvSpPr>
+          <p:cNvPr id="6" name="Rectangle 5">
+            <a:extLst>
+              <a:ext uri="{FF2B5EF4-FFF2-40B4-BE49-F238E27FC236}">
+                <a16:creationId xmlns:a16="http://schemas.microsoft.com/office/drawing/2014/main" id="{5CCA1AAC-DDD2-B841-84D2-E8C746D34D69}"/>
+              </a:ext>
+            </a:extLst>
+          </p:cNvPr>
+          <p:cNvSpPr/>
+          <p:nvPr/>
+        </p:nvSpPr>
+        <p:spPr>
+          <a:xfrm>
+            <a:off x="4969563" y="2175249"/>
+            <a:ext cx="1709531" cy="685800"/>
+          </a:xfrm>
+          <a:prstGeom prst="rect">
+            <a:avLst/>
+          </a:prstGeom>
+          <a:solidFill>
+            <a:schemeClr val="accent4">
+              <a:lumMod val="75000"/>
+            </a:schemeClr>
+          </a:solidFill>
+          <a:ln>
+            <a:solidFill>
+              <a:schemeClr val="tx1">
+                <a:lumMod val="75000"/>
+                <a:lumOff val="25000"/>
+              </a:schemeClr>
+            </a:solidFill>
+          </a:ln>
+        </p:spPr>
+        <p:style>
+          <a:lnRef idx="2">
+            <a:schemeClr val="accent1">
+              <a:shade val="50000"/>
+            </a:schemeClr>
+          </a:lnRef>
+          <a:fillRef idx="1">
+            <a:schemeClr val="accent1"/>
+          </a:fillRef>
+          <a:effectRef idx="0">
+            <a:schemeClr val="accent1"/>
+          </a:effectRef>
+          <a:fontRef idx="minor">
+            <a:schemeClr val="lt1"/>
+          </a:fontRef>
+        </p:style>
+        <p:txBody>
+          <a:bodyPr rtlCol="0" anchor="ctr"/>
+          <a:lstStyle/>
+          <a:p>
+            <a:pPr algn="ctr"/>
+            <a:endParaRPr lang="en-GB"/>
+          </a:p>
+        </p:txBody>
+      </p:sp>
+      <p:sp>
+        <p:nvSpPr>
+          <p:cNvPr id="7" name="Rectangle 6">
+            <a:extLst>
+              <a:ext uri="{FF2B5EF4-FFF2-40B4-BE49-F238E27FC236}">
+                <a16:creationId xmlns:a16="http://schemas.microsoft.com/office/drawing/2014/main" id="{41FC1AD4-1D9C-3B47-A2C1-48742A5B95A9}"/>
+              </a:ext>
+            </a:extLst>
+          </p:cNvPr>
+          <p:cNvSpPr/>
+          <p:nvPr/>
+        </p:nvSpPr>
+        <p:spPr>
+          <a:xfrm>
+            <a:off x="4969563" y="2912167"/>
+            <a:ext cx="1709531" cy="685800"/>
+          </a:xfrm>
+          <a:prstGeom prst="rect">
+            <a:avLst/>
+          </a:prstGeom>
+          <a:solidFill>
+            <a:schemeClr val="accent3">
+              <a:lumMod val="75000"/>
+            </a:schemeClr>
+          </a:solidFill>
+          <a:ln>
+            <a:solidFill>
+              <a:schemeClr val="tx1">
+                <a:lumMod val="75000"/>
+                <a:lumOff val="25000"/>
+              </a:schemeClr>
+            </a:solidFill>
+          </a:ln>
+        </p:spPr>
+        <p:style>
+          <a:lnRef idx="2">
+            <a:schemeClr val="accent1">
+              <a:shade val="50000"/>
+            </a:schemeClr>
+          </a:lnRef>
+          <a:fillRef idx="1">
+            <a:schemeClr val="accent1"/>
+          </a:fillRef>
+          <a:effectRef idx="0">
+            <a:schemeClr val="accent1"/>
+          </a:effectRef>
+          <a:fontRef idx="minor">
+            <a:schemeClr val="lt1"/>
+          </a:fontRef>
+        </p:style>
+        <p:txBody>
+          <a:bodyPr rtlCol="0" anchor="ctr"/>
+          <a:lstStyle/>
+          <a:p>
+            <a:pPr algn="ctr"/>
+            <a:endParaRPr lang="en-GB"/>
+          </a:p>
+        </p:txBody>
+      </p:sp>
+      <p:sp>
+        <p:nvSpPr>
+          <p:cNvPr id="8" name="Rectangle 7">
+            <a:extLst>
+              <a:ext uri="{FF2B5EF4-FFF2-40B4-BE49-F238E27FC236}">
+                <a16:creationId xmlns:a16="http://schemas.microsoft.com/office/drawing/2014/main" id="{B2657DBE-7773-DE4F-BB73-773C32511744}"/>
+              </a:ext>
+            </a:extLst>
+          </p:cNvPr>
+          <p:cNvSpPr/>
+          <p:nvPr/>
+        </p:nvSpPr>
+        <p:spPr>
+          <a:xfrm>
+            <a:off x="4969563" y="3649085"/>
+            <a:ext cx="1709531" cy="685800"/>
+          </a:xfrm>
+          <a:prstGeom prst="rect">
+            <a:avLst/>
+          </a:prstGeom>
+          <a:solidFill>
+            <a:schemeClr val="accent2">
+              <a:lumMod val="75000"/>
+            </a:schemeClr>
+          </a:solidFill>
+          <a:ln>
+            <a:solidFill>
+              <a:schemeClr val="tx1">
+                <a:lumMod val="75000"/>
+                <a:lumOff val="25000"/>
+              </a:schemeClr>
+            </a:solidFill>
+          </a:ln>
+        </p:spPr>
+        <p:style>
+          <a:lnRef idx="2">
+            <a:schemeClr val="accent1">
+              <a:shade val="50000"/>
+            </a:schemeClr>
+          </a:lnRef>
+          <a:fillRef idx="1">
+            <a:schemeClr val="accent1"/>
+          </a:fillRef>
+          <a:effectRef idx="0">
+            <a:schemeClr val="accent1"/>
+          </a:effectRef>
+          <a:fontRef idx="minor">
+            <a:schemeClr val="lt1"/>
+          </a:fontRef>
+        </p:style>
+        <p:txBody>
+          <a:bodyPr rtlCol="0" anchor="ctr"/>
+          <a:lstStyle/>
+          <a:p>
+            <a:pPr algn="ctr"/>
+            <a:endParaRPr lang="en-GB"/>
+          </a:p>
+        </p:txBody>
+      </p:sp>
+      <p:sp>
+        <p:nvSpPr>
+          <p:cNvPr id="9" name="Rectangle 8">
+            <a:extLst>
+              <a:ext uri="{FF2B5EF4-FFF2-40B4-BE49-F238E27FC236}">
+                <a16:creationId xmlns:a16="http://schemas.microsoft.com/office/drawing/2014/main" id="{F0005842-6145-6144-83E9-FBE5683A7E99}"/>
+              </a:ext>
+            </a:extLst>
+          </p:cNvPr>
+          <p:cNvSpPr/>
+          <p:nvPr/>
+        </p:nvSpPr>
+        <p:spPr>
+          <a:xfrm>
+            <a:off x="4969563" y="4386003"/>
+            <a:ext cx="1709531" cy="685800"/>
+          </a:xfrm>
+          <a:prstGeom prst="rect">
+            <a:avLst/>
+          </a:prstGeom>
+          <a:solidFill>
+            <a:schemeClr val="accent1">
+              <a:lumMod val="75000"/>
+            </a:schemeClr>
+          </a:solidFill>
+          <a:ln>
+            <a:solidFill>
+              <a:schemeClr val="tx1">
+                <a:lumMod val="75000"/>
+                <a:lumOff val="25000"/>
+              </a:schemeClr>
+            </a:solidFill>
+          </a:ln>
+        </p:spPr>
+        <p:style>
+          <a:lnRef idx="2">
+            <a:schemeClr val="accent1">
+              <a:shade val="50000"/>
+            </a:schemeClr>
+          </a:lnRef>
+          <a:fillRef idx="1">
+            <a:schemeClr val="accent1"/>
+          </a:fillRef>
+          <a:effectRef idx="0">
+            <a:schemeClr val="accent1"/>
+          </a:effectRef>
+          <a:fontRef idx="minor">
+            <a:schemeClr val="lt1"/>
+          </a:fontRef>
+        </p:style>
+        <p:txBody>
+          <a:bodyPr rtlCol="0" anchor="ctr"/>
+          <a:lstStyle/>
+          <a:p>
+            <a:pPr algn="ctr"/>
+            <a:endParaRPr lang="en-GB"/>
+          </a:p>
+        </p:txBody>
+      </p:sp>
+      <p:sp>
+        <p:nvSpPr>
+          <p:cNvPr id="10" name="Rectangle 9">
+            <a:extLst>
+              <a:ext uri="{FF2B5EF4-FFF2-40B4-BE49-F238E27FC236}">
+                <a16:creationId xmlns:a16="http://schemas.microsoft.com/office/drawing/2014/main" id="{EABE6F0D-CC24-A14F-A15E-328328163D1A}"/>
+              </a:ext>
+            </a:extLst>
+          </p:cNvPr>
+          <p:cNvSpPr/>
+          <p:nvPr/>
+        </p:nvSpPr>
+        <p:spPr>
+          <a:xfrm>
+            <a:off x="4969563" y="5122921"/>
+            <a:ext cx="1709531" cy="685800"/>
+          </a:xfrm>
+          <a:prstGeom prst="rect">
+            <a:avLst/>
+          </a:prstGeom>
+          <a:solidFill>
+            <a:schemeClr val="tx2">
+              <a:lumMod val="75000"/>
+            </a:schemeClr>
+          </a:solidFill>
+          <a:ln>
+            <a:solidFill>
+              <a:schemeClr val="tx1">
+                <a:lumMod val="75000"/>
+                <a:lumOff val="25000"/>
+              </a:schemeClr>
+            </a:solidFill>
+          </a:ln>
+        </p:spPr>
+        <p:style>
+          <a:lnRef idx="2">
+            <a:schemeClr val="accent1">
+              <a:shade val="50000"/>
+            </a:schemeClr>
+          </a:lnRef>
+          <a:fillRef idx="1">
+            <a:schemeClr val="accent1"/>
+          </a:fillRef>
+          <a:effectRef idx="0">
+            <a:schemeClr val="accent1"/>
+          </a:effectRef>
+          <a:fontRef idx="minor">
+            <a:schemeClr val="lt1"/>
+          </a:fontRef>
+        </p:style>
+        <p:txBody>
+          <a:bodyPr rtlCol="0" anchor="ctr"/>
+          <a:lstStyle/>
+          <a:p>
+            <a:pPr algn="ctr"/>
+            <a:endParaRPr lang="en-GB"/>
+          </a:p>
+        </p:txBody>
+      </p:sp>
+      <p:sp>
+        <p:nvSpPr>
+          <p:cNvPr id="11" name="Rectangle 10">
+            <a:extLst>
+              <a:ext uri="{FF2B5EF4-FFF2-40B4-BE49-F238E27FC236}">
+                <a16:creationId xmlns:a16="http://schemas.microsoft.com/office/drawing/2014/main" id="{8FA5615D-8504-0149-8F6A-269F55CA63B2}"/>
+              </a:ext>
+            </a:extLst>
+          </p:cNvPr>
+          <p:cNvSpPr/>
+          <p:nvPr/>
+        </p:nvSpPr>
+        <p:spPr>
+          <a:xfrm>
+            <a:off x="4969563" y="5859839"/>
+            <a:ext cx="1709531" cy="685800"/>
+          </a:xfrm>
+          <a:prstGeom prst="rect">
+            <a:avLst/>
+          </a:prstGeom>
+          <a:solidFill>
+            <a:schemeClr val="bg2">
+              <a:lumMod val="25000"/>
+            </a:schemeClr>
+          </a:solidFill>
+          <a:ln>
+            <a:solidFill>
+              <a:schemeClr val="tx1">
+                <a:lumMod val="75000"/>
+                <a:lumOff val="25000"/>
+              </a:schemeClr>
+            </a:solidFill>
+          </a:ln>
+        </p:spPr>
+        <p:style>
+          <a:lnRef idx="2">
+            <a:schemeClr val="accent1">
+              <a:shade val="50000"/>
+            </a:schemeClr>
+          </a:lnRef>
+          <a:fillRef idx="1">
+            <a:schemeClr val="accent1"/>
+          </a:fillRef>
+          <a:effectRef idx="0">
+            <a:schemeClr val="accent1"/>
+          </a:effectRef>
+          <a:fontRef idx="minor">
+            <a:schemeClr val="lt1"/>
+          </a:fontRef>
+        </p:style>
+        <p:txBody>
+          <a:bodyPr rtlCol="0" anchor="ctr"/>
+          <a:lstStyle/>
+          <a:p>
+            <a:pPr algn="ctr"/>
+            <a:endParaRPr lang="en-GB"/>
+          </a:p>
+        </p:txBody>
+      </p:sp>
+      <p:sp>
+        <p:nvSpPr>
+          <p:cNvPr id="12" name="Rectangle 11">
+            <a:extLst>
+              <a:ext uri="{FF2B5EF4-FFF2-40B4-BE49-F238E27FC236}">
+                <a16:creationId xmlns:a16="http://schemas.microsoft.com/office/drawing/2014/main" id="{FD6B8999-D77A-9142-906A-5AB920934BFA}"/>
+              </a:ext>
+            </a:extLst>
+          </p:cNvPr>
+          <p:cNvSpPr/>
+          <p:nvPr/>
+        </p:nvSpPr>
+        <p:spPr>
+          <a:xfrm>
+            <a:off x="7378146" y="701413"/>
+            <a:ext cx="801758" cy="685800"/>
+          </a:xfrm>
+          <a:prstGeom prst="rect">
+            <a:avLst/>
+          </a:prstGeom>
+          <a:solidFill>
+            <a:schemeClr val="accent6">
+              <a:lumMod val="60000"/>
+              <a:lumOff val="40000"/>
+            </a:schemeClr>
+          </a:solidFill>
+          <a:ln>
+            <a:solidFill>
+              <a:schemeClr val="tx1">
+                <a:lumMod val="75000"/>
+                <a:lumOff val="25000"/>
+              </a:schemeClr>
+            </a:solidFill>
+          </a:ln>
+        </p:spPr>
+        <p:style>
+          <a:lnRef idx="2">
+            <a:schemeClr val="accent1">
+              <a:shade val="50000"/>
+            </a:schemeClr>
+          </a:lnRef>
+          <a:fillRef idx="1">
+            <a:schemeClr val="accent1"/>
+          </a:fillRef>
+          <a:effectRef idx="0">
+            <a:schemeClr val="accent1"/>
+          </a:effectRef>
+          <a:fontRef idx="minor">
+            <a:schemeClr val="lt1"/>
+          </a:fontRef>
+        </p:style>
+        <p:txBody>
+          <a:bodyPr rtlCol="0" anchor="ctr"/>
+          <a:lstStyle/>
+          <a:p>
+            <a:pPr algn="ctr"/>
+            <a:endParaRPr lang="en-GB"/>
+          </a:p>
+        </p:txBody>
+      </p:sp>
+      <p:sp>
+        <p:nvSpPr>
+          <p:cNvPr id="13" name="Rectangle 12">
+            <a:extLst>
+              <a:ext uri="{FF2B5EF4-FFF2-40B4-BE49-F238E27FC236}">
+                <a16:creationId xmlns:a16="http://schemas.microsoft.com/office/drawing/2014/main" id="{4C498C8C-EEAC-AC4F-A4D7-96DDFDEB9BCB}"/>
+              </a:ext>
+            </a:extLst>
+          </p:cNvPr>
+          <p:cNvSpPr/>
+          <p:nvPr/>
+        </p:nvSpPr>
+        <p:spPr>
+          <a:xfrm>
+            <a:off x="8257206" y="701413"/>
+            <a:ext cx="801758" cy="685800"/>
+          </a:xfrm>
+          <a:prstGeom prst="rect">
+            <a:avLst/>
+          </a:prstGeom>
+          <a:solidFill>
+            <a:schemeClr val="accent6">
+              <a:lumMod val="40000"/>
+              <a:lumOff val="60000"/>
+            </a:schemeClr>
+          </a:solidFill>
+          <a:ln>
+            <a:solidFill>
+              <a:schemeClr val="tx1">
+                <a:lumMod val="75000"/>
+                <a:lumOff val="25000"/>
+              </a:schemeClr>
+            </a:solidFill>
+          </a:ln>
+        </p:spPr>
+        <p:style>
+          <a:lnRef idx="2">
+            <a:schemeClr val="accent1">
+              <a:shade val="50000"/>
+            </a:schemeClr>
+          </a:lnRef>
+          <a:fillRef idx="1">
+            <a:schemeClr val="accent1"/>
+          </a:fillRef>
+          <a:effectRef idx="0">
+            <a:schemeClr val="accent1"/>
+          </a:effectRef>
+          <a:fontRef idx="minor">
+            <a:schemeClr val="lt1"/>
+          </a:fontRef>
+        </p:style>
+        <p:txBody>
+          <a:bodyPr rtlCol="0" anchor="ctr"/>
+          <a:lstStyle/>
+          <a:p>
+            <a:pPr algn="ctr"/>
+            <a:endParaRPr lang="en-GB"/>
+          </a:p>
+        </p:txBody>
+      </p:sp>
+      <p:sp>
+        <p:nvSpPr>
+          <p:cNvPr id="14" name="Rectangle 13">
+            <a:extLst>
+              <a:ext uri="{FF2B5EF4-FFF2-40B4-BE49-F238E27FC236}">
+                <a16:creationId xmlns:a16="http://schemas.microsoft.com/office/drawing/2014/main" id="{A55EFCF7-B6A5-674A-9D0F-F663CD7E2A06}"/>
+              </a:ext>
+            </a:extLst>
+          </p:cNvPr>
+          <p:cNvSpPr/>
+          <p:nvPr/>
+        </p:nvSpPr>
+        <p:spPr>
+          <a:xfrm>
+            <a:off x="9136266" y="701413"/>
+            <a:ext cx="801758" cy="685800"/>
+          </a:xfrm>
+          <a:prstGeom prst="rect">
+            <a:avLst/>
+          </a:prstGeom>
+          <a:solidFill>
+            <a:schemeClr val="accent6">
+              <a:lumMod val="40000"/>
+              <a:lumOff val="60000"/>
+            </a:schemeClr>
+          </a:solidFill>
+          <a:ln>
+            <a:solidFill>
+              <a:schemeClr val="tx1">
+                <a:lumMod val="75000"/>
+                <a:lumOff val="25000"/>
+              </a:schemeClr>
+            </a:solidFill>
+          </a:ln>
+        </p:spPr>
+        <p:style>
+          <a:lnRef idx="2">
+            <a:schemeClr val="accent1">
+              <a:shade val="50000"/>
+            </a:schemeClr>
+          </a:lnRef>
+          <a:fillRef idx="1">
+            <a:schemeClr val="accent1"/>
+          </a:fillRef>
+          <a:effectRef idx="0">
+            <a:schemeClr val="accent1"/>
+          </a:effectRef>
+          <a:fontRef idx="minor">
+            <a:schemeClr val="lt1"/>
+          </a:fontRef>
+        </p:style>
+        <p:txBody>
+          <a:bodyPr rtlCol="0" anchor="ctr"/>
+          <a:lstStyle/>
+          <a:p>
+            <a:pPr algn="ctr"/>
+            <a:endParaRPr lang="en-GB"/>
+          </a:p>
+        </p:txBody>
+      </p:sp>
+      <p:sp>
+        <p:nvSpPr>
+          <p:cNvPr id="15" name="Rectangle 14">
+            <a:extLst>
+              <a:ext uri="{FF2B5EF4-FFF2-40B4-BE49-F238E27FC236}">
+                <a16:creationId xmlns:a16="http://schemas.microsoft.com/office/drawing/2014/main" id="{FD2E4C0E-C29C-A149-98B3-93BB03ED7E6E}"/>
+              </a:ext>
+            </a:extLst>
+          </p:cNvPr>
+          <p:cNvSpPr/>
+          <p:nvPr/>
+        </p:nvSpPr>
+        <p:spPr>
+          <a:xfrm>
+            <a:off x="10015326" y="701413"/>
+            <a:ext cx="801758" cy="685800"/>
+          </a:xfrm>
+          <a:prstGeom prst="rect">
+            <a:avLst/>
+          </a:prstGeom>
+          <a:solidFill>
+            <a:schemeClr val="accent6">
+              <a:lumMod val="20000"/>
+              <a:lumOff val="80000"/>
+            </a:schemeClr>
+          </a:solidFill>
+          <a:ln>
+            <a:solidFill>
+              <a:schemeClr val="tx1">
+                <a:lumMod val="75000"/>
+                <a:lumOff val="25000"/>
+              </a:schemeClr>
+            </a:solidFill>
+          </a:ln>
+        </p:spPr>
+        <p:style>
+          <a:lnRef idx="2">
+            <a:schemeClr val="accent1">
+              <a:shade val="50000"/>
+            </a:schemeClr>
+          </a:lnRef>
+          <a:fillRef idx="1">
+            <a:schemeClr val="accent1"/>
+          </a:fillRef>
+          <a:effectRef idx="0">
+            <a:schemeClr val="accent1"/>
+          </a:effectRef>
+          <a:fontRef idx="minor">
+            <a:schemeClr val="lt1"/>
+          </a:fontRef>
+        </p:style>
+        <p:txBody>
+          <a:bodyPr rtlCol="0" anchor="ctr"/>
+          <a:lstStyle/>
+          <a:p>
+            <a:pPr algn="ctr"/>
+            <a:endParaRPr lang="en-GB"/>
+          </a:p>
+        </p:txBody>
+      </p:sp>
+      <p:sp>
+        <p:nvSpPr>
+          <p:cNvPr id="16" name="Rectangle 15">
+            <a:extLst>
+              <a:ext uri="{FF2B5EF4-FFF2-40B4-BE49-F238E27FC236}">
+                <a16:creationId xmlns:a16="http://schemas.microsoft.com/office/drawing/2014/main" id="{61F8BB6E-734D-1A48-9E59-2EEC7B3FC417}"/>
+              </a:ext>
+            </a:extLst>
+          </p:cNvPr>
+          <p:cNvSpPr/>
+          <p:nvPr/>
+        </p:nvSpPr>
+        <p:spPr>
+          <a:xfrm>
+            <a:off x="7378146" y="2175249"/>
+            <a:ext cx="801758" cy="685800"/>
+          </a:xfrm>
+          <a:prstGeom prst="rect">
+            <a:avLst/>
+          </a:prstGeom>
+          <a:solidFill>
+            <a:schemeClr val="accent4">
+              <a:lumMod val="60000"/>
+              <a:lumOff val="40000"/>
+            </a:schemeClr>
+          </a:solidFill>
+          <a:ln>
+            <a:solidFill>
+              <a:schemeClr val="tx1">
+                <a:lumMod val="75000"/>
+                <a:lumOff val="25000"/>
+              </a:schemeClr>
+            </a:solidFill>
+          </a:ln>
+        </p:spPr>
+        <p:style>
+          <a:lnRef idx="2">
+            <a:schemeClr val="accent1">
+              <a:shade val="50000"/>
+            </a:schemeClr>
+          </a:lnRef>
+          <a:fillRef idx="1">
+            <a:schemeClr val="accent1"/>
+          </a:fillRef>
+          <a:effectRef idx="0">
+            <a:schemeClr val="accent1"/>
+          </a:effectRef>
+          <a:fontRef idx="minor">
+            <a:schemeClr val="lt1"/>
+          </a:fontRef>
+        </p:style>
+        <p:txBody>
+          <a:bodyPr rtlCol="0" anchor="ctr"/>
+          <a:lstStyle/>
+          <a:p>
+            <a:pPr algn="ctr"/>
+            <a:endParaRPr lang="en-GB"/>
+          </a:p>
+        </p:txBody>
+      </p:sp>
+      <p:sp>
+        <p:nvSpPr>
+          <p:cNvPr id="17" name="Rectangle 16">
+            <a:extLst>
+              <a:ext uri="{FF2B5EF4-FFF2-40B4-BE49-F238E27FC236}">
+                <a16:creationId xmlns:a16="http://schemas.microsoft.com/office/drawing/2014/main" id="{ECD7417F-7227-1640-A1EB-7FB77352EDD0}"/>
+              </a:ext>
+            </a:extLst>
+          </p:cNvPr>
+          <p:cNvSpPr/>
+          <p:nvPr/>
+        </p:nvSpPr>
+        <p:spPr>
+          <a:xfrm>
+            <a:off x="8257206" y="2175249"/>
+            <a:ext cx="801758" cy="685800"/>
+          </a:xfrm>
+          <a:prstGeom prst="rect">
+            <a:avLst/>
+          </a:prstGeom>
+          <a:solidFill>
+            <a:schemeClr val="accent4">
+              <a:lumMod val="40000"/>
+              <a:lumOff val="60000"/>
+            </a:schemeClr>
+          </a:solidFill>
+          <a:ln>
+            <a:solidFill>
+              <a:schemeClr val="tx1">
+                <a:lumMod val="75000"/>
+                <a:lumOff val="25000"/>
+              </a:schemeClr>
+            </a:solidFill>
+          </a:ln>
+        </p:spPr>
+        <p:style>
+          <a:lnRef idx="2">
+            <a:schemeClr val="accent1">
+              <a:shade val="50000"/>
+            </a:schemeClr>
+          </a:lnRef>
+          <a:fillRef idx="1">
+            <a:schemeClr val="accent1"/>
+          </a:fillRef>
+          <a:effectRef idx="0">
+            <a:schemeClr val="accent1"/>
+          </a:effectRef>
+          <a:fontRef idx="minor">
+            <a:schemeClr val="lt1"/>
+          </a:fontRef>
+        </p:style>
+        <p:txBody>
+          <a:bodyPr rtlCol="0" anchor="ctr"/>
+          <a:lstStyle/>
+          <a:p>
+            <a:pPr algn="ctr"/>
+            <a:endParaRPr lang="en-GB"/>
+          </a:p>
+        </p:txBody>
+      </p:sp>
+      <p:sp>
+        <p:nvSpPr>
+          <p:cNvPr id="18" name="Rectangle 17">
+            <a:extLst>
+              <a:ext uri="{FF2B5EF4-FFF2-40B4-BE49-F238E27FC236}">
+                <a16:creationId xmlns:a16="http://schemas.microsoft.com/office/drawing/2014/main" id="{80ABE64D-F68D-CC41-A022-91F43A4FE774}"/>
+              </a:ext>
+            </a:extLst>
+          </p:cNvPr>
+          <p:cNvSpPr/>
+          <p:nvPr/>
+        </p:nvSpPr>
+        <p:spPr>
+          <a:xfrm>
+            <a:off x="7378146" y="2912167"/>
+            <a:ext cx="801758" cy="685800"/>
+          </a:xfrm>
+          <a:prstGeom prst="rect">
+            <a:avLst/>
+          </a:prstGeom>
+          <a:solidFill>
+            <a:schemeClr val="accent3">
+              <a:lumMod val="60000"/>
+              <a:lumOff val="40000"/>
+            </a:schemeClr>
+          </a:solidFill>
+          <a:ln>
+            <a:solidFill>
+              <a:schemeClr val="tx1">
+                <a:lumMod val="75000"/>
+                <a:lumOff val="25000"/>
+              </a:schemeClr>
+            </a:solidFill>
+          </a:ln>
+        </p:spPr>
+        <p:style>
+          <a:lnRef idx="2">
+            <a:schemeClr val="accent1">
+              <a:shade val="50000"/>
+            </a:schemeClr>
+          </a:lnRef>
+          <a:fillRef idx="1">
+            <a:schemeClr val="accent1"/>
+          </a:fillRef>
+          <a:effectRef idx="0">
+            <a:schemeClr val="accent1"/>
+          </a:effectRef>
+          <a:fontRef idx="minor">
+            <a:schemeClr val="lt1"/>
+          </a:fontRef>
+        </p:style>
+        <p:txBody>
+          <a:bodyPr rtlCol="0" anchor="ctr"/>
+          <a:lstStyle/>
+          <a:p>
+            <a:pPr algn="ctr"/>
+            <a:endParaRPr lang="en-GB"/>
+          </a:p>
+        </p:txBody>
+      </p:sp>
+      <p:sp>
+        <p:nvSpPr>
+          <p:cNvPr id="19" name="Rectangle 18">
+            <a:extLst>
+              <a:ext uri="{FF2B5EF4-FFF2-40B4-BE49-F238E27FC236}">
+                <a16:creationId xmlns:a16="http://schemas.microsoft.com/office/drawing/2014/main" id="{42C9A58E-7415-EA4E-9A78-1EAC580913B5}"/>
+              </a:ext>
+            </a:extLst>
+          </p:cNvPr>
+          <p:cNvSpPr/>
+          <p:nvPr/>
+        </p:nvSpPr>
+        <p:spPr>
+          <a:xfrm>
+            <a:off x="8257206" y="2912167"/>
+            <a:ext cx="801758" cy="685800"/>
+          </a:xfrm>
+          <a:prstGeom prst="rect">
+            <a:avLst/>
+          </a:prstGeom>
+          <a:solidFill>
+            <a:schemeClr val="accent3">
+              <a:lumMod val="40000"/>
+              <a:lumOff val="60000"/>
+            </a:schemeClr>
+          </a:solidFill>
+          <a:ln>
+            <a:solidFill>
+              <a:schemeClr val="tx1">
+                <a:lumMod val="75000"/>
+                <a:lumOff val="25000"/>
+              </a:schemeClr>
+            </a:solidFill>
+          </a:ln>
+        </p:spPr>
+        <p:style>
+          <a:lnRef idx="2">
+            <a:schemeClr val="accent1">
+              <a:shade val="50000"/>
+            </a:schemeClr>
+          </a:lnRef>
+          <a:fillRef idx="1">
+            <a:schemeClr val="accent1"/>
+          </a:fillRef>
+          <a:effectRef idx="0">
+            <a:schemeClr val="accent1"/>
+          </a:effectRef>
+          <a:fontRef idx="minor">
+            <a:schemeClr val="lt1"/>
+          </a:fontRef>
+        </p:style>
+        <p:txBody>
+          <a:bodyPr rtlCol="0" anchor="ctr"/>
+          <a:lstStyle/>
+          <a:p>
+            <a:pPr algn="ctr"/>
+            <a:endParaRPr lang="en-GB"/>
+          </a:p>
+        </p:txBody>
+      </p:sp>
+      <p:sp>
+        <p:nvSpPr>
+          <p:cNvPr id="20" name="Rectangle 19">
+            <a:extLst>
+              <a:ext uri="{FF2B5EF4-FFF2-40B4-BE49-F238E27FC236}">
+                <a16:creationId xmlns:a16="http://schemas.microsoft.com/office/drawing/2014/main" id="{47D95489-9184-664C-A821-DFEB1AEA38A5}"/>
+              </a:ext>
+            </a:extLst>
+          </p:cNvPr>
+          <p:cNvSpPr/>
+          <p:nvPr/>
+        </p:nvSpPr>
+        <p:spPr>
+          <a:xfrm>
+            <a:off x="9136266" y="2912167"/>
+            <a:ext cx="801758" cy="685800"/>
+          </a:xfrm>
+          <a:prstGeom prst="rect">
+            <a:avLst/>
+          </a:prstGeom>
+          <a:solidFill>
+            <a:schemeClr val="accent3">
+              <a:lumMod val="20000"/>
+              <a:lumOff val="80000"/>
+            </a:schemeClr>
+          </a:solidFill>
+          <a:ln>
+            <a:solidFill>
+              <a:schemeClr val="tx1">
+                <a:lumMod val="75000"/>
+                <a:lumOff val="25000"/>
+              </a:schemeClr>
+            </a:solidFill>
+          </a:ln>
+        </p:spPr>
+        <p:style>
+          <a:lnRef idx="2">
+            <a:schemeClr val="accent1">
+              <a:shade val="50000"/>
+            </a:schemeClr>
+          </a:lnRef>
+          <a:fillRef idx="1">
+            <a:schemeClr val="accent1"/>
+          </a:fillRef>
+          <a:effectRef idx="0">
+            <a:schemeClr val="accent1"/>
+          </a:effectRef>
+          <a:fontRef idx="minor">
+            <a:schemeClr val="lt1"/>
+          </a:fontRef>
+        </p:style>
+        <p:txBody>
+          <a:bodyPr rtlCol="0" anchor="ctr"/>
+          <a:lstStyle/>
+          <a:p>
+            <a:pPr algn="ctr"/>
+            <a:endParaRPr lang="en-GB"/>
+          </a:p>
+        </p:txBody>
+      </p:sp>
+      <p:sp>
+        <p:nvSpPr>
+          <p:cNvPr id="21" name="Rectangle 20">
+            <a:extLst>
+              <a:ext uri="{FF2B5EF4-FFF2-40B4-BE49-F238E27FC236}">
+                <a16:creationId xmlns:a16="http://schemas.microsoft.com/office/drawing/2014/main" id="{D6490C35-827C-1B42-AB8A-5234076EF9A6}"/>
+              </a:ext>
+            </a:extLst>
+          </p:cNvPr>
+          <p:cNvSpPr/>
+          <p:nvPr/>
+        </p:nvSpPr>
+        <p:spPr>
+          <a:xfrm>
+            <a:off x="7378146" y="4386003"/>
+            <a:ext cx="801758" cy="685800"/>
+          </a:xfrm>
+          <a:prstGeom prst="rect">
+            <a:avLst/>
+          </a:prstGeom>
+          <a:solidFill>
+            <a:schemeClr val="accent1">
+              <a:lumMod val="60000"/>
+              <a:lumOff val="40000"/>
+            </a:schemeClr>
+          </a:solidFill>
+          <a:ln>
+            <a:solidFill>
+              <a:schemeClr val="tx1">
+                <a:lumMod val="75000"/>
+                <a:lumOff val="25000"/>
+              </a:schemeClr>
+            </a:solidFill>
+          </a:ln>
+        </p:spPr>
+        <p:style>
+          <a:lnRef idx="2">
+            <a:schemeClr val="accent1">
+              <a:shade val="50000"/>
+            </a:schemeClr>
+          </a:lnRef>
+          <a:fillRef idx="1">
+            <a:schemeClr val="accent1"/>
+          </a:fillRef>
+          <a:effectRef idx="0">
+            <a:schemeClr val="accent1"/>
+          </a:effectRef>
+          <a:fontRef idx="minor">
+            <a:schemeClr val="lt1"/>
+          </a:fontRef>
+        </p:style>
+        <p:txBody>
+          <a:bodyPr rtlCol="0" anchor="ctr"/>
+          <a:lstStyle/>
+          <a:p>
+            <a:pPr algn="ctr"/>
+            <a:endParaRPr lang="en-GB"/>
+          </a:p>
+        </p:txBody>
+      </p:sp>
+      <p:sp>
+        <p:nvSpPr>
+          <p:cNvPr id="22" name="TextBox 21">
+            <a:extLst>
+              <a:ext uri="{FF2B5EF4-FFF2-40B4-BE49-F238E27FC236}">
+                <a16:creationId xmlns:a16="http://schemas.microsoft.com/office/drawing/2014/main" id="{30C38E19-01B6-EC4A-8191-A3A47F8CFE74}"/>
+              </a:ext>
+            </a:extLst>
+          </p:cNvPr>
+          <p:cNvSpPr txBox="1"/>
+          <p:nvPr/>
+        </p:nvSpPr>
+        <p:spPr>
+          <a:xfrm>
+            <a:off x="5415722" y="121856"/>
+            <a:ext cx="817211" cy="369332"/>
+          </a:xfrm>
+          <a:prstGeom prst="rect">
+            <a:avLst/>
+          </a:prstGeom>
+          <a:noFill/>
+        </p:spPr>
+        <p:txBody>
+          <a:bodyPr wrap="none" rtlCol="0">
+            <a:spAutoFit/>
+          </a:bodyPr>
+          <a:lstStyle/>
+          <a:p>
+            <a:r>
+              <a:rPr lang="en-GB" dirty="0"/>
+              <a:t>Bucket</a:t>
+            </a:r>
+          </a:p>
+        </p:txBody>
+      </p:sp>
+      <p:sp>
+        <p:nvSpPr>
+          <p:cNvPr id="23" name="Rectangle 22">
+            <a:extLst>
+              <a:ext uri="{FF2B5EF4-FFF2-40B4-BE49-F238E27FC236}">
+                <a16:creationId xmlns:a16="http://schemas.microsoft.com/office/drawing/2014/main" id="{173AF916-88E9-5143-A553-60B3339C78FC}"/>
+              </a:ext>
+            </a:extLst>
+          </p:cNvPr>
+          <p:cNvSpPr/>
+          <p:nvPr/>
+        </p:nvSpPr>
+        <p:spPr>
+          <a:xfrm>
+            <a:off x="771938" y="3255067"/>
+            <a:ext cx="801758" cy="685800"/>
+          </a:xfrm>
+          <a:prstGeom prst="rect">
+            <a:avLst/>
+          </a:prstGeom>
+          <a:solidFill>
+            <a:schemeClr val="bg2">
+              <a:lumMod val="50000"/>
+            </a:schemeClr>
+          </a:solidFill>
+          <a:ln>
+            <a:solidFill>
+              <a:schemeClr val="tx1">
+                <a:lumMod val="75000"/>
+                <a:lumOff val="25000"/>
+              </a:schemeClr>
+            </a:solidFill>
+          </a:ln>
+        </p:spPr>
+        <p:style>
+          <a:lnRef idx="2">
+            <a:schemeClr val="accent1">
+              <a:shade val="50000"/>
+            </a:schemeClr>
+          </a:lnRef>
+          <a:fillRef idx="1">
+            <a:schemeClr val="accent1"/>
+          </a:fillRef>
+          <a:effectRef idx="0">
+            <a:schemeClr val="accent1"/>
+          </a:effectRef>
+          <a:fontRef idx="minor">
+            <a:schemeClr val="lt1"/>
+          </a:fontRef>
+        </p:style>
+        <p:txBody>
+          <a:bodyPr rtlCol="0" anchor="ctr"/>
+          <a:lstStyle/>
+          <a:p>
+            <a:pPr algn="ctr"/>
+            <a:endParaRPr lang="en-GB"/>
+          </a:p>
+        </p:txBody>
+      </p:sp>
+      <mc:AlternateContent xmlns:mc="http://schemas.openxmlformats.org/markup-compatibility/2006">
+        <mc:Choice xmlns:a14="http://schemas.microsoft.com/office/drawing/2010/main" Requires="a14">
+          <p:sp>
+            <p:nvSpPr>
+              <p:cNvPr id="26" name="TextBox 25">
+                <a:extLst>
+                  <a:ext uri="{FF2B5EF4-FFF2-40B4-BE49-F238E27FC236}">
+                    <a16:creationId xmlns:a16="http://schemas.microsoft.com/office/drawing/2014/main" id="{43BF4C19-F356-9249-8B19-B489A05132B9}"/>
+                  </a:ext>
+                </a:extLst>
+              </p:cNvPr>
+              <p:cNvSpPr txBox="1"/>
+              <p:nvPr/>
+            </p:nvSpPr>
+            <p:spPr>
+              <a:xfrm>
+                <a:off x="2253976" y="3459467"/>
+                <a:ext cx="1216230" cy="276999"/>
+              </a:xfrm>
+              <a:prstGeom prst="rect">
+                <a:avLst/>
+              </a:prstGeom>
+              <a:noFill/>
+            </p:spPr>
+            <p:txBody>
+              <a:bodyPr wrap="none" lIns="0" tIns="0" rIns="0" bIns="0" rtlCol="0">
+                <a:spAutoFit/>
+              </a:bodyPr>
+              <a:lstStyle/>
+              <a:p>
+                <a14:m>
+                  <m:oMathPara xmlns:m="http://schemas.openxmlformats.org/officeDocument/2006/math">
+                    <m:oMathParaPr>
+                      <m:jc m:val="centerGroup"/>
+                    </m:oMathParaPr>
+                    <m:oMath xmlns:m="http://schemas.openxmlformats.org/officeDocument/2006/math">
+                      <m:r>
+                        <a:rPr lang="en-US" b="0" i="1" smtClean="0">
+                          <a:latin typeface="Cambria Math" panose="02040503050406030204" pitchFamily="18" charset="0"/>
+                        </a:rPr>
+                        <m:t>𝑓</m:t>
+                      </m:r>
+                      <m:r>
+                        <a:rPr lang="en-US" b="0" i="1" smtClean="0">
+                          <a:latin typeface="Cambria Math" panose="02040503050406030204" pitchFamily="18" charset="0"/>
+                        </a:rPr>
+                        <m:t>(</m:t>
+                      </m:r>
+                      <m:r>
+                        <a:rPr lang="en-US" b="0" i="1" smtClean="0">
+                          <a:latin typeface="Cambria Math" panose="02040503050406030204" pitchFamily="18" charset="0"/>
+                        </a:rPr>
+                        <m:t>𝑒𝑙𝑒𝑚𝑒𝑛𝑡</m:t>
+                      </m:r>
+                      <m:r>
+                        <a:rPr lang="en-US" b="0" i="1" smtClean="0">
+                          <a:latin typeface="Cambria Math" panose="02040503050406030204" pitchFamily="18" charset="0"/>
+                        </a:rPr>
+                        <m:t>)</m:t>
+                      </m:r>
+                    </m:oMath>
+                  </m:oMathPara>
+                </a14:m>
+                <a:endParaRPr lang="en-GB" dirty="0"/>
+              </a:p>
+            </p:txBody>
+          </p:sp>
+        </mc:Choice>
+        <mc:Fallback>
+          <p:sp>
+            <p:nvSpPr>
+              <p:cNvPr id="26" name="TextBox 25">
+                <a:extLst>
+                  <a:ext uri="{FF2B5EF4-FFF2-40B4-BE49-F238E27FC236}">
+                    <a16:creationId xmlns:a16="http://schemas.microsoft.com/office/drawing/2014/main" id="{43BF4C19-F356-9249-8B19-B489A05132B9}"/>
+                  </a:ext>
+                </a:extLst>
+              </p:cNvPr>
+              <p:cNvSpPr txBox="1">
+                <a:spLocks noRot="1" noChangeAspect="1" noMove="1" noResize="1" noEditPoints="1" noAdjustHandles="1" noChangeArrowheads="1" noChangeShapeType="1" noTextEdit="1"/>
+              </p:cNvSpPr>
+              <p:nvPr/>
+            </p:nvSpPr>
+            <p:spPr>
+              <a:xfrm>
+                <a:off x="2253976" y="3459467"/>
+                <a:ext cx="1216230" cy="276999"/>
+              </a:xfrm>
+              <a:prstGeom prst="rect">
+                <a:avLst/>
+              </a:prstGeom>
+              <a:blipFill>
+                <a:blip r:embed="rId2"/>
+                <a:stretch>
+                  <a:fillRect l="-5155" r="-6186" b="-30435"/>
+                </a:stretch>
+              </a:blipFill>
+            </p:spPr>
+            <p:txBody>
+              <a:bodyPr/>
+              <a:lstStyle/>
+              <a:p>
+                <a:r>
+                  <a:rPr lang="en-GB">
+                    <a:noFill/>
+                  </a:rPr>
+                  <a:t> </a:t>
+                </a:r>
+              </a:p>
+            </p:txBody>
+          </p:sp>
+        </mc:Fallback>
+      </mc:AlternateContent>
+      <p:cxnSp>
+        <p:nvCxnSpPr>
+          <p:cNvPr id="28" name="Straight Arrow Connector 27">
+            <a:extLst>
+              <a:ext uri="{FF2B5EF4-FFF2-40B4-BE49-F238E27FC236}">
+                <a16:creationId xmlns:a16="http://schemas.microsoft.com/office/drawing/2014/main" id="{79FC8105-A4CF-FD4A-9321-45958867C6C4}"/>
+              </a:ext>
+            </a:extLst>
+          </p:cNvPr>
+          <p:cNvCxnSpPr>
+            <a:stCxn id="23" idx="3"/>
+            <a:endCxn id="26" idx="1"/>
+          </p:cNvCxnSpPr>
+          <p:nvPr/>
+        </p:nvCxnSpPr>
+        <p:spPr>
+          <a:xfrm>
+            <a:off x="1573696" y="3597967"/>
+            <a:ext cx="680280" cy="0"/>
+          </a:xfrm>
+          <a:prstGeom prst="straightConnector1">
+            <a:avLst/>
+          </a:prstGeom>
+          <a:ln w="12700">
+            <a:solidFill>
+              <a:schemeClr val="tx1">
+                <a:lumMod val="75000"/>
+                <a:lumOff val="25000"/>
+              </a:schemeClr>
+            </a:solidFill>
+            <a:tailEnd type="triangle"/>
+          </a:ln>
+        </p:spPr>
+        <p:style>
+          <a:lnRef idx="1">
+            <a:schemeClr val="accent1"/>
+          </a:lnRef>
+          <a:fillRef idx="0">
+            <a:schemeClr val="accent1"/>
+          </a:fillRef>
+          <a:effectRef idx="0">
+            <a:schemeClr val="accent1"/>
+          </a:effectRef>
+          <a:fontRef idx="minor">
+            <a:schemeClr val="tx1"/>
+          </a:fontRef>
+        </p:style>
+      </p:cxnSp>
+      <p:cxnSp>
+        <p:nvCxnSpPr>
+          <p:cNvPr id="29" name="Straight Arrow Connector 28">
+            <a:extLst>
+              <a:ext uri="{FF2B5EF4-FFF2-40B4-BE49-F238E27FC236}">
+                <a16:creationId xmlns:a16="http://schemas.microsoft.com/office/drawing/2014/main" id="{AEA644C4-A8B5-454D-BD52-DB43DC2B620F}"/>
+              </a:ext>
+            </a:extLst>
+          </p:cNvPr>
+          <p:cNvCxnSpPr>
+            <a:cxnSpLocks/>
+            <a:stCxn id="4" idx="3"/>
+            <a:endCxn id="12" idx="1"/>
+          </p:cNvCxnSpPr>
+          <p:nvPr/>
+        </p:nvCxnSpPr>
+        <p:spPr>
+          <a:xfrm>
+            <a:off x="6679094" y="1044313"/>
+            <a:ext cx="699052" cy="0"/>
+          </a:xfrm>
+          <a:prstGeom prst="straightConnector1">
+            <a:avLst/>
+          </a:prstGeom>
+          <a:ln w="12700">
+            <a:solidFill>
+              <a:schemeClr val="tx1">
+                <a:lumMod val="75000"/>
+                <a:lumOff val="25000"/>
+              </a:schemeClr>
+            </a:solidFill>
+            <a:tailEnd type="triangle"/>
+          </a:ln>
+        </p:spPr>
+        <p:style>
+          <a:lnRef idx="1">
+            <a:schemeClr val="accent1"/>
+          </a:lnRef>
+          <a:fillRef idx="0">
+            <a:schemeClr val="accent1"/>
+          </a:fillRef>
+          <a:effectRef idx="0">
+            <a:schemeClr val="accent1"/>
+          </a:effectRef>
+          <a:fontRef idx="minor">
+            <a:schemeClr val="tx1"/>
+          </a:fontRef>
+        </p:style>
+      </p:cxnSp>
+      <p:cxnSp>
+        <p:nvCxnSpPr>
+          <p:cNvPr id="32" name="Straight Arrow Connector 31">
+            <a:extLst>
+              <a:ext uri="{FF2B5EF4-FFF2-40B4-BE49-F238E27FC236}">
+                <a16:creationId xmlns:a16="http://schemas.microsoft.com/office/drawing/2014/main" id="{92A58AE9-E73E-DE42-8F0D-378CA7FE23D0}"/>
+              </a:ext>
+            </a:extLst>
+          </p:cNvPr>
+          <p:cNvCxnSpPr>
+            <a:cxnSpLocks/>
+          </p:cNvCxnSpPr>
+          <p:nvPr/>
+        </p:nvCxnSpPr>
+        <p:spPr>
+          <a:xfrm>
+            <a:off x="6679094" y="2542043"/>
+            <a:ext cx="699052" cy="0"/>
+          </a:xfrm>
+          <a:prstGeom prst="straightConnector1">
+            <a:avLst/>
+          </a:prstGeom>
+          <a:ln w="12700">
+            <a:solidFill>
+              <a:schemeClr val="tx1">
+                <a:lumMod val="75000"/>
+                <a:lumOff val="25000"/>
+              </a:schemeClr>
+            </a:solidFill>
+            <a:tailEnd type="triangle"/>
+          </a:ln>
+        </p:spPr>
+        <p:style>
+          <a:lnRef idx="1">
+            <a:schemeClr val="accent1"/>
+          </a:lnRef>
+          <a:fillRef idx="0">
+            <a:schemeClr val="accent1"/>
+          </a:fillRef>
+          <a:effectRef idx="0">
+            <a:schemeClr val="accent1"/>
+          </a:effectRef>
+          <a:fontRef idx="minor">
+            <a:schemeClr val="tx1"/>
+          </a:fontRef>
+        </p:style>
+      </p:cxnSp>
+      <p:cxnSp>
+        <p:nvCxnSpPr>
+          <p:cNvPr id="33" name="Straight Arrow Connector 32">
+            <a:extLst>
+              <a:ext uri="{FF2B5EF4-FFF2-40B4-BE49-F238E27FC236}">
+                <a16:creationId xmlns:a16="http://schemas.microsoft.com/office/drawing/2014/main" id="{9CE49648-689F-534F-BF1A-83728C09B043}"/>
+              </a:ext>
+            </a:extLst>
+          </p:cNvPr>
+          <p:cNvCxnSpPr>
+            <a:cxnSpLocks/>
+          </p:cNvCxnSpPr>
+          <p:nvPr/>
+        </p:nvCxnSpPr>
+        <p:spPr>
+          <a:xfrm>
+            <a:off x="6679094" y="3246065"/>
+            <a:ext cx="699052" cy="0"/>
+          </a:xfrm>
+          <a:prstGeom prst="straightConnector1">
+            <a:avLst/>
+          </a:prstGeom>
+          <a:ln w="12700">
+            <a:solidFill>
+              <a:schemeClr val="tx1">
+                <a:lumMod val="75000"/>
+                <a:lumOff val="25000"/>
+              </a:schemeClr>
+            </a:solidFill>
+            <a:tailEnd type="triangle"/>
+          </a:ln>
+        </p:spPr>
+        <p:style>
+          <a:lnRef idx="1">
+            <a:schemeClr val="accent1"/>
+          </a:lnRef>
+          <a:fillRef idx="0">
+            <a:schemeClr val="accent1"/>
+          </a:fillRef>
+          <a:effectRef idx="0">
+            <a:schemeClr val="accent1"/>
+          </a:effectRef>
+          <a:fontRef idx="minor">
+            <a:schemeClr val="tx1"/>
+          </a:fontRef>
+        </p:style>
+      </p:cxnSp>
+      <p:cxnSp>
+        <p:nvCxnSpPr>
+          <p:cNvPr id="34" name="Straight Arrow Connector 33">
+            <a:extLst>
+              <a:ext uri="{FF2B5EF4-FFF2-40B4-BE49-F238E27FC236}">
+                <a16:creationId xmlns:a16="http://schemas.microsoft.com/office/drawing/2014/main" id="{D827D052-2581-9C49-8950-195F133DCCAB}"/>
+              </a:ext>
+            </a:extLst>
+          </p:cNvPr>
+          <p:cNvCxnSpPr>
+            <a:cxnSpLocks/>
+          </p:cNvCxnSpPr>
+          <p:nvPr/>
+        </p:nvCxnSpPr>
+        <p:spPr>
+          <a:xfrm>
+            <a:off x="6679094" y="4738123"/>
+            <a:ext cx="699052" cy="0"/>
+          </a:xfrm>
+          <a:prstGeom prst="straightConnector1">
+            <a:avLst/>
+          </a:prstGeom>
+          <a:ln w="12700">
+            <a:solidFill>
+              <a:schemeClr val="tx1">
+                <a:lumMod val="75000"/>
+                <a:lumOff val="25000"/>
+              </a:schemeClr>
+            </a:solidFill>
+            <a:tailEnd type="triangle"/>
+          </a:ln>
+        </p:spPr>
+        <p:style>
+          <a:lnRef idx="1">
+            <a:schemeClr val="accent1"/>
+          </a:lnRef>
+          <a:fillRef idx="0">
+            <a:schemeClr val="accent1"/>
+          </a:fillRef>
+          <a:effectRef idx="0">
+            <a:schemeClr val="accent1"/>
+          </a:effectRef>
+          <a:fontRef idx="minor">
+            <a:schemeClr val="tx1"/>
+          </a:fontRef>
+        </p:style>
+      </p:cxnSp>
+      <p:sp>
+        <p:nvSpPr>
+          <p:cNvPr id="35" name="TextBox 34">
+            <a:extLst>
+              <a:ext uri="{FF2B5EF4-FFF2-40B4-BE49-F238E27FC236}">
+                <a16:creationId xmlns:a16="http://schemas.microsoft.com/office/drawing/2014/main" id="{83700A9D-BDE3-9449-9D3D-60F09260A66A}"/>
+              </a:ext>
+            </a:extLst>
+          </p:cNvPr>
+          <p:cNvSpPr txBox="1"/>
+          <p:nvPr/>
+        </p:nvSpPr>
+        <p:spPr>
+          <a:xfrm>
+            <a:off x="8144429" y="121856"/>
+            <a:ext cx="1870897" cy="369332"/>
+          </a:xfrm>
+          <a:prstGeom prst="rect">
+            <a:avLst/>
+          </a:prstGeom>
+          <a:noFill/>
+        </p:spPr>
+        <p:txBody>
+          <a:bodyPr wrap="none" rtlCol="0">
+            <a:spAutoFit/>
+          </a:bodyPr>
+          <a:lstStyle/>
+          <a:p>
+            <a:r>
+              <a:rPr lang="en-GB" dirty="0"/>
+              <a:t>HashSet elements</a:t>
+            </a:r>
+          </a:p>
+        </p:txBody>
+      </p:sp>
+      <p:cxnSp>
+        <p:nvCxnSpPr>
+          <p:cNvPr id="25" name="Elbow Connector 24">
+            <a:extLst>
+              <a:ext uri="{FF2B5EF4-FFF2-40B4-BE49-F238E27FC236}">
+                <a16:creationId xmlns:a16="http://schemas.microsoft.com/office/drawing/2014/main" id="{004511CC-B83B-CC41-AEC0-77BED54CB6AE}"/>
+              </a:ext>
+            </a:extLst>
+          </p:cNvPr>
+          <p:cNvCxnSpPr>
+            <a:stCxn id="26" idx="3"/>
+            <a:endCxn id="11" idx="1"/>
+          </p:cNvCxnSpPr>
+          <p:nvPr/>
+        </p:nvCxnSpPr>
+        <p:spPr>
+          <a:xfrm>
+            <a:off x="3470206" y="3597967"/>
+            <a:ext cx="1499357" cy="2604772"/>
+          </a:xfrm>
+          <a:prstGeom prst="bentConnector3">
+            <a:avLst/>
+          </a:prstGeom>
+          <a:ln w="12700">
+            <a:solidFill>
+              <a:schemeClr val="tx1">
+                <a:lumMod val="75000"/>
+                <a:lumOff val="25000"/>
+              </a:schemeClr>
+            </a:solidFill>
+            <a:prstDash val="sysDash"/>
+            <a:tailEnd type="triangle"/>
+          </a:ln>
+        </p:spPr>
+        <p:style>
+          <a:lnRef idx="1">
+            <a:schemeClr val="accent1"/>
+          </a:lnRef>
+          <a:fillRef idx="0">
+            <a:schemeClr val="accent1"/>
+          </a:fillRef>
+          <a:effectRef idx="0">
+            <a:schemeClr val="accent1"/>
+          </a:effectRef>
+          <a:fontRef idx="minor">
+            <a:schemeClr val="tx1"/>
+          </a:fontRef>
+        </p:style>
+      </p:cxnSp>
+      <p:sp>
+        <p:nvSpPr>
+          <p:cNvPr id="37" name="Rectangle 36">
+            <a:extLst>
+              <a:ext uri="{FF2B5EF4-FFF2-40B4-BE49-F238E27FC236}">
+                <a16:creationId xmlns:a16="http://schemas.microsoft.com/office/drawing/2014/main" id="{EEA48928-8088-6046-9F19-6080A7405BB8}"/>
+              </a:ext>
+            </a:extLst>
+          </p:cNvPr>
+          <p:cNvSpPr/>
+          <p:nvPr/>
+        </p:nvSpPr>
+        <p:spPr>
+          <a:xfrm>
+            <a:off x="7376693" y="5859839"/>
+            <a:ext cx="801758" cy="685800"/>
+          </a:xfrm>
+          <a:prstGeom prst="rect">
+            <a:avLst/>
+          </a:prstGeom>
+          <a:noFill/>
+          <a:ln>
+            <a:solidFill>
+              <a:schemeClr val="tx1">
+                <a:lumMod val="75000"/>
+                <a:lumOff val="25000"/>
+              </a:schemeClr>
+            </a:solidFill>
+            <a:prstDash val="sysDash"/>
+          </a:ln>
+        </p:spPr>
+        <p:style>
+          <a:lnRef idx="2">
+            <a:schemeClr val="accent1">
+              <a:shade val="50000"/>
+            </a:schemeClr>
+          </a:lnRef>
+          <a:fillRef idx="1">
+            <a:schemeClr val="accent1"/>
+          </a:fillRef>
+          <a:effectRef idx="0">
+            <a:schemeClr val="accent1"/>
+          </a:effectRef>
+          <a:fontRef idx="minor">
+            <a:schemeClr val="lt1"/>
+          </a:fontRef>
+        </p:style>
+        <p:txBody>
+          <a:bodyPr rtlCol="0" anchor="ctr"/>
+          <a:lstStyle/>
+          <a:p>
+            <a:pPr algn="ctr"/>
+            <a:endParaRPr lang="en-GB"/>
+          </a:p>
+        </p:txBody>
+      </p:sp>
+      <p:cxnSp>
+        <p:nvCxnSpPr>
+          <p:cNvPr id="38" name="Straight Arrow Connector 37">
+            <a:extLst>
+              <a:ext uri="{FF2B5EF4-FFF2-40B4-BE49-F238E27FC236}">
+                <a16:creationId xmlns:a16="http://schemas.microsoft.com/office/drawing/2014/main" id="{822132D3-9877-2047-9BDE-722B2602453F}"/>
+              </a:ext>
+            </a:extLst>
+          </p:cNvPr>
+          <p:cNvCxnSpPr>
+            <a:cxnSpLocks/>
+          </p:cNvCxnSpPr>
+          <p:nvPr/>
+        </p:nvCxnSpPr>
+        <p:spPr>
+          <a:xfrm>
+            <a:off x="6679094" y="6193271"/>
+            <a:ext cx="699052" cy="0"/>
+          </a:xfrm>
+          <a:prstGeom prst="straightConnector1">
+            <a:avLst/>
+          </a:prstGeom>
+          <a:ln w="12700">
+            <a:solidFill>
+              <a:schemeClr val="tx1">
+                <a:lumMod val="75000"/>
+                <a:lumOff val="25000"/>
+              </a:schemeClr>
+            </a:solidFill>
+            <a:prstDash val="sysDash"/>
+            <a:tailEnd type="triangle"/>
+          </a:ln>
+        </p:spPr>
+        <p:style>
+          <a:lnRef idx="1">
+            <a:schemeClr val="accent1"/>
+          </a:lnRef>
+          <a:fillRef idx="0">
+            <a:schemeClr val="accent1"/>
+          </a:fillRef>
+          <a:effectRef idx="0">
+            <a:schemeClr val="accent1"/>
+          </a:effectRef>
+          <a:fontRef idx="minor">
+            <a:schemeClr val="tx1"/>
+          </a:fontRef>
+        </p:style>
+      </p:cxnSp>
+      <p:sp>
+        <p:nvSpPr>
+          <p:cNvPr id="27" name="TextBox 26">
+            <a:extLst>
+              <a:ext uri="{FF2B5EF4-FFF2-40B4-BE49-F238E27FC236}">
+                <a16:creationId xmlns:a16="http://schemas.microsoft.com/office/drawing/2014/main" id="{30362DE0-0BFC-AB46-A48A-FFFCE8A478A2}"/>
+              </a:ext>
+            </a:extLst>
+          </p:cNvPr>
+          <p:cNvSpPr txBox="1"/>
+          <p:nvPr/>
+        </p:nvSpPr>
+        <p:spPr>
+          <a:xfrm>
+            <a:off x="2120346" y="4507937"/>
+            <a:ext cx="2000669" cy="923330"/>
+          </a:xfrm>
+          <a:prstGeom prst="rect">
+            <a:avLst/>
+          </a:prstGeom>
+          <a:noFill/>
+        </p:spPr>
+        <p:txBody>
+          <a:bodyPr wrap="square" rtlCol="0">
+            <a:spAutoFit/>
+          </a:bodyPr>
+          <a:lstStyle/>
+          <a:p>
+            <a:r>
+              <a:rPr lang="en-GB" dirty="0"/>
+              <a:t>Determine the bucket where this element goes</a:t>
+            </a:r>
+          </a:p>
+        </p:txBody>
+      </p:sp>
+      <p:sp>
+        <p:nvSpPr>
+          <p:cNvPr id="39" name="TextBox 38">
+            <a:extLst>
+              <a:ext uri="{FF2B5EF4-FFF2-40B4-BE49-F238E27FC236}">
+                <a16:creationId xmlns:a16="http://schemas.microsoft.com/office/drawing/2014/main" id="{C6305697-4748-B642-838F-76DFF9AF688C}"/>
+              </a:ext>
+            </a:extLst>
+          </p:cNvPr>
+          <p:cNvSpPr txBox="1"/>
+          <p:nvPr/>
+        </p:nvSpPr>
+        <p:spPr>
+          <a:xfrm>
+            <a:off x="8257206" y="5870105"/>
+            <a:ext cx="2655959" cy="646331"/>
+          </a:xfrm>
+          <a:prstGeom prst="rect">
+            <a:avLst/>
+          </a:prstGeom>
+          <a:noFill/>
+        </p:spPr>
+        <p:txBody>
+          <a:bodyPr wrap="square" rtlCol="0">
+            <a:spAutoFit/>
+          </a:bodyPr>
+          <a:lstStyle/>
+          <a:p>
+            <a:r>
+              <a:rPr lang="en-GB" dirty="0"/>
+              <a:t>Add it to the (</a:t>
+            </a:r>
+            <a:r>
+              <a:rPr lang="en-GB" i="1" dirty="0"/>
+              <a:t>head or tail</a:t>
+            </a:r>
+            <a:r>
+              <a:rPr lang="en-GB" dirty="0"/>
+              <a:t>) of </a:t>
+            </a:r>
+            <a:r>
+              <a:rPr lang="en-GB"/>
+              <a:t>the bucket</a:t>
+            </a:r>
+            <a:endParaRPr lang="en-GB" dirty="0"/>
+          </a:p>
+        </p:txBody>
+      </p:sp>
+    </p:spTree>
+    <p:extLst>
+      <p:ext uri="{BB962C8B-B14F-4D97-AF65-F5344CB8AC3E}">
+        <p14:creationId xmlns:p14="http://schemas.microsoft.com/office/powerpoint/2010/main" val="3311763220"/>
+      </p:ext>
+    </p:extLst>
+  </p:cSld>
+  <p:clrMapOvr>
+    <a:masterClrMapping/>
+  </p:clrMapOvr>
+</p:sld>
+</file>
+
+<file path=ppt/slides/slide42.xml><?xml version="1.0" encoding="utf-8"?>
+<p:sld xmlns:a="http://schemas.openxmlformats.org/drawingml/2006/main" xmlns:r="http://schemas.openxmlformats.org/officeDocument/2006/relationships" xmlns:p="http://schemas.openxmlformats.org/presentationml/2006/main">
+  <p:cSld>
+    <p:spTree>
+      <p:nvGrpSpPr>
+        <p:cNvPr id="1" name=""/>
+        <p:cNvGrpSpPr/>
+        <p:nvPr/>
+      </p:nvGrpSpPr>
+      <p:grpSpPr>
+        <a:xfrm>
+          <a:off x="0" y="0"/>
+          <a:ext cx="0" cy="0"/>
+          <a:chOff x="0" y="0"/>
+          <a:chExt cx="0" cy="0"/>
+        </a:xfrm>
+      </p:grpSpPr>
+      <p:sp>
+        <p:nvSpPr>
           <p:cNvPr id="8" name="Cloud 7">
             <a:extLst>
               <a:ext uri="{FF2B5EF4-FFF2-40B4-BE49-F238E27FC236}">

--- a/assets/images/Images.pptx
+++ b/assets/images/Images.pptx
@@ -5,7 +5,7 @@
     <p:sldMasterId id="2147483648" r:id="rId1"/>
   </p:sldMasterIdLst>
   <p:notesMasterIdLst>
-    <p:notesMasterId r:id="rId44"/>
+    <p:notesMasterId r:id="rId46"/>
   </p:notesMasterIdLst>
   <p:sldIdLst>
     <p:sldId id="257" r:id="rId2"/>
@@ -49,7 +49,9 @@
     <p:sldId id="286" r:id="rId40"/>
     <p:sldId id="296" r:id="rId41"/>
     <p:sldId id="297" r:id="rId42"/>
-    <p:sldId id="256" r:id="rId43"/>
+    <p:sldId id="298" r:id="rId43"/>
+    <p:sldId id="299" r:id="rId44"/>
+    <p:sldId id="256" r:id="rId45"/>
   </p:sldIdLst>
   <p:sldSz cx="12192000" cy="6858000"/>
   <p:notesSz cx="6858000" cy="9144000"/>
@@ -218,6 +220,8 @@
           <p14:sldIdLst>
             <p14:sldId id="296"/>
             <p14:sldId id="297"/>
+            <p14:sldId id="298"/>
+            <p14:sldId id="299"/>
           </p14:sldIdLst>
         </p14:section>
         <p14:section name="Testing" id="{064BBB82-ADB6-E844-9D9E-44CD43DCBE9F}">
@@ -1239,7 +1243,7 @@
           <a:p>
             <a:fld id="{11A96E62-EC5F-C045-9FEB-EDD3A98888BE}" type="slidenum">
               <a:rPr lang="en-GB" smtClean="0"/>
-              <a:t>42</a:t>
+              <a:t>44</a:t>
             </a:fld>
             <a:endParaRPr lang="en-GB"/>
           </a:p>
@@ -31328,13 +31332,8 @@
             </a:r>
             <a:r>
               <a:rPr lang="en-GB" dirty="0"/>
-              <a:t>) of </a:t>
-            </a:r>
-            <a:r>
-              <a:rPr lang="en-GB"/>
-              <a:t>the bucket</a:t>
-            </a:r>
-            <a:endParaRPr lang="en-GB" dirty="0"/>
+              <a:t>) of the bucket</a:t>
+            </a:r>
           </a:p>
         </p:txBody>
       </p:sp>
@@ -31352,6 +31351,2081 @@
 </file>
 
 <file path=ppt/slides/slide42.xml><?xml version="1.0" encoding="utf-8"?>
+<p:sld xmlns:a="http://schemas.openxmlformats.org/drawingml/2006/main" xmlns:r="http://schemas.openxmlformats.org/officeDocument/2006/relationships" xmlns:p="http://schemas.openxmlformats.org/presentationml/2006/main">
+  <p:cSld>
+    <p:spTree>
+      <p:nvGrpSpPr>
+        <p:cNvPr id="1" name=""/>
+        <p:cNvGrpSpPr/>
+        <p:nvPr/>
+      </p:nvGrpSpPr>
+      <p:grpSpPr>
+        <a:xfrm>
+          <a:off x="0" y="0"/>
+          <a:ext cx="0" cy="0"/>
+          <a:chOff x="0" y="0"/>
+          <a:chExt cx="0" cy="0"/>
+        </a:xfrm>
+      </p:grpSpPr>
+      <p:sp>
+        <p:nvSpPr>
+          <p:cNvPr id="4" name="Rectangle 3">
+            <a:extLst>
+              <a:ext uri="{FF2B5EF4-FFF2-40B4-BE49-F238E27FC236}">
+                <a16:creationId xmlns:a16="http://schemas.microsoft.com/office/drawing/2014/main" id="{3B94AF55-9A9B-5A45-9B13-39E9E6824ABA}"/>
+              </a:ext>
+            </a:extLst>
+          </p:cNvPr>
+          <p:cNvSpPr/>
+          <p:nvPr/>
+        </p:nvSpPr>
+        <p:spPr>
+          <a:xfrm>
+            <a:off x="4969563" y="701413"/>
+            <a:ext cx="1709531" cy="685800"/>
+          </a:xfrm>
+          <a:prstGeom prst="rect">
+            <a:avLst/>
+          </a:prstGeom>
+          <a:solidFill>
+            <a:schemeClr val="accent6">
+              <a:lumMod val="75000"/>
+            </a:schemeClr>
+          </a:solidFill>
+          <a:ln>
+            <a:solidFill>
+              <a:schemeClr val="tx1">
+                <a:lumMod val="75000"/>
+                <a:lumOff val="25000"/>
+              </a:schemeClr>
+            </a:solidFill>
+          </a:ln>
+        </p:spPr>
+        <p:style>
+          <a:lnRef idx="2">
+            <a:schemeClr val="accent1">
+              <a:shade val="50000"/>
+            </a:schemeClr>
+          </a:lnRef>
+          <a:fillRef idx="1">
+            <a:schemeClr val="accent1"/>
+          </a:fillRef>
+          <a:effectRef idx="0">
+            <a:schemeClr val="accent1"/>
+          </a:effectRef>
+          <a:fontRef idx="minor">
+            <a:schemeClr val="lt1"/>
+          </a:fontRef>
+        </p:style>
+        <p:txBody>
+          <a:bodyPr rtlCol="0" anchor="ctr"/>
+          <a:lstStyle/>
+          <a:p>
+            <a:pPr algn="ctr"/>
+            <a:endParaRPr lang="en-GB"/>
+          </a:p>
+        </p:txBody>
+      </p:sp>
+      <p:sp>
+        <p:nvSpPr>
+          <p:cNvPr id="5" name="Rectangle 4">
+            <a:extLst>
+              <a:ext uri="{FF2B5EF4-FFF2-40B4-BE49-F238E27FC236}">
+                <a16:creationId xmlns:a16="http://schemas.microsoft.com/office/drawing/2014/main" id="{B1A518B8-5C5C-E64C-ACE5-E33348372F0A}"/>
+              </a:ext>
+            </a:extLst>
+          </p:cNvPr>
+          <p:cNvSpPr/>
+          <p:nvPr/>
+        </p:nvSpPr>
+        <p:spPr>
+          <a:xfrm>
+            <a:off x="4969563" y="1438331"/>
+            <a:ext cx="1709531" cy="685800"/>
+          </a:xfrm>
+          <a:prstGeom prst="rect">
+            <a:avLst/>
+          </a:prstGeom>
+          <a:solidFill>
+            <a:schemeClr val="accent5">
+              <a:lumMod val="75000"/>
+            </a:schemeClr>
+          </a:solidFill>
+          <a:ln>
+            <a:solidFill>
+              <a:schemeClr val="tx1">
+                <a:lumMod val="75000"/>
+                <a:lumOff val="25000"/>
+              </a:schemeClr>
+            </a:solidFill>
+          </a:ln>
+        </p:spPr>
+        <p:style>
+          <a:lnRef idx="2">
+            <a:schemeClr val="accent1">
+              <a:shade val="50000"/>
+            </a:schemeClr>
+          </a:lnRef>
+          <a:fillRef idx="1">
+            <a:schemeClr val="accent1"/>
+          </a:fillRef>
+          <a:effectRef idx="0">
+            <a:schemeClr val="accent1"/>
+          </a:effectRef>
+          <a:fontRef idx="minor">
+            <a:schemeClr val="lt1"/>
+          </a:fontRef>
+        </p:style>
+        <p:txBody>
+          <a:bodyPr rtlCol="0" anchor="ctr"/>
+          <a:lstStyle/>
+          <a:p>
+            <a:pPr algn="ctr"/>
+            <a:endParaRPr lang="en-GB"/>
+          </a:p>
+        </p:txBody>
+      </p:sp>
+      <p:sp>
+        <p:nvSpPr>
+          <p:cNvPr id="6" name="Rectangle 5">
+            <a:extLst>
+              <a:ext uri="{FF2B5EF4-FFF2-40B4-BE49-F238E27FC236}">
+                <a16:creationId xmlns:a16="http://schemas.microsoft.com/office/drawing/2014/main" id="{5CCA1AAC-DDD2-B841-84D2-E8C746D34D69}"/>
+              </a:ext>
+            </a:extLst>
+          </p:cNvPr>
+          <p:cNvSpPr/>
+          <p:nvPr/>
+        </p:nvSpPr>
+        <p:spPr>
+          <a:xfrm>
+            <a:off x="4969563" y="2175249"/>
+            <a:ext cx="1709531" cy="685800"/>
+          </a:xfrm>
+          <a:prstGeom prst="rect">
+            <a:avLst/>
+          </a:prstGeom>
+          <a:solidFill>
+            <a:schemeClr val="accent4">
+              <a:lumMod val="75000"/>
+            </a:schemeClr>
+          </a:solidFill>
+          <a:ln>
+            <a:solidFill>
+              <a:schemeClr val="tx1">
+                <a:lumMod val="75000"/>
+                <a:lumOff val="25000"/>
+              </a:schemeClr>
+            </a:solidFill>
+          </a:ln>
+        </p:spPr>
+        <p:style>
+          <a:lnRef idx="2">
+            <a:schemeClr val="accent1">
+              <a:shade val="50000"/>
+            </a:schemeClr>
+          </a:lnRef>
+          <a:fillRef idx="1">
+            <a:schemeClr val="accent1"/>
+          </a:fillRef>
+          <a:effectRef idx="0">
+            <a:schemeClr val="accent1"/>
+          </a:effectRef>
+          <a:fontRef idx="minor">
+            <a:schemeClr val="lt1"/>
+          </a:fontRef>
+        </p:style>
+        <p:txBody>
+          <a:bodyPr rtlCol="0" anchor="ctr"/>
+          <a:lstStyle/>
+          <a:p>
+            <a:pPr algn="ctr"/>
+            <a:endParaRPr lang="en-GB"/>
+          </a:p>
+        </p:txBody>
+      </p:sp>
+      <p:sp>
+        <p:nvSpPr>
+          <p:cNvPr id="7" name="Rectangle 6">
+            <a:extLst>
+              <a:ext uri="{FF2B5EF4-FFF2-40B4-BE49-F238E27FC236}">
+                <a16:creationId xmlns:a16="http://schemas.microsoft.com/office/drawing/2014/main" id="{41FC1AD4-1D9C-3B47-A2C1-48742A5B95A9}"/>
+              </a:ext>
+            </a:extLst>
+          </p:cNvPr>
+          <p:cNvSpPr/>
+          <p:nvPr/>
+        </p:nvSpPr>
+        <p:spPr>
+          <a:xfrm>
+            <a:off x="4969563" y="2912167"/>
+            <a:ext cx="1709531" cy="685800"/>
+          </a:xfrm>
+          <a:prstGeom prst="rect">
+            <a:avLst/>
+          </a:prstGeom>
+          <a:solidFill>
+            <a:schemeClr val="accent3">
+              <a:lumMod val="75000"/>
+            </a:schemeClr>
+          </a:solidFill>
+          <a:ln>
+            <a:solidFill>
+              <a:schemeClr val="tx1">
+                <a:lumMod val="75000"/>
+                <a:lumOff val="25000"/>
+              </a:schemeClr>
+            </a:solidFill>
+          </a:ln>
+        </p:spPr>
+        <p:style>
+          <a:lnRef idx="2">
+            <a:schemeClr val="accent1">
+              <a:shade val="50000"/>
+            </a:schemeClr>
+          </a:lnRef>
+          <a:fillRef idx="1">
+            <a:schemeClr val="accent1"/>
+          </a:fillRef>
+          <a:effectRef idx="0">
+            <a:schemeClr val="accent1"/>
+          </a:effectRef>
+          <a:fontRef idx="minor">
+            <a:schemeClr val="lt1"/>
+          </a:fontRef>
+        </p:style>
+        <p:txBody>
+          <a:bodyPr rtlCol="0" anchor="ctr"/>
+          <a:lstStyle/>
+          <a:p>
+            <a:pPr algn="ctr"/>
+            <a:endParaRPr lang="en-GB"/>
+          </a:p>
+        </p:txBody>
+      </p:sp>
+      <p:sp>
+        <p:nvSpPr>
+          <p:cNvPr id="8" name="Rectangle 7">
+            <a:extLst>
+              <a:ext uri="{FF2B5EF4-FFF2-40B4-BE49-F238E27FC236}">
+                <a16:creationId xmlns:a16="http://schemas.microsoft.com/office/drawing/2014/main" id="{B2657DBE-7773-DE4F-BB73-773C32511744}"/>
+              </a:ext>
+            </a:extLst>
+          </p:cNvPr>
+          <p:cNvSpPr/>
+          <p:nvPr/>
+        </p:nvSpPr>
+        <p:spPr>
+          <a:xfrm>
+            <a:off x="4969563" y="3649085"/>
+            <a:ext cx="1709531" cy="685800"/>
+          </a:xfrm>
+          <a:prstGeom prst="rect">
+            <a:avLst/>
+          </a:prstGeom>
+          <a:solidFill>
+            <a:schemeClr val="accent2">
+              <a:lumMod val="75000"/>
+            </a:schemeClr>
+          </a:solidFill>
+          <a:ln>
+            <a:solidFill>
+              <a:schemeClr val="tx1">
+                <a:lumMod val="75000"/>
+                <a:lumOff val="25000"/>
+              </a:schemeClr>
+            </a:solidFill>
+          </a:ln>
+        </p:spPr>
+        <p:style>
+          <a:lnRef idx="2">
+            <a:schemeClr val="accent1">
+              <a:shade val="50000"/>
+            </a:schemeClr>
+          </a:lnRef>
+          <a:fillRef idx="1">
+            <a:schemeClr val="accent1"/>
+          </a:fillRef>
+          <a:effectRef idx="0">
+            <a:schemeClr val="accent1"/>
+          </a:effectRef>
+          <a:fontRef idx="minor">
+            <a:schemeClr val="lt1"/>
+          </a:fontRef>
+        </p:style>
+        <p:txBody>
+          <a:bodyPr rtlCol="0" anchor="ctr"/>
+          <a:lstStyle/>
+          <a:p>
+            <a:pPr algn="ctr"/>
+            <a:endParaRPr lang="en-GB"/>
+          </a:p>
+        </p:txBody>
+      </p:sp>
+      <p:sp>
+        <p:nvSpPr>
+          <p:cNvPr id="9" name="Rectangle 8">
+            <a:extLst>
+              <a:ext uri="{FF2B5EF4-FFF2-40B4-BE49-F238E27FC236}">
+                <a16:creationId xmlns:a16="http://schemas.microsoft.com/office/drawing/2014/main" id="{F0005842-6145-6144-83E9-FBE5683A7E99}"/>
+              </a:ext>
+            </a:extLst>
+          </p:cNvPr>
+          <p:cNvSpPr/>
+          <p:nvPr/>
+        </p:nvSpPr>
+        <p:spPr>
+          <a:xfrm>
+            <a:off x="4969563" y="4386003"/>
+            <a:ext cx="1709531" cy="685800"/>
+          </a:xfrm>
+          <a:prstGeom prst="rect">
+            <a:avLst/>
+          </a:prstGeom>
+          <a:solidFill>
+            <a:schemeClr val="accent1">
+              <a:lumMod val="75000"/>
+            </a:schemeClr>
+          </a:solidFill>
+          <a:ln>
+            <a:solidFill>
+              <a:schemeClr val="tx1">
+                <a:lumMod val="75000"/>
+                <a:lumOff val="25000"/>
+              </a:schemeClr>
+            </a:solidFill>
+          </a:ln>
+        </p:spPr>
+        <p:style>
+          <a:lnRef idx="2">
+            <a:schemeClr val="accent1">
+              <a:shade val="50000"/>
+            </a:schemeClr>
+          </a:lnRef>
+          <a:fillRef idx="1">
+            <a:schemeClr val="accent1"/>
+          </a:fillRef>
+          <a:effectRef idx="0">
+            <a:schemeClr val="accent1"/>
+          </a:effectRef>
+          <a:fontRef idx="minor">
+            <a:schemeClr val="lt1"/>
+          </a:fontRef>
+        </p:style>
+        <p:txBody>
+          <a:bodyPr rtlCol="0" anchor="ctr"/>
+          <a:lstStyle/>
+          <a:p>
+            <a:pPr algn="ctr"/>
+            <a:endParaRPr lang="en-GB"/>
+          </a:p>
+        </p:txBody>
+      </p:sp>
+      <p:sp>
+        <p:nvSpPr>
+          <p:cNvPr id="10" name="Rectangle 9">
+            <a:extLst>
+              <a:ext uri="{FF2B5EF4-FFF2-40B4-BE49-F238E27FC236}">
+                <a16:creationId xmlns:a16="http://schemas.microsoft.com/office/drawing/2014/main" id="{EABE6F0D-CC24-A14F-A15E-328328163D1A}"/>
+              </a:ext>
+            </a:extLst>
+          </p:cNvPr>
+          <p:cNvSpPr/>
+          <p:nvPr/>
+        </p:nvSpPr>
+        <p:spPr>
+          <a:xfrm>
+            <a:off x="4969563" y="5122921"/>
+            <a:ext cx="1709531" cy="685800"/>
+          </a:xfrm>
+          <a:prstGeom prst="rect">
+            <a:avLst/>
+          </a:prstGeom>
+          <a:solidFill>
+            <a:schemeClr val="tx2">
+              <a:lumMod val="75000"/>
+            </a:schemeClr>
+          </a:solidFill>
+          <a:ln>
+            <a:solidFill>
+              <a:schemeClr val="tx1">
+                <a:lumMod val="75000"/>
+                <a:lumOff val="25000"/>
+              </a:schemeClr>
+            </a:solidFill>
+          </a:ln>
+        </p:spPr>
+        <p:style>
+          <a:lnRef idx="2">
+            <a:schemeClr val="accent1">
+              <a:shade val="50000"/>
+            </a:schemeClr>
+          </a:lnRef>
+          <a:fillRef idx="1">
+            <a:schemeClr val="accent1"/>
+          </a:fillRef>
+          <a:effectRef idx="0">
+            <a:schemeClr val="accent1"/>
+          </a:effectRef>
+          <a:fontRef idx="minor">
+            <a:schemeClr val="lt1"/>
+          </a:fontRef>
+        </p:style>
+        <p:txBody>
+          <a:bodyPr rtlCol="0" anchor="ctr"/>
+          <a:lstStyle/>
+          <a:p>
+            <a:pPr algn="ctr"/>
+            <a:endParaRPr lang="en-GB"/>
+          </a:p>
+        </p:txBody>
+      </p:sp>
+      <p:sp>
+        <p:nvSpPr>
+          <p:cNvPr id="11" name="Rectangle 10">
+            <a:extLst>
+              <a:ext uri="{FF2B5EF4-FFF2-40B4-BE49-F238E27FC236}">
+                <a16:creationId xmlns:a16="http://schemas.microsoft.com/office/drawing/2014/main" id="{8FA5615D-8504-0149-8F6A-269F55CA63B2}"/>
+              </a:ext>
+            </a:extLst>
+          </p:cNvPr>
+          <p:cNvSpPr/>
+          <p:nvPr/>
+        </p:nvSpPr>
+        <p:spPr>
+          <a:xfrm>
+            <a:off x="4969563" y="5859839"/>
+            <a:ext cx="1709531" cy="685800"/>
+          </a:xfrm>
+          <a:prstGeom prst="rect">
+            <a:avLst/>
+          </a:prstGeom>
+          <a:solidFill>
+            <a:schemeClr val="bg2">
+              <a:lumMod val="25000"/>
+            </a:schemeClr>
+          </a:solidFill>
+          <a:ln>
+            <a:solidFill>
+              <a:schemeClr val="tx1">
+                <a:lumMod val="75000"/>
+                <a:lumOff val="25000"/>
+              </a:schemeClr>
+            </a:solidFill>
+          </a:ln>
+        </p:spPr>
+        <p:style>
+          <a:lnRef idx="2">
+            <a:schemeClr val="accent1">
+              <a:shade val="50000"/>
+            </a:schemeClr>
+          </a:lnRef>
+          <a:fillRef idx="1">
+            <a:schemeClr val="accent1"/>
+          </a:fillRef>
+          <a:effectRef idx="0">
+            <a:schemeClr val="accent1"/>
+          </a:effectRef>
+          <a:fontRef idx="minor">
+            <a:schemeClr val="lt1"/>
+          </a:fontRef>
+        </p:style>
+        <p:txBody>
+          <a:bodyPr rtlCol="0" anchor="ctr"/>
+          <a:lstStyle/>
+          <a:p>
+            <a:pPr algn="ctr"/>
+            <a:endParaRPr lang="en-GB"/>
+          </a:p>
+        </p:txBody>
+      </p:sp>
+      <p:sp>
+        <p:nvSpPr>
+          <p:cNvPr id="12" name="Rectangle 11">
+            <a:extLst>
+              <a:ext uri="{FF2B5EF4-FFF2-40B4-BE49-F238E27FC236}">
+                <a16:creationId xmlns:a16="http://schemas.microsoft.com/office/drawing/2014/main" id="{FD6B8999-D77A-9142-906A-5AB920934BFA}"/>
+              </a:ext>
+            </a:extLst>
+          </p:cNvPr>
+          <p:cNvSpPr/>
+          <p:nvPr/>
+        </p:nvSpPr>
+        <p:spPr>
+          <a:xfrm>
+            <a:off x="7378146" y="701413"/>
+            <a:ext cx="801758" cy="685800"/>
+          </a:xfrm>
+          <a:prstGeom prst="rect">
+            <a:avLst/>
+          </a:prstGeom>
+          <a:solidFill>
+            <a:schemeClr val="accent6">
+              <a:lumMod val="60000"/>
+              <a:lumOff val="40000"/>
+            </a:schemeClr>
+          </a:solidFill>
+          <a:ln>
+            <a:solidFill>
+              <a:schemeClr val="tx1">
+                <a:lumMod val="75000"/>
+                <a:lumOff val="25000"/>
+              </a:schemeClr>
+            </a:solidFill>
+          </a:ln>
+        </p:spPr>
+        <p:style>
+          <a:lnRef idx="2">
+            <a:schemeClr val="accent1">
+              <a:shade val="50000"/>
+            </a:schemeClr>
+          </a:lnRef>
+          <a:fillRef idx="1">
+            <a:schemeClr val="accent1"/>
+          </a:fillRef>
+          <a:effectRef idx="0">
+            <a:schemeClr val="accent1"/>
+          </a:effectRef>
+          <a:fontRef idx="minor">
+            <a:schemeClr val="lt1"/>
+          </a:fontRef>
+        </p:style>
+        <p:txBody>
+          <a:bodyPr rtlCol="0" anchor="ctr"/>
+          <a:lstStyle/>
+          <a:p>
+            <a:pPr algn="ctr"/>
+            <a:endParaRPr lang="en-GB"/>
+          </a:p>
+        </p:txBody>
+      </p:sp>
+      <p:sp>
+        <p:nvSpPr>
+          <p:cNvPr id="13" name="Rectangle 12">
+            <a:extLst>
+              <a:ext uri="{FF2B5EF4-FFF2-40B4-BE49-F238E27FC236}">
+                <a16:creationId xmlns:a16="http://schemas.microsoft.com/office/drawing/2014/main" id="{4C498C8C-EEAC-AC4F-A4D7-96DDFDEB9BCB}"/>
+              </a:ext>
+            </a:extLst>
+          </p:cNvPr>
+          <p:cNvSpPr/>
+          <p:nvPr/>
+        </p:nvSpPr>
+        <p:spPr>
+          <a:xfrm>
+            <a:off x="8257206" y="701413"/>
+            <a:ext cx="801758" cy="685800"/>
+          </a:xfrm>
+          <a:prstGeom prst="rect">
+            <a:avLst/>
+          </a:prstGeom>
+          <a:solidFill>
+            <a:schemeClr val="accent6">
+              <a:lumMod val="40000"/>
+              <a:lumOff val="60000"/>
+            </a:schemeClr>
+          </a:solidFill>
+          <a:ln>
+            <a:solidFill>
+              <a:schemeClr val="tx1">
+                <a:lumMod val="75000"/>
+                <a:lumOff val="25000"/>
+              </a:schemeClr>
+            </a:solidFill>
+          </a:ln>
+        </p:spPr>
+        <p:style>
+          <a:lnRef idx="2">
+            <a:schemeClr val="accent1">
+              <a:shade val="50000"/>
+            </a:schemeClr>
+          </a:lnRef>
+          <a:fillRef idx="1">
+            <a:schemeClr val="accent1"/>
+          </a:fillRef>
+          <a:effectRef idx="0">
+            <a:schemeClr val="accent1"/>
+          </a:effectRef>
+          <a:fontRef idx="minor">
+            <a:schemeClr val="lt1"/>
+          </a:fontRef>
+        </p:style>
+        <p:txBody>
+          <a:bodyPr rtlCol="0" anchor="ctr"/>
+          <a:lstStyle/>
+          <a:p>
+            <a:pPr algn="ctr"/>
+            <a:endParaRPr lang="en-GB"/>
+          </a:p>
+        </p:txBody>
+      </p:sp>
+      <p:sp>
+        <p:nvSpPr>
+          <p:cNvPr id="14" name="Rectangle 13">
+            <a:extLst>
+              <a:ext uri="{FF2B5EF4-FFF2-40B4-BE49-F238E27FC236}">
+                <a16:creationId xmlns:a16="http://schemas.microsoft.com/office/drawing/2014/main" id="{A55EFCF7-B6A5-674A-9D0F-F663CD7E2A06}"/>
+              </a:ext>
+            </a:extLst>
+          </p:cNvPr>
+          <p:cNvSpPr/>
+          <p:nvPr/>
+        </p:nvSpPr>
+        <p:spPr>
+          <a:xfrm>
+            <a:off x="9136266" y="701413"/>
+            <a:ext cx="801758" cy="685800"/>
+          </a:xfrm>
+          <a:prstGeom prst="rect">
+            <a:avLst/>
+          </a:prstGeom>
+          <a:solidFill>
+            <a:schemeClr val="accent6">
+              <a:lumMod val="40000"/>
+              <a:lumOff val="60000"/>
+            </a:schemeClr>
+          </a:solidFill>
+          <a:ln>
+            <a:solidFill>
+              <a:schemeClr val="tx1">
+                <a:lumMod val="75000"/>
+                <a:lumOff val="25000"/>
+              </a:schemeClr>
+            </a:solidFill>
+          </a:ln>
+        </p:spPr>
+        <p:style>
+          <a:lnRef idx="2">
+            <a:schemeClr val="accent1">
+              <a:shade val="50000"/>
+            </a:schemeClr>
+          </a:lnRef>
+          <a:fillRef idx="1">
+            <a:schemeClr val="accent1"/>
+          </a:fillRef>
+          <a:effectRef idx="0">
+            <a:schemeClr val="accent1"/>
+          </a:effectRef>
+          <a:fontRef idx="minor">
+            <a:schemeClr val="lt1"/>
+          </a:fontRef>
+        </p:style>
+        <p:txBody>
+          <a:bodyPr rtlCol="0" anchor="ctr"/>
+          <a:lstStyle/>
+          <a:p>
+            <a:pPr algn="ctr"/>
+            <a:endParaRPr lang="en-GB"/>
+          </a:p>
+        </p:txBody>
+      </p:sp>
+      <p:sp>
+        <p:nvSpPr>
+          <p:cNvPr id="15" name="Rectangle 14">
+            <a:extLst>
+              <a:ext uri="{FF2B5EF4-FFF2-40B4-BE49-F238E27FC236}">
+                <a16:creationId xmlns:a16="http://schemas.microsoft.com/office/drawing/2014/main" id="{FD2E4C0E-C29C-A149-98B3-93BB03ED7E6E}"/>
+              </a:ext>
+            </a:extLst>
+          </p:cNvPr>
+          <p:cNvSpPr/>
+          <p:nvPr/>
+        </p:nvSpPr>
+        <p:spPr>
+          <a:xfrm>
+            <a:off x="10015326" y="701413"/>
+            <a:ext cx="801758" cy="685800"/>
+          </a:xfrm>
+          <a:prstGeom prst="rect">
+            <a:avLst/>
+          </a:prstGeom>
+          <a:solidFill>
+            <a:schemeClr val="accent6">
+              <a:lumMod val="20000"/>
+              <a:lumOff val="80000"/>
+            </a:schemeClr>
+          </a:solidFill>
+          <a:ln>
+            <a:solidFill>
+              <a:schemeClr val="tx1">
+                <a:lumMod val="75000"/>
+                <a:lumOff val="25000"/>
+              </a:schemeClr>
+            </a:solidFill>
+          </a:ln>
+        </p:spPr>
+        <p:style>
+          <a:lnRef idx="2">
+            <a:schemeClr val="accent1">
+              <a:shade val="50000"/>
+            </a:schemeClr>
+          </a:lnRef>
+          <a:fillRef idx="1">
+            <a:schemeClr val="accent1"/>
+          </a:fillRef>
+          <a:effectRef idx="0">
+            <a:schemeClr val="accent1"/>
+          </a:effectRef>
+          <a:fontRef idx="minor">
+            <a:schemeClr val="lt1"/>
+          </a:fontRef>
+        </p:style>
+        <p:txBody>
+          <a:bodyPr rtlCol="0" anchor="ctr"/>
+          <a:lstStyle/>
+          <a:p>
+            <a:pPr algn="ctr"/>
+            <a:endParaRPr lang="en-GB"/>
+          </a:p>
+        </p:txBody>
+      </p:sp>
+      <p:sp>
+        <p:nvSpPr>
+          <p:cNvPr id="16" name="Rectangle 15">
+            <a:extLst>
+              <a:ext uri="{FF2B5EF4-FFF2-40B4-BE49-F238E27FC236}">
+                <a16:creationId xmlns:a16="http://schemas.microsoft.com/office/drawing/2014/main" id="{61F8BB6E-734D-1A48-9E59-2EEC7B3FC417}"/>
+              </a:ext>
+            </a:extLst>
+          </p:cNvPr>
+          <p:cNvSpPr/>
+          <p:nvPr/>
+        </p:nvSpPr>
+        <p:spPr>
+          <a:xfrm>
+            <a:off x="7378146" y="2175249"/>
+            <a:ext cx="801758" cy="685800"/>
+          </a:xfrm>
+          <a:prstGeom prst="rect">
+            <a:avLst/>
+          </a:prstGeom>
+          <a:solidFill>
+            <a:schemeClr val="accent4">
+              <a:lumMod val="60000"/>
+              <a:lumOff val="40000"/>
+            </a:schemeClr>
+          </a:solidFill>
+          <a:ln>
+            <a:solidFill>
+              <a:schemeClr val="tx1">
+                <a:lumMod val="75000"/>
+                <a:lumOff val="25000"/>
+              </a:schemeClr>
+            </a:solidFill>
+          </a:ln>
+        </p:spPr>
+        <p:style>
+          <a:lnRef idx="2">
+            <a:schemeClr val="accent1">
+              <a:shade val="50000"/>
+            </a:schemeClr>
+          </a:lnRef>
+          <a:fillRef idx="1">
+            <a:schemeClr val="accent1"/>
+          </a:fillRef>
+          <a:effectRef idx="0">
+            <a:schemeClr val="accent1"/>
+          </a:effectRef>
+          <a:fontRef idx="minor">
+            <a:schemeClr val="lt1"/>
+          </a:fontRef>
+        </p:style>
+        <p:txBody>
+          <a:bodyPr rtlCol="0" anchor="ctr"/>
+          <a:lstStyle/>
+          <a:p>
+            <a:pPr algn="ctr"/>
+            <a:endParaRPr lang="en-GB"/>
+          </a:p>
+        </p:txBody>
+      </p:sp>
+      <p:sp>
+        <p:nvSpPr>
+          <p:cNvPr id="17" name="Rectangle 16">
+            <a:extLst>
+              <a:ext uri="{FF2B5EF4-FFF2-40B4-BE49-F238E27FC236}">
+                <a16:creationId xmlns:a16="http://schemas.microsoft.com/office/drawing/2014/main" id="{ECD7417F-7227-1640-A1EB-7FB77352EDD0}"/>
+              </a:ext>
+            </a:extLst>
+          </p:cNvPr>
+          <p:cNvSpPr/>
+          <p:nvPr/>
+        </p:nvSpPr>
+        <p:spPr>
+          <a:xfrm>
+            <a:off x="8257206" y="2175249"/>
+            <a:ext cx="801758" cy="685800"/>
+          </a:xfrm>
+          <a:prstGeom prst="rect">
+            <a:avLst/>
+          </a:prstGeom>
+          <a:solidFill>
+            <a:schemeClr val="accent4">
+              <a:lumMod val="40000"/>
+              <a:lumOff val="60000"/>
+            </a:schemeClr>
+          </a:solidFill>
+          <a:ln>
+            <a:solidFill>
+              <a:schemeClr val="tx1">
+                <a:lumMod val="75000"/>
+                <a:lumOff val="25000"/>
+              </a:schemeClr>
+            </a:solidFill>
+          </a:ln>
+        </p:spPr>
+        <p:style>
+          <a:lnRef idx="2">
+            <a:schemeClr val="accent1">
+              <a:shade val="50000"/>
+            </a:schemeClr>
+          </a:lnRef>
+          <a:fillRef idx="1">
+            <a:schemeClr val="accent1"/>
+          </a:fillRef>
+          <a:effectRef idx="0">
+            <a:schemeClr val="accent1"/>
+          </a:effectRef>
+          <a:fontRef idx="minor">
+            <a:schemeClr val="lt1"/>
+          </a:fontRef>
+        </p:style>
+        <p:txBody>
+          <a:bodyPr rtlCol="0" anchor="ctr"/>
+          <a:lstStyle/>
+          <a:p>
+            <a:pPr algn="ctr"/>
+            <a:endParaRPr lang="en-GB"/>
+          </a:p>
+        </p:txBody>
+      </p:sp>
+      <p:sp>
+        <p:nvSpPr>
+          <p:cNvPr id="18" name="Rectangle 17">
+            <a:extLst>
+              <a:ext uri="{FF2B5EF4-FFF2-40B4-BE49-F238E27FC236}">
+                <a16:creationId xmlns:a16="http://schemas.microsoft.com/office/drawing/2014/main" id="{80ABE64D-F68D-CC41-A022-91F43A4FE774}"/>
+              </a:ext>
+            </a:extLst>
+          </p:cNvPr>
+          <p:cNvSpPr/>
+          <p:nvPr/>
+        </p:nvSpPr>
+        <p:spPr>
+          <a:xfrm>
+            <a:off x="7378146" y="2912167"/>
+            <a:ext cx="801758" cy="685800"/>
+          </a:xfrm>
+          <a:prstGeom prst="rect">
+            <a:avLst/>
+          </a:prstGeom>
+          <a:solidFill>
+            <a:schemeClr val="accent3">
+              <a:lumMod val="60000"/>
+              <a:lumOff val="40000"/>
+            </a:schemeClr>
+          </a:solidFill>
+          <a:ln>
+            <a:solidFill>
+              <a:schemeClr val="tx1">
+                <a:lumMod val="75000"/>
+                <a:lumOff val="25000"/>
+              </a:schemeClr>
+            </a:solidFill>
+          </a:ln>
+        </p:spPr>
+        <p:style>
+          <a:lnRef idx="2">
+            <a:schemeClr val="accent1">
+              <a:shade val="50000"/>
+            </a:schemeClr>
+          </a:lnRef>
+          <a:fillRef idx="1">
+            <a:schemeClr val="accent1"/>
+          </a:fillRef>
+          <a:effectRef idx="0">
+            <a:schemeClr val="accent1"/>
+          </a:effectRef>
+          <a:fontRef idx="minor">
+            <a:schemeClr val="lt1"/>
+          </a:fontRef>
+        </p:style>
+        <p:txBody>
+          <a:bodyPr rtlCol="0" anchor="ctr"/>
+          <a:lstStyle/>
+          <a:p>
+            <a:pPr algn="ctr"/>
+            <a:endParaRPr lang="en-GB"/>
+          </a:p>
+        </p:txBody>
+      </p:sp>
+      <p:sp>
+        <p:nvSpPr>
+          <p:cNvPr id="19" name="Rectangle 18">
+            <a:extLst>
+              <a:ext uri="{FF2B5EF4-FFF2-40B4-BE49-F238E27FC236}">
+                <a16:creationId xmlns:a16="http://schemas.microsoft.com/office/drawing/2014/main" id="{42C9A58E-7415-EA4E-9A78-1EAC580913B5}"/>
+              </a:ext>
+            </a:extLst>
+          </p:cNvPr>
+          <p:cNvSpPr/>
+          <p:nvPr/>
+        </p:nvSpPr>
+        <p:spPr>
+          <a:xfrm>
+            <a:off x="8257206" y="2912167"/>
+            <a:ext cx="801758" cy="685800"/>
+          </a:xfrm>
+          <a:prstGeom prst="rect">
+            <a:avLst/>
+          </a:prstGeom>
+          <a:solidFill>
+            <a:schemeClr val="accent3">
+              <a:lumMod val="40000"/>
+              <a:lumOff val="60000"/>
+            </a:schemeClr>
+          </a:solidFill>
+          <a:ln>
+            <a:solidFill>
+              <a:schemeClr val="tx1">
+                <a:lumMod val="75000"/>
+                <a:lumOff val="25000"/>
+              </a:schemeClr>
+            </a:solidFill>
+          </a:ln>
+        </p:spPr>
+        <p:style>
+          <a:lnRef idx="2">
+            <a:schemeClr val="accent1">
+              <a:shade val="50000"/>
+            </a:schemeClr>
+          </a:lnRef>
+          <a:fillRef idx="1">
+            <a:schemeClr val="accent1"/>
+          </a:fillRef>
+          <a:effectRef idx="0">
+            <a:schemeClr val="accent1"/>
+          </a:effectRef>
+          <a:fontRef idx="minor">
+            <a:schemeClr val="lt1"/>
+          </a:fontRef>
+        </p:style>
+        <p:txBody>
+          <a:bodyPr rtlCol="0" anchor="ctr"/>
+          <a:lstStyle/>
+          <a:p>
+            <a:pPr algn="ctr"/>
+            <a:endParaRPr lang="en-GB"/>
+          </a:p>
+        </p:txBody>
+      </p:sp>
+      <p:sp>
+        <p:nvSpPr>
+          <p:cNvPr id="20" name="Rectangle 19">
+            <a:extLst>
+              <a:ext uri="{FF2B5EF4-FFF2-40B4-BE49-F238E27FC236}">
+                <a16:creationId xmlns:a16="http://schemas.microsoft.com/office/drawing/2014/main" id="{47D95489-9184-664C-A821-DFEB1AEA38A5}"/>
+              </a:ext>
+            </a:extLst>
+          </p:cNvPr>
+          <p:cNvSpPr/>
+          <p:nvPr/>
+        </p:nvSpPr>
+        <p:spPr>
+          <a:xfrm>
+            <a:off x="9136266" y="2912167"/>
+            <a:ext cx="801758" cy="685800"/>
+          </a:xfrm>
+          <a:prstGeom prst="rect">
+            <a:avLst/>
+          </a:prstGeom>
+          <a:solidFill>
+            <a:schemeClr val="accent3">
+              <a:lumMod val="20000"/>
+              <a:lumOff val="80000"/>
+            </a:schemeClr>
+          </a:solidFill>
+          <a:ln>
+            <a:solidFill>
+              <a:schemeClr val="tx1">
+                <a:lumMod val="75000"/>
+                <a:lumOff val="25000"/>
+              </a:schemeClr>
+            </a:solidFill>
+          </a:ln>
+        </p:spPr>
+        <p:style>
+          <a:lnRef idx="2">
+            <a:schemeClr val="accent1">
+              <a:shade val="50000"/>
+            </a:schemeClr>
+          </a:lnRef>
+          <a:fillRef idx="1">
+            <a:schemeClr val="accent1"/>
+          </a:fillRef>
+          <a:effectRef idx="0">
+            <a:schemeClr val="accent1"/>
+          </a:effectRef>
+          <a:fontRef idx="minor">
+            <a:schemeClr val="lt1"/>
+          </a:fontRef>
+        </p:style>
+        <p:txBody>
+          <a:bodyPr rtlCol="0" anchor="ctr"/>
+          <a:lstStyle/>
+          <a:p>
+            <a:pPr algn="ctr"/>
+            <a:endParaRPr lang="en-GB"/>
+          </a:p>
+        </p:txBody>
+      </p:sp>
+      <p:sp>
+        <p:nvSpPr>
+          <p:cNvPr id="21" name="Rectangle 20">
+            <a:extLst>
+              <a:ext uri="{FF2B5EF4-FFF2-40B4-BE49-F238E27FC236}">
+                <a16:creationId xmlns:a16="http://schemas.microsoft.com/office/drawing/2014/main" id="{D6490C35-827C-1B42-AB8A-5234076EF9A6}"/>
+              </a:ext>
+            </a:extLst>
+          </p:cNvPr>
+          <p:cNvSpPr/>
+          <p:nvPr/>
+        </p:nvSpPr>
+        <p:spPr>
+          <a:xfrm>
+            <a:off x="7378146" y="4386003"/>
+            <a:ext cx="801758" cy="685800"/>
+          </a:xfrm>
+          <a:prstGeom prst="rect">
+            <a:avLst/>
+          </a:prstGeom>
+          <a:solidFill>
+            <a:schemeClr val="accent1">
+              <a:lumMod val="60000"/>
+              <a:lumOff val="40000"/>
+            </a:schemeClr>
+          </a:solidFill>
+          <a:ln>
+            <a:solidFill>
+              <a:schemeClr val="tx1">
+                <a:lumMod val="75000"/>
+                <a:lumOff val="25000"/>
+              </a:schemeClr>
+            </a:solidFill>
+          </a:ln>
+        </p:spPr>
+        <p:style>
+          <a:lnRef idx="2">
+            <a:schemeClr val="accent1">
+              <a:shade val="50000"/>
+            </a:schemeClr>
+          </a:lnRef>
+          <a:fillRef idx="1">
+            <a:schemeClr val="accent1"/>
+          </a:fillRef>
+          <a:effectRef idx="0">
+            <a:schemeClr val="accent1"/>
+          </a:effectRef>
+          <a:fontRef idx="minor">
+            <a:schemeClr val="lt1"/>
+          </a:fontRef>
+        </p:style>
+        <p:txBody>
+          <a:bodyPr rtlCol="0" anchor="ctr"/>
+          <a:lstStyle/>
+          <a:p>
+            <a:pPr algn="ctr"/>
+            <a:endParaRPr lang="en-GB"/>
+          </a:p>
+        </p:txBody>
+      </p:sp>
+      <p:sp>
+        <p:nvSpPr>
+          <p:cNvPr id="22" name="TextBox 21">
+            <a:extLst>
+              <a:ext uri="{FF2B5EF4-FFF2-40B4-BE49-F238E27FC236}">
+                <a16:creationId xmlns:a16="http://schemas.microsoft.com/office/drawing/2014/main" id="{30C38E19-01B6-EC4A-8191-A3A47F8CFE74}"/>
+              </a:ext>
+            </a:extLst>
+          </p:cNvPr>
+          <p:cNvSpPr txBox="1"/>
+          <p:nvPr/>
+        </p:nvSpPr>
+        <p:spPr>
+          <a:xfrm>
+            <a:off x="5415722" y="121856"/>
+            <a:ext cx="817211" cy="369332"/>
+          </a:xfrm>
+          <a:prstGeom prst="rect">
+            <a:avLst/>
+          </a:prstGeom>
+          <a:noFill/>
+        </p:spPr>
+        <p:txBody>
+          <a:bodyPr wrap="none" rtlCol="0">
+            <a:spAutoFit/>
+          </a:bodyPr>
+          <a:lstStyle/>
+          <a:p>
+            <a:r>
+              <a:rPr lang="en-GB" dirty="0"/>
+              <a:t>Bucket</a:t>
+            </a:r>
+          </a:p>
+        </p:txBody>
+      </p:sp>
+      <p:sp>
+        <p:nvSpPr>
+          <p:cNvPr id="23" name="Rectangle 22">
+            <a:extLst>
+              <a:ext uri="{FF2B5EF4-FFF2-40B4-BE49-F238E27FC236}">
+                <a16:creationId xmlns:a16="http://schemas.microsoft.com/office/drawing/2014/main" id="{173AF916-88E9-5143-A553-60B3339C78FC}"/>
+              </a:ext>
+            </a:extLst>
+          </p:cNvPr>
+          <p:cNvSpPr/>
+          <p:nvPr/>
+        </p:nvSpPr>
+        <p:spPr>
+          <a:xfrm>
+            <a:off x="771938" y="3255067"/>
+            <a:ext cx="801758" cy="685800"/>
+          </a:xfrm>
+          <a:prstGeom prst="rect">
+            <a:avLst/>
+          </a:prstGeom>
+          <a:solidFill>
+            <a:schemeClr val="accent4">
+              <a:lumMod val="40000"/>
+              <a:lumOff val="60000"/>
+            </a:schemeClr>
+          </a:solidFill>
+          <a:ln>
+            <a:solidFill>
+              <a:schemeClr val="tx1">
+                <a:lumMod val="75000"/>
+                <a:lumOff val="25000"/>
+              </a:schemeClr>
+            </a:solidFill>
+          </a:ln>
+        </p:spPr>
+        <p:style>
+          <a:lnRef idx="2">
+            <a:schemeClr val="accent1">
+              <a:shade val="50000"/>
+            </a:schemeClr>
+          </a:lnRef>
+          <a:fillRef idx="1">
+            <a:schemeClr val="accent1"/>
+          </a:fillRef>
+          <a:effectRef idx="0">
+            <a:schemeClr val="accent1"/>
+          </a:effectRef>
+          <a:fontRef idx="minor">
+            <a:schemeClr val="lt1"/>
+          </a:fontRef>
+        </p:style>
+        <p:txBody>
+          <a:bodyPr rtlCol="0" anchor="ctr"/>
+          <a:lstStyle/>
+          <a:p>
+            <a:pPr algn="ctr"/>
+            <a:endParaRPr lang="en-GB"/>
+          </a:p>
+        </p:txBody>
+      </p:sp>
+      <mc:AlternateContent xmlns:mc="http://schemas.openxmlformats.org/markup-compatibility/2006">
+        <mc:Choice xmlns:a14="http://schemas.microsoft.com/office/drawing/2010/main" Requires="a14">
+          <p:sp>
+            <p:nvSpPr>
+              <p:cNvPr id="26" name="TextBox 25">
+                <a:extLst>
+                  <a:ext uri="{FF2B5EF4-FFF2-40B4-BE49-F238E27FC236}">
+                    <a16:creationId xmlns:a16="http://schemas.microsoft.com/office/drawing/2014/main" id="{43BF4C19-F356-9249-8B19-B489A05132B9}"/>
+                  </a:ext>
+                </a:extLst>
+              </p:cNvPr>
+              <p:cNvSpPr txBox="1"/>
+              <p:nvPr/>
+            </p:nvSpPr>
+            <p:spPr>
+              <a:xfrm>
+                <a:off x="2253976" y="3459467"/>
+                <a:ext cx="1216230" cy="276999"/>
+              </a:xfrm>
+              <a:prstGeom prst="rect">
+                <a:avLst/>
+              </a:prstGeom>
+              <a:noFill/>
+            </p:spPr>
+            <p:txBody>
+              <a:bodyPr wrap="none" lIns="0" tIns="0" rIns="0" bIns="0" rtlCol="0">
+                <a:spAutoFit/>
+              </a:bodyPr>
+              <a:lstStyle/>
+              <a:p>
+                <a14:m>
+                  <m:oMathPara xmlns:m="http://schemas.openxmlformats.org/officeDocument/2006/math">
+                    <m:oMathParaPr>
+                      <m:jc m:val="centerGroup"/>
+                    </m:oMathParaPr>
+                    <m:oMath xmlns:m="http://schemas.openxmlformats.org/officeDocument/2006/math">
+                      <m:r>
+                        <a:rPr lang="en-US" b="0" i="1" smtClean="0">
+                          <a:latin typeface="Cambria Math" panose="02040503050406030204" pitchFamily="18" charset="0"/>
+                        </a:rPr>
+                        <m:t>𝑓</m:t>
+                      </m:r>
+                      <m:r>
+                        <a:rPr lang="en-US" b="0" i="1" smtClean="0">
+                          <a:latin typeface="Cambria Math" panose="02040503050406030204" pitchFamily="18" charset="0"/>
+                        </a:rPr>
+                        <m:t>(</m:t>
+                      </m:r>
+                      <m:r>
+                        <a:rPr lang="en-US" b="0" i="1" smtClean="0">
+                          <a:latin typeface="Cambria Math" panose="02040503050406030204" pitchFamily="18" charset="0"/>
+                        </a:rPr>
+                        <m:t>𝑒𝑙𝑒𝑚𝑒𝑛𝑡</m:t>
+                      </m:r>
+                      <m:r>
+                        <a:rPr lang="en-US" b="0" i="1" smtClean="0">
+                          <a:latin typeface="Cambria Math" panose="02040503050406030204" pitchFamily="18" charset="0"/>
+                        </a:rPr>
+                        <m:t>)</m:t>
+                      </m:r>
+                    </m:oMath>
+                  </m:oMathPara>
+                </a14:m>
+                <a:endParaRPr lang="en-GB" dirty="0"/>
+              </a:p>
+            </p:txBody>
+          </p:sp>
+        </mc:Choice>
+        <mc:Fallback>
+          <p:sp>
+            <p:nvSpPr>
+              <p:cNvPr id="26" name="TextBox 25">
+                <a:extLst>
+                  <a:ext uri="{FF2B5EF4-FFF2-40B4-BE49-F238E27FC236}">
+                    <a16:creationId xmlns:a16="http://schemas.microsoft.com/office/drawing/2014/main" id="{43BF4C19-F356-9249-8B19-B489A05132B9}"/>
+                  </a:ext>
+                </a:extLst>
+              </p:cNvPr>
+              <p:cNvSpPr txBox="1">
+                <a:spLocks noRot="1" noChangeAspect="1" noMove="1" noResize="1" noEditPoints="1" noAdjustHandles="1" noChangeArrowheads="1" noChangeShapeType="1" noTextEdit="1"/>
+              </p:cNvSpPr>
+              <p:nvPr/>
+            </p:nvSpPr>
+            <p:spPr>
+              <a:xfrm>
+                <a:off x="2253976" y="3459467"/>
+                <a:ext cx="1216230" cy="276999"/>
+              </a:xfrm>
+              <a:prstGeom prst="rect">
+                <a:avLst/>
+              </a:prstGeom>
+              <a:blipFill>
+                <a:blip r:embed="rId2"/>
+                <a:stretch>
+                  <a:fillRect l="-5155" r="-6186" b="-30435"/>
+                </a:stretch>
+              </a:blipFill>
+            </p:spPr>
+            <p:txBody>
+              <a:bodyPr/>
+              <a:lstStyle/>
+              <a:p>
+                <a:r>
+                  <a:rPr lang="en-GB">
+                    <a:noFill/>
+                  </a:rPr>
+                  <a:t> </a:t>
+                </a:r>
+              </a:p>
+            </p:txBody>
+          </p:sp>
+        </mc:Fallback>
+      </mc:AlternateContent>
+      <p:cxnSp>
+        <p:nvCxnSpPr>
+          <p:cNvPr id="28" name="Straight Arrow Connector 27">
+            <a:extLst>
+              <a:ext uri="{FF2B5EF4-FFF2-40B4-BE49-F238E27FC236}">
+                <a16:creationId xmlns:a16="http://schemas.microsoft.com/office/drawing/2014/main" id="{79FC8105-A4CF-FD4A-9321-45958867C6C4}"/>
+              </a:ext>
+            </a:extLst>
+          </p:cNvPr>
+          <p:cNvCxnSpPr>
+            <a:stCxn id="23" idx="3"/>
+            <a:endCxn id="26" idx="1"/>
+          </p:cNvCxnSpPr>
+          <p:nvPr/>
+        </p:nvCxnSpPr>
+        <p:spPr>
+          <a:xfrm>
+            <a:off x="1573696" y="3597967"/>
+            <a:ext cx="680280" cy="0"/>
+          </a:xfrm>
+          <a:prstGeom prst="straightConnector1">
+            <a:avLst/>
+          </a:prstGeom>
+          <a:ln w="12700">
+            <a:solidFill>
+              <a:schemeClr val="tx1">
+                <a:lumMod val="75000"/>
+                <a:lumOff val="25000"/>
+              </a:schemeClr>
+            </a:solidFill>
+            <a:tailEnd type="triangle"/>
+          </a:ln>
+        </p:spPr>
+        <p:style>
+          <a:lnRef idx="1">
+            <a:schemeClr val="accent1"/>
+          </a:lnRef>
+          <a:fillRef idx="0">
+            <a:schemeClr val="accent1"/>
+          </a:fillRef>
+          <a:effectRef idx="0">
+            <a:schemeClr val="accent1"/>
+          </a:effectRef>
+          <a:fontRef idx="minor">
+            <a:schemeClr val="tx1"/>
+          </a:fontRef>
+        </p:style>
+      </p:cxnSp>
+      <p:cxnSp>
+        <p:nvCxnSpPr>
+          <p:cNvPr id="29" name="Straight Arrow Connector 28">
+            <a:extLst>
+              <a:ext uri="{FF2B5EF4-FFF2-40B4-BE49-F238E27FC236}">
+                <a16:creationId xmlns:a16="http://schemas.microsoft.com/office/drawing/2014/main" id="{AEA644C4-A8B5-454D-BD52-DB43DC2B620F}"/>
+              </a:ext>
+            </a:extLst>
+          </p:cNvPr>
+          <p:cNvCxnSpPr>
+            <a:cxnSpLocks/>
+            <a:stCxn id="4" idx="3"/>
+            <a:endCxn id="12" idx="1"/>
+          </p:cNvCxnSpPr>
+          <p:nvPr/>
+        </p:nvCxnSpPr>
+        <p:spPr>
+          <a:xfrm>
+            <a:off x="6679094" y="1044313"/>
+            <a:ext cx="699052" cy="0"/>
+          </a:xfrm>
+          <a:prstGeom prst="straightConnector1">
+            <a:avLst/>
+          </a:prstGeom>
+          <a:ln w="12700">
+            <a:solidFill>
+              <a:schemeClr val="tx1">
+                <a:lumMod val="75000"/>
+                <a:lumOff val="25000"/>
+              </a:schemeClr>
+            </a:solidFill>
+            <a:tailEnd type="triangle"/>
+          </a:ln>
+        </p:spPr>
+        <p:style>
+          <a:lnRef idx="1">
+            <a:schemeClr val="accent1"/>
+          </a:lnRef>
+          <a:fillRef idx="0">
+            <a:schemeClr val="accent1"/>
+          </a:fillRef>
+          <a:effectRef idx="0">
+            <a:schemeClr val="accent1"/>
+          </a:effectRef>
+          <a:fontRef idx="minor">
+            <a:schemeClr val="tx1"/>
+          </a:fontRef>
+        </p:style>
+      </p:cxnSp>
+      <p:cxnSp>
+        <p:nvCxnSpPr>
+          <p:cNvPr id="32" name="Straight Arrow Connector 31">
+            <a:extLst>
+              <a:ext uri="{FF2B5EF4-FFF2-40B4-BE49-F238E27FC236}">
+                <a16:creationId xmlns:a16="http://schemas.microsoft.com/office/drawing/2014/main" id="{92A58AE9-E73E-DE42-8F0D-378CA7FE23D0}"/>
+              </a:ext>
+            </a:extLst>
+          </p:cNvPr>
+          <p:cNvCxnSpPr>
+            <a:cxnSpLocks/>
+          </p:cNvCxnSpPr>
+          <p:nvPr/>
+        </p:nvCxnSpPr>
+        <p:spPr>
+          <a:xfrm>
+            <a:off x="6679094" y="2542043"/>
+            <a:ext cx="699052" cy="0"/>
+          </a:xfrm>
+          <a:prstGeom prst="straightConnector1">
+            <a:avLst/>
+          </a:prstGeom>
+          <a:ln w="12700">
+            <a:solidFill>
+              <a:schemeClr val="tx1">
+                <a:lumMod val="75000"/>
+                <a:lumOff val="25000"/>
+              </a:schemeClr>
+            </a:solidFill>
+            <a:tailEnd type="triangle"/>
+          </a:ln>
+        </p:spPr>
+        <p:style>
+          <a:lnRef idx="1">
+            <a:schemeClr val="accent1"/>
+          </a:lnRef>
+          <a:fillRef idx="0">
+            <a:schemeClr val="accent1"/>
+          </a:fillRef>
+          <a:effectRef idx="0">
+            <a:schemeClr val="accent1"/>
+          </a:effectRef>
+          <a:fontRef idx="minor">
+            <a:schemeClr val="tx1"/>
+          </a:fontRef>
+        </p:style>
+      </p:cxnSp>
+      <p:cxnSp>
+        <p:nvCxnSpPr>
+          <p:cNvPr id="33" name="Straight Arrow Connector 32">
+            <a:extLst>
+              <a:ext uri="{FF2B5EF4-FFF2-40B4-BE49-F238E27FC236}">
+                <a16:creationId xmlns:a16="http://schemas.microsoft.com/office/drawing/2014/main" id="{9CE49648-689F-534F-BF1A-83728C09B043}"/>
+              </a:ext>
+            </a:extLst>
+          </p:cNvPr>
+          <p:cNvCxnSpPr>
+            <a:cxnSpLocks/>
+          </p:cNvCxnSpPr>
+          <p:nvPr/>
+        </p:nvCxnSpPr>
+        <p:spPr>
+          <a:xfrm>
+            <a:off x="6679094" y="3246065"/>
+            <a:ext cx="699052" cy="0"/>
+          </a:xfrm>
+          <a:prstGeom prst="straightConnector1">
+            <a:avLst/>
+          </a:prstGeom>
+          <a:ln w="12700">
+            <a:solidFill>
+              <a:schemeClr val="tx1">
+                <a:lumMod val="75000"/>
+                <a:lumOff val="25000"/>
+              </a:schemeClr>
+            </a:solidFill>
+            <a:tailEnd type="triangle"/>
+          </a:ln>
+        </p:spPr>
+        <p:style>
+          <a:lnRef idx="1">
+            <a:schemeClr val="accent1"/>
+          </a:lnRef>
+          <a:fillRef idx="0">
+            <a:schemeClr val="accent1"/>
+          </a:fillRef>
+          <a:effectRef idx="0">
+            <a:schemeClr val="accent1"/>
+          </a:effectRef>
+          <a:fontRef idx="minor">
+            <a:schemeClr val="tx1"/>
+          </a:fontRef>
+        </p:style>
+      </p:cxnSp>
+      <p:cxnSp>
+        <p:nvCxnSpPr>
+          <p:cNvPr id="34" name="Straight Arrow Connector 33">
+            <a:extLst>
+              <a:ext uri="{FF2B5EF4-FFF2-40B4-BE49-F238E27FC236}">
+                <a16:creationId xmlns:a16="http://schemas.microsoft.com/office/drawing/2014/main" id="{D827D052-2581-9C49-8950-195F133DCCAB}"/>
+              </a:ext>
+            </a:extLst>
+          </p:cNvPr>
+          <p:cNvCxnSpPr>
+            <a:cxnSpLocks/>
+          </p:cNvCxnSpPr>
+          <p:nvPr/>
+        </p:nvCxnSpPr>
+        <p:spPr>
+          <a:xfrm>
+            <a:off x="6679094" y="4738123"/>
+            <a:ext cx="699052" cy="0"/>
+          </a:xfrm>
+          <a:prstGeom prst="straightConnector1">
+            <a:avLst/>
+          </a:prstGeom>
+          <a:ln w="12700">
+            <a:solidFill>
+              <a:schemeClr val="tx1">
+                <a:lumMod val="75000"/>
+                <a:lumOff val="25000"/>
+              </a:schemeClr>
+            </a:solidFill>
+            <a:tailEnd type="triangle"/>
+          </a:ln>
+        </p:spPr>
+        <p:style>
+          <a:lnRef idx="1">
+            <a:schemeClr val="accent1"/>
+          </a:lnRef>
+          <a:fillRef idx="0">
+            <a:schemeClr val="accent1"/>
+          </a:fillRef>
+          <a:effectRef idx="0">
+            <a:schemeClr val="accent1"/>
+          </a:effectRef>
+          <a:fontRef idx="minor">
+            <a:schemeClr val="tx1"/>
+          </a:fontRef>
+        </p:style>
+      </p:cxnSp>
+      <p:sp>
+        <p:nvSpPr>
+          <p:cNvPr id="35" name="TextBox 34">
+            <a:extLst>
+              <a:ext uri="{FF2B5EF4-FFF2-40B4-BE49-F238E27FC236}">
+                <a16:creationId xmlns:a16="http://schemas.microsoft.com/office/drawing/2014/main" id="{83700A9D-BDE3-9449-9D3D-60F09260A66A}"/>
+              </a:ext>
+            </a:extLst>
+          </p:cNvPr>
+          <p:cNvSpPr txBox="1"/>
+          <p:nvPr/>
+        </p:nvSpPr>
+        <p:spPr>
+          <a:xfrm>
+            <a:off x="8144429" y="121856"/>
+            <a:ext cx="1870897" cy="369332"/>
+          </a:xfrm>
+          <a:prstGeom prst="rect">
+            <a:avLst/>
+          </a:prstGeom>
+          <a:noFill/>
+        </p:spPr>
+        <p:txBody>
+          <a:bodyPr wrap="none" rtlCol="0">
+            <a:spAutoFit/>
+          </a:bodyPr>
+          <a:lstStyle/>
+          <a:p>
+            <a:r>
+              <a:rPr lang="en-GB" dirty="0"/>
+              <a:t>HashSet elements</a:t>
+            </a:r>
+          </a:p>
+        </p:txBody>
+      </p:sp>
+      <p:cxnSp>
+        <p:nvCxnSpPr>
+          <p:cNvPr id="25" name="Elbow Connector 24">
+            <a:extLst>
+              <a:ext uri="{FF2B5EF4-FFF2-40B4-BE49-F238E27FC236}">
+                <a16:creationId xmlns:a16="http://schemas.microsoft.com/office/drawing/2014/main" id="{004511CC-B83B-CC41-AEC0-77BED54CB6AE}"/>
+              </a:ext>
+            </a:extLst>
+          </p:cNvPr>
+          <p:cNvCxnSpPr>
+            <a:cxnSpLocks/>
+            <a:stCxn id="26" idx="3"/>
+            <a:endCxn id="6" idx="1"/>
+          </p:cNvCxnSpPr>
+          <p:nvPr/>
+        </p:nvCxnSpPr>
+        <p:spPr>
+          <a:xfrm flipV="1">
+            <a:off x="3470206" y="2518149"/>
+            <a:ext cx="1499357" cy="1079818"/>
+          </a:xfrm>
+          <a:prstGeom prst="bentConnector3">
+            <a:avLst/>
+          </a:prstGeom>
+          <a:ln w="12700">
+            <a:solidFill>
+              <a:schemeClr val="tx1">
+                <a:lumMod val="75000"/>
+                <a:lumOff val="25000"/>
+              </a:schemeClr>
+            </a:solidFill>
+            <a:prstDash val="sysDash"/>
+            <a:tailEnd type="triangle"/>
+          </a:ln>
+        </p:spPr>
+        <p:style>
+          <a:lnRef idx="1">
+            <a:schemeClr val="accent1"/>
+          </a:lnRef>
+          <a:fillRef idx="0">
+            <a:schemeClr val="accent1"/>
+          </a:fillRef>
+          <a:effectRef idx="0">
+            <a:schemeClr val="accent1"/>
+          </a:effectRef>
+          <a:fontRef idx="minor">
+            <a:schemeClr val="tx1"/>
+          </a:fontRef>
+        </p:style>
+      </p:cxnSp>
+      <p:sp>
+        <p:nvSpPr>
+          <p:cNvPr id="37" name="Rectangle 36">
+            <a:extLst>
+              <a:ext uri="{FF2B5EF4-FFF2-40B4-BE49-F238E27FC236}">
+                <a16:creationId xmlns:a16="http://schemas.microsoft.com/office/drawing/2014/main" id="{EEA48928-8088-6046-9F19-6080A7405BB8}"/>
+              </a:ext>
+            </a:extLst>
+          </p:cNvPr>
+          <p:cNvSpPr/>
+          <p:nvPr/>
+        </p:nvSpPr>
+        <p:spPr>
+          <a:xfrm>
+            <a:off x="8257206" y="2175249"/>
+            <a:ext cx="801758" cy="685800"/>
+          </a:xfrm>
+          <a:prstGeom prst="rect">
+            <a:avLst/>
+          </a:prstGeom>
+          <a:noFill/>
+          <a:ln w="38100">
+            <a:solidFill>
+              <a:srgbClr val="FF0000"/>
+            </a:solidFill>
+            <a:prstDash val="sysDash"/>
+          </a:ln>
+        </p:spPr>
+        <p:style>
+          <a:lnRef idx="2">
+            <a:schemeClr val="accent1">
+              <a:shade val="50000"/>
+            </a:schemeClr>
+          </a:lnRef>
+          <a:fillRef idx="1">
+            <a:schemeClr val="accent1"/>
+          </a:fillRef>
+          <a:effectRef idx="0">
+            <a:schemeClr val="accent1"/>
+          </a:effectRef>
+          <a:fontRef idx="minor">
+            <a:schemeClr val="lt1"/>
+          </a:fontRef>
+        </p:style>
+        <p:txBody>
+          <a:bodyPr rtlCol="0" anchor="ctr"/>
+          <a:lstStyle/>
+          <a:p>
+            <a:pPr algn="ctr"/>
+            <a:endParaRPr lang="en-GB"/>
+          </a:p>
+        </p:txBody>
+      </p:sp>
+      <p:sp>
+        <p:nvSpPr>
+          <p:cNvPr id="27" name="TextBox 26">
+            <a:extLst>
+              <a:ext uri="{FF2B5EF4-FFF2-40B4-BE49-F238E27FC236}">
+                <a16:creationId xmlns:a16="http://schemas.microsoft.com/office/drawing/2014/main" id="{30362DE0-0BFC-AB46-A48A-FFFCE8A478A2}"/>
+              </a:ext>
+            </a:extLst>
+          </p:cNvPr>
+          <p:cNvSpPr txBox="1"/>
+          <p:nvPr/>
+        </p:nvSpPr>
+        <p:spPr>
+          <a:xfrm>
+            <a:off x="1728473" y="3940867"/>
+            <a:ext cx="2491411" cy="1200329"/>
+          </a:xfrm>
+          <a:prstGeom prst="rect">
+            <a:avLst/>
+          </a:prstGeom>
+          <a:noFill/>
+        </p:spPr>
+        <p:txBody>
+          <a:bodyPr wrap="square" rtlCol="0">
+            <a:spAutoFit/>
+          </a:bodyPr>
+          <a:lstStyle/>
+          <a:p>
+            <a:r>
+              <a:rPr lang="en-GB" dirty="0"/>
+              <a:t>The element's </a:t>
+            </a:r>
+            <a:r>
+              <a:rPr lang="en-GB" dirty="0">
+                <a:latin typeface="Courier New" panose="02070309020205020404" pitchFamily="49" charset="0"/>
+                <a:cs typeface="Courier New" panose="02070309020205020404" pitchFamily="49" charset="0"/>
+              </a:rPr>
+              <a:t>hashCode()</a:t>
+            </a:r>
+            <a:r>
+              <a:rPr lang="en-GB" dirty="0"/>
+              <a:t> method is used to determine which bucket to used</a:t>
+            </a:r>
+          </a:p>
+        </p:txBody>
+      </p:sp>
+      <p:sp>
+        <p:nvSpPr>
+          <p:cNvPr id="39" name="TextBox 38">
+            <a:extLst>
+              <a:ext uri="{FF2B5EF4-FFF2-40B4-BE49-F238E27FC236}">
+                <a16:creationId xmlns:a16="http://schemas.microsoft.com/office/drawing/2014/main" id="{C6305697-4748-B642-838F-76DFF9AF688C}"/>
+              </a:ext>
+            </a:extLst>
+          </p:cNvPr>
+          <p:cNvSpPr txBox="1"/>
+          <p:nvPr/>
+        </p:nvSpPr>
+        <p:spPr>
+          <a:xfrm>
+            <a:off x="9136266" y="1660720"/>
+            <a:ext cx="2880143" cy="1200329"/>
+          </a:xfrm>
+          <a:prstGeom prst="rect">
+            <a:avLst/>
+          </a:prstGeom>
+          <a:noFill/>
+        </p:spPr>
+        <p:txBody>
+          <a:bodyPr wrap="square" rtlCol="0">
+            <a:spAutoFit/>
+          </a:bodyPr>
+          <a:lstStyle/>
+          <a:p>
+            <a:r>
+              <a:rPr lang="en-GB" dirty="0"/>
+              <a:t>The element's </a:t>
+            </a:r>
+            <a:r>
+              <a:rPr lang="en-GB" dirty="0">
+                <a:latin typeface="Courier New" panose="02070309020205020404" pitchFamily="49" charset="0"/>
+                <a:cs typeface="Courier New" panose="02070309020205020404" pitchFamily="49" charset="0"/>
+              </a:rPr>
+              <a:t>equals()</a:t>
+            </a:r>
+            <a:r>
+              <a:rPr lang="en-GB" dirty="0"/>
+              <a:t> method is used to determine whether the element exists in this bucker or not.</a:t>
+            </a:r>
+          </a:p>
+        </p:txBody>
+      </p:sp>
+    </p:spTree>
+    <p:extLst>
+      <p:ext uri="{BB962C8B-B14F-4D97-AF65-F5344CB8AC3E}">
+        <p14:creationId xmlns:p14="http://schemas.microsoft.com/office/powerpoint/2010/main" val="474947075"/>
+      </p:ext>
+    </p:extLst>
+  </p:cSld>
+  <p:clrMapOvr>
+    <a:masterClrMapping/>
+  </p:clrMapOvr>
+</p:sld>
+</file>
+
+<file path=ppt/slides/slide43.xml><?xml version="1.0" encoding="utf-8"?>
+<p:sld xmlns:a="http://schemas.openxmlformats.org/drawingml/2006/main" xmlns:r="http://schemas.openxmlformats.org/officeDocument/2006/relationships" xmlns:p="http://schemas.openxmlformats.org/presentationml/2006/main">
+  <p:cSld>
+    <p:spTree>
+      <p:nvGrpSpPr>
+        <p:cNvPr id="1" name=""/>
+        <p:cNvGrpSpPr/>
+        <p:nvPr/>
+      </p:nvGrpSpPr>
+      <p:grpSpPr>
+        <a:xfrm>
+          <a:off x="0" y="0"/>
+          <a:ext cx="0" cy="0"/>
+          <a:chOff x="0" y="0"/>
+          <a:chExt cx="0" cy="0"/>
+        </a:xfrm>
+      </p:grpSpPr>
+      <p:sp>
+        <p:nvSpPr>
+          <p:cNvPr id="6" name="Rectangle 5">
+            <a:extLst>
+              <a:ext uri="{FF2B5EF4-FFF2-40B4-BE49-F238E27FC236}">
+                <a16:creationId xmlns:a16="http://schemas.microsoft.com/office/drawing/2014/main" id="{F8A4E719-932E-6B48-A206-13450A22327F}"/>
+              </a:ext>
+            </a:extLst>
+          </p:cNvPr>
+          <p:cNvSpPr/>
+          <p:nvPr/>
+        </p:nvSpPr>
+        <p:spPr>
+          <a:xfrm>
+            <a:off x="3712265" y="2011017"/>
+            <a:ext cx="4177749" cy="1219200"/>
+          </a:xfrm>
+          <a:prstGeom prst="rect">
+            <a:avLst/>
+          </a:prstGeom>
+          <a:solidFill>
+            <a:schemeClr val="accent5">
+              <a:lumMod val="40000"/>
+              <a:lumOff val="60000"/>
+            </a:schemeClr>
+          </a:solidFill>
+          <a:ln>
+            <a:solidFill>
+              <a:schemeClr val="tx1">
+                <a:lumMod val="75000"/>
+                <a:lumOff val="25000"/>
+              </a:schemeClr>
+            </a:solidFill>
+          </a:ln>
+        </p:spPr>
+        <p:style>
+          <a:lnRef idx="2">
+            <a:schemeClr val="accent1">
+              <a:shade val="50000"/>
+            </a:schemeClr>
+          </a:lnRef>
+          <a:fillRef idx="1">
+            <a:schemeClr val="accent1"/>
+          </a:fillRef>
+          <a:effectRef idx="0">
+            <a:schemeClr val="accent1"/>
+          </a:effectRef>
+          <a:fontRef idx="minor">
+            <a:schemeClr val="lt1"/>
+          </a:fontRef>
+        </p:style>
+        <p:txBody>
+          <a:bodyPr rtlCol="0" anchor="ctr"/>
+          <a:lstStyle/>
+          <a:p>
+            <a:pPr algn="ctr"/>
+            <a:endParaRPr lang="en-GB"/>
+          </a:p>
+        </p:txBody>
+      </p:sp>
+      <p:sp>
+        <p:nvSpPr>
+          <p:cNvPr id="4" name="Rectangle 3">
+            <a:extLst>
+              <a:ext uri="{FF2B5EF4-FFF2-40B4-BE49-F238E27FC236}">
+                <a16:creationId xmlns:a16="http://schemas.microsoft.com/office/drawing/2014/main" id="{63C073F8-1E48-8E4D-B720-3899F5B5EDC3}"/>
+              </a:ext>
+            </a:extLst>
+          </p:cNvPr>
+          <p:cNvSpPr/>
+          <p:nvPr/>
+        </p:nvSpPr>
+        <p:spPr>
+          <a:xfrm>
+            <a:off x="3886200" y="2236304"/>
+            <a:ext cx="1391479" cy="765313"/>
+          </a:xfrm>
+          <a:prstGeom prst="rect">
+            <a:avLst/>
+          </a:prstGeom>
+          <a:solidFill>
+            <a:schemeClr val="accent2">
+              <a:lumMod val="75000"/>
+            </a:schemeClr>
+          </a:solidFill>
+          <a:ln>
+            <a:solidFill>
+              <a:schemeClr val="tx1">
+                <a:lumMod val="75000"/>
+                <a:lumOff val="25000"/>
+              </a:schemeClr>
+            </a:solidFill>
+          </a:ln>
+        </p:spPr>
+        <p:style>
+          <a:lnRef idx="2">
+            <a:schemeClr val="accent1">
+              <a:shade val="50000"/>
+            </a:schemeClr>
+          </a:lnRef>
+          <a:fillRef idx="1">
+            <a:schemeClr val="accent1"/>
+          </a:fillRef>
+          <a:effectRef idx="0">
+            <a:schemeClr val="accent1"/>
+          </a:effectRef>
+          <a:fontRef idx="minor">
+            <a:schemeClr val="lt1"/>
+          </a:fontRef>
+        </p:style>
+        <p:txBody>
+          <a:bodyPr rtlCol="0" anchor="ctr"/>
+          <a:lstStyle/>
+          <a:p>
+            <a:pPr algn="ctr"/>
+            <a:r>
+              <a:rPr lang="en-GB" dirty="0"/>
+              <a:t>key</a:t>
+            </a:r>
+          </a:p>
+        </p:txBody>
+      </p:sp>
+      <p:sp>
+        <p:nvSpPr>
+          <p:cNvPr id="5" name="Rectangle 4">
+            <a:extLst>
+              <a:ext uri="{FF2B5EF4-FFF2-40B4-BE49-F238E27FC236}">
+                <a16:creationId xmlns:a16="http://schemas.microsoft.com/office/drawing/2014/main" id="{BFCC91D7-CB22-1049-9C0A-E52DA7FA1A2E}"/>
+              </a:ext>
+            </a:extLst>
+          </p:cNvPr>
+          <p:cNvSpPr/>
+          <p:nvPr/>
+        </p:nvSpPr>
+        <p:spPr>
+          <a:xfrm>
+            <a:off x="6324600" y="2236304"/>
+            <a:ext cx="1391479" cy="765313"/>
+          </a:xfrm>
+          <a:prstGeom prst="rect">
+            <a:avLst/>
+          </a:prstGeom>
+          <a:solidFill>
+            <a:schemeClr val="accent6">
+              <a:lumMod val="75000"/>
+            </a:schemeClr>
+          </a:solidFill>
+          <a:ln>
+            <a:solidFill>
+              <a:schemeClr val="tx1">
+                <a:lumMod val="75000"/>
+                <a:lumOff val="25000"/>
+              </a:schemeClr>
+            </a:solidFill>
+          </a:ln>
+        </p:spPr>
+        <p:style>
+          <a:lnRef idx="2">
+            <a:schemeClr val="accent1">
+              <a:shade val="50000"/>
+            </a:schemeClr>
+          </a:lnRef>
+          <a:fillRef idx="1">
+            <a:schemeClr val="accent1"/>
+          </a:fillRef>
+          <a:effectRef idx="0">
+            <a:schemeClr val="accent1"/>
+          </a:effectRef>
+          <a:fontRef idx="minor">
+            <a:schemeClr val="lt1"/>
+          </a:fontRef>
+        </p:style>
+        <p:txBody>
+          <a:bodyPr rtlCol="0" anchor="ctr"/>
+          <a:lstStyle/>
+          <a:p>
+            <a:pPr algn="ctr"/>
+            <a:r>
+              <a:rPr lang="en-GB" dirty="0"/>
+              <a:t>value</a:t>
+            </a:r>
+          </a:p>
+        </p:txBody>
+      </p:sp>
+      <p:cxnSp>
+        <p:nvCxnSpPr>
+          <p:cNvPr id="8" name="Straight Arrow Connector 7">
+            <a:extLst>
+              <a:ext uri="{FF2B5EF4-FFF2-40B4-BE49-F238E27FC236}">
+                <a16:creationId xmlns:a16="http://schemas.microsoft.com/office/drawing/2014/main" id="{E27BE525-2120-A34D-A9FB-06377084FABC}"/>
+              </a:ext>
+            </a:extLst>
+          </p:cNvPr>
+          <p:cNvCxnSpPr>
+            <a:stCxn id="4" idx="3"/>
+            <a:endCxn id="5" idx="1"/>
+          </p:cNvCxnSpPr>
+          <p:nvPr/>
+        </p:nvCxnSpPr>
+        <p:spPr>
+          <a:xfrm>
+            <a:off x="5277679" y="2618961"/>
+            <a:ext cx="1046921" cy="0"/>
+          </a:xfrm>
+          <a:prstGeom prst="straightConnector1">
+            <a:avLst/>
+          </a:prstGeom>
+          <a:ln w="12700">
+            <a:solidFill>
+              <a:schemeClr val="tx1">
+                <a:lumMod val="75000"/>
+                <a:lumOff val="25000"/>
+              </a:schemeClr>
+            </a:solidFill>
+            <a:tailEnd type="triangle"/>
+          </a:ln>
+        </p:spPr>
+        <p:style>
+          <a:lnRef idx="1">
+            <a:schemeClr val="accent1"/>
+          </a:lnRef>
+          <a:fillRef idx="0">
+            <a:schemeClr val="accent1"/>
+          </a:fillRef>
+          <a:effectRef idx="0">
+            <a:schemeClr val="accent1"/>
+          </a:effectRef>
+          <a:fontRef idx="minor">
+            <a:schemeClr val="tx1"/>
+          </a:fontRef>
+        </p:style>
+      </p:cxnSp>
+      <p:sp>
+        <p:nvSpPr>
+          <p:cNvPr id="9" name="TextBox 8">
+            <a:extLst>
+              <a:ext uri="{FF2B5EF4-FFF2-40B4-BE49-F238E27FC236}">
+                <a16:creationId xmlns:a16="http://schemas.microsoft.com/office/drawing/2014/main" id="{786C5A5F-1845-6F4A-AB76-81BF42E8C888}"/>
+              </a:ext>
+            </a:extLst>
+          </p:cNvPr>
+          <p:cNvSpPr txBox="1"/>
+          <p:nvPr/>
+        </p:nvSpPr>
+        <p:spPr>
+          <a:xfrm>
+            <a:off x="5220371" y="3424895"/>
+            <a:ext cx="1161536" cy="369332"/>
+          </a:xfrm>
+          <a:prstGeom prst="rect">
+            <a:avLst/>
+          </a:prstGeom>
+          <a:noFill/>
+        </p:spPr>
+        <p:txBody>
+          <a:bodyPr wrap="none" rtlCol="0">
+            <a:spAutoFit/>
+          </a:bodyPr>
+          <a:lstStyle/>
+          <a:p>
+            <a:r>
+              <a:rPr lang="en-GB" dirty="0"/>
+              <a:t>Map Entry</a:t>
+            </a:r>
+          </a:p>
+        </p:txBody>
+      </p:sp>
+    </p:spTree>
+    <p:extLst>
+      <p:ext uri="{BB962C8B-B14F-4D97-AF65-F5344CB8AC3E}">
+        <p14:creationId xmlns:p14="http://schemas.microsoft.com/office/powerpoint/2010/main" val="720823088"/>
+      </p:ext>
+    </p:extLst>
+  </p:cSld>
+  <p:clrMapOvr>
+    <a:masterClrMapping/>
+  </p:clrMapOvr>
+</p:sld>
+</file>
+
+<file path=ppt/slides/slide44.xml><?xml version="1.0" encoding="utf-8"?>
 <p:sld xmlns:a="http://schemas.openxmlformats.org/drawingml/2006/main" xmlns:r="http://schemas.openxmlformats.org/officeDocument/2006/relationships" xmlns:p="http://schemas.openxmlformats.org/presentationml/2006/main">
   <p:cSld>
     <p:spTree>

--- a/assets/images/Images.pptx
+++ b/assets/images/Images.pptx
@@ -5,7 +5,7 @@
     <p:sldMasterId id="2147483648" r:id="rId1"/>
   </p:sldMasterIdLst>
   <p:notesMasterIdLst>
-    <p:notesMasterId r:id="rId46"/>
+    <p:notesMasterId r:id="rId47"/>
   </p:notesMasterIdLst>
   <p:sldIdLst>
     <p:sldId id="257" r:id="rId2"/>
@@ -51,7 +51,8 @@
     <p:sldId id="297" r:id="rId42"/>
     <p:sldId id="298" r:id="rId43"/>
     <p:sldId id="299" r:id="rId44"/>
-    <p:sldId id="256" r:id="rId45"/>
+    <p:sldId id="300" r:id="rId45"/>
+    <p:sldId id="256" r:id="rId46"/>
   </p:sldIdLst>
   <p:sldSz cx="12192000" cy="6858000"/>
   <p:notesSz cx="6858000" cy="9144000"/>
@@ -222,6 +223,7 @@
             <p14:sldId id="297"/>
             <p14:sldId id="298"/>
             <p14:sldId id="299"/>
+            <p14:sldId id="300"/>
           </p14:sldIdLst>
         </p14:section>
         <p14:section name="Testing" id="{064BBB82-ADB6-E844-9D9E-44CD43DCBE9F}">
@@ -1222,7 +1224,7 @@
           <a:bodyPr/>
           <a:lstStyle/>
           <a:p>
-            <a:endParaRPr lang="en-GB"/>
+            <a:endParaRPr lang="en-GB" dirty="0"/>
           </a:p>
         </p:txBody>
       </p:sp>
@@ -1244,6 +1246,90 @@
             <a:fld id="{11A96E62-EC5F-C045-9FEB-EDD3A98888BE}" type="slidenum">
               <a:rPr lang="en-GB" smtClean="0"/>
               <a:t>44</a:t>
+            </a:fld>
+            <a:endParaRPr lang="en-GB"/>
+          </a:p>
+        </p:txBody>
+      </p:sp>
+    </p:spTree>
+    <p:extLst>
+      <p:ext uri="{BB962C8B-B14F-4D97-AF65-F5344CB8AC3E}">
+        <p14:creationId xmlns:p14="http://schemas.microsoft.com/office/powerpoint/2010/main" val="4035740357"/>
+      </p:ext>
+    </p:extLst>
+  </p:cSld>
+  <p:clrMapOvr>
+    <a:masterClrMapping/>
+  </p:clrMapOvr>
+</p:notes>
+</file>
+
+<file path=ppt/notesSlides/notesSlide9.xml><?xml version="1.0" encoding="utf-8"?>
+<p:notes xmlns:a="http://schemas.openxmlformats.org/drawingml/2006/main" xmlns:r="http://schemas.openxmlformats.org/officeDocument/2006/relationships" xmlns:p="http://schemas.openxmlformats.org/presentationml/2006/main">
+  <p:cSld>
+    <p:spTree>
+      <p:nvGrpSpPr>
+        <p:cNvPr id="1" name=""/>
+        <p:cNvGrpSpPr/>
+        <p:nvPr/>
+      </p:nvGrpSpPr>
+      <p:grpSpPr>
+        <a:xfrm>
+          <a:off x="0" y="0"/>
+          <a:ext cx="0" cy="0"/>
+          <a:chOff x="0" y="0"/>
+          <a:chExt cx="0" cy="0"/>
+        </a:xfrm>
+      </p:grpSpPr>
+      <p:sp>
+        <p:nvSpPr>
+          <p:cNvPr id="2" name="Slide Image Placeholder 1"/>
+          <p:cNvSpPr>
+            <a:spLocks noGrp="1" noRot="1" noChangeAspect="1"/>
+          </p:cNvSpPr>
+          <p:nvPr>
+            <p:ph type="sldImg"/>
+          </p:nvPr>
+        </p:nvSpPr>
+        <p:spPr/>
+      </p:sp>
+      <p:sp>
+        <p:nvSpPr>
+          <p:cNvPr id="3" name="Notes Placeholder 2"/>
+          <p:cNvSpPr>
+            <a:spLocks noGrp="1"/>
+          </p:cNvSpPr>
+          <p:nvPr>
+            <p:ph type="body" idx="1"/>
+          </p:nvPr>
+        </p:nvSpPr>
+        <p:spPr/>
+        <p:txBody>
+          <a:bodyPr/>
+          <a:lstStyle/>
+          <a:p>
+            <a:endParaRPr lang="en-GB"/>
+          </a:p>
+        </p:txBody>
+      </p:sp>
+      <p:sp>
+        <p:nvSpPr>
+          <p:cNvPr id="4" name="Slide Number Placeholder 3"/>
+          <p:cNvSpPr>
+            <a:spLocks noGrp="1"/>
+          </p:cNvSpPr>
+          <p:nvPr>
+            <p:ph type="sldNum" sz="quarter" idx="5"/>
+          </p:nvPr>
+        </p:nvSpPr>
+        <p:spPr/>
+        <p:txBody>
+          <a:bodyPr/>
+          <a:lstStyle/>
+          <a:p>
+            <a:fld id="{11A96E62-EC5F-C045-9FEB-EDD3A98888BE}" type="slidenum">
+              <a:rPr lang="en-GB" smtClean="0"/>
+              <a:t>45</a:t>
             </a:fld>
             <a:endParaRPr lang="en-GB"/>
           </a:p>
@@ -33444,6 +33530,4974 @@
       </p:grpSpPr>
       <p:sp>
         <p:nvSpPr>
+          <p:cNvPr id="4" name="Rectangle 3">
+            <a:extLst>
+              <a:ext uri="{FF2B5EF4-FFF2-40B4-BE49-F238E27FC236}">
+                <a16:creationId xmlns:a16="http://schemas.microsoft.com/office/drawing/2014/main" id="{3B94AF55-9A9B-5A45-9B13-39E9E6824ABA}"/>
+              </a:ext>
+            </a:extLst>
+          </p:cNvPr>
+          <p:cNvSpPr/>
+          <p:nvPr/>
+        </p:nvSpPr>
+        <p:spPr>
+          <a:xfrm>
+            <a:off x="4969563" y="701413"/>
+            <a:ext cx="1709531" cy="685800"/>
+          </a:xfrm>
+          <a:prstGeom prst="rect">
+            <a:avLst/>
+          </a:prstGeom>
+          <a:solidFill>
+            <a:schemeClr val="accent6">
+              <a:lumMod val="75000"/>
+            </a:schemeClr>
+          </a:solidFill>
+          <a:ln>
+            <a:solidFill>
+              <a:schemeClr val="tx1">
+                <a:lumMod val="75000"/>
+                <a:lumOff val="25000"/>
+              </a:schemeClr>
+            </a:solidFill>
+          </a:ln>
+        </p:spPr>
+        <p:style>
+          <a:lnRef idx="2">
+            <a:schemeClr val="accent1">
+              <a:shade val="50000"/>
+            </a:schemeClr>
+          </a:lnRef>
+          <a:fillRef idx="1">
+            <a:schemeClr val="accent1"/>
+          </a:fillRef>
+          <a:effectRef idx="0">
+            <a:schemeClr val="accent1"/>
+          </a:effectRef>
+          <a:fontRef idx="minor">
+            <a:schemeClr val="lt1"/>
+          </a:fontRef>
+        </p:style>
+        <p:txBody>
+          <a:bodyPr rtlCol="0" anchor="ctr"/>
+          <a:lstStyle/>
+          <a:p>
+            <a:pPr algn="ctr"/>
+            <a:endParaRPr lang="en-GB"/>
+          </a:p>
+        </p:txBody>
+      </p:sp>
+      <p:sp>
+        <p:nvSpPr>
+          <p:cNvPr id="5" name="Rectangle 4">
+            <a:extLst>
+              <a:ext uri="{FF2B5EF4-FFF2-40B4-BE49-F238E27FC236}">
+                <a16:creationId xmlns:a16="http://schemas.microsoft.com/office/drawing/2014/main" id="{B1A518B8-5C5C-E64C-ACE5-E33348372F0A}"/>
+              </a:ext>
+            </a:extLst>
+          </p:cNvPr>
+          <p:cNvSpPr/>
+          <p:nvPr/>
+        </p:nvSpPr>
+        <p:spPr>
+          <a:xfrm>
+            <a:off x="4969563" y="1438331"/>
+            <a:ext cx="1709531" cy="685800"/>
+          </a:xfrm>
+          <a:prstGeom prst="rect">
+            <a:avLst/>
+          </a:prstGeom>
+          <a:solidFill>
+            <a:schemeClr val="accent5">
+              <a:lumMod val="75000"/>
+            </a:schemeClr>
+          </a:solidFill>
+          <a:ln>
+            <a:solidFill>
+              <a:schemeClr val="tx1">
+                <a:lumMod val="75000"/>
+                <a:lumOff val="25000"/>
+              </a:schemeClr>
+            </a:solidFill>
+          </a:ln>
+        </p:spPr>
+        <p:style>
+          <a:lnRef idx="2">
+            <a:schemeClr val="accent1">
+              <a:shade val="50000"/>
+            </a:schemeClr>
+          </a:lnRef>
+          <a:fillRef idx="1">
+            <a:schemeClr val="accent1"/>
+          </a:fillRef>
+          <a:effectRef idx="0">
+            <a:schemeClr val="accent1"/>
+          </a:effectRef>
+          <a:fontRef idx="minor">
+            <a:schemeClr val="lt1"/>
+          </a:fontRef>
+        </p:style>
+        <p:txBody>
+          <a:bodyPr rtlCol="0" anchor="ctr"/>
+          <a:lstStyle/>
+          <a:p>
+            <a:pPr algn="ctr"/>
+            <a:endParaRPr lang="en-GB"/>
+          </a:p>
+        </p:txBody>
+      </p:sp>
+      <p:sp>
+        <p:nvSpPr>
+          <p:cNvPr id="6" name="Rectangle 5">
+            <a:extLst>
+              <a:ext uri="{FF2B5EF4-FFF2-40B4-BE49-F238E27FC236}">
+                <a16:creationId xmlns:a16="http://schemas.microsoft.com/office/drawing/2014/main" id="{5CCA1AAC-DDD2-B841-84D2-E8C746D34D69}"/>
+              </a:ext>
+            </a:extLst>
+          </p:cNvPr>
+          <p:cNvSpPr/>
+          <p:nvPr/>
+        </p:nvSpPr>
+        <p:spPr>
+          <a:xfrm>
+            <a:off x="4969563" y="2175249"/>
+            <a:ext cx="1709531" cy="685800"/>
+          </a:xfrm>
+          <a:prstGeom prst="rect">
+            <a:avLst/>
+          </a:prstGeom>
+          <a:solidFill>
+            <a:schemeClr val="accent4">
+              <a:lumMod val="75000"/>
+            </a:schemeClr>
+          </a:solidFill>
+          <a:ln>
+            <a:solidFill>
+              <a:schemeClr val="tx1">
+                <a:lumMod val="75000"/>
+                <a:lumOff val="25000"/>
+              </a:schemeClr>
+            </a:solidFill>
+          </a:ln>
+        </p:spPr>
+        <p:style>
+          <a:lnRef idx="2">
+            <a:schemeClr val="accent1">
+              <a:shade val="50000"/>
+            </a:schemeClr>
+          </a:lnRef>
+          <a:fillRef idx="1">
+            <a:schemeClr val="accent1"/>
+          </a:fillRef>
+          <a:effectRef idx="0">
+            <a:schemeClr val="accent1"/>
+          </a:effectRef>
+          <a:fontRef idx="minor">
+            <a:schemeClr val="lt1"/>
+          </a:fontRef>
+        </p:style>
+        <p:txBody>
+          <a:bodyPr rtlCol="0" anchor="ctr"/>
+          <a:lstStyle/>
+          <a:p>
+            <a:pPr algn="ctr"/>
+            <a:endParaRPr lang="en-GB"/>
+          </a:p>
+        </p:txBody>
+      </p:sp>
+      <p:sp>
+        <p:nvSpPr>
+          <p:cNvPr id="7" name="Rectangle 6">
+            <a:extLst>
+              <a:ext uri="{FF2B5EF4-FFF2-40B4-BE49-F238E27FC236}">
+                <a16:creationId xmlns:a16="http://schemas.microsoft.com/office/drawing/2014/main" id="{41FC1AD4-1D9C-3B47-A2C1-48742A5B95A9}"/>
+              </a:ext>
+            </a:extLst>
+          </p:cNvPr>
+          <p:cNvSpPr/>
+          <p:nvPr/>
+        </p:nvSpPr>
+        <p:spPr>
+          <a:xfrm>
+            <a:off x="4969563" y="2912167"/>
+            <a:ext cx="1709531" cy="685800"/>
+          </a:xfrm>
+          <a:prstGeom prst="rect">
+            <a:avLst/>
+          </a:prstGeom>
+          <a:solidFill>
+            <a:schemeClr val="accent3">
+              <a:lumMod val="75000"/>
+            </a:schemeClr>
+          </a:solidFill>
+          <a:ln>
+            <a:solidFill>
+              <a:schemeClr val="tx1">
+                <a:lumMod val="75000"/>
+                <a:lumOff val="25000"/>
+              </a:schemeClr>
+            </a:solidFill>
+          </a:ln>
+        </p:spPr>
+        <p:style>
+          <a:lnRef idx="2">
+            <a:schemeClr val="accent1">
+              <a:shade val="50000"/>
+            </a:schemeClr>
+          </a:lnRef>
+          <a:fillRef idx="1">
+            <a:schemeClr val="accent1"/>
+          </a:fillRef>
+          <a:effectRef idx="0">
+            <a:schemeClr val="accent1"/>
+          </a:effectRef>
+          <a:fontRef idx="minor">
+            <a:schemeClr val="lt1"/>
+          </a:fontRef>
+        </p:style>
+        <p:txBody>
+          <a:bodyPr rtlCol="0" anchor="ctr"/>
+          <a:lstStyle/>
+          <a:p>
+            <a:pPr algn="ctr"/>
+            <a:endParaRPr lang="en-GB"/>
+          </a:p>
+        </p:txBody>
+      </p:sp>
+      <p:sp>
+        <p:nvSpPr>
+          <p:cNvPr id="8" name="Rectangle 7">
+            <a:extLst>
+              <a:ext uri="{FF2B5EF4-FFF2-40B4-BE49-F238E27FC236}">
+                <a16:creationId xmlns:a16="http://schemas.microsoft.com/office/drawing/2014/main" id="{B2657DBE-7773-DE4F-BB73-773C32511744}"/>
+              </a:ext>
+            </a:extLst>
+          </p:cNvPr>
+          <p:cNvSpPr/>
+          <p:nvPr/>
+        </p:nvSpPr>
+        <p:spPr>
+          <a:xfrm>
+            <a:off x="4969563" y="3649085"/>
+            <a:ext cx="1709531" cy="685800"/>
+          </a:xfrm>
+          <a:prstGeom prst="rect">
+            <a:avLst/>
+          </a:prstGeom>
+          <a:solidFill>
+            <a:schemeClr val="accent2">
+              <a:lumMod val="75000"/>
+            </a:schemeClr>
+          </a:solidFill>
+          <a:ln>
+            <a:solidFill>
+              <a:schemeClr val="tx1">
+                <a:lumMod val="75000"/>
+                <a:lumOff val="25000"/>
+              </a:schemeClr>
+            </a:solidFill>
+          </a:ln>
+        </p:spPr>
+        <p:style>
+          <a:lnRef idx="2">
+            <a:schemeClr val="accent1">
+              <a:shade val="50000"/>
+            </a:schemeClr>
+          </a:lnRef>
+          <a:fillRef idx="1">
+            <a:schemeClr val="accent1"/>
+          </a:fillRef>
+          <a:effectRef idx="0">
+            <a:schemeClr val="accent1"/>
+          </a:effectRef>
+          <a:fontRef idx="minor">
+            <a:schemeClr val="lt1"/>
+          </a:fontRef>
+        </p:style>
+        <p:txBody>
+          <a:bodyPr rtlCol="0" anchor="ctr"/>
+          <a:lstStyle/>
+          <a:p>
+            <a:pPr algn="ctr"/>
+            <a:endParaRPr lang="en-GB"/>
+          </a:p>
+        </p:txBody>
+      </p:sp>
+      <p:sp>
+        <p:nvSpPr>
+          <p:cNvPr id="9" name="Rectangle 8">
+            <a:extLst>
+              <a:ext uri="{FF2B5EF4-FFF2-40B4-BE49-F238E27FC236}">
+                <a16:creationId xmlns:a16="http://schemas.microsoft.com/office/drawing/2014/main" id="{F0005842-6145-6144-83E9-FBE5683A7E99}"/>
+              </a:ext>
+            </a:extLst>
+          </p:cNvPr>
+          <p:cNvSpPr/>
+          <p:nvPr/>
+        </p:nvSpPr>
+        <p:spPr>
+          <a:xfrm>
+            <a:off x="4969563" y="4386003"/>
+            <a:ext cx="1709531" cy="685800"/>
+          </a:xfrm>
+          <a:prstGeom prst="rect">
+            <a:avLst/>
+          </a:prstGeom>
+          <a:solidFill>
+            <a:schemeClr val="accent1">
+              <a:lumMod val="75000"/>
+            </a:schemeClr>
+          </a:solidFill>
+          <a:ln>
+            <a:solidFill>
+              <a:schemeClr val="tx1">
+                <a:lumMod val="75000"/>
+                <a:lumOff val="25000"/>
+              </a:schemeClr>
+            </a:solidFill>
+          </a:ln>
+        </p:spPr>
+        <p:style>
+          <a:lnRef idx="2">
+            <a:schemeClr val="accent1">
+              <a:shade val="50000"/>
+            </a:schemeClr>
+          </a:lnRef>
+          <a:fillRef idx="1">
+            <a:schemeClr val="accent1"/>
+          </a:fillRef>
+          <a:effectRef idx="0">
+            <a:schemeClr val="accent1"/>
+          </a:effectRef>
+          <a:fontRef idx="minor">
+            <a:schemeClr val="lt1"/>
+          </a:fontRef>
+        </p:style>
+        <p:txBody>
+          <a:bodyPr rtlCol="0" anchor="ctr"/>
+          <a:lstStyle/>
+          <a:p>
+            <a:pPr algn="ctr"/>
+            <a:endParaRPr lang="en-GB"/>
+          </a:p>
+        </p:txBody>
+      </p:sp>
+      <p:sp>
+        <p:nvSpPr>
+          <p:cNvPr id="10" name="Rectangle 9">
+            <a:extLst>
+              <a:ext uri="{FF2B5EF4-FFF2-40B4-BE49-F238E27FC236}">
+                <a16:creationId xmlns:a16="http://schemas.microsoft.com/office/drawing/2014/main" id="{EABE6F0D-CC24-A14F-A15E-328328163D1A}"/>
+              </a:ext>
+            </a:extLst>
+          </p:cNvPr>
+          <p:cNvSpPr/>
+          <p:nvPr/>
+        </p:nvSpPr>
+        <p:spPr>
+          <a:xfrm>
+            <a:off x="4969563" y="5122921"/>
+            <a:ext cx="1709531" cy="685800"/>
+          </a:xfrm>
+          <a:prstGeom prst="rect">
+            <a:avLst/>
+          </a:prstGeom>
+          <a:solidFill>
+            <a:schemeClr val="tx2">
+              <a:lumMod val="75000"/>
+            </a:schemeClr>
+          </a:solidFill>
+          <a:ln>
+            <a:solidFill>
+              <a:schemeClr val="tx1">
+                <a:lumMod val="75000"/>
+                <a:lumOff val="25000"/>
+              </a:schemeClr>
+            </a:solidFill>
+          </a:ln>
+        </p:spPr>
+        <p:style>
+          <a:lnRef idx="2">
+            <a:schemeClr val="accent1">
+              <a:shade val="50000"/>
+            </a:schemeClr>
+          </a:lnRef>
+          <a:fillRef idx="1">
+            <a:schemeClr val="accent1"/>
+          </a:fillRef>
+          <a:effectRef idx="0">
+            <a:schemeClr val="accent1"/>
+          </a:effectRef>
+          <a:fontRef idx="minor">
+            <a:schemeClr val="lt1"/>
+          </a:fontRef>
+        </p:style>
+        <p:txBody>
+          <a:bodyPr rtlCol="0" anchor="ctr"/>
+          <a:lstStyle/>
+          <a:p>
+            <a:pPr algn="ctr"/>
+            <a:endParaRPr lang="en-GB"/>
+          </a:p>
+        </p:txBody>
+      </p:sp>
+      <p:sp>
+        <p:nvSpPr>
+          <p:cNvPr id="11" name="Rectangle 10">
+            <a:extLst>
+              <a:ext uri="{FF2B5EF4-FFF2-40B4-BE49-F238E27FC236}">
+                <a16:creationId xmlns:a16="http://schemas.microsoft.com/office/drawing/2014/main" id="{8FA5615D-8504-0149-8F6A-269F55CA63B2}"/>
+              </a:ext>
+            </a:extLst>
+          </p:cNvPr>
+          <p:cNvSpPr/>
+          <p:nvPr/>
+        </p:nvSpPr>
+        <p:spPr>
+          <a:xfrm>
+            <a:off x="4969563" y="5859839"/>
+            <a:ext cx="1709531" cy="685800"/>
+          </a:xfrm>
+          <a:prstGeom prst="rect">
+            <a:avLst/>
+          </a:prstGeom>
+          <a:solidFill>
+            <a:schemeClr val="bg2">
+              <a:lumMod val="25000"/>
+            </a:schemeClr>
+          </a:solidFill>
+          <a:ln>
+            <a:solidFill>
+              <a:schemeClr val="tx1">
+                <a:lumMod val="75000"/>
+                <a:lumOff val="25000"/>
+              </a:schemeClr>
+            </a:solidFill>
+          </a:ln>
+        </p:spPr>
+        <p:style>
+          <a:lnRef idx="2">
+            <a:schemeClr val="accent1">
+              <a:shade val="50000"/>
+            </a:schemeClr>
+          </a:lnRef>
+          <a:fillRef idx="1">
+            <a:schemeClr val="accent1"/>
+          </a:fillRef>
+          <a:effectRef idx="0">
+            <a:schemeClr val="accent1"/>
+          </a:effectRef>
+          <a:fontRef idx="minor">
+            <a:schemeClr val="lt1"/>
+          </a:fontRef>
+        </p:style>
+        <p:txBody>
+          <a:bodyPr rtlCol="0" anchor="ctr"/>
+          <a:lstStyle/>
+          <a:p>
+            <a:pPr algn="ctr"/>
+            <a:endParaRPr lang="en-GB"/>
+          </a:p>
+        </p:txBody>
+      </p:sp>
+      <p:sp>
+        <p:nvSpPr>
+          <p:cNvPr id="12" name="Rectangle 11">
+            <a:extLst>
+              <a:ext uri="{FF2B5EF4-FFF2-40B4-BE49-F238E27FC236}">
+                <a16:creationId xmlns:a16="http://schemas.microsoft.com/office/drawing/2014/main" id="{FD6B8999-D77A-9142-906A-5AB920934BFA}"/>
+              </a:ext>
+            </a:extLst>
+          </p:cNvPr>
+          <p:cNvSpPr/>
+          <p:nvPr/>
+        </p:nvSpPr>
+        <p:spPr>
+          <a:xfrm>
+            <a:off x="7378146" y="701413"/>
+            <a:ext cx="801758" cy="685800"/>
+          </a:xfrm>
+          <a:prstGeom prst="rect">
+            <a:avLst/>
+          </a:prstGeom>
+          <a:solidFill>
+            <a:schemeClr val="accent6">
+              <a:lumMod val="60000"/>
+              <a:lumOff val="40000"/>
+            </a:schemeClr>
+          </a:solidFill>
+          <a:ln>
+            <a:solidFill>
+              <a:schemeClr val="tx1">
+                <a:lumMod val="75000"/>
+                <a:lumOff val="25000"/>
+              </a:schemeClr>
+            </a:solidFill>
+          </a:ln>
+        </p:spPr>
+        <p:style>
+          <a:lnRef idx="2">
+            <a:schemeClr val="accent1">
+              <a:shade val="50000"/>
+            </a:schemeClr>
+          </a:lnRef>
+          <a:fillRef idx="1">
+            <a:schemeClr val="accent1"/>
+          </a:fillRef>
+          <a:effectRef idx="0">
+            <a:schemeClr val="accent1"/>
+          </a:effectRef>
+          <a:fontRef idx="minor">
+            <a:schemeClr val="lt1"/>
+          </a:fontRef>
+        </p:style>
+        <p:txBody>
+          <a:bodyPr rtlCol="0" anchor="ctr"/>
+          <a:lstStyle/>
+          <a:p>
+            <a:pPr algn="ctr"/>
+            <a:endParaRPr lang="en-GB"/>
+          </a:p>
+        </p:txBody>
+      </p:sp>
+      <p:sp>
+        <p:nvSpPr>
+          <p:cNvPr id="13" name="Rectangle 12">
+            <a:extLst>
+              <a:ext uri="{FF2B5EF4-FFF2-40B4-BE49-F238E27FC236}">
+                <a16:creationId xmlns:a16="http://schemas.microsoft.com/office/drawing/2014/main" id="{4C498C8C-EEAC-AC4F-A4D7-96DDFDEB9BCB}"/>
+              </a:ext>
+            </a:extLst>
+          </p:cNvPr>
+          <p:cNvSpPr/>
+          <p:nvPr/>
+        </p:nvSpPr>
+        <p:spPr>
+          <a:xfrm>
+            <a:off x="8257206" y="701413"/>
+            <a:ext cx="801758" cy="685800"/>
+          </a:xfrm>
+          <a:prstGeom prst="rect">
+            <a:avLst/>
+          </a:prstGeom>
+          <a:solidFill>
+            <a:schemeClr val="accent6">
+              <a:lumMod val="40000"/>
+              <a:lumOff val="60000"/>
+            </a:schemeClr>
+          </a:solidFill>
+          <a:ln>
+            <a:solidFill>
+              <a:schemeClr val="tx1">
+                <a:lumMod val="75000"/>
+                <a:lumOff val="25000"/>
+              </a:schemeClr>
+            </a:solidFill>
+          </a:ln>
+        </p:spPr>
+        <p:style>
+          <a:lnRef idx="2">
+            <a:schemeClr val="accent1">
+              <a:shade val="50000"/>
+            </a:schemeClr>
+          </a:lnRef>
+          <a:fillRef idx="1">
+            <a:schemeClr val="accent1"/>
+          </a:fillRef>
+          <a:effectRef idx="0">
+            <a:schemeClr val="accent1"/>
+          </a:effectRef>
+          <a:fontRef idx="minor">
+            <a:schemeClr val="lt1"/>
+          </a:fontRef>
+        </p:style>
+        <p:txBody>
+          <a:bodyPr rtlCol="0" anchor="ctr"/>
+          <a:lstStyle/>
+          <a:p>
+            <a:pPr algn="ctr"/>
+            <a:endParaRPr lang="en-GB"/>
+          </a:p>
+        </p:txBody>
+      </p:sp>
+      <p:sp>
+        <p:nvSpPr>
+          <p:cNvPr id="14" name="Rectangle 13">
+            <a:extLst>
+              <a:ext uri="{FF2B5EF4-FFF2-40B4-BE49-F238E27FC236}">
+                <a16:creationId xmlns:a16="http://schemas.microsoft.com/office/drawing/2014/main" id="{A55EFCF7-B6A5-674A-9D0F-F663CD7E2A06}"/>
+              </a:ext>
+            </a:extLst>
+          </p:cNvPr>
+          <p:cNvSpPr/>
+          <p:nvPr/>
+        </p:nvSpPr>
+        <p:spPr>
+          <a:xfrm>
+            <a:off x="9136266" y="701413"/>
+            <a:ext cx="801758" cy="685800"/>
+          </a:xfrm>
+          <a:prstGeom prst="rect">
+            <a:avLst/>
+          </a:prstGeom>
+          <a:solidFill>
+            <a:schemeClr val="accent6">
+              <a:lumMod val="40000"/>
+              <a:lumOff val="60000"/>
+            </a:schemeClr>
+          </a:solidFill>
+          <a:ln>
+            <a:solidFill>
+              <a:schemeClr val="tx1">
+                <a:lumMod val="75000"/>
+                <a:lumOff val="25000"/>
+              </a:schemeClr>
+            </a:solidFill>
+          </a:ln>
+        </p:spPr>
+        <p:style>
+          <a:lnRef idx="2">
+            <a:schemeClr val="accent1">
+              <a:shade val="50000"/>
+            </a:schemeClr>
+          </a:lnRef>
+          <a:fillRef idx="1">
+            <a:schemeClr val="accent1"/>
+          </a:fillRef>
+          <a:effectRef idx="0">
+            <a:schemeClr val="accent1"/>
+          </a:effectRef>
+          <a:fontRef idx="minor">
+            <a:schemeClr val="lt1"/>
+          </a:fontRef>
+        </p:style>
+        <p:txBody>
+          <a:bodyPr rtlCol="0" anchor="ctr"/>
+          <a:lstStyle/>
+          <a:p>
+            <a:pPr algn="ctr"/>
+            <a:endParaRPr lang="en-GB"/>
+          </a:p>
+        </p:txBody>
+      </p:sp>
+      <p:sp>
+        <p:nvSpPr>
+          <p:cNvPr id="15" name="Rectangle 14">
+            <a:extLst>
+              <a:ext uri="{FF2B5EF4-FFF2-40B4-BE49-F238E27FC236}">
+                <a16:creationId xmlns:a16="http://schemas.microsoft.com/office/drawing/2014/main" id="{FD2E4C0E-C29C-A149-98B3-93BB03ED7E6E}"/>
+              </a:ext>
+            </a:extLst>
+          </p:cNvPr>
+          <p:cNvSpPr/>
+          <p:nvPr/>
+        </p:nvSpPr>
+        <p:spPr>
+          <a:xfrm>
+            <a:off x="10015326" y="701413"/>
+            <a:ext cx="801758" cy="685800"/>
+          </a:xfrm>
+          <a:prstGeom prst="rect">
+            <a:avLst/>
+          </a:prstGeom>
+          <a:solidFill>
+            <a:schemeClr val="accent6">
+              <a:lumMod val="20000"/>
+              <a:lumOff val="80000"/>
+            </a:schemeClr>
+          </a:solidFill>
+          <a:ln>
+            <a:solidFill>
+              <a:schemeClr val="tx1">
+                <a:lumMod val="75000"/>
+                <a:lumOff val="25000"/>
+              </a:schemeClr>
+            </a:solidFill>
+          </a:ln>
+        </p:spPr>
+        <p:style>
+          <a:lnRef idx="2">
+            <a:schemeClr val="accent1">
+              <a:shade val="50000"/>
+            </a:schemeClr>
+          </a:lnRef>
+          <a:fillRef idx="1">
+            <a:schemeClr val="accent1"/>
+          </a:fillRef>
+          <a:effectRef idx="0">
+            <a:schemeClr val="accent1"/>
+          </a:effectRef>
+          <a:fontRef idx="minor">
+            <a:schemeClr val="lt1"/>
+          </a:fontRef>
+        </p:style>
+        <p:txBody>
+          <a:bodyPr rtlCol="0" anchor="ctr"/>
+          <a:lstStyle/>
+          <a:p>
+            <a:pPr algn="ctr"/>
+            <a:endParaRPr lang="en-GB"/>
+          </a:p>
+        </p:txBody>
+      </p:sp>
+      <p:sp>
+        <p:nvSpPr>
+          <p:cNvPr id="16" name="Rectangle 15">
+            <a:extLst>
+              <a:ext uri="{FF2B5EF4-FFF2-40B4-BE49-F238E27FC236}">
+                <a16:creationId xmlns:a16="http://schemas.microsoft.com/office/drawing/2014/main" id="{61F8BB6E-734D-1A48-9E59-2EEC7B3FC417}"/>
+              </a:ext>
+            </a:extLst>
+          </p:cNvPr>
+          <p:cNvSpPr/>
+          <p:nvPr/>
+        </p:nvSpPr>
+        <p:spPr>
+          <a:xfrm>
+            <a:off x="7378146" y="2175249"/>
+            <a:ext cx="801758" cy="685800"/>
+          </a:xfrm>
+          <a:prstGeom prst="rect">
+            <a:avLst/>
+          </a:prstGeom>
+          <a:solidFill>
+            <a:schemeClr val="accent4">
+              <a:lumMod val="60000"/>
+              <a:lumOff val="40000"/>
+            </a:schemeClr>
+          </a:solidFill>
+          <a:ln>
+            <a:solidFill>
+              <a:schemeClr val="tx1">
+                <a:lumMod val="75000"/>
+                <a:lumOff val="25000"/>
+              </a:schemeClr>
+            </a:solidFill>
+          </a:ln>
+        </p:spPr>
+        <p:style>
+          <a:lnRef idx="2">
+            <a:schemeClr val="accent1">
+              <a:shade val="50000"/>
+            </a:schemeClr>
+          </a:lnRef>
+          <a:fillRef idx="1">
+            <a:schemeClr val="accent1"/>
+          </a:fillRef>
+          <a:effectRef idx="0">
+            <a:schemeClr val="accent1"/>
+          </a:effectRef>
+          <a:fontRef idx="minor">
+            <a:schemeClr val="lt1"/>
+          </a:fontRef>
+        </p:style>
+        <p:txBody>
+          <a:bodyPr rtlCol="0" anchor="ctr"/>
+          <a:lstStyle/>
+          <a:p>
+            <a:pPr algn="ctr"/>
+            <a:endParaRPr lang="en-GB"/>
+          </a:p>
+        </p:txBody>
+      </p:sp>
+      <p:sp>
+        <p:nvSpPr>
+          <p:cNvPr id="17" name="Rectangle 16">
+            <a:extLst>
+              <a:ext uri="{FF2B5EF4-FFF2-40B4-BE49-F238E27FC236}">
+                <a16:creationId xmlns:a16="http://schemas.microsoft.com/office/drawing/2014/main" id="{ECD7417F-7227-1640-A1EB-7FB77352EDD0}"/>
+              </a:ext>
+            </a:extLst>
+          </p:cNvPr>
+          <p:cNvSpPr/>
+          <p:nvPr/>
+        </p:nvSpPr>
+        <p:spPr>
+          <a:xfrm>
+            <a:off x="8257206" y="2175249"/>
+            <a:ext cx="801758" cy="685800"/>
+          </a:xfrm>
+          <a:prstGeom prst="rect">
+            <a:avLst/>
+          </a:prstGeom>
+          <a:solidFill>
+            <a:schemeClr val="accent4">
+              <a:lumMod val="40000"/>
+              <a:lumOff val="60000"/>
+            </a:schemeClr>
+          </a:solidFill>
+          <a:ln>
+            <a:solidFill>
+              <a:schemeClr val="tx1">
+                <a:lumMod val="75000"/>
+                <a:lumOff val="25000"/>
+              </a:schemeClr>
+            </a:solidFill>
+          </a:ln>
+        </p:spPr>
+        <p:style>
+          <a:lnRef idx="2">
+            <a:schemeClr val="accent1">
+              <a:shade val="50000"/>
+            </a:schemeClr>
+          </a:lnRef>
+          <a:fillRef idx="1">
+            <a:schemeClr val="accent1"/>
+          </a:fillRef>
+          <a:effectRef idx="0">
+            <a:schemeClr val="accent1"/>
+          </a:effectRef>
+          <a:fontRef idx="minor">
+            <a:schemeClr val="lt1"/>
+          </a:fontRef>
+        </p:style>
+        <p:txBody>
+          <a:bodyPr rtlCol="0" anchor="ctr"/>
+          <a:lstStyle/>
+          <a:p>
+            <a:pPr algn="ctr"/>
+            <a:endParaRPr lang="en-GB"/>
+          </a:p>
+        </p:txBody>
+      </p:sp>
+      <p:sp>
+        <p:nvSpPr>
+          <p:cNvPr id="18" name="Rectangle 17">
+            <a:extLst>
+              <a:ext uri="{FF2B5EF4-FFF2-40B4-BE49-F238E27FC236}">
+                <a16:creationId xmlns:a16="http://schemas.microsoft.com/office/drawing/2014/main" id="{80ABE64D-F68D-CC41-A022-91F43A4FE774}"/>
+              </a:ext>
+            </a:extLst>
+          </p:cNvPr>
+          <p:cNvSpPr/>
+          <p:nvPr/>
+        </p:nvSpPr>
+        <p:spPr>
+          <a:xfrm>
+            <a:off x="7378146" y="2912167"/>
+            <a:ext cx="801758" cy="685800"/>
+          </a:xfrm>
+          <a:prstGeom prst="rect">
+            <a:avLst/>
+          </a:prstGeom>
+          <a:solidFill>
+            <a:schemeClr val="accent3">
+              <a:lumMod val="60000"/>
+              <a:lumOff val="40000"/>
+            </a:schemeClr>
+          </a:solidFill>
+          <a:ln>
+            <a:solidFill>
+              <a:schemeClr val="tx1">
+                <a:lumMod val="75000"/>
+                <a:lumOff val="25000"/>
+              </a:schemeClr>
+            </a:solidFill>
+          </a:ln>
+        </p:spPr>
+        <p:style>
+          <a:lnRef idx="2">
+            <a:schemeClr val="accent1">
+              <a:shade val="50000"/>
+            </a:schemeClr>
+          </a:lnRef>
+          <a:fillRef idx="1">
+            <a:schemeClr val="accent1"/>
+          </a:fillRef>
+          <a:effectRef idx="0">
+            <a:schemeClr val="accent1"/>
+          </a:effectRef>
+          <a:fontRef idx="minor">
+            <a:schemeClr val="lt1"/>
+          </a:fontRef>
+        </p:style>
+        <p:txBody>
+          <a:bodyPr rtlCol="0" anchor="ctr"/>
+          <a:lstStyle/>
+          <a:p>
+            <a:pPr algn="ctr"/>
+            <a:endParaRPr lang="en-GB"/>
+          </a:p>
+        </p:txBody>
+      </p:sp>
+      <p:sp>
+        <p:nvSpPr>
+          <p:cNvPr id="19" name="Rectangle 18">
+            <a:extLst>
+              <a:ext uri="{FF2B5EF4-FFF2-40B4-BE49-F238E27FC236}">
+                <a16:creationId xmlns:a16="http://schemas.microsoft.com/office/drawing/2014/main" id="{42C9A58E-7415-EA4E-9A78-1EAC580913B5}"/>
+              </a:ext>
+            </a:extLst>
+          </p:cNvPr>
+          <p:cNvSpPr/>
+          <p:nvPr/>
+        </p:nvSpPr>
+        <p:spPr>
+          <a:xfrm>
+            <a:off x="8257206" y="2912167"/>
+            <a:ext cx="801758" cy="685800"/>
+          </a:xfrm>
+          <a:prstGeom prst="rect">
+            <a:avLst/>
+          </a:prstGeom>
+          <a:solidFill>
+            <a:schemeClr val="accent3">
+              <a:lumMod val="40000"/>
+              <a:lumOff val="60000"/>
+            </a:schemeClr>
+          </a:solidFill>
+          <a:ln>
+            <a:solidFill>
+              <a:schemeClr val="tx1">
+                <a:lumMod val="75000"/>
+                <a:lumOff val="25000"/>
+              </a:schemeClr>
+            </a:solidFill>
+          </a:ln>
+        </p:spPr>
+        <p:style>
+          <a:lnRef idx="2">
+            <a:schemeClr val="accent1">
+              <a:shade val="50000"/>
+            </a:schemeClr>
+          </a:lnRef>
+          <a:fillRef idx="1">
+            <a:schemeClr val="accent1"/>
+          </a:fillRef>
+          <a:effectRef idx="0">
+            <a:schemeClr val="accent1"/>
+          </a:effectRef>
+          <a:fontRef idx="minor">
+            <a:schemeClr val="lt1"/>
+          </a:fontRef>
+        </p:style>
+        <p:txBody>
+          <a:bodyPr rtlCol="0" anchor="ctr"/>
+          <a:lstStyle/>
+          <a:p>
+            <a:pPr algn="ctr"/>
+            <a:endParaRPr lang="en-GB"/>
+          </a:p>
+        </p:txBody>
+      </p:sp>
+      <p:sp>
+        <p:nvSpPr>
+          <p:cNvPr id="20" name="Rectangle 19">
+            <a:extLst>
+              <a:ext uri="{FF2B5EF4-FFF2-40B4-BE49-F238E27FC236}">
+                <a16:creationId xmlns:a16="http://schemas.microsoft.com/office/drawing/2014/main" id="{47D95489-9184-664C-A821-DFEB1AEA38A5}"/>
+              </a:ext>
+            </a:extLst>
+          </p:cNvPr>
+          <p:cNvSpPr/>
+          <p:nvPr/>
+        </p:nvSpPr>
+        <p:spPr>
+          <a:xfrm>
+            <a:off x="9136266" y="2912167"/>
+            <a:ext cx="801758" cy="685800"/>
+          </a:xfrm>
+          <a:prstGeom prst="rect">
+            <a:avLst/>
+          </a:prstGeom>
+          <a:solidFill>
+            <a:schemeClr val="accent3">
+              <a:lumMod val="20000"/>
+              <a:lumOff val="80000"/>
+            </a:schemeClr>
+          </a:solidFill>
+          <a:ln>
+            <a:solidFill>
+              <a:schemeClr val="tx1">
+                <a:lumMod val="75000"/>
+                <a:lumOff val="25000"/>
+              </a:schemeClr>
+            </a:solidFill>
+          </a:ln>
+        </p:spPr>
+        <p:style>
+          <a:lnRef idx="2">
+            <a:schemeClr val="accent1">
+              <a:shade val="50000"/>
+            </a:schemeClr>
+          </a:lnRef>
+          <a:fillRef idx="1">
+            <a:schemeClr val="accent1"/>
+          </a:fillRef>
+          <a:effectRef idx="0">
+            <a:schemeClr val="accent1"/>
+          </a:effectRef>
+          <a:fontRef idx="minor">
+            <a:schemeClr val="lt1"/>
+          </a:fontRef>
+        </p:style>
+        <p:txBody>
+          <a:bodyPr rtlCol="0" anchor="ctr"/>
+          <a:lstStyle/>
+          <a:p>
+            <a:pPr algn="ctr"/>
+            <a:endParaRPr lang="en-GB"/>
+          </a:p>
+        </p:txBody>
+      </p:sp>
+      <p:sp>
+        <p:nvSpPr>
+          <p:cNvPr id="21" name="Rectangle 20">
+            <a:extLst>
+              <a:ext uri="{FF2B5EF4-FFF2-40B4-BE49-F238E27FC236}">
+                <a16:creationId xmlns:a16="http://schemas.microsoft.com/office/drawing/2014/main" id="{D6490C35-827C-1B42-AB8A-5234076EF9A6}"/>
+              </a:ext>
+            </a:extLst>
+          </p:cNvPr>
+          <p:cNvSpPr/>
+          <p:nvPr/>
+        </p:nvSpPr>
+        <p:spPr>
+          <a:xfrm>
+            <a:off x="7378146" y="4386003"/>
+            <a:ext cx="801758" cy="685800"/>
+          </a:xfrm>
+          <a:prstGeom prst="rect">
+            <a:avLst/>
+          </a:prstGeom>
+          <a:solidFill>
+            <a:schemeClr val="accent1">
+              <a:lumMod val="60000"/>
+              <a:lumOff val="40000"/>
+            </a:schemeClr>
+          </a:solidFill>
+          <a:ln>
+            <a:solidFill>
+              <a:schemeClr val="tx1">
+                <a:lumMod val="75000"/>
+                <a:lumOff val="25000"/>
+              </a:schemeClr>
+            </a:solidFill>
+          </a:ln>
+        </p:spPr>
+        <p:style>
+          <a:lnRef idx="2">
+            <a:schemeClr val="accent1">
+              <a:shade val="50000"/>
+            </a:schemeClr>
+          </a:lnRef>
+          <a:fillRef idx="1">
+            <a:schemeClr val="accent1"/>
+          </a:fillRef>
+          <a:effectRef idx="0">
+            <a:schemeClr val="accent1"/>
+          </a:effectRef>
+          <a:fontRef idx="minor">
+            <a:schemeClr val="lt1"/>
+          </a:fontRef>
+        </p:style>
+        <p:txBody>
+          <a:bodyPr rtlCol="0" anchor="ctr"/>
+          <a:lstStyle/>
+          <a:p>
+            <a:pPr algn="ctr"/>
+            <a:endParaRPr lang="en-GB"/>
+          </a:p>
+        </p:txBody>
+      </p:sp>
+      <p:sp>
+        <p:nvSpPr>
+          <p:cNvPr id="22" name="TextBox 21">
+            <a:extLst>
+              <a:ext uri="{FF2B5EF4-FFF2-40B4-BE49-F238E27FC236}">
+                <a16:creationId xmlns:a16="http://schemas.microsoft.com/office/drawing/2014/main" id="{30C38E19-01B6-EC4A-8191-A3A47F8CFE74}"/>
+              </a:ext>
+            </a:extLst>
+          </p:cNvPr>
+          <p:cNvSpPr txBox="1"/>
+          <p:nvPr/>
+        </p:nvSpPr>
+        <p:spPr>
+          <a:xfrm>
+            <a:off x="5415722" y="121856"/>
+            <a:ext cx="817211" cy="369332"/>
+          </a:xfrm>
+          <a:prstGeom prst="rect">
+            <a:avLst/>
+          </a:prstGeom>
+          <a:noFill/>
+        </p:spPr>
+        <p:txBody>
+          <a:bodyPr wrap="none" rtlCol="0">
+            <a:spAutoFit/>
+          </a:bodyPr>
+          <a:lstStyle/>
+          <a:p>
+            <a:r>
+              <a:rPr lang="en-GB" dirty="0"/>
+              <a:t>Bucket</a:t>
+            </a:r>
+          </a:p>
+        </p:txBody>
+      </p:sp>
+      <p:cxnSp>
+        <p:nvCxnSpPr>
+          <p:cNvPr id="29" name="Straight Arrow Connector 28">
+            <a:extLst>
+              <a:ext uri="{FF2B5EF4-FFF2-40B4-BE49-F238E27FC236}">
+                <a16:creationId xmlns:a16="http://schemas.microsoft.com/office/drawing/2014/main" id="{AEA644C4-A8B5-454D-BD52-DB43DC2B620F}"/>
+              </a:ext>
+            </a:extLst>
+          </p:cNvPr>
+          <p:cNvCxnSpPr>
+            <a:cxnSpLocks/>
+            <a:stCxn id="4" idx="3"/>
+            <a:endCxn id="12" idx="1"/>
+          </p:cNvCxnSpPr>
+          <p:nvPr/>
+        </p:nvCxnSpPr>
+        <p:spPr>
+          <a:xfrm>
+            <a:off x="6679094" y="1044313"/>
+            <a:ext cx="699052" cy="0"/>
+          </a:xfrm>
+          <a:prstGeom prst="straightConnector1">
+            <a:avLst/>
+          </a:prstGeom>
+          <a:ln w="12700">
+            <a:solidFill>
+              <a:schemeClr val="tx1">
+                <a:lumMod val="75000"/>
+                <a:lumOff val="25000"/>
+              </a:schemeClr>
+            </a:solidFill>
+            <a:tailEnd type="triangle"/>
+          </a:ln>
+        </p:spPr>
+        <p:style>
+          <a:lnRef idx="1">
+            <a:schemeClr val="accent1"/>
+          </a:lnRef>
+          <a:fillRef idx="0">
+            <a:schemeClr val="accent1"/>
+          </a:fillRef>
+          <a:effectRef idx="0">
+            <a:schemeClr val="accent1"/>
+          </a:effectRef>
+          <a:fontRef idx="minor">
+            <a:schemeClr val="tx1"/>
+          </a:fontRef>
+        </p:style>
+      </p:cxnSp>
+      <p:cxnSp>
+        <p:nvCxnSpPr>
+          <p:cNvPr id="32" name="Straight Arrow Connector 31">
+            <a:extLst>
+              <a:ext uri="{FF2B5EF4-FFF2-40B4-BE49-F238E27FC236}">
+                <a16:creationId xmlns:a16="http://schemas.microsoft.com/office/drawing/2014/main" id="{92A58AE9-E73E-DE42-8F0D-378CA7FE23D0}"/>
+              </a:ext>
+            </a:extLst>
+          </p:cNvPr>
+          <p:cNvCxnSpPr>
+            <a:cxnSpLocks/>
+          </p:cNvCxnSpPr>
+          <p:nvPr/>
+        </p:nvCxnSpPr>
+        <p:spPr>
+          <a:xfrm>
+            <a:off x="6679094" y="2542043"/>
+            <a:ext cx="699052" cy="0"/>
+          </a:xfrm>
+          <a:prstGeom prst="straightConnector1">
+            <a:avLst/>
+          </a:prstGeom>
+          <a:ln w="12700">
+            <a:solidFill>
+              <a:schemeClr val="tx1">
+                <a:lumMod val="75000"/>
+                <a:lumOff val="25000"/>
+              </a:schemeClr>
+            </a:solidFill>
+            <a:tailEnd type="triangle"/>
+          </a:ln>
+        </p:spPr>
+        <p:style>
+          <a:lnRef idx="1">
+            <a:schemeClr val="accent1"/>
+          </a:lnRef>
+          <a:fillRef idx="0">
+            <a:schemeClr val="accent1"/>
+          </a:fillRef>
+          <a:effectRef idx="0">
+            <a:schemeClr val="accent1"/>
+          </a:effectRef>
+          <a:fontRef idx="minor">
+            <a:schemeClr val="tx1"/>
+          </a:fontRef>
+        </p:style>
+      </p:cxnSp>
+      <p:cxnSp>
+        <p:nvCxnSpPr>
+          <p:cNvPr id="33" name="Straight Arrow Connector 32">
+            <a:extLst>
+              <a:ext uri="{FF2B5EF4-FFF2-40B4-BE49-F238E27FC236}">
+                <a16:creationId xmlns:a16="http://schemas.microsoft.com/office/drawing/2014/main" id="{9CE49648-689F-534F-BF1A-83728C09B043}"/>
+              </a:ext>
+            </a:extLst>
+          </p:cNvPr>
+          <p:cNvCxnSpPr>
+            <a:cxnSpLocks/>
+          </p:cNvCxnSpPr>
+          <p:nvPr/>
+        </p:nvCxnSpPr>
+        <p:spPr>
+          <a:xfrm>
+            <a:off x="6679094" y="3246065"/>
+            <a:ext cx="699052" cy="0"/>
+          </a:xfrm>
+          <a:prstGeom prst="straightConnector1">
+            <a:avLst/>
+          </a:prstGeom>
+          <a:ln w="12700">
+            <a:solidFill>
+              <a:schemeClr val="tx1">
+                <a:lumMod val="75000"/>
+                <a:lumOff val="25000"/>
+              </a:schemeClr>
+            </a:solidFill>
+            <a:tailEnd type="triangle"/>
+          </a:ln>
+        </p:spPr>
+        <p:style>
+          <a:lnRef idx="1">
+            <a:schemeClr val="accent1"/>
+          </a:lnRef>
+          <a:fillRef idx="0">
+            <a:schemeClr val="accent1"/>
+          </a:fillRef>
+          <a:effectRef idx="0">
+            <a:schemeClr val="accent1"/>
+          </a:effectRef>
+          <a:fontRef idx="minor">
+            <a:schemeClr val="tx1"/>
+          </a:fontRef>
+        </p:style>
+      </p:cxnSp>
+      <p:cxnSp>
+        <p:nvCxnSpPr>
+          <p:cNvPr id="34" name="Straight Arrow Connector 33">
+            <a:extLst>
+              <a:ext uri="{FF2B5EF4-FFF2-40B4-BE49-F238E27FC236}">
+                <a16:creationId xmlns:a16="http://schemas.microsoft.com/office/drawing/2014/main" id="{D827D052-2581-9C49-8950-195F133DCCAB}"/>
+              </a:ext>
+            </a:extLst>
+          </p:cNvPr>
+          <p:cNvCxnSpPr>
+            <a:cxnSpLocks/>
+          </p:cNvCxnSpPr>
+          <p:nvPr/>
+        </p:nvCxnSpPr>
+        <p:spPr>
+          <a:xfrm>
+            <a:off x="6679094" y="4738123"/>
+            <a:ext cx="699052" cy="0"/>
+          </a:xfrm>
+          <a:prstGeom prst="straightConnector1">
+            <a:avLst/>
+          </a:prstGeom>
+          <a:ln w="12700">
+            <a:solidFill>
+              <a:schemeClr val="tx1">
+                <a:lumMod val="75000"/>
+                <a:lumOff val="25000"/>
+              </a:schemeClr>
+            </a:solidFill>
+            <a:tailEnd type="triangle"/>
+          </a:ln>
+        </p:spPr>
+        <p:style>
+          <a:lnRef idx="1">
+            <a:schemeClr val="accent1"/>
+          </a:lnRef>
+          <a:fillRef idx="0">
+            <a:schemeClr val="accent1"/>
+          </a:fillRef>
+          <a:effectRef idx="0">
+            <a:schemeClr val="accent1"/>
+          </a:effectRef>
+          <a:fontRef idx="minor">
+            <a:schemeClr val="tx1"/>
+          </a:fontRef>
+        </p:style>
+      </p:cxnSp>
+      <p:sp>
+        <p:nvSpPr>
+          <p:cNvPr id="35" name="TextBox 34">
+            <a:extLst>
+              <a:ext uri="{FF2B5EF4-FFF2-40B4-BE49-F238E27FC236}">
+                <a16:creationId xmlns:a16="http://schemas.microsoft.com/office/drawing/2014/main" id="{83700A9D-BDE3-9449-9D3D-60F09260A66A}"/>
+              </a:ext>
+            </a:extLst>
+          </p:cNvPr>
+          <p:cNvSpPr txBox="1"/>
+          <p:nvPr/>
+        </p:nvSpPr>
+        <p:spPr>
+          <a:xfrm>
+            <a:off x="8144429" y="121856"/>
+            <a:ext cx="1827103" cy="369332"/>
+          </a:xfrm>
+          <a:prstGeom prst="rect">
+            <a:avLst/>
+          </a:prstGeom>
+          <a:noFill/>
+        </p:spPr>
+        <p:txBody>
+          <a:bodyPr wrap="none" rtlCol="0">
+            <a:spAutoFit/>
+          </a:bodyPr>
+          <a:lstStyle/>
+          <a:p>
+            <a:r>
+              <a:rPr lang="en-GB" dirty="0"/>
+              <a:t>Hashtable entries</a:t>
+            </a:r>
+          </a:p>
+        </p:txBody>
+      </p:sp>
+      <p:sp>
+        <p:nvSpPr>
+          <p:cNvPr id="36" name="Rectangle 35">
+            <a:extLst>
+              <a:ext uri="{FF2B5EF4-FFF2-40B4-BE49-F238E27FC236}">
+                <a16:creationId xmlns:a16="http://schemas.microsoft.com/office/drawing/2014/main" id="{0959BB0B-E47B-E34E-AE2B-53973A66D881}"/>
+              </a:ext>
+            </a:extLst>
+          </p:cNvPr>
+          <p:cNvSpPr/>
+          <p:nvPr/>
+        </p:nvSpPr>
+        <p:spPr>
+          <a:xfrm>
+            <a:off x="4641574" y="121856"/>
+            <a:ext cx="6450496" cy="6636754"/>
+          </a:xfrm>
+          <a:prstGeom prst="rect">
+            <a:avLst/>
+          </a:prstGeom>
+          <a:noFill/>
+          <a:ln>
+            <a:solidFill>
+              <a:schemeClr val="tx1">
+                <a:lumMod val="75000"/>
+                <a:lumOff val="25000"/>
+              </a:schemeClr>
+            </a:solidFill>
+            <a:prstDash val="sysDash"/>
+          </a:ln>
+        </p:spPr>
+        <p:style>
+          <a:lnRef idx="2">
+            <a:schemeClr val="accent1">
+              <a:shade val="50000"/>
+            </a:schemeClr>
+          </a:lnRef>
+          <a:fillRef idx="1">
+            <a:schemeClr val="accent1"/>
+          </a:fillRef>
+          <a:effectRef idx="0">
+            <a:schemeClr val="accent1"/>
+          </a:effectRef>
+          <a:fontRef idx="minor">
+            <a:schemeClr val="lt1"/>
+          </a:fontRef>
+        </p:style>
+        <p:txBody>
+          <a:bodyPr rtlCol="0" anchor="ctr"/>
+          <a:lstStyle/>
+          <a:p>
+            <a:pPr algn="ctr"/>
+            <a:endParaRPr lang="en-GB"/>
+          </a:p>
+        </p:txBody>
+      </p:sp>
+      <p:sp>
+        <p:nvSpPr>
+          <p:cNvPr id="37" name="TextBox 36">
+            <a:extLst>
+              <a:ext uri="{FF2B5EF4-FFF2-40B4-BE49-F238E27FC236}">
+                <a16:creationId xmlns:a16="http://schemas.microsoft.com/office/drawing/2014/main" id="{B633F677-028C-0747-8B46-DFA55FE89060}"/>
+              </a:ext>
+            </a:extLst>
+          </p:cNvPr>
+          <p:cNvSpPr txBox="1"/>
+          <p:nvPr/>
+        </p:nvSpPr>
+        <p:spPr>
+          <a:xfrm>
+            <a:off x="1633859" y="859647"/>
+            <a:ext cx="1123897" cy="369332"/>
+          </a:xfrm>
+          <a:prstGeom prst="rect">
+            <a:avLst/>
+          </a:prstGeom>
+          <a:noFill/>
+        </p:spPr>
+        <p:txBody>
+          <a:bodyPr wrap="none" rtlCol="0">
+            <a:spAutoFit/>
+          </a:bodyPr>
+          <a:lstStyle/>
+          <a:p>
+            <a:r>
+              <a:rPr lang="en-GB" dirty="0"/>
+              <a:t>Hashtable</a:t>
+            </a:r>
+          </a:p>
+        </p:txBody>
+      </p:sp>
+      <p:sp>
+        <p:nvSpPr>
+          <p:cNvPr id="39" name="TextBox 38">
+            <a:extLst>
+              <a:ext uri="{FF2B5EF4-FFF2-40B4-BE49-F238E27FC236}">
+                <a16:creationId xmlns:a16="http://schemas.microsoft.com/office/drawing/2014/main" id="{8BF4539B-5BE0-B849-8B51-E1EA386EFB3E}"/>
+              </a:ext>
+            </a:extLst>
+          </p:cNvPr>
+          <p:cNvSpPr txBox="1"/>
+          <p:nvPr/>
+        </p:nvSpPr>
+        <p:spPr>
+          <a:xfrm>
+            <a:off x="1099930" y="2357377"/>
+            <a:ext cx="1657826" cy="369332"/>
+          </a:xfrm>
+          <a:prstGeom prst="rect">
+            <a:avLst/>
+          </a:prstGeom>
+          <a:noFill/>
+        </p:spPr>
+        <p:txBody>
+          <a:bodyPr wrap="none" rtlCol="0">
+            <a:spAutoFit/>
+          </a:bodyPr>
+          <a:lstStyle/>
+          <a:p>
+            <a:r>
+              <a:rPr lang="en-GB" dirty="0"/>
+              <a:t>A list of buckets</a:t>
+            </a:r>
+          </a:p>
+        </p:txBody>
+      </p:sp>
+      <p:sp>
+        <p:nvSpPr>
+          <p:cNvPr id="40" name="TextBox 39">
+            <a:extLst>
+              <a:ext uri="{FF2B5EF4-FFF2-40B4-BE49-F238E27FC236}">
+                <a16:creationId xmlns:a16="http://schemas.microsoft.com/office/drawing/2014/main" id="{0459E707-FFB7-2F45-82CF-E443A5502A37}"/>
+              </a:ext>
+            </a:extLst>
+          </p:cNvPr>
+          <p:cNvSpPr txBox="1"/>
+          <p:nvPr/>
+        </p:nvSpPr>
+        <p:spPr>
+          <a:xfrm>
+            <a:off x="8849587" y="4414957"/>
+            <a:ext cx="1967497" cy="646331"/>
+          </a:xfrm>
+          <a:prstGeom prst="rect">
+            <a:avLst/>
+          </a:prstGeom>
+          <a:noFill/>
+        </p:spPr>
+        <p:txBody>
+          <a:bodyPr wrap="square" rtlCol="0">
+            <a:spAutoFit/>
+          </a:bodyPr>
+          <a:lstStyle/>
+          <a:p>
+            <a:r>
+              <a:rPr lang="en-GB" dirty="0"/>
+              <a:t>Each bucket points to another list</a:t>
+            </a:r>
+          </a:p>
+        </p:txBody>
+      </p:sp>
+      <p:cxnSp>
+        <p:nvCxnSpPr>
+          <p:cNvPr id="41" name="Straight Arrow Connector 40">
+            <a:extLst>
+              <a:ext uri="{FF2B5EF4-FFF2-40B4-BE49-F238E27FC236}">
+                <a16:creationId xmlns:a16="http://schemas.microsoft.com/office/drawing/2014/main" id="{D6300FB5-6D04-BD40-8E1E-9949FE93828A}"/>
+              </a:ext>
+            </a:extLst>
+          </p:cNvPr>
+          <p:cNvCxnSpPr>
+            <a:cxnSpLocks/>
+          </p:cNvCxnSpPr>
+          <p:nvPr/>
+        </p:nvCxnSpPr>
+        <p:spPr>
+          <a:xfrm>
+            <a:off x="2728016" y="1044313"/>
+            <a:ext cx="1913558" cy="0"/>
+          </a:xfrm>
+          <a:prstGeom prst="straightConnector1">
+            <a:avLst/>
+          </a:prstGeom>
+          <a:ln w="12700">
+            <a:solidFill>
+              <a:schemeClr val="tx1">
+                <a:lumMod val="75000"/>
+                <a:lumOff val="25000"/>
+              </a:schemeClr>
+            </a:solidFill>
+            <a:tailEnd type="triangle"/>
+          </a:ln>
+        </p:spPr>
+        <p:style>
+          <a:lnRef idx="1">
+            <a:schemeClr val="accent1"/>
+          </a:lnRef>
+          <a:fillRef idx="0">
+            <a:schemeClr val="accent1"/>
+          </a:fillRef>
+          <a:effectRef idx="0">
+            <a:schemeClr val="accent1"/>
+          </a:effectRef>
+          <a:fontRef idx="minor">
+            <a:schemeClr val="tx1"/>
+          </a:fontRef>
+        </p:style>
+      </p:cxnSp>
+      <p:cxnSp>
+        <p:nvCxnSpPr>
+          <p:cNvPr id="43" name="Straight Arrow Connector 42">
+            <a:extLst>
+              <a:ext uri="{FF2B5EF4-FFF2-40B4-BE49-F238E27FC236}">
+                <a16:creationId xmlns:a16="http://schemas.microsoft.com/office/drawing/2014/main" id="{ACC10CBB-3DBA-F24A-8E4F-57951B0FBD5B}"/>
+              </a:ext>
+            </a:extLst>
+          </p:cNvPr>
+          <p:cNvCxnSpPr>
+            <a:cxnSpLocks/>
+          </p:cNvCxnSpPr>
+          <p:nvPr/>
+        </p:nvCxnSpPr>
+        <p:spPr>
+          <a:xfrm>
+            <a:off x="2728016" y="2542043"/>
+            <a:ext cx="2072584" cy="0"/>
+          </a:xfrm>
+          <a:prstGeom prst="straightConnector1">
+            <a:avLst/>
+          </a:prstGeom>
+          <a:ln w="12700">
+            <a:solidFill>
+              <a:schemeClr val="tx1">
+                <a:lumMod val="75000"/>
+                <a:lumOff val="25000"/>
+              </a:schemeClr>
+            </a:solidFill>
+            <a:tailEnd type="triangle"/>
+          </a:ln>
+        </p:spPr>
+        <p:style>
+          <a:lnRef idx="1">
+            <a:schemeClr val="accent1"/>
+          </a:lnRef>
+          <a:fillRef idx="0">
+            <a:schemeClr val="accent1"/>
+          </a:fillRef>
+          <a:effectRef idx="0">
+            <a:schemeClr val="accent1"/>
+          </a:effectRef>
+          <a:fontRef idx="minor">
+            <a:schemeClr val="tx1"/>
+          </a:fontRef>
+        </p:style>
+      </p:cxnSp>
+      <p:cxnSp>
+        <p:nvCxnSpPr>
+          <p:cNvPr id="45" name="Straight Arrow Connector 44">
+            <a:extLst>
+              <a:ext uri="{FF2B5EF4-FFF2-40B4-BE49-F238E27FC236}">
+                <a16:creationId xmlns:a16="http://schemas.microsoft.com/office/drawing/2014/main" id="{5D27024F-77EE-A042-B512-86180BD89F1B}"/>
+              </a:ext>
+            </a:extLst>
+          </p:cNvPr>
+          <p:cNvCxnSpPr>
+            <a:cxnSpLocks/>
+            <a:stCxn id="40" idx="0"/>
+          </p:cNvCxnSpPr>
+          <p:nvPr/>
+        </p:nvCxnSpPr>
+        <p:spPr>
+          <a:xfrm flipH="1" flipV="1">
+            <a:off x="9562103" y="3682200"/>
+            <a:ext cx="271233" cy="732757"/>
+          </a:xfrm>
+          <a:prstGeom prst="straightConnector1">
+            <a:avLst/>
+          </a:prstGeom>
+          <a:ln w="12700">
+            <a:solidFill>
+              <a:schemeClr val="tx1">
+                <a:lumMod val="75000"/>
+                <a:lumOff val="25000"/>
+              </a:schemeClr>
+            </a:solidFill>
+            <a:tailEnd type="triangle"/>
+          </a:ln>
+        </p:spPr>
+        <p:style>
+          <a:lnRef idx="1">
+            <a:schemeClr val="accent1"/>
+          </a:lnRef>
+          <a:fillRef idx="0">
+            <a:schemeClr val="accent1"/>
+          </a:fillRef>
+          <a:effectRef idx="0">
+            <a:schemeClr val="accent1"/>
+          </a:effectRef>
+          <a:fontRef idx="minor">
+            <a:schemeClr val="tx1"/>
+          </a:fontRef>
+        </p:style>
+      </p:cxnSp>
+      <p:sp>
+        <p:nvSpPr>
+          <p:cNvPr id="48" name="Rectangle 47">
+            <a:extLst>
+              <a:ext uri="{FF2B5EF4-FFF2-40B4-BE49-F238E27FC236}">
+                <a16:creationId xmlns:a16="http://schemas.microsoft.com/office/drawing/2014/main" id="{BB56BC8D-F3D8-3646-B778-0AA4A73702C2}"/>
+              </a:ext>
+            </a:extLst>
+          </p:cNvPr>
+          <p:cNvSpPr/>
+          <p:nvPr/>
+        </p:nvSpPr>
+        <p:spPr>
+          <a:xfrm>
+            <a:off x="4811419" y="549092"/>
+            <a:ext cx="2011467" cy="6110115"/>
+          </a:xfrm>
+          <a:prstGeom prst="rect">
+            <a:avLst/>
+          </a:prstGeom>
+          <a:noFill/>
+          <a:ln>
+            <a:solidFill>
+              <a:schemeClr val="tx1">
+                <a:lumMod val="75000"/>
+                <a:lumOff val="25000"/>
+              </a:schemeClr>
+            </a:solidFill>
+            <a:prstDash val="sysDash"/>
+          </a:ln>
+        </p:spPr>
+        <p:style>
+          <a:lnRef idx="2">
+            <a:schemeClr val="accent1">
+              <a:shade val="50000"/>
+            </a:schemeClr>
+          </a:lnRef>
+          <a:fillRef idx="1">
+            <a:schemeClr val="accent1"/>
+          </a:fillRef>
+          <a:effectRef idx="0">
+            <a:schemeClr val="accent1"/>
+          </a:effectRef>
+          <a:fontRef idx="minor">
+            <a:schemeClr val="lt1"/>
+          </a:fontRef>
+        </p:style>
+        <p:txBody>
+          <a:bodyPr rtlCol="0" anchor="ctr"/>
+          <a:lstStyle/>
+          <a:p>
+            <a:pPr algn="ctr"/>
+            <a:endParaRPr lang="en-GB"/>
+          </a:p>
+        </p:txBody>
+      </p:sp>
+      <p:sp>
+        <p:nvSpPr>
+          <p:cNvPr id="49" name="Rectangle 48">
+            <a:extLst>
+              <a:ext uri="{FF2B5EF4-FFF2-40B4-BE49-F238E27FC236}">
+                <a16:creationId xmlns:a16="http://schemas.microsoft.com/office/drawing/2014/main" id="{BC8D0FCF-E288-D04C-9E85-020A145552B2}"/>
+              </a:ext>
+            </a:extLst>
+          </p:cNvPr>
+          <p:cNvSpPr/>
+          <p:nvPr/>
+        </p:nvSpPr>
+        <p:spPr>
+          <a:xfrm>
+            <a:off x="7308010" y="2801166"/>
+            <a:ext cx="2707316" cy="881034"/>
+          </a:xfrm>
+          <a:prstGeom prst="rect">
+            <a:avLst/>
+          </a:prstGeom>
+          <a:noFill/>
+          <a:ln>
+            <a:solidFill>
+              <a:schemeClr val="tx1">
+                <a:lumMod val="75000"/>
+                <a:lumOff val="25000"/>
+              </a:schemeClr>
+            </a:solidFill>
+            <a:prstDash val="sysDash"/>
+          </a:ln>
+        </p:spPr>
+        <p:style>
+          <a:lnRef idx="2">
+            <a:schemeClr val="accent1">
+              <a:shade val="50000"/>
+            </a:schemeClr>
+          </a:lnRef>
+          <a:fillRef idx="1">
+            <a:schemeClr val="accent1"/>
+          </a:fillRef>
+          <a:effectRef idx="0">
+            <a:schemeClr val="accent1"/>
+          </a:effectRef>
+          <a:fontRef idx="minor">
+            <a:schemeClr val="lt1"/>
+          </a:fontRef>
+        </p:style>
+        <p:txBody>
+          <a:bodyPr rtlCol="0" anchor="ctr"/>
+          <a:lstStyle/>
+          <a:p>
+            <a:pPr algn="ctr"/>
+            <a:endParaRPr lang="en-GB"/>
+          </a:p>
+        </p:txBody>
+      </p:sp>
+      <p:cxnSp>
+        <p:nvCxnSpPr>
+          <p:cNvPr id="50" name="Straight Arrow Connector 49">
+            <a:extLst>
+              <a:ext uri="{FF2B5EF4-FFF2-40B4-BE49-F238E27FC236}">
+                <a16:creationId xmlns:a16="http://schemas.microsoft.com/office/drawing/2014/main" id="{0E99604A-2A8E-3A4B-924E-E30B1375B3A9}"/>
+              </a:ext>
+            </a:extLst>
+          </p:cNvPr>
+          <p:cNvCxnSpPr>
+            <a:cxnSpLocks/>
+          </p:cNvCxnSpPr>
+          <p:nvPr/>
+        </p:nvCxnSpPr>
+        <p:spPr>
+          <a:xfrm>
+            <a:off x="6679094" y="1803000"/>
+            <a:ext cx="699052" cy="0"/>
+          </a:xfrm>
+          <a:prstGeom prst="straightConnector1">
+            <a:avLst/>
+          </a:prstGeom>
+          <a:ln w="12700">
+            <a:solidFill>
+              <a:schemeClr val="tx1">
+                <a:lumMod val="75000"/>
+                <a:lumOff val="25000"/>
+              </a:schemeClr>
+            </a:solidFill>
+            <a:tailEnd type="triangle"/>
+          </a:ln>
+        </p:spPr>
+        <p:style>
+          <a:lnRef idx="1">
+            <a:schemeClr val="accent1"/>
+          </a:lnRef>
+          <a:fillRef idx="0">
+            <a:schemeClr val="accent1"/>
+          </a:fillRef>
+          <a:effectRef idx="0">
+            <a:schemeClr val="accent1"/>
+          </a:effectRef>
+          <a:fontRef idx="minor">
+            <a:schemeClr val="tx1"/>
+          </a:fontRef>
+        </p:style>
+      </p:cxnSp>
+      <p:sp>
+        <p:nvSpPr>
+          <p:cNvPr id="51" name="Rectangle 50">
+            <a:extLst>
+              <a:ext uri="{FF2B5EF4-FFF2-40B4-BE49-F238E27FC236}">
+                <a16:creationId xmlns:a16="http://schemas.microsoft.com/office/drawing/2014/main" id="{7E1262CD-F988-C849-868B-3D708C3C9A4C}"/>
+              </a:ext>
+            </a:extLst>
+          </p:cNvPr>
+          <p:cNvSpPr/>
+          <p:nvPr/>
+        </p:nvSpPr>
+        <p:spPr>
+          <a:xfrm>
+            <a:off x="7378146" y="1438331"/>
+            <a:ext cx="86141" cy="685800"/>
+          </a:xfrm>
+          <a:prstGeom prst="rect">
+            <a:avLst/>
+          </a:prstGeom>
+          <a:noFill/>
+          <a:ln>
+            <a:solidFill>
+              <a:schemeClr val="tx1">
+                <a:lumMod val="75000"/>
+                <a:lumOff val="25000"/>
+              </a:schemeClr>
+            </a:solidFill>
+          </a:ln>
+        </p:spPr>
+        <p:style>
+          <a:lnRef idx="2">
+            <a:schemeClr val="accent1">
+              <a:shade val="50000"/>
+            </a:schemeClr>
+          </a:lnRef>
+          <a:fillRef idx="1">
+            <a:schemeClr val="accent1"/>
+          </a:fillRef>
+          <a:effectRef idx="0">
+            <a:schemeClr val="accent1"/>
+          </a:effectRef>
+          <a:fontRef idx="minor">
+            <a:schemeClr val="lt1"/>
+          </a:fontRef>
+        </p:style>
+        <p:txBody>
+          <a:bodyPr rtlCol="0" anchor="ctr"/>
+          <a:lstStyle/>
+          <a:p>
+            <a:pPr algn="ctr"/>
+            <a:endParaRPr lang="en-GB"/>
+          </a:p>
+        </p:txBody>
+      </p:sp>
+      <p:sp>
+        <p:nvSpPr>
+          <p:cNvPr id="52" name="Rectangle 51">
+            <a:extLst>
+              <a:ext uri="{FF2B5EF4-FFF2-40B4-BE49-F238E27FC236}">
+                <a16:creationId xmlns:a16="http://schemas.microsoft.com/office/drawing/2014/main" id="{629F4C5D-D48F-114D-8CFE-B2D99A8084E1}"/>
+              </a:ext>
+            </a:extLst>
+          </p:cNvPr>
+          <p:cNvSpPr/>
+          <p:nvPr/>
+        </p:nvSpPr>
+        <p:spPr>
+          <a:xfrm>
+            <a:off x="7378146" y="3649085"/>
+            <a:ext cx="86141" cy="685800"/>
+          </a:xfrm>
+          <a:prstGeom prst="rect">
+            <a:avLst/>
+          </a:prstGeom>
+          <a:noFill/>
+          <a:ln>
+            <a:solidFill>
+              <a:schemeClr val="tx1">
+                <a:lumMod val="75000"/>
+                <a:lumOff val="25000"/>
+              </a:schemeClr>
+            </a:solidFill>
+          </a:ln>
+        </p:spPr>
+        <p:style>
+          <a:lnRef idx="2">
+            <a:schemeClr val="accent1">
+              <a:shade val="50000"/>
+            </a:schemeClr>
+          </a:lnRef>
+          <a:fillRef idx="1">
+            <a:schemeClr val="accent1"/>
+          </a:fillRef>
+          <a:effectRef idx="0">
+            <a:schemeClr val="accent1"/>
+          </a:effectRef>
+          <a:fontRef idx="minor">
+            <a:schemeClr val="lt1"/>
+          </a:fontRef>
+        </p:style>
+        <p:txBody>
+          <a:bodyPr rtlCol="0" anchor="ctr"/>
+          <a:lstStyle/>
+          <a:p>
+            <a:pPr algn="ctr"/>
+            <a:endParaRPr lang="en-GB"/>
+          </a:p>
+        </p:txBody>
+      </p:sp>
+      <p:sp>
+        <p:nvSpPr>
+          <p:cNvPr id="53" name="Rectangle 52">
+            <a:extLst>
+              <a:ext uri="{FF2B5EF4-FFF2-40B4-BE49-F238E27FC236}">
+                <a16:creationId xmlns:a16="http://schemas.microsoft.com/office/drawing/2014/main" id="{74206620-CED2-6046-B16E-368031D162CE}"/>
+              </a:ext>
+            </a:extLst>
+          </p:cNvPr>
+          <p:cNvSpPr/>
+          <p:nvPr/>
+        </p:nvSpPr>
+        <p:spPr>
+          <a:xfrm>
+            <a:off x="7366111" y="5118923"/>
+            <a:ext cx="86141" cy="685800"/>
+          </a:xfrm>
+          <a:prstGeom prst="rect">
+            <a:avLst/>
+          </a:prstGeom>
+          <a:noFill/>
+          <a:ln>
+            <a:solidFill>
+              <a:schemeClr val="tx1">
+                <a:lumMod val="75000"/>
+                <a:lumOff val="25000"/>
+              </a:schemeClr>
+            </a:solidFill>
+          </a:ln>
+        </p:spPr>
+        <p:style>
+          <a:lnRef idx="2">
+            <a:schemeClr val="accent1">
+              <a:shade val="50000"/>
+            </a:schemeClr>
+          </a:lnRef>
+          <a:fillRef idx="1">
+            <a:schemeClr val="accent1"/>
+          </a:fillRef>
+          <a:effectRef idx="0">
+            <a:schemeClr val="accent1"/>
+          </a:effectRef>
+          <a:fontRef idx="minor">
+            <a:schemeClr val="lt1"/>
+          </a:fontRef>
+        </p:style>
+        <p:txBody>
+          <a:bodyPr rtlCol="0" anchor="ctr"/>
+          <a:lstStyle/>
+          <a:p>
+            <a:pPr algn="ctr"/>
+            <a:endParaRPr lang="en-GB"/>
+          </a:p>
+        </p:txBody>
+      </p:sp>
+      <p:sp>
+        <p:nvSpPr>
+          <p:cNvPr id="54" name="Rectangle 53">
+            <a:extLst>
+              <a:ext uri="{FF2B5EF4-FFF2-40B4-BE49-F238E27FC236}">
+                <a16:creationId xmlns:a16="http://schemas.microsoft.com/office/drawing/2014/main" id="{21B77AE7-7CCC-E947-8C89-9DE4E8D6E7CC}"/>
+              </a:ext>
+            </a:extLst>
+          </p:cNvPr>
+          <p:cNvSpPr/>
+          <p:nvPr/>
+        </p:nvSpPr>
+        <p:spPr>
+          <a:xfrm>
+            <a:off x="7366110" y="5859471"/>
+            <a:ext cx="86141" cy="685800"/>
+          </a:xfrm>
+          <a:prstGeom prst="rect">
+            <a:avLst/>
+          </a:prstGeom>
+          <a:noFill/>
+          <a:ln>
+            <a:solidFill>
+              <a:schemeClr val="tx1">
+                <a:lumMod val="75000"/>
+                <a:lumOff val="25000"/>
+              </a:schemeClr>
+            </a:solidFill>
+          </a:ln>
+        </p:spPr>
+        <p:style>
+          <a:lnRef idx="2">
+            <a:schemeClr val="accent1">
+              <a:shade val="50000"/>
+            </a:schemeClr>
+          </a:lnRef>
+          <a:fillRef idx="1">
+            <a:schemeClr val="accent1"/>
+          </a:fillRef>
+          <a:effectRef idx="0">
+            <a:schemeClr val="accent1"/>
+          </a:effectRef>
+          <a:fontRef idx="minor">
+            <a:schemeClr val="lt1"/>
+          </a:fontRef>
+        </p:style>
+        <p:txBody>
+          <a:bodyPr rtlCol="0" anchor="ctr"/>
+          <a:lstStyle/>
+          <a:p>
+            <a:pPr algn="ctr"/>
+            <a:endParaRPr lang="en-GB"/>
+          </a:p>
+        </p:txBody>
+      </p:sp>
+      <p:sp>
+        <p:nvSpPr>
+          <p:cNvPr id="56" name="TextBox 55">
+            <a:extLst>
+              <a:ext uri="{FF2B5EF4-FFF2-40B4-BE49-F238E27FC236}">
+                <a16:creationId xmlns:a16="http://schemas.microsoft.com/office/drawing/2014/main" id="{F7BD929B-D94B-EE47-9E8F-72D1A158D74F}"/>
+              </a:ext>
+            </a:extLst>
+          </p:cNvPr>
+          <p:cNvSpPr txBox="1"/>
+          <p:nvPr/>
+        </p:nvSpPr>
+        <p:spPr>
+          <a:xfrm>
+            <a:off x="8849587" y="6017705"/>
+            <a:ext cx="1465401" cy="369332"/>
+          </a:xfrm>
+          <a:prstGeom prst="rect">
+            <a:avLst/>
+          </a:prstGeom>
+          <a:noFill/>
+        </p:spPr>
+        <p:txBody>
+          <a:bodyPr wrap="none" rtlCol="0">
+            <a:spAutoFit/>
+          </a:bodyPr>
+          <a:lstStyle/>
+          <a:p>
+            <a:r>
+              <a:rPr lang="en-GB" dirty="0"/>
+              <a:t>Empty bucket</a:t>
+            </a:r>
+          </a:p>
+        </p:txBody>
+      </p:sp>
+      <p:cxnSp>
+        <p:nvCxnSpPr>
+          <p:cNvPr id="57" name="Straight Arrow Connector 56">
+            <a:extLst>
+              <a:ext uri="{FF2B5EF4-FFF2-40B4-BE49-F238E27FC236}">
+                <a16:creationId xmlns:a16="http://schemas.microsoft.com/office/drawing/2014/main" id="{984F62D1-9DCF-E940-B015-B39FC82B5473}"/>
+              </a:ext>
+            </a:extLst>
+          </p:cNvPr>
+          <p:cNvCxnSpPr>
+            <a:cxnSpLocks/>
+            <a:stCxn id="56" idx="1"/>
+            <a:endCxn id="60" idx="3"/>
+          </p:cNvCxnSpPr>
+          <p:nvPr/>
+        </p:nvCxnSpPr>
+        <p:spPr>
+          <a:xfrm flipH="1">
+            <a:off x="7573617" y="6202371"/>
+            <a:ext cx="1275970" cy="87"/>
+          </a:xfrm>
+          <a:prstGeom prst="straightConnector1">
+            <a:avLst/>
+          </a:prstGeom>
+          <a:ln w="12700">
+            <a:solidFill>
+              <a:schemeClr val="tx1">
+                <a:lumMod val="75000"/>
+                <a:lumOff val="25000"/>
+              </a:schemeClr>
+            </a:solidFill>
+            <a:tailEnd type="triangle"/>
+          </a:ln>
+        </p:spPr>
+        <p:style>
+          <a:lnRef idx="1">
+            <a:schemeClr val="accent1"/>
+          </a:lnRef>
+          <a:fillRef idx="0">
+            <a:schemeClr val="accent1"/>
+          </a:fillRef>
+          <a:effectRef idx="0">
+            <a:schemeClr val="accent1"/>
+          </a:effectRef>
+          <a:fontRef idx="minor">
+            <a:schemeClr val="tx1"/>
+          </a:fontRef>
+        </p:style>
+      </p:cxnSp>
+      <p:sp>
+        <p:nvSpPr>
+          <p:cNvPr id="60" name="Rectangle 59">
+            <a:extLst>
+              <a:ext uri="{FF2B5EF4-FFF2-40B4-BE49-F238E27FC236}">
+                <a16:creationId xmlns:a16="http://schemas.microsoft.com/office/drawing/2014/main" id="{E737903F-98C9-E448-895E-74323C73E57F}"/>
+              </a:ext>
+            </a:extLst>
+          </p:cNvPr>
+          <p:cNvSpPr/>
+          <p:nvPr/>
+        </p:nvSpPr>
+        <p:spPr>
+          <a:xfrm>
+            <a:off x="7278980" y="5761941"/>
+            <a:ext cx="294637" cy="881034"/>
+          </a:xfrm>
+          <a:prstGeom prst="rect">
+            <a:avLst/>
+          </a:prstGeom>
+          <a:noFill/>
+          <a:ln>
+            <a:solidFill>
+              <a:schemeClr val="tx1">
+                <a:lumMod val="75000"/>
+                <a:lumOff val="25000"/>
+              </a:schemeClr>
+            </a:solidFill>
+            <a:prstDash val="sysDash"/>
+          </a:ln>
+        </p:spPr>
+        <p:style>
+          <a:lnRef idx="2">
+            <a:schemeClr val="accent1">
+              <a:shade val="50000"/>
+            </a:schemeClr>
+          </a:lnRef>
+          <a:fillRef idx="1">
+            <a:schemeClr val="accent1"/>
+          </a:fillRef>
+          <a:effectRef idx="0">
+            <a:schemeClr val="accent1"/>
+          </a:effectRef>
+          <a:fontRef idx="minor">
+            <a:schemeClr val="lt1"/>
+          </a:fontRef>
+        </p:style>
+        <p:txBody>
+          <a:bodyPr rtlCol="0" anchor="ctr"/>
+          <a:lstStyle/>
+          <a:p>
+            <a:pPr algn="ctr"/>
+            <a:endParaRPr lang="en-GB"/>
+          </a:p>
+        </p:txBody>
+      </p:sp>
+      <p:grpSp>
+        <p:nvGrpSpPr>
+          <p:cNvPr id="58" name="Group 57">
+            <a:extLst>
+              <a:ext uri="{FF2B5EF4-FFF2-40B4-BE49-F238E27FC236}">
+                <a16:creationId xmlns:a16="http://schemas.microsoft.com/office/drawing/2014/main" id="{E7759521-57C2-9F48-A5D8-B5F2057751D8}"/>
+              </a:ext>
+            </a:extLst>
+          </p:cNvPr>
+          <p:cNvGrpSpPr/>
+          <p:nvPr/>
+        </p:nvGrpSpPr>
+        <p:grpSpPr>
+          <a:xfrm>
+            <a:off x="8346312" y="855039"/>
+            <a:ext cx="623545" cy="378547"/>
+            <a:chOff x="1099930" y="4359576"/>
+            <a:chExt cx="623545" cy="378547"/>
+          </a:xfrm>
+        </p:grpSpPr>
+        <p:sp>
+          <p:nvSpPr>
+            <p:cNvPr id="2" name="Rectangle 1">
+              <a:extLst>
+                <a:ext uri="{FF2B5EF4-FFF2-40B4-BE49-F238E27FC236}">
+                  <a16:creationId xmlns:a16="http://schemas.microsoft.com/office/drawing/2014/main" id="{FDDBF1B1-4C3D-4D44-A8C6-4EE9C94DC1B8}"/>
+                </a:ext>
+              </a:extLst>
+            </p:cNvPr>
+            <p:cNvSpPr/>
+            <p:nvPr/>
+          </p:nvSpPr>
+          <p:spPr>
+            <a:xfrm>
+              <a:off x="1099930" y="4359576"/>
+              <a:ext cx="623545" cy="378547"/>
+            </a:xfrm>
+            <a:prstGeom prst="rect">
+              <a:avLst/>
+            </a:prstGeom>
+            <a:solidFill>
+              <a:schemeClr val="accent5">
+                <a:lumMod val="40000"/>
+                <a:lumOff val="60000"/>
+              </a:schemeClr>
+            </a:solidFill>
+            <a:ln>
+              <a:solidFill>
+                <a:schemeClr val="tx1">
+                  <a:lumMod val="75000"/>
+                  <a:lumOff val="25000"/>
+                </a:schemeClr>
+              </a:solidFill>
+            </a:ln>
+          </p:spPr>
+          <p:style>
+            <a:lnRef idx="2">
+              <a:schemeClr val="accent1">
+                <a:shade val="50000"/>
+              </a:schemeClr>
+            </a:lnRef>
+            <a:fillRef idx="1">
+              <a:schemeClr val="accent1"/>
+            </a:fillRef>
+            <a:effectRef idx="0">
+              <a:schemeClr val="accent1"/>
+            </a:effectRef>
+            <a:fontRef idx="minor">
+              <a:schemeClr val="lt1"/>
+            </a:fontRef>
+          </p:style>
+          <p:txBody>
+            <a:bodyPr rtlCol="0" anchor="ctr"/>
+            <a:lstStyle/>
+            <a:p>
+              <a:pPr algn="ctr"/>
+              <a:endParaRPr lang="en-GB"/>
+            </a:p>
+          </p:txBody>
+        </p:sp>
+        <p:grpSp>
+          <p:nvGrpSpPr>
+            <p:cNvPr id="55" name="Group 54">
+              <a:extLst>
+                <a:ext uri="{FF2B5EF4-FFF2-40B4-BE49-F238E27FC236}">
+                  <a16:creationId xmlns:a16="http://schemas.microsoft.com/office/drawing/2014/main" id="{EC27C7D5-9721-CD49-B37B-8A52D04B47EC}"/>
+                </a:ext>
+              </a:extLst>
+            </p:cNvPr>
+            <p:cNvGrpSpPr/>
+            <p:nvPr/>
+          </p:nvGrpSpPr>
+          <p:grpSpPr>
+            <a:xfrm>
+              <a:off x="1165660" y="4428867"/>
+              <a:ext cx="492085" cy="239964"/>
+              <a:chOff x="1146662" y="4424352"/>
+              <a:chExt cx="492085" cy="239964"/>
+            </a:xfrm>
+          </p:grpSpPr>
+          <p:sp>
+            <p:nvSpPr>
+              <p:cNvPr id="44" name="Rectangle 43">
+                <a:extLst>
+                  <a:ext uri="{FF2B5EF4-FFF2-40B4-BE49-F238E27FC236}">
+                    <a16:creationId xmlns:a16="http://schemas.microsoft.com/office/drawing/2014/main" id="{80C93C7B-3DCE-AD49-B2C5-FD2A343B0EA9}"/>
+                  </a:ext>
+                </a:extLst>
+              </p:cNvPr>
+              <p:cNvSpPr/>
+              <p:nvPr/>
+            </p:nvSpPr>
+            <p:spPr>
+              <a:xfrm>
+                <a:off x="1146662" y="4424352"/>
+                <a:ext cx="166970" cy="239964"/>
+              </a:xfrm>
+              <a:prstGeom prst="rect">
+                <a:avLst/>
+              </a:prstGeom>
+              <a:solidFill>
+                <a:schemeClr val="accent2">
+                  <a:lumMod val="75000"/>
+                </a:schemeClr>
+              </a:solidFill>
+              <a:ln>
+                <a:solidFill>
+                  <a:schemeClr val="tx1">
+                    <a:lumMod val="75000"/>
+                    <a:lumOff val="25000"/>
+                  </a:schemeClr>
+                </a:solidFill>
+              </a:ln>
+            </p:spPr>
+            <p:style>
+              <a:lnRef idx="2">
+                <a:schemeClr val="accent1">
+                  <a:shade val="50000"/>
+                </a:schemeClr>
+              </a:lnRef>
+              <a:fillRef idx="1">
+                <a:schemeClr val="accent1"/>
+              </a:fillRef>
+              <a:effectRef idx="0">
+                <a:schemeClr val="accent1"/>
+              </a:effectRef>
+              <a:fontRef idx="minor">
+                <a:schemeClr val="lt1"/>
+              </a:fontRef>
+            </p:style>
+            <p:txBody>
+              <a:bodyPr rtlCol="0" anchor="ctr"/>
+              <a:lstStyle/>
+              <a:p>
+                <a:pPr algn="ctr"/>
+                <a:endParaRPr lang="en-GB"/>
+              </a:p>
+            </p:txBody>
+          </p:sp>
+          <p:sp>
+            <p:nvSpPr>
+              <p:cNvPr id="46" name="Rectangle 45">
+                <a:extLst>
+                  <a:ext uri="{FF2B5EF4-FFF2-40B4-BE49-F238E27FC236}">
+                    <a16:creationId xmlns:a16="http://schemas.microsoft.com/office/drawing/2014/main" id="{FAFF21FE-9371-2E4E-89C9-AEF4473B885A}"/>
+                  </a:ext>
+                </a:extLst>
+              </p:cNvPr>
+              <p:cNvSpPr/>
+              <p:nvPr/>
+            </p:nvSpPr>
+            <p:spPr>
+              <a:xfrm>
+                <a:off x="1471776" y="4424352"/>
+                <a:ext cx="166971" cy="239964"/>
+              </a:xfrm>
+              <a:prstGeom prst="rect">
+                <a:avLst/>
+              </a:prstGeom>
+              <a:solidFill>
+                <a:schemeClr val="accent6">
+                  <a:lumMod val="75000"/>
+                </a:schemeClr>
+              </a:solidFill>
+              <a:ln>
+                <a:solidFill>
+                  <a:schemeClr val="tx1">
+                    <a:lumMod val="75000"/>
+                    <a:lumOff val="25000"/>
+                  </a:schemeClr>
+                </a:solidFill>
+              </a:ln>
+            </p:spPr>
+            <p:style>
+              <a:lnRef idx="2">
+                <a:schemeClr val="accent1">
+                  <a:shade val="50000"/>
+                </a:schemeClr>
+              </a:lnRef>
+              <a:fillRef idx="1">
+                <a:schemeClr val="accent1"/>
+              </a:fillRef>
+              <a:effectRef idx="0">
+                <a:schemeClr val="accent1"/>
+              </a:effectRef>
+              <a:fontRef idx="minor">
+                <a:schemeClr val="lt1"/>
+              </a:fontRef>
+            </p:style>
+            <p:txBody>
+              <a:bodyPr rtlCol="0" anchor="ctr"/>
+              <a:lstStyle/>
+              <a:p>
+                <a:pPr algn="ctr"/>
+                <a:endParaRPr lang="en-GB"/>
+              </a:p>
+            </p:txBody>
+          </p:sp>
+        </p:grpSp>
+        <p:cxnSp>
+          <p:nvCxnSpPr>
+            <p:cNvPr id="23" name="Straight Arrow Connector 22">
+              <a:extLst>
+                <a:ext uri="{FF2B5EF4-FFF2-40B4-BE49-F238E27FC236}">
+                  <a16:creationId xmlns:a16="http://schemas.microsoft.com/office/drawing/2014/main" id="{25DD3AF8-8B1F-6F48-99F7-CBB59CFD1C0D}"/>
+                </a:ext>
+              </a:extLst>
+            </p:cNvPr>
+            <p:cNvCxnSpPr>
+              <a:cxnSpLocks/>
+              <a:stCxn id="44" idx="3"/>
+              <a:endCxn id="46" idx="1"/>
+            </p:cNvCxnSpPr>
+            <p:nvPr/>
+          </p:nvCxnSpPr>
+          <p:spPr>
+            <a:xfrm>
+              <a:off x="1332630" y="4548849"/>
+              <a:ext cx="158144" cy="0"/>
+            </a:xfrm>
+            <a:prstGeom prst="straightConnector1">
+              <a:avLst/>
+            </a:prstGeom>
+            <a:ln w="12700">
+              <a:solidFill>
+                <a:schemeClr val="tx1">
+                  <a:lumMod val="75000"/>
+                  <a:lumOff val="25000"/>
+                </a:schemeClr>
+              </a:solidFill>
+              <a:tailEnd type="triangle"/>
+            </a:ln>
+          </p:spPr>
+          <p:style>
+            <a:lnRef idx="1">
+              <a:schemeClr val="accent1"/>
+            </a:lnRef>
+            <a:fillRef idx="0">
+              <a:schemeClr val="accent1"/>
+            </a:fillRef>
+            <a:effectRef idx="0">
+              <a:schemeClr val="accent1"/>
+            </a:effectRef>
+            <a:fontRef idx="minor">
+              <a:schemeClr val="tx1"/>
+            </a:fontRef>
+          </p:style>
+        </p:cxnSp>
+      </p:grpSp>
+      <p:grpSp>
+        <p:nvGrpSpPr>
+          <p:cNvPr id="61" name="Group 60">
+            <a:extLst>
+              <a:ext uri="{FF2B5EF4-FFF2-40B4-BE49-F238E27FC236}">
+                <a16:creationId xmlns:a16="http://schemas.microsoft.com/office/drawing/2014/main" id="{6B42A7B4-0B0D-6B48-BD10-A12191D355B2}"/>
+              </a:ext>
+            </a:extLst>
+          </p:cNvPr>
+          <p:cNvGrpSpPr/>
+          <p:nvPr/>
+        </p:nvGrpSpPr>
+        <p:grpSpPr>
+          <a:xfrm>
+            <a:off x="7468055" y="855193"/>
+            <a:ext cx="623545" cy="378547"/>
+            <a:chOff x="1099930" y="4359576"/>
+            <a:chExt cx="623545" cy="378547"/>
+          </a:xfrm>
+        </p:grpSpPr>
+        <p:sp>
+          <p:nvSpPr>
+            <p:cNvPr id="62" name="Rectangle 61">
+              <a:extLst>
+                <a:ext uri="{FF2B5EF4-FFF2-40B4-BE49-F238E27FC236}">
+                  <a16:creationId xmlns:a16="http://schemas.microsoft.com/office/drawing/2014/main" id="{6E61A30B-2E46-D541-9EA6-9DE3F4F6190C}"/>
+                </a:ext>
+              </a:extLst>
+            </p:cNvPr>
+            <p:cNvSpPr/>
+            <p:nvPr/>
+          </p:nvSpPr>
+          <p:spPr>
+            <a:xfrm>
+              <a:off x="1099930" y="4359576"/>
+              <a:ext cx="623545" cy="378547"/>
+            </a:xfrm>
+            <a:prstGeom prst="rect">
+              <a:avLst/>
+            </a:prstGeom>
+            <a:solidFill>
+              <a:schemeClr val="accent5">
+                <a:lumMod val="40000"/>
+                <a:lumOff val="60000"/>
+              </a:schemeClr>
+            </a:solidFill>
+            <a:ln>
+              <a:solidFill>
+                <a:schemeClr val="tx1">
+                  <a:lumMod val="75000"/>
+                  <a:lumOff val="25000"/>
+                </a:schemeClr>
+              </a:solidFill>
+            </a:ln>
+          </p:spPr>
+          <p:style>
+            <a:lnRef idx="2">
+              <a:schemeClr val="accent1">
+                <a:shade val="50000"/>
+              </a:schemeClr>
+            </a:lnRef>
+            <a:fillRef idx="1">
+              <a:schemeClr val="accent1"/>
+            </a:fillRef>
+            <a:effectRef idx="0">
+              <a:schemeClr val="accent1"/>
+            </a:effectRef>
+            <a:fontRef idx="minor">
+              <a:schemeClr val="lt1"/>
+            </a:fontRef>
+          </p:style>
+          <p:txBody>
+            <a:bodyPr rtlCol="0" anchor="ctr"/>
+            <a:lstStyle/>
+            <a:p>
+              <a:pPr algn="ctr"/>
+              <a:endParaRPr lang="en-GB"/>
+            </a:p>
+          </p:txBody>
+        </p:sp>
+        <p:grpSp>
+          <p:nvGrpSpPr>
+            <p:cNvPr id="63" name="Group 62">
+              <a:extLst>
+                <a:ext uri="{FF2B5EF4-FFF2-40B4-BE49-F238E27FC236}">
+                  <a16:creationId xmlns:a16="http://schemas.microsoft.com/office/drawing/2014/main" id="{08F0E756-756E-4440-B7A9-1FE6A0C39108}"/>
+                </a:ext>
+              </a:extLst>
+            </p:cNvPr>
+            <p:cNvGrpSpPr/>
+            <p:nvPr/>
+          </p:nvGrpSpPr>
+          <p:grpSpPr>
+            <a:xfrm>
+              <a:off x="1165660" y="4428867"/>
+              <a:ext cx="492085" cy="239964"/>
+              <a:chOff x="1146662" y="4424352"/>
+              <a:chExt cx="492085" cy="239964"/>
+            </a:xfrm>
+          </p:grpSpPr>
+          <p:sp>
+            <p:nvSpPr>
+              <p:cNvPr id="65" name="Rectangle 64">
+                <a:extLst>
+                  <a:ext uri="{FF2B5EF4-FFF2-40B4-BE49-F238E27FC236}">
+                    <a16:creationId xmlns:a16="http://schemas.microsoft.com/office/drawing/2014/main" id="{D546FF0C-77B3-6044-8B9C-57CC17CD5EF2}"/>
+                  </a:ext>
+                </a:extLst>
+              </p:cNvPr>
+              <p:cNvSpPr/>
+              <p:nvPr/>
+            </p:nvSpPr>
+            <p:spPr>
+              <a:xfrm>
+                <a:off x="1146662" y="4424352"/>
+                <a:ext cx="166970" cy="239964"/>
+              </a:xfrm>
+              <a:prstGeom prst="rect">
+                <a:avLst/>
+              </a:prstGeom>
+              <a:solidFill>
+                <a:schemeClr val="accent2">
+                  <a:lumMod val="75000"/>
+                </a:schemeClr>
+              </a:solidFill>
+              <a:ln>
+                <a:solidFill>
+                  <a:schemeClr val="tx1">
+                    <a:lumMod val="75000"/>
+                    <a:lumOff val="25000"/>
+                  </a:schemeClr>
+                </a:solidFill>
+              </a:ln>
+            </p:spPr>
+            <p:style>
+              <a:lnRef idx="2">
+                <a:schemeClr val="accent1">
+                  <a:shade val="50000"/>
+                </a:schemeClr>
+              </a:lnRef>
+              <a:fillRef idx="1">
+                <a:schemeClr val="accent1"/>
+              </a:fillRef>
+              <a:effectRef idx="0">
+                <a:schemeClr val="accent1"/>
+              </a:effectRef>
+              <a:fontRef idx="minor">
+                <a:schemeClr val="lt1"/>
+              </a:fontRef>
+            </p:style>
+            <p:txBody>
+              <a:bodyPr rtlCol="0" anchor="ctr"/>
+              <a:lstStyle/>
+              <a:p>
+                <a:pPr algn="ctr"/>
+                <a:endParaRPr lang="en-GB"/>
+              </a:p>
+            </p:txBody>
+          </p:sp>
+          <p:sp>
+            <p:nvSpPr>
+              <p:cNvPr id="66" name="Rectangle 65">
+                <a:extLst>
+                  <a:ext uri="{FF2B5EF4-FFF2-40B4-BE49-F238E27FC236}">
+                    <a16:creationId xmlns:a16="http://schemas.microsoft.com/office/drawing/2014/main" id="{B04799C5-3BE2-C043-BCC5-3805E22D6E54}"/>
+                  </a:ext>
+                </a:extLst>
+              </p:cNvPr>
+              <p:cNvSpPr/>
+              <p:nvPr/>
+            </p:nvSpPr>
+            <p:spPr>
+              <a:xfrm>
+                <a:off x="1471776" y="4424352"/>
+                <a:ext cx="166971" cy="239964"/>
+              </a:xfrm>
+              <a:prstGeom prst="rect">
+                <a:avLst/>
+              </a:prstGeom>
+              <a:solidFill>
+                <a:schemeClr val="accent6">
+                  <a:lumMod val="75000"/>
+                </a:schemeClr>
+              </a:solidFill>
+              <a:ln>
+                <a:solidFill>
+                  <a:schemeClr val="tx1">
+                    <a:lumMod val="75000"/>
+                    <a:lumOff val="25000"/>
+                  </a:schemeClr>
+                </a:solidFill>
+              </a:ln>
+            </p:spPr>
+            <p:style>
+              <a:lnRef idx="2">
+                <a:schemeClr val="accent1">
+                  <a:shade val="50000"/>
+                </a:schemeClr>
+              </a:lnRef>
+              <a:fillRef idx="1">
+                <a:schemeClr val="accent1"/>
+              </a:fillRef>
+              <a:effectRef idx="0">
+                <a:schemeClr val="accent1"/>
+              </a:effectRef>
+              <a:fontRef idx="minor">
+                <a:schemeClr val="lt1"/>
+              </a:fontRef>
+            </p:style>
+            <p:txBody>
+              <a:bodyPr rtlCol="0" anchor="ctr"/>
+              <a:lstStyle/>
+              <a:p>
+                <a:pPr algn="ctr"/>
+                <a:endParaRPr lang="en-GB"/>
+              </a:p>
+            </p:txBody>
+          </p:sp>
+        </p:grpSp>
+        <p:cxnSp>
+          <p:nvCxnSpPr>
+            <p:cNvPr id="64" name="Straight Arrow Connector 63">
+              <a:extLst>
+                <a:ext uri="{FF2B5EF4-FFF2-40B4-BE49-F238E27FC236}">
+                  <a16:creationId xmlns:a16="http://schemas.microsoft.com/office/drawing/2014/main" id="{D6E1E4F7-C2BD-0047-B888-86CF019B606E}"/>
+                </a:ext>
+              </a:extLst>
+            </p:cNvPr>
+            <p:cNvCxnSpPr>
+              <a:cxnSpLocks/>
+              <a:stCxn id="65" idx="3"/>
+              <a:endCxn id="66" idx="1"/>
+            </p:cNvCxnSpPr>
+            <p:nvPr/>
+          </p:nvCxnSpPr>
+          <p:spPr>
+            <a:xfrm>
+              <a:off x="1332630" y="4548849"/>
+              <a:ext cx="158144" cy="0"/>
+            </a:xfrm>
+            <a:prstGeom prst="straightConnector1">
+              <a:avLst/>
+            </a:prstGeom>
+            <a:ln w="12700">
+              <a:solidFill>
+                <a:schemeClr val="tx1">
+                  <a:lumMod val="75000"/>
+                  <a:lumOff val="25000"/>
+                </a:schemeClr>
+              </a:solidFill>
+              <a:tailEnd type="triangle"/>
+            </a:ln>
+          </p:spPr>
+          <p:style>
+            <a:lnRef idx="1">
+              <a:schemeClr val="accent1"/>
+            </a:lnRef>
+            <a:fillRef idx="0">
+              <a:schemeClr val="accent1"/>
+            </a:fillRef>
+            <a:effectRef idx="0">
+              <a:schemeClr val="accent1"/>
+            </a:effectRef>
+            <a:fontRef idx="minor">
+              <a:schemeClr val="tx1"/>
+            </a:fontRef>
+          </p:style>
+        </p:cxnSp>
+      </p:grpSp>
+      <p:grpSp>
+        <p:nvGrpSpPr>
+          <p:cNvPr id="67" name="Group 66">
+            <a:extLst>
+              <a:ext uri="{FF2B5EF4-FFF2-40B4-BE49-F238E27FC236}">
+                <a16:creationId xmlns:a16="http://schemas.microsoft.com/office/drawing/2014/main" id="{7F75555D-F321-B041-A95D-72AC2100A95C}"/>
+              </a:ext>
+            </a:extLst>
+          </p:cNvPr>
+          <p:cNvGrpSpPr/>
+          <p:nvPr/>
+        </p:nvGrpSpPr>
+        <p:grpSpPr>
+          <a:xfrm>
+            <a:off x="9228214" y="865016"/>
+            <a:ext cx="623545" cy="378547"/>
+            <a:chOff x="1099930" y="4359576"/>
+            <a:chExt cx="623545" cy="378547"/>
+          </a:xfrm>
+        </p:grpSpPr>
+        <p:sp>
+          <p:nvSpPr>
+            <p:cNvPr id="68" name="Rectangle 67">
+              <a:extLst>
+                <a:ext uri="{FF2B5EF4-FFF2-40B4-BE49-F238E27FC236}">
+                  <a16:creationId xmlns:a16="http://schemas.microsoft.com/office/drawing/2014/main" id="{BA7D46E8-A659-0F40-BDA4-658D80FCA147}"/>
+                </a:ext>
+              </a:extLst>
+            </p:cNvPr>
+            <p:cNvSpPr/>
+            <p:nvPr/>
+          </p:nvSpPr>
+          <p:spPr>
+            <a:xfrm>
+              <a:off x="1099930" y="4359576"/>
+              <a:ext cx="623545" cy="378547"/>
+            </a:xfrm>
+            <a:prstGeom prst="rect">
+              <a:avLst/>
+            </a:prstGeom>
+            <a:solidFill>
+              <a:schemeClr val="accent5">
+                <a:lumMod val="40000"/>
+                <a:lumOff val="60000"/>
+              </a:schemeClr>
+            </a:solidFill>
+            <a:ln>
+              <a:solidFill>
+                <a:schemeClr val="tx1">
+                  <a:lumMod val="75000"/>
+                  <a:lumOff val="25000"/>
+                </a:schemeClr>
+              </a:solidFill>
+            </a:ln>
+          </p:spPr>
+          <p:style>
+            <a:lnRef idx="2">
+              <a:schemeClr val="accent1">
+                <a:shade val="50000"/>
+              </a:schemeClr>
+            </a:lnRef>
+            <a:fillRef idx="1">
+              <a:schemeClr val="accent1"/>
+            </a:fillRef>
+            <a:effectRef idx="0">
+              <a:schemeClr val="accent1"/>
+            </a:effectRef>
+            <a:fontRef idx="minor">
+              <a:schemeClr val="lt1"/>
+            </a:fontRef>
+          </p:style>
+          <p:txBody>
+            <a:bodyPr rtlCol="0" anchor="ctr"/>
+            <a:lstStyle/>
+            <a:p>
+              <a:pPr algn="ctr"/>
+              <a:endParaRPr lang="en-GB"/>
+            </a:p>
+          </p:txBody>
+        </p:sp>
+        <p:grpSp>
+          <p:nvGrpSpPr>
+            <p:cNvPr id="69" name="Group 68">
+              <a:extLst>
+                <a:ext uri="{FF2B5EF4-FFF2-40B4-BE49-F238E27FC236}">
+                  <a16:creationId xmlns:a16="http://schemas.microsoft.com/office/drawing/2014/main" id="{B8194FE5-97D8-9D4B-817E-B9246AF53385}"/>
+                </a:ext>
+              </a:extLst>
+            </p:cNvPr>
+            <p:cNvGrpSpPr/>
+            <p:nvPr/>
+          </p:nvGrpSpPr>
+          <p:grpSpPr>
+            <a:xfrm>
+              <a:off x="1165660" y="4428867"/>
+              <a:ext cx="492085" cy="239964"/>
+              <a:chOff x="1146662" y="4424352"/>
+              <a:chExt cx="492085" cy="239964"/>
+            </a:xfrm>
+          </p:grpSpPr>
+          <p:sp>
+            <p:nvSpPr>
+              <p:cNvPr id="71" name="Rectangle 70">
+                <a:extLst>
+                  <a:ext uri="{FF2B5EF4-FFF2-40B4-BE49-F238E27FC236}">
+                    <a16:creationId xmlns:a16="http://schemas.microsoft.com/office/drawing/2014/main" id="{FF8420BA-B7D7-284B-91B2-56FD7DA05719}"/>
+                  </a:ext>
+                </a:extLst>
+              </p:cNvPr>
+              <p:cNvSpPr/>
+              <p:nvPr/>
+            </p:nvSpPr>
+            <p:spPr>
+              <a:xfrm>
+                <a:off x="1146662" y="4424352"/>
+                <a:ext cx="166970" cy="239964"/>
+              </a:xfrm>
+              <a:prstGeom prst="rect">
+                <a:avLst/>
+              </a:prstGeom>
+              <a:solidFill>
+                <a:schemeClr val="accent2">
+                  <a:lumMod val="75000"/>
+                </a:schemeClr>
+              </a:solidFill>
+              <a:ln>
+                <a:solidFill>
+                  <a:schemeClr val="tx1">
+                    <a:lumMod val="75000"/>
+                    <a:lumOff val="25000"/>
+                  </a:schemeClr>
+                </a:solidFill>
+              </a:ln>
+            </p:spPr>
+            <p:style>
+              <a:lnRef idx="2">
+                <a:schemeClr val="accent1">
+                  <a:shade val="50000"/>
+                </a:schemeClr>
+              </a:lnRef>
+              <a:fillRef idx="1">
+                <a:schemeClr val="accent1"/>
+              </a:fillRef>
+              <a:effectRef idx="0">
+                <a:schemeClr val="accent1"/>
+              </a:effectRef>
+              <a:fontRef idx="minor">
+                <a:schemeClr val="lt1"/>
+              </a:fontRef>
+            </p:style>
+            <p:txBody>
+              <a:bodyPr rtlCol="0" anchor="ctr"/>
+              <a:lstStyle/>
+              <a:p>
+                <a:pPr algn="ctr"/>
+                <a:endParaRPr lang="en-GB"/>
+              </a:p>
+            </p:txBody>
+          </p:sp>
+          <p:sp>
+            <p:nvSpPr>
+              <p:cNvPr id="72" name="Rectangle 71">
+                <a:extLst>
+                  <a:ext uri="{FF2B5EF4-FFF2-40B4-BE49-F238E27FC236}">
+                    <a16:creationId xmlns:a16="http://schemas.microsoft.com/office/drawing/2014/main" id="{9521FCC6-55A6-2044-9F8A-AE8F5FE2013C}"/>
+                  </a:ext>
+                </a:extLst>
+              </p:cNvPr>
+              <p:cNvSpPr/>
+              <p:nvPr/>
+            </p:nvSpPr>
+            <p:spPr>
+              <a:xfrm>
+                <a:off x="1471776" y="4424352"/>
+                <a:ext cx="166971" cy="239964"/>
+              </a:xfrm>
+              <a:prstGeom prst="rect">
+                <a:avLst/>
+              </a:prstGeom>
+              <a:solidFill>
+                <a:schemeClr val="accent6">
+                  <a:lumMod val="75000"/>
+                </a:schemeClr>
+              </a:solidFill>
+              <a:ln>
+                <a:solidFill>
+                  <a:schemeClr val="tx1">
+                    <a:lumMod val="75000"/>
+                    <a:lumOff val="25000"/>
+                  </a:schemeClr>
+                </a:solidFill>
+              </a:ln>
+            </p:spPr>
+            <p:style>
+              <a:lnRef idx="2">
+                <a:schemeClr val="accent1">
+                  <a:shade val="50000"/>
+                </a:schemeClr>
+              </a:lnRef>
+              <a:fillRef idx="1">
+                <a:schemeClr val="accent1"/>
+              </a:fillRef>
+              <a:effectRef idx="0">
+                <a:schemeClr val="accent1"/>
+              </a:effectRef>
+              <a:fontRef idx="minor">
+                <a:schemeClr val="lt1"/>
+              </a:fontRef>
+            </p:style>
+            <p:txBody>
+              <a:bodyPr rtlCol="0" anchor="ctr"/>
+              <a:lstStyle/>
+              <a:p>
+                <a:pPr algn="ctr"/>
+                <a:endParaRPr lang="en-GB"/>
+              </a:p>
+            </p:txBody>
+          </p:sp>
+        </p:grpSp>
+        <p:cxnSp>
+          <p:nvCxnSpPr>
+            <p:cNvPr id="70" name="Straight Arrow Connector 69">
+              <a:extLst>
+                <a:ext uri="{FF2B5EF4-FFF2-40B4-BE49-F238E27FC236}">
+                  <a16:creationId xmlns:a16="http://schemas.microsoft.com/office/drawing/2014/main" id="{49D56BC6-51C0-5948-AEDF-2DA721C2BA4C}"/>
+                </a:ext>
+              </a:extLst>
+            </p:cNvPr>
+            <p:cNvCxnSpPr>
+              <a:cxnSpLocks/>
+              <a:stCxn id="71" idx="3"/>
+              <a:endCxn id="72" idx="1"/>
+            </p:cNvCxnSpPr>
+            <p:nvPr/>
+          </p:nvCxnSpPr>
+          <p:spPr>
+            <a:xfrm>
+              <a:off x="1332630" y="4548849"/>
+              <a:ext cx="158144" cy="0"/>
+            </a:xfrm>
+            <a:prstGeom prst="straightConnector1">
+              <a:avLst/>
+            </a:prstGeom>
+            <a:ln w="12700">
+              <a:solidFill>
+                <a:schemeClr val="tx1">
+                  <a:lumMod val="75000"/>
+                  <a:lumOff val="25000"/>
+                </a:schemeClr>
+              </a:solidFill>
+              <a:tailEnd type="triangle"/>
+            </a:ln>
+          </p:spPr>
+          <p:style>
+            <a:lnRef idx="1">
+              <a:schemeClr val="accent1"/>
+            </a:lnRef>
+            <a:fillRef idx="0">
+              <a:schemeClr val="accent1"/>
+            </a:fillRef>
+            <a:effectRef idx="0">
+              <a:schemeClr val="accent1"/>
+            </a:effectRef>
+            <a:fontRef idx="minor">
+              <a:schemeClr val="tx1"/>
+            </a:fontRef>
+          </p:style>
+        </p:cxnSp>
+      </p:grpSp>
+      <p:grpSp>
+        <p:nvGrpSpPr>
+          <p:cNvPr id="73" name="Group 72">
+            <a:extLst>
+              <a:ext uri="{FF2B5EF4-FFF2-40B4-BE49-F238E27FC236}">
+                <a16:creationId xmlns:a16="http://schemas.microsoft.com/office/drawing/2014/main" id="{796D90CE-602A-D648-B28A-3F4F2E1C75BE}"/>
+              </a:ext>
+            </a:extLst>
+          </p:cNvPr>
+          <p:cNvGrpSpPr/>
+          <p:nvPr/>
+        </p:nvGrpSpPr>
+        <p:grpSpPr>
+          <a:xfrm>
+            <a:off x="10104994" y="865016"/>
+            <a:ext cx="623545" cy="378547"/>
+            <a:chOff x="1099930" y="4359576"/>
+            <a:chExt cx="623545" cy="378547"/>
+          </a:xfrm>
+        </p:grpSpPr>
+        <p:sp>
+          <p:nvSpPr>
+            <p:cNvPr id="74" name="Rectangle 73">
+              <a:extLst>
+                <a:ext uri="{FF2B5EF4-FFF2-40B4-BE49-F238E27FC236}">
+                  <a16:creationId xmlns:a16="http://schemas.microsoft.com/office/drawing/2014/main" id="{ECF54FEE-3943-B14D-96E4-4D93CCE8EBEE}"/>
+                </a:ext>
+              </a:extLst>
+            </p:cNvPr>
+            <p:cNvSpPr/>
+            <p:nvPr/>
+          </p:nvSpPr>
+          <p:spPr>
+            <a:xfrm>
+              <a:off x="1099930" y="4359576"/>
+              <a:ext cx="623545" cy="378547"/>
+            </a:xfrm>
+            <a:prstGeom prst="rect">
+              <a:avLst/>
+            </a:prstGeom>
+            <a:solidFill>
+              <a:schemeClr val="accent5">
+                <a:lumMod val="40000"/>
+                <a:lumOff val="60000"/>
+              </a:schemeClr>
+            </a:solidFill>
+            <a:ln>
+              <a:solidFill>
+                <a:schemeClr val="tx1">
+                  <a:lumMod val="75000"/>
+                  <a:lumOff val="25000"/>
+                </a:schemeClr>
+              </a:solidFill>
+            </a:ln>
+          </p:spPr>
+          <p:style>
+            <a:lnRef idx="2">
+              <a:schemeClr val="accent1">
+                <a:shade val="50000"/>
+              </a:schemeClr>
+            </a:lnRef>
+            <a:fillRef idx="1">
+              <a:schemeClr val="accent1"/>
+            </a:fillRef>
+            <a:effectRef idx="0">
+              <a:schemeClr val="accent1"/>
+            </a:effectRef>
+            <a:fontRef idx="minor">
+              <a:schemeClr val="lt1"/>
+            </a:fontRef>
+          </p:style>
+          <p:txBody>
+            <a:bodyPr rtlCol="0" anchor="ctr"/>
+            <a:lstStyle/>
+            <a:p>
+              <a:pPr algn="ctr"/>
+              <a:endParaRPr lang="en-GB"/>
+            </a:p>
+          </p:txBody>
+        </p:sp>
+        <p:grpSp>
+          <p:nvGrpSpPr>
+            <p:cNvPr id="75" name="Group 74">
+              <a:extLst>
+                <a:ext uri="{FF2B5EF4-FFF2-40B4-BE49-F238E27FC236}">
+                  <a16:creationId xmlns:a16="http://schemas.microsoft.com/office/drawing/2014/main" id="{B3265A6C-70ED-6848-AC70-1286264B86AA}"/>
+                </a:ext>
+              </a:extLst>
+            </p:cNvPr>
+            <p:cNvGrpSpPr/>
+            <p:nvPr/>
+          </p:nvGrpSpPr>
+          <p:grpSpPr>
+            <a:xfrm>
+              <a:off x="1165660" y="4428867"/>
+              <a:ext cx="492085" cy="239964"/>
+              <a:chOff x="1146662" y="4424352"/>
+              <a:chExt cx="492085" cy="239964"/>
+            </a:xfrm>
+          </p:grpSpPr>
+          <p:sp>
+            <p:nvSpPr>
+              <p:cNvPr id="77" name="Rectangle 76">
+                <a:extLst>
+                  <a:ext uri="{FF2B5EF4-FFF2-40B4-BE49-F238E27FC236}">
+                    <a16:creationId xmlns:a16="http://schemas.microsoft.com/office/drawing/2014/main" id="{80A1AAC8-B630-DA4F-B58A-384C4EDD707D}"/>
+                  </a:ext>
+                </a:extLst>
+              </p:cNvPr>
+              <p:cNvSpPr/>
+              <p:nvPr/>
+            </p:nvSpPr>
+            <p:spPr>
+              <a:xfrm>
+                <a:off x="1146662" y="4424352"/>
+                <a:ext cx="166970" cy="239964"/>
+              </a:xfrm>
+              <a:prstGeom prst="rect">
+                <a:avLst/>
+              </a:prstGeom>
+              <a:solidFill>
+                <a:schemeClr val="accent2">
+                  <a:lumMod val="75000"/>
+                </a:schemeClr>
+              </a:solidFill>
+              <a:ln>
+                <a:solidFill>
+                  <a:schemeClr val="tx1">
+                    <a:lumMod val="75000"/>
+                    <a:lumOff val="25000"/>
+                  </a:schemeClr>
+                </a:solidFill>
+              </a:ln>
+            </p:spPr>
+            <p:style>
+              <a:lnRef idx="2">
+                <a:schemeClr val="accent1">
+                  <a:shade val="50000"/>
+                </a:schemeClr>
+              </a:lnRef>
+              <a:fillRef idx="1">
+                <a:schemeClr val="accent1"/>
+              </a:fillRef>
+              <a:effectRef idx="0">
+                <a:schemeClr val="accent1"/>
+              </a:effectRef>
+              <a:fontRef idx="minor">
+                <a:schemeClr val="lt1"/>
+              </a:fontRef>
+            </p:style>
+            <p:txBody>
+              <a:bodyPr rtlCol="0" anchor="ctr"/>
+              <a:lstStyle/>
+              <a:p>
+                <a:pPr algn="ctr"/>
+                <a:endParaRPr lang="en-GB"/>
+              </a:p>
+            </p:txBody>
+          </p:sp>
+          <p:sp>
+            <p:nvSpPr>
+              <p:cNvPr id="78" name="Rectangle 77">
+                <a:extLst>
+                  <a:ext uri="{FF2B5EF4-FFF2-40B4-BE49-F238E27FC236}">
+                    <a16:creationId xmlns:a16="http://schemas.microsoft.com/office/drawing/2014/main" id="{94ACD8E7-C39F-634B-8D2F-BE6780215183}"/>
+                  </a:ext>
+                </a:extLst>
+              </p:cNvPr>
+              <p:cNvSpPr/>
+              <p:nvPr/>
+            </p:nvSpPr>
+            <p:spPr>
+              <a:xfrm>
+                <a:off x="1471776" y="4424352"/>
+                <a:ext cx="166971" cy="239964"/>
+              </a:xfrm>
+              <a:prstGeom prst="rect">
+                <a:avLst/>
+              </a:prstGeom>
+              <a:solidFill>
+                <a:schemeClr val="accent6">
+                  <a:lumMod val="75000"/>
+                </a:schemeClr>
+              </a:solidFill>
+              <a:ln>
+                <a:solidFill>
+                  <a:schemeClr val="tx1">
+                    <a:lumMod val="75000"/>
+                    <a:lumOff val="25000"/>
+                  </a:schemeClr>
+                </a:solidFill>
+              </a:ln>
+            </p:spPr>
+            <p:style>
+              <a:lnRef idx="2">
+                <a:schemeClr val="accent1">
+                  <a:shade val="50000"/>
+                </a:schemeClr>
+              </a:lnRef>
+              <a:fillRef idx="1">
+                <a:schemeClr val="accent1"/>
+              </a:fillRef>
+              <a:effectRef idx="0">
+                <a:schemeClr val="accent1"/>
+              </a:effectRef>
+              <a:fontRef idx="minor">
+                <a:schemeClr val="lt1"/>
+              </a:fontRef>
+            </p:style>
+            <p:txBody>
+              <a:bodyPr rtlCol="0" anchor="ctr"/>
+              <a:lstStyle/>
+              <a:p>
+                <a:pPr algn="ctr"/>
+                <a:endParaRPr lang="en-GB"/>
+              </a:p>
+            </p:txBody>
+          </p:sp>
+        </p:grpSp>
+        <p:cxnSp>
+          <p:nvCxnSpPr>
+            <p:cNvPr id="76" name="Straight Arrow Connector 75">
+              <a:extLst>
+                <a:ext uri="{FF2B5EF4-FFF2-40B4-BE49-F238E27FC236}">
+                  <a16:creationId xmlns:a16="http://schemas.microsoft.com/office/drawing/2014/main" id="{312BE8A0-E0BC-3E4F-9F1C-A489BE7B809D}"/>
+                </a:ext>
+              </a:extLst>
+            </p:cNvPr>
+            <p:cNvCxnSpPr>
+              <a:cxnSpLocks/>
+              <a:stCxn id="77" idx="3"/>
+              <a:endCxn id="78" idx="1"/>
+            </p:cNvCxnSpPr>
+            <p:nvPr/>
+          </p:nvCxnSpPr>
+          <p:spPr>
+            <a:xfrm>
+              <a:off x="1332630" y="4548849"/>
+              <a:ext cx="158144" cy="0"/>
+            </a:xfrm>
+            <a:prstGeom prst="straightConnector1">
+              <a:avLst/>
+            </a:prstGeom>
+            <a:ln w="12700">
+              <a:solidFill>
+                <a:schemeClr val="tx1">
+                  <a:lumMod val="75000"/>
+                  <a:lumOff val="25000"/>
+                </a:schemeClr>
+              </a:solidFill>
+              <a:tailEnd type="triangle"/>
+            </a:ln>
+          </p:spPr>
+          <p:style>
+            <a:lnRef idx="1">
+              <a:schemeClr val="accent1"/>
+            </a:lnRef>
+            <a:fillRef idx="0">
+              <a:schemeClr val="accent1"/>
+            </a:fillRef>
+            <a:effectRef idx="0">
+              <a:schemeClr val="accent1"/>
+            </a:effectRef>
+            <a:fontRef idx="minor">
+              <a:schemeClr val="tx1"/>
+            </a:fontRef>
+          </p:style>
+        </p:cxnSp>
+      </p:grpSp>
+      <p:grpSp>
+        <p:nvGrpSpPr>
+          <p:cNvPr id="79" name="Group 78">
+            <a:extLst>
+              <a:ext uri="{FF2B5EF4-FFF2-40B4-BE49-F238E27FC236}">
+                <a16:creationId xmlns:a16="http://schemas.microsoft.com/office/drawing/2014/main" id="{B02B8749-DFAB-2F4A-879D-A4D93171FEA8}"/>
+              </a:ext>
+            </a:extLst>
+          </p:cNvPr>
+          <p:cNvGrpSpPr/>
+          <p:nvPr/>
+        </p:nvGrpSpPr>
+        <p:grpSpPr>
+          <a:xfrm>
+            <a:off x="7448086" y="2328507"/>
+            <a:ext cx="623545" cy="378547"/>
+            <a:chOff x="1099930" y="4359576"/>
+            <a:chExt cx="623545" cy="378547"/>
+          </a:xfrm>
+        </p:grpSpPr>
+        <p:sp>
+          <p:nvSpPr>
+            <p:cNvPr id="80" name="Rectangle 79">
+              <a:extLst>
+                <a:ext uri="{FF2B5EF4-FFF2-40B4-BE49-F238E27FC236}">
+                  <a16:creationId xmlns:a16="http://schemas.microsoft.com/office/drawing/2014/main" id="{C336A13E-CD6D-B743-A6A2-422CE5F8A64C}"/>
+                </a:ext>
+              </a:extLst>
+            </p:cNvPr>
+            <p:cNvSpPr/>
+            <p:nvPr/>
+          </p:nvSpPr>
+          <p:spPr>
+            <a:xfrm>
+              <a:off x="1099930" y="4359576"/>
+              <a:ext cx="623545" cy="378547"/>
+            </a:xfrm>
+            <a:prstGeom prst="rect">
+              <a:avLst/>
+            </a:prstGeom>
+            <a:solidFill>
+              <a:schemeClr val="accent5">
+                <a:lumMod val="40000"/>
+                <a:lumOff val="60000"/>
+              </a:schemeClr>
+            </a:solidFill>
+            <a:ln>
+              <a:solidFill>
+                <a:schemeClr val="tx1">
+                  <a:lumMod val="75000"/>
+                  <a:lumOff val="25000"/>
+                </a:schemeClr>
+              </a:solidFill>
+            </a:ln>
+          </p:spPr>
+          <p:style>
+            <a:lnRef idx="2">
+              <a:schemeClr val="accent1">
+                <a:shade val="50000"/>
+              </a:schemeClr>
+            </a:lnRef>
+            <a:fillRef idx="1">
+              <a:schemeClr val="accent1"/>
+            </a:fillRef>
+            <a:effectRef idx="0">
+              <a:schemeClr val="accent1"/>
+            </a:effectRef>
+            <a:fontRef idx="minor">
+              <a:schemeClr val="lt1"/>
+            </a:fontRef>
+          </p:style>
+          <p:txBody>
+            <a:bodyPr rtlCol="0" anchor="ctr"/>
+            <a:lstStyle/>
+            <a:p>
+              <a:pPr algn="ctr"/>
+              <a:endParaRPr lang="en-GB"/>
+            </a:p>
+          </p:txBody>
+        </p:sp>
+        <p:grpSp>
+          <p:nvGrpSpPr>
+            <p:cNvPr id="81" name="Group 80">
+              <a:extLst>
+                <a:ext uri="{FF2B5EF4-FFF2-40B4-BE49-F238E27FC236}">
+                  <a16:creationId xmlns:a16="http://schemas.microsoft.com/office/drawing/2014/main" id="{2EF7FFBC-DD88-F242-9032-A96BE9FE8029}"/>
+                </a:ext>
+              </a:extLst>
+            </p:cNvPr>
+            <p:cNvGrpSpPr/>
+            <p:nvPr/>
+          </p:nvGrpSpPr>
+          <p:grpSpPr>
+            <a:xfrm>
+              <a:off x="1165660" y="4428867"/>
+              <a:ext cx="492085" cy="239964"/>
+              <a:chOff x="1146662" y="4424352"/>
+              <a:chExt cx="492085" cy="239964"/>
+            </a:xfrm>
+          </p:grpSpPr>
+          <p:sp>
+            <p:nvSpPr>
+              <p:cNvPr id="83" name="Rectangle 82">
+                <a:extLst>
+                  <a:ext uri="{FF2B5EF4-FFF2-40B4-BE49-F238E27FC236}">
+                    <a16:creationId xmlns:a16="http://schemas.microsoft.com/office/drawing/2014/main" id="{FF225810-E605-AF4C-8744-E5F94543490F}"/>
+                  </a:ext>
+                </a:extLst>
+              </p:cNvPr>
+              <p:cNvSpPr/>
+              <p:nvPr/>
+            </p:nvSpPr>
+            <p:spPr>
+              <a:xfrm>
+                <a:off x="1146662" y="4424352"/>
+                <a:ext cx="166970" cy="239964"/>
+              </a:xfrm>
+              <a:prstGeom prst="rect">
+                <a:avLst/>
+              </a:prstGeom>
+              <a:solidFill>
+                <a:schemeClr val="accent2">
+                  <a:lumMod val="75000"/>
+                </a:schemeClr>
+              </a:solidFill>
+              <a:ln>
+                <a:solidFill>
+                  <a:schemeClr val="tx1">
+                    <a:lumMod val="75000"/>
+                    <a:lumOff val="25000"/>
+                  </a:schemeClr>
+                </a:solidFill>
+              </a:ln>
+            </p:spPr>
+            <p:style>
+              <a:lnRef idx="2">
+                <a:schemeClr val="accent1">
+                  <a:shade val="50000"/>
+                </a:schemeClr>
+              </a:lnRef>
+              <a:fillRef idx="1">
+                <a:schemeClr val="accent1"/>
+              </a:fillRef>
+              <a:effectRef idx="0">
+                <a:schemeClr val="accent1"/>
+              </a:effectRef>
+              <a:fontRef idx="minor">
+                <a:schemeClr val="lt1"/>
+              </a:fontRef>
+            </p:style>
+            <p:txBody>
+              <a:bodyPr rtlCol="0" anchor="ctr"/>
+              <a:lstStyle/>
+              <a:p>
+                <a:pPr algn="ctr"/>
+                <a:endParaRPr lang="en-GB"/>
+              </a:p>
+            </p:txBody>
+          </p:sp>
+          <p:sp>
+            <p:nvSpPr>
+              <p:cNvPr id="84" name="Rectangle 83">
+                <a:extLst>
+                  <a:ext uri="{FF2B5EF4-FFF2-40B4-BE49-F238E27FC236}">
+                    <a16:creationId xmlns:a16="http://schemas.microsoft.com/office/drawing/2014/main" id="{C84DFA06-0D94-C044-8680-062044D214AF}"/>
+                  </a:ext>
+                </a:extLst>
+              </p:cNvPr>
+              <p:cNvSpPr/>
+              <p:nvPr/>
+            </p:nvSpPr>
+            <p:spPr>
+              <a:xfrm>
+                <a:off x="1471776" y="4424352"/>
+                <a:ext cx="166971" cy="239964"/>
+              </a:xfrm>
+              <a:prstGeom prst="rect">
+                <a:avLst/>
+              </a:prstGeom>
+              <a:solidFill>
+                <a:schemeClr val="accent6">
+                  <a:lumMod val="75000"/>
+                </a:schemeClr>
+              </a:solidFill>
+              <a:ln>
+                <a:solidFill>
+                  <a:schemeClr val="tx1">
+                    <a:lumMod val="75000"/>
+                    <a:lumOff val="25000"/>
+                  </a:schemeClr>
+                </a:solidFill>
+              </a:ln>
+            </p:spPr>
+            <p:style>
+              <a:lnRef idx="2">
+                <a:schemeClr val="accent1">
+                  <a:shade val="50000"/>
+                </a:schemeClr>
+              </a:lnRef>
+              <a:fillRef idx="1">
+                <a:schemeClr val="accent1"/>
+              </a:fillRef>
+              <a:effectRef idx="0">
+                <a:schemeClr val="accent1"/>
+              </a:effectRef>
+              <a:fontRef idx="minor">
+                <a:schemeClr val="lt1"/>
+              </a:fontRef>
+            </p:style>
+            <p:txBody>
+              <a:bodyPr rtlCol="0" anchor="ctr"/>
+              <a:lstStyle/>
+              <a:p>
+                <a:pPr algn="ctr"/>
+                <a:endParaRPr lang="en-GB"/>
+              </a:p>
+            </p:txBody>
+          </p:sp>
+        </p:grpSp>
+        <p:cxnSp>
+          <p:nvCxnSpPr>
+            <p:cNvPr id="82" name="Straight Arrow Connector 81">
+              <a:extLst>
+                <a:ext uri="{FF2B5EF4-FFF2-40B4-BE49-F238E27FC236}">
+                  <a16:creationId xmlns:a16="http://schemas.microsoft.com/office/drawing/2014/main" id="{7D94B453-B5B6-3D47-AF44-255FF70747E8}"/>
+                </a:ext>
+              </a:extLst>
+            </p:cNvPr>
+            <p:cNvCxnSpPr>
+              <a:cxnSpLocks/>
+              <a:stCxn id="83" idx="3"/>
+              <a:endCxn id="84" idx="1"/>
+            </p:cNvCxnSpPr>
+            <p:nvPr/>
+          </p:nvCxnSpPr>
+          <p:spPr>
+            <a:xfrm>
+              <a:off x="1332630" y="4548849"/>
+              <a:ext cx="158144" cy="0"/>
+            </a:xfrm>
+            <a:prstGeom prst="straightConnector1">
+              <a:avLst/>
+            </a:prstGeom>
+            <a:ln w="12700">
+              <a:solidFill>
+                <a:schemeClr val="tx1">
+                  <a:lumMod val="75000"/>
+                  <a:lumOff val="25000"/>
+                </a:schemeClr>
+              </a:solidFill>
+              <a:tailEnd type="triangle"/>
+            </a:ln>
+          </p:spPr>
+          <p:style>
+            <a:lnRef idx="1">
+              <a:schemeClr val="accent1"/>
+            </a:lnRef>
+            <a:fillRef idx="0">
+              <a:schemeClr val="accent1"/>
+            </a:fillRef>
+            <a:effectRef idx="0">
+              <a:schemeClr val="accent1"/>
+            </a:effectRef>
+            <a:fontRef idx="minor">
+              <a:schemeClr val="tx1"/>
+            </a:fontRef>
+          </p:style>
+        </p:cxnSp>
+      </p:grpSp>
+      <p:grpSp>
+        <p:nvGrpSpPr>
+          <p:cNvPr id="85" name="Group 84">
+            <a:extLst>
+              <a:ext uri="{FF2B5EF4-FFF2-40B4-BE49-F238E27FC236}">
+                <a16:creationId xmlns:a16="http://schemas.microsoft.com/office/drawing/2014/main" id="{B0BCBF4D-8E6B-FF41-87BF-827F161004A5}"/>
+              </a:ext>
+            </a:extLst>
+          </p:cNvPr>
+          <p:cNvGrpSpPr/>
+          <p:nvPr/>
+        </p:nvGrpSpPr>
+        <p:grpSpPr>
+          <a:xfrm>
+            <a:off x="8333932" y="2335345"/>
+            <a:ext cx="623545" cy="378547"/>
+            <a:chOff x="1099930" y="4359576"/>
+            <a:chExt cx="623545" cy="378547"/>
+          </a:xfrm>
+        </p:grpSpPr>
+        <p:sp>
+          <p:nvSpPr>
+            <p:cNvPr id="86" name="Rectangle 85">
+              <a:extLst>
+                <a:ext uri="{FF2B5EF4-FFF2-40B4-BE49-F238E27FC236}">
+                  <a16:creationId xmlns:a16="http://schemas.microsoft.com/office/drawing/2014/main" id="{2F408C53-2286-0D4C-82E4-9B8AAED48EF9}"/>
+                </a:ext>
+              </a:extLst>
+            </p:cNvPr>
+            <p:cNvSpPr/>
+            <p:nvPr/>
+          </p:nvSpPr>
+          <p:spPr>
+            <a:xfrm>
+              <a:off x="1099930" y="4359576"/>
+              <a:ext cx="623545" cy="378547"/>
+            </a:xfrm>
+            <a:prstGeom prst="rect">
+              <a:avLst/>
+            </a:prstGeom>
+            <a:solidFill>
+              <a:schemeClr val="accent5">
+                <a:lumMod val="40000"/>
+                <a:lumOff val="60000"/>
+              </a:schemeClr>
+            </a:solidFill>
+            <a:ln>
+              <a:solidFill>
+                <a:schemeClr val="tx1">
+                  <a:lumMod val="75000"/>
+                  <a:lumOff val="25000"/>
+                </a:schemeClr>
+              </a:solidFill>
+            </a:ln>
+          </p:spPr>
+          <p:style>
+            <a:lnRef idx="2">
+              <a:schemeClr val="accent1">
+                <a:shade val="50000"/>
+              </a:schemeClr>
+            </a:lnRef>
+            <a:fillRef idx="1">
+              <a:schemeClr val="accent1"/>
+            </a:fillRef>
+            <a:effectRef idx="0">
+              <a:schemeClr val="accent1"/>
+            </a:effectRef>
+            <a:fontRef idx="minor">
+              <a:schemeClr val="lt1"/>
+            </a:fontRef>
+          </p:style>
+          <p:txBody>
+            <a:bodyPr rtlCol="0" anchor="ctr"/>
+            <a:lstStyle/>
+            <a:p>
+              <a:pPr algn="ctr"/>
+              <a:endParaRPr lang="en-GB"/>
+            </a:p>
+          </p:txBody>
+        </p:sp>
+        <p:grpSp>
+          <p:nvGrpSpPr>
+            <p:cNvPr id="87" name="Group 86">
+              <a:extLst>
+                <a:ext uri="{FF2B5EF4-FFF2-40B4-BE49-F238E27FC236}">
+                  <a16:creationId xmlns:a16="http://schemas.microsoft.com/office/drawing/2014/main" id="{130ED503-0F7D-6141-8FC7-F8F1C6E1E445}"/>
+                </a:ext>
+              </a:extLst>
+            </p:cNvPr>
+            <p:cNvGrpSpPr/>
+            <p:nvPr/>
+          </p:nvGrpSpPr>
+          <p:grpSpPr>
+            <a:xfrm>
+              <a:off x="1165660" y="4428867"/>
+              <a:ext cx="492085" cy="239964"/>
+              <a:chOff x="1146662" y="4424352"/>
+              <a:chExt cx="492085" cy="239964"/>
+            </a:xfrm>
+          </p:grpSpPr>
+          <p:sp>
+            <p:nvSpPr>
+              <p:cNvPr id="89" name="Rectangle 88">
+                <a:extLst>
+                  <a:ext uri="{FF2B5EF4-FFF2-40B4-BE49-F238E27FC236}">
+                    <a16:creationId xmlns:a16="http://schemas.microsoft.com/office/drawing/2014/main" id="{3DB74584-EF0D-1E40-AF68-C6799DEE5F56}"/>
+                  </a:ext>
+                </a:extLst>
+              </p:cNvPr>
+              <p:cNvSpPr/>
+              <p:nvPr/>
+            </p:nvSpPr>
+            <p:spPr>
+              <a:xfrm>
+                <a:off x="1146662" y="4424352"/>
+                <a:ext cx="166970" cy="239964"/>
+              </a:xfrm>
+              <a:prstGeom prst="rect">
+                <a:avLst/>
+              </a:prstGeom>
+              <a:solidFill>
+                <a:schemeClr val="accent2">
+                  <a:lumMod val="75000"/>
+                </a:schemeClr>
+              </a:solidFill>
+              <a:ln>
+                <a:solidFill>
+                  <a:schemeClr val="tx1">
+                    <a:lumMod val="75000"/>
+                    <a:lumOff val="25000"/>
+                  </a:schemeClr>
+                </a:solidFill>
+              </a:ln>
+            </p:spPr>
+            <p:style>
+              <a:lnRef idx="2">
+                <a:schemeClr val="accent1">
+                  <a:shade val="50000"/>
+                </a:schemeClr>
+              </a:lnRef>
+              <a:fillRef idx="1">
+                <a:schemeClr val="accent1"/>
+              </a:fillRef>
+              <a:effectRef idx="0">
+                <a:schemeClr val="accent1"/>
+              </a:effectRef>
+              <a:fontRef idx="minor">
+                <a:schemeClr val="lt1"/>
+              </a:fontRef>
+            </p:style>
+            <p:txBody>
+              <a:bodyPr rtlCol="0" anchor="ctr"/>
+              <a:lstStyle/>
+              <a:p>
+                <a:pPr algn="ctr"/>
+                <a:endParaRPr lang="en-GB"/>
+              </a:p>
+            </p:txBody>
+          </p:sp>
+          <p:sp>
+            <p:nvSpPr>
+              <p:cNvPr id="90" name="Rectangle 89">
+                <a:extLst>
+                  <a:ext uri="{FF2B5EF4-FFF2-40B4-BE49-F238E27FC236}">
+                    <a16:creationId xmlns:a16="http://schemas.microsoft.com/office/drawing/2014/main" id="{8DA43D76-D68B-784D-A020-83217E341762}"/>
+                  </a:ext>
+                </a:extLst>
+              </p:cNvPr>
+              <p:cNvSpPr/>
+              <p:nvPr/>
+            </p:nvSpPr>
+            <p:spPr>
+              <a:xfrm>
+                <a:off x="1471776" y="4424352"/>
+                <a:ext cx="166971" cy="239964"/>
+              </a:xfrm>
+              <a:prstGeom prst="rect">
+                <a:avLst/>
+              </a:prstGeom>
+              <a:solidFill>
+                <a:schemeClr val="accent6">
+                  <a:lumMod val="75000"/>
+                </a:schemeClr>
+              </a:solidFill>
+              <a:ln>
+                <a:solidFill>
+                  <a:schemeClr val="tx1">
+                    <a:lumMod val="75000"/>
+                    <a:lumOff val="25000"/>
+                  </a:schemeClr>
+                </a:solidFill>
+              </a:ln>
+            </p:spPr>
+            <p:style>
+              <a:lnRef idx="2">
+                <a:schemeClr val="accent1">
+                  <a:shade val="50000"/>
+                </a:schemeClr>
+              </a:lnRef>
+              <a:fillRef idx="1">
+                <a:schemeClr val="accent1"/>
+              </a:fillRef>
+              <a:effectRef idx="0">
+                <a:schemeClr val="accent1"/>
+              </a:effectRef>
+              <a:fontRef idx="minor">
+                <a:schemeClr val="lt1"/>
+              </a:fontRef>
+            </p:style>
+            <p:txBody>
+              <a:bodyPr rtlCol="0" anchor="ctr"/>
+              <a:lstStyle/>
+              <a:p>
+                <a:pPr algn="ctr"/>
+                <a:endParaRPr lang="en-GB"/>
+              </a:p>
+            </p:txBody>
+          </p:sp>
+        </p:grpSp>
+        <p:cxnSp>
+          <p:nvCxnSpPr>
+            <p:cNvPr id="88" name="Straight Arrow Connector 87">
+              <a:extLst>
+                <a:ext uri="{FF2B5EF4-FFF2-40B4-BE49-F238E27FC236}">
+                  <a16:creationId xmlns:a16="http://schemas.microsoft.com/office/drawing/2014/main" id="{E2F465FA-654D-304E-AAA6-AED4DA5F3D61}"/>
+                </a:ext>
+              </a:extLst>
+            </p:cNvPr>
+            <p:cNvCxnSpPr>
+              <a:cxnSpLocks/>
+              <a:stCxn id="89" idx="3"/>
+              <a:endCxn id="90" idx="1"/>
+            </p:cNvCxnSpPr>
+            <p:nvPr/>
+          </p:nvCxnSpPr>
+          <p:spPr>
+            <a:xfrm>
+              <a:off x="1332630" y="4548849"/>
+              <a:ext cx="158144" cy="0"/>
+            </a:xfrm>
+            <a:prstGeom prst="straightConnector1">
+              <a:avLst/>
+            </a:prstGeom>
+            <a:ln w="12700">
+              <a:solidFill>
+                <a:schemeClr val="tx1">
+                  <a:lumMod val="75000"/>
+                  <a:lumOff val="25000"/>
+                </a:schemeClr>
+              </a:solidFill>
+              <a:tailEnd type="triangle"/>
+            </a:ln>
+          </p:spPr>
+          <p:style>
+            <a:lnRef idx="1">
+              <a:schemeClr val="accent1"/>
+            </a:lnRef>
+            <a:fillRef idx="0">
+              <a:schemeClr val="accent1"/>
+            </a:fillRef>
+            <a:effectRef idx="0">
+              <a:schemeClr val="accent1"/>
+            </a:effectRef>
+            <a:fontRef idx="minor">
+              <a:schemeClr val="tx1"/>
+            </a:fontRef>
+          </p:style>
+        </p:cxnSp>
+      </p:grpSp>
+      <p:grpSp>
+        <p:nvGrpSpPr>
+          <p:cNvPr id="91" name="Group 90">
+            <a:extLst>
+              <a:ext uri="{FF2B5EF4-FFF2-40B4-BE49-F238E27FC236}">
+                <a16:creationId xmlns:a16="http://schemas.microsoft.com/office/drawing/2014/main" id="{984F695C-7E93-7547-8E58-30ED25D05C19}"/>
+              </a:ext>
+            </a:extLst>
+          </p:cNvPr>
+          <p:cNvGrpSpPr/>
+          <p:nvPr/>
+        </p:nvGrpSpPr>
+        <p:grpSpPr>
+          <a:xfrm>
+            <a:off x="7462661" y="3072263"/>
+            <a:ext cx="623545" cy="378547"/>
+            <a:chOff x="1099930" y="4359576"/>
+            <a:chExt cx="623545" cy="378547"/>
+          </a:xfrm>
+        </p:grpSpPr>
+        <p:sp>
+          <p:nvSpPr>
+            <p:cNvPr id="92" name="Rectangle 91">
+              <a:extLst>
+                <a:ext uri="{FF2B5EF4-FFF2-40B4-BE49-F238E27FC236}">
+                  <a16:creationId xmlns:a16="http://schemas.microsoft.com/office/drawing/2014/main" id="{E87E6D21-97F3-5B43-8844-F6A0F99CCE2B}"/>
+                </a:ext>
+              </a:extLst>
+            </p:cNvPr>
+            <p:cNvSpPr/>
+            <p:nvPr/>
+          </p:nvSpPr>
+          <p:spPr>
+            <a:xfrm>
+              <a:off x="1099930" y="4359576"/>
+              <a:ext cx="623545" cy="378547"/>
+            </a:xfrm>
+            <a:prstGeom prst="rect">
+              <a:avLst/>
+            </a:prstGeom>
+            <a:solidFill>
+              <a:schemeClr val="accent5">
+                <a:lumMod val="40000"/>
+                <a:lumOff val="60000"/>
+              </a:schemeClr>
+            </a:solidFill>
+            <a:ln>
+              <a:solidFill>
+                <a:schemeClr val="tx1">
+                  <a:lumMod val="75000"/>
+                  <a:lumOff val="25000"/>
+                </a:schemeClr>
+              </a:solidFill>
+            </a:ln>
+          </p:spPr>
+          <p:style>
+            <a:lnRef idx="2">
+              <a:schemeClr val="accent1">
+                <a:shade val="50000"/>
+              </a:schemeClr>
+            </a:lnRef>
+            <a:fillRef idx="1">
+              <a:schemeClr val="accent1"/>
+            </a:fillRef>
+            <a:effectRef idx="0">
+              <a:schemeClr val="accent1"/>
+            </a:effectRef>
+            <a:fontRef idx="minor">
+              <a:schemeClr val="lt1"/>
+            </a:fontRef>
+          </p:style>
+          <p:txBody>
+            <a:bodyPr rtlCol="0" anchor="ctr"/>
+            <a:lstStyle/>
+            <a:p>
+              <a:pPr algn="ctr"/>
+              <a:endParaRPr lang="en-GB"/>
+            </a:p>
+          </p:txBody>
+        </p:sp>
+        <p:grpSp>
+          <p:nvGrpSpPr>
+            <p:cNvPr id="93" name="Group 92">
+              <a:extLst>
+                <a:ext uri="{FF2B5EF4-FFF2-40B4-BE49-F238E27FC236}">
+                  <a16:creationId xmlns:a16="http://schemas.microsoft.com/office/drawing/2014/main" id="{A38D6280-F632-C94A-BE14-DF6595FB9AC2}"/>
+                </a:ext>
+              </a:extLst>
+            </p:cNvPr>
+            <p:cNvGrpSpPr/>
+            <p:nvPr/>
+          </p:nvGrpSpPr>
+          <p:grpSpPr>
+            <a:xfrm>
+              <a:off x="1165660" y="4428867"/>
+              <a:ext cx="492085" cy="239964"/>
+              <a:chOff x="1146662" y="4424352"/>
+              <a:chExt cx="492085" cy="239964"/>
+            </a:xfrm>
+          </p:grpSpPr>
+          <p:sp>
+            <p:nvSpPr>
+              <p:cNvPr id="95" name="Rectangle 94">
+                <a:extLst>
+                  <a:ext uri="{FF2B5EF4-FFF2-40B4-BE49-F238E27FC236}">
+                    <a16:creationId xmlns:a16="http://schemas.microsoft.com/office/drawing/2014/main" id="{8532265D-FE41-9C49-9E07-47FD4F1CDBD2}"/>
+                  </a:ext>
+                </a:extLst>
+              </p:cNvPr>
+              <p:cNvSpPr/>
+              <p:nvPr/>
+            </p:nvSpPr>
+            <p:spPr>
+              <a:xfrm>
+                <a:off x="1146662" y="4424352"/>
+                <a:ext cx="166970" cy="239964"/>
+              </a:xfrm>
+              <a:prstGeom prst="rect">
+                <a:avLst/>
+              </a:prstGeom>
+              <a:solidFill>
+                <a:schemeClr val="accent2">
+                  <a:lumMod val="75000"/>
+                </a:schemeClr>
+              </a:solidFill>
+              <a:ln>
+                <a:solidFill>
+                  <a:schemeClr val="tx1">
+                    <a:lumMod val="75000"/>
+                    <a:lumOff val="25000"/>
+                  </a:schemeClr>
+                </a:solidFill>
+              </a:ln>
+            </p:spPr>
+            <p:style>
+              <a:lnRef idx="2">
+                <a:schemeClr val="accent1">
+                  <a:shade val="50000"/>
+                </a:schemeClr>
+              </a:lnRef>
+              <a:fillRef idx="1">
+                <a:schemeClr val="accent1"/>
+              </a:fillRef>
+              <a:effectRef idx="0">
+                <a:schemeClr val="accent1"/>
+              </a:effectRef>
+              <a:fontRef idx="minor">
+                <a:schemeClr val="lt1"/>
+              </a:fontRef>
+            </p:style>
+            <p:txBody>
+              <a:bodyPr rtlCol="0" anchor="ctr"/>
+              <a:lstStyle/>
+              <a:p>
+                <a:pPr algn="ctr"/>
+                <a:endParaRPr lang="en-GB"/>
+              </a:p>
+            </p:txBody>
+          </p:sp>
+          <p:sp>
+            <p:nvSpPr>
+              <p:cNvPr id="96" name="Rectangle 95">
+                <a:extLst>
+                  <a:ext uri="{FF2B5EF4-FFF2-40B4-BE49-F238E27FC236}">
+                    <a16:creationId xmlns:a16="http://schemas.microsoft.com/office/drawing/2014/main" id="{0B6CDD4D-8C17-1C4D-8807-60F11C064F9F}"/>
+                  </a:ext>
+                </a:extLst>
+              </p:cNvPr>
+              <p:cNvSpPr/>
+              <p:nvPr/>
+            </p:nvSpPr>
+            <p:spPr>
+              <a:xfrm>
+                <a:off x="1471776" y="4424352"/>
+                <a:ext cx="166971" cy="239964"/>
+              </a:xfrm>
+              <a:prstGeom prst="rect">
+                <a:avLst/>
+              </a:prstGeom>
+              <a:solidFill>
+                <a:schemeClr val="accent6">
+                  <a:lumMod val="75000"/>
+                </a:schemeClr>
+              </a:solidFill>
+              <a:ln>
+                <a:solidFill>
+                  <a:schemeClr val="tx1">
+                    <a:lumMod val="75000"/>
+                    <a:lumOff val="25000"/>
+                  </a:schemeClr>
+                </a:solidFill>
+              </a:ln>
+            </p:spPr>
+            <p:style>
+              <a:lnRef idx="2">
+                <a:schemeClr val="accent1">
+                  <a:shade val="50000"/>
+                </a:schemeClr>
+              </a:lnRef>
+              <a:fillRef idx="1">
+                <a:schemeClr val="accent1"/>
+              </a:fillRef>
+              <a:effectRef idx="0">
+                <a:schemeClr val="accent1"/>
+              </a:effectRef>
+              <a:fontRef idx="minor">
+                <a:schemeClr val="lt1"/>
+              </a:fontRef>
+            </p:style>
+            <p:txBody>
+              <a:bodyPr rtlCol="0" anchor="ctr"/>
+              <a:lstStyle/>
+              <a:p>
+                <a:pPr algn="ctr"/>
+                <a:endParaRPr lang="en-GB"/>
+              </a:p>
+            </p:txBody>
+          </p:sp>
+        </p:grpSp>
+        <p:cxnSp>
+          <p:nvCxnSpPr>
+            <p:cNvPr id="94" name="Straight Arrow Connector 93">
+              <a:extLst>
+                <a:ext uri="{FF2B5EF4-FFF2-40B4-BE49-F238E27FC236}">
+                  <a16:creationId xmlns:a16="http://schemas.microsoft.com/office/drawing/2014/main" id="{4150EC1C-4AE6-C444-A54C-2AD686EA033C}"/>
+                </a:ext>
+              </a:extLst>
+            </p:cNvPr>
+            <p:cNvCxnSpPr>
+              <a:cxnSpLocks/>
+              <a:stCxn id="95" idx="3"/>
+              <a:endCxn id="96" idx="1"/>
+            </p:cNvCxnSpPr>
+            <p:nvPr/>
+          </p:nvCxnSpPr>
+          <p:spPr>
+            <a:xfrm>
+              <a:off x="1332630" y="4548849"/>
+              <a:ext cx="158144" cy="0"/>
+            </a:xfrm>
+            <a:prstGeom prst="straightConnector1">
+              <a:avLst/>
+            </a:prstGeom>
+            <a:ln w="12700">
+              <a:solidFill>
+                <a:schemeClr val="tx1">
+                  <a:lumMod val="75000"/>
+                  <a:lumOff val="25000"/>
+                </a:schemeClr>
+              </a:solidFill>
+              <a:tailEnd type="triangle"/>
+            </a:ln>
+          </p:spPr>
+          <p:style>
+            <a:lnRef idx="1">
+              <a:schemeClr val="accent1"/>
+            </a:lnRef>
+            <a:fillRef idx="0">
+              <a:schemeClr val="accent1"/>
+            </a:fillRef>
+            <a:effectRef idx="0">
+              <a:schemeClr val="accent1"/>
+            </a:effectRef>
+            <a:fontRef idx="minor">
+              <a:schemeClr val="tx1"/>
+            </a:fontRef>
+          </p:style>
+        </p:cxnSp>
+      </p:grpSp>
+      <p:grpSp>
+        <p:nvGrpSpPr>
+          <p:cNvPr id="97" name="Group 96">
+            <a:extLst>
+              <a:ext uri="{FF2B5EF4-FFF2-40B4-BE49-F238E27FC236}">
+                <a16:creationId xmlns:a16="http://schemas.microsoft.com/office/drawing/2014/main" id="{A1F9FF79-B408-A24D-8D61-08E1A03708A5}"/>
+              </a:ext>
+            </a:extLst>
+          </p:cNvPr>
+          <p:cNvGrpSpPr/>
+          <p:nvPr/>
+        </p:nvGrpSpPr>
+        <p:grpSpPr>
+          <a:xfrm>
+            <a:off x="8334849" y="3072263"/>
+            <a:ext cx="623545" cy="378547"/>
+            <a:chOff x="1099930" y="4359576"/>
+            <a:chExt cx="623545" cy="378547"/>
+          </a:xfrm>
+        </p:grpSpPr>
+        <p:sp>
+          <p:nvSpPr>
+            <p:cNvPr id="98" name="Rectangle 97">
+              <a:extLst>
+                <a:ext uri="{FF2B5EF4-FFF2-40B4-BE49-F238E27FC236}">
+                  <a16:creationId xmlns:a16="http://schemas.microsoft.com/office/drawing/2014/main" id="{CFB86B3C-D8EF-E747-AE23-996AF4310CB9}"/>
+                </a:ext>
+              </a:extLst>
+            </p:cNvPr>
+            <p:cNvSpPr/>
+            <p:nvPr/>
+          </p:nvSpPr>
+          <p:spPr>
+            <a:xfrm>
+              <a:off x="1099930" y="4359576"/>
+              <a:ext cx="623545" cy="378547"/>
+            </a:xfrm>
+            <a:prstGeom prst="rect">
+              <a:avLst/>
+            </a:prstGeom>
+            <a:solidFill>
+              <a:schemeClr val="accent5">
+                <a:lumMod val="40000"/>
+                <a:lumOff val="60000"/>
+              </a:schemeClr>
+            </a:solidFill>
+            <a:ln>
+              <a:solidFill>
+                <a:schemeClr val="tx1">
+                  <a:lumMod val="75000"/>
+                  <a:lumOff val="25000"/>
+                </a:schemeClr>
+              </a:solidFill>
+            </a:ln>
+          </p:spPr>
+          <p:style>
+            <a:lnRef idx="2">
+              <a:schemeClr val="accent1">
+                <a:shade val="50000"/>
+              </a:schemeClr>
+            </a:lnRef>
+            <a:fillRef idx="1">
+              <a:schemeClr val="accent1"/>
+            </a:fillRef>
+            <a:effectRef idx="0">
+              <a:schemeClr val="accent1"/>
+            </a:effectRef>
+            <a:fontRef idx="minor">
+              <a:schemeClr val="lt1"/>
+            </a:fontRef>
+          </p:style>
+          <p:txBody>
+            <a:bodyPr rtlCol="0" anchor="ctr"/>
+            <a:lstStyle/>
+            <a:p>
+              <a:pPr algn="ctr"/>
+              <a:endParaRPr lang="en-GB"/>
+            </a:p>
+          </p:txBody>
+        </p:sp>
+        <p:grpSp>
+          <p:nvGrpSpPr>
+            <p:cNvPr id="99" name="Group 98">
+              <a:extLst>
+                <a:ext uri="{FF2B5EF4-FFF2-40B4-BE49-F238E27FC236}">
+                  <a16:creationId xmlns:a16="http://schemas.microsoft.com/office/drawing/2014/main" id="{E6398C74-D6B1-6746-8EB8-FF7DA7E03215}"/>
+                </a:ext>
+              </a:extLst>
+            </p:cNvPr>
+            <p:cNvGrpSpPr/>
+            <p:nvPr/>
+          </p:nvGrpSpPr>
+          <p:grpSpPr>
+            <a:xfrm>
+              <a:off x="1165660" y="4428867"/>
+              <a:ext cx="492085" cy="239964"/>
+              <a:chOff x="1146662" y="4424352"/>
+              <a:chExt cx="492085" cy="239964"/>
+            </a:xfrm>
+          </p:grpSpPr>
+          <p:sp>
+            <p:nvSpPr>
+              <p:cNvPr id="101" name="Rectangle 100">
+                <a:extLst>
+                  <a:ext uri="{FF2B5EF4-FFF2-40B4-BE49-F238E27FC236}">
+                    <a16:creationId xmlns:a16="http://schemas.microsoft.com/office/drawing/2014/main" id="{0FE37D17-2C4D-9541-AAB3-596AAF35FC68}"/>
+                  </a:ext>
+                </a:extLst>
+              </p:cNvPr>
+              <p:cNvSpPr/>
+              <p:nvPr/>
+            </p:nvSpPr>
+            <p:spPr>
+              <a:xfrm>
+                <a:off x="1146662" y="4424352"/>
+                <a:ext cx="166970" cy="239964"/>
+              </a:xfrm>
+              <a:prstGeom prst="rect">
+                <a:avLst/>
+              </a:prstGeom>
+              <a:solidFill>
+                <a:schemeClr val="accent2">
+                  <a:lumMod val="75000"/>
+                </a:schemeClr>
+              </a:solidFill>
+              <a:ln>
+                <a:solidFill>
+                  <a:schemeClr val="tx1">
+                    <a:lumMod val="75000"/>
+                    <a:lumOff val="25000"/>
+                  </a:schemeClr>
+                </a:solidFill>
+              </a:ln>
+            </p:spPr>
+            <p:style>
+              <a:lnRef idx="2">
+                <a:schemeClr val="accent1">
+                  <a:shade val="50000"/>
+                </a:schemeClr>
+              </a:lnRef>
+              <a:fillRef idx="1">
+                <a:schemeClr val="accent1"/>
+              </a:fillRef>
+              <a:effectRef idx="0">
+                <a:schemeClr val="accent1"/>
+              </a:effectRef>
+              <a:fontRef idx="minor">
+                <a:schemeClr val="lt1"/>
+              </a:fontRef>
+            </p:style>
+            <p:txBody>
+              <a:bodyPr rtlCol="0" anchor="ctr"/>
+              <a:lstStyle/>
+              <a:p>
+                <a:pPr algn="ctr"/>
+                <a:endParaRPr lang="en-GB"/>
+              </a:p>
+            </p:txBody>
+          </p:sp>
+          <p:sp>
+            <p:nvSpPr>
+              <p:cNvPr id="102" name="Rectangle 101">
+                <a:extLst>
+                  <a:ext uri="{FF2B5EF4-FFF2-40B4-BE49-F238E27FC236}">
+                    <a16:creationId xmlns:a16="http://schemas.microsoft.com/office/drawing/2014/main" id="{F01B66FA-4938-D849-B36E-2582BD5C9C71}"/>
+                  </a:ext>
+                </a:extLst>
+              </p:cNvPr>
+              <p:cNvSpPr/>
+              <p:nvPr/>
+            </p:nvSpPr>
+            <p:spPr>
+              <a:xfrm>
+                <a:off x="1471776" y="4424352"/>
+                <a:ext cx="166971" cy="239964"/>
+              </a:xfrm>
+              <a:prstGeom prst="rect">
+                <a:avLst/>
+              </a:prstGeom>
+              <a:solidFill>
+                <a:schemeClr val="accent6">
+                  <a:lumMod val="75000"/>
+                </a:schemeClr>
+              </a:solidFill>
+              <a:ln>
+                <a:solidFill>
+                  <a:schemeClr val="tx1">
+                    <a:lumMod val="75000"/>
+                    <a:lumOff val="25000"/>
+                  </a:schemeClr>
+                </a:solidFill>
+              </a:ln>
+            </p:spPr>
+            <p:style>
+              <a:lnRef idx="2">
+                <a:schemeClr val="accent1">
+                  <a:shade val="50000"/>
+                </a:schemeClr>
+              </a:lnRef>
+              <a:fillRef idx="1">
+                <a:schemeClr val="accent1"/>
+              </a:fillRef>
+              <a:effectRef idx="0">
+                <a:schemeClr val="accent1"/>
+              </a:effectRef>
+              <a:fontRef idx="minor">
+                <a:schemeClr val="lt1"/>
+              </a:fontRef>
+            </p:style>
+            <p:txBody>
+              <a:bodyPr rtlCol="0" anchor="ctr"/>
+              <a:lstStyle/>
+              <a:p>
+                <a:pPr algn="ctr"/>
+                <a:endParaRPr lang="en-GB"/>
+              </a:p>
+            </p:txBody>
+          </p:sp>
+        </p:grpSp>
+        <p:cxnSp>
+          <p:nvCxnSpPr>
+            <p:cNvPr id="100" name="Straight Arrow Connector 99">
+              <a:extLst>
+                <a:ext uri="{FF2B5EF4-FFF2-40B4-BE49-F238E27FC236}">
+                  <a16:creationId xmlns:a16="http://schemas.microsoft.com/office/drawing/2014/main" id="{EA812B35-1C6F-3447-93A6-A745B0B126C8}"/>
+                </a:ext>
+              </a:extLst>
+            </p:cNvPr>
+            <p:cNvCxnSpPr>
+              <a:cxnSpLocks/>
+              <a:stCxn id="101" idx="3"/>
+              <a:endCxn id="102" idx="1"/>
+            </p:cNvCxnSpPr>
+            <p:nvPr/>
+          </p:nvCxnSpPr>
+          <p:spPr>
+            <a:xfrm>
+              <a:off x="1332630" y="4548849"/>
+              <a:ext cx="158144" cy="0"/>
+            </a:xfrm>
+            <a:prstGeom prst="straightConnector1">
+              <a:avLst/>
+            </a:prstGeom>
+            <a:ln w="12700">
+              <a:solidFill>
+                <a:schemeClr val="tx1">
+                  <a:lumMod val="75000"/>
+                  <a:lumOff val="25000"/>
+                </a:schemeClr>
+              </a:solidFill>
+              <a:tailEnd type="triangle"/>
+            </a:ln>
+          </p:spPr>
+          <p:style>
+            <a:lnRef idx="1">
+              <a:schemeClr val="accent1"/>
+            </a:lnRef>
+            <a:fillRef idx="0">
+              <a:schemeClr val="accent1"/>
+            </a:fillRef>
+            <a:effectRef idx="0">
+              <a:schemeClr val="accent1"/>
+            </a:effectRef>
+            <a:fontRef idx="minor">
+              <a:schemeClr val="tx1"/>
+            </a:fontRef>
+          </p:style>
+        </p:cxnSp>
+      </p:grpSp>
+      <p:grpSp>
+        <p:nvGrpSpPr>
+          <p:cNvPr id="103" name="Group 102">
+            <a:extLst>
+              <a:ext uri="{FF2B5EF4-FFF2-40B4-BE49-F238E27FC236}">
+                <a16:creationId xmlns:a16="http://schemas.microsoft.com/office/drawing/2014/main" id="{70F2871D-1F14-0F4D-B2B1-3C87BC577AEA}"/>
+              </a:ext>
+            </a:extLst>
+          </p:cNvPr>
+          <p:cNvGrpSpPr/>
+          <p:nvPr/>
+        </p:nvGrpSpPr>
+        <p:grpSpPr>
+          <a:xfrm>
+            <a:off x="9225372" y="3072263"/>
+            <a:ext cx="623545" cy="378547"/>
+            <a:chOff x="1099930" y="4359576"/>
+            <a:chExt cx="623545" cy="378547"/>
+          </a:xfrm>
+        </p:grpSpPr>
+        <p:sp>
+          <p:nvSpPr>
+            <p:cNvPr id="104" name="Rectangle 103">
+              <a:extLst>
+                <a:ext uri="{FF2B5EF4-FFF2-40B4-BE49-F238E27FC236}">
+                  <a16:creationId xmlns:a16="http://schemas.microsoft.com/office/drawing/2014/main" id="{AB4B824D-12C5-EA41-A7D7-B24F9528A648}"/>
+                </a:ext>
+              </a:extLst>
+            </p:cNvPr>
+            <p:cNvSpPr/>
+            <p:nvPr/>
+          </p:nvSpPr>
+          <p:spPr>
+            <a:xfrm>
+              <a:off x="1099930" y="4359576"/>
+              <a:ext cx="623545" cy="378547"/>
+            </a:xfrm>
+            <a:prstGeom prst="rect">
+              <a:avLst/>
+            </a:prstGeom>
+            <a:solidFill>
+              <a:schemeClr val="accent5">
+                <a:lumMod val="40000"/>
+                <a:lumOff val="60000"/>
+              </a:schemeClr>
+            </a:solidFill>
+            <a:ln>
+              <a:solidFill>
+                <a:schemeClr val="tx1">
+                  <a:lumMod val="75000"/>
+                  <a:lumOff val="25000"/>
+                </a:schemeClr>
+              </a:solidFill>
+            </a:ln>
+          </p:spPr>
+          <p:style>
+            <a:lnRef idx="2">
+              <a:schemeClr val="accent1">
+                <a:shade val="50000"/>
+              </a:schemeClr>
+            </a:lnRef>
+            <a:fillRef idx="1">
+              <a:schemeClr val="accent1"/>
+            </a:fillRef>
+            <a:effectRef idx="0">
+              <a:schemeClr val="accent1"/>
+            </a:effectRef>
+            <a:fontRef idx="minor">
+              <a:schemeClr val="lt1"/>
+            </a:fontRef>
+          </p:style>
+          <p:txBody>
+            <a:bodyPr rtlCol="0" anchor="ctr"/>
+            <a:lstStyle/>
+            <a:p>
+              <a:pPr algn="ctr"/>
+              <a:endParaRPr lang="en-GB"/>
+            </a:p>
+          </p:txBody>
+        </p:sp>
+        <p:grpSp>
+          <p:nvGrpSpPr>
+            <p:cNvPr id="105" name="Group 104">
+              <a:extLst>
+                <a:ext uri="{FF2B5EF4-FFF2-40B4-BE49-F238E27FC236}">
+                  <a16:creationId xmlns:a16="http://schemas.microsoft.com/office/drawing/2014/main" id="{3CA3FDDB-64E9-8A4F-B228-A322B35DF0AE}"/>
+                </a:ext>
+              </a:extLst>
+            </p:cNvPr>
+            <p:cNvGrpSpPr/>
+            <p:nvPr/>
+          </p:nvGrpSpPr>
+          <p:grpSpPr>
+            <a:xfrm>
+              <a:off x="1165660" y="4428867"/>
+              <a:ext cx="492085" cy="239964"/>
+              <a:chOff x="1146662" y="4424352"/>
+              <a:chExt cx="492085" cy="239964"/>
+            </a:xfrm>
+          </p:grpSpPr>
+          <p:sp>
+            <p:nvSpPr>
+              <p:cNvPr id="107" name="Rectangle 106">
+                <a:extLst>
+                  <a:ext uri="{FF2B5EF4-FFF2-40B4-BE49-F238E27FC236}">
+                    <a16:creationId xmlns:a16="http://schemas.microsoft.com/office/drawing/2014/main" id="{DBC16579-106A-164D-8EB9-85F278CB44AB}"/>
+                  </a:ext>
+                </a:extLst>
+              </p:cNvPr>
+              <p:cNvSpPr/>
+              <p:nvPr/>
+            </p:nvSpPr>
+            <p:spPr>
+              <a:xfrm>
+                <a:off x="1146662" y="4424352"/>
+                <a:ext cx="166970" cy="239964"/>
+              </a:xfrm>
+              <a:prstGeom prst="rect">
+                <a:avLst/>
+              </a:prstGeom>
+              <a:solidFill>
+                <a:schemeClr val="accent2">
+                  <a:lumMod val="75000"/>
+                </a:schemeClr>
+              </a:solidFill>
+              <a:ln>
+                <a:solidFill>
+                  <a:schemeClr val="tx1">
+                    <a:lumMod val="75000"/>
+                    <a:lumOff val="25000"/>
+                  </a:schemeClr>
+                </a:solidFill>
+              </a:ln>
+            </p:spPr>
+            <p:style>
+              <a:lnRef idx="2">
+                <a:schemeClr val="accent1">
+                  <a:shade val="50000"/>
+                </a:schemeClr>
+              </a:lnRef>
+              <a:fillRef idx="1">
+                <a:schemeClr val="accent1"/>
+              </a:fillRef>
+              <a:effectRef idx="0">
+                <a:schemeClr val="accent1"/>
+              </a:effectRef>
+              <a:fontRef idx="minor">
+                <a:schemeClr val="lt1"/>
+              </a:fontRef>
+            </p:style>
+            <p:txBody>
+              <a:bodyPr rtlCol="0" anchor="ctr"/>
+              <a:lstStyle/>
+              <a:p>
+                <a:pPr algn="ctr"/>
+                <a:endParaRPr lang="en-GB"/>
+              </a:p>
+            </p:txBody>
+          </p:sp>
+          <p:sp>
+            <p:nvSpPr>
+              <p:cNvPr id="108" name="Rectangle 107">
+                <a:extLst>
+                  <a:ext uri="{FF2B5EF4-FFF2-40B4-BE49-F238E27FC236}">
+                    <a16:creationId xmlns:a16="http://schemas.microsoft.com/office/drawing/2014/main" id="{D15D7DBB-F99C-4D4D-8E8C-7FD28438CA26}"/>
+                  </a:ext>
+                </a:extLst>
+              </p:cNvPr>
+              <p:cNvSpPr/>
+              <p:nvPr/>
+            </p:nvSpPr>
+            <p:spPr>
+              <a:xfrm>
+                <a:off x="1471776" y="4424352"/>
+                <a:ext cx="166971" cy="239964"/>
+              </a:xfrm>
+              <a:prstGeom prst="rect">
+                <a:avLst/>
+              </a:prstGeom>
+              <a:solidFill>
+                <a:schemeClr val="accent6">
+                  <a:lumMod val="75000"/>
+                </a:schemeClr>
+              </a:solidFill>
+              <a:ln>
+                <a:solidFill>
+                  <a:schemeClr val="tx1">
+                    <a:lumMod val="75000"/>
+                    <a:lumOff val="25000"/>
+                  </a:schemeClr>
+                </a:solidFill>
+              </a:ln>
+            </p:spPr>
+            <p:style>
+              <a:lnRef idx="2">
+                <a:schemeClr val="accent1">
+                  <a:shade val="50000"/>
+                </a:schemeClr>
+              </a:lnRef>
+              <a:fillRef idx="1">
+                <a:schemeClr val="accent1"/>
+              </a:fillRef>
+              <a:effectRef idx="0">
+                <a:schemeClr val="accent1"/>
+              </a:effectRef>
+              <a:fontRef idx="minor">
+                <a:schemeClr val="lt1"/>
+              </a:fontRef>
+            </p:style>
+            <p:txBody>
+              <a:bodyPr rtlCol="0" anchor="ctr"/>
+              <a:lstStyle/>
+              <a:p>
+                <a:pPr algn="ctr"/>
+                <a:endParaRPr lang="en-GB"/>
+              </a:p>
+            </p:txBody>
+          </p:sp>
+        </p:grpSp>
+        <p:cxnSp>
+          <p:nvCxnSpPr>
+            <p:cNvPr id="106" name="Straight Arrow Connector 105">
+              <a:extLst>
+                <a:ext uri="{FF2B5EF4-FFF2-40B4-BE49-F238E27FC236}">
+                  <a16:creationId xmlns:a16="http://schemas.microsoft.com/office/drawing/2014/main" id="{B1849B28-7DD7-D047-869C-F09548D6EF95}"/>
+                </a:ext>
+              </a:extLst>
+            </p:cNvPr>
+            <p:cNvCxnSpPr>
+              <a:cxnSpLocks/>
+              <a:stCxn id="107" idx="3"/>
+              <a:endCxn id="108" idx="1"/>
+            </p:cNvCxnSpPr>
+            <p:nvPr/>
+          </p:nvCxnSpPr>
+          <p:spPr>
+            <a:xfrm>
+              <a:off x="1332630" y="4548849"/>
+              <a:ext cx="158144" cy="0"/>
+            </a:xfrm>
+            <a:prstGeom prst="straightConnector1">
+              <a:avLst/>
+            </a:prstGeom>
+            <a:ln w="12700">
+              <a:solidFill>
+                <a:schemeClr val="tx1">
+                  <a:lumMod val="75000"/>
+                  <a:lumOff val="25000"/>
+                </a:schemeClr>
+              </a:solidFill>
+              <a:tailEnd type="triangle"/>
+            </a:ln>
+          </p:spPr>
+          <p:style>
+            <a:lnRef idx="1">
+              <a:schemeClr val="accent1"/>
+            </a:lnRef>
+            <a:fillRef idx="0">
+              <a:schemeClr val="accent1"/>
+            </a:fillRef>
+            <a:effectRef idx="0">
+              <a:schemeClr val="accent1"/>
+            </a:effectRef>
+            <a:fontRef idx="minor">
+              <a:schemeClr val="tx1"/>
+            </a:fontRef>
+          </p:style>
+        </p:cxnSp>
+      </p:grpSp>
+      <p:grpSp>
+        <p:nvGrpSpPr>
+          <p:cNvPr id="109" name="Group 108">
+            <a:extLst>
+              <a:ext uri="{FF2B5EF4-FFF2-40B4-BE49-F238E27FC236}">
+                <a16:creationId xmlns:a16="http://schemas.microsoft.com/office/drawing/2014/main" id="{70C9C635-72D4-2449-9B42-459B351F67EC}"/>
+              </a:ext>
+            </a:extLst>
+          </p:cNvPr>
+          <p:cNvGrpSpPr/>
+          <p:nvPr/>
+        </p:nvGrpSpPr>
+        <p:grpSpPr>
+          <a:xfrm>
+            <a:off x="7448086" y="4552835"/>
+            <a:ext cx="623545" cy="378547"/>
+            <a:chOff x="1099930" y="4359576"/>
+            <a:chExt cx="623545" cy="378547"/>
+          </a:xfrm>
+        </p:grpSpPr>
+        <p:sp>
+          <p:nvSpPr>
+            <p:cNvPr id="110" name="Rectangle 109">
+              <a:extLst>
+                <a:ext uri="{FF2B5EF4-FFF2-40B4-BE49-F238E27FC236}">
+                  <a16:creationId xmlns:a16="http://schemas.microsoft.com/office/drawing/2014/main" id="{5155268D-7C3A-B243-A101-605CE14C660D}"/>
+                </a:ext>
+              </a:extLst>
+            </p:cNvPr>
+            <p:cNvSpPr/>
+            <p:nvPr/>
+          </p:nvSpPr>
+          <p:spPr>
+            <a:xfrm>
+              <a:off x="1099930" y="4359576"/>
+              <a:ext cx="623545" cy="378547"/>
+            </a:xfrm>
+            <a:prstGeom prst="rect">
+              <a:avLst/>
+            </a:prstGeom>
+            <a:solidFill>
+              <a:schemeClr val="accent5">
+                <a:lumMod val="40000"/>
+                <a:lumOff val="60000"/>
+              </a:schemeClr>
+            </a:solidFill>
+            <a:ln>
+              <a:solidFill>
+                <a:schemeClr val="tx1">
+                  <a:lumMod val="75000"/>
+                  <a:lumOff val="25000"/>
+                </a:schemeClr>
+              </a:solidFill>
+            </a:ln>
+          </p:spPr>
+          <p:style>
+            <a:lnRef idx="2">
+              <a:schemeClr val="accent1">
+                <a:shade val="50000"/>
+              </a:schemeClr>
+            </a:lnRef>
+            <a:fillRef idx="1">
+              <a:schemeClr val="accent1"/>
+            </a:fillRef>
+            <a:effectRef idx="0">
+              <a:schemeClr val="accent1"/>
+            </a:effectRef>
+            <a:fontRef idx="minor">
+              <a:schemeClr val="lt1"/>
+            </a:fontRef>
+          </p:style>
+          <p:txBody>
+            <a:bodyPr rtlCol="0" anchor="ctr"/>
+            <a:lstStyle/>
+            <a:p>
+              <a:pPr algn="ctr"/>
+              <a:endParaRPr lang="en-GB"/>
+            </a:p>
+          </p:txBody>
+        </p:sp>
+        <p:grpSp>
+          <p:nvGrpSpPr>
+            <p:cNvPr id="111" name="Group 110">
+              <a:extLst>
+                <a:ext uri="{FF2B5EF4-FFF2-40B4-BE49-F238E27FC236}">
+                  <a16:creationId xmlns:a16="http://schemas.microsoft.com/office/drawing/2014/main" id="{52DDB814-D5EB-7D46-87F5-2197287C8B21}"/>
+                </a:ext>
+              </a:extLst>
+            </p:cNvPr>
+            <p:cNvGrpSpPr/>
+            <p:nvPr/>
+          </p:nvGrpSpPr>
+          <p:grpSpPr>
+            <a:xfrm>
+              <a:off x="1165660" y="4428867"/>
+              <a:ext cx="492085" cy="239964"/>
+              <a:chOff x="1146662" y="4424352"/>
+              <a:chExt cx="492085" cy="239964"/>
+            </a:xfrm>
+          </p:grpSpPr>
+          <p:sp>
+            <p:nvSpPr>
+              <p:cNvPr id="113" name="Rectangle 112">
+                <a:extLst>
+                  <a:ext uri="{FF2B5EF4-FFF2-40B4-BE49-F238E27FC236}">
+                    <a16:creationId xmlns:a16="http://schemas.microsoft.com/office/drawing/2014/main" id="{5BF44329-13C4-B448-A213-9FC596629035}"/>
+                  </a:ext>
+                </a:extLst>
+              </p:cNvPr>
+              <p:cNvSpPr/>
+              <p:nvPr/>
+            </p:nvSpPr>
+            <p:spPr>
+              <a:xfrm>
+                <a:off x="1146662" y="4424352"/>
+                <a:ext cx="166970" cy="239964"/>
+              </a:xfrm>
+              <a:prstGeom prst="rect">
+                <a:avLst/>
+              </a:prstGeom>
+              <a:solidFill>
+                <a:schemeClr val="accent2">
+                  <a:lumMod val="75000"/>
+                </a:schemeClr>
+              </a:solidFill>
+              <a:ln>
+                <a:solidFill>
+                  <a:schemeClr val="tx1">
+                    <a:lumMod val="75000"/>
+                    <a:lumOff val="25000"/>
+                  </a:schemeClr>
+                </a:solidFill>
+              </a:ln>
+            </p:spPr>
+            <p:style>
+              <a:lnRef idx="2">
+                <a:schemeClr val="accent1">
+                  <a:shade val="50000"/>
+                </a:schemeClr>
+              </a:lnRef>
+              <a:fillRef idx="1">
+                <a:schemeClr val="accent1"/>
+              </a:fillRef>
+              <a:effectRef idx="0">
+                <a:schemeClr val="accent1"/>
+              </a:effectRef>
+              <a:fontRef idx="minor">
+                <a:schemeClr val="lt1"/>
+              </a:fontRef>
+            </p:style>
+            <p:txBody>
+              <a:bodyPr rtlCol="0" anchor="ctr"/>
+              <a:lstStyle/>
+              <a:p>
+                <a:pPr algn="ctr"/>
+                <a:endParaRPr lang="en-GB"/>
+              </a:p>
+            </p:txBody>
+          </p:sp>
+          <p:sp>
+            <p:nvSpPr>
+              <p:cNvPr id="114" name="Rectangle 113">
+                <a:extLst>
+                  <a:ext uri="{FF2B5EF4-FFF2-40B4-BE49-F238E27FC236}">
+                    <a16:creationId xmlns:a16="http://schemas.microsoft.com/office/drawing/2014/main" id="{4943C8F7-7E5B-174A-B2F5-FC6C59C2D894}"/>
+                  </a:ext>
+                </a:extLst>
+              </p:cNvPr>
+              <p:cNvSpPr/>
+              <p:nvPr/>
+            </p:nvSpPr>
+            <p:spPr>
+              <a:xfrm>
+                <a:off x="1471776" y="4424352"/>
+                <a:ext cx="166971" cy="239964"/>
+              </a:xfrm>
+              <a:prstGeom prst="rect">
+                <a:avLst/>
+              </a:prstGeom>
+              <a:solidFill>
+                <a:schemeClr val="accent6">
+                  <a:lumMod val="75000"/>
+                </a:schemeClr>
+              </a:solidFill>
+              <a:ln>
+                <a:solidFill>
+                  <a:schemeClr val="tx1">
+                    <a:lumMod val="75000"/>
+                    <a:lumOff val="25000"/>
+                  </a:schemeClr>
+                </a:solidFill>
+              </a:ln>
+            </p:spPr>
+            <p:style>
+              <a:lnRef idx="2">
+                <a:schemeClr val="accent1">
+                  <a:shade val="50000"/>
+                </a:schemeClr>
+              </a:lnRef>
+              <a:fillRef idx="1">
+                <a:schemeClr val="accent1"/>
+              </a:fillRef>
+              <a:effectRef idx="0">
+                <a:schemeClr val="accent1"/>
+              </a:effectRef>
+              <a:fontRef idx="minor">
+                <a:schemeClr val="lt1"/>
+              </a:fontRef>
+            </p:style>
+            <p:txBody>
+              <a:bodyPr rtlCol="0" anchor="ctr"/>
+              <a:lstStyle/>
+              <a:p>
+                <a:pPr algn="ctr"/>
+                <a:endParaRPr lang="en-GB"/>
+              </a:p>
+            </p:txBody>
+          </p:sp>
+        </p:grpSp>
+        <p:cxnSp>
+          <p:nvCxnSpPr>
+            <p:cNvPr id="112" name="Straight Arrow Connector 111">
+              <a:extLst>
+                <a:ext uri="{FF2B5EF4-FFF2-40B4-BE49-F238E27FC236}">
+                  <a16:creationId xmlns:a16="http://schemas.microsoft.com/office/drawing/2014/main" id="{158A464D-FDF5-5B42-B78E-622F0C574E31}"/>
+                </a:ext>
+              </a:extLst>
+            </p:cNvPr>
+            <p:cNvCxnSpPr>
+              <a:cxnSpLocks/>
+              <a:stCxn id="113" idx="3"/>
+              <a:endCxn id="114" idx="1"/>
+            </p:cNvCxnSpPr>
+            <p:nvPr/>
+          </p:nvCxnSpPr>
+          <p:spPr>
+            <a:xfrm>
+              <a:off x="1332630" y="4548849"/>
+              <a:ext cx="158144" cy="0"/>
+            </a:xfrm>
+            <a:prstGeom prst="straightConnector1">
+              <a:avLst/>
+            </a:prstGeom>
+            <a:ln w="12700">
+              <a:solidFill>
+                <a:schemeClr val="tx1">
+                  <a:lumMod val="75000"/>
+                  <a:lumOff val="25000"/>
+                </a:schemeClr>
+              </a:solidFill>
+              <a:tailEnd type="triangle"/>
+            </a:ln>
+          </p:spPr>
+          <p:style>
+            <a:lnRef idx="1">
+              <a:schemeClr val="accent1"/>
+            </a:lnRef>
+            <a:fillRef idx="0">
+              <a:schemeClr val="accent1"/>
+            </a:fillRef>
+            <a:effectRef idx="0">
+              <a:schemeClr val="accent1"/>
+            </a:effectRef>
+            <a:fontRef idx="minor">
+              <a:schemeClr val="tx1"/>
+            </a:fontRef>
+          </p:style>
+        </p:cxnSp>
+      </p:grpSp>
+      <p:sp>
+        <p:nvSpPr>
+          <p:cNvPr id="59" name="TextBox 58">
+            <a:extLst>
+              <a:ext uri="{FF2B5EF4-FFF2-40B4-BE49-F238E27FC236}">
+                <a16:creationId xmlns:a16="http://schemas.microsoft.com/office/drawing/2014/main" id="{B97D14F2-BA7C-8843-992D-888B2A0F6448}"/>
+              </a:ext>
+            </a:extLst>
+          </p:cNvPr>
+          <p:cNvSpPr txBox="1"/>
+          <p:nvPr/>
+        </p:nvSpPr>
+        <p:spPr>
+          <a:xfrm>
+            <a:off x="9115621" y="1601288"/>
+            <a:ext cx="1863402" cy="923330"/>
+          </a:xfrm>
+          <a:prstGeom prst="rect">
+            <a:avLst/>
+          </a:prstGeom>
+          <a:noFill/>
+        </p:spPr>
+        <p:txBody>
+          <a:bodyPr wrap="square" rtlCol="0">
+            <a:spAutoFit/>
+          </a:bodyPr>
+          <a:lstStyle/>
+          <a:p>
+            <a:r>
+              <a:rPr lang="en-GB" dirty="0"/>
+              <a:t>Each map entry containing both the </a:t>
+            </a:r>
+            <a:r>
+              <a:rPr lang="en-GB" i="1" dirty="0"/>
+              <a:t>key</a:t>
+            </a:r>
+            <a:r>
+              <a:rPr lang="en-GB" dirty="0"/>
+              <a:t> and </a:t>
+            </a:r>
+            <a:r>
+              <a:rPr lang="en-GB" i="1" dirty="0"/>
+              <a:t>value</a:t>
+            </a:r>
+          </a:p>
+        </p:txBody>
+      </p:sp>
+      <p:cxnSp>
+        <p:nvCxnSpPr>
+          <p:cNvPr id="115" name="Straight Arrow Connector 114">
+            <a:extLst>
+              <a:ext uri="{FF2B5EF4-FFF2-40B4-BE49-F238E27FC236}">
+                <a16:creationId xmlns:a16="http://schemas.microsoft.com/office/drawing/2014/main" id="{EBE60BB4-33E7-624D-93AE-7E7B9F8044C9}"/>
+              </a:ext>
+            </a:extLst>
+          </p:cNvPr>
+          <p:cNvCxnSpPr>
+            <a:cxnSpLocks/>
+          </p:cNvCxnSpPr>
+          <p:nvPr/>
+        </p:nvCxnSpPr>
+        <p:spPr>
+          <a:xfrm flipH="1" flipV="1">
+            <a:off x="9577685" y="1258505"/>
+            <a:ext cx="120034" cy="405256"/>
+          </a:xfrm>
+          <a:prstGeom prst="straightConnector1">
+            <a:avLst/>
+          </a:prstGeom>
+          <a:ln w="12700">
+            <a:solidFill>
+              <a:schemeClr val="tx1">
+                <a:lumMod val="75000"/>
+                <a:lumOff val="25000"/>
+              </a:schemeClr>
+            </a:solidFill>
+            <a:tailEnd type="triangle"/>
+          </a:ln>
+        </p:spPr>
+        <p:style>
+          <a:lnRef idx="1">
+            <a:schemeClr val="accent1"/>
+          </a:lnRef>
+          <a:fillRef idx="0">
+            <a:schemeClr val="accent1"/>
+          </a:fillRef>
+          <a:effectRef idx="0">
+            <a:schemeClr val="accent1"/>
+          </a:effectRef>
+          <a:fontRef idx="minor">
+            <a:schemeClr val="tx1"/>
+          </a:fontRef>
+        </p:style>
+      </p:cxnSp>
+    </p:spTree>
+    <p:extLst>
+      <p:ext uri="{BB962C8B-B14F-4D97-AF65-F5344CB8AC3E}">
+        <p14:creationId xmlns:p14="http://schemas.microsoft.com/office/powerpoint/2010/main" val="4226643008"/>
+      </p:ext>
+    </p:extLst>
+  </p:cSld>
+  <p:clrMapOvr>
+    <a:masterClrMapping/>
+  </p:clrMapOvr>
+</p:sld>
+</file>
+
+<file path=ppt/slides/slide45.xml><?xml version="1.0" encoding="utf-8"?>
+<p:sld xmlns:a="http://schemas.openxmlformats.org/drawingml/2006/main" xmlns:r="http://schemas.openxmlformats.org/officeDocument/2006/relationships" xmlns:p="http://schemas.openxmlformats.org/presentationml/2006/main">
+  <p:cSld>
+    <p:spTree>
+      <p:nvGrpSpPr>
+        <p:cNvPr id="1" name=""/>
+        <p:cNvGrpSpPr/>
+        <p:nvPr/>
+      </p:nvGrpSpPr>
+      <p:grpSpPr>
+        <a:xfrm>
+          <a:off x="0" y="0"/>
+          <a:ext cx="0" cy="0"/>
+          <a:chOff x="0" y="0"/>
+          <a:chExt cx="0" cy="0"/>
+        </a:xfrm>
+      </p:grpSpPr>
+      <p:sp>
+        <p:nvSpPr>
           <p:cNvPr id="8" name="Cloud 7">
             <a:extLst>
               <a:ext uri="{FF2B5EF4-FFF2-40B4-BE49-F238E27FC236}">

--- a/assets/images/Images.pptx
+++ b/assets/images/Images.pptx
@@ -5,7 +5,7 @@
     <p:sldMasterId id="2147483648" r:id="rId1"/>
   </p:sldMasterIdLst>
   <p:notesMasterIdLst>
-    <p:notesMasterId r:id="rId49"/>
+    <p:notesMasterId r:id="rId51"/>
   </p:notesMasterIdLst>
   <p:sldIdLst>
     <p:sldId id="257" r:id="rId2"/>
@@ -54,7 +54,9 @@
     <p:sldId id="300" r:id="rId45"/>
     <p:sldId id="301" r:id="rId46"/>
     <p:sldId id="302" r:id="rId47"/>
-    <p:sldId id="256" r:id="rId48"/>
+    <p:sldId id="303" r:id="rId48"/>
+    <p:sldId id="304" r:id="rId49"/>
+    <p:sldId id="256" r:id="rId50"/>
   </p:sldIdLst>
   <p:sldSz cx="12192000" cy="6858000"/>
   <p:notesSz cx="6858000" cy="9144000"/>
@@ -228,6 +230,8 @@
             <p14:sldId id="300"/>
             <p14:sldId id="301"/>
             <p14:sldId id="302"/>
+            <p14:sldId id="303"/>
+            <p14:sldId id="304"/>
           </p14:sldIdLst>
         </p14:section>
         <p14:section name="Testing" id="{064BBB82-ADB6-E844-9D9E-44CD43DCBE9F}">
@@ -329,7 +333,7 @@
           <a:p>
             <a:fld id="{F0373C07-0034-D84F-B0CB-1249B408AEAD}" type="datetimeFigureOut">
               <a:rPr lang="en-GB" smtClean="0"/>
-              <a:t>14/07/2020</a:t>
+              <a:t>19/07/2020</a:t>
             </a:fld>
             <a:endParaRPr lang="en-GB"/>
           </a:p>
@@ -829,7 +833,7 @@
           <a:p>
             <a:fld id="{11A96E62-EC5F-C045-9FEB-EDD3A98888BE}" type="slidenum">
               <a:rPr lang="en-GB" smtClean="0"/>
-              <a:t>47</a:t>
+              <a:t>49</a:t>
             </a:fld>
             <a:endParaRPr lang="en-GB"/>
           </a:p>
@@ -1667,7 +1671,7 @@
           <a:p>
             <a:fld id="{1277814B-86DA-1A43-BEBE-BB22F0FBA56B}" type="datetimeFigureOut">
               <a:rPr lang="en-GB" smtClean="0"/>
-              <a:t>14/07/2020</a:t>
+              <a:t>19/07/2020</a:t>
             </a:fld>
             <a:endParaRPr lang="en-GB"/>
           </a:p>
@@ -1865,7 +1869,7 @@
           <a:p>
             <a:fld id="{1277814B-86DA-1A43-BEBE-BB22F0FBA56B}" type="datetimeFigureOut">
               <a:rPr lang="en-GB" smtClean="0"/>
-              <a:t>14/07/2020</a:t>
+              <a:t>19/07/2020</a:t>
             </a:fld>
             <a:endParaRPr lang="en-GB"/>
           </a:p>
@@ -2073,7 +2077,7 @@
           <a:p>
             <a:fld id="{1277814B-86DA-1A43-BEBE-BB22F0FBA56B}" type="datetimeFigureOut">
               <a:rPr lang="en-GB" smtClean="0"/>
-              <a:t>14/07/2020</a:t>
+              <a:t>19/07/2020</a:t>
             </a:fld>
             <a:endParaRPr lang="en-GB"/>
           </a:p>
@@ -2271,7 +2275,7 @@
           <a:p>
             <a:fld id="{1277814B-86DA-1A43-BEBE-BB22F0FBA56B}" type="datetimeFigureOut">
               <a:rPr lang="en-GB" smtClean="0"/>
-              <a:t>14/07/2020</a:t>
+              <a:t>19/07/2020</a:t>
             </a:fld>
             <a:endParaRPr lang="en-GB"/>
           </a:p>
@@ -2546,7 +2550,7 @@
           <a:p>
             <a:fld id="{1277814B-86DA-1A43-BEBE-BB22F0FBA56B}" type="datetimeFigureOut">
               <a:rPr lang="en-GB" smtClean="0"/>
-              <a:t>14/07/2020</a:t>
+              <a:t>19/07/2020</a:t>
             </a:fld>
             <a:endParaRPr lang="en-GB"/>
           </a:p>
@@ -2811,7 +2815,7 @@
           <a:p>
             <a:fld id="{1277814B-86DA-1A43-BEBE-BB22F0FBA56B}" type="datetimeFigureOut">
               <a:rPr lang="en-GB" smtClean="0"/>
-              <a:t>14/07/2020</a:t>
+              <a:t>19/07/2020</a:t>
             </a:fld>
             <a:endParaRPr lang="en-GB"/>
           </a:p>
@@ -3223,7 +3227,7 @@
           <a:p>
             <a:fld id="{1277814B-86DA-1A43-BEBE-BB22F0FBA56B}" type="datetimeFigureOut">
               <a:rPr lang="en-GB" smtClean="0"/>
-              <a:t>14/07/2020</a:t>
+              <a:t>19/07/2020</a:t>
             </a:fld>
             <a:endParaRPr lang="en-GB"/>
           </a:p>
@@ -3364,7 +3368,7 @@
           <a:p>
             <a:fld id="{1277814B-86DA-1A43-BEBE-BB22F0FBA56B}" type="datetimeFigureOut">
               <a:rPr lang="en-GB" smtClean="0"/>
-              <a:t>14/07/2020</a:t>
+              <a:t>19/07/2020</a:t>
             </a:fld>
             <a:endParaRPr lang="en-GB"/>
           </a:p>
@@ -3477,7 +3481,7 @@
           <a:p>
             <a:fld id="{1277814B-86DA-1A43-BEBE-BB22F0FBA56B}" type="datetimeFigureOut">
               <a:rPr lang="en-GB" smtClean="0"/>
-              <a:t>14/07/2020</a:t>
+              <a:t>19/07/2020</a:t>
             </a:fld>
             <a:endParaRPr lang="en-GB"/>
           </a:p>
@@ -3788,7 +3792,7 @@
           <a:p>
             <a:fld id="{1277814B-86DA-1A43-BEBE-BB22F0FBA56B}" type="datetimeFigureOut">
               <a:rPr lang="en-GB" smtClean="0"/>
-              <a:t>14/07/2020</a:t>
+              <a:t>19/07/2020</a:t>
             </a:fld>
             <a:endParaRPr lang="en-GB"/>
           </a:p>
@@ -4076,7 +4080,7 @@
           <a:p>
             <a:fld id="{1277814B-86DA-1A43-BEBE-BB22F0FBA56B}" type="datetimeFigureOut">
               <a:rPr lang="en-GB" smtClean="0"/>
-              <a:t>14/07/2020</a:t>
+              <a:t>19/07/2020</a:t>
             </a:fld>
             <a:endParaRPr lang="en-GB"/>
           </a:p>
@@ -4317,7 +4321,7 @@
           <a:p>
             <a:fld id="{1277814B-86DA-1A43-BEBE-BB22F0FBA56B}" type="datetimeFigureOut">
               <a:rPr lang="en-GB" smtClean="0"/>
-              <a:t>14/07/2020</a:t>
+              <a:t>19/07/2020</a:t>
             </a:fld>
             <a:endParaRPr lang="en-GB"/>
           </a:p>
@@ -44009,8 +44013,8 @@
           </a:p>
         </p:txBody>
       </p:sp>
-      <mc:AlternateContent xmlns:mc="http://schemas.openxmlformats.org/markup-compatibility/2006">
-        <mc:Choice xmlns:a14="http://schemas.microsoft.com/office/drawing/2010/main" Requires="a14">
+      <mc:AlternateContent xmlns:mc="http://schemas.openxmlformats.org/markup-compatibility/2006" xmlns:a14="http://schemas.microsoft.com/office/drawing/2010/main">
+        <mc:Choice Requires="a14">
           <p:sp>
             <p:nvSpPr>
               <p:cNvPr id="117" name="TextBox 116">
@@ -44121,7 +44125,7 @@
             </p:txBody>
           </p:sp>
         </mc:Choice>
-        <mc:Fallback>
+        <mc:Fallback xmlns="">
           <p:sp>
             <p:nvSpPr>
               <p:cNvPr id="117" name="TextBox 116">
@@ -49142,8 +49146,8 @@
           </a:p>
         </p:txBody>
       </p:sp>
-      <mc:AlternateContent xmlns:mc="http://schemas.openxmlformats.org/markup-compatibility/2006">
-        <mc:Choice xmlns:a14="http://schemas.microsoft.com/office/drawing/2010/main" Requires="a14">
+      <mc:AlternateContent xmlns:mc="http://schemas.openxmlformats.org/markup-compatibility/2006" xmlns:a14="http://schemas.microsoft.com/office/drawing/2010/main">
+        <mc:Choice Requires="a14">
           <p:sp>
             <p:nvSpPr>
               <p:cNvPr id="117" name="TextBox 116">
@@ -49254,7 +49258,7 @@
             </p:txBody>
           </p:sp>
         </mc:Choice>
-        <mc:Fallback>
+        <mc:Fallback xmlns="">
           <p:sp>
             <p:nvSpPr>
               <p:cNvPr id="117" name="TextBox 116">
@@ -50041,6 +50045,748 @@
 </file>
 
 <file path=ppt/slides/slide47.xml><?xml version="1.0" encoding="utf-8"?>
+<p:sld xmlns:a="http://schemas.openxmlformats.org/drawingml/2006/main" xmlns:r="http://schemas.openxmlformats.org/officeDocument/2006/relationships" xmlns:p="http://schemas.openxmlformats.org/presentationml/2006/main">
+  <p:cSld>
+    <p:spTree>
+      <p:nvGrpSpPr>
+        <p:cNvPr id="1" name=""/>
+        <p:cNvGrpSpPr/>
+        <p:nvPr/>
+      </p:nvGrpSpPr>
+      <p:grpSpPr>
+        <a:xfrm>
+          <a:off x="0" y="0"/>
+          <a:ext cx="0" cy="0"/>
+          <a:chOff x="0" y="0"/>
+          <a:chExt cx="0" cy="0"/>
+        </a:xfrm>
+      </p:grpSpPr>
+      <p:grpSp>
+        <p:nvGrpSpPr>
+          <p:cNvPr id="6" name="Group 5">
+            <a:extLst>
+              <a:ext uri="{FF2B5EF4-FFF2-40B4-BE49-F238E27FC236}">
+                <a16:creationId xmlns:a16="http://schemas.microsoft.com/office/drawing/2014/main" id="{3B05CDD5-5F0A-2C4C-BFAB-A04A429F59AF}"/>
+              </a:ext>
+            </a:extLst>
+          </p:cNvPr>
+          <p:cNvGrpSpPr/>
+          <p:nvPr/>
+        </p:nvGrpSpPr>
+        <p:grpSpPr>
+          <a:xfrm>
+            <a:off x="4148667" y="2311400"/>
+            <a:ext cx="3395134" cy="821267"/>
+            <a:chOff x="4241800" y="1007533"/>
+            <a:chExt cx="3395134" cy="821267"/>
+          </a:xfrm>
+          <a:solidFill>
+            <a:schemeClr val="accent6">
+              <a:lumMod val="75000"/>
+            </a:schemeClr>
+          </a:solidFill>
+        </p:grpSpPr>
+        <p:sp>
+          <p:nvSpPr>
+            <p:cNvPr id="4" name="Rectangle 3">
+              <a:extLst>
+                <a:ext uri="{FF2B5EF4-FFF2-40B4-BE49-F238E27FC236}">
+                  <a16:creationId xmlns:a16="http://schemas.microsoft.com/office/drawing/2014/main" id="{D809E673-4F8F-A14C-829E-03AC36432661}"/>
+                </a:ext>
+              </a:extLst>
+            </p:cNvPr>
+            <p:cNvSpPr/>
+            <p:nvPr/>
+          </p:nvSpPr>
+          <p:spPr>
+            <a:xfrm>
+              <a:off x="4241800" y="1007533"/>
+              <a:ext cx="2599267" cy="821267"/>
+            </a:xfrm>
+            <a:prstGeom prst="rect">
+              <a:avLst/>
+            </a:prstGeom>
+            <a:grpFill/>
+          </p:spPr>
+          <p:style>
+            <a:lnRef idx="2">
+              <a:schemeClr val="accent1">
+                <a:shade val="50000"/>
+              </a:schemeClr>
+            </a:lnRef>
+            <a:fillRef idx="1">
+              <a:schemeClr val="accent1"/>
+            </a:fillRef>
+            <a:effectRef idx="0">
+              <a:schemeClr val="accent1"/>
+            </a:effectRef>
+            <a:fontRef idx="minor">
+              <a:schemeClr val="lt1"/>
+            </a:fontRef>
+          </p:style>
+          <p:txBody>
+            <a:bodyPr rtlCol="0" anchor="ctr"/>
+            <a:lstStyle/>
+            <a:p>
+              <a:pPr algn="ctr"/>
+              <a:r>
+                <a:rPr lang="en-GB" dirty="0"/>
+                <a:t>Apple</a:t>
+              </a:r>
+            </a:p>
+          </p:txBody>
+        </p:sp>
+        <p:sp>
+          <p:nvSpPr>
+            <p:cNvPr id="5" name="Rectangle 4">
+              <a:extLst>
+                <a:ext uri="{FF2B5EF4-FFF2-40B4-BE49-F238E27FC236}">
+                  <a16:creationId xmlns:a16="http://schemas.microsoft.com/office/drawing/2014/main" id="{9E1B2B94-A09B-5B43-8AA6-EA5D7E6216C0}"/>
+                </a:ext>
+              </a:extLst>
+            </p:cNvPr>
+            <p:cNvSpPr/>
+            <p:nvPr/>
+          </p:nvSpPr>
+          <p:spPr>
+            <a:xfrm>
+              <a:off x="6866468" y="1007533"/>
+              <a:ext cx="770466" cy="821267"/>
+            </a:xfrm>
+            <a:prstGeom prst="rect">
+              <a:avLst/>
+            </a:prstGeom>
+            <a:grpFill/>
+          </p:spPr>
+          <p:style>
+            <a:lnRef idx="2">
+              <a:schemeClr val="accent1">
+                <a:shade val="50000"/>
+              </a:schemeClr>
+            </a:lnRef>
+            <a:fillRef idx="1">
+              <a:schemeClr val="accent1"/>
+            </a:fillRef>
+            <a:effectRef idx="0">
+              <a:schemeClr val="accent1"/>
+            </a:effectRef>
+            <a:fontRef idx="minor">
+              <a:schemeClr val="lt1"/>
+            </a:fontRef>
+          </p:style>
+          <p:txBody>
+            <a:bodyPr rtlCol="0" anchor="ctr"/>
+            <a:lstStyle/>
+            <a:p>
+              <a:pPr algn="ctr"/>
+              <a:r>
+                <a:rPr lang="en-GB" dirty="0"/>
+                <a:t>2</a:t>
+              </a:r>
+            </a:p>
+          </p:txBody>
+        </p:sp>
+      </p:grpSp>
+      <p:grpSp>
+        <p:nvGrpSpPr>
+          <p:cNvPr id="7" name="Group 6">
+            <a:extLst>
+              <a:ext uri="{FF2B5EF4-FFF2-40B4-BE49-F238E27FC236}">
+                <a16:creationId xmlns:a16="http://schemas.microsoft.com/office/drawing/2014/main" id="{A3A2C169-442D-4541-8F6A-9371BDFCB11F}"/>
+              </a:ext>
+            </a:extLst>
+          </p:cNvPr>
+          <p:cNvGrpSpPr/>
+          <p:nvPr/>
+        </p:nvGrpSpPr>
+        <p:grpSpPr>
+          <a:xfrm>
+            <a:off x="4148667" y="3208867"/>
+            <a:ext cx="3395134" cy="821267"/>
+            <a:chOff x="4241800" y="1007533"/>
+            <a:chExt cx="3395134" cy="821267"/>
+          </a:xfrm>
+          <a:solidFill>
+            <a:schemeClr val="accent2"/>
+          </a:solidFill>
+        </p:grpSpPr>
+        <p:sp>
+          <p:nvSpPr>
+            <p:cNvPr id="8" name="Rectangle 7">
+              <a:extLst>
+                <a:ext uri="{FF2B5EF4-FFF2-40B4-BE49-F238E27FC236}">
+                  <a16:creationId xmlns:a16="http://schemas.microsoft.com/office/drawing/2014/main" id="{791DC0C3-9A3A-3046-BE0D-547BC175868F}"/>
+                </a:ext>
+              </a:extLst>
+            </p:cNvPr>
+            <p:cNvSpPr/>
+            <p:nvPr/>
+          </p:nvSpPr>
+          <p:spPr>
+            <a:xfrm>
+              <a:off x="4241800" y="1007533"/>
+              <a:ext cx="2599267" cy="821267"/>
+            </a:xfrm>
+            <a:prstGeom prst="rect">
+              <a:avLst/>
+            </a:prstGeom>
+            <a:grpFill/>
+          </p:spPr>
+          <p:style>
+            <a:lnRef idx="2">
+              <a:schemeClr val="accent1">
+                <a:shade val="50000"/>
+              </a:schemeClr>
+            </a:lnRef>
+            <a:fillRef idx="1">
+              <a:schemeClr val="accent1"/>
+            </a:fillRef>
+            <a:effectRef idx="0">
+              <a:schemeClr val="accent1"/>
+            </a:effectRef>
+            <a:fontRef idx="minor">
+              <a:schemeClr val="lt1"/>
+            </a:fontRef>
+          </p:style>
+          <p:txBody>
+            <a:bodyPr rtlCol="0" anchor="ctr"/>
+            <a:lstStyle/>
+            <a:p>
+              <a:pPr algn="ctr"/>
+              <a:r>
+                <a:rPr lang="en-GB" dirty="0"/>
+                <a:t>Orange</a:t>
+              </a:r>
+            </a:p>
+          </p:txBody>
+        </p:sp>
+        <p:sp>
+          <p:nvSpPr>
+            <p:cNvPr id="9" name="Rectangle 8">
+              <a:extLst>
+                <a:ext uri="{FF2B5EF4-FFF2-40B4-BE49-F238E27FC236}">
+                  <a16:creationId xmlns:a16="http://schemas.microsoft.com/office/drawing/2014/main" id="{549B63B2-D907-6648-AB97-0E52854151DB}"/>
+                </a:ext>
+              </a:extLst>
+            </p:cNvPr>
+            <p:cNvSpPr/>
+            <p:nvPr/>
+          </p:nvSpPr>
+          <p:spPr>
+            <a:xfrm>
+              <a:off x="6866468" y="1007533"/>
+              <a:ext cx="770466" cy="821267"/>
+            </a:xfrm>
+            <a:prstGeom prst="rect">
+              <a:avLst/>
+            </a:prstGeom>
+            <a:grpFill/>
+          </p:spPr>
+          <p:style>
+            <a:lnRef idx="2">
+              <a:schemeClr val="accent1">
+                <a:shade val="50000"/>
+              </a:schemeClr>
+            </a:lnRef>
+            <a:fillRef idx="1">
+              <a:schemeClr val="accent1"/>
+            </a:fillRef>
+            <a:effectRef idx="0">
+              <a:schemeClr val="accent1"/>
+            </a:effectRef>
+            <a:fontRef idx="minor">
+              <a:schemeClr val="lt1"/>
+            </a:fontRef>
+          </p:style>
+          <p:txBody>
+            <a:bodyPr rtlCol="0" anchor="ctr"/>
+            <a:lstStyle/>
+            <a:p>
+              <a:pPr algn="ctr"/>
+              <a:r>
+                <a:rPr lang="en-GB" dirty="0"/>
+                <a:t>1</a:t>
+              </a:r>
+            </a:p>
+          </p:txBody>
+        </p:sp>
+      </p:grpSp>
+    </p:spTree>
+    <p:extLst>
+      <p:ext uri="{BB962C8B-B14F-4D97-AF65-F5344CB8AC3E}">
+        <p14:creationId xmlns:p14="http://schemas.microsoft.com/office/powerpoint/2010/main" val="800101789"/>
+      </p:ext>
+    </p:extLst>
+  </p:cSld>
+  <p:clrMapOvr>
+    <a:masterClrMapping/>
+  </p:clrMapOvr>
+</p:sld>
+</file>
+
+<file path=ppt/slides/slide48.xml><?xml version="1.0" encoding="utf-8"?>
+<p:sld xmlns:a="http://schemas.openxmlformats.org/drawingml/2006/main" xmlns:r="http://schemas.openxmlformats.org/officeDocument/2006/relationships" xmlns:p="http://schemas.openxmlformats.org/presentationml/2006/main">
+  <p:cSld>
+    <p:spTree>
+      <p:nvGrpSpPr>
+        <p:cNvPr id="1" name=""/>
+        <p:cNvGrpSpPr/>
+        <p:nvPr/>
+      </p:nvGrpSpPr>
+      <p:grpSpPr>
+        <a:xfrm>
+          <a:off x="0" y="0"/>
+          <a:ext cx="0" cy="0"/>
+          <a:chOff x="0" y="0"/>
+          <a:chExt cx="0" cy="0"/>
+        </a:xfrm>
+      </p:grpSpPr>
+      <p:grpSp>
+        <p:nvGrpSpPr>
+          <p:cNvPr id="3" name="Group 2">
+            <a:extLst>
+              <a:ext uri="{FF2B5EF4-FFF2-40B4-BE49-F238E27FC236}">
+                <a16:creationId xmlns:a16="http://schemas.microsoft.com/office/drawing/2014/main" id="{021B3119-A146-5F4D-813F-D49F28AF458D}"/>
+              </a:ext>
+            </a:extLst>
+          </p:cNvPr>
+          <p:cNvGrpSpPr/>
+          <p:nvPr/>
+        </p:nvGrpSpPr>
+        <p:grpSpPr>
+          <a:xfrm>
+            <a:off x="592667" y="2489200"/>
+            <a:ext cx="3395134" cy="1718734"/>
+            <a:chOff x="592667" y="2489200"/>
+            <a:chExt cx="3395134" cy="1718734"/>
+          </a:xfrm>
+        </p:grpSpPr>
+        <p:grpSp>
+          <p:nvGrpSpPr>
+            <p:cNvPr id="6" name="Group 5">
+              <a:extLst>
+                <a:ext uri="{FF2B5EF4-FFF2-40B4-BE49-F238E27FC236}">
+                  <a16:creationId xmlns:a16="http://schemas.microsoft.com/office/drawing/2014/main" id="{3B05CDD5-5F0A-2C4C-BFAB-A04A429F59AF}"/>
+                </a:ext>
+              </a:extLst>
+            </p:cNvPr>
+            <p:cNvGrpSpPr/>
+            <p:nvPr/>
+          </p:nvGrpSpPr>
+          <p:grpSpPr>
+            <a:xfrm>
+              <a:off x="592667" y="2489200"/>
+              <a:ext cx="3395134" cy="821267"/>
+              <a:chOff x="4241800" y="1007533"/>
+              <a:chExt cx="3395134" cy="821267"/>
+            </a:xfrm>
+            <a:solidFill>
+              <a:schemeClr val="accent6">
+                <a:lumMod val="75000"/>
+              </a:schemeClr>
+            </a:solidFill>
+          </p:grpSpPr>
+          <p:sp>
+            <p:nvSpPr>
+              <p:cNvPr id="4" name="Rectangle 3">
+                <a:extLst>
+                  <a:ext uri="{FF2B5EF4-FFF2-40B4-BE49-F238E27FC236}">
+                    <a16:creationId xmlns:a16="http://schemas.microsoft.com/office/drawing/2014/main" id="{D809E673-4F8F-A14C-829E-03AC36432661}"/>
+                  </a:ext>
+                </a:extLst>
+              </p:cNvPr>
+              <p:cNvSpPr/>
+              <p:nvPr/>
+            </p:nvSpPr>
+            <p:spPr>
+              <a:xfrm>
+                <a:off x="4241800" y="1007533"/>
+                <a:ext cx="2599267" cy="821267"/>
+              </a:xfrm>
+              <a:prstGeom prst="rect">
+                <a:avLst/>
+              </a:prstGeom>
+              <a:grpFill/>
+            </p:spPr>
+            <p:style>
+              <a:lnRef idx="2">
+                <a:schemeClr val="accent1">
+                  <a:shade val="50000"/>
+                </a:schemeClr>
+              </a:lnRef>
+              <a:fillRef idx="1">
+                <a:schemeClr val="accent1"/>
+              </a:fillRef>
+              <a:effectRef idx="0">
+                <a:schemeClr val="accent1"/>
+              </a:effectRef>
+              <a:fontRef idx="minor">
+                <a:schemeClr val="lt1"/>
+              </a:fontRef>
+            </p:style>
+            <p:txBody>
+              <a:bodyPr rtlCol="0" anchor="ctr"/>
+              <a:lstStyle/>
+              <a:p>
+                <a:pPr algn="ctr"/>
+                <a:r>
+                  <a:rPr lang="en-GB" dirty="0"/>
+                  <a:t>Apple</a:t>
+                </a:r>
+              </a:p>
+            </p:txBody>
+          </p:sp>
+          <p:sp>
+            <p:nvSpPr>
+              <p:cNvPr id="5" name="Rectangle 4">
+                <a:extLst>
+                  <a:ext uri="{FF2B5EF4-FFF2-40B4-BE49-F238E27FC236}">
+                    <a16:creationId xmlns:a16="http://schemas.microsoft.com/office/drawing/2014/main" id="{9E1B2B94-A09B-5B43-8AA6-EA5D7E6216C0}"/>
+                  </a:ext>
+                </a:extLst>
+              </p:cNvPr>
+              <p:cNvSpPr/>
+              <p:nvPr/>
+            </p:nvSpPr>
+            <p:spPr>
+              <a:xfrm>
+                <a:off x="6866468" y="1007533"/>
+                <a:ext cx="770466" cy="821267"/>
+              </a:xfrm>
+              <a:prstGeom prst="rect">
+                <a:avLst/>
+              </a:prstGeom>
+              <a:grpFill/>
+            </p:spPr>
+            <p:style>
+              <a:lnRef idx="2">
+                <a:schemeClr val="accent1">
+                  <a:shade val="50000"/>
+                </a:schemeClr>
+              </a:lnRef>
+              <a:fillRef idx="1">
+                <a:schemeClr val="accent1"/>
+              </a:fillRef>
+              <a:effectRef idx="0">
+                <a:schemeClr val="accent1"/>
+              </a:effectRef>
+              <a:fontRef idx="minor">
+                <a:schemeClr val="lt1"/>
+              </a:fontRef>
+            </p:style>
+            <p:txBody>
+              <a:bodyPr rtlCol="0" anchor="ctr"/>
+              <a:lstStyle/>
+              <a:p>
+                <a:pPr algn="ctr"/>
+                <a:r>
+                  <a:rPr lang="en-GB" dirty="0"/>
+                  <a:t>2</a:t>
+                </a:r>
+              </a:p>
+            </p:txBody>
+          </p:sp>
+        </p:grpSp>
+        <p:grpSp>
+          <p:nvGrpSpPr>
+            <p:cNvPr id="7" name="Group 6">
+              <a:extLst>
+                <a:ext uri="{FF2B5EF4-FFF2-40B4-BE49-F238E27FC236}">
+                  <a16:creationId xmlns:a16="http://schemas.microsoft.com/office/drawing/2014/main" id="{A3A2C169-442D-4541-8F6A-9371BDFCB11F}"/>
+                </a:ext>
+              </a:extLst>
+            </p:cNvPr>
+            <p:cNvGrpSpPr/>
+            <p:nvPr/>
+          </p:nvGrpSpPr>
+          <p:grpSpPr>
+            <a:xfrm>
+              <a:off x="592667" y="3386667"/>
+              <a:ext cx="3395134" cy="821267"/>
+              <a:chOff x="4241800" y="1007533"/>
+              <a:chExt cx="3395134" cy="821267"/>
+            </a:xfrm>
+            <a:solidFill>
+              <a:schemeClr val="accent2"/>
+            </a:solidFill>
+          </p:grpSpPr>
+          <p:sp>
+            <p:nvSpPr>
+              <p:cNvPr id="8" name="Rectangle 7">
+                <a:extLst>
+                  <a:ext uri="{FF2B5EF4-FFF2-40B4-BE49-F238E27FC236}">
+                    <a16:creationId xmlns:a16="http://schemas.microsoft.com/office/drawing/2014/main" id="{791DC0C3-9A3A-3046-BE0D-547BC175868F}"/>
+                  </a:ext>
+                </a:extLst>
+              </p:cNvPr>
+              <p:cNvSpPr/>
+              <p:nvPr/>
+            </p:nvSpPr>
+            <p:spPr>
+              <a:xfrm>
+                <a:off x="4241800" y="1007533"/>
+                <a:ext cx="2599267" cy="821267"/>
+              </a:xfrm>
+              <a:prstGeom prst="rect">
+                <a:avLst/>
+              </a:prstGeom>
+              <a:grpFill/>
+            </p:spPr>
+            <p:style>
+              <a:lnRef idx="2">
+                <a:schemeClr val="accent1">
+                  <a:shade val="50000"/>
+                </a:schemeClr>
+              </a:lnRef>
+              <a:fillRef idx="1">
+                <a:schemeClr val="accent1"/>
+              </a:fillRef>
+              <a:effectRef idx="0">
+                <a:schemeClr val="accent1"/>
+              </a:effectRef>
+              <a:fontRef idx="minor">
+                <a:schemeClr val="lt1"/>
+              </a:fontRef>
+            </p:style>
+            <p:txBody>
+              <a:bodyPr rtlCol="0" anchor="ctr"/>
+              <a:lstStyle/>
+              <a:p>
+                <a:pPr algn="ctr"/>
+                <a:r>
+                  <a:rPr lang="en-GB" dirty="0"/>
+                  <a:t>Orange</a:t>
+                </a:r>
+              </a:p>
+            </p:txBody>
+          </p:sp>
+          <p:sp>
+            <p:nvSpPr>
+              <p:cNvPr id="9" name="Rectangle 8">
+                <a:extLst>
+                  <a:ext uri="{FF2B5EF4-FFF2-40B4-BE49-F238E27FC236}">
+                    <a16:creationId xmlns:a16="http://schemas.microsoft.com/office/drawing/2014/main" id="{549B63B2-D907-6648-AB97-0E52854151DB}"/>
+                  </a:ext>
+                </a:extLst>
+              </p:cNvPr>
+              <p:cNvSpPr/>
+              <p:nvPr/>
+            </p:nvSpPr>
+            <p:spPr>
+              <a:xfrm>
+                <a:off x="6866468" y="1007533"/>
+                <a:ext cx="770466" cy="821267"/>
+              </a:xfrm>
+              <a:prstGeom prst="rect">
+                <a:avLst/>
+              </a:prstGeom>
+              <a:grpFill/>
+            </p:spPr>
+            <p:style>
+              <a:lnRef idx="2">
+                <a:schemeClr val="accent1">
+                  <a:shade val="50000"/>
+                </a:schemeClr>
+              </a:lnRef>
+              <a:fillRef idx="1">
+                <a:schemeClr val="accent1"/>
+              </a:fillRef>
+              <a:effectRef idx="0">
+                <a:schemeClr val="accent1"/>
+              </a:effectRef>
+              <a:fontRef idx="minor">
+                <a:schemeClr val="lt1"/>
+              </a:fontRef>
+            </p:style>
+            <p:txBody>
+              <a:bodyPr rtlCol="0" anchor="ctr"/>
+              <a:lstStyle/>
+              <a:p>
+                <a:pPr algn="ctr"/>
+                <a:r>
+                  <a:rPr lang="en-GB" dirty="0"/>
+                  <a:t>1</a:t>
+                </a:r>
+              </a:p>
+            </p:txBody>
+          </p:sp>
+        </p:grpSp>
+      </p:grpSp>
+      <p:sp>
+        <p:nvSpPr>
+          <p:cNvPr id="2" name="TextBox 1">
+            <a:extLst>
+              <a:ext uri="{FF2B5EF4-FFF2-40B4-BE49-F238E27FC236}">
+                <a16:creationId xmlns:a16="http://schemas.microsoft.com/office/drawing/2014/main" id="{512CCDF8-AA3B-B147-9B0F-1E6B740CE79A}"/>
+              </a:ext>
+            </a:extLst>
+          </p:cNvPr>
+          <p:cNvSpPr txBox="1"/>
+          <p:nvPr/>
+        </p:nvSpPr>
+        <p:spPr>
+          <a:xfrm>
+            <a:off x="4529668" y="3025402"/>
+            <a:ext cx="2302933" cy="646331"/>
+          </a:xfrm>
+          <a:prstGeom prst="rect">
+            <a:avLst/>
+          </a:prstGeom>
+          <a:noFill/>
+        </p:spPr>
+        <p:txBody>
+          <a:bodyPr wrap="square" rtlCol="0">
+            <a:spAutoFit/>
+          </a:bodyPr>
+          <a:lstStyle/>
+          <a:p>
+            <a:r>
+              <a:rPr lang="en-GB" dirty="0"/>
+              <a:t>Take an apple and an orange from the bag</a:t>
+            </a:r>
+          </a:p>
+        </p:txBody>
+      </p:sp>
+      <p:grpSp>
+        <p:nvGrpSpPr>
+          <p:cNvPr id="10" name="Group 9">
+            <a:extLst>
+              <a:ext uri="{FF2B5EF4-FFF2-40B4-BE49-F238E27FC236}">
+                <a16:creationId xmlns:a16="http://schemas.microsoft.com/office/drawing/2014/main" id="{D85D0987-4994-AA45-BA15-697A4A27E31C}"/>
+              </a:ext>
+            </a:extLst>
+          </p:cNvPr>
+          <p:cNvGrpSpPr/>
+          <p:nvPr/>
+        </p:nvGrpSpPr>
+        <p:grpSpPr>
+          <a:xfrm>
+            <a:off x="7374467" y="2937934"/>
+            <a:ext cx="3395134" cy="821267"/>
+            <a:chOff x="4241800" y="1007533"/>
+            <a:chExt cx="3395134" cy="821267"/>
+          </a:xfrm>
+          <a:solidFill>
+            <a:schemeClr val="accent6">
+              <a:lumMod val="75000"/>
+            </a:schemeClr>
+          </a:solidFill>
+        </p:grpSpPr>
+        <p:sp>
+          <p:nvSpPr>
+            <p:cNvPr id="11" name="Rectangle 10">
+              <a:extLst>
+                <a:ext uri="{FF2B5EF4-FFF2-40B4-BE49-F238E27FC236}">
+                  <a16:creationId xmlns:a16="http://schemas.microsoft.com/office/drawing/2014/main" id="{DB6EDA4D-FC42-0E46-A802-F1413962DCB5}"/>
+                </a:ext>
+              </a:extLst>
+            </p:cNvPr>
+            <p:cNvSpPr/>
+            <p:nvPr/>
+          </p:nvSpPr>
+          <p:spPr>
+            <a:xfrm>
+              <a:off x="4241800" y="1007533"/>
+              <a:ext cx="2599267" cy="821267"/>
+            </a:xfrm>
+            <a:prstGeom prst="rect">
+              <a:avLst/>
+            </a:prstGeom>
+            <a:grpFill/>
+          </p:spPr>
+          <p:style>
+            <a:lnRef idx="2">
+              <a:schemeClr val="accent1">
+                <a:shade val="50000"/>
+              </a:schemeClr>
+            </a:lnRef>
+            <a:fillRef idx="1">
+              <a:schemeClr val="accent1"/>
+            </a:fillRef>
+            <a:effectRef idx="0">
+              <a:schemeClr val="accent1"/>
+            </a:effectRef>
+            <a:fontRef idx="minor">
+              <a:schemeClr val="lt1"/>
+            </a:fontRef>
+          </p:style>
+          <p:txBody>
+            <a:bodyPr rtlCol="0" anchor="ctr"/>
+            <a:lstStyle/>
+            <a:p>
+              <a:pPr algn="ctr"/>
+              <a:r>
+                <a:rPr lang="en-GB" dirty="0"/>
+                <a:t>Apple</a:t>
+              </a:r>
+            </a:p>
+          </p:txBody>
+        </p:sp>
+        <p:sp>
+          <p:nvSpPr>
+            <p:cNvPr id="12" name="Rectangle 11">
+              <a:extLst>
+                <a:ext uri="{FF2B5EF4-FFF2-40B4-BE49-F238E27FC236}">
+                  <a16:creationId xmlns:a16="http://schemas.microsoft.com/office/drawing/2014/main" id="{730C9C10-6339-C14C-BA91-B72648B1EA05}"/>
+                </a:ext>
+              </a:extLst>
+            </p:cNvPr>
+            <p:cNvSpPr/>
+            <p:nvPr/>
+          </p:nvSpPr>
+          <p:spPr>
+            <a:xfrm>
+              <a:off x="6866468" y="1007533"/>
+              <a:ext cx="770466" cy="821267"/>
+            </a:xfrm>
+            <a:prstGeom prst="rect">
+              <a:avLst/>
+            </a:prstGeom>
+            <a:grpFill/>
+          </p:spPr>
+          <p:style>
+            <a:lnRef idx="2">
+              <a:schemeClr val="accent1">
+                <a:shade val="50000"/>
+              </a:schemeClr>
+            </a:lnRef>
+            <a:fillRef idx="1">
+              <a:schemeClr val="accent1"/>
+            </a:fillRef>
+            <a:effectRef idx="0">
+              <a:schemeClr val="accent1"/>
+            </a:effectRef>
+            <a:fontRef idx="minor">
+              <a:schemeClr val="lt1"/>
+            </a:fontRef>
+          </p:style>
+          <p:txBody>
+            <a:bodyPr rtlCol="0" anchor="ctr"/>
+            <a:lstStyle/>
+            <a:p>
+              <a:pPr algn="ctr"/>
+              <a:r>
+                <a:rPr lang="en-GB" dirty="0"/>
+                <a:t>1</a:t>
+              </a:r>
+            </a:p>
+          </p:txBody>
+        </p:sp>
+      </p:grpSp>
+    </p:spTree>
+    <p:extLst>
+      <p:ext uri="{BB962C8B-B14F-4D97-AF65-F5344CB8AC3E}">
+        <p14:creationId xmlns:p14="http://schemas.microsoft.com/office/powerpoint/2010/main" val="2153505880"/>
+      </p:ext>
+    </p:extLst>
+  </p:cSld>
+  <p:clrMapOvr>
+    <a:masterClrMapping/>
+  </p:clrMapOvr>
+</p:sld>
+</file>
+
+<file path=ppt/slides/slide49.xml><?xml version="1.0" encoding="utf-8"?>
 <p:sld xmlns:a="http://schemas.openxmlformats.org/drawingml/2006/main" xmlns:r="http://schemas.openxmlformats.org/officeDocument/2006/relationships" xmlns:p="http://schemas.openxmlformats.org/presentationml/2006/main">
   <p:cSld>
     <p:spTree>

--- a/assets/images/Images.pptx
+++ b/assets/images/Images.pptx
@@ -5,7 +5,7 @@
     <p:sldMasterId id="2147483648" r:id="rId1"/>
   </p:sldMasterIdLst>
   <p:notesMasterIdLst>
-    <p:notesMasterId r:id="rId51"/>
+    <p:notesMasterId r:id="rId52"/>
   </p:notesMasterIdLst>
   <p:sldIdLst>
     <p:sldId id="257" r:id="rId2"/>
@@ -56,7 +56,8 @@
     <p:sldId id="302" r:id="rId47"/>
     <p:sldId id="303" r:id="rId48"/>
     <p:sldId id="304" r:id="rId49"/>
-    <p:sldId id="256" r:id="rId50"/>
+    <p:sldId id="305" r:id="rId50"/>
+    <p:sldId id="256" r:id="rId51"/>
   </p:sldIdLst>
   <p:sldSz cx="12192000" cy="6858000"/>
   <p:notesSz cx="6858000" cy="9144000"/>
@@ -232,6 +233,7 @@
             <p14:sldId id="302"/>
             <p14:sldId id="303"/>
             <p14:sldId id="304"/>
+            <p14:sldId id="305"/>
           </p14:sldIdLst>
         </p14:section>
         <p14:section name="Testing" id="{064BBB82-ADB6-E844-9D9E-44CD43DCBE9F}">
@@ -833,7 +835,7 @@
           <a:p>
             <a:fld id="{11A96E62-EC5F-C045-9FEB-EDD3A98888BE}" type="slidenum">
               <a:rPr lang="en-GB" smtClean="0"/>
-              <a:t>49</a:t>
+              <a:t>50</a:t>
             </a:fld>
             <a:endParaRPr lang="en-GB"/>
           </a:p>
@@ -50803,516 +50805,295 @@
           <a:chExt cx="0" cy="0"/>
         </a:xfrm>
       </p:grpSpPr>
-      <p:sp>
-        <p:nvSpPr>
-          <p:cNvPr id="8" name="Cloud 7">
-            <a:extLst>
-              <a:ext uri="{FF2B5EF4-FFF2-40B4-BE49-F238E27FC236}">
-                <a16:creationId xmlns:a16="http://schemas.microsoft.com/office/drawing/2014/main" id="{94F42F71-0F59-7847-8897-2C8409A6EB4E}"/>
-              </a:ext>
-            </a:extLst>
-          </p:cNvPr>
-          <p:cNvSpPr/>
-          <p:nvPr/>
-        </p:nvSpPr>
-        <p:spPr>
-          <a:xfrm>
-            <a:off x="4078835" y="168909"/>
-            <a:ext cx="2430049" cy="1828800"/>
-          </a:xfrm>
-          <a:prstGeom prst="cloud">
-            <a:avLst/>
-          </a:prstGeom>
-        </p:spPr>
-        <p:style>
-          <a:lnRef idx="2">
-            <a:schemeClr val="accent1">
-              <a:shade val="50000"/>
-            </a:schemeClr>
-          </a:lnRef>
-          <a:fillRef idx="1">
-            <a:schemeClr val="accent1"/>
-          </a:fillRef>
-          <a:effectRef idx="0">
-            <a:schemeClr val="accent1"/>
-          </a:effectRef>
-          <a:fontRef idx="minor">
-            <a:schemeClr val="lt1"/>
-          </a:fontRef>
-        </p:style>
-        <p:txBody>
-          <a:bodyPr rtlCol="0" anchor="ctr"/>
-          <a:lstStyle/>
-          <a:p>
-            <a:pPr algn="ctr"/>
+      <p:grpSp>
+        <p:nvGrpSpPr>
+          <p:cNvPr id="6" name="Group 5">
+            <a:extLst>
+              <a:ext uri="{FF2B5EF4-FFF2-40B4-BE49-F238E27FC236}">
+                <a16:creationId xmlns:a16="http://schemas.microsoft.com/office/drawing/2014/main" id="{3B05CDD5-5F0A-2C4C-BFAB-A04A429F59AF}"/>
+              </a:ext>
+            </a:extLst>
+          </p:cNvPr>
+          <p:cNvGrpSpPr/>
+          <p:nvPr/>
+        </p:nvGrpSpPr>
+        <p:grpSpPr>
+          <a:xfrm>
+            <a:off x="4030134" y="2167466"/>
+            <a:ext cx="3395134" cy="821267"/>
+            <a:chOff x="4241800" y="1007533"/>
+            <a:chExt cx="3395134" cy="821267"/>
+          </a:xfrm>
+          <a:solidFill>
+            <a:schemeClr val="accent6">
+              <a:lumMod val="75000"/>
+            </a:schemeClr>
+          </a:solidFill>
+        </p:grpSpPr>
+        <p:sp>
+          <p:nvSpPr>
+            <p:cNvPr id="4" name="Rectangle 3">
+              <a:extLst>
+                <a:ext uri="{FF2B5EF4-FFF2-40B4-BE49-F238E27FC236}">
+                  <a16:creationId xmlns:a16="http://schemas.microsoft.com/office/drawing/2014/main" id="{D809E673-4F8F-A14C-829E-03AC36432661}"/>
+                </a:ext>
+              </a:extLst>
+            </p:cNvPr>
+            <p:cNvSpPr/>
+            <p:nvPr/>
+          </p:nvSpPr>
+          <p:spPr>
+            <a:xfrm>
+              <a:off x="4241800" y="1007533"/>
+              <a:ext cx="2599267" cy="821267"/>
+            </a:xfrm>
+            <a:prstGeom prst="rect">
+              <a:avLst/>
+            </a:prstGeom>
+            <a:grpFill/>
+          </p:spPr>
+          <p:style>
+            <a:lnRef idx="2">
+              <a:schemeClr val="accent1">
+                <a:shade val="50000"/>
+              </a:schemeClr>
+            </a:lnRef>
+            <a:fillRef idx="1">
+              <a:schemeClr val="accent1"/>
+            </a:fillRef>
+            <a:effectRef idx="0">
+              <a:schemeClr val="accent1"/>
+            </a:effectRef>
+            <a:fontRef idx="minor">
+              <a:schemeClr val="lt1"/>
+            </a:fontRef>
+          </p:style>
+          <p:txBody>
+            <a:bodyPr rtlCol="0" anchor="ctr"/>
+            <a:lstStyle/>
+            <a:p>
+              <a:pPr algn="ctr"/>
+              <a:r>
+                <a:rPr lang="en-GB" dirty="0"/>
+                <a:t>Apple</a:t>
+              </a:r>
+            </a:p>
+          </p:txBody>
+        </p:sp>
+        <p:sp>
+          <p:nvSpPr>
+            <p:cNvPr id="5" name="Rectangle 4">
+              <a:extLst>
+                <a:ext uri="{FF2B5EF4-FFF2-40B4-BE49-F238E27FC236}">
+                  <a16:creationId xmlns:a16="http://schemas.microsoft.com/office/drawing/2014/main" id="{9E1B2B94-A09B-5B43-8AA6-EA5D7E6216C0}"/>
+                </a:ext>
+              </a:extLst>
+            </p:cNvPr>
+            <p:cNvSpPr/>
+            <p:nvPr/>
+          </p:nvSpPr>
+          <p:spPr>
+            <a:xfrm>
+              <a:off x="6866468" y="1007533"/>
+              <a:ext cx="770466" cy="821267"/>
+            </a:xfrm>
+            <a:prstGeom prst="rect">
+              <a:avLst/>
+            </a:prstGeom>
+            <a:grpFill/>
+          </p:spPr>
+          <p:style>
+            <a:lnRef idx="2">
+              <a:schemeClr val="accent1">
+                <a:shade val="50000"/>
+              </a:schemeClr>
+            </a:lnRef>
+            <a:fillRef idx="1">
+              <a:schemeClr val="accent1"/>
+            </a:fillRef>
+            <a:effectRef idx="0">
+              <a:schemeClr val="accent1"/>
+            </a:effectRef>
+            <a:fontRef idx="minor">
+              <a:schemeClr val="lt1"/>
+            </a:fontRef>
+          </p:style>
+          <p:txBody>
+            <a:bodyPr rtlCol="0" anchor="ctr"/>
+            <a:lstStyle/>
+            <a:p>
+              <a:pPr algn="ctr"/>
+              <a:r>
+                <a:rPr lang="en-GB" dirty="0"/>
+                <a:t>2</a:t>
+              </a:r>
+            </a:p>
+          </p:txBody>
+        </p:sp>
+      </p:grpSp>
+      <p:grpSp>
+        <p:nvGrpSpPr>
+          <p:cNvPr id="7" name="Group 6">
+            <a:extLst>
+              <a:ext uri="{FF2B5EF4-FFF2-40B4-BE49-F238E27FC236}">
+                <a16:creationId xmlns:a16="http://schemas.microsoft.com/office/drawing/2014/main" id="{A3A2C169-442D-4541-8F6A-9371BDFCB11F}"/>
+              </a:ext>
+            </a:extLst>
+          </p:cNvPr>
+          <p:cNvGrpSpPr/>
+          <p:nvPr/>
+        </p:nvGrpSpPr>
+        <p:grpSpPr>
+          <a:xfrm>
+            <a:off x="4030134" y="3064933"/>
+            <a:ext cx="3395134" cy="821267"/>
+            <a:chOff x="4241800" y="1007533"/>
+            <a:chExt cx="3395134" cy="821267"/>
+          </a:xfrm>
+          <a:solidFill>
+            <a:schemeClr val="accent2"/>
+          </a:solidFill>
+        </p:grpSpPr>
+        <p:sp>
+          <p:nvSpPr>
+            <p:cNvPr id="8" name="Rectangle 7">
+              <a:extLst>
+                <a:ext uri="{FF2B5EF4-FFF2-40B4-BE49-F238E27FC236}">
+                  <a16:creationId xmlns:a16="http://schemas.microsoft.com/office/drawing/2014/main" id="{791DC0C3-9A3A-3046-BE0D-547BC175868F}"/>
+                </a:ext>
+              </a:extLst>
+            </p:cNvPr>
+            <p:cNvSpPr/>
+            <p:nvPr/>
+          </p:nvSpPr>
+          <p:spPr>
+            <a:xfrm>
+              <a:off x="4241800" y="1007533"/>
+              <a:ext cx="2599267" cy="821267"/>
+            </a:xfrm>
+            <a:prstGeom prst="rect">
+              <a:avLst/>
+            </a:prstGeom>
+            <a:grpFill/>
+          </p:spPr>
+          <p:style>
+            <a:lnRef idx="2">
+              <a:schemeClr val="accent1">
+                <a:shade val="50000"/>
+              </a:schemeClr>
+            </a:lnRef>
+            <a:fillRef idx="1">
+              <a:schemeClr val="accent1"/>
+            </a:fillRef>
+            <a:effectRef idx="0">
+              <a:schemeClr val="accent1"/>
+            </a:effectRef>
+            <a:fontRef idx="minor">
+              <a:schemeClr val="lt1"/>
+            </a:fontRef>
+          </p:style>
+          <p:txBody>
+            <a:bodyPr rtlCol="0" anchor="ctr"/>
+            <a:lstStyle/>
+            <a:p>
+              <a:pPr algn="ctr"/>
+              <a:r>
+                <a:rPr lang="en-GB" dirty="0"/>
+                <a:t>Orange</a:t>
+              </a:r>
+            </a:p>
+          </p:txBody>
+        </p:sp>
+        <p:sp>
+          <p:nvSpPr>
+            <p:cNvPr id="9" name="Rectangle 8">
+              <a:extLst>
+                <a:ext uri="{FF2B5EF4-FFF2-40B4-BE49-F238E27FC236}">
+                  <a16:creationId xmlns:a16="http://schemas.microsoft.com/office/drawing/2014/main" id="{549B63B2-D907-6648-AB97-0E52854151DB}"/>
+                </a:ext>
+              </a:extLst>
+            </p:cNvPr>
+            <p:cNvSpPr/>
+            <p:nvPr/>
+          </p:nvSpPr>
+          <p:spPr>
+            <a:xfrm>
+              <a:off x="6866468" y="1007533"/>
+              <a:ext cx="770466" cy="821267"/>
+            </a:xfrm>
+            <a:prstGeom prst="rect">
+              <a:avLst/>
+            </a:prstGeom>
+            <a:grpFill/>
+          </p:spPr>
+          <p:style>
+            <a:lnRef idx="2">
+              <a:schemeClr val="accent1">
+                <a:shade val="50000"/>
+              </a:schemeClr>
+            </a:lnRef>
+            <a:fillRef idx="1">
+              <a:schemeClr val="accent1"/>
+            </a:fillRef>
+            <a:effectRef idx="0">
+              <a:schemeClr val="accent1"/>
+            </a:effectRef>
+            <a:fontRef idx="minor">
+              <a:schemeClr val="lt1"/>
+            </a:fontRef>
+          </p:style>
+          <p:txBody>
+            <a:bodyPr rtlCol="0" anchor="ctr"/>
+            <a:lstStyle/>
+            <a:p>
+              <a:pPr algn="ctr"/>
+              <a:r>
+                <a:rPr lang="en-GB" dirty="0"/>
+                <a:t>1</a:t>
+              </a:r>
+            </a:p>
+          </p:txBody>
+        </p:sp>
+      </p:grpSp>
+      <p:sp>
+        <p:nvSpPr>
+          <p:cNvPr id="2" name="TextBox 1">
+            <a:extLst>
+              <a:ext uri="{FF2B5EF4-FFF2-40B4-BE49-F238E27FC236}">
+                <a16:creationId xmlns:a16="http://schemas.microsoft.com/office/drawing/2014/main" id="{1DE950C2-FBE0-4A45-A641-A5965669E30F}"/>
+              </a:ext>
+            </a:extLst>
+          </p:cNvPr>
+          <p:cNvSpPr txBox="1"/>
+          <p:nvPr/>
+        </p:nvSpPr>
+        <p:spPr>
+          <a:xfrm>
+            <a:off x="6322826" y="4461931"/>
+            <a:ext cx="867160" cy="369332"/>
+          </a:xfrm>
+          <a:prstGeom prst="rect">
+            <a:avLst/>
+          </a:prstGeom>
+          <a:noFill/>
+        </p:spPr>
+        <p:txBody>
+          <a:bodyPr wrap="none" rtlCol="0">
+            <a:spAutoFit/>
+          </a:bodyPr>
+          <a:lstStyle/>
+          <a:p>
             <a:r>
               <a:rPr lang="en-GB" dirty="0"/>
-              <a:t>Test Double</a:t>
+              <a:t>size = 3</a:t>
             </a:r>
           </a:p>
         </p:txBody>
       </p:sp>
-      <p:sp>
-        <p:nvSpPr>
-          <p:cNvPr id="9" name="Rectangle 8">
-            <a:extLst>
-              <a:ext uri="{FF2B5EF4-FFF2-40B4-BE49-F238E27FC236}">
-                <a16:creationId xmlns:a16="http://schemas.microsoft.com/office/drawing/2014/main" id="{F6EE240D-D31C-1A4B-9685-1613792E46F0}"/>
-              </a:ext>
-            </a:extLst>
-          </p:cNvPr>
-          <p:cNvSpPr/>
-          <p:nvPr/>
-        </p:nvSpPr>
-        <p:spPr>
-          <a:xfrm>
-            <a:off x="1883229" y="2427515"/>
-            <a:ext cx="1919226" cy="723092"/>
-          </a:xfrm>
-          <a:prstGeom prst="rect">
-            <a:avLst/>
-          </a:prstGeom>
-        </p:spPr>
-        <p:style>
-          <a:lnRef idx="2">
-            <a:schemeClr val="accent1">
-              <a:shade val="50000"/>
-            </a:schemeClr>
-          </a:lnRef>
-          <a:fillRef idx="1">
-            <a:schemeClr val="accent1"/>
-          </a:fillRef>
-          <a:effectRef idx="0">
-            <a:schemeClr val="accent1"/>
-          </a:effectRef>
-          <a:fontRef idx="minor">
-            <a:schemeClr val="lt1"/>
-          </a:fontRef>
-        </p:style>
-        <p:txBody>
-          <a:bodyPr rtlCol="0" anchor="ctr"/>
-          <a:lstStyle/>
-          <a:p>
-            <a:pPr algn="ctr"/>
-            <a:r>
-              <a:rPr lang="en-GB" dirty="0"/>
-              <a:t>Dummy</a:t>
-            </a:r>
-          </a:p>
-        </p:txBody>
-      </p:sp>
-      <p:sp>
-        <p:nvSpPr>
-          <p:cNvPr id="10" name="Rectangle 9">
-            <a:extLst>
-              <a:ext uri="{FF2B5EF4-FFF2-40B4-BE49-F238E27FC236}">
-                <a16:creationId xmlns:a16="http://schemas.microsoft.com/office/drawing/2014/main" id="{1EE69F68-74C0-464F-8E30-0E2C5B2D4696}"/>
-              </a:ext>
-            </a:extLst>
-          </p:cNvPr>
-          <p:cNvSpPr/>
-          <p:nvPr/>
-        </p:nvSpPr>
-        <p:spPr>
-          <a:xfrm>
-            <a:off x="1883229" y="3429000"/>
-            <a:ext cx="1919226" cy="723092"/>
-          </a:xfrm>
-          <a:prstGeom prst="rect">
-            <a:avLst/>
-          </a:prstGeom>
-        </p:spPr>
-        <p:style>
-          <a:lnRef idx="2">
-            <a:schemeClr val="accent1">
-              <a:shade val="50000"/>
-            </a:schemeClr>
-          </a:lnRef>
-          <a:fillRef idx="1">
-            <a:schemeClr val="accent1"/>
-          </a:fillRef>
-          <a:effectRef idx="0">
-            <a:schemeClr val="accent1"/>
-          </a:effectRef>
-          <a:fontRef idx="minor">
-            <a:schemeClr val="lt1"/>
-          </a:fontRef>
-        </p:style>
-        <p:txBody>
-          <a:bodyPr rtlCol="0" anchor="ctr"/>
-          <a:lstStyle/>
-          <a:p>
-            <a:pPr algn="ctr"/>
-            <a:r>
-              <a:rPr lang="en-GB" dirty="0"/>
-              <a:t>Stub</a:t>
-            </a:r>
-          </a:p>
-        </p:txBody>
-      </p:sp>
-      <p:sp>
-        <p:nvSpPr>
-          <p:cNvPr id="11" name="Rectangle 10">
-            <a:extLst>
-              <a:ext uri="{FF2B5EF4-FFF2-40B4-BE49-F238E27FC236}">
-                <a16:creationId xmlns:a16="http://schemas.microsoft.com/office/drawing/2014/main" id="{B2E808FA-1944-2B4E-947D-628334D8C9F8}"/>
-              </a:ext>
-            </a:extLst>
-          </p:cNvPr>
-          <p:cNvSpPr/>
-          <p:nvPr/>
-        </p:nvSpPr>
-        <p:spPr>
-          <a:xfrm>
-            <a:off x="1883229" y="4430485"/>
-            <a:ext cx="1919226" cy="723092"/>
-          </a:xfrm>
-          <a:prstGeom prst="rect">
-            <a:avLst/>
-          </a:prstGeom>
-        </p:spPr>
-        <p:style>
-          <a:lnRef idx="2">
-            <a:schemeClr val="accent1">
-              <a:shade val="50000"/>
-            </a:schemeClr>
-          </a:lnRef>
-          <a:fillRef idx="1">
-            <a:schemeClr val="accent1"/>
-          </a:fillRef>
-          <a:effectRef idx="0">
-            <a:schemeClr val="accent1"/>
-          </a:effectRef>
-          <a:fontRef idx="minor">
-            <a:schemeClr val="lt1"/>
-          </a:fontRef>
-        </p:style>
-        <p:txBody>
-          <a:bodyPr rtlCol="0" anchor="ctr"/>
-          <a:lstStyle/>
-          <a:p>
-            <a:pPr algn="ctr"/>
-            <a:r>
-              <a:rPr lang="en-GB" dirty="0"/>
-              <a:t>Spy</a:t>
-            </a:r>
-          </a:p>
-        </p:txBody>
-      </p:sp>
-      <p:sp>
-        <p:nvSpPr>
-          <p:cNvPr id="12" name="Rectangle 11">
-            <a:extLst>
-              <a:ext uri="{FF2B5EF4-FFF2-40B4-BE49-F238E27FC236}">
-                <a16:creationId xmlns:a16="http://schemas.microsoft.com/office/drawing/2014/main" id="{34975D4E-A32E-9B46-B936-3CD4867661D0}"/>
-              </a:ext>
-            </a:extLst>
-          </p:cNvPr>
-          <p:cNvSpPr/>
-          <p:nvPr/>
-        </p:nvSpPr>
-        <p:spPr>
-          <a:xfrm>
-            <a:off x="1883229" y="5431970"/>
-            <a:ext cx="1919226" cy="723092"/>
-          </a:xfrm>
-          <a:prstGeom prst="rect">
-            <a:avLst/>
-          </a:prstGeom>
-        </p:spPr>
-        <p:style>
-          <a:lnRef idx="2">
-            <a:schemeClr val="accent1">
-              <a:shade val="50000"/>
-            </a:schemeClr>
-          </a:lnRef>
-          <a:fillRef idx="1">
-            <a:schemeClr val="accent1"/>
-          </a:fillRef>
-          <a:effectRef idx="0">
-            <a:schemeClr val="accent1"/>
-          </a:effectRef>
-          <a:fontRef idx="minor">
-            <a:schemeClr val="lt1"/>
-          </a:fontRef>
-        </p:style>
-        <p:txBody>
-          <a:bodyPr rtlCol="0" anchor="ctr"/>
-          <a:lstStyle/>
-          <a:p>
-            <a:pPr algn="ctr"/>
-            <a:r>
-              <a:rPr lang="en-GB" dirty="0"/>
-              <a:t>Mock</a:t>
-            </a:r>
-          </a:p>
-        </p:txBody>
-      </p:sp>
-      <p:sp>
-        <p:nvSpPr>
-          <p:cNvPr id="13" name="Rectangle 12">
-            <a:extLst>
-              <a:ext uri="{FF2B5EF4-FFF2-40B4-BE49-F238E27FC236}">
-                <a16:creationId xmlns:a16="http://schemas.microsoft.com/office/drawing/2014/main" id="{3B2A9E41-DB72-7D43-9CF8-F3213B9CC7B4}"/>
-              </a:ext>
-            </a:extLst>
-          </p:cNvPr>
-          <p:cNvSpPr/>
-          <p:nvPr/>
-        </p:nvSpPr>
-        <p:spPr>
-          <a:xfrm>
-            <a:off x="6788698" y="5431970"/>
-            <a:ext cx="1919226" cy="723092"/>
-          </a:xfrm>
-          <a:prstGeom prst="rect">
-            <a:avLst/>
-          </a:prstGeom>
-        </p:spPr>
-        <p:style>
-          <a:lnRef idx="2">
-            <a:schemeClr val="accent1">
-              <a:shade val="50000"/>
-            </a:schemeClr>
-          </a:lnRef>
-          <a:fillRef idx="1">
-            <a:schemeClr val="accent1"/>
-          </a:fillRef>
-          <a:effectRef idx="0">
-            <a:schemeClr val="accent1"/>
-          </a:effectRef>
-          <a:fontRef idx="minor">
-            <a:schemeClr val="lt1"/>
-          </a:fontRef>
-        </p:style>
-        <p:txBody>
-          <a:bodyPr rtlCol="0" anchor="ctr"/>
-          <a:lstStyle/>
-          <a:p>
-            <a:pPr algn="ctr"/>
-            <a:r>
-              <a:rPr lang="en-GB" dirty="0"/>
-              <a:t>Fake</a:t>
-            </a:r>
-          </a:p>
-        </p:txBody>
-      </p:sp>
-      <p:cxnSp>
-        <p:nvCxnSpPr>
-          <p:cNvPr id="15" name="Straight Arrow Connector 14">
-            <a:extLst>
-              <a:ext uri="{FF2B5EF4-FFF2-40B4-BE49-F238E27FC236}">
-                <a16:creationId xmlns:a16="http://schemas.microsoft.com/office/drawing/2014/main" id="{6D0AA745-0DB1-2641-BAD8-9D0F53B759BF}"/>
-              </a:ext>
-            </a:extLst>
-          </p:cNvPr>
-          <p:cNvCxnSpPr>
-            <a:stCxn id="12" idx="0"/>
-            <a:endCxn id="11" idx="2"/>
-          </p:cNvCxnSpPr>
-          <p:nvPr/>
-        </p:nvCxnSpPr>
-        <p:spPr>
-          <a:xfrm flipV="1">
-            <a:off x="2842842" y="5153577"/>
-            <a:ext cx="0" cy="278393"/>
-          </a:xfrm>
-          <a:prstGeom prst="straightConnector1">
-            <a:avLst/>
-          </a:prstGeom>
-          <a:ln>
-            <a:tailEnd type="triangle"/>
-          </a:ln>
-        </p:spPr>
-        <p:style>
-          <a:lnRef idx="1">
-            <a:schemeClr val="accent1"/>
-          </a:lnRef>
-          <a:fillRef idx="0">
-            <a:schemeClr val="accent1"/>
-          </a:fillRef>
-          <a:effectRef idx="0">
-            <a:schemeClr val="accent1"/>
-          </a:effectRef>
-          <a:fontRef idx="minor">
-            <a:schemeClr val="tx1"/>
-          </a:fontRef>
-        </p:style>
-      </p:cxnSp>
-      <p:cxnSp>
-        <p:nvCxnSpPr>
-          <p:cNvPr id="16" name="Straight Arrow Connector 15">
-            <a:extLst>
-              <a:ext uri="{FF2B5EF4-FFF2-40B4-BE49-F238E27FC236}">
-                <a16:creationId xmlns:a16="http://schemas.microsoft.com/office/drawing/2014/main" id="{454CE2E0-6108-6647-8B20-0D2B2A8F3A95}"/>
-              </a:ext>
-            </a:extLst>
-          </p:cNvPr>
-          <p:cNvCxnSpPr>
-            <a:cxnSpLocks/>
-            <a:stCxn id="11" idx="0"/>
-            <a:endCxn id="10" idx="2"/>
-          </p:cNvCxnSpPr>
-          <p:nvPr/>
-        </p:nvCxnSpPr>
-        <p:spPr>
-          <a:xfrm flipV="1">
-            <a:off x="2842842" y="4152092"/>
-            <a:ext cx="0" cy="278393"/>
-          </a:xfrm>
-          <a:prstGeom prst="straightConnector1">
-            <a:avLst/>
-          </a:prstGeom>
-          <a:ln>
-            <a:tailEnd type="triangle"/>
-          </a:ln>
-        </p:spPr>
-        <p:style>
-          <a:lnRef idx="1">
-            <a:schemeClr val="accent1"/>
-          </a:lnRef>
-          <a:fillRef idx="0">
-            <a:schemeClr val="accent1"/>
-          </a:fillRef>
-          <a:effectRef idx="0">
-            <a:schemeClr val="accent1"/>
-          </a:effectRef>
-          <a:fontRef idx="minor">
-            <a:schemeClr val="tx1"/>
-          </a:fontRef>
-        </p:style>
-      </p:cxnSp>
-      <p:cxnSp>
-        <p:nvCxnSpPr>
-          <p:cNvPr id="19" name="Straight Arrow Connector 18">
-            <a:extLst>
-              <a:ext uri="{FF2B5EF4-FFF2-40B4-BE49-F238E27FC236}">
-                <a16:creationId xmlns:a16="http://schemas.microsoft.com/office/drawing/2014/main" id="{E8EE70CC-8B5E-9A45-AA7C-8B8EA94D32CE}"/>
-              </a:ext>
-            </a:extLst>
-          </p:cNvPr>
-          <p:cNvCxnSpPr>
-            <a:cxnSpLocks/>
-            <a:stCxn id="10" idx="0"/>
-            <a:endCxn id="9" idx="2"/>
-          </p:cNvCxnSpPr>
-          <p:nvPr/>
-        </p:nvCxnSpPr>
-        <p:spPr>
-          <a:xfrm flipV="1">
-            <a:off x="2842842" y="3150607"/>
-            <a:ext cx="0" cy="278393"/>
-          </a:xfrm>
-          <a:prstGeom prst="straightConnector1">
-            <a:avLst/>
-          </a:prstGeom>
-          <a:ln>
-            <a:tailEnd type="triangle"/>
-          </a:ln>
-        </p:spPr>
-        <p:style>
-          <a:lnRef idx="1">
-            <a:schemeClr val="accent1"/>
-          </a:lnRef>
-          <a:fillRef idx="0">
-            <a:schemeClr val="accent1"/>
-          </a:fillRef>
-          <a:effectRef idx="0">
-            <a:schemeClr val="accent1"/>
-          </a:effectRef>
-          <a:fontRef idx="minor">
-            <a:schemeClr val="tx1"/>
-          </a:fontRef>
-        </p:style>
-      </p:cxnSp>
-      <p:cxnSp>
-        <p:nvCxnSpPr>
-          <p:cNvPr id="27" name="Straight Arrow Connector 26">
-            <a:extLst>
-              <a:ext uri="{FF2B5EF4-FFF2-40B4-BE49-F238E27FC236}">
-                <a16:creationId xmlns:a16="http://schemas.microsoft.com/office/drawing/2014/main" id="{B6EA9434-C966-6F41-8997-484E1143C725}"/>
-              </a:ext>
-            </a:extLst>
-          </p:cNvPr>
-          <p:cNvCxnSpPr>
-            <a:cxnSpLocks/>
-            <a:stCxn id="9" idx="0"/>
-          </p:cNvCxnSpPr>
-          <p:nvPr/>
-        </p:nvCxnSpPr>
-        <p:spPr>
-          <a:xfrm flipV="1">
-            <a:off x="2842842" y="1575303"/>
-            <a:ext cx="1321752" cy="852212"/>
-          </a:xfrm>
-          <a:prstGeom prst="straightConnector1">
-            <a:avLst/>
-          </a:prstGeom>
-          <a:ln>
-            <a:tailEnd type="triangle"/>
-          </a:ln>
-        </p:spPr>
-        <p:style>
-          <a:lnRef idx="1">
-            <a:schemeClr val="accent1"/>
-          </a:lnRef>
-          <a:fillRef idx="0">
-            <a:schemeClr val="accent1"/>
-          </a:fillRef>
-          <a:effectRef idx="0">
-            <a:schemeClr val="accent1"/>
-          </a:effectRef>
-          <a:fontRef idx="minor">
-            <a:schemeClr val="tx1"/>
-          </a:fontRef>
-        </p:style>
-      </p:cxnSp>
-      <p:cxnSp>
-        <p:nvCxnSpPr>
-          <p:cNvPr id="30" name="Straight Arrow Connector 29">
-            <a:extLst>
-              <a:ext uri="{FF2B5EF4-FFF2-40B4-BE49-F238E27FC236}">
-                <a16:creationId xmlns:a16="http://schemas.microsoft.com/office/drawing/2014/main" id="{2985D851-C76D-1A4D-999B-2F2FAEAC8370}"/>
-              </a:ext>
-            </a:extLst>
-          </p:cNvPr>
-          <p:cNvCxnSpPr>
-            <a:cxnSpLocks/>
-            <a:stCxn id="13" idx="0"/>
-          </p:cNvCxnSpPr>
-          <p:nvPr/>
-        </p:nvCxnSpPr>
-        <p:spPr>
-          <a:xfrm flipH="1" flipV="1">
-            <a:off x="6096001" y="1710802"/>
-            <a:ext cx="1652310" cy="3721168"/>
-          </a:xfrm>
-          <a:prstGeom prst="straightConnector1">
-            <a:avLst/>
-          </a:prstGeom>
-          <a:ln>
-            <a:tailEnd type="triangle"/>
-          </a:ln>
-        </p:spPr>
-        <p:style>
-          <a:lnRef idx="1">
-            <a:schemeClr val="accent1"/>
-          </a:lnRef>
-          <a:fillRef idx="0">
-            <a:schemeClr val="accent1"/>
-          </a:fillRef>
-          <a:effectRef idx="0">
-            <a:schemeClr val="accent1"/>
-          </a:effectRef>
-          <a:fontRef idx="minor">
-            <a:schemeClr val="tx1"/>
-          </a:fontRef>
-        </p:style>
-      </p:cxnSp>
     </p:spTree>
     <p:extLst>
       <p:ext uri="{BB962C8B-B14F-4D97-AF65-F5344CB8AC3E}">
-        <p14:creationId xmlns:p14="http://schemas.microsoft.com/office/powerpoint/2010/main" val="1006745906"/>
+        <p14:creationId xmlns:p14="http://schemas.microsoft.com/office/powerpoint/2010/main" val="1296486006"/>
       </p:ext>
     </p:extLst>
   </p:cSld>
@@ -51727,6 +51508,542 @@
     <p:extLst>
       <p:ext uri="{BB962C8B-B14F-4D97-AF65-F5344CB8AC3E}">
         <p14:creationId xmlns:p14="http://schemas.microsoft.com/office/powerpoint/2010/main" val="1266499988"/>
+      </p:ext>
+    </p:extLst>
+  </p:cSld>
+  <p:clrMapOvr>
+    <a:masterClrMapping/>
+  </p:clrMapOvr>
+</p:sld>
+</file>
+
+<file path=ppt/slides/slide50.xml><?xml version="1.0" encoding="utf-8"?>
+<p:sld xmlns:a="http://schemas.openxmlformats.org/drawingml/2006/main" xmlns:r="http://schemas.openxmlformats.org/officeDocument/2006/relationships" xmlns:p="http://schemas.openxmlformats.org/presentationml/2006/main">
+  <p:cSld>
+    <p:spTree>
+      <p:nvGrpSpPr>
+        <p:cNvPr id="1" name=""/>
+        <p:cNvGrpSpPr/>
+        <p:nvPr/>
+      </p:nvGrpSpPr>
+      <p:grpSpPr>
+        <a:xfrm>
+          <a:off x="0" y="0"/>
+          <a:ext cx="0" cy="0"/>
+          <a:chOff x="0" y="0"/>
+          <a:chExt cx="0" cy="0"/>
+        </a:xfrm>
+      </p:grpSpPr>
+      <p:sp>
+        <p:nvSpPr>
+          <p:cNvPr id="8" name="Cloud 7">
+            <a:extLst>
+              <a:ext uri="{FF2B5EF4-FFF2-40B4-BE49-F238E27FC236}">
+                <a16:creationId xmlns:a16="http://schemas.microsoft.com/office/drawing/2014/main" id="{94F42F71-0F59-7847-8897-2C8409A6EB4E}"/>
+              </a:ext>
+            </a:extLst>
+          </p:cNvPr>
+          <p:cNvSpPr/>
+          <p:nvPr/>
+        </p:nvSpPr>
+        <p:spPr>
+          <a:xfrm>
+            <a:off x="4078835" y="168909"/>
+            <a:ext cx="2430049" cy="1828800"/>
+          </a:xfrm>
+          <a:prstGeom prst="cloud">
+            <a:avLst/>
+          </a:prstGeom>
+        </p:spPr>
+        <p:style>
+          <a:lnRef idx="2">
+            <a:schemeClr val="accent1">
+              <a:shade val="50000"/>
+            </a:schemeClr>
+          </a:lnRef>
+          <a:fillRef idx="1">
+            <a:schemeClr val="accent1"/>
+          </a:fillRef>
+          <a:effectRef idx="0">
+            <a:schemeClr val="accent1"/>
+          </a:effectRef>
+          <a:fontRef idx="minor">
+            <a:schemeClr val="lt1"/>
+          </a:fontRef>
+        </p:style>
+        <p:txBody>
+          <a:bodyPr rtlCol="0" anchor="ctr"/>
+          <a:lstStyle/>
+          <a:p>
+            <a:pPr algn="ctr"/>
+            <a:r>
+              <a:rPr lang="en-GB" dirty="0"/>
+              <a:t>Test Double</a:t>
+            </a:r>
+          </a:p>
+        </p:txBody>
+      </p:sp>
+      <p:sp>
+        <p:nvSpPr>
+          <p:cNvPr id="9" name="Rectangle 8">
+            <a:extLst>
+              <a:ext uri="{FF2B5EF4-FFF2-40B4-BE49-F238E27FC236}">
+                <a16:creationId xmlns:a16="http://schemas.microsoft.com/office/drawing/2014/main" id="{F6EE240D-D31C-1A4B-9685-1613792E46F0}"/>
+              </a:ext>
+            </a:extLst>
+          </p:cNvPr>
+          <p:cNvSpPr/>
+          <p:nvPr/>
+        </p:nvSpPr>
+        <p:spPr>
+          <a:xfrm>
+            <a:off x="1883229" y="2427515"/>
+            <a:ext cx="1919226" cy="723092"/>
+          </a:xfrm>
+          <a:prstGeom prst="rect">
+            <a:avLst/>
+          </a:prstGeom>
+        </p:spPr>
+        <p:style>
+          <a:lnRef idx="2">
+            <a:schemeClr val="accent1">
+              <a:shade val="50000"/>
+            </a:schemeClr>
+          </a:lnRef>
+          <a:fillRef idx="1">
+            <a:schemeClr val="accent1"/>
+          </a:fillRef>
+          <a:effectRef idx="0">
+            <a:schemeClr val="accent1"/>
+          </a:effectRef>
+          <a:fontRef idx="minor">
+            <a:schemeClr val="lt1"/>
+          </a:fontRef>
+        </p:style>
+        <p:txBody>
+          <a:bodyPr rtlCol="0" anchor="ctr"/>
+          <a:lstStyle/>
+          <a:p>
+            <a:pPr algn="ctr"/>
+            <a:r>
+              <a:rPr lang="en-GB" dirty="0"/>
+              <a:t>Dummy</a:t>
+            </a:r>
+          </a:p>
+        </p:txBody>
+      </p:sp>
+      <p:sp>
+        <p:nvSpPr>
+          <p:cNvPr id="10" name="Rectangle 9">
+            <a:extLst>
+              <a:ext uri="{FF2B5EF4-FFF2-40B4-BE49-F238E27FC236}">
+                <a16:creationId xmlns:a16="http://schemas.microsoft.com/office/drawing/2014/main" id="{1EE69F68-74C0-464F-8E30-0E2C5B2D4696}"/>
+              </a:ext>
+            </a:extLst>
+          </p:cNvPr>
+          <p:cNvSpPr/>
+          <p:nvPr/>
+        </p:nvSpPr>
+        <p:spPr>
+          <a:xfrm>
+            <a:off x="1883229" y="3429000"/>
+            <a:ext cx="1919226" cy="723092"/>
+          </a:xfrm>
+          <a:prstGeom prst="rect">
+            <a:avLst/>
+          </a:prstGeom>
+        </p:spPr>
+        <p:style>
+          <a:lnRef idx="2">
+            <a:schemeClr val="accent1">
+              <a:shade val="50000"/>
+            </a:schemeClr>
+          </a:lnRef>
+          <a:fillRef idx="1">
+            <a:schemeClr val="accent1"/>
+          </a:fillRef>
+          <a:effectRef idx="0">
+            <a:schemeClr val="accent1"/>
+          </a:effectRef>
+          <a:fontRef idx="minor">
+            <a:schemeClr val="lt1"/>
+          </a:fontRef>
+        </p:style>
+        <p:txBody>
+          <a:bodyPr rtlCol="0" anchor="ctr"/>
+          <a:lstStyle/>
+          <a:p>
+            <a:pPr algn="ctr"/>
+            <a:r>
+              <a:rPr lang="en-GB" dirty="0"/>
+              <a:t>Stub</a:t>
+            </a:r>
+          </a:p>
+        </p:txBody>
+      </p:sp>
+      <p:sp>
+        <p:nvSpPr>
+          <p:cNvPr id="11" name="Rectangle 10">
+            <a:extLst>
+              <a:ext uri="{FF2B5EF4-FFF2-40B4-BE49-F238E27FC236}">
+                <a16:creationId xmlns:a16="http://schemas.microsoft.com/office/drawing/2014/main" id="{B2E808FA-1944-2B4E-947D-628334D8C9F8}"/>
+              </a:ext>
+            </a:extLst>
+          </p:cNvPr>
+          <p:cNvSpPr/>
+          <p:nvPr/>
+        </p:nvSpPr>
+        <p:spPr>
+          <a:xfrm>
+            <a:off x="1883229" y="4430485"/>
+            <a:ext cx="1919226" cy="723092"/>
+          </a:xfrm>
+          <a:prstGeom prst="rect">
+            <a:avLst/>
+          </a:prstGeom>
+        </p:spPr>
+        <p:style>
+          <a:lnRef idx="2">
+            <a:schemeClr val="accent1">
+              <a:shade val="50000"/>
+            </a:schemeClr>
+          </a:lnRef>
+          <a:fillRef idx="1">
+            <a:schemeClr val="accent1"/>
+          </a:fillRef>
+          <a:effectRef idx="0">
+            <a:schemeClr val="accent1"/>
+          </a:effectRef>
+          <a:fontRef idx="minor">
+            <a:schemeClr val="lt1"/>
+          </a:fontRef>
+        </p:style>
+        <p:txBody>
+          <a:bodyPr rtlCol="0" anchor="ctr"/>
+          <a:lstStyle/>
+          <a:p>
+            <a:pPr algn="ctr"/>
+            <a:r>
+              <a:rPr lang="en-GB" dirty="0"/>
+              <a:t>Spy</a:t>
+            </a:r>
+          </a:p>
+        </p:txBody>
+      </p:sp>
+      <p:sp>
+        <p:nvSpPr>
+          <p:cNvPr id="12" name="Rectangle 11">
+            <a:extLst>
+              <a:ext uri="{FF2B5EF4-FFF2-40B4-BE49-F238E27FC236}">
+                <a16:creationId xmlns:a16="http://schemas.microsoft.com/office/drawing/2014/main" id="{34975D4E-A32E-9B46-B936-3CD4867661D0}"/>
+              </a:ext>
+            </a:extLst>
+          </p:cNvPr>
+          <p:cNvSpPr/>
+          <p:nvPr/>
+        </p:nvSpPr>
+        <p:spPr>
+          <a:xfrm>
+            <a:off x="1883229" y="5431970"/>
+            <a:ext cx="1919226" cy="723092"/>
+          </a:xfrm>
+          <a:prstGeom prst="rect">
+            <a:avLst/>
+          </a:prstGeom>
+        </p:spPr>
+        <p:style>
+          <a:lnRef idx="2">
+            <a:schemeClr val="accent1">
+              <a:shade val="50000"/>
+            </a:schemeClr>
+          </a:lnRef>
+          <a:fillRef idx="1">
+            <a:schemeClr val="accent1"/>
+          </a:fillRef>
+          <a:effectRef idx="0">
+            <a:schemeClr val="accent1"/>
+          </a:effectRef>
+          <a:fontRef idx="minor">
+            <a:schemeClr val="lt1"/>
+          </a:fontRef>
+        </p:style>
+        <p:txBody>
+          <a:bodyPr rtlCol="0" anchor="ctr"/>
+          <a:lstStyle/>
+          <a:p>
+            <a:pPr algn="ctr"/>
+            <a:r>
+              <a:rPr lang="en-GB" dirty="0"/>
+              <a:t>Mock</a:t>
+            </a:r>
+          </a:p>
+        </p:txBody>
+      </p:sp>
+      <p:sp>
+        <p:nvSpPr>
+          <p:cNvPr id="13" name="Rectangle 12">
+            <a:extLst>
+              <a:ext uri="{FF2B5EF4-FFF2-40B4-BE49-F238E27FC236}">
+                <a16:creationId xmlns:a16="http://schemas.microsoft.com/office/drawing/2014/main" id="{3B2A9E41-DB72-7D43-9CF8-F3213B9CC7B4}"/>
+              </a:ext>
+            </a:extLst>
+          </p:cNvPr>
+          <p:cNvSpPr/>
+          <p:nvPr/>
+        </p:nvSpPr>
+        <p:spPr>
+          <a:xfrm>
+            <a:off x="6788698" y="5431970"/>
+            <a:ext cx="1919226" cy="723092"/>
+          </a:xfrm>
+          <a:prstGeom prst="rect">
+            <a:avLst/>
+          </a:prstGeom>
+        </p:spPr>
+        <p:style>
+          <a:lnRef idx="2">
+            <a:schemeClr val="accent1">
+              <a:shade val="50000"/>
+            </a:schemeClr>
+          </a:lnRef>
+          <a:fillRef idx="1">
+            <a:schemeClr val="accent1"/>
+          </a:fillRef>
+          <a:effectRef idx="0">
+            <a:schemeClr val="accent1"/>
+          </a:effectRef>
+          <a:fontRef idx="minor">
+            <a:schemeClr val="lt1"/>
+          </a:fontRef>
+        </p:style>
+        <p:txBody>
+          <a:bodyPr rtlCol="0" anchor="ctr"/>
+          <a:lstStyle/>
+          <a:p>
+            <a:pPr algn="ctr"/>
+            <a:r>
+              <a:rPr lang="en-GB" dirty="0"/>
+              <a:t>Fake</a:t>
+            </a:r>
+          </a:p>
+        </p:txBody>
+      </p:sp>
+      <p:cxnSp>
+        <p:nvCxnSpPr>
+          <p:cNvPr id="15" name="Straight Arrow Connector 14">
+            <a:extLst>
+              <a:ext uri="{FF2B5EF4-FFF2-40B4-BE49-F238E27FC236}">
+                <a16:creationId xmlns:a16="http://schemas.microsoft.com/office/drawing/2014/main" id="{6D0AA745-0DB1-2641-BAD8-9D0F53B759BF}"/>
+              </a:ext>
+            </a:extLst>
+          </p:cNvPr>
+          <p:cNvCxnSpPr>
+            <a:stCxn id="12" idx="0"/>
+            <a:endCxn id="11" idx="2"/>
+          </p:cNvCxnSpPr>
+          <p:nvPr/>
+        </p:nvCxnSpPr>
+        <p:spPr>
+          <a:xfrm flipV="1">
+            <a:off x="2842842" y="5153577"/>
+            <a:ext cx="0" cy="278393"/>
+          </a:xfrm>
+          <a:prstGeom prst="straightConnector1">
+            <a:avLst/>
+          </a:prstGeom>
+          <a:ln>
+            <a:tailEnd type="triangle"/>
+          </a:ln>
+        </p:spPr>
+        <p:style>
+          <a:lnRef idx="1">
+            <a:schemeClr val="accent1"/>
+          </a:lnRef>
+          <a:fillRef idx="0">
+            <a:schemeClr val="accent1"/>
+          </a:fillRef>
+          <a:effectRef idx="0">
+            <a:schemeClr val="accent1"/>
+          </a:effectRef>
+          <a:fontRef idx="minor">
+            <a:schemeClr val="tx1"/>
+          </a:fontRef>
+        </p:style>
+      </p:cxnSp>
+      <p:cxnSp>
+        <p:nvCxnSpPr>
+          <p:cNvPr id="16" name="Straight Arrow Connector 15">
+            <a:extLst>
+              <a:ext uri="{FF2B5EF4-FFF2-40B4-BE49-F238E27FC236}">
+                <a16:creationId xmlns:a16="http://schemas.microsoft.com/office/drawing/2014/main" id="{454CE2E0-6108-6647-8B20-0D2B2A8F3A95}"/>
+              </a:ext>
+            </a:extLst>
+          </p:cNvPr>
+          <p:cNvCxnSpPr>
+            <a:cxnSpLocks/>
+            <a:stCxn id="11" idx="0"/>
+            <a:endCxn id="10" idx="2"/>
+          </p:cNvCxnSpPr>
+          <p:nvPr/>
+        </p:nvCxnSpPr>
+        <p:spPr>
+          <a:xfrm flipV="1">
+            <a:off x="2842842" y="4152092"/>
+            <a:ext cx="0" cy="278393"/>
+          </a:xfrm>
+          <a:prstGeom prst="straightConnector1">
+            <a:avLst/>
+          </a:prstGeom>
+          <a:ln>
+            <a:tailEnd type="triangle"/>
+          </a:ln>
+        </p:spPr>
+        <p:style>
+          <a:lnRef idx="1">
+            <a:schemeClr val="accent1"/>
+          </a:lnRef>
+          <a:fillRef idx="0">
+            <a:schemeClr val="accent1"/>
+          </a:fillRef>
+          <a:effectRef idx="0">
+            <a:schemeClr val="accent1"/>
+          </a:effectRef>
+          <a:fontRef idx="minor">
+            <a:schemeClr val="tx1"/>
+          </a:fontRef>
+        </p:style>
+      </p:cxnSp>
+      <p:cxnSp>
+        <p:nvCxnSpPr>
+          <p:cNvPr id="19" name="Straight Arrow Connector 18">
+            <a:extLst>
+              <a:ext uri="{FF2B5EF4-FFF2-40B4-BE49-F238E27FC236}">
+                <a16:creationId xmlns:a16="http://schemas.microsoft.com/office/drawing/2014/main" id="{E8EE70CC-8B5E-9A45-AA7C-8B8EA94D32CE}"/>
+              </a:ext>
+            </a:extLst>
+          </p:cNvPr>
+          <p:cNvCxnSpPr>
+            <a:cxnSpLocks/>
+            <a:stCxn id="10" idx="0"/>
+            <a:endCxn id="9" idx="2"/>
+          </p:cNvCxnSpPr>
+          <p:nvPr/>
+        </p:nvCxnSpPr>
+        <p:spPr>
+          <a:xfrm flipV="1">
+            <a:off x="2842842" y="3150607"/>
+            <a:ext cx="0" cy="278393"/>
+          </a:xfrm>
+          <a:prstGeom prst="straightConnector1">
+            <a:avLst/>
+          </a:prstGeom>
+          <a:ln>
+            <a:tailEnd type="triangle"/>
+          </a:ln>
+        </p:spPr>
+        <p:style>
+          <a:lnRef idx="1">
+            <a:schemeClr val="accent1"/>
+          </a:lnRef>
+          <a:fillRef idx="0">
+            <a:schemeClr val="accent1"/>
+          </a:fillRef>
+          <a:effectRef idx="0">
+            <a:schemeClr val="accent1"/>
+          </a:effectRef>
+          <a:fontRef idx="minor">
+            <a:schemeClr val="tx1"/>
+          </a:fontRef>
+        </p:style>
+      </p:cxnSp>
+      <p:cxnSp>
+        <p:nvCxnSpPr>
+          <p:cNvPr id="27" name="Straight Arrow Connector 26">
+            <a:extLst>
+              <a:ext uri="{FF2B5EF4-FFF2-40B4-BE49-F238E27FC236}">
+                <a16:creationId xmlns:a16="http://schemas.microsoft.com/office/drawing/2014/main" id="{B6EA9434-C966-6F41-8997-484E1143C725}"/>
+              </a:ext>
+            </a:extLst>
+          </p:cNvPr>
+          <p:cNvCxnSpPr>
+            <a:cxnSpLocks/>
+            <a:stCxn id="9" idx="0"/>
+          </p:cNvCxnSpPr>
+          <p:nvPr/>
+        </p:nvCxnSpPr>
+        <p:spPr>
+          <a:xfrm flipV="1">
+            <a:off x="2842842" y="1575303"/>
+            <a:ext cx="1321752" cy="852212"/>
+          </a:xfrm>
+          <a:prstGeom prst="straightConnector1">
+            <a:avLst/>
+          </a:prstGeom>
+          <a:ln>
+            <a:tailEnd type="triangle"/>
+          </a:ln>
+        </p:spPr>
+        <p:style>
+          <a:lnRef idx="1">
+            <a:schemeClr val="accent1"/>
+          </a:lnRef>
+          <a:fillRef idx="0">
+            <a:schemeClr val="accent1"/>
+          </a:fillRef>
+          <a:effectRef idx="0">
+            <a:schemeClr val="accent1"/>
+          </a:effectRef>
+          <a:fontRef idx="minor">
+            <a:schemeClr val="tx1"/>
+          </a:fontRef>
+        </p:style>
+      </p:cxnSp>
+      <p:cxnSp>
+        <p:nvCxnSpPr>
+          <p:cNvPr id="30" name="Straight Arrow Connector 29">
+            <a:extLst>
+              <a:ext uri="{FF2B5EF4-FFF2-40B4-BE49-F238E27FC236}">
+                <a16:creationId xmlns:a16="http://schemas.microsoft.com/office/drawing/2014/main" id="{2985D851-C76D-1A4D-999B-2F2FAEAC8370}"/>
+              </a:ext>
+            </a:extLst>
+          </p:cNvPr>
+          <p:cNvCxnSpPr>
+            <a:cxnSpLocks/>
+            <a:stCxn id="13" idx="0"/>
+          </p:cNvCxnSpPr>
+          <p:nvPr/>
+        </p:nvCxnSpPr>
+        <p:spPr>
+          <a:xfrm flipH="1" flipV="1">
+            <a:off x="6096001" y="1710802"/>
+            <a:ext cx="1652310" cy="3721168"/>
+          </a:xfrm>
+          <a:prstGeom prst="straightConnector1">
+            <a:avLst/>
+          </a:prstGeom>
+          <a:ln>
+            <a:tailEnd type="triangle"/>
+          </a:ln>
+        </p:spPr>
+        <p:style>
+          <a:lnRef idx="1">
+            <a:schemeClr val="accent1"/>
+          </a:lnRef>
+          <a:fillRef idx="0">
+            <a:schemeClr val="accent1"/>
+          </a:fillRef>
+          <a:effectRef idx="0">
+            <a:schemeClr val="accent1"/>
+          </a:effectRef>
+          <a:fontRef idx="minor">
+            <a:schemeClr val="tx1"/>
+          </a:fontRef>
+        </p:style>
+      </p:cxnSp>
+    </p:spTree>
+    <p:extLst>
+      <p:ext uri="{BB962C8B-B14F-4D97-AF65-F5344CB8AC3E}">
+        <p14:creationId xmlns:p14="http://schemas.microsoft.com/office/powerpoint/2010/main" val="1006745906"/>
       </p:ext>
     </p:extLst>
   </p:cSld>

--- a/assets/images/Images.pptx
+++ b/assets/images/Images.pptx
@@ -5,7 +5,7 @@
     <p:sldMasterId id="2147483648" r:id="rId1"/>
   </p:sldMasterIdLst>
   <p:notesMasterIdLst>
-    <p:notesMasterId r:id="rId51"/>
+    <p:notesMasterId r:id="rId53"/>
   </p:notesMasterIdLst>
   <p:sldIdLst>
     <p:sldId id="257" r:id="rId2"/>
@@ -56,7 +56,9 @@
     <p:sldId id="302" r:id="rId47"/>
     <p:sldId id="303" r:id="rId48"/>
     <p:sldId id="304" r:id="rId49"/>
-    <p:sldId id="256" r:id="rId50"/>
+    <p:sldId id="305" r:id="rId50"/>
+    <p:sldId id="306" r:id="rId51"/>
+    <p:sldId id="256" r:id="rId52"/>
   </p:sldIdLst>
   <p:sldSz cx="12192000" cy="6858000"/>
   <p:notesSz cx="6858000" cy="9144000"/>
@@ -232,6 +234,8 @@
             <p14:sldId id="302"/>
             <p14:sldId id="303"/>
             <p14:sldId id="304"/>
+            <p14:sldId id="305"/>
+            <p14:sldId id="306"/>
           </p14:sldIdLst>
         </p14:section>
         <p14:section name="Testing" id="{064BBB82-ADB6-E844-9D9E-44CD43DCBE9F}">
@@ -333,7 +337,7 @@
           <a:p>
             <a:fld id="{F0373C07-0034-D84F-B0CB-1249B408AEAD}" type="datetimeFigureOut">
               <a:rPr lang="en-GB" smtClean="0"/>
-              <a:t>19/07/2020</a:t>
+              <a:t>26/07/2020</a:t>
             </a:fld>
             <a:endParaRPr lang="en-GB"/>
           </a:p>
@@ -833,7 +837,7 @@
           <a:p>
             <a:fld id="{11A96E62-EC5F-C045-9FEB-EDD3A98888BE}" type="slidenum">
               <a:rPr lang="en-GB" smtClean="0"/>
-              <a:t>49</a:t>
+              <a:t>51</a:t>
             </a:fld>
             <a:endParaRPr lang="en-GB"/>
           </a:p>
@@ -1671,7 +1675,7 @@
           <a:p>
             <a:fld id="{1277814B-86DA-1A43-BEBE-BB22F0FBA56B}" type="datetimeFigureOut">
               <a:rPr lang="en-GB" smtClean="0"/>
-              <a:t>19/07/2020</a:t>
+              <a:t>26/07/2020</a:t>
             </a:fld>
             <a:endParaRPr lang="en-GB"/>
           </a:p>
@@ -1869,7 +1873,7 @@
           <a:p>
             <a:fld id="{1277814B-86DA-1A43-BEBE-BB22F0FBA56B}" type="datetimeFigureOut">
               <a:rPr lang="en-GB" smtClean="0"/>
-              <a:t>19/07/2020</a:t>
+              <a:t>26/07/2020</a:t>
             </a:fld>
             <a:endParaRPr lang="en-GB"/>
           </a:p>
@@ -2077,7 +2081,7 @@
           <a:p>
             <a:fld id="{1277814B-86DA-1A43-BEBE-BB22F0FBA56B}" type="datetimeFigureOut">
               <a:rPr lang="en-GB" smtClean="0"/>
-              <a:t>19/07/2020</a:t>
+              <a:t>26/07/2020</a:t>
             </a:fld>
             <a:endParaRPr lang="en-GB"/>
           </a:p>
@@ -2275,7 +2279,7 @@
           <a:p>
             <a:fld id="{1277814B-86DA-1A43-BEBE-BB22F0FBA56B}" type="datetimeFigureOut">
               <a:rPr lang="en-GB" smtClean="0"/>
-              <a:t>19/07/2020</a:t>
+              <a:t>26/07/2020</a:t>
             </a:fld>
             <a:endParaRPr lang="en-GB"/>
           </a:p>
@@ -2550,7 +2554,7 @@
           <a:p>
             <a:fld id="{1277814B-86DA-1A43-BEBE-BB22F0FBA56B}" type="datetimeFigureOut">
               <a:rPr lang="en-GB" smtClean="0"/>
-              <a:t>19/07/2020</a:t>
+              <a:t>26/07/2020</a:t>
             </a:fld>
             <a:endParaRPr lang="en-GB"/>
           </a:p>
@@ -2815,7 +2819,7 @@
           <a:p>
             <a:fld id="{1277814B-86DA-1A43-BEBE-BB22F0FBA56B}" type="datetimeFigureOut">
               <a:rPr lang="en-GB" smtClean="0"/>
-              <a:t>19/07/2020</a:t>
+              <a:t>26/07/2020</a:t>
             </a:fld>
             <a:endParaRPr lang="en-GB"/>
           </a:p>
@@ -3227,7 +3231,7 @@
           <a:p>
             <a:fld id="{1277814B-86DA-1A43-BEBE-BB22F0FBA56B}" type="datetimeFigureOut">
               <a:rPr lang="en-GB" smtClean="0"/>
-              <a:t>19/07/2020</a:t>
+              <a:t>26/07/2020</a:t>
             </a:fld>
             <a:endParaRPr lang="en-GB"/>
           </a:p>
@@ -3368,7 +3372,7 @@
           <a:p>
             <a:fld id="{1277814B-86DA-1A43-BEBE-BB22F0FBA56B}" type="datetimeFigureOut">
               <a:rPr lang="en-GB" smtClean="0"/>
-              <a:t>19/07/2020</a:t>
+              <a:t>26/07/2020</a:t>
             </a:fld>
             <a:endParaRPr lang="en-GB"/>
           </a:p>
@@ -3481,7 +3485,7 @@
           <a:p>
             <a:fld id="{1277814B-86DA-1A43-BEBE-BB22F0FBA56B}" type="datetimeFigureOut">
               <a:rPr lang="en-GB" smtClean="0"/>
-              <a:t>19/07/2020</a:t>
+              <a:t>26/07/2020</a:t>
             </a:fld>
             <a:endParaRPr lang="en-GB"/>
           </a:p>
@@ -3792,7 +3796,7 @@
           <a:p>
             <a:fld id="{1277814B-86DA-1A43-BEBE-BB22F0FBA56B}" type="datetimeFigureOut">
               <a:rPr lang="en-GB" smtClean="0"/>
-              <a:t>19/07/2020</a:t>
+              <a:t>26/07/2020</a:t>
             </a:fld>
             <a:endParaRPr lang="en-GB"/>
           </a:p>
@@ -4080,7 +4084,7 @@
           <a:p>
             <a:fld id="{1277814B-86DA-1A43-BEBE-BB22F0FBA56B}" type="datetimeFigureOut">
               <a:rPr lang="en-GB" smtClean="0"/>
-              <a:t>19/07/2020</a:t>
+              <a:t>26/07/2020</a:t>
             </a:fld>
             <a:endParaRPr lang="en-GB"/>
           </a:p>
@@ -4321,7 +4325,7 @@
           <a:p>
             <a:fld id="{1277814B-86DA-1A43-BEBE-BB22F0FBA56B}" type="datetimeFigureOut">
               <a:rPr lang="en-GB" smtClean="0"/>
-              <a:t>19/07/2020</a:t>
+              <a:t>26/07/2020</a:t>
             </a:fld>
             <a:endParaRPr lang="en-GB"/>
           </a:p>
@@ -50803,12 +50807,264 @@
           <a:chExt cx="0" cy="0"/>
         </a:xfrm>
       </p:grpSpPr>
-      <p:sp>
-        <p:nvSpPr>
-          <p:cNvPr id="8" name="Cloud 7">
-            <a:extLst>
-              <a:ext uri="{FF2B5EF4-FFF2-40B4-BE49-F238E27FC236}">
-                <a16:creationId xmlns:a16="http://schemas.microsoft.com/office/drawing/2014/main" id="{94F42F71-0F59-7847-8897-2C8409A6EB4E}"/>
+      <p:pic>
+        <p:nvPicPr>
+          <p:cNvPr id="4" name="Picture 2" descr="Icon for Peek,peep">
+            <a:extLst>
+              <a:ext uri="{FF2B5EF4-FFF2-40B4-BE49-F238E27FC236}">
+                <a16:creationId xmlns:a16="http://schemas.microsoft.com/office/drawing/2014/main" id="{3D6DBA4C-D077-BB4A-9470-618B708DE056}"/>
+              </a:ext>
+            </a:extLst>
+          </p:cNvPr>
+          <p:cNvPicPr>
+            <a:picLocks noChangeAspect="1" noChangeArrowheads="1"/>
+          </p:cNvPicPr>
+          <p:nvPr/>
+        </p:nvPicPr>
+        <p:blipFill>
+          <a:blip r:embed="rId2">
+            <a:extLst>
+              <a:ext uri="{28A0092B-C50C-407E-A947-70E740481C1C}">
+                <a14:useLocalDpi xmlns:a14="http://schemas.microsoft.com/office/drawing/2010/main" val="0"/>
+              </a:ext>
+            </a:extLst>
+          </a:blip>
+          <a:srcRect/>
+          <a:stretch>
+            <a:fillRect/>
+          </a:stretch>
+        </p:blipFill>
+        <p:spPr bwMode="auto">
+          <a:xfrm flipH="1">
+            <a:off x="6875484" y="822334"/>
+            <a:ext cx="1032013" cy="1032013"/>
+          </a:xfrm>
+          <a:prstGeom prst="rect">
+            <a:avLst/>
+          </a:prstGeom>
+          <a:noFill/>
+          <a:extLst>
+            <a:ext uri="{909E8E84-426E-40DD-AFC4-6F175D3DCCD1}">
+              <a14:hiddenFill xmlns:a14="http://schemas.microsoft.com/office/drawing/2010/main">
+                <a:solidFill>
+                  <a:srgbClr val="FFFFFF"/>
+                </a:solidFill>
+              </a14:hiddenFill>
+            </a:ext>
+          </a:extLst>
+        </p:spPr>
+      </p:pic>
+      <p:grpSp>
+        <p:nvGrpSpPr>
+          <p:cNvPr id="18" name="Group 17">
+            <a:extLst>
+              <a:ext uri="{FF2B5EF4-FFF2-40B4-BE49-F238E27FC236}">
+                <a16:creationId xmlns:a16="http://schemas.microsoft.com/office/drawing/2014/main" id="{BB515C3B-7222-6544-8B68-723315C3FECB}"/>
+              </a:ext>
+            </a:extLst>
+          </p:cNvPr>
+          <p:cNvGrpSpPr/>
+          <p:nvPr/>
+        </p:nvGrpSpPr>
+        <p:grpSpPr>
+          <a:xfrm>
+            <a:off x="5120616" y="2165441"/>
+            <a:ext cx="1337364" cy="2259689"/>
+            <a:chOff x="3715578" y="2300907"/>
+            <a:chExt cx="1337364" cy="2259689"/>
+          </a:xfrm>
+        </p:grpSpPr>
+        <p:sp>
+          <p:nvSpPr>
+            <p:cNvPr id="5" name="Rectangle 4">
+              <a:extLst>
+                <a:ext uri="{FF2B5EF4-FFF2-40B4-BE49-F238E27FC236}">
+                  <a16:creationId xmlns:a16="http://schemas.microsoft.com/office/drawing/2014/main" id="{FE88DF21-6CCB-4341-805F-7DA0F8C54850}"/>
+                </a:ext>
+              </a:extLst>
+            </p:cNvPr>
+            <p:cNvSpPr/>
+            <p:nvPr/>
+          </p:nvSpPr>
+          <p:spPr>
+            <a:xfrm rot="16200000">
+              <a:off x="3805581" y="3309729"/>
+              <a:ext cx="2256183" cy="238539"/>
+            </a:xfrm>
+            <a:prstGeom prst="rect">
+              <a:avLst/>
+            </a:prstGeom>
+          </p:spPr>
+          <p:style>
+            <a:lnRef idx="2">
+              <a:schemeClr val="accent1">
+                <a:shade val="50000"/>
+              </a:schemeClr>
+            </a:lnRef>
+            <a:fillRef idx="1">
+              <a:schemeClr val="accent1"/>
+            </a:fillRef>
+            <a:effectRef idx="0">
+              <a:schemeClr val="accent1"/>
+            </a:effectRef>
+            <a:fontRef idx="minor">
+              <a:schemeClr val="lt1"/>
+            </a:fontRef>
+          </p:style>
+          <p:txBody>
+            <a:bodyPr rtlCol="0" anchor="ctr"/>
+            <a:lstStyle/>
+            <a:p>
+              <a:pPr algn="ctr"/>
+              <a:endParaRPr lang="en-GB"/>
+            </a:p>
+          </p:txBody>
+        </p:sp>
+        <p:sp>
+          <p:nvSpPr>
+            <p:cNvPr id="6" name="Rectangle 5">
+              <a:extLst>
+                <a:ext uri="{FF2B5EF4-FFF2-40B4-BE49-F238E27FC236}">
+                  <a16:creationId xmlns:a16="http://schemas.microsoft.com/office/drawing/2014/main" id="{4350D0E4-D8B4-B94A-9D8A-2AEC3A1187D4}"/>
+                </a:ext>
+              </a:extLst>
+            </p:cNvPr>
+            <p:cNvSpPr/>
+            <p:nvPr/>
+          </p:nvSpPr>
+          <p:spPr>
+            <a:xfrm rot="16200000">
+              <a:off x="3439306" y="3313235"/>
+              <a:ext cx="2256183" cy="238539"/>
+            </a:xfrm>
+            <a:prstGeom prst="rect">
+              <a:avLst/>
+            </a:prstGeom>
+          </p:spPr>
+          <p:style>
+            <a:lnRef idx="2">
+              <a:schemeClr val="accent1">
+                <a:shade val="50000"/>
+              </a:schemeClr>
+            </a:lnRef>
+            <a:fillRef idx="1">
+              <a:schemeClr val="accent1"/>
+            </a:fillRef>
+            <a:effectRef idx="0">
+              <a:schemeClr val="accent1"/>
+            </a:effectRef>
+            <a:fontRef idx="minor">
+              <a:schemeClr val="lt1"/>
+            </a:fontRef>
+          </p:style>
+          <p:txBody>
+            <a:bodyPr rtlCol="0" anchor="ctr"/>
+            <a:lstStyle/>
+            <a:p>
+              <a:pPr algn="ctr"/>
+              <a:endParaRPr lang="en-GB"/>
+            </a:p>
+          </p:txBody>
+        </p:sp>
+        <p:sp>
+          <p:nvSpPr>
+            <p:cNvPr id="7" name="Rectangle 6">
+              <a:extLst>
+                <a:ext uri="{FF2B5EF4-FFF2-40B4-BE49-F238E27FC236}">
+                  <a16:creationId xmlns:a16="http://schemas.microsoft.com/office/drawing/2014/main" id="{89BA2572-E67C-0B4F-B3CD-86094B78DB14}"/>
+                </a:ext>
+              </a:extLst>
+            </p:cNvPr>
+            <p:cNvSpPr/>
+            <p:nvPr/>
+          </p:nvSpPr>
+          <p:spPr>
+            <a:xfrm rot="16200000">
+              <a:off x="3073031" y="3309730"/>
+              <a:ext cx="2256183" cy="238539"/>
+            </a:xfrm>
+            <a:prstGeom prst="rect">
+              <a:avLst/>
+            </a:prstGeom>
+          </p:spPr>
+          <p:style>
+            <a:lnRef idx="2">
+              <a:schemeClr val="accent1">
+                <a:shade val="50000"/>
+              </a:schemeClr>
+            </a:lnRef>
+            <a:fillRef idx="1">
+              <a:schemeClr val="accent1"/>
+            </a:fillRef>
+            <a:effectRef idx="0">
+              <a:schemeClr val="accent1"/>
+            </a:effectRef>
+            <a:fontRef idx="minor">
+              <a:schemeClr val="lt1"/>
+            </a:fontRef>
+          </p:style>
+          <p:txBody>
+            <a:bodyPr rtlCol="0" anchor="ctr"/>
+            <a:lstStyle/>
+            <a:p>
+              <a:pPr algn="ctr"/>
+              <a:endParaRPr lang="en-GB"/>
+            </a:p>
+          </p:txBody>
+        </p:sp>
+        <p:sp>
+          <p:nvSpPr>
+            <p:cNvPr id="8" name="Rectangle 7">
+              <a:extLst>
+                <a:ext uri="{FF2B5EF4-FFF2-40B4-BE49-F238E27FC236}">
+                  <a16:creationId xmlns:a16="http://schemas.microsoft.com/office/drawing/2014/main" id="{9900A55A-277D-E440-AA52-932A323E78D7}"/>
+                </a:ext>
+              </a:extLst>
+            </p:cNvPr>
+            <p:cNvSpPr/>
+            <p:nvPr/>
+          </p:nvSpPr>
+          <p:spPr>
+            <a:xfrm rot="16200000">
+              <a:off x="2706756" y="3309730"/>
+              <a:ext cx="2256183" cy="238539"/>
+            </a:xfrm>
+            <a:prstGeom prst="rect">
+              <a:avLst/>
+            </a:prstGeom>
+          </p:spPr>
+          <p:style>
+            <a:lnRef idx="2">
+              <a:schemeClr val="accent1">
+                <a:shade val="50000"/>
+              </a:schemeClr>
+            </a:lnRef>
+            <a:fillRef idx="1">
+              <a:schemeClr val="accent1"/>
+            </a:fillRef>
+            <a:effectRef idx="0">
+              <a:schemeClr val="accent1"/>
+            </a:effectRef>
+            <a:fontRef idx="minor">
+              <a:schemeClr val="lt1"/>
+            </a:fontRef>
+          </p:style>
+          <p:txBody>
+            <a:bodyPr rtlCol="0" anchor="ctr"/>
+            <a:lstStyle/>
+            <a:p>
+              <a:pPr algn="ctr"/>
+              <a:endParaRPr lang="en-GB"/>
+            </a:p>
+          </p:txBody>
+        </p:sp>
+      </p:grpSp>
+      <p:sp>
+        <p:nvSpPr>
+          <p:cNvPr id="9" name="Rectangle 8">
+            <a:extLst>
+              <a:ext uri="{FF2B5EF4-FFF2-40B4-BE49-F238E27FC236}">
+                <a16:creationId xmlns:a16="http://schemas.microsoft.com/office/drawing/2014/main" id="{251B39D3-C1E6-C94E-9105-4885328DF579}"/>
               </a:ext>
             </a:extLst>
           </p:cNvPr>
@@ -50816,11 +51072,11 @@
           <p:nvPr/>
         </p:nvSpPr>
         <p:spPr>
-          <a:xfrm>
-            <a:off x="4078835" y="168909"/>
-            <a:ext cx="2430049" cy="1828800"/>
-          </a:xfrm>
-          <a:prstGeom prst="cloud">
+          <a:xfrm rot="16200000">
+            <a:off x="2662278" y="3174263"/>
+            <a:ext cx="2256183" cy="238539"/>
+          </a:xfrm>
+          <a:prstGeom prst="rect">
             <a:avLst/>
           </a:prstGeom>
         </p:spPr>
@@ -50845,282 +51101,39 @@
           <a:lstStyle/>
           <a:p>
             <a:pPr algn="ctr"/>
-            <a:r>
-              <a:rPr lang="en-GB" dirty="0"/>
-              <a:t>Test Double</a:t>
-            </a:r>
-          </a:p>
-        </p:txBody>
-      </p:sp>
-      <p:sp>
-        <p:nvSpPr>
-          <p:cNvPr id="9" name="Rectangle 8">
-            <a:extLst>
-              <a:ext uri="{FF2B5EF4-FFF2-40B4-BE49-F238E27FC236}">
-                <a16:creationId xmlns:a16="http://schemas.microsoft.com/office/drawing/2014/main" id="{F6EE240D-D31C-1A4B-9685-1613792E46F0}"/>
-              </a:ext>
-            </a:extLst>
-          </p:cNvPr>
-          <p:cNvSpPr/>
-          <p:nvPr/>
-        </p:nvSpPr>
-        <p:spPr>
-          <a:xfrm>
-            <a:off x="1883229" y="2427515"/>
-            <a:ext cx="1919226" cy="723092"/>
-          </a:xfrm>
-          <a:prstGeom prst="rect">
-            <a:avLst/>
-          </a:prstGeom>
-        </p:spPr>
-        <p:style>
-          <a:lnRef idx="2">
-            <a:schemeClr val="accent1">
-              <a:shade val="50000"/>
-            </a:schemeClr>
-          </a:lnRef>
-          <a:fillRef idx="1">
-            <a:schemeClr val="accent1"/>
-          </a:fillRef>
-          <a:effectRef idx="0">
-            <a:schemeClr val="accent1"/>
-          </a:effectRef>
-          <a:fontRef idx="minor">
-            <a:schemeClr val="lt1"/>
-          </a:fontRef>
-        </p:style>
-        <p:txBody>
-          <a:bodyPr rtlCol="0" anchor="ctr"/>
-          <a:lstStyle/>
-          <a:p>
-            <a:pPr algn="ctr"/>
-            <a:r>
-              <a:rPr lang="en-GB" dirty="0"/>
-              <a:t>Dummy</a:t>
-            </a:r>
-          </a:p>
-        </p:txBody>
-      </p:sp>
-      <p:sp>
-        <p:nvSpPr>
-          <p:cNvPr id="10" name="Rectangle 9">
-            <a:extLst>
-              <a:ext uri="{FF2B5EF4-FFF2-40B4-BE49-F238E27FC236}">
-                <a16:creationId xmlns:a16="http://schemas.microsoft.com/office/drawing/2014/main" id="{1EE69F68-74C0-464F-8E30-0E2C5B2D4696}"/>
-              </a:ext>
-            </a:extLst>
-          </p:cNvPr>
-          <p:cNvSpPr/>
-          <p:nvPr/>
-        </p:nvSpPr>
-        <p:spPr>
-          <a:xfrm>
-            <a:off x="1883229" y="3429000"/>
-            <a:ext cx="1919226" cy="723092"/>
-          </a:xfrm>
-          <a:prstGeom prst="rect">
-            <a:avLst/>
-          </a:prstGeom>
-        </p:spPr>
-        <p:style>
-          <a:lnRef idx="2">
-            <a:schemeClr val="accent1">
-              <a:shade val="50000"/>
-            </a:schemeClr>
-          </a:lnRef>
-          <a:fillRef idx="1">
-            <a:schemeClr val="accent1"/>
-          </a:fillRef>
-          <a:effectRef idx="0">
-            <a:schemeClr val="accent1"/>
-          </a:effectRef>
-          <a:fontRef idx="minor">
-            <a:schemeClr val="lt1"/>
-          </a:fontRef>
-        </p:style>
-        <p:txBody>
-          <a:bodyPr rtlCol="0" anchor="ctr"/>
-          <a:lstStyle/>
-          <a:p>
-            <a:pPr algn="ctr"/>
-            <a:r>
-              <a:rPr lang="en-GB" dirty="0"/>
-              <a:t>Stub</a:t>
-            </a:r>
-          </a:p>
-        </p:txBody>
-      </p:sp>
-      <p:sp>
-        <p:nvSpPr>
-          <p:cNvPr id="11" name="Rectangle 10">
-            <a:extLst>
-              <a:ext uri="{FF2B5EF4-FFF2-40B4-BE49-F238E27FC236}">
-                <a16:creationId xmlns:a16="http://schemas.microsoft.com/office/drawing/2014/main" id="{B2E808FA-1944-2B4E-947D-628334D8C9F8}"/>
-              </a:ext>
-            </a:extLst>
-          </p:cNvPr>
-          <p:cNvSpPr/>
-          <p:nvPr/>
-        </p:nvSpPr>
-        <p:spPr>
-          <a:xfrm>
-            <a:off x="1883229" y="4430485"/>
-            <a:ext cx="1919226" cy="723092"/>
-          </a:xfrm>
-          <a:prstGeom prst="rect">
-            <a:avLst/>
-          </a:prstGeom>
-        </p:spPr>
-        <p:style>
-          <a:lnRef idx="2">
-            <a:schemeClr val="accent1">
-              <a:shade val="50000"/>
-            </a:schemeClr>
-          </a:lnRef>
-          <a:fillRef idx="1">
-            <a:schemeClr val="accent1"/>
-          </a:fillRef>
-          <a:effectRef idx="0">
-            <a:schemeClr val="accent1"/>
-          </a:effectRef>
-          <a:fontRef idx="minor">
-            <a:schemeClr val="lt1"/>
-          </a:fontRef>
-        </p:style>
-        <p:txBody>
-          <a:bodyPr rtlCol="0" anchor="ctr"/>
-          <a:lstStyle/>
-          <a:p>
-            <a:pPr algn="ctr"/>
-            <a:r>
-              <a:rPr lang="en-GB" dirty="0"/>
-              <a:t>Spy</a:t>
-            </a:r>
-          </a:p>
-        </p:txBody>
-      </p:sp>
-      <p:sp>
-        <p:nvSpPr>
-          <p:cNvPr id="12" name="Rectangle 11">
-            <a:extLst>
-              <a:ext uri="{FF2B5EF4-FFF2-40B4-BE49-F238E27FC236}">
-                <a16:creationId xmlns:a16="http://schemas.microsoft.com/office/drawing/2014/main" id="{34975D4E-A32E-9B46-B936-3CD4867661D0}"/>
-              </a:ext>
-            </a:extLst>
-          </p:cNvPr>
-          <p:cNvSpPr/>
-          <p:nvPr/>
-        </p:nvSpPr>
-        <p:spPr>
-          <a:xfrm>
-            <a:off x="1883229" y="5431970"/>
-            <a:ext cx="1919226" cy="723092"/>
-          </a:xfrm>
-          <a:prstGeom prst="rect">
-            <a:avLst/>
-          </a:prstGeom>
-        </p:spPr>
-        <p:style>
-          <a:lnRef idx="2">
-            <a:schemeClr val="accent1">
-              <a:shade val="50000"/>
-            </a:schemeClr>
-          </a:lnRef>
-          <a:fillRef idx="1">
-            <a:schemeClr val="accent1"/>
-          </a:fillRef>
-          <a:effectRef idx="0">
-            <a:schemeClr val="accent1"/>
-          </a:effectRef>
-          <a:fontRef idx="minor">
-            <a:schemeClr val="lt1"/>
-          </a:fontRef>
-        </p:style>
-        <p:txBody>
-          <a:bodyPr rtlCol="0" anchor="ctr"/>
-          <a:lstStyle/>
-          <a:p>
-            <a:pPr algn="ctr"/>
-            <a:r>
-              <a:rPr lang="en-GB" dirty="0"/>
-              <a:t>Mock</a:t>
-            </a:r>
-          </a:p>
-        </p:txBody>
-      </p:sp>
-      <p:sp>
-        <p:nvSpPr>
-          <p:cNvPr id="13" name="Rectangle 12">
-            <a:extLst>
-              <a:ext uri="{FF2B5EF4-FFF2-40B4-BE49-F238E27FC236}">
-                <a16:creationId xmlns:a16="http://schemas.microsoft.com/office/drawing/2014/main" id="{3B2A9E41-DB72-7D43-9CF8-F3213B9CC7B4}"/>
-              </a:ext>
-            </a:extLst>
-          </p:cNvPr>
-          <p:cNvSpPr/>
-          <p:nvPr/>
-        </p:nvSpPr>
-        <p:spPr>
-          <a:xfrm>
-            <a:off x="6788698" y="5431970"/>
-            <a:ext cx="1919226" cy="723092"/>
-          </a:xfrm>
-          <a:prstGeom prst="rect">
-            <a:avLst/>
-          </a:prstGeom>
-        </p:spPr>
-        <p:style>
-          <a:lnRef idx="2">
-            <a:schemeClr val="accent1">
-              <a:shade val="50000"/>
-            </a:schemeClr>
-          </a:lnRef>
-          <a:fillRef idx="1">
-            <a:schemeClr val="accent1"/>
-          </a:fillRef>
-          <a:effectRef idx="0">
-            <a:schemeClr val="accent1"/>
-          </a:effectRef>
-          <a:fontRef idx="minor">
-            <a:schemeClr val="lt1"/>
-          </a:fontRef>
-        </p:style>
-        <p:txBody>
-          <a:bodyPr rtlCol="0" anchor="ctr"/>
-          <a:lstStyle/>
-          <a:p>
-            <a:pPr algn="ctr"/>
-            <a:r>
-              <a:rPr lang="en-GB" dirty="0"/>
-              <a:t>Fake</a:t>
-            </a:r>
+            <a:endParaRPr lang="en-GB"/>
           </a:p>
         </p:txBody>
       </p:sp>
       <p:cxnSp>
         <p:nvCxnSpPr>
-          <p:cNvPr id="15" name="Straight Arrow Connector 14">
-            <a:extLst>
-              <a:ext uri="{FF2B5EF4-FFF2-40B4-BE49-F238E27FC236}">
-                <a16:creationId xmlns:a16="http://schemas.microsoft.com/office/drawing/2014/main" id="{6D0AA745-0DB1-2641-BAD8-9D0F53B759BF}"/>
+          <p:cNvPr id="11" name="Straight Arrow Connector 10">
+            <a:extLst>
+              <a:ext uri="{FF2B5EF4-FFF2-40B4-BE49-F238E27FC236}">
+                <a16:creationId xmlns:a16="http://schemas.microsoft.com/office/drawing/2014/main" id="{8744869F-390D-2545-B011-5A3D1349AD01}"/>
               </a:ext>
             </a:extLst>
           </p:cNvPr>
           <p:cNvCxnSpPr>
-            <a:stCxn id="12" idx="0"/>
-            <a:endCxn id="11" idx="2"/>
+            <a:cxnSpLocks/>
           </p:cNvCxnSpPr>
           <p:nvPr/>
         </p:nvCxnSpPr>
         <p:spPr>
-          <a:xfrm flipV="1">
-            <a:off x="2842842" y="5153577"/>
-            <a:ext cx="0" cy="278393"/>
+          <a:xfrm>
+            <a:off x="4006014" y="2753465"/>
+            <a:ext cx="985692" cy="0"/>
           </a:xfrm>
           <a:prstGeom prst="straightConnector1">
             <a:avLst/>
           </a:prstGeom>
-          <a:ln>
+          <a:ln w="12700">
+            <a:solidFill>
+              <a:schemeClr val="tx1">
+                <a:lumMod val="75000"/>
+                <a:lumOff val="25000"/>
+              </a:schemeClr>
+            </a:solidFill>
             <a:tailEnd type="triangle"/>
           </a:ln>
         </p:spPr>
@@ -51139,31 +51152,117 @@
           </a:fontRef>
         </p:style>
       </p:cxnSp>
+      <p:sp>
+        <p:nvSpPr>
+          <p:cNvPr id="12" name="Rectangle 11">
+            <a:extLst>
+              <a:ext uri="{FF2B5EF4-FFF2-40B4-BE49-F238E27FC236}">
+                <a16:creationId xmlns:a16="http://schemas.microsoft.com/office/drawing/2014/main" id="{59BEC0B2-0D87-2947-87F0-101D2690977D}"/>
+              </a:ext>
+            </a:extLst>
+          </p:cNvPr>
+          <p:cNvSpPr/>
+          <p:nvPr/>
+        </p:nvSpPr>
+        <p:spPr>
+          <a:xfrm rot="5400000">
+            <a:off x="6660136" y="3174263"/>
+            <a:ext cx="2256183" cy="238539"/>
+          </a:xfrm>
+          <a:prstGeom prst="rect">
+            <a:avLst/>
+          </a:prstGeom>
+        </p:spPr>
+        <p:style>
+          <a:lnRef idx="2">
+            <a:schemeClr val="accent1">
+              <a:shade val="50000"/>
+            </a:schemeClr>
+          </a:lnRef>
+          <a:fillRef idx="1">
+            <a:schemeClr val="accent1"/>
+          </a:fillRef>
+          <a:effectRef idx="0">
+            <a:schemeClr val="accent1"/>
+          </a:effectRef>
+          <a:fontRef idx="minor">
+            <a:schemeClr val="lt1"/>
+          </a:fontRef>
+        </p:style>
+        <p:txBody>
+          <a:bodyPr rtlCol="0" anchor="ctr"/>
+          <a:lstStyle/>
+          <a:p>
+            <a:pPr algn="ctr"/>
+            <a:endParaRPr lang="en-GB"/>
+          </a:p>
+        </p:txBody>
+      </p:sp>
+      <p:sp>
+        <p:nvSpPr>
+          <p:cNvPr id="13" name="TextBox 12">
+            <a:extLst>
+              <a:ext uri="{FF2B5EF4-FFF2-40B4-BE49-F238E27FC236}">
+                <a16:creationId xmlns:a16="http://schemas.microsoft.com/office/drawing/2014/main" id="{C554AB35-068E-364C-AA10-1148020FDD82}"/>
+              </a:ext>
+            </a:extLst>
+          </p:cNvPr>
+          <p:cNvSpPr txBox="1"/>
+          <p:nvPr/>
+        </p:nvSpPr>
+        <p:spPr>
+          <a:xfrm>
+            <a:off x="4733074" y="5136946"/>
+            <a:ext cx="2230162" cy="369332"/>
+          </a:xfrm>
+          <a:prstGeom prst="rect">
+            <a:avLst/>
+          </a:prstGeom>
+          <a:noFill/>
+        </p:spPr>
+        <p:txBody>
+          <a:bodyPr wrap="none" rtlCol="0">
+            <a:spAutoFit/>
+          </a:bodyPr>
+          <a:lstStyle/>
+          <a:p>
+            <a:r>
+              <a:rPr lang="en-GB" dirty="0"/>
+              <a:t>Queue Data Structure</a:t>
+            </a:r>
+          </a:p>
+        </p:txBody>
+      </p:sp>
       <p:cxnSp>
         <p:nvCxnSpPr>
-          <p:cNvPr id="16" name="Straight Arrow Connector 15">
-            <a:extLst>
-              <a:ext uri="{FF2B5EF4-FFF2-40B4-BE49-F238E27FC236}">
-                <a16:creationId xmlns:a16="http://schemas.microsoft.com/office/drawing/2014/main" id="{454CE2E0-6108-6647-8B20-0D2B2A8F3A95}"/>
+          <p:cNvPr id="14" name="Straight Arrow Connector 13">
+            <a:extLst>
+              <a:ext uri="{FF2B5EF4-FFF2-40B4-BE49-F238E27FC236}">
+                <a16:creationId xmlns:a16="http://schemas.microsoft.com/office/drawing/2014/main" id="{EE49D57F-15CF-AB43-B919-94D2AB670E0A}"/>
               </a:ext>
             </a:extLst>
           </p:cNvPr>
           <p:cNvCxnSpPr>
             <a:cxnSpLocks/>
-            <a:stCxn id="11" idx="0"/>
-            <a:endCxn id="10" idx="2"/>
           </p:cNvCxnSpPr>
           <p:nvPr/>
         </p:nvCxnSpPr>
         <p:spPr>
-          <a:xfrm flipV="1">
-            <a:off x="2842842" y="4152092"/>
-            <a:ext cx="0" cy="278393"/>
+          <a:xfrm flipH="1">
+            <a:off x="6570622" y="1365909"/>
+            <a:ext cx="548296" cy="734855"/>
           </a:xfrm>
           <a:prstGeom prst="straightConnector1">
             <a:avLst/>
           </a:prstGeom>
-          <a:ln>
+          <a:ln w="12700">
+            <a:solidFill>
+              <a:schemeClr val="tx1">
+                <a:lumMod val="75000"/>
+                <a:lumOff val="25000"/>
+              </a:schemeClr>
+            </a:solidFill>
+            <a:prstDash val="dash"/>
             <a:tailEnd type="triangle"/>
           </a:ln>
         </p:spPr>
@@ -51182,31 +51281,140 @@
           </a:fontRef>
         </p:style>
       </p:cxnSp>
+      <p:sp>
+        <p:nvSpPr>
+          <p:cNvPr id="15" name="TextBox 14">
+            <a:extLst>
+              <a:ext uri="{FF2B5EF4-FFF2-40B4-BE49-F238E27FC236}">
+                <a16:creationId xmlns:a16="http://schemas.microsoft.com/office/drawing/2014/main" id="{3568A436-9213-A749-8109-FD9E60F87C78}"/>
+              </a:ext>
+            </a:extLst>
+          </p:cNvPr>
+          <p:cNvSpPr txBox="1"/>
+          <p:nvPr/>
+        </p:nvSpPr>
+        <p:spPr>
+          <a:xfrm>
+            <a:off x="4006014" y="2252522"/>
+            <a:ext cx="1018227" cy="369332"/>
+          </a:xfrm>
+          <a:prstGeom prst="rect">
+            <a:avLst/>
+          </a:prstGeom>
+          <a:noFill/>
+        </p:spPr>
+        <p:txBody>
+          <a:bodyPr wrap="none" rtlCol="0">
+            <a:spAutoFit/>
+          </a:bodyPr>
+          <a:lstStyle/>
+          <a:p>
+            <a:r>
+              <a:rPr lang="en-GB" dirty="0"/>
+              <a:t>enqueue</a:t>
+            </a:r>
+          </a:p>
+        </p:txBody>
+      </p:sp>
+      <p:sp>
+        <p:nvSpPr>
+          <p:cNvPr id="16" name="TextBox 15">
+            <a:extLst>
+              <a:ext uri="{FF2B5EF4-FFF2-40B4-BE49-F238E27FC236}">
+                <a16:creationId xmlns:a16="http://schemas.microsoft.com/office/drawing/2014/main" id="{91B26C33-3261-E841-80EF-A660A06B518A}"/>
+              </a:ext>
+            </a:extLst>
+          </p:cNvPr>
+          <p:cNvSpPr txBox="1"/>
+          <p:nvPr/>
+        </p:nvSpPr>
+        <p:spPr>
+          <a:xfrm>
+            <a:off x="6554355" y="2252522"/>
+            <a:ext cx="1018227" cy="369332"/>
+          </a:xfrm>
+          <a:prstGeom prst="rect">
+            <a:avLst/>
+          </a:prstGeom>
+          <a:noFill/>
+        </p:spPr>
+        <p:txBody>
+          <a:bodyPr wrap="none" rtlCol="0">
+            <a:spAutoFit/>
+          </a:bodyPr>
+          <a:lstStyle/>
+          <a:p>
+            <a:r>
+              <a:rPr lang="en-GB" dirty="0"/>
+              <a:t>dequeue</a:t>
+            </a:r>
+          </a:p>
+        </p:txBody>
+      </p:sp>
+      <p:sp>
+        <p:nvSpPr>
+          <p:cNvPr id="17" name="TextBox 16">
+            <a:extLst>
+              <a:ext uri="{FF2B5EF4-FFF2-40B4-BE49-F238E27FC236}">
+                <a16:creationId xmlns:a16="http://schemas.microsoft.com/office/drawing/2014/main" id="{DA2BD4D7-F67D-D04F-82DF-AF6641A3289E}"/>
+              </a:ext>
+            </a:extLst>
+          </p:cNvPr>
+          <p:cNvSpPr txBox="1"/>
+          <p:nvPr/>
+        </p:nvSpPr>
+        <p:spPr>
+          <a:xfrm>
+            <a:off x="6321714" y="1376228"/>
+            <a:ext cx="641522" cy="369332"/>
+          </a:xfrm>
+          <a:prstGeom prst="rect">
+            <a:avLst/>
+          </a:prstGeom>
+          <a:noFill/>
+        </p:spPr>
+        <p:txBody>
+          <a:bodyPr wrap="none" rtlCol="0">
+            <a:spAutoFit/>
+          </a:bodyPr>
+          <a:lstStyle/>
+          <a:p>
+            <a:r>
+              <a:rPr lang="en-GB" dirty="0"/>
+              <a:t>peek</a:t>
+            </a:r>
+          </a:p>
+        </p:txBody>
+      </p:sp>
       <p:cxnSp>
         <p:nvCxnSpPr>
-          <p:cNvPr id="19" name="Straight Arrow Connector 18">
-            <a:extLst>
-              <a:ext uri="{FF2B5EF4-FFF2-40B4-BE49-F238E27FC236}">
-                <a16:creationId xmlns:a16="http://schemas.microsoft.com/office/drawing/2014/main" id="{E8EE70CC-8B5E-9A45-AA7C-8B8EA94D32CE}"/>
+          <p:cNvPr id="21" name="Straight Arrow Connector 20">
+            <a:extLst>
+              <a:ext uri="{FF2B5EF4-FFF2-40B4-BE49-F238E27FC236}">
+                <a16:creationId xmlns:a16="http://schemas.microsoft.com/office/drawing/2014/main" id="{208C7DE3-23C5-F54E-9596-56F7CE3802AA}"/>
               </a:ext>
             </a:extLst>
           </p:cNvPr>
           <p:cNvCxnSpPr>
             <a:cxnSpLocks/>
-            <a:stCxn id="10" idx="0"/>
-            <a:endCxn id="9" idx="2"/>
           </p:cNvCxnSpPr>
           <p:nvPr/>
         </p:nvCxnSpPr>
         <p:spPr>
-          <a:xfrm flipV="1">
-            <a:off x="2842842" y="3150607"/>
-            <a:ext cx="0" cy="278393"/>
+          <a:xfrm>
+            <a:off x="6570622" y="2753465"/>
+            <a:ext cx="985692" cy="0"/>
           </a:xfrm>
           <a:prstGeom prst="straightConnector1">
             <a:avLst/>
           </a:prstGeom>
-          <a:ln>
+          <a:ln w="12700">
+            <a:solidFill>
+              <a:schemeClr val="tx1">
+                <a:lumMod val="75000"/>
+                <a:lumOff val="25000"/>
+              </a:schemeClr>
+            </a:solidFill>
             <a:tailEnd type="triangle"/>
           </a:ln>
         </p:spPr>
@@ -51225,94 +51433,80 @@
           </a:fontRef>
         </p:style>
       </p:cxnSp>
-      <p:cxnSp>
-        <p:nvCxnSpPr>
-          <p:cNvPr id="27" name="Straight Arrow Connector 26">
-            <a:extLst>
-              <a:ext uri="{FF2B5EF4-FFF2-40B4-BE49-F238E27FC236}">
-                <a16:creationId xmlns:a16="http://schemas.microsoft.com/office/drawing/2014/main" id="{B6EA9434-C966-6F41-8997-484E1143C725}"/>
-              </a:ext>
-            </a:extLst>
-          </p:cNvPr>
-          <p:cNvCxnSpPr>
-            <a:cxnSpLocks/>
-            <a:stCxn id="9" idx="0"/>
-          </p:cNvCxnSpPr>
-          <p:nvPr/>
-        </p:nvCxnSpPr>
-        <p:spPr>
-          <a:xfrm flipV="1">
-            <a:off x="2842842" y="1575303"/>
-            <a:ext cx="1321752" cy="852212"/>
-          </a:xfrm>
-          <a:prstGeom prst="straightConnector1">
-            <a:avLst/>
-          </a:prstGeom>
-          <a:ln>
-            <a:tailEnd type="triangle"/>
-          </a:ln>
-        </p:spPr>
-        <p:style>
-          <a:lnRef idx="1">
-            <a:schemeClr val="accent1"/>
-          </a:lnRef>
-          <a:fillRef idx="0">
-            <a:schemeClr val="accent1"/>
-          </a:fillRef>
-          <a:effectRef idx="0">
-            <a:schemeClr val="accent1"/>
-          </a:effectRef>
-          <a:fontRef idx="minor">
-            <a:schemeClr val="tx1"/>
-          </a:fontRef>
-        </p:style>
-      </p:cxnSp>
-      <p:cxnSp>
-        <p:nvCxnSpPr>
-          <p:cNvPr id="30" name="Straight Arrow Connector 29">
-            <a:extLst>
-              <a:ext uri="{FF2B5EF4-FFF2-40B4-BE49-F238E27FC236}">
-                <a16:creationId xmlns:a16="http://schemas.microsoft.com/office/drawing/2014/main" id="{2985D851-C76D-1A4D-999B-2F2FAEAC8370}"/>
-              </a:ext>
-            </a:extLst>
-          </p:cNvPr>
-          <p:cNvCxnSpPr>
-            <a:cxnSpLocks/>
-            <a:stCxn id="13" idx="0"/>
-          </p:cNvCxnSpPr>
-          <p:nvPr/>
-        </p:nvCxnSpPr>
-        <p:spPr>
-          <a:xfrm flipH="1" flipV="1">
-            <a:off x="6096001" y="1710802"/>
-            <a:ext cx="1652310" cy="3721168"/>
-          </a:xfrm>
-          <a:prstGeom prst="straightConnector1">
-            <a:avLst/>
-          </a:prstGeom>
-          <a:ln>
-            <a:tailEnd type="triangle"/>
-          </a:ln>
-        </p:spPr>
-        <p:style>
-          <a:lnRef idx="1">
-            <a:schemeClr val="accent1"/>
-          </a:lnRef>
-          <a:fillRef idx="0">
-            <a:schemeClr val="accent1"/>
-          </a:fillRef>
-          <a:effectRef idx="0">
-            <a:schemeClr val="accent1"/>
-          </a:effectRef>
-          <a:fontRef idx="minor">
-            <a:schemeClr val="tx1"/>
-          </a:fontRef>
-        </p:style>
-      </p:cxnSp>
+      <p:sp>
+        <p:nvSpPr>
+          <p:cNvPr id="23" name="TextBox 22">
+            <a:extLst>
+              <a:ext uri="{FF2B5EF4-FFF2-40B4-BE49-F238E27FC236}">
+                <a16:creationId xmlns:a16="http://schemas.microsoft.com/office/drawing/2014/main" id="{D56AE2F8-F1C5-844E-857E-C560BF2FB6B3}"/>
+              </a:ext>
+            </a:extLst>
+          </p:cNvPr>
+          <p:cNvSpPr txBox="1"/>
+          <p:nvPr/>
+        </p:nvSpPr>
+        <p:spPr>
+          <a:xfrm>
+            <a:off x="6022058" y="4548052"/>
+            <a:ext cx="650114" cy="369332"/>
+          </a:xfrm>
+          <a:prstGeom prst="rect">
+            <a:avLst/>
+          </a:prstGeom>
+          <a:noFill/>
+        </p:spPr>
+        <p:txBody>
+          <a:bodyPr wrap="none" rtlCol="0">
+            <a:spAutoFit/>
+          </a:bodyPr>
+          <a:lstStyle/>
+          <a:p>
+            <a:r>
+              <a:rPr lang="en-GB" dirty="0"/>
+              <a:t>front</a:t>
+            </a:r>
+          </a:p>
+        </p:txBody>
+      </p:sp>
+      <p:sp>
+        <p:nvSpPr>
+          <p:cNvPr id="24" name="TextBox 23">
+            <a:extLst>
+              <a:ext uri="{FF2B5EF4-FFF2-40B4-BE49-F238E27FC236}">
+                <a16:creationId xmlns:a16="http://schemas.microsoft.com/office/drawing/2014/main" id="{E7ED064E-D672-1644-B4DF-C63BFEC9ADF3}"/>
+              </a:ext>
+            </a:extLst>
+          </p:cNvPr>
+          <p:cNvSpPr txBox="1"/>
+          <p:nvPr/>
+        </p:nvSpPr>
+        <p:spPr>
+          <a:xfrm>
+            <a:off x="4918613" y="4548052"/>
+            <a:ext cx="619080" cy="369332"/>
+          </a:xfrm>
+          <a:prstGeom prst="rect">
+            <a:avLst/>
+          </a:prstGeom>
+          <a:noFill/>
+        </p:spPr>
+        <p:txBody>
+          <a:bodyPr wrap="none" rtlCol="0">
+            <a:spAutoFit/>
+          </a:bodyPr>
+          <a:lstStyle/>
+          <a:p>
+            <a:r>
+              <a:rPr lang="en-GB" dirty="0"/>
+              <a:t>back</a:t>
+            </a:r>
+          </a:p>
+        </p:txBody>
+      </p:sp>
     </p:spTree>
     <p:extLst>
       <p:ext uri="{BB962C8B-B14F-4D97-AF65-F5344CB8AC3E}">
-        <p14:creationId xmlns:p14="http://schemas.microsoft.com/office/powerpoint/2010/main" val="1006745906"/>
+        <p14:creationId xmlns:p14="http://schemas.microsoft.com/office/powerpoint/2010/main" val="489428547"/>
       </p:ext>
     </p:extLst>
   </p:cSld>
@@ -51727,6 +51921,1045 @@
     <p:extLst>
       <p:ext uri="{BB962C8B-B14F-4D97-AF65-F5344CB8AC3E}">
         <p14:creationId xmlns:p14="http://schemas.microsoft.com/office/powerpoint/2010/main" val="1266499988"/>
+      </p:ext>
+    </p:extLst>
+  </p:cSld>
+  <p:clrMapOvr>
+    <a:masterClrMapping/>
+  </p:clrMapOvr>
+</p:sld>
+</file>
+
+<file path=ppt/slides/slide50.xml><?xml version="1.0" encoding="utf-8"?>
+<p:sld xmlns:a="http://schemas.openxmlformats.org/drawingml/2006/main" xmlns:r="http://schemas.openxmlformats.org/officeDocument/2006/relationships" xmlns:p="http://schemas.openxmlformats.org/presentationml/2006/main">
+  <p:cSld>
+    <p:spTree>
+      <p:nvGrpSpPr>
+        <p:cNvPr id="1" name=""/>
+        <p:cNvGrpSpPr/>
+        <p:nvPr/>
+      </p:nvGrpSpPr>
+      <p:grpSpPr>
+        <a:xfrm>
+          <a:off x="0" y="0"/>
+          <a:ext cx="0" cy="0"/>
+          <a:chOff x="0" y="0"/>
+          <a:chExt cx="0" cy="0"/>
+        </a:xfrm>
+      </p:grpSpPr>
+      <p:pic>
+        <p:nvPicPr>
+          <p:cNvPr id="1026" name="Picture 2" descr="Wait Line | Free Vectors, Stock Photos &amp; PSD">
+            <a:extLst>
+              <a:ext uri="{FF2B5EF4-FFF2-40B4-BE49-F238E27FC236}">
+                <a16:creationId xmlns:a16="http://schemas.microsoft.com/office/drawing/2014/main" id="{D017C45D-86B4-D146-9168-6D7A37113FDD}"/>
+              </a:ext>
+            </a:extLst>
+          </p:cNvPr>
+          <p:cNvPicPr>
+            <a:picLocks noChangeAspect="1" noChangeArrowheads="1"/>
+          </p:cNvPicPr>
+          <p:nvPr/>
+        </p:nvPicPr>
+        <p:blipFill>
+          <a:blip r:embed="rId2">
+            <a:extLst>
+              <a:ext uri="{28A0092B-C50C-407E-A947-70E740481C1C}">
+                <a14:useLocalDpi xmlns:a14="http://schemas.microsoft.com/office/drawing/2010/main" val="0"/>
+              </a:ext>
+            </a:extLst>
+          </a:blip>
+          <a:srcRect/>
+          <a:stretch>
+            <a:fillRect/>
+          </a:stretch>
+        </p:blipFill>
+        <p:spPr bwMode="auto">
+          <a:xfrm>
+            <a:off x="2764367" y="1801283"/>
+            <a:ext cx="7950200" cy="2781300"/>
+          </a:xfrm>
+          <a:prstGeom prst="rect">
+            <a:avLst/>
+          </a:prstGeom>
+          <a:noFill/>
+          <a:extLst>
+            <a:ext uri="{909E8E84-426E-40DD-AFC4-6F175D3DCCD1}">
+              <a14:hiddenFill xmlns:a14="http://schemas.microsoft.com/office/drawing/2010/main">
+                <a:solidFill>
+                  <a:srgbClr val="FFFFFF"/>
+                </a:solidFill>
+              </a14:hiddenFill>
+            </a:ext>
+          </a:extLst>
+        </p:spPr>
+      </p:pic>
+      <p:sp>
+        <p:nvSpPr>
+          <p:cNvPr id="5" name="TextBox 4">
+            <a:extLst>
+              <a:ext uri="{FF2B5EF4-FFF2-40B4-BE49-F238E27FC236}">
+                <a16:creationId xmlns:a16="http://schemas.microsoft.com/office/drawing/2014/main" id="{B376EA68-2988-884F-8D2C-AC53C3D0662E}"/>
+              </a:ext>
+            </a:extLst>
+          </p:cNvPr>
+          <p:cNvSpPr txBox="1"/>
+          <p:nvPr/>
+        </p:nvSpPr>
+        <p:spPr>
+          <a:xfrm>
+            <a:off x="8329957" y="1949023"/>
+            <a:ext cx="1946943" cy="369332"/>
+          </a:xfrm>
+          <a:prstGeom prst="rect">
+            <a:avLst/>
+          </a:prstGeom>
+          <a:noFill/>
+        </p:spPr>
+        <p:txBody>
+          <a:bodyPr wrap="none" rtlCol="0">
+            <a:spAutoFit/>
+          </a:bodyPr>
+          <a:lstStyle/>
+          <a:p>
+            <a:r>
+              <a:rPr lang="en-GB" dirty="0"/>
+              <a:t>Front of the queue</a:t>
+            </a:r>
+          </a:p>
+        </p:txBody>
+      </p:sp>
+      <p:sp>
+        <p:nvSpPr>
+          <p:cNvPr id="6" name="TextBox 5">
+            <a:extLst>
+              <a:ext uri="{FF2B5EF4-FFF2-40B4-BE49-F238E27FC236}">
+                <a16:creationId xmlns:a16="http://schemas.microsoft.com/office/drawing/2014/main" id="{38720CF5-F568-A04B-9DFB-C7DB83B0FE40}"/>
+              </a:ext>
+            </a:extLst>
+          </p:cNvPr>
+          <p:cNvSpPr txBox="1"/>
+          <p:nvPr/>
+        </p:nvSpPr>
+        <p:spPr>
+          <a:xfrm>
+            <a:off x="2121868" y="1911273"/>
+            <a:ext cx="1883849" cy="369332"/>
+          </a:xfrm>
+          <a:prstGeom prst="rect">
+            <a:avLst/>
+          </a:prstGeom>
+          <a:noFill/>
+        </p:spPr>
+        <p:txBody>
+          <a:bodyPr wrap="none" rtlCol="0">
+            <a:spAutoFit/>
+          </a:bodyPr>
+          <a:lstStyle/>
+          <a:p>
+            <a:r>
+              <a:rPr lang="en-GB" dirty="0"/>
+              <a:t>Back of the queue</a:t>
+            </a:r>
+          </a:p>
+        </p:txBody>
+      </p:sp>
+      <p:sp>
+        <p:nvSpPr>
+          <p:cNvPr id="7" name="TextBox 6">
+            <a:extLst>
+              <a:ext uri="{FF2B5EF4-FFF2-40B4-BE49-F238E27FC236}">
+                <a16:creationId xmlns:a16="http://schemas.microsoft.com/office/drawing/2014/main" id="{B805A95E-E427-C54C-98E2-8534064F9318}"/>
+              </a:ext>
+            </a:extLst>
+          </p:cNvPr>
+          <p:cNvSpPr txBox="1"/>
+          <p:nvPr/>
+        </p:nvSpPr>
+        <p:spPr>
+          <a:xfrm>
+            <a:off x="913141" y="4542616"/>
+            <a:ext cx="1851226" cy="923330"/>
+          </a:xfrm>
+          <a:prstGeom prst="rect">
+            <a:avLst/>
+          </a:prstGeom>
+          <a:noFill/>
+        </p:spPr>
+        <p:txBody>
+          <a:bodyPr wrap="square" rtlCol="0">
+            <a:spAutoFit/>
+          </a:bodyPr>
+          <a:lstStyle/>
+          <a:p>
+            <a:r>
+              <a:rPr lang="en-GB" dirty="0"/>
+              <a:t>People will join the queue at this end (enqueue)</a:t>
+            </a:r>
+          </a:p>
+        </p:txBody>
+      </p:sp>
+      <p:sp>
+        <p:nvSpPr>
+          <p:cNvPr id="8" name="TextBox 7">
+            <a:extLst>
+              <a:ext uri="{FF2B5EF4-FFF2-40B4-BE49-F238E27FC236}">
+                <a16:creationId xmlns:a16="http://schemas.microsoft.com/office/drawing/2014/main" id="{AB7FEAA1-F353-C844-AB0D-440531F4B30C}"/>
+              </a:ext>
+            </a:extLst>
+          </p:cNvPr>
+          <p:cNvSpPr txBox="1"/>
+          <p:nvPr/>
+        </p:nvSpPr>
+        <p:spPr>
+          <a:xfrm>
+            <a:off x="8013700" y="4652656"/>
+            <a:ext cx="2827869" cy="1200329"/>
+          </a:xfrm>
+          <a:prstGeom prst="rect">
+            <a:avLst/>
+          </a:prstGeom>
+          <a:noFill/>
+        </p:spPr>
+        <p:txBody>
+          <a:bodyPr wrap="square" rtlCol="0">
+            <a:spAutoFit/>
+          </a:bodyPr>
+          <a:lstStyle/>
+          <a:p>
+            <a:r>
+              <a:rPr lang="en-GB" dirty="0"/>
+              <a:t>Once ready, thee next in line will move forward, leaves the queue (dequeue) and uses the ATM</a:t>
+            </a:r>
+          </a:p>
+        </p:txBody>
+      </p:sp>
+      <p:sp>
+        <p:nvSpPr>
+          <p:cNvPr id="4" name="Arc 3">
+            <a:extLst>
+              <a:ext uri="{FF2B5EF4-FFF2-40B4-BE49-F238E27FC236}">
+                <a16:creationId xmlns:a16="http://schemas.microsoft.com/office/drawing/2014/main" id="{72E6697B-971C-D541-8A13-41A496E39664}"/>
+              </a:ext>
+            </a:extLst>
+          </p:cNvPr>
+          <p:cNvSpPr/>
+          <p:nvPr/>
+        </p:nvSpPr>
+        <p:spPr>
+          <a:xfrm>
+            <a:off x="1549400" y="3395133"/>
+            <a:ext cx="2582333" cy="2178015"/>
+          </a:xfrm>
+          <a:prstGeom prst="arc">
+            <a:avLst>
+              <a:gd name="adj1" fmla="val 10785797"/>
+              <a:gd name="adj2" fmla="val 16150044"/>
+            </a:avLst>
+          </a:prstGeom>
+          <a:ln w="12700">
+            <a:solidFill>
+              <a:schemeClr val="tx1">
+                <a:lumMod val="75000"/>
+                <a:lumOff val="25000"/>
+              </a:schemeClr>
+            </a:solidFill>
+            <a:headEnd type="none" w="med" len="med"/>
+            <a:tailEnd type="triangle" w="med" len="med"/>
+          </a:ln>
+        </p:spPr>
+        <p:style>
+          <a:lnRef idx="1">
+            <a:schemeClr val="accent1"/>
+          </a:lnRef>
+          <a:fillRef idx="0">
+            <a:schemeClr val="accent1"/>
+          </a:fillRef>
+          <a:effectRef idx="0">
+            <a:schemeClr val="accent1"/>
+          </a:effectRef>
+          <a:fontRef idx="minor">
+            <a:schemeClr val="tx1"/>
+          </a:fontRef>
+        </p:style>
+        <p:txBody>
+          <a:bodyPr rtlCol="0" anchor="ctr"/>
+          <a:lstStyle/>
+          <a:p>
+            <a:pPr algn="ctr"/>
+            <a:endParaRPr lang="en-GB"/>
+          </a:p>
+        </p:txBody>
+      </p:sp>
+      <p:cxnSp>
+        <p:nvCxnSpPr>
+          <p:cNvPr id="10" name="Straight Arrow Connector 9">
+            <a:extLst>
+              <a:ext uri="{FF2B5EF4-FFF2-40B4-BE49-F238E27FC236}">
+                <a16:creationId xmlns:a16="http://schemas.microsoft.com/office/drawing/2014/main" id="{AB331D9A-6BD0-A246-AD96-A569A99A56CD}"/>
+              </a:ext>
+            </a:extLst>
+          </p:cNvPr>
+          <p:cNvCxnSpPr>
+            <a:cxnSpLocks/>
+            <a:stCxn id="6" idx="2"/>
+          </p:cNvCxnSpPr>
+          <p:nvPr/>
+        </p:nvCxnSpPr>
+        <p:spPr>
+          <a:xfrm>
+            <a:off x="3063793" y="2280605"/>
+            <a:ext cx="132782" cy="437195"/>
+          </a:xfrm>
+          <a:prstGeom prst="straightConnector1">
+            <a:avLst/>
+          </a:prstGeom>
+          <a:ln w="12700">
+            <a:solidFill>
+              <a:schemeClr val="tx1">
+                <a:lumMod val="75000"/>
+                <a:lumOff val="25000"/>
+              </a:schemeClr>
+            </a:solidFill>
+            <a:tailEnd type="triangle"/>
+          </a:ln>
+        </p:spPr>
+        <p:style>
+          <a:lnRef idx="1">
+            <a:schemeClr val="accent1"/>
+          </a:lnRef>
+          <a:fillRef idx="0">
+            <a:schemeClr val="accent1"/>
+          </a:fillRef>
+          <a:effectRef idx="0">
+            <a:schemeClr val="accent1"/>
+          </a:effectRef>
+          <a:fontRef idx="minor">
+            <a:schemeClr val="tx1"/>
+          </a:fontRef>
+        </p:style>
+      </p:cxnSp>
+      <p:cxnSp>
+        <p:nvCxnSpPr>
+          <p:cNvPr id="13" name="Straight Arrow Connector 12">
+            <a:extLst>
+              <a:ext uri="{FF2B5EF4-FFF2-40B4-BE49-F238E27FC236}">
+                <a16:creationId xmlns:a16="http://schemas.microsoft.com/office/drawing/2014/main" id="{2A5D1C5C-952F-3149-8167-DCE39016C5A6}"/>
+              </a:ext>
+            </a:extLst>
+          </p:cNvPr>
+          <p:cNvCxnSpPr>
+            <a:cxnSpLocks/>
+          </p:cNvCxnSpPr>
+          <p:nvPr/>
+        </p:nvCxnSpPr>
+        <p:spPr>
+          <a:xfrm flipH="1">
+            <a:off x="9144000" y="2407045"/>
+            <a:ext cx="159429" cy="513636"/>
+          </a:xfrm>
+          <a:prstGeom prst="straightConnector1">
+            <a:avLst/>
+          </a:prstGeom>
+          <a:ln w="12700">
+            <a:solidFill>
+              <a:schemeClr val="tx1">
+                <a:lumMod val="75000"/>
+                <a:lumOff val="25000"/>
+              </a:schemeClr>
+            </a:solidFill>
+            <a:tailEnd type="triangle"/>
+          </a:ln>
+        </p:spPr>
+        <p:style>
+          <a:lnRef idx="1">
+            <a:schemeClr val="accent1"/>
+          </a:lnRef>
+          <a:fillRef idx="0">
+            <a:schemeClr val="accent1"/>
+          </a:fillRef>
+          <a:effectRef idx="0">
+            <a:schemeClr val="accent1"/>
+          </a:effectRef>
+          <a:fontRef idx="minor">
+            <a:schemeClr val="tx1"/>
+          </a:fontRef>
+        </p:style>
+      </p:cxnSp>
+      <p:cxnSp>
+        <p:nvCxnSpPr>
+          <p:cNvPr id="16" name="Straight Arrow Connector 15">
+            <a:extLst>
+              <a:ext uri="{FF2B5EF4-FFF2-40B4-BE49-F238E27FC236}">
+                <a16:creationId xmlns:a16="http://schemas.microsoft.com/office/drawing/2014/main" id="{6D5D968D-9710-5C43-9F43-43E9860D4C17}"/>
+              </a:ext>
+            </a:extLst>
+          </p:cNvPr>
+          <p:cNvCxnSpPr>
+            <a:cxnSpLocks/>
+          </p:cNvCxnSpPr>
+          <p:nvPr/>
+        </p:nvCxnSpPr>
+        <p:spPr>
+          <a:xfrm>
+            <a:off x="9144000" y="4542616"/>
+            <a:ext cx="584200" cy="0"/>
+          </a:xfrm>
+          <a:prstGeom prst="straightConnector1">
+            <a:avLst/>
+          </a:prstGeom>
+          <a:ln w="12700">
+            <a:solidFill>
+              <a:schemeClr val="tx1">
+                <a:lumMod val="75000"/>
+                <a:lumOff val="25000"/>
+              </a:schemeClr>
+            </a:solidFill>
+            <a:tailEnd type="triangle"/>
+          </a:ln>
+        </p:spPr>
+        <p:style>
+          <a:lnRef idx="1">
+            <a:schemeClr val="accent1"/>
+          </a:lnRef>
+          <a:fillRef idx="0">
+            <a:schemeClr val="accent1"/>
+          </a:fillRef>
+          <a:effectRef idx="0">
+            <a:schemeClr val="accent1"/>
+          </a:effectRef>
+          <a:fontRef idx="minor">
+            <a:schemeClr val="tx1"/>
+          </a:fontRef>
+        </p:style>
+      </p:cxnSp>
+      <p:sp>
+        <p:nvSpPr>
+          <p:cNvPr id="21" name="Left Bracket 20">
+            <a:extLst>
+              <a:ext uri="{FF2B5EF4-FFF2-40B4-BE49-F238E27FC236}">
+                <a16:creationId xmlns:a16="http://schemas.microsoft.com/office/drawing/2014/main" id="{E8FC6582-A526-E04C-9858-FD68208E9B1D}"/>
+              </a:ext>
+            </a:extLst>
+          </p:cNvPr>
+          <p:cNvSpPr/>
+          <p:nvPr/>
+        </p:nvSpPr>
+        <p:spPr>
+          <a:xfrm rot="16200000">
+            <a:off x="6090572" y="1108211"/>
+            <a:ext cx="116691" cy="6396569"/>
+          </a:xfrm>
+          <a:prstGeom prst="leftBracket">
+            <a:avLst/>
+          </a:prstGeom>
+          <a:ln w="12700">
+            <a:solidFill>
+              <a:schemeClr val="tx1">
+                <a:lumMod val="75000"/>
+                <a:lumOff val="25000"/>
+              </a:schemeClr>
+            </a:solidFill>
+          </a:ln>
+        </p:spPr>
+        <p:style>
+          <a:lnRef idx="1">
+            <a:schemeClr val="accent1"/>
+          </a:lnRef>
+          <a:fillRef idx="0">
+            <a:schemeClr val="accent1"/>
+          </a:fillRef>
+          <a:effectRef idx="0">
+            <a:schemeClr val="accent1"/>
+          </a:effectRef>
+          <a:fontRef idx="minor">
+            <a:schemeClr val="tx1"/>
+          </a:fontRef>
+        </p:style>
+        <p:txBody>
+          <a:bodyPr rtlCol="0" anchor="ctr"/>
+          <a:lstStyle/>
+          <a:p>
+            <a:pPr algn="ctr"/>
+            <a:endParaRPr lang="en-GB"/>
+          </a:p>
+        </p:txBody>
+      </p:sp>
+      <p:sp>
+        <p:nvSpPr>
+          <p:cNvPr id="22" name="TextBox 21">
+            <a:extLst>
+              <a:ext uri="{FF2B5EF4-FFF2-40B4-BE49-F238E27FC236}">
+                <a16:creationId xmlns:a16="http://schemas.microsoft.com/office/drawing/2014/main" id="{16A4F9EB-6E6D-DD4C-8B15-31B3DC79707B}"/>
+              </a:ext>
+            </a:extLst>
+          </p:cNvPr>
+          <p:cNvSpPr txBox="1"/>
+          <p:nvPr/>
+        </p:nvSpPr>
+        <p:spPr>
+          <a:xfrm>
+            <a:off x="4334935" y="4436222"/>
+            <a:ext cx="2479750" cy="646331"/>
+          </a:xfrm>
+          <a:prstGeom prst="rect">
+            <a:avLst/>
+          </a:prstGeom>
+          <a:noFill/>
+        </p:spPr>
+        <p:txBody>
+          <a:bodyPr wrap="square" rtlCol="0">
+            <a:spAutoFit/>
+          </a:bodyPr>
+          <a:lstStyle/>
+          <a:p>
+            <a:r>
+              <a:rPr lang="en-GB" dirty="0"/>
+              <a:t>Queue of people waiting in line for the ATM</a:t>
+            </a:r>
+          </a:p>
+        </p:txBody>
+      </p:sp>
+    </p:spTree>
+    <p:extLst>
+      <p:ext uri="{BB962C8B-B14F-4D97-AF65-F5344CB8AC3E}">
+        <p14:creationId xmlns:p14="http://schemas.microsoft.com/office/powerpoint/2010/main" val="3878059648"/>
+      </p:ext>
+    </p:extLst>
+  </p:cSld>
+  <p:clrMapOvr>
+    <a:masterClrMapping/>
+  </p:clrMapOvr>
+</p:sld>
+</file>
+
+<file path=ppt/slides/slide51.xml><?xml version="1.0" encoding="utf-8"?>
+<p:sld xmlns:a="http://schemas.openxmlformats.org/drawingml/2006/main" xmlns:r="http://schemas.openxmlformats.org/officeDocument/2006/relationships" xmlns:p="http://schemas.openxmlformats.org/presentationml/2006/main">
+  <p:cSld>
+    <p:spTree>
+      <p:nvGrpSpPr>
+        <p:cNvPr id="1" name=""/>
+        <p:cNvGrpSpPr/>
+        <p:nvPr/>
+      </p:nvGrpSpPr>
+      <p:grpSpPr>
+        <a:xfrm>
+          <a:off x="0" y="0"/>
+          <a:ext cx="0" cy="0"/>
+          <a:chOff x="0" y="0"/>
+          <a:chExt cx="0" cy="0"/>
+        </a:xfrm>
+      </p:grpSpPr>
+      <p:sp>
+        <p:nvSpPr>
+          <p:cNvPr id="8" name="Cloud 7">
+            <a:extLst>
+              <a:ext uri="{FF2B5EF4-FFF2-40B4-BE49-F238E27FC236}">
+                <a16:creationId xmlns:a16="http://schemas.microsoft.com/office/drawing/2014/main" id="{94F42F71-0F59-7847-8897-2C8409A6EB4E}"/>
+              </a:ext>
+            </a:extLst>
+          </p:cNvPr>
+          <p:cNvSpPr/>
+          <p:nvPr/>
+        </p:nvSpPr>
+        <p:spPr>
+          <a:xfrm>
+            <a:off x="4078835" y="168909"/>
+            <a:ext cx="2430049" cy="1828800"/>
+          </a:xfrm>
+          <a:prstGeom prst="cloud">
+            <a:avLst/>
+          </a:prstGeom>
+        </p:spPr>
+        <p:style>
+          <a:lnRef idx="2">
+            <a:schemeClr val="accent1">
+              <a:shade val="50000"/>
+            </a:schemeClr>
+          </a:lnRef>
+          <a:fillRef idx="1">
+            <a:schemeClr val="accent1"/>
+          </a:fillRef>
+          <a:effectRef idx="0">
+            <a:schemeClr val="accent1"/>
+          </a:effectRef>
+          <a:fontRef idx="minor">
+            <a:schemeClr val="lt1"/>
+          </a:fontRef>
+        </p:style>
+        <p:txBody>
+          <a:bodyPr rtlCol="0" anchor="ctr"/>
+          <a:lstStyle/>
+          <a:p>
+            <a:pPr algn="ctr"/>
+            <a:r>
+              <a:rPr lang="en-GB" dirty="0"/>
+              <a:t>Test Double</a:t>
+            </a:r>
+          </a:p>
+        </p:txBody>
+      </p:sp>
+      <p:sp>
+        <p:nvSpPr>
+          <p:cNvPr id="9" name="Rectangle 8">
+            <a:extLst>
+              <a:ext uri="{FF2B5EF4-FFF2-40B4-BE49-F238E27FC236}">
+                <a16:creationId xmlns:a16="http://schemas.microsoft.com/office/drawing/2014/main" id="{F6EE240D-D31C-1A4B-9685-1613792E46F0}"/>
+              </a:ext>
+            </a:extLst>
+          </p:cNvPr>
+          <p:cNvSpPr/>
+          <p:nvPr/>
+        </p:nvSpPr>
+        <p:spPr>
+          <a:xfrm>
+            <a:off x="1883229" y="2427515"/>
+            <a:ext cx="1919226" cy="723092"/>
+          </a:xfrm>
+          <a:prstGeom prst="rect">
+            <a:avLst/>
+          </a:prstGeom>
+        </p:spPr>
+        <p:style>
+          <a:lnRef idx="2">
+            <a:schemeClr val="accent1">
+              <a:shade val="50000"/>
+            </a:schemeClr>
+          </a:lnRef>
+          <a:fillRef idx="1">
+            <a:schemeClr val="accent1"/>
+          </a:fillRef>
+          <a:effectRef idx="0">
+            <a:schemeClr val="accent1"/>
+          </a:effectRef>
+          <a:fontRef idx="minor">
+            <a:schemeClr val="lt1"/>
+          </a:fontRef>
+        </p:style>
+        <p:txBody>
+          <a:bodyPr rtlCol="0" anchor="ctr"/>
+          <a:lstStyle/>
+          <a:p>
+            <a:pPr algn="ctr"/>
+            <a:r>
+              <a:rPr lang="en-GB" dirty="0"/>
+              <a:t>Dummy</a:t>
+            </a:r>
+          </a:p>
+        </p:txBody>
+      </p:sp>
+      <p:sp>
+        <p:nvSpPr>
+          <p:cNvPr id="10" name="Rectangle 9">
+            <a:extLst>
+              <a:ext uri="{FF2B5EF4-FFF2-40B4-BE49-F238E27FC236}">
+                <a16:creationId xmlns:a16="http://schemas.microsoft.com/office/drawing/2014/main" id="{1EE69F68-74C0-464F-8E30-0E2C5B2D4696}"/>
+              </a:ext>
+            </a:extLst>
+          </p:cNvPr>
+          <p:cNvSpPr/>
+          <p:nvPr/>
+        </p:nvSpPr>
+        <p:spPr>
+          <a:xfrm>
+            <a:off x="1883229" y="3429000"/>
+            <a:ext cx="1919226" cy="723092"/>
+          </a:xfrm>
+          <a:prstGeom prst="rect">
+            <a:avLst/>
+          </a:prstGeom>
+        </p:spPr>
+        <p:style>
+          <a:lnRef idx="2">
+            <a:schemeClr val="accent1">
+              <a:shade val="50000"/>
+            </a:schemeClr>
+          </a:lnRef>
+          <a:fillRef idx="1">
+            <a:schemeClr val="accent1"/>
+          </a:fillRef>
+          <a:effectRef idx="0">
+            <a:schemeClr val="accent1"/>
+          </a:effectRef>
+          <a:fontRef idx="minor">
+            <a:schemeClr val="lt1"/>
+          </a:fontRef>
+        </p:style>
+        <p:txBody>
+          <a:bodyPr rtlCol="0" anchor="ctr"/>
+          <a:lstStyle/>
+          <a:p>
+            <a:pPr algn="ctr"/>
+            <a:r>
+              <a:rPr lang="en-GB" dirty="0"/>
+              <a:t>Stub</a:t>
+            </a:r>
+          </a:p>
+        </p:txBody>
+      </p:sp>
+      <p:sp>
+        <p:nvSpPr>
+          <p:cNvPr id="11" name="Rectangle 10">
+            <a:extLst>
+              <a:ext uri="{FF2B5EF4-FFF2-40B4-BE49-F238E27FC236}">
+                <a16:creationId xmlns:a16="http://schemas.microsoft.com/office/drawing/2014/main" id="{B2E808FA-1944-2B4E-947D-628334D8C9F8}"/>
+              </a:ext>
+            </a:extLst>
+          </p:cNvPr>
+          <p:cNvSpPr/>
+          <p:nvPr/>
+        </p:nvSpPr>
+        <p:spPr>
+          <a:xfrm>
+            <a:off x="1883229" y="4430485"/>
+            <a:ext cx="1919226" cy="723092"/>
+          </a:xfrm>
+          <a:prstGeom prst="rect">
+            <a:avLst/>
+          </a:prstGeom>
+        </p:spPr>
+        <p:style>
+          <a:lnRef idx="2">
+            <a:schemeClr val="accent1">
+              <a:shade val="50000"/>
+            </a:schemeClr>
+          </a:lnRef>
+          <a:fillRef idx="1">
+            <a:schemeClr val="accent1"/>
+          </a:fillRef>
+          <a:effectRef idx="0">
+            <a:schemeClr val="accent1"/>
+          </a:effectRef>
+          <a:fontRef idx="minor">
+            <a:schemeClr val="lt1"/>
+          </a:fontRef>
+        </p:style>
+        <p:txBody>
+          <a:bodyPr rtlCol="0" anchor="ctr"/>
+          <a:lstStyle/>
+          <a:p>
+            <a:pPr algn="ctr"/>
+            <a:r>
+              <a:rPr lang="en-GB" dirty="0"/>
+              <a:t>Spy</a:t>
+            </a:r>
+          </a:p>
+        </p:txBody>
+      </p:sp>
+      <p:sp>
+        <p:nvSpPr>
+          <p:cNvPr id="12" name="Rectangle 11">
+            <a:extLst>
+              <a:ext uri="{FF2B5EF4-FFF2-40B4-BE49-F238E27FC236}">
+                <a16:creationId xmlns:a16="http://schemas.microsoft.com/office/drawing/2014/main" id="{34975D4E-A32E-9B46-B936-3CD4867661D0}"/>
+              </a:ext>
+            </a:extLst>
+          </p:cNvPr>
+          <p:cNvSpPr/>
+          <p:nvPr/>
+        </p:nvSpPr>
+        <p:spPr>
+          <a:xfrm>
+            <a:off x="1883229" y="5431970"/>
+            <a:ext cx="1919226" cy="723092"/>
+          </a:xfrm>
+          <a:prstGeom prst="rect">
+            <a:avLst/>
+          </a:prstGeom>
+        </p:spPr>
+        <p:style>
+          <a:lnRef idx="2">
+            <a:schemeClr val="accent1">
+              <a:shade val="50000"/>
+            </a:schemeClr>
+          </a:lnRef>
+          <a:fillRef idx="1">
+            <a:schemeClr val="accent1"/>
+          </a:fillRef>
+          <a:effectRef idx="0">
+            <a:schemeClr val="accent1"/>
+          </a:effectRef>
+          <a:fontRef idx="minor">
+            <a:schemeClr val="lt1"/>
+          </a:fontRef>
+        </p:style>
+        <p:txBody>
+          <a:bodyPr rtlCol="0" anchor="ctr"/>
+          <a:lstStyle/>
+          <a:p>
+            <a:pPr algn="ctr"/>
+            <a:r>
+              <a:rPr lang="en-GB" dirty="0"/>
+              <a:t>Mock</a:t>
+            </a:r>
+          </a:p>
+        </p:txBody>
+      </p:sp>
+      <p:sp>
+        <p:nvSpPr>
+          <p:cNvPr id="13" name="Rectangle 12">
+            <a:extLst>
+              <a:ext uri="{FF2B5EF4-FFF2-40B4-BE49-F238E27FC236}">
+                <a16:creationId xmlns:a16="http://schemas.microsoft.com/office/drawing/2014/main" id="{3B2A9E41-DB72-7D43-9CF8-F3213B9CC7B4}"/>
+              </a:ext>
+            </a:extLst>
+          </p:cNvPr>
+          <p:cNvSpPr/>
+          <p:nvPr/>
+        </p:nvSpPr>
+        <p:spPr>
+          <a:xfrm>
+            <a:off x="6788698" y="5431970"/>
+            <a:ext cx="1919226" cy="723092"/>
+          </a:xfrm>
+          <a:prstGeom prst="rect">
+            <a:avLst/>
+          </a:prstGeom>
+        </p:spPr>
+        <p:style>
+          <a:lnRef idx="2">
+            <a:schemeClr val="accent1">
+              <a:shade val="50000"/>
+            </a:schemeClr>
+          </a:lnRef>
+          <a:fillRef idx="1">
+            <a:schemeClr val="accent1"/>
+          </a:fillRef>
+          <a:effectRef idx="0">
+            <a:schemeClr val="accent1"/>
+          </a:effectRef>
+          <a:fontRef idx="minor">
+            <a:schemeClr val="lt1"/>
+          </a:fontRef>
+        </p:style>
+        <p:txBody>
+          <a:bodyPr rtlCol="0" anchor="ctr"/>
+          <a:lstStyle/>
+          <a:p>
+            <a:pPr algn="ctr"/>
+            <a:r>
+              <a:rPr lang="en-GB" dirty="0"/>
+              <a:t>Fake</a:t>
+            </a:r>
+          </a:p>
+        </p:txBody>
+      </p:sp>
+      <p:cxnSp>
+        <p:nvCxnSpPr>
+          <p:cNvPr id="15" name="Straight Arrow Connector 14">
+            <a:extLst>
+              <a:ext uri="{FF2B5EF4-FFF2-40B4-BE49-F238E27FC236}">
+                <a16:creationId xmlns:a16="http://schemas.microsoft.com/office/drawing/2014/main" id="{6D0AA745-0DB1-2641-BAD8-9D0F53B759BF}"/>
+              </a:ext>
+            </a:extLst>
+          </p:cNvPr>
+          <p:cNvCxnSpPr>
+            <a:stCxn id="12" idx="0"/>
+            <a:endCxn id="11" idx="2"/>
+          </p:cNvCxnSpPr>
+          <p:nvPr/>
+        </p:nvCxnSpPr>
+        <p:spPr>
+          <a:xfrm flipV="1">
+            <a:off x="2842842" y="5153577"/>
+            <a:ext cx="0" cy="278393"/>
+          </a:xfrm>
+          <a:prstGeom prst="straightConnector1">
+            <a:avLst/>
+          </a:prstGeom>
+          <a:ln>
+            <a:tailEnd type="triangle"/>
+          </a:ln>
+        </p:spPr>
+        <p:style>
+          <a:lnRef idx="1">
+            <a:schemeClr val="accent1"/>
+          </a:lnRef>
+          <a:fillRef idx="0">
+            <a:schemeClr val="accent1"/>
+          </a:fillRef>
+          <a:effectRef idx="0">
+            <a:schemeClr val="accent1"/>
+          </a:effectRef>
+          <a:fontRef idx="minor">
+            <a:schemeClr val="tx1"/>
+          </a:fontRef>
+        </p:style>
+      </p:cxnSp>
+      <p:cxnSp>
+        <p:nvCxnSpPr>
+          <p:cNvPr id="16" name="Straight Arrow Connector 15">
+            <a:extLst>
+              <a:ext uri="{FF2B5EF4-FFF2-40B4-BE49-F238E27FC236}">
+                <a16:creationId xmlns:a16="http://schemas.microsoft.com/office/drawing/2014/main" id="{454CE2E0-6108-6647-8B20-0D2B2A8F3A95}"/>
+              </a:ext>
+            </a:extLst>
+          </p:cNvPr>
+          <p:cNvCxnSpPr>
+            <a:cxnSpLocks/>
+            <a:stCxn id="11" idx="0"/>
+            <a:endCxn id="10" idx="2"/>
+          </p:cNvCxnSpPr>
+          <p:nvPr/>
+        </p:nvCxnSpPr>
+        <p:spPr>
+          <a:xfrm flipV="1">
+            <a:off x="2842842" y="4152092"/>
+            <a:ext cx="0" cy="278393"/>
+          </a:xfrm>
+          <a:prstGeom prst="straightConnector1">
+            <a:avLst/>
+          </a:prstGeom>
+          <a:ln>
+            <a:tailEnd type="triangle"/>
+          </a:ln>
+        </p:spPr>
+        <p:style>
+          <a:lnRef idx="1">
+            <a:schemeClr val="accent1"/>
+          </a:lnRef>
+          <a:fillRef idx="0">
+            <a:schemeClr val="accent1"/>
+          </a:fillRef>
+          <a:effectRef idx="0">
+            <a:schemeClr val="accent1"/>
+          </a:effectRef>
+          <a:fontRef idx="minor">
+            <a:schemeClr val="tx1"/>
+          </a:fontRef>
+        </p:style>
+      </p:cxnSp>
+      <p:cxnSp>
+        <p:nvCxnSpPr>
+          <p:cNvPr id="19" name="Straight Arrow Connector 18">
+            <a:extLst>
+              <a:ext uri="{FF2B5EF4-FFF2-40B4-BE49-F238E27FC236}">
+                <a16:creationId xmlns:a16="http://schemas.microsoft.com/office/drawing/2014/main" id="{E8EE70CC-8B5E-9A45-AA7C-8B8EA94D32CE}"/>
+              </a:ext>
+            </a:extLst>
+          </p:cNvPr>
+          <p:cNvCxnSpPr>
+            <a:cxnSpLocks/>
+            <a:stCxn id="10" idx="0"/>
+            <a:endCxn id="9" idx="2"/>
+          </p:cNvCxnSpPr>
+          <p:nvPr/>
+        </p:nvCxnSpPr>
+        <p:spPr>
+          <a:xfrm flipV="1">
+            <a:off x="2842842" y="3150607"/>
+            <a:ext cx="0" cy="278393"/>
+          </a:xfrm>
+          <a:prstGeom prst="straightConnector1">
+            <a:avLst/>
+          </a:prstGeom>
+          <a:ln>
+            <a:tailEnd type="triangle"/>
+          </a:ln>
+        </p:spPr>
+        <p:style>
+          <a:lnRef idx="1">
+            <a:schemeClr val="accent1"/>
+          </a:lnRef>
+          <a:fillRef idx="0">
+            <a:schemeClr val="accent1"/>
+          </a:fillRef>
+          <a:effectRef idx="0">
+            <a:schemeClr val="accent1"/>
+          </a:effectRef>
+          <a:fontRef idx="minor">
+            <a:schemeClr val="tx1"/>
+          </a:fontRef>
+        </p:style>
+      </p:cxnSp>
+      <p:cxnSp>
+        <p:nvCxnSpPr>
+          <p:cNvPr id="27" name="Straight Arrow Connector 26">
+            <a:extLst>
+              <a:ext uri="{FF2B5EF4-FFF2-40B4-BE49-F238E27FC236}">
+                <a16:creationId xmlns:a16="http://schemas.microsoft.com/office/drawing/2014/main" id="{B6EA9434-C966-6F41-8997-484E1143C725}"/>
+              </a:ext>
+            </a:extLst>
+          </p:cNvPr>
+          <p:cNvCxnSpPr>
+            <a:cxnSpLocks/>
+            <a:stCxn id="9" idx="0"/>
+          </p:cNvCxnSpPr>
+          <p:nvPr/>
+        </p:nvCxnSpPr>
+        <p:spPr>
+          <a:xfrm flipV="1">
+            <a:off x="2842842" y="1575303"/>
+            <a:ext cx="1321752" cy="852212"/>
+          </a:xfrm>
+          <a:prstGeom prst="straightConnector1">
+            <a:avLst/>
+          </a:prstGeom>
+          <a:ln>
+            <a:tailEnd type="triangle"/>
+          </a:ln>
+        </p:spPr>
+        <p:style>
+          <a:lnRef idx="1">
+            <a:schemeClr val="accent1"/>
+          </a:lnRef>
+          <a:fillRef idx="0">
+            <a:schemeClr val="accent1"/>
+          </a:fillRef>
+          <a:effectRef idx="0">
+            <a:schemeClr val="accent1"/>
+          </a:effectRef>
+          <a:fontRef idx="minor">
+            <a:schemeClr val="tx1"/>
+          </a:fontRef>
+        </p:style>
+      </p:cxnSp>
+      <p:cxnSp>
+        <p:nvCxnSpPr>
+          <p:cNvPr id="30" name="Straight Arrow Connector 29">
+            <a:extLst>
+              <a:ext uri="{FF2B5EF4-FFF2-40B4-BE49-F238E27FC236}">
+                <a16:creationId xmlns:a16="http://schemas.microsoft.com/office/drawing/2014/main" id="{2985D851-C76D-1A4D-999B-2F2FAEAC8370}"/>
+              </a:ext>
+            </a:extLst>
+          </p:cNvPr>
+          <p:cNvCxnSpPr>
+            <a:cxnSpLocks/>
+            <a:stCxn id="13" idx="0"/>
+          </p:cNvCxnSpPr>
+          <p:nvPr/>
+        </p:nvCxnSpPr>
+        <p:spPr>
+          <a:xfrm flipH="1" flipV="1">
+            <a:off x="6096001" y="1710802"/>
+            <a:ext cx="1652310" cy="3721168"/>
+          </a:xfrm>
+          <a:prstGeom prst="straightConnector1">
+            <a:avLst/>
+          </a:prstGeom>
+          <a:ln>
+            <a:tailEnd type="triangle"/>
+          </a:ln>
+        </p:spPr>
+        <p:style>
+          <a:lnRef idx="1">
+            <a:schemeClr val="accent1"/>
+          </a:lnRef>
+          <a:fillRef idx="0">
+            <a:schemeClr val="accent1"/>
+          </a:fillRef>
+          <a:effectRef idx="0">
+            <a:schemeClr val="accent1"/>
+          </a:effectRef>
+          <a:fontRef idx="minor">
+            <a:schemeClr val="tx1"/>
+          </a:fontRef>
+        </p:style>
+      </p:cxnSp>
+    </p:spTree>
+    <p:extLst>
+      <p:ext uri="{BB962C8B-B14F-4D97-AF65-F5344CB8AC3E}">
+        <p14:creationId xmlns:p14="http://schemas.microsoft.com/office/powerpoint/2010/main" val="1006745906"/>
       </p:ext>
     </p:extLst>
   </p:cSld>

--- a/assets/images/Images.pptx
+++ b/assets/images/Images.pptx
@@ -5,7 +5,7 @@
     <p:sldMasterId id="2147483648" r:id="rId1"/>
   </p:sldMasterIdLst>
   <p:notesMasterIdLst>
-    <p:notesMasterId r:id="rId53"/>
+    <p:notesMasterId r:id="rId54"/>
   </p:notesMasterIdLst>
   <p:sldIdLst>
     <p:sldId id="257" r:id="rId2"/>
@@ -58,7 +58,8 @@
     <p:sldId id="304" r:id="rId49"/>
     <p:sldId id="305" r:id="rId50"/>
     <p:sldId id="306" r:id="rId51"/>
-    <p:sldId id="256" r:id="rId52"/>
+    <p:sldId id="307" r:id="rId52"/>
+    <p:sldId id="256" r:id="rId53"/>
   </p:sldIdLst>
   <p:sldSz cx="12192000" cy="6858000"/>
   <p:notesSz cx="6858000" cy="9144000"/>
@@ -238,6 +239,11 @@
             <p14:sldId id="306"/>
           </p14:sldIdLst>
         </p14:section>
+        <p14:section name="Streams" id="{BFF53806-751A-C84E-8E3C-842C7C63FFA8}">
+          <p14:sldIdLst>
+            <p14:sldId id="307"/>
+          </p14:sldIdLst>
+        </p14:section>
         <p14:section name="Testing" id="{064BBB82-ADB6-E844-9D9E-44CD43DCBE9F}">
           <p14:sldIdLst>
             <p14:sldId id="256"/>
@@ -337,7 +343,7 @@
           <a:p>
             <a:fld id="{F0373C07-0034-D84F-B0CB-1249B408AEAD}" type="datetimeFigureOut">
               <a:rPr lang="en-GB" smtClean="0"/>
-              <a:t>26/07/2020</a:t>
+              <a:t>28/07/2020</a:t>
             </a:fld>
             <a:endParaRPr lang="en-GB"/>
           </a:p>
@@ -837,7 +843,7 @@
           <a:p>
             <a:fld id="{11A96E62-EC5F-C045-9FEB-EDD3A98888BE}" type="slidenum">
               <a:rPr lang="en-GB" smtClean="0"/>
-              <a:t>51</a:t>
+              <a:t>52</a:t>
             </a:fld>
             <a:endParaRPr lang="en-GB"/>
           </a:p>
@@ -1675,7 +1681,7 @@
           <a:p>
             <a:fld id="{1277814B-86DA-1A43-BEBE-BB22F0FBA56B}" type="datetimeFigureOut">
               <a:rPr lang="en-GB" smtClean="0"/>
-              <a:t>26/07/2020</a:t>
+              <a:t>28/07/2020</a:t>
             </a:fld>
             <a:endParaRPr lang="en-GB"/>
           </a:p>
@@ -1873,7 +1879,7 @@
           <a:p>
             <a:fld id="{1277814B-86DA-1A43-BEBE-BB22F0FBA56B}" type="datetimeFigureOut">
               <a:rPr lang="en-GB" smtClean="0"/>
-              <a:t>26/07/2020</a:t>
+              <a:t>28/07/2020</a:t>
             </a:fld>
             <a:endParaRPr lang="en-GB"/>
           </a:p>
@@ -2081,7 +2087,7 @@
           <a:p>
             <a:fld id="{1277814B-86DA-1A43-BEBE-BB22F0FBA56B}" type="datetimeFigureOut">
               <a:rPr lang="en-GB" smtClean="0"/>
-              <a:t>26/07/2020</a:t>
+              <a:t>28/07/2020</a:t>
             </a:fld>
             <a:endParaRPr lang="en-GB"/>
           </a:p>
@@ -2279,7 +2285,7 @@
           <a:p>
             <a:fld id="{1277814B-86DA-1A43-BEBE-BB22F0FBA56B}" type="datetimeFigureOut">
               <a:rPr lang="en-GB" smtClean="0"/>
-              <a:t>26/07/2020</a:t>
+              <a:t>28/07/2020</a:t>
             </a:fld>
             <a:endParaRPr lang="en-GB"/>
           </a:p>
@@ -2554,7 +2560,7 @@
           <a:p>
             <a:fld id="{1277814B-86DA-1A43-BEBE-BB22F0FBA56B}" type="datetimeFigureOut">
               <a:rPr lang="en-GB" smtClean="0"/>
-              <a:t>26/07/2020</a:t>
+              <a:t>28/07/2020</a:t>
             </a:fld>
             <a:endParaRPr lang="en-GB"/>
           </a:p>
@@ -2819,7 +2825,7 @@
           <a:p>
             <a:fld id="{1277814B-86DA-1A43-BEBE-BB22F0FBA56B}" type="datetimeFigureOut">
               <a:rPr lang="en-GB" smtClean="0"/>
-              <a:t>26/07/2020</a:t>
+              <a:t>28/07/2020</a:t>
             </a:fld>
             <a:endParaRPr lang="en-GB"/>
           </a:p>
@@ -3231,7 +3237,7 @@
           <a:p>
             <a:fld id="{1277814B-86DA-1A43-BEBE-BB22F0FBA56B}" type="datetimeFigureOut">
               <a:rPr lang="en-GB" smtClean="0"/>
-              <a:t>26/07/2020</a:t>
+              <a:t>28/07/2020</a:t>
             </a:fld>
             <a:endParaRPr lang="en-GB"/>
           </a:p>
@@ -3372,7 +3378,7 @@
           <a:p>
             <a:fld id="{1277814B-86DA-1A43-BEBE-BB22F0FBA56B}" type="datetimeFigureOut">
               <a:rPr lang="en-GB" smtClean="0"/>
-              <a:t>26/07/2020</a:t>
+              <a:t>28/07/2020</a:t>
             </a:fld>
             <a:endParaRPr lang="en-GB"/>
           </a:p>
@@ -3485,7 +3491,7 @@
           <a:p>
             <a:fld id="{1277814B-86DA-1A43-BEBE-BB22F0FBA56B}" type="datetimeFigureOut">
               <a:rPr lang="en-GB" smtClean="0"/>
-              <a:t>26/07/2020</a:t>
+              <a:t>28/07/2020</a:t>
             </a:fld>
             <a:endParaRPr lang="en-GB"/>
           </a:p>
@@ -3796,7 +3802,7 @@
           <a:p>
             <a:fld id="{1277814B-86DA-1A43-BEBE-BB22F0FBA56B}" type="datetimeFigureOut">
               <a:rPr lang="en-GB" smtClean="0"/>
-              <a:t>26/07/2020</a:t>
+              <a:t>28/07/2020</a:t>
             </a:fld>
             <a:endParaRPr lang="en-GB"/>
           </a:p>
@@ -4084,7 +4090,7 @@
           <a:p>
             <a:fld id="{1277814B-86DA-1A43-BEBE-BB22F0FBA56B}" type="datetimeFigureOut">
               <a:rPr lang="en-GB" smtClean="0"/>
-              <a:t>26/07/2020</a:t>
+              <a:t>28/07/2020</a:t>
             </a:fld>
             <a:endParaRPr lang="en-GB"/>
           </a:p>
@@ -4325,7 +4331,7 @@
           <a:p>
             <a:fld id="{1277814B-86DA-1A43-BEBE-BB22F0FBA56B}" type="datetimeFigureOut">
               <a:rPr lang="en-GB" smtClean="0"/>
-              <a:t>26/07/2020</a:t>
+              <a:t>28/07/2020</a:t>
             </a:fld>
             <a:endParaRPr lang="en-GB"/>
           </a:p>
@@ -52452,6 +52458,548 @@
       </p:grpSpPr>
       <p:sp>
         <p:nvSpPr>
+          <p:cNvPr id="4" name="Rectangle 3">
+            <a:extLst>
+              <a:ext uri="{FF2B5EF4-FFF2-40B4-BE49-F238E27FC236}">
+                <a16:creationId xmlns:a16="http://schemas.microsoft.com/office/drawing/2014/main" id="{F9D40ABD-1B1E-1D45-ACF6-874EA0660CA1}"/>
+              </a:ext>
+            </a:extLst>
+          </p:cNvPr>
+          <p:cNvSpPr/>
+          <p:nvPr/>
+        </p:nvSpPr>
+        <p:spPr>
+          <a:xfrm>
+            <a:off x="4478867" y="635001"/>
+            <a:ext cx="4707467" cy="770466"/>
+          </a:xfrm>
+          <a:prstGeom prst="rect">
+            <a:avLst/>
+          </a:prstGeom>
+          <a:solidFill>
+            <a:schemeClr val="accent6">
+              <a:lumMod val="75000"/>
+            </a:schemeClr>
+          </a:solidFill>
+          <a:ln>
+            <a:solidFill>
+              <a:schemeClr val="bg2">
+                <a:lumMod val="50000"/>
+              </a:schemeClr>
+            </a:solidFill>
+          </a:ln>
+        </p:spPr>
+        <p:style>
+          <a:lnRef idx="2">
+            <a:schemeClr val="accent1">
+              <a:shade val="50000"/>
+            </a:schemeClr>
+          </a:lnRef>
+          <a:fillRef idx="1">
+            <a:schemeClr val="accent1"/>
+          </a:fillRef>
+          <a:effectRef idx="0">
+            <a:schemeClr val="accent1"/>
+          </a:effectRef>
+          <a:fontRef idx="minor">
+            <a:schemeClr val="lt1"/>
+          </a:fontRef>
+        </p:style>
+        <p:txBody>
+          <a:bodyPr rtlCol="0" anchor="ctr"/>
+          <a:lstStyle/>
+          <a:p>
+            <a:pPr algn="ctr"/>
+            <a:endParaRPr lang="en-GB"/>
+          </a:p>
+        </p:txBody>
+      </p:sp>
+      <p:sp>
+        <p:nvSpPr>
+          <p:cNvPr id="5" name="Rectangle 4">
+            <a:extLst>
+              <a:ext uri="{FF2B5EF4-FFF2-40B4-BE49-F238E27FC236}">
+                <a16:creationId xmlns:a16="http://schemas.microsoft.com/office/drawing/2014/main" id="{8C78FEE7-E8C0-3449-9EBF-F99799748E9D}"/>
+              </a:ext>
+            </a:extLst>
+          </p:cNvPr>
+          <p:cNvSpPr/>
+          <p:nvPr/>
+        </p:nvSpPr>
+        <p:spPr>
+          <a:xfrm>
+            <a:off x="4478867" y="1642533"/>
+            <a:ext cx="4707467" cy="3572933"/>
+          </a:xfrm>
+          <a:prstGeom prst="rect">
+            <a:avLst/>
+          </a:prstGeom>
+          <a:solidFill>
+            <a:schemeClr val="accent2">
+              <a:lumMod val="40000"/>
+              <a:lumOff val="60000"/>
+            </a:schemeClr>
+          </a:solidFill>
+          <a:ln>
+            <a:solidFill>
+              <a:schemeClr val="bg2">
+                <a:lumMod val="50000"/>
+              </a:schemeClr>
+            </a:solidFill>
+          </a:ln>
+        </p:spPr>
+        <p:style>
+          <a:lnRef idx="2">
+            <a:schemeClr val="accent1">
+              <a:shade val="50000"/>
+            </a:schemeClr>
+          </a:lnRef>
+          <a:fillRef idx="1">
+            <a:schemeClr val="accent1"/>
+          </a:fillRef>
+          <a:effectRef idx="0">
+            <a:schemeClr val="accent1"/>
+          </a:effectRef>
+          <a:fontRef idx="minor">
+            <a:schemeClr val="lt1"/>
+          </a:fontRef>
+        </p:style>
+        <p:txBody>
+          <a:bodyPr rtlCol="0" anchor="ctr"/>
+          <a:lstStyle/>
+          <a:p>
+            <a:pPr algn="ctr"/>
+            <a:endParaRPr lang="en-GB"/>
+          </a:p>
+        </p:txBody>
+      </p:sp>
+      <p:sp>
+        <p:nvSpPr>
+          <p:cNvPr id="6" name="Rectangle 5">
+            <a:extLst>
+              <a:ext uri="{FF2B5EF4-FFF2-40B4-BE49-F238E27FC236}">
+                <a16:creationId xmlns:a16="http://schemas.microsoft.com/office/drawing/2014/main" id="{DAD05448-8CAE-7440-9721-00457BA35F36}"/>
+              </a:ext>
+            </a:extLst>
+          </p:cNvPr>
+          <p:cNvSpPr/>
+          <p:nvPr/>
+        </p:nvSpPr>
+        <p:spPr>
+          <a:xfrm>
+            <a:off x="4478866" y="5452532"/>
+            <a:ext cx="4707467" cy="770466"/>
+          </a:xfrm>
+          <a:prstGeom prst="rect">
+            <a:avLst/>
+          </a:prstGeom>
+          <a:solidFill>
+            <a:schemeClr val="tx2">
+              <a:lumMod val="75000"/>
+            </a:schemeClr>
+          </a:solidFill>
+          <a:ln>
+            <a:solidFill>
+              <a:schemeClr val="bg2">
+                <a:lumMod val="50000"/>
+              </a:schemeClr>
+            </a:solidFill>
+          </a:ln>
+        </p:spPr>
+        <p:style>
+          <a:lnRef idx="2">
+            <a:schemeClr val="accent1">
+              <a:shade val="50000"/>
+            </a:schemeClr>
+          </a:lnRef>
+          <a:fillRef idx="1">
+            <a:schemeClr val="accent1"/>
+          </a:fillRef>
+          <a:effectRef idx="0">
+            <a:schemeClr val="accent1"/>
+          </a:effectRef>
+          <a:fontRef idx="minor">
+            <a:schemeClr val="lt1"/>
+          </a:fontRef>
+        </p:style>
+        <p:txBody>
+          <a:bodyPr rtlCol="0" anchor="ctr"/>
+          <a:lstStyle/>
+          <a:p>
+            <a:pPr algn="ctr"/>
+            <a:endParaRPr lang="en-GB"/>
+          </a:p>
+        </p:txBody>
+      </p:sp>
+      <p:sp>
+        <p:nvSpPr>
+          <p:cNvPr id="7" name="Rectangle 6">
+            <a:extLst>
+              <a:ext uri="{FF2B5EF4-FFF2-40B4-BE49-F238E27FC236}">
+                <a16:creationId xmlns:a16="http://schemas.microsoft.com/office/drawing/2014/main" id="{39B9A653-13DA-2E4D-93DB-2BE6397561CC}"/>
+              </a:ext>
+            </a:extLst>
+          </p:cNvPr>
+          <p:cNvSpPr/>
+          <p:nvPr/>
+        </p:nvSpPr>
+        <p:spPr>
+          <a:xfrm>
+            <a:off x="4588933" y="1752598"/>
+            <a:ext cx="4495801" cy="770466"/>
+          </a:xfrm>
+          <a:prstGeom prst="rect">
+            <a:avLst/>
+          </a:prstGeom>
+          <a:solidFill>
+            <a:schemeClr val="accent5">
+              <a:lumMod val="75000"/>
+            </a:schemeClr>
+          </a:solidFill>
+          <a:ln>
+            <a:solidFill>
+              <a:schemeClr val="bg2">
+                <a:lumMod val="50000"/>
+              </a:schemeClr>
+            </a:solidFill>
+          </a:ln>
+        </p:spPr>
+        <p:style>
+          <a:lnRef idx="2">
+            <a:schemeClr val="accent1">
+              <a:shade val="50000"/>
+            </a:schemeClr>
+          </a:lnRef>
+          <a:fillRef idx="1">
+            <a:schemeClr val="accent1"/>
+          </a:fillRef>
+          <a:effectRef idx="0">
+            <a:schemeClr val="accent1"/>
+          </a:effectRef>
+          <a:fontRef idx="minor">
+            <a:schemeClr val="lt1"/>
+          </a:fontRef>
+        </p:style>
+        <p:txBody>
+          <a:bodyPr rtlCol="0" anchor="ctr"/>
+          <a:lstStyle/>
+          <a:p>
+            <a:pPr algn="ctr"/>
+            <a:endParaRPr lang="en-GB"/>
+          </a:p>
+        </p:txBody>
+      </p:sp>
+      <p:sp>
+        <p:nvSpPr>
+          <p:cNvPr id="8" name="Rectangle 7">
+            <a:extLst>
+              <a:ext uri="{FF2B5EF4-FFF2-40B4-BE49-F238E27FC236}">
+                <a16:creationId xmlns:a16="http://schemas.microsoft.com/office/drawing/2014/main" id="{9A6DD30C-0AA9-FB4C-BB6D-2C5E590E3293}"/>
+              </a:ext>
+            </a:extLst>
+          </p:cNvPr>
+          <p:cNvSpPr/>
+          <p:nvPr/>
+        </p:nvSpPr>
+        <p:spPr>
+          <a:xfrm>
+            <a:off x="4584697" y="2619019"/>
+            <a:ext cx="4495801" cy="770466"/>
+          </a:xfrm>
+          <a:prstGeom prst="rect">
+            <a:avLst/>
+          </a:prstGeom>
+          <a:solidFill>
+            <a:schemeClr val="accent4">
+              <a:lumMod val="75000"/>
+            </a:schemeClr>
+          </a:solidFill>
+          <a:ln>
+            <a:solidFill>
+              <a:schemeClr val="bg2">
+                <a:lumMod val="50000"/>
+              </a:schemeClr>
+            </a:solidFill>
+          </a:ln>
+        </p:spPr>
+        <p:style>
+          <a:lnRef idx="2">
+            <a:schemeClr val="accent1">
+              <a:shade val="50000"/>
+            </a:schemeClr>
+          </a:lnRef>
+          <a:fillRef idx="1">
+            <a:schemeClr val="accent1"/>
+          </a:fillRef>
+          <a:effectRef idx="0">
+            <a:schemeClr val="accent1"/>
+          </a:effectRef>
+          <a:fontRef idx="minor">
+            <a:schemeClr val="lt1"/>
+          </a:fontRef>
+        </p:style>
+        <p:txBody>
+          <a:bodyPr rtlCol="0" anchor="ctr"/>
+          <a:lstStyle/>
+          <a:p>
+            <a:pPr algn="ctr"/>
+            <a:endParaRPr lang="en-GB"/>
+          </a:p>
+        </p:txBody>
+      </p:sp>
+      <p:sp>
+        <p:nvSpPr>
+          <p:cNvPr id="9" name="Rectangle 8">
+            <a:extLst>
+              <a:ext uri="{FF2B5EF4-FFF2-40B4-BE49-F238E27FC236}">
+                <a16:creationId xmlns:a16="http://schemas.microsoft.com/office/drawing/2014/main" id="{76E59254-3534-634E-A1ED-E43826D856C3}"/>
+              </a:ext>
+            </a:extLst>
+          </p:cNvPr>
+          <p:cNvSpPr/>
+          <p:nvPr/>
+        </p:nvSpPr>
+        <p:spPr>
+          <a:xfrm>
+            <a:off x="4584697" y="3485440"/>
+            <a:ext cx="4495801" cy="770466"/>
+          </a:xfrm>
+          <a:prstGeom prst="rect">
+            <a:avLst/>
+          </a:prstGeom>
+          <a:solidFill>
+            <a:schemeClr val="accent3">
+              <a:lumMod val="75000"/>
+            </a:schemeClr>
+          </a:solidFill>
+          <a:ln>
+            <a:solidFill>
+              <a:schemeClr val="bg2">
+                <a:lumMod val="50000"/>
+              </a:schemeClr>
+            </a:solidFill>
+          </a:ln>
+        </p:spPr>
+        <p:style>
+          <a:lnRef idx="2">
+            <a:schemeClr val="accent1">
+              <a:shade val="50000"/>
+            </a:schemeClr>
+          </a:lnRef>
+          <a:fillRef idx="1">
+            <a:schemeClr val="accent1"/>
+          </a:fillRef>
+          <a:effectRef idx="0">
+            <a:schemeClr val="accent1"/>
+          </a:effectRef>
+          <a:fontRef idx="minor">
+            <a:schemeClr val="lt1"/>
+          </a:fontRef>
+        </p:style>
+        <p:txBody>
+          <a:bodyPr rtlCol="0" anchor="ctr"/>
+          <a:lstStyle/>
+          <a:p>
+            <a:pPr algn="ctr"/>
+            <a:endParaRPr lang="en-GB"/>
+          </a:p>
+        </p:txBody>
+      </p:sp>
+      <p:sp>
+        <p:nvSpPr>
+          <p:cNvPr id="10" name="Rectangle 9">
+            <a:extLst>
+              <a:ext uri="{FF2B5EF4-FFF2-40B4-BE49-F238E27FC236}">
+                <a16:creationId xmlns:a16="http://schemas.microsoft.com/office/drawing/2014/main" id="{E6324B67-C05F-F14B-86B8-1D2E8E8D125E}"/>
+              </a:ext>
+            </a:extLst>
+          </p:cNvPr>
+          <p:cNvSpPr/>
+          <p:nvPr/>
+        </p:nvSpPr>
+        <p:spPr>
+          <a:xfrm>
+            <a:off x="4584697" y="4351862"/>
+            <a:ext cx="4495801" cy="770466"/>
+          </a:xfrm>
+          <a:prstGeom prst="rect">
+            <a:avLst/>
+          </a:prstGeom>
+          <a:solidFill>
+            <a:schemeClr val="accent1">
+              <a:lumMod val="75000"/>
+            </a:schemeClr>
+          </a:solidFill>
+          <a:ln>
+            <a:solidFill>
+              <a:schemeClr val="bg2">
+                <a:lumMod val="50000"/>
+              </a:schemeClr>
+            </a:solidFill>
+          </a:ln>
+        </p:spPr>
+        <p:style>
+          <a:lnRef idx="2">
+            <a:schemeClr val="accent1">
+              <a:shade val="50000"/>
+            </a:schemeClr>
+          </a:lnRef>
+          <a:fillRef idx="1">
+            <a:schemeClr val="accent1"/>
+          </a:fillRef>
+          <a:effectRef idx="0">
+            <a:schemeClr val="accent1"/>
+          </a:effectRef>
+          <a:fontRef idx="minor">
+            <a:schemeClr val="lt1"/>
+          </a:fontRef>
+        </p:style>
+        <p:txBody>
+          <a:bodyPr rtlCol="0" anchor="ctr"/>
+          <a:lstStyle/>
+          <a:p>
+            <a:pPr algn="ctr"/>
+            <a:endParaRPr lang="en-GB"/>
+          </a:p>
+        </p:txBody>
+      </p:sp>
+      <p:sp>
+        <p:nvSpPr>
+          <p:cNvPr id="11" name="TextBox 10">
+            <a:extLst>
+              <a:ext uri="{FF2B5EF4-FFF2-40B4-BE49-F238E27FC236}">
+                <a16:creationId xmlns:a16="http://schemas.microsoft.com/office/drawing/2014/main" id="{802FCA24-D5A8-6741-94DF-FBF48B6DF628}"/>
+              </a:ext>
+            </a:extLst>
+          </p:cNvPr>
+          <p:cNvSpPr txBox="1"/>
+          <p:nvPr/>
+        </p:nvSpPr>
+        <p:spPr>
+          <a:xfrm>
+            <a:off x="2230966" y="838200"/>
+            <a:ext cx="824072" cy="369332"/>
+          </a:xfrm>
+          <a:prstGeom prst="rect">
+            <a:avLst/>
+          </a:prstGeom>
+          <a:noFill/>
+        </p:spPr>
+        <p:txBody>
+          <a:bodyPr wrap="none" rtlCol="0">
+            <a:spAutoFit/>
+          </a:bodyPr>
+          <a:lstStyle/>
+          <a:p>
+            <a:r>
+              <a:rPr lang="en-GB" dirty="0"/>
+              <a:t>Source</a:t>
+            </a:r>
+          </a:p>
+        </p:txBody>
+      </p:sp>
+      <p:sp>
+        <p:nvSpPr>
+          <p:cNvPr id="12" name="TextBox 11">
+            <a:extLst>
+              <a:ext uri="{FF2B5EF4-FFF2-40B4-BE49-F238E27FC236}">
+                <a16:creationId xmlns:a16="http://schemas.microsoft.com/office/drawing/2014/main" id="{0D17AD24-7E5F-1343-87AB-E929CDCFD2D4}"/>
+              </a:ext>
+            </a:extLst>
+          </p:cNvPr>
+          <p:cNvSpPr txBox="1"/>
+          <p:nvPr/>
+        </p:nvSpPr>
+        <p:spPr>
+          <a:xfrm>
+            <a:off x="2230966" y="2927820"/>
+            <a:ext cx="1549399" cy="923330"/>
+          </a:xfrm>
+          <a:prstGeom prst="rect">
+            <a:avLst/>
+          </a:prstGeom>
+          <a:noFill/>
+        </p:spPr>
+        <p:txBody>
+          <a:bodyPr wrap="square" rtlCol="0">
+            <a:spAutoFit/>
+          </a:bodyPr>
+          <a:lstStyle/>
+          <a:p>
+            <a:r>
+              <a:rPr lang="en-GB" dirty="0"/>
+              <a:t>A number of intermediate operations</a:t>
+            </a:r>
+          </a:p>
+        </p:txBody>
+      </p:sp>
+      <p:sp>
+        <p:nvSpPr>
+          <p:cNvPr id="13" name="TextBox 12">
+            <a:extLst>
+              <a:ext uri="{FF2B5EF4-FFF2-40B4-BE49-F238E27FC236}">
+                <a16:creationId xmlns:a16="http://schemas.microsoft.com/office/drawing/2014/main" id="{30E07157-812E-304A-9D24-10792B40E3CB}"/>
+              </a:ext>
+            </a:extLst>
+          </p:cNvPr>
+          <p:cNvSpPr txBox="1"/>
+          <p:nvPr/>
+        </p:nvSpPr>
+        <p:spPr>
+          <a:xfrm>
+            <a:off x="2230966" y="5654700"/>
+            <a:ext cx="1994329" cy="369332"/>
+          </a:xfrm>
+          <a:prstGeom prst="rect">
+            <a:avLst/>
+          </a:prstGeom>
+          <a:noFill/>
+        </p:spPr>
+        <p:txBody>
+          <a:bodyPr wrap="none" rtlCol="0">
+            <a:spAutoFit/>
+          </a:bodyPr>
+          <a:lstStyle/>
+          <a:p>
+            <a:r>
+              <a:rPr lang="en-GB" dirty="0"/>
+              <a:t>Terminal Operation</a:t>
+            </a:r>
+          </a:p>
+        </p:txBody>
+      </p:sp>
+    </p:spTree>
+    <p:extLst>
+      <p:ext uri="{BB962C8B-B14F-4D97-AF65-F5344CB8AC3E}">
+        <p14:creationId xmlns:p14="http://schemas.microsoft.com/office/powerpoint/2010/main" val="1223509375"/>
+      </p:ext>
+    </p:extLst>
+  </p:cSld>
+  <p:clrMapOvr>
+    <a:masterClrMapping/>
+  </p:clrMapOvr>
+</p:sld>
+</file>
+
+<file path=ppt/slides/slide52.xml><?xml version="1.0" encoding="utf-8"?>
+<p:sld xmlns:a="http://schemas.openxmlformats.org/drawingml/2006/main" xmlns:r="http://schemas.openxmlformats.org/officeDocument/2006/relationships" xmlns:p="http://schemas.openxmlformats.org/presentationml/2006/main">
+  <p:cSld>
+    <p:spTree>
+      <p:nvGrpSpPr>
+        <p:cNvPr id="1" name=""/>
+        <p:cNvGrpSpPr/>
+        <p:nvPr/>
+      </p:nvGrpSpPr>
+      <p:grpSpPr>
+        <a:xfrm>
+          <a:off x="0" y="0"/>
+          <a:ext cx="0" cy="0"/>
+          <a:chOff x="0" y="0"/>
+          <a:chExt cx="0" cy="0"/>
+        </a:xfrm>
+      </p:grpSpPr>
+      <p:sp>
+        <p:nvSpPr>
           <p:cNvPr id="8" name="Cloud 7">
             <a:extLst>
               <a:ext uri="{FF2B5EF4-FFF2-40B4-BE49-F238E27FC236}">

--- a/assets/images/Images.pptx
+++ b/assets/images/Images.pptx
@@ -5,7 +5,7 @@
     <p:sldMasterId id="2147483648" r:id="rId1"/>
   </p:sldMasterIdLst>
   <p:notesMasterIdLst>
-    <p:notesMasterId r:id="rId54"/>
+    <p:notesMasterId r:id="rId55"/>
   </p:notesMasterIdLst>
   <p:sldIdLst>
     <p:sldId id="257" r:id="rId2"/>
@@ -59,7 +59,8 @@
     <p:sldId id="305" r:id="rId50"/>
     <p:sldId id="306" r:id="rId51"/>
     <p:sldId id="307" r:id="rId52"/>
-    <p:sldId id="256" r:id="rId53"/>
+    <p:sldId id="308" r:id="rId53"/>
+    <p:sldId id="256" r:id="rId54"/>
   </p:sldIdLst>
   <p:sldSz cx="12192000" cy="6858000"/>
   <p:notesSz cx="6858000" cy="9144000"/>
@@ -246,6 +247,7 @@
         </p14:section>
         <p14:section name="Testing" id="{064BBB82-ADB6-E844-9D9E-44CD43DCBE9F}">
           <p14:sldIdLst>
+            <p14:sldId id="308"/>
             <p14:sldId id="256"/>
           </p14:sldIdLst>
         </p14:section>
@@ -343,7 +345,7 @@
           <a:p>
             <a:fld id="{F0373C07-0034-D84F-B0CB-1249B408AEAD}" type="datetimeFigureOut">
               <a:rPr lang="en-GB" smtClean="0"/>
-              <a:t>28/07/2020</a:t>
+              <a:t>02/08/2020</a:t>
             </a:fld>
             <a:endParaRPr lang="en-GB"/>
           </a:p>
@@ -843,7 +845,7 @@
           <a:p>
             <a:fld id="{11A96E62-EC5F-C045-9FEB-EDD3A98888BE}" type="slidenum">
               <a:rPr lang="en-GB" smtClean="0"/>
-              <a:t>52</a:t>
+              <a:t>53</a:t>
             </a:fld>
             <a:endParaRPr lang="en-GB"/>
           </a:p>
@@ -1681,7 +1683,7 @@
           <a:p>
             <a:fld id="{1277814B-86DA-1A43-BEBE-BB22F0FBA56B}" type="datetimeFigureOut">
               <a:rPr lang="en-GB" smtClean="0"/>
-              <a:t>28/07/2020</a:t>
+              <a:t>02/08/2020</a:t>
             </a:fld>
             <a:endParaRPr lang="en-GB"/>
           </a:p>
@@ -1879,7 +1881,7 @@
           <a:p>
             <a:fld id="{1277814B-86DA-1A43-BEBE-BB22F0FBA56B}" type="datetimeFigureOut">
               <a:rPr lang="en-GB" smtClean="0"/>
-              <a:t>28/07/2020</a:t>
+              <a:t>02/08/2020</a:t>
             </a:fld>
             <a:endParaRPr lang="en-GB"/>
           </a:p>
@@ -2087,7 +2089,7 @@
           <a:p>
             <a:fld id="{1277814B-86DA-1A43-BEBE-BB22F0FBA56B}" type="datetimeFigureOut">
               <a:rPr lang="en-GB" smtClean="0"/>
-              <a:t>28/07/2020</a:t>
+              <a:t>02/08/2020</a:t>
             </a:fld>
             <a:endParaRPr lang="en-GB"/>
           </a:p>
@@ -2285,7 +2287,7 @@
           <a:p>
             <a:fld id="{1277814B-86DA-1A43-BEBE-BB22F0FBA56B}" type="datetimeFigureOut">
               <a:rPr lang="en-GB" smtClean="0"/>
-              <a:t>28/07/2020</a:t>
+              <a:t>02/08/2020</a:t>
             </a:fld>
             <a:endParaRPr lang="en-GB"/>
           </a:p>
@@ -2560,7 +2562,7 @@
           <a:p>
             <a:fld id="{1277814B-86DA-1A43-BEBE-BB22F0FBA56B}" type="datetimeFigureOut">
               <a:rPr lang="en-GB" smtClean="0"/>
-              <a:t>28/07/2020</a:t>
+              <a:t>02/08/2020</a:t>
             </a:fld>
             <a:endParaRPr lang="en-GB"/>
           </a:p>
@@ -2825,7 +2827,7 @@
           <a:p>
             <a:fld id="{1277814B-86DA-1A43-BEBE-BB22F0FBA56B}" type="datetimeFigureOut">
               <a:rPr lang="en-GB" smtClean="0"/>
-              <a:t>28/07/2020</a:t>
+              <a:t>02/08/2020</a:t>
             </a:fld>
             <a:endParaRPr lang="en-GB"/>
           </a:p>
@@ -3237,7 +3239,7 @@
           <a:p>
             <a:fld id="{1277814B-86DA-1A43-BEBE-BB22F0FBA56B}" type="datetimeFigureOut">
               <a:rPr lang="en-GB" smtClean="0"/>
-              <a:t>28/07/2020</a:t>
+              <a:t>02/08/2020</a:t>
             </a:fld>
             <a:endParaRPr lang="en-GB"/>
           </a:p>
@@ -3378,7 +3380,7 @@
           <a:p>
             <a:fld id="{1277814B-86DA-1A43-BEBE-BB22F0FBA56B}" type="datetimeFigureOut">
               <a:rPr lang="en-GB" smtClean="0"/>
-              <a:t>28/07/2020</a:t>
+              <a:t>02/08/2020</a:t>
             </a:fld>
             <a:endParaRPr lang="en-GB"/>
           </a:p>
@@ -3491,7 +3493,7 @@
           <a:p>
             <a:fld id="{1277814B-86DA-1A43-BEBE-BB22F0FBA56B}" type="datetimeFigureOut">
               <a:rPr lang="en-GB" smtClean="0"/>
-              <a:t>28/07/2020</a:t>
+              <a:t>02/08/2020</a:t>
             </a:fld>
             <a:endParaRPr lang="en-GB"/>
           </a:p>
@@ -3802,7 +3804,7 @@
           <a:p>
             <a:fld id="{1277814B-86DA-1A43-BEBE-BB22F0FBA56B}" type="datetimeFigureOut">
               <a:rPr lang="en-GB" smtClean="0"/>
-              <a:t>28/07/2020</a:t>
+              <a:t>02/08/2020</a:t>
             </a:fld>
             <a:endParaRPr lang="en-GB"/>
           </a:p>
@@ -4090,7 +4092,7 @@
           <a:p>
             <a:fld id="{1277814B-86DA-1A43-BEBE-BB22F0FBA56B}" type="datetimeFigureOut">
               <a:rPr lang="en-GB" smtClean="0"/>
-              <a:t>28/07/2020</a:t>
+              <a:t>02/08/2020</a:t>
             </a:fld>
             <a:endParaRPr lang="en-GB"/>
           </a:p>
@@ -4331,7 +4333,7 @@
           <a:p>
             <a:fld id="{1277814B-86DA-1A43-BEBE-BB22F0FBA56B}" type="datetimeFigureOut">
               <a:rPr lang="en-GB" smtClean="0"/>
-              <a:t>28/07/2020</a:t>
+              <a:t>02/08/2020</a:t>
             </a:fld>
             <a:endParaRPr lang="en-GB"/>
           </a:p>
@@ -53000,6 +53002,86 @@
       </p:grpSpPr>
       <p:sp>
         <p:nvSpPr>
+          <p:cNvPr id="2" name="Title 1">
+            <a:extLst>
+              <a:ext uri="{FF2B5EF4-FFF2-40B4-BE49-F238E27FC236}">
+                <a16:creationId xmlns:a16="http://schemas.microsoft.com/office/drawing/2014/main" id="{7C9EA94C-7FE6-DF4C-B044-0472FBBB0E56}"/>
+              </a:ext>
+            </a:extLst>
+          </p:cNvPr>
+          <p:cNvSpPr>
+            <a:spLocks noGrp="1"/>
+          </p:cNvSpPr>
+          <p:nvPr>
+            <p:ph type="title"/>
+          </p:nvPr>
+        </p:nvSpPr>
+        <p:spPr/>
+        <p:txBody>
+          <a:bodyPr/>
+          <a:lstStyle/>
+          <a:p>
+            <a:endParaRPr lang="en-GB"/>
+          </a:p>
+        </p:txBody>
+      </p:sp>
+      <p:sp>
+        <p:nvSpPr>
+          <p:cNvPr id="3" name="Content Placeholder 2">
+            <a:extLst>
+              <a:ext uri="{FF2B5EF4-FFF2-40B4-BE49-F238E27FC236}">
+                <a16:creationId xmlns:a16="http://schemas.microsoft.com/office/drawing/2014/main" id="{95DCC5E6-6059-744B-AED8-E1B432419312}"/>
+              </a:ext>
+            </a:extLst>
+          </p:cNvPr>
+          <p:cNvSpPr>
+            <a:spLocks noGrp="1"/>
+          </p:cNvSpPr>
+          <p:nvPr>
+            <p:ph idx="1"/>
+          </p:nvPr>
+        </p:nvSpPr>
+        <p:spPr/>
+        <p:txBody>
+          <a:bodyPr/>
+          <a:lstStyle/>
+          <a:p>
+            <a:endParaRPr lang="en-GB"/>
+          </a:p>
+        </p:txBody>
+      </p:sp>
+    </p:spTree>
+    <p:extLst>
+      <p:ext uri="{BB962C8B-B14F-4D97-AF65-F5344CB8AC3E}">
+        <p14:creationId xmlns:p14="http://schemas.microsoft.com/office/powerpoint/2010/main" val="1021686990"/>
+      </p:ext>
+    </p:extLst>
+  </p:cSld>
+  <p:clrMapOvr>
+    <a:masterClrMapping/>
+  </p:clrMapOvr>
+</p:sld>
+</file>
+
+<file path=ppt/slides/slide53.xml><?xml version="1.0" encoding="utf-8"?>
+<p:sld xmlns:a="http://schemas.openxmlformats.org/drawingml/2006/main" xmlns:r="http://schemas.openxmlformats.org/officeDocument/2006/relationships" xmlns:p="http://schemas.openxmlformats.org/presentationml/2006/main">
+  <p:cSld>
+    <p:spTree>
+      <p:nvGrpSpPr>
+        <p:cNvPr id="1" name=""/>
+        <p:cNvGrpSpPr/>
+        <p:nvPr/>
+      </p:nvGrpSpPr>
+      <p:grpSpPr>
+        <a:xfrm>
+          <a:off x="0" y="0"/>
+          <a:ext cx="0" cy="0"/>
+          <a:chOff x="0" y="0"/>
+          <a:chExt cx="0" cy="0"/>
+        </a:xfrm>
+      </p:grpSpPr>
+      <p:sp>
+        <p:nvSpPr>
           <p:cNvPr id="8" name="Cloud 7">
             <a:extLst>
               <a:ext uri="{FF2B5EF4-FFF2-40B4-BE49-F238E27FC236}">

--- a/assets/images/Images.pptx
+++ b/assets/images/Images.pptx
@@ -53000,56 +53000,214 @@
           <a:chExt cx="0" cy="0"/>
         </a:xfrm>
       </p:grpSpPr>
-      <p:sp>
-        <p:nvSpPr>
-          <p:cNvPr id="2" name="Title 1">
-            <a:extLst>
-              <a:ext uri="{FF2B5EF4-FFF2-40B4-BE49-F238E27FC236}">
-                <a16:creationId xmlns:a16="http://schemas.microsoft.com/office/drawing/2014/main" id="{7C9EA94C-7FE6-DF4C-B044-0472FBBB0E56}"/>
-              </a:ext>
-            </a:extLst>
-          </p:cNvPr>
-          <p:cNvSpPr>
-            <a:spLocks noGrp="1"/>
-          </p:cNvSpPr>
-          <p:nvPr>
-            <p:ph type="title"/>
-          </p:nvPr>
-        </p:nvSpPr>
-        <p:spPr/>
-        <p:txBody>
-          <a:bodyPr/>
-          <a:lstStyle/>
-          <a:p>
+      <p:pic>
+        <p:nvPicPr>
+          <p:cNvPr id="4" name="Picture 3">
+            <a:extLst>
+              <a:ext uri="{FF2B5EF4-FFF2-40B4-BE49-F238E27FC236}">
+                <a16:creationId xmlns:a16="http://schemas.microsoft.com/office/drawing/2014/main" id="{F24F9AAD-7476-DF44-945B-1C6E6E8930F7}"/>
+              </a:ext>
+            </a:extLst>
+          </p:cNvPr>
+          <p:cNvPicPr>
+            <a:picLocks noChangeAspect="1"/>
+          </p:cNvPicPr>
+          <p:nvPr/>
+        </p:nvPicPr>
+        <p:blipFill>
+          <a:blip r:embed="rId2"/>
+          <a:stretch>
+            <a:fillRect/>
+          </a:stretch>
+        </p:blipFill>
+        <p:spPr>
+          <a:xfrm>
+            <a:off x="511627" y="4011363"/>
+            <a:ext cx="8277285" cy="1990432"/>
+          </a:xfrm>
+          <a:prstGeom prst="rect">
+            <a:avLst/>
+          </a:prstGeom>
+        </p:spPr>
+      </p:pic>
+      <p:pic>
+        <p:nvPicPr>
+          <p:cNvPr id="5" name="Picture 4">
+            <a:extLst>
+              <a:ext uri="{FF2B5EF4-FFF2-40B4-BE49-F238E27FC236}">
+                <a16:creationId xmlns:a16="http://schemas.microsoft.com/office/drawing/2014/main" id="{E16EA871-E770-9340-B3DE-01136B54C2AB}"/>
+              </a:ext>
+            </a:extLst>
+          </p:cNvPr>
+          <p:cNvPicPr>
+            <a:picLocks noChangeAspect="1"/>
+          </p:cNvPicPr>
+          <p:nvPr/>
+        </p:nvPicPr>
+        <p:blipFill>
+          <a:blip r:embed="rId3"/>
+          <a:stretch>
+            <a:fillRect/>
+          </a:stretch>
+        </p:blipFill>
+        <p:spPr>
+          <a:xfrm>
+            <a:off x="2253344" y="425967"/>
+            <a:ext cx="9406164" cy="3151804"/>
+          </a:xfrm>
+          <a:prstGeom prst="rect">
+            <a:avLst/>
+          </a:prstGeom>
+        </p:spPr>
+      </p:pic>
+      <p:sp>
+        <p:nvSpPr>
+          <p:cNvPr id="6" name="Rounded Rectangle 5">
+            <a:extLst>
+              <a:ext uri="{FF2B5EF4-FFF2-40B4-BE49-F238E27FC236}">
+                <a16:creationId xmlns:a16="http://schemas.microsoft.com/office/drawing/2014/main" id="{81514B19-4FCD-BC46-B523-B746DBD73E9A}"/>
+              </a:ext>
+            </a:extLst>
+          </p:cNvPr>
+          <p:cNvSpPr/>
+          <p:nvPr/>
+        </p:nvSpPr>
+        <p:spPr>
+          <a:xfrm>
+            <a:off x="2924355" y="690113"/>
+            <a:ext cx="3735237" cy="327804"/>
+          </a:xfrm>
+          <a:prstGeom prst="roundRect">
+            <a:avLst/>
+          </a:prstGeom>
+          <a:noFill/>
+          <a:ln>
+            <a:solidFill>
+              <a:srgbClr val="FF0000"/>
+            </a:solidFill>
+          </a:ln>
+        </p:spPr>
+        <p:style>
+          <a:lnRef idx="2">
+            <a:schemeClr val="accent1">
+              <a:shade val="50000"/>
+            </a:schemeClr>
+          </a:lnRef>
+          <a:fillRef idx="1">
+            <a:schemeClr val="accent1"/>
+          </a:fillRef>
+          <a:effectRef idx="0">
+            <a:schemeClr val="accent1"/>
+          </a:effectRef>
+          <a:fontRef idx="minor">
+            <a:schemeClr val="lt1"/>
+          </a:fontRef>
+        </p:style>
+        <p:txBody>
+          <a:bodyPr rtlCol="0" anchor="ctr"/>
+          <a:lstStyle/>
+          <a:p>
+            <a:pPr algn="ctr"/>
             <a:endParaRPr lang="en-GB"/>
           </a:p>
         </p:txBody>
       </p:sp>
       <p:sp>
         <p:nvSpPr>
-          <p:cNvPr id="3" name="Content Placeholder 2">
-            <a:extLst>
-              <a:ext uri="{FF2B5EF4-FFF2-40B4-BE49-F238E27FC236}">
-                <a16:creationId xmlns:a16="http://schemas.microsoft.com/office/drawing/2014/main" id="{95DCC5E6-6059-744B-AED8-E1B432419312}"/>
-              </a:ext>
-            </a:extLst>
-          </p:cNvPr>
-          <p:cNvSpPr>
-            <a:spLocks noGrp="1"/>
-          </p:cNvSpPr>
-          <p:nvPr>
-            <p:ph idx="1"/>
-          </p:nvPr>
-        </p:nvSpPr>
-        <p:spPr/>
-        <p:txBody>
-          <a:bodyPr/>
-          <a:lstStyle/>
-          <a:p>
+          <p:cNvPr id="7" name="Rounded Rectangle 6">
+            <a:extLst>
+              <a:ext uri="{FF2B5EF4-FFF2-40B4-BE49-F238E27FC236}">
+                <a16:creationId xmlns:a16="http://schemas.microsoft.com/office/drawing/2014/main" id="{342B4950-C330-2547-B23B-46FF9867087C}"/>
+              </a:ext>
+            </a:extLst>
+          </p:cNvPr>
+          <p:cNvSpPr/>
+          <p:nvPr/>
+        </p:nvSpPr>
+        <p:spPr>
+          <a:xfrm>
+            <a:off x="3145766" y="1806138"/>
+            <a:ext cx="8513742" cy="327804"/>
+          </a:xfrm>
+          <a:prstGeom prst="roundRect">
+            <a:avLst/>
+          </a:prstGeom>
+          <a:noFill/>
+          <a:ln>
+            <a:solidFill>
+              <a:srgbClr val="FF0000"/>
+            </a:solidFill>
+          </a:ln>
+        </p:spPr>
+        <p:style>
+          <a:lnRef idx="2">
+            <a:schemeClr val="accent1">
+              <a:shade val="50000"/>
+            </a:schemeClr>
+          </a:lnRef>
+          <a:fillRef idx="1">
+            <a:schemeClr val="accent1"/>
+          </a:fillRef>
+          <a:effectRef idx="0">
+            <a:schemeClr val="accent1"/>
+          </a:effectRef>
+          <a:fontRef idx="minor">
+            <a:schemeClr val="lt1"/>
+          </a:fontRef>
+        </p:style>
+        <p:txBody>
+          <a:bodyPr rtlCol="0" anchor="ctr"/>
+          <a:lstStyle/>
+          <a:p>
+            <a:pPr algn="ctr"/>
             <a:endParaRPr lang="en-GB"/>
           </a:p>
         </p:txBody>
       </p:sp>
+      <p:cxnSp>
+        <p:nvCxnSpPr>
+          <p:cNvPr id="9" name="Curved Connector 8">
+            <a:extLst>
+              <a:ext uri="{FF2B5EF4-FFF2-40B4-BE49-F238E27FC236}">
+                <a16:creationId xmlns:a16="http://schemas.microsoft.com/office/drawing/2014/main" id="{924CBF22-3AAA-6043-A4A7-7A06A0EA0CC7}"/>
+              </a:ext>
+            </a:extLst>
+          </p:cNvPr>
+          <p:cNvCxnSpPr>
+            <a:stCxn id="6" idx="1"/>
+          </p:cNvCxnSpPr>
+          <p:nvPr/>
+        </p:nvCxnSpPr>
+        <p:spPr>
+          <a:xfrm rot="10800000" flipV="1">
+            <a:off x="1751163" y="854014"/>
+            <a:ext cx="1173193" cy="4097547"/>
+          </a:xfrm>
+          <a:prstGeom prst="curvedConnector2">
+            <a:avLst/>
+          </a:prstGeom>
+          <a:ln w="12700">
+            <a:solidFill>
+              <a:srgbClr val="FF0000"/>
+            </a:solidFill>
+            <a:tailEnd type="triangle"/>
+          </a:ln>
+        </p:spPr>
+        <p:style>
+          <a:lnRef idx="1">
+            <a:schemeClr val="accent1"/>
+          </a:lnRef>
+          <a:fillRef idx="0">
+            <a:schemeClr val="accent1"/>
+          </a:fillRef>
+          <a:effectRef idx="0">
+            <a:schemeClr val="accent1"/>
+          </a:effectRef>
+          <a:fontRef idx="minor">
+            <a:schemeClr val="tx1"/>
+          </a:fontRef>
+        </p:style>
+      </p:cxnSp>
     </p:spTree>
     <p:extLst>
       <p:ext uri="{BB962C8B-B14F-4D97-AF65-F5344CB8AC3E}">
